--- a/TransactionLog.pptx
+++ b/TransactionLog.pptx
@@ -5,11 +5,13 @@
     <p:sldMasterId id="2147483648" r:id="rId1"/>
   </p:sldMasterIdLst>
   <p:notesMasterIdLst>
-    <p:notesMasterId r:id="rId4"/>
+    <p:notesMasterId r:id="rId6"/>
   </p:notesMasterIdLst>
   <p:sldIdLst>
     <p:sldId id="328" r:id="rId2"/>
     <p:sldId id="259" r:id="rId3"/>
+    <p:sldId id="329" r:id="rId4"/>
+    <p:sldId id="330" r:id="rId5"/>
   </p:sldIdLst>
   <p:sldSz cx="9144000" cy="6858000" type="screen4x3"/>
   <p:notesSz cx="6858000" cy="9144000"/>
@@ -520,14 +522,6 @@
           <a:bodyPr/>
           <a:lstStyle/>
           <a:p>
-            <a:r>
-              <a:rPr lang="en-US" dirty="0"/>
-              <a:t>This is a session about optimizer internals.  The optimizer is already</a:t>
-            </a:r>
-            <a:r>
-              <a:rPr lang="en-US" baseline="0" dirty="0"/>
-              <a:t> pretty much a black box, but there is a lot of unofficial information about how it works.  I intend to dig in even deeper and examine some mostly undocumented commands, DMVs and structures.  If this isn’t your cup of tea, I won’t be offended if you decide to find a different session.  This is also mostly a theoretical session.  It is intended to help you write better queries, but we aren’t going actually discuss how to do that.</a:t>
-            </a:r>
             <a:endParaRPr lang="en-US" dirty="0"/>
           </a:p>
         </p:txBody>
@@ -4830,11 +4824,11 @@
   <p:clrMapOvr>
     <a:masterClrMapping/>
   </p:clrMapOvr>
-  <mc:AlternateContent xmlns:mc="http://schemas.openxmlformats.org/markup-compatibility/2006">
-    <mc:Choice xmlns:p14="http://schemas.microsoft.com/office/powerpoint/2010/main" Requires="p14">
+  <mc:AlternateContent xmlns:mc="http://schemas.openxmlformats.org/markup-compatibility/2006" xmlns:p14="http://schemas.microsoft.com/office/powerpoint/2010/main">
+    <mc:Choice Requires="p14">
       <p:transition spd="slow" p14:dur="2000"/>
     </mc:Choice>
-    <mc:Fallback>
+    <mc:Fallback xmlns="">
       <p:transition spd="slow"/>
     </mc:Fallback>
   </mc:AlternateContent>
@@ -5843,6 +5837,268 @@
     <p:extLst>
       <p:ext uri="{BB962C8B-B14F-4D97-AF65-F5344CB8AC3E}">
         <p14:creationId xmlns:p14="http://schemas.microsoft.com/office/powerpoint/2010/main" val="1021995815"/>
+      </p:ext>
+    </p:extLst>
+  </p:cSld>
+  <p:clrMapOvr>
+    <a:masterClrMapping/>
+  </p:clrMapOvr>
+</p:sld>
+</file>
+
+<file path=ppt/slides/slide3.xml><?xml version="1.0" encoding="utf-8"?>
+<p:sld xmlns:a="http://schemas.openxmlformats.org/drawingml/2006/main" xmlns:r="http://schemas.openxmlformats.org/officeDocument/2006/relationships" xmlns:p="http://schemas.openxmlformats.org/presentationml/2006/main">
+  <p:cSld>
+    <p:spTree>
+      <p:nvGrpSpPr>
+        <p:cNvPr id="1" name=""/>
+        <p:cNvGrpSpPr/>
+        <p:nvPr/>
+      </p:nvGrpSpPr>
+      <p:grpSpPr>
+        <a:xfrm>
+          <a:off x="0" y="0"/>
+          <a:ext cx="0" cy="0"/>
+          <a:chOff x="0" y="0"/>
+          <a:chExt cx="0" cy="0"/>
+        </a:xfrm>
+      </p:grpSpPr>
+      <p:sp>
+        <p:nvSpPr>
+          <p:cNvPr id="2" name="Title 1"/>
+          <p:cNvSpPr>
+            <a:spLocks noGrp="1"/>
+          </p:cNvSpPr>
+          <p:nvPr>
+            <p:ph type="title"/>
+          </p:nvPr>
+        </p:nvSpPr>
+        <p:spPr/>
+        <p:txBody>
+          <a:bodyPr/>
+          <a:lstStyle/>
+          <a:p>
+            <a:r>
+              <a:rPr lang="en-US" dirty="0" smtClean="0"/>
+              <a:t>Agenda</a:t>
+            </a:r>
+            <a:endParaRPr lang="en-US" dirty="0"/>
+          </a:p>
+        </p:txBody>
+      </p:sp>
+      <p:sp>
+        <p:nvSpPr>
+          <p:cNvPr id="3" name="Content Placeholder 2"/>
+          <p:cNvSpPr>
+            <a:spLocks noGrp="1"/>
+          </p:cNvSpPr>
+          <p:nvPr>
+            <p:ph idx="1"/>
+          </p:nvPr>
+        </p:nvSpPr>
+        <p:spPr/>
+        <p:txBody>
+          <a:bodyPr/>
+          <a:lstStyle/>
+          <a:p>
+            <a:r>
+              <a:rPr lang="en-US" dirty="0" smtClean="0"/>
+              <a:t>Purpose of the transaction log</a:t>
+            </a:r>
+          </a:p>
+          <a:p>
+            <a:r>
+              <a:rPr lang="en-US" dirty="0" smtClean="0"/>
+              <a:t>Organization of the transaction log</a:t>
+            </a:r>
+          </a:p>
+          <a:p>
+            <a:r>
+              <a:rPr lang="en-US" dirty="0" smtClean="0"/>
+              <a:t>Flushing the log</a:t>
+            </a:r>
+          </a:p>
+          <a:p>
+            <a:r>
+              <a:rPr lang="en-US" dirty="0" smtClean="0"/>
+              <a:t>Clearing the log</a:t>
+            </a:r>
+          </a:p>
+          <a:p>
+            <a:r>
+              <a:rPr lang="en-US" dirty="0" smtClean="0"/>
+              <a:t>Checkpoints</a:t>
+            </a:r>
+          </a:p>
+          <a:p>
+            <a:r>
+              <a:rPr lang="en-US" dirty="0" smtClean="0"/>
+              <a:t>Rollback operations</a:t>
+            </a:r>
+          </a:p>
+          <a:p>
+            <a:r>
+              <a:rPr lang="en-US" dirty="0" smtClean="0"/>
+              <a:t>VLF fragmentation</a:t>
+            </a:r>
+          </a:p>
+          <a:p>
+            <a:r>
+              <a:rPr lang="en-US" dirty="0" smtClean="0"/>
+              <a:t>Log monitoring</a:t>
+            </a:r>
+          </a:p>
+        </p:txBody>
+      </p:sp>
+    </p:spTree>
+    <p:extLst>
+      <p:ext uri="{BB962C8B-B14F-4D97-AF65-F5344CB8AC3E}">
+        <p14:creationId xmlns:p14="http://schemas.microsoft.com/office/powerpoint/2010/main" val="1097259878"/>
+      </p:ext>
+    </p:extLst>
+  </p:cSld>
+  <p:clrMapOvr>
+    <a:masterClrMapping/>
+  </p:clrMapOvr>
+</p:sld>
+</file>
+
+<file path=ppt/slides/slide4.xml><?xml version="1.0" encoding="utf-8"?>
+<p:sld xmlns:a="http://schemas.openxmlformats.org/drawingml/2006/main" xmlns:r="http://schemas.openxmlformats.org/officeDocument/2006/relationships" xmlns:p="http://schemas.openxmlformats.org/presentationml/2006/main">
+  <p:cSld>
+    <p:spTree>
+      <p:nvGrpSpPr>
+        <p:cNvPr id="1" name=""/>
+        <p:cNvGrpSpPr/>
+        <p:nvPr/>
+      </p:nvGrpSpPr>
+      <p:grpSpPr>
+        <a:xfrm>
+          <a:off x="0" y="0"/>
+          <a:ext cx="0" cy="0"/>
+          <a:chOff x="0" y="0"/>
+          <a:chExt cx="0" cy="0"/>
+        </a:xfrm>
+      </p:grpSpPr>
+      <p:sp>
+        <p:nvSpPr>
+          <p:cNvPr id="2" name="Title 1"/>
+          <p:cNvSpPr>
+            <a:spLocks noGrp="1"/>
+          </p:cNvSpPr>
+          <p:nvPr>
+            <p:ph type="title"/>
+          </p:nvPr>
+        </p:nvSpPr>
+        <p:spPr/>
+        <p:txBody>
+          <a:bodyPr/>
+          <a:lstStyle/>
+          <a:p>
+            <a:r>
+              <a:rPr lang="en-US" dirty="0" smtClean="0"/>
+              <a:t>Purpose of the Transaction Log</a:t>
+            </a:r>
+            <a:endParaRPr lang="en-US" dirty="0"/>
+          </a:p>
+        </p:txBody>
+      </p:sp>
+      <p:sp>
+        <p:nvSpPr>
+          <p:cNvPr id="3" name="Content Placeholder 2"/>
+          <p:cNvSpPr>
+            <a:spLocks noGrp="1"/>
+          </p:cNvSpPr>
+          <p:nvPr>
+            <p:ph idx="1"/>
+          </p:nvPr>
+        </p:nvSpPr>
+        <p:spPr/>
+        <p:txBody>
+          <a:bodyPr>
+            <a:normAutofit lnSpcReduction="10000"/>
+          </a:bodyPr>
+          <a:lstStyle/>
+          <a:p>
+            <a:r>
+              <a:rPr lang="en-US" dirty="0" smtClean="0"/>
+              <a:t>Primary purposes</a:t>
+            </a:r>
+          </a:p>
+          <a:p>
+            <a:pPr lvl="1"/>
+            <a:r>
+              <a:rPr lang="en-US" dirty="0" smtClean="0"/>
+              <a:t>Durability</a:t>
+            </a:r>
+          </a:p>
+          <a:p>
+            <a:pPr lvl="2"/>
+            <a:r>
+              <a:rPr lang="en-US" dirty="0" smtClean="0"/>
+              <a:t>Crash recovery / restore operations</a:t>
+            </a:r>
+          </a:p>
+          <a:p>
+            <a:pPr lvl="1"/>
+            <a:r>
+              <a:rPr lang="en-US" dirty="0" smtClean="0"/>
+              <a:t>Atomicity</a:t>
+            </a:r>
+          </a:p>
+          <a:p>
+            <a:pPr lvl="1"/>
+            <a:r>
+              <a:rPr lang="en-US" dirty="0" smtClean="0"/>
+              <a:t>Thought experiment</a:t>
+            </a:r>
+          </a:p>
+          <a:p>
+            <a:pPr lvl="2"/>
+            <a:r>
+              <a:rPr lang="en-US" dirty="0" smtClean="0"/>
+              <a:t>What would SQL be like without </a:t>
+            </a:r>
+            <a:r>
+              <a:rPr lang="en-US" smtClean="0"/>
+              <a:t>a transaction log?</a:t>
+            </a:r>
+            <a:endParaRPr lang="en-US" dirty="0" smtClean="0"/>
+          </a:p>
+          <a:p>
+            <a:r>
+              <a:rPr lang="en-US" dirty="0" smtClean="0"/>
+              <a:t>Secondary purposes</a:t>
+            </a:r>
+          </a:p>
+          <a:p>
+            <a:pPr lvl="1"/>
+            <a:r>
+              <a:rPr lang="en-US" dirty="0" smtClean="0"/>
+              <a:t>Log reader (replication, CDC)</a:t>
+            </a:r>
+          </a:p>
+          <a:p>
+            <a:pPr lvl="1"/>
+            <a:r>
+              <a:rPr lang="en-US" dirty="0" smtClean="0"/>
+              <a:t>Mirroring / Availability Groups / log shipping</a:t>
+            </a:r>
+          </a:p>
+          <a:p>
+            <a:pPr lvl="1"/>
+            <a:r>
+              <a:rPr lang="en-US" dirty="0" smtClean="0"/>
+              <a:t>Snapshots</a:t>
+            </a:r>
+            <a:endParaRPr lang="en-US" dirty="0"/>
+          </a:p>
+        </p:txBody>
+      </p:sp>
+    </p:spTree>
+    <p:extLst>
+      <p:ext uri="{BB962C8B-B14F-4D97-AF65-F5344CB8AC3E}">
+        <p14:creationId xmlns:p14="http://schemas.microsoft.com/office/powerpoint/2010/main" val="1146920383"/>
       </p:ext>
     </p:extLst>
   </p:cSld>

--- a/TransactionLog.pptx
+++ b/TransactionLog.pptx
@@ -5,13 +5,17 @@
     <p:sldMasterId id="2147483648" r:id="rId1"/>
   </p:sldMasterIdLst>
   <p:notesMasterIdLst>
-    <p:notesMasterId r:id="rId6"/>
+    <p:notesMasterId r:id="rId10"/>
   </p:notesMasterIdLst>
   <p:sldIdLst>
     <p:sldId id="328" r:id="rId2"/>
     <p:sldId id="259" r:id="rId3"/>
     <p:sldId id="329" r:id="rId4"/>
     <p:sldId id="330" r:id="rId5"/>
+    <p:sldId id="331" r:id="rId6"/>
+    <p:sldId id="332" r:id="rId7"/>
+    <p:sldId id="333" r:id="rId8"/>
+    <p:sldId id="334" r:id="rId9"/>
   </p:sldIdLst>
   <p:sldSz cx="9144000" cy="6858000" type="screen4x3"/>
   <p:notesSz cx="6858000" cy="9144000"/>
@@ -6057,13 +6061,8 @@
             <a:pPr lvl="2"/>
             <a:r>
               <a:rPr lang="en-US" dirty="0" smtClean="0"/>
-              <a:t>What would SQL be like without </a:t>
-            </a:r>
-            <a:r>
-              <a:rPr lang="en-US" smtClean="0"/>
-              <a:t>a transaction log?</a:t>
-            </a:r>
-            <a:endParaRPr lang="en-US" dirty="0" smtClean="0"/>
+              <a:t>What would SQL be like without a transaction log?</a:t>
+            </a:r>
           </a:p>
           <a:p>
             <a:r>
@@ -6099,6 +6098,441 @@
     <p:extLst>
       <p:ext uri="{BB962C8B-B14F-4D97-AF65-F5344CB8AC3E}">
         <p14:creationId xmlns:p14="http://schemas.microsoft.com/office/powerpoint/2010/main" val="1146920383"/>
+      </p:ext>
+    </p:extLst>
+  </p:cSld>
+  <p:clrMapOvr>
+    <a:masterClrMapping/>
+  </p:clrMapOvr>
+</p:sld>
+</file>
+
+<file path=ppt/slides/slide5.xml><?xml version="1.0" encoding="utf-8"?>
+<p:sld xmlns:a="http://schemas.openxmlformats.org/drawingml/2006/main" xmlns:r="http://schemas.openxmlformats.org/officeDocument/2006/relationships" xmlns:p="http://schemas.openxmlformats.org/presentationml/2006/main">
+  <p:cSld>
+    <p:spTree>
+      <p:nvGrpSpPr>
+        <p:cNvPr id="1" name=""/>
+        <p:cNvGrpSpPr/>
+        <p:nvPr/>
+      </p:nvGrpSpPr>
+      <p:grpSpPr>
+        <a:xfrm>
+          <a:off x="0" y="0"/>
+          <a:ext cx="0" cy="0"/>
+          <a:chOff x="0" y="0"/>
+          <a:chExt cx="0" cy="0"/>
+        </a:xfrm>
+      </p:grpSpPr>
+      <p:sp>
+        <p:nvSpPr>
+          <p:cNvPr id="2" name="Title 1"/>
+          <p:cNvSpPr>
+            <a:spLocks noGrp="1"/>
+          </p:cNvSpPr>
+          <p:nvPr>
+            <p:ph type="title"/>
+          </p:nvPr>
+        </p:nvSpPr>
+        <p:spPr/>
+        <p:txBody>
+          <a:bodyPr/>
+          <a:lstStyle/>
+          <a:p>
+            <a:r>
+              <a:rPr lang="en-US" dirty="0" smtClean="0"/>
+              <a:t>What Goes in the Transaction Log?</a:t>
+            </a:r>
+            <a:endParaRPr lang="en-US" dirty="0"/>
+          </a:p>
+        </p:txBody>
+      </p:sp>
+      <p:sp>
+        <p:nvSpPr>
+          <p:cNvPr id="3" name="Content Placeholder 2"/>
+          <p:cNvSpPr>
+            <a:spLocks noGrp="1"/>
+          </p:cNvSpPr>
+          <p:nvPr>
+            <p:ph idx="1"/>
+          </p:nvPr>
+        </p:nvSpPr>
+        <p:spPr/>
+        <p:txBody>
+          <a:bodyPr/>
+          <a:lstStyle/>
+          <a:p>
+            <a:r>
+              <a:rPr lang="en-US" u="sng" dirty="0" smtClean="0"/>
+              <a:t>Everything</a:t>
+            </a:r>
+            <a:r>
+              <a:rPr lang="en-US" dirty="0" smtClean="0"/>
+              <a:t> that modifies the state </a:t>
+            </a:r>
+            <a:r>
+              <a:rPr lang="en-US" u="sng" dirty="0" smtClean="0"/>
+              <a:t>any</a:t>
+            </a:r>
+            <a:r>
+              <a:rPr lang="en-US" dirty="0" smtClean="0"/>
+              <a:t> database in SQL</a:t>
+            </a:r>
+          </a:p>
+          <a:p>
+            <a:r>
+              <a:rPr lang="en-US" dirty="0" smtClean="0"/>
+              <a:t>Very limited exceptions for some </a:t>
+            </a:r>
+            <a:r>
+              <a:rPr lang="en-US" dirty="0" err="1" smtClean="0"/>
+              <a:t>tempdb</a:t>
+            </a:r>
+            <a:r>
+              <a:rPr lang="en-US" dirty="0" smtClean="0"/>
+              <a:t> objects</a:t>
+            </a:r>
+            <a:endParaRPr lang="en-US" dirty="0"/>
+          </a:p>
+        </p:txBody>
+      </p:sp>
+    </p:spTree>
+    <p:extLst>
+      <p:ext uri="{BB962C8B-B14F-4D97-AF65-F5344CB8AC3E}">
+        <p14:creationId xmlns:p14="http://schemas.microsoft.com/office/powerpoint/2010/main" val="1907664427"/>
+      </p:ext>
+    </p:extLst>
+  </p:cSld>
+  <p:clrMapOvr>
+    <a:masterClrMapping/>
+  </p:clrMapOvr>
+</p:sld>
+</file>
+
+<file path=ppt/slides/slide6.xml><?xml version="1.0" encoding="utf-8"?>
+<p:sld xmlns:a="http://schemas.openxmlformats.org/drawingml/2006/main" xmlns:r="http://schemas.openxmlformats.org/officeDocument/2006/relationships" xmlns:p="http://schemas.openxmlformats.org/presentationml/2006/main">
+  <p:cSld>
+    <p:spTree>
+      <p:nvGrpSpPr>
+        <p:cNvPr id="1" name=""/>
+        <p:cNvGrpSpPr/>
+        <p:nvPr/>
+      </p:nvGrpSpPr>
+      <p:grpSpPr>
+        <a:xfrm>
+          <a:off x="0" y="0"/>
+          <a:ext cx="0" cy="0"/>
+          <a:chOff x="0" y="0"/>
+          <a:chExt cx="0" cy="0"/>
+        </a:xfrm>
+      </p:grpSpPr>
+      <p:sp>
+        <p:nvSpPr>
+          <p:cNvPr id="2" name="Title 1"/>
+          <p:cNvSpPr>
+            <a:spLocks noGrp="1"/>
+          </p:cNvSpPr>
+          <p:nvPr>
+            <p:ph type="title"/>
+          </p:nvPr>
+        </p:nvSpPr>
+        <p:spPr/>
+        <p:txBody>
+          <a:bodyPr/>
+          <a:lstStyle/>
+          <a:p>
+            <a:r>
+              <a:rPr lang="en-US" dirty="0" smtClean="0"/>
+              <a:t>Organization of the Transaction Log</a:t>
+            </a:r>
+            <a:endParaRPr lang="en-US" dirty="0"/>
+          </a:p>
+        </p:txBody>
+      </p:sp>
+      <p:sp>
+        <p:nvSpPr>
+          <p:cNvPr id="3" name="Content Placeholder 2"/>
+          <p:cNvSpPr>
+            <a:spLocks noGrp="1"/>
+          </p:cNvSpPr>
+          <p:nvPr>
+            <p:ph idx="1"/>
+          </p:nvPr>
+        </p:nvSpPr>
+        <p:spPr>
+          <a:xfrm>
+            <a:off x="4352925" y="1600200"/>
+            <a:ext cx="4333875" cy="4525963"/>
+          </a:xfrm>
+        </p:spPr>
+        <p:txBody>
+          <a:bodyPr/>
+          <a:lstStyle/>
+          <a:p>
+            <a:r>
+              <a:rPr lang="en-US" dirty="0" smtClean="0"/>
+              <a:t>The Transaction Log is just a file …</a:t>
+            </a:r>
+            <a:endParaRPr lang="en-US" dirty="0"/>
+          </a:p>
+        </p:txBody>
+      </p:sp>
+      <p:pic>
+        <p:nvPicPr>
+          <p:cNvPr id="4" name="Picture 3"/>
+          <p:cNvPicPr>
+            <a:picLocks noChangeAspect="1"/>
+          </p:cNvPicPr>
+          <p:nvPr/>
+        </p:nvPicPr>
+        <p:blipFill>
+          <a:blip r:embed="rId2"/>
+          <a:stretch>
+            <a:fillRect/>
+          </a:stretch>
+        </p:blipFill>
+        <p:spPr>
+          <a:xfrm>
+            <a:off x="457200" y="1417638"/>
+            <a:ext cx="3810789" cy="4678078"/>
+          </a:xfrm>
+          <a:prstGeom prst="rect">
+            <a:avLst/>
+          </a:prstGeom>
+        </p:spPr>
+      </p:pic>
+    </p:spTree>
+    <p:extLst>
+      <p:ext uri="{BB962C8B-B14F-4D97-AF65-F5344CB8AC3E}">
+        <p14:creationId xmlns:p14="http://schemas.microsoft.com/office/powerpoint/2010/main" val="3982838056"/>
+      </p:ext>
+    </p:extLst>
+  </p:cSld>
+  <p:clrMapOvr>
+    <a:masterClrMapping/>
+  </p:clrMapOvr>
+</p:sld>
+</file>
+
+<file path=ppt/slides/slide7.xml><?xml version="1.0" encoding="utf-8"?>
+<p:sld xmlns:a="http://schemas.openxmlformats.org/drawingml/2006/main" xmlns:r="http://schemas.openxmlformats.org/officeDocument/2006/relationships" xmlns:p="http://schemas.openxmlformats.org/presentationml/2006/main">
+  <p:cSld>
+    <p:spTree>
+      <p:nvGrpSpPr>
+        <p:cNvPr id="1" name=""/>
+        <p:cNvGrpSpPr/>
+        <p:nvPr/>
+      </p:nvGrpSpPr>
+      <p:grpSpPr>
+        <a:xfrm>
+          <a:off x="0" y="0"/>
+          <a:ext cx="0" cy="0"/>
+          <a:chOff x="0" y="0"/>
+          <a:chExt cx="0" cy="0"/>
+        </a:xfrm>
+      </p:grpSpPr>
+      <p:sp>
+        <p:nvSpPr>
+          <p:cNvPr id="2" name="Title 1"/>
+          <p:cNvSpPr>
+            <a:spLocks noGrp="1"/>
+          </p:cNvSpPr>
+          <p:nvPr>
+            <p:ph type="title"/>
+          </p:nvPr>
+        </p:nvSpPr>
+        <p:spPr/>
+        <p:txBody>
+          <a:bodyPr/>
+          <a:lstStyle/>
+          <a:p>
+            <a:r>
+              <a:rPr lang="en-US" dirty="0" smtClean="0"/>
+              <a:t>Organization of the Transaction Log</a:t>
+            </a:r>
+            <a:endParaRPr lang="en-US" dirty="0"/>
+          </a:p>
+        </p:txBody>
+      </p:sp>
+      <p:sp>
+        <p:nvSpPr>
+          <p:cNvPr id="3" name="Content Placeholder 2"/>
+          <p:cNvSpPr>
+            <a:spLocks noGrp="1"/>
+          </p:cNvSpPr>
+          <p:nvPr>
+            <p:ph idx="1"/>
+          </p:nvPr>
+        </p:nvSpPr>
+        <p:spPr>
+          <a:xfrm>
+            <a:off x="4352925" y="1600200"/>
+            <a:ext cx="4333875" cy="4525963"/>
+          </a:xfrm>
+        </p:spPr>
+        <p:txBody>
+          <a:bodyPr/>
+          <a:lstStyle/>
+          <a:p>
+            <a:r>
+              <a:rPr lang="en-US" dirty="0" smtClean="0"/>
+              <a:t>The Transaction Log is just a file …</a:t>
+            </a:r>
+          </a:p>
+          <a:p>
+            <a:r>
+              <a:rPr lang="en-US" dirty="0" smtClean="0"/>
+              <a:t>With a bit of header information …</a:t>
+            </a:r>
+            <a:endParaRPr lang="en-US" dirty="0"/>
+          </a:p>
+        </p:txBody>
+      </p:sp>
+      <p:pic>
+        <p:nvPicPr>
+          <p:cNvPr id="5" name="Picture 4"/>
+          <p:cNvPicPr>
+            <a:picLocks noChangeAspect="1"/>
+          </p:cNvPicPr>
+          <p:nvPr/>
+        </p:nvPicPr>
+        <p:blipFill>
+          <a:blip r:embed="rId2"/>
+          <a:stretch>
+            <a:fillRect/>
+          </a:stretch>
+        </p:blipFill>
+        <p:spPr>
+          <a:xfrm>
+            <a:off x="457200" y="1417320"/>
+            <a:ext cx="3813762" cy="4681728"/>
+          </a:xfrm>
+          <a:prstGeom prst="rect">
+            <a:avLst/>
+          </a:prstGeom>
+        </p:spPr>
+      </p:pic>
+    </p:spTree>
+    <p:extLst>
+      <p:ext uri="{BB962C8B-B14F-4D97-AF65-F5344CB8AC3E}">
+        <p14:creationId xmlns:p14="http://schemas.microsoft.com/office/powerpoint/2010/main" val="1865007227"/>
+      </p:ext>
+    </p:extLst>
+  </p:cSld>
+  <p:clrMapOvr>
+    <a:masterClrMapping/>
+  </p:clrMapOvr>
+</p:sld>
+</file>
+
+<file path=ppt/slides/slide8.xml><?xml version="1.0" encoding="utf-8"?>
+<p:sld xmlns:a="http://schemas.openxmlformats.org/drawingml/2006/main" xmlns:r="http://schemas.openxmlformats.org/officeDocument/2006/relationships" xmlns:p="http://schemas.openxmlformats.org/presentationml/2006/main">
+  <p:cSld>
+    <p:spTree>
+      <p:nvGrpSpPr>
+        <p:cNvPr id="1" name=""/>
+        <p:cNvGrpSpPr/>
+        <p:nvPr/>
+      </p:nvGrpSpPr>
+      <p:grpSpPr>
+        <a:xfrm>
+          <a:off x="0" y="0"/>
+          <a:ext cx="0" cy="0"/>
+          <a:chOff x="0" y="0"/>
+          <a:chExt cx="0" cy="0"/>
+        </a:xfrm>
+      </p:grpSpPr>
+      <p:sp>
+        <p:nvSpPr>
+          <p:cNvPr id="2" name="Title 1"/>
+          <p:cNvSpPr>
+            <a:spLocks noGrp="1"/>
+          </p:cNvSpPr>
+          <p:nvPr>
+            <p:ph type="title"/>
+          </p:nvPr>
+        </p:nvSpPr>
+        <p:spPr/>
+        <p:txBody>
+          <a:bodyPr/>
+          <a:lstStyle/>
+          <a:p>
+            <a:r>
+              <a:rPr lang="en-US" dirty="0" smtClean="0"/>
+              <a:t>Organization of the Transaction Log</a:t>
+            </a:r>
+            <a:endParaRPr lang="en-US" dirty="0"/>
+          </a:p>
+        </p:txBody>
+      </p:sp>
+      <p:sp>
+        <p:nvSpPr>
+          <p:cNvPr id="3" name="Content Placeholder 2"/>
+          <p:cNvSpPr>
+            <a:spLocks noGrp="1"/>
+          </p:cNvSpPr>
+          <p:nvPr>
+            <p:ph idx="1"/>
+          </p:nvPr>
+        </p:nvSpPr>
+        <p:spPr>
+          <a:xfrm>
+            <a:off x="4352925" y="1600200"/>
+            <a:ext cx="4333875" cy="4525963"/>
+          </a:xfrm>
+        </p:spPr>
+        <p:txBody>
+          <a:bodyPr/>
+          <a:lstStyle/>
+          <a:p>
+            <a:r>
+              <a:rPr lang="en-US" dirty="0" smtClean="0"/>
+              <a:t>The Transaction Log is just a file …</a:t>
+            </a:r>
+          </a:p>
+          <a:p>
+            <a:r>
+              <a:rPr lang="en-US" dirty="0" smtClean="0"/>
+              <a:t>With a bit of header information …</a:t>
+            </a:r>
+          </a:p>
+          <a:p>
+            <a:r>
+              <a:rPr lang="en-US" dirty="0" smtClean="0"/>
+              <a:t>Then divided into Virtual Log Files.</a:t>
+            </a:r>
+            <a:endParaRPr lang="en-US" dirty="0"/>
+          </a:p>
+        </p:txBody>
+      </p:sp>
+      <p:pic>
+        <p:nvPicPr>
+          <p:cNvPr id="4" name="Picture 3"/>
+          <p:cNvPicPr>
+            <a:picLocks noChangeAspect="1"/>
+          </p:cNvPicPr>
+          <p:nvPr/>
+        </p:nvPicPr>
+        <p:blipFill>
+          <a:blip r:embed="rId2"/>
+          <a:stretch>
+            <a:fillRect/>
+          </a:stretch>
+        </p:blipFill>
+        <p:spPr>
+          <a:xfrm>
+            <a:off x="457200" y="1417320"/>
+            <a:ext cx="3813762" cy="4681728"/>
+          </a:xfrm>
+          <a:prstGeom prst="rect">
+            <a:avLst/>
+          </a:prstGeom>
+        </p:spPr>
+      </p:pic>
+    </p:spTree>
+    <p:extLst>
+      <p:ext uri="{BB962C8B-B14F-4D97-AF65-F5344CB8AC3E}">
+        <p14:creationId xmlns:p14="http://schemas.microsoft.com/office/powerpoint/2010/main" val="3601134671"/>
       </p:ext>
     </p:extLst>
   </p:cSld>

--- a/TransactionLog.pptx
+++ b/TransactionLog.pptx
@@ -5,7 +5,7 @@
     <p:sldMasterId id="2147483648" r:id="rId1"/>
   </p:sldMasterIdLst>
   <p:notesMasterIdLst>
-    <p:notesMasterId r:id="rId10"/>
+    <p:notesMasterId r:id="rId17"/>
   </p:notesMasterIdLst>
   <p:sldIdLst>
     <p:sldId id="328" r:id="rId2"/>
@@ -16,6 +16,13 @@
     <p:sldId id="332" r:id="rId7"/>
     <p:sldId id="333" r:id="rId8"/>
     <p:sldId id="334" r:id="rId9"/>
+    <p:sldId id="335" r:id="rId10"/>
+    <p:sldId id="339" r:id="rId11"/>
+    <p:sldId id="336" r:id="rId12"/>
+    <p:sldId id="337" r:id="rId13"/>
+    <p:sldId id="338" r:id="rId14"/>
+    <p:sldId id="340" r:id="rId15"/>
+    <p:sldId id="341" r:id="rId16"/>
   </p:sldIdLst>
   <p:sldSz cx="9144000" cy="6858000" type="screen4x3"/>
   <p:notesSz cx="6858000" cy="9144000"/>
@@ -215,7 +222,7 @@
           <a:p>
             <a:fld id="{2EDCB34D-5EC2-4739-9693-E425457AC201}" type="datetimeFigureOut">
               <a:rPr lang="en-US" smtClean="0"/>
-              <a:t>08/02/2016</a:t>
+              <a:t>8/2/2016</a:t>
             </a:fld>
             <a:endParaRPr lang="en-US"/>
           </a:p>
@@ -801,7 +808,7 @@
             <a:fld id="{5942B21B-2ADA-A040-A652-A7305E1B99FE}" type="datetimeFigureOut">
               <a:rPr lang="en-US" smtClean="0"/>
               <a:pPr/>
-              <a:t>08/02/2016</a:t>
+              <a:t>8/2/2016</a:t>
             </a:fld>
             <a:endParaRPr lang="en-US" dirty="0"/>
           </a:p>
@@ -991,7 +998,7 @@
           <a:p>
             <a:fld id="{5942B21B-2ADA-A040-A652-A7305E1B99FE}" type="datetimeFigureOut">
               <a:rPr lang="en-US" smtClean="0"/>
-              <a:t>08/02/2016</a:t>
+              <a:t>8/2/2016</a:t>
             </a:fld>
             <a:endParaRPr lang="en-US"/>
           </a:p>
@@ -1115,7 +1122,7 @@
             <a:fld id="{5942B21B-2ADA-A040-A652-A7305E1B99FE}" type="datetimeFigureOut">
               <a:rPr lang="en-US" smtClean="0"/>
               <a:pPr/>
-              <a:t>08/02/2016</a:t>
+              <a:t>8/2/2016</a:t>
             </a:fld>
             <a:r>
               <a:rPr lang="en-US"/>
@@ -1386,7 +1393,7 @@
             <a:fld id="{5942B21B-2ADA-A040-A652-A7305E1B99FE}" type="datetimeFigureOut">
               <a:rPr lang="en-US" smtClean="0"/>
               <a:pPr/>
-              <a:t>08/02/2016</a:t>
+              <a:t>8/2/2016</a:t>
             </a:fld>
             <a:r>
               <a:rPr lang="en-US" dirty="0"/>
@@ -1656,7 +1663,7 @@
             <a:fld id="{5942B21B-2ADA-A040-A652-A7305E1B99FE}" type="datetimeFigureOut">
               <a:rPr lang="en-US" smtClean="0"/>
               <a:pPr/>
-              <a:t>08/02/2016</a:t>
+              <a:t>8/2/2016</a:t>
             </a:fld>
             <a:r>
               <a:rPr lang="en-US" dirty="0"/>
@@ -1996,7 +2003,7 @@
             <a:fld id="{5942B21B-2ADA-A040-A652-A7305E1B99FE}" type="datetimeFigureOut">
               <a:rPr lang="en-US" smtClean="0"/>
               <a:pPr/>
-              <a:t>08/02/2016</a:t>
+              <a:t>8/2/2016</a:t>
             </a:fld>
             <a:r>
               <a:rPr lang="en-US" dirty="0"/>
@@ -2337,7 +2344,7 @@
             <a:fld id="{5942B21B-2ADA-A040-A652-A7305E1B99FE}" type="datetimeFigureOut">
               <a:rPr lang="en-US" smtClean="0"/>
               <a:pPr/>
-              <a:t>08/02/2016</a:t>
+              <a:t>8/2/2016</a:t>
             </a:fld>
             <a:r>
               <a:rPr lang="en-US" dirty="0"/>
@@ -2852,7 +2859,7 @@
             <a:fld id="{5942B21B-2ADA-A040-A652-A7305E1B99FE}" type="datetimeFigureOut">
               <a:rPr lang="en-US" smtClean="0"/>
               <a:pPr/>
-              <a:t>08/02/2016</a:t>
+              <a:t>8/2/2016</a:t>
             </a:fld>
             <a:r>
               <a:rPr lang="en-US" dirty="0"/>
@@ -3061,7 +3068,7 @@
             <a:fld id="{5942B21B-2ADA-A040-A652-A7305E1B99FE}" type="datetimeFigureOut">
               <a:rPr lang="en-US" smtClean="0"/>
               <a:pPr/>
-              <a:t>08/02/2016</a:t>
+              <a:t>8/2/2016</a:t>
             </a:fld>
             <a:r>
               <a:rPr lang="en-US" dirty="0"/>
@@ -3248,7 +3255,7 @@
             <a:fld id="{5942B21B-2ADA-A040-A652-A7305E1B99FE}" type="datetimeFigureOut">
               <a:rPr lang="en-US" smtClean="0"/>
               <a:pPr/>
-              <a:t>08/02/2016</a:t>
+              <a:t>8/2/2016</a:t>
             </a:fld>
             <a:r>
               <a:rPr lang="en-US" dirty="0"/>
@@ -3579,7 +3586,7 @@
             <a:fld id="{5942B21B-2ADA-A040-A652-A7305E1B99FE}" type="datetimeFigureOut">
               <a:rPr lang="en-US" smtClean="0"/>
               <a:pPr/>
-              <a:t>08/02/2016</a:t>
+              <a:t>8/2/2016</a:t>
             </a:fld>
             <a:r>
               <a:rPr lang="en-US" dirty="0"/>
@@ -3887,7 +3894,7 @@
             <a:fld id="{5942B21B-2ADA-A040-A652-A7305E1B99FE}" type="datetimeFigureOut">
               <a:rPr lang="en-US" smtClean="0"/>
               <a:pPr/>
-              <a:t>08/02/2016</a:t>
+              <a:t>8/2/2016</a:t>
             </a:fld>
             <a:r>
               <a:rPr lang="en-US" dirty="0"/>
@@ -4166,7 +4173,7 @@
             <a:fld id="{5942B21B-2ADA-A040-A652-A7305E1B99FE}" type="datetimeFigureOut">
               <a:rPr lang="en-US" smtClean="0"/>
               <a:pPr/>
-              <a:t>08/02/2016</a:t>
+              <a:t>8/2/2016</a:t>
             </a:fld>
             <a:r>
               <a:rPr lang="en-US" dirty="0"/>
@@ -4621,10 +4628,9 @@
           <a:lstStyle/>
           <a:p>
             <a:r>
-              <a:rPr lang="en-US" dirty="0" smtClean="0"/>
+              <a:rPr lang="en-US" dirty="0"/>
               <a:t>Transaction Log Fundamentals for the DBA</a:t>
             </a:r>
-            <a:endParaRPr lang="en-US" dirty="0"/>
           </a:p>
         </p:txBody>
       </p:sp>
@@ -4800,20 +4806,8 @@
               <a:buNone/>
             </a:pPr>
             <a:r>
-              <a:rPr lang="en-US" dirty="0" smtClean="0"/>
-              <a:t>St. Louis, MO </a:t>
-            </a:r>
-            <a:r>
-              <a:rPr lang="en-US" dirty="0"/>
-              <a:t>– </a:t>
-            </a:r>
-            <a:r>
-              <a:rPr lang="en-US" dirty="0" smtClean="0"/>
-              <a:t>September 10, </a:t>
-            </a:r>
-            <a:r>
-              <a:rPr lang="en-US" dirty="0"/>
-              <a:t>2016</a:t>
+              <a:rPr lang="en-US" dirty="0"/>
+              <a:t>St. Louis, MO – September 10, 2016</a:t>
             </a:r>
           </a:p>
         </p:txBody>
@@ -4828,14 +4822,732 @@
   <p:clrMapOvr>
     <a:masterClrMapping/>
   </p:clrMapOvr>
-  <mc:AlternateContent xmlns:mc="http://schemas.openxmlformats.org/markup-compatibility/2006" xmlns:p14="http://schemas.microsoft.com/office/powerpoint/2010/main">
-    <mc:Choice Requires="p14">
-      <p:transition spd="slow" p14:dur="2000"/>
-    </mc:Choice>
-    <mc:Fallback xmlns="">
-      <p:transition spd="slow"/>
-    </mc:Fallback>
-  </mc:AlternateContent>
+</p:sld>
+</file>
+
+<file path=ppt/slides/slide10.xml><?xml version="1.0" encoding="utf-8"?>
+<p:sld xmlns:a="http://schemas.openxmlformats.org/drawingml/2006/main" xmlns:r="http://schemas.openxmlformats.org/officeDocument/2006/relationships" xmlns:p="http://schemas.openxmlformats.org/presentationml/2006/main">
+  <p:cSld>
+    <p:spTree>
+      <p:nvGrpSpPr>
+        <p:cNvPr id="1" name=""/>
+        <p:cNvGrpSpPr/>
+        <p:nvPr/>
+      </p:nvGrpSpPr>
+      <p:grpSpPr>
+        <a:xfrm>
+          <a:off x="0" y="0"/>
+          <a:ext cx="0" cy="0"/>
+          <a:chOff x="0" y="0"/>
+          <a:chExt cx="0" cy="0"/>
+        </a:xfrm>
+      </p:grpSpPr>
+      <p:sp>
+        <p:nvSpPr>
+          <p:cNvPr id="2" name="Title 1"/>
+          <p:cNvSpPr>
+            <a:spLocks noGrp="1"/>
+          </p:cNvSpPr>
+          <p:nvPr>
+            <p:ph type="title"/>
+          </p:nvPr>
+        </p:nvSpPr>
+        <p:spPr/>
+        <p:txBody>
+          <a:bodyPr/>
+          <a:lstStyle/>
+          <a:p>
+            <a:r>
+              <a:rPr lang="en-US" dirty="0"/>
+              <a:t>Virtual Log Files</a:t>
+            </a:r>
+          </a:p>
+        </p:txBody>
+      </p:sp>
+      <p:sp>
+        <p:nvSpPr>
+          <p:cNvPr id="3" name="Content Placeholder 2"/>
+          <p:cNvSpPr>
+            <a:spLocks noGrp="1"/>
+          </p:cNvSpPr>
+          <p:nvPr>
+            <p:ph idx="1"/>
+          </p:nvPr>
+        </p:nvSpPr>
+        <p:spPr>
+          <a:xfrm>
+            <a:off x="4352925" y="1600200"/>
+            <a:ext cx="4333875" cy="4525963"/>
+          </a:xfrm>
+          <a:noFill/>
+        </p:spPr>
+        <p:txBody>
+          <a:bodyPr/>
+          <a:lstStyle/>
+          <a:p>
+            <a:r>
+              <a:rPr lang="en-US" dirty="0"/>
+              <a:t>VLFs can be in one of three statuses:</a:t>
+            </a:r>
+          </a:p>
+          <a:p>
+            <a:pPr lvl="1"/>
+            <a:r>
+              <a:rPr lang="en-US" dirty="0">
+                <a:solidFill>
+                  <a:srgbClr val="92D050"/>
+                </a:solidFill>
+              </a:rPr>
+              <a:t>Inactive</a:t>
+            </a:r>
+          </a:p>
+          <a:p>
+            <a:pPr lvl="1"/>
+            <a:r>
+              <a:rPr lang="en-US" dirty="0">
+                <a:solidFill>
+                  <a:srgbClr val="FFFF00"/>
+                </a:solidFill>
+              </a:rPr>
+              <a:t>Active (current)</a:t>
+            </a:r>
+          </a:p>
+          <a:p>
+            <a:pPr lvl="1"/>
+            <a:r>
+              <a:rPr lang="en-US" dirty="0">
+                <a:solidFill>
+                  <a:srgbClr val="FF0000"/>
+                </a:solidFill>
+              </a:rPr>
+              <a:t>Active (not usable)</a:t>
+            </a:r>
+            <a:endParaRPr lang="en-US" dirty="0">
+              <a:solidFill>
+                <a:schemeClr val="tx1"/>
+              </a:solidFill>
+            </a:endParaRPr>
+          </a:p>
+          <a:p>
+            <a:r>
+              <a:rPr lang="en-US" dirty="0"/>
+              <a:t>Only one VLF is current at a time.</a:t>
+            </a:r>
+          </a:p>
+          <a:p>
+            <a:r>
+              <a:rPr lang="en-US" dirty="0"/>
+              <a:t>VLFs are numbered.</a:t>
+            </a:r>
+          </a:p>
+          <a:p>
+            <a:pPr marL="0" indent="0">
+              <a:buNone/>
+            </a:pPr>
+            <a:endParaRPr lang="en-US" dirty="0"/>
+          </a:p>
+        </p:txBody>
+      </p:sp>
+      <p:pic>
+        <p:nvPicPr>
+          <p:cNvPr id="5" name="Picture 4"/>
+          <p:cNvPicPr>
+            <a:picLocks noChangeAspect="1"/>
+          </p:cNvPicPr>
+          <p:nvPr/>
+        </p:nvPicPr>
+        <p:blipFill>
+          <a:blip r:embed="rId2"/>
+          <a:stretch>
+            <a:fillRect/>
+          </a:stretch>
+        </p:blipFill>
+        <p:spPr>
+          <a:xfrm>
+            <a:off x="457200" y="1417320"/>
+            <a:ext cx="3814109" cy="4681728"/>
+          </a:xfrm>
+          <a:prstGeom prst="rect">
+            <a:avLst/>
+          </a:prstGeom>
+        </p:spPr>
+      </p:pic>
+    </p:spTree>
+    <p:extLst>
+      <p:ext uri="{BB962C8B-B14F-4D97-AF65-F5344CB8AC3E}">
+        <p14:creationId xmlns:p14="http://schemas.microsoft.com/office/powerpoint/2010/main" val="1725116295"/>
+      </p:ext>
+    </p:extLst>
+  </p:cSld>
+  <p:clrMapOvr>
+    <a:masterClrMapping/>
+  </p:clrMapOvr>
+</p:sld>
+</file>
+
+<file path=ppt/slides/slide11.xml><?xml version="1.0" encoding="utf-8"?>
+<p:sld xmlns:a="http://schemas.openxmlformats.org/drawingml/2006/main" xmlns:r="http://schemas.openxmlformats.org/officeDocument/2006/relationships" xmlns:p="http://schemas.openxmlformats.org/presentationml/2006/main">
+  <p:cSld>
+    <p:spTree>
+      <p:nvGrpSpPr>
+        <p:cNvPr id="1" name=""/>
+        <p:cNvGrpSpPr/>
+        <p:nvPr/>
+      </p:nvGrpSpPr>
+      <p:grpSpPr>
+        <a:xfrm>
+          <a:off x="0" y="0"/>
+          <a:ext cx="0" cy="0"/>
+          <a:chOff x="0" y="0"/>
+          <a:chExt cx="0" cy="0"/>
+        </a:xfrm>
+      </p:grpSpPr>
+      <p:sp>
+        <p:nvSpPr>
+          <p:cNvPr id="2" name="Title 1"/>
+          <p:cNvSpPr>
+            <a:spLocks noGrp="1"/>
+          </p:cNvSpPr>
+          <p:nvPr>
+            <p:ph type="title"/>
+          </p:nvPr>
+        </p:nvSpPr>
+        <p:spPr/>
+        <p:txBody>
+          <a:bodyPr/>
+          <a:lstStyle/>
+          <a:p>
+            <a:r>
+              <a:rPr lang="en-US" dirty="0"/>
+              <a:t>Virtual Log Files</a:t>
+            </a:r>
+          </a:p>
+        </p:txBody>
+      </p:sp>
+      <p:sp>
+        <p:nvSpPr>
+          <p:cNvPr id="3" name="Content Placeholder 2"/>
+          <p:cNvSpPr>
+            <a:spLocks noGrp="1"/>
+          </p:cNvSpPr>
+          <p:nvPr>
+            <p:ph idx="1"/>
+          </p:nvPr>
+        </p:nvSpPr>
+        <p:spPr>
+          <a:xfrm>
+            <a:off x="4352925" y="1600200"/>
+            <a:ext cx="4333875" cy="4525963"/>
+          </a:xfrm>
+          <a:noFill/>
+        </p:spPr>
+        <p:txBody>
+          <a:bodyPr/>
+          <a:lstStyle/>
+          <a:p>
+            <a:r>
+              <a:rPr lang="en-US" dirty="0"/>
+              <a:t>As more records are added to the log, additional VLFs are allocated.</a:t>
+            </a:r>
+            <a:endParaRPr lang="en-US" dirty="0">
+              <a:solidFill>
+                <a:srgbClr val="FF0000"/>
+              </a:solidFill>
+            </a:endParaRPr>
+          </a:p>
+        </p:txBody>
+      </p:sp>
+      <p:pic>
+        <p:nvPicPr>
+          <p:cNvPr id="5" name="Picture 4"/>
+          <p:cNvPicPr>
+            <a:picLocks noChangeAspect="1"/>
+          </p:cNvPicPr>
+          <p:nvPr/>
+        </p:nvPicPr>
+        <p:blipFill>
+          <a:blip r:embed="rId2"/>
+          <a:stretch>
+            <a:fillRect/>
+          </a:stretch>
+        </p:blipFill>
+        <p:spPr>
+          <a:xfrm>
+            <a:off x="457200" y="1417320"/>
+            <a:ext cx="3813048" cy="4680426"/>
+          </a:xfrm>
+          <a:prstGeom prst="rect">
+            <a:avLst/>
+          </a:prstGeom>
+        </p:spPr>
+      </p:pic>
+    </p:spTree>
+    <p:extLst>
+      <p:ext uri="{BB962C8B-B14F-4D97-AF65-F5344CB8AC3E}">
+        <p14:creationId xmlns:p14="http://schemas.microsoft.com/office/powerpoint/2010/main" val="1339213773"/>
+      </p:ext>
+    </p:extLst>
+  </p:cSld>
+  <p:clrMapOvr>
+    <a:masterClrMapping/>
+  </p:clrMapOvr>
+</p:sld>
+</file>
+
+<file path=ppt/slides/slide12.xml><?xml version="1.0" encoding="utf-8"?>
+<p:sld xmlns:a="http://schemas.openxmlformats.org/drawingml/2006/main" xmlns:r="http://schemas.openxmlformats.org/officeDocument/2006/relationships" xmlns:p="http://schemas.openxmlformats.org/presentationml/2006/main">
+  <p:cSld>
+    <p:spTree>
+      <p:nvGrpSpPr>
+        <p:cNvPr id="1" name=""/>
+        <p:cNvGrpSpPr/>
+        <p:nvPr/>
+      </p:nvGrpSpPr>
+      <p:grpSpPr>
+        <a:xfrm>
+          <a:off x="0" y="0"/>
+          <a:ext cx="0" cy="0"/>
+          <a:chOff x="0" y="0"/>
+          <a:chExt cx="0" cy="0"/>
+        </a:xfrm>
+      </p:grpSpPr>
+      <p:sp>
+        <p:nvSpPr>
+          <p:cNvPr id="2" name="Title 1"/>
+          <p:cNvSpPr>
+            <a:spLocks noGrp="1"/>
+          </p:cNvSpPr>
+          <p:nvPr>
+            <p:ph type="title"/>
+          </p:nvPr>
+        </p:nvSpPr>
+        <p:spPr/>
+        <p:txBody>
+          <a:bodyPr/>
+          <a:lstStyle/>
+          <a:p>
+            <a:r>
+              <a:rPr lang="en-US" dirty="0"/>
+              <a:t>Virtual Log Files</a:t>
+            </a:r>
+          </a:p>
+        </p:txBody>
+      </p:sp>
+      <p:sp>
+        <p:nvSpPr>
+          <p:cNvPr id="3" name="Content Placeholder 2"/>
+          <p:cNvSpPr>
+            <a:spLocks noGrp="1"/>
+          </p:cNvSpPr>
+          <p:nvPr>
+            <p:ph idx="1"/>
+          </p:nvPr>
+        </p:nvSpPr>
+        <p:spPr>
+          <a:xfrm>
+            <a:off x="4352925" y="1600200"/>
+            <a:ext cx="4333875" cy="4525963"/>
+          </a:xfrm>
+          <a:noFill/>
+        </p:spPr>
+        <p:txBody>
+          <a:bodyPr/>
+          <a:lstStyle/>
+          <a:p>
+            <a:r>
+              <a:rPr lang="en-US" dirty="0"/>
+              <a:t>As more records are added to the log, additional VLFs are allocated.</a:t>
+            </a:r>
+            <a:endParaRPr lang="en-US" dirty="0">
+              <a:solidFill>
+                <a:srgbClr val="FF0000"/>
+              </a:solidFill>
+            </a:endParaRPr>
+          </a:p>
+        </p:txBody>
+      </p:sp>
+      <p:pic>
+        <p:nvPicPr>
+          <p:cNvPr id="4" name="Picture 3"/>
+          <p:cNvPicPr>
+            <a:picLocks noChangeAspect="1"/>
+          </p:cNvPicPr>
+          <p:nvPr/>
+        </p:nvPicPr>
+        <p:blipFill>
+          <a:blip r:embed="rId2"/>
+          <a:stretch>
+            <a:fillRect/>
+          </a:stretch>
+        </p:blipFill>
+        <p:spPr>
+          <a:xfrm>
+            <a:off x="457200" y="1417320"/>
+            <a:ext cx="3814109" cy="4681728"/>
+          </a:xfrm>
+          <a:prstGeom prst="rect">
+            <a:avLst/>
+          </a:prstGeom>
+        </p:spPr>
+      </p:pic>
+    </p:spTree>
+    <p:extLst>
+      <p:ext uri="{BB962C8B-B14F-4D97-AF65-F5344CB8AC3E}">
+        <p14:creationId xmlns:p14="http://schemas.microsoft.com/office/powerpoint/2010/main" val="3381668158"/>
+      </p:ext>
+    </p:extLst>
+  </p:cSld>
+  <p:clrMapOvr>
+    <a:masterClrMapping/>
+  </p:clrMapOvr>
+</p:sld>
+</file>
+
+<file path=ppt/slides/slide13.xml><?xml version="1.0" encoding="utf-8"?>
+<p:sld xmlns:a="http://schemas.openxmlformats.org/drawingml/2006/main" xmlns:r="http://schemas.openxmlformats.org/officeDocument/2006/relationships" xmlns:p="http://schemas.openxmlformats.org/presentationml/2006/main">
+  <p:cSld>
+    <p:spTree>
+      <p:nvGrpSpPr>
+        <p:cNvPr id="1" name=""/>
+        <p:cNvGrpSpPr/>
+        <p:nvPr/>
+      </p:nvGrpSpPr>
+      <p:grpSpPr>
+        <a:xfrm>
+          <a:off x="0" y="0"/>
+          <a:ext cx="0" cy="0"/>
+          <a:chOff x="0" y="0"/>
+          <a:chExt cx="0" cy="0"/>
+        </a:xfrm>
+      </p:grpSpPr>
+      <p:sp>
+        <p:nvSpPr>
+          <p:cNvPr id="2" name="Title 1"/>
+          <p:cNvSpPr>
+            <a:spLocks noGrp="1"/>
+          </p:cNvSpPr>
+          <p:nvPr>
+            <p:ph type="title"/>
+          </p:nvPr>
+        </p:nvSpPr>
+        <p:spPr/>
+        <p:txBody>
+          <a:bodyPr/>
+          <a:lstStyle/>
+          <a:p>
+            <a:r>
+              <a:rPr lang="en-US" dirty="0"/>
+              <a:t>Virtual Log Files</a:t>
+            </a:r>
+          </a:p>
+        </p:txBody>
+      </p:sp>
+      <p:sp>
+        <p:nvSpPr>
+          <p:cNvPr id="3" name="Content Placeholder 2"/>
+          <p:cNvSpPr>
+            <a:spLocks noGrp="1"/>
+          </p:cNvSpPr>
+          <p:nvPr>
+            <p:ph idx="1"/>
+          </p:nvPr>
+        </p:nvSpPr>
+        <p:spPr>
+          <a:xfrm>
+            <a:off x="4352925" y="1600200"/>
+            <a:ext cx="4333875" cy="4525963"/>
+          </a:xfrm>
+          <a:noFill/>
+        </p:spPr>
+        <p:txBody>
+          <a:bodyPr/>
+          <a:lstStyle/>
+          <a:p>
+            <a:r>
+              <a:rPr lang="en-US" dirty="0"/>
+              <a:t>As more records are added to the log, additional VLFs are put in use.</a:t>
+            </a:r>
+          </a:p>
+          <a:p>
+            <a:r>
+              <a:rPr lang="en-US" dirty="0"/>
+              <a:t>Writing to the log is circular so long as VLF are available.</a:t>
+            </a:r>
+          </a:p>
+          <a:p>
+            <a:r>
+              <a:rPr lang="en-US" dirty="0"/>
+              <a:t>What happens next?</a:t>
+            </a:r>
+          </a:p>
+        </p:txBody>
+      </p:sp>
+      <p:pic>
+        <p:nvPicPr>
+          <p:cNvPr id="5" name="Picture 4"/>
+          <p:cNvPicPr>
+            <a:picLocks noChangeAspect="1"/>
+          </p:cNvPicPr>
+          <p:nvPr/>
+        </p:nvPicPr>
+        <p:blipFill>
+          <a:blip r:embed="rId2"/>
+          <a:stretch>
+            <a:fillRect/>
+          </a:stretch>
+        </p:blipFill>
+        <p:spPr>
+          <a:xfrm>
+            <a:off x="457200" y="1417320"/>
+            <a:ext cx="3814109" cy="4681728"/>
+          </a:xfrm>
+          <a:prstGeom prst="rect">
+            <a:avLst/>
+          </a:prstGeom>
+        </p:spPr>
+      </p:pic>
+    </p:spTree>
+    <p:extLst>
+      <p:ext uri="{BB962C8B-B14F-4D97-AF65-F5344CB8AC3E}">
+        <p14:creationId xmlns:p14="http://schemas.microsoft.com/office/powerpoint/2010/main" val="1135754112"/>
+      </p:ext>
+    </p:extLst>
+  </p:cSld>
+  <p:clrMapOvr>
+    <a:masterClrMapping/>
+  </p:clrMapOvr>
+</p:sld>
+</file>
+
+<file path=ppt/slides/slide14.xml><?xml version="1.0" encoding="utf-8"?>
+<p:sld xmlns:a="http://schemas.openxmlformats.org/drawingml/2006/main" xmlns:r="http://schemas.openxmlformats.org/officeDocument/2006/relationships" xmlns:p="http://schemas.openxmlformats.org/presentationml/2006/main">
+  <p:cSld>
+    <p:spTree>
+      <p:nvGrpSpPr>
+        <p:cNvPr id="1" name=""/>
+        <p:cNvGrpSpPr/>
+        <p:nvPr/>
+      </p:nvGrpSpPr>
+      <p:grpSpPr>
+        <a:xfrm>
+          <a:off x="0" y="0"/>
+          <a:ext cx="0" cy="0"/>
+          <a:chOff x="0" y="0"/>
+          <a:chExt cx="0" cy="0"/>
+        </a:xfrm>
+      </p:grpSpPr>
+      <p:sp>
+        <p:nvSpPr>
+          <p:cNvPr id="2" name="Title 1"/>
+          <p:cNvSpPr>
+            <a:spLocks noGrp="1"/>
+          </p:cNvSpPr>
+          <p:nvPr>
+            <p:ph type="title"/>
+          </p:nvPr>
+        </p:nvSpPr>
+        <p:spPr/>
+        <p:txBody>
+          <a:bodyPr/>
+          <a:lstStyle/>
+          <a:p>
+            <a:r>
+              <a:rPr lang="en-US" dirty="0"/>
+              <a:t>Virtual Log Files</a:t>
+            </a:r>
+          </a:p>
+        </p:txBody>
+      </p:sp>
+      <p:sp>
+        <p:nvSpPr>
+          <p:cNvPr id="3" name="Content Placeholder 2"/>
+          <p:cNvSpPr>
+            <a:spLocks noGrp="1"/>
+          </p:cNvSpPr>
+          <p:nvPr>
+            <p:ph idx="1"/>
+          </p:nvPr>
+        </p:nvSpPr>
+        <p:spPr>
+          <a:xfrm>
+            <a:off x="4352925" y="1600200"/>
+            <a:ext cx="4333875" cy="4525963"/>
+          </a:xfrm>
+          <a:noFill/>
+        </p:spPr>
+        <p:txBody>
+          <a:bodyPr/>
+          <a:lstStyle/>
+          <a:p>
+            <a:r>
+              <a:rPr lang="en-US" dirty="0"/>
+              <a:t>The log file has to grow</a:t>
+            </a:r>
+          </a:p>
+          <a:p>
+            <a:r>
+              <a:rPr lang="en-US" dirty="0"/>
+              <a:t>More VLFs are added</a:t>
+            </a:r>
+          </a:p>
+          <a:p>
+            <a:endParaRPr lang="en-US" dirty="0"/>
+          </a:p>
+        </p:txBody>
+      </p:sp>
+      <p:pic>
+        <p:nvPicPr>
+          <p:cNvPr id="4" name="Picture 3"/>
+          <p:cNvPicPr>
+            <a:picLocks noChangeAspect="1"/>
+          </p:cNvPicPr>
+          <p:nvPr/>
+        </p:nvPicPr>
+        <p:blipFill>
+          <a:blip r:embed="rId2"/>
+          <a:stretch>
+            <a:fillRect/>
+          </a:stretch>
+        </p:blipFill>
+        <p:spPr>
+          <a:xfrm>
+            <a:off x="457200" y="1417320"/>
+            <a:ext cx="2008736" cy="4692864"/>
+          </a:xfrm>
+          <a:prstGeom prst="rect">
+            <a:avLst/>
+          </a:prstGeom>
+        </p:spPr>
+      </p:pic>
+    </p:spTree>
+    <p:extLst>
+      <p:ext uri="{BB962C8B-B14F-4D97-AF65-F5344CB8AC3E}">
+        <p14:creationId xmlns:p14="http://schemas.microsoft.com/office/powerpoint/2010/main" val="3149823093"/>
+      </p:ext>
+    </p:extLst>
+  </p:cSld>
+  <p:clrMapOvr>
+    <a:masterClrMapping/>
+  </p:clrMapOvr>
+</p:sld>
+</file>
+
+<file path=ppt/slides/slide15.xml><?xml version="1.0" encoding="utf-8"?>
+<p:sld xmlns:a="http://schemas.openxmlformats.org/drawingml/2006/main" xmlns:r="http://schemas.openxmlformats.org/officeDocument/2006/relationships" xmlns:p="http://schemas.openxmlformats.org/presentationml/2006/main">
+  <p:cSld>
+    <p:spTree>
+      <p:nvGrpSpPr>
+        <p:cNvPr id="1" name=""/>
+        <p:cNvGrpSpPr/>
+        <p:nvPr/>
+      </p:nvGrpSpPr>
+      <p:grpSpPr>
+        <a:xfrm>
+          <a:off x="0" y="0"/>
+          <a:ext cx="0" cy="0"/>
+          <a:chOff x="0" y="0"/>
+          <a:chExt cx="0" cy="0"/>
+        </a:xfrm>
+      </p:grpSpPr>
+      <p:sp>
+        <p:nvSpPr>
+          <p:cNvPr id="2" name="Title 1"/>
+          <p:cNvSpPr>
+            <a:spLocks noGrp="1"/>
+          </p:cNvSpPr>
+          <p:nvPr>
+            <p:ph type="title"/>
+          </p:nvPr>
+        </p:nvSpPr>
+        <p:spPr/>
+        <p:txBody>
+          <a:bodyPr/>
+          <a:lstStyle/>
+          <a:p>
+            <a:r>
+              <a:rPr lang="en-US" dirty="0"/>
+              <a:t>Virtual Log Files</a:t>
+            </a:r>
+          </a:p>
+        </p:txBody>
+      </p:sp>
+      <p:sp>
+        <p:nvSpPr>
+          <p:cNvPr id="3" name="Content Placeholder 2"/>
+          <p:cNvSpPr>
+            <a:spLocks noGrp="1"/>
+          </p:cNvSpPr>
+          <p:nvPr>
+            <p:ph idx="1"/>
+          </p:nvPr>
+        </p:nvSpPr>
+        <p:spPr>
+          <a:xfrm>
+            <a:off x="4352925" y="1600200"/>
+            <a:ext cx="4333875" cy="4525963"/>
+          </a:xfrm>
+          <a:noFill/>
+        </p:spPr>
+        <p:txBody>
+          <a:bodyPr/>
+          <a:lstStyle/>
+          <a:p>
+            <a:r>
+              <a:rPr lang="en-US" dirty="0"/>
+              <a:t>The log file has to grow</a:t>
+            </a:r>
+          </a:p>
+          <a:p>
+            <a:r>
+              <a:rPr lang="en-US" dirty="0"/>
+              <a:t>More VLFs are added</a:t>
+            </a:r>
+          </a:p>
+          <a:p>
+            <a:r>
+              <a:rPr lang="en-US" dirty="0"/>
+              <a:t>Eventually the log will be truncated</a:t>
+            </a:r>
+          </a:p>
+          <a:p>
+            <a:endParaRPr lang="en-US" dirty="0"/>
+          </a:p>
+        </p:txBody>
+      </p:sp>
+      <p:pic>
+        <p:nvPicPr>
+          <p:cNvPr id="5" name="Picture 4"/>
+          <p:cNvPicPr>
+            <a:picLocks noChangeAspect="1"/>
+          </p:cNvPicPr>
+          <p:nvPr/>
+        </p:nvPicPr>
+        <p:blipFill>
+          <a:blip r:embed="rId2"/>
+          <a:stretch>
+            <a:fillRect/>
+          </a:stretch>
+        </p:blipFill>
+        <p:spPr>
+          <a:xfrm>
+            <a:off x="457200" y="1417320"/>
+            <a:ext cx="2003969" cy="4681728"/>
+          </a:xfrm>
+          <a:prstGeom prst="rect">
+            <a:avLst/>
+          </a:prstGeom>
+        </p:spPr>
+      </p:pic>
+    </p:spTree>
+    <p:extLst>
+      <p:ext uri="{BB962C8B-B14F-4D97-AF65-F5344CB8AC3E}">
+        <p14:creationId xmlns:p14="http://schemas.microsoft.com/office/powerpoint/2010/main" val="1187216737"/>
+      </p:ext>
+    </p:extLst>
+  </p:cSld>
+  <p:clrMapOvr>
+    <a:masterClrMapping/>
+  </p:clrMapOvr>
 </p:sld>
 </file>
 
@@ -5830,10 +6542,9 @@
               <a:buNone/>
             </a:pPr>
             <a:r>
-              <a:rPr lang="en-US" dirty="0" smtClean="0"/>
+              <a:rPr lang="en-US" dirty="0"/>
               <a:t>www.tf3604.com/log</a:t>
             </a:r>
-            <a:endParaRPr lang="en-US" dirty="0"/>
           </a:p>
         </p:txBody>
       </p:sp>
@@ -5883,10 +6594,9 @@
           <a:lstStyle/>
           <a:p>
             <a:r>
-              <a:rPr lang="en-US" dirty="0" smtClean="0"/>
+              <a:rPr lang="en-US" dirty="0"/>
               <a:t>Agenda</a:t>
             </a:r>
-            <a:endParaRPr lang="en-US" dirty="0"/>
           </a:p>
         </p:txBody>
       </p:sp>
@@ -5906,49 +6616,49 @@
           <a:lstStyle/>
           <a:p>
             <a:r>
-              <a:rPr lang="en-US" dirty="0" smtClean="0"/>
+              <a:rPr lang="en-US" dirty="0"/>
               <a:t>Purpose of the transaction log</a:t>
             </a:r>
           </a:p>
           <a:p>
             <a:r>
-              <a:rPr lang="en-US" dirty="0" smtClean="0"/>
+              <a:rPr lang="en-US" dirty="0"/>
               <a:t>Organization of the transaction log</a:t>
             </a:r>
           </a:p>
           <a:p>
             <a:r>
-              <a:rPr lang="en-US" dirty="0" smtClean="0"/>
+              <a:rPr lang="en-US" dirty="0"/>
               <a:t>Flushing the log</a:t>
             </a:r>
           </a:p>
           <a:p>
             <a:r>
-              <a:rPr lang="en-US" dirty="0" smtClean="0"/>
+              <a:rPr lang="en-US" dirty="0"/>
               <a:t>Clearing the log</a:t>
             </a:r>
           </a:p>
           <a:p>
             <a:r>
-              <a:rPr lang="en-US" dirty="0" smtClean="0"/>
+              <a:rPr lang="en-US" dirty="0"/>
               <a:t>Checkpoints</a:t>
             </a:r>
           </a:p>
           <a:p>
             <a:r>
-              <a:rPr lang="en-US" dirty="0" smtClean="0"/>
+              <a:rPr lang="en-US" dirty="0"/>
               <a:t>Rollback operations</a:t>
             </a:r>
           </a:p>
           <a:p>
             <a:r>
-              <a:rPr lang="en-US" dirty="0" smtClean="0"/>
+              <a:rPr lang="en-US" dirty="0"/>
               <a:t>VLF fragmentation</a:t>
             </a:r>
           </a:p>
           <a:p>
             <a:r>
-              <a:rPr lang="en-US" dirty="0" smtClean="0"/>
+              <a:rPr lang="en-US" dirty="0"/>
               <a:t>Log monitoring</a:t>
             </a:r>
           </a:p>
@@ -6000,10 +6710,9 @@
           <a:lstStyle/>
           <a:p>
             <a:r>
-              <a:rPr lang="en-US" dirty="0" smtClean="0"/>
+              <a:rPr lang="en-US" dirty="0"/>
               <a:t>Purpose of the Transaction Log</a:t>
             </a:r>
-            <a:endParaRPr lang="en-US" dirty="0"/>
           </a:p>
         </p:txBody>
       </p:sp>
@@ -6025,72 +6734,71 @@
           <a:lstStyle/>
           <a:p>
             <a:r>
-              <a:rPr lang="en-US" dirty="0" smtClean="0"/>
+              <a:rPr lang="en-US" dirty="0"/>
               <a:t>Primary purposes</a:t>
             </a:r>
           </a:p>
           <a:p>
             <a:pPr lvl="1"/>
             <a:r>
-              <a:rPr lang="en-US" dirty="0" smtClean="0"/>
+              <a:rPr lang="en-US" dirty="0"/>
               <a:t>Durability</a:t>
             </a:r>
           </a:p>
           <a:p>
             <a:pPr lvl="2"/>
             <a:r>
-              <a:rPr lang="en-US" dirty="0" smtClean="0"/>
+              <a:rPr lang="en-US" dirty="0"/>
               <a:t>Crash recovery / restore operations</a:t>
             </a:r>
           </a:p>
           <a:p>
             <a:pPr lvl="1"/>
             <a:r>
-              <a:rPr lang="en-US" dirty="0" smtClean="0"/>
+              <a:rPr lang="en-US" dirty="0"/>
               <a:t>Atomicity</a:t>
             </a:r>
           </a:p>
           <a:p>
             <a:pPr lvl="1"/>
             <a:r>
-              <a:rPr lang="en-US" dirty="0" smtClean="0"/>
+              <a:rPr lang="en-US" dirty="0"/>
               <a:t>Thought experiment</a:t>
             </a:r>
           </a:p>
           <a:p>
             <a:pPr lvl="2"/>
             <a:r>
-              <a:rPr lang="en-US" dirty="0" smtClean="0"/>
+              <a:rPr lang="en-US" dirty="0"/>
               <a:t>What would SQL be like without a transaction log?</a:t>
             </a:r>
           </a:p>
           <a:p>
             <a:r>
-              <a:rPr lang="en-US" dirty="0" smtClean="0"/>
+              <a:rPr lang="en-US" dirty="0"/>
               <a:t>Secondary purposes</a:t>
             </a:r>
           </a:p>
           <a:p>
             <a:pPr lvl="1"/>
             <a:r>
-              <a:rPr lang="en-US" dirty="0" smtClean="0"/>
+              <a:rPr lang="en-US" dirty="0"/>
               <a:t>Log reader (replication, CDC)</a:t>
             </a:r>
           </a:p>
           <a:p>
             <a:pPr lvl="1"/>
             <a:r>
-              <a:rPr lang="en-US" dirty="0" smtClean="0"/>
+              <a:rPr lang="en-US" dirty="0"/>
               <a:t>Mirroring / Availability Groups / log shipping</a:t>
             </a:r>
           </a:p>
           <a:p>
             <a:pPr lvl="1"/>
             <a:r>
-              <a:rPr lang="en-US" dirty="0" smtClean="0"/>
+              <a:rPr lang="en-US" dirty="0"/>
               <a:t>Snapshots</a:t>
             </a:r>
-            <a:endParaRPr lang="en-US" dirty="0"/>
           </a:p>
         </p:txBody>
       </p:sp>
@@ -6140,10 +6848,9 @@
           <a:lstStyle/>
           <a:p>
             <a:r>
-              <a:rPr lang="en-US" dirty="0" smtClean="0"/>
+              <a:rPr lang="en-US" dirty="0"/>
               <a:t>What Goes in the Transaction Log?</a:t>
             </a:r>
-            <a:endParaRPr lang="en-US" dirty="0"/>
           </a:p>
         </p:txBody>
       </p:sp>
@@ -6163,36 +6870,35 @@
           <a:lstStyle/>
           <a:p>
             <a:r>
-              <a:rPr lang="en-US" u="sng" dirty="0" smtClean="0"/>
+              <a:rPr lang="en-US" u="sng" dirty="0"/>
               <a:t>Everything</a:t>
             </a:r>
             <a:r>
-              <a:rPr lang="en-US" dirty="0" smtClean="0"/>
+              <a:rPr lang="en-US" dirty="0"/>
               <a:t> that modifies the state </a:t>
             </a:r>
             <a:r>
-              <a:rPr lang="en-US" u="sng" dirty="0" smtClean="0"/>
+              <a:rPr lang="en-US" u="sng" dirty="0"/>
               <a:t>any</a:t>
             </a:r>
             <a:r>
-              <a:rPr lang="en-US" dirty="0" smtClean="0"/>
+              <a:rPr lang="en-US" dirty="0"/>
               <a:t> database in SQL</a:t>
             </a:r>
           </a:p>
           <a:p>
             <a:r>
-              <a:rPr lang="en-US" dirty="0" smtClean="0"/>
+              <a:rPr lang="en-US" dirty="0"/>
               <a:t>Very limited exceptions for some </a:t>
             </a:r>
             <a:r>
-              <a:rPr lang="en-US" dirty="0" err="1" smtClean="0"/>
+              <a:rPr lang="en-US" dirty="0" err="1"/>
               <a:t>tempdb</a:t>
             </a:r>
             <a:r>
-              <a:rPr lang="en-US" dirty="0" smtClean="0"/>
+              <a:rPr lang="en-US" dirty="0"/>
               <a:t> objects</a:t>
             </a:r>
-            <a:endParaRPr lang="en-US" dirty="0"/>
           </a:p>
         </p:txBody>
       </p:sp>
@@ -6242,10 +6948,9 @@
           <a:lstStyle/>
           <a:p>
             <a:r>
-              <a:rPr lang="en-US" dirty="0" smtClean="0"/>
+              <a:rPr lang="en-US" dirty="0"/>
               <a:t>Organization of the Transaction Log</a:t>
             </a:r>
-            <a:endParaRPr lang="en-US" dirty="0"/>
           </a:p>
         </p:txBody>
       </p:sp>
@@ -6270,10 +6975,9 @@
           <a:lstStyle/>
           <a:p>
             <a:r>
-              <a:rPr lang="en-US" dirty="0" smtClean="0"/>
+              <a:rPr lang="en-US" dirty="0"/>
               <a:t>The Transaction Log is just a file …</a:t>
             </a:r>
-            <a:endParaRPr lang="en-US" dirty="0"/>
           </a:p>
         </p:txBody>
       </p:sp>
@@ -6347,10 +7051,9 @@
           <a:lstStyle/>
           <a:p>
             <a:r>
-              <a:rPr lang="en-US" dirty="0" smtClean="0"/>
+              <a:rPr lang="en-US" dirty="0"/>
               <a:t>Organization of the Transaction Log</a:t>
             </a:r>
-            <a:endParaRPr lang="en-US" dirty="0"/>
           </a:p>
         </p:txBody>
       </p:sp>
@@ -6375,22 +7078,21 @@
           <a:lstStyle/>
           <a:p>
             <a:r>
-              <a:rPr lang="en-US" dirty="0" smtClean="0"/>
+              <a:rPr lang="en-US" dirty="0"/>
               <a:t>The Transaction Log is just a file …</a:t>
             </a:r>
           </a:p>
           <a:p>
             <a:r>
-              <a:rPr lang="en-US" dirty="0" smtClean="0"/>
+              <a:rPr lang="en-US" dirty="0"/>
               <a:t>With a bit of header information …</a:t>
             </a:r>
-            <a:endParaRPr lang="en-US" dirty="0"/>
           </a:p>
         </p:txBody>
       </p:sp>
       <p:pic>
         <p:nvPicPr>
-          <p:cNvPr id="5" name="Picture 4"/>
+          <p:cNvPr id="4" name="Picture 3"/>
           <p:cNvPicPr>
             <a:picLocks noChangeAspect="1"/>
           </p:cNvPicPr>
@@ -6405,7 +7107,7 @@
         <p:spPr>
           <a:xfrm>
             <a:off x="457200" y="1417320"/>
-            <a:ext cx="3813762" cy="4681728"/>
+            <a:ext cx="3814109" cy="4681728"/>
           </a:xfrm>
           <a:prstGeom prst="rect">
             <a:avLst/>
@@ -6458,10 +7160,9 @@
           <a:lstStyle/>
           <a:p>
             <a:r>
-              <a:rPr lang="en-US" dirty="0" smtClean="0"/>
+              <a:rPr lang="en-US" dirty="0"/>
               <a:t>Organization of the Transaction Log</a:t>
             </a:r>
-            <a:endParaRPr lang="en-US" dirty="0"/>
           </a:p>
         </p:txBody>
       </p:sp>
@@ -6486,22 +7187,169 @@
           <a:lstStyle/>
           <a:p>
             <a:r>
-              <a:rPr lang="en-US" dirty="0" smtClean="0"/>
+              <a:rPr lang="en-US" dirty="0"/>
               <a:t>The Transaction Log is just a file …</a:t>
             </a:r>
           </a:p>
           <a:p>
             <a:r>
-              <a:rPr lang="en-US" dirty="0" smtClean="0"/>
+              <a:rPr lang="en-US" dirty="0"/>
               <a:t>With a bit of header information …</a:t>
             </a:r>
           </a:p>
           <a:p>
             <a:r>
-              <a:rPr lang="en-US" dirty="0" smtClean="0"/>
+              <a:rPr lang="en-US" dirty="0"/>
               <a:t>Then divided into Virtual Log Files.</a:t>
             </a:r>
-            <a:endParaRPr lang="en-US" dirty="0"/>
+          </a:p>
+        </p:txBody>
+      </p:sp>
+      <p:pic>
+        <p:nvPicPr>
+          <p:cNvPr id="5" name="Picture 4"/>
+          <p:cNvPicPr>
+            <a:picLocks noChangeAspect="1"/>
+          </p:cNvPicPr>
+          <p:nvPr/>
+        </p:nvPicPr>
+        <p:blipFill>
+          <a:blip r:embed="rId2"/>
+          <a:stretch>
+            <a:fillRect/>
+          </a:stretch>
+        </p:blipFill>
+        <p:spPr>
+          <a:xfrm>
+            <a:off x="457200" y="1417320"/>
+            <a:ext cx="3814109" cy="4681728"/>
+          </a:xfrm>
+          <a:prstGeom prst="rect">
+            <a:avLst/>
+          </a:prstGeom>
+        </p:spPr>
+      </p:pic>
+    </p:spTree>
+    <p:extLst>
+      <p:ext uri="{BB962C8B-B14F-4D97-AF65-F5344CB8AC3E}">
+        <p14:creationId xmlns:p14="http://schemas.microsoft.com/office/powerpoint/2010/main" val="3601134671"/>
+      </p:ext>
+    </p:extLst>
+  </p:cSld>
+  <p:clrMapOvr>
+    <a:masterClrMapping/>
+  </p:clrMapOvr>
+</p:sld>
+</file>
+
+<file path=ppt/slides/slide9.xml><?xml version="1.0" encoding="utf-8"?>
+<p:sld xmlns:a="http://schemas.openxmlformats.org/drawingml/2006/main" xmlns:r="http://schemas.openxmlformats.org/officeDocument/2006/relationships" xmlns:p="http://schemas.openxmlformats.org/presentationml/2006/main">
+  <p:cSld>
+    <p:spTree>
+      <p:nvGrpSpPr>
+        <p:cNvPr id="1" name=""/>
+        <p:cNvGrpSpPr/>
+        <p:nvPr/>
+      </p:nvGrpSpPr>
+      <p:grpSpPr>
+        <a:xfrm>
+          <a:off x="0" y="0"/>
+          <a:ext cx="0" cy="0"/>
+          <a:chOff x="0" y="0"/>
+          <a:chExt cx="0" cy="0"/>
+        </a:xfrm>
+      </p:grpSpPr>
+      <p:sp>
+        <p:nvSpPr>
+          <p:cNvPr id="2" name="Title 1"/>
+          <p:cNvSpPr>
+            <a:spLocks noGrp="1"/>
+          </p:cNvSpPr>
+          <p:nvPr>
+            <p:ph type="title"/>
+          </p:nvPr>
+        </p:nvSpPr>
+        <p:spPr/>
+        <p:txBody>
+          <a:bodyPr/>
+          <a:lstStyle/>
+          <a:p>
+            <a:r>
+              <a:rPr lang="en-US" dirty="0"/>
+              <a:t>Virtual Log Files</a:t>
+            </a:r>
+          </a:p>
+        </p:txBody>
+      </p:sp>
+      <p:sp>
+        <p:nvSpPr>
+          <p:cNvPr id="3" name="Content Placeholder 2"/>
+          <p:cNvSpPr>
+            <a:spLocks noGrp="1"/>
+          </p:cNvSpPr>
+          <p:nvPr>
+            <p:ph idx="1"/>
+          </p:nvPr>
+        </p:nvSpPr>
+        <p:spPr>
+          <a:xfrm>
+            <a:off x="4352925" y="1600200"/>
+            <a:ext cx="4333875" cy="4525963"/>
+          </a:xfrm>
+          <a:noFill/>
+        </p:spPr>
+        <p:txBody>
+          <a:bodyPr/>
+          <a:lstStyle/>
+          <a:p>
+            <a:r>
+              <a:rPr lang="en-US" dirty="0"/>
+              <a:t>VLFs can be in one of three statuses:</a:t>
+            </a:r>
+          </a:p>
+          <a:p>
+            <a:pPr lvl="1"/>
+            <a:r>
+              <a:rPr lang="en-US" dirty="0">
+                <a:solidFill>
+                  <a:srgbClr val="92D050"/>
+                </a:solidFill>
+              </a:rPr>
+              <a:t>Inactive</a:t>
+            </a:r>
+          </a:p>
+          <a:p>
+            <a:pPr lvl="1"/>
+            <a:r>
+              <a:rPr lang="en-US" dirty="0">
+                <a:solidFill>
+                  <a:srgbClr val="FFFF00"/>
+                </a:solidFill>
+              </a:rPr>
+              <a:t>Active (current)</a:t>
+            </a:r>
+          </a:p>
+          <a:p>
+            <a:pPr lvl="1"/>
+            <a:r>
+              <a:rPr lang="en-US" dirty="0">
+                <a:solidFill>
+                  <a:srgbClr val="FF0000"/>
+                </a:solidFill>
+              </a:rPr>
+              <a:t>Active (not usable)</a:t>
+            </a:r>
+            <a:endParaRPr lang="en-US" dirty="0">
+              <a:solidFill>
+                <a:schemeClr val="tx1"/>
+              </a:solidFill>
+            </a:endParaRPr>
+          </a:p>
+          <a:p>
+            <a:r>
+              <a:rPr lang="en-US" dirty="0"/>
+              <a:t>Only one VLF is current at a time.</a:t>
+            </a:r>
           </a:p>
         </p:txBody>
       </p:sp>
@@ -6522,7 +7370,7 @@
         <p:spPr>
           <a:xfrm>
             <a:off x="457200" y="1417320"/>
-            <a:ext cx="3813762" cy="4681728"/>
+            <a:ext cx="3814109" cy="4681728"/>
           </a:xfrm>
           <a:prstGeom prst="rect">
             <a:avLst/>
@@ -6532,7 +7380,7 @@
     </p:spTree>
     <p:extLst>
       <p:ext uri="{BB962C8B-B14F-4D97-AF65-F5344CB8AC3E}">
-        <p14:creationId xmlns:p14="http://schemas.microsoft.com/office/powerpoint/2010/main" val="3601134671"/>
+        <p14:creationId xmlns:p14="http://schemas.microsoft.com/office/powerpoint/2010/main" val="1865925798"/>
       </p:ext>
     </p:extLst>
   </p:cSld>

--- a/TransactionLog.pptx
+++ b/TransactionLog.pptx
@@ -5,7 +5,7 @@
     <p:sldMasterId id="2147483648" r:id="rId1"/>
   </p:sldMasterIdLst>
   <p:notesMasterIdLst>
-    <p:notesMasterId r:id="rId17"/>
+    <p:notesMasterId r:id="rId20"/>
   </p:notesMasterIdLst>
   <p:sldIdLst>
     <p:sldId id="328" r:id="rId2"/>
@@ -23,6 +23,9 @@
     <p:sldId id="338" r:id="rId14"/>
     <p:sldId id="340" r:id="rId15"/>
     <p:sldId id="341" r:id="rId16"/>
+    <p:sldId id="342" r:id="rId17"/>
+    <p:sldId id="343" r:id="rId18"/>
+    <p:sldId id="344" r:id="rId19"/>
   </p:sldIdLst>
   <p:sldSz cx="9144000" cy="6858000" type="screen4x3"/>
   <p:notesSz cx="6858000" cy="9144000"/>
@@ -222,7 +225,7 @@
           <a:p>
             <a:fld id="{2EDCB34D-5EC2-4739-9693-E425457AC201}" type="datetimeFigureOut">
               <a:rPr lang="en-US" smtClean="0"/>
-              <a:t>8/2/2016</a:t>
+              <a:t>8/3/2016</a:t>
             </a:fld>
             <a:endParaRPr lang="en-US"/>
           </a:p>
@@ -808,7 +811,7 @@
             <a:fld id="{5942B21B-2ADA-A040-A652-A7305E1B99FE}" type="datetimeFigureOut">
               <a:rPr lang="en-US" smtClean="0"/>
               <a:pPr/>
-              <a:t>8/2/2016</a:t>
+              <a:t>8/3/2016</a:t>
             </a:fld>
             <a:endParaRPr lang="en-US" dirty="0"/>
           </a:p>
@@ -998,7 +1001,7 @@
           <a:p>
             <a:fld id="{5942B21B-2ADA-A040-A652-A7305E1B99FE}" type="datetimeFigureOut">
               <a:rPr lang="en-US" smtClean="0"/>
-              <a:t>8/2/2016</a:t>
+              <a:t>8/3/2016</a:t>
             </a:fld>
             <a:endParaRPr lang="en-US"/>
           </a:p>
@@ -1122,7 +1125,7 @@
             <a:fld id="{5942B21B-2ADA-A040-A652-A7305E1B99FE}" type="datetimeFigureOut">
               <a:rPr lang="en-US" smtClean="0"/>
               <a:pPr/>
-              <a:t>8/2/2016</a:t>
+              <a:t>8/3/2016</a:t>
             </a:fld>
             <a:r>
               <a:rPr lang="en-US"/>
@@ -1393,7 +1396,7 @@
             <a:fld id="{5942B21B-2ADA-A040-A652-A7305E1B99FE}" type="datetimeFigureOut">
               <a:rPr lang="en-US" smtClean="0"/>
               <a:pPr/>
-              <a:t>8/2/2016</a:t>
+              <a:t>8/3/2016</a:t>
             </a:fld>
             <a:r>
               <a:rPr lang="en-US" dirty="0"/>
@@ -1663,7 +1666,7 @@
             <a:fld id="{5942B21B-2ADA-A040-A652-A7305E1B99FE}" type="datetimeFigureOut">
               <a:rPr lang="en-US" smtClean="0"/>
               <a:pPr/>
-              <a:t>8/2/2016</a:t>
+              <a:t>8/3/2016</a:t>
             </a:fld>
             <a:r>
               <a:rPr lang="en-US" dirty="0"/>
@@ -2003,7 +2006,7 @@
             <a:fld id="{5942B21B-2ADA-A040-A652-A7305E1B99FE}" type="datetimeFigureOut">
               <a:rPr lang="en-US" smtClean="0"/>
               <a:pPr/>
-              <a:t>8/2/2016</a:t>
+              <a:t>8/3/2016</a:t>
             </a:fld>
             <a:r>
               <a:rPr lang="en-US" dirty="0"/>
@@ -2344,7 +2347,7 @@
             <a:fld id="{5942B21B-2ADA-A040-A652-A7305E1B99FE}" type="datetimeFigureOut">
               <a:rPr lang="en-US" smtClean="0"/>
               <a:pPr/>
-              <a:t>8/2/2016</a:t>
+              <a:t>8/3/2016</a:t>
             </a:fld>
             <a:r>
               <a:rPr lang="en-US" dirty="0"/>
@@ -2859,7 +2862,7 @@
             <a:fld id="{5942B21B-2ADA-A040-A652-A7305E1B99FE}" type="datetimeFigureOut">
               <a:rPr lang="en-US" smtClean="0"/>
               <a:pPr/>
-              <a:t>8/2/2016</a:t>
+              <a:t>8/3/2016</a:t>
             </a:fld>
             <a:r>
               <a:rPr lang="en-US" dirty="0"/>
@@ -3068,7 +3071,7 @@
             <a:fld id="{5942B21B-2ADA-A040-A652-A7305E1B99FE}" type="datetimeFigureOut">
               <a:rPr lang="en-US" smtClean="0"/>
               <a:pPr/>
-              <a:t>8/2/2016</a:t>
+              <a:t>8/3/2016</a:t>
             </a:fld>
             <a:r>
               <a:rPr lang="en-US" dirty="0"/>
@@ -3255,7 +3258,7 @@
             <a:fld id="{5942B21B-2ADA-A040-A652-A7305E1B99FE}" type="datetimeFigureOut">
               <a:rPr lang="en-US" smtClean="0"/>
               <a:pPr/>
-              <a:t>8/2/2016</a:t>
+              <a:t>8/3/2016</a:t>
             </a:fld>
             <a:r>
               <a:rPr lang="en-US" dirty="0"/>
@@ -3586,7 +3589,7 @@
             <a:fld id="{5942B21B-2ADA-A040-A652-A7305E1B99FE}" type="datetimeFigureOut">
               <a:rPr lang="en-US" smtClean="0"/>
               <a:pPr/>
-              <a:t>8/2/2016</a:t>
+              <a:t>8/3/2016</a:t>
             </a:fld>
             <a:r>
               <a:rPr lang="en-US" dirty="0"/>
@@ -3894,7 +3897,7 @@
             <a:fld id="{5942B21B-2ADA-A040-A652-A7305E1B99FE}" type="datetimeFigureOut">
               <a:rPr lang="en-US" smtClean="0"/>
               <a:pPr/>
-              <a:t>8/2/2016</a:t>
+              <a:t>8/3/2016</a:t>
             </a:fld>
             <a:r>
               <a:rPr lang="en-US" dirty="0"/>
@@ -4173,7 +4176,7 @@
             <a:fld id="{5942B21B-2ADA-A040-A652-A7305E1B99FE}" type="datetimeFigureOut">
               <a:rPr lang="en-US" smtClean="0"/>
               <a:pPr/>
-              <a:t>8/2/2016</a:t>
+              <a:t>8/3/2016</a:t>
             </a:fld>
             <a:r>
               <a:rPr lang="en-US" dirty="0"/>
@@ -5551,6 +5554,412 @@
 </p:sld>
 </file>
 
+<file path=ppt/slides/slide16.xml><?xml version="1.0" encoding="utf-8"?>
+<p:sld xmlns:a="http://schemas.openxmlformats.org/drawingml/2006/main" xmlns:r="http://schemas.openxmlformats.org/officeDocument/2006/relationships" xmlns:p="http://schemas.openxmlformats.org/presentationml/2006/main">
+  <p:cSld>
+    <p:spTree>
+      <p:nvGrpSpPr>
+        <p:cNvPr id="1" name=""/>
+        <p:cNvGrpSpPr/>
+        <p:nvPr/>
+      </p:nvGrpSpPr>
+      <p:grpSpPr>
+        <a:xfrm>
+          <a:off x="0" y="0"/>
+          <a:ext cx="0" cy="0"/>
+          <a:chOff x="0" y="0"/>
+          <a:chExt cx="0" cy="0"/>
+        </a:xfrm>
+      </p:grpSpPr>
+      <p:sp>
+        <p:nvSpPr>
+          <p:cNvPr id="2" name="Title 1"/>
+          <p:cNvSpPr>
+            <a:spLocks noGrp="1"/>
+          </p:cNvSpPr>
+          <p:nvPr>
+            <p:ph type="title"/>
+          </p:nvPr>
+        </p:nvSpPr>
+        <p:spPr/>
+        <p:txBody>
+          <a:bodyPr/>
+          <a:lstStyle/>
+          <a:p>
+            <a:r>
+              <a:rPr lang="en-US" dirty="0"/>
+              <a:t>Organization of the Transaction Log</a:t>
+            </a:r>
+          </a:p>
+        </p:txBody>
+      </p:sp>
+      <p:sp>
+        <p:nvSpPr>
+          <p:cNvPr id="3" name="Content Placeholder 2"/>
+          <p:cNvSpPr>
+            <a:spLocks noGrp="1"/>
+          </p:cNvSpPr>
+          <p:nvPr>
+            <p:ph idx="1"/>
+          </p:nvPr>
+        </p:nvSpPr>
+        <p:spPr>
+          <a:xfrm>
+            <a:off x="4352925" y="1600200"/>
+            <a:ext cx="4333875" cy="1113503"/>
+          </a:xfrm>
+        </p:spPr>
+        <p:txBody>
+          <a:bodyPr/>
+          <a:lstStyle/>
+          <a:p>
+            <a:r>
+              <a:rPr lang="en-US" dirty="0"/>
+              <a:t>VLFs are also structured</a:t>
+            </a:r>
+          </a:p>
+        </p:txBody>
+      </p:sp>
+      <p:pic>
+        <p:nvPicPr>
+          <p:cNvPr id="5" name="Picture 4"/>
+          <p:cNvPicPr>
+            <a:picLocks noChangeAspect="1"/>
+          </p:cNvPicPr>
+          <p:nvPr/>
+        </p:nvPicPr>
+        <p:blipFill>
+          <a:blip r:embed="rId2"/>
+          <a:stretch>
+            <a:fillRect/>
+          </a:stretch>
+        </p:blipFill>
+        <p:spPr>
+          <a:xfrm>
+            <a:off x="457200" y="1417320"/>
+            <a:ext cx="3814109" cy="4681728"/>
+          </a:xfrm>
+          <a:prstGeom prst="rect">
+            <a:avLst/>
+          </a:prstGeom>
+        </p:spPr>
+      </p:pic>
+      <p:pic>
+        <p:nvPicPr>
+          <p:cNvPr id="4" name="Picture 3"/>
+          <p:cNvPicPr>
+            <a:picLocks noChangeAspect="1"/>
+          </p:cNvPicPr>
+          <p:nvPr/>
+        </p:nvPicPr>
+        <p:blipFill>
+          <a:blip r:embed="rId3"/>
+          <a:stretch>
+            <a:fillRect/>
+          </a:stretch>
+        </p:blipFill>
+        <p:spPr>
+          <a:xfrm>
+            <a:off x="4352925" y="3422084"/>
+            <a:ext cx="4566167" cy="1444425"/>
+          </a:xfrm>
+          <a:prstGeom prst="rect">
+            <a:avLst/>
+          </a:prstGeom>
+        </p:spPr>
+      </p:pic>
+      <p:cxnSp>
+        <p:nvCxnSpPr>
+          <p:cNvPr id="7" name="Straight Arrow Connector 6"/>
+          <p:cNvCxnSpPr/>
+          <p:nvPr/>
+        </p:nvCxnSpPr>
+        <p:spPr>
+          <a:xfrm>
+            <a:off x="3023419" y="4129548"/>
+            <a:ext cx="1172552" cy="14749"/>
+          </a:xfrm>
+          <a:prstGeom prst="straightConnector1">
+            <a:avLst/>
+          </a:prstGeom>
+          <a:ln w="127000">
+            <a:solidFill>
+              <a:srgbClr val="FF0000"/>
+            </a:solidFill>
+            <a:tailEnd type="triangle"/>
+          </a:ln>
+        </p:spPr>
+        <p:style>
+          <a:lnRef idx="2">
+            <a:schemeClr val="accent1"/>
+          </a:lnRef>
+          <a:fillRef idx="0">
+            <a:schemeClr val="accent1"/>
+          </a:fillRef>
+          <a:effectRef idx="1">
+            <a:schemeClr val="accent1"/>
+          </a:effectRef>
+          <a:fontRef idx="minor">
+            <a:schemeClr val="tx1"/>
+          </a:fontRef>
+        </p:style>
+      </p:cxnSp>
+    </p:spTree>
+    <p:extLst>
+      <p:ext uri="{BB962C8B-B14F-4D97-AF65-F5344CB8AC3E}">
+        <p14:creationId xmlns:p14="http://schemas.microsoft.com/office/powerpoint/2010/main" val="4034079435"/>
+      </p:ext>
+    </p:extLst>
+  </p:cSld>
+  <p:clrMapOvr>
+    <a:masterClrMapping/>
+  </p:clrMapOvr>
+</p:sld>
+</file>
+
+<file path=ppt/slides/slide17.xml><?xml version="1.0" encoding="utf-8"?>
+<p:sld xmlns:a="http://schemas.openxmlformats.org/drawingml/2006/main" xmlns:r="http://schemas.openxmlformats.org/officeDocument/2006/relationships" xmlns:p="http://schemas.openxmlformats.org/presentationml/2006/main">
+  <p:cSld>
+    <p:spTree>
+      <p:nvGrpSpPr>
+        <p:cNvPr id="1" name=""/>
+        <p:cNvGrpSpPr/>
+        <p:nvPr/>
+      </p:nvGrpSpPr>
+      <p:grpSpPr>
+        <a:xfrm>
+          <a:off x="0" y="0"/>
+          <a:ext cx="0" cy="0"/>
+          <a:chOff x="0" y="0"/>
+          <a:chExt cx="0" cy="0"/>
+        </a:xfrm>
+      </p:grpSpPr>
+      <p:sp>
+        <p:nvSpPr>
+          <p:cNvPr id="2" name="Title 1"/>
+          <p:cNvSpPr>
+            <a:spLocks noGrp="1"/>
+          </p:cNvSpPr>
+          <p:nvPr>
+            <p:ph type="title"/>
+          </p:nvPr>
+        </p:nvSpPr>
+        <p:spPr/>
+        <p:txBody>
+          <a:bodyPr/>
+          <a:lstStyle/>
+          <a:p>
+            <a:r>
+              <a:rPr lang="en-US" dirty="0"/>
+              <a:t>VLF Detail</a:t>
+            </a:r>
+          </a:p>
+        </p:txBody>
+      </p:sp>
+      <p:sp>
+        <p:nvSpPr>
+          <p:cNvPr id="3" name="Content Placeholder 2"/>
+          <p:cNvSpPr>
+            <a:spLocks noGrp="1"/>
+          </p:cNvSpPr>
+          <p:nvPr>
+            <p:ph idx="1"/>
+          </p:nvPr>
+        </p:nvSpPr>
+        <p:spPr>
+          <a:xfrm>
+            <a:off x="457201" y="3797145"/>
+            <a:ext cx="8229600" cy="2329018"/>
+          </a:xfrm>
+        </p:spPr>
+        <p:txBody>
+          <a:bodyPr/>
+          <a:lstStyle/>
+          <a:p>
+            <a:r>
+              <a:rPr lang="en-US" dirty="0"/>
+              <a:t>Again there is a header</a:t>
+            </a:r>
+          </a:p>
+          <a:p>
+            <a:r>
+              <a:rPr lang="en-US" dirty="0"/>
+              <a:t>Then a series of log blocks</a:t>
+            </a:r>
+          </a:p>
+          <a:p>
+            <a:pPr lvl="1"/>
+            <a:r>
+              <a:rPr lang="en-US" dirty="0"/>
+              <a:t>In 512 byte increments up to 60K in size</a:t>
+            </a:r>
+          </a:p>
+        </p:txBody>
+      </p:sp>
+      <p:pic>
+        <p:nvPicPr>
+          <p:cNvPr id="7" name="Picture 6"/>
+          <p:cNvPicPr>
+            <a:picLocks noChangeAspect="1"/>
+          </p:cNvPicPr>
+          <p:nvPr/>
+        </p:nvPicPr>
+        <p:blipFill>
+          <a:blip r:embed="rId2"/>
+          <a:stretch>
+            <a:fillRect/>
+          </a:stretch>
+        </p:blipFill>
+        <p:spPr>
+          <a:xfrm>
+            <a:off x="457200" y="1417320"/>
+            <a:ext cx="8190125" cy="2377440"/>
+          </a:xfrm>
+          <a:prstGeom prst="rect">
+            <a:avLst/>
+          </a:prstGeom>
+        </p:spPr>
+      </p:pic>
+    </p:spTree>
+    <p:extLst>
+      <p:ext uri="{BB962C8B-B14F-4D97-AF65-F5344CB8AC3E}">
+        <p14:creationId xmlns:p14="http://schemas.microsoft.com/office/powerpoint/2010/main" val="3765893842"/>
+      </p:ext>
+    </p:extLst>
+  </p:cSld>
+  <p:clrMapOvr>
+    <a:masterClrMapping/>
+  </p:clrMapOvr>
+</p:sld>
+</file>
+
+<file path=ppt/slides/slide18.xml><?xml version="1.0" encoding="utf-8"?>
+<p:sld xmlns:a="http://schemas.openxmlformats.org/drawingml/2006/main" xmlns:r="http://schemas.openxmlformats.org/officeDocument/2006/relationships" xmlns:p="http://schemas.openxmlformats.org/presentationml/2006/main">
+  <p:cSld>
+    <p:spTree>
+      <p:nvGrpSpPr>
+        <p:cNvPr id="1" name=""/>
+        <p:cNvGrpSpPr/>
+        <p:nvPr/>
+      </p:nvGrpSpPr>
+      <p:grpSpPr>
+        <a:xfrm>
+          <a:off x="0" y="0"/>
+          <a:ext cx="0" cy="0"/>
+          <a:chOff x="0" y="0"/>
+          <a:chExt cx="0" cy="0"/>
+        </a:xfrm>
+      </p:grpSpPr>
+      <p:sp>
+        <p:nvSpPr>
+          <p:cNvPr id="2" name="Title 1"/>
+          <p:cNvSpPr>
+            <a:spLocks noGrp="1"/>
+          </p:cNvSpPr>
+          <p:nvPr>
+            <p:ph type="title"/>
+          </p:nvPr>
+        </p:nvSpPr>
+        <p:spPr/>
+        <p:txBody>
+          <a:bodyPr/>
+          <a:lstStyle/>
+          <a:p>
+            <a:r>
+              <a:rPr lang="en-US" dirty="0"/>
+              <a:t>Log Block Detail</a:t>
+            </a:r>
+          </a:p>
+        </p:txBody>
+      </p:sp>
+      <p:sp>
+        <p:nvSpPr>
+          <p:cNvPr id="3" name="Content Placeholder 2"/>
+          <p:cNvSpPr>
+            <a:spLocks noGrp="1"/>
+          </p:cNvSpPr>
+          <p:nvPr>
+            <p:ph idx="1"/>
+          </p:nvPr>
+        </p:nvSpPr>
+        <p:spPr>
+          <a:xfrm>
+            <a:off x="457201" y="3797145"/>
+            <a:ext cx="8229600" cy="2329018"/>
+          </a:xfrm>
+        </p:spPr>
+        <p:txBody>
+          <a:bodyPr/>
+          <a:lstStyle/>
+          <a:p>
+            <a:r>
+              <a:rPr lang="en-US" dirty="0"/>
+              <a:t>As expected, starts with a header</a:t>
+            </a:r>
+          </a:p>
+          <a:p>
+            <a:r>
+              <a:rPr lang="en-US" dirty="0"/>
+              <a:t>Then a series of log records</a:t>
+            </a:r>
+          </a:p>
+          <a:p>
+            <a:pPr lvl="1"/>
+            <a:r>
+              <a:rPr lang="en-US" dirty="0"/>
+              <a:t>Completely variable </a:t>
+            </a:r>
+            <a:r>
+              <a:rPr lang="en-US"/>
+              <a:t>in size</a:t>
+            </a:r>
+            <a:endParaRPr lang="en-US" dirty="0"/>
+          </a:p>
+          <a:p>
+            <a:r>
+              <a:rPr lang="en-US" dirty="0"/>
+              <a:t>And an index to the log records (slot array)</a:t>
+            </a:r>
+          </a:p>
+        </p:txBody>
+      </p:sp>
+      <p:pic>
+        <p:nvPicPr>
+          <p:cNvPr id="5" name="Picture 4"/>
+          <p:cNvPicPr>
+            <a:picLocks noChangeAspect="1"/>
+          </p:cNvPicPr>
+          <p:nvPr/>
+        </p:nvPicPr>
+        <p:blipFill>
+          <a:blip r:embed="rId2"/>
+          <a:stretch>
+            <a:fillRect/>
+          </a:stretch>
+        </p:blipFill>
+        <p:spPr>
+          <a:xfrm>
+            <a:off x="457200" y="1417320"/>
+            <a:ext cx="8190125" cy="2377440"/>
+          </a:xfrm>
+          <a:prstGeom prst="rect">
+            <a:avLst/>
+          </a:prstGeom>
+        </p:spPr>
+      </p:pic>
+    </p:spTree>
+    <p:extLst>
+      <p:ext uri="{BB962C8B-B14F-4D97-AF65-F5344CB8AC3E}">
+        <p14:creationId xmlns:p14="http://schemas.microsoft.com/office/powerpoint/2010/main" val="803829485"/>
+      </p:ext>
+    </p:extLst>
+  </p:cSld>
+  <p:clrMapOvr>
+    <a:masterClrMapping/>
+  </p:clrMapOvr>
+</p:sld>
+</file>
+
 <file path=ppt/slides/slide2.xml><?xml version="1.0" encoding="utf-8"?>
 <p:sld xmlns:a="http://schemas.openxmlformats.org/drawingml/2006/main" xmlns:r="http://schemas.openxmlformats.org/officeDocument/2006/relationships" xmlns:p="http://schemas.openxmlformats.org/presentationml/2006/main">
   <p:cSld>
@@ -6729,7 +7138,7 @@
         <p:spPr/>
         <p:txBody>
           <a:bodyPr>
-            <a:normAutofit lnSpcReduction="10000"/>
+            <a:normAutofit fontScale="92500" lnSpcReduction="10000"/>
           </a:bodyPr>
           <a:lstStyle/>
           <a:p>
@@ -6743,6 +7152,13 @@
             <a:r>
               <a:rPr lang="en-US" dirty="0"/>
               <a:t>Durability</a:t>
+            </a:r>
+          </a:p>
+          <a:p>
+            <a:pPr lvl="2"/>
+            <a:r>
+              <a:rPr lang="en-US" dirty="0"/>
+              <a:t>Write-ahead logging</a:t>
             </a:r>
           </a:p>
           <a:p>
@@ -6884,6 +7300,36 @@
             <a:r>
               <a:rPr lang="en-US" dirty="0"/>
               <a:t> database in SQL</a:t>
+            </a:r>
+          </a:p>
+          <a:p>
+            <a:pPr lvl="1"/>
+            <a:r>
+              <a:rPr lang="en-US" dirty="0"/>
+              <a:t>Includes data to </a:t>
+            </a:r>
+            <a:r>
+              <a:rPr lang="en-US" b="1" dirty="0"/>
+              <a:t>redo</a:t>
+            </a:r>
+            <a:r>
+              <a:rPr lang="en-US" dirty="0"/>
+              <a:t> an operation</a:t>
+            </a:r>
+          </a:p>
+          <a:p>
+            <a:pPr lvl="1"/>
+            <a:r>
+              <a:rPr lang="en-US" dirty="0"/>
+              <a:t>Includes data to </a:t>
+            </a:r>
+            <a:r>
+              <a:rPr lang="en-US" b="1" dirty="0"/>
+              <a:t>undo</a:t>
+            </a:r>
+            <a:r>
+              <a:rPr lang="en-US" dirty="0"/>
+              <a:t> an operation</a:t>
             </a:r>
           </a:p>
           <a:p>
@@ -7203,6 +7649,13 @@
               <a:t>Then divided into Virtual Log Files.</a:t>
             </a:r>
           </a:p>
+          <a:p>
+            <a:pPr lvl="1"/>
+            <a:r>
+              <a:rPr lang="en-US" dirty="0"/>
+              <a:t>Not necessarily of equal size</a:t>
+            </a:r>
+          </a:p>
         </p:txBody>
       </p:sp>
       <p:pic>
@@ -7304,7 +7757,7 @@
           <a:p>
             <a:r>
               <a:rPr lang="en-US" dirty="0"/>
-              <a:t>VLFs can be in one of three statuses:</a:t>
+              <a:t>VLFs can be in one of two statuses:</a:t>
             </a:r>
           </a:p>
           <a:p>

--- a/TransactionLog.pptx
+++ b/TransactionLog.pptx
@@ -5,7 +5,7 @@
     <p:sldMasterId id="2147483648" r:id="rId1"/>
   </p:sldMasterIdLst>
   <p:notesMasterIdLst>
-    <p:notesMasterId r:id="rId20"/>
+    <p:notesMasterId r:id="rId26"/>
   </p:notesMasterIdLst>
   <p:sldIdLst>
     <p:sldId id="328" r:id="rId2"/>
@@ -26,6 +26,12 @@
     <p:sldId id="342" r:id="rId17"/>
     <p:sldId id="343" r:id="rId18"/>
     <p:sldId id="344" r:id="rId19"/>
+    <p:sldId id="345" r:id="rId20"/>
+    <p:sldId id="346" r:id="rId21"/>
+    <p:sldId id="348" r:id="rId22"/>
+    <p:sldId id="349" r:id="rId23"/>
+    <p:sldId id="350" r:id="rId24"/>
+    <p:sldId id="351" r:id="rId25"/>
   </p:sldIdLst>
   <p:sldSz cx="9144000" cy="6858000" type="screen4x3"/>
   <p:notesSz cx="6858000" cy="9144000"/>
@@ -225,7 +231,7 @@
           <a:p>
             <a:fld id="{2EDCB34D-5EC2-4739-9693-E425457AC201}" type="datetimeFigureOut">
               <a:rPr lang="en-US" smtClean="0"/>
-              <a:t>8/3/2016</a:t>
+              <a:t>08/04/2016</a:t>
             </a:fld>
             <a:endParaRPr lang="en-US"/>
           </a:p>
@@ -811,7 +817,7 @@
             <a:fld id="{5942B21B-2ADA-A040-A652-A7305E1B99FE}" type="datetimeFigureOut">
               <a:rPr lang="en-US" smtClean="0"/>
               <a:pPr/>
-              <a:t>8/3/2016</a:t>
+              <a:t>08/04/2016</a:t>
             </a:fld>
             <a:endParaRPr lang="en-US" dirty="0"/>
           </a:p>
@@ -1001,7 +1007,7 @@
           <a:p>
             <a:fld id="{5942B21B-2ADA-A040-A652-A7305E1B99FE}" type="datetimeFigureOut">
               <a:rPr lang="en-US" smtClean="0"/>
-              <a:t>8/3/2016</a:t>
+              <a:t>08/04/2016</a:t>
             </a:fld>
             <a:endParaRPr lang="en-US"/>
           </a:p>
@@ -1125,7 +1131,7 @@
             <a:fld id="{5942B21B-2ADA-A040-A652-A7305E1B99FE}" type="datetimeFigureOut">
               <a:rPr lang="en-US" smtClean="0"/>
               <a:pPr/>
-              <a:t>8/3/2016</a:t>
+              <a:t>08/04/2016</a:t>
             </a:fld>
             <a:r>
               <a:rPr lang="en-US"/>
@@ -1396,7 +1402,7 @@
             <a:fld id="{5942B21B-2ADA-A040-A652-A7305E1B99FE}" type="datetimeFigureOut">
               <a:rPr lang="en-US" smtClean="0"/>
               <a:pPr/>
-              <a:t>8/3/2016</a:t>
+              <a:t>08/04/2016</a:t>
             </a:fld>
             <a:r>
               <a:rPr lang="en-US" dirty="0"/>
@@ -1666,7 +1672,7 @@
             <a:fld id="{5942B21B-2ADA-A040-A652-A7305E1B99FE}" type="datetimeFigureOut">
               <a:rPr lang="en-US" smtClean="0"/>
               <a:pPr/>
-              <a:t>8/3/2016</a:t>
+              <a:t>08/04/2016</a:t>
             </a:fld>
             <a:r>
               <a:rPr lang="en-US" dirty="0"/>
@@ -2006,7 +2012,7 @@
             <a:fld id="{5942B21B-2ADA-A040-A652-A7305E1B99FE}" type="datetimeFigureOut">
               <a:rPr lang="en-US" smtClean="0"/>
               <a:pPr/>
-              <a:t>8/3/2016</a:t>
+              <a:t>08/04/2016</a:t>
             </a:fld>
             <a:r>
               <a:rPr lang="en-US" dirty="0"/>
@@ -2347,7 +2353,7 @@
             <a:fld id="{5942B21B-2ADA-A040-A652-A7305E1B99FE}" type="datetimeFigureOut">
               <a:rPr lang="en-US" smtClean="0"/>
               <a:pPr/>
-              <a:t>8/3/2016</a:t>
+              <a:t>08/04/2016</a:t>
             </a:fld>
             <a:r>
               <a:rPr lang="en-US" dirty="0"/>
@@ -2862,7 +2868,7 @@
             <a:fld id="{5942B21B-2ADA-A040-A652-A7305E1B99FE}" type="datetimeFigureOut">
               <a:rPr lang="en-US" smtClean="0"/>
               <a:pPr/>
-              <a:t>8/3/2016</a:t>
+              <a:t>08/04/2016</a:t>
             </a:fld>
             <a:r>
               <a:rPr lang="en-US" dirty="0"/>
@@ -3071,7 +3077,7 @@
             <a:fld id="{5942B21B-2ADA-A040-A652-A7305E1B99FE}" type="datetimeFigureOut">
               <a:rPr lang="en-US" smtClean="0"/>
               <a:pPr/>
-              <a:t>8/3/2016</a:t>
+              <a:t>08/04/2016</a:t>
             </a:fld>
             <a:r>
               <a:rPr lang="en-US" dirty="0"/>
@@ -3258,7 +3264,7 @@
             <a:fld id="{5942B21B-2ADA-A040-A652-A7305E1B99FE}" type="datetimeFigureOut">
               <a:rPr lang="en-US" smtClean="0"/>
               <a:pPr/>
-              <a:t>8/3/2016</a:t>
+              <a:t>08/04/2016</a:t>
             </a:fld>
             <a:r>
               <a:rPr lang="en-US" dirty="0"/>
@@ -3589,7 +3595,7 @@
             <a:fld id="{5942B21B-2ADA-A040-A652-A7305E1B99FE}" type="datetimeFigureOut">
               <a:rPr lang="en-US" smtClean="0"/>
               <a:pPr/>
-              <a:t>8/3/2016</a:t>
+              <a:t>08/04/2016</a:t>
             </a:fld>
             <a:r>
               <a:rPr lang="en-US" dirty="0"/>
@@ -3897,7 +3903,7 @@
             <a:fld id="{5942B21B-2ADA-A040-A652-A7305E1B99FE}" type="datetimeFigureOut">
               <a:rPr lang="en-US" smtClean="0"/>
               <a:pPr/>
-              <a:t>8/3/2016</a:t>
+              <a:t>08/04/2016</a:t>
             </a:fld>
             <a:r>
               <a:rPr lang="en-US" dirty="0"/>
@@ -4176,7 +4182,7 @@
             <a:fld id="{5942B21B-2ADA-A040-A652-A7305E1B99FE}" type="datetimeFigureOut">
               <a:rPr lang="en-US" smtClean="0"/>
               <a:pPr/>
-              <a:t>8/3/2016</a:t>
+              <a:t>08/04/2016</a:t>
             </a:fld>
             <a:r>
               <a:rPr lang="en-US" dirty="0"/>
@@ -5939,7 +5945,7 @@
         </p:blipFill>
         <p:spPr>
           <a:xfrm>
-            <a:off x="457200" y="1417320"/>
+            <a:off x="457200" y="1419705"/>
             <a:ext cx="8190125" cy="2377440"/>
           </a:xfrm>
           <a:prstGeom prst="rect">
@@ -5951,6 +5957,138 @@
     <p:extLst>
       <p:ext uri="{BB962C8B-B14F-4D97-AF65-F5344CB8AC3E}">
         <p14:creationId xmlns:p14="http://schemas.microsoft.com/office/powerpoint/2010/main" val="803829485"/>
+      </p:ext>
+    </p:extLst>
+  </p:cSld>
+  <p:clrMapOvr>
+    <a:masterClrMapping/>
+  </p:clrMapOvr>
+</p:sld>
+</file>
+
+<file path=ppt/slides/slide19.xml><?xml version="1.0" encoding="utf-8"?>
+<p:sld xmlns:a="http://schemas.openxmlformats.org/drawingml/2006/main" xmlns:r="http://schemas.openxmlformats.org/officeDocument/2006/relationships" xmlns:p="http://schemas.openxmlformats.org/presentationml/2006/main">
+  <p:cSld>
+    <p:spTree>
+      <p:nvGrpSpPr>
+        <p:cNvPr id="1" name=""/>
+        <p:cNvGrpSpPr/>
+        <p:nvPr/>
+      </p:nvGrpSpPr>
+      <p:grpSpPr>
+        <a:xfrm>
+          <a:off x="0" y="0"/>
+          <a:ext cx="0" cy="0"/>
+          <a:chOff x="0" y="0"/>
+          <a:chExt cx="0" cy="0"/>
+        </a:xfrm>
+      </p:grpSpPr>
+      <p:sp>
+        <p:nvSpPr>
+          <p:cNvPr id="2" name="Title 1"/>
+          <p:cNvSpPr>
+            <a:spLocks noGrp="1"/>
+          </p:cNvSpPr>
+          <p:nvPr>
+            <p:ph type="title"/>
+          </p:nvPr>
+        </p:nvSpPr>
+        <p:spPr/>
+        <p:txBody>
+          <a:bodyPr/>
+          <a:lstStyle/>
+          <a:p>
+            <a:r>
+              <a:rPr lang="en-US" dirty="0"/>
+              <a:t>Log </a:t>
+            </a:r>
+            <a:r>
+              <a:rPr lang="en-US" dirty="0" smtClean="0"/>
+              <a:t>Record Detail</a:t>
+            </a:r>
+            <a:endParaRPr lang="en-US" dirty="0"/>
+          </a:p>
+        </p:txBody>
+      </p:sp>
+      <p:sp>
+        <p:nvSpPr>
+          <p:cNvPr id="3" name="Content Placeholder 2"/>
+          <p:cNvSpPr>
+            <a:spLocks noGrp="1"/>
+          </p:cNvSpPr>
+          <p:nvPr>
+            <p:ph idx="1"/>
+          </p:nvPr>
+        </p:nvSpPr>
+        <p:spPr>
+          <a:xfrm>
+            <a:off x="457201" y="3797145"/>
+            <a:ext cx="8229600" cy="2329018"/>
+          </a:xfrm>
+        </p:spPr>
+        <p:txBody>
+          <a:bodyPr>
+            <a:normAutofit lnSpcReduction="10000"/>
+          </a:bodyPr>
+          <a:lstStyle/>
+          <a:p>
+            <a:r>
+              <a:rPr lang="en-US" dirty="0" smtClean="0"/>
+              <a:t>Of course, a header</a:t>
+            </a:r>
+          </a:p>
+          <a:p>
+            <a:pPr lvl="1"/>
+            <a:r>
+              <a:rPr lang="en-US" dirty="0" smtClean="0"/>
+              <a:t>Record type, transaction ID, length, pointer to previous transaction record, etc.</a:t>
+            </a:r>
+            <a:endParaRPr lang="en-US" dirty="0"/>
+          </a:p>
+          <a:p>
+            <a:r>
+              <a:rPr lang="en-US" dirty="0" smtClean="0"/>
+              <a:t>Payload</a:t>
+            </a:r>
+          </a:p>
+          <a:p>
+            <a:pPr lvl="1"/>
+            <a:r>
+              <a:rPr lang="en-US" dirty="0" smtClean="0"/>
+              <a:t>Before/after image of changes</a:t>
+            </a:r>
+            <a:endParaRPr lang="en-US" dirty="0"/>
+          </a:p>
+        </p:txBody>
+      </p:sp>
+      <p:pic>
+        <p:nvPicPr>
+          <p:cNvPr id="4" name="Picture 3"/>
+          <p:cNvPicPr>
+            <a:picLocks noChangeAspect="1"/>
+          </p:cNvPicPr>
+          <p:nvPr/>
+        </p:nvPicPr>
+        <p:blipFill>
+          <a:blip r:embed="rId2"/>
+          <a:stretch>
+            <a:fillRect/>
+          </a:stretch>
+        </p:blipFill>
+        <p:spPr>
+          <a:xfrm>
+            <a:off x="457200" y="1417320"/>
+            <a:ext cx="8199451" cy="2377440"/>
+          </a:xfrm>
+          <a:prstGeom prst="rect">
+            <a:avLst/>
+          </a:prstGeom>
+        </p:spPr>
+      </p:pic>
+    </p:spTree>
+    <p:extLst>
+      <p:ext uri="{BB962C8B-B14F-4D97-AF65-F5344CB8AC3E}">
+        <p14:creationId xmlns:p14="http://schemas.microsoft.com/office/powerpoint/2010/main" val="3638472235"/>
       </p:ext>
     </p:extLst>
   </p:cSld>
@@ -6961,6 +7099,973 @@
     <p:extLst>
       <p:ext uri="{BB962C8B-B14F-4D97-AF65-F5344CB8AC3E}">
         <p14:creationId xmlns:p14="http://schemas.microsoft.com/office/powerpoint/2010/main" val="1021995815"/>
+      </p:ext>
+    </p:extLst>
+  </p:cSld>
+  <p:clrMapOvr>
+    <a:masterClrMapping/>
+  </p:clrMapOvr>
+</p:sld>
+</file>
+
+<file path=ppt/slides/slide20.xml><?xml version="1.0" encoding="utf-8"?>
+<p:sld xmlns:a="http://schemas.openxmlformats.org/drawingml/2006/main" xmlns:r="http://schemas.openxmlformats.org/officeDocument/2006/relationships" xmlns:p="http://schemas.openxmlformats.org/presentationml/2006/main">
+  <p:cSld>
+    <p:spTree>
+      <p:nvGrpSpPr>
+        <p:cNvPr id="1" name=""/>
+        <p:cNvGrpSpPr/>
+        <p:nvPr/>
+      </p:nvGrpSpPr>
+      <p:grpSpPr>
+        <a:xfrm>
+          <a:off x="0" y="0"/>
+          <a:ext cx="0" cy="0"/>
+          <a:chOff x="0" y="0"/>
+          <a:chExt cx="0" cy="0"/>
+        </a:xfrm>
+      </p:grpSpPr>
+      <p:sp>
+        <p:nvSpPr>
+          <p:cNvPr id="2" name="Title 1"/>
+          <p:cNvSpPr>
+            <a:spLocks noGrp="1"/>
+          </p:cNvSpPr>
+          <p:nvPr>
+            <p:ph type="title"/>
+          </p:nvPr>
+        </p:nvSpPr>
+        <p:spPr/>
+        <p:txBody>
+          <a:bodyPr/>
+          <a:lstStyle/>
+          <a:p>
+            <a:r>
+              <a:rPr lang="en-US" dirty="0" smtClean="0"/>
+              <a:t>Log Sequence Number</a:t>
+            </a:r>
+            <a:endParaRPr lang="en-US" dirty="0"/>
+          </a:p>
+        </p:txBody>
+      </p:sp>
+      <p:sp>
+        <p:nvSpPr>
+          <p:cNvPr id="3" name="Content Placeholder 2"/>
+          <p:cNvSpPr>
+            <a:spLocks noGrp="1"/>
+          </p:cNvSpPr>
+          <p:nvPr>
+            <p:ph idx="1"/>
+          </p:nvPr>
+        </p:nvSpPr>
+        <p:spPr/>
+        <p:txBody>
+          <a:bodyPr/>
+          <a:lstStyle/>
+          <a:p>
+            <a:r>
+              <a:rPr lang="en-US" dirty="0" smtClean="0"/>
+              <a:t>Each log record can be uniquely identified by its Log Sequence Number (LSN)</a:t>
+            </a:r>
+          </a:p>
+          <a:p>
+            <a:r>
+              <a:rPr lang="en-US" dirty="0" smtClean="0"/>
+              <a:t>An LSN is composed of three parts</a:t>
+            </a:r>
+          </a:p>
+          <a:p>
+            <a:pPr lvl="1"/>
+            <a:r>
+              <a:rPr lang="en-US" dirty="0" smtClean="0"/>
+              <a:t>VLF number</a:t>
+            </a:r>
+          </a:p>
+          <a:p>
+            <a:pPr lvl="1"/>
+            <a:r>
+              <a:rPr lang="en-US" dirty="0" smtClean="0"/>
+              <a:t>Log Block offset (512-byte chunks, not contiguous)</a:t>
+            </a:r>
+          </a:p>
+          <a:p>
+            <a:pPr lvl="1"/>
+            <a:r>
+              <a:rPr lang="en-US" dirty="0" smtClean="0"/>
+              <a:t>Log Record number (slot number)</a:t>
+            </a:r>
+          </a:p>
+          <a:p>
+            <a:r>
+              <a:rPr lang="en-US" dirty="0" smtClean="0"/>
+              <a:t>The LSN is in a very real way a pointer into the log file</a:t>
+            </a:r>
+            <a:endParaRPr lang="en-US" dirty="0"/>
+          </a:p>
+        </p:txBody>
+      </p:sp>
+    </p:spTree>
+    <p:extLst>
+      <p:ext uri="{BB962C8B-B14F-4D97-AF65-F5344CB8AC3E}">
+        <p14:creationId xmlns:p14="http://schemas.microsoft.com/office/powerpoint/2010/main" val="1560482780"/>
+      </p:ext>
+    </p:extLst>
+  </p:cSld>
+  <p:clrMapOvr>
+    <a:masterClrMapping/>
+  </p:clrMapOvr>
+</p:sld>
+</file>
+
+<file path=ppt/slides/slide21.xml><?xml version="1.0" encoding="utf-8"?>
+<p:sld xmlns:a="http://schemas.openxmlformats.org/drawingml/2006/main" xmlns:r="http://schemas.openxmlformats.org/officeDocument/2006/relationships" xmlns:p="http://schemas.openxmlformats.org/presentationml/2006/main">
+  <p:cSld>
+    <p:spTree>
+      <p:nvGrpSpPr>
+        <p:cNvPr id="1" name=""/>
+        <p:cNvGrpSpPr/>
+        <p:nvPr/>
+      </p:nvGrpSpPr>
+      <p:grpSpPr>
+        <a:xfrm>
+          <a:off x="0" y="0"/>
+          <a:ext cx="0" cy="0"/>
+          <a:chOff x="0" y="0"/>
+          <a:chExt cx="0" cy="0"/>
+        </a:xfrm>
+      </p:grpSpPr>
+      <p:sp>
+        <p:nvSpPr>
+          <p:cNvPr id="2" name="Title 1"/>
+          <p:cNvSpPr>
+            <a:spLocks noGrp="1"/>
+          </p:cNvSpPr>
+          <p:nvPr>
+            <p:ph type="title"/>
+          </p:nvPr>
+        </p:nvSpPr>
+        <p:spPr/>
+        <p:txBody>
+          <a:bodyPr/>
+          <a:lstStyle/>
+          <a:p>
+            <a:r>
+              <a:rPr lang="en-US" dirty="0" smtClean="0"/>
+              <a:t>LSN Representations</a:t>
+            </a:r>
+            <a:endParaRPr lang="en-US" dirty="0"/>
+          </a:p>
+        </p:txBody>
+      </p:sp>
+      <p:sp>
+        <p:nvSpPr>
+          <p:cNvPr id="3" name="Content Placeholder 2"/>
+          <p:cNvSpPr>
+            <a:spLocks noGrp="1"/>
+          </p:cNvSpPr>
+          <p:nvPr>
+            <p:ph idx="1"/>
+          </p:nvPr>
+        </p:nvSpPr>
+        <p:spPr>
+          <a:xfrm>
+            <a:off x="457200" y="1600201"/>
+            <a:ext cx="8229600" cy="628650"/>
+          </a:xfrm>
+        </p:spPr>
+        <p:txBody>
+          <a:bodyPr/>
+          <a:lstStyle/>
+          <a:p>
+            <a:pPr marL="0" indent="0">
+              <a:buNone/>
+            </a:pPr>
+            <a:r>
+              <a:rPr lang="en-US" dirty="0" smtClean="0"/>
+              <a:t>Three common ways to express an LSN</a:t>
+            </a:r>
+          </a:p>
+        </p:txBody>
+      </p:sp>
+      <p:graphicFrame>
+        <p:nvGraphicFramePr>
+          <p:cNvPr id="4" name="Table 3"/>
+          <p:cNvGraphicFramePr>
+            <a:graphicFrameLocks noGrp="1"/>
+          </p:cNvGraphicFramePr>
+          <p:nvPr>
+            <p:extLst>
+              <p:ext uri="{D42A27DB-BD31-4B8C-83A1-F6EECF244321}">
+                <p14:modId xmlns:p14="http://schemas.microsoft.com/office/powerpoint/2010/main" val="2590883591"/>
+              </p:ext>
+            </p:extLst>
+          </p:nvPr>
+        </p:nvGraphicFramePr>
+        <p:xfrm>
+          <a:off x="457200" y="2352675"/>
+          <a:ext cx="8229600" cy="1779746"/>
+        </p:xfrm>
+        <a:graphic>
+          <a:graphicData uri="http://schemas.openxmlformats.org/drawingml/2006/table">
+            <a:tbl>
+              <a:tblPr firstRow="1" bandRow="1">
+                <a:tableStyleId>{5C22544A-7EE6-4342-B048-85BDC9FD1C3A}</a:tableStyleId>
+              </a:tblPr>
+              <a:tblGrid>
+                <a:gridCol w="1895475"/>
+                <a:gridCol w="3171825"/>
+                <a:gridCol w="3162300"/>
+              </a:tblGrid>
+              <a:tr h="397986">
+                <a:tc>
+                  <a:txBody>
+                    <a:bodyPr/>
+                    <a:lstStyle/>
+                    <a:p>
+                      <a:r>
+                        <a:rPr lang="en-US" dirty="0" smtClean="0"/>
+                        <a:t>Format</a:t>
+                      </a:r>
+                      <a:endParaRPr lang="en-US" dirty="0"/>
+                    </a:p>
+                  </a:txBody>
+                  <a:tcPr/>
+                </a:tc>
+                <a:tc>
+                  <a:txBody>
+                    <a:bodyPr/>
+                    <a:lstStyle/>
+                    <a:p>
+                      <a:r>
+                        <a:rPr lang="en-US" dirty="0" smtClean="0"/>
+                        <a:t>Example</a:t>
+                      </a:r>
+                      <a:endParaRPr lang="en-US" dirty="0"/>
+                    </a:p>
+                  </a:txBody>
+                  <a:tcPr/>
+                </a:tc>
+                <a:tc>
+                  <a:txBody>
+                    <a:bodyPr/>
+                    <a:lstStyle/>
+                    <a:p>
+                      <a:r>
+                        <a:rPr lang="en-US" dirty="0" smtClean="0"/>
+                        <a:t>Common uses</a:t>
+                      </a:r>
+                      <a:endParaRPr lang="en-US" dirty="0"/>
+                    </a:p>
+                  </a:txBody>
+                  <a:tcPr/>
+                </a:tc>
+              </a:tr>
+              <a:tr h="370840">
+                <a:tc>
+                  <a:txBody>
+                    <a:bodyPr/>
+                    <a:lstStyle/>
+                    <a:p>
+                      <a:r>
+                        <a:rPr lang="en-US" dirty="0" smtClean="0"/>
+                        <a:t>Colon-separated (hexadecimal)</a:t>
+                      </a:r>
+                      <a:endParaRPr lang="en-US" dirty="0"/>
+                    </a:p>
+                  </a:txBody>
+                  <a:tcPr/>
+                </a:tc>
+                <a:tc>
+                  <a:txBody>
+                    <a:bodyPr/>
+                    <a:lstStyle/>
+                    <a:p>
+                      <a:pPr marL="0" marR="0" lvl="1" indent="0" algn="l" defTabSz="457200" rtl="0" eaLnBrk="1" fontAlgn="auto" latinLnBrk="0" hangingPunct="1">
+                        <a:lnSpc>
+                          <a:spcPct val="100000"/>
+                        </a:lnSpc>
+                        <a:spcBef>
+                          <a:spcPts val="0"/>
+                        </a:spcBef>
+                        <a:spcAft>
+                          <a:spcPts val="0"/>
+                        </a:spcAft>
+                        <a:buClrTx/>
+                        <a:buSzTx/>
+                        <a:buFontTx/>
+                        <a:buNone/>
+                        <a:tabLst/>
+                        <a:defRPr/>
+                      </a:pPr>
+                      <a:r>
+                        <a:rPr lang="en-US" dirty="0" smtClean="0"/>
+                        <a:t>000001c0:0000006b:0005</a:t>
+                      </a:r>
+                    </a:p>
+                    <a:p>
+                      <a:endParaRPr lang="en-US" dirty="0"/>
+                    </a:p>
+                  </a:txBody>
+                  <a:tcPr/>
+                </a:tc>
+                <a:tc>
+                  <a:txBody>
+                    <a:bodyPr/>
+                    <a:lstStyle/>
+                    <a:p>
+                      <a:r>
+                        <a:rPr lang="en-US" dirty="0" smtClean="0"/>
+                        <a:t>Log management</a:t>
+                      </a:r>
+                      <a:endParaRPr lang="en-US" dirty="0"/>
+                    </a:p>
+                  </a:txBody>
+                  <a:tcPr/>
+                </a:tc>
+              </a:tr>
+              <a:tr h="370840">
+                <a:tc>
+                  <a:txBody>
+                    <a:bodyPr/>
+                    <a:lstStyle/>
+                    <a:p>
+                      <a:r>
+                        <a:rPr lang="en-US" dirty="0" smtClean="0"/>
+                        <a:t>Hexadecimal</a:t>
+                      </a:r>
+                      <a:endParaRPr lang="en-US" dirty="0"/>
+                    </a:p>
+                  </a:txBody>
+                  <a:tcPr/>
+                </a:tc>
+                <a:tc>
+                  <a:txBody>
+                    <a:bodyPr/>
+                    <a:lstStyle/>
+                    <a:p>
+                      <a:pPr marL="0" marR="0" lvl="1" indent="0" algn="l" defTabSz="457200" rtl="0" eaLnBrk="1" fontAlgn="auto" latinLnBrk="0" hangingPunct="1">
+                        <a:lnSpc>
+                          <a:spcPct val="100000"/>
+                        </a:lnSpc>
+                        <a:spcBef>
+                          <a:spcPts val="0"/>
+                        </a:spcBef>
+                        <a:spcAft>
+                          <a:spcPts val="0"/>
+                        </a:spcAft>
+                        <a:buClrTx/>
+                        <a:buSzTx/>
+                        <a:buFontTx/>
+                        <a:buNone/>
+                        <a:tabLst/>
+                        <a:defRPr/>
+                      </a:pPr>
+                      <a:r>
+                        <a:rPr lang="en-US" sz="1800" kern="1200" dirty="0" smtClean="0">
+                          <a:solidFill>
+                            <a:schemeClr val="dk1"/>
+                          </a:solidFill>
+                          <a:latin typeface="+mn-lt"/>
+                          <a:ea typeface="+mn-ea"/>
+                          <a:cs typeface="+mn-cs"/>
+                        </a:rPr>
+                        <a:t>0x000001c00000006b0005</a:t>
+                      </a:r>
+                      <a:endParaRPr lang="en-US" dirty="0" smtClean="0"/>
+                    </a:p>
+                  </a:txBody>
+                  <a:tcPr/>
+                </a:tc>
+                <a:tc>
+                  <a:txBody>
+                    <a:bodyPr/>
+                    <a:lstStyle/>
+                    <a:p>
+                      <a:r>
+                        <a:rPr lang="en-US" dirty="0" smtClean="0"/>
+                        <a:t>Change data capture</a:t>
+                      </a:r>
+                      <a:endParaRPr lang="en-US" dirty="0"/>
+                    </a:p>
+                  </a:txBody>
+                  <a:tcPr/>
+                </a:tc>
+              </a:tr>
+              <a:tr h="370840">
+                <a:tc>
+                  <a:txBody>
+                    <a:bodyPr/>
+                    <a:lstStyle/>
+                    <a:p>
+                      <a:r>
+                        <a:rPr lang="en-US" dirty="0" smtClean="0"/>
+                        <a:t>Decimal</a:t>
+                      </a:r>
+                      <a:endParaRPr lang="en-US" dirty="0"/>
+                    </a:p>
+                  </a:txBody>
+                  <a:tcPr/>
+                </a:tc>
+                <a:tc>
+                  <a:txBody>
+                    <a:bodyPr/>
+                    <a:lstStyle/>
+                    <a:p>
+                      <a:r>
+                        <a:rPr lang="en-US" dirty="0" smtClean="0"/>
+                        <a:t>448000000010700005</a:t>
+                      </a:r>
+                      <a:endParaRPr lang="en-US" dirty="0"/>
+                    </a:p>
+                  </a:txBody>
+                  <a:tcPr/>
+                </a:tc>
+                <a:tc>
+                  <a:txBody>
+                    <a:bodyPr/>
+                    <a:lstStyle/>
+                    <a:p>
+                      <a:r>
+                        <a:rPr lang="en-US" dirty="0" smtClean="0"/>
+                        <a:t>Backup</a:t>
+                      </a:r>
+                      <a:endParaRPr lang="en-US" dirty="0"/>
+                    </a:p>
+                  </a:txBody>
+                  <a:tcPr/>
+                </a:tc>
+              </a:tr>
+            </a:tbl>
+          </a:graphicData>
+        </a:graphic>
+      </p:graphicFrame>
+      <p:sp>
+        <p:nvSpPr>
+          <p:cNvPr id="5" name="Content Placeholder 2"/>
+          <p:cNvSpPr txBox="1">
+            <a:spLocks/>
+          </p:cNvSpPr>
+          <p:nvPr/>
+        </p:nvSpPr>
+        <p:spPr>
+          <a:xfrm>
+            <a:off x="457200" y="4284821"/>
+            <a:ext cx="8229600" cy="628650"/>
+          </a:xfrm>
+          <a:prstGeom prst="rect">
+            <a:avLst/>
+          </a:prstGeom>
+        </p:spPr>
+        <p:txBody>
+          <a:bodyPr vert="horz" lIns="91440" tIns="45720" rIns="91440" bIns="45720" rtlCol="0">
+            <a:normAutofit/>
+          </a:bodyPr>
+          <a:lstStyle>
+            <a:lvl1pPr marL="342900" indent="-342900" algn="l" defTabSz="457200" rtl="0" eaLnBrk="1" latinLnBrk="0" hangingPunct="1">
+              <a:spcBef>
+                <a:spcPct val="20000"/>
+              </a:spcBef>
+              <a:buFont typeface="Wingdings" charset="2"/>
+              <a:buChar char="§"/>
+              <a:defRPr sz="3000" kern="1200">
+                <a:solidFill>
+                  <a:schemeClr val="tx2"/>
+                </a:solidFill>
+                <a:latin typeface="+mn-lt"/>
+                <a:ea typeface="+mn-ea"/>
+                <a:cs typeface="+mn-cs"/>
+              </a:defRPr>
+            </a:lvl1pPr>
+            <a:lvl2pPr marL="742950" indent="-285750" algn="l" defTabSz="457200" rtl="0" eaLnBrk="1" latinLnBrk="0" hangingPunct="1">
+              <a:spcBef>
+                <a:spcPct val="20000"/>
+              </a:spcBef>
+              <a:buFont typeface="Wingdings" charset="2"/>
+              <a:buChar char="§"/>
+              <a:defRPr sz="2600" kern="1200">
+                <a:solidFill>
+                  <a:srgbClr val="474947"/>
+                </a:solidFill>
+                <a:latin typeface="+mn-lt"/>
+                <a:ea typeface="+mn-ea"/>
+                <a:cs typeface="+mn-cs"/>
+              </a:defRPr>
+            </a:lvl2pPr>
+            <a:lvl3pPr marL="1143000" indent="-228600" algn="l" defTabSz="457200" rtl="0" eaLnBrk="1" latinLnBrk="0" hangingPunct="1">
+              <a:spcBef>
+                <a:spcPct val="20000"/>
+              </a:spcBef>
+              <a:buFont typeface="Wingdings" charset="2"/>
+              <a:buChar char="§"/>
+              <a:defRPr sz="2200" kern="1200">
+                <a:solidFill>
+                  <a:srgbClr val="474947"/>
+                </a:solidFill>
+                <a:latin typeface="+mn-lt"/>
+                <a:ea typeface="+mn-ea"/>
+                <a:cs typeface="+mn-cs"/>
+              </a:defRPr>
+            </a:lvl3pPr>
+            <a:lvl4pPr marL="1600200" indent="-228600" algn="l" defTabSz="457200" rtl="0" eaLnBrk="1" latinLnBrk="0" hangingPunct="1">
+              <a:spcBef>
+                <a:spcPct val="20000"/>
+              </a:spcBef>
+              <a:buFont typeface="Wingdings" charset="2"/>
+              <a:buChar char="§"/>
+              <a:defRPr sz="2000" kern="1200">
+                <a:solidFill>
+                  <a:srgbClr val="474947"/>
+                </a:solidFill>
+                <a:latin typeface="+mn-lt"/>
+                <a:ea typeface="+mn-ea"/>
+                <a:cs typeface="+mn-cs"/>
+              </a:defRPr>
+            </a:lvl4pPr>
+            <a:lvl5pPr marL="2057400" indent="-228600" algn="l" defTabSz="457200" rtl="0" eaLnBrk="1" latinLnBrk="0" hangingPunct="1">
+              <a:spcBef>
+                <a:spcPct val="20000"/>
+              </a:spcBef>
+              <a:buFont typeface="Wingdings" charset="2"/>
+              <a:buChar char="§"/>
+              <a:defRPr sz="1800" kern="1200">
+                <a:solidFill>
+                  <a:srgbClr val="474947"/>
+                </a:solidFill>
+                <a:latin typeface="+mn-lt"/>
+                <a:ea typeface="+mn-ea"/>
+                <a:cs typeface="+mn-cs"/>
+              </a:defRPr>
+            </a:lvl5pPr>
+            <a:lvl6pPr marL="2514600" indent="-228600" algn="l" defTabSz="457200" rtl="0" eaLnBrk="1" latinLnBrk="0" hangingPunct="1">
+              <a:spcBef>
+                <a:spcPct val="20000"/>
+              </a:spcBef>
+              <a:buFont typeface="Arial"/>
+              <a:buChar char="•"/>
+              <a:defRPr sz="2000" kern="1200">
+                <a:solidFill>
+                  <a:schemeClr val="tx1"/>
+                </a:solidFill>
+                <a:latin typeface="+mn-lt"/>
+                <a:ea typeface="+mn-ea"/>
+                <a:cs typeface="+mn-cs"/>
+              </a:defRPr>
+            </a:lvl6pPr>
+            <a:lvl7pPr marL="2971800" indent="-228600" algn="l" defTabSz="457200" rtl="0" eaLnBrk="1" latinLnBrk="0" hangingPunct="1">
+              <a:spcBef>
+                <a:spcPct val="20000"/>
+              </a:spcBef>
+              <a:buFont typeface="Arial"/>
+              <a:buChar char="•"/>
+              <a:defRPr sz="2000" kern="1200">
+                <a:solidFill>
+                  <a:schemeClr val="tx1"/>
+                </a:solidFill>
+                <a:latin typeface="+mn-lt"/>
+                <a:ea typeface="+mn-ea"/>
+                <a:cs typeface="+mn-cs"/>
+              </a:defRPr>
+            </a:lvl7pPr>
+            <a:lvl8pPr marL="3429000" indent="-228600" algn="l" defTabSz="457200" rtl="0" eaLnBrk="1" latinLnBrk="0" hangingPunct="1">
+              <a:spcBef>
+                <a:spcPct val="20000"/>
+              </a:spcBef>
+              <a:buFont typeface="Arial"/>
+              <a:buChar char="•"/>
+              <a:defRPr sz="2000" kern="1200">
+                <a:solidFill>
+                  <a:schemeClr val="tx1"/>
+                </a:solidFill>
+                <a:latin typeface="+mn-lt"/>
+                <a:ea typeface="+mn-ea"/>
+                <a:cs typeface="+mn-cs"/>
+              </a:defRPr>
+            </a:lvl8pPr>
+            <a:lvl9pPr marL="3886200" indent="-228600" algn="l" defTabSz="457200" rtl="0" eaLnBrk="1" latinLnBrk="0" hangingPunct="1">
+              <a:spcBef>
+                <a:spcPct val="20000"/>
+              </a:spcBef>
+              <a:buFont typeface="Arial"/>
+              <a:buChar char="•"/>
+              <a:defRPr sz="2000" kern="1200">
+                <a:solidFill>
+                  <a:schemeClr val="tx1"/>
+                </a:solidFill>
+                <a:latin typeface="+mn-lt"/>
+                <a:ea typeface="+mn-ea"/>
+                <a:cs typeface="+mn-cs"/>
+              </a:defRPr>
+            </a:lvl9pPr>
+          </a:lstStyle>
+          <a:p>
+            <a:pPr marL="0" indent="0">
+              <a:buFont typeface="Wingdings" charset="2"/>
+              <a:buNone/>
+            </a:pPr>
+            <a:r>
+              <a:rPr lang="en-US" dirty="0" smtClean="0"/>
+              <a:t>These three LSNs are equivalent</a:t>
+            </a:r>
+          </a:p>
+        </p:txBody>
+      </p:sp>
+    </p:spTree>
+    <p:extLst>
+      <p:ext uri="{BB962C8B-B14F-4D97-AF65-F5344CB8AC3E}">
+        <p14:creationId xmlns:p14="http://schemas.microsoft.com/office/powerpoint/2010/main" val="2618731270"/>
+      </p:ext>
+    </p:extLst>
+  </p:cSld>
+  <p:clrMapOvr>
+    <a:masterClrMapping/>
+  </p:clrMapOvr>
+</p:sld>
+</file>
+
+<file path=ppt/slides/slide22.xml><?xml version="1.0" encoding="utf-8"?>
+<p:sld xmlns:a="http://schemas.openxmlformats.org/drawingml/2006/main" xmlns:r="http://schemas.openxmlformats.org/officeDocument/2006/relationships" xmlns:p="http://schemas.openxmlformats.org/presentationml/2006/main">
+  <p:cSld>
+    <p:spTree>
+      <p:nvGrpSpPr>
+        <p:cNvPr id="1" name=""/>
+        <p:cNvGrpSpPr/>
+        <p:nvPr/>
+      </p:nvGrpSpPr>
+      <p:grpSpPr>
+        <a:xfrm>
+          <a:off x="0" y="0"/>
+          <a:ext cx="0" cy="0"/>
+          <a:chOff x="0" y="0"/>
+          <a:chExt cx="0" cy="0"/>
+        </a:xfrm>
+      </p:grpSpPr>
+      <p:sp>
+        <p:nvSpPr>
+          <p:cNvPr id="2" name="Title 1"/>
+          <p:cNvSpPr>
+            <a:spLocks noGrp="1"/>
+          </p:cNvSpPr>
+          <p:nvPr>
+            <p:ph type="title"/>
+          </p:nvPr>
+        </p:nvSpPr>
+        <p:spPr/>
+        <p:txBody>
+          <a:bodyPr/>
+          <a:lstStyle/>
+          <a:p>
+            <a:r>
+              <a:rPr lang="en-US" dirty="0" smtClean="0"/>
+              <a:t>DBCC LOGINFO(‘</a:t>
+            </a:r>
+            <a:r>
+              <a:rPr lang="en-US" dirty="0" err="1" smtClean="0"/>
+              <a:t>db_name</a:t>
+            </a:r>
+            <a:r>
+              <a:rPr lang="en-US" dirty="0" smtClean="0"/>
+              <a:t>’)</a:t>
+            </a:r>
+            <a:endParaRPr lang="en-US" dirty="0"/>
+          </a:p>
+        </p:txBody>
+      </p:sp>
+      <p:sp>
+        <p:nvSpPr>
+          <p:cNvPr id="3" name="Content Placeholder 2"/>
+          <p:cNvSpPr>
+            <a:spLocks noGrp="1"/>
+          </p:cNvSpPr>
+          <p:nvPr>
+            <p:ph idx="1"/>
+          </p:nvPr>
+        </p:nvSpPr>
+        <p:spPr>
+          <a:xfrm>
+            <a:off x="457200" y="1408113"/>
+            <a:ext cx="8229600" cy="676275"/>
+          </a:xfrm>
+        </p:spPr>
+        <p:txBody>
+          <a:bodyPr/>
+          <a:lstStyle/>
+          <a:p>
+            <a:pPr marL="0" indent="0">
+              <a:buNone/>
+            </a:pPr>
+            <a:r>
+              <a:rPr lang="en-US" dirty="0" smtClean="0"/>
+              <a:t>Returns one row per VLF</a:t>
+            </a:r>
+            <a:endParaRPr lang="en-US" dirty="0"/>
+          </a:p>
+        </p:txBody>
+      </p:sp>
+      <p:pic>
+        <p:nvPicPr>
+          <p:cNvPr id="5" name="Picture 4"/>
+          <p:cNvPicPr>
+            <a:picLocks noChangeAspect="1"/>
+          </p:cNvPicPr>
+          <p:nvPr/>
+        </p:nvPicPr>
+        <p:blipFill>
+          <a:blip r:embed="rId2"/>
+          <a:stretch>
+            <a:fillRect/>
+          </a:stretch>
+        </p:blipFill>
+        <p:spPr>
+          <a:xfrm>
+            <a:off x="457200" y="2084388"/>
+            <a:ext cx="8067675" cy="3634087"/>
+          </a:xfrm>
+          <a:prstGeom prst="rect">
+            <a:avLst/>
+          </a:prstGeom>
+        </p:spPr>
+      </p:pic>
+    </p:spTree>
+    <p:extLst>
+      <p:ext uri="{BB962C8B-B14F-4D97-AF65-F5344CB8AC3E}">
+        <p14:creationId xmlns:p14="http://schemas.microsoft.com/office/powerpoint/2010/main" val="3403567972"/>
+      </p:ext>
+    </p:extLst>
+  </p:cSld>
+  <p:clrMapOvr>
+    <a:masterClrMapping/>
+  </p:clrMapOvr>
+</p:sld>
+</file>
+
+<file path=ppt/slides/slide23.xml><?xml version="1.0" encoding="utf-8"?>
+<p:sld xmlns:a="http://schemas.openxmlformats.org/drawingml/2006/main" xmlns:r="http://schemas.openxmlformats.org/officeDocument/2006/relationships" xmlns:p="http://schemas.openxmlformats.org/presentationml/2006/main">
+  <p:cSld>
+    <p:spTree>
+      <p:nvGrpSpPr>
+        <p:cNvPr id="1" name=""/>
+        <p:cNvGrpSpPr/>
+        <p:nvPr/>
+      </p:nvGrpSpPr>
+      <p:grpSpPr>
+        <a:xfrm>
+          <a:off x="0" y="0"/>
+          <a:ext cx="0" cy="0"/>
+          <a:chOff x="0" y="0"/>
+          <a:chExt cx="0" cy="0"/>
+        </a:xfrm>
+      </p:grpSpPr>
+      <p:sp>
+        <p:nvSpPr>
+          <p:cNvPr id="2" name="Title 1"/>
+          <p:cNvSpPr>
+            <a:spLocks noGrp="1"/>
+          </p:cNvSpPr>
+          <p:nvPr>
+            <p:ph type="title"/>
+          </p:nvPr>
+        </p:nvSpPr>
+        <p:spPr/>
+        <p:txBody>
+          <a:bodyPr/>
+          <a:lstStyle/>
+          <a:p>
+            <a:r>
+              <a:rPr lang="en-US" dirty="0" err="1" smtClean="0"/>
+              <a:t>fn_dblog</a:t>
+            </a:r>
+            <a:r>
+              <a:rPr lang="en-US" dirty="0" smtClean="0"/>
+              <a:t>(</a:t>
+            </a:r>
+            <a:r>
+              <a:rPr lang="en-US" dirty="0" err="1" smtClean="0"/>
+              <a:t>start_lsn</a:t>
+            </a:r>
+            <a:r>
+              <a:rPr lang="en-US" dirty="0" smtClean="0"/>
+              <a:t>, </a:t>
+            </a:r>
+            <a:r>
+              <a:rPr lang="en-US" dirty="0" err="1" smtClean="0"/>
+              <a:t>end_lsn</a:t>
+            </a:r>
+            <a:r>
+              <a:rPr lang="en-US" dirty="0" smtClean="0"/>
+              <a:t>)</a:t>
+            </a:r>
+            <a:endParaRPr lang="en-US" dirty="0"/>
+          </a:p>
+        </p:txBody>
+      </p:sp>
+      <p:sp>
+        <p:nvSpPr>
+          <p:cNvPr id="3" name="Content Placeholder 2"/>
+          <p:cNvSpPr>
+            <a:spLocks noGrp="1"/>
+          </p:cNvSpPr>
+          <p:nvPr>
+            <p:ph idx="1"/>
+          </p:nvPr>
+        </p:nvSpPr>
+        <p:spPr>
+          <a:xfrm>
+            <a:off x="457200" y="1397001"/>
+            <a:ext cx="8229600" cy="704850"/>
+          </a:xfrm>
+        </p:spPr>
+        <p:txBody>
+          <a:bodyPr/>
+          <a:lstStyle/>
+          <a:p>
+            <a:pPr marL="0" indent="0">
+              <a:buNone/>
+            </a:pPr>
+            <a:r>
+              <a:rPr lang="en-US" dirty="0" smtClean="0"/>
+              <a:t>Returns one row per log record</a:t>
+            </a:r>
+            <a:endParaRPr lang="en-US" dirty="0"/>
+          </a:p>
+        </p:txBody>
+      </p:sp>
+      <p:pic>
+        <p:nvPicPr>
+          <p:cNvPr id="4" name="Picture 3"/>
+          <p:cNvPicPr>
+            <a:picLocks noChangeAspect="1"/>
+          </p:cNvPicPr>
+          <p:nvPr/>
+        </p:nvPicPr>
+        <p:blipFill>
+          <a:blip r:embed="rId2"/>
+          <a:stretch>
+            <a:fillRect/>
+          </a:stretch>
+        </p:blipFill>
+        <p:spPr>
+          <a:xfrm>
+            <a:off x="457200" y="2025651"/>
+            <a:ext cx="7962900" cy="4032860"/>
+          </a:xfrm>
+          <a:prstGeom prst="rect">
+            <a:avLst/>
+          </a:prstGeom>
+        </p:spPr>
+      </p:pic>
+    </p:spTree>
+    <p:extLst>
+      <p:ext uri="{BB962C8B-B14F-4D97-AF65-F5344CB8AC3E}">
+        <p14:creationId xmlns:p14="http://schemas.microsoft.com/office/powerpoint/2010/main" val="2370315233"/>
+      </p:ext>
+    </p:extLst>
+  </p:cSld>
+  <p:clrMapOvr>
+    <a:masterClrMapping/>
+  </p:clrMapOvr>
+</p:sld>
+</file>
+
+<file path=ppt/slides/slide24.xml><?xml version="1.0" encoding="utf-8"?>
+<p:sld xmlns:a="http://schemas.openxmlformats.org/drawingml/2006/main" xmlns:r="http://schemas.openxmlformats.org/officeDocument/2006/relationships" xmlns:p="http://schemas.openxmlformats.org/presentationml/2006/main">
+  <p:cSld>
+    <p:spTree>
+      <p:nvGrpSpPr>
+        <p:cNvPr id="1" name=""/>
+        <p:cNvGrpSpPr/>
+        <p:nvPr/>
+      </p:nvGrpSpPr>
+      <p:grpSpPr>
+        <a:xfrm>
+          <a:off x="0" y="0"/>
+          <a:ext cx="0" cy="0"/>
+          <a:chOff x="0" y="0"/>
+          <a:chExt cx="0" cy="0"/>
+        </a:xfrm>
+      </p:grpSpPr>
+      <p:sp>
+        <p:nvSpPr>
+          <p:cNvPr id="2" name="Title 1"/>
+          <p:cNvSpPr>
+            <a:spLocks noGrp="1"/>
+          </p:cNvSpPr>
+          <p:nvPr>
+            <p:ph type="title"/>
+          </p:nvPr>
+        </p:nvSpPr>
+        <p:spPr/>
+        <p:txBody>
+          <a:bodyPr/>
+          <a:lstStyle/>
+          <a:p>
+            <a:r>
+              <a:rPr lang="en-US" dirty="0" smtClean="0"/>
+              <a:t>Related commands/function</a:t>
+            </a:r>
+            <a:endParaRPr lang="en-US" dirty="0"/>
+          </a:p>
+        </p:txBody>
+      </p:sp>
+      <p:sp>
+        <p:nvSpPr>
+          <p:cNvPr id="3" name="Content Placeholder 2"/>
+          <p:cNvSpPr>
+            <a:spLocks noGrp="1"/>
+          </p:cNvSpPr>
+          <p:nvPr>
+            <p:ph idx="1"/>
+          </p:nvPr>
+        </p:nvSpPr>
+        <p:spPr/>
+        <p:txBody>
+          <a:bodyPr/>
+          <a:lstStyle/>
+          <a:p>
+            <a:r>
+              <a:rPr lang="en-US" dirty="0" smtClean="0"/>
+              <a:t>DBCC SQLPERF(LOGSPACE)</a:t>
+            </a:r>
+          </a:p>
+          <a:p>
+            <a:pPr lvl="1"/>
+            <a:r>
+              <a:rPr lang="en-US" dirty="0" smtClean="0"/>
+              <a:t>Log size, percent used per database</a:t>
+            </a:r>
+          </a:p>
+          <a:p>
+            <a:r>
+              <a:rPr lang="en-US" dirty="0" err="1" smtClean="0"/>
+              <a:t>fn_dump_dblog</a:t>
+            </a:r>
+            <a:endParaRPr lang="en-US" dirty="0" smtClean="0"/>
+          </a:p>
+          <a:p>
+            <a:pPr lvl="1"/>
+            <a:r>
+              <a:rPr lang="en-US" dirty="0" smtClean="0"/>
+              <a:t>Similar to </a:t>
+            </a:r>
+            <a:r>
+              <a:rPr lang="en-US" dirty="0" err="1" smtClean="0"/>
+              <a:t>fn_dblog</a:t>
+            </a:r>
+            <a:r>
+              <a:rPr lang="en-US" dirty="0" smtClean="0"/>
+              <a:t>, but reads </a:t>
+            </a:r>
+            <a:r>
+              <a:rPr lang="en-US" smtClean="0"/>
+              <a:t>from backup file</a:t>
+            </a:r>
+            <a:endParaRPr lang="en-US" dirty="0"/>
+          </a:p>
+        </p:txBody>
+      </p:sp>
+    </p:spTree>
+    <p:extLst>
+      <p:ext uri="{BB962C8B-B14F-4D97-AF65-F5344CB8AC3E}">
+        <p14:creationId xmlns:p14="http://schemas.microsoft.com/office/powerpoint/2010/main" val="961231621"/>
       </p:ext>
     </p:extLst>
   </p:cSld>
@@ -7342,9 +8447,14 @@
               <a:t>tempdb</a:t>
             </a:r>
             <a:r>
-              <a:rPr lang="en-US" dirty="0"/>
-              <a:t> objects</a:t>
-            </a:r>
+              <a:rPr lang="en-US"/>
+              <a:t> </a:t>
+            </a:r>
+            <a:r>
+              <a:rPr lang="en-US" smtClean="0"/>
+              <a:t>operations</a:t>
+            </a:r>
+            <a:endParaRPr lang="en-US" dirty="0"/>
           </a:p>
         </p:txBody>
       </p:sp>

--- a/TransactionLog.pptx
+++ b/TransactionLog.pptx
@@ -5,7 +5,7 @@
     <p:sldMasterId id="2147483648" r:id="rId1"/>
   </p:sldMasterIdLst>
   <p:notesMasterIdLst>
-    <p:notesMasterId r:id="rId26"/>
+    <p:notesMasterId r:id="rId27"/>
   </p:notesMasterIdLst>
   <p:sldIdLst>
     <p:sldId id="328" r:id="rId2"/>
@@ -32,6 +32,7 @@
     <p:sldId id="349" r:id="rId23"/>
     <p:sldId id="350" r:id="rId24"/>
     <p:sldId id="351" r:id="rId25"/>
+    <p:sldId id="352" r:id="rId26"/>
   </p:sldIdLst>
   <p:sldSz cx="9144000" cy="6858000" type="screen4x3"/>
   <p:notesSz cx="6858000" cy="9144000"/>
@@ -231,7 +232,7 @@
           <a:p>
             <a:fld id="{2EDCB34D-5EC2-4739-9693-E425457AC201}" type="datetimeFigureOut">
               <a:rPr lang="en-US" smtClean="0"/>
-              <a:t>08/04/2016</a:t>
+              <a:t>8/5/2016</a:t>
             </a:fld>
             <a:endParaRPr lang="en-US"/>
           </a:p>
@@ -817,7 +818,7 @@
             <a:fld id="{5942B21B-2ADA-A040-A652-A7305E1B99FE}" type="datetimeFigureOut">
               <a:rPr lang="en-US" smtClean="0"/>
               <a:pPr/>
-              <a:t>08/04/2016</a:t>
+              <a:t>8/5/2016</a:t>
             </a:fld>
             <a:endParaRPr lang="en-US" dirty="0"/>
           </a:p>
@@ -1007,7 +1008,7 @@
           <a:p>
             <a:fld id="{5942B21B-2ADA-A040-A652-A7305E1B99FE}" type="datetimeFigureOut">
               <a:rPr lang="en-US" smtClean="0"/>
-              <a:t>08/04/2016</a:t>
+              <a:t>8/5/2016</a:t>
             </a:fld>
             <a:endParaRPr lang="en-US"/>
           </a:p>
@@ -1131,7 +1132,7 @@
             <a:fld id="{5942B21B-2ADA-A040-A652-A7305E1B99FE}" type="datetimeFigureOut">
               <a:rPr lang="en-US" smtClean="0"/>
               <a:pPr/>
-              <a:t>08/04/2016</a:t>
+              <a:t>8/5/2016</a:t>
             </a:fld>
             <a:r>
               <a:rPr lang="en-US"/>
@@ -1402,7 +1403,7 @@
             <a:fld id="{5942B21B-2ADA-A040-A652-A7305E1B99FE}" type="datetimeFigureOut">
               <a:rPr lang="en-US" smtClean="0"/>
               <a:pPr/>
-              <a:t>08/04/2016</a:t>
+              <a:t>8/5/2016</a:t>
             </a:fld>
             <a:r>
               <a:rPr lang="en-US" dirty="0"/>
@@ -1672,7 +1673,7 @@
             <a:fld id="{5942B21B-2ADA-A040-A652-A7305E1B99FE}" type="datetimeFigureOut">
               <a:rPr lang="en-US" smtClean="0"/>
               <a:pPr/>
-              <a:t>08/04/2016</a:t>
+              <a:t>8/5/2016</a:t>
             </a:fld>
             <a:r>
               <a:rPr lang="en-US" dirty="0"/>
@@ -2012,7 +2013,7 @@
             <a:fld id="{5942B21B-2ADA-A040-A652-A7305E1B99FE}" type="datetimeFigureOut">
               <a:rPr lang="en-US" smtClean="0"/>
               <a:pPr/>
-              <a:t>08/04/2016</a:t>
+              <a:t>8/5/2016</a:t>
             </a:fld>
             <a:r>
               <a:rPr lang="en-US" dirty="0"/>
@@ -2353,7 +2354,7 @@
             <a:fld id="{5942B21B-2ADA-A040-A652-A7305E1B99FE}" type="datetimeFigureOut">
               <a:rPr lang="en-US" smtClean="0"/>
               <a:pPr/>
-              <a:t>08/04/2016</a:t>
+              <a:t>8/5/2016</a:t>
             </a:fld>
             <a:r>
               <a:rPr lang="en-US" dirty="0"/>
@@ -2868,7 +2869,7 @@
             <a:fld id="{5942B21B-2ADA-A040-A652-A7305E1B99FE}" type="datetimeFigureOut">
               <a:rPr lang="en-US" smtClean="0"/>
               <a:pPr/>
-              <a:t>08/04/2016</a:t>
+              <a:t>8/5/2016</a:t>
             </a:fld>
             <a:r>
               <a:rPr lang="en-US" dirty="0"/>
@@ -3077,7 +3078,7 @@
             <a:fld id="{5942B21B-2ADA-A040-A652-A7305E1B99FE}" type="datetimeFigureOut">
               <a:rPr lang="en-US" smtClean="0"/>
               <a:pPr/>
-              <a:t>08/04/2016</a:t>
+              <a:t>8/5/2016</a:t>
             </a:fld>
             <a:r>
               <a:rPr lang="en-US" dirty="0"/>
@@ -3264,7 +3265,7 @@
             <a:fld id="{5942B21B-2ADA-A040-A652-A7305E1B99FE}" type="datetimeFigureOut">
               <a:rPr lang="en-US" smtClean="0"/>
               <a:pPr/>
-              <a:t>08/04/2016</a:t>
+              <a:t>8/5/2016</a:t>
             </a:fld>
             <a:r>
               <a:rPr lang="en-US" dirty="0"/>
@@ -3595,7 +3596,7 @@
             <a:fld id="{5942B21B-2ADA-A040-A652-A7305E1B99FE}" type="datetimeFigureOut">
               <a:rPr lang="en-US" smtClean="0"/>
               <a:pPr/>
-              <a:t>08/04/2016</a:t>
+              <a:t>8/5/2016</a:t>
             </a:fld>
             <a:r>
               <a:rPr lang="en-US" dirty="0"/>
@@ -3903,7 +3904,7 @@
             <a:fld id="{5942B21B-2ADA-A040-A652-A7305E1B99FE}" type="datetimeFigureOut">
               <a:rPr lang="en-US" smtClean="0"/>
               <a:pPr/>
-              <a:t>08/04/2016</a:t>
+              <a:t>8/5/2016</a:t>
             </a:fld>
             <a:r>
               <a:rPr lang="en-US" dirty="0"/>
@@ -4182,7 +4183,7 @@
             <a:fld id="{5942B21B-2ADA-A040-A652-A7305E1B99FE}" type="datetimeFigureOut">
               <a:rPr lang="en-US" smtClean="0"/>
               <a:pPr/>
-              <a:t>08/04/2016</a:t>
+              <a:t>8/5/2016</a:t>
             </a:fld>
             <a:r>
               <a:rPr lang="en-US" dirty="0"/>
@@ -6000,13 +6001,8 @@
           <a:p>
             <a:r>
               <a:rPr lang="en-US" dirty="0"/>
-              <a:t>Log </a:t>
-            </a:r>
-            <a:r>
-              <a:rPr lang="en-US" dirty="0" smtClean="0"/>
-              <a:t>Record Detail</a:t>
-            </a:r>
-            <a:endParaRPr lang="en-US" dirty="0"/>
+              <a:t>Log Record Detail</a:t>
+            </a:r>
           </a:p>
         </p:txBody>
       </p:sp>
@@ -6033,31 +6029,29 @@
           <a:lstStyle/>
           <a:p>
             <a:r>
-              <a:rPr lang="en-US" dirty="0" smtClean="0"/>
+              <a:rPr lang="en-US" dirty="0"/>
               <a:t>Of course, a header</a:t>
             </a:r>
           </a:p>
           <a:p>
             <a:pPr lvl="1"/>
             <a:r>
-              <a:rPr lang="en-US" dirty="0" smtClean="0"/>
+              <a:rPr lang="en-US" dirty="0"/>
               <a:t>Record type, transaction ID, length, pointer to previous transaction record, etc.</a:t>
             </a:r>
-            <a:endParaRPr lang="en-US" dirty="0"/>
-          </a:p>
-          <a:p>
-            <a:r>
-              <a:rPr lang="en-US" dirty="0" smtClean="0"/>
+          </a:p>
+          <a:p>
+            <a:r>
+              <a:rPr lang="en-US" dirty="0"/>
               <a:t>Payload</a:t>
             </a:r>
           </a:p>
           <a:p>
             <a:pPr lvl="1"/>
             <a:r>
-              <a:rPr lang="en-US" dirty="0" smtClean="0"/>
+              <a:rPr lang="en-US" dirty="0"/>
               <a:t>Before/after image of changes</a:t>
             </a:r>
-            <a:endParaRPr lang="en-US" dirty="0"/>
           </a:p>
         </p:txBody>
       </p:sp>
@@ -7141,10 +7135,9 @@
           <a:lstStyle/>
           <a:p>
             <a:r>
-              <a:rPr lang="en-US" dirty="0" smtClean="0"/>
+              <a:rPr lang="en-US" dirty="0"/>
               <a:t>Log Sequence Number</a:t>
             </a:r>
-            <a:endParaRPr lang="en-US" dirty="0"/>
           </a:p>
         </p:txBody>
       </p:sp>
@@ -7164,43 +7157,42 @@
           <a:lstStyle/>
           <a:p>
             <a:r>
-              <a:rPr lang="en-US" dirty="0" smtClean="0"/>
+              <a:rPr lang="en-US" dirty="0"/>
               <a:t>Each log record can be uniquely identified by its Log Sequence Number (LSN)</a:t>
             </a:r>
           </a:p>
           <a:p>
             <a:r>
-              <a:rPr lang="en-US" dirty="0" smtClean="0"/>
+              <a:rPr lang="en-US" dirty="0"/>
               <a:t>An LSN is composed of three parts</a:t>
             </a:r>
           </a:p>
           <a:p>
             <a:pPr lvl="1"/>
             <a:r>
-              <a:rPr lang="en-US" dirty="0" smtClean="0"/>
+              <a:rPr lang="en-US" dirty="0"/>
               <a:t>VLF number</a:t>
             </a:r>
           </a:p>
           <a:p>
             <a:pPr lvl="1"/>
             <a:r>
-              <a:rPr lang="en-US" dirty="0" smtClean="0"/>
+              <a:rPr lang="en-US" dirty="0"/>
               <a:t>Log Block offset (512-byte chunks, not contiguous)</a:t>
             </a:r>
           </a:p>
           <a:p>
             <a:pPr lvl="1"/>
             <a:r>
-              <a:rPr lang="en-US" dirty="0" smtClean="0"/>
+              <a:rPr lang="en-US" dirty="0"/>
               <a:t>Log Record number (slot number)</a:t>
             </a:r>
           </a:p>
           <a:p>
             <a:r>
-              <a:rPr lang="en-US" dirty="0" smtClean="0"/>
+              <a:rPr lang="en-US" dirty="0"/>
               <a:t>The LSN is in a very real way a pointer into the log file</a:t>
             </a:r>
-            <a:endParaRPr lang="en-US" dirty="0"/>
           </a:p>
         </p:txBody>
       </p:sp>
@@ -7250,10 +7242,9 @@
           <a:lstStyle/>
           <a:p>
             <a:r>
-              <a:rPr lang="en-US" dirty="0" smtClean="0"/>
+              <a:rPr lang="en-US" dirty="0"/>
               <a:t>LSN Representations</a:t>
             </a:r>
-            <a:endParaRPr lang="en-US" dirty="0"/>
           </a:p>
         </p:txBody>
       </p:sp>
@@ -7281,7 +7272,7 @@
               <a:buNone/>
             </a:pPr>
             <a:r>
-              <a:rPr lang="en-US" dirty="0" smtClean="0"/>
+              <a:rPr lang="en-US" dirty="0"/>
               <a:t>Three common ways to express an LSN</a:t>
             </a:r>
           </a:p>
@@ -7312,9 +7303,27 @@
                 <a:tableStyleId>{5C22544A-7EE6-4342-B048-85BDC9FD1C3A}</a:tableStyleId>
               </a:tblPr>
               <a:tblGrid>
-                <a:gridCol w="1895475"/>
-                <a:gridCol w="3171825"/>
-                <a:gridCol w="3162300"/>
+                <a:gridCol w="1895475">
+                  <a:extLst>
+                    <a:ext uri="{9D8B030D-6E8A-4147-A177-3AD203B41FA5}">
+                      <a16:colId xmlns:a16="http://schemas.microsoft.com/office/drawing/2014/main" val="20000"/>
+                    </a:ext>
+                  </a:extLst>
+                </a:gridCol>
+                <a:gridCol w="3171825">
+                  <a:extLst>
+                    <a:ext uri="{9D8B030D-6E8A-4147-A177-3AD203B41FA5}">
+                      <a16:colId xmlns:a16="http://schemas.microsoft.com/office/drawing/2014/main" val="20001"/>
+                    </a:ext>
+                  </a:extLst>
+                </a:gridCol>
+                <a:gridCol w="3162300">
+                  <a:extLst>
+                    <a:ext uri="{9D8B030D-6E8A-4147-A177-3AD203B41FA5}">
+                      <a16:colId xmlns:a16="http://schemas.microsoft.com/office/drawing/2014/main" val="20002"/>
+                    </a:ext>
+                  </a:extLst>
+                </a:gridCol>
               </a:tblGrid>
               <a:tr h="397986">
                 <a:tc>
@@ -7323,10 +7332,9 @@
                     <a:lstStyle/>
                     <a:p>
                       <a:r>
-                        <a:rPr lang="en-US" dirty="0" smtClean="0"/>
+                        <a:rPr lang="en-US" dirty="0"/>
                         <a:t>Format</a:t>
                       </a:r>
-                      <a:endParaRPr lang="en-US" dirty="0"/>
                     </a:p>
                   </a:txBody>
                   <a:tcPr/>
@@ -7337,10 +7345,9 @@
                     <a:lstStyle/>
                     <a:p>
                       <a:r>
-                        <a:rPr lang="en-US" dirty="0" smtClean="0"/>
+                        <a:rPr lang="en-US" dirty="0"/>
                         <a:t>Example</a:t>
                       </a:r>
-                      <a:endParaRPr lang="en-US" dirty="0"/>
                     </a:p>
                   </a:txBody>
                   <a:tcPr/>
@@ -7351,14 +7358,18 @@
                     <a:lstStyle/>
                     <a:p>
                       <a:r>
-                        <a:rPr lang="en-US" dirty="0" smtClean="0"/>
+                        <a:rPr lang="en-US" dirty="0"/>
                         <a:t>Common uses</a:t>
                       </a:r>
-                      <a:endParaRPr lang="en-US" dirty="0"/>
                     </a:p>
                   </a:txBody>
                   <a:tcPr/>
                 </a:tc>
+                <a:extLst>
+                  <a:ext uri="{0D108BD9-81ED-4DB2-BD59-A6C34878D82A}">
+                    <a16:rowId xmlns:a16="http://schemas.microsoft.com/office/drawing/2014/main" val="10000"/>
+                  </a:ext>
+                </a:extLst>
               </a:tr>
               <a:tr h="370840">
                 <a:tc>
@@ -7367,10 +7378,9 @@
                     <a:lstStyle/>
                     <a:p>
                       <a:r>
-                        <a:rPr lang="en-US" dirty="0" smtClean="0"/>
+                        <a:rPr lang="en-US" dirty="0"/>
                         <a:t>Colon-separated (hexadecimal)</a:t>
                       </a:r>
-                      <a:endParaRPr lang="en-US" dirty="0"/>
                     </a:p>
                   </a:txBody>
                   <a:tcPr/>
@@ -7398,7 +7408,7 @@
                         <a:defRPr/>
                       </a:pPr>
                       <a:r>
-                        <a:rPr lang="en-US" dirty="0" smtClean="0"/>
+                        <a:rPr lang="en-US" dirty="0"/>
                         <a:t>000001c0:0000006b:0005</a:t>
                       </a:r>
                     </a:p>
@@ -7414,14 +7424,18 @@
                     <a:lstStyle/>
                     <a:p>
                       <a:r>
-                        <a:rPr lang="en-US" dirty="0" smtClean="0"/>
+                        <a:rPr lang="en-US" dirty="0"/>
                         <a:t>Log management</a:t>
                       </a:r>
-                      <a:endParaRPr lang="en-US" dirty="0"/>
                     </a:p>
                   </a:txBody>
                   <a:tcPr/>
                 </a:tc>
+                <a:extLst>
+                  <a:ext uri="{0D108BD9-81ED-4DB2-BD59-A6C34878D82A}">
+                    <a16:rowId xmlns:a16="http://schemas.microsoft.com/office/drawing/2014/main" val="10001"/>
+                  </a:ext>
+                </a:extLst>
               </a:tr>
               <a:tr h="370840">
                 <a:tc>
@@ -7430,10 +7444,9 @@
                     <a:lstStyle/>
                     <a:p>
                       <a:r>
-                        <a:rPr lang="en-US" dirty="0" smtClean="0"/>
+                        <a:rPr lang="en-US" dirty="0"/>
                         <a:t>Hexadecimal</a:t>
                       </a:r>
-                      <a:endParaRPr lang="en-US" dirty="0"/>
                     </a:p>
                   </a:txBody>
                   <a:tcPr/>
@@ -7461,7 +7474,7 @@
                         <a:defRPr/>
                       </a:pPr>
                       <a:r>
-                        <a:rPr lang="en-US" sz="1800" kern="1200" dirty="0" smtClean="0">
+                        <a:rPr lang="en-US" sz="1800" kern="1200" dirty="0">
                           <a:solidFill>
                             <a:schemeClr val="dk1"/>
                           </a:solidFill>
@@ -7470,36 +7483,6 @@
                           <a:cs typeface="+mn-cs"/>
                         </a:rPr>
                         <a:t>0x000001c00000006b0005</a:t>
-                      </a:r>
-                      <a:endParaRPr lang="en-US" dirty="0" smtClean="0"/>
-                    </a:p>
-                  </a:txBody>
-                  <a:tcPr/>
-                </a:tc>
-                <a:tc>
-                  <a:txBody>
-                    <a:bodyPr/>
-                    <a:lstStyle/>
-                    <a:p>
-                      <a:r>
-                        <a:rPr lang="en-US" dirty="0" smtClean="0"/>
-                        <a:t>Change data capture</a:t>
-                      </a:r>
-                      <a:endParaRPr lang="en-US" dirty="0"/>
-                    </a:p>
-                  </a:txBody>
-                  <a:tcPr/>
-                </a:tc>
-              </a:tr>
-              <a:tr h="370840">
-                <a:tc>
-                  <a:txBody>
-                    <a:bodyPr/>
-                    <a:lstStyle/>
-                    <a:p>
-                      <a:r>
-                        <a:rPr lang="en-US" dirty="0" smtClean="0"/>
-                        <a:t>Decimal</a:t>
                       </a:r>
                       <a:endParaRPr lang="en-US" dirty="0"/>
                     </a:p>
@@ -7512,10 +7495,29 @@
                     <a:lstStyle/>
                     <a:p>
                       <a:r>
-                        <a:rPr lang="en-US" dirty="0" smtClean="0"/>
-                        <a:t>448000000010700005</a:t>
+                        <a:rPr lang="en-US" dirty="0"/>
+                        <a:t>Change data capture</a:t>
                       </a:r>
-                      <a:endParaRPr lang="en-US" dirty="0"/>
+                    </a:p>
+                  </a:txBody>
+                  <a:tcPr/>
+                </a:tc>
+                <a:extLst>
+                  <a:ext uri="{0D108BD9-81ED-4DB2-BD59-A6C34878D82A}">
+                    <a16:rowId xmlns:a16="http://schemas.microsoft.com/office/drawing/2014/main" val="10002"/>
+                  </a:ext>
+                </a:extLst>
+              </a:tr>
+              <a:tr h="370840">
+                <a:tc>
+                  <a:txBody>
+                    <a:bodyPr/>
+                    <a:lstStyle/>
+                    <a:p>
+                      <a:r>
+                        <a:rPr lang="en-US" dirty="0"/>
+                        <a:t>Decimal</a:t>
+                      </a:r>
                     </a:p>
                   </a:txBody>
                   <a:tcPr/>
@@ -7526,14 +7528,31 @@
                     <a:lstStyle/>
                     <a:p>
                       <a:r>
-                        <a:rPr lang="en-US" dirty="0" smtClean="0"/>
-                        <a:t>Backup</a:t>
+                        <a:rPr lang="en-US" dirty="0"/>
+                        <a:t>448000000010700005</a:t>
                       </a:r>
-                      <a:endParaRPr lang="en-US" dirty="0"/>
                     </a:p>
                   </a:txBody>
                   <a:tcPr/>
                 </a:tc>
+                <a:tc>
+                  <a:txBody>
+                    <a:bodyPr/>
+                    <a:lstStyle/>
+                    <a:p>
+                      <a:r>
+                        <a:rPr lang="en-US" dirty="0"/>
+                        <a:t>Backup</a:t>
+                      </a:r>
+                    </a:p>
+                  </a:txBody>
+                  <a:tcPr/>
+                </a:tc>
+                <a:extLst>
+                  <a:ext uri="{0D108BD9-81ED-4DB2-BD59-A6C34878D82A}">
+                    <a16:rowId xmlns:a16="http://schemas.microsoft.com/office/drawing/2014/main" val="10003"/>
+                  </a:ext>
+                </a:extLst>
               </a:tr>
             </a:tbl>
           </a:graphicData>
@@ -7703,7 +7722,7 @@
               <a:buNone/>
             </a:pPr>
             <a:r>
-              <a:rPr lang="en-US" dirty="0" smtClean="0"/>
+              <a:rPr lang="en-US" dirty="0"/>
               <a:t>These three LSNs are equivalent</a:t>
             </a:r>
           </a:p>
@@ -7755,18 +7774,17 @@
           <a:lstStyle/>
           <a:p>
             <a:r>
-              <a:rPr lang="en-US" dirty="0" smtClean="0"/>
+              <a:rPr lang="en-US" dirty="0"/>
               <a:t>DBCC LOGINFO(‘</a:t>
             </a:r>
             <a:r>
-              <a:rPr lang="en-US" dirty="0" err="1" smtClean="0"/>
+              <a:rPr lang="en-US" dirty="0" err="1"/>
               <a:t>db_name</a:t>
             </a:r>
             <a:r>
-              <a:rPr lang="en-US" dirty="0" smtClean="0"/>
+              <a:rPr lang="en-US" dirty="0"/>
               <a:t>’)</a:t>
             </a:r>
-            <a:endParaRPr lang="en-US" dirty="0"/>
           </a:p>
         </p:txBody>
       </p:sp>
@@ -7794,10 +7812,9 @@
               <a:buNone/>
             </a:pPr>
             <a:r>
-              <a:rPr lang="en-US" dirty="0" smtClean="0"/>
+              <a:rPr lang="en-US" dirty="0"/>
               <a:t>Returns one row per VLF</a:t>
             </a:r>
-            <a:endParaRPr lang="en-US" dirty="0"/>
           </a:p>
         </p:txBody>
       </p:sp>
@@ -7871,30 +7888,29 @@
           <a:lstStyle/>
           <a:p>
             <a:r>
-              <a:rPr lang="en-US" dirty="0" err="1" smtClean="0"/>
+              <a:rPr lang="en-US" dirty="0" err="1"/>
               <a:t>fn_dblog</a:t>
             </a:r>
             <a:r>
-              <a:rPr lang="en-US" dirty="0" smtClean="0"/>
+              <a:rPr lang="en-US" dirty="0"/>
               <a:t>(</a:t>
             </a:r>
             <a:r>
-              <a:rPr lang="en-US" dirty="0" err="1" smtClean="0"/>
+              <a:rPr lang="en-US" dirty="0" err="1"/>
               <a:t>start_lsn</a:t>
             </a:r>
             <a:r>
-              <a:rPr lang="en-US" dirty="0" smtClean="0"/>
+              <a:rPr lang="en-US" dirty="0"/>
               <a:t>, </a:t>
             </a:r>
             <a:r>
-              <a:rPr lang="en-US" dirty="0" err="1" smtClean="0"/>
+              <a:rPr lang="en-US" dirty="0" err="1"/>
               <a:t>end_lsn</a:t>
             </a:r>
             <a:r>
-              <a:rPr lang="en-US" dirty="0" smtClean="0"/>
+              <a:rPr lang="en-US" dirty="0"/>
               <a:t>)</a:t>
             </a:r>
-            <a:endParaRPr lang="en-US" dirty="0"/>
           </a:p>
         </p:txBody>
       </p:sp>
@@ -7922,10 +7938,9 @@
               <a:buNone/>
             </a:pPr>
             <a:r>
-              <a:rPr lang="en-US" dirty="0" smtClean="0"/>
+              <a:rPr lang="en-US" dirty="0"/>
               <a:t>Returns one row per log record</a:t>
             </a:r>
-            <a:endParaRPr lang="en-US" dirty="0"/>
           </a:p>
         </p:txBody>
       </p:sp>
@@ -7999,10 +8014,9 @@
           <a:lstStyle/>
           <a:p>
             <a:r>
-              <a:rPr lang="en-US" dirty="0" smtClean="0"/>
+              <a:rPr lang="en-US" dirty="0"/>
               <a:t>Related commands/function</a:t>
             </a:r>
-            <a:endParaRPr lang="en-US" dirty="0"/>
           </a:p>
         </p:txBody>
       </p:sp>
@@ -8022,40 +8036,40 @@
           <a:lstStyle/>
           <a:p>
             <a:r>
-              <a:rPr lang="en-US" dirty="0" smtClean="0"/>
+              <a:rPr lang="en-US" dirty="0"/>
               <a:t>DBCC SQLPERF(LOGSPACE)</a:t>
             </a:r>
           </a:p>
           <a:p>
             <a:pPr lvl="1"/>
             <a:r>
-              <a:rPr lang="en-US" dirty="0" smtClean="0"/>
+              <a:rPr lang="en-US" dirty="0"/>
               <a:t>Log size, percent used per database</a:t>
             </a:r>
           </a:p>
           <a:p>
             <a:r>
-              <a:rPr lang="en-US" dirty="0" err="1" smtClean="0"/>
+              <a:rPr lang="en-US" dirty="0" err="1"/>
               <a:t>fn_dump_dblog</a:t>
             </a:r>
-            <a:endParaRPr lang="en-US" dirty="0" smtClean="0"/>
+            <a:endParaRPr lang="en-US" dirty="0"/>
           </a:p>
           <a:p>
             <a:pPr lvl="1"/>
             <a:r>
-              <a:rPr lang="en-US" dirty="0" smtClean="0"/>
+              <a:rPr lang="en-US" dirty="0"/>
               <a:t>Similar to </a:t>
             </a:r>
             <a:r>
-              <a:rPr lang="en-US" dirty="0" err="1" smtClean="0"/>
+              <a:rPr lang="en-US" dirty="0" err="1"/>
               <a:t>fn_dblog</a:t>
             </a:r>
             <a:r>
-              <a:rPr lang="en-US" dirty="0" smtClean="0"/>
+              <a:rPr lang="en-US" dirty="0"/>
               <a:t>, but reads </a:t>
             </a:r>
             <a:r>
-              <a:rPr lang="en-US" smtClean="0"/>
+              <a:rPr lang="en-US"/>
               <a:t>from backup file</a:t>
             </a:r>
             <a:endParaRPr lang="en-US" dirty="0"/>
@@ -8066,6 +8080,157 @@
     <p:extLst>
       <p:ext uri="{BB962C8B-B14F-4D97-AF65-F5344CB8AC3E}">
         <p14:creationId xmlns:p14="http://schemas.microsoft.com/office/powerpoint/2010/main" val="961231621"/>
+      </p:ext>
+    </p:extLst>
+  </p:cSld>
+  <p:clrMapOvr>
+    <a:masterClrMapping/>
+  </p:clrMapOvr>
+</p:sld>
+</file>
+
+<file path=ppt/slides/slide25.xml><?xml version="1.0" encoding="utf-8"?>
+<p:sld xmlns:a="http://schemas.openxmlformats.org/drawingml/2006/main" xmlns:r="http://schemas.openxmlformats.org/officeDocument/2006/relationships" xmlns:p="http://schemas.openxmlformats.org/presentationml/2006/main">
+  <p:cSld>
+    <p:spTree>
+      <p:nvGrpSpPr>
+        <p:cNvPr id="1" name=""/>
+        <p:cNvGrpSpPr/>
+        <p:nvPr/>
+      </p:nvGrpSpPr>
+      <p:grpSpPr>
+        <a:xfrm>
+          <a:off x="0" y="0"/>
+          <a:ext cx="0" cy="0"/>
+          <a:chOff x="0" y="0"/>
+          <a:chExt cx="0" cy="0"/>
+        </a:xfrm>
+      </p:grpSpPr>
+      <p:sp>
+        <p:nvSpPr>
+          <p:cNvPr id="2" name="Title 1"/>
+          <p:cNvSpPr>
+            <a:spLocks noGrp="1"/>
+          </p:cNvSpPr>
+          <p:nvPr>
+            <p:ph type="title"/>
+          </p:nvPr>
+        </p:nvSpPr>
+        <p:spPr/>
+        <p:txBody>
+          <a:bodyPr/>
+          <a:lstStyle/>
+          <a:p>
+            <a:r>
+              <a:rPr lang="en-US" dirty="0"/>
+              <a:t>Recovery Models</a:t>
+            </a:r>
+          </a:p>
+        </p:txBody>
+      </p:sp>
+      <p:sp>
+        <p:nvSpPr>
+          <p:cNvPr id="3" name="Content Placeholder 2"/>
+          <p:cNvSpPr>
+            <a:spLocks noGrp="1"/>
+          </p:cNvSpPr>
+          <p:nvPr>
+            <p:ph idx="1"/>
+          </p:nvPr>
+        </p:nvSpPr>
+        <p:spPr/>
+        <p:txBody>
+          <a:bodyPr>
+            <a:normAutofit fontScale="92500" lnSpcReduction="10000"/>
+          </a:bodyPr>
+          <a:lstStyle/>
+          <a:p>
+            <a:r>
+              <a:rPr lang="en-US" dirty="0"/>
+              <a:t>Impacts how SQL logs changes</a:t>
+            </a:r>
+          </a:p>
+          <a:p>
+            <a:pPr lvl="1"/>
+            <a:r>
+              <a:rPr lang="en-US" dirty="0"/>
+              <a:t>Simple recovery model</a:t>
+            </a:r>
+          </a:p>
+          <a:p>
+            <a:pPr lvl="2"/>
+            <a:r>
+              <a:rPr lang="en-US" dirty="0"/>
+              <a:t>All changes logged, but can be discarded on commit</a:t>
+            </a:r>
+          </a:p>
+          <a:p>
+            <a:pPr lvl="2"/>
+            <a:r>
+              <a:rPr lang="en-US" dirty="0"/>
+              <a:t>Can only recover to the latest full backup</a:t>
+            </a:r>
+          </a:p>
+          <a:p>
+            <a:pPr lvl="1"/>
+            <a:r>
+              <a:rPr lang="en-US" dirty="0"/>
+              <a:t>Full recovery model</a:t>
+            </a:r>
+          </a:p>
+          <a:p>
+            <a:pPr lvl="2"/>
+            <a:r>
+              <a:rPr lang="en-US" dirty="0"/>
+              <a:t>Log records must be kept until log backup completed</a:t>
+            </a:r>
+          </a:p>
+          <a:p>
+            <a:pPr lvl="2"/>
+            <a:r>
+              <a:rPr lang="en-US" dirty="0"/>
+              <a:t>Can recover to an arbitrary point in time</a:t>
+            </a:r>
+          </a:p>
+          <a:p>
+            <a:pPr lvl="1"/>
+            <a:r>
+              <a:rPr lang="en-US" dirty="0"/>
+              <a:t>Bulk-logged recovery model</a:t>
+            </a:r>
+          </a:p>
+          <a:p>
+            <a:pPr lvl="2"/>
+            <a:r>
+              <a:rPr lang="en-US" dirty="0"/>
+              <a:t>Similar to full model, but some changes are only “noted” rather than fully logged</a:t>
+            </a:r>
+          </a:p>
+          <a:p>
+            <a:pPr lvl="2"/>
+            <a:r>
+              <a:rPr lang="en-US" dirty="0"/>
+              <a:t>Log backups still include all changes</a:t>
+            </a:r>
+          </a:p>
+          <a:p>
+            <a:pPr lvl="2"/>
+            <a:r>
+              <a:rPr lang="en-US" dirty="0"/>
+              <a:t>Point-in-time recovery </a:t>
+            </a:r>
+            <a:r>
+              <a:rPr lang="en-US"/>
+              <a:t>not possible</a:t>
+            </a:r>
+            <a:endParaRPr lang="en-US" dirty="0"/>
+          </a:p>
+        </p:txBody>
+      </p:sp>
+    </p:spTree>
+    <p:extLst>
+      <p:ext uri="{BB962C8B-B14F-4D97-AF65-F5344CB8AC3E}">
+        <p14:creationId xmlns:p14="http://schemas.microsoft.com/office/powerpoint/2010/main" val="3098932775"/>
       </p:ext>
     </p:extLst>
   </p:cSld>
@@ -8448,11 +8613,7 @@
             </a:r>
             <a:r>
               <a:rPr lang="en-US"/>
-              <a:t> </a:t>
-            </a:r>
-            <a:r>
-              <a:rPr lang="en-US" smtClean="0"/>
-              <a:t>operations</a:t>
+              <a:t> operations</a:t>
             </a:r>
             <a:endParaRPr lang="en-US" dirty="0"/>
           </a:p>

--- a/TransactionLog.pptx
+++ b/TransactionLog.pptx
@@ -5,7 +5,7 @@
     <p:sldMasterId id="2147483648" r:id="rId1"/>
   </p:sldMasterIdLst>
   <p:notesMasterIdLst>
-    <p:notesMasterId r:id="rId27"/>
+    <p:notesMasterId r:id="rId30"/>
   </p:notesMasterIdLst>
   <p:sldIdLst>
     <p:sldId id="328" r:id="rId2"/>
@@ -32,7 +32,10 @@
     <p:sldId id="349" r:id="rId23"/>
     <p:sldId id="350" r:id="rId24"/>
     <p:sldId id="351" r:id="rId25"/>
-    <p:sldId id="352" r:id="rId26"/>
+    <p:sldId id="354" r:id="rId26"/>
+    <p:sldId id="353" r:id="rId27"/>
+    <p:sldId id="352" r:id="rId28"/>
+    <p:sldId id="355" r:id="rId29"/>
   </p:sldIdLst>
   <p:sldSz cx="9144000" cy="6858000" type="screen4x3"/>
   <p:notesSz cx="6858000" cy="9144000"/>
@@ -232,7 +235,7 @@
           <a:p>
             <a:fld id="{2EDCB34D-5EC2-4739-9693-E425457AC201}" type="datetimeFigureOut">
               <a:rPr lang="en-US" smtClean="0"/>
-              <a:t>8/5/2016</a:t>
+              <a:t>8/8/2016</a:t>
             </a:fld>
             <a:endParaRPr lang="en-US"/>
           </a:p>
@@ -818,7 +821,7 @@
             <a:fld id="{5942B21B-2ADA-A040-A652-A7305E1B99FE}" type="datetimeFigureOut">
               <a:rPr lang="en-US" smtClean="0"/>
               <a:pPr/>
-              <a:t>8/5/2016</a:t>
+              <a:t>8/8/2016</a:t>
             </a:fld>
             <a:endParaRPr lang="en-US" dirty="0"/>
           </a:p>
@@ -1008,7 +1011,7 @@
           <a:p>
             <a:fld id="{5942B21B-2ADA-A040-A652-A7305E1B99FE}" type="datetimeFigureOut">
               <a:rPr lang="en-US" smtClean="0"/>
-              <a:t>8/5/2016</a:t>
+              <a:t>8/8/2016</a:t>
             </a:fld>
             <a:endParaRPr lang="en-US"/>
           </a:p>
@@ -1132,7 +1135,7 @@
             <a:fld id="{5942B21B-2ADA-A040-A652-A7305E1B99FE}" type="datetimeFigureOut">
               <a:rPr lang="en-US" smtClean="0"/>
               <a:pPr/>
-              <a:t>8/5/2016</a:t>
+              <a:t>8/8/2016</a:t>
             </a:fld>
             <a:r>
               <a:rPr lang="en-US"/>
@@ -1403,7 +1406,7 @@
             <a:fld id="{5942B21B-2ADA-A040-A652-A7305E1B99FE}" type="datetimeFigureOut">
               <a:rPr lang="en-US" smtClean="0"/>
               <a:pPr/>
-              <a:t>8/5/2016</a:t>
+              <a:t>8/8/2016</a:t>
             </a:fld>
             <a:r>
               <a:rPr lang="en-US" dirty="0"/>
@@ -1673,7 +1676,7 @@
             <a:fld id="{5942B21B-2ADA-A040-A652-A7305E1B99FE}" type="datetimeFigureOut">
               <a:rPr lang="en-US" smtClean="0"/>
               <a:pPr/>
-              <a:t>8/5/2016</a:t>
+              <a:t>8/8/2016</a:t>
             </a:fld>
             <a:r>
               <a:rPr lang="en-US" dirty="0"/>
@@ -2013,7 +2016,7 @@
             <a:fld id="{5942B21B-2ADA-A040-A652-A7305E1B99FE}" type="datetimeFigureOut">
               <a:rPr lang="en-US" smtClean="0"/>
               <a:pPr/>
-              <a:t>8/5/2016</a:t>
+              <a:t>8/8/2016</a:t>
             </a:fld>
             <a:r>
               <a:rPr lang="en-US" dirty="0"/>
@@ -2354,7 +2357,7 @@
             <a:fld id="{5942B21B-2ADA-A040-A652-A7305E1B99FE}" type="datetimeFigureOut">
               <a:rPr lang="en-US" smtClean="0"/>
               <a:pPr/>
-              <a:t>8/5/2016</a:t>
+              <a:t>8/8/2016</a:t>
             </a:fld>
             <a:r>
               <a:rPr lang="en-US" dirty="0"/>
@@ -2869,7 +2872,7 @@
             <a:fld id="{5942B21B-2ADA-A040-A652-A7305E1B99FE}" type="datetimeFigureOut">
               <a:rPr lang="en-US" smtClean="0"/>
               <a:pPr/>
-              <a:t>8/5/2016</a:t>
+              <a:t>8/8/2016</a:t>
             </a:fld>
             <a:r>
               <a:rPr lang="en-US" dirty="0"/>
@@ -3078,7 +3081,7 @@
             <a:fld id="{5942B21B-2ADA-A040-A652-A7305E1B99FE}" type="datetimeFigureOut">
               <a:rPr lang="en-US" smtClean="0"/>
               <a:pPr/>
-              <a:t>8/5/2016</a:t>
+              <a:t>8/8/2016</a:t>
             </a:fld>
             <a:r>
               <a:rPr lang="en-US" dirty="0"/>
@@ -3265,7 +3268,7 @@
             <a:fld id="{5942B21B-2ADA-A040-A652-A7305E1B99FE}" type="datetimeFigureOut">
               <a:rPr lang="en-US" smtClean="0"/>
               <a:pPr/>
-              <a:t>8/5/2016</a:t>
+              <a:t>8/8/2016</a:t>
             </a:fld>
             <a:r>
               <a:rPr lang="en-US" dirty="0"/>
@@ -3596,7 +3599,7 @@
             <a:fld id="{5942B21B-2ADA-A040-A652-A7305E1B99FE}" type="datetimeFigureOut">
               <a:rPr lang="en-US" smtClean="0"/>
               <a:pPr/>
-              <a:t>8/5/2016</a:t>
+              <a:t>8/8/2016</a:t>
             </a:fld>
             <a:r>
               <a:rPr lang="en-US" dirty="0"/>
@@ -3904,7 +3907,7 @@
             <a:fld id="{5942B21B-2ADA-A040-A652-A7305E1B99FE}" type="datetimeFigureOut">
               <a:rPr lang="en-US" smtClean="0"/>
               <a:pPr/>
-              <a:t>8/5/2016</a:t>
+              <a:t>8/8/2016</a:t>
             </a:fld>
             <a:r>
               <a:rPr lang="en-US" dirty="0"/>
@@ -4183,7 +4186,7 @@
             <a:fld id="{5942B21B-2ADA-A040-A652-A7305E1B99FE}" type="datetimeFigureOut">
               <a:rPr lang="en-US" smtClean="0"/>
               <a:pPr/>
-              <a:t>8/5/2016</a:t>
+              <a:t>8/8/2016</a:t>
             </a:fld>
             <a:r>
               <a:rPr lang="en-US" dirty="0"/>
@@ -8123,6 +8126,235 @@
           <a:p>
             <a:r>
               <a:rPr lang="en-US" dirty="0"/>
+              <a:t>Checkpoint</a:t>
+            </a:r>
+          </a:p>
+        </p:txBody>
+      </p:sp>
+      <p:sp>
+        <p:nvSpPr>
+          <p:cNvPr id="3" name="Content Placeholder 2"/>
+          <p:cNvSpPr>
+            <a:spLocks noGrp="1"/>
+          </p:cNvSpPr>
+          <p:nvPr>
+            <p:ph idx="1"/>
+          </p:nvPr>
+        </p:nvSpPr>
+        <p:spPr/>
+        <p:txBody>
+          <a:bodyPr/>
+          <a:lstStyle/>
+          <a:p>
+            <a:r>
+              <a:rPr lang="en-US" dirty="0"/>
+              <a:t>Process of writing dirty pages from the buffer pool to disk</a:t>
+            </a:r>
+          </a:p>
+          <a:p>
+            <a:pPr lvl="1"/>
+            <a:r>
+              <a:rPr lang="en-US" dirty="0"/>
+              <a:t>Irrespective of transaction completion</a:t>
+            </a:r>
+          </a:p>
+          <a:p>
+            <a:r>
+              <a:rPr lang="en-US" dirty="0"/>
+              <a:t>Triggers</a:t>
+            </a:r>
+          </a:p>
+          <a:p>
+            <a:pPr lvl="1"/>
+            <a:r>
+              <a:rPr lang="en-US" dirty="0"/>
+              <a:t>Automatic</a:t>
+            </a:r>
+          </a:p>
+          <a:p>
+            <a:pPr lvl="1"/>
+            <a:r>
+              <a:rPr lang="en-US" dirty="0"/>
+              <a:t>Indirect</a:t>
+            </a:r>
+          </a:p>
+          <a:p>
+            <a:pPr lvl="1"/>
+            <a:r>
+              <a:rPr lang="en-US" dirty="0"/>
+              <a:t>Internal</a:t>
+            </a:r>
+          </a:p>
+          <a:p>
+            <a:pPr lvl="1"/>
+            <a:r>
+              <a:rPr lang="en-US" dirty="0"/>
+              <a:t>Manual</a:t>
+            </a:r>
+          </a:p>
+          <a:p>
+            <a:pPr marL="0" indent="0">
+              <a:buNone/>
+            </a:pPr>
+            <a:endParaRPr lang="en-US" dirty="0"/>
+          </a:p>
+        </p:txBody>
+      </p:sp>
+    </p:spTree>
+    <p:extLst>
+      <p:ext uri="{BB962C8B-B14F-4D97-AF65-F5344CB8AC3E}">
+        <p14:creationId xmlns:p14="http://schemas.microsoft.com/office/powerpoint/2010/main" val="998445908"/>
+      </p:ext>
+    </p:extLst>
+  </p:cSld>
+  <p:clrMapOvr>
+    <a:masterClrMapping/>
+  </p:clrMapOvr>
+</p:sld>
+</file>
+
+<file path=ppt/slides/slide26.xml><?xml version="1.0" encoding="utf-8"?>
+<p:sld xmlns:a="http://schemas.openxmlformats.org/drawingml/2006/main" xmlns:r="http://schemas.openxmlformats.org/officeDocument/2006/relationships" xmlns:p="http://schemas.openxmlformats.org/presentationml/2006/main">
+  <p:cSld>
+    <p:spTree>
+      <p:nvGrpSpPr>
+        <p:cNvPr id="1" name=""/>
+        <p:cNvGrpSpPr/>
+        <p:nvPr/>
+      </p:nvGrpSpPr>
+      <p:grpSpPr>
+        <a:xfrm>
+          <a:off x="0" y="0"/>
+          <a:ext cx="0" cy="0"/>
+          <a:chOff x="0" y="0"/>
+          <a:chExt cx="0" cy="0"/>
+        </a:xfrm>
+      </p:grpSpPr>
+      <p:sp>
+        <p:nvSpPr>
+          <p:cNvPr id="2" name="Title 1"/>
+          <p:cNvSpPr>
+            <a:spLocks noGrp="1"/>
+          </p:cNvSpPr>
+          <p:nvPr>
+            <p:ph type="title"/>
+          </p:nvPr>
+        </p:nvSpPr>
+        <p:spPr/>
+        <p:txBody>
+          <a:bodyPr/>
+          <a:lstStyle/>
+          <a:p>
+            <a:r>
+              <a:rPr lang="en-US" dirty="0"/>
+              <a:t>Flushing the Log</a:t>
+            </a:r>
+          </a:p>
+        </p:txBody>
+      </p:sp>
+      <p:sp>
+        <p:nvSpPr>
+          <p:cNvPr id="3" name="Content Placeholder 2"/>
+          <p:cNvSpPr>
+            <a:spLocks noGrp="1"/>
+          </p:cNvSpPr>
+          <p:nvPr>
+            <p:ph idx="1"/>
+          </p:nvPr>
+        </p:nvSpPr>
+        <p:spPr/>
+        <p:txBody>
+          <a:bodyPr/>
+          <a:lstStyle/>
+          <a:p>
+            <a:r>
+              <a:rPr lang="en-US" dirty="0"/>
+              <a:t>Flushing = closing a log block</a:t>
+            </a:r>
+          </a:p>
+          <a:p>
+            <a:r>
+              <a:rPr lang="en-US" dirty="0"/>
+              <a:t>Triggers</a:t>
+            </a:r>
+          </a:p>
+          <a:p>
+            <a:pPr lvl="1"/>
+            <a:r>
+              <a:rPr lang="en-US" dirty="0"/>
+              <a:t>60K limit reached</a:t>
+            </a:r>
+          </a:p>
+          <a:p>
+            <a:pPr lvl="1"/>
+            <a:r>
+              <a:rPr lang="en-US" dirty="0"/>
+              <a:t>Transaction commits</a:t>
+            </a:r>
+          </a:p>
+          <a:p>
+            <a:pPr lvl="1"/>
+            <a:r>
+              <a:rPr lang="en-US" dirty="0"/>
+              <a:t>Transaction rollbacks</a:t>
+            </a:r>
+          </a:p>
+          <a:p>
+            <a:pPr lvl="1"/>
+            <a:r>
+              <a:rPr lang="en-US" dirty="0"/>
+              <a:t>Checkpoint</a:t>
+            </a:r>
+          </a:p>
+        </p:txBody>
+      </p:sp>
+    </p:spTree>
+    <p:extLst>
+      <p:ext uri="{BB962C8B-B14F-4D97-AF65-F5344CB8AC3E}">
+        <p14:creationId xmlns:p14="http://schemas.microsoft.com/office/powerpoint/2010/main" val="4039889923"/>
+      </p:ext>
+    </p:extLst>
+  </p:cSld>
+  <p:clrMapOvr>
+    <a:masterClrMapping/>
+  </p:clrMapOvr>
+</p:sld>
+</file>
+
+<file path=ppt/slides/slide27.xml><?xml version="1.0" encoding="utf-8"?>
+<p:sld xmlns:a="http://schemas.openxmlformats.org/drawingml/2006/main" xmlns:r="http://schemas.openxmlformats.org/officeDocument/2006/relationships" xmlns:p="http://schemas.openxmlformats.org/presentationml/2006/main">
+  <p:cSld>
+    <p:spTree>
+      <p:nvGrpSpPr>
+        <p:cNvPr id="1" name=""/>
+        <p:cNvGrpSpPr/>
+        <p:nvPr/>
+      </p:nvGrpSpPr>
+      <p:grpSpPr>
+        <a:xfrm>
+          <a:off x="0" y="0"/>
+          <a:ext cx="0" cy="0"/>
+          <a:chOff x="0" y="0"/>
+          <a:chExt cx="0" cy="0"/>
+        </a:xfrm>
+      </p:grpSpPr>
+      <p:sp>
+        <p:nvSpPr>
+          <p:cNvPr id="2" name="Title 1"/>
+          <p:cNvSpPr>
+            <a:spLocks noGrp="1"/>
+          </p:cNvSpPr>
+          <p:nvPr>
+            <p:ph type="title"/>
+          </p:nvPr>
+        </p:nvSpPr>
+        <p:spPr/>
+        <p:txBody>
+          <a:bodyPr/>
+          <a:lstStyle/>
+          <a:p>
+            <a:r>
+              <a:rPr lang="en-US" dirty="0"/>
               <a:t>Recovery Models</a:t>
             </a:r>
           </a:p>
@@ -8231,6 +8463,127 @@
     <p:extLst>
       <p:ext uri="{BB962C8B-B14F-4D97-AF65-F5344CB8AC3E}">
         <p14:creationId xmlns:p14="http://schemas.microsoft.com/office/powerpoint/2010/main" val="3098932775"/>
+      </p:ext>
+    </p:extLst>
+  </p:cSld>
+  <p:clrMapOvr>
+    <a:masterClrMapping/>
+  </p:clrMapOvr>
+</p:sld>
+</file>
+
+<file path=ppt/slides/slide28.xml><?xml version="1.0" encoding="utf-8"?>
+<p:sld xmlns:a="http://schemas.openxmlformats.org/drawingml/2006/main" xmlns:r="http://schemas.openxmlformats.org/officeDocument/2006/relationships" xmlns:p="http://schemas.openxmlformats.org/presentationml/2006/main">
+  <p:cSld>
+    <p:spTree>
+      <p:nvGrpSpPr>
+        <p:cNvPr id="1" name=""/>
+        <p:cNvGrpSpPr/>
+        <p:nvPr/>
+      </p:nvGrpSpPr>
+      <p:grpSpPr>
+        <a:xfrm>
+          <a:off x="0" y="0"/>
+          <a:ext cx="0" cy="0"/>
+          <a:chOff x="0" y="0"/>
+          <a:chExt cx="0" cy="0"/>
+        </a:xfrm>
+      </p:grpSpPr>
+      <p:sp>
+        <p:nvSpPr>
+          <p:cNvPr id="2" name="Title 1"/>
+          <p:cNvSpPr>
+            <a:spLocks noGrp="1"/>
+          </p:cNvSpPr>
+          <p:nvPr>
+            <p:ph type="title"/>
+          </p:nvPr>
+        </p:nvSpPr>
+        <p:spPr/>
+        <p:txBody>
+          <a:bodyPr/>
+          <a:lstStyle/>
+          <a:p>
+            <a:r>
+              <a:rPr lang="en-US" dirty="0"/>
+              <a:t>Clearing the Log</a:t>
+            </a:r>
+          </a:p>
+        </p:txBody>
+      </p:sp>
+      <p:sp>
+        <p:nvSpPr>
+          <p:cNvPr id="3" name="Content Placeholder 2"/>
+          <p:cNvSpPr>
+            <a:spLocks noGrp="1"/>
+          </p:cNvSpPr>
+          <p:nvPr>
+            <p:ph idx="1"/>
+          </p:nvPr>
+        </p:nvSpPr>
+        <p:spPr/>
+        <p:txBody>
+          <a:bodyPr/>
+          <a:lstStyle/>
+          <a:p>
+            <a:r>
+              <a:rPr lang="en-US" dirty="0"/>
+              <a:t>Marks unneeded portions of log as inactive</a:t>
+            </a:r>
+          </a:p>
+          <a:p>
+            <a:r>
+              <a:rPr lang="en-US" dirty="0"/>
+              <a:t>Triggers:</a:t>
+            </a:r>
+          </a:p>
+          <a:p>
+            <a:pPr lvl="1"/>
+            <a:r>
+              <a:rPr lang="en-US" dirty="0"/>
+              <a:t>Simple recovery: Checkpoint</a:t>
+            </a:r>
+          </a:p>
+          <a:p>
+            <a:pPr lvl="1"/>
+            <a:r>
+              <a:rPr lang="en-US" dirty="0"/>
+              <a:t>Full/bulked-log: Log Backup</a:t>
+            </a:r>
+          </a:p>
+          <a:p>
+            <a:r>
+              <a:rPr lang="en-US" dirty="0"/>
+              <a:t>Why can’t the log clear?</a:t>
+            </a:r>
+          </a:p>
+          <a:p>
+            <a:pPr lvl="1"/>
+            <a:r>
+              <a:rPr lang="en-US" dirty="0"/>
+              <a:t>Pending log backup</a:t>
+            </a:r>
+          </a:p>
+          <a:p>
+            <a:pPr lvl="1"/>
+            <a:r>
+              <a:rPr lang="en-US" dirty="0"/>
+              <a:t>Active replication / CDC / AG / mirroring</a:t>
+            </a:r>
+          </a:p>
+          <a:p>
+            <a:pPr lvl="1"/>
+            <a:r>
+              <a:rPr lang="en-US"/>
+              <a:t>Long-running transaction</a:t>
+            </a:r>
+          </a:p>
+        </p:txBody>
+      </p:sp>
+    </p:spTree>
+    <p:extLst>
+      <p:ext uri="{BB962C8B-B14F-4D97-AF65-F5344CB8AC3E}">
+        <p14:creationId xmlns:p14="http://schemas.microsoft.com/office/powerpoint/2010/main" val="4028217354"/>
       </p:ext>
     </p:extLst>
   </p:cSld>

--- a/TransactionLog.pptx
+++ b/TransactionLog.pptx
@@ -5,7 +5,7 @@
     <p:sldMasterId id="2147483648" r:id="rId1"/>
   </p:sldMasterIdLst>
   <p:notesMasterIdLst>
-    <p:notesMasterId r:id="rId30"/>
+    <p:notesMasterId r:id="rId31"/>
   </p:notesMasterIdLst>
   <p:sldIdLst>
     <p:sldId id="328" r:id="rId2"/>
@@ -33,9 +33,10 @@
     <p:sldId id="350" r:id="rId24"/>
     <p:sldId id="351" r:id="rId25"/>
     <p:sldId id="354" r:id="rId26"/>
-    <p:sldId id="353" r:id="rId27"/>
-    <p:sldId id="352" r:id="rId28"/>
-    <p:sldId id="355" r:id="rId29"/>
+    <p:sldId id="356" r:id="rId27"/>
+    <p:sldId id="353" r:id="rId28"/>
+    <p:sldId id="352" r:id="rId29"/>
+    <p:sldId id="355" r:id="rId30"/>
   </p:sldIdLst>
   <p:sldSz cx="9144000" cy="6858000" type="screen4x3"/>
   <p:notesSz cx="6858000" cy="9144000"/>
@@ -235,7 +236,7 @@
           <a:p>
             <a:fld id="{2EDCB34D-5EC2-4739-9693-E425457AC201}" type="datetimeFigureOut">
               <a:rPr lang="en-US" smtClean="0"/>
-              <a:t>8/8/2016</a:t>
+              <a:t>8/10/2016</a:t>
             </a:fld>
             <a:endParaRPr lang="en-US"/>
           </a:p>
@@ -821,7 +822,7 @@
             <a:fld id="{5942B21B-2ADA-A040-A652-A7305E1B99FE}" type="datetimeFigureOut">
               <a:rPr lang="en-US" smtClean="0"/>
               <a:pPr/>
-              <a:t>8/8/2016</a:t>
+              <a:t>8/10/2016</a:t>
             </a:fld>
             <a:endParaRPr lang="en-US" dirty="0"/>
           </a:p>
@@ -1011,7 +1012,7 @@
           <a:p>
             <a:fld id="{5942B21B-2ADA-A040-A652-A7305E1B99FE}" type="datetimeFigureOut">
               <a:rPr lang="en-US" smtClean="0"/>
-              <a:t>8/8/2016</a:t>
+              <a:t>8/10/2016</a:t>
             </a:fld>
             <a:endParaRPr lang="en-US"/>
           </a:p>
@@ -1135,7 +1136,7 @@
             <a:fld id="{5942B21B-2ADA-A040-A652-A7305E1B99FE}" type="datetimeFigureOut">
               <a:rPr lang="en-US" smtClean="0"/>
               <a:pPr/>
-              <a:t>8/8/2016</a:t>
+              <a:t>8/10/2016</a:t>
             </a:fld>
             <a:r>
               <a:rPr lang="en-US"/>
@@ -1406,7 +1407,7 @@
             <a:fld id="{5942B21B-2ADA-A040-A652-A7305E1B99FE}" type="datetimeFigureOut">
               <a:rPr lang="en-US" smtClean="0"/>
               <a:pPr/>
-              <a:t>8/8/2016</a:t>
+              <a:t>8/10/2016</a:t>
             </a:fld>
             <a:r>
               <a:rPr lang="en-US" dirty="0"/>
@@ -1676,7 +1677,7 @@
             <a:fld id="{5942B21B-2ADA-A040-A652-A7305E1B99FE}" type="datetimeFigureOut">
               <a:rPr lang="en-US" smtClean="0"/>
               <a:pPr/>
-              <a:t>8/8/2016</a:t>
+              <a:t>8/10/2016</a:t>
             </a:fld>
             <a:r>
               <a:rPr lang="en-US" dirty="0"/>
@@ -2016,7 +2017,7 @@
             <a:fld id="{5942B21B-2ADA-A040-A652-A7305E1B99FE}" type="datetimeFigureOut">
               <a:rPr lang="en-US" smtClean="0"/>
               <a:pPr/>
-              <a:t>8/8/2016</a:t>
+              <a:t>8/10/2016</a:t>
             </a:fld>
             <a:r>
               <a:rPr lang="en-US" dirty="0"/>
@@ -2357,7 +2358,7 @@
             <a:fld id="{5942B21B-2ADA-A040-A652-A7305E1B99FE}" type="datetimeFigureOut">
               <a:rPr lang="en-US" smtClean="0"/>
               <a:pPr/>
-              <a:t>8/8/2016</a:t>
+              <a:t>8/10/2016</a:t>
             </a:fld>
             <a:r>
               <a:rPr lang="en-US" dirty="0"/>
@@ -2872,7 +2873,7 @@
             <a:fld id="{5942B21B-2ADA-A040-A652-A7305E1B99FE}" type="datetimeFigureOut">
               <a:rPr lang="en-US" smtClean="0"/>
               <a:pPr/>
-              <a:t>8/8/2016</a:t>
+              <a:t>8/10/2016</a:t>
             </a:fld>
             <a:r>
               <a:rPr lang="en-US" dirty="0"/>
@@ -3081,7 +3082,7 @@
             <a:fld id="{5942B21B-2ADA-A040-A652-A7305E1B99FE}" type="datetimeFigureOut">
               <a:rPr lang="en-US" smtClean="0"/>
               <a:pPr/>
-              <a:t>8/8/2016</a:t>
+              <a:t>8/10/2016</a:t>
             </a:fld>
             <a:r>
               <a:rPr lang="en-US" dirty="0"/>
@@ -3268,7 +3269,7 @@
             <a:fld id="{5942B21B-2ADA-A040-A652-A7305E1B99FE}" type="datetimeFigureOut">
               <a:rPr lang="en-US" smtClean="0"/>
               <a:pPr/>
-              <a:t>8/8/2016</a:t>
+              <a:t>8/10/2016</a:t>
             </a:fld>
             <a:r>
               <a:rPr lang="en-US" dirty="0"/>
@@ -3599,7 +3600,7 @@
             <a:fld id="{5942B21B-2ADA-A040-A652-A7305E1B99FE}" type="datetimeFigureOut">
               <a:rPr lang="en-US" smtClean="0"/>
               <a:pPr/>
-              <a:t>8/8/2016</a:t>
+              <a:t>8/10/2016</a:t>
             </a:fld>
             <a:r>
               <a:rPr lang="en-US" dirty="0"/>
@@ -3907,7 +3908,7 @@
             <a:fld id="{5942B21B-2ADA-A040-A652-A7305E1B99FE}" type="datetimeFigureOut">
               <a:rPr lang="en-US" smtClean="0"/>
               <a:pPr/>
-              <a:t>8/8/2016</a:t>
+              <a:t>8/10/2016</a:t>
             </a:fld>
             <a:r>
               <a:rPr lang="en-US" dirty="0"/>
@@ -4186,7 +4187,7 @@
             <a:fld id="{5942B21B-2ADA-A040-A652-A7305E1B99FE}" type="datetimeFigureOut">
               <a:rPr lang="en-US" smtClean="0"/>
               <a:pPr/>
-              <a:t>8/8/2016</a:t>
+              <a:t>8/10/2016</a:t>
             </a:fld>
             <a:r>
               <a:rPr lang="en-US" dirty="0"/>
@@ -8159,40 +8160,6 @@
             </a:r>
           </a:p>
           <a:p>
-            <a:r>
-              <a:rPr lang="en-US" dirty="0"/>
-              <a:t>Triggers</a:t>
-            </a:r>
-          </a:p>
-          <a:p>
-            <a:pPr lvl="1"/>
-            <a:r>
-              <a:rPr lang="en-US" dirty="0"/>
-              <a:t>Automatic</a:t>
-            </a:r>
-          </a:p>
-          <a:p>
-            <a:pPr lvl="1"/>
-            <a:r>
-              <a:rPr lang="en-US" dirty="0"/>
-              <a:t>Indirect</a:t>
-            </a:r>
-          </a:p>
-          <a:p>
-            <a:pPr lvl="1"/>
-            <a:r>
-              <a:rPr lang="en-US" dirty="0"/>
-              <a:t>Internal</a:t>
-            </a:r>
-          </a:p>
-          <a:p>
-            <a:pPr lvl="1"/>
-            <a:r>
-              <a:rPr lang="en-US" dirty="0"/>
-              <a:t>Manual</a:t>
-            </a:r>
-          </a:p>
-          <a:p>
             <a:pPr marL="0" indent="0">
               <a:buNone/>
             </a:pPr>
@@ -8247,7 +8214,7 @@
           <a:p>
             <a:r>
               <a:rPr lang="en-US" dirty="0"/>
-              <a:t>Flushing the Log</a:t>
+              <a:t>Checkpoint Types</a:t>
             </a:r>
           </a:p>
         </p:txBody>
@@ -8264,54 +8231,82 @@
         </p:nvSpPr>
         <p:spPr/>
         <p:txBody>
-          <a:bodyPr/>
+          <a:bodyPr>
+            <a:normAutofit lnSpcReduction="10000"/>
+          </a:bodyPr>
           <a:lstStyle/>
           <a:p>
             <a:r>
               <a:rPr lang="en-US" dirty="0"/>
-              <a:t>Flushing = closing a log block</a:t>
-            </a:r>
-          </a:p>
-          <a:p>
-            <a:r>
-              <a:rPr lang="en-US" dirty="0"/>
-              <a:t>Triggers</a:t>
+              <a:t>Automatic</a:t>
             </a:r>
           </a:p>
           <a:p>
             <a:pPr lvl="1"/>
             <a:r>
               <a:rPr lang="en-US" dirty="0"/>
-              <a:t>60K limit reached</a:t>
+              <a:t>Period background thread</a:t>
             </a:r>
           </a:p>
           <a:p>
             <a:pPr lvl="1"/>
             <a:r>
               <a:rPr lang="en-US" dirty="0"/>
-              <a:t>Transaction commits</a:t>
+              <a:t>Instance-wide</a:t>
+            </a:r>
+          </a:p>
+          <a:p>
+            <a:r>
+              <a:rPr lang="en-US" dirty="0"/>
+              <a:t>Indirect (2012+)</a:t>
             </a:r>
           </a:p>
           <a:p>
             <a:pPr lvl="1"/>
             <a:r>
               <a:rPr lang="en-US" dirty="0"/>
-              <a:t>Transaction rollbacks</a:t>
+              <a:t>Database-specific</a:t>
+            </a:r>
+          </a:p>
+          <a:p>
+            <a:r>
+              <a:rPr lang="en-US" dirty="0"/>
+              <a:t>Internal</a:t>
             </a:r>
           </a:p>
           <a:p>
             <a:pPr lvl="1"/>
             <a:r>
               <a:rPr lang="en-US" dirty="0"/>
-              <a:t>Checkpoint</a:t>
-            </a:r>
+              <a:t>During operations such as backup, snapshots</a:t>
+            </a:r>
+          </a:p>
+          <a:p>
+            <a:r>
+              <a:rPr lang="en-US" dirty="0"/>
+              <a:t>Manual</a:t>
+            </a:r>
+          </a:p>
+          <a:p>
+            <a:pPr lvl="1"/>
+            <a:r>
+              <a:rPr lang="en-US"/>
+              <a:t>CHECKPOINT command</a:t>
+            </a:r>
+            <a:endParaRPr lang="en-US" dirty="0"/>
+          </a:p>
+          <a:p>
+            <a:pPr marL="0" indent="0">
+              <a:buNone/>
+            </a:pPr>
+            <a:endParaRPr lang="en-US" dirty="0"/>
           </a:p>
         </p:txBody>
       </p:sp>
     </p:spTree>
     <p:extLst>
       <p:ext uri="{BB962C8B-B14F-4D97-AF65-F5344CB8AC3E}">
-        <p14:creationId xmlns:p14="http://schemas.microsoft.com/office/powerpoint/2010/main" val="4039889923"/>
+        <p14:creationId xmlns:p14="http://schemas.microsoft.com/office/powerpoint/2010/main" val="2925193969"/>
       </p:ext>
     </p:extLst>
   </p:cSld>
@@ -8355,6 +8350,114 @@
           <a:p>
             <a:r>
               <a:rPr lang="en-US" dirty="0"/>
+              <a:t>Flushing the Log</a:t>
+            </a:r>
+          </a:p>
+        </p:txBody>
+      </p:sp>
+      <p:sp>
+        <p:nvSpPr>
+          <p:cNvPr id="3" name="Content Placeholder 2"/>
+          <p:cNvSpPr>
+            <a:spLocks noGrp="1"/>
+          </p:cNvSpPr>
+          <p:nvPr>
+            <p:ph idx="1"/>
+          </p:nvPr>
+        </p:nvSpPr>
+        <p:spPr/>
+        <p:txBody>
+          <a:bodyPr/>
+          <a:lstStyle/>
+          <a:p>
+            <a:r>
+              <a:rPr lang="en-US" dirty="0"/>
+              <a:t>Flushing = closing a log block</a:t>
+            </a:r>
+          </a:p>
+          <a:p>
+            <a:r>
+              <a:rPr lang="en-US" dirty="0"/>
+              <a:t>Triggers</a:t>
+            </a:r>
+          </a:p>
+          <a:p>
+            <a:pPr lvl="1"/>
+            <a:r>
+              <a:rPr lang="en-US" dirty="0"/>
+              <a:t>60K limit reached</a:t>
+            </a:r>
+          </a:p>
+          <a:p>
+            <a:pPr lvl="1"/>
+            <a:r>
+              <a:rPr lang="en-US" dirty="0"/>
+              <a:t>Transaction commits</a:t>
+            </a:r>
+          </a:p>
+          <a:p>
+            <a:pPr lvl="1"/>
+            <a:r>
+              <a:rPr lang="en-US" dirty="0"/>
+              <a:t>Transaction rollbacks</a:t>
+            </a:r>
+          </a:p>
+          <a:p>
+            <a:pPr lvl="1"/>
+            <a:r>
+              <a:rPr lang="en-US" dirty="0"/>
+              <a:t>Checkpoint</a:t>
+            </a:r>
+          </a:p>
+        </p:txBody>
+      </p:sp>
+    </p:spTree>
+    <p:extLst>
+      <p:ext uri="{BB962C8B-B14F-4D97-AF65-F5344CB8AC3E}">
+        <p14:creationId xmlns:p14="http://schemas.microsoft.com/office/powerpoint/2010/main" val="4039889923"/>
+      </p:ext>
+    </p:extLst>
+  </p:cSld>
+  <p:clrMapOvr>
+    <a:masterClrMapping/>
+  </p:clrMapOvr>
+</p:sld>
+</file>
+
+<file path=ppt/slides/slide28.xml><?xml version="1.0" encoding="utf-8"?>
+<p:sld xmlns:a="http://schemas.openxmlformats.org/drawingml/2006/main" xmlns:r="http://schemas.openxmlformats.org/officeDocument/2006/relationships" xmlns:p="http://schemas.openxmlformats.org/presentationml/2006/main">
+  <p:cSld>
+    <p:spTree>
+      <p:nvGrpSpPr>
+        <p:cNvPr id="1" name=""/>
+        <p:cNvGrpSpPr/>
+        <p:nvPr/>
+      </p:nvGrpSpPr>
+      <p:grpSpPr>
+        <a:xfrm>
+          <a:off x="0" y="0"/>
+          <a:ext cx="0" cy="0"/>
+          <a:chOff x="0" y="0"/>
+          <a:chExt cx="0" cy="0"/>
+        </a:xfrm>
+      </p:grpSpPr>
+      <p:sp>
+        <p:nvSpPr>
+          <p:cNvPr id="2" name="Title 1"/>
+          <p:cNvSpPr>
+            <a:spLocks noGrp="1"/>
+          </p:cNvSpPr>
+          <p:nvPr>
+            <p:ph type="title"/>
+          </p:nvPr>
+        </p:nvSpPr>
+        <p:spPr/>
+        <p:txBody>
+          <a:bodyPr/>
+          <a:lstStyle/>
+          <a:p>
+            <a:r>
+              <a:rPr lang="en-US" dirty="0"/>
               <a:t>Recovery Models</a:t>
             </a:r>
           </a:p>
@@ -8472,7 +8575,7 @@
 </p:sld>
 </file>
 
-<file path=ppt/slides/slide28.xml><?xml version="1.0" encoding="utf-8"?>
+<file path=ppt/slides/slide29.xml><?xml version="1.0" encoding="utf-8"?>
 <p:sld xmlns:a="http://schemas.openxmlformats.org/drawingml/2006/main" xmlns:r="http://schemas.openxmlformats.org/officeDocument/2006/relationships" xmlns:p="http://schemas.openxmlformats.org/presentationml/2006/main">
   <p:cSld>
     <p:spTree>

--- a/TransactionLog.pptx
+++ b/TransactionLog.pptx
@@ -8677,9 +8677,31 @@
           <a:p>
             <a:pPr lvl="1"/>
             <a:r>
-              <a:rPr lang="en-US"/>
+              <a:rPr lang="en-US" dirty="0"/>
               <a:t>Long-running transaction</a:t>
             </a:r>
+          </a:p>
+          <a:p>
+            <a:pPr lvl="1"/>
+            <a:r>
+              <a:rPr lang="en-US" dirty="0"/>
+              <a:t>See </a:t>
+            </a:r>
+            <a:r>
+              <a:rPr lang="en-US" sz="2000" b="1" dirty="0" err="1">
+                <a:latin typeface="Courier New" panose="02070309020205020404" pitchFamily="49" charset="0"/>
+                <a:cs typeface="Courier New" panose="02070309020205020404" pitchFamily="49" charset="0"/>
+              </a:rPr>
+              <a:t>sys.databases.log_reuse_wait_desc</a:t>
+            </a:r>
+            <a:endParaRPr lang="en-US" sz="2000" b="1" dirty="0">
+              <a:latin typeface="Courier New" panose="02070309020205020404" pitchFamily="49" charset="0"/>
+              <a:cs typeface="Courier New" panose="02070309020205020404" pitchFamily="49" charset="0"/>
+            </a:endParaRPr>
+          </a:p>
+          <a:p>
+            <a:pPr lvl="1"/>
+            <a:endParaRPr lang="en-US" dirty="0"/>
           </a:p>
         </p:txBody>
       </p:sp>

--- a/TransactionLog.pptx
+++ b/TransactionLog.pptx
@@ -5,7 +5,7 @@
     <p:sldMasterId id="2147483648" r:id="rId1"/>
   </p:sldMasterIdLst>
   <p:notesMasterIdLst>
-    <p:notesMasterId r:id="rId31"/>
+    <p:notesMasterId r:id="rId32"/>
   </p:notesMasterIdLst>
   <p:sldIdLst>
     <p:sldId id="328" r:id="rId2"/>
@@ -37,6 +37,7 @@
     <p:sldId id="353" r:id="rId28"/>
     <p:sldId id="352" r:id="rId29"/>
     <p:sldId id="355" r:id="rId30"/>
+    <p:sldId id="357" r:id="rId31"/>
   </p:sldIdLst>
   <p:sldSz cx="9144000" cy="6858000" type="screen4x3"/>
   <p:notesSz cx="6858000" cy="9144000"/>
@@ -236,7 +237,7 @@
           <a:p>
             <a:fld id="{2EDCB34D-5EC2-4739-9693-E425457AC201}" type="datetimeFigureOut">
               <a:rPr lang="en-US" smtClean="0"/>
-              <a:t>8/10/2016</a:t>
+              <a:t>08/15/2016</a:t>
             </a:fld>
             <a:endParaRPr lang="en-US"/>
           </a:p>
@@ -822,7 +823,7 @@
             <a:fld id="{5942B21B-2ADA-A040-A652-A7305E1B99FE}" type="datetimeFigureOut">
               <a:rPr lang="en-US" smtClean="0"/>
               <a:pPr/>
-              <a:t>8/10/2016</a:t>
+              <a:t>08/15/2016</a:t>
             </a:fld>
             <a:endParaRPr lang="en-US" dirty="0"/>
           </a:p>
@@ -1012,7 +1013,7 @@
           <a:p>
             <a:fld id="{5942B21B-2ADA-A040-A652-A7305E1B99FE}" type="datetimeFigureOut">
               <a:rPr lang="en-US" smtClean="0"/>
-              <a:t>8/10/2016</a:t>
+              <a:t>08/15/2016</a:t>
             </a:fld>
             <a:endParaRPr lang="en-US"/>
           </a:p>
@@ -1136,7 +1137,7 @@
             <a:fld id="{5942B21B-2ADA-A040-A652-A7305E1B99FE}" type="datetimeFigureOut">
               <a:rPr lang="en-US" smtClean="0"/>
               <a:pPr/>
-              <a:t>8/10/2016</a:t>
+              <a:t>08/15/2016</a:t>
             </a:fld>
             <a:r>
               <a:rPr lang="en-US"/>
@@ -1407,7 +1408,7 @@
             <a:fld id="{5942B21B-2ADA-A040-A652-A7305E1B99FE}" type="datetimeFigureOut">
               <a:rPr lang="en-US" smtClean="0"/>
               <a:pPr/>
-              <a:t>8/10/2016</a:t>
+              <a:t>08/15/2016</a:t>
             </a:fld>
             <a:r>
               <a:rPr lang="en-US" dirty="0"/>
@@ -1677,7 +1678,7 @@
             <a:fld id="{5942B21B-2ADA-A040-A652-A7305E1B99FE}" type="datetimeFigureOut">
               <a:rPr lang="en-US" smtClean="0"/>
               <a:pPr/>
-              <a:t>8/10/2016</a:t>
+              <a:t>08/15/2016</a:t>
             </a:fld>
             <a:r>
               <a:rPr lang="en-US" dirty="0"/>
@@ -2017,7 +2018,7 @@
             <a:fld id="{5942B21B-2ADA-A040-A652-A7305E1B99FE}" type="datetimeFigureOut">
               <a:rPr lang="en-US" smtClean="0"/>
               <a:pPr/>
-              <a:t>8/10/2016</a:t>
+              <a:t>08/15/2016</a:t>
             </a:fld>
             <a:r>
               <a:rPr lang="en-US" dirty="0"/>
@@ -2358,7 +2359,7 @@
             <a:fld id="{5942B21B-2ADA-A040-A652-A7305E1B99FE}" type="datetimeFigureOut">
               <a:rPr lang="en-US" smtClean="0"/>
               <a:pPr/>
-              <a:t>8/10/2016</a:t>
+              <a:t>08/15/2016</a:t>
             </a:fld>
             <a:r>
               <a:rPr lang="en-US" dirty="0"/>
@@ -2873,7 +2874,7 @@
             <a:fld id="{5942B21B-2ADA-A040-A652-A7305E1B99FE}" type="datetimeFigureOut">
               <a:rPr lang="en-US" smtClean="0"/>
               <a:pPr/>
-              <a:t>8/10/2016</a:t>
+              <a:t>08/15/2016</a:t>
             </a:fld>
             <a:r>
               <a:rPr lang="en-US" dirty="0"/>
@@ -3082,7 +3083,7 @@
             <a:fld id="{5942B21B-2ADA-A040-A652-A7305E1B99FE}" type="datetimeFigureOut">
               <a:rPr lang="en-US" smtClean="0"/>
               <a:pPr/>
-              <a:t>8/10/2016</a:t>
+              <a:t>08/15/2016</a:t>
             </a:fld>
             <a:r>
               <a:rPr lang="en-US" dirty="0"/>
@@ -3269,7 +3270,7 @@
             <a:fld id="{5942B21B-2ADA-A040-A652-A7305E1B99FE}" type="datetimeFigureOut">
               <a:rPr lang="en-US" smtClean="0"/>
               <a:pPr/>
-              <a:t>8/10/2016</a:t>
+              <a:t>08/15/2016</a:t>
             </a:fld>
             <a:r>
               <a:rPr lang="en-US" dirty="0"/>
@@ -3600,7 +3601,7 @@
             <a:fld id="{5942B21B-2ADA-A040-A652-A7305E1B99FE}" type="datetimeFigureOut">
               <a:rPr lang="en-US" smtClean="0"/>
               <a:pPr/>
-              <a:t>8/10/2016</a:t>
+              <a:t>08/15/2016</a:t>
             </a:fld>
             <a:r>
               <a:rPr lang="en-US" dirty="0"/>
@@ -3908,7 +3909,7 @@
             <a:fld id="{5942B21B-2ADA-A040-A652-A7305E1B99FE}" type="datetimeFigureOut">
               <a:rPr lang="en-US" smtClean="0"/>
               <a:pPr/>
-              <a:t>8/10/2016</a:t>
+              <a:t>08/15/2016</a:t>
             </a:fld>
             <a:r>
               <a:rPr lang="en-US" dirty="0"/>
@@ -4187,7 +4188,7 @@
             <a:fld id="{5942B21B-2ADA-A040-A652-A7305E1B99FE}" type="datetimeFigureOut">
               <a:rPr lang="en-US" smtClean="0"/>
               <a:pPr/>
-              <a:t>8/10/2016</a:t>
+              <a:t>08/15/2016</a:t>
             </a:fld>
             <a:r>
               <a:rPr lang="en-US" dirty="0"/>
@@ -4826,6 +4827,52 @@
           </a:p>
         </p:txBody>
       </p:sp>
+      <p:sp>
+        <p:nvSpPr>
+          <p:cNvPr id="5" name="Title 1"/>
+          <p:cNvSpPr txBox="1">
+            <a:spLocks/>
+          </p:cNvSpPr>
+          <p:nvPr/>
+        </p:nvSpPr>
+        <p:spPr>
+          <a:xfrm>
+            <a:off x="1343025" y="1648166"/>
+            <a:ext cx="7318535" cy="1470025"/>
+          </a:xfrm>
+          <a:prstGeom prst="rect">
+            <a:avLst/>
+          </a:prstGeom>
+        </p:spPr>
+        <p:txBody>
+          <a:bodyPr vert="horz" lIns="91440" tIns="45720" rIns="91440" bIns="45720" rtlCol="0" anchor="ctr">
+            <a:normAutofit/>
+          </a:bodyPr>
+          <a:lstStyle>
+            <a:lvl1pPr algn="l" defTabSz="457200" rtl="0" eaLnBrk="1" latinLnBrk="0" hangingPunct="1">
+              <a:spcBef>
+                <a:spcPct val="0"/>
+              </a:spcBef>
+              <a:buNone/>
+              <a:defRPr sz="4000" kern="1200">
+                <a:solidFill>
+                  <a:schemeClr val="accent1"/>
+                </a:solidFill>
+                <a:latin typeface="+mj-lt"/>
+                <a:ea typeface="+mj-ea"/>
+                <a:cs typeface="+mj-cs"/>
+              </a:defRPr>
+            </a:lvl1pPr>
+          </a:lstStyle>
+          <a:p>
+            <a:r>
+              <a:rPr lang="en-US" sz="3200" smtClean="0"/>
+              <a:t>Visualize Your Transaction Log</a:t>
+            </a:r>
+            <a:endParaRPr lang="en-US" sz="3200" dirty="0"/>
+          </a:p>
+        </p:txBody>
+      </p:sp>
     </p:spTree>
     <p:extLst>
       <p:ext uri="{BB962C8B-B14F-4D97-AF65-F5344CB8AC3E}">
@@ -7182,7 +7229,15 @@
             <a:pPr lvl="1"/>
             <a:r>
               <a:rPr lang="en-US" dirty="0"/>
-              <a:t>Log Block offset (512-byte chunks, not contiguous)</a:t>
+              <a:t>Log Block offset (512-byte chunks, not </a:t>
+            </a:r>
+            <a:r>
+              <a:rPr lang="en-US" dirty="0" smtClean="0"/>
+              <a:t>necessarily contiguous</a:t>
+            </a:r>
+            <a:r>
+              <a:rPr lang="en-US" dirty="0"/>
+              <a:t>)</a:t>
             </a:r>
           </a:p>
           <a:p>
@@ -7310,21 +7365,21 @@
                 <a:gridCol w="1895475">
                   <a:extLst>
                     <a:ext uri="{9D8B030D-6E8A-4147-A177-3AD203B41FA5}">
-                      <a16:colId xmlns:a16="http://schemas.microsoft.com/office/drawing/2014/main" val="20000"/>
+                      <a16:colId xmlns:a16="http://schemas.microsoft.com/office/drawing/2014/main" xmlns="" val="20000"/>
                     </a:ext>
                   </a:extLst>
                 </a:gridCol>
                 <a:gridCol w="3171825">
                   <a:extLst>
                     <a:ext uri="{9D8B030D-6E8A-4147-A177-3AD203B41FA5}">
-                      <a16:colId xmlns:a16="http://schemas.microsoft.com/office/drawing/2014/main" val="20001"/>
+                      <a16:colId xmlns:a16="http://schemas.microsoft.com/office/drawing/2014/main" xmlns="" val="20001"/>
                     </a:ext>
                   </a:extLst>
                 </a:gridCol>
                 <a:gridCol w="3162300">
                   <a:extLst>
                     <a:ext uri="{9D8B030D-6E8A-4147-A177-3AD203B41FA5}">
-                      <a16:colId xmlns:a16="http://schemas.microsoft.com/office/drawing/2014/main" val="20002"/>
+                      <a16:colId xmlns:a16="http://schemas.microsoft.com/office/drawing/2014/main" xmlns="" val="20002"/>
                     </a:ext>
                   </a:extLst>
                 </a:gridCol>
@@ -7371,7 +7426,7 @@
                 </a:tc>
                 <a:extLst>
                   <a:ext uri="{0D108BD9-81ED-4DB2-BD59-A6C34878D82A}">
-                    <a16:rowId xmlns:a16="http://schemas.microsoft.com/office/drawing/2014/main" val="10000"/>
+                    <a16:rowId xmlns:a16="http://schemas.microsoft.com/office/drawing/2014/main" xmlns="" val="10000"/>
                   </a:ext>
                 </a:extLst>
               </a:tr>
@@ -7437,7 +7492,7 @@
                 </a:tc>
                 <a:extLst>
                   <a:ext uri="{0D108BD9-81ED-4DB2-BD59-A6C34878D82A}">
-                    <a16:rowId xmlns:a16="http://schemas.microsoft.com/office/drawing/2014/main" val="10001"/>
+                    <a16:rowId xmlns:a16="http://schemas.microsoft.com/office/drawing/2014/main" xmlns="" val="10001"/>
                   </a:ext>
                 </a:extLst>
               </a:tr>
@@ -7508,7 +7563,7 @@
                 </a:tc>
                 <a:extLst>
                   <a:ext uri="{0D108BD9-81ED-4DB2-BD59-A6C34878D82A}">
-                    <a16:rowId xmlns:a16="http://schemas.microsoft.com/office/drawing/2014/main" val="10002"/>
+                    <a16:rowId xmlns:a16="http://schemas.microsoft.com/office/drawing/2014/main" xmlns="" val="10002"/>
                   </a:ext>
                 </a:extLst>
               </a:tr>
@@ -7554,7 +7609,7 @@
                 </a:tc>
                 <a:extLst>
                   <a:ext uri="{0D108BD9-81ED-4DB2-BD59-A6C34878D82A}">
-                    <a16:rowId xmlns:a16="http://schemas.microsoft.com/office/drawing/2014/main" val="10003"/>
+                    <a16:rowId xmlns:a16="http://schemas.microsoft.com/office/drawing/2014/main" xmlns="" val="10003"/>
                   </a:ext>
                 </a:extLst>
               </a:tr>
@@ -8785,26 +8840,27 @@
           </a:p>
           <a:p>
             <a:r>
-              <a:rPr lang="en-US" dirty="0"/>
-              <a:t>Flushing the log</a:t>
-            </a:r>
-          </a:p>
-          <a:p>
-            <a:r>
-              <a:rPr lang="en-US" dirty="0"/>
-              <a:t>Clearing the log</a:t>
-            </a:r>
-          </a:p>
-          <a:p>
-            <a:r>
-              <a:rPr lang="en-US" dirty="0"/>
-              <a:t>Checkpoints</a:t>
-            </a:r>
-          </a:p>
-          <a:p>
-            <a:r>
-              <a:rPr lang="en-US" dirty="0"/>
-              <a:t>Rollback operations</a:t>
+              <a:rPr lang="en-US" dirty="0" smtClean="0"/>
+              <a:t>Flushing &amp; clearing </a:t>
+            </a:r>
+            <a:r>
+              <a:rPr lang="en-US" dirty="0"/>
+              <a:t>the </a:t>
+            </a:r>
+            <a:r>
+              <a:rPr lang="en-US" dirty="0" smtClean="0"/>
+              <a:t>log / checkpoints</a:t>
+            </a:r>
+            <a:endParaRPr lang="en-US" dirty="0"/>
+          </a:p>
+          <a:p>
+            <a:r>
+              <a:rPr lang="en-US" dirty="0" smtClean="0"/>
+              <a:t>Rollback </a:t>
+            </a:r>
+            <a:r>
+              <a:rPr lang="en-US" dirty="0"/>
+              <a:t>operations</a:t>
             </a:r>
           </a:p>
           <a:p>
@@ -8825,6 +8881,446 @@
     <p:extLst>
       <p:ext uri="{BB962C8B-B14F-4D97-AF65-F5344CB8AC3E}">
         <p14:creationId xmlns:p14="http://schemas.microsoft.com/office/powerpoint/2010/main" val="1097259878"/>
+      </p:ext>
+    </p:extLst>
+  </p:cSld>
+  <p:clrMapOvr>
+    <a:masterClrMapping/>
+  </p:clrMapOvr>
+</p:sld>
+</file>
+
+<file path=ppt/slides/slide30.xml><?xml version="1.0" encoding="utf-8"?>
+<p:sld xmlns:a="http://schemas.openxmlformats.org/drawingml/2006/main" xmlns:r="http://schemas.openxmlformats.org/officeDocument/2006/relationships" xmlns:p="http://schemas.openxmlformats.org/presentationml/2006/main">
+  <p:cSld>
+    <p:spTree>
+      <p:nvGrpSpPr>
+        <p:cNvPr id="1" name=""/>
+        <p:cNvGrpSpPr/>
+        <p:nvPr/>
+      </p:nvGrpSpPr>
+      <p:grpSpPr>
+        <a:xfrm>
+          <a:off x="0" y="0"/>
+          <a:ext cx="0" cy="0"/>
+          <a:chOff x="0" y="0"/>
+          <a:chExt cx="0" cy="0"/>
+        </a:xfrm>
+      </p:grpSpPr>
+      <p:sp>
+        <p:nvSpPr>
+          <p:cNvPr id="2" name="Title 1"/>
+          <p:cNvSpPr>
+            <a:spLocks noGrp="1"/>
+          </p:cNvSpPr>
+          <p:nvPr>
+            <p:ph type="title"/>
+          </p:nvPr>
+        </p:nvSpPr>
+        <p:spPr/>
+        <p:txBody>
+          <a:bodyPr/>
+          <a:lstStyle/>
+          <a:p>
+            <a:r>
+              <a:rPr lang="en-US" dirty="0" smtClean="0"/>
+              <a:t>Creating new VLFs</a:t>
+            </a:r>
+            <a:endParaRPr lang="en-US" dirty="0"/>
+          </a:p>
+        </p:txBody>
+      </p:sp>
+      <p:sp>
+        <p:nvSpPr>
+          <p:cNvPr id="3" name="Content Placeholder 2"/>
+          <p:cNvSpPr>
+            <a:spLocks noGrp="1"/>
+          </p:cNvSpPr>
+          <p:nvPr>
+            <p:ph idx="1"/>
+          </p:nvPr>
+        </p:nvSpPr>
+        <p:spPr>
+          <a:xfrm>
+            <a:off x="457200" y="1600200"/>
+            <a:ext cx="8229600" cy="523875"/>
+          </a:xfrm>
+        </p:spPr>
+        <p:txBody>
+          <a:bodyPr>
+            <a:normAutofit lnSpcReduction="10000"/>
+          </a:bodyPr>
+          <a:lstStyle/>
+          <a:p>
+            <a:pPr marL="0" indent="0">
+              <a:buNone/>
+            </a:pPr>
+            <a:r>
+              <a:rPr lang="en-US" dirty="0" smtClean="0"/>
+              <a:t>My transaction log grew.  How many VLFs?</a:t>
+            </a:r>
+            <a:endParaRPr lang="en-US" dirty="0"/>
+          </a:p>
+        </p:txBody>
+      </p:sp>
+      <p:graphicFrame>
+        <p:nvGraphicFramePr>
+          <p:cNvPr id="4" name="Table 3"/>
+          <p:cNvGraphicFramePr>
+            <a:graphicFrameLocks noGrp="1"/>
+          </p:cNvGraphicFramePr>
+          <p:nvPr>
+            <p:extLst>
+              <p:ext uri="{D42A27DB-BD31-4B8C-83A1-F6EECF244321}">
+                <p14:modId xmlns:p14="http://schemas.microsoft.com/office/powerpoint/2010/main" val="2768268463"/>
+              </p:ext>
+            </p:extLst>
+          </p:nvPr>
+        </p:nvGraphicFramePr>
+        <p:xfrm>
+          <a:off x="1524000" y="2222500"/>
+          <a:ext cx="6096000" cy="1483360"/>
+        </p:xfrm>
+        <a:graphic>
+          <a:graphicData uri="http://schemas.openxmlformats.org/drawingml/2006/table">
+            <a:tbl>
+              <a:tblPr firstRow="1" bandRow="1">
+                <a:tableStyleId>{5C22544A-7EE6-4342-B048-85BDC9FD1C3A}</a:tableStyleId>
+              </a:tblPr>
+              <a:tblGrid>
+                <a:gridCol w="3048000"/>
+                <a:gridCol w="3048000"/>
+              </a:tblGrid>
+              <a:tr h="370840">
+                <a:tc>
+                  <a:txBody>
+                    <a:bodyPr/>
+                    <a:lstStyle/>
+                    <a:p>
+                      <a:pPr algn="ctr"/>
+                      <a:r>
+                        <a:rPr lang="en-US" dirty="0" smtClean="0"/>
+                        <a:t>Log</a:t>
+                      </a:r>
+                      <a:r>
+                        <a:rPr lang="en-US" baseline="0" dirty="0" smtClean="0"/>
+                        <a:t> growth size</a:t>
+                      </a:r>
+                      <a:endParaRPr lang="en-US" dirty="0"/>
+                    </a:p>
+                  </a:txBody>
+                  <a:tcPr/>
+                </a:tc>
+                <a:tc>
+                  <a:txBody>
+                    <a:bodyPr/>
+                    <a:lstStyle/>
+                    <a:p>
+                      <a:pPr algn="ctr"/>
+                      <a:r>
+                        <a:rPr lang="en-US" dirty="0" smtClean="0"/>
+                        <a:t>New</a:t>
+                      </a:r>
+                      <a:r>
+                        <a:rPr lang="en-US" baseline="0" dirty="0" smtClean="0"/>
+                        <a:t> VLFs created</a:t>
+                      </a:r>
+                      <a:endParaRPr lang="en-US" dirty="0"/>
+                    </a:p>
+                  </a:txBody>
+                  <a:tcPr/>
+                </a:tc>
+              </a:tr>
+              <a:tr h="370840">
+                <a:tc>
+                  <a:txBody>
+                    <a:bodyPr/>
+                    <a:lstStyle/>
+                    <a:p>
+                      <a:pPr algn="ctr"/>
+                      <a:r>
+                        <a:rPr lang="en-US" dirty="0" smtClean="0"/>
+                        <a:t>1 to 64 MB</a:t>
+                      </a:r>
+                      <a:endParaRPr lang="en-US" dirty="0"/>
+                    </a:p>
+                  </a:txBody>
+                  <a:tcPr/>
+                </a:tc>
+                <a:tc>
+                  <a:txBody>
+                    <a:bodyPr/>
+                    <a:lstStyle/>
+                    <a:p>
+                      <a:pPr algn="ctr"/>
+                      <a:r>
+                        <a:rPr lang="en-US" dirty="0" smtClean="0"/>
+                        <a:t>4</a:t>
+                      </a:r>
+                      <a:endParaRPr lang="en-US" dirty="0"/>
+                    </a:p>
+                  </a:txBody>
+                  <a:tcPr/>
+                </a:tc>
+              </a:tr>
+              <a:tr h="370840">
+                <a:tc>
+                  <a:txBody>
+                    <a:bodyPr/>
+                    <a:lstStyle/>
+                    <a:p>
+                      <a:pPr algn="ctr"/>
+                      <a:r>
+                        <a:rPr lang="en-US" dirty="0" smtClean="0"/>
+                        <a:t>64 MB to 1 GB</a:t>
+                      </a:r>
+                      <a:endParaRPr lang="en-US" dirty="0"/>
+                    </a:p>
+                  </a:txBody>
+                  <a:tcPr/>
+                </a:tc>
+                <a:tc>
+                  <a:txBody>
+                    <a:bodyPr/>
+                    <a:lstStyle/>
+                    <a:p>
+                      <a:pPr algn="ctr"/>
+                      <a:r>
+                        <a:rPr lang="en-US" dirty="0" smtClean="0"/>
+                        <a:t>8</a:t>
+                      </a:r>
+                      <a:endParaRPr lang="en-US" dirty="0"/>
+                    </a:p>
+                  </a:txBody>
+                  <a:tcPr/>
+                </a:tc>
+              </a:tr>
+              <a:tr h="370840">
+                <a:tc>
+                  <a:txBody>
+                    <a:bodyPr/>
+                    <a:lstStyle/>
+                    <a:p>
+                      <a:pPr algn="ctr"/>
+                      <a:r>
+                        <a:rPr lang="en-US" dirty="0" smtClean="0"/>
+                        <a:t>Greater</a:t>
+                      </a:r>
+                      <a:r>
+                        <a:rPr lang="en-US" baseline="0" dirty="0" smtClean="0"/>
+                        <a:t> than 1 GB</a:t>
+                      </a:r>
+                      <a:endParaRPr lang="en-US" dirty="0"/>
+                    </a:p>
+                  </a:txBody>
+                  <a:tcPr/>
+                </a:tc>
+                <a:tc>
+                  <a:txBody>
+                    <a:bodyPr/>
+                    <a:lstStyle/>
+                    <a:p>
+                      <a:pPr algn="ctr"/>
+                      <a:r>
+                        <a:rPr lang="en-US" dirty="0" smtClean="0"/>
+                        <a:t>16</a:t>
+                      </a:r>
+                      <a:endParaRPr lang="en-US" dirty="0"/>
+                    </a:p>
+                  </a:txBody>
+                  <a:tcPr/>
+                </a:tc>
+              </a:tr>
+            </a:tbl>
+          </a:graphicData>
+        </a:graphic>
+      </p:graphicFrame>
+      <p:sp>
+        <p:nvSpPr>
+          <p:cNvPr id="5" name="Content Placeholder 2"/>
+          <p:cNvSpPr txBox="1">
+            <a:spLocks/>
+          </p:cNvSpPr>
+          <p:nvPr/>
+        </p:nvSpPr>
+        <p:spPr>
+          <a:xfrm>
+            <a:off x="457200" y="3952875"/>
+            <a:ext cx="8229600" cy="2066925"/>
+          </a:xfrm>
+          <a:prstGeom prst="rect">
+            <a:avLst/>
+          </a:prstGeom>
+        </p:spPr>
+        <p:txBody>
+          <a:bodyPr vert="horz" lIns="91440" tIns="45720" rIns="91440" bIns="45720" rtlCol="0">
+            <a:normAutofit/>
+          </a:bodyPr>
+          <a:lstStyle>
+            <a:lvl1pPr marL="342900" indent="-342900" algn="l" defTabSz="457200" rtl="0" eaLnBrk="1" latinLnBrk="0" hangingPunct="1">
+              <a:spcBef>
+                <a:spcPct val="20000"/>
+              </a:spcBef>
+              <a:buFont typeface="Wingdings" charset="2"/>
+              <a:buChar char="§"/>
+              <a:defRPr sz="3000" kern="1200">
+                <a:solidFill>
+                  <a:schemeClr val="tx2"/>
+                </a:solidFill>
+                <a:latin typeface="+mn-lt"/>
+                <a:ea typeface="+mn-ea"/>
+                <a:cs typeface="+mn-cs"/>
+              </a:defRPr>
+            </a:lvl1pPr>
+            <a:lvl2pPr marL="742950" indent="-285750" algn="l" defTabSz="457200" rtl="0" eaLnBrk="1" latinLnBrk="0" hangingPunct="1">
+              <a:spcBef>
+                <a:spcPct val="20000"/>
+              </a:spcBef>
+              <a:buFont typeface="Wingdings" charset="2"/>
+              <a:buChar char="§"/>
+              <a:defRPr sz="2600" kern="1200">
+                <a:solidFill>
+                  <a:srgbClr val="474947"/>
+                </a:solidFill>
+                <a:latin typeface="+mn-lt"/>
+                <a:ea typeface="+mn-ea"/>
+                <a:cs typeface="+mn-cs"/>
+              </a:defRPr>
+            </a:lvl2pPr>
+            <a:lvl3pPr marL="1143000" indent="-228600" algn="l" defTabSz="457200" rtl="0" eaLnBrk="1" latinLnBrk="0" hangingPunct="1">
+              <a:spcBef>
+                <a:spcPct val="20000"/>
+              </a:spcBef>
+              <a:buFont typeface="Wingdings" charset="2"/>
+              <a:buChar char="§"/>
+              <a:defRPr sz="2200" kern="1200">
+                <a:solidFill>
+                  <a:srgbClr val="474947"/>
+                </a:solidFill>
+                <a:latin typeface="+mn-lt"/>
+                <a:ea typeface="+mn-ea"/>
+                <a:cs typeface="+mn-cs"/>
+              </a:defRPr>
+            </a:lvl3pPr>
+            <a:lvl4pPr marL="1600200" indent="-228600" algn="l" defTabSz="457200" rtl="0" eaLnBrk="1" latinLnBrk="0" hangingPunct="1">
+              <a:spcBef>
+                <a:spcPct val="20000"/>
+              </a:spcBef>
+              <a:buFont typeface="Wingdings" charset="2"/>
+              <a:buChar char="§"/>
+              <a:defRPr sz="2000" kern="1200">
+                <a:solidFill>
+                  <a:srgbClr val="474947"/>
+                </a:solidFill>
+                <a:latin typeface="+mn-lt"/>
+                <a:ea typeface="+mn-ea"/>
+                <a:cs typeface="+mn-cs"/>
+              </a:defRPr>
+            </a:lvl4pPr>
+            <a:lvl5pPr marL="2057400" indent="-228600" algn="l" defTabSz="457200" rtl="0" eaLnBrk="1" latinLnBrk="0" hangingPunct="1">
+              <a:spcBef>
+                <a:spcPct val="20000"/>
+              </a:spcBef>
+              <a:buFont typeface="Wingdings" charset="2"/>
+              <a:buChar char="§"/>
+              <a:defRPr sz="1800" kern="1200">
+                <a:solidFill>
+                  <a:srgbClr val="474947"/>
+                </a:solidFill>
+                <a:latin typeface="+mn-lt"/>
+                <a:ea typeface="+mn-ea"/>
+                <a:cs typeface="+mn-cs"/>
+              </a:defRPr>
+            </a:lvl5pPr>
+            <a:lvl6pPr marL="2514600" indent="-228600" algn="l" defTabSz="457200" rtl="0" eaLnBrk="1" latinLnBrk="0" hangingPunct="1">
+              <a:spcBef>
+                <a:spcPct val="20000"/>
+              </a:spcBef>
+              <a:buFont typeface="Arial"/>
+              <a:buChar char="•"/>
+              <a:defRPr sz="2000" kern="1200">
+                <a:solidFill>
+                  <a:schemeClr val="tx1"/>
+                </a:solidFill>
+                <a:latin typeface="+mn-lt"/>
+                <a:ea typeface="+mn-ea"/>
+                <a:cs typeface="+mn-cs"/>
+              </a:defRPr>
+            </a:lvl6pPr>
+            <a:lvl7pPr marL="2971800" indent="-228600" algn="l" defTabSz="457200" rtl="0" eaLnBrk="1" latinLnBrk="0" hangingPunct="1">
+              <a:spcBef>
+                <a:spcPct val="20000"/>
+              </a:spcBef>
+              <a:buFont typeface="Arial"/>
+              <a:buChar char="•"/>
+              <a:defRPr sz="2000" kern="1200">
+                <a:solidFill>
+                  <a:schemeClr val="tx1"/>
+                </a:solidFill>
+                <a:latin typeface="+mn-lt"/>
+                <a:ea typeface="+mn-ea"/>
+                <a:cs typeface="+mn-cs"/>
+              </a:defRPr>
+            </a:lvl7pPr>
+            <a:lvl8pPr marL="3429000" indent="-228600" algn="l" defTabSz="457200" rtl="0" eaLnBrk="1" latinLnBrk="0" hangingPunct="1">
+              <a:spcBef>
+                <a:spcPct val="20000"/>
+              </a:spcBef>
+              <a:buFont typeface="Arial"/>
+              <a:buChar char="•"/>
+              <a:defRPr sz="2000" kern="1200">
+                <a:solidFill>
+                  <a:schemeClr val="tx1"/>
+                </a:solidFill>
+                <a:latin typeface="+mn-lt"/>
+                <a:ea typeface="+mn-ea"/>
+                <a:cs typeface="+mn-cs"/>
+              </a:defRPr>
+            </a:lvl8pPr>
+            <a:lvl9pPr marL="3886200" indent="-228600" algn="l" defTabSz="457200" rtl="0" eaLnBrk="1" latinLnBrk="0" hangingPunct="1">
+              <a:spcBef>
+                <a:spcPct val="20000"/>
+              </a:spcBef>
+              <a:buFont typeface="Arial"/>
+              <a:buChar char="•"/>
+              <a:defRPr sz="2000" kern="1200">
+                <a:solidFill>
+                  <a:schemeClr val="tx1"/>
+                </a:solidFill>
+                <a:latin typeface="+mn-lt"/>
+                <a:ea typeface="+mn-ea"/>
+                <a:cs typeface="+mn-cs"/>
+              </a:defRPr>
+            </a:lvl9pPr>
+          </a:lstStyle>
+          <a:p>
+            <a:pPr marL="0" indent="0">
+              <a:buNone/>
+            </a:pPr>
+            <a:r>
+              <a:rPr lang="en-US" dirty="0" smtClean="0"/>
+              <a:t>Special case for SQL 2014+</a:t>
+            </a:r>
+          </a:p>
+          <a:p>
+            <a:r>
+              <a:rPr lang="en-US" dirty="0" smtClean="0"/>
+              <a:t>Compute current log size / growth amount</a:t>
+            </a:r>
+          </a:p>
+          <a:p>
+            <a:r>
+              <a:rPr lang="en-US" dirty="0" smtClean="0"/>
+              <a:t>If greater than 8, add only 1 new VLF</a:t>
+            </a:r>
+            <a:endParaRPr lang="en-US" dirty="0"/>
+          </a:p>
+        </p:txBody>
+      </p:sp>
+    </p:spTree>
+    <p:extLst>
+      <p:ext uri="{BB962C8B-B14F-4D97-AF65-F5344CB8AC3E}">
+        <p14:creationId xmlns:p14="http://schemas.microsoft.com/office/powerpoint/2010/main" val="3274095779"/>
       </p:ext>
     </p:extLst>
   </p:cSld>

--- a/TransactionLog.pptx
+++ b/TransactionLog.pptx
@@ -5,7 +5,7 @@
     <p:sldMasterId id="2147483648" r:id="rId1"/>
   </p:sldMasterIdLst>
   <p:notesMasterIdLst>
-    <p:notesMasterId r:id="rId32"/>
+    <p:notesMasterId r:id="rId33"/>
   </p:notesMasterIdLst>
   <p:sldIdLst>
     <p:sldId id="328" r:id="rId2"/>
@@ -27,17 +27,18 @@
     <p:sldId id="343" r:id="rId18"/>
     <p:sldId id="344" r:id="rId19"/>
     <p:sldId id="345" r:id="rId20"/>
-    <p:sldId id="346" r:id="rId21"/>
-    <p:sldId id="348" r:id="rId22"/>
-    <p:sldId id="349" r:id="rId23"/>
-    <p:sldId id="350" r:id="rId24"/>
-    <p:sldId id="351" r:id="rId25"/>
-    <p:sldId id="354" r:id="rId26"/>
-    <p:sldId id="356" r:id="rId27"/>
-    <p:sldId id="353" r:id="rId28"/>
-    <p:sldId id="352" r:id="rId29"/>
-    <p:sldId id="355" r:id="rId30"/>
-    <p:sldId id="357" r:id="rId31"/>
+    <p:sldId id="358" r:id="rId21"/>
+    <p:sldId id="346" r:id="rId22"/>
+    <p:sldId id="348" r:id="rId23"/>
+    <p:sldId id="349" r:id="rId24"/>
+    <p:sldId id="350" r:id="rId25"/>
+    <p:sldId id="351" r:id="rId26"/>
+    <p:sldId id="354" r:id="rId27"/>
+    <p:sldId id="356" r:id="rId28"/>
+    <p:sldId id="353" r:id="rId29"/>
+    <p:sldId id="352" r:id="rId30"/>
+    <p:sldId id="355" r:id="rId31"/>
+    <p:sldId id="357" r:id="rId32"/>
   </p:sldIdLst>
   <p:sldSz cx="9144000" cy="6858000" type="screen4x3"/>
   <p:notesSz cx="6858000" cy="9144000"/>
@@ -237,7 +238,7 @@
           <a:p>
             <a:fld id="{2EDCB34D-5EC2-4739-9693-E425457AC201}" type="datetimeFigureOut">
               <a:rPr lang="en-US" smtClean="0"/>
-              <a:t>08/15/2016</a:t>
+              <a:t>08/17/2016</a:t>
             </a:fld>
             <a:endParaRPr lang="en-US"/>
           </a:p>
@@ -823,7 +824,7 @@
             <a:fld id="{5942B21B-2ADA-A040-A652-A7305E1B99FE}" type="datetimeFigureOut">
               <a:rPr lang="en-US" smtClean="0"/>
               <a:pPr/>
-              <a:t>08/15/2016</a:t>
+              <a:t>08/17/2016</a:t>
             </a:fld>
             <a:endParaRPr lang="en-US" dirty="0"/>
           </a:p>
@@ -1013,7 +1014,7 @@
           <a:p>
             <a:fld id="{5942B21B-2ADA-A040-A652-A7305E1B99FE}" type="datetimeFigureOut">
               <a:rPr lang="en-US" smtClean="0"/>
-              <a:t>08/15/2016</a:t>
+              <a:t>08/17/2016</a:t>
             </a:fld>
             <a:endParaRPr lang="en-US"/>
           </a:p>
@@ -1137,7 +1138,7 @@
             <a:fld id="{5942B21B-2ADA-A040-A652-A7305E1B99FE}" type="datetimeFigureOut">
               <a:rPr lang="en-US" smtClean="0"/>
               <a:pPr/>
-              <a:t>08/15/2016</a:t>
+              <a:t>08/17/2016</a:t>
             </a:fld>
             <a:r>
               <a:rPr lang="en-US"/>
@@ -1408,7 +1409,7 @@
             <a:fld id="{5942B21B-2ADA-A040-A652-A7305E1B99FE}" type="datetimeFigureOut">
               <a:rPr lang="en-US" smtClean="0"/>
               <a:pPr/>
-              <a:t>08/15/2016</a:t>
+              <a:t>08/17/2016</a:t>
             </a:fld>
             <a:r>
               <a:rPr lang="en-US" dirty="0"/>
@@ -1678,7 +1679,7 @@
             <a:fld id="{5942B21B-2ADA-A040-A652-A7305E1B99FE}" type="datetimeFigureOut">
               <a:rPr lang="en-US" smtClean="0"/>
               <a:pPr/>
-              <a:t>08/15/2016</a:t>
+              <a:t>08/17/2016</a:t>
             </a:fld>
             <a:r>
               <a:rPr lang="en-US" dirty="0"/>
@@ -2018,7 +2019,7 @@
             <a:fld id="{5942B21B-2ADA-A040-A652-A7305E1B99FE}" type="datetimeFigureOut">
               <a:rPr lang="en-US" smtClean="0"/>
               <a:pPr/>
-              <a:t>08/15/2016</a:t>
+              <a:t>08/17/2016</a:t>
             </a:fld>
             <a:r>
               <a:rPr lang="en-US" dirty="0"/>
@@ -2359,7 +2360,7 @@
             <a:fld id="{5942B21B-2ADA-A040-A652-A7305E1B99FE}" type="datetimeFigureOut">
               <a:rPr lang="en-US" smtClean="0"/>
               <a:pPr/>
-              <a:t>08/15/2016</a:t>
+              <a:t>08/17/2016</a:t>
             </a:fld>
             <a:r>
               <a:rPr lang="en-US" dirty="0"/>
@@ -2874,7 +2875,7 @@
             <a:fld id="{5942B21B-2ADA-A040-A652-A7305E1B99FE}" type="datetimeFigureOut">
               <a:rPr lang="en-US" smtClean="0"/>
               <a:pPr/>
-              <a:t>08/15/2016</a:t>
+              <a:t>08/17/2016</a:t>
             </a:fld>
             <a:r>
               <a:rPr lang="en-US" dirty="0"/>
@@ -3083,7 +3084,7 @@
             <a:fld id="{5942B21B-2ADA-A040-A652-A7305E1B99FE}" type="datetimeFigureOut">
               <a:rPr lang="en-US" smtClean="0"/>
               <a:pPr/>
-              <a:t>08/15/2016</a:t>
+              <a:t>08/17/2016</a:t>
             </a:fld>
             <a:r>
               <a:rPr lang="en-US" dirty="0"/>
@@ -3270,7 +3271,7 @@
             <a:fld id="{5942B21B-2ADA-A040-A652-A7305E1B99FE}" type="datetimeFigureOut">
               <a:rPr lang="en-US" smtClean="0"/>
               <a:pPr/>
-              <a:t>08/15/2016</a:t>
+              <a:t>08/17/2016</a:t>
             </a:fld>
             <a:r>
               <a:rPr lang="en-US" dirty="0"/>
@@ -3601,7 +3602,7 @@
             <a:fld id="{5942B21B-2ADA-A040-A652-A7305E1B99FE}" type="datetimeFigureOut">
               <a:rPr lang="en-US" smtClean="0"/>
               <a:pPr/>
-              <a:t>08/15/2016</a:t>
+              <a:t>08/17/2016</a:t>
             </a:fld>
             <a:r>
               <a:rPr lang="en-US" dirty="0"/>
@@ -3909,7 +3910,7 @@
             <a:fld id="{5942B21B-2ADA-A040-A652-A7305E1B99FE}" type="datetimeFigureOut">
               <a:rPr lang="en-US" smtClean="0"/>
               <a:pPr/>
-              <a:t>08/15/2016</a:t>
+              <a:t>08/17/2016</a:t>
             </a:fld>
             <a:r>
               <a:rPr lang="en-US" dirty="0"/>
@@ -4188,7 +4189,7 @@
             <a:fld id="{5942B21B-2ADA-A040-A652-A7305E1B99FE}" type="datetimeFigureOut">
               <a:rPr lang="en-US" smtClean="0"/>
               <a:pPr/>
-              <a:t>08/15/2016</a:t>
+              <a:t>08/17/2016</a:t>
             </a:fld>
             <a:r>
               <a:rPr lang="en-US" dirty="0"/>
@@ -7186,9 +7187,10 @@
           <a:lstStyle/>
           <a:p>
             <a:r>
-              <a:rPr lang="en-US" dirty="0"/>
-              <a:t>Log Sequence Number</a:t>
-            </a:r>
+              <a:rPr lang="en-US" dirty="0" smtClean="0"/>
+              <a:t>Physical vs Logical Log File</a:t>
+            </a:r>
+            <a:endParaRPr lang="en-US" dirty="0"/>
           </a:p>
         </p:txBody>
       </p:sp>
@@ -7208,57 +7210,58 @@
           <a:lstStyle/>
           <a:p>
             <a:r>
-              <a:rPr lang="en-US" dirty="0"/>
-              <a:t>Each log record can be uniquely identified by its Log Sequence Number (LSN)</a:t>
-            </a:r>
-          </a:p>
-          <a:p>
-            <a:r>
-              <a:rPr lang="en-US" dirty="0"/>
-              <a:t>An LSN is composed of three parts</a:t>
+              <a:rPr lang="en-US" dirty="0" smtClean="0"/>
+              <a:t>Logical Log File</a:t>
             </a:r>
           </a:p>
           <a:p>
             <a:pPr lvl="1"/>
             <a:r>
-              <a:rPr lang="en-US" dirty="0"/>
-              <a:t>VLF number</a:t>
+              <a:rPr lang="en-US" dirty="0" smtClean="0"/>
+              <a:t>Always growing</a:t>
             </a:r>
           </a:p>
           <a:p>
             <a:pPr lvl="1"/>
             <a:r>
-              <a:rPr lang="en-US" dirty="0"/>
-              <a:t>Log Block offset (512-byte chunks, not </a:t>
-            </a:r>
-            <a:r>
               <a:rPr lang="en-US" dirty="0" smtClean="0"/>
-              <a:t>necessarily contiguous</a:t>
-            </a:r>
-            <a:r>
-              <a:rPr lang="en-US" dirty="0"/>
-              <a:t>)</a:t>
+              <a:t>Write once / read many</a:t>
+            </a:r>
+          </a:p>
+          <a:p>
+            <a:r>
+              <a:rPr lang="en-US" dirty="0" smtClean="0"/>
+              <a:t>Physical Log File</a:t>
             </a:r>
           </a:p>
           <a:p>
             <a:pPr lvl="1"/>
             <a:r>
-              <a:rPr lang="en-US" dirty="0"/>
-              <a:t>Log Record number (slot number)</a:t>
-            </a:r>
-          </a:p>
-          <a:p>
-            <a:r>
-              <a:rPr lang="en-US" dirty="0"/>
-              <a:t>The LSN is in a very real way a pointer into the log file</a:t>
-            </a:r>
+              <a:rPr lang="en-US" dirty="0" smtClean="0"/>
+              <a:t>Only grows when full (or manually grown)</a:t>
+            </a:r>
+          </a:p>
+          <a:p>
+            <a:pPr lvl="1"/>
+            <a:r>
+              <a:rPr lang="en-US" dirty="0" smtClean="0"/>
+              <a:t>Divided into virtual log files (VLFs)</a:t>
+            </a:r>
+          </a:p>
+          <a:p>
+            <a:pPr lvl="1"/>
+            <a:r>
+              <a:rPr lang="en-US" dirty="0" smtClean="0"/>
+              <a:t>VLFs are inactivated when possible and over-written</a:t>
+            </a:r>
+            <a:endParaRPr lang="en-US" dirty="0"/>
           </a:p>
         </p:txBody>
       </p:sp>
     </p:spTree>
     <p:extLst>
       <p:ext uri="{BB962C8B-B14F-4D97-AF65-F5344CB8AC3E}">
-        <p14:creationId xmlns:p14="http://schemas.microsoft.com/office/powerpoint/2010/main" val="1560482780"/>
+        <p14:creationId xmlns:p14="http://schemas.microsoft.com/office/powerpoint/2010/main" val="1031376588"/>
       </p:ext>
     </p:extLst>
   </p:cSld>
@@ -7302,6 +7305,129 @@
           <a:p>
             <a:r>
               <a:rPr lang="en-US" dirty="0"/>
+              <a:t>Log Sequence Number</a:t>
+            </a:r>
+          </a:p>
+        </p:txBody>
+      </p:sp>
+      <p:sp>
+        <p:nvSpPr>
+          <p:cNvPr id="3" name="Content Placeholder 2"/>
+          <p:cNvSpPr>
+            <a:spLocks noGrp="1"/>
+          </p:cNvSpPr>
+          <p:nvPr>
+            <p:ph idx="1"/>
+          </p:nvPr>
+        </p:nvSpPr>
+        <p:spPr/>
+        <p:txBody>
+          <a:bodyPr/>
+          <a:lstStyle/>
+          <a:p>
+            <a:r>
+              <a:rPr lang="en-US" dirty="0"/>
+              <a:t>Each log record can be uniquely identified by its Log Sequence Number (LSN)</a:t>
+            </a:r>
+          </a:p>
+          <a:p>
+            <a:r>
+              <a:rPr lang="en-US" dirty="0"/>
+              <a:t>An LSN is composed of three parts</a:t>
+            </a:r>
+          </a:p>
+          <a:p>
+            <a:pPr lvl="1"/>
+            <a:r>
+              <a:rPr lang="en-US" dirty="0"/>
+              <a:t>VLF number</a:t>
+            </a:r>
+          </a:p>
+          <a:p>
+            <a:pPr lvl="1"/>
+            <a:r>
+              <a:rPr lang="en-US" dirty="0"/>
+              <a:t>Log Block offset (512-byte chunks, not </a:t>
+            </a:r>
+            <a:r>
+              <a:rPr lang="en-US" dirty="0" smtClean="0"/>
+              <a:t>necessarily contiguous</a:t>
+            </a:r>
+            <a:r>
+              <a:rPr lang="en-US" dirty="0"/>
+              <a:t>)</a:t>
+            </a:r>
+          </a:p>
+          <a:p>
+            <a:pPr lvl="1"/>
+            <a:r>
+              <a:rPr lang="en-US" dirty="0"/>
+              <a:t>Log Record number (slot number)</a:t>
+            </a:r>
+          </a:p>
+          <a:p>
+            <a:r>
+              <a:rPr lang="en-US" dirty="0"/>
+              <a:t>The LSN is in a very real way a pointer into the </a:t>
+            </a:r>
+            <a:r>
+              <a:rPr lang="en-US" dirty="0" smtClean="0"/>
+              <a:t>(logical) log </a:t>
+            </a:r>
+            <a:r>
+              <a:rPr lang="en-US" dirty="0"/>
+              <a:t>file</a:t>
+            </a:r>
+          </a:p>
+        </p:txBody>
+      </p:sp>
+    </p:spTree>
+    <p:extLst>
+      <p:ext uri="{BB962C8B-B14F-4D97-AF65-F5344CB8AC3E}">
+        <p14:creationId xmlns:p14="http://schemas.microsoft.com/office/powerpoint/2010/main" val="1560482780"/>
+      </p:ext>
+    </p:extLst>
+  </p:cSld>
+  <p:clrMapOvr>
+    <a:masterClrMapping/>
+  </p:clrMapOvr>
+</p:sld>
+</file>
+
+<file path=ppt/slides/slide22.xml><?xml version="1.0" encoding="utf-8"?>
+<p:sld xmlns:a="http://schemas.openxmlformats.org/drawingml/2006/main" xmlns:r="http://schemas.openxmlformats.org/officeDocument/2006/relationships" xmlns:p="http://schemas.openxmlformats.org/presentationml/2006/main">
+  <p:cSld>
+    <p:spTree>
+      <p:nvGrpSpPr>
+        <p:cNvPr id="1" name=""/>
+        <p:cNvGrpSpPr/>
+        <p:nvPr/>
+      </p:nvGrpSpPr>
+      <p:grpSpPr>
+        <a:xfrm>
+          <a:off x="0" y="0"/>
+          <a:ext cx="0" cy="0"/>
+          <a:chOff x="0" y="0"/>
+          <a:chExt cx="0" cy="0"/>
+        </a:xfrm>
+      </p:grpSpPr>
+      <p:sp>
+        <p:nvSpPr>
+          <p:cNvPr id="2" name="Title 1"/>
+          <p:cNvSpPr>
+            <a:spLocks noGrp="1"/>
+          </p:cNvSpPr>
+          <p:nvPr>
+            <p:ph type="title"/>
+          </p:nvPr>
+        </p:nvSpPr>
+        <p:spPr/>
+        <p:txBody>
+          <a:bodyPr/>
+          <a:lstStyle/>
+          <a:p>
+            <a:r>
+              <a:rPr lang="en-US" dirty="0"/>
               <a:t>LSN Representations</a:t>
             </a:r>
           </a:p>
@@ -7365,21 +7491,21 @@
                 <a:gridCol w="1895475">
                   <a:extLst>
                     <a:ext uri="{9D8B030D-6E8A-4147-A177-3AD203B41FA5}">
-                      <a16:colId xmlns:a16="http://schemas.microsoft.com/office/drawing/2014/main" xmlns="" val="20000"/>
+                      <a16:colId xmlns="" xmlns:a16="http://schemas.microsoft.com/office/drawing/2014/main" val="20000"/>
                     </a:ext>
                   </a:extLst>
                 </a:gridCol>
                 <a:gridCol w="3171825">
                   <a:extLst>
                     <a:ext uri="{9D8B030D-6E8A-4147-A177-3AD203B41FA5}">
-                      <a16:colId xmlns:a16="http://schemas.microsoft.com/office/drawing/2014/main" xmlns="" val="20001"/>
+                      <a16:colId xmlns="" xmlns:a16="http://schemas.microsoft.com/office/drawing/2014/main" val="20001"/>
                     </a:ext>
                   </a:extLst>
                 </a:gridCol>
                 <a:gridCol w="3162300">
                   <a:extLst>
                     <a:ext uri="{9D8B030D-6E8A-4147-A177-3AD203B41FA5}">
-                      <a16:colId xmlns:a16="http://schemas.microsoft.com/office/drawing/2014/main" xmlns="" val="20002"/>
+                      <a16:colId xmlns="" xmlns:a16="http://schemas.microsoft.com/office/drawing/2014/main" val="20002"/>
                     </a:ext>
                   </a:extLst>
                 </a:gridCol>
@@ -7426,7 +7552,7 @@
                 </a:tc>
                 <a:extLst>
                   <a:ext uri="{0D108BD9-81ED-4DB2-BD59-A6C34878D82A}">
-                    <a16:rowId xmlns:a16="http://schemas.microsoft.com/office/drawing/2014/main" xmlns="" val="10000"/>
+                    <a16:rowId xmlns="" xmlns:a16="http://schemas.microsoft.com/office/drawing/2014/main" val="10000"/>
                   </a:ext>
                 </a:extLst>
               </a:tr>
@@ -7492,7 +7618,7 @@
                 </a:tc>
                 <a:extLst>
                   <a:ext uri="{0D108BD9-81ED-4DB2-BD59-A6C34878D82A}">
-                    <a16:rowId xmlns:a16="http://schemas.microsoft.com/office/drawing/2014/main" xmlns="" val="10001"/>
+                    <a16:rowId xmlns="" xmlns:a16="http://schemas.microsoft.com/office/drawing/2014/main" val="10001"/>
                   </a:ext>
                 </a:extLst>
               </a:tr>
@@ -7563,7 +7689,7 @@
                 </a:tc>
                 <a:extLst>
                   <a:ext uri="{0D108BD9-81ED-4DB2-BD59-A6C34878D82A}">
-                    <a16:rowId xmlns:a16="http://schemas.microsoft.com/office/drawing/2014/main" xmlns="" val="10002"/>
+                    <a16:rowId xmlns="" xmlns:a16="http://schemas.microsoft.com/office/drawing/2014/main" val="10002"/>
                   </a:ext>
                 </a:extLst>
               </a:tr>
@@ -7609,7 +7735,7 @@
                 </a:tc>
                 <a:extLst>
                   <a:ext uri="{0D108BD9-81ED-4DB2-BD59-A6C34878D82A}">
-                    <a16:rowId xmlns:a16="http://schemas.microsoft.com/office/drawing/2014/main" xmlns="" val="10003"/>
+                    <a16:rowId xmlns="" xmlns:a16="http://schemas.microsoft.com/office/drawing/2014/main" val="10003"/>
                   </a:ext>
                 </a:extLst>
               </a:tr>
@@ -7791,120 +7917,6 @@
     <p:extLst>
       <p:ext uri="{BB962C8B-B14F-4D97-AF65-F5344CB8AC3E}">
         <p14:creationId xmlns:p14="http://schemas.microsoft.com/office/powerpoint/2010/main" val="2618731270"/>
-      </p:ext>
-    </p:extLst>
-  </p:cSld>
-  <p:clrMapOvr>
-    <a:masterClrMapping/>
-  </p:clrMapOvr>
-</p:sld>
-</file>
-
-<file path=ppt/slides/slide22.xml><?xml version="1.0" encoding="utf-8"?>
-<p:sld xmlns:a="http://schemas.openxmlformats.org/drawingml/2006/main" xmlns:r="http://schemas.openxmlformats.org/officeDocument/2006/relationships" xmlns:p="http://schemas.openxmlformats.org/presentationml/2006/main">
-  <p:cSld>
-    <p:spTree>
-      <p:nvGrpSpPr>
-        <p:cNvPr id="1" name=""/>
-        <p:cNvGrpSpPr/>
-        <p:nvPr/>
-      </p:nvGrpSpPr>
-      <p:grpSpPr>
-        <a:xfrm>
-          <a:off x="0" y="0"/>
-          <a:ext cx="0" cy="0"/>
-          <a:chOff x="0" y="0"/>
-          <a:chExt cx="0" cy="0"/>
-        </a:xfrm>
-      </p:grpSpPr>
-      <p:sp>
-        <p:nvSpPr>
-          <p:cNvPr id="2" name="Title 1"/>
-          <p:cNvSpPr>
-            <a:spLocks noGrp="1"/>
-          </p:cNvSpPr>
-          <p:nvPr>
-            <p:ph type="title"/>
-          </p:nvPr>
-        </p:nvSpPr>
-        <p:spPr/>
-        <p:txBody>
-          <a:bodyPr/>
-          <a:lstStyle/>
-          <a:p>
-            <a:r>
-              <a:rPr lang="en-US" dirty="0"/>
-              <a:t>DBCC LOGINFO(‘</a:t>
-            </a:r>
-            <a:r>
-              <a:rPr lang="en-US" dirty="0" err="1"/>
-              <a:t>db_name</a:t>
-            </a:r>
-            <a:r>
-              <a:rPr lang="en-US" dirty="0"/>
-              <a:t>’)</a:t>
-            </a:r>
-          </a:p>
-        </p:txBody>
-      </p:sp>
-      <p:sp>
-        <p:nvSpPr>
-          <p:cNvPr id="3" name="Content Placeholder 2"/>
-          <p:cNvSpPr>
-            <a:spLocks noGrp="1"/>
-          </p:cNvSpPr>
-          <p:nvPr>
-            <p:ph idx="1"/>
-          </p:nvPr>
-        </p:nvSpPr>
-        <p:spPr>
-          <a:xfrm>
-            <a:off x="457200" y="1408113"/>
-            <a:ext cx="8229600" cy="676275"/>
-          </a:xfrm>
-        </p:spPr>
-        <p:txBody>
-          <a:bodyPr/>
-          <a:lstStyle/>
-          <a:p>
-            <a:pPr marL="0" indent="0">
-              <a:buNone/>
-            </a:pPr>
-            <a:r>
-              <a:rPr lang="en-US" dirty="0"/>
-              <a:t>Returns one row per VLF</a:t>
-            </a:r>
-          </a:p>
-        </p:txBody>
-      </p:sp>
-      <p:pic>
-        <p:nvPicPr>
-          <p:cNvPr id="5" name="Picture 4"/>
-          <p:cNvPicPr>
-            <a:picLocks noChangeAspect="1"/>
-          </p:cNvPicPr>
-          <p:nvPr/>
-        </p:nvPicPr>
-        <p:blipFill>
-          <a:blip r:embed="rId2"/>
-          <a:stretch>
-            <a:fillRect/>
-          </a:stretch>
-        </p:blipFill>
-        <p:spPr>
-          <a:xfrm>
-            <a:off x="457200" y="2084388"/>
-            <a:ext cx="8067675" cy="3634087"/>
-          </a:xfrm>
-          <a:prstGeom prst="rect">
-            <a:avLst/>
-          </a:prstGeom>
-        </p:spPr>
-      </p:pic>
-    </p:spTree>
-    <p:extLst>
-      <p:ext uri="{BB962C8B-B14F-4D97-AF65-F5344CB8AC3E}">
-        <p14:creationId xmlns:p14="http://schemas.microsoft.com/office/powerpoint/2010/main" val="3403567972"/>
       </p:ext>
     </p:extLst>
   </p:cSld>
@@ -7947,28 +7959,16 @@
           <a:lstStyle/>
           <a:p>
             <a:r>
+              <a:rPr lang="en-US" dirty="0"/>
+              <a:t>DBCC LOGINFO(‘</a:t>
+            </a:r>
+            <a:r>
               <a:rPr lang="en-US" dirty="0" err="1"/>
-              <a:t>fn_dblog</a:t>
-            </a:r>
-            <a:r>
-              <a:rPr lang="en-US" dirty="0"/>
-              <a:t>(</a:t>
-            </a:r>
-            <a:r>
-              <a:rPr lang="en-US" dirty="0" err="1"/>
-              <a:t>start_lsn</a:t>
-            </a:r>
-            <a:r>
-              <a:rPr lang="en-US" dirty="0"/>
-              <a:t>, </a:t>
-            </a:r>
-            <a:r>
-              <a:rPr lang="en-US" dirty="0" err="1"/>
-              <a:t>end_lsn</a:t>
-            </a:r>
-            <a:r>
-              <a:rPr lang="en-US" dirty="0"/>
-              <a:t>)</a:t>
+              <a:t>db_name</a:t>
+            </a:r>
+            <a:r>
+              <a:rPr lang="en-US" dirty="0"/>
+              <a:t>’)</a:t>
             </a:r>
           </a:p>
         </p:txBody>
@@ -7985,8 +7985,8 @@
         </p:nvSpPr>
         <p:spPr>
           <a:xfrm>
-            <a:off x="457200" y="1397001"/>
-            <a:ext cx="8229600" cy="704850"/>
+            <a:off x="457200" y="1408113"/>
+            <a:ext cx="8229600" cy="676275"/>
           </a:xfrm>
         </p:spPr>
         <p:txBody>
@@ -7998,14 +7998,14 @@
             </a:pPr>
             <a:r>
               <a:rPr lang="en-US" dirty="0"/>
-              <a:t>Returns one row per log record</a:t>
+              <a:t>Returns one row per VLF</a:t>
             </a:r>
           </a:p>
         </p:txBody>
       </p:sp>
       <p:pic>
         <p:nvPicPr>
-          <p:cNvPr id="4" name="Picture 3"/>
+          <p:cNvPr id="5" name="Picture 4"/>
           <p:cNvPicPr>
             <a:picLocks noChangeAspect="1"/>
           </p:cNvPicPr>
@@ -8019,8 +8019,8 @@
         </p:blipFill>
         <p:spPr>
           <a:xfrm>
-            <a:off x="457200" y="2025651"/>
-            <a:ext cx="7962900" cy="4032860"/>
+            <a:off x="457200" y="2084388"/>
+            <a:ext cx="8067675" cy="3634087"/>
           </a:xfrm>
           <a:prstGeom prst="rect">
             <a:avLst/>
@@ -8030,7 +8030,7 @@
     </p:spTree>
     <p:extLst>
       <p:ext uri="{BB962C8B-B14F-4D97-AF65-F5344CB8AC3E}">
-        <p14:creationId xmlns:p14="http://schemas.microsoft.com/office/powerpoint/2010/main" val="2370315233"/>
+        <p14:creationId xmlns:p14="http://schemas.microsoft.com/office/powerpoint/2010/main" val="3403567972"/>
       </p:ext>
     </p:extLst>
   </p:cSld>
@@ -8073,8 +8073,28 @@
           <a:lstStyle/>
           <a:p>
             <a:r>
-              <a:rPr lang="en-US" dirty="0"/>
-              <a:t>Related commands/function</a:t>
+              <a:rPr lang="en-US" dirty="0" err="1"/>
+              <a:t>fn_dblog</a:t>
+            </a:r>
+            <a:r>
+              <a:rPr lang="en-US" dirty="0"/>
+              <a:t>(</a:t>
+            </a:r>
+            <a:r>
+              <a:rPr lang="en-US" dirty="0" err="1"/>
+              <a:t>start_lsn</a:t>
+            </a:r>
+            <a:r>
+              <a:rPr lang="en-US" dirty="0"/>
+              <a:t>, </a:t>
+            </a:r>
+            <a:r>
+              <a:rPr lang="en-US" dirty="0" err="1"/>
+              <a:t>end_lsn</a:t>
+            </a:r>
+            <a:r>
+              <a:rPr lang="en-US" dirty="0"/>
+              <a:t>)</a:t>
             </a:r>
           </a:p>
         </p:txBody>
@@ -8089,56 +8109,54 @@
             <p:ph idx="1"/>
           </p:nvPr>
         </p:nvSpPr>
-        <p:spPr/>
+        <p:spPr>
+          <a:xfrm>
+            <a:off x="457200" y="1397001"/>
+            <a:ext cx="8229600" cy="704850"/>
+          </a:xfrm>
+        </p:spPr>
         <p:txBody>
           <a:bodyPr/>
           <a:lstStyle/>
           <a:p>
-            <a:r>
-              <a:rPr lang="en-US" dirty="0"/>
-              <a:t>DBCC SQLPERF(LOGSPACE)</a:t>
-            </a:r>
-          </a:p>
-          <a:p>
-            <a:pPr lvl="1"/>
-            <a:r>
-              <a:rPr lang="en-US" dirty="0"/>
-              <a:t>Log size, percent used per database</a:t>
-            </a:r>
-          </a:p>
-          <a:p>
-            <a:r>
-              <a:rPr lang="en-US" dirty="0" err="1"/>
-              <a:t>fn_dump_dblog</a:t>
-            </a:r>
-            <a:endParaRPr lang="en-US" dirty="0"/>
-          </a:p>
-          <a:p>
-            <a:pPr lvl="1"/>
-            <a:r>
-              <a:rPr lang="en-US" dirty="0"/>
-              <a:t>Similar to </a:t>
-            </a:r>
-            <a:r>
-              <a:rPr lang="en-US" dirty="0" err="1"/>
-              <a:t>fn_dblog</a:t>
-            </a:r>
-            <a:r>
-              <a:rPr lang="en-US" dirty="0"/>
-              <a:t>, but reads </a:t>
-            </a:r>
-            <a:r>
-              <a:rPr lang="en-US"/>
-              <a:t>from backup file</a:t>
-            </a:r>
-            <a:endParaRPr lang="en-US" dirty="0"/>
-          </a:p>
-        </p:txBody>
-      </p:sp>
+            <a:pPr marL="0" indent="0">
+              <a:buNone/>
+            </a:pPr>
+            <a:r>
+              <a:rPr lang="en-US" dirty="0"/>
+              <a:t>Returns one row per log record</a:t>
+            </a:r>
+          </a:p>
+        </p:txBody>
+      </p:sp>
+      <p:pic>
+        <p:nvPicPr>
+          <p:cNvPr id="4" name="Picture 3"/>
+          <p:cNvPicPr>
+            <a:picLocks noChangeAspect="1"/>
+          </p:cNvPicPr>
+          <p:nvPr/>
+        </p:nvPicPr>
+        <p:blipFill>
+          <a:blip r:embed="rId2"/>
+          <a:stretch>
+            <a:fillRect/>
+          </a:stretch>
+        </p:blipFill>
+        <p:spPr>
+          <a:xfrm>
+            <a:off x="457200" y="2025651"/>
+            <a:ext cx="7962900" cy="4032860"/>
+          </a:xfrm>
+          <a:prstGeom prst="rect">
+            <a:avLst/>
+          </a:prstGeom>
+        </p:spPr>
+      </p:pic>
     </p:spTree>
     <p:extLst>
       <p:ext uri="{BB962C8B-B14F-4D97-AF65-F5344CB8AC3E}">
-        <p14:creationId xmlns:p14="http://schemas.microsoft.com/office/powerpoint/2010/main" val="961231621"/>
+        <p14:creationId xmlns:p14="http://schemas.microsoft.com/office/powerpoint/2010/main" val="2370315233"/>
       </p:ext>
     </p:extLst>
   </p:cSld>
@@ -8182,7 +8200,7 @@
           <a:p>
             <a:r>
               <a:rPr lang="en-US" dirty="0"/>
-              <a:t>Checkpoint</a:t>
+              <a:t>Related commands/function</a:t>
             </a:r>
           </a:p>
         </p:txBody>
@@ -8204,20 +8222,41 @@
           <a:p>
             <a:r>
               <a:rPr lang="en-US" dirty="0"/>
-              <a:t>Process of writing dirty pages from the buffer pool to disk</a:t>
+              <a:t>DBCC SQLPERF(LOGSPACE)</a:t>
             </a:r>
           </a:p>
           <a:p>
             <a:pPr lvl="1"/>
             <a:r>
               <a:rPr lang="en-US" dirty="0"/>
-              <a:t>Irrespective of transaction completion</a:t>
-            </a:r>
-          </a:p>
-          <a:p>
-            <a:pPr marL="0" indent="0">
-              <a:buNone/>
-            </a:pPr>
+              <a:t>Log size, percent used per database</a:t>
+            </a:r>
+          </a:p>
+          <a:p>
+            <a:r>
+              <a:rPr lang="en-US" dirty="0" err="1"/>
+              <a:t>fn_dump_dblog</a:t>
+            </a:r>
+            <a:endParaRPr lang="en-US" dirty="0"/>
+          </a:p>
+          <a:p>
+            <a:pPr lvl="1"/>
+            <a:r>
+              <a:rPr lang="en-US" dirty="0"/>
+              <a:t>Similar to </a:t>
+            </a:r>
+            <a:r>
+              <a:rPr lang="en-US" dirty="0" err="1"/>
+              <a:t>fn_dblog</a:t>
+            </a:r>
+            <a:r>
+              <a:rPr lang="en-US" dirty="0"/>
+              <a:t>, but reads </a:t>
+            </a:r>
+            <a:r>
+              <a:rPr lang="en-US"/>
+              <a:t>from backup file</a:t>
+            </a:r>
             <a:endParaRPr lang="en-US" dirty="0"/>
           </a:p>
         </p:txBody>
@@ -8225,7 +8264,7 @@
     </p:spTree>
     <p:extLst>
       <p:ext uri="{BB962C8B-B14F-4D97-AF65-F5344CB8AC3E}">
-        <p14:creationId xmlns:p14="http://schemas.microsoft.com/office/powerpoint/2010/main" val="998445908"/>
+        <p14:creationId xmlns:p14="http://schemas.microsoft.com/office/powerpoint/2010/main" val="961231621"/>
       </p:ext>
     </p:extLst>
   </p:cSld>
@@ -8269,7 +8308,7 @@
           <a:p>
             <a:r>
               <a:rPr lang="en-US" dirty="0"/>
-              <a:t>Checkpoint Types</a:t>
+              <a:t>Checkpoint</a:t>
             </a:r>
           </a:p>
         </p:txBody>
@@ -8286,69 +8325,20 @@
         </p:nvSpPr>
         <p:spPr/>
         <p:txBody>
-          <a:bodyPr>
-            <a:normAutofit lnSpcReduction="10000"/>
-          </a:bodyPr>
+          <a:bodyPr/>
           <a:lstStyle/>
           <a:p>
             <a:r>
               <a:rPr lang="en-US" dirty="0"/>
-              <a:t>Automatic</a:t>
+              <a:t>Process of writing dirty pages from the buffer pool to disk</a:t>
             </a:r>
           </a:p>
           <a:p>
             <a:pPr lvl="1"/>
             <a:r>
               <a:rPr lang="en-US" dirty="0"/>
-              <a:t>Period background thread</a:t>
-            </a:r>
-          </a:p>
-          <a:p>
-            <a:pPr lvl="1"/>
-            <a:r>
-              <a:rPr lang="en-US" dirty="0"/>
-              <a:t>Instance-wide</a:t>
-            </a:r>
-          </a:p>
-          <a:p>
-            <a:r>
-              <a:rPr lang="en-US" dirty="0"/>
-              <a:t>Indirect (2012+)</a:t>
-            </a:r>
-          </a:p>
-          <a:p>
-            <a:pPr lvl="1"/>
-            <a:r>
-              <a:rPr lang="en-US" dirty="0"/>
-              <a:t>Database-specific</a:t>
-            </a:r>
-          </a:p>
-          <a:p>
-            <a:r>
-              <a:rPr lang="en-US" dirty="0"/>
-              <a:t>Internal</a:t>
-            </a:r>
-          </a:p>
-          <a:p>
-            <a:pPr lvl="1"/>
-            <a:r>
-              <a:rPr lang="en-US" dirty="0"/>
-              <a:t>During operations such as backup, snapshots</a:t>
-            </a:r>
-          </a:p>
-          <a:p>
-            <a:r>
-              <a:rPr lang="en-US" dirty="0"/>
-              <a:t>Manual</a:t>
-            </a:r>
-          </a:p>
-          <a:p>
-            <a:pPr lvl="1"/>
-            <a:r>
-              <a:rPr lang="en-US"/>
-              <a:t>CHECKPOINT command</a:t>
-            </a:r>
-            <a:endParaRPr lang="en-US" dirty="0"/>
+              <a:t>Irrespective of transaction completion</a:t>
+            </a:r>
           </a:p>
           <a:p>
             <a:pPr marL="0" indent="0">
@@ -8361,7 +8351,7 @@
     </p:spTree>
     <p:extLst>
       <p:ext uri="{BB962C8B-B14F-4D97-AF65-F5344CB8AC3E}">
-        <p14:creationId xmlns:p14="http://schemas.microsoft.com/office/powerpoint/2010/main" val="2925193969"/>
+        <p14:creationId xmlns:p14="http://schemas.microsoft.com/office/powerpoint/2010/main" val="998445908"/>
       </p:ext>
     </p:extLst>
   </p:cSld>
@@ -8405,7 +8395,7 @@
           <a:p>
             <a:r>
               <a:rPr lang="en-US" dirty="0"/>
-              <a:t>Flushing the Log</a:t>
+              <a:t>Checkpoint Types</a:t>
             </a:r>
           </a:p>
         </p:txBody>
@@ -8422,54 +8412,188 @@
         </p:nvSpPr>
         <p:spPr/>
         <p:txBody>
-          <a:bodyPr/>
+          <a:bodyPr>
+            <a:normAutofit fontScale="92500" lnSpcReduction="20000"/>
+          </a:bodyPr>
           <a:lstStyle/>
           <a:p>
             <a:r>
               <a:rPr lang="en-US" dirty="0"/>
-              <a:t>Flushing = closing a log block</a:t>
-            </a:r>
-          </a:p>
-          <a:p>
-            <a:r>
-              <a:rPr lang="en-US" dirty="0"/>
-              <a:t>Triggers</a:t>
+              <a:t>Automatic</a:t>
             </a:r>
           </a:p>
           <a:p>
             <a:pPr lvl="1"/>
             <a:r>
               <a:rPr lang="en-US" dirty="0"/>
-              <a:t>60K limit reached</a:t>
+              <a:t>Period background thread</a:t>
             </a:r>
           </a:p>
           <a:p>
             <a:pPr lvl="1"/>
             <a:r>
-              <a:rPr lang="en-US" dirty="0"/>
-              <a:t>Transaction commits</a:t>
+              <a:rPr lang="en-US" dirty="0" smtClean="0"/>
+              <a:t>Instance-wide [</a:t>
+            </a:r>
+            <a:r>
+              <a:rPr lang="en-US" sz="1700" dirty="0" err="1" smtClean="0">
+                <a:latin typeface="Courier New" panose="02070309020205020404" pitchFamily="49" charset="0"/>
+                <a:cs typeface="Courier New" panose="02070309020205020404" pitchFamily="49" charset="0"/>
+              </a:rPr>
+              <a:t>sp_configure</a:t>
+            </a:r>
+            <a:r>
+              <a:rPr lang="en-US" sz="1700" dirty="0" smtClean="0">
+                <a:latin typeface="Courier New" panose="02070309020205020404" pitchFamily="49" charset="0"/>
+                <a:cs typeface="Courier New" panose="02070309020205020404" pitchFamily="49" charset="0"/>
+              </a:rPr>
+              <a:t> </a:t>
+            </a:r>
+            <a:r>
+              <a:rPr lang="en-US" sz="1800" dirty="0"/>
+              <a:t>'</a:t>
+            </a:r>
+            <a:r>
+              <a:rPr lang="en-US" sz="1700" dirty="0" smtClean="0">
+                <a:latin typeface="Courier New" panose="02070309020205020404" pitchFamily="49" charset="0"/>
+                <a:cs typeface="Courier New" panose="02070309020205020404" pitchFamily="49" charset="0"/>
+              </a:rPr>
+              <a:t>recovery interval (</a:t>
+            </a:r>
+            <a:r>
+              <a:rPr lang="en-US" sz="1700" smtClean="0">
+                <a:latin typeface="Courier New" panose="02070309020205020404" pitchFamily="49" charset="0"/>
+                <a:cs typeface="Courier New" panose="02070309020205020404" pitchFamily="49" charset="0"/>
+              </a:rPr>
+              <a:t>min)</a:t>
+            </a:r>
+            <a:r>
+              <a:rPr lang="en-US" sz="1600" smtClean="0"/>
+              <a:t>'</a:t>
+            </a:r>
+            <a:r>
+              <a:rPr lang="en-US" sz="1700" smtClean="0">
+                <a:latin typeface="Courier New" panose="02070309020205020404" pitchFamily="49" charset="0"/>
+                <a:cs typeface="Courier New" panose="02070309020205020404" pitchFamily="49" charset="0"/>
+              </a:rPr>
+              <a:t>, </a:t>
+            </a:r>
+            <a:r>
+              <a:rPr lang="en-US" sz="1700" dirty="0" smtClean="0">
+                <a:latin typeface="Courier New" panose="02070309020205020404" pitchFamily="49" charset="0"/>
+                <a:cs typeface="Courier New" panose="02070309020205020404" pitchFamily="49" charset="0"/>
+              </a:rPr>
+              <a:t>2</a:t>
+            </a:r>
+            <a:r>
+              <a:rPr lang="en-US" dirty="0" smtClean="0"/>
+              <a:t>]</a:t>
+            </a:r>
+            <a:endParaRPr lang="en-US" dirty="0"/>
+          </a:p>
+          <a:p>
+            <a:r>
+              <a:rPr lang="en-US" dirty="0"/>
+              <a:t>Indirect (2012+)</a:t>
             </a:r>
           </a:p>
           <a:p>
             <a:pPr lvl="1"/>
             <a:r>
-              <a:rPr lang="en-US" dirty="0"/>
-              <a:t>Transaction rollbacks</a:t>
+              <a:rPr lang="en-US" dirty="0" smtClean="0"/>
+              <a:t>Database-specific</a:t>
             </a:r>
           </a:p>
           <a:p>
             <a:pPr lvl="1"/>
             <a:r>
-              <a:rPr lang="en-US" dirty="0"/>
-              <a:t>Checkpoint</a:t>
-            </a:r>
+              <a:rPr lang="en-US" dirty="0" smtClean="0"/>
+              <a:t>[</a:t>
+            </a:r>
+            <a:r>
+              <a:rPr lang="en-US" sz="1700" dirty="0" smtClean="0">
+                <a:latin typeface="Courier New" panose="02070309020205020404" pitchFamily="49" charset="0"/>
+                <a:cs typeface="Courier New" panose="02070309020205020404" pitchFamily="49" charset="0"/>
+              </a:rPr>
+              <a:t>alter database </a:t>
+            </a:r>
+            <a:r>
+              <a:rPr lang="en-US" sz="1700" dirty="0" err="1" smtClean="0">
+                <a:latin typeface="Courier New" panose="02070309020205020404" pitchFamily="49" charset="0"/>
+                <a:cs typeface="Courier New" panose="02070309020205020404" pitchFamily="49" charset="0"/>
+              </a:rPr>
+              <a:t>myDB</a:t>
+            </a:r>
+            <a:r>
+              <a:rPr lang="en-US" sz="1700" dirty="0" smtClean="0">
+                <a:latin typeface="Courier New" panose="02070309020205020404" pitchFamily="49" charset="0"/>
+                <a:cs typeface="Courier New" panose="02070309020205020404" pitchFamily="49" charset="0"/>
+              </a:rPr>
+              <a:t> set </a:t>
+            </a:r>
+            <a:r>
+              <a:rPr lang="en-US" sz="1700" dirty="0" err="1" smtClean="0">
+                <a:latin typeface="Courier New" panose="02070309020205020404" pitchFamily="49" charset="0"/>
+                <a:cs typeface="Courier New" panose="02070309020205020404" pitchFamily="49" charset="0"/>
+              </a:rPr>
+              <a:t>target_recovery_time</a:t>
+            </a:r>
+            <a:r>
+              <a:rPr lang="en-US" sz="1700" dirty="0" smtClean="0">
+                <a:latin typeface="Courier New" panose="02070309020205020404" pitchFamily="49" charset="0"/>
+                <a:cs typeface="Courier New" panose="02070309020205020404" pitchFamily="49" charset="0"/>
+              </a:rPr>
+              <a:t> = 2 minutes</a:t>
+            </a:r>
+            <a:r>
+              <a:rPr lang="en-US" dirty="0" smtClean="0"/>
+              <a:t>]</a:t>
+            </a:r>
+            <a:endParaRPr lang="en-US" dirty="0"/>
+          </a:p>
+          <a:p>
+            <a:r>
+              <a:rPr lang="en-US" dirty="0"/>
+              <a:t>Internal</a:t>
+            </a:r>
+          </a:p>
+          <a:p>
+            <a:pPr lvl="1"/>
+            <a:r>
+              <a:rPr lang="en-US" dirty="0"/>
+              <a:t>During operations such as backup, </a:t>
+            </a:r>
+            <a:r>
+              <a:rPr lang="en-US" dirty="0" smtClean="0"/>
+              <a:t>snapshots, shutdown</a:t>
+            </a:r>
+            <a:endParaRPr lang="en-US" dirty="0"/>
+          </a:p>
+          <a:p>
+            <a:r>
+              <a:rPr lang="en-US" dirty="0"/>
+              <a:t>Manual</a:t>
+            </a:r>
+          </a:p>
+          <a:p>
+            <a:pPr lvl="1"/>
+            <a:r>
+              <a:rPr lang="en-US" dirty="0"/>
+              <a:t>CHECKPOINT command</a:t>
+            </a:r>
+          </a:p>
+          <a:p>
+            <a:pPr marL="0" indent="0">
+              <a:buNone/>
+            </a:pPr>
+            <a:endParaRPr lang="en-US" dirty="0"/>
           </a:p>
         </p:txBody>
       </p:sp>
     </p:spTree>
     <p:extLst>
       <p:ext uri="{BB962C8B-B14F-4D97-AF65-F5344CB8AC3E}">
-        <p14:creationId xmlns:p14="http://schemas.microsoft.com/office/powerpoint/2010/main" val="4039889923"/>
+        <p14:creationId xmlns:p14="http://schemas.microsoft.com/office/powerpoint/2010/main" val="2925193969"/>
       </p:ext>
     </p:extLst>
   </p:cSld>
@@ -8513,7 +8637,7 @@
           <a:p>
             <a:r>
               <a:rPr lang="en-US" dirty="0"/>
-              <a:t>Recovery Models</a:t>
+              <a:t>Flushing the Log</a:t>
             </a:r>
           </a:p>
         </p:txBody>
@@ -8530,97 +8654,54 @@
         </p:nvSpPr>
         <p:spPr/>
         <p:txBody>
-          <a:bodyPr>
-            <a:normAutofit fontScale="92500" lnSpcReduction="10000"/>
-          </a:bodyPr>
+          <a:bodyPr/>
           <a:lstStyle/>
           <a:p>
             <a:r>
               <a:rPr lang="en-US" dirty="0"/>
-              <a:t>Impacts how SQL logs changes</a:t>
+              <a:t>Flushing = closing a log block</a:t>
+            </a:r>
+          </a:p>
+          <a:p>
+            <a:r>
+              <a:rPr lang="en-US" dirty="0"/>
+              <a:t>Triggers</a:t>
             </a:r>
           </a:p>
           <a:p>
             <a:pPr lvl="1"/>
             <a:r>
               <a:rPr lang="en-US" dirty="0"/>
-              <a:t>Simple recovery model</a:t>
-            </a:r>
-          </a:p>
-          <a:p>
-            <a:pPr lvl="2"/>
-            <a:r>
-              <a:rPr lang="en-US" dirty="0"/>
-              <a:t>All changes logged, but can be discarded on commit</a:t>
-            </a:r>
-          </a:p>
-          <a:p>
-            <a:pPr lvl="2"/>
-            <a:r>
-              <a:rPr lang="en-US" dirty="0"/>
-              <a:t>Can only recover to the latest full backup</a:t>
+              <a:t>60K limit reached</a:t>
             </a:r>
           </a:p>
           <a:p>
             <a:pPr lvl="1"/>
             <a:r>
               <a:rPr lang="en-US" dirty="0"/>
-              <a:t>Full recovery model</a:t>
-            </a:r>
-          </a:p>
-          <a:p>
-            <a:pPr lvl="2"/>
-            <a:r>
-              <a:rPr lang="en-US" dirty="0"/>
-              <a:t>Log records must be kept until log backup completed</a:t>
-            </a:r>
-          </a:p>
-          <a:p>
-            <a:pPr lvl="2"/>
-            <a:r>
-              <a:rPr lang="en-US" dirty="0"/>
-              <a:t>Can recover to an arbitrary point in time</a:t>
+              <a:t>Transaction commits</a:t>
             </a:r>
           </a:p>
           <a:p>
             <a:pPr lvl="1"/>
             <a:r>
               <a:rPr lang="en-US" dirty="0"/>
-              <a:t>Bulk-logged recovery model</a:t>
-            </a:r>
-          </a:p>
-          <a:p>
-            <a:pPr lvl="2"/>
-            <a:r>
-              <a:rPr lang="en-US" dirty="0"/>
-              <a:t>Similar to full model, but some changes are only “noted” rather than fully logged</a:t>
-            </a:r>
-          </a:p>
-          <a:p>
-            <a:pPr lvl="2"/>
-            <a:r>
-              <a:rPr lang="en-US" dirty="0"/>
-              <a:t>Log backups still include all changes</a:t>
-            </a:r>
-          </a:p>
-          <a:p>
-            <a:pPr lvl="2"/>
-            <a:r>
-              <a:rPr lang="en-US" dirty="0"/>
-              <a:t>Point-in-time recovery </a:t>
-            </a:r>
-            <a:r>
-              <a:rPr lang="en-US"/>
-              <a:t>not possible</a:t>
-            </a:r>
-            <a:endParaRPr lang="en-US" dirty="0"/>
+              <a:t>Transaction rollbacks</a:t>
+            </a:r>
+          </a:p>
+          <a:p>
+            <a:pPr lvl="1"/>
+            <a:r>
+              <a:rPr lang="en-US" dirty="0"/>
+              <a:t>Checkpoint</a:t>
+            </a:r>
           </a:p>
         </p:txBody>
       </p:sp>
     </p:spTree>
     <p:extLst>
       <p:ext uri="{BB962C8B-B14F-4D97-AF65-F5344CB8AC3E}">
-        <p14:creationId xmlns:p14="http://schemas.microsoft.com/office/powerpoint/2010/main" val="3098932775"/>
+        <p14:creationId xmlns:p14="http://schemas.microsoft.com/office/powerpoint/2010/main" val="4039889923"/>
       </p:ext>
     </p:extLst>
   </p:cSld>
@@ -8664,7 +8745,7 @@
           <a:p>
             <a:r>
               <a:rPr lang="en-US" dirty="0"/>
-              <a:t>Clearing the Log</a:t>
+              <a:t>Recovery Models</a:t>
             </a:r>
           </a:p>
         </p:txBody>
@@ -8681,81 +8762,89 @@
         </p:nvSpPr>
         <p:spPr/>
         <p:txBody>
-          <a:bodyPr/>
+          <a:bodyPr>
+            <a:normAutofit fontScale="92500" lnSpcReduction="10000"/>
+          </a:bodyPr>
           <a:lstStyle/>
           <a:p>
             <a:r>
               <a:rPr lang="en-US" dirty="0"/>
-              <a:t>Marks unneeded portions of log as inactive</a:t>
-            </a:r>
-          </a:p>
-          <a:p>
-            <a:r>
-              <a:rPr lang="en-US" dirty="0"/>
-              <a:t>Triggers:</a:t>
+              <a:t>Impacts how SQL logs changes</a:t>
             </a:r>
           </a:p>
           <a:p>
             <a:pPr lvl="1"/>
             <a:r>
               <a:rPr lang="en-US" dirty="0"/>
-              <a:t>Simple recovery: Checkpoint</a:t>
+              <a:t>Simple recovery model</a:t>
+            </a:r>
+          </a:p>
+          <a:p>
+            <a:pPr lvl="2"/>
+            <a:r>
+              <a:rPr lang="en-US" dirty="0"/>
+              <a:t>All changes logged, but can be discarded on commit</a:t>
+            </a:r>
+          </a:p>
+          <a:p>
+            <a:pPr lvl="2"/>
+            <a:r>
+              <a:rPr lang="en-US" dirty="0"/>
+              <a:t>Can only recover to the latest full backup</a:t>
             </a:r>
           </a:p>
           <a:p>
             <a:pPr lvl="1"/>
             <a:r>
               <a:rPr lang="en-US" dirty="0"/>
-              <a:t>Full/bulked-log: Log Backup</a:t>
-            </a:r>
-          </a:p>
-          <a:p>
-            <a:r>
-              <a:rPr lang="en-US" dirty="0"/>
-              <a:t>Why can’t the log clear?</a:t>
+              <a:t>Full recovery model</a:t>
+            </a:r>
+          </a:p>
+          <a:p>
+            <a:pPr lvl="2"/>
+            <a:r>
+              <a:rPr lang="en-US" dirty="0"/>
+              <a:t>Log records must be kept until log backup completed</a:t>
+            </a:r>
+          </a:p>
+          <a:p>
+            <a:pPr lvl="2"/>
+            <a:r>
+              <a:rPr lang="en-US" dirty="0"/>
+              <a:t>Can recover to an arbitrary point in time</a:t>
             </a:r>
           </a:p>
           <a:p>
             <a:pPr lvl="1"/>
             <a:r>
               <a:rPr lang="en-US" dirty="0"/>
-              <a:t>Pending log backup</a:t>
-            </a:r>
-          </a:p>
-          <a:p>
-            <a:pPr lvl="1"/>
-            <a:r>
-              <a:rPr lang="en-US" dirty="0"/>
-              <a:t>Active replication / CDC / AG / mirroring</a:t>
-            </a:r>
-          </a:p>
-          <a:p>
-            <a:pPr lvl="1"/>
-            <a:r>
-              <a:rPr lang="en-US" dirty="0"/>
-              <a:t>Long-running transaction</a:t>
-            </a:r>
-          </a:p>
-          <a:p>
-            <a:pPr lvl="1"/>
-            <a:r>
-              <a:rPr lang="en-US" dirty="0"/>
-              <a:t>See </a:t>
-            </a:r>
-            <a:r>
-              <a:rPr lang="en-US" sz="2000" b="1" dirty="0" err="1">
-                <a:latin typeface="Courier New" panose="02070309020205020404" pitchFamily="49" charset="0"/>
-                <a:cs typeface="Courier New" panose="02070309020205020404" pitchFamily="49" charset="0"/>
-              </a:rPr>
-              <a:t>sys.databases.log_reuse_wait_desc</a:t>
-            </a:r>
-            <a:endParaRPr lang="en-US" sz="2000" b="1" dirty="0">
-              <a:latin typeface="Courier New" panose="02070309020205020404" pitchFamily="49" charset="0"/>
-              <a:cs typeface="Courier New" panose="02070309020205020404" pitchFamily="49" charset="0"/>
-            </a:endParaRPr>
-          </a:p>
-          <a:p>
-            <a:pPr lvl="1"/>
+              <a:t>Bulk-logged recovery model</a:t>
+            </a:r>
+          </a:p>
+          <a:p>
+            <a:pPr lvl="2"/>
+            <a:r>
+              <a:rPr lang="en-US" dirty="0"/>
+              <a:t>Similar to full model, but some changes are only “noted” rather than fully logged</a:t>
+            </a:r>
+          </a:p>
+          <a:p>
+            <a:pPr lvl="2"/>
+            <a:r>
+              <a:rPr lang="en-US" dirty="0"/>
+              <a:t>Log backups still include all changes</a:t>
+            </a:r>
+          </a:p>
+          <a:p>
+            <a:pPr lvl="2"/>
+            <a:r>
+              <a:rPr lang="en-US" dirty="0"/>
+              <a:t>Point-in-time recovery </a:t>
+            </a:r>
+            <a:r>
+              <a:rPr lang="en-US"/>
+              <a:t>not possible</a:t>
+            </a:r>
             <a:endParaRPr lang="en-US" dirty="0"/>
           </a:p>
         </p:txBody>
@@ -8763,7 +8852,7 @@
     </p:spTree>
     <p:extLst>
       <p:ext uri="{BB962C8B-B14F-4D97-AF65-F5344CB8AC3E}">
-        <p14:creationId xmlns:p14="http://schemas.microsoft.com/office/powerpoint/2010/main" val="4028217354"/>
+        <p14:creationId xmlns:p14="http://schemas.microsoft.com/office/powerpoint/2010/main" val="3098932775"/>
       </p:ext>
     </p:extLst>
   </p:cSld>
@@ -8891,6 +8980,149 @@
 </file>
 
 <file path=ppt/slides/slide30.xml><?xml version="1.0" encoding="utf-8"?>
+<p:sld xmlns:a="http://schemas.openxmlformats.org/drawingml/2006/main" xmlns:r="http://schemas.openxmlformats.org/officeDocument/2006/relationships" xmlns:p="http://schemas.openxmlformats.org/presentationml/2006/main">
+  <p:cSld>
+    <p:spTree>
+      <p:nvGrpSpPr>
+        <p:cNvPr id="1" name=""/>
+        <p:cNvGrpSpPr/>
+        <p:nvPr/>
+      </p:nvGrpSpPr>
+      <p:grpSpPr>
+        <a:xfrm>
+          <a:off x="0" y="0"/>
+          <a:ext cx="0" cy="0"/>
+          <a:chOff x="0" y="0"/>
+          <a:chExt cx="0" cy="0"/>
+        </a:xfrm>
+      </p:grpSpPr>
+      <p:sp>
+        <p:nvSpPr>
+          <p:cNvPr id="2" name="Title 1"/>
+          <p:cNvSpPr>
+            <a:spLocks noGrp="1"/>
+          </p:cNvSpPr>
+          <p:nvPr>
+            <p:ph type="title"/>
+          </p:nvPr>
+        </p:nvSpPr>
+        <p:spPr/>
+        <p:txBody>
+          <a:bodyPr/>
+          <a:lstStyle/>
+          <a:p>
+            <a:r>
+              <a:rPr lang="en-US" dirty="0"/>
+              <a:t>Clearing the Log</a:t>
+            </a:r>
+          </a:p>
+        </p:txBody>
+      </p:sp>
+      <p:sp>
+        <p:nvSpPr>
+          <p:cNvPr id="3" name="Content Placeholder 2"/>
+          <p:cNvSpPr>
+            <a:spLocks noGrp="1"/>
+          </p:cNvSpPr>
+          <p:nvPr>
+            <p:ph idx="1"/>
+          </p:nvPr>
+        </p:nvSpPr>
+        <p:spPr/>
+        <p:txBody>
+          <a:bodyPr/>
+          <a:lstStyle/>
+          <a:p>
+            <a:r>
+              <a:rPr lang="en-US" dirty="0"/>
+              <a:t>Marks unneeded portions of log as inactive</a:t>
+            </a:r>
+          </a:p>
+          <a:p>
+            <a:r>
+              <a:rPr lang="en-US" dirty="0"/>
+              <a:t>Triggers:</a:t>
+            </a:r>
+          </a:p>
+          <a:p>
+            <a:pPr lvl="1"/>
+            <a:r>
+              <a:rPr lang="en-US" dirty="0"/>
+              <a:t>Simple recovery: Checkpoint</a:t>
+            </a:r>
+          </a:p>
+          <a:p>
+            <a:pPr lvl="1"/>
+            <a:r>
+              <a:rPr lang="en-US" dirty="0"/>
+              <a:t>Full/bulked-log: Log Backup</a:t>
+            </a:r>
+          </a:p>
+          <a:p>
+            <a:r>
+              <a:rPr lang="en-US" dirty="0"/>
+              <a:t>Why can’t the log clear?</a:t>
+            </a:r>
+          </a:p>
+          <a:p>
+            <a:pPr lvl="1"/>
+            <a:r>
+              <a:rPr lang="en-US" dirty="0"/>
+              <a:t>Pending log backup</a:t>
+            </a:r>
+          </a:p>
+          <a:p>
+            <a:pPr lvl="1"/>
+            <a:r>
+              <a:rPr lang="en-US" dirty="0"/>
+              <a:t>Active replication / CDC / AG / mirroring</a:t>
+            </a:r>
+          </a:p>
+          <a:p>
+            <a:pPr lvl="1"/>
+            <a:r>
+              <a:rPr lang="en-US" dirty="0"/>
+              <a:t>Long-running transaction</a:t>
+            </a:r>
+          </a:p>
+          <a:p>
+            <a:pPr lvl="1"/>
+            <a:r>
+              <a:rPr lang="en-US" dirty="0"/>
+              <a:t>See </a:t>
+            </a:r>
+            <a:r>
+              <a:rPr lang="en-US" sz="2000" b="1" dirty="0" err="1">
+                <a:latin typeface="Courier New" panose="02070309020205020404" pitchFamily="49" charset="0"/>
+                <a:cs typeface="Courier New" panose="02070309020205020404" pitchFamily="49" charset="0"/>
+              </a:rPr>
+              <a:t>sys.databases.log_reuse_wait_desc</a:t>
+            </a:r>
+            <a:endParaRPr lang="en-US" sz="2000" b="1" dirty="0">
+              <a:latin typeface="Courier New" panose="02070309020205020404" pitchFamily="49" charset="0"/>
+              <a:cs typeface="Courier New" panose="02070309020205020404" pitchFamily="49" charset="0"/>
+            </a:endParaRPr>
+          </a:p>
+          <a:p>
+            <a:pPr lvl="1"/>
+            <a:endParaRPr lang="en-US" dirty="0"/>
+          </a:p>
+        </p:txBody>
+      </p:sp>
+    </p:spTree>
+    <p:extLst>
+      <p:ext uri="{BB962C8B-B14F-4D97-AF65-F5344CB8AC3E}">
+        <p14:creationId xmlns:p14="http://schemas.microsoft.com/office/powerpoint/2010/main" val="4028217354"/>
+      </p:ext>
+    </p:extLst>
+  </p:cSld>
+  <p:clrMapOvr>
+    <a:masterClrMapping/>
+  </p:clrMapOvr>
+</p:sld>
+</file>
+
+<file path=ppt/slides/slide31.xml><?xml version="1.0" encoding="utf-8"?>
 <p:sld xmlns:a="http://schemas.openxmlformats.org/drawingml/2006/main" xmlns:r="http://schemas.openxmlformats.org/officeDocument/2006/relationships" xmlns:p="http://schemas.openxmlformats.org/presentationml/2006/main">
   <p:cSld>
     <p:spTree>

--- a/TransactionLog.pptx
+++ b/TransactionLog.pptx
@@ -5,7 +5,7 @@
     <p:sldMasterId id="2147483648" r:id="rId1"/>
   </p:sldMasterIdLst>
   <p:notesMasterIdLst>
-    <p:notesMasterId r:id="rId33"/>
+    <p:notesMasterId r:id="rId34"/>
   </p:notesMasterIdLst>
   <p:sldIdLst>
     <p:sldId id="328" r:id="rId2"/>
@@ -39,6 +39,7 @@
     <p:sldId id="352" r:id="rId30"/>
     <p:sldId id="355" r:id="rId31"/>
     <p:sldId id="357" r:id="rId32"/>
+    <p:sldId id="359" r:id="rId33"/>
   </p:sldIdLst>
   <p:sldSz cx="9144000" cy="6858000" type="screen4x3"/>
   <p:notesSz cx="6858000" cy="9144000"/>
@@ -238,7 +239,7 @@
           <a:p>
             <a:fld id="{2EDCB34D-5EC2-4739-9693-E425457AC201}" type="datetimeFigureOut">
               <a:rPr lang="en-US" smtClean="0"/>
-              <a:t>08/17/2016</a:t>
+              <a:t>8/30/2016</a:t>
             </a:fld>
             <a:endParaRPr lang="en-US"/>
           </a:p>
@@ -824,7 +825,7 @@
             <a:fld id="{5942B21B-2ADA-A040-A652-A7305E1B99FE}" type="datetimeFigureOut">
               <a:rPr lang="en-US" smtClean="0"/>
               <a:pPr/>
-              <a:t>08/17/2016</a:t>
+              <a:t>8/30/2016</a:t>
             </a:fld>
             <a:endParaRPr lang="en-US" dirty="0"/>
           </a:p>
@@ -1014,7 +1015,7 @@
           <a:p>
             <a:fld id="{5942B21B-2ADA-A040-A652-A7305E1B99FE}" type="datetimeFigureOut">
               <a:rPr lang="en-US" smtClean="0"/>
-              <a:t>08/17/2016</a:t>
+              <a:t>8/30/2016</a:t>
             </a:fld>
             <a:endParaRPr lang="en-US"/>
           </a:p>
@@ -1138,7 +1139,7 @@
             <a:fld id="{5942B21B-2ADA-A040-A652-A7305E1B99FE}" type="datetimeFigureOut">
               <a:rPr lang="en-US" smtClean="0"/>
               <a:pPr/>
-              <a:t>08/17/2016</a:t>
+              <a:t>8/30/2016</a:t>
             </a:fld>
             <a:r>
               <a:rPr lang="en-US"/>
@@ -1409,7 +1410,7 @@
             <a:fld id="{5942B21B-2ADA-A040-A652-A7305E1B99FE}" type="datetimeFigureOut">
               <a:rPr lang="en-US" smtClean="0"/>
               <a:pPr/>
-              <a:t>08/17/2016</a:t>
+              <a:t>8/30/2016</a:t>
             </a:fld>
             <a:r>
               <a:rPr lang="en-US" dirty="0"/>
@@ -1679,7 +1680,7 @@
             <a:fld id="{5942B21B-2ADA-A040-A652-A7305E1B99FE}" type="datetimeFigureOut">
               <a:rPr lang="en-US" smtClean="0"/>
               <a:pPr/>
-              <a:t>08/17/2016</a:t>
+              <a:t>8/30/2016</a:t>
             </a:fld>
             <a:r>
               <a:rPr lang="en-US" dirty="0"/>
@@ -2019,7 +2020,7 @@
             <a:fld id="{5942B21B-2ADA-A040-A652-A7305E1B99FE}" type="datetimeFigureOut">
               <a:rPr lang="en-US" smtClean="0"/>
               <a:pPr/>
-              <a:t>08/17/2016</a:t>
+              <a:t>8/30/2016</a:t>
             </a:fld>
             <a:r>
               <a:rPr lang="en-US" dirty="0"/>
@@ -2360,7 +2361,7 @@
             <a:fld id="{5942B21B-2ADA-A040-A652-A7305E1B99FE}" type="datetimeFigureOut">
               <a:rPr lang="en-US" smtClean="0"/>
               <a:pPr/>
-              <a:t>08/17/2016</a:t>
+              <a:t>8/30/2016</a:t>
             </a:fld>
             <a:r>
               <a:rPr lang="en-US" dirty="0"/>
@@ -2875,7 +2876,7 @@
             <a:fld id="{5942B21B-2ADA-A040-A652-A7305E1B99FE}" type="datetimeFigureOut">
               <a:rPr lang="en-US" smtClean="0"/>
               <a:pPr/>
-              <a:t>08/17/2016</a:t>
+              <a:t>8/30/2016</a:t>
             </a:fld>
             <a:r>
               <a:rPr lang="en-US" dirty="0"/>
@@ -3084,7 +3085,7 @@
             <a:fld id="{5942B21B-2ADA-A040-A652-A7305E1B99FE}" type="datetimeFigureOut">
               <a:rPr lang="en-US" smtClean="0"/>
               <a:pPr/>
-              <a:t>08/17/2016</a:t>
+              <a:t>8/30/2016</a:t>
             </a:fld>
             <a:r>
               <a:rPr lang="en-US" dirty="0"/>
@@ -3271,7 +3272,7 @@
             <a:fld id="{5942B21B-2ADA-A040-A652-A7305E1B99FE}" type="datetimeFigureOut">
               <a:rPr lang="en-US" smtClean="0"/>
               <a:pPr/>
-              <a:t>08/17/2016</a:t>
+              <a:t>8/30/2016</a:t>
             </a:fld>
             <a:r>
               <a:rPr lang="en-US" dirty="0"/>
@@ -3602,7 +3603,7 @@
             <a:fld id="{5942B21B-2ADA-A040-A652-A7305E1B99FE}" type="datetimeFigureOut">
               <a:rPr lang="en-US" smtClean="0"/>
               <a:pPr/>
-              <a:t>08/17/2016</a:t>
+              <a:t>8/30/2016</a:t>
             </a:fld>
             <a:r>
               <a:rPr lang="en-US" dirty="0"/>
@@ -3910,7 +3911,7 @@
             <a:fld id="{5942B21B-2ADA-A040-A652-A7305E1B99FE}" type="datetimeFigureOut">
               <a:rPr lang="en-US" smtClean="0"/>
               <a:pPr/>
-              <a:t>08/17/2016</a:t>
+              <a:t>8/30/2016</a:t>
             </a:fld>
             <a:r>
               <a:rPr lang="en-US" dirty="0"/>
@@ -4189,7 +4190,7 @@
             <a:fld id="{5942B21B-2ADA-A040-A652-A7305E1B99FE}" type="datetimeFigureOut">
               <a:rPr lang="en-US" smtClean="0"/>
               <a:pPr/>
-              <a:t>08/17/2016</a:t>
+              <a:t>8/30/2016</a:t>
             </a:fld>
             <a:r>
               <a:rPr lang="en-US" dirty="0"/>
@@ -4867,7 +4868,7 @@
           </a:lstStyle>
           <a:p>
             <a:r>
-              <a:rPr lang="en-US" sz="3200" smtClean="0"/>
+              <a:rPr lang="en-US" sz="3200"/>
               <a:t>Visualize Your Transaction Log</a:t>
             </a:r>
             <a:endParaRPr lang="en-US" sz="3200" dirty="0"/>
@@ -7187,10 +7188,9 @@
           <a:lstStyle/>
           <a:p>
             <a:r>
-              <a:rPr lang="en-US" dirty="0" smtClean="0"/>
+              <a:rPr lang="en-US" dirty="0"/>
               <a:t>Physical vs Logical Log File</a:t>
             </a:r>
-            <a:endParaRPr lang="en-US" dirty="0"/>
           </a:p>
         </p:txBody>
       </p:sp>
@@ -7210,51 +7210,50 @@
           <a:lstStyle/>
           <a:p>
             <a:r>
-              <a:rPr lang="en-US" dirty="0" smtClean="0"/>
+              <a:rPr lang="en-US" dirty="0"/>
               <a:t>Logical Log File</a:t>
             </a:r>
           </a:p>
           <a:p>
             <a:pPr lvl="1"/>
             <a:r>
-              <a:rPr lang="en-US" dirty="0" smtClean="0"/>
+              <a:rPr lang="en-US" dirty="0"/>
               <a:t>Always growing</a:t>
             </a:r>
           </a:p>
           <a:p>
             <a:pPr lvl="1"/>
             <a:r>
-              <a:rPr lang="en-US" dirty="0" smtClean="0"/>
+              <a:rPr lang="en-US" dirty="0"/>
               <a:t>Write once / read many</a:t>
             </a:r>
           </a:p>
           <a:p>
             <a:r>
-              <a:rPr lang="en-US" dirty="0" smtClean="0"/>
+              <a:rPr lang="en-US" dirty="0"/>
               <a:t>Physical Log File</a:t>
             </a:r>
           </a:p>
           <a:p>
             <a:pPr lvl="1"/>
             <a:r>
-              <a:rPr lang="en-US" dirty="0" smtClean="0"/>
+              <a:rPr lang="en-US" dirty="0"/>
               <a:t>Only grows when full (or manually grown)</a:t>
             </a:r>
           </a:p>
           <a:p>
             <a:pPr lvl="1"/>
             <a:r>
-              <a:rPr lang="en-US" dirty="0" smtClean="0"/>
+              <a:rPr lang="en-US" dirty="0"/>
               <a:t>Divided into virtual log files (VLFs)</a:t>
             </a:r>
           </a:p>
           <a:p>
             <a:pPr lvl="1"/>
             <a:r>
-              <a:rPr lang="en-US" dirty="0" smtClean="0"/>
+              <a:rPr lang="en-US" dirty="0"/>
               <a:t>VLFs are inactivated when possible and over-written</a:t>
             </a:r>
-            <a:endParaRPr lang="en-US" dirty="0"/>
           </a:p>
         </p:txBody>
       </p:sp>
@@ -7347,15 +7346,7 @@
             <a:pPr lvl="1"/>
             <a:r>
               <a:rPr lang="en-US" dirty="0"/>
-              <a:t>Log Block offset (512-byte chunks, not </a:t>
-            </a:r>
-            <a:r>
-              <a:rPr lang="en-US" dirty="0" smtClean="0"/>
-              <a:t>necessarily contiguous</a:t>
-            </a:r>
-            <a:r>
-              <a:rPr lang="en-US" dirty="0"/>
-              <a:t>)</a:t>
+              <a:t>Log Block offset (512-byte chunks, not necessarily contiguous)</a:t>
             </a:r>
           </a:p>
           <a:p>
@@ -7368,15 +7359,7 @@
           <a:p>
             <a:r>
               <a:rPr lang="en-US" dirty="0"/>
-              <a:t>The LSN is in a very real way a pointer into the </a:t>
-            </a:r>
-            <a:r>
-              <a:rPr lang="en-US" dirty="0" smtClean="0"/>
-              <a:t>(logical) log </a:t>
-            </a:r>
-            <a:r>
-              <a:rPr lang="en-US" dirty="0"/>
-              <a:t>file</a:t>
+              <a:t>The LSN is in a very real way a pointer into the (logical) log file</a:t>
             </a:r>
           </a:p>
         </p:txBody>
@@ -7472,14 +7455,14 @@
           <p:nvPr>
             <p:extLst>
               <p:ext uri="{D42A27DB-BD31-4B8C-83A1-F6EECF244321}">
-                <p14:modId xmlns:p14="http://schemas.microsoft.com/office/powerpoint/2010/main" val="2590883591"/>
+                <p14:modId xmlns:p14="http://schemas.microsoft.com/office/powerpoint/2010/main" val="388941808"/>
               </p:ext>
             </p:extLst>
           </p:nvPr>
         </p:nvGraphicFramePr>
         <p:xfrm>
           <a:off x="457200" y="2352675"/>
-          <a:ext cx="8229600" cy="1779746"/>
+          <a:ext cx="8229600" cy="2419826"/>
         </p:xfrm>
         <a:graphic>
           <a:graphicData uri="http://schemas.openxmlformats.org/drawingml/2006/table">
@@ -7491,21 +7474,21 @@
                 <a:gridCol w="1895475">
                   <a:extLst>
                     <a:ext uri="{9D8B030D-6E8A-4147-A177-3AD203B41FA5}">
-                      <a16:colId xmlns="" xmlns:a16="http://schemas.microsoft.com/office/drawing/2014/main" val="20000"/>
+                      <a16:colId xmlns:a16="http://schemas.microsoft.com/office/drawing/2014/main" val="20000"/>
                     </a:ext>
                   </a:extLst>
                 </a:gridCol>
                 <a:gridCol w="3171825">
                   <a:extLst>
                     <a:ext uri="{9D8B030D-6E8A-4147-A177-3AD203B41FA5}">
-                      <a16:colId xmlns="" xmlns:a16="http://schemas.microsoft.com/office/drawing/2014/main" val="20001"/>
+                      <a16:colId xmlns:a16="http://schemas.microsoft.com/office/drawing/2014/main" val="20001"/>
                     </a:ext>
                   </a:extLst>
                 </a:gridCol>
                 <a:gridCol w="3162300">
                   <a:extLst>
                     <a:ext uri="{9D8B030D-6E8A-4147-A177-3AD203B41FA5}">
-                      <a16:colId xmlns="" xmlns:a16="http://schemas.microsoft.com/office/drawing/2014/main" val="20002"/>
+                      <a16:colId xmlns:a16="http://schemas.microsoft.com/office/drawing/2014/main" val="20002"/>
                     </a:ext>
                   </a:extLst>
                 </a:gridCol>
@@ -7552,7 +7535,7 @@
                 </a:tc>
                 <a:extLst>
                   <a:ext uri="{0D108BD9-81ED-4DB2-BD59-A6C34878D82A}">
-                    <a16:rowId xmlns="" xmlns:a16="http://schemas.microsoft.com/office/drawing/2014/main" val="10000"/>
+                    <a16:rowId xmlns:a16="http://schemas.microsoft.com/office/drawing/2014/main" val="10000"/>
                   </a:ext>
                 </a:extLst>
               </a:tr>
@@ -7618,7 +7601,7 @@
                 </a:tc>
                 <a:extLst>
                   <a:ext uri="{0D108BD9-81ED-4DB2-BD59-A6C34878D82A}">
-                    <a16:rowId xmlns="" xmlns:a16="http://schemas.microsoft.com/office/drawing/2014/main" val="10001"/>
+                    <a16:rowId xmlns:a16="http://schemas.microsoft.com/office/drawing/2014/main" val="10001"/>
                   </a:ext>
                 </a:extLst>
               </a:tr>
@@ -7689,7 +7672,7 @@
                 </a:tc>
                 <a:extLst>
                   <a:ext uri="{0D108BD9-81ED-4DB2-BD59-A6C34878D82A}">
-                    <a16:rowId xmlns="" xmlns:a16="http://schemas.microsoft.com/office/drawing/2014/main" val="10002"/>
+                    <a16:rowId xmlns:a16="http://schemas.microsoft.com/office/drawing/2014/main" val="10002"/>
                   </a:ext>
                 </a:extLst>
               </a:tr>
@@ -7735,7 +7718,58 @@
                 </a:tc>
                 <a:extLst>
                   <a:ext uri="{0D108BD9-81ED-4DB2-BD59-A6C34878D82A}">
-                    <a16:rowId xmlns="" xmlns:a16="http://schemas.microsoft.com/office/drawing/2014/main" val="10003"/>
+                    <a16:rowId xmlns:a16="http://schemas.microsoft.com/office/drawing/2014/main" val="10003"/>
+                  </a:ext>
+                </a:extLst>
+              </a:tr>
+              <a:tr h="370840">
+                <a:tc>
+                  <a:txBody>
+                    <a:bodyPr/>
+                    <a:lstStyle/>
+                    <a:p>
+                      <a:r>
+                        <a:rPr lang="en-US" dirty="0"/>
+                        <a:t>Colon-separated (decimal)</a:t>
+                      </a:r>
+                    </a:p>
+                  </a:txBody>
+                  <a:tcPr/>
+                </a:tc>
+                <a:tc>
+                  <a:txBody>
+                    <a:bodyPr/>
+                    <a:lstStyle/>
+                    <a:p>
+                      <a:r>
+                        <a:rPr lang="en-US" dirty="0"/>
+                        <a:t>448:107:5</a:t>
+                      </a:r>
+                    </a:p>
+                  </a:txBody>
+                  <a:tcPr/>
+                </a:tc>
+                <a:tc>
+                  <a:txBody>
+                    <a:bodyPr/>
+                    <a:lstStyle/>
+                    <a:p>
+                      <a:r>
+                        <a:rPr lang="en-US" dirty="0"/>
+                        <a:t>Input to </a:t>
+                      </a:r>
+                      <a:r>
+                        <a:rPr lang="en-US" dirty="0" err="1"/>
+                        <a:t>fn_dblog</a:t>
+                      </a:r>
+                      <a:endParaRPr lang="en-US" dirty="0"/>
+                    </a:p>
+                  </a:txBody>
+                  <a:tcPr/>
+                </a:tc>
+                <a:extLst>
+                  <a:ext uri="{0D108BD9-81ED-4DB2-BD59-A6C34878D82A}">
+                    <a16:rowId xmlns:a16="http://schemas.microsoft.com/office/drawing/2014/main" val="3543017676"/>
                   </a:ext>
                 </a:extLst>
               </a:tr>
@@ -7753,7 +7787,7 @@
         </p:nvSpPr>
         <p:spPr>
           <a:xfrm>
-            <a:off x="457200" y="4284821"/>
+            <a:off x="457200" y="4877015"/>
             <a:ext cx="8229600" cy="628650"/>
           </a:xfrm>
           <a:prstGeom prst="rect">
@@ -8432,18 +8466,18 @@
           <a:p>
             <a:pPr lvl="1"/>
             <a:r>
-              <a:rPr lang="en-US" dirty="0" smtClean="0"/>
+              <a:rPr lang="en-US" dirty="0"/>
               <a:t>Instance-wide [</a:t>
             </a:r>
             <a:r>
-              <a:rPr lang="en-US" sz="1700" dirty="0" err="1" smtClean="0">
+              <a:rPr lang="en-US" sz="1700" dirty="0" err="1">
                 <a:latin typeface="Courier New" panose="02070309020205020404" pitchFamily="49" charset="0"/>
                 <a:cs typeface="Courier New" panose="02070309020205020404" pitchFamily="49" charset="0"/>
               </a:rPr>
               <a:t>sp_configure</a:t>
             </a:r>
             <a:r>
-              <a:rPr lang="en-US" sz="1700" dirty="0" smtClean="0">
+              <a:rPr lang="en-US" sz="1700" dirty="0">
                 <a:latin typeface="Courier New" panose="02070309020205020404" pitchFamily="49" charset="0"/>
                 <a:cs typeface="Courier New" panose="02070309020205020404" pitchFamily="49" charset="0"/>
               </a:rPr>
@@ -8454,42 +8488,41 @@
               <a:t>'</a:t>
             </a:r>
             <a:r>
-              <a:rPr lang="en-US" sz="1700" dirty="0" smtClean="0">
+              <a:rPr lang="en-US" sz="1700" dirty="0">
                 <a:latin typeface="Courier New" panose="02070309020205020404" pitchFamily="49" charset="0"/>
                 <a:cs typeface="Courier New" panose="02070309020205020404" pitchFamily="49" charset="0"/>
               </a:rPr>
               <a:t>recovery interval (</a:t>
             </a:r>
             <a:r>
-              <a:rPr lang="en-US" sz="1700" smtClean="0">
+              <a:rPr lang="en-US" sz="1700">
                 <a:latin typeface="Courier New" panose="02070309020205020404" pitchFamily="49" charset="0"/>
                 <a:cs typeface="Courier New" panose="02070309020205020404" pitchFamily="49" charset="0"/>
               </a:rPr>
               <a:t>min)</a:t>
             </a:r>
             <a:r>
-              <a:rPr lang="en-US" sz="1600" smtClean="0"/>
+              <a:rPr lang="en-US" sz="1600"/>
               <a:t>'</a:t>
             </a:r>
             <a:r>
-              <a:rPr lang="en-US" sz="1700" smtClean="0">
+              <a:rPr lang="en-US" sz="1700">
                 <a:latin typeface="Courier New" panose="02070309020205020404" pitchFamily="49" charset="0"/>
                 <a:cs typeface="Courier New" panose="02070309020205020404" pitchFamily="49" charset="0"/>
               </a:rPr>
               <a:t>, </a:t>
             </a:r>
             <a:r>
-              <a:rPr lang="en-US" sz="1700" dirty="0" smtClean="0">
+              <a:rPr lang="en-US" sz="1700" dirty="0">
                 <a:latin typeface="Courier New" panose="02070309020205020404" pitchFamily="49" charset="0"/>
                 <a:cs typeface="Courier New" panose="02070309020205020404" pitchFamily="49" charset="0"/>
               </a:rPr>
               <a:t>2</a:t>
             </a:r>
             <a:r>
-              <a:rPr lang="en-US" dirty="0" smtClean="0"/>
+              <a:rPr lang="en-US" dirty="0"/>
               <a:t>]</a:t>
             </a:r>
-            <a:endParaRPr lang="en-US" dirty="0"/>
           </a:p>
           <a:p>
             <a:r>
@@ -8500,56 +8533,55 @@
           <a:p>
             <a:pPr lvl="1"/>
             <a:r>
-              <a:rPr lang="en-US" dirty="0" smtClean="0"/>
+              <a:rPr lang="en-US" dirty="0"/>
               <a:t>Database-specific</a:t>
             </a:r>
           </a:p>
           <a:p>
             <a:pPr lvl="1"/>
             <a:r>
-              <a:rPr lang="en-US" dirty="0" smtClean="0"/>
+              <a:rPr lang="en-US" dirty="0"/>
               <a:t>[</a:t>
             </a:r>
             <a:r>
-              <a:rPr lang="en-US" sz="1700" dirty="0" smtClean="0">
+              <a:rPr lang="en-US" sz="1700" dirty="0">
                 <a:latin typeface="Courier New" panose="02070309020205020404" pitchFamily="49" charset="0"/>
                 <a:cs typeface="Courier New" panose="02070309020205020404" pitchFamily="49" charset="0"/>
               </a:rPr>
               <a:t>alter database </a:t>
             </a:r>
             <a:r>
-              <a:rPr lang="en-US" sz="1700" dirty="0" err="1" smtClean="0">
+              <a:rPr lang="en-US" sz="1700" dirty="0" err="1">
                 <a:latin typeface="Courier New" panose="02070309020205020404" pitchFamily="49" charset="0"/>
                 <a:cs typeface="Courier New" panose="02070309020205020404" pitchFamily="49" charset="0"/>
               </a:rPr>
               <a:t>myDB</a:t>
             </a:r>
             <a:r>
-              <a:rPr lang="en-US" sz="1700" dirty="0" smtClean="0">
+              <a:rPr lang="en-US" sz="1700" dirty="0">
                 <a:latin typeface="Courier New" panose="02070309020205020404" pitchFamily="49" charset="0"/>
                 <a:cs typeface="Courier New" panose="02070309020205020404" pitchFamily="49" charset="0"/>
               </a:rPr>
               <a:t> set </a:t>
             </a:r>
             <a:r>
-              <a:rPr lang="en-US" sz="1700" dirty="0" err="1" smtClean="0">
+              <a:rPr lang="en-US" sz="1700" dirty="0" err="1">
                 <a:latin typeface="Courier New" panose="02070309020205020404" pitchFamily="49" charset="0"/>
                 <a:cs typeface="Courier New" panose="02070309020205020404" pitchFamily="49" charset="0"/>
               </a:rPr>
               <a:t>target_recovery_time</a:t>
             </a:r>
             <a:r>
-              <a:rPr lang="en-US" sz="1700" dirty="0" smtClean="0">
+              <a:rPr lang="en-US" sz="1700" dirty="0">
                 <a:latin typeface="Courier New" panose="02070309020205020404" pitchFamily="49" charset="0"/>
                 <a:cs typeface="Courier New" panose="02070309020205020404" pitchFamily="49" charset="0"/>
               </a:rPr>
               <a:t> = 2 minutes</a:t>
             </a:r>
             <a:r>
-              <a:rPr lang="en-US" dirty="0" smtClean="0"/>
+              <a:rPr lang="en-US" dirty="0"/>
               <a:t>]</a:t>
             </a:r>
-            <a:endParaRPr lang="en-US" dirty="0"/>
           </a:p>
           <a:p>
             <a:r>
@@ -8561,13 +8593,8 @@
             <a:pPr lvl="1"/>
             <a:r>
               <a:rPr lang="en-US" dirty="0"/>
-              <a:t>During operations such as backup, </a:t>
-            </a:r>
-            <a:r>
-              <a:rPr lang="en-US" dirty="0" smtClean="0"/>
-              <a:t>snapshots, shutdown</a:t>
-            </a:r>
-            <a:endParaRPr lang="en-US" dirty="0"/>
+              <a:t>During operations such as backup, snapshots, shutdown</a:t>
+            </a:r>
           </a:p>
           <a:p>
             <a:r>
@@ -8929,27 +8956,14 @@
           </a:p>
           <a:p>
             <a:r>
-              <a:rPr lang="en-US" dirty="0" smtClean="0"/>
-              <a:t>Flushing &amp; clearing </a:t>
-            </a:r>
-            <a:r>
-              <a:rPr lang="en-US" dirty="0"/>
-              <a:t>the </a:t>
-            </a:r>
-            <a:r>
-              <a:rPr lang="en-US" dirty="0" smtClean="0"/>
-              <a:t>log / checkpoints</a:t>
-            </a:r>
-            <a:endParaRPr lang="en-US" dirty="0"/>
-          </a:p>
-          <a:p>
-            <a:r>
-              <a:rPr lang="en-US" dirty="0" smtClean="0"/>
-              <a:t>Rollback </a:t>
-            </a:r>
-            <a:r>
-              <a:rPr lang="en-US" dirty="0"/>
-              <a:t>operations</a:t>
+              <a:rPr lang="en-US" dirty="0"/>
+              <a:t>Flushing &amp; clearing the log / checkpoints</a:t>
+            </a:r>
+          </a:p>
+          <a:p>
+            <a:r>
+              <a:rPr lang="en-US" dirty="0"/>
+              <a:t>Rollback operations</a:t>
             </a:r>
           </a:p>
           <a:p>
@@ -9155,10 +9169,9 @@
           <a:lstStyle/>
           <a:p>
             <a:r>
-              <a:rPr lang="en-US" dirty="0" smtClean="0"/>
+              <a:rPr lang="en-US" dirty="0"/>
               <a:t>Creating new VLFs</a:t>
             </a:r>
-            <a:endParaRPr lang="en-US" dirty="0"/>
           </a:p>
         </p:txBody>
       </p:sp>
@@ -9188,10 +9201,9 @@
               <a:buNone/>
             </a:pPr>
             <a:r>
-              <a:rPr lang="en-US" dirty="0" smtClean="0"/>
+              <a:rPr lang="en-US" dirty="0"/>
               <a:t>My transaction log grew.  How many VLFs?</a:t>
             </a:r>
-            <a:endParaRPr lang="en-US" dirty="0"/>
           </a:p>
         </p:txBody>
       </p:sp>
@@ -9220,8 +9232,20 @@
                 <a:tableStyleId>{5C22544A-7EE6-4342-B048-85BDC9FD1C3A}</a:tableStyleId>
               </a:tblPr>
               <a:tblGrid>
-                <a:gridCol w="3048000"/>
-                <a:gridCol w="3048000"/>
+                <a:gridCol w="3048000">
+                  <a:extLst>
+                    <a:ext uri="{9D8B030D-6E8A-4147-A177-3AD203B41FA5}">
+                      <a16:colId xmlns:a16="http://schemas.microsoft.com/office/drawing/2014/main" val="20000"/>
+                    </a:ext>
+                  </a:extLst>
+                </a:gridCol>
+                <a:gridCol w="3048000">
+                  <a:extLst>
+                    <a:ext uri="{9D8B030D-6E8A-4147-A177-3AD203B41FA5}">
+                      <a16:colId xmlns:a16="http://schemas.microsoft.com/office/drawing/2014/main" val="20001"/>
+                    </a:ext>
+                  </a:extLst>
+                </a:gridCol>
               </a:tblGrid>
               <a:tr h="370840">
                 <a:tc>
@@ -9231,11 +9255,11 @@
                     <a:p>
                       <a:pPr algn="ctr"/>
                       <a:r>
-                        <a:rPr lang="en-US" dirty="0" smtClean="0"/>
+                        <a:rPr lang="en-US" dirty="0"/>
                         <a:t>Log</a:t>
                       </a:r>
                       <a:r>
-                        <a:rPr lang="en-US" baseline="0" dirty="0" smtClean="0"/>
+                        <a:rPr lang="en-US" baseline="0" dirty="0"/>
                         <a:t> growth size</a:t>
                       </a:r>
                       <a:endParaRPr lang="en-US" dirty="0"/>
@@ -9250,11 +9274,11 @@
                     <a:p>
                       <a:pPr algn="ctr"/>
                       <a:r>
-                        <a:rPr lang="en-US" dirty="0" smtClean="0"/>
+                        <a:rPr lang="en-US" dirty="0"/>
                         <a:t>New</a:t>
                       </a:r>
                       <a:r>
-                        <a:rPr lang="en-US" baseline="0" dirty="0" smtClean="0"/>
+                        <a:rPr lang="en-US" baseline="0" dirty="0"/>
                         <a:t> VLFs created</a:t>
                       </a:r>
                       <a:endParaRPr lang="en-US" dirty="0"/>
@@ -9262,6 +9286,11 @@
                   </a:txBody>
                   <a:tcPr/>
                 </a:tc>
+                <a:extLst>
+                  <a:ext uri="{0D108BD9-81ED-4DB2-BD59-A6C34878D82A}">
+                    <a16:rowId xmlns:a16="http://schemas.microsoft.com/office/drawing/2014/main" val="10000"/>
+                  </a:ext>
+                </a:extLst>
               </a:tr>
               <a:tr h="370840">
                 <a:tc>
@@ -9271,10 +9300,9 @@
                     <a:p>
                       <a:pPr algn="ctr"/>
                       <a:r>
-                        <a:rPr lang="en-US" dirty="0" smtClean="0"/>
+                        <a:rPr lang="en-US" dirty="0"/>
                         <a:t>1 to 64 MB</a:t>
                       </a:r>
-                      <a:endParaRPr lang="en-US" dirty="0"/>
                     </a:p>
                   </a:txBody>
                   <a:tcPr/>
@@ -9286,14 +9314,18 @@
                     <a:p>
                       <a:pPr algn="ctr"/>
                       <a:r>
-                        <a:rPr lang="en-US" dirty="0" smtClean="0"/>
+                        <a:rPr lang="en-US" dirty="0"/>
                         <a:t>4</a:t>
                       </a:r>
-                      <a:endParaRPr lang="en-US" dirty="0"/>
                     </a:p>
                   </a:txBody>
                   <a:tcPr/>
                 </a:tc>
+                <a:extLst>
+                  <a:ext uri="{0D108BD9-81ED-4DB2-BD59-A6C34878D82A}">
+                    <a16:rowId xmlns:a16="http://schemas.microsoft.com/office/drawing/2014/main" val="10001"/>
+                  </a:ext>
+                </a:extLst>
               </a:tr>
               <a:tr h="370840">
                 <a:tc>
@@ -9303,10 +9335,9 @@
                     <a:p>
                       <a:pPr algn="ctr"/>
                       <a:r>
-                        <a:rPr lang="en-US" dirty="0" smtClean="0"/>
+                        <a:rPr lang="en-US" dirty="0"/>
                         <a:t>64 MB to 1 GB</a:t>
                       </a:r>
-                      <a:endParaRPr lang="en-US" dirty="0"/>
                     </a:p>
                   </a:txBody>
                   <a:tcPr/>
@@ -9318,14 +9349,18 @@
                     <a:p>
                       <a:pPr algn="ctr"/>
                       <a:r>
-                        <a:rPr lang="en-US" dirty="0" smtClean="0"/>
+                        <a:rPr lang="en-US" dirty="0"/>
                         <a:t>8</a:t>
                       </a:r>
-                      <a:endParaRPr lang="en-US" dirty="0"/>
                     </a:p>
                   </a:txBody>
                   <a:tcPr/>
                 </a:tc>
+                <a:extLst>
+                  <a:ext uri="{0D108BD9-81ED-4DB2-BD59-A6C34878D82A}">
+                    <a16:rowId xmlns:a16="http://schemas.microsoft.com/office/drawing/2014/main" val="10002"/>
+                  </a:ext>
+                </a:extLst>
               </a:tr>
               <a:tr h="370840">
                 <a:tc>
@@ -9335,11 +9370,11 @@
                     <a:p>
                       <a:pPr algn="ctr"/>
                       <a:r>
-                        <a:rPr lang="en-US" dirty="0" smtClean="0"/>
+                        <a:rPr lang="en-US" dirty="0"/>
                         <a:t>Greater</a:t>
                       </a:r>
                       <a:r>
-                        <a:rPr lang="en-US" baseline="0" dirty="0" smtClean="0"/>
+                        <a:rPr lang="en-US" baseline="0" dirty="0"/>
                         <a:t> than 1 GB</a:t>
                       </a:r>
                       <a:endParaRPr lang="en-US" dirty="0"/>
@@ -9354,14 +9389,18 @@
                     <a:p>
                       <a:pPr algn="ctr"/>
                       <a:r>
-                        <a:rPr lang="en-US" dirty="0" smtClean="0"/>
+                        <a:rPr lang="en-US" dirty="0"/>
                         <a:t>16</a:t>
                       </a:r>
-                      <a:endParaRPr lang="en-US" dirty="0"/>
                     </a:p>
                   </a:txBody>
                   <a:tcPr/>
                 </a:tc>
+                <a:extLst>
+                  <a:ext uri="{0D108BD9-81ED-4DB2-BD59-A6C34878D82A}">
+                    <a16:rowId xmlns:a16="http://schemas.microsoft.com/office/drawing/2014/main" val="10003"/>
+                  </a:ext>
+                </a:extLst>
               </a:tr>
             </a:tbl>
           </a:graphicData>
@@ -9530,22 +9569,21 @@
               <a:buNone/>
             </a:pPr>
             <a:r>
-              <a:rPr lang="en-US" dirty="0" smtClean="0"/>
+              <a:rPr lang="en-US" dirty="0"/>
               <a:t>Special case for SQL 2014+</a:t>
             </a:r>
           </a:p>
           <a:p>
             <a:r>
-              <a:rPr lang="en-US" dirty="0" smtClean="0"/>
+              <a:rPr lang="en-US" dirty="0"/>
               <a:t>Compute current log size / growth amount</a:t>
             </a:r>
           </a:p>
           <a:p>
             <a:r>
-              <a:rPr lang="en-US" dirty="0" smtClean="0"/>
+              <a:rPr lang="en-US" dirty="0"/>
               <a:t>If greater than 8, add only 1 new VLF</a:t>
             </a:r>
-            <a:endParaRPr lang="en-US" dirty="0"/>
           </a:p>
         </p:txBody>
       </p:sp>
@@ -9553,6 +9591,122 @@
     <p:extLst>
       <p:ext uri="{BB962C8B-B14F-4D97-AF65-F5344CB8AC3E}">
         <p14:creationId xmlns:p14="http://schemas.microsoft.com/office/powerpoint/2010/main" val="3274095779"/>
+      </p:ext>
+    </p:extLst>
+  </p:cSld>
+  <p:clrMapOvr>
+    <a:masterClrMapping/>
+  </p:clrMapOvr>
+</p:sld>
+</file>
+
+<file path=ppt/slides/slide32.xml><?xml version="1.0" encoding="utf-8"?>
+<p:sld xmlns:a="http://schemas.openxmlformats.org/drawingml/2006/main" xmlns:r="http://schemas.openxmlformats.org/officeDocument/2006/relationships" xmlns:p="http://schemas.openxmlformats.org/presentationml/2006/main">
+  <p:cSld>
+    <p:spTree>
+      <p:nvGrpSpPr>
+        <p:cNvPr id="1" name=""/>
+        <p:cNvGrpSpPr/>
+        <p:nvPr/>
+      </p:nvGrpSpPr>
+      <p:grpSpPr>
+        <a:xfrm>
+          <a:off x="0" y="0"/>
+          <a:ext cx="0" cy="0"/>
+          <a:chOff x="0" y="0"/>
+          <a:chExt cx="0" cy="0"/>
+        </a:xfrm>
+      </p:grpSpPr>
+      <p:sp>
+        <p:nvSpPr>
+          <p:cNvPr id="2" name="Title 1"/>
+          <p:cNvSpPr>
+            <a:spLocks noGrp="1"/>
+          </p:cNvSpPr>
+          <p:nvPr>
+            <p:ph type="title"/>
+          </p:nvPr>
+        </p:nvSpPr>
+        <p:spPr/>
+        <p:txBody>
+          <a:bodyPr/>
+          <a:lstStyle/>
+          <a:p>
+            <a:r>
+              <a:rPr lang="en-US" dirty="0"/>
+              <a:t>VLF Trade-Offs</a:t>
+            </a:r>
+          </a:p>
+        </p:txBody>
+      </p:sp>
+      <p:sp>
+        <p:nvSpPr>
+          <p:cNvPr id="3" name="Content Placeholder 2"/>
+          <p:cNvSpPr>
+            <a:spLocks noGrp="1"/>
+          </p:cNvSpPr>
+          <p:nvPr>
+            <p:ph idx="1"/>
+          </p:nvPr>
+        </p:nvSpPr>
+        <p:spPr/>
+        <p:txBody>
+          <a:bodyPr/>
+          <a:lstStyle/>
+          <a:p>
+            <a:r>
+              <a:rPr lang="en-US" dirty="0"/>
+              <a:t>Too many VLFs create performance problems</a:t>
+            </a:r>
+          </a:p>
+          <a:p>
+            <a:pPr lvl="1"/>
+            <a:r>
+              <a:rPr lang="en-US" dirty="0"/>
+              <a:t>Slows noticeably any time log is read</a:t>
+            </a:r>
+          </a:p>
+          <a:p>
+            <a:pPr lvl="2"/>
+            <a:r>
+              <a:rPr lang="en-US" dirty="0"/>
+              <a:t>Start-up time for database, log reader, etc.</a:t>
+            </a:r>
+          </a:p>
+          <a:p>
+            <a:pPr lvl="1"/>
+            <a:r>
+              <a:rPr lang="en-US" dirty="0"/>
+              <a:t>But smaller VLFs are faster to allocate (zero-</a:t>
+            </a:r>
+            <a:r>
+              <a:rPr lang="en-US" dirty="0" err="1"/>
+              <a:t>init</a:t>
+            </a:r>
+            <a:r>
+              <a:rPr lang="en-US" dirty="0"/>
+              <a:t>)</a:t>
+            </a:r>
+          </a:p>
+          <a:p>
+            <a:r>
+              <a:rPr lang="en-US" dirty="0"/>
+              <a:t>Too few VLFs also create performance problems</a:t>
+            </a:r>
+          </a:p>
+          <a:p>
+            <a:pPr lvl="1"/>
+            <a:r>
+              <a:rPr lang="en-US" dirty="0"/>
+              <a:t>Clearing the log</a:t>
+            </a:r>
+          </a:p>
+        </p:txBody>
+      </p:sp>
+    </p:spTree>
+    <p:extLst>
+      <p:ext uri="{BB962C8B-B14F-4D97-AF65-F5344CB8AC3E}">
+        <p14:creationId xmlns:p14="http://schemas.microsoft.com/office/powerpoint/2010/main" val="2035035367"/>
       </p:ext>
     </p:extLst>
   </p:cSld>

--- a/TransactionLog.pptx
+++ b/TransactionLog.pptx
@@ -5,7 +5,7 @@
     <p:sldMasterId id="2147483648" r:id="rId1"/>
   </p:sldMasterIdLst>
   <p:notesMasterIdLst>
-    <p:notesMasterId r:id="rId34"/>
+    <p:notesMasterId r:id="rId35"/>
   </p:notesMasterIdLst>
   <p:sldIdLst>
     <p:sldId id="328" r:id="rId2"/>
@@ -13,21 +13,21 @@
     <p:sldId id="329" r:id="rId4"/>
     <p:sldId id="330" r:id="rId5"/>
     <p:sldId id="331" r:id="rId6"/>
-    <p:sldId id="332" r:id="rId7"/>
-    <p:sldId id="333" r:id="rId8"/>
-    <p:sldId id="334" r:id="rId9"/>
-    <p:sldId id="335" r:id="rId10"/>
-    <p:sldId id="339" r:id="rId11"/>
-    <p:sldId id="336" r:id="rId12"/>
-    <p:sldId id="337" r:id="rId13"/>
-    <p:sldId id="338" r:id="rId14"/>
-    <p:sldId id="340" r:id="rId15"/>
-    <p:sldId id="341" r:id="rId16"/>
-    <p:sldId id="342" r:id="rId17"/>
-    <p:sldId id="343" r:id="rId18"/>
-    <p:sldId id="344" r:id="rId19"/>
-    <p:sldId id="345" r:id="rId20"/>
-    <p:sldId id="358" r:id="rId21"/>
+    <p:sldId id="360" r:id="rId7"/>
+    <p:sldId id="332" r:id="rId8"/>
+    <p:sldId id="333" r:id="rId9"/>
+    <p:sldId id="334" r:id="rId10"/>
+    <p:sldId id="335" r:id="rId11"/>
+    <p:sldId id="339" r:id="rId12"/>
+    <p:sldId id="336" r:id="rId13"/>
+    <p:sldId id="337" r:id="rId14"/>
+    <p:sldId id="338" r:id="rId15"/>
+    <p:sldId id="340" r:id="rId16"/>
+    <p:sldId id="341" r:id="rId17"/>
+    <p:sldId id="342" r:id="rId18"/>
+    <p:sldId id="343" r:id="rId19"/>
+    <p:sldId id="344" r:id="rId20"/>
+    <p:sldId id="345" r:id="rId21"/>
     <p:sldId id="346" r:id="rId22"/>
     <p:sldId id="348" r:id="rId23"/>
     <p:sldId id="349" r:id="rId24"/>
@@ -35,11 +35,12 @@
     <p:sldId id="351" r:id="rId26"/>
     <p:sldId id="354" r:id="rId27"/>
     <p:sldId id="356" r:id="rId28"/>
-    <p:sldId id="353" r:id="rId29"/>
-    <p:sldId id="352" r:id="rId30"/>
-    <p:sldId id="355" r:id="rId31"/>
-    <p:sldId id="357" r:id="rId32"/>
-    <p:sldId id="359" r:id="rId33"/>
+    <p:sldId id="361" r:id="rId29"/>
+    <p:sldId id="353" r:id="rId30"/>
+    <p:sldId id="352" r:id="rId31"/>
+    <p:sldId id="355" r:id="rId32"/>
+    <p:sldId id="357" r:id="rId33"/>
+    <p:sldId id="359" r:id="rId34"/>
   </p:sldIdLst>
   <p:sldSz cx="9144000" cy="6858000" type="screen4x3"/>
   <p:notesSz cx="6858000" cy="9144000"/>
@@ -239,7 +240,7 @@
           <a:p>
             <a:fld id="{2EDCB34D-5EC2-4739-9693-E425457AC201}" type="datetimeFigureOut">
               <a:rPr lang="en-US" smtClean="0"/>
-              <a:t>8/30/2016</a:t>
+              <a:t>08/31/2016</a:t>
             </a:fld>
             <a:endParaRPr lang="en-US"/>
           </a:p>
@@ -825,7 +826,7 @@
             <a:fld id="{5942B21B-2ADA-A040-A652-A7305E1B99FE}" type="datetimeFigureOut">
               <a:rPr lang="en-US" smtClean="0"/>
               <a:pPr/>
-              <a:t>8/30/2016</a:t>
+              <a:t>08/31/2016</a:t>
             </a:fld>
             <a:endParaRPr lang="en-US" dirty="0"/>
           </a:p>
@@ -1015,7 +1016,7 @@
           <a:p>
             <a:fld id="{5942B21B-2ADA-A040-A652-A7305E1B99FE}" type="datetimeFigureOut">
               <a:rPr lang="en-US" smtClean="0"/>
-              <a:t>8/30/2016</a:t>
+              <a:t>08/31/2016</a:t>
             </a:fld>
             <a:endParaRPr lang="en-US"/>
           </a:p>
@@ -1139,7 +1140,7 @@
             <a:fld id="{5942B21B-2ADA-A040-A652-A7305E1B99FE}" type="datetimeFigureOut">
               <a:rPr lang="en-US" smtClean="0"/>
               <a:pPr/>
-              <a:t>8/30/2016</a:t>
+              <a:t>08/31/2016</a:t>
             </a:fld>
             <a:r>
               <a:rPr lang="en-US"/>
@@ -1410,7 +1411,7 @@
             <a:fld id="{5942B21B-2ADA-A040-A652-A7305E1B99FE}" type="datetimeFigureOut">
               <a:rPr lang="en-US" smtClean="0"/>
               <a:pPr/>
-              <a:t>8/30/2016</a:t>
+              <a:t>08/31/2016</a:t>
             </a:fld>
             <a:r>
               <a:rPr lang="en-US" dirty="0"/>
@@ -1680,7 +1681,7 @@
             <a:fld id="{5942B21B-2ADA-A040-A652-A7305E1B99FE}" type="datetimeFigureOut">
               <a:rPr lang="en-US" smtClean="0"/>
               <a:pPr/>
-              <a:t>8/30/2016</a:t>
+              <a:t>08/31/2016</a:t>
             </a:fld>
             <a:r>
               <a:rPr lang="en-US" dirty="0"/>
@@ -2020,7 +2021,7 @@
             <a:fld id="{5942B21B-2ADA-A040-A652-A7305E1B99FE}" type="datetimeFigureOut">
               <a:rPr lang="en-US" smtClean="0"/>
               <a:pPr/>
-              <a:t>8/30/2016</a:t>
+              <a:t>08/31/2016</a:t>
             </a:fld>
             <a:r>
               <a:rPr lang="en-US" dirty="0"/>
@@ -2361,7 +2362,7 @@
             <a:fld id="{5942B21B-2ADA-A040-A652-A7305E1B99FE}" type="datetimeFigureOut">
               <a:rPr lang="en-US" smtClean="0"/>
               <a:pPr/>
-              <a:t>8/30/2016</a:t>
+              <a:t>08/31/2016</a:t>
             </a:fld>
             <a:r>
               <a:rPr lang="en-US" dirty="0"/>
@@ -2876,7 +2877,7 @@
             <a:fld id="{5942B21B-2ADA-A040-A652-A7305E1B99FE}" type="datetimeFigureOut">
               <a:rPr lang="en-US" smtClean="0"/>
               <a:pPr/>
-              <a:t>8/30/2016</a:t>
+              <a:t>08/31/2016</a:t>
             </a:fld>
             <a:r>
               <a:rPr lang="en-US" dirty="0"/>
@@ -3085,7 +3086,7 @@
             <a:fld id="{5942B21B-2ADA-A040-A652-A7305E1B99FE}" type="datetimeFigureOut">
               <a:rPr lang="en-US" smtClean="0"/>
               <a:pPr/>
-              <a:t>8/30/2016</a:t>
+              <a:t>08/31/2016</a:t>
             </a:fld>
             <a:r>
               <a:rPr lang="en-US" dirty="0"/>
@@ -3272,7 +3273,7 @@
             <a:fld id="{5942B21B-2ADA-A040-A652-A7305E1B99FE}" type="datetimeFigureOut">
               <a:rPr lang="en-US" smtClean="0"/>
               <a:pPr/>
-              <a:t>8/30/2016</a:t>
+              <a:t>08/31/2016</a:t>
             </a:fld>
             <a:r>
               <a:rPr lang="en-US" dirty="0"/>
@@ -3603,7 +3604,7 @@
             <a:fld id="{5942B21B-2ADA-A040-A652-A7305E1B99FE}" type="datetimeFigureOut">
               <a:rPr lang="en-US" smtClean="0"/>
               <a:pPr/>
-              <a:t>8/30/2016</a:t>
+              <a:t>08/31/2016</a:t>
             </a:fld>
             <a:r>
               <a:rPr lang="en-US" dirty="0"/>
@@ -3911,7 +3912,7 @@
             <a:fld id="{5942B21B-2ADA-A040-A652-A7305E1B99FE}" type="datetimeFigureOut">
               <a:rPr lang="en-US" smtClean="0"/>
               <a:pPr/>
-              <a:t>8/30/2016</a:t>
+              <a:t>08/31/2016</a:t>
             </a:fld>
             <a:r>
               <a:rPr lang="en-US" dirty="0"/>
@@ -4190,7 +4191,7 @@
             <a:fld id="{5942B21B-2ADA-A040-A652-A7305E1B99FE}" type="datetimeFigureOut">
               <a:rPr lang="en-US" smtClean="0"/>
               <a:pPr/>
-              <a:t>8/30/2016</a:t>
+              <a:t>08/31/2016</a:t>
             </a:fld>
             <a:r>
               <a:rPr lang="en-US" dirty="0"/>
@@ -4950,7 +4951,7 @@
           <a:p>
             <a:r>
               <a:rPr lang="en-US" dirty="0"/>
-              <a:t>VLFs can be in one of three statuses:</a:t>
+              <a:t>VLFs can be in one of two statuses:</a:t>
             </a:r>
           </a:p>
           <a:p>
@@ -4997,23 +4998,11 @@
               <a:t>Only one VLF is current at a time.</a:t>
             </a:r>
           </a:p>
-          <a:p>
-            <a:r>
-              <a:rPr lang="en-US" dirty="0"/>
-              <a:t>VLFs are numbered.</a:t>
-            </a:r>
-          </a:p>
-          <a:p>
-            <a:pPr marL="0" indent="0">
-              <a:buNone/>
-            </a:pPr>
-            <a:endParaRPr lang="en-US" dirty="0"/>
-          </a:p>
         </p:txBody>
       </p:sp>
       <p:pic>
         <p:nvPicPr>
-          <p:cNvPr id="5" name="Picture 4"/>
+          <p:cNvPr id="4" name="Picture 3"/>
           <p:cNvPicPr>
             <a:picLocks noChangeAspect="1"/>
           </p:cNvPicPr>
@@ -5038,7 +5027,7 @@
     </p:spTree>
     <p:extLst>
       <p:ext uri="{BB962C8B-B14F-4D97-AF65-F5344CB8AC3E}">
-        <p14:creationId xmlns:p14="http://schemas.microsoft.com/office/powerpoint/2010/main" val="1725116295"/>
+        <p14:creationId xmlns:p14="http://schemas.microsoft.com/office/powerpoint/2010/main" val="1865925798"/>
       </p:ext>
     </p:extLst>
   </p:cSld>
@@ -5110,13 +5099,64 @@
           <a:p>
             <a:r>
               <a:rPr lang="en-US" dirty="0"/>
-              <a:t>As more records are added to the log, additional VLFs are allocated.</a:t>
+              <a:t>VLFs can be in one of three statuses:</a:t>
+            </a:r>
+          </a:p>
+          <a:p>
+            <a:pPr lvl="1"/>
+            <a:r>
+              <a:rPr lang="en-US" dirty="0">
+                <a:solidFill>
+                  <a:srgbClr val="92D050"/>
+                </a:solidFill>
+              </a:rPr>
+              <a:t>Inactive</a:t>
+            </a:r>
+          </a:p>
+          <a:p>
+            <a:pPr lvl="1"/>
+            <a:r>
+              <a:rPr lang="en-US" dirty="0">
+                <a:solidFill>
+                  <a:srgbClr val="FFFF00"/>
+                </a:solidFill>
+              </a:rPr>
+              <a:t>Active (current)</a:t>
+            </a:r>
+          </a:p>
+          <a:p>
+            <a:pPr lvl="1"/>
+            <a:r>
+              <a:rPr lang="en-US" dirty="0">
+                <a:solidFill>
+                  <a:srgbClr val="FF0000"/>
+                </a:solidFill>
+              </a:rPr>
+              <a:t>Active (not usable)</a:t>
             </a:r>
             <a:endParaRPr lang="en-US" dirty="0">
               <a:solidFill>
-                <a:srgbClr val="FF0000"/>
+                <a:schemeClr val="tx1"/>
               </a:solidFill>
             </a:endParaRPr>
+          </a:p>
+          <a:p>
+            <a:r>
+              <a:rPr lang="en-US" dirty="0"/>
+              <a:t>Only one VLF is current at a time.</a:t>
+            </a:r>
+          </a:p>
+          <a:p>
+            <a:r>
+              <a:rPr lang="en-US" dirty="0"/>
+              <a:t>VLFs are numbered.</a:t>
+            </a:r>
+          </a:p>
+          <a:p>
+            <a:pPr marL="0" indent="0">
+              <a:buNone/>
+            </a:pPr>
+            <a:endParaRPr lang="en-US" dirty="0"/>
           </a:p>
         </p:txBody>
       </p:sp>
@@ -5137,7 +5177,7 @@
         <p:spPr>
           <a:xfrm>
             <a:off x="457200" y="1417320"/>
-            <a:ext cx="3813048" cy="4680426"/>
+            <a:ext cx="3814109" cy="4681728"/>
           </a:xfrm>
           <a:prstGeom prst="rect">
             <a:avLst/>
@@ -5147,7 +5187,7 @@
     </p:spTree>
     <p:extLst>
       <p:ext uri="{BB962C8B-B14F-4D97-AF65-F5344CB8AC3E}">
-        <p14:creationId xmlns:p14="http://schemas.microsoft.com/office/powerpoint/2010/main" val="1339213773"/>
+        <p14:creationId xmlns:p14="http://schemas.microsoft.com/office/powerpoint/2010/main" val="1725116295"/>
       </p:ext>
     </p:extLst>
   </p:cSld>
@@ -5231,7 +5271,7 @@
       </p:sp>
       <p:pic>
         <p:nvPicPr>
-          <p:cNvPr id="4" name="Picture 3"/>
+          <p:cNvPr id="5" name="Picture 4"/>
           <p:cNvPicPr>
             <a:picLocks noChangeAspect="1"/>
           </p:cNvPicPr>
@@ -5246,7 +5286,7 @@
         <p:spPr>
           <a:xfrm>
             <a:off x="457200" y="1417320"/>
-            <a:ext cx="3814109" cy="4681728"/>
+            <a:ext cx="3813048" cy="4680426"/>
           </a:xfrm>
           <a:prstGeom prst="rect">
             <a:avLst/>
@@ -5256,7 +5296,7 @@
     </p:spTree>
     <p:extLst>
       <p:ext uri="{BB962C8B-B14F-4D97-AF65-F5344CB8AC3E}">
-        <p14:creationId xmlns:p14="http://schemas.microsoft.com/office/powerpoint/2010/main" val="3381668158"/>
+        <p14:creationId xmlns:p14="http://schemas.microsoft.com/office/powerpoint/2010/main" val="1339213773"/>
       </p:ext>
     </p:extLst>
   </p:cSld>
@@ -5328,26 +5368,19 @@
           <a:p>
             <a:r>
               <a:rPr lang="en-US" dirty="0"/>
-              <a:t>As more records are added to the log, additional VLFs are put in use.</a:t>
-            </a:r>
-          </a:p>
-          <a:p>
-            <a:r>
-              <a:rPr lang="en-US" dirty="0"/>
-              <a:t>Writing to the log is circular so long as VLF are available.</a:t>
-            </a:r>
-          </a:p>
-          <a:p>
-            <a:r>
-              <a:rPr lang="en-US" dirty="0"/>
-              <a:t>What happens next?</a:t>
-            </a:r>
+              <a:t>As more records are added to the log, additional VLFs are allocated.</a:t>
+            </a:r>
+            <a:endParaRPr lang="en-US" dirty="0">
+              <a:solidFill>
+                <a:srgbClr val="FF0000"/>
+              </a:solidFill>
+            </a:endParaRPr>
           </a:p>
         </p:txBody>
       </p:sp>
       <p:pic>
         <p:nvPicPr>
-          <p:cNvPr id="5" name="Picture 4"/>
+          <p:cNvPr id="4" name="Picture 3"/>
           <p:cNvPicPr>
             <a:picLocks noChangeAspect="1"/>
           </p:cNvPicPr>
@@ -5372,7 +5405,7 @@
     </p:spTree>
     <p:extLst>
       <p:ext uri="{BB962C8B-B14F-4D97-AF65-F5344CB8AC3E}">
-        <p14:creationId xmlns:p14="http://schemas.microsoft.com/office/powerpoint/2010/main" val="1135754112"/>
+        <p14:creationId xmlns:p14="http://schemas.microsoft.com/office/powerpoint/2010/main" val="3381668158"/>
       </p:ext>
     </p:extLst>
   </p:cSld>
@@ -5444,23 +5477,26 @@
           <a:p>
             <a:r>
               <a:rPr lang="en-US" dirty="0"/>
-              <a:t>The log file has to grow</a:t>
-            </a:r>
-          </a:p>
-          <a:p>
-            <a:r>
-              <a:rPr lang="en-US" dirty="0"/>
-              <a:t>More VLFs are added</a:t>
-            </a:r>
-          </a:p>
-          <a:p>
-            <a:endParaRPr lang="en-US" dirty="0"/>
+              <a:t>As more records are added to the log, additional VLFs are put in use.</a:t>
+            </a:r>
+          </a:p>
+          <a:p>
+            <a:r>
+              <a:rPr lang="en-US" dirty="0"/>
+              <a:t>Writing to the log is circular so long as VLF are available.</a:t>
+            </a:r>
+          </a:p>
+          <a:p>
+            <a:r>
+              <a:rPr lang="en-US" dirty="0"/>
+              <a:t>What happens next?</a:t>
+            </a:r>
           </a:p>
         </p:txBody>
       </p:sp>
       <p:pic>
         <p:nvPicPr>
-          <p:cNvPr id="4" name="Picture 3"/>
+          <p:cNvPr id="5" name="Picture 4"/>
           <p:cNvPicPr>
             <a:picLocks noChangeAspect="1"/>
           </p:cNvPicPr>
@@ -5475,7 +5511,7 @@
         <p:spPr>
           <a:xfrm>
             <a:off x="457200" y="1417320"/>
-            <a:ext cx="2008736" cy="4692864"/>
+            <a:ext cx="3814109" cy="4681728"/>
           </a:xfrm>
           <a:prstGeom prst="rect">
             <a:avLst/>
@@ -5485,7 +5521,7 @@
     </p:spTree>
     <p:extLst>
       <p:ext uri="{BB962C8B-B14F-4D97-AF65-F5344CB8AC3E}">
-        <p14:creationId xmlns:p14="http://schemas.microsoft.com/office/powerpoint/2010/main" val="3149823093"/>
+        <p14:creationId xmlns:p14="http://schemas.microsoft.com/office/powerpoint/2010/main" val="1135754112"/>
       </p:ext>
     </p:extLst>
   </p:cSld>
@@ -5567,6 +5603,119 @@
             </a:r>
           </a:p>
           <a:p>
+            <a:endParaRPr lang="en-US" dirty="0"/>
+          </a:p>
+        </p:txBody>
+      </p:sp>
+      <p:pic>
+        <p:nvPicPr>
+          <p:cNvPr id="4" name="Picture 3"/>
+          <p:cNvPicPr>
+            <a:picLocks noChangeAspect="1"/>
+          </p:cNvPicPr>
+          <p:nvPr/>
+        </p:nvPicPr>
+        <p:blipFill>
+          <a:blip r:embed="rId2"/>
+          <a:stretch>
+            <a:fillRect/>
+          </a:stretch>
+        </p:blipFill>
+        <p:spPr>
+          <a:xfrm>
+            <a:off x="457200" y="1417320"/>
+            <a:ext cx="2008736" cy="4692864"/>
+          </a:xfrm>
+          <a:prstGeom prst="rect">
+            <a:avLst/>
+          </a:prstGeom>
+        </p:spPr>
+      </p:pic>
+    </p:spTree>
+    <p:extLst>
+      <p:ext uri="{BB962C8B-B14F-4D97-AF65-F5344CB8AC3E}">
+        <p14:creationId xmlns:p14="http://schemas.microsoft.com/office/powerpoint/2010/main" val="3149823093"/>
+      </p:ext>
+    </p:extLst>
+  </p:cSld>
+  <p:clrMapOvr>
+    <a:masterClrMapping/>
+  </p:clrMapOvr>
+</p:sld>
+</file>
+
+<file path=ppt/slides/slide16.xml><?xml version="1.0" encoding="utf-8"?>
+<p:sld xmlns:a="http://schemas.openxmlformats.org/drawingml/2006/main" xmlns:r="http://schemas.openxmlformats.org/officeDocument/2006/relationships" xmlns:p="http://schemas.openxmlformats.org/presentationml/2006/main">
+  <p:cSld>
+    <p:spTree>
+      <p:nvGrpSpPr>
+        <p:cNvPr id="1" name=""/>
+        <p:cNvGrpSpPr/>
+        <p:nvPr/>
+      </p:nvGrpSpPr>
+      <p:grpSpPr>
+        <a:xfrm>
+          <a:off x="0" y="0"/>
+          <a:ext cx="0" cy="0"/>
+          <a:chOff x="0" y="0"/>
+          <a:chExt cx="0" cy="0"/>
+        </a:xfrm>
+      </p:grpSpPr>
+      <p:sp>
+        <p:nvSpPr>
+          <p:cNvPr id="2" name="Title 1"/>
+          <p:cNvSpPr>
+            <a:spLocks noGrp="1"/>
+          </p:cNvSpPr>
+          <p:nvPr>
+            <p:ph type="title"/>
+          </p:nvPr>
+        </p:nvSpPr>
+        <p:spPr/>
+        <p:txBody>
+          <a:bodyPr/>
+          <a:lstStyle/>
+          <a:p>
+            <a:r>
+              <a:rPr lang="en-US" dirty="0"/>
+              <a:t>Virtual Log Files</a:t>
+            </a:r>
+          </a:p>
+        </p:txBody>
+      </p:sp>
+      <p:sp>
+        <p:nvSpPr>
+          <p:cNvPr id="3" name="Content Placeholder 2"/>
+          <p:cNvSpPr>
+            <a:spLocks noGrp="1"/>
+          </p:cNvSpPr>
+          <p:nvPr>
+            <p:ph idx="1"/>
+          </p:nvPr>
+        </p:nvSpPr>
+        <p:spPr>
+          <a:xfrm>
+            <a:off x="4352925" y="1600200"/>
+            <a:ext cx="4333875" cy="4525963"/>
+          </a:xfrm>
+          <a:noFill/>
+        </p:spPr>
+        <p:txBody>
+          <a:bodyPr/>
+          <a:lstStyle/>
+          <a:p>
+            <a:r>
+              <a:rPr lang="en-US" dirty="0"/>
+              <a:t>The log file has to grow</a:t>
+            </a:r>
+          </a:p>
+          <a:p>
+            <a:r>
+              <a:rPr lang="en-US" dirty="0"/>
+              <a:t>More VLFs are added</a:t>
+            </a:r>
+          </a:p>
+          <a:p>
             <a:r>
               <a:rPr lang="en-US" dirty="0"/>
               <a:t>Eventually the log will be truncated</a:t>
@@ -5614,7 +5763,7 @@
 </p:sld>
 </file>
 
-<file path=ppt/slides/slide16.xml><?xml version="1.0" encoding="utf-8"?>
+<file path=ppt/slides/slide17.xml><?xml version="1.0" encoding="utf-8"?>
 <p:sld xmlns:a="http://schemas.openxmlformats.org/drawingml/2006/main" xmlns:r="http://schemas.openxmlformats.org/officeDocument/2006/relationships" xmlns:p="http://schemas.openxmlformats.org/presentationml/2006/main">
   <p:cSld>
     <p:spTree>
@@ -5777,122 +5926,6 @@
 </p:sld>
 </file>
 
-<file path=ppt/slides/slide17.xml><?xml version="1.0" encoding="utf-8"?>
-<p:sld xmlns:a="http://schemas.openxmlformats.org/drawingml/2006/main" xmlns:r="http://schemas.openxmlformats.org/officeDocument/2006/relationships" xmlns:p="http://schemas.openxmlformats.org/presentationml/2006/main">
-  <p:cSld>
-    <p:spTree>
-      <p:nvGrpSpPr>
-        <p:cNvPr id="1" name=""/>
-        <p:cNvGrpSpPr/>
-        <p:nvPr/>
-      </p:nvGrpSpPr>
-      <p:grpSpPr>
-        <a:xfrm>
-          <a:off x="0" y="0"/>
-          <a:ext cx="0" cy="0"/>
-          <a:chOff x="0" y="0"/>
-          <a:chExt cx="0" cy="0"/>
-        </a:xfrm>
-      </p:grpSpPr>
-      <p:sp>
-        <p:nvSpPr>
-          <p:cNvPr id="2" name="Title 1"/>
-          <p:cNvSpPr>
-            <a:spLocks noGrp="1"/>
-          </p:cNvSpPr>
-          <p:nvPr>
-            <p:ph type="title"/>
-          </p:nvPr>
-        </p:nvSpPr>
-        <p:spPr/>
-        <p:txBody>
-          <a:bodyPr/>
-          <a:lstStyle/>
-          <a:p>
-            <a:r>
-              <a:rPr lang="en-US" dirty="0"/>
-              <a:t>VLF Detail</a:t>
-            </a:r>
-          </a:p>
-        </p:txBody>
-      </p:sp>
-      <p:sp>
-        <p:nvSpPr>
-          <p:cNvPr id="3" name="Content Placeholder 2"/>
-          <p:cNvSpPr>
-            <a:spLocks noGrp="1"/>
-          </p:cNvSpPr>
-          <p:nvPr>
-            <p:ph idx="1"/>
-          </p:nvPr>
-        </p:nvSpPr>
-        <p:spPr>
-          <a:xfrm>
-            <a:off x="457201" y="3797145"/>
-            <a:ext cx="8229600" cy="2329018"/>
-          </a:xfrm>
-        </p:spPr>
-        <p:txBody>
-          <a:bodyPr/>
-          <a:lstStyle/>
-          <a:p>
-            <a:r>
-              <a:rPr lang="en-US" dirty="0"/>
-              <a:t>Again there is a header</a:t>
-            </a:r>
-          </a:p>
-          <a:p>
-            <a:r>
-              <a:rPr lang="en-US" dirty="0"/>
-              <a:t>Then a series of log blocks</a:t>
-            </a:r>
-          </a:p>
-          <a:p>
-            <a:pPr lvl="1"/>
-            <a:r>
-              <a:rPr lang="en-US" dirty="0"/>
-              <a:t>In 512 byte increments up to 60K in size</a:t>
-            </a:r>
-          </a:p>
-        </p:txBody>
-      </p:sp>
-      <p:pic>
-        <p:nvPicPr>
-          <p:cNvPr id="7" name="Picture 6"/>
-          <p:cNvPicPr>
-            <a:picLocks noChangeAspect="1"/>
-          </p:cNvPicPr>
-          <p:nvPr/>
-        </p:nvPicPr>
-        <p:blipFill>
-          <a:blip r:embed="rId2"/>
-          <a:stretch>
-            <a:fillRect/>
-          </a:stretch>
-        </p:blipFill>
-        <p:spPr>
-          <a:xfrm>
-            <a:off x="457200" y="1417320"/>
-            <a:ext cx="8190125" cy="2377440"/>
-          </a:xfrm>
-          <a:prstGeom prst="rect">
-            <a:avLst/>
-          </a:prstGeom>
-        </p:spPr>
-      </p:pic>
-    </p:spTree>
-    <p:extLst>
-      <p:ext uri="{BB962C8B-B14F-4D97-AF65-F5344CB8AC3E}">
-        <p14:creationId xmlns:p14="http://schemas.microsoft.com/office/powerpoint/2010/main" val="3765893842"/>
-      </p:ext>
-    </p:extLst>
-  </p:cSld>
-  <p:clrMapOvr>
-    <a:masterClrMapping/>
-  </p:clrMapOvr>
-</p:sld>
-</file>
-
 <file path=ppt/slides/slide18.xml><?xml version="1.0" encoding="utf-8"?>
 <p:sld xmlns:a="http://schemas.openxmlformats.org/drawingml/2006/main" xmlns:r="http://schemas.openxmlformats.org/officeDocument/2006/relationships" xmlns:p="http://schemas.openxmlformats.org/presentationml/2006/main">
   <p:cSld>
@@ -5927,7 +5960,7 @@
           <a:p>
             <a:r>
               <a:rPr lang="en-US" dirty="0"/>
-              <a:t>Log Block Detail</a:t>
+              <a:t>VLF Detail</a:t>
             </a:r>
           </a:p>
         </p:txBody>
@@ -5954,38 +5987,27 @@
           <a:p>
             <a:r>
               <a:rPr lang="en-US" dirty="0"/>
-              <a:t>As expected, starts with a header</a:t>
-            </a:r>
-          </a:p>
-          <a:p>
-            <a:r>
-              <a:rPr lang="en-US" dirty="0"/>
-              <a:t>Then a series of log records</a:t>
+              <a:t>Again there is a header</a:t>
+            </a:r>
+          </a:p>
+          <a:p>
+            <a:r>
+              <a:rPr lang="en-US" dirty="0"/>
+              <a:t>Then a series of log blocks</a:t>
             </a:r>
           </a:p>
           <a:p>
             <a:pPr lvl="1"/>
             <a:r>
               <a:rPr lang="en-US" dirty="0"/>
-              <a:t>Completely variable </a:t>
-            </a:r>
-            <a:r>
-              <a:rPr lang="en-US"/>
-              <a:t>in size</a:t>
-            </a:r>
-            <a:endParaRPr lang="en-US" dirty="0"/>
-          </a:p>
-          <a:p>
-            <a:r>
-              <a:rPr lang="en-US" dirty="0"/>
-              <a:t>And an index to the log records (slot array)</a:t>
+              <a:t>In 512 byte increments up to 60K in size</a:t>
             </a:r>
           </a:p>
         </p:txBody>
       </p:sp>
       <p:pic>
         <p:nvPicPr>
-          <p:cNvPr id="5" name="Picture 4"/>
+          <p:cNvPr id="7" name="Picture 6"/>
           <p:cNvPicPr>
             <a:picLocks noChangeAspect="1"/>
           </p:cNvPicPr>
@@ -5999,7 +6021,7 @@
         </p:blipFill>
         <p:spPr>
           <a:xfrm>
-            <a:off x="457200" y="1419705"/>
+            <a:off x="457200" y="1417320"/>
             <a:ext cx="8190125" cy="2377440"/>
           </a:xfrm>
           <a:prstGeom prst="rect">
@@ -6010,7 +6032,7 @@
     </p:spTree>
     <p:extLst>
       <p:ext uri="{BB962C8B-B14F-4D97-AF65-F5344CB8AC3E}">
-        <p14:creationId xmlns:p14="http://schemas.microsoft.com/office/powerpoint/2010/main" val="803829485"/>
+        <p14:creationId xmlns:p14="http://schemas.microsoft.com/office/powerpoint/2010/main" val="3765893842"/>
       </p:ext>
     </p:extLst>
   </p:cSld>
@@ -6054,7 +6076,7 @@
           <a:p>
             <a:r>
               <a:rPr lang="en-US" dirty="0"/>
-              <a:t>Log Record Detail</a:t>
+              <a:t>Log Block Detail</a:t>
             </a:r>
           </a:p>
         </p:txBody>
@@ -6076,41 +6098,43 @@
           </a:xfrm>
         </p:spPr>
         <p:txBody>
-          <a:bodyPr>
-            <a:normAutofit lnSpcReduction="10000"/>
-          </a:bodyPr>
+          <a:bodyPr/>
           <a:lstStyle/>
           <a:p>
             <a:r>
               <a:rPr lang="en-US" dirty="0"/>
-              <a:t>Of course, a header</a:t>
+              <a:t>As expected, starts with a header</a:t>
+            </a:r>
+          </a:p>
+          <a:p>
+            <a:r>
+              <a:rPr lang="en-US" dirty="0"/>
+              <a:t>Then a series of log records</a:t>
             </a:r>
           </a:p>
           <a:p>
             <a:pPr lvl="1"/>
             <a:r>
               <a:rPr lang="en-US" dirty="0"/>
-              <a:t>Record type, transaction ID, length, pointer to previous transaction record, etc.</a:t>
-            </a:r>
-          </a:p>
-          <a:p>
-            <a:r>
-              <a:rPr lang="en-US" dirty="0"/>
-              <a:t>Payload</a:t>
-            </a:r>
-          </a:p>
-          <a:p>
-            <a:pPr lvl="1"/>
-            <a:r>
-              <a:rPr lang="en-US" dirty="0"/>
-              <a:t>Before/after image of changes</a:t>
+              <a:t>Completely variable </a:t>
+            </a:r>
+            <a:r>
+              <a:rPr lang="en-US"/>
+              <a:t>in size</a:t>
+            </a:r>
+            <a:endParaRPr lang="en-US" dirty="0"/>
+          </a:p>
+          <a:p>
+            <a:r>
+              <a:rPr lang="en-US" dirty="0"/>
+              <a:t>And an index to the log records (slot array)</a:t>
             </a:r>
           </a:p>
         </p:txBody>
       </p:sp>
       <p:pic>
         <p:nvPicPr>
-          <p:cNvPr id="4" name="Picture 3"/>
+          <p:cNvPr id="5" name="Picture 4"/>
           <p:cNvPicPr>
             <a:picLocks noChangeAspect="1"/>
           </p:cNvPicPr>
@@ -6124,8 +6148,8 @@
         </p:blipFill>
         <p:spPr>
           <a:xfrm>
-            <a:off x="457200" y="1417320"/>
-            <a:ext cx="8199451" cy="2377440"/>
+            <a:off x="457200" y="1419705"/>
+            <a:ext cx="8190125" cy="2377440"/>
           </a:xfrm>
           <a:prstGeom prst="rect">
             <a:avLst/>
@@ -6135,7 +6159,7 @@
     </p:spTree>
     <p:extLst>
       <p:ext uri="{BB962C8B-B14F-4D97-AF65-F5344CB8AC3E}">
-        <p14:creationId xmlns:p14="http://schemas.microsoft.com/office/powerpoint/2010/main" val="3638472235"/>
+        <p14:creationId xmlns:p14="http://schemas.microsoft.com/office/powerpoint/2010/main" val="803829485"/>
       </p:ext>
     </p:extLst>
   </p:cSld>
@@ -7189,7 +7213,7 @@
           <a:p>
             <a:r>
               <a:rPr lang="en-US" dirty="0"/>
-              <a:t>Physical vs Logical Log File</a:t>
+              <a:t>Log Record Detail</a:t>
             </a:r>
           </a:p>
         </p:txBody>
@@ -7204,63 +7228,73 @@
             <p:ph idx="1"/>
           </p:nvPr>
         </p:nvSpPr>
-        <p:spPr/>
-        <p:txBody>
-          <a:bodyPr/>
+        <p:spPr>
+          <a:xfrm>
+            <a:off x="457201" y="3797145"/>
+            <a:ext cx="8229600" cy="2329018"/>
+          </a:xfrm>
+        </p:spPr>
+        <p:txBody>
+          <a:bodyPr>
+            <a:normAutofit lnSpcReduction="10000"/>
+          </a:bodyPr>
           <a:lstStyle/>
           <a:p>
             <a:r>
               <a:rPr lang="en-US" dirty="0"/>
-              <a:t>Logical Log File</a:t>
+              <a:t>Of course, a header</a:t>
             </a:r>
           </a:p>
           <a:p>
             <a:pPr lvl="1"/>
             <a:r>
               <a:rPr lang="en-US" dirty="0"/>
-              <a:t>Always growing</a:t>
+              <a:t>Record type, transaction ID, length, pointer to previous transaction record, etc.</a:t>
+            </a:r>
+          </a:p>
+          <a:p>
+            <a:r>
+              <a:rPr lang="en-US" dirty="0"/>
+              <a:t>Payload</a:t>
             </a:r>
           </a:p>
           <a:p>
             <a:pPr lvl="1"/>
             <a:r>
               <a:rPr lang="en-US" dirty="0"/>
-              <a:t>Write once / read many</a:t>
-            </a:r>
-          </a:p>
-          <a:p>
-            <a:r>
-              <a:rPr lang="en-US" dirty="0"/>
-              <a:t>Physical Log File</a:t>
-            </a:r>
-          </a:p>
-          <a:p>
-            <a:pPr lvl="1"/>
-            <a:r>
-              <a:rPr lang="en-US" dirty="0"/>
-              <a:t>Only grows when full (or manually grown)</a:t>
-            </a:r>
-          </a:p>
-          <a:p>
-            <a:pPr lvl="1"/>
-            <a:r>
-              <a:rPr lang="en-US" dirty="0"/>
-              <a:t>Divided into virtual log files (VLFs)</a:t>
-            </a:r>
-          </a:p>
-          <a:p>
-            <a:pPr lvl="1"/>
-            <a:r>
-              <a:rPr lang="en-US" dirty="0"/>
-              <a:t>VLFs are inactivated when possible and over-written</a:t>
-            </a:r>
-          </a:p>
-        </p:txBody>
-      </p:sp>
+              <a:t>Before/after image of changes</a:t>
+            </a:r>
+          </a:p>
+        </p:txBody>
+      </p:sp>
+      <p:pic>
+        <p:nvPicPr>
+          <p:cNvPr id="4" name="Picture 3"/>
+          <p:cNvPicPr>
+            <a:picLocks noChangeAspect="1"/>
+          </p:cNvPicPr>
+          <p:nvPr/>
+        </p:nvPicPr>
+        <p:blipFill>
+          <a:blip r:embed="rId2"/>
+          <a:stretch>
+            <a:fillRect/>
+          </a:stretch>
+        </p:blipFill>
+        <p:spPr>
+          <a:xfrm>
+            <a:off x="457200" y="1417320"/>
+            <a:ext cx="8199451" cy="2377440"/>
+          </a:xfrm>
+          <a:prstGeom prst="rect">
+            <a:avLst/>
+          </a:prstGeom>
+        </p:spPr>
+      </p:pic>
     </p:spTree>
     <p:extLst>
       <p:ext uri="{BB962C8B-B14F-4D97-AF65-F5344CB8AC3E}">
-        <p14:creationId xmlns:p14="http://schemas.microsoft.com/office/powerpoint/2010/main" val="1031376588"/>
+        <p14:creationId xmlns:p14="http://schemas.microsoft.com/office/powerpoint/2010/main" val="3638472235"/>
       </p:ext>
     </p:extLst>
   </p:cSld>
@@ -7455,7 +7489,7 @@
           <p:nvPr>
             <p:extLst>
               <p:ext uri="{D42A27DB-BD31-4B8C-83A1-F6EECF244321}">
-                <p14:modId xmlns:p14="http://schemas.microsoft.com/office/powerpoint/2010/main" val="388941808"/>
+                <p14:modId xmlns:p14="http://schemas.microsoft.com/office/powerpoint/2010/main" val="3688946346"/>
               </p:ext>
             </p:extLst>
           </p:nvPr>
@@ -7474,21 +7508,21 @@
                 <a:gridCol w="1895475">
                   <a:extLst>
                     <a:ext uri="{9D8B030D-6E8A-4147-A177-3AD203B41FA5}">
-                      <a16:colId xmlns:a16="http://schemas.microsoft.com/office/drawing/2014/main" val="20000"/>
+                      <a16:colId xmlns:a16="http://schemas.microsoft.com/office/drawing/2014/main" xmlns="" val="20000"/>
                     </a:ext>
                   </a:extLst>
                 </a:gridCol>
                 <a:gridCol w="3171825">
                   <a:extLst>
                     <a:ext uri="{9D8B030D-6E8A-4147-A177-3AD203B41FA5}">
-                      <a16:colId xmlns:a16="http://schemas.microsoft.com/office/drawing/2014/main" val="20001"/>
+                      <a16:colId xmlns:a16="http://schemas.microsoft.com/office/drawing/2014/main" xmlns="" val="20001"/>
                     </a:ext>
                   </a:extLst>
                 </a:gridCol>
                 <a:gridCol w="3162300">
                   <a:extLst>
                     <a:ext uri="{9D8B030D-6E8A-4147-A177-3AD203B41FA5}">
-                      <a16:colId xmlns:a16="http://schemas.microsoft.com/office/drawing/2014/main" val="20002"/>
+                      <a16:colId xmlns:a16="http://schemas.microsoft.com/office/drawing/2014/main" xmlns="" val="20002"/>
                     </a:ext>
                   </a:extLst>
                 </a:gridCol>
@@ -7535,7 +7569,7 @@
                 </a:tc>
                 <a:extLst>
                   <a:ext uri="{0D108BD9-81ED-4DB2-BD59-A6C34878D82A}">
-                    <a16:rowId xmlns:a16="http://schemas.microsoft.com/office/drawing/2014/main" val="10000"/>
+                    <a16:rowId xmlns:a16="http://schemas.microsoft.com/office/drawing/2014/main" xmlns="" val="10000"/>
                   </a:ext>
                 </a:extLst>
               </a:tr>
@@ -7576,11 +7610,9 @@
                         <a:defRPr/>
                       </a:pPr>
                       <a:r>
-                        <a:rPr lang="en-US" dirty="0"/>
+                        <a:rPr lang="en-US" dirty="0" smtClean="0"/>
                         <a:t>000001c0:0000006b:0005</a:t>
                       </a:r>
-                    </a:p>
-                    <a:p>
                       <a:endParaRPr lang="en-US" dirty="0"/>
                     </a:p>
                   </a:txBody>
@@ -7601,7 +7633,7 @@
                 </a:tc>
                 <a:extLst>
                   <a:ext uri="{0D108BD9-81ED-4DB2-BD59-A6C34878D82A}">
-                    <a16:rowId xmlns:a16="http://schemas.microsoft.com/office/drawing/2014/main" val="10001"/>
+                    <a16:rowId xmlns:a16="http://schemas.microsoft.com/office/drawing/2014/main" xmlns="" val="10001"/>
                   </a:ext>
                 </a:extLst>
               </a:tr>
@@ -7642,7 +7674,7 @@
                         <a:defRPr/>
                       </a:pPr>
                       <a:r>
-                        <a:rPr lang="en-US" sz="1800" kern="1200" dirty="0">
+                        <a:rPr lang="en-US" sz="1800" kern="1200" dirty="0" smtClean="0">
                           <a:solidFill>
                             <a:schemeClr val="dk1"/>
                           </a:solidFill>
@@ -7672,7 +7704,7 @@
                 </a:tc>
                 <a:extLst>
                   <a:ext uri="{0D108BD9-81ED-4DB2-BD59-A6C34878D82A}">
-                    <a16:rowId xmlns:a16="http://schemas.microsoft.com/office/drawing/2014/main" val="10002"/>
+                    <a16:rowId xmlns:a16="http://schemas.microsoft.com/office/drawing/2014/main" xmlns="" val="10002"/>
                   </a:ext>
                 </a:extLst>
               </a:tr>
@@ -7696,9 +7728,10 @@
                     <a:lstStyle/>
                     <a:p>
                       <a:r>
-                        <a:rPr lang="en-US" dirty="0"/>
+                        <a:rPr lang="en-US" dirty="0" smtClean="0"/>
                         <a:t>448000000010700005</a:t>
                       </a:r>
+                      <a:endParaRPr lang="en-US" dirty="0"/>
                     </a:p>
                   </a:txBody>
                   <a:tcPr/>
@@ -7718,7 +7751,7 @@
                 </a:tc>
                 <a:extLst>
                   <a:ext uri="{0D108BD9-81ED-4DB2-BD59-A6C34878D82A}">
-                    <a16:rowId xmlns:a16="http://schemas.microsoft.com/office/drawing/2014/main" val="10003"/>
+                    <a16:rowId xmlns:a16="http://schemas.microsoft.com/office/drawing/2014/main" xmlns="" val="10003"/>
                   </a:ext>
                 </a:extLst>
               </a:tr>
@@ -7742,9 +7775,10 @@
                     <a:lstStyle/>
                     <a:p>
                       <a:r>
-                        <a:rPr lang="en-US" dirty="0"/>
+                        <a:rPr lang="en-US" dirty="0" smtClean="0"/>
                         <a:t>448:107:5</a:t>
                       </a:r>
+                      <a:endParaRPr lang="en-US" dirty="0"/>
                     </a:p>
                   </a:txBody>
                   <a:tcPr/>
@@ -7769,7 +7803,7 @@
                 </a:tc>
                 <a:extLst>
                   <a:ext uri="{0D108BD9-81ED-4DB2-BD59-A6C34878D82A}">
-                    <a16:rowId xmlns:a16="http://schemas.microsoft.com/office/drawing/2014/main" val="3543017676"/>
+                    <a16:rowId xmlns:a16="http://schemas.microsoft.com/office/drawing/2014/main" xmlns="" val="3543017676"/>
                   </a:ext>
                 </a:extLst>
               </a:tr>
@@ -8663,9 +8697,10 @@
           <a:lstStyle/>
           <a:p>
             <a:r>
-              <a:rPr lang="en-US" dirty="0"/>
-              <a:t>Flushing the Log</a:t>
-            </a:r>
+              <a:rPr lang="en-US" dirty="0" smtClean="0"/>
+              <a:t>Checkpoint Process</a:t>
+            </a:r>
+            <a:endParaRPr lang="en-US" dirty="0"/>
           </a:p>
         </p:txBody>
       </p:sp>
@@ -8685,50 +8720,54 @@
           <a:lstStyle/>
           <a:p>
             <a:r>
-              <a:rPr lang="en-US" dirty="0"/>
-              <a:t>Flushing = closing a log block</a:t>
-            </a:r>
-          </a:p>
-          <a:p>
-            <a:r>
-              <a:rPr lang="en-US" dirty="0"/>
-              <a:t>Triggers</a:t>
+              <a:rPr lang="en-US" dirty="0" smtClean="0"/>
+              <a:t>Write to log (checkpoint start)</a:t>
             </a:r>
           </a:p>
           <a:p>
             <a:pPr lvl="1"/>
             <a:r>
-              <a:rPr lang="en-US" dirty="0"/>
-              <a:t>60K limit reached</a:t>
-            </a:r>
-          </a:p>
-          <a:p>
-            <a:pPr lvl="1"/>
-            <a:r>
-              <a:rPr lang="en-US" dirty="0"/>
-              <a:t>Transaction commits</a:t>
-            </a:r>
-          </a:p>
-          <a:p>
-            <a:pPr lvl="1"/>
-            <a:r>
-              <a:rPr lang="en-US" dirty="0"/>
-              <a:t>Transaction rollbacks</a:t>
-            </a:r>
-          </a:p>
-          <a:p>
-            <a:pPr lvl="1"/>
-            <a:r>
-              <a:rPr lang="en-US" dirty="0"/>
-              <a:t>Checkpoint</a:t>
-            </a:r>
+              <a:rPr lang="en-US" dirty="0" smtClean="0"/>
+              <a:t>Also info about any uncommitted transactions</a:t>
+            </a:r>
+          </a:p>
+          <a:p>
+            <a:r>
+              <a:rPr lang="en-US" dirty="0" smtClean="0"/>
+              <a:t>Flush the log</a:t>
+            </a:r>
+          </a:p>
+          <a:p>
+            <a:r>
+              <a:rPr lang="en-US" dirty="0" smtClean="0"/>
+              <a:t>Identify dirty pages; write to disk</a:t>
+            </a:r>
+          </a:p>
+          <a:p>
+            <a:r>
+              <a:rPr lang="en-US" dirty="0" smtClean="0"/>
+              <a:t>Update boot page with log ID corresponding to checkpoint start</a:t>
+            </a:r>
+          </a:p>
+          <a:p>
+            <a:r>
+              <a:rPr lang="en-US" dirty="0" smtClean="0"/>
+              <a:t>Clear the log (SIMPLE recovery)</a:t>
+            </a:r>
+          </a:p>
+          <a:p>
+            <a:r>
+              <a:rPr lang="en-US" dirty="0" smtClean="0"/>
+              <a:t>Write to log (checkpoint finish)</a:t>
+            </a:r>
+            <a:endParaRPr lang="en-US" dirty="0"/>
           </a:p>
         </p:txBody>
       </p:sp>
     </p:spTree>
     <p:extLst>
       <p:ext uri="{BB962C8B-B14F-4D97-AF65-F5344CB8AC3E}">
-        <p14:creationId xmlns:p14="http://schemas.microsoft.com/office/powerpoint/2010/main" val="4039889923"/>
+        <p14:creationId xmlns:p14="http://schemas.microsoft.com/office/powerpoint/2010/main" val="348943073"/>
       </p:ext>
     </p:extLst>
   </p:cSld>
@@ -8772,7 +8811,7 @@
           <a:p>
             <a:r>
               <a:rPr lang="en-US" dirty="0"/>
-              <a:t>Recovery Models</a:t>
+              <a:t>Flushing the Log</a:t>
             </a:r>
           </a:p>
         </p:txBody>
@@ -8789,97 +8828,54 @@
         </p:nvSpPr>
         <p:spPr/>
         <p:txBody>
-          <a:bodyPr>
-            <a:normAutofit fontScale="92500" lnSpcReduction="10000"/>
-          </a:bodyPr>
+          <a:bodyPr/>
           <a:lstStyle/>
           <a:p>
             <a:r>
               <a:rPr lang="en-US" dirty="0"/>
-              <a:t>Impacts how SQL logs changes</a:t>
+              <a:t>Flushing = closing a log block</a:t>
+            </a:r>
+          </a:p>
+          <a:p>
+            <a:r>
+              <a:rPr lang="en-US" dirty="0"/>
+              <a:t>Triggers</a:t>
             </a:r>
           </a:p>
           <a:p>
             <a:pPr lvl="1"/>
             <a:r>
               <a:rPr lang="en-US" dirty="0"/>
-              <a:t>Simple recovery model</a:t>
-            </a:r>
-          </a:p>
-          <a:p>
-            <a:pPr lvl="2"/>
-            <a:r>
-              <a:rPr lang="en-US" dirty="0"/>
-              <a:t>All changes logged, but can be discarded on commit</a:t>
-            </a:r>
-          </a:p>
-          <a:p>
-            <a:pPr lvl="2"/>
-            <a:r>
-              <a:rPr lang="en-US" dirty="0"/>
-              <a:t>Can only recover to the latest full backup</a:t>
+              <a:t>60K limit reached</a:t>
             </a:r>
           </a:p>
           <a:p>
             <a:pPr lvl="1"/>
             <a:r>
               <a:rPr lang="en-US" dirty="0"/>
-              <a:t>Full recovery model</a:t>
-            </a:r>
-          </a:p>
-          <a:p>
-            <a:pPr lvl="2"/>
-            <a:r>
-              <a:rPr lang="en-US" dirty="0"/>
-              <a:t>Log records must be kept until log backup completed</a:t>
-            </a:r>
-          </a:p>
-          <a:p>
-            <a:pPr lvl="2"/>
-            <a:r>
-              <a:rPr lang="en-US" dirty="0"/>
-              <a:t>Can recover to an arbitrary point in time</a:t>
+              <a:t>Transaction commits</a:t>
             </a:r>
           </a:p>
           <a:p>
             <a:pPr lvl="1"/>
             <a:r>
               <a:rPr lang="en-US" dirty="0"/>
-              <a:t>Bulk-logged recovery model</a:t>
-            </a:r>
-          </a:p>
-          <a:p>
-            <a:pPr lvl="2"/>
-            <a:r>
-              <a:rPr lang="en-US" dirty="0"/>
-              <a:t>Similar to full model, but some changes are only “noted” rather than fully logged</a:t>
-            </a:r>
-          </a:p>
-          <a:p>
-            <a:pPr lvl="2"/>
-            <a:r>
-              <a:rPr lang="en-US" dirty="0"/>
-              <a:t>Log backups still include all changes</a:t>
-            </a:r>
-          </a:p>
-          <a:p>
-            <a:pPr lvl="2"/>
-            <a:r>
-              <a:rPr lang="en-US" dirty="0"/>
-              <a:t>Point-in-time recovery </a:t>
-            </a:r>
-            <a:r>
-              <a:rPr lang="en-US"/>
-              <a:t>not possible</a:t>
-            </a:r>
-            <a:endParaRPr lang="en-US" dirty="0"/>
+              <a:t>Transaction rollbacks</a:t>
+            </a:r>
+          </a:p>
+          <a:p>
+            <a:pPr lvl="1"/>
+            <a:r>
+              <a:rPr lang="en-US" dirty="0"/>
+              <a:t>Checkpoint</a:t>
+            </a:r>
           </a:p>
         </p:txBody>
       </p:sp>
     </p:spTree>
     <p:extLst>
       <p:ext uri="{BB962C8B-B14F-4D97-AF65-F5344CB8AC3E}">
-        <p14:creationId xmlns:p14="http://schemas.microsoft.com/office/powerpoint/2010/main" val="3098932775"/>
+        <p14:creationId xmlns:p14="http://schemas.microsoft.com/office/powerpoint/2010/main" val="4039889923"/>
       </p:ext>
     </p:extLst>
   </p:cSld>
@@ -9027,7 +9023,7 @@
           <a:p>
             <a:r>
               <a:rPr lang="en-US" dirty="0"/>
-              <a:t>Clearing the Log</a:t>
+              <a:t>Recovery Models</a:t>
             </a:r>
           </a:p>
         </p:txBody>
@@ -9044,81 +9040,89 @@
         </p:nvSpPr>
         <p:spPr/>
         <p:txBody>
-          <a:bodyPr/>
+          <a:bodyPr>
+            <a:normAutofit fontScale="92500" lnSpcReduction="10000"/>
+          </a:bodyPr>
           <a:lstStyle/>
           <a:p>
             <a:r>
               <a:rPr lang="en-US" dirty="0"/>
-              <a:t>Marks unneeded portions of log as inactive</a:t>
-            </a:r>
-          </a:p>
-          <a:p>
-            <a:r>
-              <a:rPr lang="en-US" dirty="0"/>
-              <a:t>Triggers:</a:t>
+              <a:t>Impacts how SQL logs changes</a:t>
             </a:r>
           </a:p>
           <a:p>
             <a:pPr lvl="1"/>
             <a:r>
               <a:rPr lang="en-US" dirty="0"/>
-              <a:t>Simple recovery: Checkpoint</a:t>
+              <a:t>Simple recovery model</a:t>
+            </a:r>
+          </a:p>
+          <a:p>
+            <a:pPr lvl="2"/>
+            <a:r>
+              <a:rPr lang="en-US" dirty="0"/>
+              <a:t>All changes logged, but can be discarded on commit</a:t>
+            </a:r>
+          </a:p>
+          <a:p>
+            <a:pPr lvl="2"/>
+            <a:r>
+              <a:rPr lang="en-US" dirty="0"/>
+              <a:t>Can only recover to the latest full backup</a:t>
             </a:r>
           </a:p>
           <a:p>
             <a:pPr lvl="1"/>
             <a:r>
               <a:rPr lang="en-US" dirty="0"/>
-              <a:t>Full/bulked-log: Log Backup</a:t>
-            </a:r>
-          </a:p>
-          <a:p>
-            <a:r>
-              <a:rPr lang="en-US" dirty="0"/>
-              <a:t>Why can’t the log clear?</a:t>
+              <a:t>Full recovery model</a:t>
+            </a:r>
+          </a:p>
+          <a:p>
+            <a:pPr lvl="2"/>
+            <a:r>
+              <a:rPr lang="en-US" dirty="0"/>
+              <a:t>Log records must be kept until log backup completed</a:t>
+            </a:r>
+          </a:p>
+          <a:p>
+            <a:pPr lvl="2"/>
+            <a:r>
+              <a:rPr lang="en-US" dirty="0"/>
+              <a:t>Can recover to an arbitrary point in time</a:t>
             </a:r>
           </a:p>
           <a:p>
             <a:pPr lvl="1"/>
             <a:r>
               <a:rPr lang="en-US" dirty="0"/>
-              <a:t>Pending log backup</a:t>
-            </a:r>
-          </a:p>
-          <a:p>
-            <a:pPr lvl="1"/>
-            <a:r>
-              <a:rPr lang="en-US" dirty="0"/>
-              <a:t>Active replication / CDC / AG / mirroring</a:t>
-            </a:r>
-          </a:p>
-          <a:p>
-            <a:pPr lvl="1"/>
-            <a:r>
-              <a:rPr lang="en-US" dirty="0"/>
-              <a:t>Long-running transaction</a:t>
-            </a:r>
-          </a:p>
-          <a:p>
-            <a:pPr lvl="1"/>
-            <a:r>
-              <a:rPr lang="en-US" dirty="0"/>
-              <a:t>See </a:t>
-            </a:r>
-            <a:r>
-              <a:rPr lang="en-US" sz="2000" b="1" dirty="0" err="1">
-                <a:latin typeface="Courier New" panose="02070309020205020404" pitchFamily="49" charset="0"/>
-                <a:cs typeface="Courier New" panose="02070309020205020404" pitchFamily="49" charset="0"/>
-              </a:rPr>
-              <a:t>sys.databases.log_reuse_wait_desc</a:t>
-            </a:r>
-            <a:endParaRPr lang="en-US" sz="2000" b="1" dirty="0">
-              <a:latin typeface="Courier New" panose="02070309020205020404" pitchFamily="49" charset="0"/>
-              <a:cs typeface="Courier New" panose="02070309020205020404" pitchFamily="49" charset="0"/>
-            </a:endParaRPr>
-          </a:p>
-          <a:p>
-            <a:pPr lvl="1"/>
+              <a:t>Bulk-logged recovery model</a:t>
+            </a:r>
+          </a:p>
+          <a:p>
+            <a:pPr lvl="2"/>
+            <a:r>
+              <a:rPr lang="en-US" dirty="0"/>
+              <a:t>Similar to full model, but some changes are only “noted” rather than fully logged</a:t>
+            </a:r>
+          </a:p>
+          <a:p>
+            <a:pPr lvl="2"/>
+            <a:r>
+              <a:rPr lang="en-US" dirty="0"/>
+              <a:t>Log backups still include all changes</a:t>
+            </a:r>
+          </a:p>
+          <a:p>
+            <a:pPr lvl="2"/>
+            <a:r>
+              <a:rPr lang="en-US" dirty="0"/>
+              <a:t>Point-in-time recovery </a:t>
+            </a:r>
+            <a:r>
+              <a:rPr lang="en-US"/>
+              <a:t>not possible</a:t>
+            </a:r>
             <a:endParaRPr lang="en-US" dirty="0"/>
           </a:p>
         </p:txBody>
@@ -9126,7 +9130,7 @@
     </p:spTree>
     <p:extLst>
       <p:ext uri="{BB962C8B-B14F-4D97-AF65-F5344CB8AC3E}">
-        <p14:creationId xmlns:p14="http://schemas.microsoft.com/office/powerpoint/2010/main" val="4028217354"/>
+        <p14:creationId xmlns:p14="http://schemas.microsoft.com/office/powerpoint/2010/main" val="3098932775"/>
       </p:ext>
     </p:extLst>
   </p:cSld>
@@ -9170,6 +9174,149 @@
           <a:p>
             <a:r>
               <a:rPr lang="en-US" dirty="0"/>
+              <a:t>Clearing the Log</a:t>
+            </a:r>
+          </a:p>
+        </p:txBody>
+      </p:sp>
+      <p:sp>
+        <p:nvSpPr>
+          <p:cNvPr id="3" name="Content Placeholder 2"/>
+          <p:cNvSpPr>
+            <a:spLocks noGrp="1"/>
+          </p:cNvSpPr>
+          <p:nvPr>
+            <p:ph idx="1"/>
+          </p:nvPr>
+        </p:nvSpPr>
+        <p:spPr/>
+        <p:txBody>
+          <a:bodyPr/>
+          <a:lstStyle/>
+          <a:p>
+            <a:r>
+              <a:rPr lang="en-US" dirty="0"/>
+              <a:t>Marks unneeded portions of log as inactive</a:t>
+            </a:r>
+          </a:p>
+          <a:p>
+            <a:r>
+              <a:rPr lang="en-US" dirty="0"/>
+              <a:t>Triggers:</a:t>
+            </a:r>
+          </a:p>
+          <a:p>
+            <a:pPr lvl="1"/>
+            <a:r>
+              <a:rPr lang="en-US" dirty="0"/>
+              <a:t>Simple recovery: Checkpoint</a:t>
+            </a:r>
+          </a:p>
+          <a:p>
+            <a:pPr lvl="1"/>
+            <a:r>
+              <a:rPr lang="en-US" dirty="0"/>
+              <a:t>Full/bulked-log: Log Backup</a:t>
+            </a:r>
+          </a:p>
+          <a:p>
+            <a:r>
+              <a:rPr lang="en-US" dirty="0"/>
+              <a:t>Why can’t the log clear?</a:t>
+            </a:r>
+          </a:p>
+          <a:p>
+            <a:pPr lvl="1"/>
+            <a:r>
+              <a:rPr lang="en-US" dirty="0"/>
+              <a:t>Pending log backup</a:t>
+            </a:r>
+          </a:p>
+          <a:p>
+            <a:pPr lvl="1"/>
+            <a:r>
+              <a:rPr lang="en-US" dirty="0"/>
+              <a:t>Active replication / CDC / AG / mirroring</a:t>
+            </a:r>
+          </a:p>
+          <a:p>
+            <a:pPr lvl="1"/>
+            <a:r>
+              <a:rPr lang="en-US" dirty="0"/>
+              <a:t>Long-running transaction</a:t>
+            </a:r>
+          </a:p>
+          <a:p>
+            <a:pPr lvl="1"/>
+            <a:r>
+              <a:rPr lang="en-US" dirty="0"/>
+              <a:t>See </a:t>
+            </a:r>
+            <a:r>
+              <a:rPr lang="en-US" sz="2000" b="1" dirty="0" err="1">
+                <a:latin typeface="Courier New" panose="02070309020205020404" pitchFamily="49" charset="0"/>
+                <a:cs typeface="Courier New" panose="02070309020205020404" pitchFamily="49" charset="0"/>
+              </a:rPr>
+              <a:t>sys.databases.log_reuse_wait_desc</a:t>
+            </a:r>
+            <a:endParaRPr lang="en-US" sz="2000" b="1" dirty="0">
+              <a:latin typeface="Courier New" panose="02070309020205020404" pitchFamily="49" charset="0"/>
+              <a:cs typeface="Courier New" panose="02070309020205020404" pitchFamily="49" charset="0"/>
+            </a:endParaRPr>
+          </a:p>
+          <a:p>
+            <a:pPr lvl="1"/>
+            <a:endParaRPr lang="en-US" dirty="0"/>
+          </a:p>
+        </p:txBody>
+      </p:sp>
+    </p:spTree>
+    <p:extLst>
+      <p:ext uri="{BB962C8B-B14F-4D97-AF65-F5344CB8AC3E}">
+        <p14:creationId xmlns:p14="http://schemas.microsoft.com/office/powerpoint/2010/main" val="4028217354"/>
+      </p:ext>
+    </p:extLst>
+  </p:cSld>
+  <p:clrMapOvr>
+    <a:masterClrMapping/>
+  </p:clrMapOvr>
+</p:sld>
+</file>
+
+<file path=ppt/slides/slide32.xml><?xml version="1.0" encoding="utf-8"?>
+<p:sld xmlns:a="http://schemas.openxmlformats.org/drawingml/2006/main" xmlns:r="http://schemas.openxmlformats.org/officeDocument/2006/relationships" xmlns:p="http://schemas.openxmlformats.org/presentationml/2006/main">
+  <p:cSld>
+    <p:spTree>
+      <p:nvGrpSpPr>
+        <p:cNvPr id="1" name=""/>
+        <p:cNvGrpSpPr/>
+        <p:nvPr/>
+      </p:nvGrpSpPr>
+      <p:grpSpPr>
+        <a:xfrm>
+          <a:off x="0" y="0"/>
+          <a:ext cx="0" cy="0"/>
+          <a:chOff x="0" y="0"/>
+          <a:chExt cx="0" cy="0"/>
+        </a:xfrm>
+      </p:grpSpPr>
+      <p:sp>
+        <p:nvSpPr>
+          <p:cNvPr id="2" name="Title 1"/>
+          <p:cNvSpPr>
+            <a:spLocks noGrp="1"/>
+          </p:cNvSpPr>
+          <p:nvPr>
+            <p:ph type="title"/>
+          </p:nvPr>
+        </p:nvSpPr>
+        <p:spPr/>
+        <p:txBody>
+          <a:bodyPr/>
+          <a:lstStyle/>
+          <a:p>
+            <a:r>
+              <a:rPr lang="en-US" dirty="0"/>
               <a:t>Creating new VLFs</a:t>
             </a:r>
           </a:p>
@@ -9235,14 +9382,14 @@
                 <a:gridCol w="3048000">
                   <a:extLst>
                     <a:ext uri="{9D8B030D-6E8A-4147-A177-3AD203B41FA5}">
-                      <a16:colId xmlns:a16="http://schemas.microsoft.com/office/drawing/2014/main" val="20000"/>
+                      <a16:colId xmlns:a16="http://schemas.microsoft.com/office/drawing/2014/main" xmlns="" val="20000"/>
                     </a:ext>
                   </a:extLst>
                 </a:gridCol>
                 <a:gridCol w="3048000">
                   <a:extLst>
                     <a:ext uri="{9D8B030D-6E8A-4147-A177-3AD203B41FA5}">
-                      <a16:colId xmlns:a16="http://schemas.microsoft.com/office/drawing/2014/main" val="20001"/>
+                      <a16:colId xmlns:a16="http://schemas.microsoft.com/office/drawing/2014/main" xmlns="" val="20001"/>
                     </a:ext>
                   </a:extLst>
                 </a:gridCol>
@@ -9288,7 +9435,7 @@
                 </a:tc>
                 <a:extLst>
                   <a:ext uri="{0D108BD9-81ED-4DB2-BD59-A6C34878D82A}">
-                    <a16:rowId xmlns:a16="http://schemas.microsoft.com/office/drawing/2014/main" val="10000"/>
+                    <a16:rowId xmlns:a16="http://schemas.microsoft.com/office/drawing/2014/main" xmlns="" val="10000"/>
                   </a:ext>
                 </a:extLst>
               </a:tr>
@@ -9323,7 +9470,7 @@
                 </a:tc>
                 <a:extLst>
                   <a:ext uri="{0D108BD9-81ED-4DB2-BD59-A6C34878D82A}">
-                    <a16:rowId xmlns:a16="http://schemas.microsoft.com/office/drawing/2014/main" val="10001"/>
+                    <a16:rowId xmlns:a16="http://schemas.microsoft.com/office/drawing/2014/main" xmlns="" val="10001"/>
                   </a:ext>
                 </a:extLst>
               </a:tr>
@@ -9358,7 +9505,7 @@
                 </a:tc>
                 <a:extLst>
                   <a:ext uri="{0D108BD9-81ED-4DB2-BD59-A6C34878D82A}">
-                    <a16:rowId xmlns:a16="http://schemas.microsoft.com/office/drawing/2014/main" val="10002"/>
+                    <a16:rowId xmlns:a16="http://schemas.microsoft.com/office/drawing/2014/main" xmlns="" val="10002"/>
                   </a:ext>
                 </a:extLst>
               </a:tr>
@@ -9398,7 +9545,7 @@
                 </a:tc>
                 <a:extLst>
                   <a:ext uri="{0D108BD9-81ED-4DB2-BD59-A6C34878D82A}">
-                    <a16:rowId xmlns:a16="http://schemas.microsoft.com/office/drawing/2014/main" val="10003"/>
+                    <a16:rowId xmlns:a16="http://schemas.microsoft.com/office/drawing/2014/main" xmlns="" val="10003"/>
                   </a:ext>
                 </a:extLst>
               </a:tr>
@@ -9600,7 +9747,7 @@
 </p:sld>
 </file>
 
-<file path=ppt/slides/slide32.xml><?xml version="1.0" encoding="utf-8"?>
+<file path=ppt/slides/slide33.xml><?xml version="1.0" encoding="utf-8"?>
 <p:sld xmlns:a="http://schemas.openxmlformats.org/drawingml/2006/main" xmlns:r="http://schemas.openxmlformats.org/officeDocument/2006/relationships" xmlns:p="http://schemas.openxmlformats.org/presentationml/2006/main">
   <p:cSld>
     <p:spTree>
@@ -9964,18 +10111,17 @@
           </a:p>
           <a:p>
             <a:r>
-              <a:rPr lang="en-US" dirty="0"/>
+              <a:rPr lang="en-US" sz="2400" dirty="0"/>
               <a:t>Very limited exceptions for some </a:t>
             </a:r>
             <a:r>
-              <a:rPr lang="en-US" dirty="0" err="1"/>
+              <a:rPr lang="en-US" sz="2400" dirty="0" err="1"/>
               <a:t>tempdb</a:t>
             </a:r>
             <a:r>
-              <a:rPr lang="en-US"/>
+              <a:rPr lang="en-US" sz="2400" dirty="0"/>
               <a:t> operations</a:t>
             </a:r>
-            <a:endParaRPr lang="en-US" dirty="0"/>
           </a:p>
         </p:txBody>
       </p:sp>
@@ -10026,7 +10172,7 @@
           <a:p>
             <a:r>
               <a:rPr lang="en-US" dirty="0"/>
-              <a:t>Organization of the Transaction Log</a:t>
+              <a:t>Physical vs Logical Log File</a:t>
             </a:r>
           </a:p>
         </p:txBody>
@@ -10041,51 +10187,83 @@
             <p:ph idx="1"/>
           </p:nvPr>
         </p:nvSpPr>
-        <p:spPr>
-          <a:xfrm>
-            <a:off x="4352925" y="1600200"/>
-            <a:ext cx="4333875" cy="4525963"/>
-          </a:xfrm>
-        </p:spPr>
+        <p:spPr/>
         <p:txBody>
           <a:bodyPr/>
           <a:lstStyle/>
           <a:p>
             <a:r>
               <a:rPr lang="en-US" dirty="0"/>
-              <a:t>The Transaction Log is just a file …</a:t>
-            </a:r>
-          </a:p>
-        </p:txBody>
-      </p:sp>
-      <p:pic>
-        <p:nvPicPr>
-          <p:cNvPr id="4" name="Picture 3"/>
-          <p:cNvPicPr>
-            <a:picLocks noChangeAspect="1"/>
-          </p:cNvPicPr>
-          <p:nvPr/>
-        </p:nvPicPr>
-        <p:blipFill>
-          <a:blip r:embed="rId2"/>
-          <a:stretch>
-            <a:fillRect/>
-          </a:stretch>
-        </p:blipFill>
-        <p:spPr>
-          <a:xfrm>
-            <a:off x="457200" y="1417638"/>
-            <a:ext cx="3810789" cy="4678078"/>
-          </a:xfrm>
-          <a:prstGeom prst="rect">
-            <a:avLst/>
-          </a:prstGeom>
-        </p:spPr>
-      </p:pic>
+              <a:t>Logical Log File</a:t>
+            </a:r>
+          </a:p>
+          <a:p>
+            <a:pPr lvl="1"/>
+            <a:r>
+              <a:rPr lang="en-US" dirty="0"/>
+              <a:t>Always growing</a:t>
+            </a:r>
+          </a:p>
+          <a:p>
+            <a:pPr lvl="1"/>
+            <a:r>
+              <a:rPr lang="en-US" dirty="0"/>
+              <a:t>Write once / read </a:t>
+            </a:r>
+            <a:r>
+              <a:rPr lang="en-US" dirty="0" smtClean="0"/>
+              <a:t>many</a:t>
+            </a:r>
+          </a:p>
+          <a:p>
+            <a:pPr lvl="2"/>
+            <a:r>
+              <a:rPr lang="en-US" dirty="0" smtClean="0"/>
+              <a:t>After being written, log records are </a:t>
+            </a:r>
+            <a:r>
+              <a:rPr lang="en-US" b="1" dirty="0" smtClean="0"/>
+              <a:t>never</a:t>
+            </a:r>
+            <a:r>
+              <a:rPr lang="en-US" dirty="0" smtClean="0"/>
+              <a:t> changed</a:t>
+            </a:r>
+            <a:endParaRPr lang="en-US" dirty="0"/>
+          </a:p>
+          <a:p>
+            <a:r>
+              <a:rPr lang="en-US" dirty="0"/>
+              <a:t>Physical Log File</a:t>
+            </a:r>
+          </a:p>
+          <a:p>
+            <a:pPr lvl="1"/>
+            <a:r>
+              <a:rPr lang="en-US" dirty="0"/>
+              <a:t>Only grows when full (or manually grown)</a:t>
+            </a:r>
+          </a:p>
+          <a:p>
+            <a:pPr lvl="1"/>
+            <a:r>
+              <a:rPr lang="en-US" dirty="0"/>
+              <a:t>Divided into virtual log files (VLFs)</a:t>
+            </a:r>
+          </a:p>
+          <a:p>
+            <a:pPr lvl="1"/>
+            <a:r>
+              <a:rPr lang="en-US" dirty="0"/>
+              <a:t>VLFs are inactivated when possible and over-written</a:t>
+            </a:r>
+          </a:p>
+        </p:txBody>
+      </p:sp>
     </p:spTree>
     <p:extLst>
       <p:ext uri="{BB962C8B-B14F-4D97-AF65-F5344CB8AC3E}">
-        <p14:creationId xmlns:p14="http://schemas.microsoft.com/office/powerpoint/2010/main" val="3982838056"/>
+        <p14:creationId xmlns:p14="http://schemas.microsoft.com/office/powerpoint/2010/main" val="3330670825"/>
       </p:ext>
     </p:extLst>
   </p:cSld>
@@ -10159,12 +10337,6 @@
               <a:t>The Transaction Log is just a file …</a:t>
             </a:r>
           </a:p>
-          <a:p>
-            <a:r>
-              <a:rPr lang="en-US" dirty="0"/>
-              <a:t>With a bit of header information …</a:t>
-            </a:r>
-          </a:p>
         </p:txBody>
       </p:sp>
       <p:pic>
@@ -10183,8 +10355,8 @@
         </p:blipFill>
         <p:spPr>
           <a:xfrm>
-            <a:off x="457200" y="1417320"/>
-            <a:ext cx="3814109" cy="4681728"/>
+            <a:off x="457200" y="1417638"/>
+            <a:ext cx="3810789" cy="4678078"/>
           </a:xfrm>
           <a:prstGeom prst="rect">
             <a:avLst/>
@@ -10194,7 +10366,7 @@
     </p:spTree>
     <p:extLst>
       <p:ext uri="{BB962C8B-B14F-4D97-AF65-F5344CB8AC3E}">
-        <p14:creationId xmlns:p14="http://schemas.microsoft.com/office/powerpoint/2010/main" val="1865007227"/>
+        <p14:creationId xmlns:p14="http://schemas.microsoft.com/office/powerpoint/2010/main" val="3982838056"/>
       </p:ext>
     </p:extLst>
   </p:cSld>
@@ -10274,24 +10446,11 @@
               <a:t>With a bit of header information …</a:t>
             </a:r>
           </a:p>
-          <a:p>
-            <a:r>
-              <a:rPr lang="en-US" dirty="0"/>
-              <a:t>Then divided into Virtual Log Files.</a:t>
-            </a:r>
-          </a:p>
-          <a:p>
-            <a:pPr lvl="1"/>
-            <a:r>
-              <a:rPr lang="en-US" dirty="0"/>
-              <a:t>Not necessarily of equal size</a:t>
-            </a:r>
-          </a:p>
         </p:txBody>
       </p:sp>
       <p:pic>
         <p:nvPicPr>
-          <p:cNvPr id="5" name="Picture 4"/>
+          <p:cNvPr id="4" name="Picture 3"/>
           <p:cNvPicPr>
             <a:picLocks noChangeAspect="1"/>
           </p:cNvPicPr>
@@ -10316,7 +10475,7 @@
     </p:spTree>
     <p:extLst>
       <p:ext uri="{BB962C8B-B14F-4D97-AF65-F5344CB8AC3E}">
-        <p14:creationId xmlns:p14="http://schemas.microsoft.com/office/powerpoint/2010/main" val="3601134671"/>
+        <p14:creationId xmlns:p14="http://schemas.microsoft.com/office/powerpoint/2010/main" val="1865007227"/>
       </p:ext>
     </p:extLst>
   </p:cSld>
@@ -10360,7 +10519,7 @@
           <a:p>
             <a:r>
               <a:rPr lang="en-US" dirty="0"/>
-              <a:t>Virtual Log Files</a:t>
+              <a:t>Organization of the Transaction Log</a:t>
             </a:r>
           </a:p>
         </p:txBody>
@@ -10380,7 +10539,6 @@
             <a:off x="4352925" y="1600200"/>
             <a:ext cx="4333875" cy="4525963"/>
           </a:xfrm>
-          <a:noFill/>
         </p:spPr>
         <p:txBody>
           <a:bodyPr/>
@@ -10388,58 +10546,33 @@
           <a:p>
             <a:r>
               <a:rPr lang="en-US" dirty="0"/>
-              <a:t>VLFs can be in one of two statuses:</a:t>
+              <a:t>The Transaction Log is just a file …</a:t>
+            </a:r>
+          </a:p>
+          <a:p>
+            <a:r>
+              <a:rPr lang="en-US" dirty="0"/>
+              <a:t>With a bit of header information …</a:t>
+            </a:r>
+          </a:p>
+          <a:p>
+            <a:r>
+              <a:rPr lang="en-US" dirty="0"/>
+              <a:t>Then divided into Virtual Log Files.</a:t>
             </a:r>
           </a:p>
           <a:p>
             <a:pPr lvl="1"/>
             <a:r>
-              <a:rPr lang="en-US" dirty="0">
-                <a:solidFill>
-                  <a:srgbClr val="92D050"/>
-                </a:solidFill>
-              </a:rPr>
-              <a:t>Inactive</a:t>
-            </a:r>
-          </a:p>
-          <a:p>
-            <a:pPr lvl="1"/>
-            <a:r>
-              <a:rPr lang="en-US" dirty="0">
-                <a:solidFill>
-                  <a:srgbClr val="FFFF00"/>
-                </a:solidFill>
-              </a:rPr>
-              <a:t>Active (current)</a:t>
-            </a:r>
-          </a:p>
-          <a:p>
-            <a:pPr lvl="1"/>
-            <a:r>
-              <a:rPr lang="en-US" dirty="0">
-                <a:solidFill>
-                  <a:srgbClr val="FF0000"/>
-                </a:solidFill>
-              </a:rPr>
-              <a:t>Active (not usable)</a:t>
-            </a:r>
-            <a:endParaRPr lang="en-US" dirty="0">
-              <a:solidFill>
-                <a:schemeClr val="tx1"/>
-              </a:solidFill>
-            </a:endParaRPr>
-          </a:p>
-          <a:p>
-            <a:r>
-              <a:rPr lang="en-US" dirty="0"/>
-              <a:t>Only one VLF is current at a time.</a:t>
+              <a:rPr lang="en-US" dirty="0"/>
+              <a:t>Not necessarily of equal size</a:t>
             </a:r>
           </a:p>
         </p:txBody>
       </p:sp>
       <p:pic>
         <p:nvPicPr>
-          <p:cNvPr id="4" name="Picture 3"/>
+          <p:cNvPr id="5" name="Picture 4"/>
           <p:cNvPicPr>
             <a:picLocks noChangeAspect="1"/>
           </p:cNvPicPr>
@@ -10464,7 +10597,7 @@
     </p:spTree>
     <p:extLst>
       <p:ext uri="{BB962C8B-B14F-4D97-AF65-F5344CB8AC3E}">
-        <p14:creationId xmlns:p14="http://schemas.microsoft.com/office/powerpoint/2010/main" val="1865925798"/>
+        <p14:creationId xmlns:p14="http://schemas.microsoft.com/office/powerpoint/2010/main" val="3601134671"/>
       </p:ext>
     </p:extLst>
   </p:cSld>

--- a/TransactionLog.pptx
+++ b/TransactionLog.pptx
@@ -5,7 +5,7 @@
     <p:sldMasterId id="2147483648" r:id="rId1"/>
   </p:sldMasterIdLst>
   <p:notesMasterIdLst>
-    <p:notesMasterId r:id="rId35"/>
+    <p:notesMasterId r:id="rId38"/>
   </p:notesMasterIdLst>
   <p:sldIdLst>
     <p:sldId id="328" r:id="rId2"/>
@@ -30,17 +30,20 @@
     <p:sldId id="345" r:id="rId21"/>
     <p:sldId id="346" r:id="rId22"/>
     <p:sldId id="348" r:id="rId23"/>
-    <p:sldId id="349" r:id="rId24"/>
-    <p:sldId id="350" r:id="rId25"/>
-    <p:sldId id="351" r:id="rId26"/>
-    <p:sldId id="354" r:id="rId27"/>
-    <p:sldId id="356" r:id="rId28"/>
-    <p:sldId id="361" r:id="rId29"/>
-    <p:sldId id="353" r:id="rId30"/>
-    <p:sldId id="352" r:id="rId31"/>
-    <p:sldId id="355" r:id="rId32"/>
-    <p:sldId id="357" r:id="rId33"/>
-    <p:sldId id="359" r:id="rId34"/>
+    <p:sldId id="364" r:id="rId24"/>
+    <p:sldId id="349" r:id="rId25"/>
+    <p:sldId id="362" r:id="rId26"/>
+    <p:sldId id="350" r:id="rId27"/>
+    <p:sldId id="363" r:id="rId28"/>
+    <p:sldId id="351" r:id="rId29"/>
+    <p:sldId id="354" r:id="rId30"/>
+    <p:sldId id="356" r:id="rId31"/>
+    <p:sldId id="361" r:id="rId32"/>
+    <p:sldId id="353" r:id="rId33"/>
+    <p:sldId id="352" r:id="rId34"/>
+    <p:sldId id="355" r:id="rId35"/>
+    <p:sldId id="357" r:id="rId36"/>
+    <p:sldId id="359" r:id="rId37"/>
   </p:sldIdLst>
   <p:sldSz cx="9144000" cy="6858000" type="screen4x3"/>
   <p:notesSz cx="6858000" cy="9144000"/>
@@ -240,7 +243,7 @@
           <a:p>
             <a:fld id="{2EDCB34D-5EC2-4739-9693-E425457AC201}" type="datetimeFigureOut">
               <a:rPr lang="en-US" smtClean="0"/>
-              <a:t>08/31/2016</a:t>
+              <a:t>09/06/2016</a:t>
             </a:fld>
             <a:endParaRPr lang="en-US"/>
           </a:p>
@@ -826,7 +829,7 @@
             <a:fld id="{5942B21B-2ADA-A040-A652-A7305E1B99FE}" type="datetimeFigureOut">
               <a:rPr lang="en-US" smtClean="0"/>
               <a:pPr/>
-              <a:t>08/31/2016</a:t>
+              <a:t>09/06/2016</a:t>
             </a:fld>
             <a:endParaRPr lang="en-US" dirty="0"/>
           </a:p>
@@ -1016,7 +1019,7 @@
           <a:p>
             <a:fld id="{5942B21B-2ADA-A040-A652-A7305E1B99FE}" type="datetimeFigureOut">
               <a:rPr lang="en-US" smtClean="0"/>
-              <a:t>08/31/2016</a:t>
+              <a:t>09/06/2016</a:t>
             </a:fld>
             <a:endParaRPr lang="en-US"/>
           </a:p>
@@ -1140,7 +1143,7 @@
             <a:fld id="{5942B21B-2ADA-A040-A652-A7305E1B99FE}" type="datetimeFigureOut">
               <a:rPr lang="en-US" smtClean="0"/>
               <a:pPr/>
-              <a:t>08/31/2016</a:t>
+              <a:t>09/06/2016</a:t>
             </a:fld>
             <a:r>
               <a:rPr lang="en-US"/>
@@ -1411,7 +1414,7 @@
             <a:fld id="{5942B21B-2ADA-A040-A652-A7305E1B99FE}" type="datetimeFigureOut">
               <a:rPr lang="en-US" smtClean="0"/>
               <a:pPr/>
-              <a:t>08/31/2016</a:t>
+              <a:t>09/06/2016</a:t>
             </a:fld>
             <a:r>
               <a:rPr lang="en-US" dirty="0"/>
@@ -1681,7 +1684,7 @@
             <a:fld id="{5942B21B-2ADA-A040-A652-A7305E1B99FE}" type="datetimeFigureOut">
               <a:rPr lang="en-US" smtClean="0"/>
               <a:pPr/>
-              <a:t>08/31/2016</a:t>
+              <a:t>09/06/2016</a:t>
             </a:fld>
             <a:r>
               <a:rPr lang="en-US" dirty="0"/>
@@ -2021,7 +2024,7 @@
             <a:fld id="{5942B21B-2ADA-A040-A652-A7305E1B99FE}" type="datetimeFigureOut">
               <a:rPr lang="en-US" smtClean="0"/>
               <a:pPr/>
-              <a:t>08/31/2016</a:t>
+              <a:t>09/06/2016</a:t>
             </a:fld>
             <a:r>
               <a:rPr lang="en-US" dirty="0"/>
@@ -2362,7 +2365,7 @@
             <a:fld id="{5942B21B-2ADA-A040-A652-A7305E1B99FE}" type="datetimeFigureOut">
               <a:rPr lang="en-US" smtClean="0"/>
               <a:pPr/>
-              <a:t>08/31/2016</a:t>
+              <a:t>09/06/2016</a:t>
             </a:fld>
             <a:r>
               <a:rPr lang="en-US" dirty="0"/>
@@ -2877,7 +2880,7 @@
             <a:fld id="{5942B21B-2ADA-A040-A652-A7305E1B99FE}" type="datetimeFigureOut">
               <a:rPr lang="en-US" smtClean="0"/>
               <a:pPr/>
-              <a:t>08/31/2016</a:t>
+              <a:t>09/06/2016</a:t>
             </a:fld>
             <a:r>
               <a:rPr lang="en-US" dirty="0"/>
@@ -3086,7 +3089,7 @@
             <a:fld id="{5942B21B-2ADA-A040-A652-A7305E1B99FE}" type="datetimeFigureOut">
               <a:rPr lang="en-US" smtClean="0"/>
               <a:pPr/>
-              <a:t>08/31/2016</a:t>
+              <a:t>09/06/2016</a:t>
             </a:fld>
             <a:r>
               <a:rPr lang="en-US" dirty="0"/>
@@ -3273,7 +3276,7 @@
             <a:fld id="{5942B21B-2ADA-A040-A652-A7305E1B99FE}" type="datetimeFigureOut">
               <a:rPr lang="en-US" smtClean="0"/>
               <a:pPr/>
-              <a:t>08/31/2016</a:t>
+              <a:t>09/06/2016</a:t>
             </a:fld>
             <a:r>
               <a:rPr lang="en-US" dirty="0"/>
@@ -3604,7 +3607,7 @@
             <a:fld id="{5942B21B-2ADA-A040-A652-A7305E1B99FE}" type="datetimeFigureOut">
               <a:rPr lang="en-US" smtClean="0"/>
               <a:pPr/>
-              <a:t>08/31/2016</a:t>
+              <a:t>09/06/2016</a:t>
             </a:fld>
             <a:r>
               <a:rPr lang="en-US" dirty="0"/>
@@ -3912,7 +3915,7 @@
             <a:fld id="{5942B21B-2ADA-A040-A652-A7305E1B99FE}" type="datetimeFigureOut">
               <a:rPr lang="en-US" smtClean="0"/>
               <a:pPr/>
-              <a:t>08/31/2016</a:t>
+              <a:t>09/06/2016</a:t>
             </a:fld>
             <a:r>
               <a:rPr lang="en-US" dirty="0"/>
@@ -4191,7 +4194,7 @@
             <a:fld id="{5942B21B-2ADA-A040-A652-A7305E1B99FE}" type="datetimeFigureOut">
               <a:rPr lang="en-US" smtClean="0"/>
               <a:pPr/>
-              <a:t>08/31/2016</a:t>
+              <a:t>09/06/2016</a:t>
             </a:fld>
             <a:r>
               <a:rPr lang="en-US" dirty="0"/>
@@ -7508,21 +7511,21 @@
                 <a:gridCol w="1895475">
                   <a:extLst>
                     <a:ext uri="{9D8B030D-6E8A-4147-A177-3AD203B41FA5}">
-                      <a16:colId xmlns:a16="http://schemas.microsoft.com/office/drawing/2014/main" xmlns="" val="20000"/>
+                      <a16:colId xmlns="" xmlns:a16="http://schemas.microsoft.com/office/drawing/2014/main" val="20000"/>
                     </a:ext>
                   </a:extLst>
                 </a:gridCol>
                 <a:gridCol w="3171825">
                   <a:extLst>
                     <a:ext uri="{9D8B030D-6E8A-4147-A177-3AD203B41FA5}">
-                      <a16:colId xmlns:a16="http://schemas.microsoft.com/office/drawing/2014/main" xmlns="" val="20001"/>
+                      <a16:colId xmlns="" xmlns:a16="http://schemas.microsoft.com/office/drawing/2014/main" val="20001"/>
                     </a:ext>
                   </a:extLst>
                 </a:gridCol>
                 <a:gridCol w="3162300">
                   <a:extLst>
                     <a:ext uri="{9D8B030D-6E8A-4147-A177-3AD203B41FA5}">
-                      <a16:colId xmlns:a16="http://schemas.microsoft.com/office/drawing/2014/main" xmlns="" val="20002"/>
+                      <a16:colId xmlns="" xmlns:a16="http://schemas.microsoft.com/office/drawing/2014/main" val="20002"/>
                     </a:ext>
                   </a:extLst>
                 </a:gridCol>
@@ -7569,7 +7572,7 @@
                 </a:tc>
                 <a:extLst>
                   <a:ext uri="{0D108BD9-81ED-4DB2-BD59-A6C34878D82A}">
-                    <a16:rowId xmlns:a16="http://schemas.microsoft.com/office/drawing/2014/main" xmlns="" val="10000"/>
+                    <a16:rowId xmlns="" xmlns:a16="http://schemas.microsoft.com/office/drawing/2014/main" val="10000"/>
                   </a:ext>
                 </a:extLst>
               </a:tr>
@@ -7633,7 +7636,7 @@
                 </a:tc>
                 <a:extLst>
                   <a:ext uri="{0D108BD9-81ED-4DB2-BD59-A6C34878D82A}">
-                    <a16:rowId xmlns:a16="http://schemas.microsoft.com/office/drawing/2014/main" xmlns="" val="10001"/>
+                    <a16:rowId xmlns="" xmlns:a16="http://schemas.microsoft.com/office/drawing/2014/main" val="10001"/>
                   </a:ext>
                 </a:extLst>
               </a:tr>
@@ -7704,7 +7707,7 @@
                 </a:tc>
                 <a:extLst>
                   <a:ext uri="{0D108BD9-81ED-4DB2-BD59-A6C34878D82A}">
-                    <a16:rowId xmlns:a16="http://schemas.microsoft.com/office/drawing/2014/main" xmlns="" val="10002"/>
+                    <a16:rowId xmlns="" xmlns:a16="http://schemas.microsoft.com/office/drawing/2014/main" val="10002"/>
                   </a:ext>
                 </a:extLst>
               </a:tr>
@@ -7751,7 +7754,7 @@
                 </a:tc>
                 <a:extLst>
                   <a:ext uri="{0D108BD9-81ED-4DB2-BD59-A6C34878D82A}">
-                    <a16:rowId xmlns:a16="http://schemas.microsoft.com/office/drawing/2014/main" xmlns="" val="10003"/>
+                    <a16:rowId xmlns="" xmlns:a16="http://schemas.microsoft.com/office/drawing/2014/main" val="10003"/>
                   </a:ext>
                 </a:extLst>
               </a:tr>
@@ -7803,7 +7806,7 @@
                 </a:tc>
                 <a:extLst>
                   <a:ext uri="{0D108BD9-81ED-4DB2-BD59-A6C34878D82A}">
-                    <a16:rowId xmlns:a16="http://schemas.microsoft.com/office/drawing/2014/main" xmlns="" val="3543017676"/>
+                    <a16:rowId xmlns="" xmlns:a16="http://schemas.microsoft.com/office/drawing/2014/main" val="3543017676"/>
                   </a:ext>
                 </a:extLst>
               </a:tr>
@@ -8027,17 +8030,10 @@
           <a:lstStyle/>
           <a:p>
             <a:r>
-              <a:rPr lang="en-US" dirty="0"/>
-              <a:t>DBCC LOGINFO(‘</a:t>
-            </a:r>
-            <a:r>
-              <a:rPr lang="en-US" dirty="0" err="1"/>
-              <a:t>db_name</a:t>
-            </a:r>
-            <a:r>
-              <a:rPr lang="en-US" dirty="0"/>
-              <a:t>’)</a:t>
-            </a:r>
+              <a:rPr lang="en-US" dirty="0" smtClean="0"/>
+              <a:t>Demo</a:t>
+            </a:r>
+            <a:endParaRPr lang="en-US" dirty="0"/>
           </a:p>
         </p:txBody>
       </p:sp>
@@ -8051,12 +8047,7 @@
             <p:ph idx="1"/>
           </p:nvPr>
         </p:nvSpPr>
-        <p:spPr>
-          <a:xfrm>
-            <a:off x="457200" y="1408113"/>
-            <a:ext cx="8229600" cy="676275"/>
-          </a:xfrm>
-        </p:spPr>
+        <p:spPr/>
         <p:txBody>
           <a:bodyPr/>
           <a:lstStyle/>
@@ -8065,40 +8056,17 @@
               <a:buNone/>
             </a:pPr>
             <a:r>
-              <a:rPr lang="en-US" dirty="0"/>
-              <a:t>Returns one row per VLF</a:t>
-            </a:r>
-          </a:p>
-        </p:txBody>
-      </p:sp>
-      <p:pic>
-        <p:nvPicPr>
-          <p:cNvPr id="5" name="Picture 4"/>
-          <p:cNvPicPr>
-            <a:picLocks noChangeAspect="1"/>
-          </p:cNvPicPr>
-          <p:nvPr/>
-        </p:nvPicPr>
-        <p:blipFill>
-          <a:blip r:embed="rId2"/>
-          <a:stretch>
-            <a:fillRect/>
-          </a:stretch>
-        </p:blipFill>
-        <p:spPr>
-          <a:xfrm>
-            <a:off x="457200" y="2084388"/>
-            <a:ext cx="8067675" cy="3634087"/>
-          </a:xfrm>
-          <a:prstGeom prst="rect">
-            <a:avLst/>
-          </a:prstGeom>
-        </p:spPr>
-      </p:pic>
+              <a:rPr lang="en-US" dirty="0" smtClean="0"/>
+              <a:t>LSN Converter</a:t>
+            </a:r>
+            <a:endParaRPr lang="en-US" dirty="0"/>
+          </a:p>
+        </p:txBody>
+      </p:sp>
     </p:spTree>
     <p:extLst>
       <p:ext uri="{BB962C8B-B14F-4D97-AF65-F5344CB8AC3E}">
-        <p14:creationId xmlns:p14="http://schemas.microsoft.com/office/powerpoint/2010/main" val="3403567972"/>
+        <p14:creationId xmlns:p14="http://schemas.microsoft.com/office/powerpoint/2010/main" val="958662350"/>
       </p:ext>
     </p:extLst>
   </p:cSld>
@@ -8141,28 +8109,16 @@
           <a:lstStyle/>
           <a:p>
             <a:r>
+              <a:rPr lang="en-US" dirty="0"/>
+              <a:t>DBCC LOGINFO(‘</a:t>
+            </a:r>
+            <a:r>
               <a:rPr lang="en-US" dirty="0" err="1"/>
-              <a:t>fn_dblog</a:t>
-            </a:r>
-            <a:r>
-              <a:rPr lang="en-US" dirty="0"/>
-              <a:t>(</a:t>
-            </a:r>
-            <a:r>
-              <a:rPr lang="en-US" dirty="0" err="1"/>
-              <a:t>start_lsn</a:t>
-            </a:r>
-            <a:r>
-              <a:rPr lang="en-US" dirty="0"/>
-              <a:t>, </a:t>
-            </a:r>
-            <a:r>
-              <a:rPr lang="en-US" dirty="0" err="1"/>
-              <a:t>end_lsn</a:t>
-            </a:r>
-            <a:r>
-              <a:rPr lang="en-US" dirty="0"/>
-              <a:t>)</a:t>
+              <a:t>db_name</a:t>
+            </a:r>
+            <a:r>
+              <a:rPr lang="en-US" dirty="0"/>
+              <a:t>’)</a:t>
             </a:r>
           </a:p>
         </p:txBody>
@@ -8179,8 +8135,8 @@
         </p:nvSpPr>
         <p:spPr>
           <a:xfrm>
-            <a:off x="457200" y="1397001"/>
-            <a:ext cx="8229600" cy="704850"/>
+            <a:off x="457200" y="1408113"/>
+            <a:ext cx="8229600" cy="676275"/>
           </a:xfrm>
         </p:spPr>
         <p:txBody>
@@ -8192,14 +8148,14 @@
             </a:pPr>
             <a:r>
               <a:rPr lang="en-US" dirty="0"/>
-              <a:t>Returns one row per log record</a:t>
+              <a:t>Returns one row per VLF</a:t>
             </a:r>
           </a:p>
         </p:txBody>
       </p:sp>
       <p:pic>
         <p:nvPicPr>
-          <p:cNvPr id="4" name="Picture 3"/>
+          <p:cNvPr id="5" name="Picture 4"/>
           <p:cNvPicPr>
             <a:picLocks noChangeAspect="1"/>
           </p:cNvPicPr>
@@ -8213,8 +8169,8 @@
         </p:blipFill>
         <p:spPr>
           <a:xfrm>
-            <a:off x="457200" y="2025651"/>
-            <a:ext cx="7962900" cy="4032860"/>
+            <a:off x="457200" y="2084388"/>
+            <a:ext cx="8067675" cy="3634087"/>
           </a:xfrm>
           <a:prstGeom prst="rect">
             <a:avLst/>
@@ -8224,13 +8180,20 @@
     </p:spTree>
     <p:extLst>
       <p:ext uri="{BB962C8B-B14F-4D97-AF65-F5344CB8AC3E}">
-        <p14:creationId xmlns:p14="http://schemas.microsoft.com/office/powerpoint/2010/main" val="2370315233"/>
+        <p14:creationId xmlns:p14="http://schemas.microsoft.com/office/powerpoint/2010/main" val="3403567972"/>
       </p:ext>
     </p:extLst>
   </p:cSld>
   <p:clrMapOvr>
     <a:masterClrMapping/>
   </p:clrMapOvr>
+  <p:timing>
+    <p:tnLst>
+      <p:par>
+        <p:cTn id="1" dur="indefinite" restart="never" nodeType="tmRoot"/>
+      </p:par>
+    </p:tnLst>
+  </p:timing>
 </p:sld>
 </file>
 
@@ -8267,9 +8230,10 @@
           <a:lstStyle/>
           <a:p>
             <a:r>
-              <a:rPr lang="en-US" dirty="0"/>
-              <a:t>Related commands/function</a:t>
-            </a:r>
+              <a:rPr lang="en-US" dirty="0" smtClean="0"/>
+              <a:t>Demo</a:t>
+            </a:r>
+            <a:endParaRPr lang="en-US" dirty="0"/>
           </a:p>
         </p:txBody>
       </p:sp>
@@ -8288,42 +8252,12 @@
           <a:bodyPr/>
           <a:lstStyle/>
           <a:p>
-            <a:r>
-              <a:rPr lang="en-US" dirty="0"/>
-              <a:t>DBCC SQLPERF(LOGSPACE)</a:t>
-            </a:r>
-          </a:p>
-          <a:p>
-            <a:pPr lvl="1"/>
-            <a:r>
-              <a:rPr lang="en-US" dirty="0"/>
-              <a:t>Log size, percent used per database</a:t>
-            </a:r>
-          </a:p>
-          <a:p>
-            <a:r>
-              <a:rPr lang="en-US" dirty="0" err="1"/>
-              <a:t>fn_dump_dblog</a:t>
-            </a:r>
-            <a:endParaRPr lang="en-US" dirty="0"/>
-          </a:p>
-          <a:p>
-            <a:pPr lvl="1"/>
-            <a:r>
-              <a:rPr lang="en-US" dirty="0"/>
-              <a:t>Similar to </a:t>
-            </a:r>
-            <a:r>
-              <a:rPr lang="en-US" dirty="0" err="1"/>
-              <a:t>fn_dblog</a:t>
-            </a:r>
-            <a:r>
-              <a:rPr lang="en-US" dirty="0"/>
-              <a:t>, but reads </a:t>
-            </a:r>
-            <a:r>
-              <a:rPr lang="en-US"/>
-              <a:t>from backup file</a:t>
+            <a:pPr marL="0" indent="0">
+              <a:buNone/>
+            </a:pPr>
+            <a:r>
+              <a:rPr lang="en-US" dirty="0" smtClean="0"/>
+              <a:t>DBCC LOGINFO</a:t>
             </a:r>
             <a:endParaRPr lang="en-US" dirty="0"/>
           </a:p>
@@ -8332,7 +8266,7 @@
     </p:spTree>
     <p:extLst>
       <p:ext uri="{BB962C8B-B14F-4D97-AF65-F5344CB8AC3E}">
-        <p14:creationId xmlns:p14="http://schemas.microsoft.com/office/powerpoint/2010/main" val="961231621"/>
+        <p14:creationId xmlns:p14="http://schemas.microsoft.com/office/powerpoint/2010/main" val="4134537087"/>
       </p:ext>
     </p:extLst>
   </p:cSld>
@@ -8375,8 +8309,28 @@
           <a:lstStyle/>
           <a:p>
             <a:r>
-              <a:rPr lang="en-US" dirty="0"/>
-              <a:t>Checkpoint</a:t>
+              <a:rPr lang="en-US" dirty="0" err="1"/>
+              <a:t>fn_dblog</a:t>
+            </a:r>
+            <a:r>
+              <a:rPr lang="en-US" dirty="0"/>
+              <a:t>(</a:t>
+            </a:r>
+            <a:r>
+              <a:rPr lang="en-US" dirty="0" err="1"/>
+              <a:t>start_lsn</a:t>
+            </a:r>
+            <a:r>
+              <a:rPr lang="en-US" dirty="0"/>
+              <a:t>, </a:t>
+            </a:r>
+            <a:r>
+              <a:rPr lang="en-US" dirty="0" err="1"/>
+              <a:t>end_lsn</a:t>
+            </a:r>
+            <a:r>
+              <a:rPr lang="en-US" dirty="0"/>
+              <a:t>)</a:t>
             </a:r>
           </a:p>
         </p:txBody>
@@ -8391,41 +8345,67 @@
             <p:ph idx="1"/>
           </p:nvPr>
         </p:nvSpPr>
-        <p:spPr/>
+        <p:spPr>
+          <a:xfrm>
+            <a:off x="457200" y="1397001"/>
+            <a:ext cx="8229600" cy="704850"/>
+          </a:xfrm>
+        </p:spPr>
         <p:txBody>
           <a:bodyPr/>
           <a:lstStyle/>
-          <a:p>
-            <a:r>
-              <a:rPr lang="en-US" dirty="0"/>
-              <a:t>Process of writing dirty pages from the buffer pool to disk</a:t>
-            </a:r>
-          </a:p>
-          <a:p>
-            <a:pPr lvl="1"/>
-            <a:r>
-              <a:rPr lang="en-US" dirty="0"/>
-              <a:t>Irrespective of transaction completion</a:t>
-            </a:r>
-          </a:p>
           <a:p>
             <a:pPr marL="0" indent="0">
               <a:buNone/>
             </a:pPr>
-            <a:endParaRPr lang="en-US" dirty="0"/>
-          </a:p>
-        </p:txBody>
-      </p:sp>
+            <a:r>
+              <a:rPr lang="en-US" dirty="0"/>
+              <a:t>Returns one row per log record</a:t>
+            </a:r>
+          </a:p>
+        </p:txBody>
+      </p:sp>
+      <p:pic>
+        <p:nvPicPr>
+          <p:cNvPr id="4" name="Picture 3"/>
+          <p:cNvPicPr>
+            <a:picLocks noChangeAspect="1"/>
+          </p:cNvPicPr>
+          <p:nvPr/>
+        </p:nvPicPr>
+        <p:blipFill>
+          <a:blip r:embed="rId2"/>
+          <a:stretch>
+            <a:fillRect/>
+          </a:stretch>
+        </p:blipFill>
+        <p:spPr>
+          <a:xfrm>
+            <a:off x="457200" y="2025651"/>
+            <a:ext cx="7962900" cy="4032860"/>
+          </a:xfrm>
+          <a:prstGeom prst="rect">
+            <a:avLst/>
+          </a:prstGeom>
+        </p:spPr>
+      </p:pic>
     </p:spTree>
     <p:extLst>
       <p:ext uri="{BB962C8B-B14F-4D97-AF65-F5344CB8AC3E}">
-        <p14:creationId xmlns:p14="http://schemas.microsoft.com/office/powerpoint/2010/main" val="998445908"/>
+        <p14:creationId xmlns:p14="http://schemas.microsoft.com/office/powerpoint/2010/main" val="2370315233"/>
       </p:ext>
     </p:extLst>
   </p:cSld>
   <p:clrMapOvr>
     <a:masterClrMapping/>
   </p:clrMapOvr>
+  <p:timing>
+    <p:tnLst>
+      <p:par>
+        <p:cTn id="1" dur="indefinite" restart="never" nodeType="tmRoot"/>
+      </p:par>
+    </p:tnLst>
+  </p:timing>
 </p:sld>
 </file>
 
@@ -8462,9 +8442,10 @@
           <a:lstStyle/>
           <a:p>
             <a:r>
-              <a:rPr lang="en-US" dirty="0"/>
-              <a:t>Checkpoint Types</a:t>
-            </a:r>
+              <a:rPr lang="en-US" dirty="0" smtClean="0"/>
+              <a:t>Demo</a:t>
+            </a:r>
+            <a:endParaRPr lang="en-US" dirty="0"/>
           </a:p>
         </p:txBody>
       </p:sp>
@@ -8480,173 +8461,16 @@
         </p:nvSpPr>
         <p:spPr/>
         <p:txBody>
-          <a:bodyPr>
-            <a:normAutofit fontScale="92500" lnSpcReduction="20000"/>
-          </a:bodyPr>
+          <a:bodyPr/>
           <a:lstStyle/>
-          <a:p>
-            <a:r>
-              <a:rPr lang="en-US" dirty="0"/>
-              <a:t>Automatic</a:t>
-            </a:r>
-          </a:p>
-          <a:p>
-            <a:pPr lvl="1"/>
-            <a:r>
-              <a:rPr lang="en-US" dirty="0"/>
-              <a:t>Period background thread</a:t>
-            </a:r>
-          </a:p>
-          <a:p>
-            <a:pPr lvl="1"/>
-            <a:r>
-              <a:rPr lang="en-US" dirty="0"/>
-              <a:t>Instance-wide [</a:t>
-            </a:r>
-            <a:r>
-              <a:rPr lang="en-US" sz="1700" dirty="0" err="1">
-                <a:latin typeface="Courier New" panose="02070309020205020404" pitchFamily="49" charset="0"/>
-                <a:cs typeface="Courier New" panose="02070309020205020404" pitchFamily="49" charset="0"/>
-              </a:rPr>
-              <a:t>sp_configure</a:t>
-            </a:r>
-            <a:r>
-              <a:rPr lang="en-US" sz="1700" dirty="0">
-                <a:latin typeface="Courier New" panose="02070309020205020404" pitchFamily="49" charset="0"/>
-                <a:cs typeface="Courier New" panose="02070309020205020404" pitchFamily="49" charset="0"/>
-              </a:rPr>
-              <a:t> </a:t>
-            </a:r>
-            <a:r>
-              <a:rPr lang="en-US" sz="1800" dirty="0"/>
-              <a:t>'</a:t>
-            </a:r>
-            <a:r>
-              <a:rPr lang="en-US" sz="1700" dirty="0">
-                <a:latin typeface="Courier New" panose="02070309020205020404" pitchFamily="49" charset="0"/>
-                <a:cs typeface="Courier New" panose="02070309020205020404" pitchFamily="49" charset="0"/>
-              </a:rPr>
-              <a:t>recovery interval (</a:t>
-            </a:r>
-            <a:r>
-              <a:rPr lang="en-US" sz="1700">
-                <a:latin typeface="Courier New" panose="02070309020205020404" pitchFamily="49" charset="0"/>
-                <a:cs typeface="Courier New" panose="02070309020205020404" pitchFamily="49" charset="0"/>
-              </a:rPr>
-              <a:t>min)</a:t>
-            </a:r>
-            <a:r>
-              <a:rPr lang="en-US" sz="1600"/>
-              <a:t>'</a:t>
-            </a:r>
-            <a:r>
-              <a:rPr lang="en-US" sz="1700">
-                <a:latin typeface="Courier New" panose="02070309020205020404" pitchFamily="49" charset="0"/>
-                <a:cs typeface="Courier New" panose="02070309020205020404" pitchFamily="49" charset="0"/>
-              </a:rPr>
-              <a:t>, </a:t>
-            </a:r>
-            <a:r>
-              <a:rPr lang="en-US" sz="1700" dirty="0">
-                <a:latin typeface="Courier New" panose="02070309020205020404" pitchFamily="49" charset="0"/>
-                <a:cs typeface="Courier New" panose="02070309020205020404" pitchFamily="49" charset="0"/>
-              </a:rPr>
-              <a:t>2</a:t>
-            </a:r>
-            <a:r>
-              <a:rPr lang="en-US" dirty="0"/>
-              <a:t>]</a:t>
-            </a:r>
-          </a:p>
-          <a:p>
-            <a:r>
-              <a:rPr lang="en-US" dirty="0"/>
-              <a:t>Indirect (2012+)</a:t>
-            </a:r>
-          </a:p>
-          <a:p>
-            <a:pPr lvl="1"/>
-            <a:r>
-              <a:rPr lang="en-US" dirty="0"/>
-              <a:t>Database-specific</a:t>
-            </a:r>
-          </a:p>
-          <a:p>
-            <a:pPr lvl="1"/>
-            <a:r>
-              <a:rPr lang="en-US" dirty="0"/>
-              <a:t>[</a:t>
-            </a:r>
-            <a:r>
-              <a:rPr lang="en-US" sz="1700" dirty="0">
-                <a:latin typeface="Courier New" panose="02070309020205020404" pitchFamily="49" charset="0"/>
-                <a:cs typeface="Courier New" panose="02070309020205020404" pitchFamily="49" charset="0"/>
-              </a:rPr>
-              <a:t>alter database </a:t>
-            </a:r>
-            <a:r>
-              <a:rPr lang="en-US" sz="1700" dirty="0" err="1">
-                <a:latin typeface="Courier New" panose="02070309020205020404" pitchFamily="49" charset="0"/>
-                <a:cs typeface="Courier New" panose="02070309020205020404" pitchFamily="49" charset="0"/>
-              </a:rPr>
-              <a:t>myDB</a:t>
-            </a:r>
-            <a:r>
-              <a:rPr lang="en-US" sz="1700" dirty="0">
-                <a:latin typeface="Courier New" panose="02070309020205020404" pitchFamily="49" charset="0"/>
-                <a:cs typeface="Courier New" panose="02070309020205020404" pitchFamily="49" charset="0"/>
-              </a:rPr>
-              <a:t> set </a:t>
-            </a:r>
-            <a:r>
-              <a:rPr lang="en-US" sz="1700" dirty="0" err="1">
-                <a:latin typeface="Courier New" panose="02070309020205020404" pitchFamily="49" charset="0"/>
-                <a:cs typeface="Courier New" panose="02070309020205020404" pitchFamily="49" charset="0"/>
-              </a:rPr>
-              <a:t>target_recovery_time</a:t>
-            </a:r>
-            <a:r>
-              <a:rPr lang="en-US" sz="1700" dirty="0">
-                <a:latin typeface="Courier New" panose="02070309020205020404" pitchFamily="49" charset="0"/>
-                <a:cs typeface="Courier New" panose="02070309020205020404" pitchFamily="49" charset="0"/>
-              </a:rPr>
-              <a:t> = 2 minutes</a:t>
-            </a:r>
-            <a:r>
-              <a:rPr lang="en-US" dirty="0"/>
-              <a:t>]</a:t>
-            </a:r>
-          </a:p>
-          <a:p>
-            <a:r>
-              <a:rPr lang="en-US" dirty="0"/>
-              <a:t>Internal</a:t>
-            </a:r>
-          </a:p>
-          <a:p>
-            <a:pPr lvl="1"/>
-            <a:r>
-              <a:rPr lang="en-US" dirty="0"/>
-              <a:t>During operations such as backup, snapshots, shutdown</a:t>
-            </a:r>
-          </a:p>
-          <a:p>
-            <a:r>
-              <a:rPr lang="en-US" dirty="0"/>
-              <a:t>Manual</a:t>
-            </a:r>
-          </a:p>
-          <a:p>
-            <a:pPr lvl="1"/>
-            <a:r>
-              <a:rPr lang="en-US" dirty="0"/>
-              <a:t>CHECKPOINT command</a:t>
-            </a:r>
-          </a:p>
           <a:p>
             <a:pPr marL="0" indent="0">
               <a:buNone/>
             </a:pPr>
+            <a:r>
+              <a:rPr lang="en-US" dirty="0" err="1" smtClean="0"/>
+              <a:t>fn_dblog</a:t>
+            </a:r>
             <a:endParaRPr lang="en-US" dirty="0"/>
           </a:p>
         </p:txBody>
@@ -8654,7 +8478,7 @@
     </p:spTree>
     <p:extLst>
       <p:ext uri="{BB962C8B-B14F-4D97-AF65-F5344CB8AC3E}">
-        <p14:creationId xmlns:p14="http://schemas.microsoft.com/office/powerpoint/2010/main" val="2925193969"/>
+        <p14:creationId xmlns:p14="http://schemas.microsoft.com/office/powerpoint/2010/main" val="2250290301"/>
       </p:ext>
     </p:extLst>
   </p:cSld>
@@ -8697,10 +8521,9 @@
           <a:lstStyle/>
           <a:p>
             <a:r>
-              <a:rPr lang="en-US" dirty="0" smtClean="0"/>
-              <a:t>Checkpoint Process</a:t>
-            </a:r>
-            <a:endParaRPr lang="en-US" dirty="0"/>
+              <a:rPr lang="en-US" dirty="0"/>
+              <a:t>Related commands/function</a:t>
+            </a:r>
           </a:p>
         </p:txBody>
       </p:sp>
@@ -8720,45 +8543,41 @@
           <a:lstStyle/>
           <a:p>
             <a:r>
-              <a:rPr lang="en-US" dirty="0" smtClean="0"/>
-              <a:t>Write to log (checkpoint start)</a:t>
+              <a:rPr lang="en-US" dirty="0"/>
+              <a:t>DBCC SQLPERF(LOGSPACE)</a:t>
             </a:r>
           </a:p>
           <a:p>
             <a:pPr lvl="1"/>
             <a:r>
-              <a:rPr lang="en-US" dirty="0" smtClean="0"/>
-              <a:t>Also info about any uncommitted transactions</a:t>
-            </a:r>
-          </a:p>
-          <a:p>
-            <a:r>
-              <a:rPr lang="en-US" dirty="0" smtClean="0"/>
-              <a:t>Flush the log</a:t>
-            </a:r>
-          </a:p>
-          <a:p>
-            <a:r>
-              <a:rPr lang="en-US" dirty="0" smtClean="0"/>
-              <a:t>Identify dirty pages; write to disk</a:t>
-            </a:r>
-          </a:p>
-          <a:p>
-            <a:r>
-              <a:rPr lang="en-US" dirty="0" smtClean="0"/>
-              <a:t>Update boot page with log ID corresponding to checkpoint start</a:t>
-            </a:r>
-          </a:p>
-          <a:p>
-            <a:r>
-              <a:rPr lang="en-US" dirty="0" smtClean="0"/>
-              <a:t>Clear the log (SIMPLE recovery)</a:t>
-            </a:r>
-          </a:p>
-          <a:p>
-            <a:r>
-              <a:rPr lang="en-US" dirty="0" smtClean="0"/>
-              <a:t>Write to log (checkpoint finish)</a:t>
+              <a:rPr lang="en-US" dirty="0"/>
+              <a:t>Log size, percent used per database</a:t>
+            </a:r>
+          </a:p>
+          <a:p>
+            <a:r>
+              <a:rPr lang="en-US" dirty="0" err="1"/>
+              <a:t>fn_dump_dblog</a:t>
+            </a:r>
+            <a:endParaRPr lang="en-US" dirty="0"/>
+          </a:p>
+          <a:p>
+            <a:pPr lvl="1"/>
+            <a:r>
+              <a:rPr lang="en-US" dirty="0"/>
+              <a:t>Similar to </a:t>
+            </a:r>
+            <a:r>
+              <a:rPr lang="en-US" dirty="0" err="1"/>
+              <a:t>fn_dblog</a:t>
+            </a:r>
+            <a:r>
+              <a:rPr lang="en-US" dirty="0"/>
+              <a:t>, but reads </a:t>
+            </a:r>
+            <a:r>
+              <a:rPr lang="en-US"/>
+              <a:t>from backup file</a:t>
             </a:r>
             <a:endParaRPr lang="en-US" dirty="0"/>
           </a:p>
@@ -8767,7 +8586,7 @@
     </p:spTree>
     <p:extLst>
       <p:ext uri="{BB962C8B-B14F-4D97-AF65-F5344CB8AC3E}">
-        <p14:creationId xmlns:p14="http://schemas.microsoft.com/office/powerpoint/2010/main" val="348943073"/>
+        <p14:creationId xmlns:p14="http://schemas.microsoft.com/office/powerpoint/2010/main" val="961231621"/>
       </p:ext>
     </p:extLst>
   </p:cSld>
@@ -8811,7 +8630,7 @@
           <a:p>
             <a:r>
               <a:rPr lang="en-US" dirty="0"/>
-              <a:t>Flushing the Log</a:t>
+              <a:t>Checkpoint</a:t>
             </a:r>
           </a:p>
         </p:txBody>
@@ -8833,49 +8652,28 @@
           <a:p>
             <a:r>
               <a:rPr lang="en-US" dirty="0"/>
-              <a:t>Flushing = closing a log block</a:t>
-            </a:r>
-          </a:p>
-          <a:p>
-            <a:r>
-              <a:rPr lang="en-US" dirty="0"/>
-              <a:t>Triggers</a:t>
+              <a:t>Process of writing dirty pages from the buffer pool to disk</a:t>
             </a:r>
           </a:p>
           <a:p>
             <a:pPr lvl="1"/>
             <a:r>
               <a:rPr lang="en-US" dirty="0"/>
-              <a:t>60K limit reached</a:t>
-            </a:r>
-          </a:p>
-          <a:p>
-            <a:pPr lvl="1"/>
-            <a:r>
-              <a:rPr lang="en-US" dirty="0"/>
-              <a:t>Transaction commits</a:t>
-            </a:r>
-          </a:p>
-          <a:p>
-            <a:pPr lvl="1"/>
-            <a:r>
-              <a:rPr lang="en-US" dirty="0"/>
-              <a:t>Transaction rollbacks</a:t>
-            </a:r>
-          </a:p>
-          <a:p>
-            <a:pPr lvl="1"/>
-            <a:r>
-              <a:rPr lang="en-US" dirty="0"/>
-              <a:t>Checkpoint</a:t>
-            </a:r>
+              <a:t>Irrespective of transaction completion</a:t>
+            </a:r>
+          </a:p>
+          <a:p>
+            <a:pPr marL="0" indent="0">
+              <a:buNone/>
+            </a:pPr>
+            <a:endParaRPr lang="en-US" dirty="0"/>
           </a:p>
         </p:txBody>
       </p:sp>
     </p:spTree>
     <p:extLst>
       <p:ext uri="{BB962C8B-B14F-4D97-AF65-F5344CB8AC3E}">
-        <p14:creationId xmlns:p14="http://schemas.microsoft.com/office/powerpoint/2010/main" val="4039889923"/>
+        <p14:creationId xmlns:p14="http://schemas.microsoft.com/office/powerpoint/2010/main" val="998445908"/>
       </p:ext>
     </p:extLst>
   </p:cSld>
@@ -9023,7 +8821,7 @@
           <a:p>
             <a:r>
               <a:rPr lang="en-US" dirty="0"/>
-              <a:t>Recovery Models</a:t>
+              <a:t>Checkpoint Types</a:t>
             </a:r>
           </a:p>
         </p:txBody>
@@ -9041,88 +8839,172 @@
         <p:spPr/>
         <p:txBody>
           <a:bodyPr>
-            <a:normAutofit fontScale="92500" lnSpcReduction="10000"/>
+            <a:normAutofit fontScale="92500" lnSpcReduction="20000"/>
           </a:bodyPr>
           <a:lstStyle/>
           <a:p>
             <a:r>
               <a:rPr lang="en-US" dirty="0"/>
-              <a:t>Impacts how SQL logs changes</a:t>
+              <a:t>Automatic</a:t>
             </a:r>
           </a:p>
           <a:p>
             <a:pPr lvl="1"/>
             <a:r>
               <a:rPr lang="en-US" dirty="0"/>
-              <a:t>Simple recovery model</a:t>
-            </a:r>
-          </a:p>
-          <a:p>
-            <a:pPr lvl="2"/>
-            <a:r>
-              <a:rPr lang="en-US" dirty="0"/>
-              <a:t>All changes logged, but can be discarded on commit</a:t>
-            </a:r>
-          </a:p>
-          <a:p>
-            <a:pPr lvl="2"/>
-            <a:r>
-              <a:rPr lang="en-US" dirty="0"/>
-              <a:t>Can only recover to the latest full backup</a:t>
+              <a:t>Period background thread</a:t>
             </a:r>
           </a:p>
           <a:p>
             <a:pPr lvl="1"/>
             <a:r>
               <a:rPr lang="en-US" dirty="0"/>
-              <a:t>Full recovery model</a:t>
-            </a:r>
-          </a:p>
-          <a:p>
-            <a:pPr lvl="2"/>
-            <a:r>
-              <a:rPr lang="en-US" dirty="0"/>
-              <a:t>Log records must be kept until log backup completed</a:t>
-            </a:r>
-          </a:p>
-          <a:p>
-            <a:pPr lvl="2"/>
-            <a:r>
-              <a:rPr lang="en-US" dirty="0"/>
-              <a:t>Can recover to an arbitrary point in time</a:t>
+              <a:t>Instance-wide [</a:t>
+            </a:r>
+            <a:r>
+              <a:rPr lang="en-US" sz="1700" dirty="0" err="1">
+                <a:latin typeface="Courier New" panose="02070309020205020404" pitchFamily="49" charset="0"/>
+                <a:cs typeface="Courier New" panose="02070309020205020404" pitchFamily="49" charset="0"/>
+              </a:rPr>
+              <a:t>sp_configure</a:t>
+            </a:r>
+            <a:r>
+              <a:rPr lang="en-US" sz="1700" dirty="0">
+                <a:latin typeface="Courier New" panose="02070309020205020404" pitchFamily="49" charset="0"/>
+                <a:cs typeface="Courier New" panose="02070309020205020404" pitchFamily="49" charset="0"/>
+              </a:rPr>
+              <a:t> </a:t>
+            </a:r>
+            <a:r>
+              <a:rPr lang="en-US" sz="1800" dirty="0"/>
+              <a:t>'</a:t>
+            </a:r>
+            <a:r>
+              <a:rPr lang="en-US" sz="1700" dirty="0">
+                <a:latin typeface="Courier New" panose="02070309020205020404" pitchFamily="49" charset="0"/>
+                <a:cs typeface="Courier New" panose="02070309020205020404" pitchFamily="49" charset="0"/>
+              </a:rPr>
+              <a:t>recovery interval (</a:t>
+            </a:r>
+            <a:r>
+              <a:rPr lang="en-US" sz="1700">
+                <a:latin typeface="Courier New" panose="02070309020205020404" pitchFamily="49" charset="0"/>
+                <a:cs typeface="Courier New" panose="02070309020205020404" pitchFamily="49" charset="0"/>
+              </a:rPr>
+              <a:t>min)</a:t>
+            </a:r>
+            <a:r>
+              <a:rPr lang="en-US" sz="1600"/>
+              <a:t>'</a:t>
+            </a:r>
+            <a:r>
+              <a:rPr lang="en-US" sz="1700">
+                <a:latin typeface="Courier New" panose="02070309020205020404" pitchFamily="49" charset="0"/>
+                <a:cs typeface="Courier New" panose="02070309020205020404" pitchFamily="49" charset="0"/>
+              </a:rPr>
+              <a:t>, </a:t>
+            </a:r>
+            <a:r>
+              <a:rPr lang="en-US" sz="1700" dirty="0">
+                <a:latin typeface="Courier New" panose="02070309020205020404" pitchFamily="49" charset="0"/>
+                <a:cs typeface="Courier New" panose="02070309020205020404" pitchFamily="49" charset="0"/>
+              </a:rPr>
+              <a:t>2</a:t>
+            </a:r>
+            <a:r>
+              <a:rPr lang="en-US" dirty="0"/>
+              <a:t>]</a:t>
+            </a:r>
+          </a:p>
+          <a:p>
+            <a:r>
+              <a:rPr lang="en-US" dirty="0"/>
+              <a:t>Indirect (2012+)</a:t>
             </a:r>
           </a:p>
           <a:p>
             <a:pPr lvl="1"/>
             <a:r>
               <a:rPr lang="en-US" dirty="0"/>
-              <a:t>Bulk-logged recovery model</a:t>
-            </a:r>
-          </a:p>
-          <a:p>
-            <a:pPr lvl="2"/>
-            <a:r>
-              <a:rPr lang="en-US" dirty="0"/>
-              <a:t>Similar to full model, but some changes are only “noted” rather than fully logged</a:t>
-            </a:r>
-          </a:p>
-          <a:p>
-            <a:pPr lvl="2"/>
-            <a:r>
-              <a:rPr lang="en-US" dirty="0"/>
-              <a:t>Log backups still include all changes</a:t>
-            </a:r>
-          </a:p>
-          <a:p>
-            <a:pPr lvl="2"/>
-            <a:r>
-              <a:rPr lang="en-US" dirty="0"/>
-              <a:t>Point-in-time recovery </a:t>
-            </a:r>
-            <a:r>
-              <a:rPr lang="en-US"/>
-              <a:t>not possible</a:t>
-            </a:r>
+              <a:t>Database-specific</a:t>
+            </a:r>
+          </a:p>
+          <a:p>
+            <a:pPr lvl="1"/>
+            <a:r>
+              <a:rPr lang="en-US" dirty="0"/>
+              <a:t>[</a:t>
+            </a:r>
+            <a:r>
+              <a:rPr lang="en-US" sz="1700" dirty="0">
+                <a:latin typeface="Courier New" panose="02070309020205020404" pitchFamily="49" charset="0"/>
+                <a:cs typeface="Courier New" panose="02070309020205020404" pitchFamily="49" charset="0"/>
+              </a:rPr>
+              <a:t>alter database </a:t>
+            </a:r>
+            <a:r>
+              <a:rPr lang="en-US" sz="1700" dirty="0" err="1">
+                <a:latin typeface="Courier New" panose="02070309020205020404" pitchFamily="49" charset="0"/>
+                <a:cs typeface="Courier New" panose="02070309020205020404" pitchFamily="49" charset="0"/>
+              </a:rPr>
+              <a:t>myDB</a:t>
+            </a:r>
+            <a:r>
+              <a:rPr lang="en-US" sz="1700" dirty="0">
+                <a:latin typeface="Courier New" panose="02070309020205020404" pitchFamily="49" charset="0"/>
+                <a:cs typeface="Courier New" panose="02070309020205020404" pitchFamily="49" charset="0"/>
+              </a:rPr>
+              <a:t> set </a:t>
+            </a:r>
+            <a:r>
+              <a:rPr lang="en-US" sz="1700" dirty="0" err="1">
+                <a:latin typeface="Courier New" panose="02070309020205020404" pitchFamily="49" charset="0"/>
+                <a:cs typeface="Courier New" panose="02070309020205020404" pitchFamily="49" charset="0"/>
+              </a:rPr>
+              <a:t>target_recovery_time</a:t>
+            </a:r>
+            <a:r>
+              <a:rPr lang="en-US" sz="1700" dirty="0">
+                <a:latin typeface="Courier New" panose="02070309020205020404" pitchFamily="49" charset="0"/>
+                <a:cs typeface="Courier New" panose="02070309020205020404" pitchFamily="49" charset="0"/>
+              </a:rPr>
+              <a:t> = 2 minutes</a:t>
+            </a:r>
+            <a:r>
+              <a:rPr lang="en-US" dirty="0"/>
+              <a:t>]</a:t>
+            </a:r>
+          </a:p>
+          <a:p>
+            <a:r>
+              <a:rPr lang="en-US" dirty="0"/>
+              <a:t>Internal</a:t>
+            </a:r>
+          </a:p>
+          <a:p>
+            <a:pPr lvl="1"/>
+            <a:r>
+              <a:rPr lang="en-US" dirty="0"/>
+              <a:t>During operations such as backup, snapshots, shutdown</a:t>
+            </a:r>
+          </a:p>
+          <a:p>
+            <a:r>
+              <a:rPr lang="en-US" dirty="0"/>
+              <a:t>Manual</a:t>
+            </a:r>
+          </a:p>
+          <a:p>
+            <a:pPr lvl="1"/>
+            <a:r>
+              <a:rPr lang="en-US" dirty="0"/>
+              <a:t>CHECKPOINT command</a:t>
+            </a:r>
+          </a:p>
+          <a:p>
+            <a:pPr marL="0" indent="0">
+              <a:buNone/>
+            </a:pPr>
             <a:endParaRPr lang="en-US" dirty="0"/>
           </a:p>
         </p:txBody>
@@ -9130,7 +9012,7 @@
     </p:spTree>
     <p:extLst>
       <p:ext uri="{BB962C8B-B14F-4D97-AF65-F5344CB8AC3E}">
-        <p14:creationId xmlns:p14="http://schemas.microsoft.com/office/powerpoint/2010/main" val="3098932775"/>
+        <p14:creationId xmlns:p14="http://schemas.microsoft.com/office/powerpoint/2010/main" val="2925193969"/>
       </p:ext>
     </p:extLst>
   </p:cSld>
@@ -9173,9 +9055,10 @@
           <a:lstStyle/>
           <a:p>
             <a:r>
-              <a:rPr lang="en-US" dirty="0"/>
-              <a:t>Clearing the Log</a:t>
-            </a:r>
+              <a:rPr lang="en-US" dirty="0" smtClean="0"/>
+              <a:t>Checkpoint Process</a:t>
+            </a:r>
+            <a:endParaRPr lang="en-US" dirty="0"/>
           </a:p>
         </p:txBody>
       </p:sp>
@@ -9195,77 +9078,46 @@
           <a:lstStyle/>
           <a:p>
             <a:r>
-              <a:rPr lang="en-US" dirty="0"/>
-              <a:t>Marks unneeded portions of log as inactive</a:t>
-            </a:r>
-          </a:p>
-          <a:p>
-            <a:r>
-              <a:rPr lang="en-US" dirty="0"/>
-              <a:t>Triggers:</a:t>
+              <a:rPr lang="en-US" dirty="0" smtClean="0"/>
+              <a:t>Write to log (checkpoint start)</a:t>
             </a:r>
           </a:p>
           <a:p>
             <a:pPr lvl="1"/>
             <a:r>
-              <a:rPr lang="en-US" dirty="0"/>
-              <a:t>Simple recovery: Checkpoint</a:t>
-            </a:r>
-          </a:p>
-          <a:p>
-            <a:pPr lvl="1"/>
-            <a:r>
-              <a:rPr lang="en-US" dirty="0"/>
-              <a:t>Full/bulked-log: Log Backup</a:t>
-            </a:r>
-          </a:p>
-          <a:p>
-            <a:r>
-              <a:rPr lang="en-US" dirty="0"/>
-              <a:t>Why can’t the log clear?</a:t>
-            </a:r>
-          </a:p>
-          <a:p>
-            <a:pPr lvl="1"/>
-            <a:r>
-              <a:rPr lang="en-US" dirty="0"/>
-              <a:t>Pending log backup</a:t>
-            </a:r>
-          </a:p>
-          <a:p>
-            <a:pPr lvl="1"/>
-            <a:r>
-              <a:rPr lang="en-US" dirty="0"/>
-              <a:t>Active replication / CDC / AG / mirroring</a:t>
-            </a:r>
-          </a:p>
-          <a:p>
-            <a:pPr lvl="1"/>
-            <a:r>
-              <a:rPr lang="en-US" dirty="0"/>
-              <a:t>Long-running transaction</a:t>
-            </a:r>
-          </a:p>
-          <a:p>
-            <a:pPr lvl="1"/>
-            <a:r>
-              <a:rPr lang="en-US" dirty="0"/>
-              <a:t>See </a:t>
-            </a:r>
-            <a:r>
-              <a:rPr lang="en-US" sz="2000" b="1" dirty="0" err="1">
-                <a:latin typeface="Courier New" panose="02070309020205020404" pitchFamily="49" charset="0"/>
-                <a:cs typeface="Courier New" panose="02070309020205020404" pitchFamily="49" charset="0"/>
-              </a:rPr>
-              <a:t>sys.databases.log_reuse_wait_desc</a:t>
-            </a:r>
-            <a:endParaRPr lang="en-US" sz="2000" b="1" dirty="0">
-              <a:latin typeface="Courier New" panose="02070309020205020404" pitchFamily="49" charset="0"/>
-              <a:cs typeface="Courier New" panose="02070309020205020404" pitchFamily="49" charset="0"/>
-            </a:endParaRPr>
-          </a:p>
-          <a:p>
-            <a:pPr lvl="1"/>
+              <a:rPr lang="en-US" dirty="0" smtClean="0"/>
+              <a:t>Also info about any uncommitted transactions</a:t>
+            </a:r>
+          </a:p>
+          <a:p>
+            <a:r>
+              <a:rPr lang="en-US" dirty="0" smtClean="0"/>
+              <a:t>Flush the log</a:t>
+            </a:r>
+          </a:p>
+          <a:p>
+            <a:r>
+              <a:rPr lang="en-US" dirty="0" smtClean="0"/>
+              <a:t>Identify dirty pages; write to disk</a:t>
+            </a:r>
+          </a:p>
+          <a:p>
+            <a:r>
+              <a:rPr lang="en-US" dirty="0" smtClean="0"/>
+              <a:t>Update boot page with log ID corresponding to checkpoint start</a:t>
+            </a:r>
+          </a:p>
+          <a:p>
+            <a:r>
+              <a:rPr lang="en-US" dirty="0" smtClean="0"/>
+              <a:t>Clear the log (SIMPLE recovery)</a:t>
+            </a:r>
+          </a:p>
+          <a:p>
+            <a:r>
+              <a:rPr lang="en-US" dirty="0" smtClean="0"/>
+              <a:t>Write to log (checkpoint finish)</a:t>
+            </a:r>
             <a:endParaRPr lang="en-US" dirty="0"/>
           </a:p>
         </p:txBody>
@@ -9273,7 +9125,7 @@
     </p:spTree>
     <p:extLst>
       <p:ext uri="{BB962C8B-B14F-4D97-AF65-F5344CB8AC3E}">
-        <p14:creationId xmlns:p14="http://schemas.microsoft.com/office/powerpoint/2010/main" val="4028217354"/>
+        <p14:creationId xmlns:p14="http://schemas.microsoft.com/office/powerpoint/2010/main" val="348943073"/>
       </p:ext>
     </p:extLst>
   </p:cSld>
@@ -9317,6 +9169,408 @@
           <a:p>
             <a:r>
               <a:rPr lang="en-US" dirty="0"/>
+              <a:t>Flushing the Log</a:t>
+            </a:r>
+          </a:p>
+        </p:txBody>
+      </p:sp>
+      <p:sp>
+        <p:nvSpPr>
+          <p:cNvPr id="3" name="Content Placeholder 2"/>
+          <p:cNvSpPr>
+            <a:spLocks noGrp="1"/>
+          </p:cNvSpPr>
+          <p:nvPr>
+            <p:ph idx="1"/>
+          </p:nvPr>
+        </p:nvSpPr>
+        <p:spPr/>
+        <p:txBody>
+          <a:bodyPr/>
+          <a:lstStyle/>
+          <a:p>
+            <a:r>
+              <a:rPr lang="en-US" dirty="0"/>
+              <a:t>Flushing = closing a log block</a:t>
+            </a:r>
+          </a:p>
+          <a:p>
+            <a:r>
+              <a:rPr lang="en-US" dirty="0"/>
+              <a:t>Triggers</a:t>
+            </a:r>
+          </a:p>
+          <a:p>
+            <a:pPr lvl="1"/>
+            <a:r>
+              <a:rPr lang="en-US" dirty="0"/>
+              <a:t>60K limit reached</a:t>
+            </a:r>
+          </a:p>
+          <a:p>
+            <a:pPr lvl="1"/>
+            <a:r>
+              <a:rPr lang="en-US" dirty="0"/>
+              <a:t>Transaction commits</a:t>
+            </a:r>
+          </a:p>
+          <a:p>
+            <a:pPr lvl="1"/>
+            <a:r>
+              <a:rPr lang="en-US" dirty="0"/>
+              <a:t>Transaction rollbacks</a:t>
+            </a:r>
+          </a:p>
+          <a:p>
+            <a:pPr lvl="1"/>
+            <a:r>
+              <a:rPr lang="en-US" dirty="0"/>
+              <a:t>Checkpoint</a:t>
+            </a:r>
+          </a:p>
+        </p:txBody>
+      </p:sp>
+    </p:spTree>
+    <p:extLst>
+      <p:ext uri="{BB962C8B-B14F-4D97-AF65-F5344CB8AC3E}">
+        <p14:creationId xmlns:p14="http://schemas.microsoft.com/office/powerpoint/2010/main" val="4039889923"/>
+      </p:ext>
+    </p:extLst>
+  </p:cSld>
+  <p:clrMapOvr>
+    <a:masterClrMapping/>
+  </p:clrMapOvr>
+</p:sld>
+</file>
+
+<file path=ppt/slides/slide33.xml><?xml version="1.0" encoding="utf-8"?>
+<p:sld xmlns:a="http://schemas.openxmlformats.org/drawingml/2006/main" xmlns:r="http://schemas.openxmlformats.org/officeDocument/2006/relationships" xmlns:p="http://schemas.openxmlformats.org/presentationml/2006/main">
+  <p:cSld>
+    <p:spTree>
+      <p:nvGrpSpPr>
+        <p:cNvPr id="1" name=""/>
+        <p:cNvGrpSpPr/>
+        <p:nvPr/>
+      </p:nvGrpSpPr>
+      <p:grpSpPr>
+        <a:xfrm>
+          <a:off x="0" y="0"/>
+          <a:ext cx="0" cy="0"/>
+          <a:chOff x="0" y="0"/>
+          <a:chExt cx="0" cy="0"/>
+        </a:xfrm>
+      </p:grpSpPr>
+      <p:sp>
+        <p:nvSpPr>
+          <p:cNvPr id="2" name="Title 1"/>
+          <p:cNvSpPr>
+            <a:spLocks noGrp="1"/>
+          </p:cNvSpPr>
+          <p:nvPr>
+            <p:ph type="title"/>
+          </p:nvPr>
+        </p:nvSpPr>
+        <p:spPr/>
+        <p:txBody>
+          <a:bodyPr/>
+          <a:lstStyle/>
+          <a:p>
+            <a:r>
+              <a:rPr lang="en-US" dirty="0"/>
+              <a:t>Recovery Models</a:t>
+            </a:r>
+          </a:p>
+        </p:txBody>
+      </p:sp>
+      <p:sp>
+        <p:nvSpPr>
+          <p:cNvPr id="3" name="Content Placeholder 2"/>
+          <p:cNvSpPr>
+            <a:spLocks noGrp="1"/>
+          </p:cNvSpPr>
+          <p:nvPr>
+            <p:ph idx="1"/>
+          </p:nvPr>
+        </p:nvSpPr>
+        <p:spPr/>
+        <p:txBody>
+          <a:bodyPr>
+            <a:normAutofit fontScale="92500" lnSpcReduction="10000"/>
+          </a:bodyPr>
+          <a:lstStyle/>
+          <a:p>
+            <a:r>
+              <a:rPr lang="en-US" dirty="0"/>
+              <a:t>Impacts how SQL logs changes</a:t>
+            </a:r>
+          </a:p>
+          <a:p>
+            <a:pPr lvl="1"/>
+            <a:r>
+              <a:rPr lang="en-US" dirty="0"/>
+              <a:t>Simple recovery model</a:t>
+            </a:r>
+          </a:p>
+          <a:p>
+            <a:pPr lvl="2"/>
+            <a:r>
+              <a:rPr lang="en-US" dirty="0"/>
+              <a:t>All changes logged, but can be discarded on commit</a:t>
+            </a:r>
+          </a:p>
+          <a:p>
+            <a:pPr lvl="2"/>
+            <a:r>
+              <a:rPr lang="en-US" dirty="0"/>
+              <a:t>Can only recover to the latest full backup</a:t>
+            </a:r>
+          </a:p>
+          <a:p>
+            <a:pPr lvl="1"/>
+            <a:r>
+              <a:rPr lang="en-US" dirty="0"/>
+              <a:t>Full recovery model</a:t>
+            </a:r>
+          </a:p>
+          <a:p>
+            <a:pPr lvl="2"/>
+            <a:r>
+              <a:rPr lang="en-US" dirty="0"/>
+              <a:t>Log records must be kept until log backup completed</a:t>
+            </a:r>
+          </a:p>
+          <a:p>
+            <a:pPr lvl="2"/>
+            <a:r>
+              <a:rPr lang="en-US" dirty="0"/>
+              <a:t>Can recover to an arbitrary point in time</a:t>
+            </a:r>
+          </a:p>
+          <a:p>
+            <a:pPr lvl="1"/>
+            <a:r>
+              <a:rPr lang="en-US" dirty="0"/>
+              <a:t>Bulk-logged recovery model</a:t>
+            </a:r>
+          </a:p>
+          <a:p>
+            <a:pPr lvl="2"/>
+            <a:r>
+              <a:rPr lang="en-US" dirty="0"/>
+              <a:t>Similar to full model, but some changes are only “noted” rather than fully logged</a:t>
+            </a:r>
+          </a:p>
+          <a:p>
+            <a:pPr lvl="2"/>
+            <a:r>
+              <a:rPr lang="en-US" dirty="0"/>
+              <a:t>Log backups still include all changes</a:t>
+            </a:r>
+          </a:p>
+          <a:p>
+            <a:pPr lvl="2"/>
+            <a:r>
+              <a:rPr lang="en-US" dirty="0"/>
+              <a:t>Point-in-time recovery </a:t>
+            </a:r>
+            <a:r>
+              <a:rPr lang="en-US"/>
+              <a:t>not possible</a:t>
+            </a:r>
+            <a:endParaRPr lang="en-US" dirty="0"/>
+          </a:p>
+        </p:txBody>
+      </p:sp>
+    </p:spTree>
+    <p:extLst>
+      <p:ext uri="{BB962C8B-B14F-4D97-AF65-F5344CB8AC3E}">
+        <p14:creationId xmlns:p14="http://schemas.microsoft.com/office/powerpoint/2010/main" val="3098932775"/>
+      </p:ext>
+    </p:extLst>
+  </p:cSld>
+  <p:clrMapOvr>
+    <a:masterClrMapping/>
+  </p:clrMapOvr>
+</p:sld>
+</file>
+
+<file path=ppt/slides/slide34.xml><?xml version="1.0" encoding="utf-8"?>
+<p:sld xmlns:a="http://schemas.openxmlformats.org/drawingml/2006/main" xmlns:r="http://schemas.openxmlformats.org/officeDocument/2006/relationships" xmlns:p="http://schemas.openxmlformats.org/presentationml/2006/main">
+  <p:cSld>
+    <p:spTree>
+      <p:nvGrpSpPr>
+        <p:cNvPr id="1" name=""/>
+        <p:cNvGrpSpPr/>
+        <p:nvPr/>
+      </p:nvGrpSpPr>
+      <p:grpSpPr>
+        <a:xfrm>
+          <a:off x="0" y="0"/>
+          <a:ext cx="0" cy="0"/>
+          <a:chOff x="0" y="0"/>
+          <a:chExt cx="0" cy="0"/>
+        </a:xfrm>
+      </p:grpSpPr>
+      <p:sp>
+        <p:nvSpPr>
+          <p:cNvPr id="2" name="Title 1"/>
+          <p:cNvSpPr>
+            <a:spLocks noGrp="1"/>
+          </p:cNvSpPr>
+          <p:nvPr>
+            <p:ph type="title"/>
+          </p:nvPr>
+        </p:nvSpPr>
+        <p:spPr/>
+        <p:txBody>
+          <a:bodyPr/>
+          <a:lstStyle/>
+          <a:p>
+            <a:r>
+              <a:rPr lang="en-US" dirty="0"/>
+              <a:t>Clearing the Log</a:t>
+            </a:r>
+          </a:p>
+        </p:txBody>
+      </p:sp>
+      <p:sp>
+        <p:nvSpPr>
+          <p:cNvPr id="3" name="Content Placeholder 2"/>
+          <p:cNvSpPr>
+            <a:spLocks noGrp="1"/>
+          </p:cNvSpPr>
+          <p:nvPr>
+            <p:ph idx="1"/>
+          </p:nvPr>
+        </p:nvSpPr>
+        <p:spPr/>
+        <p:txBody>
+          <a:bodyPr/>
+          <a:lstStyle/>
+          <a:p>
+            <a:r>
+              <a:rPr lang="en-US" dirty="0"/>
+              <a:t>Marks unneeded portions of log as inactive</a:t>
+            </a:r>
+          </a:p>
+          <a:p>
+            <a:r>
+              <a:rPr lang="en-US" dirty="0"/>
+              <a:t>Triggers:</a:t>
+            </a:r>
+          </a:p>
+          <a:p>
+            <a:pPr lvl="1"/>
+            <a:r>
+              <a:rPr lang="en-US" dirty="0"/>
+              <a:t>Simple recovery: Checkpoint</a:t>
+            </a:r>
+          </a:p>
+          <a:p>
+            <a:pPr lvl="1"/>
+            <a:r>
+              <a:rPr lang="en-US" dirty="0"/>
+              <a:t>Full/bulked-log: Log Backup</a:t>
+            </a:r>
+          </a:p>
+          <a:p>
+            <a:r>
+              <a:rPr lang="en-US" dirty="0"/>
+              <a:t>Why can’t the log clear?</a:t>
+            </a:r>
+          </a:p>
+          <a:p>
+            <a:pPr lvl="1"/>
+            <a:r>
+              <a:rPr lang="en-US" dirty="0"/>
+              <a:t>Pending log backup</a:t>
+            </a:r>
+          </a:p>
+          <a:p>
+            <a:pPr lvl="1"/>
+            <a:r>
+              <a:rPr lang="en-US" dirty="0"/>
+              <a:t>Active replication / CDC / AG / mirroring</a:t>
+            </a:r>
+          </a:p>
+          <a:p>
+            <a:pPr lvl="1"/>
+            <a:r>
+              <a:rPr lang="en-US" dirty="0"/>
+              <a:t>Long-running transaction</a:t>
+            </a:r>
+          </a:p>
+          <a:p>
+            <a:pPr lvl="1"/>
+            <a:r>
+              <a:rPr lang="en-US" dirty="0"/>
+              <a:t>See </a:t>
+            </a:r>
+            <a:r>
+              <a:rPr lang="en-US" sz="2000" b="1" dirty="0" err="1">
+                <a:latin typeface="Courier New" panose="02070309020205020404" pitchFamily="49" charset="0"/>
+                <a:cs typeface="Courier New" panose="02070309020205020404" pitchFamily="49" charset="0"/>
+              </a:rPr>
+              <a:t>sys.databases.log_reuse_wait_desc</a:t>
+            </a:r>
+            <a:endParaRPr lang="en-US" sz="2000" b="1" dirty="0">
+              <a:latin typeface="Courier New" panose="02070309020205020404" pitchFamily="49" charset="0"/>
+              <a:cs typeface="Courier New" panose="02070309020205020404" pitchFamily="49" charset="0"/>
+            </a:endParaRPr>
+          </a:p>
+          <a:p>
+            <a:pPr lvl="1"/>
+            <a:endParaRPr lang="en-US" dirty="0"/>
+          </a:p>
+        </p:txBody>
+      </p:sp>
+    </p:spTree>
+    <p:extLst>
+      <p:ext uri="{BB962C8B-B14F-4D97-AF65-F5344CB8AC3E}">
+        <p14:creationId xmlns:p14="http://schemas.microsoft.com/office/powerpoint/2010/main" val="4028217354"/>
+      </p:ext>
+    </p:extLst>
+  </p:cSld>
+  <p:clrMapOvr>
+    <a:masterClrMapping/>
+  </p:clrMapOvr>
+</p:sld>
+</file>
+
+<file path=ppt/slides/slide35.xml><?xml version="1.0" encoding="utf-8"?>
+<p:sld xmlns:a="http://schemas.openxmlformats.org/drawingml/2006/main" xmlns:r="http://schemas.openxmlformats.org/officeDocument/2006/relationships" xmlns:p="http://schemas.openxmlformats.org/presentationml/2006/main">
+  <p:cSld>
+    <p:spTree>
+      <p:nvGrpSpPr>
+        <p:cNvPr id="1" name=""/>
+        <p:cNvGrpSpPr/>
+        <p:nvPr/>
+      </p:nvGrpSpPr>
+      <p:grpSpPr>
+        <a:xfrm>
+          <a:off x="0" y="0"/>
+          <a:ext cx="0" cy="0"/>
+          <a:chOff x="0" y="0"/>
+          <a:chExt cx="0" cy="0"/>
+        </a:xfrm>
+      </p:grpSpPr>
+      <p:sp>
+        <p:nvSpPr>
+          <p:cNvPr id="2" name="Title 1"/>
+          <p:cNvSpPr>
+            <a:spLocks noGrp="1"/>
+          </p:cNvSpPr>
+          <p:nvPr>
+            <p:ph type="title"/>
+          </p:nvPr>
+        </p:nvSpPr>
+        <p:spPr/>
+        <p:txBody>
+          <a:bodyPr/>
+          <a:lstStyle/>
+          <a:p>
+            <a:r>
+              <a:rPr lang="en-US" dirty="0"/>
               <a:t>Creating new VLFs</a:t>
             </a:r>
           </a:p>
@@ -9382,14 +9636,14 @@
                 <a:gridCol w="3048000">
                   <a:extLst>
                     <a:ext uri="{9D8B030D-6E8A-4147-A177-3AD203B41FA5}">
-                      <a16:colId xmlns:a16="http://schemas.microsoft.com/office/drawing/2014/main" xmlns="" val="20000"/>
+                      <a16:colId xmlns="" xmlns:a16="http://schemas.microsoft.com/office/drawing/2014/main" val="20000"/>
                     </a:ext>
                   </a:extLst>
                 </a:gridCol>
                 <a:gridCol w="3048000">
                   <a:extLst>
                     <a:ext uri="{9D8B030D-6E8A-4147-A177-3AD203B41FA5}">
-                      <a16:colId xmlns:a16="http://schemas.microsoft.com/office/drawing/2014/main" xmlns="" val="20001"/>
+                      <a16:colId xmlns="" xmlns:a16="http://schemas.microsoft.com/office/drawing/2014/main" val="20001"/>
                     </a:ext>
                   </a:extLst>
                 </a:gridCol>
@@ -9435,7 +9689,7 @@
                 </a:tc>
                 <a:extLst>
                   <a:ext uri="{0D108BD9-81ED-4DB2-BD59-A6C34878D82A}">
-                    <a16:rowId xmlns:a16="http://schemas.microsoft.com/office/drawing/2014/main" xmlns="" val="10000"/>
+                    <a16:rowId xmlns="" xmlns:a16="http://schemas.microsoft.com/office/drawing/2014/main" val="10000"/>
                   </a:ext>
                 </a:extLst>
               </a:tr>
@@ -9470,7 +9724,7 @@
                 </a:tc>
                 <a:extLst>
                   <a:ext uri="{0D108BD9-81ED-4DB2-BD59-A6C34878D82A}">
-                    <a16:rowId xmlns:a16="http://schemas.microsoft.com/office/drawing/2014/main" xmlns="" val="10001"/>
+                    <a16:rowId xmlns="" xmlns:a16="http://schemas.microsoft.com/office/drawing/2014/main" val="10001"/>
                   </a:ext>
                 </a:extLst>
               </a:tr>
@@ -9505,7 +9759,7 @@
                 </a:tc>
                 <a:extLst>
                   <a:ext uri="{0D108BD9-81ED-4DB2-BD59-A6C34878D82A}">
-                    <a16:rowId xmlns:a16="http://schemas.microsoft.com/office/drawing/2014/main" xmlns="" val="10002"/>
+                    <a16:rowId xmlns="" xmlns:a16="http://schemas.microsoft.com/office/drawing/2014/main" val="10002"/>
                   </a:ext>
                 </a:extLst>
               </a:tr>
@@ -9545,7 +9799,7 @@
                 </a:tc>
                 <a:extLst>
                   <a:ext uri="{0D108BD9-81ED-4DB2-BD59-A6C34878D82A}">
-                    <a16:rowId xmlns:a16="http://schemas.microsoft.com/office/drawing/2014/main" xmlns="" val="10003"/>
+                    <a16:rowId xmlns="" xmlns:a16="http://schemas.microsoft.com/office/drawing/2014/main" val="10003"/>
                   </a:ext>
                 </a:extLst>
               </a:tr>
@@ -9747,7 +10001,7 @@
 </p:sld>
 </file>
 
-<file path=ppt/slides/slide33.xml><?xml version="1.0" encoding="utf-8"?>
+<file path=ppt/slides/slide36.xml><?xml version="1.0" encoding="utf-8"?>
 <p:sld xmlns:a="http://schemas.openxmlformats.org/drawingml/2006/main" xmlns:r="http://schemas.openxmlformats.org/officeDocument/2006/relationships" xmlns:p="http://schemas.openxmlformats.org/presentationml/2006/main">
   <p:cSld>
     <p:spTree>
@@ -9798,13 +10052,20 @@
         </p:nvSpPr>
         <p:spPr/>
         <p:txBody>
-          <a:bodyPr/>
+          <a:bodyPr>
+            <a:normAutofit lnSpcReduction="10000"/>
+          </a:bodyPr>
           <a:lstStyle/>
           <a:p>
             <a:r>
               <a:rPr lang="en-US" dirty="0"/>
-              <a:t>Too many VLFs create performance problems</a:t>
-            </a:r>
+              <a:t>Too many VLFs create performance </a:t>
+            </a:r>
+            <a:r>
+              <a:rPr lang="en-US" dirty="0" smtClean="0"/>
+              <a:t>problems (“VLF Fragmentation”)</a:t>
+            </a:r>
+            <a:endParaRPr lang="en-US" dirty="0"/>
           </a:p>
           <a:p>
             <a:pPr lvl="1"/>
@@ -9817,7 +10078,15 @@
             <a:pPr lvl="2"/>
             <a:r>
               <a:rPr lang="en-US" dirty="0"/>
-              <a:t>Start-up time for database, log reader, etc.</a:t>
+              <a:t>Start-up time for database, log </a:t>
+            </a:r>
+            <a:r>
+              <a:rPr lang="en-US" dirty="0" smtClean="0"/>
+              <a:t>reader, backup &amp; restore, </a:t>
+            </a:r>
+            <a:r>
+              <a:rPr lang="en-US" dirty="0"/>
+              <a:t>etc.</a:t>
             </a:r>
           </a:p>
           <a:p>
@@ -9845,8 +10114,13 @@
             <a:pPr lvl="1"/>
             <a:r>
               <a:rPr lang="en-US" dirty="0"/>
-              <a:t>Clearing the log</a:t>
-            </a:r>
+              <a:t>Clearing the </a:t>
+            </a:r>
+            <a:r>
+              <a:rPr lang="en-US" dirty="0" smtClean="0"/>
+              <a:t>log, especially when long-running transactions are happening</a:t>
+            </a:r>
+            <a:endParaRPr lang="en-US" dirty="0"/>
           </a:p>
         </p:txBody>
       </p:sp>

--- a/TransactionLog.pptx
+++ b/TransactionLog.pptx
@@ -5,7 +5,7 @@
     <p:sldMasterId id="2147483648" r:id="rId1"/>
   </p:sldMasterIdLst>
   <p:notesMasterIdLst>
-    <p:notesMasterId r:id="rId38"/>
+    <p:notesMasterId r:id="rId45"/>
   </p:notesMasterIdLst>
   <p:sldIdLst>
     <p:sldId id="328" r:id="rId2"/>
@@ -42,8 +42,15 @@
     <p:sldId id="353" r:id="rId33"/>
     <p:sldId id="352" r:id="rId34"/>
     <p:sldId id="355" r:id="rId35"/>
-    <p:sldId id="357" r:id="rId36"/>
-    <p:sldId id="359" r:id="rId37"/>
+    <p:sldId id="366" r:id="rId36"/>
+    <p:sldId id="368" r:id="rId37"/>
+    <p:sldId id="369" r:id="rId38"/>
+    <p:sldId id="357" r:id="rId39"/>
+    <p:sldId id="359" r:id="rId40"/>
+    <p:sldId id="365" r:id="rId41"/>
+    <p:sldId id="367" r:id="rId42"/>
+    <p:sldId id="370" r:id="rId43"/>
+    <p:sldId id="371" r:id="rId44"/>
   </p:sldIdLst>
   <p:sldSz cx="9144000" cy="6858000" type="screen4x3"/>
   <p:notesSz cx="6858000" cy="9144000"/>
@@ -243,7 +250,7 @@
           <a:p>
             <a:fld id="{2EDCB34D-5EC2-4739-9693-E425457AC201}" type="datetimeFigureOut">
               <a:rPr lang="en-US" smtClean="0"/>
-              <a:t>09/06/2016</a:t>
+              <a:t>09/08/2016</a:t>
             </a:fld>
             <a:endParaRPr lang="en-US"/>
           </a:p>
@@ -829,7 +836,7 @@
             <a:fld id="{5942B21B-2ADA-A040-A652-A7305E1B99FE}" type="datetimeFigureOut">
               <a:rPr lang="en-US" smtClean="0"/>
               <a:pPr/>
-              <a:t>09/06/2016</a:t>
+              <a:t>09/08/2016</a:t>
             </a:fld>
             <a:endParaRPr lang="en-US" dirty="0"/>
           </a:p>
@@ -1019,7 +1026,7 @@
           <a:p>
             <a:fld id="{5942B21B-2ADA-A040-A652-A7305E1B99FE}" type="datetimeFigureOut">
               <a:rPr lang="en-US" smtClean="0"/>
-              <a:t>09/06/2016</a:t>
+              <a:t>09/08/2016</a:t>
             </a:fld>
             <a:endParaRPr lang="en-US"/>
           </a:p>
@@ -1143,7 +1150,7 @@
             <a:fld id="{5942B21B-2ADA-A040-A652-A7305E1B99FE}" type="datetimeFigureOut">
               <a:rPr lang="en-US" smtClean="0"/>
               <a:pPr/>
-              <a:t>09/06/2016</a:t>
+              <a:t>09/08/2016</a:t>
             </a:fld>
             <a:r>
               <a:rPr lang="en-US"/>
@@ -1414,7 +1421,7 @@
             <a:fld id="{5942B21B-2ADA-A040-A652-A7305E1B99FE}" type="datetimeFigureOut">
               <a:rPr lang="en-US" smtClean="0"/>
               <a:pPr/>
-              <a:t>09/06/2016</a:t>
+              <a:t>09/08/2016</a:t>
             </a:fld>
             <a:r>
               <a:rPr lang="en-US" dirty="0"/>
@@ -1684,7 +1691,7 @@
             <a:fld id="{5942B21B-2ADA-A040-A652-A7305E1B99FE}" type="datetimeFigureOut">
               <a:rPr lang="en-US" smtClean="0"/>
               <a:pPr/>
-              <a:t>09/06/2016</a:t>
+              <a:t>09/08/2016</a:t>
             </a:fld>
             <a:r>
               <a:rPr lang="en-US" dirty="0"/>
@@ -2024,7 +2031,7 @@
             <a:fld id="{5942B21B-2ADA-A040-A652-A7305E1B99FE}" type="datetimeFigureOut">
               <a:rPr lang="en-US" smtClean="0"/>
               <a:pPr/>
-              <a:t>09/06/2016</a:t>
+              <a:t>09/08/2016</a:t>
             </a:fld>
             <a:r>
               <a:rPr lang="en-US" dirty="0"/>
@@ -2365,7 +2372,7 @@
             <a:fld id="{5942B21B-2ADA-A040-A652-A7305E1B99FE}" type="datetimeFigureOut">
               <a:rPr lang="en-US" smtClean="0"/>
               <a:pPr/>
-              <a:t>09/06/2016</a:t>
+              <a:t>09/08/2016</a:t>
             </a:fld>
             <a:r>
               <a:rPr lang="en-US" dirty="0"/>
@@ -2880,7 +2887,7 @@
             <a:fld id="{5942B21B-2ADA-A040-A652-A7305E1B99FE}" type="datetimeFigureOut">
               <a:rPr lang="en-US" smtClean="0"/>
               <a:pPr/>
-              <a:t>09/06/2016</a:t>
+              <a:t>09/08/2016</a:t>
             </a:fld>
             <a:r>
               <a:rPr lang="en-US" dirty="0"/>
@@ -3089,7 +3096,7 @@
             <a:fld id="{5942B21B-2ADA-A040-A652-A7305E1B99FE}" type="datetimeFigureOut">
               <a:rPr lang="en-US" smtClean="0"/>
               <a:pPr/>
-              <a:t>09/06/2016</a:t>
+              <a:t>09/08/2016</a:t>
             </a:fld>
             <a:r>
               <a:rPr lang="en-US" dirty="0"/>
@@ -3276,7 +3283,7 @@
             <a:fld id="{5942B21B-2ADA-A040-A652-A7305E1B99FE}" type="datetimeFigureOut">
               <a:rPr lang="en-US" smtClean="0"/>
               <a:pPr/>
-              <a:t>09/06/2016</a:t>
+              <a:t>09/08/2016</a:t>
             </a:fld>
             <a:r>
               <a:rPr lang="en-US" dirty="0"/>
@@ -3607,7 +3614,7 @@
             <a:fld id="{5942B21B-2ADA-A040-A652-A7305E1B99FE}" type="datetimeFigureOut">
               <a:rPr lang="en-US" smtClean="0"/>
               <a:pPr/>
-              <a:t>09/06/2016</a:t>
+              <a:t>09/08/2016</a:t>
             </a:fld>
             <a:r>
               <a:rPr lang="en-US" dirty="0"/>
@@ -3915,7 +3922,7 @@
             <a:fld id="{5942B21B-2ADA-A040-A652-A7305E1B99FE}" type="datetimeFigureOut">
               <a:rPr lang="en-US" smtClean="0"/>
               <a:pPr/>
-              <a:t>09/06/2016</a:t>
+              <a:t>09/08/2016</a:t>
             </a:fld>
             <a:r>
               <a:rPr lang="en-US" dirty="0"/>
@@ -4194,7 +4201,7 @@
             <a:fld id="{5942B21B-2ADA-A040-A652-A7305E1B99FE}" type="datetimeFigureOut">
               <a:rPr lang="en-US" smtClean="0"/>
               <a:pPr/>
-              <a:t>09/06/2016</a:t>
+              <a:t>09/08/2016</a:t>
             </a:fld>
             <a:r>
               <a:rPr lang="en-US" dirty="0"/>
@@ -7511,21 +7518,21 @@
                 <a:gridCol w="1895475">
                   <a:extLst>
                     <a:ext uri="{9D8B030D-6E8A-4147-A177-3AD203B41FA5}">
-                      <a16:colId xmlns="" xmlns:a16="http://schemas.microsoft.com/office/drawing/2014/main" val="20000"/>
+                      <a16:colId xmlns:a16="http://schemas.microsoft.com/office/drawing/2014/main" xmlns="" val="20000"/>
                     </a:ext>
                   </a:extLst>
                 </a:gridCol>
                 <a:gridCol w="3171825">
                   <a:extLst>
                     <a:ext uri="{9D8B030D-6E8A-4147-A177-3AD203B41FA5}">
-                      <a16:colId xmlns="" xmlns:a16="http://schemas.microsoft.com/office/drawing/2014/main" val="20001"/>
+                      <a16:colId xmlns:a16="http://schemas.microsoft.com/office/drawing/2014/main" xmlns="" val="20001"/>
                     </a:ext>
                   </a:extLst>
                 </a:gridCol>
                 <a:gridCol w="3162300">
                   <a:extLst>
                     <a:ext uri="{9D8B030D-6E8A-4147-A177-3AD203B41FA5}">
-                      <a16:colId xmlns="" xmlns:a16="http://schemas.microsoft.com/office/drawing/2014/main" val="20002"/>
+                      <a16:colId xmlns:a16="http://schemas.microsoft.com/office/drawing/2014/main" xmlns="" val="20002"/>
                     </a:ext>
                   </a:extLst>
                 </a:gridCol>
@@ -7572,7 +7579,7 @@
                 </a:tc>
                 <a:extLst>
                   <a:ext uri="{0D108BD9-81ED-4DB2-BD59-A6C34878D82A}">
-                    <a16:rowId xmlns="" xmlns:a16="http://schemas.microsoft.com/office/drawing/2014/main" val="10000"/>
+                    <a16:rowId xmlns:a16="http://schemas.microsoft.com/office/drawing/2014/main" xmlns="" val="10000"/>
                   </a:ext>
                 </a:extLst>
               </a:tr>
@@ -7636,7 +7643,7 @@
                 </a:tc>
                 <a:extLst>
                   <a:ext uri="{0D108BD9-81ED-4DB2-BD59-A6C34878D82A}">
-                    <a16:rowId xmlns="" xmlns:a16="http://schemas.microsoft.com/office/drawing/2014/main" val="10001"/>
+                    <a16:rowId xmlns:a16="http://schemas.microsoft.com/office/drawing/2014/main" xmlns="" val="10001"/>
                   </a:ext>
                 </a:extLst>
               </a:tr>
@@ -7707,7 +7714,7 @@
                 </a:tc>
                 <a:extLst>
                   <a:ext uri="{0D108BD9-81ED-4DB2-BD59-A6C34878D82A}">
-                    <a16:rowId xmlns="" xmlns:a16="http://schemas.microsoft.com/office/drawing/2014/main" val="10002"/>
+                    <a16:rowId xmlns:a16="http://schemas.microsoft.com/office/drawing/2014/main" xmlns="" val="10002"/>
                   </a:ext>
                 </a:extLst>
               </a:tr>
@@ -7754,7 +7761,7 @@
                 </a:tc>
                 <a:extLst>
                   <a:ext uri="{0D108BD9-81ED-4DB2-BD59-A6C34878D82A}">
-                    <a16:rowId xmlns="" xmlns:a16="http://schemas.microsoft.com/office/drawing/2014/main" val="10003"/>
+                    <a16:rowId xmlns:a16="http://schemas.microsoft.com/office/drawing/2014/main" xmlns="" val="10003"/>
                   </a:ext>
                 </a:extLst>
               </a:tr>
@@ -7806,7 +7813,7 @@
                 </a:tc>
                 <a:extLst>
                   <a:ext uri="{0D108BD9-81ED-4DB2-BD59-A6C34878D82A}">
-                    <a16:rowId xmlns="" xmlns:a16="http://schemas.microsoft.com/office/drawing/2014/main" val="3543017676"/>
+                    <a16:rowId xmlns:a16="http://schemas.microsoft.com/office/drawing/2014/main" xmlns="" val="3543017676"/>
                   </a:ext>
                 </a:extLst>
               </a:tr>
@@ -9570,6 +9577,286 @@
           <a:lstStyle/>
           <a:p>
             <a:r>
+              <a:rPr lang="en-US" dirty="0" smtClean="0"/>
+              <a:t>Demos</a:t>
+            </a:r>
+            <a:endParaRPr lang="en-US" dirty="0"/>
+          </a:p>
+        </p:txBody>
+      </p:sp>
+      <p:sp>
+        <p:nvSpPr>
+          <p:cNvPr id="3" name="Content Placeholder 2"/>
+          <p:cNvSpPr>
+            <a:spLocks noGrp="1"/>
+          </p:cNvSpPr>
+          <p:nvPr>
+            <p:ph idx="1"/>
+          </p:nvPr>
+        </p:nvSpPr>
+        <p:spPr/>
+        <p:txBody>
+          <a:bodyPr/>
+          <a:lstStyle/>
+          <a:p>
+            <a:pPr marL="0" indent="0">
+              <a:buNone/>
+            </a:pPr>
+            <a:r>
+              <a:rPr lang="en-US" dirty="0" smtClean="0"/>
+              <a:t>Simple recovery</a:t>
+            </a:r>
+          </a:p>
+          <a:p>
+            <a:pPr marL="0" indent="0">
+              <a:buNone/>
+            </a:pPr>
+            <a:r>
+              <a:rPr lang="en-US" dirty="0" smtClean="0"/>
+              <a:t>Full recovery</a:t>
+            </a:r>
+          </a:p>
+          <a:p>
+            <a:pPr marL="0" indent="0">
+              <a:buNone/>
+            </a:pPr>
+            <a:endParaRPr lang="en-US" dirty="0"/>
+          </a:p>
+        </p:txBody>
+      </p:sp>
+    </p:spTree>
+    <p:extLst>
+      <p:ext uri="{BB962C8B-B14F-4D97-AF65-F5344CB8AC3E}">
+        <p14:creationId xmlns:p14="http://schemas.microsoft.com/office/powerpoint/2010/main" val="4059385380"/>
+      </p:ext>
+    </p:extLst>
+  </p:cSld>
+  <p:clrMapOvr>
+    <a:masterClrMapping/>
+  </p:clrMapOvr>
+</p:sld>
+</file>
+
+<file path=ppt/slides/slide36.xml><?xml version="1.0" encoding="utf-8"?>
+<p:sld xmlns:a="http://schemas.openxmlformats.org/drawingml/2006/main" xmlns:r="http://schemas.openxmlformats.org/officeDocument/2006/relationships" xmlns:p="http://schemas.openxmlformats.org/presentationml/2006/main">
+  <p:cSld>
+    <p:spTree>
+      <p:nvGrpSpPr>
+        <p:cNvPr id="1" name=""/>
+        <p:cNvGrpSpPr/>
+        <p:nvPr/>
+      </p:nvGrpSpPr>
+      <p:grpSpPr>
+        <a:xfrm>
+          <a:off x="0" y="0"/>
+          <a:ext cx="0" cy="0"/>
+          <a:chOff x="0" y="0"/>
+          <a:chExt cx="0" cy="0"/>
+        </a:xfrm>
+      </p:grpSpPr>
+      <p:sp>
+        <p:nvSpPr>
+          <p:cNvPr id="2" name="Title 1"/>
+          <p:cNvSpPr>
+            <a:spLocks noGrp="1"/>
+          </p:cNvSpPr>
+          <p:nvPr>
+            <p:ph type="title"/>
+          </p:nvPr>
+        </p:nvSpPr>
+        <p:spPr/>
+        <p:txBody>
+          <a:bodyPr/>
+          <a:lstStyle/>
+          <a:p>
+            <a:r>
+              <a:rPr lang="en-US" dirty="0" smtClean="0"/>
+              <a:t>Rolling Back a Transaction</a:t>
+            </a:r>
+            <a:endParaRPr lang="en-US" dirty="0"/>
+          </a:p>
+        </p:txBody>
+      </p:sp>
+      <p:sp>
+        <p:nvSpPr>
+          <p:cNvPr id="3" name="Content Placeholder 2"/>
+          <p:cNvSpPr>
+            <a:spLocks noGrp="1"/>
+          </p:cNvSpPr>
+          <p:nvPr>
+            <p:ph idx="1"/>
+          </p:nvPr>
+        </p:nvSpPr>
+        <p:spPr/>
+        <p:txBody>
+          <a:bodyPr/>
+          <a:lstStyle/>
+          <a:p>
+            <a:r>
+              <a:rPr lang="en-US" dirty="0" smtClean="0"/>
+              <a:t>When a transaction cannot complete, it must rollback</a:t>
+            </a:r>
+          </a:p>
+          <a:p>
+            <a:pPr lvl="1"/>
+            <a:r>
+              <a:rPr lang="en-US" dirty="0" smtClean="0"/>
+              <a:t>ROLLBACK TRANSACTION command</a:t>
+            </a:r>
+          </a:p>
+          <a:p>
+            <a:pPr lvl="1"/>
+            <a:r>
+              <a:rPr lang="en-US" dirty="0" smtClean="0"/>
+              <a:t>Connection is abandoned</a:t>
+            </a:r>
+          </a:p>
+          <a:p>
+            <a:pPr lvl="2"/>
+            <a:r>
+              <a:rPr lang="en-US" dirty="0" smtClean="0"/>
+              <a:t>Network failure, KILL, severe errors, client crash</a:t>
+            </a:r>
+          </a:p>
+          <a:p>
+            <a:pPr lvl="1"/>
+            <a:r>
+              <a:rPr lang="en-US" dirty="0" smtClean="0"/>
+              <a:t>Non-graceful shutdown of SQL (crash recovery)</a:t>
+            </a:r>
+          </a:p>
+          <a:p>
+            <a:pPr lvl="1"/>
+            <a:r>
+              <a:rPr lang="en-US" dirty="0" smtClean="0"/>
+              <a:t>Restore operations</a:t>
+            </a:r>
+            <a:endParaRPr lang="en-US" dirty="0"/>
+          </a:p>
+        </p:txBody>
+      </p:sp>
+    </p:spTree>
+    <p:extLst>
+      <p:ext uri="{BB962C8B-B14F-4D97-AF65-F5344CB8AC3E}">
+        <p14:creationId xmlns:p14="http://schemas.microsoft.com/office/powerpoint/2010/main" val="2736551440"/>
+      </p:ext>
+    </p:extLst>
+  </p:cSld>
+  <p:clrMapOvr>
+    <a:masterClrMapping/>
+  </p:clrMapOvr>
+</p:sld>
+</file>
+
+<file path=ppt/slides/slide37.xml><?xml version="1.0" encoding="utf-8"?>
+<p:sld xmlns:a="http://schemas.openxmlformats.org/drawingml/2006/main" xmlns:r="http://schemas.openxmlformats.org/officeDocument/2006/relationships" xmlns:p="http://schemas.openxmlformats.org/presentationml/2006/main">
+  <p:cSld>
+    <p:spTree>
+      <p:nvGrpSpPr>
+        <p:cNvPr id="1" name=""/>
+        <p:cNvGrpSpPr/>
+        <p:nvPr/>
+      </p:nvGrpSpPr>
+      <p:grpSpPr>
+        <a:xfrm>
+          <a:off x="0" y="0"/>
+          <a:ext cx="0" cy="0"/>
+          <a:chOff x="0" y="0"/>
+          <a:chExt cx="0" cy="0"/>
+        </a:xfrm>
+      </p:grpSpPr>
+      <p:sp>
+        <p:nvSpPr>
+          <p:cNvPr id="2" name="Title 1"/>
+          <p:cNvSpPr>
+            <a:spLocks noGrp="1"/>
+          </p:cNvSpPr>
+          <p:nvPr>
+            <p:ph type="title"/>
+          </p:nvPr>
+        </p:nvSpPr>
+        <p:spPr/>
+        <p:txBody>
+          <a:bodyPr/>
+          <a:lstStyle/>
+          <a:p>
+            <a:r>
+              <a:rPr lang="en-US" dirty="0" smtClean="0"/>
+              <a:t>Rolling Back a Transaction</a:t>
+            </a:r>
+            <a:endParaRPr lang="en-US" dirty="0"/>
+          </a:p>
+        </p:txBody>
+      </p:sp>
+      <p:sp>
+        <p:nvSpPr>
+          <p:cNvPr id="3" name="Content Placeholder 2"/>
+          <p:cNvSpPr>
+            <a:spLocks noGrp="1"/>
+          </p:cNvSpPr>
+          <p:nvPr>
+            <p:ph idx="1"/>
+          </p:nvPr>
+        </p:nvSpPr>
+        <p:spPr/>
+        <p:txBody>
+          <a:bodyPr/>
+          <a:lstStyle/>
+          <a:p>
+            <a:r>
+              <a:rPr lang="en-US" dirty="0" smtClean="0"/>
+              <a:t>Log records form a reverse linked list of operations within a transaction.</a:t>
+            </a:r>
+            <a:endParaRPr lang="en-US" dirty="0"/>
+          </a:p>
+        </p:txBody>
+      </p:sp>
+    </p:spTree>
+    <p:extLst>
+      <p:ext uri="{BB962C8B-B14F-4D97-AF65-F5344CB8AC3E}">
+        <p14:creationId xmlns:p14="http://schemas.microsoft.com/office/powerpoint/2010/main" val="2549905237"/>
+      </p:ext>
+    </p:extLst>
+  </p:cSld>
+  <p:clrMapOvr>
+    <a:masterClrMapping/>
+  </p:clrMapOvr>
+</p:sld>
+</file>
+
+<file path=ppt/slides/slide38.xml><?xml version="1.0" encoding="utf-8"?>
+<p:sld xmlns:a="http://schemas.openxmlformats.org/drawingml/2006/main" xmlns:r="http://schemas.openxmlformats.org/officeDocument/2006/relationships" xmlns:p="http://schemas.openxmlformats.org/presentationml/2006/main">
+  <p:cSld>
+    <p:spTree>
+      <p:nvGrpSpPr>
+        <p:cNvPr id="1" name=""/>
+        <p:cNvGrpSpPr/>
+        <p:nvPr/>
+      </p:nvGrpSpPr>
+      <p:grpSpPr>
+        <a:xfrm>
+          <a:off x="0" y="0"/>
+          <a:ext cx="0" cy="0"/>
+          <a:chOff x="0" y="0"/>
+          <a:chExt cx="0" cy="0"/>
+        </a:xfrm>
+      </p:grpSpPr>
+      <p:sp>
+        <p:nvSpPr>
+          <p:cNvPr id="2" name="Title 1"/>
+          <p:cNvSpPr>
+            <a:spLocks noGrp="1"/>
+          </p:cNvSpPr>
+          <p:nvPr>
+            <p:ph type="title"/>
+          </p:nvPr>
+        </p:nvSpPr>
+        <p:spPr/>
+        <p:txBody>
+          <a:bodyPr/>
+          <a:lstStyle/>
+          <a:p>
+            <a:r>
               <a:rPr lang="en-US" dirty="0"/>
               <a:t>Creating new VLFs</a:t>
             </a:r>
@@ -9636,14 +9923,14 @@
                 <a:gridCol w="3048000">
                   <a:extLst>
                     <a:ext uri="{9D8B030D-6E8A-4147-A177-3AD203B41FA5}">
-                      <a16:colId xmlns="" xmlns:a16="http://schemas.microsoft.com/office/drawing/2014/main" val="20000"/>
+                      <a16:colId xmlns:a16="http://schemas.microsoft.com/office/drawing/2014/main" xmlns="" val="20000"/>
                     </a:ext>
                   </a:extLst>
                 </a:gridCol>
                 <a:gridCol w="3048000">
                   <a:extLst>
                     <a:ext uri="{9D8B030D-6E8A-4147-A177-3AD203B41FA5}">
-                      <a16:colId xmlns="" xmlns:a16="http://schemas.microsoft.com/office/drawing/2014/main" val="20001"/>
+                      <a16:colId xmlns:a16="http://schemas.microsoft.com/office/drawing/2014/main" xmlns="" val="20001"/>
                     </a:ext>
                   </a:extLst>
                 </a:gridCol>
@@ -9689,7 +9976,7 @@
                 </a:tc>
                 <a:extLst>
                   <a:ext uri="{0D108BD9-81ED-4DB2-BD59-A6C34878D82A}">
-                    <a16:rowId xmlns="" xmlns:a16="http://schemas.microsoft.com/office/drawing/2014/main" val="10000"/>
+                    <a16:rowId xmlns:a16="http://schemas.microsoft.com/office/drawing/2014/main" xmlns="" val="10000"/>
                   </a:ext>
                 </a:extLst>
               </a:tr>
@@ -9724,7 +10011,7 @@
                 </a:tc>
                 <a:extLst>
                   <a:ext uri="{0D108BD9-81ED-4DB2-BD59-A6C34878D82A}">
-                    <a16:rowId xmlns="" xmlns:a16="http://schemas.microsoft.com/office/drawing/2014/main" val="10001"/>
+                    <a16:rowId xmlns:a16="http://schemas.microsoft.com/office/drawing/2014/main" xmlns="" val="10001"/>
                   </a:ext>
                 </a:extLst>
               </a:tr>
@@ -9759,7 +10046,7 @@
                 </a:tc>
                 <a:extLst>
                   <a:ext uri="{0D108BD9-81ED-4DB2-BD59-A6C34878D82A}">
-                    <a16:rowId xmlns="" xmlns:a16="http://schemas.microsoft.com/office/drawing/2014/main" val="10002"/>
+                    <a16:rowId xmlns:a16="http://schemas.microsoft.com/office/drawing/2014/main" xmlns="" val="10002"/>
                   </a:ext>
                 </a:extLst>
               </a:tr>
@@ -9799,7 +10086,7 @@
                 </a:tc>
                 <a:extLst>
                   <a:ext uri="{0D108BD9-81ED-4DB2-BD59-A6C34878D82A}">
-                    <a16:rowId xmlns="" xmlns:a16="http://schemas.microsoft.com/office/drawing/2014/main" val="10003"/>
+                    <a16:rowId xmlns:a16="http://schemas.microsoft.com/office/drawing/2014/main" xmlns="" val="10003"/>
                   </a:ext>
                 </a:extLst>
               </a:tr>
@@ -10001,7 +10288,7 @@
 </p:sld>
 </file>
 
-<file path=ppt/slides/slide36.xml><?xml version="1.0" encoding="utf-8"?>
+<file path=ppt/slides/slide39.xml><?xml version="1.0" encoding="utf-8"?>
 <p:sld xmlns:a="http://schemas.openxmlformats.org/drawingml/2006/main" xmlns:r="http://schemas.openxmlformats.org/officeDocument/2006/relationships" xmlns:p="http://schemas.openxmlformats.org/presentationml/2006/main">
   <p:cSld>
     <p:spTree>
@@ -10273,6 +10560,611 @@
     <p:extLst>
       <p:ext uri="{BB962C8B-B14F-4D97-AF65-F5344CB8AC3E}">
         <p14:creationId xmlns:p14="http://schemas.microsoft.com/office/powerpoint/2010/main" val="1146920383"/>
+      </p:ext>
+    </p:extLst>
+  </p:cSld>
+  <p:clrMapOvr>
+    <a:masterClrMapping/>
+  </p:clrMapOvr>
+</p:sld>
+</file>
+
+<file path=ppt/slides/slide40.xml><?xml version="1.0" encoding="utf-8"?>
+<p:sld xmlns:a="http://schemas.openxmlformats.org/drawingml/2006/main" xmlns:r="http://schemas.openxmlformats.org/officeDocument/2006/relationships" xmlns:p="http://schemas.openxmlformats.org/presentationml/2006/main">
+  <p:cSld>
+    <p:spTree>
+      <p:nvGrpSpPr>
+        <p:cNvPr id="1" name=""/>
+        <p:cNvGrpSpPr/>
+        <p:nvPr/>
+      </p:nvGrpSpPr>
+      <p:grpSpPr>
+        <a:xfrm>
+          <a:off x="0" y="0"/>
+          <a:ext cx="0" cy="0"/>
+          <a:chOff x="0" y="0"/>
+          <a:chExt cx="0" cy="0"/>
+        </a:xfrm>
+      </p:grpSpPr>
+      <p:sp>
+        <p:nvSpPr>
+          <p:cNvPr id="2" name="Title 1"/>
+          <p:cNvSpPr>
+            <a:spLocks noGrp="1"/>
+          </p:cNvSpPr>
+          <p:nvPr>
+            <p:ph type="title"/>
+          </p:nvPr>
+        </p:nvSpPr>
+        <p:spPr/>
+        <p:txBody>
+          <a:bodyPr/>
+          <a:lstStyle/>
+          <a:p>
+            <a:r>
+              <a:rPr lang="en-US" dirty="0" smtClean="0"/>
+              <a:t>Pre-Allocating the Log</a:t>
+            </a:r>
+            <a:endParaRPr lang="en-US" dirty="0"/>
+          </a:p>
+        </p:txBody>
+      </p:sp>
+      <p:sp>
+        <p:nvSpPr>
+          <p:cNvPr id="3" name="Content Placeholder 2"/>
+          <p:cNvSpPr>
+            <a:spLocks noGrp="1"/>
+          </p:cNvSpPr>
+          <p:nvPr>
+            <p:ph idx="1"/>
+          </p:nvPr>
+        </p:nvSpPr>
+        <p:spPr/>
+        <p:txBody>
+          <a:bodyPr/>
+          <a:lstStyle/>
+          <a:p>
+            <a:r>
+              <a:rPr lang="en-US" dirty="0" smtClean="0"/>
+              <a:t>Why?</a:t>
+            </a:r>
+          </a:p>
+          <a:p>
+            <a:pPr lvl="1"/>
+            <a:r>
+              <a:rPr lang="en-US" dirty="0" smtClean="0"/>
+              <a:t>Eliminate VLF fragmentation</a:t>
+            </a:r>
+          </a:p>
+          <a:p>
+            <a:pPr lvl="1"/>
+            <a:r>
+              <a:rPr lang="en-US" dirty="0" smtClean="0"/>
+              <a:t>Avoid log growth during user operations</a:t>
+            </a:r>
+          </a:p>
+          <a:p>
+            <a:pPr lvl="2"/>
+            <a:r>
+              <a:rPr lang="en-US" dirty="0" smtClean="0"/>
+              <a:t>Can be time-consuming due to zero-initialization</a:t>
+            </a:r>
+            <a:endParaRPr lang="en-US" dirty="0"/>
+          </a:p>
+        </p:txBody>
+      </p:sp>
+    </p:spTree>
+    <p:extLst>
+      <p:ext uri="{BB962C8B-B14F-4D97-AF65-F5344CB8AC3E}">
+        <p14:creationId xmlns:p14="http://schemas.microsoft.com/office/powerpoint/2010/main" val="1170893381"/>
+      </p:ext>
+    </p:extLst>
+  </p:cSld>
+  <p:clrMapOvr>
+    <a:masterClrMapping/>
+  </p:clrMapOvr>
+</p:sld>
+</file>
+
+<file path=ppt/slides/slide41.xml><?xml version="1.0" encoding="utf-8"?>
+<p:sld xmlns:a="http://schemas.openxmlformats.org/drawingml/2006/main" xmlns:r="http://schemas.openxmlformats.org/officeDocument/2006/relationships" xmlns:p="http://schemas.openxmlformats.org/presentationml/2006/main">
+  <p:cSld>
+    <p:spTree>
+      <p:nvGrpSpPr>
+        <p:cNvPr id="1" name=""/>
+        <p:cNvGrpSpPr/>
+        <p:nvPr/>
+      </p:nvGrpSpPr>
+      <p:grpSpPr>
+        <a:xfrm>
+          <a:off x="0" y="0"/>
+          <a:ext cx="0" cy="0"/>
+          <a:chOff x="0" y="0"/>
+          <a:chExt cx="0" cy="0"/>
+        </a:xfrm>
+      </p:grpSpPr>
+      <p:sp>
+        <p:nvSpPr>
+          <p:cNvPr id="2" name="Title 1"/>
+          <p:cNvSpPr>
+            <a:spLocks noGrp="1"/>
+          </p:cNvSpPr>
+          <p:nvPr>
+            <p:ph type="title"/>
+          </p:nvPr>
+        </p:nvSpPr>
+        <p:spPr/>
+        <p:txBody>
+          <a:bodyPr/>
+          <a:lstStyle/>
+          <a:p>
+            <a:r>
+              <a:rPr lang="en-US" dirty="0" smtClean="0"/>
+              <a:t>Demo</a:t>
+            </a:r>
+            <a:endParaRPr lang="en-US" dirty="0"/>
+          </a:p>
+        </p:txBody>
+      </p:sp>
+      <p:sp>
+        <p:nvSpPr>
+          <p:cNvPr id="3" name="Content Placeholder 2"/>
+          <p:cNvSpPr>
+            <a:spLocks noGrp="1"/>
+          </p:cNvSpPr>
+          <p:nvPr>
+            <p:ph idx="1"/>
+          </p:nvPr>
+        </p:nvSpPr>
+        <p:spPr/>
+        <p:txBody>
+          <a:bodyPr/>
+          <a:lstStyle/>
+          <a:p>
+            <a:pPr marL="0" indent="0">
+              <a:buNone/>
+            </a:pPr>
+            <a:r>
+              <a:rPr lang="en-US" dirty="0" smtClean="0"/>
+              <a:t>VLF Fragmentation</a:t>
+            </a:r>
+            <a:endParaRPr lang="en-US" dirty="0"/>
+          </a:p>
+        </p:txBody>
+      </p:sp>
+    </p:spTree>
+    <p:extLst>
+      <p:ext uri="{BB962C8B-B14F-4D97-AF65-F5344CB8AC3E}">
+        <p14:creationId xmlns:p14="http://schemas.microsoft.com/office/powerpoint/2010/main" val="2679887936"/>
+      </p:ext>
+    </p:extLst>
+  </p:cSld>
+  <p:clrMapOvr>
+    <a:masterClrMapping/>
+  </p:clrMapOvr>
+</p:sld>
+</file>
+
+<file path=ppt/slides/slide42.xml><?xml version="1.0" encoding="utf-8"?>
+<p:sld xmlns:a="http://schemas.openxmlformats.org/drawingml/2006/main" xmlns:r="http://schemas.openxmlformats.org/officeDocument/2006/relationships" xmlns:p="http://schemas.openxmlformats.org/presentationml/2006/main">
+  <p:cSld>
+    <p:spTree>
+      <p:nvGrpSpPr>
+        <p:cNvPr id="1" name=""/>
+        <p:cNvGrpSpPr/>
+        <p:nvPr/>
+      </p:nvGrpSpPr>
+      <p:grpSpPr>
+        <a:xfrm>
+          <a:off x="0" y="0"/>
+          <a:ext cx="0" cy="0"/>
+          <a:chOff x="0" y="0"/>
+          <a:chExt cx="0" cy="0"/>
+        </a:xfrm>
+      </p:grpSpPr>
+      <p:sp>
+        <p:nvSpPr>
+          <p:cNvPr id="2" name="Title 1"/>
+          <p:cNvSpPr>
+            <a:spLocks noGrp="1"/>
+          </p:cNvSpPr>
+          <p:nvPr>
+            <p:ph type="title"/>
+          </p:nvPr>
+        </p:nvSpPr>
+        <p:spPr/>
+        <p:txBody>
+          <a:bodyPr/>
+          <a:lstStyle/>
+          <a:p>
+            <a:r>
+              <a:rPr lang="en-US" dirty="0" smtClean="0"/>
+              <a:t>Log Monitoring</a:t>
+            </a:r>
+            <a:endParaRPr lang="en-US" dirty="0"/>
+          </a:p>
+        </p:txBody>
+      </p:sp>
+      <p:sp>
+        <p:nvSpPr>
+          <p:cNvPr id="3" name="Content Placeholder 2"/>
+          <p:cNvSpPr>
+            <a:spLocks noGrp="1"/>
+          </p:cNvSpPr>
+          <p:nvPr>
+            <p:ph idx="1"/>
+          </p:nvPr>
+        </p:nvSpPr>
+        <p:spPr/>
+        <p:txBody>
+          <a:bodyPr>
+            <a:normAutofit/>
+          </a:bodyPr>
+          <a:lstStyle/>
+          <a:p>
+            <a:r>
+              <a:rPr lang="en-US" dirty="0" smtClean="0"/>
+              <a:t>Watch your VLF count</a:t>
+            </a:r>
+          </a:p>
+          <a:p>
+            <a:r>
+              <a:rPr lang="en-US" dirty="0" smtClean="0"/>
+              <a:t>Monitor log </a:t>
+            </a:r>
+            <a:r>
+              <a:rPr lang="en-US" smtClean="0"/>
+              <a:t>size over time</a:t>
+            </a:r>
+            <a:endParaRPr lang="en-US" dirty="0" smtClean="0"/>
+          </a:p>
+          <a:p>
+            <a:r>
+              <a:rPr lang="en-US" dirty="0" smtClean="0"/>
+              <a:t>Set SQL Alerts on:</a:t>
+            </a:r>
+          </a:p>
+          <a:p>
+            <a:pPr lvl="1"/>
+            <a:r>
+              <a:rPr lang="en-US" dirty="0" smtClean="0"/>
+              <a:t>Severity 17 errors (will alert on log full)</a:t>
+            </a:r>
+          </a:p>
+          <a:p>
+            <a:pPr lvl="1"/>
+            <a:r>
+              <a:rPr lang="en-US" dirty="0" smtClean="0"/>
+              <a:t>Error 5145</a:t>
+            </a:r>
+          </a:p>
+          <a:p>
+            <a:pPr lvl="2"/>
+            <a:r>
+              <a:rPr lang="en-US" sz="1800" b="1" dirty="0" err="1" smtClean="0">
+                <a:solidFill>
+                  <a:srgbClr val="FF0000"/>
+                </a:solidFill>
+                <a:latin typeface="Courier New" panose="02070309020205020404" pitchFamily="49" charset="0"/>
+                <a:cs typeface="Courier New" panose="02070309020205020404" pitchFamily="49" charset="0"/>
+              </a:rPr>
+              <a:t>Autogrow</a:t>
+            </a:r>
+            <a:r>
+              <a:rPr lang="en-US" sz="1800" b="1" dirty="0" smtClean="0">
+                <a:solidFill>
+                  <a:srgbClr val="FF0000"/>
+                </a:solidFill>
+                <a:latin typeface="Courier New" panose="02070309020205020404" pitchFamily="49" charset="0"/>
+                <a:cs typeface="Courier New" panose="02070309020205020404" pitchFamily="49" charset="0"/>
+              </a:rPr>
+              <a:t> of file </a:t>
+            </a:r>
+            <a:r>
+              <a:rPr lang="en-US" sz="1800" b="1" dirty="0">
+                <a:solidFill>
+                  <a:srgbClr val="FF0000"/>
+                </a:solidFill>
+                <a:latin typeface="Courier New" panose="02070309020205020404" pitchFamily="49" charset="0"/>
+                <a:cs typeface="Courier New" panose="02070309020205020404" pitchFamily="49" charset="0"/>
+              </a:rPr>
+              <a:t>'</a:t>
+            </a:r>
+            <a:r>
+              <a:rPr lang="en-US" sz="1800" b="1" dirty="0" smtClean="0">
+                <a:solidFill>
+                  <a:srgbClr val="FF0000"/>
+                </a:solidFill>
+                <a:latin typeface="Courier New" panose="02070309020205020404" pitchFamily="49" charset="0"/>
+                <a:cs typeface="Courier New" panose="02070309020205020404" pitchFamily="49" charset="0"/>
+              </a:rPr>
+              <a:t>…' in database </a:t>
+            </a:r>
+            <a:r>
+              <a:rPr lang="en-US" sz="1800" b="1" dirty="0">
+                <a:solidFill>
+                  <a:srgbClr val="FF0000"/>
+                </a:solidFill>
+                <a:latin typeface="Courier New" panose="02070309020205020404" pitchFamily="49" charset="0"/>
+                <a:cs typeface="Courier New" panose="02070309020205020404" pitchFamily="49" charset="0"/>
+              </a:rPr>
+              <a:t>'</a:t>
+            </a:r>
+            <a:r>
+              <a:rPr lang="en-US" sz="1800" b="1" dirty="0" smtClean="0">
+                <a:solidFill>
+                  <a:srgbClr val="FF0000"/>
+                </a:solidFill>
+                <a:latin typeface="Courier New" panose="02070309020205020404" pitchFamily="49" charset="0"/>
+                <a:cs typeface="Courier New" panose="02070309020205020404" pitchFamily="49" charset="0"/>
+              </a:rPr>
+              <a:t>…' was cancelled by user or timed out after xx milliseconds.</a:t>
+            </a:r>
+          </a:p>
+          <a:p>
+            <a:pPr lvl="1"/>
+            <a:r>
+              <a:rPr lang="en-US" dirty="0" smtClean="0"/>
+              <a:t>Error 5144</a:t>
+            </a:r>
+          </a:p>
+          <a:p>
+            <a:pPr lvl="2"/>
+            <a:r>
+              <a:rPr lang="en-US" sz="1800" b="1" dirty="0" err="1" smtClean="0">
+                <a:solidFill>
+                  <a:srgbClr val="FF0000"/>
+                </a:solidFill>
+                <a:latin typeface="Courier New" panose="02070309020205020404" pitchFamily="49" charset="0"/>
+                <a:cs typeface="Courier New" panose="02070309020205020404" pitchFamily="49" charset="0"/>
+              </a:rPr>
+              <a:t>Autogrow</a:t>
+            </a:r>
+            <a:r>
+              <a:rPr lang="en-US" sz="1800" b="1" dirty="0" smtClean="0">
+                <a:solidFill>
+                  <a:srgbClr val="FF0000"/>
+                </a:solidFill>
+                <a:latin typeface="Courier New" panose="02070309020205020404" pitchFamily="49" charset="0"/>
+                <a:cs typeface="Courier New" panose="02070309020205020404" pitchFamily="49" charset="0"/>
+              </a:rPr>
+              <a:t> of file </a:t>
+            </a:r>
+            <a:r>
+              <a:rPr lang="en-US" sz="1800" dirty="0" smtClean="0">
+                <a:solidFill>
+                  <a:srgbClr val="FF0000"/>
+                </a:solidFill>
+              </a:rPr>
+              <a:t>'</a:t>
+            </a:r>
+            <a:r>
+              <a:rPr lang="en-US" sz="1800" b="1" dirty="0" smtClean="0">
+                <a:solidFill>
+                  <a:srgbClr val="FF0000"/>
+                </a:solidFill>
+                <a:latin typeface="Courier New" panose="02070309020205020404" pitchFamily="49" charset="0"/>
+                <a:cs typeface="Courier New" panose="02070309020205020404" pitchFamily="49" charset="0"/>
+              </a:rPr>
+              <a:t>…</a:t>
+            </a:r>
+            <a:r>
+              <a:rPr lang="en-US" sz="1800" dirty="0">
+                <a:solidFill>
+                  <a:srgbClr val="FF0000"/>
+                </a:solidFill>
+              </a:rPr>
+              <a:t>'</a:t>
+            </a:r>
+            <a:r>
+              <a:rPr lang="en-US" sz="1800" b="1" dirty="0" smtClean="0">
+                <a:solidFill>
+                  <a:srgbClr val="FF0000"/>
+                </a:solidFill>
+                <a:latin typeface="Courier New" panose="02070309020205020404" pitchFamily="49" charset="0"/>
+                <a:cs typeface="Courier New" panose="02070309020205020404" pitchFamily="49" charset="0"/>
+              </a:rPr>
+              <a:t> in database </a:t>
+            </a:r>
+            <a:r>
+              <a:rPr lang="en-US" sz="1800" dirty="0" smtClean="0">
+                <a:solidFill>
+                  <a:srgbClr val="FF0000"/>
+                </a:solidFill>
+              </a:rPr>
+              <a:t>'</a:t>
+            </a:r>
+            <a:r>
+              <a:rPr lang="en-US" sz="1800" b="1" dirty="0" smtClean="0">
+                <a:solidFill>
+                  <a:srgbClr val="FF0000"/>
+                </a:solidFill>
+                <a:latin typeface="Courier New" panose="02070309020205020404" pitchFamily="49" charset="0"/>
+                <a:cs typeface="Courier New" panose="02070309020205020404" pitchFamily="49" charset="0"/>
+              </a:rPr>
+              <a:t>…</a:t>
+            </a:r>
+            <a:r>
+              <a:rPr lang="en-US" sz="1800" dirty="0">
+                <a:solidFill>
+                  <a:srgbClr val="FF0000"/>
+                </a:solidFill>
+              </a:rPr>
+              <a:t>'</a:t>
+            </a:r>
+            <a:r>
+              <a:rPr lang="en-US" sz="1800" b="1" dirty="0" smtClean="0">
+                <a:solidFill>
+                  <a:srgbClr val="FF0000"/>
+                </a:solidFill>
+                <a:latin typeface="Courier New" panose="02070309020205020404" pitchFamily="49" charset="0"/>
+                <a:cs typeface="Courier New" panose="02070309020205020404" pitchFamily="49" charset="0"/>
+              </a:rPr>
+              <a:t> took xx milliseconds.</a:t>
+            </a:r>
+            <a:endParaRPr lang="en-US" sz="1800" b="1" dirty="0">
+              <a:solidFill>
+                <a:srgbClr val="FF0000"/>
+              </a:solidFill>
+              <a:latin typeface="Courier New" panose="02070309020205020404" pitchFamily="49" charset="0"/>
+              <a:cs typeface="Courier New" panose="02070309020205020404" pitchFamily="49" charset="0"/>
+            </a:endParaRPr>
+          </a:p>
+        </p:txBody>
+      </p:sp>
+    </p:spTree>
+    <p:extLst>
+      <p:ext uri="{BB962C8B-B14F-4D97-AF65-F5344CB8AC3E}">
+        <p14:creationId xmlns:p14="http://schemas.microsoft.com/office/powerpoint/2010/main" val="2782776955"/>
+      </p:ext>
+    </p:extLst>
+  </p:cSld>
+  <p:clrMapOvr>
+    <a:masterClrMapping/>
+  </p:clrMapOvr>
+</p:sld>
+</file>
+
+<file path=ppt/slides/slide43.xml><?xml version="1.0" encoding="utf-8"?>
+<p:sld xmlns:a="http://schemas.openxmlformats.org/drawingml/2006/main" xmlns:r="http://schemas.openxmlformats.org/officeDocument/2006/relationships" xmlns:p="http://schemas.openxmlformats.org/presentationml/2006/main">
+  <p:cSld>
+    <p:spTree>
+      <p:nvGrpSpPr>
+        <p:cNvPr id="1" name=""/>
+        <p:cNvGrpSpPr/>
+        <p:nvPr/>
+      </p:nvGrpSpPr>
+      <p:grpSpPr>
+        <a:xfrm>
+          <a:off x="0" y="0"/>
+          <a:ext cx="0" cy="0"/>
+          <a:chOff x="0" y="0"/>
+          <a:chExt cx="0" cy="0"/>
+        </a:xfrm>
+      </p:grpSpPr>
+      <p:sp>
+        <p:nvSpPr>
+          <p:cNvPr id="2" name="Title 1"/>
+          <p:cNvSpPr>
+            <a:spLocks noGrp="1"/>
+          </p:cNvSpPr>
+          <p:nvPr>
+            <p:ph type="title"/>
+          </p:nvPr>
+        </p:nvSpPr>
+        <p:spPr/>
+        <p:txBody>
+          <a:bodyPr/>
+          <a:lstStyle/>
+          <a:p>
+            <a:r>
+              <a:rPr lang="en-US" dirty="0"/>
+              <a:t>Thank You</a:t>
+            </a:r>
+          </a:p>
+        </p:txBody>
+      </p:sp>
+      <p:sp>
+        <p:nvSpPr>
+          <p:cNvPr id="3" name="Content Placeholder 2"/>
+          <p:cNvSpPr>
+            <a:spLocks noGrp="1"/>
+          </p:cNvSpPr>
+          <p:nvPr>
+            <p:ph idx="1"/>
+          </p:nvPr>
+        </p:nvSpPr>
+        <p:spPr/>
+        <p:txBody>
+          <a:bodyPr>
+            <a:normAutofit/>
+          </a:bodyPr>
+          <a:lstStyle/>
+          <a:p>
+            <a:r>
+              <a:rPr lang="en-US" dirty="0"/>
+              <a:t>This presentation and supporting materials can be found at </a:t>
+            </a:r>
+            <a:r>
+              <a:rPr lang="en-US" dirty="0" smtClean="0">
+                <a:hlinkClick r:id="rId2"/>
+              </a:rPr>
+              <a:t>www.tf3604.com/log</a:t>
+            </a:r>
+            <a:r>
+              <a:rPr lang="en-US" dirty="0" smtClean="0"/>
+              <a:t>.</a:t>
+            </a:r>
+            <a:endParaRPr lang="en-US" dirty="0"/>
+          </a:p>
+          <a:p>
+            <a:pPr lvl="1"/>
+            <a:r>
+              <a:rPr lang="en-US" dirty="0"/>
+              <a:t>Slide deck</a:t>
+            </a:r>
+          </a:p>
+          <a:p>
+            <a:pPr lvl="1"/>
+            <a:r>
+              <a:rPr lang="en-US" dirty="0"/>
+              <a:t>Scripts</a:t>
+            </a:r>
+          </a:p>
+          <a:p>
+            <a:pPr lvl="1"/>
+            <a:r>
+              <a:rPr lang="en-US" dirty="0"/>
+              <a:t>Sample database</a:t>
+            </a:r>
+          </a:p>
+          <a:p>
+            <a:pPr lvl="1"/>
+            <a:r>
+              <a:rPr lang="en-US" dirty="0"/>
+              <a:t>SQL Server </a:t>
+            </a:r>
+            <a:r>
+              <a:rPr lang="en-US" dirty="0" smtClean="0"/>
+              <a:t>Log File Visualizer binaries </a:t>
+            </a:r>
+            <a:r>
+              <a:rPr lang="en-US" dirty="0"/>
+              <a:t>&amp; source</a:t>
+            </a:r>
+          </a:p>
+          <a:p>
+            <a:pPr lvl="1"/>
+            <a:endParaRPr lang="en-US" dirty="0"/>
+          </a:p>
+          <a:p>
+            <a:pPr marL="0" indent="0">
+              <a:buNone/>
+            </a:pPr>
+            <a:endParaRPr lang="en-US" dirty="0"/>
+          </a:p>
+          <a:p>
+            <a:pPr marL="0" indent="0" algn="ctr">
+              <a:buNone/>
+            </a:pPr>
+            <a:r>
+              <a:rPr lang="en-US" dirty="0">
+                <a:solidFill>
+                  <a:schemeClr val="accent1">
+                    <a:lumMod val="60000"/>
+                    <a:lumOff val="40000"/>
+                  </a:schemeClr>
+                </a:solidFill>
+              </a:rPr>
+              <a:t>brian@tf3604.com	• @tf3604</a:t>
+            </a:r>
+          </a:p>
+        </p:txBody>
+      </p:sp>
+    </p:spTree>
+    <p:extLst>
+      <p:ext uri="{BB962C8B-B14F-4D97-AF65-F5344CB8AC3E}">
+        <p14:creationId xmlns:p14="http://schemas.microsoft.com/office/powerpoint/2010/main" val="340294112"/>
       </p:ext>
     </p:extLst>
   </p:cSld>

--- a/TransactionLog.pptx
+++ b/TransactionLog.pptx
@@ -250,7 +250,7 @@
           <a:p>
             <a:fld id="{2EDCB34D-5EC2-4739-9693-E425457AC201}" type="datetimeFigureOut">
               <a:rPr lang="en-US" smtClean="0"/>
-              <a:t>09/08/2016</a:t>
+              <a:t>9/8/2016</a:t>
             </a:fld>
             <a:endParaRPr lang="en-US"/>
           </a:p>
@@ -836,7 +836,7 @@
             <a:fld id="{5942B21B-2ADA-A040-A652-A7305E1B99FE}" type="datetimeFigureOut">
               <a:rPr lang="en-US" smtClean="0"/>
               <a:pPr/>
-              <a:t>09/08/2016</a:t>
+              <a:t>9/8/2016</a:t>
             </a:fld>
             <a:endParaRPr lang="en-US" dirty="0"/>
           </a:p>
@@ -1026,7 +1026,7 @@
           <a:p>
             <a:fld id="{5942B21B-2ADA-A040-A652-A7305E1B99FE}" type="datetimeFigureOut">
               <a:rPr lang="en-US" smtClean="0"/>
-              <a:t>09/08/2016</a:t>
+              <a:t>9/8/2016</a:t>
             </a:fld>
             <a:endParaRPr lang="en-US"/>
           </a:p>
@@ -1150,7 +1150,7 @@
             <a:fld id="{5942B21B-2ADA-A040-A652-A7305E1B99FE}" type="datetimeFigureOut">
               <a:rPr lang="en-US" smtClean="0"/>
               <a:pPr/>
-              <a:t>09/08/2016</a:t>
+              <a:t>9/8/2016</a:t>
             </a:fld>
             <a:r>
               <a:rPr lang="en-US"/>
@@ -1421,7 +1421,7 @@
             <a:fld id="{5942B21B-2ADA-A040-A652-A7305E1B99FE}" type="datetimeFigureOut">
               <a:rPr lang="en-US" smtClean="0"/>
               <a:pPr/>
-              <a:t>09/08/2016</a:t>
+              <a:t>9/8/2016</a:t>
             </a:fld>
             <a:r>
               <a:rPr lang="en-US" dirty="0"/>
@@ -1691,7 +1691,7 @@
             <a:fld id="{5942B21B-2ADA-A040-A652-A7305E1B99FE}" type="datetimeFigureOut">
               <a:rPr lang="en-US" smtClean="0"/>
               <a:pPr/>
-              <a:t>09/08/2016</a:t>
+              <a:t>9/8/2016</a:t>
             </a:fld>
             <a:r>
               <a:rPr lang="en-US" dirty="0"/>
@@ -2031,7 +2031,7 @@
             <a:fld id="{5942B21B-2ADA-A040-A652-A7305E1B99FE}" type="datetimeFigureOut">
               <a:rPr lang="en-US" smtClean="0"/>
               <a:pPr/>
-              <a:t>09/08/2016</a:t>
+              <a:t>9/8/2016</a:t>
             </a:fld>
             <a:r>
               <a:rPr lang="en-US" dirty="0"/>
@@ -2372,7 +2372,7 @@
             <a:fld id="{5942B21B-2ADA-A040-A652-A7305E1B99FE}" type="datetimeFigureOut">
               <a:rPr lang="en-US" smtClean="0"/>
               <a:pPr/>
-              <a:t>09/08/2016</a:t>
+              <a:t>9/8/2016</a:t>
             </a:fld>
             <a:r>
               <a:rPr lang="en-US" dirty="0"/>
@@ -2887,7 +2887,7 @@
             <a:fld id="{5942B21B-2ADA-A040-A652-A7305E1B99FE}" type="datetimeFigureOut">
               <a:rPr lang="en-US" smtClean="0"/>
               <a:pPr/>
-              <a:t>09/08/2016</a:t>
+              <a:t>9/8/2016</a:t>
             </a:fld>
             <a:r>
               <a:rPr lang="en-US" dirty="0"/>
@@ -3096,7 +3096,7 @@
             <a:fld id="{5942B21B-2ADA-A040-A652-A7305E1B99FE}" type="datetimeFigureOut">
               <a:rPr lang="en-US" smtClean="0"/>
               <a:pPr/>
-              <a:t>09/08/2016</a:t>
+              <a:t>9/8/2016</a:t>
             </a:fld>
             <a:r>
               <a:rPr lang="en-US" dirty="0"/>
@@ -3283,7 +3283,7 @@
             <a:fld id="{5942B21B-2ADA-A040-A652-A7305E1B99FE}" type="datetimeFigureOut">
               <a:rPr lang="en-US" smtClean="0"/>
               <a:pPr/>
-              <a:t>09/08/2016</a:t>
+              <a:t>9/8/2016</a:t>
             </a:fld>
             <a:r>
               <a:rPr lang="en-US" dirty="0"/>
@@ -3614,7 +3614,7 @@
             <a:fld id="{5942B21B-2ADA-A040-A652-A7305E1B99FE}" type="datetimeFigureOut">
               <a:rPr lang="en-US" smtClean="0"/>
               <a:pPr/>
-              <a:t>09/08/2016</a:t>
+              <a:t>9/8/2016</a:t>
             </a:fld>
             <a:r>
               <a:rPr lang="en-US" dirty="0"/>
@@ -3922,7 +3922,7 @@
             <a:fld id="{5942B21B-2ADA-A040-A652-A7305E1B99FE}" type="datetimeFigureOut">
               <a:rPr lang="en-US" smtClean="0"/>
               <a:pPr/>
-              <a:t>09/08/2016</a:t>
+              <a:t>9/8/2016</a:t>
             </a:fld>
             <a:r>
               <a:rPr lang="en-US" dirty="0"/>
@@ -4201,7 +4201,7 @@
             <a:fld id="{5942B21B-2ADA-A040-A652-A7305E1B99FE}" type="datetimeFigureOut">
               <a:rPr lang="en-US" smtClean="0"/>
               <a:pPr/>
-              <a:t>09/08/2016</a:t>
+              <a:t>9/8/2016</a:t>
             </a:fld>
             <a:r>
               <a:rPr lang="en-US" dirty="0"/>
@@ -7485,7 +7485,7 @@
             </a:pPr>
             <a:r>
               <a:rPr lang="en-US" dirty="0"/>
-              <a:t>Three common ways to express an LSN</a:t>
+              <a:t>Four common ways to express an LSN</a:t>
             </a:r>
           </a:p>
         </p:txBody>
@@ -7518,21 +7518,21 @@
                 <a:gridCol w="1895475">
                   <a:extLst>
                     <a:ext uri="{9D8B030D-6E8A-4147-A177-3AD203B41FA5}">
-                      <a16:colId xmlns:a16="http://schemas.microsoft.com/office/drawing/2014/main" xmlns="" val="20000"/>
+                      <a16:colId xmlns:a16="http://schemas.microsoft.com/office/drawing/2014/main" val="20000"/>
                     </a:ext>
                   </a:extLst>
                 </a:gridCol>
                 <a:gridCol w="3171825">
                   <a:extLst>
                     <a:ext uri="{9D8B030D-6E8A-4147-A177-3AD203B41FA5}">
-                      <a16:colId xmlns:a16="http://schemas.microsoft.com/office/drawing/2014/main" xmlns="" val="20001"/>
+                      <a16:colId xmlns:a16="http://schemas.microsoft.com/office/drawing/2014/main" val="20001"/>
                     </a:ext>
                   </a:extLst>
                 </a:gridCol>
                 <a:gridCol w="3162300">
                   <a:extLst>
                     <a:ext uri="{9D8B030D-6E8A-4147-A177-3AD203B41FA5}">
-                      <a16:colId xmlns:a16="http://schemas.microsoft.com/office/drawing/2014/main" xmlns="" val="20002"/>
+                      <a16:colId xmlns:a16="http://schemas.microsoft.com/office/drawing/2014/main" val="20002"/>
                     </a:ext>
                   </a:extLst>
                 </a:gridCol>
@@ -7579,7 +7579,7 @@
                 </a:tc>
                 <a:extLst>
                   <a:ext uri="{0D108BD9-81ED-4DB2-BD59-A6C34878D82A}">
-                    <a16:rowId xmlns:a16="http://schemas.microsoft.com/office/drawing/2014/main" xmlns="" val="10000"/>
+                    <a16:rowId xmlns:a16="http://schemas.microsoft.com/office/drawing/2014/main" val="10000"/>
                   </a:ext>
                 </a:extLst>
               </a:tr>
@@ -7620,10 +7620,9 @@
                         <a:defRPr/>
                       </a:pPr>
                       <a:r>
-                        <a:rPr lang="en-US" dirty="0" smtClean="0"/>
+                        <a:rPr lang="en-US" dirty="0"/>
                         <a:t>000001c0:0000006b:0005</a:t>
                       </a:r>
-                      <a:endParaRPr lang="en-US" dirty="0"/>
                     </a:p>
                   </a:txBody>
                   <a:tcPr/>
@@ -7643,7 +7642,7 @@
                 </a:tc>
                 <a:extLst>
                   <a:ext uri="{0D108BD9-81ED-4DB2-BD59-A6C34878D82A}">
-                    <a16:rowId xmlns:a16="http://schemas.microsoft.com/office/drawing/2014/main" xmlns="" val="10001"/>
+                    <a16:rowId xmlns:a16="http://schemas.microsoft.com/office/drawing/2014/main" val="10001"/>
                   </a:ext>
                 </a:extLst>
               </a:tr>
@@ -7684,7 +7683,7 @@
                         <a:defRPr/>
                       </a:pPr>
                       <a:r>
-                        <a:rPr lang="en-US" sz="1800" kern="1200" dirty="0" smtClean="0">
+                        <a:rPr lang="en-US" sz="1800" kern="1200" dirty="0">
                           <a:solidFill>
                             <a:schemeClr val="dk1"/>
                           </a:solidFill>
@@ -7714,7 +7713,7 @@
                 </a:tc>
                 <a:extLst>
                   <a:ext uri="{0D108BD9-81ED-4DB2-BD59-A6C34878D82A}">
-                    <a16:rowId xmlns:a16="http://schemas.microsoft.com/office/drawing/2014/main" xmlns="" val="10002"/>
+                    <a16:rowId xmlns:a16="http://schemas.microsoft.com/office/drawing/2014/main" val="10002"/>
                   </a:ext>
                 </a:extLst>
               </a:tr>
@@ -7738,10 +7737,9 @@
                     <a:lstStyle/>
                     <a:p>
                       <a:r>
-                        <a:rPr lang="en-US" dirty="0" smtClean="0"/>
+                        <a:rPr lang="en-US" dirty="0"/>
                         <a:t>448000000010700005</a:t>
                       </a:r>
-                      <a:endParaRPr lang="en-US" dirty="0"/>
                     </a:p>
                   </a:txBody>
                   <a:tcPr/>
@@ -7761,7 +7759,7 @@
                 </a:tc>
                 <a:extLst>
                   <a:ext uri="{0D108BD9-81ED-4DB2-BD59-A6C34878D82A}">
-                    <a16:rowId xmlns:a16="http://schemas.microsoft.com/office/drawing/2014/main" xmlns="" val="10003"/>
+                    <a16:rowId xmlns:a16="http://schemas.microsoft.com/office/drawing/2014/main" val="10003"/>
                   </a:ext>
                 </a:extLst>
               </a:tr>
@@ -7785,10 +7783,9 @@
                     <a:lstStyle/>
                     <a:p>
                       <a:r>
-                        <a:rPr lang="en-US" dirty="0" smtClean="0"/>
+                        <a:rPr lang="en-US" dirty="0"/>
                         <a:t>448:107:5</a:t>
                       </a:r>
-                      <a:endParaRPr lang="en-US" dirty="0"/>
                     </a:p>
                   </a:txBody>
                   <a:tcPr/>
@@ -7813,7 +7810,7 @@
                 </a:tc>
                 <a:extLst>
                   <a:ext uri="{0D108BD9-81ED-4DB2-BD59-A6C34878D82A}">
-                    <a16:rowId xmlns:a16="http://schemas.microsoft.com/office/drawing/2014/main" xmlns="" val="3543017676"/>
+                    <a16:rowId xmlns:a16="http://schemas.microsoft.com/office/drawing/2014/main" val="3543017676"/>
                   </a:ext>
                 </a:extLst>
               </a:tr>
@@ -7986,7 +7983,7 @@
             </a:pPr>
             <a:r>
               <a:rPr lang="en-US" dirty="0"/>
-              <a:t>These three LSNs are equivalent</a:t>
+              <a:t>These four LSNs are equivalent</a:t>
             </a:r>
           </a:p>
         </p:txBody>
@@ -8037,10 +8034,9 @@
           <a:lstStyle/>
           <a:p>
             <a:r>
-              <a:rPr lang="en-US" dirty="0" smtClean="0"/>
+              <a:rPr lang="en-US" dirty="0"/>
               <a:t>Demo</a:t>
             </a:r>
-            <a:endParaRPr lang="en-US" dirty="0"/>
           </a:p>
         </p:txBody>
       </p:sp>
@@ -8063,10 +8059,9 @@
               <a:buNone/>
             </a:pPr>
             <a:r>
-              <a:rPr lang="en-US" dirty="0" smtClean="0"/>
+              <a:rPr lang="en-US" dirty="0"/>
               <a:t>LSN Converter</a:t>
             </a:r>
-            <a:endParaRPr lang="en-US" dirty="0"/>
           </a:p>
         </p:txBody>
       </p:sp>
@@ -8194,13 +8189,6 @@
   <p:clrMapOvr>
     <a:masterClrMapping/>
   </p:clrMapOvr>
-  <p:timing>
-    <p:tnLst>
-      <p:par>
-        <p:cTn id="1" dur="indefinite" restart="never" nodeType="tmRoot"/>
-      </p:par>
-    </p:tnLst>
-  </p:timing>
 </p:sld>
 </file>
 
@@ -8237,10 +8225,9 @@
           <a:lstStyle/>
           <a:p>
             <a:r>
-              <a:rPr lang="en-US" dirty="0" smtClean="0"/>
+              <a:rPr lang="en-US" dirty="0"/>
               <a:t>Demo</a:t>
             </a:r>
-            <a:endParaRPr lang="en-US" dirty="0"/>
           </a:p>
         </p:txBody>
       </p:sp>
@@ -8263,10 +8250,9 @@
               <a:buNone/>
             </a:pPr>
             <a:r>
-              <a:rPr lang="en-US" dirty="0" smtClean="0"/>
+              <a:rPr lang="en-US" dirty="0"/>
               <a:t>DBCC LOGINFO</a:t>
             </a:r>
-            <a:endParaRPr lang="en-US" dirty="0"/>
           </a:p>
         </p:txBody>
       </p:sp>
@@ -8406,13 +8392,6 @@
   <p:clrMapOvr>
     <a:masterClrMapping/>
   </p:clrMapOvr>
-  <p:timing>
-    <p:tnLst>
-      <p:par>
-        <p:cTn id="1" dur="indefinite" restart="never" nodeType="tmRoot"/>
-      </p:par>
-    </p:tnLst>
-  </p:timing>
 </p:sld>
 </file>
 
@@ -8449,10 +8428,9 @@
           <a:lstStyle/>
           <a:p>
             <a:r>
-              <a:rPr lang="en-US" dirty="0" smtClean="0"/>
+              <a:rPr lang="en-US" dirty="0"/>
               <a:t>Demo</a:t>
             </a:r>
-            <a:endParaRPr lang="en-US" dirty="0"/>
           </a:p>
         </p:txBody>
       </p:sp>
@@ -8475,7 +8453,7 @@
               <a:buNone/>
             </a:pPr>
             <a:r>
-              <a:rPr lang="en-US" dirty="0" err="1" smtClean="0"/>
+              <a:rPr lang="en-US" dirty="0" err="1"/>
               <a:t>fn_dblog</a:t>
             </a:r>
             <a:endParaRPr lang="en-US" dirty="0"/>
@@ -9062,10 +9040,9 @@
           <a:lstStyle/>
           <a:p>
             <a:r>
-              <a:rPr lang="en-US" dirty="0" smtClean="0"/>
+              <a:rPr lang="en-US" dirty="0"/>
               <a:t>Checkpoint Process</a:t>
             </a:r>
-            <a:endParaRPr lang="en-US" dirty="0"/>
           </a:p>
         </p:txBody>
       </p:sp>
@@ -9085,47 +9062,46 @@
           <a:lstStyle/>
           <a:p>
             <a:r>
-              <a:rPr lang="en-US" dirty="0" smtClean="0"/>
+              <a:rPr lang="en-US" dirty="0"/>
               <a:t>Write to log (checkpoint start)</a:t>
             </a:r>
           </a:p>
           <a:p>
             <a:pPr lvl="1"/>
             <a:r>
-              <a:rPr lang="en-US" dirty="0" smtClean="0"/>
+              <a:rPr lang="en-US" dirty="0"/>
               <a:t>Also info about any uncommitted transactions</a:t>
             </a:r>
           </a:p>
           <a:p>
             <a:r>
-              <a:rPr lang="en-US" dirty="0" smtClean="0"/>
+              <a:rPr lang="en-US" dirty="0"/>
               <a:t>Flush the log</a:t>
             </a:r>
           </a:p>
           <a:p>
             <a:r>
-              <a:rPr lang="en-US" dirty="0" smtClean="0"/>
+              <a:rPr lang="en-US" dirty="0"/>
               <a:t>Identify dirty pages; write to disk</a:t>
             </a:r>
           </a:p>
           <a:p>
             <a:r>
-              <a:rPr lang="en-US" dirty="0" smtClean="0"/>
+              <a:rPr lang="en-US" dirty="0"/>
               <a:t>Update boot page with log ID corresponding to checkpoint start</a:t>
             </a:r>
           </a:p>
           <a:p>
             <a:r>
-              <a:rPr lang="en-US" dirty="0" smtClean="0"/>
+              <a:rPr lang="en-US" dirty="0"/>
               <a:t>Clear the log (SIMPLE recovery)</a:t>
             </a:r>
           </a:p>
           <a:p>
             <a:r>
-              <a:rPr lang="en-US" dirty="0" smtClean="0"/>
+              <a:rPr lang="en-US" dirty="0"/>
               <a:t>Write to log (checkpoint finish)</a:t>
             </a:r>
-            <a:endParaRPr lang="en-US" dirty="0"/>
           </a:p>
         </p:txBody>
       </p:sp>
@@ -9577,10 +9553,9 @@
           <a:lstStyle/>
           <a:p>
             <a:r>
-              <a:rPr lang="en-US" dirty="0" smtClean="0"/>
+              <a:rPr lang="en-US" dirty="0"/>
               <a:t>Demos</a:t>
             </a:r>
-            <a:endParaRPr lang="en-US" dirty="0"/>
           </a:p>
         </p:txBody>
       </p:sp>
@@ -9603,7 +9578,7 @@
               <a:buNone/>
             </a:pPr>
             <a:r>
-              <a:rPr lang="en-US" dirty="0" smtClean="0"/>
+              <a:rPr lang="en-US" dirty="0"/>
               <a:t>Simple recovery</a:t>
             </a:r>
           </a:p>
@@ -9612,7 +9587,7 @@
               <a:buNone/>
             </a:pPr>
             <a:r>
-              <a:rPr lang="en-US" dirty="0" smtClean="0"/>
+              <a:rPr lang="en-US" dirty="0"/>
               <a:t>Full recovery</a:t>
             </a:r>
           </a:p>
@@ -9670,10 +9645,9 @@
           <a:lstStyle/>
           <a:p>
             <a:r>
-              <a:rPr lang="en-US" dirty="0" smtClean="0"/>
+              <a:rPr lang="en-US" dirty="0"/>
               <a:t>Rolling Back a Transaction</a:t>
             </a:r>
-            <a:endParaRPr lang="en-US" dirty="0"/>
           </a:p>
         </p:txBody>
       </p:sp>
@@ -9693,45 +9667,44 @@
           <a:lstStyle/>
           <a:p>
             <a:r>
-              <a:rPr lang="en-US" dirty="0" smtClean="0"/>
+              <a:rPr lang="en-US" dirty="0"/>
               <a:t>When a transaction cannot complete, it must rollback</a:t>
             </a:r>
           </a:p>
           <a:p>
             <a:pPr lvl="1"/>
             <a:r>
-              <a:rPr lang="en-US" dirty="0" smtClean="0"/>
+              <a:rPr lang="en-US" dirty="0"/>
               <a:t>ROLLBACK TRANSACTION command</a:t>
             </a:r>
           </a:p>
           <a:p>
             <a:pPr lvl="1"/>
             <a:r>
-              <a:rPr lang="en-US" dirty="0" smtClean="0"/>
+              <a:rPr lang="en-US" dirty="0"/>
               <a:t>Connection is abandoned</a:t>
             </a:r>
           </a:p>
           <a:p>
             <a:pPr lvl="2"/>
             <a:r>
-              <a:rPr lang="en-US" dirty="0" smtClean="0"/>
+              <a:rPr lang="en-US" dirty="0"/>
               <a:t>Network failure, KILL, severe errors, client crash</a:t>
             </a:r>
           </a:p>
           <a:p>
             <a:pPr lvl="1"/>
             <a:r>
-              <a:rPr lang="en-US" dirty="0" smtClean="0"/>
+              <a:rPr lang="en-US" dirty="0"/>
               <a:t>Non-graceful shutdown of SQL (crash recovery)</a:t>
             </a:r>
           </a:p>
           <a:p>
             <a:pPr lvl="1"/>
             <a:r>
-              <a:rPr lang="en-US" dirty="0" smtClean="0"/>
+              <a:rPr lang="en-US" dirty="0"/>
               <a:t>Restore operations</a:t>
             </a:r>
-            <a:endParaRPr lang="en-US" dirty="0"/>
           </a:p>
         </p:txBody>
       </p:sp>
@@ -9781,10 +9754,9 @@
           <a:lstStyle/>
           <a:p>
             <a:r>
-              <a:rPr lang="en-US" dirty="0" smtClean="0"/>
+              <a:rPr lang="en-US" dirty="0"/>
               <a:t>Rolling Back a Transaction</a:t>
             </a:r>
-            <a:endParaRPr lang="en-US" dirty="0"/>
           </a:p>
         </p:txBody>
       </p:sp>
@@ -9804,10 +9776,9 @@
           <a:lstStyle/>
           <a:p>
             <a:r>
-              <a:rPr lang="en-US" dirty="0" smtClean="0"/>
+              <a:rPr lang="en-US" dirty="0"/>
               <a:t>Log records form a reverse linked list of operations within a transaction.</a:t>
             </a:r>
-            <a:endParaRPr lang="en-US" dirty="0"/>
           </a:p>
         </p:txBody>
       </p:sp>
@@ -9923,14 +9894,14 @@
                 <a:gridCol w="3048000">
                   <a:extLst>
                     <a:ext uri="{9D8B030D-6E8A-4147-A177-3AD203B41FA5}">
-                      <a16:colId xmlns:a16="http://schemas.microsoft.com/office/drawing/2014/main" xmlns="" val="20000"/>
+                      <a16:colId xmlns:a16="http://schemas.microsoft.com/office/drawing/2014/main" val="20000"/>
                     </a:ext>
                   </a:extLst>
                 </a:gridCol>
                 <a:gridCol w="3048000">
                   <a:extLst>
                     <a:ext uri="{9D8B030D-6E8A-4147-A177-3AD203B41FA5}">
-                      <a16:colId xmlns:a16="http://schemas.microsoft.com/office/drawing/2014/main" xmlns="" val="20001"/>
+                      <a16:colId xmlns:a16="http://schemas.microsoft.com/office/drawing/2014/main" val="20001"/>
                     </a:ext>
                   </a:extLst>
                 </a:gridCol>
@@ -9976,7 +9947,7 @@
                 </a:tc>
                 <a:extLst>
                   <a:ext uri="{0D108BD9-81ED-4DB2-BD59-A6C34878D82A}">
-                    <a16:rowId xmlns:a16="http://schemas.microsoft.com/office/drawing/2014/main" xmlns="" val="10000"/>
+                    <a16:rowId xmlns:a16="http://schemas.microsoft.com/office/drawing/2014/main" val="10000"/>
                   </a:ext>
                 </a:extLst>
               </a:tr>
@@ -10011,7 +9982,7 @@
                 </a:tc>
                 <a:extLst>
                   <a:ext uri="{0D108BD9-81ED-4DB2-BD59-A6C34878D82A}">
-                    <a16:rowId xmlns:a16="http://schemas.microsoft.com/office/drawing/2014/main" xmlns="" val="10001"/>
+                    <a16:rowId xmlns:a16="http://schemas.microsoft.com/office/drawing/2014/main" val="10001"/>
                   </a:ext>
                 </a:extLst>
               </a:tr>
@@ -10046,7 +10017,7 @@
                 </a:tc>
                 <a:extLst>
                   <a:ext uri="{0D108BD9-81ED-4DB2-BD59-A6C34878D82A}">
-                    <a16:rowId xmlns:a16="http://schemas.microsoft.com/office/drawing/2014/main" xmlns="" val="10002"/>
+                    <a16:rowId xmlns:a16="http://schemas.microsoft.com/office/drawing/2014/main" val="10002"/>
                   </a:ext>
                 </a:extLst>
               </a:tr>
@@ -10086,7 +10057,7 @@
                 </a:tc>
                 <a:extLst>
                   <a:ext uri="{0D108BD9-81ED-4DB2-BD59-A6C34878D82A}">
-                    <a16:rowId xmlns:a16="http://schemas.microsoft.com/office/drawing/2014/main" xmlns="" val="10003"/>
+                    <a16:rowId xmlns:a16="http://schemas.microsoft.com/office/drawing/2014/main" val="10003"/>
                   </a:ext>
                 </a:extLst>
               </a:tr>
@@ -10346,13 +10317,8 @@
           <a:p>
             <a:r>
               <a:rPr lang="en-US" dirty="0"/>
-              <a:t>Too many VLFs create performance </a:t>
-            </a:r>
-            <a:r>
-              <a:rPr lang="en-US" dirty="0" smtClean="0"/>
-              <a:t>problems (“VLF Fragmentation”)</a:t>
-            </a:r>
-            <a:endParaRPr lang="en-US" dirty="0"/>
+              <a:t>Too many VLFs create performance problems (“VLF Fragmentation”)</a:t>
+            </a:r>
           </a:p>
           <a:p>
             <a:pPr lvl="1"/>
@@ -10365,15 +10331,7 @@
             <a:pPr lvl="2"/>
             <a:r>
               <a:rPr lang="en-US" dirty="0"/>
-              <a:t>Start-up time for database, log </a:t>
-            </a:r>
-            <a:r>
-              <a:rPr lang="en-US" dirty="0" smtClean="0"/>
-              <a:t>reader, backup &amp; restore, </a:t>
-            </a:r>
-            <a:r>
-              <a:rPr lang="en-US" dirty="0"/>
-              <a:t>etc.</a:t>
+              <a:t>Start-up time for database, log reader, backup &amp; restore, etc.</a:t>
             </a:r>
           </a:p>
           <a:p>
@@ -10401,13 +10359,8 @@
             <a:pPr lvl="1"/>
             <a:r>
               <a:rPr lang="en-US" dirty="0"/>
-              <a:t>Clearing the </a:t>
-            </a:r>
-            <a:r>
-              <a:rPr lang="en-US" dirty="0" smtClean="0"/>
-              <a:t>log, especially when long-running transactions are happening</a:t>
-            </a:r>
-            <a:endParaRPr lang="en-US" dirty="0"/>
+              <a:t>Clearing the log, especially when long-running transactions are happening</a:t>
+            </a:r>
           </a:p>
         </p:txBody>
       </p:sp>
@@ -10602,10 +10555,9 @@
           <a:lstStyle/>
           <a:p>
             <a:r>
-              <a:rPr lang="en-US" dirty="0" smtClean="0"/>
+              <a:rPr lang="en-US" dirty="0"/>
               <a:t>Pre-Allocating the Log</a:t>
             </a:r>
-            <a:endParaRPr lang="en-US" dirty="0"/>
           </a:p>
         </p:txBody>
       </p:sp>
@@ -10625,31 +10577,30 @@
           <a:lstStyle/>
           <a:p>
             <a:r>
-              <a:rPr lang="en-US" dirty="0" smtClean="0"/>
+              <a:rPr lang="en-US" dirty="0"/>
               <a:t>Why?</a:t>
             </a:r>
           </a:p>
           <a:p>
             <a:pPr lvl="1"/>
             <a:r>
-              <a:rPr lang="en-US" dirty="0" smtClean="0"/>
+              <a:rPr lang="en-US" dirty="0"/>
               <a:t>Eliminate VLF fragmentation</a:t>
             </a:r>
           </a:p>
           <a:p>
             <a:pPr lvl="1"/>
             <a:r>
-              <a:rPr lang="en-US" dirty="0" smtClean="0"/>
+              <a:rPr lang="en-US" dirty="0"/>
               <a:t>Avoid log growth during user operations</a:t>
             </a:r>
           </a:p>
           <a:p>
             <a:pPr lvl="2"/>
             <a:r>
-              <a:rPr lang="en-US" dirty="0" smtClean="0"/>
+              <a:rPr lang="en-US" dirty="0"/>
               <a:t>Can be time-consuming due to zero-initialization</a:t>
             </a:r>
-            <a:endParaRPr lang="en-US" dirty="0"/>
           </a:p>
         </p:txBody>
       </p:sp>
@@ -10699,10 +10650,9 @@
           <a:lstStyle/>
           <a:p>
             <a:r>
-              <a:rPr lang="en-US" dirty="0" smtClean="0"/>
+              <a:rPr lang="en-US" dirty="0"/>
               <a:t>Demo</a:t>
             </a:r>
-            <a:endParaRPr lang="en-US" dirty="0"/>
           </a:p>
         </p:txBody>
       </p:sp>
@@ -10725,10 +10675,9 @@
               <a:buNone/>
             </a:pPr>
             <a:r>
-              <a:rPr lang="en-US" dirty="0" smtClean="0"/>
+              <a:rPr lang="en-US" dirty="0"/>
               <a:t>VLF Fragmentation</a:t>
             </a:r>
-            <a:endParaRPr lang="en-US" dirty="0"/>
           </a:p>
         </p:txBody>
       </p:sp>
@@ -10778,10 +10727,9 @@
           <a:lstStyle/>
           <a:p>
             <a:r>
-              <a:rPr lang="en-US" dirty="0" smtClean="0"/>
+              <a:rPr lang="en-US" dirty="0"/>
               <a:t>Log Monitoring</a:t>
             </a:r>
-            <a:endParaRPr lang="en-US" dirty="0"/>
           </a:p>
         </p:txBody>
       </p:sp>
@@ -10803,45 +10751,45 @@
           <a:lstStyle/>
           <a:p>
             <a:r>
-              <a:rPr lang="en-US" dirty="0" smtClean="0"/>
+              <a:rPr lang="en-US" dirty="0"/>
               <a:t>Watch your VLF count</a:t>
             </a:r>
           </a:p>
           <a:p>
             <a:r>
-              <a:rPr lang="en-US" dirty="0" smtClean="0"/>
+              <a:rPr lang="en-US" dirty="0"/>
               <a:t>Monitor log </a:t>
             </a:r>
             <a:r>
-              <a:rPr lang="en-US" smtClean="0"/>
+              <a:rPr lang="en-US"/>
               <a:t>size over time</a:t>
             </a:r>
-            <a:endParaRPr lang="en-US" dirty="0" smtClean="0"/>
-          </a:p>
-          <a:p>
-            <a:r>
-              <a:rPr lang="en-US" dirty="0" smtClean="0"/>
+            <a:endParaRPr lang="en-US" dirty="0"/>
+          </a:p>
+          <a:p>
+            <a:r>
+              <a:rPr lang="en-US" dirty="0"/>
               <a:t>Set SQL Alerts on:</a:t>
             </a:r>
           </a:p>
           <a:p>
             <a:pPr lvl="1"/>
             <a:r>
-              <a:rPr lang="en-US" dirty="0" smtClean="0"/>
+              <a:rPr lang="en-US" dirty="0"/>
               <a:t>Severity 17 errors (will alert on log full)</a:t>
             </a:r>
           </a:p>
           <a:p>
             <a:pPr lvl="1"/>
             <a:r>
-              <a:rPr lang="en-US" dirty="0" smtClean="0"/>
+              <a:rPr lang="en-US" dirty="0"/>
               <a:t>Error 5145</a:t>
             </a:r>
           </a:p>
           <a:p>
             <a:pPr lvl="2"/>
             <a:r>
-              <a:rPr lang="en-US" sz="1800" b="1" dirty="0" err="1" smtClean="0">
+              <a:rPr lang="en-US" sz="1800" b="1" dirty="0" err="1">
                 <a:solidFill>
                   <a:srgbClr val="FF0000"/>
                 </a:solidFill>
@@ -10851,7 +10799,37 @@
               <a:t>Autogrow</a:t>
             </a:r>
             <a:r>
-              <a:rPr lang="en-US" sz="1800" b="1" dirty="0" smtClean="0">
+              <a:rPr lang="en-US" sz="1800" b="1" dirty="0">
+                <a:solidFill>
+                  <a:srgbClr val="FF0000"/>
+                </a:solidFill>
+                <a:latin typeface="Courier New" panose="02070309020205020404" pitchFamily="49" charset="0"/>
+                <a:cs typeface="Courier New" panose="02070309020205020404" pitchFamily="49" charset="0"/>
+              </a:rPr>
+              <a:t> of file '…' in database '…' was cancelled by user or timed out after xx milliseconds.</a:t>
+            </a:r>
+          </a:p>
+          <a:p>
+            <a:pPr lvl="1"/>
+            <a:r>
+              <a:rPr lang="en-US" dirty="0"/>
+              <a:t>Error 5144</a:t>
+            </a:r>
+          </a:p>
+          <a:p>
+            <a:pPr lvl="2"/>
+            <a:r>
+              <a:rPr lang="en-US" sz="1800" b="1" dirty="0" err="1">
+                <a:solidFill>
+                  <a:srgbClr val="FF0000"/>
+                </a:solidFill>
+                <a:latin typeface="Courier New" panose="02070309020205020404" pitchFamily="49" charset="0"/>
+                <a:cs typeface="Courier New" panose="02070309020205020404" pitchFamily="49" charset="0"/>
+              </a:rPr>
+              <a:t>Autogrow</a:t>
+            </a:r>
+            <a:r>
+              <a:rPr lang="en-US" sz="1800" b="1" dirty="0">
                 <a:solidFill>
                   <a:srgbClr val="FF0000"/>
                 </a:solidFill>
@@ -10861,85 +10839,15 @@
               <a:t> of file </a:t>
             </a:r>
             <a:r>
-              <a:rPr lang="en-US" sz="1800" b="1" dirty="0">
+              <a:rPr lang="en-US" sz="1800" dirty="0">
                 <a:solidFill>
                   <a:srgbClr val="FF0000"/>
                 </a:solidFill>
-                <a:latin typeface="Courier New" panose="02070309020205020404" pitchFamily="49" charset="0"/>
-                <a:cs typeface="Courier New" panose="02070309020205020404" pitchFamily="49" charset="0"/>
               </a:rPr>
               <a:t>'</a:t>
             </a:r>
             <a:r>
-              <a:rPr lang="en-US" sz="1800" b="1" dirty="0" smtClean="0">
-                <a:solidFill>
-                  <a:srgbClr val="FF0000"/>
-                </a:solidFill>
-                <a:latin typeface="Courier New" panose="02070309020205020404" pitchFamily="49" charset="0"/>
-                <a:cs typeface="Courier New" panose="02070309020205020404" pitchFamily="49" charset="0"/>
-              </a:rPr>
-              <a:t>…' in database </a:t>
-            </a:r>
-            <a:r>
               <a:rPr lang="en-US" sz="1800" b="1" dirty="0">
-                <a:solidFill>
-                  <a:srgbClr val="FF0000"/>
-                </a:solidFill>
-                <a:latin typeface="Courier New" panose="02070309020205020404" pitchFamily="49" charset="0"/>
-                <a:cs typeface="Courier New" panose="02070309020205020404" pitchFamily="49" charset="0"/>
-              </a:rPr>
-              <a:t>'</a:t>
-            </a:r>
-            <a:r>
-              <a:rPr lang="en-US" sz="1800" b="1" dirty="0" smtClean="0">
-                <a:solidFill>
-                  <a:srgbClr val="FF0000"/>
-                </a:solidFill>
-                <a:latin typeface="Courier New" panose="02070309020205020404" pitchFamily="49" charset="0"/>
-                <a:cs typeface="Courier New" panose="02070309020205020404" pitchFamily="49" charset="0"/>
-              </a:rPr>
-              <a:t>…' was cancelled by user or timed out after xx milliseconds.</a:t>
-            </a:r>
-          </a:p>
-          <a:p>
-            <a:pPr lvl="1"/>
-            <a:r>
-              <a:rPr lang="en-US" dirty="0" smtClean="0"/>
-              <a:t>Error 5144</a:t>
-            </a:r>
-          </a:p>
-          <a:p>
-            <a:pPr lvl="2"/>
-            <a:r>
-              <a:rPr lang="en-US" sz="1800" b="1" dirty="0" err="1" smtClean="0">
-                <a:solidFill>
-                  <a:srgbClr val="FF0000"/>
-                </a:solidFill>
-                <a:latin typeface="Courier New" panose="02070309020205020404" pitchFamily="49" charset="0"/>
-                <a:cs typeface="Courier New" panose="02070309020205020404" pitchFamily="49" charset="0"/>
-              </a:rPr>
-              <a:t>Autogrow</a:t>
-            </a:r>
-            <a:r>
-              <a:rPr lang="en-US" sz="1800" b="1" dirty="0" smtClean="0">
-                <a:solidFill>
-                  <a:srgbClr val="FF0000"/>
-                </a:solidFill>
-                <a:latin typeface="Courier New" panose="02070309020205020404" pitchFamily="49" charset="0"/>
-                <a:cs typeface="Courier New" panose="02070309020205020404" pitchFamily="49" charset="0"/>
-              </a:rPr>
-              <a:t> of file </a:t>
-            </a:r>
-            <a:r>
-              <a:rPr lang="en-US" sz="1800" dirty="0" smtClean="0">
-                <a:solidFill>
-                  <a:srgbClr val="FF0000"/>
-                </a:solidFill>
-              </a:rPr>
-              <a:t>'</a:t>
-            </a:r>
-            <a:r>
-              <a:rPr lang="en-US" sz="1800" b="1" dirty="0" smtClean="0">
                 <a:solidFill>
                   <a:srgbClr val="FF0000"/>
                 </a:solidFill>
@@ -10957,7 +10865,7 @@
               <a:t>'</a:t>
             </a:r>
             <a:r>
-              <a:rPr lang="en-US" sz="1800" b="1" dirty="0" smtClean="0">
+              <a:rPr lang="en-US" sz="1800" b="1" dirty="0">
                 <a:solidFill>
                   <a:srgbClr val="FF0000"/>
                 </a:solidFill>
@@ -10967,7 +10875,7 @@
               <a:t> in database </a:t>
             </a:r>
             <a:r>
-              <a:rPr lang="en-US" sz="1800" dirty="0" smtClean="0">
+              <a:rPr lang="en-US" sz="1800" dirty="0">
                 <a:solidFill>
                   <a:srgbClr val="FF0000"/>
                 </a:solidFill>
@@ -10975,7 +10883,7 @@
               <a:t>'</a:t>
             </a:r>
             <a:r>
-              <a:rPr lang="en-US" sz="1800" b="1" dirty="0" smtClean="0">
+              <a:rPr lang="en-US" sz="1800" b="1" dirty="0">
                 <a:solidFill>
                   <a:srgbClr val="FF0000"/>
                 </a:solidFill>
@@ -10993,7 +10901,7 @@
               <a:t>'</a:t>
             </a:r>
             <a:r>
-              <a:rPr lang="en-US" sz="1800" b="1" dirty="0" smtClean="0">
+              <a:rPr lang="en-US" sz="1800" b="1" dirty="0">
                 <a:solidFill>
                   <a:srgbClr val="FF0000"/>
                 </a:solidFill>
@@ -11002,13 +10910,6 @@
               </a:rPr>
               <a:t> took xx milliseconds.</a:t>
             </a:r>
-            <a:endParaRPr lang="en-US" sz="1800" b="1" dirty="0">
-              <a:solidFill>
-                <a:srgbClr val="FF0000"/>
-              </a:solidFill>
-              <a:latin typeface="Courier New" panose="02070309020205020404" pitchFamily="49" charset="0"/>
-              <a:cs typeface="Courier New" panose="02070309020205020404" pitchFamily="49" charset="0"/>
-            </a:endParaRPr>
           </a:p>
         </p:txBody>
       </p:sp>
@@ -11077,7 +10978,7 @@
         <p:spPr/>
         <p:txBody>
           <a:bodyPr>
-            <a:normAutofit/>
+            <a:normAutofit lnSpcReduction="10000"/>
           </a:bodyPr>
           <a:lstStyle/>
           <a:p>
@@ -11086,16 +10987,15 @@
               <a:t>This presentation and supporting materials can be found at </a:t>
             </a:r>
             <a:r>
-              <a:rPr lang="en-US" dirty="0" smtClean="0">
+              <a:rPr lang="en-US" dirty="0">
                 <a:hlinkClick r:id="rId2"/>
               </a:rPr>
               <a:t>www.tf3604.com/log</a:t>
             </a:r>
             <a:r>
-              <a:rPr lang="en-US" dirty="0" smtClean="0"/>
+              <a:rPr lang="en-US" dirty="0"/>
               <a:t>.</a:t>
             </a:r>
-            <a:endParaRPr lang="en-US" dirty="0"/>
           </a:p>
           <a:p>
             <a:pPr lvl="1"/>
@@ -11122,15 +11022,15 @@
             <a:pPr lvl="1"/>
             <a:r>
               <a:rPr lang="en-US" dirty="0"/>
-              <a:t>SQL Server </a:t>
-            </a:r>
-            <a:r>
-              <a:rPr lang="en-US" dirty="0" smtClean="0"/>
-              <a:t>Log File Visualizer binaries </a:t>
-            </a:r>
-            <a:r>
-              <a:rPr lang="en-US" dirty="0"/>
-              <a:t>&amp; source</a:t>
+              <a:t>SQL Server Log File Visualizer &amp; </a:t>
+            </a:r>
+            <a:r>
+              <a:rPr lang="en-US"/>
+              <a:t>LSN Converter </a:t>
+            </a:r>
+            <a:r>
+              <a:rPr lang="en-US" dirty="0"/>
+              <a:t>binaries &amp; source</a:t>
             </a:r>
           </a:p>
           <a:p>
@@ -11374,28 +11274,23 @@
             <a:pPr lvl="1"/>
             <a:r>
               <a:rPr lang="en-US" dirty="0"/>
-              <a:t>Write once / read </a:t>
-            </a:r>
-            <a:r>
-              <a:rPr lang="en-US" dirty="0" smtClean="0"/>
-              <a:t>many</a:t>
+              <a:t>Write once / read many</a:t>
             </a:r>
           </a:p>
           <a:p>
             <a:pPr lvl="2"/>
             <a:r>
-              <a:rPr lang="en-US" dirty="0" smtClean="0"/>
+              <a:rPr lang="en-US" dirty="0"/>
               <a:t>After being written, log records are </a:t>
             </a:r>
             <a:r>
-              <a:rPr lang="en-US" b="1" dirty="0" smtClean="0"/>
+              <a:rPr lang="en-US" b="1" dirty="0"/>
               <a:t>never</a:t>
             </a:r>
             <a:r>
-              <a:rPr lang="en-US" dirty="0" smtClean="0"/>
+              <a:rPr lang="en-US" dirty="0"/>
               <a:t> changed</a:t>
             </a:r>
-            <a:endParaRPr lang="en-US" dirty="0"/>
           </a:p>
           <a:p>
             <a:r>

--- a/TransactionLog.pptx
+++ b/TransactionLog.pptx
@@ -5,7 +5,7 @@
     <p:sldMasterId id="2147483648" r:id="rId1"/>
   </p:sldMasterIdLst>
   <p:notesMasterIdLst>
-    <p:notesMasterId r:id="rId45"/>
+    <p:notesMasterId r:id="rId51"/>
   </p:notesMasterIdLst>
   <p:sldIdLst>
     <p:sldId id="328" r:id="rId2"/>
@@ -45,12 +45,18 @@
     <p:sldId id="366" r:id="rId36"/>
     <p:sldId id="368" r:id="rId37"/>
     <p:sldId id="369" r:id="rId38"/>
-    <p:sldId id="357" r:id="rId39"/>
-    <p:sldId id="359" r:id="rId40"/>
-    <p:sldId id="365" r:id="rId41"/>
-    <p:sldId id="367" r:id="rId42"/>
-    <p:sldId id="370" r:id="rId43"/>
-    <p:sldId id="371" r:id="rId44"/>
+    <p:sldId id="373" r:id="rId39"/>
+    <p:sldId id="374" r:id="rId40"/>
+    <p:sldId id="375" r:id="rId41"/>
+    <p:sldId id="376" r:id="rId42"/>
+    <p:sldId id="377" r:id="rId43"/>
+    <p:sldId id="372" r:id="rId44"/>
+    <p:sldId id="357" r:id="rId45"/>
+    <p:sldId id="359" r:id="rId46"/>
+    <p:sldId id="365" r:id="rId47"/>
+    <p:sldId id="367" r:id="rId48"/>
+    <p:sldId id="370" r:id="rId49"/>
+    <p:sldId id="371" r:id="rId50"/>
   </p:sldIdLst>
   <p:sldSz cx="9144000" cy="6858000" type="screen4x3"/>
   <p:notesSz cx="6858000" cy="9144000"/>
@@ -250,7 +256,7 @@
           <a:p>
             <a:fld id="{2EDCB34D-5EC2-4739-9693-E425457AC201}" type="datetimeFigureOut">
               <a:rPr lang="en-US" smtClean="0"/>
-              <a:t>9/8/2016</a:t>
+              <a:t>09/09/2016</a:t>
             </a:fld>
             <a:endParaRPr lang="en-US"/>
           </a:p>
@@ -836,7 +842,7 @@
             <a:fld id="{5942B21B-2ADA-A040-A652-A7305E1B99FE}" type="datetimeFigureOut">
               <a:rPr lang="en-US" smtClean="0"/>
               <a:pPr/>
-              <a:t>9/8/2016</a:t>
+              <a:t>09/09/2016</a:t>
             </a:fld>
             <a:endParaRPr lang="en-US" dirty="0"/>
           </a:p>
@@ -1026,7 +1032,7 @@
           <a:p>
             <a:fld id="{5942B21B-2ADA-A040-A652-A7305E1B99FE}" type="datetimeFigureOut">
               <a:rPr lang="en-US" smtClean="0"/>
-              <a:t>9/8/2016</a:t>
+              <a:t>09/09/2016</a:t>
             </a:fld>
             <a:endParaRPr lang="en-US"/>
           </a:p>
@@ -1150,7 +1156,7 @@
             <a:fld id="{5942B21B-2ADA-A040-A652-A7305E1B99FE}" type="datetimeFigureOut">
               <a:rPr lang="en-US" smtClean="0"/>
               <a:pPr/>
-              <a:t>9/8/2016</a:t>
+              <a:t>09/09/2016</a:t>
             </a:fld>
             <a:r>
               <a:rPr lang="en-US"/>
@@ -1421,7 +1427,7 @@
             <a:fld id="{5942B21B-2ADA-A040-A652-A7305E1B99FE}" type="datetimeFigureOut">
               <a:rPr lang="en-US" smtClean="0"/>
               <a:pPr/>
-              <a:t>9/8/2016</a:t>
+              <a:t>09/09/2016</a:t>
             </a:fld>
             <a:r>
               <a:rPr lang="en-US" dirty="0"/>
@@ -1691,7 +1697,7 @@
             <a:fld id="{5942B21B-2ADA-A040-A652-A7305E1B99FE}" type="datetimeFigureOut">
               <a:rPr lang="en-US" smtClean="0"/>
               <a:pPr/>
-              <a:t>9/8/2016</a:t>
+              <a:t>09/09/2016</a:t>
             </a:fld>
             <a:r>
               <a:rPr lang="en-US" dirty="0"/>
@@ -2031,7 +2037,7 @@
             <a:fld id="{5942B21B-2ADA-A040-A652-A7305E1B99FE}" type="datetimeFigureOut">
               <a:rPr lang="en-US" smtClean="0"/>
               <a:pPr/>
-              <a:t>9/8/2016</a:t>
+              <a:t>09/09/2016</a:t>
             </a:fld>
             <a:r>
               <a:rPr lang="en-US" dirty="0"/>
@@ -2372,7 +2378,7 @@
             <a:fld id="{5942B21B-2ADA-A040-A652-A7305E1B99FE}" type="datetimeFigureOut">
               <a:rPr lang="en-US" smtClean="0"/>
               <a:pPr/>
-              <a:t>9/8/2016</a:t>
+              <a:t>09/09/2016</a:t>
             </a:fld>
             <a:r>
               <a:rPr lang="en-US" dirty="0"/>
@@ -2887,7 +2893,7 @@
             <a:fld id="{5942B21B-2ADA-A040-A652-A7305E1B99FE}" type="datetimeFigureOut">
               <a:rPr lang="en-US" smtClean="0"/>
               <a:pPr/>
-              <a:t>9/8/2016</a:t>
+              <a:t>09/09/2016</a:t>
             </a:fld>
             <a:r>
               <a:rPr lang="en-US" dirty="0"/>
@@ -3096,7 +3102,7 @@
             <a:fld id="{5942B21B-2ADA-A040-A652-A7305E1B99FE}" type="datetimeFigureOut">
               <a:rPr lang="en-US" smtClean="0"/>
               <a:pPr/>
-              <a:t>9/8/2016</a:t>
+              <a:t>09/09/2016</a:t>
             </a:fld>
             <a:r>
               <a:rPr lang="en-US" dirty="0"/>
@@ -3283,7 +3289,7 @@
             <a:fld id="{5942B21B-2ADA-A040-A652-A7305E1B99FE}" type="datetimeFigureOut">
               <a:rPr lang="en-US" smtClean="0"/>
               <a:pPr/>
-              <a:t>9/8/2016</a:t>
+              <a:t>09/09/2016</a:t>
             </a:fld>
             <a:r>
               <a:rPr lang="en-US" dirty="0"/>
@@ -3614,7 +3620,7 @@
             <a:fld id="{5942B21B-2ADA-A040-A652-A7305E1B99FE}" type="datetimeFigureOut">
               <a:rPr lang="en-US" smtClean="0"/>
               <a:pPr/>
-              <a:t>9/8/2016</a:t>
+              <a:t>09/09/2016</a:t>
             </a:fld>
             <a:r>
               <a:rPr lang="en-US" dirty="0"/>
@@ -3922,7 +3928,7 @@
             <a:fld id="{5942B21B-2ADA-A040-A652-A7305E1B99FE}" type="datetimeFigureOut">
               <a:rPr lang="en-US" smtClean="0"/>
               <a:pPr/>
-              <a:t>9/8/2016</a:t>
+              <a:t>09/09/2016</a:t>
             </a:fld>
             <a:r>
               <a:rPr lang="en-US" dirty="0"/>
@@ -4201,7 +4207,7 @@
             <a:fld id="{5942B21B-2ADA-A040-A652-A7305E1B99FE}" type="datetimeFigureOut">
               <a:rPr lang="en-US" smtClean="0"/>
               <a:pPr/>
-              <a:t>9/8/2016</a:t>
+              <a:t>09/09/2016</a:t>
             </a:fld>
             <a:r>
               <a:rPr lang="en-US" dirty="0"/>
@@ -7518,21 +7524,21 @@
                 <a:gridCol w="1895475">
                   <a:extLst>
                     <a:ext uri="{9D8B030D-6E8A-4147-A177-3AD203B41FA5}">
-                      <a16:colId xmlns:a16="http://schemas.microsoft.com/office/drawing/2014/main" val="20000"/>
+                      <a16:colId xmlns:a16="http://schemas.microsoft.com/office/drawing/2014/main" xmlns="" val="20000"/>
                     </a:ext>
                   </a:extLst>
                 </a:gridCol>
                 <a:gridCol w="3171825">
                   <a:extLst>
                     <a:ext uri="{9D8B030D-6E8A-4147-A177-3AD203B41FA5}">
-                      <a16:colId xmlns:a16="http://schemas.microsoft.com/office/drawing/2014/main" val="20001"/>
+                      <a16:colId xmlns:a16="http://schemas.microsoft.com/office/drawing/2014/main" xmlns="" val="20001"/>
                     </a:ext>
                   </a:extLst>
                 </a:gridCol>
                 <a:gridCol w="3162300">
                   <a:extLst>
                     <a:ext uri="{9D8B030D-6E8A-4147-A177-3AD203B41FA5}">
-                      <a16:colId xmlns:a16="http://schemas.microsoft.com/office/drawing/2014/main" val="20002"/>
+                      <a16:colId xmlns:a16="http://schemas.microsoft.com/office/drawing/2014/main" xmlns="" val="20002"/>
                     </a:ext>
                   </a:extLst>
                 </a:gridCol>
@@ -7579,7 +7585,7 @@
                 </a:tc>
                 <a:extLst>
                   <a:ext uri="{0D108BD9-81ED-4DB2-BD59-A6C34878D82A}">
-                    <a16:rowId xmlns:a16="http://schemas.microsoft.com/office/drawing/2014/main" val="10000"/>
+                    <a16:rowId xmlns:a16="http://schemas.microsoft.com/office/drawing/2014/main" xmlns="" val="10000"/>
                   </a:ext>
                 </a:extLst>
               </a:tr>
@@ -7642,7 +7648,7 @@
                 </a:tc>
                 <a:extLst>
                   <a:ext uri="{0D108BD9-81ED-4DB2-BD59-A6C34878D82A}">
-                    <a16:rowId xmlns:a16="http://schemas.microsoft.com/office/drawing/2014/main" val="10001"/>
+                    <a16:rowId xmlns:a16="http://schemas.microsoft.com/office/drawing/2014/main" xmlns="" val="10001"/>
                   </a:ext>
                 </a:extLst>
               </a:tr>
@@ -7713,7 +7719,7 @@
                 </a:tc>
                 <a:extLst>
                   <a:ext uri="{0D108BD9-81ED-4DB2-BD59-A6C34878D82A}">
-                    <a16:rowId xmlns:a16="http://schemas.microsoft.com/office/drawing/2014/main" val="10002"/>
+                    <a16:rowId xmlns:a16="http://schemas.microsoft.com/office/drawing/2014/main" xmlns="" val="10002"/>
                   </a:ext>
                 </a:extLst>
               </a:tr>
@@ -7759,7 +7765,7 @@
                 </a:tc>
                 <a:extLst>
                   <a:ext uri="{0D108BD9-81ED-4DB2-BD59-A6C34878D82A}">
-                    <a16:rowId xmlns:a16="http://schemas.microsoft.com/office/drawing/2014/main" val="10003"/>
+                    <a16:rowId xmlns:a16="http://schemas.microsoft.com/office/drawing/2014/main" xmlns="" val="10003"/>
                   </a:ext>
                 </a:extLst>
               </a:tr>
@@ -7810,7 +7816,7 @@
                 </a:tc>
                 <a:extLst>
                   <a:ext uri="{0D108BD9-81ED-4DB2-BD59-A6C34878D82A}">
-                    <a16:rowId xmlns:a16="http://schemas.microsoft.com/office/drawing/2014/main" val="3543017676"/>
+                    <a16:rowId xmlns:a16="http://schemas.microsoft.com/office/drawing/2014/main" xmlns="" val="3543017676"/>
                   </a:ext>
                 </a:extLst>
               </a:tr>
@@ -9770,18 +9776,64 @@
             <p:ph idx="1"/>
           </p:nvPr>
         </p:nvSpPr>
-        <p:spPr/>
+        <p:spPr>
+          <a:xfrm>
+            <a:off x="4352544" y="1600200"/>
+            <a:ext cx="4334256" cy="4525963"/>
+          </a:xfrm>
+        </p:spPr>
         <p:txBody>
           <a:bodyPr/>
           <a:lstStyle/>
           <a:p>
             <a:r>
               <a:rPr lang="en-US" dirty="0"/>
-              <a:t>Log records form a reverse linked list of operations within a transaction.</a:t>
-            </a:r>
-          </a:p>
-        </p:txBody>
-      </p:sp>
+              <a:t>Log records form a reverse linked list of operations within a transaction</a:t>
+            </a:r>
+            <a:r>
+              <a:rPr lang="en-US" dirty="0" smtClean="0"/>
+              <a:t>.</a:t>
+            </a:r>
+          </a:p>
+          <a:p>
+            <a:r>
+              <a:rPr lang="en-US" dirty="0" smtClean="0"/>
+              <a:t>Let’s suppose the yellow transaction needs to roll back.</a:t>
+            </a:r>
+          </a:p>
+          <a:p>
+            <a:r>
+              <a:rPr lang="en-US" dirty="0" smtClean="0"/>
+              <a:t>The first record is for “begin transaction.”</a:t>
+            </a:r>
+            <a:endParaRPr lang="en-US" dirty="0"/>
+          </a:p>
+        </p:txBody>
+      </p:sp>
+      <p:pic>
+        <p:nvPicPr>
+          <p:cNvPr id="4" name="Picture 3"/>
+          <p:cNvPicPr>
+            <a:picLocks noChangeAspect="1"/>
+          </p:cNvPicPr>
+          <p:nvPr/>
+        </p:nvPicPr>
+        <p:blipFill>
+          <a:blip r:embed="rId2"/>
+          <a:stretch>
+            <a:fillRect/>
+          </a:stretch>
+        </p:blipFill>
+        <p:spPr>
+          <a:xfrm>
+            <a:off x="457202" y="1533525"/>
+            <a:ext cx="3974552" cy="2913062"/>
+          </a:xfrm>
+          <a:prstGeom prst="rect">
+            <a:avLst/>
+          </a:prstGeom>
+        </p:spPr>
+      </p:pic>
     </p:spTree>
     <p:extLst>
       <p:ext uri="{BB962C8B-B14F-4D97-AF65-F5344CB8AC3E}">
@@ -9829,6 +9881,753 @@
           <a:p>
             <a:r>
               <a:rPr lang="en-US" dirty="0"/>
+              <a:t>Rolling Back a Transaction</a:t>
+            </a:r>
+          </a:p>
+        </p:txBody>
+      </p:sp>
+      <p:sp>
+        <p:nvSpPr>
+          <p:cNvPr id="3" name="Content Placeholder 2"/>
+          <p:cNvSpPr>
+            <a:spLocks noGrp="1"/>
+          </p:cNvSpPr>
+          <p:nvPr>
+            <p:ph idx="1"/>
+          </p:nvPr>
+        </p:nvSpPr>
+        <p:spPr>
+          <a:xfrm>
+            <a:off x="4352544" y="1600200"/>
+            <a:ext cx="4334256" cy="4525963"/>
+          </a:xfrm>
+        </p:spPr>
+        <p:txBody>
+          <a:bodyPr/>
+          <a:lstStyle/>
+          <a:p>
+            <a:r>
+              <a:rPr lang="en-US" dirty="0" smtClean="0"/>
+              <a:t>SQL Server finds the last log record </a:t>
+            </a:r>
+            <a:r>
+              <a:rPr lang="en-US" dirty="0" smtClean="0"/>
+              <a:t>for the transaction.</a:t>
+            </a:r>
+          </a:p>
+          <a:p>
+            <a:r>
+              <a:rPr lang="en-US" dirty="0" smtClean="0"/>
+              <a:t>SQL reverses the operation in the buffer pool.</a:t>
+            </a:r>
+          </a:p>
+        </p:txBody>
+      </p:sp>
+      <p:pic>
+        <p:nvPicPr>
+          <p:cNvPr id="4" name="Picture 3"/>
+          <p:cNvPicPr>
+            <a:picLocks noChangeAspect="1"/>
+          </p:cNvPicPr>
+          <p:nvPr/>
+        </p:nvPicPr>
+        <p:blipFill>
+          <a:blip r:embed="rId2"/>
+          <a:stretch>
+            <a:fillRect/>
+          </a:stretch>
+        </p:blipFill>
+        <p:spPr>
+          <a:xfrm>
+            <a:off x="457202" y="1533525"/>
+            <a:ext cx="3974552" cy="2913062"/>
+          </a:xfrm>
+          <a:prstGeom prst="rect">
+            <a:avLst/>
+          </a:prstGeom>
+        </p:spPr>
+      </p:pic>
+    </p:spTree>
+    <p:extLst>
+      <p:ext uri="{BB962C8B-B14F-4D97-AF65-F5344CB8AC3E}">
+        <p14:creationId xmlns:p14="http://schemas.microsoft.com/office/powerpoint/2010/main" val="2411669164"/>
+      </p:ext>
+    </p:extLst>
+  </p:cSld>
+  <p:clrMapOvr>
+    <a:masterClrMapping/>
+  </p:clrMapOvr>
+</p:sld>
+</file>
+
+<file path=ppt/slides/slide39.xml><?xml version="1.0" encoding="utf-8"?>
+<p:sld xmlns:a="http://schemas.openxmlformats.org/drawingml/2006/main" xmlns:r="http://schemas.openxmlformats.org/officeDocument/2006/relationships" xmlns:p="http://schemas.openxmlformats.org/presentationml/2006/main">
+  <p:cSld>
+    <p:spTree>
+      <p:nvGrpSpPr>
+        <p:cNvPr id="1" name=""/>
+        <p:cNvGrpSpPr/>
+        <p:nvPr/>
+      </p:nvGrpSpPr>
+      <p:grpSpPr>
+        <a:xfrm>
+          <a:off x="0" y="0"/>
+          <a:ext cx="0" cy="0"/>
+          <a:chOff x="0" y="0"/>
+          <a:chExt cx="0" cy="0"/>
+        </a:xfrm>
+      </p:grpSpPr>
+      <p:sp>
+        <p:nvSpPr>
+          <p:cNvPr id="2" name="Title 1"/>
+          <p:cNvSpPr>
+            <a:spLocks noGrp="1"/>
+          </p:cNvSpPr>
+          <p:nvPr>
+            <p:ph type="title"/>
+          </p:nvPr>
+        </p:nvSpPr>
+        <p:spPr/>
+        <p:txBody>
+          <a:bodyPr/>
+          <a:lstStyle/>
+          <a:p>
+            <a:r>
+              <a:rPr lang="en-US" dirty="0"/>
+              <a:t>Rolling Back a Transaction</a:t>
+            </a:r>
+          </a:p>
+        </p:txBody>
+      </p:sp>
+      <p:sp>
+        <p:nvSpPr>
+          <p:cNvPr id="3" name="Content Placeholder 2"/>
+          <p:cNvSpPr>
+            <a:spLocks noGrp="1"/>
+          </p:cNvSpPr>
+          <p:nvPr>
+            <p:ph idx="1"/>
+          </p:nvPr>
+        </p:nvSpPr>
+        <p:spPr>
+          <a:xfrm>
+            <a:off x="4352544" y="1600200"/>
+            <a:ext cx="4334256" cy="4525963"/>
+          </a:xfrm>
+        </p:spPr>
+        <p:txBody>
+          <a:bodyPr/>
+          <a:lstStyle/>
+          <a:p>
+            <a:r>
+              <a:rPr lang="en-US" dirty="0" smtClean="0"/>
+              <a:t>Creates a new log record indicating that the operation was undone. </a:t>
+            </a:r>
+            <a:r>
+              <a:rPr lang="en-US" dirty="0" smtClean="0"/>
+              <a:t>This is called a “Compensation” record.</a:t>
+            </a:r>
+          </a:p>
+          <a:p>
+            <a:r>
+              <a:rPr lang="en-US" dirty="0" smtClean="0"/>
+              <a:t>This record then points back to the second-to-last record.</a:t>
+            </a:r>
+            <a:endParaRPr lang="en-US" dirty="0"/>
+          </a:p>
+        </p:txBody>
+      </p:sp>
+      <p:pic>
+        <p:nvPicPr>
+          <p:cNvPr id="5" name="Picture 4"/>
+          <p:cNvPicPr>
+            <a:picLocks noChangeAspect="1"/>
+          </p:cNvPicPr>
+          <p:nvPr/>
+        </p:nvPicPr>
+        <p:blipFill>
+          <a:blip r:embed="rId2"/>
+          <a:stretch>
+            <a:fillRect/>
+          </a:stretch>
+        </p:blipFill>
+        <p:spPr>
+          <a:xfrm>
+            <a:off x="457200" y="1536192"/>
+            <a:ext cx="3977640" cy="3240668"/>
+          </a:xfrm>
+          <a:prstGeom prst="rect">
+            <a:avLst/>
+          </a:prstGeom>
+        </p:spPr>
+      </p:pic>
+    </p:spTree>
+    <p:extLst>
+      <p:ext uri="{BB962C8B-B14F-4D97-AF65-F5344CB8AC3E}">
+        <p14:creationId xmlns:p14="http://schemas.microsoft.com/office/powerpoint/2010/main" val="1776291973"/>
+      </p:ext>
+    </p:extLst>
+  </p:cSld>
+  <p:clrMapOvr>
+    <a:masterClrMapping/>
+  </p:clrMapOvr>
+</p:sld>
+</file>
+
+<file path=ppt/slides/slide4.xml><?xml version="1.0" encoding="utf-8"?>
+<p:sld xmlns:a="http://schemas.openxmlformats.org/drawingml/2006/main" xmlns:r="http://schemas.openxmlformats.org/officeDocument/2006/relationships" xmlns:p="http://schemas.openxmlformats.org/presentationml/2006/main">
+  <p:cSld>
+    <p:spTree>
+      <p:nvGrpSpPr>
+        <p:cNvPr id="1" name=""/>
+        <p:cNvGrpSpPr/>
+        <p:nvPr/>
+      </p:nvGrpSpPr>
+      <p:grpSpPr>
+        <a:xfrm>
+          <a:off x="0" y="0"/>
+          <a:ext cx="0" cy="0"/>
+          <a:chOff x="0" y="0"/>
+          <a:chExt cx="0" cy="0"/>
+        </a:xfrm>
+      </p:grpSpPr>
+      <p:sp>
+        <p:nvSpPr>
+          <p:cNvPr id="2" name="Title 1"/>
+          <p:cNvSpPr>
+            <a:spLocks noGrp="1"/>
+          </p:cNvSpPr>
+          <p:nvPr>
+            <p:ph type="title"/>
+          </p:nvPr>
+        </p:nvSpPr>
+        <p:spPr/>
+        <p:txBody>
+          <a:bodyPr/>
+          <a:lstStyle/>
+          <a:p>
+            <a:r>
+              <a:rPr lang="en-US" dirty="0"/>
+              <a:t>Purpose of the Transaction Log</a:t>
+            </a:r>
+          </a:p>
+        </p:txBody>
+      </p:sp>
+      <p:sp>
+        <p:nvSpPr>
+          <p:cNvPr id="3" name="Content Placeholder 2"/>
+          <p:cNvSpPr>
+            <a:spLocks noGrp="1"/>
+          </p:cNvSpPr>
+          <p:nvPr>
+            <p:ph idx="1"/>
+          </p:nvPr>
+        </p:nvSpPr>
+        <p:spPr/>
+        <p:txBody>
+          <a:bodyPr>
+            <a:normAutofit fontScale="92500" lnSpcReduction="10000"/>
+          </a:bodyPr>
+          <a:lstStyle/>
+          <a:p>
+            <a:r>
+              <a:rPr lang="en-US" dirty="0"/>
+              <a:t>Primary purposes</a:t>
+            </a:r>
+          </a:p>
+          <a:p>
+            <a:pPr lvl="1"/>
+            <a:r>
+              <a:rPr lang="en-US" dirty="0"/>
+              <a:t>Durability</a:t>
+            </a:r>
+          </a:p>
+          <a:p>
+            <a:pPr lvl="2"/>
+            <a:r>
+              <a:rPr lang="en-US" dirty="0"/>
+              <a:t>Write-ahead logging</a:t>
+            </a:r>
+          </a:p>
+          <a:p>
+            <a:pPr lvl="2"/>
+            <a:r>
+              <a:rPr lang="en-US" dirty="0"/>
+              <a:t>Crash recovery / restore operations</a:t>
+            </a:r>
+          </a:p>
+          <a:p>
+            <a:pPr lvl="1"/>
+            <a:r>
+              <a:rPr lang="en-US" dirty="0"/>
+              <a:t>Atomicity</a:t>
+            </a:r>
+          </a:p>
+          <a:p>
+            <a:pPr lvl="1"/>
+            <a:r>
+              <a:rPr lang="en-US" dirty="0"/>
+              <a:t>Thought experiment</a:t>
+            </a:r>
+          </a:p>
+          <a:p>
+            <a:pPr lvl="2"/>
+            <a:r>
+              <a:rPr lang="en-US" dirty="0"/>
+              <a:t>What would SQL be like without a transaction log?</a:t>
+            </a:r>
+          </a:p>
+          <a:p>
+            <a:r>
+              <a:rPr lang="en-US" dirty="0"/>
+              <a:t>Secondary purposes</a:t>
+            </a:r>
+          </a:p>
+          <a:p>
+            <a:pPr lvl="1"/>
+            <a:r>
+              <a:rPr lang="en-US" dirty="0"/>
+              <a:t>Log reader (replication, CDC)</a:t>
+            </a:r>
+          </a:p>
+          <a:p>
+            <a:pPr lvl="1"/>
+            <a:r>
+              <a:rPr lang="en-US" dirty="0"/>
+              <a:t>Mirroring / Availability Groups / log shipping</a:t>
+            </a:r>
+          </a:p>
+          <a:p>
+            <a:pPr lvl="1"/>
+            <a:r>
+              <a:rPr lang="en-US" dirty="0"/>
+              <a:t>Snapshots</a:t>
+            </a:r>
+          </a:p>
+        </p:txBody>
+      </p:sp>
+    </p:spTree>
+    <p:extLst>
+      <p:ext uri="{BB962C8B-B14F-4D97-AF65-F5344CB8AC3E}">
+        <p14:creationId xmlns:p14="http://schemas.microsoft.com/office/powerpoint/2010/main" val="1146920383"/>
+      </p:ext>
+    </p:extLst>
+  </p:cSld>
+  <p:clrMapOvr>
+    <a:masterClrMapping/>
+  </p:clrMapOvr>
+</p:sld>
+</file>
+
+<file path=ppt/slides/slide40.xml><?xml version="1.0" encoding="utf-8"?>
+<p:sld xmlns:a="http://schemas.openxmlformats.org/drawingml/2006/main" xmlns:r="http://schemas.openxmlformats.org/officeDocument/2006/relationships" xmlns:p="http://schemas.openxmlformats.org/presentationml/2006/main">
+  <p:cSld>
+    <p:spTree>
+      <p:nvGrpSpPr>
+        <p:cNvPr id="1" name=""/>
+        <p:cNvGrpSpPr/>
+        <p:nvPr/>
+      </p:nvGrpSpPr>
+      <p:grpSpPr>
+        <a:xfrm>
+          <a:off x="0" y="0"/>
+          <a:ext cx="0" cy="0"/>
+          <a:chOff x="0" y="0"/>
+          <a:chExt cx="0" cy="0"/>
+        </a:xfrm>
+      </p:grpSpPr>
+      <p:sp>
+        <p:nvSpPr>
+          <p:cNvPr id="2" name="Title 1"/>
+          <p:cNvSpPr>
+            <a:spLocks noGrp="1"/>
+          </p:cNvSpPr>
+          <p:nvPr>
+            <p:ph type="title"/>
+          </p:nvPr>
+        </p:nvSpPr>
+        <p:spPr/>
+        <p:txBody>
+          <a:bodyPr/>
+          <a:lstStyle/>
+          <a:p>
+            <a:r>
+              <a:rPr lang="en-US" dirty="0"/>
+              <a:t>Rolling Back a Transaction</a:t>
+            </a:r>
+          </a:p>
+        </p:txBody>
+      </p:sp>
+      <p:sp>
+        <p:nvSpPr>
+          <p:cNvPr id="3" name="Content Placeholder 2"/>
+          <p:cNvSpPr>
+            <a:spLocks noGrp="1"/>
+          </p:cNvSpPr>
+          <p:nvPr>
+            <p:ph idx="1"/>
+          </p:nvPr>
+        </p:nvSpPr>
+        <p:spPr>
+          <a:xfrm>
+            <a:off x="4352544" y="1600200"/>
+            <a:ext cx="4334256" cy="4525963"/>
+          </a:xfrm>
+        </p:spPr>
+        <p:txBody>
+          <a:bodyPr/>
+          <a:lstStyle/>
+          <a:p>
+            <a:r>
+              <a:rPr lang="en-US" dirty="0" smtClean="0"/>
+              <a:t>The second to last operation is undone, and a compensation record is written that points back to the first record (the “begin transaction”).</a:t>
+            </a:r>
+            <a:endParaRPr lang="en-US" dirty="0"/>
+          </a:p>
+        </p:txBody>
+      </p:sp>
+      <p:pic>
+        <p:nvPicPr>
+          <p:cNvPr id="4" name="Picture 3"/>
+          <p:cNvPicPr>
+            <a:picLocks noChangeAspect="1"/>
+          </p:cNvPicPr>
+          <p:nvPr/>
+        </p:nvPicPr>
+        <p:blipFill>
+          <a:blip r:embed="rId2"/>
+          <a:stretch>
+            <a:fillRect/>
+          </a:stretch>
+        </p:blipFill>
+        <p:spPr>
+          <a:xfrm>
+            <a:off x="457200" y="1536192"/>
+            <a:ext cx="3977640" cy="3498622"/>
+          </a:xfrm>
+          <a:prstGeom prst="rect">
+            <a:avLst/>
+          </a:prstGeom>
+        </p:spPr>
+      </p:pic>
+    </p:spTree>
+    <p:extLst>
+      <p:ext uri="{BB962C8B-B14F-4D97-AF65-F5344CB8AC3E}">
+        <p14:creationId xmlns:p14="http://schemas.microsoft.com/office/powerpoint/2010/main" val="2538862798"/>
+      </p:ext>
+    </p:extLst>
+  </p:cSld>
+  <p:clrMapOvr>
+    <a:masterClrMapping/>
+  </p:clrMapOvr>
+</p:sld>
+</file>
+
+<file path=ppt/slides/slide41.xml><?xml version="1.0" encoding="utf-8"?>
+<p:sld xmlns:a="http://schemas.openxmlformats.org/drawingml/2006/main" xmlns:r="http://schemas.openxmlformats.org/officeDocument/2006/relationships" xmlns:p="http://schemas.openxmlformats.org/presentationml/2006/main">
+  <p:cSld>
+    <p:spTree>
+      <p:nvGrpSpPr>
+        <p:cNvPr id="1" name=""/>
+        <p:cNvGrpSpPr/>
+        <p:nvPr/>
+      </p:nvGrpSpPr>
+      <p:grpSpPr>
+        <a:xfrm>
+          <a:off x="0" y="0"/>
+          <a:ext cx="0" cy="0"/>
+          <a:chOff x="0" y="0"/>
+          <a:chExt cx="0" cy="0"/>
+        </a:xfrm>
+      </p:grpSpPr>
+      <p:sp>
+        <p:nvSpPr>
+          <p:cNvPr id="2" name="Title 1"/>
+          <p:cNvSpPr>
+            <a:spLocks noGrp="1"/>
+          </p:cNvSpPr>
+          <p:nvPr>
+            <p:ph type="title"/>
+          </p:nvPr>
+        </p:nvSpPr>
+        <p:spPr/>
+        <p:txBody>
+          <a:bodyPr/>
+          <a:lstStyle/>
+          <a:p>
+            <a:r>
+              <a:rPr lang="en-US" dirty="0"/>
+              <a:t>Rolling Back a Transaction</a:t>
+            </a:r>
+          </a:p>
+        </p:txBody>
+      </p:sp>
+      <p:sp>
+        <p:nvSpPr>
+          <p:cNvPr id="3" name="Content Placeholder 2"/>
+          <p:cNvSpPr>
+            <a:spLocks noGrp="1"/>
+          </p:cNvSpPr>
+          <p:nvPr>
+            <p:ph idx="1"/>
+          </p:nvPr>
+        </p:nvSpPr>
+        <p:spPr>
+          <a:xfrm>
+            <a:off x="4352544" y="1600200"/>
+            <a:ext cx="4334256" cy="4525963"/>
+          </a:xfrm>
+        </p:spPr>
+        <p:txBody>
+          <a:bodyPr/>
+          <a:lstStyle/>
+          <a:p>
+            <a:r>
+              <a:rPr lang="en-US" dirty="0" smtClean="0"/>
+              <a:t>Finally, an “abort transaction” log record is written.  It also points back to the “begin transaction” record.</a:t>
+            </a:r>
+            <a:endParaRPr lang="en-US" dirty="0"/>
+          </a:p>
+        </p:txBody>
+      </p:sp>
+      <p:pic>
+        <p:nvPicPr>
+          <p:cNvPr id="5" name="Picture 4"/>
+          <p:cNvPicPr>
+            <a:picLocks noChangeAspect="1"/>
+          </p:cNvPicPr>
+          <p:nvPr/>
+        </p:nvPicPr>
+        <p:blipFill>
+          <a:blip r:embed="rId2"/>
+          <a:stretch>
+            <a:fillRect/>
+          </a:stretch>
+        </p:blipFill>
+        <p:spPr>
+          <a:xfrm>
+            <a:off x="457200" y="1536192"/>
+            <a:ext cx="3977640" cy="3684806"/>
+          </a:xfrm>
+          <a:prstGeom prst="rect">
+            <a:avLst/>
+          </a:prstGeom>
+        </p:spPr>
+      </p:pic>
+    </p:spTree>
+    <p:extLst>
+      <p:ext uri="{BB962C8B-B14F-4D97-AF65-F5344CB8AC3E}">
+        <p14:creationId xmlns:p14="http://schemas.microsoft.com/office/powerpoint/2010/main" val="2967546195"/>
+      </p:ext>
+    </p:extLst>
+  </p:cSld>
+  <p:clrMapOvr>
+    <a:masterClrMapping/>
+  </p:clrMapOvr>
+</p:sld>
+</file>
+
+<file path=ppt/slides/slide42.xml><?xml version="1.0" encoding="utf-8"?>
+<p:sld xmlns:a="http://schemas.openxmlformats.org/drawingml/2006/main" xmlns:r="http://schemas.openxmlformats.org/officeDocument/2006/relationships" xmlns:p="http://schemas.openxmlformats.org/presentationml/2006/main">
+  <p:cSld>
+    <p:spTree>
+      <p:nvGrpSpPr>
+        <p:cNvPr id="1" name=""/>
+        <p:cNvGrpSpPr/>
+        <p:nvPr/>
+      </p:nvGrpSpPr>
+      <p:grpSpPr>
+        <a:xfrm>
+          <a:off x="0" y="0"/>
+          <a:ext cx="0" cy="0"/>
+          <a:chOff x="0" y="0"/>
+          <a:chExt cx="0" cy="0"/>
+        </a:xfrm>
+      </p:grpSpPr>
+      <p:sp>
+        <p:nvSpPr>
+          <p:cNvPr id="2" name="Title 1"/>
+          <p:cNvSpPr>
+            <a:spLocks noGrp="1"/>
+          </p:cNvSpPr>
+          <p:nvPr>
+            <p:ph type="title"/>
+          </p:nvPr>
+        </p:nvSpPr>
+        <p:spPr/>
+        <p:txBody>
+          <a:bodyPr/>
+          <a:lstStyle/>
+          <a:p>
+            <a:r>
+              <a:rPr lang="en-US" dirty="0"/>
+              <a:t>Rolling Back a Transaction</a:t>
+            </a:r>
+          </a:p>
+        </p:txBody>
+      </p:sp>
+      <p:sp>
+        <p:nvSpPr>
+          <p:cNvPr id="3" name="Content Placeholder 2"/>
+          <p:cNvSpPr>
+            <a:spLocks noGrp="1"/>
+          </p:cNvSpPr>
+          <p:nvPr>
+            <p:ph idx="1"/>
+          </p:nvPr>
+        </p:nvSpPr>
+        <p:spPr/>
+        <p:txBody>
+          <a:bodyPr/>
+          <a:lstStyle/>
+          <a:p>
+            <a:r>
+              <a:rPr lang="en-US" dirty="0" smtClean="0"/>
+              <a:t>Key takeaways:</a:t>
+            </a:r>
+          </a:p>
+          <a:p>
+            <a:pPr lvl="1"/>
+            <a:r>
+              <a:rPr lang="en-US" dirty="0" smtClean="0"/>
+              <a:t>Rollback operations generate log records</a:t>
+            </a:r>
+          </a:p>
+          <a:p>
+            <a:pPr lvl="1"/>
+            <a:r>
+              <a:rPr lang="en-US" dirty="0" smtClean="0"/>
+              <a:t>As the initial operations are performed, SQL Server will “reserve” log space to ensure that a rollback is possible.</a:t>
+            </a:r>
+            <a:endParaRPr lang="en-US" dirty="0"/>
+          </a:p>
+        </p:txBody>
+      </p:sp>
+    </p:spTree>
+    <p:extLst>
+      <p:ext uri="{BB962C8B-B14F-4D97-AF65-F5344CB8AC3E}">
+        <p14:creationId xmlns:p14="http://schemas.microsoft.com/office/powerpoint/2010/main" val="3280018847"/>
+      </p:ext>
+    </p:extLst>
+  </p:cSld>
+  <p:clrMapOvr>
+    <a:masterClrMapping/>
+  </p:clrMapOvr>
+</p:sld>
+</file>
+
+<file path=ppt/slides/slide43.xml><?xml version="1.0" encoding="utf-8"?>
+<p:sld xmlns:a="http://schemas.openxmlformats.org/drawingml/2006/main" xmlns:r="http://schemas.openxmlformats.org/officeDocument/2006/relationships" xmlns:p="http://schemas.openxmlformats.org/presentationml/2006/main">
+  <p:cSld>
+    <p:spTree>
+      <p:nvGrpSpPr>
+        <p:cNvPr id="1" name=""/>
+        <p:cNvGrpSpPr/>
+        <p:nvPr/>
+      </p:nvGrpSpPr>
+      <p:grpSpPr>
+        <a:xfrm>
+          <a:off x="0" y="0"/>
+          <a:ext cx="0" cy="0"/>
+          <a:chOff x="0" y="0"/>
+          <a:chExt cx="0" cy="0"/>
+        </a:xfrm>
+      </p:grpSpPr>
+      <p:sp>
+        <p:nvSpPr>
+          <p:cNvPr id="2" name="Title 1"/>
+          <p:cNvSpPr>
+            <a:spLocks noGrp="1"/>
+          </p:cNvSpPr>
+          <p:nvPr>
+            <p:ph type="title"/>
+          </p:nvPr>
+        </p:nvSpPr>
+        <p:spPr/>
+        <p:txBody>
+          <a:bodyPr/>
+          <a:lstStyle/>
+          <a:p>
+            <a:r>
+              <a:rPr lang="en-US" dirty="0"/>
+              <a:t>Demo</a:t>
+            </a:r>
+          </a:p>
+        </p:txBody>
+      </p:sp>
+      <p:sp>
+        <p:nvSpPr>
+          <p:cNvPr id="3" name="Content Placeholder 2"/>
+          <p:cNvSpPr>
+            <a:spLocks noGrp="1"/>
+          </p:cNvSpPr>
+          <p:nvPr>
+            <p:ph idx="1"/>
+          </p:nvPr>
+        </p:nvSpPr>
+        <p:spPr/>
+        <p:txBody>
+          <a:bodyPr/>
+          <a:lstStyle/>
+          <a:p>
+            <a:pPr marL="0" indent="0">
+              <a:buNone/>
+            </a:pPr>
+            <a:r>
+              <a:rPr lang="en-US" dirty="0" smtClean="0"/>
+              <a:t>Rollback operations</a:t>
+            </a:r>
+            <a:endParaRPr lang="en-US" dirty="0"/>
+          </a:p>
+        </p:txBody>
+      </p:sp>
+    </p:spTree>
+    <p:extLst>
+      <p:ext uri="{BB962C8B-B14F-4D97-AF65-F5344CB8AC3E}">
+        <p14:creationId xmlns:p14="http://schemas.microsoft.com/office/powerpoint/2010/main" val="2592620329"/>
+      </p:ext>
+    </p:extLst>
+  </p:cSld>
+  <p:clrMapOvr>
+    <a:masterClrMapping/>
+  </p:clrMapOvr>
+</p:sld>
+</file>
+
+<file path=ppt/slides/slide44.xml><?xml version="1.0" encoding="utf-8"?>
+<p:sld xmlns:a="http://schemas.openxmlformats.org/drawingml/2006/main" xmlns:r="http://schemas.openxmlformats.org/officeDocument/2006/relationships" xmlns:p="http://schemas.openxmlformats.org/presentationml/2006/main">
+  <p:cSld>
+    <p:spTree>
+      <p:nvGrpSpPr>
+        <p:cNvPr id="1" name=""/>
+        <p:cNvGrpSpPr/>
+        <p:nvPr/>
+      </p:nvGrpSpPr>
+      <p:grpSpPr>
+        <a:xfrm>
+          <a:off x="0" y="0"/>
+          <a:ext cx="0" cy="0"/>
+          <a:chOff x="0" y="0"/>
+          <a:chExt cx="0" cy="0"/>
+        </a:xfrm>
+      </p:grpSpPr>
+      <p:sp>
+        <p:nvSpPr>
+          <p:cNvPr id="2" name="Title 1"/>
+          <p:cNvSpPr>
+            <a:spLocks noGrp="1"/>
+          </p:cNvSpPr>
+          <p:nvPr>
+            <p:ph type="title"/>
+          </p:nvPr>
+        </p:nvSpPr>
+        <p:spPr/>
+        <p:txBody>
+          <a:bodyPr/>
+          <a:lstStyle/>
+          <a:p>
+            <a:r>
+              <a:rPr lang="en-US" dirty="0"/>
               <a:t>Creating new VLFs</a:t>
             </a:r>
           </a:p>
@@ -9894,14 +10693,14 @@
                 <a:gridCol w="3048000">
                   <a:extLst>
                     <a:ext uri="{9D8B030D-6E8A-4147-A177-3AD203B41FA5}">
-                      <a16:colId xmlns:a16="http://schemas.microsoft.com/office/drawing/2014/main" val="20000"/>
+                      <a16:colId xmlns:a16="http://schemas.microsoft.com/office/drawing/2014/main" xmlns="" val="20000"/>
                     </a:ext>
                   </a:extLst>
                 </a:gridCol>
                 <a:gridCol w="3048000">
                   <a:extLst>
                     <a:ext uri="{9D8B030D-6E8A-4147-A177-3AD203B41FA5}">
-                      <a16:colId xmlns:a16="http://schemas.microsoft.com/office/drawing/2014/main" val="20001"/>
+                      <a16:colId xmlns:a16="http://schemas.microsoft.com/office/drawing/2014/main" xmlns="" val="20001"/>
                     </a:ext>
                   </a:extLst>
                 </a:gridCol>
@@ -9947,7 +10746,7 @@
                 </a:tc>
                 <a:extLst>
                   <a:ext uri="{0D108BD9-81ED-4DB2-BD59-A6C34878D82A}">
-                    <a16:rowId xmlns:a16="http://schemas.microsoft.com/office/drawing/2014/main" val="10000"/>
+                    <a16:rowId xmlns:a16="http://schemas.microsoft.com/office/drawing/2014/main" xmlns="" val="10000"/>
                   </a:ext>
                 </a:extLst>
               </a:tr>
@@ -9982,7 +10781,7 @@
                 </a:tc>
                 <a:extLst>
                   <a:ext uri="{0D108BD9-81ED-4DB2-BD59-A6C34878D82A}">
-                    <a16:rowId xmlns:a16="http://schemas.microsoft.com/office/drawing/2014/main" val="10001"/>
+                    <a16:rowId xmlns:a16="http://schemas.microsoft.com/office/drawing/2014/main" xmlns="" val="10001"/>
                   </a:ext>
                 </a:extLst>
               </a:tr>
@@ -10017,7 +10816,7 @@
                 </a:tc>
                 <a:extLst>
                   <a:ext uri="{0D108BD9-81ED-4DB2-BD59-A6C34878D82A}">
-                    <a16:rowId xmlns:a16="http://schemas.microsoft.com/office/drawing/2014/main" val="10002"/>
+                    <a16:rowId xmlns:a16="http://schemas.microsoft.com/office/drawing/2014/main" xmlns="" val="10002"/>
                   </a:ext>
                 </a:extLst>
               </a:tr>
@@ -10057,7 +10856,7 @@
                 </a:tc>
                 <a:extLst>
                   <a:ext uri="{0D108BD9-81ED-4DB2-BD59-A6C34878D82A}">
-                    <a16:rowId xmlns:a16="http://schemas.microsoft.com/office/drawing/2014/main" val="10003"/>
+                    <a16:rowId xmlns:a16="http://schemas.microsoft.com/office/drawing/2014/main" xmlns="" val="10003"/>
                   </a:ext>
                 </a:extLst>
               </a:tr>
@@ -10259,7 +11058,7 @@
 </p:sld>
 </file>
 
-<file path=ppt/slides/slide39.xml><?xml version="1.0" encoding="utf-8"?>
+<file path=ppt/slides/slide45.xml><?xml version="1.0" encoding="utf-8"?>
 <p:sld xmlns:a="http://schemas.openxmlformats.org/drawingml/2006/main" xmlns:r="http://schemas.openxmlformats.org/officeDocument/2006/relationships" xmlns:p="http://schemas.openxmlformats.org/presentationml/2006/main">
   <p:cSld>
     <p:spTree>
@@ -10377,7 +11176,7 @@
 </p:sld>
 </file>
 
-<file path=ppt/slides/slide4.xml><?xml version="1.0" encoding="utf-8"?>
+<file path=ppt/slides/slide46.xml><?xml version="1.0" encoding="utf-8"?>
 <p:sld xmlns:a="http://schemas.openxmlformats.org/drawingml/2006/main" xmlns:r="http://schemas.openxmlformats.org/officeDocument/2006/relationships" xmlns:p="http://schemas.openxmlformats.org/presentationml/2006/main">
   <p:cSld>
     <p:spTree>
@@ -10411,7 +11210,7 @@
           <a:p>
             <a:r>
               <a:rPr lang="en-US" dirty="0"/>
-              <a:t>Purpose of the Transaction Log</a:t>
+              <a:t>Pre-Allocating the Log</a:t>
             </a:r>
           </a:p>
         </p:txBody>
@@ -10428,83 +11227,33 @@
         </p:nvSpPr>
         <p:spPr/>
         <p:txBody>
-          <a:bodyPr>
-            <a:normAutofit fontScale="92500" lnSpcReduction="10000"/>
-          </a:bodyPr>
+          <a:bodyPr/>
           <a:lstStyle/>
           <a:p>
             <a:r>
               <a:rPr lang="en-US" dirty="0"/>
-              <a:t>Primary purposes</a:t>
+              <a:t>Why?</a:t>
             </a:r>
           </a:p>
           <a:p>
             <a:pPr lvl="1"/>
             <a:r>
               <a:rPr lang="en-US" dirty="0"/>
-              <a:t>Durability</a:t>
+              <a:t>Eliminate VLF fragmentation</a:t>
+            </a:r>
+          </a:p>
+          <a:p>
+            <a:pPr lvl="1"/>
+            <a:r>
+              <a:rPr lang="en-US" dirty="0"/>
+              <a:t>Avoid log growth during user operations</a:t>
             </a:r>
           </a:p>
           <a:p>
             <a:pPr lvl="2"/>
             <a:r>
               <a:rPr lang="en-US" dirty="0"/>
-              <a:t>Write-ahead logging</a:t>
-            </a:r>
-          </a:p>
-          <a:p>
-            <a:pPr lvl="2"/>
-            <a:r>
-              <a:rPr lang="en-US" dirty="0"/>
-              <a:t>Crash recovery / restore operations</a:t>
-            </a:r>
-          </a:p>
-          <a:p>
-            <a:pPr lvl="1"/>
-            <a:r>
-              <a:rPr lang="en-US" dirty="0"/>
-              <a:t>Atomicity</a:t>
-            </a:r>
-          </a:p>
-          <a:p>
-            <a:pPr lvl="1"/>
-            <a:r>
-              <a:rPr lang="en-US" dirty="0"/>
-              <a:t>Thought experiment</a:t>
-            </a:r>
-          </a:p>
-          <a:p>
-            <a:pPr lvl="2"/>
-            <a:r>
-              <a:rPr lang="en-US" dirty="0"/>
-              <a:t>What would SQL be like without a transaction log?</a:t>
-            </a:r>
-          </a:p>
-          <a:p>
-            <a:r>
-              <a:rPr lang="en-US" dirty="0"/>
-              <a:t>Secondary purposes</a:t>
-            </a:r>
-          </a:p>
-          <a:p>
-            <a:pPr lvl="1"/>
-            <a:r>
-              <a:rPr lang="en-US" dirty="0"/>
-              <a:t>Log reader (replication, CDC)</a:t>
-            </a:r>
-          </a:p>
-          <a:p>
-            <a:pPr lvl="1"/>
-            <a:r>
-              <a:rPr lang="en-US" dirty="0"/>
-              <a:t>Mirroring / Availability Groups / log shipping</a:t>
-            </a:r>
-          </a:p>
-          <a:p>
-            <a:pPr lvl="1"/>
-            <a:r>
-              <a:rPr lang="en-US" dirty="0"/>
-              <a:t>Snapshots</a:t>
+              <a:t>Can be time-consuming due to zero-initialization</a:t>
             </a:r>
           </a:p>
         </p:txBody>
@@ -10512,7 +11261,7 @@
     </p:spTree>
     <p:extLst>
       <p:ext uri="{BB962C8B-B14F-4D97-AF65-F5344CB8AC3E}">
-        <p14:creationId xmlns:p14="http://schemas.microsoft.com/office/powerpoint/2010/main" val="1146920383"/>
+        <p14:creationId xmlns:p14="http://schemas.microsoft.com/office/powerpoint/2010/main" val="1170893381"/>
       </p:ext>
     </p:extLst>
   </p:cSld>
@@ -10522,7 +11271,7 @@
 </p:sld>
 </file>
 
-<file path=ppt/slides/slide40.xml><?xml version="1.0" encoding="utf-8"?>
+<file path=ppt/slides/slide47.xml><?xml version="1.0" encoding="utf-8"?>
 <p:sld xmlns:a="http://schemas.openxmlformats.org/drawingml/2006/main" xmlns:r="http://schemas.openxmlformats.org/officeDocument/2006/relationships" xmlns:p="http://schemas.openxmlformats.org/presentationml/2006/main">
   <p:cSld>
     <p:spTree>
@@ -10556,7 +11305,7 @@
           <a:p>
             <a:r>
               <a:rPr lang="en-US" dirty="0"/>
-              <a:t>Pre-Allocating the Log</a:t>
+              <a:t>Demo</a:t>
             </a:r>
           </a:p>
         </p:txBody>
@@ -10576,30 +11325,12 @@
           <a:bodyPr/>
           <a:lstStyle/>
           <a:p>
-            <a:r>
-              <a:rPr lang="en-US" dirty="0"/>
-              <a:t>Why?</a:t>
-            </a:r>
-          </a:p>
-          <a:p>
-            <a:pPr lvl="1"/>
-            <a:r>
-              <a:rPr lang="en-US" dirty="0"/>
-              <a:t>Eliminate VLF fragmentation</a:t>
-            </a:r>
-          </a:p>
-          <a:p>
-            <a:pPr lvl="1"/>
-            <a:r>
-              <a:rPr lang="en-US" dirty="0"/>
-              <a:t>Avoid log growth during user operations</a:t>
-            </a:r>
-          </a:p>
-          <a:p>
-            <a:pPr lvl="2"/>
-            <a:r>
-              <a:rPr lang="en-US" dirty="0"/>
-              <a:t>Can be time-consuming due to zero-initialization</a:t>
+            <a:pPr marL="0" indent="0">
+              <a:buNone/>
+            </a:pPr>
+            <a:r>
+              <a:rPr lang="en-US" dirty="0"/>
+              <a:t>VLF Fragmentation</a:t>
             </a:r>
           </a:p>
         </p:txBody>
@@ -10607,7 +11338,7 @@
     </p:spTree>
     <p:extLst>
       <p:ext uri="{BB962C8B-B14F-4D97-AF65-F5344CB8AC3E}">
-        <p14:creationId xmlns:p14="http://schemas.microsoft.com/office/powerpoint/2010/main" val="1170893381"/>
+        <p14:creationId xmlns:p14="http://schemas.microsoft.com/office/powerpoint/2010/main" val="2679887936"/>
       </p:ext>
     </p:extLst>
   </p:cSld>
@@ -10617,7 +11348,7 @@
 </p:sld>
 </file>
 
-<file path=ppt/slides/slide41.xml><?xml version="1.0" encoding="utf-8"?>
+<file path=ppt/slides/slide48.xml><?xml version="1.0" encoding="utf-8"?>
 <p:sld xmlns:a="http://schemas.openxmlformats.org/drawingml/2006/main" xmlns:r="http://schemas.openxmlformats.org/officeDocument/2006/relationships" xmlns:p="http://schemas.openxmlformats.org/presentationml/2006/main">
   <p:cSld>
     <p:spTree>
@@ -10651,83 +11382,6 @@
           <a:p>
             <a:r>
               <a:rPr lang="en-US" dirty="0"/>
-              <a:t>Demo</a:t>
-            </a:r>
-          </a:p>
-        </p:txBody>
-      </p:sp>
-      <p:sp>
-        <p:nvSpPr>
-          <p:cNvPr id="3" name="Content Placeholder 2"/>
-          <p:cNvSpPr>
-            <a:spLocks noGrp="1"/>
-          </p:cNvSpPr>
-          <p:nvPr>
-            <p:ph idx="1"/>
-          </p:nvPr>
-        </p:nvSpPr>
-        <p:spPr/>
-        <p:txBody>
-          <a:bodyPr/>
-          <a:lstStyle/>
-          <a:p>
-            <a:pPr marL="0" indent="0">
-              <a:buNone/>
-            </a:pPr>
-            <a:r>
-              <a:rPr lang="en-US" dirty="0"/>
-              <a:t>VLF Fragmentation</a:t>
-            </a:r>
-          </a:p>
-        </p:txBody>
-      </p:sp>
-    </p:spTree>
-    <p:extLst>
-      <p:ext uri="{BB962C8B-B14F-4D97-AF65-F5344CB8AC3E}">
-        <p14:creationId xmlns:p14="http://schemas.microsoft.com/office/powerpoint/2010/main" val="2679887936"/>
-      </p:ext>
-    </p:extLst>
-  </p:cSld>
-  <p:clrMapOvr>
-    <a:masterClrMapping/>
-  </p:clrMapOvr>
-</p:sld>
-</file>
-
-<file path=ppt/slides/slide42.xml><?xml version="1.0" encoding="utf-8"?>
-<p:sld xmlns:a="http://schemas.openxmlformats.org/drawingml/2006/main" xmlns:r="http://schemas.openxmlformats.org/officeDocument/2006/relationships" xmlns:p="http://schemas.openxmlformats.org/presentationml/2006/main">
-  <p:cSld>
-    <p:spTree>
-      <p:nvGrpSpPr>
-        <p:cNvPr id="1" name=""/>
-        <p:cNvGrpSpPr/>
-        <p:nvPr/>
-      </p:nvGrpSpPr>
-      <p:grpSpPr>
-        <a:xfrm>
-          <a:off x="0" y="0"/>
-          <a:ext cx="0" cy="0"/>
-          <a:chOff x="0" y="0"/>
-          <a:chExt cx="0" cy="0"/>
-        </a:xfrm>
-      </p:grpSpPr>
-      <p:sp>
-        <p:nvSpPr>
-          <p:cNvPr id="2" name="Title 1"/>
-          <p:cNvSpPr>
-            <a:spLocks noGrp="1"/>
-          </p:cNvSpPr>
-          <p:nvPr>
-            <p:ph type="title"/>
-          </p:nvPr>
-        </p:nvSpPr>
-        <p:spPr/>
-        <p:txBody>
-          <a:bodyPr/>
-          <a:lstStyle/>
-          <a:p>
-            <a:r>
-              <a:rPr lang="en-US" dirty="0"/>
               <a:t>Log Monitoring</a:t>
             </a:r>
           </a:p>
@@ -10926,7 +11580,7 @@
 </p:sld>
 </file>
 
-<file path=ppt/slides/slide43.xml><?xml version="1.0" encoding="utf-8"?>
+<file path=ppt/slides/slide49.xml><?xml version="1.0" encoding="utf-8"?>
 <p:sld xmlns:a="http://schemas.openxmlformats.org/drawingml/2006/main" xmlns:r="http://schemas.openxmlformats.org/officeDocument/2006/relationships" xmlns:p="http://schemas.openxmlformats.org/presentationml/2006/main">
   <p:cSld>
     <p:spTree>

--- a/TransactionLog.pptx
+++ b/TransactionLog.pptx
@@ -4986,7 +4986,7 @@
             <a:r>
               <a:rPr lang="en-US" dirty="0">
                 <a:solidFill>
-                  <a:srgbClr val="FFFF00"/>
+                  <a:srgbClr val="FFC000"/>
                 </a:solidFill>
               </a:rPr>
               <a:t>Active (current)</a:t>
@@ -5134,7 +5134,7 @@
             <a:r>
               <a:rPr lang="en-US" dirty="0">
                 <a:solidFill>
-                  <a:srgbClr val="FFFF00"/>
+                  <a:srgbClr val="FFC000"/>
                 </a:solidFill>
               </a:rPr>
               <a:t>Active (current)</a:t>
@@ -7524,21 +7524,21 @@
                 <a:gridCol w="1895475">
                   <a:extLst>
                     <a:ext uri="{9D8B030D-6E8A-4147-A177-3AD203B41FA5}">
-                      <a16:colId xmlns:a16="http://schemas.microsoft.com/office/drawing/2014/main" xmlns="" val="20000"/>
+                      <a16:colId xmlns="" xmlns:a16="http://schemas.microsoft.com/office/drawing/2014/main" val="20000"/>
                     </a:ext>
                   </a:extLst>
                 </a:gridCol>
                 <a:gridCol w="3171825">
                   <a:extLst>
                     <a:ext uri="{9D8B030D-6E8A-4147-A177-3AD203B41FA5}">
-                      <a16:colId xmlns:a16="http://schemas.microsoft.com/office/drawing/2014/main" xmlns="" val="20001"/>
+                      <a16:colId xmlns="" xmlns:a16="http://schemas.microsoft.com/office/drawing/2014/main" val="20001"/>
                     </a:ext>
                   </a:extLst>
                 </a:gridCol>
                 <a:gridCol w="3162300">
                   <a:extLst>
                     <a:ext uri="{9D8B030D-6E8A-4147-A177-3AD203B41FA5}">
-                      <a16:colId xmlns:a16="http://schemas.microsoft.com/office/drawing/2014/main" xmlns="" val="20002"/>
+                      <a16:colId xmlns="" xmlns:a16="http://schemas.microsoft.com/office/drawing/2014/main" val="20002"/>
                     </a:ext>
                   </a:extLst>
                 </a:gridCol>
@@ -7585,7 +7585,7 @@
                 </a:tc>
                 <a:extLst>
                   <a:ext uri="{0D108BD9-81ED-4DB2-BD59-A6C34878D82A}">
-                    <a16:rowId xmlns:a16="http://schemas.microsoft.com/office/drawing/2014/main" xmlns="" val="10000"/>
+                    <a16:rowId xmlns="" xmlns:a16="http://schemas.microsoft.com/office/drawing/2014/main" val="10000"/>
                   </a:ext>
                 </a:extLst>
               </a:tr>
@@ -7648,7 +7648,7 @@
                 </a:tc>
                 <a:extLst>
                   <a:ext uri="{0D108BD9-81ED-4DB2-BD59-A6C34878D82A}">
-                    <a16:rowId xmlns:a16="http://schemas.microsoft.com/office/drawing/2014/main" xmlns="" val="10001"/>
+                    <a16:rowId xmlns="" xmlns:a16="http://schemas.microsoft.com/office/drawing/2014/main" val="10001"/>
                   </a:ext>
                 </a:extLst>
               </a:tr>
@@ -7719,7 +7719,7 @@
                 </a:tc>
                 <a:extLst>
                   <a:ext uri="{0D108BD9-81ED-4DB2-BD59-A6C34878D82A}">
-                    <a16:rowId xmlns:a16="http://schemas.microsoft.com/office/drawing/2014/main" xmlns="" val="10002"/>
+                    <a16:rowId xmlns="" xmlns:a16="http://schemas.microsoft.com/office/drawing/2014/main" val="10002"/>
                   </a:ext>
                 </a:extLst>
               </a:tr>
@@ -7765,7 +7765,7 @@
                 </a:tc>
                 <a:extLst>
                   <a:ext uri="{0D108BD9-81ED-4DB2-BD59-A6C34878D82A}">
-                    <a16:rowId xmlns:a16="http://schemas.microsoft.com/office/drawing/2014/main" xmlns="" val="10003"/>
+                    <a16:rowId xmlns="" xmlns:a16="http://schemas.microsoft.com/office/drawing/2014/main" val="10003"/>
                   </a:ext>
                 </a:extLst>
               </a:tr>
@@ -7816,7 +7816,7 @@
                 </a:tc>
                 <a:extLst>
                   <a:ext uri="{0D108BD9-81ED-4DB2-BD59-A6C34878D82A}">
-                    <a16:rowId xmlns:a16="http://schemas.microsoft.com/office/drawing/2014/main" xmlns="" val="3543017676"/>
+                    <a16:rowId xmlns="" xmlns:a16="http://schemas.microsoft.com/office/drawing/2014/main" val="3543017676"/>
                   </a:ext>
                 </a:extLst>
               </a:tr>
@@ -9908,11 +9908,7 @@
           <a:p>
             <a:r>
               <a:rPr lang="en-US" dirty="0" smtClean="0"/>
-              <a:t>SQL Server finds the last log record </a:t>
-            </a:r>
-            <a:r>
-              <a:rPr lang="en-US" dirty="0" smtClean="0"/>
-              <a:t>for the transaction.</a:t>
+              <a:t>SQL Server finds the last log record for the transaction.</a:t>
             </a:r>
           </a:p>
           <a:p>
@@ -10021,11 +10017,7 @@
           <a:p>
             <a:r>
               <a:rPr lang="en-US" dirty="0" smtClean="0"/>
-              <a:t>Creates a new log record indicating that the operation was undone. </a:t>
-            </a:r>
-            <a:r>
-              <a:rPr lang="en-US" dirty="0" smtClean="0"/>
-              <a:t>This is called a “Compensation” record.</a:t>
+              <a:t>Creates a new log record indicating that the operation was undone. This is called a “Compensation” record.</a:t>
             </a:r>
           </a:p>
           <a:p>
@@ -10693,14 +10685,14 @@
                 <a:gridCol w="3048000">
                   <a:extLst>
                     <a:ext uri="{9D8B030D-6E8A-4147-A177-3AD203B41FA5}">
-                      <a16:colId xmlns:a16="http://schemas.microsoft.com/office/drawing/2014/main" xmlns="" val="20000"/>
+                      <a16:colId xmlns="" xmlns:a16="http://schemas.microsoft.com/office/drawing/2014/main" val="20000"/>
                     </a:ext>
                   </a:extLst>
                 </a:gridCol>
                 <a:gridCol w="3048000">
                   <a:extLst>
                     <a:ext uri="{9D8B030D-6E8A-4147-A177-3AD203B41FA5}">
-                      <a16:colId xmlns:a16="http://schemas.microsoft.com/office/drawing/2014/main" xmlns="" val="20001"/>
+                      <a16:colId xmlns="" xmlns:a16="http://schemas.microsoft.com/office/drawing/2014/main" val="20001"/>
                     </a:ext>
                   </a:extLst>
                 </a:gridCol>
@@ -10746,7 +10738,7 @@
                 </a:tc>
                 <a:extLst>
                   <a:ext uri="{0D108BD9-81ED-4DB2-BD59-A6C34878D82A}">
-                    <a16:rowId xmlns:a16="http://schemas.microsoft.com/office/drawing/2014/main" xmlns="" val="10000"/>
+                    <a16:rowId xmlns="" xmlns:a16="http://schemas.microsoft.com/office/drawing/2014/main" val="10000"/>
                   </a:ext>
                 </a:extLst>
               </a:tr>
@@ -10781,7 +10773,7 @@
                 </a:tc>
                 <a:extLst>
                   <a:ext uri="{0D108BD9-81ED-4DB2-BD59-A6C34878D82A}">
-                    <a16:rowId xmlns:a16="http://schemas.microsoft.com/office/drawing/2014/main" xmlns="" val="10001"/>
+                    <a16:rowId xmlns="" xmlns:a16="http://schemas.microsoft.com/office/drawing/2014/main" val="10001"/>
                   </a:ext>
                 </a:extLst>
               </a:tr>
@@ -10816,7 +10808,7 @@
                 </a:tc>
                 <a:extLst>
                   <a:ext uri="{0D108BD9-81ED-4DB2-BD59-A6C34878D82A}">
-                    <a16:rowId xmlns:a16="http://schemas.microsoft.com/office/drawing/2014/main" xmlns="" val="10002"/>
+                    <a16:rowId xmlns="" xmlns:a16="http://schemas.microsoft.com/office/drawing/2014/main" val="10002"/>
                   </a:ext>
                 </a:extLst>
               </a:tr>
@@ -10856,7 +10848,7 @@
                 </a:tc>
                 <a:extLst>
                   <a:ext uri="{0D108BD9-81ED-4DB2-BD59-A6C34878D82A}">
-                    <a16:rowId xmlns:a16="http://schemas.microsoft.com/office/drawing/2014/main" xmlns="" val="10003"/>
+                    <a16:rowId xmlns="" xmlns:a16="http://schemas.microsoft.com/office/drawing/2014/main" val="10003"/>
                   </a:ext>
                 </a:extLst>
               </a:tr>

--- a/TransactionLog.pptx
+++ b/TransactionLog.pptx
@@ -256,7 +256,7 @@
           <a:p>
             <a:fld id="{2EDCB34D-5EC2-4739-9693-E425457AC201}" type="datetimeFigureOut">
               <a:rPr lang="en-US" smtClean="0"/>
-              <a:t>09/09/2016</a:t>
+              <a:t>10/27/2016</a:t>
             </a:fld>
             <a:endParaRPr lang="en-US"/>
           </a:p>
@@ -607,6 +607,190 @@
 </p:notes>
 </file>
 
+<file path=ppt/notesSlides/notesSlide2.xml><?xml version="1.0" encoding="utf-8"?>
+<p:notes xmlns:a="http://schemas.openxmlformats.org/drawingml/2006/main" xmlns:r="http://schemas.openxmlformats.org/officeDocument/2006/relationships" xmlns:p="http://schemas.openxmlformats.org/presentationml/2006/main">
+  <p:cSld>
+    <p:spTree>
+      <p:nvGrpSpPr>
+        <p:cNvPr id="1" name=""/>
+        <p:cNvGrpSpPr/>
+        <p:nvPr/>
+      </p:nvGrpSpPr>
+      <p:grpSpPr>
+        <a:xfrm>
+          <a:off x="0" y="0"/>
+          <a:ext cx="0" cy="0"/>
+          <a:chOff x="0" y="0"/>
+          <a:chExt cx="0" cy="0"/>
+        </a:xfrm>
+      </p:grpSpPr>
+      <p:sp>
+        <p:nvSpPr>
+          <p:cNvPr id="2" name="Slide Image Placeholder 1"/>
+          <p:cNvSpPr>
+            <a:spLocks noGrp="1" noRot="1" noChangeAspect="1"/>
+          </p:cNvSpPr>
+          <p:nvPr>
+            <p:ph type="sldImg"/>
+          </p:nvPr>
+        </p:nvSpPr>
+        <p:spPr/>
+      </p:sp>
+      <p:sp>
+        <p:nvSpPr>
+          <p:cNvPr id="3" name="Notes Placeholder 2"/>
+          <p:cNvSpPr>
+            <a:spLocks noGrp="1"/>
+          </p:cNvSpPr>
+          <p:nvPr>
+            <p:ph type="body" idx="1"/>
+          </p:nvPr>
+        </p:nvSpPr>
+        <p:spPr/>
+        <p:txBody>
+          <a:bodyPr/>
+          <a:lstStyle/>
+          <a:p>
+            <a:r>
+              <a:rPr lang="en-US" dirty="0" smtClean="0"/>
+              <a:t>Limit of 24K per </a:t>
+            </a:r>
+            <a:r>
+              <a:rPr lang="en-US" smtClean="0"/>
+              <a:t>log record?</a:t>
+            </a:r>
+            <a:endParaRPr lang="en-US" dirty="0"/>
+          </a:p>
+        </p:txBody>
+      </p:sp>
+      <p:sp>
+        <p:nvSpPr>
+          <p:cNvPr id="4" name="Slide Number Placeholder 3"/>
+          <p:cNvSpPr>
+            <a:spLocks noGrp="1"/>
+          </p:cNvSpPr>
+          <p:nvPr>
+            <p:ph type="sldNum" sz="quarter" idx="10"/>
+          </p:nvPr>
+        </p:nvSpPr>
+        <p:spPr/>
+        <p:txBody>
+          <a:bodyPr/>
+          <a:lstStyle/>
+          <a:p>
+            <a:fld id="{ADDBA41D-AE03-4F1C-B074-B56312AFAE46}" type="slidenum">
+              <a:rPr lang="en-US" smtClean="0"/>
+              <a:t>19</a:t>
+            </a:fld>
+            <a:endParaRPr lang="en-US"/>
+          </a:p>
+        </p:txBody>
+      </p:sp>
+    </p:spTree>
+    <p:extLst>
+      <p:ext uri="{BB962C8B-B14F-4D97-AF65-F5344CB8AC3E}">
+        <p14:creationId xmlns:p14="http://schemas.microsoft.com/office/powerpoint/2010/main" val="2635528499"/>
+      </p:ext>
+    </p:extLst>
+  </p:cSld>
+  <p:clrMapOvr>
+    <a:masterClrMapping/>
+  </p:clrMapOvr>
+</p:notes>
+</file>
+
+<file path=ppt/notesSlides/notesSlide3.xml><?xml version="1.0" encoding="utf-8"?>
+<p:notes xmlns:a="http://schemas.openxmlformats.org/drawingml/2006/main" xmlns:r="http://schemas.openxmlformats.org/officeDocument/2006/relationships" xmlns:p="http://schemas.openxmlformats.org/presentationml/2006/main">
+  <p:cSld>
+    <p:spTree>
+      <p:nvGrpSpPr>
+        <p:cNvPr id="1" name=""/>
+        <p:cNvGrpSpPr/>
+        <p:nvPr/>
+      </p:nvGrpSpPr>
+      <p:grpSpPr>
+        <a:xfrm>
+          <a:off x="0" y="0"/>
+          <a:ext cx="0" cy="0"/>
+          <a:chOff x="0" y="0"/>
+          <a:chExt cx="0" cy="0"/>
+        </a:xfrm>
+      </p:grpSpPr>
+      <p:sp>
+        <p:nvSpPr>
+          <p:cNvPr id="2" name="Slide Image Placeholder 1"/>
+          <p:cNvSpPr>
+            <a:spLocks noGrp="1" noRot="1" noChangeAspect="1"/>
+          </p:cNvSpPr>
+          <p:nvPr>
+            <p:ph type="sldImg"/>
+          </p:nvPr>
+        </p:nvSpPr>
+        <p:spPr/>
+      </p:sp>
+      <p:sp>
+        <p:nvSpPr>
+          <p:cNvPr id="3" name="Notes Placeholder 2"/>
+          <p:cNvSpPr>
+            <a:spLocks noGrp="1"/>
+          </p:cNvSpPr>
+          <p:nvPr>
+            <p:ph type="body" idx="1"/>
+          </p:nvPr>
+        </p:nvSpPr>
+        <p:spPr/>
+        <p:txBody>
+          <a:bodyPr/>
+          <a:lstStyle/>
+          <a:p>
+            <a:r>
+              <a:rPr lang="en-US" dirty="0" smtClean="0"/>
+              <a:t>Auto-truncate mode means that the database (1) is in the Simple recovery model, or no</a:t>
+            </a:r>
+            <a:r>
+              <a:rPr lang="en-US" baseline="0" dirty="0" smtClean="0"/>
+              <a:t> full database backup since changing to Full or Bulked Logged model.</a:t>
+            </a:r>
+            <a:endParaRPr lang="en-US" dirty="0"/>
+          </a:p>
+        </p:txBody>
+      </p:sp>
+      <p:sp>
+        <p:nvSpPr>
+          <p:cNvPr id="4" name="Slide Number Placeholder 3"/>
+          <p:cNvSpPr>
+            <a:spLocks noGrp="1"/>
+          </p:cNvSpPr>
+          <p:nvPr>
+            <p:ph type="sldNum" sz="quarter" idx="10"/>
+          </p:nvPr>
+        </p:nvSpPr>
+        <p:spPr/>
+        <p:txBody>
+          <a:bodyPr/>
+          <a:lstStyle/>
+          <a:p>
+            <a:fld id="{ADDBA41D-AE03-4F1C-B074-B56312AFAE46}" type="slidenum">
+              <a:rPr lang="en-US" smtClean="0"/>
+              <a:t>34</a:t>
+            </a:fld>
+            <a:endParaRPr lang="en-US"/>
+          </a:p>
+        </p:txBody>
+      </p:sp>
+    </p:spTree>
+    <p:extLst>
+      <p:ext uri="{BB962C8B-B14F-4D97-AF65-F5344CB8AC3E}">
+        <p14:creationId xmlns:p14="http://schemas.microsoft.com/office/powerpoint/2010/main" val="1398294388"/>
+      </p:ext>
+    </p:extLst>
+  </p:cSld>
+  <p:clrMapOvr>
+    <a:masterClrMapping/>
+  </p:clrMapOvr>
+</p:notes>
+</file>
+
 <file path=ppt/slideLayouts/slideLayout1.xml><?xml version="1.0" encoding="utf-8"?>
 <p:sldLayout xmlns:a="http://schemas.openxmlformats.org/drawingml/2006/main" xmlns:r="http://schemas.openxmlformats.org/officeDocument/2006/relationships" xmlns:p="http://schemas.openxmlformats.org/presentationml/2006/main" type="title" preserve="1">
   <p:cSld name="Title Slide">
@@ -842,7 +1026,7 @@
             <a:fld id="{5942B21B-2ADA-A040-A652-A7305E1B99FE}" type="datetimeFigureOut">
               <a:rPr lang="en-US" smtClean="0"/>
               <a:pPr/>
-              <a:t>09/09/2016</a:t>
+              <a:t>10/27/2016</a:t>
             </a:fld>
             <a:endParaRPr lang="en-US" dirty="0"/>
           </a:p>
@@ -1032,7 +1216,7 @@
           <a:p>
             <a:fld id="{5942B21B-2ADA-A040-A652-A7305E1B99FE}" type="datetimeFigureOut">
               <a:rPr lang="en-US" smtClean="0"/>
-              <a:t>09/09/2016</a:t>
+              <a:t>10/27/2016</a:t>
             </a:fld>
             <a:endParaRPr lang="en-US"/>
           </a:p>
@@ -1156,7 +1340,7 @@
             <a:fld id="{5942B21B-2ADA-A040-A652-A7305E1B99FE}" type="datetimeFigureOut">
               <a:rPr lang="en-US" smtClean="0"/>
               <a:pPr/>
-              <a:t>09/09/2016</a:t>
+              <a:t>10/27/2016</a:t>
             </a:fld>
             <a:r>
               <a:rPr lang="en-US"/>
@@ -1427,7 +1611,7 @@
             <a:fld id="{5942B21B-2ADA-A040-A652-A7305E1B99FE}" type="datetimeFigureOut">
               <a:rPr lang="en-US" smtClean="0"/>
               <a:pPr/>
-              <a:t>09/09/2016</a:t>
+              <a:t>10/27/2016</a:t>
             </a:fld>
             <a:r>
               <a:rPr lang="en-US" dirty="0"/>
@@ -1697,7 +1881,7 @@
             <a:fld id="{5942B21B-2ADA-A040-A652-A7305E1B99FE}" type="datetimeFigureOut">
               <a:rPr lang="en-US" smtClean="0"/>
               <a:pPr/>
-              <a:t>09/09/2016</a:t>
+              <a:t>10/27/2016</a:t>
             </a:fld>
             <a:r>
               <a:rPr lang="en-US" dirty="0"/>
@@ -2037,7 +2221,7 @@
             <a:fld id="{5942B21B-2ADA-A040-A652-A7305E1B99FE}" type="datetimeFigureOut">
               <a:rPr lang="en-US" smtClean="0"/>
               <a:pPr/>
-              <a:t>09/09/2016</a:t>
+              <a:t>10/27/2016</a:t>
             </a:fld>
             <a:r>
               <a:rPr lang="en-US" dirty="0"/>
@@ -2378,7 +2562,7 @@
             <a:fld id="{5942B21B-2ADA-A040-A652-A7305E1B99FE}" type="datetimeFigureOut">
               <a:rPr lang="en-US" smtClean="0"/>
               <a:pPr/>
-              <a:t>09/09/2016</a:t>
+              <a:t>10/27/2016</a:t>
             </a:fld>
             <a:r>
               <a:rPr lang="en-US" dirty="0"/>
@@ -2893,7 +3077,7 @@
             <a:fld id="{5942B21B-2ADA-A040-A652-A7305E1B99FE}" type="datetimeFigureOut">
               <a:rPr lang="en-US" smtClean="0"/>
               <a:pPr/>
-              <a:t>09/09/2016</a:t>
+              <a:t>10/27/2016</a:t>
             </a:fld>
             <a:r>
               <a:rPr lang="en-US" dirty="0"/>
@@ -3102,7 +3286,7 @@
             <a:fld id="{5942B21B-2ADA-A040-A652-A7305E1B99FE}" type="datetimeFigureOut">
               <a:rPr lang="en-US" smtClean="0"/>
               <a:pPr/>
-              <a:t>09/09/2016</a:t>
+              <a:t>10/27/2016</a:t>
             </a:fld>
             <a:r>
               <a:rPr lang="en-US" dirty="0"/>
@@ -3289,7 +3473,7 @@
             <a:fld id="{5942B21B-2ADA-A040-A652-A7305E1B99FE}" type="datetimeFigureOut">
               <a:rPr lang="en-US" smtClean="0"/>
               <a:pPr/>
-              <a:t>09/09/2016</a:t>
+              <a:t>10/27/2016</a:t>
             </a:fld>
             <a:r>
               <a:rPr lang="en-US" dirty="0"/>
@@ -3620,7 +3804,7 @@
             <a:fld id="{5942B21B-2ADA-A040-A652-A7305E1B99FE}" type="datetimeFigureOut">
               <a:rPr lang="en-US" smtClean="0"/>
               <a:pPr/>
-              <a:t>09/09/2016</a:t>
+              <a:t>10/27/2016</a:t>
             </a:fld>
             <a:r>
               <a:rPr lang="en-US" dirty="0"/>
@@ -3928,7 +4112,7 @@
             <a:fld id="{5942B21B-2ADA-A040-A652-A7305E1B99FE}" type="datetimeFigureOut">
               <a:rPr lang="en-US" smtClean="0"/>
               <a:pPr/>
-              <a:t>09/09/2016</a:t>
+              <a:t>10/27/2016</a:t>
             </a:fld>
             <a:r>
               <a:rPr lang="en-US" dirty="0"/>
@@ -4207,7 +4391,7 @@
             <a:fld id="{5942B21B-2ADA-A040-A652-A7305E1B99FE}" type="datetimeFigureOut">
               <a:rPr lang="en-US" smtClean="0"/>
               <a:pPr/>
-              <a:t>09/09/2016</a:t>
+              <a:t>10/27/2016</a:t>
             </a:fld>
             <a:r>
               <a:rPr lang="en-US" dirty="0"/>
@@ -4967,19 +5151,43 @@
           <a:p>
             <a:r>
               <a:rPr lang="en-US" dirty="0"/>
-              <a:t>VLFs can be in one of two statuses:</a:t>
+              <a:t>VLFs can be in one of </a:t>
+            </a:r>
+            <a:r>
+              <a:rPr lang="en-US" dirty="0" smtClean="0"/>
+              <a:t>several statuses</a:t>
+            </a:r>
+            <a:r>
+              <a:rPr lang="en-US" dirty="0"/>
+              <a:t>:</a:t>
             </a:r>
           </a:p>
           <a:p>
             <a:pPr lvl="1"/>
             <a:r>
-              <a:rPr lang="en-US" dirty="0">
+              <a:rPr lang="en-US" dirty="0" smtClean="0">
                 <a:solidFill>
                   <a:srgbClr val="92D050"/>
                 </a:solidFill>
               </a:rPr>
-              <a:t>Inactive</a:t>
-            </a:r>
+              <a:t>Inactive (never used)</a:t>
+            </a:r>
+          </a:p>
+          <a:p>
+            <a:pPr lvl="1"/>
+            <a:r>
+              <a:rPr lang="en-US" dirty="0" smtClean="0">
+                <a:solidFill>
+                  <a:srgbClr val="92D050"/>
+                </a:solidFill>
+              </a:rPr>
+              <a:t>Inactive (previously used)</a:t>
+            </a:r>
+            <a:endParaRPr lang="en-US" dirty="0">
+              <a:solidFill>
+                <a:srgbClr val="92D050"/>
+              </a:solidFill>
+            </a:endParaRPr>
           </a:p>
           <a:p>
             <a:pPr lvl="1"/>
@@ -5000,18 +5208,25 @@
                   <a:srgbClr val="FF0000"/>
                 </a:solidFill>
               </a:rPr>
-              <a:t>Active (not usable)</a:t>
-            </a:r>
-            <a:endParaRPr lang="en-US" dirty="0">
-              <a:solidFill>
-                <a:schemeClr val="tx1"/>
-              </a:solidFill>
-            </a:endParaRPr>
-          </a:p>
-          <a:p>
-            <a:r>
-              <a:rPr lang="en-US" dirty="0"/>
-              <a:t>Only one VLF is current at a time.</a:t>
+              <a:t>Active (not usable</a:t>
+            </a:r>
+            <a:r>
+              <a:rPr lang="en-US" dirty="0" smtClean="0">
+                <a:solidFill>
+                  <a:srgbClr val="FF0000"/>
+                </a:solidFill>
+              </a:rPr>
+              <a:t>)</a:t>
+            </a:r>
+          </a:p>
+          <a:p>
+            <a:r>
+              <a:rPr lang="en-US" dirty="0" smtClean="0"/>
+              <a:t>Only </a:t>
+            </a:r>
+            <a:r>
+              <a:rPr lang="en-US" dirty="0"/>
+              <a:t>one VLF is current at a time.</a:t>
             </a:r>
           </a:p>
         </p:txBody>
@@ -6132,11 +6347,15 @@
             <a:pPr lvl="1"/>
             <a:r>
               <a:rPr lang="en-US" dirty="0"/>
-              <a:t>Completely variable </a:t>
-            </a:r>
-            <a:r>
-              <a:rPr lang="en-US"/>
-              <a:t>in size</a:t>
+              <a:t>Completely variable in </a:t>
+            </a:r>
+            <a:r>
+              <a:rPr lang="en-US" dirty="0" smtClean="0"/>
+              <a:t>size (in 512 </a:t>
+            </a:r>
+            <a:r>
+              <a:rPr lang="en-US" smtClean="0"/>
+              <a:t>bytes chunks)</a:t>
             </a:r>
             <a:endParaRPr lang="en-US" dirty="0"/>
           </a:p>
@@ -6157,7 +6376,7 @@
           <p:nvPr/>
         </p:nvPicPr>
         <p:blipFill>
-          <a:blip r:embed="rId2"/>
+          <a:blip r:embed="rId3"/>
           <a:stretch>
             <a:fillRect/>
           </a:stretch>
@@ -7524,21 +7743,21 @@
                 <a:gridCol w="1895475">
                   <a:extLst>
                     <a:ext uri="{9D8B030D-6E8A-4147-A177-3AD203B41FA5}">
-                      <a16:colId xmlns="" xmlns:a16="http://schemas.microsoft.com/office/drawing/2014/main" val="20000"/>
+                      <a16:colId xmlns:a16="http://schemas.microsoft.com/office/drawing/2014/main" xmlns="" val="20000"/>
                     </a:ext>
                   </a:extLst>
                 </a:gridCol>
                 <a:gridCol w="3171825">
                   <a:extLst>
                     <a:ext uri="{9D8B030D-6E8A-4147-A177-3AD203B41FA5}">
-                      <a16:colId xmlns="" xmlns:a16="http://schemas.microsoft.com/office/drawing/2014/main" val="20001"/>
+                      <a16:colId xmlns:a16="http://schemas.microsoft.com/office/drawing/2014/main" xmlns="" val="20001"/>
                     </a:ext>
                   </a:extLst>
                 </a:gridCol>
                 <a:gridCol w="3162300">
                   <a:extLst>
                     <a:ext uri="{9D8B030D-6E8A-4147-A177-3AD203B41FA5}">
-                      <a16:colId xmlns="" xmlns:a16="http://schemas.microsoft.com/office/drawing/2014/main" val="20002"/>
+                      <a16:colId xmlns:a16="http://schemas.microsoft.com/office/drawing/2014/main" xmlns="" val="20002"/>
                     </a:ext>
                   </a:extLst>
                 </a:gridCol>
@@ -7585,7 +7804,7 @@
                 </a:tc>
                 <a:extLst>
                   <a:ext uri="{0D108BD9-81ED-4DB2-BD59-A6C34878D82A}">
-                    <a16:rowId xmlns="" xmlns:a16="http://schemas.microsoft.com/office/drawing/2014/main" val="10000"/>
+                    <a16:rowId xmlns:a16="http://schemas.microsoft.com/office/drawing/2014/main" xmlns="" val="10000"/>
                   </a:ext>
                 </a:extLst>
               </a:tr>
@@ -7648,7 +7867,7 @@
                 </a:tc>
                 <a:extLst>
                   <a:ext uri="{0D108BD9-81ED-4DB2-BD59-A6C34878D82A}">
-                    <a16:rowId xmlns="" xmlns:a16="http://schemas.microsoft.com/office/drawing/2014/main" val="10001"/>
+                    <a16:rowId xmlns:a16="http://schemas.microsoft.com/office/drawing/2014/main" xmlns="" val="10001"/>
                   </a:ext>
                 </a:extLst>
               </a:tr>
@@ -7719,7 +7938,7 @@
                 </a:tc>
                 <a:extLst>
                   <a:ext uri="{0D108BD9-81ED-4DB2-BD59-A6C34878D82A}">
-                    <a16:rowId xmlns="" xmlns:a16="http://schemas.microsoft.com/office/drawing/2014/main" val="10002"/>
+                    <a16:rowId xmlns:a16="http://schemas.microsoft.com/office/drawing/2014/main" xmlns="" val="10002"/>
                   </a:ext>
                 </a:extLst>
               </a:tr>
@@ -7765,7 +7984,7 @@
                 </a:tc>
                 <a:extLst>
                   <a:ext uri="{0D108BD9-81ED-4DB2-BD59-A6C34878D82A}">
-                    <a16:rowId xmlns="" xmlns:a16="http://schemas.microsoft.com/office/drawing/2014/main" val="10003"/>
+                    <a16:rowId xmlns:a16="http://schemas.microsoft.com/office/drawing/2014/main" xmlns="" val="10003"/>
                   </a:ext>
                 </a:extLst>
               </a:tr>
@@ -7816,7 +8035,7 @@
                 </a:tc>
                 <a:extLst>
                   <a:ext uri="{0D108BD9-81ED-4DB2-BD59-A6C34878D82A}">
-                    <a16:rowId xmlns="" xmlns:a16="http://schemas.microsoft.com/office/drawing/2014/main" val="3543017676"/>
+                    <a16:rowId xmlns:a16="http://schemas.microsoft.com/office/drawing/2014/main" xmlns="" val="3543017676"/>
                   </a:ext>
                 </a:extLst>
               </a:tr>
@@ -9434,7 +9653,9 @@
         </p:nvSpPr>
         <p:spPr/>
         <p:txBody>
-          <a:bodyPr/>
+          <a:bodyPr>
+            <a:normAutofit fontScale="92500" lnSpcReduction="10000"/>
+          </a:bodyPr>
           <a:lstStyle/>
           <a:p>
             <a:r>
@@ -9452,15 +9673,35 @@
             <a:pPr lvl="1"/>
             <a:r>
               <a:rPr lang="en-US" dirty="0"/>
-              <a:t>Simple recovery: Checkpoint</a:t>
+              <a:t>Simple </a:t>
+            </a:r>
+            <a:r>
+              <a:rPr lang="en-US" dirty="0" smtClean="0"/>
+              <a:t>recovery*: </a:t>
+            </a:r>
+            <a:r>
+              <a:rPr lang="en-US" dirty="0"/>
+              <a:t>Checkpoint</a:t>
             </a:r>
           </a:p>
           <a:p>
             <a:pPr lvl="1"/>
             <a:r>
               <a:rPr lang="en-US" dirty="0"/>
-              <a:t>Full/bulked-log: Log Backup</a:t>
-            </a:r>
+              <a:t>Full/bulked-log: Log </a:t>
+            </a:r>
+            <a:r>
+              <a:rPr lang="en-US" dirty="0" smtClean="0"/>
+              <a:t>Backup</a:t>
+            </a:r>
+          </a:p>
+          <a:p>
+            <a:pPr lvl="1"/>
+            <a:r>
+              <a:rPr lang="en-US" dirty="0" smtClean="0"/>
+              <a:t>Change from Full or Bulked Logged to Simple**</a:t>
+            </a:r>
+            <a:endParaRPr lang="en-US" dirty="0"/>
           </a:p>
           <a:p>
             <a:r>
@@ -9510,6 +9751,185 @@
           <a:p>
             <a:pPr lvl="1"/>
             <a:endParaRPr lang="en-US" dirty="0"/>
+          </a:p>
+        </p:txBody>
+      </p:sp>
+      <p:sp>
+        <p:nvSpPr>
+          <p:cNvPr id="4" name="Content Placeholder 2"/>
+          <p:cNvSpPr txBox="1">
+            <a:spLocks/>
+          </p:cNvSpPr>
+          <p:nvPr/>
+        </p:nvSpPr>
+        <p:spPr>
+          <a:xfrm>
+            <a:off x="209550" y="6126163"/>
+            <a:ext cx="6800850" cy="600075"/>
+          </a:xfrm>
+          <a:prstGeom prst="rect">
+            <a:avLst/>
+          </a:prstGeom>
+        </p:spPr>
+        <p:txBody>
+          <a:bodyPr vert="horz" lIns="91440" tIns="45720" rIns="91440" bIns="45720" rtlCol="0">
+            <a:normAutofit fontScale="92500" lnSpcReduction="20000"/>
+          </a:bodyPr>
+          <a:lstStyle>
+            <a:lvl1pPr marL="342900" indent="-342900" algn="l" defTabSz="457200" rtl="0" eaLnBrk="1" latinLnBrk="0" hangingPunct="1">
+              <a:spcBef>
+                <a:spcPct val="20000"/>
+              </a:spcBef>
+              <a:buFont typeface="Wingdings" charset="2"/>
+              <a:buChar char="§"/>
+              <a:defRPr sz="3000" kern="1200">
+                <a:solidFill>
+                  <a:schemeClr val="tx2"/>
+                </a:solidFill>
+                <a:latin typeface="+mn-lt"/>
+                <a:ea typeface="+mn-ea"/>
+                <a:cs typeface="+mn-cs"/>
+              </a:defRPr>
+            </a:lvl1pPr>
+            <a:lvl2pPr marL="742950" indent="-285750" algn="l" defTabSz="457200" rtl="0" eaLnBrk="1" latinLnBrk="0" hangingPunct="1">
+              <a:spcBef>
+                <a:spcPct val="20000"/>
+              </a:spcBef>
+              <a:buFont typeface="Wingdings" charset="2"/>
+              <a:buChar char="§"/>
+              <a:defRPr sz="2600" kern="1200">
+                <a:solidFill>
+                  <a:srgbClr val="474947"/>
+                </a:solidFill>
+                <a:latin typeface="+mn-lt"/>
+                <a:ea typeface="+mn-ea"/>
+                <a:cs typeface="+mn-cs"/>
+              </a:defRPr>
+            </a:lvl2pPr>
+            <a:lvl3pPr marL="1143000" indent="-228600" algn="l" defTabSz="457200" rtl="0" eaLnBrk="1" latinLnBrk="0" hangingPunct="1">
+              <a:spcBef>
+                <a:spcPct val="20000"/>
+              </a:spcBef>
+              <a:buFont typeface="Wingdings" charset="2"/>
+              <a:buChar char="§"/>
+              <a:defRPr sz="2200" kern="1200">
+                <a:solidFill>
+                  <a:srgbClr val="474947"/>
+                </a:solidFill>
+                <a:latin typeface="+mn-lt"/>
+                <a:ea typeface="+mn-ea"/>
+                <a:cs typeface="+mn-cs"/>
+              </a:defRPr>
+            </a:lvl3pPr>
+            <a:lvl4pPr marL="1600200" indent="-228600" algn="l" defTabSz="457200" rtl="0" eaLnBrk="1" latinLnBrk="0" hangingPunct="1">
+              <a:spcBef>
+                <a:spcPct val="20000"/>
+              </a:spcBef>
+              <a:buFont typeface="Wingdings" charset="2"/>
+              <a:buChar char="§"/>
+              <a:defRPr sz="2000" kern="1200">
+                <a:solidFill>
+                  <a:srgbClr val="474947"/>
+                </a:solidFill>
+                <a:latin typeface="+mn-lt"/>
+                <a:ea typeface="+mn-ea"/>
+                <a:cs typeface="+mn-cs"/>
+              </a:defRPr>
+            </a:lvl4pPr>
+            <a:lvl5pPr marL="2057400" indent="-228600" algn="l" defTabSz="457200" rtl="0" eaLnBrk="1" latinLnBrk="0" hangingPunct="1">
+              <a:spcBef>
+                <a:spcPct val="20000"/>
+              </a:spcBef>
+              <a:buFont typeface="Wingdings" charset="2"/>
+              <a:buChar char="§"/>
+              <a:defRPr sz="1800" kern="1200">
+                <a:solidFill>
+                  <a:srgbClr val="474947"/>
+                </a:solidFill>
+                <a:latin typeface="+mn-lt"/>
+                <a:ea typeface="+mn-ea"/>
+                <a:cs typeface="+mn-cs"/>
+              </a:defRPr>
+            </a:lvl5pPr>
+            <a:lvl6pPr marL="2514600" indent="-228600" algn="l" defTabSz="457200" rtl="0" eaLnBrk="1" latinLnBrk="0" hangingPunct="1">
+              <a:spcBef>
+                <a:spcPct val="20000"/>
+              </a:spcBef>
+              <a:buFont typeface="Arial"/>
+              <a:buChar char="•"/>
+              <a:defRPr sz="2000" kern="1200">
+                <a:solidFill>
+                  <a:schemeClr val="tx1"/>
+                </a:solidFill>
+                <a:latin typeface="+mn-lt"/>
+                <a:ea typeface="+mn-ea"/>
+                <a:cs typeface="+mn-cs"/>
+              </a:defRPr>
+            </a:lvl6pPr>
+            <a:lvl7pPr marL="2971800" indent="-228600" algn="l" defTabSz="457200" rtl="0" eaLnBrk="1" latinLnBrk="0" hangingPunct="1">
+              <a:spcBef>
+                <a:spcPct val="20000"/>
+              </a:spcBef>
+              <a:buFont typeface="Arial"/>
+              <a:buChar char="•"/>
+              <a:defRPr sz="2000" kern="1200">
+                <a:solidFill>
+                  <a:schemeClr val="tx1"/>
+                </a:solidFill>
+                <a:latin typeface="+mn-lt"/>
+                <a:ea typeface="+mn-ea"/>
+                <a:cs typeface="+mn-cs"/>
+              </a:defRPr>
+            </a:lvl7pPr>
+            <a:lvl8pPr marL="3429000" indent="-228600" algn="l" defTabSz="457200" rtl="0" eaLnBrk="1" latinLnBrk="0" hangingPunct="1">
+              <a:spcBef>
+                <a:spcPct val="20000"/>
+              </a:spcBef>
+              <a:buFont typeface="Arial"/>
+              <a:buChar char="•"/>
+              <a:defRPr sz="2000" kern="1200">
+                <a:solidFill>
+                  <a:schemeClr val="tx1"/>
+                </a:solidFill>
+                <a:latin typeface="+mn-lt"/>
+                <a:ea typeface="+mn-ea"/>
+                <a:cs typeface="+mn-cs"/>
+              </a:defRPr>
+            </a:lvl8pPr>
+            <a:lvl9pPr marL="3886200" indent="-228600" algn="l" defTabSz="457200" rtl="0" eaLnBrk="1" latinLnBrk="0" hangingPunct="1">
+              <a:spcBef>
+                <a:spcPct val="20000"/>
+              </a:spcBef>
+              <a:buFont typeface="Arial"/>
+              <a:buChar char="•"/>
+              <a:defRPr sz="2000" kern="1200">
+                <a:solidFill>
+                  <a:schemeClr val="tx1"/>
+                </a:solidFill>
+                <a:latin typeface="+mn-lt"/>
+                <a:ea typeface="+mn-ea"/>
+                <a:cs typeface="+mn-cs"/>
+              </a:defRPr>
+            </a:lvl9pPr>
+          </a:lstStyle>
+          <a:p>
+            <a:pPr marL="57150" indent="0">
+              <a:buNone/>
+            </a:pPr>
+            <a:r>
+              <a:rPr lang="en-US" sz="1800" dirty="0" smtClean="0"/>
+              <a:t>* More technically, when in “auto-truncate” mode.</a:t>
+            </a:r>
+          </a:p>
+          <a:p>
+            <a:pPr marL="57150" indent="0">
+              <a:buNone/>
+            </a:pPr>
+            <a:r>
+              <a:rPr lang="en-US" sz="1800" dirty="0" smtClean="0"/>
+              <a:t>** But this breaks the backup chain!</a:t>
+            </a:r>
+            <a:endParaRPr lang="en-US" sz="1800" dirty="0"/>
           </a:p>
         </p:txBody>
       </p:sp>
@@ -10685,14 +11105,14 @@
                 <a:gridCol w="3048000">
                   <a:extLst>
                     <a:ext uri="{9D8B030D-6E8A-4147-A177-3AD203B41FA5}">
-                      <a16:colId xmlns="" xmlns:a16="http://schemas.microsoft.com/office/drawing/2014/main" val="20000"/>
+                      <a16:colId xmlns:a16="http://schemas.microsoft.com/office/drawing/2014/main" xmlns="" val="20000"/>
                     </a:ext>
                   </a:extLst>
                 </a:gridCol>
                 <a:gridCol w="3048000">
                   <a:extLst>
                     <a:ext uri="{9D8B030D-6E8A-4147-A177-3AD203B41FA5}">
-                      <a16:colId xmlns="" xmlns:a16="http://schemas.microsoft.com/office/drawing/2014/main" val="20001"/>
+                      <a16:colId xmlns:a16="http://schemas.microsoft.com/office/drawing/2014/main" xmlns="" val="20001"/>
                     </a:ext>
                   </a:extLst>
                 </a:gridCol>
@@ -10738,7 +11158,7 @@
                 </a:tc>
                 <a:extLst>
                   <a:ext uri="{0D108BD9-81ED-4DB2-BD59-A6C34878D82A}">
-                    <a16:rowId xmlns="" xmlns:a16="http://schemas.microsoft.com/office/drawing/2014/main" val="10000"/>
+                    <a16:rowId xmlns:a16="http://schemas.microsoft.com/office/drawing/2014/main" xmlns="" val="10000"/>
                   </a:ext>
                 </a:extLst>
               </a:tr>
@@ -10773,7 +11193,7 @@
                 </a:tc>
                 <a:extLst>
                   <a:ext uri="{0D108BD9-81ED-4DB2-BD59-A6C34878D82A}">
-                    <a16:rowId xmlns="" xmlns:a16="http://schemas.microsoft.com/office/drawing/2014/main" val="10001"/>
+                    <a16:rowId xmlns:a16="http://schemas.microsoft.com/office/drawing/2014/main" xmlns="" val="10001"/>
                   </a:ext>
                 </a:extLst>
               </a:tr>
@@ -10808,7 +11228,7 @@
                 </a:tc>
                 <a:extLst>
                   <a:ext uri="{0D108BD9-81ED-4DB2-BD59-A6C34878D82A}">
-                    <a16:rowId xmlns="" xmlns:a16="http://schemas.microsoft.com/office/drawing/2014/main" val="10002"/>
+                    <a16:rowId xmlns:a16="http://schemas.microsoft.com/office/drawing/2014/main" xmlns="" val="10002"/>
                   </a:ext>
                 </a:extLst>
               </a:tr>
@@ -10848,7 +11268,7 @@
                 </a:tc>
                 <a:extLst>
                   <a:ext uri="{0D108BD9-81ED-4DB2-BD59-A6C34878D82A}">
-                    <a16:rowId xmlns="" xmlns:a16="http://schemas.microsoft.com/office/drawing/2014/main" val="10003"/>
+                    <a16:rowId xmlns:a16="http://schemas.microsoft.com/office/drawing/2014/main" xmlns="" val="10003"/>
                   </a:ext>
                 </a:extLst>
               </a:tr>

--- a/TransactionLog.pptx
+++ b/TransactionLog.pptx
@@ -6347,23 +6347,24 @@
             <a:pPr lvl="1"/>
             <a:r>
               <a:rPr lang="en-US" dirty="0"/>
-              <a:t>Completely variable in </a:t>
-            </a:r>
+              <a:t>Completely variable </a:t>
+            </a:r>
+            <a:r>
+              <a:rPr lang="en-US"/>
+              <a:t>in </a:t>
+            </a:r>
+            <a:r>
+              <a:rPr lang="en-US" smtClean="0"/>
+              <a:t>size</a:t>
+            </a:r>
+            <a:endParaRPr lang="en-US" dirty="0" smtClean="0"/>
+          </a:p>
+          <a:p>
             <a:r>
               <a:rPr lang="en-US" dirty="0" smtClean="0"/>
-              <a:t>size (in 512 </a:t>
-            </a:r>
-            <a:r>
-              <a:rPr lang="en-US" smtClean="0"/>
-              <a:t>bytes chunks)</a:t>
+              <a:t>And an index to the log records (slot array)</a:t>
             </a:r>
             <a:endParaRPr lang="en-US" dirty="0"/>
-          </a:p>
-          <a:p>
-            <a:r>
-              <a:rPr lang="en-US" dirty="0"/>
-              <a:t>And an index to the log records (slot array)</a:t>
-            </a:r>
           </a:p>
         </p:txBody>
       </p:sp>
@@ -7743,21 +7744,21 @@
                 <a:gridCol w="1895475">
                   <a:extLst>
                     <a:ext uri="{9D8B030D-6E8A-4147-A177-3AD203B41FA5}">
-                      <a16:colId xmlns:a16="http://schemas.microsoft.com/office/drawing/2014/main" xmlns="" val="20000"/>
+                      <a16:colId xmlns="" xmlns:a16="http://schemas.microsoft.com/office/drawing/2014/main" val="20000"/>
                     </a:ext>
                   </a:extLst>
                 </a:gridCol>
                 <a:gridCol w="3171825">
                   <a:extLst>
                     <a:ext uri="{9D8B030D-6E8A-4147-A177-3AD203B41FA5}">
-                      <a16:colId xmlns:a16="http://schemas.microsoft.com/office/drawing/2014/main" xmlns="" val="20001"/>
+                      <a16:colId xmlns="" xmlns:a16="http://schemas.microsoft.com/office/drawing/2014/main" val="20001"/>
                     </a:ext>
                   </a:extLst>
                 </a:gridCol>
                 <a:gridCol w="3162300">
                   <a:extLst>
                     <a:ext uri="{9D8B030D-6E8A-4147-A177-3AD203B41FA5}">
-                      <a16:colId xmlns:a16="http://schemas.microsoft.com/office/drawing/2014/main" xmlns="" val="20002"/>
+                      <a16:colId xmlns="" xmlns:a16="http://schemas.microsoft.com/office/drawing/2014/main" val="20002"/>
                     </a:ext>
                   </a:extLst>
                 </a:gridCol>
@@ -7804,7 +7805,7 @@
                 </a:tc>
                 <a:extLst>
                   <a:ext uri="{0D108BD9-81ED-4DB2-BD59-A6C34878D82A}">
-                    <a16:rowId xmlns:a16="http://schemas.microsoft.com/office/drawing/2014/main" xmlns="" val="10000"/>
+                    <a16:rowId xmlns="" xmlns:a16="http://schemas.microsoft.com/office/drawing/2014/main" val="10000"/>
                   </a:ext>
                 </a:extLst>
               </a:tr>
@@ -7867,7 +7868,7 @@
                 </a:tc>
                 <a:extLst>
                   <a:ext uri="{0D108BD9-81ED-4DB2-BD59-A6C34878D82A}">
-                    <a16:rowId xmlns:a16="http://schemas.microsoft.com/office/drawing/2014/main" xmlns="" val="10001"/>
+                    <a16:rowId xmlns="" xmlns:a16="http://schemas.microsoft.com/office/drawing/2014/main" val="10001"/>
                   </a:ext>
                 </a:extLst>
               </a:tr>
@@ -7938,7 +7939,7 @@
                 </a:tc>
                 <a:extLst>
                   <a:ext uri="{0D108BD9-81ED-4DB2-BD59-A6C34878D82A}">
-                    <a16:rowId xmlns:a16="http://schemas.microsoft.com/office/drawing/2014/main" xmlns="" val="10002"/>
+                    <a16:rowId xmlns="" xmlns:a16="http://schemas.microsoft.com/office/drawing/2014/main" val="10002"/>
                   </a:ext>
                 </a:extLst>
               </a:tr>
@@ -7984,7 +7985,7 @@
                 </a:tc>
                 <a:extLst>
                   <a:ext uri="{0D108BD9-81ED-4DB2-BD59-A6C34878D82A}">
-                    <a16:rowId xmlns:a16="http://schemas.microsoft.com/office/drawing/2014/main" xmlns="" val="10003"/>
+                    <a16:rowId xmlns="" xmlns:a16="http://schemas.microsoft.com/office/drawing/2014/main" val="10003"/>
                   </a:ext>
                 </a:extLst>
               </a:tr>
@@ -8035,7 +8036,7 @@
                 </a:tc>
                 <a:extLst>
                   <a:ext uri="{0D108BD9-81ED-4DB2-BD59-A6C34878D82A}">
-                    <a16:rowId xmlns:a16="http://schemas.microsoft.com/office/drawing/2014/main" xmlns="" val="3543017676"/>
+                    <a16:rowId xmlns="" xmlns:a16="http://schemas.microsoft.com/office/drawing/2014/main" val="3543017676"/>
                   </a:ext>
                 </a:extLst>
               </a:tr>
@@ -11105,14 +11106,14 @@
                 <a:gridCol w="3048000">
                   <a:extLst>
                     <a:ext uri="{9D8B030D-6E8A-4147-A177-3AD203B41FA5}">
-                      <a16:colId xmlns:a16="http://schemas.microsoft.com/office/drawing/2014/main" xmlns="" val="20000"/>
+                      <a16:colId xmlns="" xmlns:a16="http://schemas.microsoft.com/office/drawing/2014/main" val="20000"/>
                     </a:ext>
                   </a:extLst>
                 </a:gridCol>
                 <a:gridCol w="3048000">
                   <a:extLst>
                     <a:ext uri="{9D8B030D-6E8A-4147-A177-3AD203B41FA5}">
-                      <a16:colId xmlns:a16="http://schemas.microsoft.com/office/drawing/2014/main" xmlns="" val="20001"/>
+                      <a16:colId xmlns="" xmlns:a16="http://schemas.microsoft.com/office/drawing/2014/main" val="20001"/>
                     </a:ext>
                   </a:extLst>
                 </a:gridCol>
@@ -11158,7 +11159,7 @@
                 </a:tc>
                 <a:extLst>
                   <a:ext uri="{0D108BD9-81ED-4DB2-BD59-A6C34878D82A}">
-                    <a16:rowId xmlns:a16="http://schemas.microsoft.com/office/drawing/2014/main" xmlns="" val="10000"/>
+                    <a16:rowId xmlns="" xmlns:a16="http://schemas.microsoft.com/office/drawing/2014/main" val="10000"/>
                   </a:ext>
                 </a:extLst>
               </a:tr>
@@ -11193,7 +11194,7 @@
                 </a:tc>
                 <a:extLst>
                   <a:ext uri="{0D108BD9-81ED-4DB2-BD59-A6C34878D82A}">
-                    <a16:rowId xmlns:a16="http://schemas.microsoft.com/office/drawing/2014/main" xmlns="" val="10001"/>
+                    <a16:rowId xmlns="" xmlns:a16="http://schemas.microsoft.com/office/drawing/2014/main" val="10001"/>
                   </a:ext>
                 </a:extLst>
               </a:tr>
@@ -11228,7 +11229,7 @@
                 </a:tc>
                 <a:extLst>
                   <a:ext uri="{0D108BD9-81ED-4DB2-BD59-A6C34878D82A}">
-                    <a16:rowId xmlns:a16="http://schemas.microsoft.com/office/drawing/2014/main" xmlns="" val="10002"/>
+                    <a16:rowId xmlns="" xmlns:a16="http://schemas.microsoft.com/office/drawing/2014/main" val="10002"/>
                   </a:ext>
                 </a:extLst>
               </a:tr>
@@ -11268,7 +11269,7 @@
                 </a:tc>
                 <a:extLst>
                   <a:ext uri="{0D108BD9-81ED-4DB2-BD59-A6C34878D82A}">
-                    <a16:rowId xmlns:a16="http://schemas.microsoft.com/office/drawing/2014/main" xmlns="" val="10003"/>
+                    <a16:rowId xmlns="" xmlns:a16="http://schemas.microsoft.com/office/drawing/2014/main" val="10003"/>
                   </a:ext>
                 </a:extLst>
               </a:tr>

--- a/TransactionLog.pptx
+++ b/TransactionLog.pptx
@@ -256,7 +256,7 @@
           <a:p>
             <a:fld id="{2EDCB34D-5EC2-4739-9693-E425457AC201}" type="datetimeFigureOut">
               <a:rPr lang="en-US" smtClean="0"/>
-              <a:t>10/27/2016</a:t>
+              <a:t>12/5/2016</a:t>
             </a:fld>
             <a:endParaRPr lang="en-US"/>
           </a:p>
@@ -652,11 +652,11 @@
           <a:lstStyle/>
           <a:p>
             <a:r>
-              <a:rPr lang="en-US" dirty="0" smtClean="0"/>
+              <a:rPr lang="en-US" dirty="0"/>
               <a:t>Limit of 24K per </a:t>
             </a:r>
             <a:r>
-              <a:rPr lang="en-US" smtClean="0"/>
+              <a:rPr lang="en-US"/>
               <a:t>log record?</a:t>
             </a:r>
             <a:endParaRPr lang="en-US" dirty="0"/>
@@ -744,11 +744,11 @@
           <a:lstStyle/>
           <a:p>
             <a:r>
-              <a:rPr lang="en-US" dirty="0" smtClean="0"/>
+              <a:rPr lang="en-US" dirty="0"/>
               <a:t>Auto-truncate mode means that the database (1) is in the Simple recovery model, or no</a:t>
             </a:r>
             <a:r>
-              <a:rPr lang="en-US" baseline="0" dirty="0" smtClean="0"/>
+              <a:rPr lang="en-US" baseline="0" dirty="0"/>
               <a:t> full database backup since changing to Full or Bulked Logged model.</a:t>
             </a:r>
             <a:endParaRPr lang="en-US" dirty="0"/>
@@ -1026,7 +1026,7 @@
             <a:fld id="{5942B21B-2ADA-A040-A652-A7305E1B99FE}" type="datetimeFigureOut">
               <a:rPr lang="en-US" smtClean="0"/>
               <a:pPr/>
-              <a:t>10/27/2016</a:t>
+              <a:t>12/5/2016</a:t>
             </a:fld>
             <a:endParaRPr lang="en-US" dirty="0"/>
           </a:p>
@@ -1216,7 +1216,7 @@
           <a:p>
             <a:fld id="{5942B21B-2ADA-A040-A652-A7305E1B99FE}" type="datetimeFigureOut">
               <a:rPr lang="en-US" smtClean="0"/>
-              <a:t>10/27/2016</a:t>
+              <a:t>12/5/2016</a:t>
             </a:fld>
             <a:endParaRPr lang="en-US"/>
           </a:p>
@@ -1340,7 +1340,7 @@
             <a:fld id="{5942B21B-2ADA-A040-A652-A7305E1B99FE}" type="datetimeFigureOut">
               <a:rPr lang="en-US" smtClean="0"/>
               <a:pPr/>
-              <a:t>10/27/2016</a:t>
+              <a:t>12/5/2016</a:t>
             </a:fld>
             <a:r>
               <a:rPr lang="en-US"/>
@@ -1611,7 +1611,7 @@
             <a:fld id="{5942B21B-2ADA-A040-A652-A7305E1B99FE}" type="datetimeFigureOut">
               <a:rPr lang="en-US" smtClean="0"/>
               <a:pPr/>
-              <a:t>10/27/2016</a:t>
+              <a:t>12/5/2016</a:t>
             </a:fld>
             <a:r>
               <a:rPr lang="en-US" dirty="0"/>
@@ -1881,7 +1881,7 @@
             <a:fld id="{5942B21B-2ADA-A040-A652-A7305E1B99FE}" type="datetimeFigureOut">
               <a:rPr lang="en-US" smtClean="0"/>
               <a:pPr/>
-              <a:t>10/27/2016</a:t>
+              <a:t>12/5/2016</a:t>
             </a:fld>
             <a:r>
               <a:rPr lang="en-US" dirty="0"/>
@@ -2221,7 +2221,7 @@
             <a:fld id="{5942B21B-2ADA-A040-A652-A7305E1B99FE}" type="datetimeFigureOut">
               <a:rPr lang="en-US" smtClean="0"/>
               <a:pPr/>
-              <a:t>10/27/2016</a:t>
+              <a:t>12/5/2016</a:t>
             </a:fld>
             <a:r>
               <a:rPr lang="en-US" dirty="0"/>
@@ -2562,7 +2562,7 @@
             <a:fld id="{5942B21B-2ADA-A040-A652-A7305E1B99FE}" type="datetimeFigureOut">
               <a:rPr lang="en-US" smtClean="0"/>
               <a:pPr/>
-              <a:t>10/27/2016</a:t>
+              <a:t>12/5/2016</a:t>
             </a:fld>
             <a:r>
               <a:rPr lang="en-US" dirty="0"/>
@@ -3077,7 +3077,7 @@
             <a:fld id="{5942B21B-2ADA-A040-A652-A7305E1B99FE}" type="datetimeFigureOut">
               <a:rPr lang="en-US" smtClean="0"/>
               <a:pPr/>
-              <a:t>10/27/2016</a:t>
+              <a:t>12/5/2016</a:t>
             </a:fld>
             <a:r>
               <a:rPr lang="en-US" dirty="0"/>
@@ -3286,7 +3286,7 @@
             <a:fld id="{5942B21B-2ADA-A040-A652-A7305E1B99FE}" type="datetimeFigureOut">
               <a:rPr lang="en-US" smtClean="0"/>
               <a:pPr/>
-              <a:t>10/27/2016</a:t>
+              <a:t>12/5/2016</a:t>
             </a:fld>
             <a:r>
               <a:rPr lang="en-US" dirty="0"/>
@@ -3473,7 +3473,7 @@
             <a:fld id="{5942B21B-2ADA-A040-A652-A7305E1B99FE}" type="datetimeFigureOut">
               <a:rPr lang="en-US" smtClean="0"/>
               <a:pPr/>
-              <a:t>10/27/2016</a:t>
+              <a:t>12/5/2016</a:t>
             </a:fld>
             <a:r>
               <a:rPr lang="en-US" dirty="0"/>
@@ -3804,7 +3804,7 @@
             <a:fld id="{5942B21B-2ADA-A040-A652-A7305E1B99FE}" type="datetimeFigureOut">
               <a:rPr lang="en-US" smtClean="0"/>
               <a:pPr/>
-              <a:t>10/27/2016</a:t>
+              <a:t>12/5/2016</a:t>
             </a:fld>
             <a:r>
               <a:rPr lang="en-US" dirty="0"/>
@@ -4112,7 +4112,7 @@
             <a:fld id="{5942B21B-2ADA-A040-A652-A7305E1B99FE}" type="datetimeFigureOut">
               <a:rPr lang="en-US" smtClean="0"/>
               <a:pPr/>
-              <a:t>10/27/2016</a:t>
+              <a:t>12/5/2016</a:t>
             </a:fld>
             <a:r>
               <a:rPr lang="en-US" dirty="0"/>
@@ -4391,7 +4391,7 @@
             <a:fld id="{5942B21B-2ADA-A040-A652-A7305E1B99FE}" type="datetimeFigureOut">
               <a:rPr lang="en-US" smtClean="0"/>
               <a:pPr/>
-              <a:t>10/27/2016</a:t>
+              <a:t>12/5/2016</a:t>
             </a:fld>
             <a:r>
               <a:rPr lang="en-US" dirty="0"/>
@@ -4847,7 +4847,7 @@
           <a:p>
             <a:r>
               <a:rPr lang="en-US" dirty="0"/>
-              <a:t>Transaction Log Fundamentals for the DBA</a:t>
+              <a:t>Visualize Your Transaction Log</a:t>
             </a:r>
           </a:p>
         </p:txBody>
@@ -4863,7 +4863,7 @@
         <p:spPr>
           <a:xfrm>
             <a:off x="458408" y="5605933"/>
-            <a:ext cx="5711386" cy="1045124"/>
+            <a:ext cx="6464906" cy="1045124"/>
           </a:xfrm>
           <a:prstGeom prst="rect">
             <a:avLst/>
@@ -4871,7 +4871,7 @@
         </p:spPr>
         <p:txBody>
           <a:bodyPr vert="horz" lIns="91440" tIns="45720" rIns="91440" bIns="45720" rtlCol="0">
-            <a:normAutofit fontScale="85000" lnSpcReduction="10000"/>
+            <a:normAutofit lnSpcReduction="10000"/>
           </a:bodyPr>
           <a:lstStyle>
             <a:lvl1pPr marL="342900" indent="-342900" algn="l" defTabSz="457200" rtl="0" eaLnBrk="1" latinLnBrk="0" hangingPunct="1">
@@ -5025,54 +5025,8 @@
             </a:pPr>
             <a:r>
               <a:rPr lang="en-US" dirty="0"/>
-              <a:t>St. Louis, MO – September 10, 2016</a:t>
-            </a:r>
-          </a:p>
-        </p:txBody>
-      </p:sp>
-      <p:sp>
-        <p:nvSpPr>
-          <p:cNvPr id="5" name="Title 1"/>
-          <p:cNvSpPr txBox="1">
-            <a:spLocks/>
-          </p:cNvSpPr>
-          <p:nvPr/>
-        </p:nvSpPr>
-        <p:spPr>
-          <a:xfrm>
-            <a:off x="1343025" y="1648166"/>
-            <a:ext cx="7318535" cy="1470025"/>
-          </a:xfrm>
-          <a:prstGeom prst="rect">
-            <a:avLst/>
-          </a:prstGeom>
-        </p:spPr>
-        <p:txBody>
-          <a:bodyPr vert="horz" lIns="91440" tIns="45720" rIns="91440" bIns="45720" rtlCol="0" anchor="ctr">
-            <a:normAutofit/>
-          </a:bodyPr>
-          <a:lstStyle>
-            <a:lvl1pPr algn="l" defTabSz="457200" rtl="0" eaLnBrk="1" latinLnBrk="0" hangingPunct="1">
-              <a:spcBef>
-                <a:spcPct val="0"/>
-              </a:spcBef>
-              <a:buNone/>
-              <a:defRPr sz="4000" kern="1200">
-                <a:solidFill>
-                  <a:schemeClr val="accent1"/>
-                </a:solidFill>
-                <a:latin typeface="+mj-lt"/>
-                <a:ea typeface="+mj-ea"/>
-                <a:cs typeface="+mj-cs"/>
-              </a:defRPr>
-            </a:lvl1pPr>
-          </a:lstStyle>
-          <a:p>
-            <a:r>
-              <a:rPr lang="en-US" sz="3200"/>
-              <a:t>Visualize Your Transaction Log</a:t>
-            </a:r>
-            <a:endParaRPr lang="en-US" sz="3200" dirty="0"/>
+              <a:t>Nashville, TN – January 14, 2017</a:t>
+            </a:r>
           </a:p>
         </p:txBody>
       </p:sp>
@@ -5151,21 +5105,13 @@
           <a:p>
             <a:r>
               <a:rPr lang="en-US" dirty="0"/>
-              <a:t>VLFs can be in one of </a:t>
-            </a:r>
-            <a:r>
-              <a:rPr lang="en-US" dirty="0" smtClean="0"/>
-              <a:t>several statuses</a:t>
-            </a:r>
-            <a:r>
-              <a:rPr lang="en-US" dirty="0"/>
-              <a:t>:</a:t>
+              <a:t>VLFs can be in one of several statuses:</a:t>
             </a:r>
           </a:p>
           <a:p>
             <a:pPr lvl="1"/>
             <a:r>
-              <a:rPr lang="en-US" dirty="0" smtClean="0">
+              <a:rPr lang="en-US" dirty="0">
                 <a:solidFill>
                   <a:srgbClr val="92D050"/>
                 </a:solidFill>
@@ -5176,18 +5122,13 @@
           <a:p>
             <a:pPr lvl="1"/>
             <a:r>
-              <a:rPr lang="en-US" dirty="0" smtClean="0">
+              <a:rPr lang="en-US" dirty="0">
                 <a:solidFill>
                   <a:srgbClr val="92D050"/>
                 </a:solidFill>
               </a:rPr>
               <a:t>Inactive (previously used)</a:t>
             </a:r>
-            <a:endParaRPr lang="en-US" dirty="0">
-              <a:solidFill>
-                <a:srgbClr val="92D050"/>
-              </a:solidFill>
-            </a:endParaRPr>
           </a:p>
           <a:p>
             <a:pPr lvl="1"/>
@@ -5208,25 +5149,13 @@
                   <a:srgbClr val="FF0000"/>
                 </a:solidFill>
               </a:rPr>
-              <a:t>Active (not usable</a:t>
-            </a:r>
-            <a:r>
-              <a:rPr lang="en-US" dirty="0" smtClean="0">
-                <a:solidFill>
-                  <a:srgbClr val="FF0000"/>
-                </a:solidFill>
-              </a:rPr>
-              <a:t>)</a:t>
-            </a:r>
-          </a:p>
-          <a:p>
-            <a:r>
-              <a:rPr lang="en-US" dirty="0" smtClean="0"/>
-              <a:t>Only </a:t>
-            </a:r>
-            <a:r>
-              <a:rPr lang="en-US" dirty="0"/>
-              <a:t>one VLF is current at a time.</a:t>
+              <a:t>Active (not usable)</a:t>
+            </a:r>
+          </a:p>
+          <a:p>
+            <a:r>
+              <a:rPr lang="en-US" dirty="0"/>
+              <a:t>Only one VLF is current at a time.</a:t>
             </a:r>
           </a:p>
         </p:txBody>
@@ -6351,20 +6280,15 @@
             </a:r>
             <a:r>
               <a:rPr lang="en-US"/>
-              <a:t>in </a:t>
-            </a:r>
-            <a:r>
-              <a:rPr lang="en-US" smtClean="0"/>
-              <a:t>size</a:t>
-            </a:r>
-            <a:endParaRPr lang="en-US" dirty="0" smtClean="0"/>
-          </a:p>
-          <a:p>
-            <a:r>
-              <a:rPr lang="en-US" dirty="0" smtClean="0"/>
+              <a:t>in size</a:t>
+            </a:r>
+            <a:endParaRPr lang="en-US" dirty="0"/>
+          </a:p>
+          <a:p>
+            <a:r>
+              <a:rPr lang="en-US" dirty="0"/>
               <a:t>And an index to the log records (slot array)</a:t>
             </a:r>
-            <a:endParaRPr lang="en-US" dirty="0"/>
           </a:p>
         </p:txBody>
       </p:sp>
@@ -7744,21 +7668,21 @@
                 <a:gridCol w="1895475">
                   <a:extLst>
                     <a:ext uri="{9D8B030D-6E8A-4147-A177-3AD203B41FA5}">
-                      <a16:colId xmlns="" xmlns:a16="http://schemas.microsoft.com/office/drawing/2014/main" val="20000"/>
+                      <a16:colId xmlns:a16="http://schemas.microsoft.com/office/drawing/2014/main" val="20000"/>
                     </a:ext>
                   </a:extLst>
                 </a:gridCol>
                 <a:gridCol w="3171825">
                   <a:extLst>
                     <a:ext uri="{9D8B030D-6E8A-4147-A177-3AD203B41FA5}">
-                      <a16:colId xmlns="" xmlns:a16="http://schemas.microsoft.com/office/drawing/2014/main" val="20001"/>
+                      <a16:colId xmlns:a16="http://schemas.microsoft.com/office/drawing/2014/main" val="20001"/>
                     </a:ext>
                   </a:extLst>
                 </a:gridCol>
                 <a:gridCol w="3162300">
                   <a:extLst>
                     <a:ext uri="{9D8B030D-6E8A-4147-A177-3AD203B41FA5}">
-                      <a16:colId xmlns="" xmlns:a16="http://schemas.microsoft.com/office/drawing/2014/main" val="20002"/>
+                      <a16:colId xmlns:a16="http://schemas.microsoft.com/office/drawing/2014/main" val="20002"/>
                     </a:ext>
                   </a:extLst>
                 </a:gridCol>
@@ -7805,7 +7729,7 @@
                 </a:tc>
                 <a:extLst>
                   <a:ext uri="{0D108BD9-81ED-4DB2-BD59-A6C34878D82A}">
-                    <a16:rowId xmlns="" xmlns:a16="http://schemas.microsoft.com/office/drawing/2014/main" val="10000"/>
+                    <a16:rowId xmlns:a16="http://schemas.microsoft.com/office/drawing/2014/main" val="10000"/>
                   </a:ext>
                 </a:extLst>
               </a:tr>
@@ -7868,7 +7792,7 @@
                 </a:tc>
                 <a:extLst>
                   <a:ext uri="{0D108BD9-81ED-4DB2-BD59-A6C34878D82A}">
-                    <a16:rowId xmlns="" xmlns:a16="http://schemas.microsoft.com/office/drawing/2014/main" val="10001"/>
+                    <a16:rowId xmlns:a16="http://schemas.microsoft.com/office/drawing/2014/main" val="10001"/>
                   </a:ext>
                 </a:extLst>
               </a:tr>
@@ -7939,7 +7863,7 @@
                 </a:tc>
                 <a:extLst>
                   <a:ext uri="{0D108BD9-81ED-4DB2-BD59-A6C34878D82A}">
-                    <a16:rowId xmlns="" xmlns:a16="http://schemas.microsoft.com/office/drawing/2014/main" val="10002"/>
+                    <a16:rowId xmlns:a16="http://schemas.microsoft.com/office/drawing/2014/main" val="10002"/>
                   </a:ext>
                 </a:extLst>
               </a:tr>
@@ -7985,7 +7909,7 @@
                 </a:tc>
                 <a:extLst>
                   <a:ext uri="{0D108BD9-81ED-4DB2-BD59-A6C34878D82A}">
-                    <a16:rowId xmlns="" xmlns:a16="http://schemas.microsoft.com/office/drawing/2014/main" val="10003"/>
+                    <a16:rowId xmlns:a16="http://schemas.microsoft.com/office/drawing/2014/main" val="10003"/>
                   </a:ext>
                 </a:extLst>
               </a:tr>
@@ -8036,7 +7960,7 @@
                 </a:tc>
                 <a:extLst>
                   <a:ext uri="{0D108BD9-81ED-4DB2-BD59-A6C34878D82A}">
-                    <a16:rowId xmlns="" xmlns:a16="http://schemas.microsoft.com/office/drawing/2014/main" val="3543017676"/>
+                    <a16:rowId xmlns:a16="http://schemas.microsoft.com/office/drawing/2014/main" val="3543017676"/>
                   </a:ext>
                 </a:extLst>
               </a:tr>
@@ -9674,35 +9598,22 @@
             <a:pPr lvl="1"/>
             <a:r>
               <a:rPr lang="en-US" dirty="0"/>
-              <a:t>Simple </a:t>
-            </a:r>
-            <a:r>
-              <a:rPr lang="en-US" dirty="0" smtClean="0"/>
-              <a:t>recovery*: </a:t>
-            </a:r>
-            <a:r>
-              <a:rPr lang="en-US" dirty="0"/>
-              <a:t>Checkpoint</a:t>
+              <a:t>Simple recovery*: Checkpoint</a:t>
             </a:r>
           </a:p>
           <a:p>
             <a:pPr lvl="1"/>
             <a:r>
               <a:rPr lang="en-US" dirty="0"/>
-              <a:t>Full/bulked-log: Log </a:t>
-            </a:r>
-            <a:r>
-              <a:rPr lang="en-US" dirty="0" smtClean="0"/>
-              <a:t>Backup</a:t>
+              <a:t>Full/bulked-log: Log Backup</a:t>
             </a:r>
           </a:p>
           <a:p>
             <a:pPr lvl="1"/>
             <a:r>
-              <a:rPr lang="en-US" dirty="0" smtClean="0"/>
+              <a:rPr lang="en-US" dirty="0"/>
               <a:t>Change from Full or Bulked Logged to Simple**</a:t>
             </a:r>
-            <a:endParaRPr lang="en-US" dirty="0"/>
           </a:p>
           <a:p>
             <a:r>
@@ -9918,7 +9829,7 @@
               <a:buNone/>
             </a:pPr>
             <a:r>
-              <a:rPr lang="en-US" sz="1800" dirty="0" smtClean="0"/>
+              <a:rPr lang="en-US" sz="1800" dirty="0"/>
               <a:t>* More technically, when in “auto-truncate” mode.</a:t>
             </a:r>
           </a:p>
@@ -9927,10 +9838,9 @@
               <a:buNone/>
             </a:pPr>
             <a:r>
-              <a:rPr lang="en-US" sz="1800" dirty="0" smtClean="0"/>
+              <a:rPr lang="en-US" sz="1800" dirty="0"/>
               <a:t>** But this breaks the backup chain!</a:t>
             </a:r>
-            <a:endParaRPr lang="en-US" sz="1800" dirty="0"/>
           </a:p>
         </p:txBody>
       </p:sp>
@@ -10209,25 +10119,20 @@
           <a:p>
             <a:r>
               <a:rPr lang="en-US" dirty="0"/>
-              <a:t>Log records form a reverse linked list of operations within a transaction</a:t>
-            </a:r>
-            <a:r>
-              <a:rPr lang="en-US" dirty="0" smtClean="0"/>
-              <a:t>.</a:t>
-            </a:r>
-          </a:p>
-          <a:p>
-            <a:r>
-              <a:rPr lang="en-US" dirty="0" smtClean="0"/>
+              <a:t>Log records form a reverse linked list of operations within a transaction.</a:t>
+            </a:r>
+          </a:p>
+          <a:p>
+            <a:r>
+              <a:rPr lang="en-US" dirty="0"/>
               <a:t>Let’s suppose the yellow transaction needs to roll back.</a:t>
             </a:r>
           </a:p>
           <a:p>
             <a:r>
-              <a:rPr lang="en-US" dirty="0" smtClean="0"/>
+              <a:rPr lang="en-US" dirty="0"/>
               <a:t>The first record is for “begin transaction.”</a:t>
             </a:r>
-            <a:endParaRPr lang="en-US" dirty="0"/>
           </a:p>
         </p:txBody>
       </p:sp>
@@ -10328,13 +10233,13 @@
           <a:lstStyle/>
           <a:p>
             <a:r>
-              <a:rPr lang="en-US" dirty="0" smtClean="0"/>
+              <a:rPr lang="en-US" dirty="0"/>
               <a:t>SQL Server finds the last log record for the transaction.</a:t>
             </a:r>
           </a:p>
           <a:p>
             <a:r>
-              <a:rPr lang="en-US" dirty="0" smtClean="0"/>
+              <a:rPr lang="en-US" dirty="0"/>
               <a:t>SQL reverses the operation in the buffer pool.</a:t>
             </a:r>
           </a:p>
@@ -10437,16 +10342,15 @@
           <a:lstStyle/>
           <a:p>
             <a:r>
-              <a:rPr lang="en-US" dirty="0" smtClean="0"/>
+              <a:rPr lang="en-US" dirty="0"/>
               <a:t>Creates a new log record indicating that the operation was undone. This is called a “Compensation” record.</a:t>
             </a:r>
           </a:p>
           <a:p>
             <a:r>
-              <a:rPr lang="en-US" dirty="0" smtClean="0"/>
+              <a:rPr lang="en-US" dirty="0"/>
               <a:t>This record then points back to the second-to-last record.</a:t>
             </a:r>
-            <a:endParaRPr lang="en-US" dirty="0"/>
           </a:p>
         </p:txBody>
       </p:sp>
@@ -10692,10 +10596,9 @@
           <a:lstStyle/>
           <a:p>
             <a:r>
-              <a:rPr lang="en-US" dirty="0" smtClean="0"/>
+              <a:rPr lang="en-US" dirty="0"/>
               <a:t>The second to last operation is undone, and a compensation record is written that points back to the first record (the “begin transaction”).</a:t>
             </a:r>
-            <a:endParaRPr lang="en-US" dirty="0"/>
           </a:p>
         </p:txBody>
       </p:sp>
@@ -10796,10 +10699,9 @@
           <a:lstStyle/>
           <a:p>
             <a:r>
-              <a:rPr lang="en-US" dirty="0" smtClean="0"/>
+              <a:rPr lang="en-US" dirty="0"/>
               <a:t>Finally, an “abort transaction” log record is written.  It also points back to the “begin transaction” record.</a:t>
             </a:r>
-            <a:endParaRPr lang="en-US" dirty="0"/>
           </a:p>
         </p:txBody>
       </p:sp>
@@ -10895,24 +10797,23 @@
           <a:lstStyle/>
           <a:p>
             <a:r>
-              <a:rPr lang="en-US" dirty="0" smtClean="0"/>
+              <a:rPr lang="en-US" dirty="0"/>
               <a:t>Key takeaways:</a:t>
             </a:r>
           </a:p>
           <a:p>
             <a:pPr lvl="1"/>
             <a:r>
-              <a:rPr lang="en-US" dirty="0" smtClean="0"/>
+              <a:rPr lang="en-US" dirty="0"/>
               <a:t>Rollback operations generate log records</a:t>
             </a:r>
           </a:p>
           <a:p>
             <a:pPr lvl="1"/>
             <a:r>
-              <a:rPr lang="en-US" dirty="0" smtClean="0"/>
+              <a:rPr lang="en-US" dirty="0"/>
               <a:t>As the initial operations are performed, SQL Server will “reserve” log space to ensure that a rollback is possible.</a:t>
             </a:r>
-            <a:endParaRPr lang="en-US" dirty="0"/>
           </a:p>
         </p:txBody>
       </p:sp>
@@ -10987,10 +10888,9 @@
               <a:buNone/>
             </a:pPr>
             <a:r>
-              <a:rPr lang="en-US" dirty="0" smtClean="0"/>
+              <a:rPr lang="en-US" dirty="0"/>
               <a:t>Rollback operations</a:t>
             </a:r>
-            <a:endParaRPr lang="en-US" dirty="0"/>
           </a:p>
         </p:txBody>
       </p:sp>
@@ -11106,14 +11006,14 @@
                 <a:gridCol w="3048000">
                   <a:extLst>
                     <a:ext uri="{9D8B030D-6E8A-4147-A177-3AD203B41FA5}">
-                      <a16:colId xmlns="" xmlns:a16="http://schemas.microsoft.com/office/drawing/2014/main" val="20000"/>
+                      <a16:colId xmlns:a16="http://schemas.microsoft.com/office/drawing/2014/main" val="20000"/>
                     </a:ext>
                   </a:extLst>
                 </a:gridCol>
                 <a:gridCol w="3048000">
                   <a:extLst>
                     <a:ext uri="{9D8B030D-6E8A-4147-A177-3AD203B41FA5}">
-                      <a16:colId xmlns="" xmlns:a16="http://schemas.microsoft.com/office/drawing/2014/main" val="20001"/>
+                      <a16:colId xmlns:a16="http://schemas.microsoft.com/office/drawing/2014/main" val="20001"/>
                     </a:ext>
                   </a:extLst>
                 </a:gridCol>
@@ -11159,7 +11059,7 @@
                 </a:tc>
                 <a:extLst>
                   <a:ext uri="{0D108BD9-81ED-4DB2-BD59-A6C34878D82A}">
-                    <a16:rowId xmlns="" xmlns:a16="http://schemas.microsoft.com/office/drawing/2014/main" val="10000"/>
+                    <a16:rowId xmlns:a16="http://schemas.microsoft.com/office/drawing/2014/main" val="10000"/>
                   </a:ext>
                 </a:extLst>
               </a:tr>
@@ -11194,7 +11094,7 @@
                 </a:tc>
                 <a:extLst>
                   <a:ext uri="{0D108BD9-81ED-4DB2-BD59-A6C34878D82A}">
-                    <a16:rowId xmlns="" xmlns:a16="http://schemas.microsoft.com/office/drawing/2014/main" val="10001"/>
+                    <a16:rowId xmlns:a16="http://schemas.microsoft.com/office/drawing/2014/main" val="10001"/>
                   </a:ext>
                 </a:extLst>
               </a:tr>
@@ -11229,7 +11129,7 @@
                 </a:tc>
                 <a:extLst>
                   <a:ext uri="{0D108BD9-81ED-4DB2-BD59-A6C34878D82A}">
-                    <a16:rowId xmlns="" xmlns:a16="http://schemas.microsoft.com/office/drawing/2014/main" val="10002"/>
+                    <a16:rowId xmlns:a16="http://schemas.microsoft.com/office/drawing/2014/main" val="10002"/>
                   </a:ext>
                 </a:extLst>
               </a:tr>
@@ -11269,7 +11169,7 @@
                 </a:tc>
                 <a:extLst>
                   <a:ext uri="{0D108BD9-81ED-4DB2-BD59-A6C34878D82A}">
-                    <a16:rowId xmlns="" xmlns:a16="http://schemas.microsoft.com/office/drawing/2014/main" val="10003"/>
+                    <a16:rowId xmlns:a16="http://schemas.microsoft.com/office/drawing/2014/main" val="10003"/>
                   </a:ext>
                 </a:extLst>
               </a:tr>

--- a/TransactionLog.pptx
+++ b/TransactionLog.pptx
@@ -256,7 +256,7 @@
           <a:p>
             <a:fld id="{2EDCB34D-5EC2-4739-9693-E425457AC201}" type="datetimeFigureOut">
               <a:rPr lang="en-US" smtClean="0"/>
-              <a:t>12/5/2016</a:t>
+              <a:t>01/06/2017</a:t>
             </a:fld>
             <a:endParaRPr lang="en-US"/>
           </a:p>
@@ -1026,7 +1026,7 @@
             <a:fld id="{5942B21B-2ADA-A040-A652-A7305E1B99FE}" type="datetimeFigureOut">
               <a:rPr lang="en-US" smtClean="0"/>
               <a:pPr/>
-              <a:t>12/5/2016</a:t>
+              <a:t>01/06/2017</a:t>
             </a:fld>
             <a:endParaRPr lang="en-US" dirty="0"/>
           </a:p>
@@ -1216,7 +1216,7 @@
           <a:p>
             <a:fld id="{5942B21B-2ADA-A040-A652-A7305E1B99FE}" type="datetimeFigureOut">
               <a:rPr lang="en-US" smtClean="0"/>
-              <a:t>12/5/2016</a:t>
+              <a:t>01/06/2017</a:t>
             </a:fld>
             <a:endParaRPr lang="en-US"/>
           </a:p>
@@ -1340,7 +1340,7 @@
             <a:fld id="{5942B21B-2ADA-A040-A652-A7305E1B99FE}" type="datetimeFigureOut">
               <a:rPr lang="en-US" smtClean="0"/>
               <a:pPr/>
-              <a:t>12/5/2016</a:t>
+              <a:t>01/06/2017</a:t>
             </a:fld>
             <a:r>
               <a:rPr lang="en-US"/>
@@ -1611,7 +1611,7 @@
             <a:fld id="{5942B21B-2ADA-A040-A652-A7305E1B99FE}" type="datetimeFigureOut">
               <a:rPr lang="en-US" smtClean="0"/>
               <a:pPr/>
-              <a:t>12/5/2016</a:t>
+              <a:t>01/06/2017</a:t>
             </a:fld>
             <a:r>
               <a:rPr lang="en-US" dirty="0"/>
@@ -1881,7 +1881,7 @@
             <a:fld id="{5942B21B-2ADA-A040-A652-A7305E1B99FE}" type="datetimeFigureOut">
               <a:rPr lang="en-US" smtClean="0"/>
               <a:pPr/>
-              <a:t>12/5/2016</a:t>
+              <a:t>01/06/2017</a:t>
             </a:fld>
             <a:r>
               <a:rPr lang="en-US" dirty="0"/>
@@ -2221,7 +2221,7 @@
             <a:fld id="{5942B21B-2ADA-A040-A652-A7305E1B99FE}" type="datetimeFigureOut">
               <a:rPr lang="en-US" smtClean="0"/>
               <a:pPr/>
-              <a:t>12/5/2016</a:t>
+              <a:t>01/06/2017</a:t>
             </a:fld>
             <a:r>
               <a:rPr lang="en-US" dirty="0"/>
@@ -2562,7 +2562,7 @@
             <a:fld id="{5942B21B-2ADA-A040-A652-A7305E1B99FE}" type="datetimeFigureOut">
               <a:rPr lang="en-US" smtClean="0"/>
               <a:pPr/>
-              <a:t>12/5/2016</a:t>
+              <a:t>01/06/2017</a:t>
             </a:fld>
             <a:r>
               <a:rPr lang="en-US" dirty="0"/>
@@ -3077,7 +3077,7 @@
             <a:fld id="{5942B21B-2ADA-A040-A652-A7305E1B99FE}" type="datetimeFigureOut">
               <a:rPr lang="en-US" smtClean="0"/>
               <a:pPr/>
-              <a:t>12/5/2016</a:t>
+              <a:t>01/06/2017</a:t>
             </a:fld>
             <a:r>
               <a:rPr lang="en-US" dirty="0"/>
@@ -3286,7 +3286,7 @@
             <a:fld id="{5942B21B-2ADA-A040-A652-A7305E1B99FE}" type="datetimeFigureOut">
               <a:rPr lang="en-US" smtClean="0"/>
               <a:pPr/>
-              <a:t>12/5/2016</a:t>
+              <a:t>01/06/2017</a:t>
             </a:fld>
             <a:r>
               <a:rPr lang="en-US" dirty="0"/>
@@ -3473,7 +3473,7 @@
             <a:fld id="{5942B21B-2ADA-A040-A652-A7305E1B99FE}" type="datetimeFigureOut">
               <a:rPr lang="en-US" smtClean="0"/>
               <a:pPr/>
-              <a:t>12/5/2016</a:t>
+              <a:t>01/06/2017</a:t>
             </a:fld>
             <a:r>
               <a:rPr lang="en-US" dirty="0"/>
@@ -3804,7 +3804,7 @@
             <a:fld id="{5942B21B-2ADA-A040-A652-A7305E1B99FE}" type="datetimeFigureOut">
               <a:rPr lang="en-US" smtClean="0"/>
               <a:pPr/>
-              <a:t>12/5/2016</a:t>
+              <a:t>01/06/2017</a:t>
             </a:fld>
             <a:r>
               <a:rPr lang="en-US" dirty="0"/>
@@ -4112,7 +4112,7 @@
             <a:fld id="{5942B21B-2ADA-A040-A652-A7305E1B99FE}" type="datetimeFigureOut">
               <a:rPr lang="en-US" smtClean="0"/>
               <a:pPr/>
-              <a:t>12/5/2016</a:t>
+              <a:t>01/06/2017</a:t>
             </a:fld>
             <a:r>
               <a:rPr lang="en-US" dirty="0"/>
@@ -4391,7 +4391,7 @@
             <a:fld id="{5942B21B-2ADA-A040-A652-A7305E1B99FE}" type="datetimeFigureOut">
               <a:rPr lang="en-US" smtClean="0"/>
               <a:pPr/>
-              <a:t>12/5/2016</a:t>
+              <a:t>01/06/2017</a:t>
             </a:fld>
             <a:r>
               <a:rPr lang="en-US" dirty="0"/>
@@ -5254,12 +5254,14 @@
           <a:noFill/>
         </p:spPr>
         <p:txBody>
-          <a:bodyPr/>
+          <a:bodyPr>
+            <a:normAutofit lnSpcReduction="10000"/>
+          </a:bodyPr>
           <a:lstStyle/>
           <a:p>
             <a:r>
               <a:rPr lang="en-US" dirty="0"/>
-              <a:t>VLFs can be in one of three statuses:</a:t>
+              <a:t>VLFs can be in one of several statuses:</a:t>
             </a:r>
           </a:p>
           <a:p>
@@ -5270,7 +5272,18 @@
                   <a:srgbClr val="92D050"/>
                 </a:solidFill>
               </a:rPr>
-              <a:t>Inactive</a:t>
+              <a:t>Inactive (never used)</a:t>
+            </a:r>
+          </a:p>
+          <a:p>
+            <a:pPr lvl="1"/>
+            <a:r>
+              <a:rPr lang="en-US" dirty="0">
+                <a:solidFill>
+                  <a:srgbClr val="92D050"/>
+                </a:solidFill>
+              </a:rPr>
+              <a:t>Inactive (previously used)</a:t>
             </a:r>
           </a:p>
           <a:p>
@@ -5294,16 +5307,15 @@
               </a:rPr>
               <a:t>Active (not usable)</a:t>
             </a:r>
-            <a:endParaRPr lang="en-US" dirty="0">
-              <a:solidFill>
-                <a:schemeClr val="tx1"/>
-              </a:solidFill>
-            </a:endParaRPr>
-          </a:p>
-          <a:p>
-            <a:r>
-              <a:rPr lang="en-US" dirty="0"/>
-              <a:t>Only one VLF is current at a time.</a:t>
+          </a:p>
+          <a:p>
+            <a:r>
+              <a:rPr lang="en-US" dirty="0" smtClean="0"/>
+              <a:t>Only </a:t>
+            </a:r>
+            <a:r>
+              <a:rPr lang="en-US" dirty="0"/>
+              <a:t>one VLF is current at a time.</a:t>
             </a:r>
           </a:p>
           <a:p>
@@ -5878,8 +5890,13 @@
           <a:p>
             <a:r>
               <a:rPr lang="en-US" dirty="0"/>
-              <a:t>Eventually the log will be truncated</a:t>
-            </a:r>
+              <a:t>Eventually the log will be </a:t>
+            </a:r>
+            <a:r>
+              <a:rPr lang="en-US" dirty="0" smtClean="0"/>
+              <a:t>“truncated” or “cleared”</a:t>
+            </a:r>
+            <a:endParaRPr lang="en-US" dirty="0"/>
           </a:p>
           <a:p>
             <a:endParaRPr lang="en-US" dirty="0"/>
@@ -7668,21 +7685,21 @@
                 <a:gridCol w="1895475">
                   <a:extLst>
                     <a:ext uri="{9D8B030D-6E8A-4147-A177-3AD203B41FA5}">
-                      <a16:colId xmlns:a16="http://schemas.microsoft.com/office/drawing/2014/main" val="20000"/>
+                      <a16:colId xmlns:a16="http://schemas.microsoft.com/office/drawing/2014/main" xmlns="" val="20000"/>
                     </a:ext>
                   </a:extLst>
                 </a:gridCol>
                 <a:gridCol w="3171825">
                   <a:extLst>
                     <a:ext uri="{9D8B030D-6E8A-4147-A177-3AD203B41FA5}">
-                      <a16:colId xmlns:a16="http://schemas.microsoft.com/office/drawing/2014/main" val="20001"/>
+                      <a16:colId xmlns:a16="http://schemas.microsoft.com/office/drawing/2014/main" xmlns="" val="20001"/>
                     </a:ext>
                   </a:extLst>
                 </a:gridCol>
                 <a:gridCol w="3162300">
                   <a:extLst>
                     <a:ext uri="{9D8B030D-6E8A-4147-A177-3AD203B41FA5}">
-                      <a16:colId xmlns:a16="http://schemas.microsoft.com/office/drawing/2014/main" val="20002"/>
+                      <a16:colId xmlns:a16="http://schemas.microsoft.com/office/drawing/2014/main" xmlns="" val="20002"/>
                     </a:ext>
                   </a:extLst>
                 </a:gridCol>
@@ -7729,7 +7746,7 @@
                 </a:tc>
                 <a:extLst>
                   <a:ext uri="{0D108BD9-81ED-4DB2-BD59-A6C34878D82A}">
-                    <a16:rowId xmlns:a16="http://schemas.microsoft.com/office/drawing/2014/main" val="10000"/>
+                    <a16:rowId xmlns:a16="http://schemas.microsoft.com/office/drawing/2014/main" xmlns="" val="10000"/>
                   </a:ext>
                 </a:extLst>
               </a:tr>
@@ -7792,7 +7809,7 @@
                 </a:tc>
                 <a:extLst>
                   <a:ext uri="{0D108BD9-81ED-4DB2-BD59-A6C34878D82A}">
-                    <a16:rowId xmlns:a16="http://schemas.microsoft.com/office/drawing/2014/main" val="10001"/>
+                    <a16:rowId xmlns:a16="http://schemas.microsoft.com/office/drawing/2014/main" xmlns="" val="10001"/>
                   </a:ext>
                 </a:extLst>
               </a:tr>
@@ -7863,7 +7880,7 @@
                 </a:tc>
                 <a:extLst>
                   <a:ext uri="{0D108BD9-81ED-4DB2-BD59-A6C34878D82A}">
-                    <a16:rowId xmlns:a16="http://schemas.microsoft.com/office/drawing/2014/main" val="10002"/>
+                    <a16:rowId xmlns:a16="http://schemas.microsoft.com/office/drawing/2014/main" xmlns="" val="10002"/>
                   </a:ext>
                 </a:extLst>
               </a:tr>
@@ -7909,7 +7926,7 @@
                 </a:tc>
                 <a:extLst>
                   <a:ext uri="{0D108BD9-81ED-4DB2-BD59-A6C34878D82A}">
-                    <a16:rowId xmlns:a16="http://schemas.microsoft.com/office/drawing/2014/main" val="10003"/>
+                    <a16:rowId xmlns:a16="http://schemas.microsoft.com/office/drawing/2014/main" xmlns="" val="10003"/>
                   </a:ext>
                 </a:extLst>
               </a:tr>
@@ -7960,7 +7977,7 @@
                 </a:tc>
                 <a:extLst>
                   <a:ext uri="{0D108BD9-81ED-4DB2-BD59-A6C34878D82A}">
-                    <a16:rowId xmlns:a16="http://schemas.microsoft.com/office/drawing/2014/main" val="3543017676"/>
+                    <a16:rowId xmlns:a16="http://schemas.microsoft.com/office/drawing/2014/main" xmlns="" val="3543017676"/>
                   </a:ext>
                 </a:extLst>
               </a:tr>
@@ -8215,6 +8232,30 @@
           </a:p>
         </p:txBody>
       </p:sp>
+      <p:pic>
+        <p:nvPicPr>
+          <p:cNvPr id="4" name="Picture 3"/>
+          <p:cNvPicPr>
+            <a:picLocks noChangeAspect="1"/>
+          </p:cNvPicPr>
+          <p:nvPr/>
+        </p:nvPicPr>
+        <p:blipFill>
+          <a:blip r:embed="rId2"/>
+          <a:stretch>
+            <a:fillRect/>
+          </a:stretch>
+        </p:blipFill>
+        <p:spPr>
+          <a:xfrm>
+            <a:off x="763071" y="1653000"/>
+            <a:ext cx="7617858" cy="3552000"/>
+          </a:xfrm>
+          <a:prstGeom prst="rect">
+            <a:avLst/>
+          </a:prstGeom>
+        </p:spPr>
+      </p:pic>
     </p:spTree>
     <p:extLst>
       <p:ext uri="{BB962C8B-B14F-4D97-AF65-F5344CB8AC3E}">
@@ -8406,6 +8447,30 @@
           </a:p>
         </p:txBody>
       </p:sp>
+      <p:pic>
+        <p:nvPicPr>
+          <p:cNvPr id="4" name="Picture 3"/>
+          <p:cNvPicPr>
+            <a:picLocks noChangeAspect="1"/>
+          </p:cNvPicPr>
+          <p:nvPr/>
+        </p:nvPicPr>
+        <p:blipFill>
+          <a:blip r:embed="rId2"/>
+          <a:stretch>
+            <a:fillRect/>
+          </a:stretch>
+        </p:blipFill>
+        <p:spPr>
+          <a:xfrm>
+            <a:off x="763071" y="1653000"/>
+            <a:ext cx="7617858" cy="3552000"/>
+          </a:xfrm>
+          <a:prstGeom prst="rect">
+            <a:avLst/>
+          </a:prstGeom>
+        </p:spPr>
+      </p:pic>
     </p:spTree>
     <p:extLst>
       <p:ext uri="{BB962C8B-B14F-4D97-AF65-F5344CB8AC3E}">
@@ -8610,6 +8675,30 @@
           </a:p>
         </p:txBody>
       </p:sp>
+      <p:pic>
+        <p:nvPicPr>
+          <p:cNvPr id="4" name="Picture 3"/>
+          <p:cNvPicPr>
+            <a:picLocks noChangeAspect="1"/>
+          </p:cNvPicPr>
+          <p:nvPr/>
+        </p:nvPicPr>
+        <p:blipFill>
+          <a:blip r:embed="rId2"/>
+          <a:stretch>
+            <a:fillRect/>
+          </a:stretch>
+        </p:blipFill>
+        <p:spPr>
+          <a:xfrm>
+            <a:off x="763071" y="1653000"/>
+            <a:ext cx="7617858" cy="3552000"/>
+          </a:xfrm>
+          <a:prstGeom prst="rect">
+            <a:avLst/>
+          </a:prstGeom>
+        </p:spPr>
+      </p:pic>
     </p:spTree>
     <p:extLst>
       <p:ext uri="{BB962C8B-B14F-4D97-AF65-F5344CB8AC3E}">
@@ -9936,6 +10025,30 @@
           </a:p>
         </p:txBody>
       </p:sp>
+      <p:pic>
+        <p:nvPicPr>
+          <p:cNvPr id="4" name="Picture 3"/>
+          <p:cNvPicPr>
+            <a:picLocks noChangeAspect="1"/>
+          </p:cNvPicPr>
+          <p:nvPr/>
+        </p:nvPicPr>
+        <p:blipFill>
+          <a:blip r:embed="rId2"/>
+          <a:stretch>
+            <a:fillRect/>
+          </a:stretch>
+        </p:blipFill>
+        <p:spPr>
+          <a:xfrm>
+            <a:off x="837716" y="1970241"/>
+            <a:ext cx="7617858" cy="3552000"/>
+          </a:xfrm>
+          <a:prstGeom prst="rect">
+            <a:avLst/>
+          </a:prstGeom>
+        </p:spPr>
+      </p:pic>
     </p:spTree>
     <p:extLst>
       <p:ext uri="{BB962C8B-B14F-4D97-AF65-F5344CB8AC3E}">
@@ -10894,6 +11007,30 @@
           </a:p>
         </p:txBody>
       </p:sp>
+      <p:pic>
+        <p:nvPicPr>
+          <p:cNvPr id="4" name="Picture 3"/>
+          <p:cNvPicPr>
+            <a:picLocks noChangeAspect="1"/>
+          </p:cNvPicPr>
+          <p:nvPr/>
+        </p:nvPicPr>
+        <p:blipFill>
+          <a:blip r:embed="rId2"/>
+          <a:stretch>
+            <a:fillRect/>
+          </a:stretch>
+        </p:blipFill>
+        <p:spPr>
+          <a:xfrm>
+            <a:off x="763071" y="1653000"/>
+            <a:ext cx="7617858" cy="3552000"/>
+          </a:xfrm>
+          <a:prstGeom prst="rect">
+            <a:avLst/>
+          </a:prstGeom>
+        </p:spPr>
+      </p:pic>
     </p:spTree>
     <p:extLst>
       <p:ext uri="{BB962C8B-B14F-4D97-AF65-F5344CB8AC3E}">
@@ -11006,14 +11143,14 @@
                 <a:gridCol w="3048000">
                   <a:extLst>
                     <a:ext uri="{9D8B030D-6E8A-4147-A177-3AD203B41FA5}">
-                      <a16:colId xmlns:a16="http://schemas.microsoft.com/office/drawing/2014/main" val="20000"/>
+                      <a16:colId xmlns:a16="http://schemas.microsoft.com/office/drawing/2014/main" xmlns="" val="20000"/>
                     </a:ext>
                   </a:extLst>
                 </a:gridCol>
                 <a:gridCol w="3048000">
                   <a:extLst>
                     <a:ext uri="{9D8B030D-6E8A-4147-A177-3AD203B41FA5}">
-                      <a16:colId xmlns:a16="http://schemas.microsoft.com/office/drawing/2014/main" val="20001"/>
+                      <a16:colId xmlns:a16="http://schemas.microsoft.com/office/drawing/2014/main" xmlns="" val="20001"/>
                     </a:ext>
                   </a:extLst>
                 </a:gridCol>
@@ -11059,7 +11196,7 @@
                 </a:tc>
                 <a:extLst>
                   <a:ext uri="{0D108BD9-81ED-4DB2-BD59-A6C34878D82A}">
-                    <a16:rowId xmlns:a16="http://schemas.microsoft.com/office/drawing/2014/main" val="10000"/>
+                    <a16:rowId xmlns:a16="http://schemas.microsoft.com/office/drawing/2014/main" xmlns="" val="10000"/>
                   </a:ext>
                 </a:extLst>
               </a:tr>
@@ -11094,7 +11231,7 @@
                 </a:tc>
                 <a:extLst>
                   <a:ext uri="{0D108BD9-81ED-4DB2-BD59-A6C34878D82A}">
-                    <a16:rowId xmlns:a16="http://schemas.microsoft.com/office/drawing/2014/main" val="10001"/>
+                    <a16:rowId xmlns:a16="http://schemas.microsoft.com/office/drawing/2014/main" xmlns="" val="10001"/>
                   </a:ext>
                 </a:extLst>
               </a:tr>
@@ -11129,7 +11266,7 @@
                 </a:tc>
                 <a:extLst>
                   <a:ext uri="{0D108BD9-81ED-4DB2-BD59-A6C34878D82A}">
-                    <a16:rowId xmlns:a16="http://schemas.microsoft.com/office/drawing/2014/main" val="10002"/>
+                    <a16:rowId xmlns:a16="http://schemas.microsoft.com/office/drawing/2014/main" xmlns="" val="10002"/>
                   </a:ext>
                 </a:extLst>
               </a:tr>
@@ -11169,7 +11306,7 @@
                 </a:tc>
                 <a:extLst>
                   <a:ext uri="{0D108BD9-81ED-4DB2-BD59-A6C34878D82A}">
-                    <a16:rowId xmlns:a16="http://schemas.microsoft.com/office/drawing/2014/main" val="10003"/>
+                    <a16:rowId xmlns:a16="http://schemas.microsoft.com/office/drawing/2014/main" xmlns="" val="10003"/>
                   </a:ext>
                 </a:extLst>
               </a:tr>
@@ -11566,8 +11703,37 @@
             <a:pPr lvl="2"/>
             <a:r>
               <a:rPr lang="en-US" dirty="0"/>
-              <a:t>Can be time-consuming due to zero-initialization</a:t>
-            </a:r>
+              <a:t>Can be time-consuming due to </a:t>
+            </a:r>
+            <a:r>
+              <a:rPr lang="en-US" dirty="0" smtClean="0"/>
+              <a:t>zero-initialization</a:t>
+            </a:r>
+          </a:p>
+          <a:p>
+            <a:r>
+              <a:rPr lang="en-US" dirty="0" smtClean="0"/>
+              <a:t>However, plan for auto-growth</a:t>
+            </a:r>
+          </a:p>
+          <a:p>
+            <a:pPr lvl="1"/>
+            <a:r>
+              <a:rPr lang="en-US" dirty="0" smtClean="0"/>
+              <a:t>Set reasonable auto-growth parameters</a:t>
+            </a:r>
+          </a:p>
+          <a:p>
+            <a:pPr lvl="1"/>
+            <a:r>
+              <a:rPr lang="en-US" dirty="0" smtClean="0"/>
+              <a:t>Fixed growth amount, </a:t>
+            </a:r>
+            <a:r>
+              <a:rPr lang="en-US" smtClean="0"/>
+              <a:t>not percentage</a:t>
+            </a:r>
+            <a:endParaRPr lang="en-US" dirty="0"/>
           </a:p>
         </p:txBody>
       </p:sp>
@@ -11648,6 +11814,30 @@
           </a:p>
         </p:txBody>
       </p:sp>
+      <p:pic>
+        <p:nvPicPr>
+          <p:cNvPr id="4" name="Picture 3"/>
+          <p:cNvPicPr>
+            <a:picLocks noChangeAspect="1"/>
+          </p:cNvPicPr>
+          <p:nvPr/>
+        </p:nvPicPr>
+        <p:blipFill>
+          <a:blip r:embed="rId2"/>
+          <a:stretch>
+            <a:fillRect/>
+          </a:stretch>
+        </p:blipFill>
+        <p:spPr>
+          <a:xfrm>
+            <a:off x="763071" y="1653000"/>
+            <a:ext cx="7617858" cy="3552000"/>
+          </a:xfrm>
+          <a:prstGeom prst="rect">
+            <a:avLst/>
+          </a:prstGeom>
+        </p:spPr>
+      </p:pic>
     </p:spTree>
     <p:extLst>
       <p:ext uri="{BB962C8B-B14F-4D97-AF65-F5344CB8AC3E}">

--- a/TransactionLog.pptx
+++ b/TransactionLog.pptx
@@ -256,7 +256,7 @@
           <a:p>
             <a:fld id="{2EDCB34D-5EC2-4739-9693-E425457AC201}" type="datetimeFigureOut">
               <a:rPr lang="en-US" smtClean="0"/>
-              <a:t>01/06/2017</a:t>
+              <a:t>01/23/2017</a:t>
             </a:fld>
             <a:endParaRPr lang="en-US"/>
           </a:p>
@@ -1026,7 +1026,7 @@
             <a:fld id="{5942B21B-2ADA-A040-A652-A7305E1B99FE}" type="datetimeFigureOut">
               <a:rPr lang="en-US" smtClean="0"/>
               <a:pPr/>
-              <a:t>01/06/2017</a:t>
+              <a:t>01/23/2017</a:t>
             </a:fld>
             <a:endParaRPr lang="en-US" dirty="0"/>
           </a:p>
@@ -1216,7 +1216,7 @@
           <a:p>
             <a:fld id="{5942B21B-2ADA-A040-A652-A7305E1B99FE}" type="datetimeFigureOut">
               <a:rPr lang="en-US" smtClean="0"/>
-              <a:t>01/06/2017</a:t>
+              <a:t>01/23/2017</a:t>
             </a:fld>
             <a:endParaRPr lang="en-US"/>
           </a:p>
@@ -1340,7 +1340,7 @@
             <a:fld id="{5942B21B-2ADA-A040-A652-A7305E1B99FE}" type="datetimeFigureOut">
               <a:rPr lang="en-US" smtClean="0"/>
               <a:pPr/>
-              <a:t>01/06/2017</a:t>
+              <a:t>01/23/2017</a:t>
             </a:fld>
             <a:r>
               <a:rPr lang="en-US"/>
@@ -1611,7 +1611,7 @@
             <a:fld id="{5942B21B-2ADA-A040-A652-A7305E1B99FE}" type="datetimeFigureOut">
               <a:rPr lang="en-US" smtClean="0"/>
               <a:pPr/>
-              <a:t>01/06/2017</a:t>
+              <a:t>01/23/2017</a:t>
             </a:fld>
             <a:r>
               <a:rPr lang="en-US" dirty="0"/>
@@ -1881,7 +1881,7 @@
             <a:fld id="{5942B21B-2ADA-A040-A652-A7305E1B99FE}" type="datetimeFigureOut">
               <a:rPr lang="en-US" smtClean="0"/>
               <a:pPr/>
-              <a:t>01/06/2017</a:t>
+              <a:t>01/23/2017</a:t>
             </a:fld>
             <a:r>
               <a:rPr lang="en-US" dirty="0"/>
@@ -2221,7 +2221,7 @@
             <a:fld id="{5942B21B-2ADA-A040-A652-A7305E1B99FE}" type="datetimeFigureOut">
               <a:rPr lang="en-US" smtClean="0"/>
               <a:pPr/>
-              <a:t>01/06/2017</a:t>
+              <a:t>01/23/2017</a:t>
             </a:fld>
             <a:r>
               <a:rPr lang="en-US" dirty="0"/>
@@ -2562,7 +2562,7 @@
             <a:fld id="{5942B21B-2ADA-A040-A652-A7305E1B99FE}" type="datetimeFigureOut">
               <a:rPr lang="en-US" smtClean="0"/>
               <a:pPr/>
-              <a:t>01/06/2017</a:t>
+              <a:t>01/23/2017</a:t>
             </a:fld>
             <a:r>
               <a:rPr lang="en-US" dirty="0"/>
@@ -3077,7 +3077,7 @@
             <a:fld id="{5942B21B-2ADA-A040-A652-A7305E1B99FE}" type="datetimeFigureOut">
               <a:rPr lang="en-US" smtClean="0"/>
               <a:pPr/>
-              <a:t>01/06/2017</a:t>
+              <a:t>01/23/2017</a:t>
             </a:fld>
             <a:r>
               <a:rPr lang="en-US" dirty="0"/>
@@ -3286,7 +3286,7 @@
             <a:fld id="{5942B21B-2ADA-A040-A652-A7305E1B99FE}" type="datetimeFigureOut">
               <a:rPr lang="en-US" smtClean="0"/>
               <a:pPr/>
-              <a:t>01/06/2017</a:t>
+              <a:t>01/23/2017</a:t>
             </a:fld>
             <a:r>
               <a:rPr lang="en-US" dirty="0"/>
@@ -3473,7 +3473,7 @@
             <a:fld id="{5942B21B-2ADA-A040-A652-A7305E1B99FE}" type="datetimeFigureOut">
               <a:rPr lang="en-US" smtClean="0"/>
               <a:pPr/>
-              <a:t>01/06/2017</a:t>
+              <a:t>01/23/2017</a:t>
             </a:fld>
             <a:r>
               <a:rPr lang="en-US" dirty="0"/>
@@ -3804,7 +3804,7 @@
             <a:fld id="{5942B21B-2ADA-A040-A652-A7305E1B99FE}" type="datetimeFigureOut">
               <a:rPr lang="en-US" smtClean="0"/>
               <a:pPr/>
-              <a:t>01/06/2017</a:t>
+              <a:t>01/23/2017</a:t>
             </a:fld>
             <a:r>
               <a:rPr lang="en-US" dirty="0"/>
@@ -4112,7 +4112,7 @@
             <a:fld id="{5942B21B-2ADA-A040-A652-A7305E1B99FE}" type="datetimeFigureOut">
               <a:rPr lang="en-US" smtClean="0"/>
               <a:pPr/>
-              <a:t>01/06/2017</a:t>
+              <a:t>01/23/2017</a:t>
             </a:fld>
             <a:r>
               <a:rPr lang="en-US" dirty="0"/>
@@ -4391,7 +4391,7 @@
             <a:fld id="{5942B21B-2ADA-A040-A652-A7305E1B99FE}" type="datetimeFigureOut">
               <a:rPr lang="en-US" smtClean="0"/>
               <a:pPr/>
-              <a:t>01/06/2017</a:t>
+              <a:t>01/23/2017</a:t>
             </a:fld>
             <a:r>
               <a:rPr lang="en-US" dirty="0"/>
@@ -7685,21 +7685,21 @@
                 <a:gridCol w="1895475">
                   <a:extLst>
                     <a:ext uri="{9D8B030D-6E8A-4147-A177-3AD203B41FA5}">
-                      <a16:colId xmlns:a16="http://schemas.microsoft.com/office/drawing/2014/main" xmlns="" val="20000"/>
+                      <a16:colId xmlns="" xmlns:a16="http://schemas.microsoft.com/office/drawing/2014/main" val="20000"/>
                     </a:ext>
                   </a:extLst>
                 </a:gridCol>
                 <a:gridCol w="3171825">
                   <a:extLst>
                     <a:ext uri="{9D8B030D-6E8A-4147-A177-3AD203B41FA5}">
-                      <a16:colId xmlns:a16="http://schemas.microsoft.com/office/drawing/2014/main" xmlns="" val="20001"/>
+                      <a16:colId xmlns="" xmlns:a16="http://schemas.microsoft.com/office/drawing/2014/main" val="20001"/>
                     </a:ext>
                   </a:extLst>
                 </a:gridCol>
                 <a:gridCol w="3162300">
                   <a:extLst>
                     <a:ext uri="{9D8B030D-6E8A-4147-A177-3AD203B41FA5}">
-                      <a16:colId xmlns:a16="http://schemas.microsoft.com/office/drawing/2014/main" xmlns="" val="20002"/>
+                      <a16:colId xmlns="" xmlns:a16="http://schemas.microsoft.com/office/drawing/2014/main" val="20002"/>
                     </a:ext>
                   </a:extLst>
                 </a:gridCol>
@@ -7746,7 +7746,7 @@
                 </a:tc>
                 <a:extLst>
                   <a:ext uri="{0D108BD9-81ED-4DB2-BD59-A6C34878D82A}">
-                    <a16:rowId xmlns:a16="http://schemas.microsoft.com/office/drawing/2014/main" xmlns="" val="10000"/>
+                    <a16:rowId xmlns="" xmlns:a16="http://schemas.microsoft.com/office/drawing/2014/main" val="10000"/>
                   </a:ext>
                 </a:extLst>
               </a:tr>
@@ -7809,7 +7809,7 @@
                 </a:tc>
                 <a:extLst>
                   <a:ext uri="{0D108BD9-81ED-4DB2-BD59-A6C34878D82A}">
-                    <a16:rowId xmlns:a16="http://schemas.microsoft.com/office/drawing/2014/main" xmlns="" val="10001"/>
+                    <a16:rowId xmlns="" xmlns:a16="http://schemas.microsoft.com/office/drawing/2014/main" val="10001"/>
                   </a:ext>
                 </a:extLst>
               </a:tr>
@@ -7880,7 +7880,7 @@
                 </a:tc>
                 <a:extLst>
                   <a:ext uri="{0D108BD9-81ED-4DB2-BD59-A6C34878D82A}">
-                    <a16:rowId xmlns:a16="http://schemas.microsoft.com/office/drawing/2014/main" xmlns="" val="10002"/>
+                    <a16:rowId xmlns="" xmlns:a16="http://schemas.microsoft.com/office/drawing/2014/main" val="10002"/>
                   </a:ext>
                 </a:extLst>
               </a:tr>
@@ -7926,7 +7926,7 @@
                 </a:tc>
                 <a:extLst>
                   <a:ext uri="{0D108BD9-81ED-4DB2-BD59-A6C34878D82A}">
-                    <a16:rowId xmlns:a16="http://schemas.microsoft.com/office/drawing/2014/main" xmlns="" val="10003"/>
+                    <a16:rowId xmlns="" xmlns:a16="http://schemas.microsoft.com/office/drawing/2014/main" val="10003"/>
                   </a:ext>
                 </a:extLst>
               </a:tr>
@@ -7977,7 +7977,7 @@
                 </a:tc>
                 <a:extLst>
                   <a:ext uri="{0D108BD9-81ED-4DB2-BD59-A6C34878D82A}">
-                    <a16:rowId xmlns:a16="http://schemas.microsoft.com/office/drawing/2014/main" xmlns="" val="3543017676"/>
+                    <a16:rowId xmlns="" xmlns:a16="http://schemas.microsoft.com/office/drawing/2014/main" val="3543017676"/>
                   </a:ext>
                 </a:extLst>
               </a:tr>
@@ -10153,8 +10153,19 @@
             <a:pPr lvl="1"/>
             <a:r>
               <a:rPr lang="en-US" dirty="0"/>
-              <a:t>Restore operations</a:t>
-            </a:r>
+              <a:t>Restore </a:t>
+            </a:r>
+            <a:r>
+              <a:rPr lang="en-US" dirty="0" smtClean="0"/>
+              <a:t>operations</a:t>
+            </a:r>
+          </a:p>
+          <a:p>
+            <a:r>
+              <a:rPr lang="en-US" dirty="0" smtClean="0"/>
+              <a:t>Rollback operations are single-threaded</a:t>
+            </a:r>
+            <a:endParaRPr lang="en-US" dirty="0"/>
           </a:p>
         </p:txBody>
       </p:sp>
@@ -10918,14 +10929,22 @@
             <a:pPr lvl="1"/>
             <a:r>
               <a:rPr lang="en-US" dirty="0"/>
-              <a:t>Rollback operations generate log records</a:t>
+              <a:t>Rollback operations generate log </a:t>
+            </a:r>
+            <a:r>
+              <a:rPr lang="en-US" dirty="0" smtClean="0"/>
+              <a:t>records</a:t>
             </a:r>
           </a:p>
           <a:p>
             <a:pPr lvl="1"/>
             <a:r>
-              <a:rPr lang="en-US" dirty="0"/>
-              <a:t>As the initial operations are performed, SQL Server will “reserve” log space to ensure that a rollback is possible.</a:t>
+              <a:rPr lang="en-US" dirty="0" smtClean="0"/>
+              <a:t>As </a:t>
+            </a:r>
+            <a:r>
+              <a:rPr lang="en-US" dirty="0"/>
+              <a:t>the initial operations are performed, SQL Server will “reserve” log space to ensure that a rollback is possible.</a:t>
             </a:r>
           </a:p>
         </p:txBody>
@@ -11143,14 +11162,14 @@
                 <a:gridCol w="3048000">
                   <a:extLst>
                     <a:ext uri="{9D8B030D-6E8A-4147-A177-3AD203B41FA5}">
-                      <a16:colId xmlns:a16="http://schemas.microsoft.com/office/drawing/2014/main" xmlns="" val="20000"/>
+                      <a16:colId xmlns="" xmlns:a16="http://schemas.microsoft.com/office/drawing/2014/main" val="20000"/>
                     </a:ext>
                   </a:extLst>
                 </a:gridCol>
                 <a:gridCol w="3048000">
                   <a:extLst>
                     <a:ext uri="{9D8B030D-6E8A-4147-A177-3AD203B41FA5}">
-                      <a16:colId xmlns:a16="http://schemas.microsoft.com/office/drawing/2014/main" xmlns="" val="20001"/>
+                      <a16:colId xmlns="" xmlns:a16="http://schemas.microsoft.com/office/drawing/2014/main" val="20001"/>
                     </a:ext>
                   </a:extLst>
                 </a:gridCol>
@@ -11196,7 +11215,7 @@
                 </a:tc>
                 <a:extLst>
                   <a:ext uri="{0D108BD9-81ED-4DB2-BD59-A6C34878D82A}">
-                    <a16:rowId xmlns:a16="http://schemas.microsoft.com/office/drawing/2014/main" xmlns="" val="10000"/>
+                    <a16:rowId xmlns="" xmlns:a16="http://schemas.microsoft.com/office/drawing/2014/main" val="10000"/>
                   </a:ext>
                 </a:extLst>
               </a:tr>
@@ -11231,7 +11250,7 @@
                 </a:tc>
                 <a:extLst>
                   <a:ext uri="{0D108BD9-81ED-4DB2-BD59-A6C34878D82A}">
-                    <a16:rowId xmlns:a16="http://schemas.microsoft.com/office/drawing/2014/main" xmlns="" val="10001"/>
+                    <a16:rowId xmlns="" xmlns:a16="http://schemas.microsoft.com/office/drawing/2014/main" val="10001"/>
                   </a:ext>
                 </a:extLst>
               </a:tr>
@@ -11266,7 +11285,7 @@
                 </a:tc>
                 <a:extLst>
                   <a:ext uri="{0D108BD9-81ED-4DB2-BD59-A6C34878D82A}">
-                    <a16:rowId xmlns:a16="http://schemas.microsoft.com/office/drawing/2014/main" xmlns="" val="10002"/>
+                    <a16:rowId xmlns="" xmlns:a16="http://schemas.microsoft.com/office/drawing/2014/main" val="10002"/>
                   </a:ext>
                 </a:extLst>
               </a:tr>
@@ -11306,7 +11325,7 @@
                 </a:tc>
                 <a:extLst>
                   <a:ext uri="{0D108BD9-81ED-4DB2-BD59-A6C34878D82A}">
-                    <a16:rowId xmlns:a16="http://schemas.microsoft.com/office/drawing/2014/main" xmlns="" val="10003"/>
+                    <a16:rowId xmlns="" xmlns:a16="http://schemas.microsoft.com/office/drawing/2014/main" val="10003"/>
                   </a:ext>
                 </a:extLst>
               </a:tr>

--- a/TransactionLog.pptx
+++ b/TransactionLog.pptx
@@ -256,7 +256,7 @@
           <a:p>
             <a:fld id="{2EDCB34D-5EC2-4739-9693-E425457AC201}" type="datetimeFigureOut">
               <a:rPr lang="en-US" smtClean="0"/>
-              <a:t>01/23/2017</a:t>
+              <a:t>02/08/2017</a:t>
             </a:fld>
             <a:endParaRPr lang="en-US"/>
           </a:p>
@@ -1026,7 +1026,7 @@
             <a:fld id="{5942B21B-2ADA-A040-A652-A7305E1B99FE}" type="datetimeFigureOut">
               <a:rPr lang="en-US" smtClean="0"/>
               <a:pPr/>
-              <a:t>01/23/2017</a:t>
+              <a:t>02/08/2017</a:t>
             </a:fld>
             <a:endParaRPr lang="en-US" dirty="0"/>
           </a:p>
@@ -1216,7 +1216,7 @@
           <a:p>
             <a:fld id="{5942B21B-2ADA-A040-A652-A7305E1B99FE}" type="datetimeFigureOut">
               <a:rPr lang="en-US" smtClean="0"/>
-              <a:t>01/23/2017</a:t>
+              <a:t>02/08/2017</a:t>
             </a:fld>
             <a:endParaRPr lang="en-US"/>
           </a:p>
@@ -1340,7 +1340,7 @@
             <a:fld id="{5942B21B-2ADA-A040-A652-A7305E1B99FE}" type="datetimeFigureOut">
               <a:rPr lang="en-US" smtClean="0"/>
               <a:pPr/>
-              <a:t>01/23/2017</a:t>
+              <a:t>02/08/2017</a:t>
             </a:fld>
             <a:r>
               <a:rPr lang="en-US"/>
@@ -1611,7 +1611,7 @@
             <a:fld id="{5942B21B-2ADA-A040-A652-A7305E1B99FE}" type="datetimeFigureOut">
               <a:rPr lang="en-US" smtClean="0"/>
               <a:pPr/>
-              <a:t>01/23/2017</a:t>
+              <a:t>02/08/2017</a:t>
             </a:fld>
             <a:r>
               <a:rPr lang="en-US" dirty="0"/>
@@ -1881,7 +1881,7 @@
             <a:fld id="{5942B21B-2ADA-A040-A652-A7305E1B99FE}" type="datetimeFigureOut">
               <a:rPr lang="en-US" smtClean="0"/>
               <a:pPr/>
-              <a:t>01/23/2017</a:t>
+              <a:t>02/08/2017</a:t>
             </a:fld>
             <a:r>
               <a:rPr lang="en-US" dirty="0"/>
@@ -2221,7 +2221,7 @@
             <a:fld id="{5942B21B-2ADA-A040-A652-A7305E1B99FE}" type="datetimeFigureOut">
               <a:rPr lang="en-US" smtClean="0"/>
               <a:pPr/>
-              <a:t>01/23/2017</a:t>
+              <a:t>02/08/2017</a:t>
             </a:fld>
             <a:r>
               <a:rPr lang="en-US" dirty="0"/>
@@ -2562,7 +2562,7 @@
             <a:fld id="{5942B21B-2ADA-A040-A652-A7305E1B99FE}" type="datetimeFigureOut">
               <a:rPr lang="en-US" smtClean="0"/>
               <a:pPr/>
-              <a:t>01/23/2017</a:t>
+              <a:t>02/08/2017</a:t>
             </a:fld>
             <a:r>
               <a:rPr lang="en-US" dirty="0"/>
@@ -3077,7 +3077,7 @@
             <a:fld id="{5942B21B-2ADA-A040-A652-A7305E1B99FE}" type="datetimeFigureOut">
               <a:rPr lang="en-US" smtClean="0"/>
               <a:pPr/>
-              <a:t>01/23/2017</a:t>
+              <a:t>02/08/2017</a:t>
             </a:fld>
             <a:r>
               <a:rPr lang="en-US" dirty="0"/>
@@ -3286,7 +3286,7 @@
             <a:fld id="{5942B21B-2ADA-A040-A652-A7305E1B99FE}" type="datetimeFigureOut">
               <a:rPr lang="en-US" smtClean="0"/>
               <a:pPr/>
-              <a:t>01/23/2017</a:t>
+              <a:t>02/08/2017</a:t>
             </a:fld>
             <a:r>
               <a:rPr lang="en-US" dirty="0"/>
@@ -3473,7 +3473,7 @@
             <a:fld id="{5942B21B-2ADA-A040-A652-A7305E1B99FE}" type="datetimeFigureOut">
               <a:rPr lang="en-US" smtClean="0"/>
               <a:pPr/>
-              <a:t>01/23/2017</a:t>
+              <a:t>02/08/2017</a:t>
             </a:fld>
             <a:r>
               <a:rPr lang="en-US" dirty="0"/>
@@ -3804,7 +3804,7 @@
             <a:fld id="{5942B21B-2ADA-A040-A652-A7305E1B99FE}" type="datetimeFigureOut">
               <a:rPr lang="en-US" smtClean="0"/>
               <a:pPr/>
-              <a:t>01/23/2017</a:t>
+              <a:t>02/08/2017</a:t>
             </a:fld>
             <a:r>
               <a:rPr lang="en-US" dirty="0"/>
@@ -4112,7 +4112,7 @@
             <a:fld id="{5942B21B-2ADA-A040-A652-A7305E1B99FE}" type="datetimeFigureOut">
               <a:rPr lang="en-US" smtClean="0"/>
               <a:pPr/>
-              <a:t>01/23/2017</a:t>
+              <a:t>02/08/2017</a:t>
             </a:fld>
             <a:r>
               <a:rPr lang="en-US" dirty="0"/>
@@ -4391,7 +4391,7 @@
             <a:fld id="{5942B21B-2ADA-A040-A652-A7305E1B99FE}" type="datetimeFigureOut">
               <a:rPr lang="en-US" smtClean="0"/>
               <a:pPr/>
-              <a:t>01/23/2017</a:t>
+              <a:t>02/08/2017</a:t>
             </a:fld>
             <a:r>
               <a:rPr lang="en-US" dirty="0"/>
@@ -7685,21 +7685,21 @@
                 <a:gridCol w="1895475">
                   <a:extLst>
                     <a:ext uri="{9D8B030D-6E8A-4147-A177-3AD203B41FA5}">
-                      <a16:colId xmlns="" xmlns:a16="http://schemas.microsoft.com/office/drawing/2014/main" val="20000"/>
+                      <a16:colId xmlns:a16="http://schemas.microsoft.com/office/drawing/2014/main" xmlns="" val="20000"/>
                     </a:ext>
                   </a:extLst>
                 </a:gridCol>
                 <a:gridCol w="3171825">
                   <a:extLst>
                     <a:ext uri="{9D8B030D-6E8A-4147-A177-3AD203B41FA5}">
-                      <a16:colId xmlns="" xmlns:a16="http://schemas.microsoft.com/office/drawing/2014/main" val="20001"/>
+                      <a16:colId xmlns:a16="http://schemas.microsoft.com/office/drawing/2014/main" xmlns="" val="20001"/>
                     </a:ext>
                   </a:extLst>
                 </a:gridCol>
                 <a:gridCol w="3162300">
                   <a:extLst>
                     <a:ext uri="{9D8B030D-6E8A-4147-A177-3AD203B41FA5}">
-                      <a16:colId xmlns="" xmlns:a16="http://schemas.microsoft.com/office/drawing/2014/main" val="20002"/>
+                      <a16:colId xmlns:a16="http://schemas.microsoft.com/office/drawing/2014/main" xmlns="" val="20002"/>
                     </a:ext>
                   </a:extLst>
                 </a:gridCol>
@@ -7746,7 +7746,7 @@
                 </a:tc>
                 <a:extLst>
                   <a:ext uri="{0D108BD9-81ED-4DB2-BD59-A6C34878D82A}">
-                    <a16:rowId xmlns="" xmlns:a16="http://schemas.microsoft.com/office/drawing/2014/main" val="10000"/>
+                    <a16:rowId xmlns:a16="http://schemas.microsoft.com/office/drawing/2014/main" xmlns="" val="10000"/>
                   </a:ext>
                 </a:extLst>
               </a:tr>
@@ -7809,7 +7809,7 @@
                 </a:tc>
                 <a:extLst>
                   <a:ext uri="{0D108BD9-81ED-4DB2-BD59-A6C34878D82A}">
-                    <a16:rowId xmlns="" xmlns:a16="http://schemas.microsoft.com/office/drawing/2014/main" val="10001"/>
+                    <a16:rowId xmlns:a16="http://schemas.microsoft.com/office/drawing/2014/main" xmlns="" val="10001"/>
                   </a:ext>
                 </a:extLst>
               </a:tr>
@@ -7880,7 +7880,7 @@
                 </a:tc>
                 <a:extLst>
                   <a:ext uri="{0D108BD9-81ED-4DB2-BD59-A6C34878D82A}">
-                    <a16:rowId xmlns="" xmlns:a16="http://schemas.microsoft.com/office/drawing/2014/main" val="10002"/>
+                    <a16:rowId xmlns:a16="http://schemas.microsoft.com/office/drawing/2014/main" xmlns="" val="10002"/>
                   </a:ext>
                 </a:extLst>
               </a:tr>
@@ -7926,7 +7926,7 @@
                 </a:tc>
                 <a:extLst>
                   <a:ext uri="{0D108BD9-81ED-4DB2-BD59-A6C34878D82A}">
-                    <a16:rowId xmlns="" xmlns:a16="http://schemas.microsoft.com/office/drawing/2014/main" val="10003"/>
+                    <a16:rowId xmlns:a16="http://schemas.microsoft.com/office/drawing/2014/main" xmlns="" val="10003"/>
                   </a:ext>
                 </a:extLst>
               </a:tr>
@@ -7977,7 +7977,7 @@
                 </a:tc>
                 <a:extLst>
                   <a:ext uri="{0D108BD9-81ED-4DB2-BD59-A6C34878D82A}">
-                    <a16:rowId xmlns="" xmlns:a16="http://schemas.microsoft.com/office/drawing/2014/main" val="3543017676"/>
+                    <a16:rowId xmlns:a16="http://schemas.microsoft.com/office/drawing/2014/main" xmlns="" val="3543017676"/>
                   </a:ext>
                 </a:extLst>
               </a:tr>
@@ -9063,7 +9063,7 @@
         <p:spPr/>
         <p:txBody>
           <a:bodyPr>
-            <a:normAutofit fontScale="92500" lnSpcReduction="20000"/>
+            <a:normAutofit fontScale="85000" lnSpcReduction="10000"/>
           </a:bodyPr>
           <a:lstStyle/>
           <a:p>
@@ -9108,32 +9108,18 @@
                 <a:latin typeface="Courier New" panose="02070309020205020404" pitchFamily="49" charset="0"/>
                 <a:cs typeface="Courier New" panose="02070309020205020404" pitchFamily="49" charset="0"/>
               </a:rPr>
-              <a:t>recovery interval (</a:t>
-            </a:r>
-            <a:r>
-              <a:rPr lang="en-US" sz="1700">
-                <a:latin typeface="Courier New" panose="02070309020205020404" pitchFamily="49" charset="0"/>
-                <a:cs typeface="Courier New" panose="02070309020205020404" pitchFamily="49" charset="0"/>
-              </a:rPr>
-              <a:t>min)</a:t>
-            </a:r>
-            <a:r>
-              <a:rPr lang="en-US" sz="1600"/>
+              <a:t>recovery interval (min)</a:t>
+            </a:r>
+            <a:r>
+              <a:rPr lang="en-US" sz="1600" dirty="0"/>
               <a:t>'</a:t>
-            </a:r>
-            <a:r>
-              <a:rPr lang="en-US" sz="1700">
-                <a:latin typeface="Courier New" panose="02070309020205020404" pitchFamily="49" charset="0"/>
-                <a:cs typeface="Courier New" panose="02070309020205020404" pitchFamily="49" charset="0"/>
-              </a:rPr>
-              <a:t>, </a:t>
             </a:r>
             <a:r>
               <a:rPr lang="en-US" sz="1700" dirty="0">
                 <a:latin typeface="Courier New" panose="02070309020205020404" pitchFamily="49" charset="0"/>
                 <a:cs typeface="Courier New" panose="02070309020205020404" pitchFamily="49" charset="0"/>
               </a:rPr>
-              <a:t>2</a:t>
+              <a:t>, 2</a:t>
             </a:r>
             <a:r>
               <a:rPr lang="en-US" dirty="0"/>
@@ -9195,9 +9181,21 @@
               <a:t> = 2 minutes</a:t>
             </a:r>
             <a:r>
-              <a:rPr lang="en-US" dirty="0"/>
+              <a:rPr lang="en-US" dirty="0" smtClean="0"/>
               <a:t>]</a:t>
             </a:r>
+          </a:p>
+          <a:p>
+            <a:pPr lvl="1"/>
+            <a:r>
+              <a:rPr lang="en-US" dirty="0" smtClean="0"/>
+              <a:t>Off by default in 2012, 2014; on </a:t>
+            </a:r>
+            <a:r>
+              <a:rPr lang="en-US" smtClean="0"/>
+              <a:t>by default in 2016</a:t>
+            </a:r>
+            <a:endParaRPr lang="en-US" dirty="0"/>
           </a:p>
           <a:p>
             <a:r>
@@ -11162,14 +11160,14 @@
                 <a:gridCol w="3048000">
                   <a:extLst>
                     <a:ext uri="{9D8B030D-6E8A-4147-A177-3AD203B41FA5}">
-                      <a16:colId xmlns="" xmlns:a16="http://schemas.microsoft.com/office/drawing/2014/main" val="20000"/>
+                      <a16:colId xmlns:a16="http://schemas.microsoft.com/office/drawing/2014/main" xmlns="" val="20000"/>
                     </a:ext>
                   </a:extLst>
                 </a:gridCol>
                 <a:gridCol w="3048000">
                   <a:extLst>
                     <a:ext uri="{9D8B030D-6E8A-4147-A177-3AD203B41FA5}">
-                      <a16:colId xmlns="" xmlns:a16="http://schemas.microsoft.com/office/drawing/2014/main" val="20001"/>
+                      <a16:colId xmlns:a16="http://schemas.microsoft.com/office/drawing/2014/main" xmlns="" val="20001"/>
                     </a:ext>
                   </a:extLst>
                 </a:gridCol>
@@ -11215,7 +11213,7 @@
                 </a:tc>
                 <a:extLst>
                   <a:ext uri="{0D108BD9-81ED-4DB2-BD59-A6C34878D82A}">
-                    <a16:rowId xmlns="" xmlns:a16="http://schemas.microsoft.com/office/drawing/2014/main" val="10000"/>
+                    <a16:rowId xmlns:a16="http://schemas.microsoft.com/office/drawing/2014/main" xmlns="" val="10000"/>
                   </a:ext>
                 </a:extLst>
               </a:tr>
@@ -11250,7 +11248,7 @@
                 </a:tc>
                 <a:extLst>
                   <a:ext uri="{0D108BD9-81ED-4DB2-BD59-A6C34878D82A}">
-                    <a16:rowId xmlns="" xmlns:a16="http://schemas.microsoft.com/office/drawing/2014/main" val="10001"/>
+                    <a16:rowId xmlns:a16="http://schemas.microsoft.com/office/drawing/2014/main" xmlns="" val="10001"/>
                   </a:ext>
                 </a:extLst>
               </a:tr>
@@ -11285,7 +11283,7 @@
                 </a:tc>
                 <a:extLst>
                   <a:ext uri="{0D108BD9-81ED-4DB2-BD59-A6C34878D82A}">
-                    <a16:rowId xmlns="" xmlns:a16="http://schemas.microsoft.com/office/drawing/2014/main" val="10002"/>
+                    <a16:rowId xmlns:a16="http://schemas.microsoft.com/office/drawing/2014/main" xmlns="" val="10002"/>
                   </a:ext>
                 </a:extLst>
               </a:tr>
@@ -11325,7 +11323,7 @@
                 </a:tc>
                 <a:extLst>
                   <a:ext uri="{0D108BD9-81ED-4DB2-BD59-A6C34878D82A}">
-                    <a16:rowId xmlns="" xmlns:a16="http://schemas.microsoft.com/office/drawing/2014/main" val="10003"/>
+                    <a16:rowId xmlns:a16="http://schemas.microsoft.com/office/drawing/2014/main" xmlns="" val="10003"/>
                   </a:ext>
                 </a:extLst>
               </a:tr>

--- a/TransactionLog.pptx
+++ b/TransactionLog.pptx
@@ -5024,8 +5024,20 @@
               <a:buNone/>
             </a:pPr>
             <a:r>
-              <a:rPr lang="en-US" dirty="0"/>
-              <a:t>Nashville, TN – January 14, 2017</a:t>
+              <a:rPr lang="en-US" dirty="0" smtClean="0"/>
+              <a:t>Chicago, IL </a:t>
+            </a:r>
+            <a:r>
+              <a:rPr lang="en-US"/>
+              <a:t>– </a:t>
+            </a:r>
+            <a:r>
+              <a:rPr lang="en-US" smtClean="0"/>
+              <a:t>March 11, </a:t>
+            </a:r>
+            <a:r>
+              <a:rPr lang="en-US" dirty="0"/>
+              <a:t>2017</a:t>
             </a:r>
           </a:p>
         </p:txBody>
@@ -7685,21 +7697,21 @@
                 <a:gridCol w="1895475">
                   <a:extLst>
                     <a:ext uri="{9D8B030D-6E8A-4147-A177-3AD203B41FA5}">
-                      <a16:colId xmlns:a16="http://schemas.microsoft.com/office/drawing/2014/main" xmlns="" val="20000"/>
+                      <a16:colId xmlns="" xmlns:a16="http://schemas.microsoft.com/office/drawing/2014/main" val="20000"/>
                     </a:ext>
                   </a:extLst>
                 </a:gridCol>
                 <a:gridCol w="3171825">
                   <a:extLst>
                     <a:ext uri="{9D8B030D-6E8A-4147-A177-3AD203B41FA5}">
-                      <a16:colId xmlns:a16="http://schemas.microsoft.com/office/drawing/2014/main" xmlns="" val="20001"/>
+                      <a16:colId xmlns="" xmlns:a16="http://schemas.microsoft.com/office/drawing/2014/main" val="20001"/>
                     </a:ext>
                   </a:extLst>
                 </a:gridCol>
                 <a:gridCol w="3162300">
                   <a:extLst>
                     <a:ext uri="{9D8B030D-6E8A-4147-A177-3AD203B41FA5}">
-                      <a16:colId xmlns:a16="http://schemas.microsoft.com/office/drawing/2014/main" xmlns="" val="20002"/>
+                      <a16:colId xmlns="" xmlns:a16="http://schemas.microsoft.com/office/drawing/2014/main" val="20002"/>
                     </a:ext>
                   </a:extLst>
                 </a:gridCol>
@@ -7746,7 +7758,7 @@
                 </a:tc>
                 <a:extLst>
                   <a:ext uri="{0D108BD9-81ED-4DB2-BD59-A6C34878D82A}">
-                    <a16:rowId xmlns:a16="http://schemas.microsoft.com/office/drawing/2014/main" xmlns="" val="10000"/>
+                    <a16:rowId xmlns="" xmlns:a16="http://schemas.microsoft.com/office/drawing/2014/main" val="10000"/>
                   </a:ext>
                 </a:extLst>
               </a:tr>
@@ -7809,7 +7821,7 @@
                 </a:tc>
                 <a:extLst>
                   <a:ext uri="{0D108BD9-81ED-4DB2-BD59-A6C34878D82A}">
-                    <a16:rowId xmlns:a16="http://schemas.microsoft.com/office/drawing/2014/main" xmlns="" val="10001"/>
+                    <a16:rowId xmlns="" xmlns:a16="http://schemas.microsoft.com/office/drawing/2014/main" val="10001"/>
                   </a:ext>
                 </a:extLst>
               </a:tr>
@@ -7880,7 +7892,7 @@
                 </a:tc>
                 <a:extLst>
                   <a:ext uri="{0D108BD9-81ED-4DB2-BD59-A6C34878D82A}">
-                    <a16:rowId xmlns:a16="http://schemas.microsoft.com/office/drawing/2014/main" xmlns="" val="10002"/>
+                    <a16:rowId xmlns="" xmlns:a16="http://schemas.microsoft.com/office/drawing/2014/main" val="10002"/>
                   </a:ext>
                 </a:extLst>
               </a:tr>
@@ -7926,7 +7938,7 @@
                 </a:tc>
                 <a:extLst>
                   <a:ext uri="{0D108BD9-81ED-4DB2-BD59-A6C34878D82A}">
-                    <a16:rowId xmlns:a16="http://schemas.microsoft.com/office/drawing/2014/main" xmlns="" val="10003"/>
+                    <a16:rowId xmlns="" xmlns:a16="http://schemas.microsoft.com/office/drawing/2014/main" val="10003"/>
                   </a:ext>
                 </a:extLst>
               </a:tr>
@@ -7977,7 +7989,7 @@
                 </a:tc>
                 <a:extLst>
                   <a:ext uri="{0D108BD9-81ED-4DB2-BD59-A6C34878D82A}">
-                    <a16:rowId xmlns:a16="http://schemas.microsoft.com/office/drawing/2014/main" xmlns="" val="3543017676"/>
+                    <a16:rowId xmlns="" xmlns:a16="http://schemas.microsoft.com/office/drawing/2014/main" val="3543017676"/>
                   </a:ext>
                 </a:extLst>
               </a:tr>
@@ -11160,14 +11172,14 @@
                 <a:gridCol w="3048000">
                   <a:extLst>
                     <a:ext uri="{9D8B030D-6E8A-4147-A177-3AD203B41FA5}">
-                      <a16:colId xmlns:a16="http://schemas.microsoft.com/office/drawing/2014/main" xmlns="" val="20000"/>
+                      <a16:colId xmlns="" xmlns:a16="http://schemas.microsoft.com/office/drawing/2014/main" val="20000"/>
                     </a:ext>
                   </a:extLst>
                 </a:gridCol>
                 <a:gridCol w="3048000">
                   <a:extLst>
                     <a:ext uri="{9D8B030D-6E8A-4147-A177-3AD203B41FA5}">
-                      <a16:colId xmlns:a16="http://schemas.microsoft.com/office/drawing/2014/main" xmlns="" val="20001"/>
+                      <a16:colId xmlns="" xmlns:a16="http://schemas.microsoft.com/office/drawing/2014/main" val="20001"/>
                     </a:ext>
                   </a:extLst>
                 </a:gridCol>
@@ -11213,7 +11225,7 @@
                 </a:tc>
                 <a:extLst>
                   <a:ext uri="{0D108BD9-81ED-4DB2-BD59-A6C34878D82A}">
-                    <a16:rowId xmlns:a16="http://schemas.microsoft.com/office/drawing/2014/main" xmlns="" val="10000"/>
+                    <a16:rowId xmlns="" xmlns:a16="http://schemas.microsoft.com/office/drawing/2014/main" val="10000"/>
                   </a:ext>
                 </a:extLst>
               </a:tr>
@@ -11248,7 +11260,7 @@
                 </a:tc>
                 <a:extLst>
                   <a:ext uri="{0D108BD9-81ED-4DB2-BD59-A6C34878D82A}">
-                    <a16:rowId xmlns:a16="http://schemas.microsoft.com/office/drawing/2014/main" xmlns="" val="10001"/>
+                    <a16:rowId xmlns="" xmlns:a16="http://schemas.microsoft.com/office/drawing/2014/main" val="10001"/>
                   </a:ext>
                 </a:extLst>
               </a:tr>
@@ -11283,7 +11295,7 @@
                 </a:tc>
                 <a:extLst>
                   <a:ext uri="{0D108BD9-81ED-4DB2-BD59-A6C34878D82A}">
-                    <a16:rowId xmlns:a16="http://schemas.microsoft.com/office/drawing/2014/main" xmlns="" val="10002"/>
+                    <a16:rowId xmlns="" xmlns:a16="http://schemas.microsoft.com/office/drawing/2014/main" val="10002"/>
                   </a:ext>
                 </a:extLst>
               </a:tr>
@@ -11323,7 +11335,7 @@
                 </a:tc>
                 <a:extLst>
                   <a:ext uri="{0D108BD9-81ED-4DB2-BD59-A6C34878D82A}">
-                    <a16:rowId xmlns:a16="http://schemas.microsoft.com/office/drawing/2014/main" xmlns="" val="10003"/>
+                    <a16:rowId xmlns="" xmlns:a16="http://schemas.microsoft.com/office/drawing/2014/main" val="10003"/>
                   </a:ext>
                 </a:extLst>
               </a:tr>

--- a/TransactionLog.pptx
+++ b/TransactionLog.pptx
@@ -256,7 +256,7 @@
           <a:p>
             <a:fld id="{2EDCB34D-5EC2-4739-9693-E425457AC201}" type="datetimeFigureOut">
               <a:rPr lang="en-US" smtClean="0"/>
-              <a:t>02/08/2017</a:t>
+              <a:t>02/22/2017</a:t>
             </a:fld>
             <a:endParaRPr lang="en-US"/>
           </a:p>
@@ -1026,7 +1026,7 @@
             <a:fld id="{5942B21B-2ADA-A040-A652-A7305E1B99FE}" type="datetimeFigureOut">
               <a:rPr lang="en-US" smtClean="0"/>
               <a:pPr/>
-              <a:t>02/08/2017</a:t>
+              <a:t>02/22/2017</a:t>
             </a:fld>
             <a:endParaRPr lang="en-US" dirty="0"/>
           </a:p>
@@ -1216,7 +1216,7 @@
           <a:p>
             <a:fld id="{5942B21B-2ADA-A040-A652-A7305E1B99FE}" type="datetimeFigureOut">
               <a:rPr lang="en-US" smtClean="0"/>
-              <a:t>02/08/2017</a:t>
+              <a:t>02/22/2017</a:t>
             </a:fld>
             <a:endParaRPr lang="en-US"/>
           </a:p>
@@ -1340,7 +1340,7 @@
             <a:fld id="{5942B21B-2ADA-A040-A652-A7305E1B99FE}" type="datetimeFigureOut">
               <a:rPr lang="en-US" smtClean="0"/>
               <a:pPr/>
-              <a:t>02/08/2017</a:t>
+              <a:t>02/22/2017</a:t>
             </a:fld>
             <a:r>
               <a:rPr lang="en-US"/>
@@ -1611,7 +1611,7 @@
             <a:fld id="{5942B21B-2ADA-A040-A652-A7305E1B99FE}" type="datetimeFigureOut">
               <a:rPr lang="en-US" smtClean="0"/>
               <a:pPr/>
-              <a:t>02/08/2017</a:t>
+              <a:t>02/22/2017</a:t>
             </a:fld>
             <a:r>
               <a:rPr lang="en-US" dirty="0"/>
@@ -1881,7 +1881,7 @@
             <a:fld id="{5942B21B-2ADA-A040-A652-A7305E1B99FE}" type="datetimeFigureOut">
               <a:rPr lang="en-US" smtClean="0"/>
               <a:pPr/>
-              <a:t>02/08/2017</a:t>
+              <a:t>02/22/2017</a:t>
             </a:fld>
             <a:r>
               <a:rPr lang="en-US" dirty="0"/>
@@ -2221,7 +2221,7 @@
             <a:fld id="{5942B21B-2ADA-A040-A652-A7305E1B99FE}" type="datetimeFigureOut">
               <a:rPr lang="en-US" smtClean="0"/>
               <a:pPr/>
-              <a:t>02/08/2017</a:t>
+              <a:t>02/22/2017</a:t>
             </a:fld>
             <a:r>
               <a:rPr lang="en-US" dirty="0"/>
@@ -2562,7 +2562,7 @@
             <a:fld id="{5942B21B-2ADA-A040-A652-A7305E1B99FE}" type="datetimeFigureOut">
               <a:rPr lang="en-US" smtClean="0"/>
               <a:pPr/>
-              <a:t>02/08/2017</a:t>
+              <a:t>02/22/2017</a:t>
             </a:fld>
             <a:r>
               <a:rPr lang="en-US" dirty="0"/>
@@ -3077,7 +3077,7 @@
             <a:fld id="{5942B21B-2ADA-A040-A652-A7305E1B99FE}" type="datetimeFigureOut">
               <a:rPr lang="en-US" smtClean="0"/>
               <a:pPr/>
-              <a:t>02/08/2017</a:t>
+              <a:t>02/22/2017</a:t>
             </a:fld>
             <a:r>
               <a:rPr lang="en-US" dirty="0"/>
@@ -3286,7 +3286,7 @@
             <a:fld id="{5942B21B-2ADA-A040-A652-A7305E1B99FE}" type="datetimeFigureOut">
               <a:rPr lang="en-US" smtClean="0"/>
               <a:pPr/>
-              <a:t>02/08/2017</a:t>
+              <a:t>02/22/2017</a:t>
             </a:fld>
             <a:r>
               <a:rPr lang="en-US" dirty="0"/>
@@ -3473,7 +3473,7 @@
             <a:fld id="{5942B21B-2ADA-A040-A652-A7305E1B99FE}" type="datetimeFigureOut">
               <a:rPr lang="en-US" smtClean="0"/>
               <a:pPr/>
-              <a:t>02/08/2017</a:t>
+              <a:t>02/22/2017</a:t>
             </a:fld>
             <a:r>
               <a:rPr lang="en-US" dirty="0"/>
@@ -3804,7 +3804,7 @@
             <a:fld id="{5942B21B-2ADA-A040-A652-A7305E1B99FE}" type="datetimeFigureOut">
               <a:rPr lang="en-US" smtClean="0"/>
               <a:pPr/>
-              <a:t>02/08/2017</a:t>
+              <a:t>02/22/2017</a:t>
             </a:fld>
             <a:r>
               <a:rPr lang="en-US" dirty="0"/>
@@ -4112,7 +4112,7 @@
             <a:fld id="{5942B21B-2ADA-A040-A652-A7305E1B99FE}" type="datetimeFigureOut">
               <a:rPr lang="en-US" smtClean="0"/>
               <a:pPr/>
-              <a:t>02/08/2017</a:t>
+              <a:t>02/22/2017</a:t>
             </a:fld>
             <a:r>
               <a:rPr lang="en-US" dirty="0"/>
@@ -4391,7 +4391,7 @@
             <a:fld id="{5942B21B-2ADA-A040-A652-A7305E1B99FE}" type="datetimeFigureOut">
               <a:rPr lang="en-US" smtClean="0"/>
               <a:pPr/>
-              <a:t>02/08/2017</a:t>
+              <a:t>02/22/2017</a:t>
             </a:fld>
             <a:r>
               <a:rPr lang="en-US" dirty="0"/>
@@ -7697,21 +7697,21 @@
                 <a:gridCol w="1895475">
                   <a:extLst>
                     <a:ext uri="{9D8B030D-6E8A-4147-A177-3AD203B41FA5}">
-                      <a16:colId xmlns="" xmlns:a16="http://schemas.microsoft.com/office/drawing/2014/main" val="20000"/>
+                      <a16:colId xmlns:a16="http://schemas.microsoft.com/office/drawing/2014/main" xmlns="" val="20000"/>
                     </a:ext>
                   </a:extLst>
                 </a:gridCol>
                 <a:gridCol w="3171825">
                   <a:extLst>
                     <a:ext uri="{9D8B030D-6E8A-4147-A177-3AD203B41FA5}">
-                      <a16:colId xmlns="" xmlns:a16="http://schemas.microsoft.com/office/drawing/2014/main" val="20001"/>
+                      <a16:colId xmlns:a16="http://schemas.microsoft.com/office/drawing/2014/main" xmlns="" val="20001"/>
                     </a:ext>
                   </a:extLst>
                 </a:gridCol>
                 <a:gridCol w="3162300">
                   <a:extLst>
                     <a:ext uri="{9D8B030D-6E8A-4147-A177-3AD203B41FA5}">
-                      <a16:colId xmlns="" xmlns:a16="http://schemas.microsoft.com/office/drawing/2014/main" val="20002"/>
+                      <a16:colId xmlns:a16="http://schemas.microsoft.com/office/drawing/2014/main" xmlns="" val="20002"/>
                     </a:ext>
                   </a:extLst>
                 </a:gridCol>
@@ -7758,7 +7758,7 @@
                 </a:tc>
                 <a:extLst>
                   <a:ext uri="{0D108BD9-81ED-4DB2-BD59-A6C34878D82A}">
-                    <a16:rowId xmlns="" xmlns:a16="http://schemas.microsoft.com/office/drawing/2014/main" val="10000"/>
+                    <a16:rowId xmlns:a16="http://schemas.microsoft.com/office/drawing/2014/main" xmlns="" val="10000"/>
                   </a:ext>
                 </a:extLst>
               </a:tr>
@@ -7821,7 +7821,7 @@
                 </a:tc>
                 <a:extLst>
                   <a:ext uri="{0D108BD9-81ED-4DB2-BD59-A6C34878D82A}">
-                    <a16:rowId xmlns="" xmlns:a16="http://schemas.microsoft.com/office/drawing/2014/main" val="10001"/>
+                    <a16:rowId xmlns:a16="http://schemas.microsoft.com/office/drawing/2014/main" xmlns="" val="10001"/>
                   </a:ext>
                 </a:extLst>
               </a:tr>
@@ -7892,7 +7892,7 @@
                 </a:tc>
                 <a:extLst>
                   <a:ext uri="{0D108BD9-81ED-4DB2-BD59-A6C34878D82A}">
-                    <a16:rowId xmlns="" xmlns:a16="http://schemas.microsoft.com/office/drawing/2014/main" val="10002"/>
+                    <a16:rowId xmlns:a16="http://schemas.microsoft.com/office/drawing/2014/main" xmlns="" val="10002"/>
                   </a:ext>
                 </a:extLst>
               </a:tr>
@@ -7938,7 +7938,7 @@
                 </a:tc>
                 <a:extLst>
                   <a:ext uri="{0D108BD9-81ED-4DB2-BD59-A6C34878D82A}">
-                    <a16:rowId xmlns="" xmlns:a16="http://schemas.microsoft.com/office/drawing/2014/main" val="10003"/>
+                    <a16:rowId xmlns:a16="http://schemas.microsoft.com/office/drawing/2014/main" xmlns="" val="10003"/>
                   </a:ext>
                 </a:extLst>
               </a:tr>
@@ -7989,7 +7989,7 @@
                 </a:tc>
                 <a:extLst>
                   <a:ext uri="{0D108BD9-81ED-4DB2-BD59-A6C34878D82A}">
-                    <a16:rowId xmlns="" xmlns:a16="http://schemas.microsoft.com/office/drawing/2014/main" val="3543017676"/>
+                    <a16:rowId xmlns:a16="http://schemas.microsoft.com/office/drawing/2014/main" xmlns="" val="3543017676"/>
                   </a:ext>
                 </a:extLst>
               </a:tr>
@@ -9311,9 +9311,35 @@
           <a:lstStyle/>
           <a:p>
             <a:r>
-              <a:rPr lang="en-US" dirty="0"/>
-              <a:t>Write to log (checkpoint start)</a:t>
-            </a:r>
+              <a:rPr lang="en-US" dirty="0">
+                <a:solidFill>
+                  <a:schemeClr val="accent1">
+                    <a:lumMod val="60000"/>
+                    <a:lumOff val="40000"/>
+                  </a:schemeClr>
+                </a:solidFill>
+              </a:rPr>
+              <a:t>Write to </a:t>
+            </a:r>
+            <a:r>
+              <a:rPr lang="en-US" dirty="0" smtClean="0">
+                <a:solidFill>
+                  <a:schemeClr val="accent1">
+                    <a:lumMod val="60000"/>
+                    <a:lumOff val="40000"/>
+                  </a:schemeClr>
+                </a:solidFill>
+              </a:rPr>
+              <a:t>log: checkpoint start</a:t>
+            </a:r>
+            <a:endParaRPr lang="en-US" dirty="0">
+              <a:solidFill>
+                <a:schemeClr val="accent1">
+                  <a:lumMod val="60000"/>
+                  <a:lumOff val="40000"/>
+                </a:schemeClr>
+              </a:solidFill>
+            </a:endParaRPr>
           </a:p>
           <a:p>
             <a:pPr lvl="1"/>
@@ -9323,6 +9349,7 @@
             </a:r>
           </a:p>
           <a:p>
+            <a:pPr lvl="1"/>
             <a:r>
               <a:rPr lang="en-US" dirty="0"/>
               <a:t>Flush the log</a:t>
@@ -9336,21 +9363,85 @@
           </a:p>
           <a:p>
             <a:r>
-              <a:rPr lang="en-US" dirty="0"/>
-              <a:t>Update boot page with log ID corresponding to checkpoint start</a:t>
-            </a:r>
-          </a:p>
-          <a:p>
-            <a:r>
-              <a:rPr lang="en-US" dirty="0"/>
-              <a:t>Clear the log (SIMPLE recovery)</a:t>
-            </a:r>
-          </a:p>
-          <a:p>
-            <a:r>
-              <a:rPr lang="en-US" dirty="0"/>
-              <a:t>Write to log (checkpoint finish)</a:t>
-            </a:r>
+              <a:rPr lang="en-US" dirty="0">
+                <a:solidFill>
+                  <a:schemeClr val="accent1">
+                    <a:lumMod val="60000"/>
+                    <a:lumOff val="40000"/>
+                  </a:schemeClr>
+                </a:solidFill>
+              </a:rPr>
+              <a:t>Update boot page with </a:t>
+            </a:r>
+            <a:r>
+              <a:rPr lang="en-US" dirty="0" smtClean="0">
+                <a:solidFill>
+                  <a:schemeClr val="accent1">
+                    <a:lumMod val="60000"/>
+                    <a:lumOff val="40000"/>
+                  </a:schemeClr>
+                </a:solidFill>
+              </a:rPr>
+              <a:t>LSN </a:t>
+            </a:r>
+            <a:r>
+              <a:rPr lang="en-US" dirty="0">
+                <a:solidFill>
+                  <a:schemeClr val="accent1">
+                    <a:lumMod val="60000"/>
+                    <a:lumOff val="40000"/>
+                  </a:schemeClr>
+                </a:solidFill>
+              </a:rPr>
+              <a:t>corresponding to checkpoint start</a:t>
+            </a:r>
+          </a:p>
+          <a:p>
+            <a:r>
+              <a:rPr lang="en-US" dirty="0" smtClean="0"/>
+              <a:t>(If SIMPLE </a:t>
+            </a:r>
+            <a:r>
+              <a:rPr lang="en-US" dirty="0"/>
+              <a:t>recovery</a:t>
+            </a:r>
+            <a:r>
+              <a:rPr lang="en-US" dirty="0" smtClean="0"/>
+              <a:t>) clear the log</a:t>
+            </a:r>
+            <a:endParaRPr lang="en-US" dirty="0"/>
+          </a:p>
+          <a:p>
+            <a:r>
+              <a:rPr lang="en-US" dirty="0">
+                <a:solidFill>
+                  <a:schemeClr val="accent1">
+                    <a:lumMod val="60000"/>
+                    <a:lumOff val="40000"/>
+                  </a:schemeClr>
+                </a:solidFill>
+              </a:rPr>
+              <a:t>Write to </a:t>
+            </a:r>
+            <a:r>
+              <a:rPr lang="en-US" dirty="0" smtClean="0">
+                <a:solidFill>
+                  <a:schemeClr val="accent1">
+                    <a:lumMod val="60000"/>
+                    <a:lumOff val="40000"/>
+                  </a:schemeClr>
+                </a:solidFill>
+              </a:rPr>
+              <a:t>log: checkpoint finish</a:t>
+            </a:r>
+            <a:endParaRPr lang="en-US" dirty="0">
+              <a:solidFill>
+                <a:schemeClr val="accent1">
+                  <a:lumMod val="60000"/>
+                  <a:lumOff val="40000"/>
+                </a:schemeClr>
+              </a:solidFill>
+            </a:endParaRPr>
           </a:p>
         </p:txBody>
       </p:sp>
@@ -11172,14 +11263,14 @@
                 <a:gridCol w="3048000">
                   <a:extLst>
                     <a:ext uri="{9D8B030D-6E8A-4147-A177-3AD203B41FA5}">
-                      <a16:colId xmlns="" xmlns:a16="http://schemas.microsoft.com/office/drawing/2014/main" val="20000"/>
+                      <a16:colId xmlns:a16="http://schemas.microsoft.com/office/drawing/2014/main" xmlns="" val="20000"/>
                     </a:ext>
                   </a:extLst>
                 </a:gridCol>
                 <a:gridCol w="3048000">
                   <a:extLst>
                     <a:ext uri="{9D8B030D-6E8A-4147-A177-3AD203B41FA5}">
-                      <a16:colId xmlns="" xmlns:a16="http://schemas.microsoft.com/office/drawing/2014/main" val="20001"/>
+                      <a16:colId xmlns:a16="http://schemas.microsoft.com/office/drawing/2014/main" xmlns="" val="20001"/>
                     </a:ext>
                   </a:extLst>
                 </a:gridCol>
@@ -11225,7 +11316,7 @@
                 </a:tc>
                 <a:extLst>
                   <a:ext uri="{0D108BD9-81ED-4DB2-BD59-A6C34878D82A}">
-                    <a16:rowId xmlns="" xmlns:a16="http://schemas.microsoft.com/office/drawing/2014/main" val="10000"/>
+                    <a16:rowId xmlns:a16="http://schemas.microsoft.com/office/drawing/2014/main" xmlns="" val="10000"/>
                   </a:ext>
                 </a:extLst>
               </a:tr>
@@ -11260,7 +11351,7 @@
                 </a:tc>
                 <a:extLst>
                   <a:ext uri="{0D108BD9-81ED-4DB2-BD59-A6C34878D82A}">
-                    <a16:rowId xmlns="" xmlns:a16="http://schemas.microsoft.com/office/drawing/2014/main" val="10001"/>
+                    <a16:rowId xmlns:a16="http://schemas.microsoft.com/office/drawing/2014/main" xmlns="" val="10001"/>
                   </a:ext>
                 </a:extLst>
               </a:tr>
@@ -11295,7 +11386,7 @@
                 </a:tc>
                 <a:extLst>
                   <a:ext uri="{0D108BD9-81ED-4DB2-BD59-A6C34878D82A}">
-                    <a16:rowId xmlns="" xmlns:a16="http://schemas.microsoft.com/office/drawing/2014/main" val="10002"/>
+                    <a16:rowId xmlns:a16="http://schemas.microsoft.com/office/drawing/2014/main" xmlns="" val="10002"/>
                   </a:ext>
                 </a:extLst>
               </a:tr>
@@ -11335,7 +11426,7 @@
                 </a:tc>
                 <a:extLst>
                   <a:ext uri="{0D108BD9-81ED-4DB2-BD59-A6C34878D82A}">
-                    <a16:rowId xmlns="" xmlns:a16="http://schemas.microsoft.com/office/drawing/2014/main" val="10003"/>
+                    <a16:rowId xmlns:a16="http://schemas.microsoft.com/office/drawing/2014/main" xmlns="" val="10003"/>
                   </a:ext>
                 </a:extLst>
               </a:tr>

--- a/TransactionLog.pptx
+++ b/TransactionLog.pptx
@@ -5,7 +5,7 @@
     <p:sldMasterId id="2147483648" r:id="rId1"/>
   </p:sldMasterIdLst>
   <p:notesMasterIdLst>
-    <p:notesMasterId r:id="rId51"/>
+    <p:notesMasterId r:id="rId54"/>
   </p:notesMasterIdLst>
   <p:sldIdLst>
     <p:sldId id="328" r:id="rId2"/>
@@ -41,22 +41,25 @@
     <p:sldId id="361" r:id="rId32"/>
     <p:sldId id="353" r:id="rId33"/>
     <p:sldId id="352" r:id="rId34"/>
-    <p:sldId id="355" r:id="rId35"/>
-    <p:sldId id="366" r:id="rId36"/>
-    <p:sldId id="368" r:id="rId37"/>
-    <p:sldId id="369" r:id="rId38"/>
-    <p:sldId id="373" r:id="rId39"/>
-    <p:sldId id="374" r:id="rId40"/>
-    <p:sldId id="375" r:id="rId41"/>
-    <p:sldId id="376" r:id="rId42"/>
-    <p:sldId id="377" r:id="rId43"/>
-    <p:sldId id="372" r:id="rId44"/>
-    <p:sldId id="357" r:id="rId45"/>
-    <p:sldId id="359" r:id="rId46"/>
-    <p:sldId id="365" r:id="rId47"/>
-    <p:sldId id="367" r:id="rId48"/>
-    <p:sldId id="370" r:id="rId49"/>
-    <p:sldId id="371" r:id="rId50"/>
+    <p:sldId id="378" r:id="rId35"/>
+    <p:sldId id="379" r:id="rId36"/>
+    <p:sldId id="380" r:id="rId37"/>
+    <p:sldId id="355" r:id="rId38"/>
+    <p:sldId id="366" r:id="rId39"/>
+    <p:sldId id="368" r:id="rId40"/>
+    <p:sldId id="369" r:id="rId41"/>
+    <p:sldId id="373" r:id="rId42"/>
+    <p:sldId id="374" r:id="rId43"/>
+    <p:sldId id="375" r:id="rId44"/>
+    <p:sldId id="376" r:id="rId45"/>
+    <p:sldId id="377" r:id="rId46"/>
+    <p:sldId id="372" r:id="rId47"/>
+    <p:sldId id="357" r:id="rId48"/>
+    <p:sldId id="359" r:id="rId49"/>
+    <p:sldId id="365" r:id="rId50"/>
+    <p:sldId id="367" r:id="rId51"/>
+    <p:sldId id="370" r:id="rId52"/>
+    <p:sldId id="371" r:id="rId53"/>
   </p:sldIdLst>
   <p:sldSz cx="9144000" cy="6858000" type="screen4x3"/>
   <p:notesSz cx="6858000" cy="9144000"/>
@@ -772,7 +775,7 @@
           <a:p>
             <a:fld id="{ADDBA41D-AE03-4F1C-B074-B56312AFAE46}" type="slidenum">
               <a:rPr lang="en-US" smtClean="0"/>
-              <a:t>34</a:t>
+              <a:t>37</a:t>
             </a:fld>
             <a:endParaRPr lang="en-US"/>
           </a:p>
@@ -9600,8 +9603,13 @@
           <a:p>
             <a:r>
               <a:rPr lang="en-US" dirty="0"/>
-              <a:t>Recovery Models</a:t>
-            </a:r>
+              <a:t>Recovery </a:t>
+            </a:r>
+            <a:r>
+              <a:rPr lang="en-US" dirty="0" smtClean="0"/>
+              <a:t>Models</a:t>
+            </a:r>
+            <a:endParaRPr lang="en-US" dirty="0"/>
           </a:p>
         </p:txBody>
       </p:sp>
@@ -9618,7 +9626,7 @@
         <p:spPr/>
         <p:txBody>
           <a:bodyPr>
-            <a:normAutofit fontScale="92500" lnSpcReduction="10000"/>
+            <a:normAutofit/>
           </a:bodyPr>
           <a:lstStyle/>
           <a:p>
@@ -9630,75 +9638,24 @@
           <a:p>
             <a:pPr lvl="1"/>
             <a:r>
-              <a:rPr lang="en-US" dirty="0"/>
-              <a:t>Simple recovery model</a:t>
-            </a:r>
-          </a:p>
-          <a:p>
-            <a:pPr lvl="2"/>
-            <a:r>
-              <a:rPr lang="en-US" dirty="0"/>
-              <a:t>All changes logged, but can be discarded on commit</a:t>
-            </a:r>
-          </a:p>
-          <a:p>
-            <a:pPr lvl="2"/>
-            <a:r>
-              <a:rPr lang="en-US" dirty="0"/>
-              <a:t>Can only recover to the latest full backup</a:t>
-            </a:r>
+              <a:rPr lang="en-US" dirty="0" smtClean="0"/>
+              <a:t>Simple</a:t>
+            </a:r>
+            <a:endParaRPr lang="en-US" dirty="0"/>
           </a:p>
           <a:p>
             <a:pPr lvl="1"/>
             <a:r>
-              <a:rPr lang="en-US" dirty="0"/>
-              <a:t>Full recovery model</a:t>
-            </a:r>
-          </a:p>
-          <a:p>
-            <a:pPr lvl="2"/>
-            <a:r>
-              <a:rPr lang="en-US" dirty="0"/>
-              <a:t>Log records must be kept until log backup completed</a:t>
-            </a:r>
-          </a:p>
-          <a:p>
-            <a:pPr lvl="2"/>
-            <a:r>
-              <a:rPr lang="en-US" dirty="0"/>
-              <a:t>Can recover to an arbitrary point in time</a:t>
-            </a:r>
+              <a:rPr lang="en-US" dirty="0" smtClean="0"/>
+              <a:t>Full</a:t>
+            </a:r>
+            <a:endParaRPr lang="en-US" dirty="0"/>
           </a:p>
           <a:p>
             <a:pPr lvl="1"/>
             <a:r>
-              <a:rPr lang="en-US" dirty="0"/>
-              <a:t>Bulk-logged recovery model</a:t>
-            </a:r>
-          </a:p>
-          <a:p>
-            <a:pPr lvl="2"/>
-            <a:r>
-              <a:rPr lang="en-US" dirty="0"/>
-              <a:t>Similar to full model, but some changes are only “noted” rather than fully logged</a:t>
-            </a:r>
-          </a:p>
-          <a:p>
-            <a:pPr lvl="2"/>
-            <a:r>
-              <a:rPr lang="en-US" dirty="0"/>
-              <a:t>Log backups still include all changes</a:t>
-            </a:r>
-          </a:p>
-          <a:p>
-            <a:pPr lvl="2"/>
-            <a:r>
-              <a:rPr lang="en-US" dirty="0"/>
-              <a:t>Point-in-time recovery </a:t>
-            </a:r>
-            <a:r>
-              <a:rPr lang="en-US"/>
-              <a:t>not possible</a:t>
+              <a:rPr lang="en-US" dirty="0" smtClean="0"/>
+              <a:t>Bulk-logged</a:t>
             </a:r>
             <a:endParaRPr lang="en-US" dirty="0"/>
           </a:p>
@@ -9750,6 +9707,361 @@
           <a:lstStyle/>
           <a:p>
             <a:r>
+              <a:rPr lang="en-US" dirty="0" smtClean="0"/>
+              <a:t>Simple Recovery </a:t>
+            </a:r>
+            <a:r>
+              <a:rPr lang="en-US" dirty="0" smtClean="0"/>
+              <a:t>Model</a:t>
+            </a:r>
+            <a:endParaRPr lang="en-US" dirty="0"/>
+          </a:p>
+        </p:txBody>
+      </p:sp>
+      <p:sp>
+        <p:nvSpPr>
+          <p:cNvPr id="3" name="Content Placeholder 2"/>
+          <p:cNvSpPr>
+            <a:spLocks noGrp="1"/>
+          </p:cNvSpPr>
+          <p:nvPr>
+            <p:ph idx="1"/>
+          </p:nvPr>
+        </p:nvSpPr>
+        <p:spPr/>
+        <p:txBody>
+          <a:bodyPr>
+            <a:normAutofit/>
+          </a:bodyPr>
+          <a:lstStyle/>
+          <a:p>
+            <a:r>
+              <a:rPr lang="en-US" dirty="0" smtClean="0"/>
+              <a:t>Commonly used for test systems or low-volume production systems</a:t>
+            </a:r>
+          </a:p>
+          <a:p>
+            <a:pPr lvl="1"/>
+            <a:r>
+              <a:rPr lang="en-US" dirty="0" smtClean="0"/>
+              <a:t>What is your recovery point objective?</a:t>
+            </a:r>
+            <a:endParaRPr lang="en-US" dirty="0" smtClean="0"/>
+          </a:p>
+          <a:p>
+            <a:r>
+              <a:rPr lang="en-US" dirty="0" smtClean="0"/>
+              <a:t>All </a:t>
+            </a:r>
+            <a:r>
+              <a:rPr lang="en-US" dirty="0"/>
+              <a:t>changes logged, but can be </a:t>
+            </a:r>
+            <a:r>
+              <a:rPr lang="en-US" dirty="0" smtClean="0"/>
+              <a:t>“discarded” </a:t>
+            </a:r>
+            <a:r>
+              <a:rPr lang="en-US" dirty="0"/>
+              <a:t>on commit</a:t>
+            </a:r>
+          </a:p>
+          <a:p>
+            <a:r>
+              <a:rPr lang="en-US" dirty="0"/>
+              <a:t>Can only </a:t>
+            </a:r>
+            <a:r>
+              <a:rPr lang="en-US" dirty="0" smtClean="0"/>
+              <a:t>recover </a:t>
+            </a:r>
+            <a:r>
+              <a:rPr lang="en-US" dirty="0"/>
+              <a:t>to the latest full </a:t>
+            </a:r>
+            <a:r>
+              <a:rPr lang="en-US" dirty="0" smtClean="0"/>
+              <a:t>backup</a:t>
+            </a:r>
+            <a:endParaRPr lang="en-US" dirty="0"/>
+          </a:p>
+        </p:txBody>
+      </p:sp>
+    </p:spTree>
+    <p:extLst>
+      <p:ext uri="{BB962C8B-B14F-4D97-AF65-F5344CB8AC3E}">
+        <p14:creationId xmlns:p14="http://schemas.microsoft.com/office/powerpoint/2010/main" val="2301797226"/>
+      </p:ext>
+    </p:extLst>
+  </p:cSld>
+  <p:clrMapOvr>
+    <a:masterClrMapping/>
+  </p:clrMapOvr>
+</p:sld>
+</file>
+
+<file path=ppt/slides/slide35.xml><?xml version="1.0" encoding="utf-8"?>
+<p:sld xmlns:a="http://schemas.openxmlformats.org/drawingml/2006/main" xmlns:r="http://schemas.openxmlformats.org/officeDocument/2006/relationships" xmlns:p="http://schemas.openxmlformats.org/presentationml/2006/main">
+  <p:cSld>
+    <p:spTree>
+      <p:nvGrpSpPr>
+        <p:cNvPr id="1" name=""/>
+        <p:cNvGrpSpPr/>
+        <p:nvPr/>
+      </p:nvGrpSpPr>
+      <p:grpSpPr>
+        <a:xfrm>
+          <a:off x="0" y="0"/>
+          <a:ext cx="0" cy="0"/>
+          <a:chOff x="0" y="0"/>
+          <a:chExt cx="0" cy="0"/>
+        </a:xfrm>
+      </p:grpSpPr>
+      <p:sp>
+        <p:nvSpPr>
+          <p:cNvPr id="2" name="Title 1"/>
+          <p:cNvSpPr>
+            <a:spLocks noGrp="1"/>
+          </p:cNvSpPr>
+          <p:nvPr>
+            <p:ph type="title"/>
+          </p:nvPr>
+        </p:nvSpPr>
+        <p:spPr/>
+        <p:txBody>
+          <a:bodyPr/>
+          <a:lstStyle/>
+          <a:p>
+            <a:r>
+              <a:rPr lang="en-US" dirty="0" smtClean="0"/>
+              <a:t>Full Recovery </a:t>
+            </a:r>
+            <a:r>
+              <a:rPr lang="en-US" dirty="0" smtClean="0"/>
+              <a:t>Model</a:t>
+            </a:r>
+            <a:endParaRPr lang="en-US" dirty="0"/>
+          </a:p>
+        </p:txBody>
+      </p:sp>
+      <p:sp>
+        <p:nvSpPr>
+          <p:cNvPr id="3" name="Content Placeholder 2"/>
+          <p:cNvSpPr>
+            <a:spLocks noGrp="1"/>
+          </p:cNvSpPr>
+          <p:nvPr>
+            <p:ph idx="1"/>
+          </p:nvPr>
+        </p:nvSpPr>
+        <p:spPr/>
+        <p:txBody>
+          <a:bodyPr>
+            <a:normAutofit/>
+          </a:bodyPr>
+          <a:lstStyle/>
+          <a:p>
+            <a:r>
+              <a:rPr lang="en-US" dirty="0" smtClean="0"/>
+              <a:t>Probably the most common recovery model for production systems</a:t>
+            </a:r>
+          </a:p>
+          <a:p>
+            <a:pPr lvl="1"/>
+            <a:r>
+              <a:rPr lang="en-US" dirty="0"/>
+              <a:t>What is your recovery point objective</a:t>
+            </a:r>
+            <a:r>
+              <a:rPr lang="en-US" dirty="0" smtClean="0"/>
+              <a:t>?</a:t>
+            </a:r>
+            <a:endParaRPr lang="en-US" dirty="0" smtClean="0"/>
+          </a:p>
+          <a:p>
+            <a:r>
+              <a:rPr lang="en-US" dirty="0" smtClean="0"/>
+              <a:t>Log </a:t>
+            </a:r>
+            <a:r>
+              <a:rPr lang="en-US" dirty="0"/>
+              <a:t>records must be kept until log backup completed</a:t>
+            </a:r>
+          </a:p>
+          <a:p>
+            <a:r>
+              <a:rPr lang="en-US" dirty="0"/>
+              <a:t>Can recover to an arbitrary point in </a:t>
+            </a:r>
+            <a:r>
+              <a:rPr lang="en-US" dirty="0" smtClean="0"/>
+              <a:t>time</a:t>
+            </a:r>
+            <a:endParaRPr lang="en-US" dirty="0"/>
+          </a:p>
+        </p:txBody>
+      </p:sp>
+    </p:spTree>
+    <p:extLst>
+      <p:ext uri="{BB962C8B-B14F-4D97-AF65-F5344CB8AC3E}">
+        <p14:creationId xmlns:p14="http://schemas.microsoft.com/office/powerpoint/2010/main" val="933691385"/>
+      </p:ext>
+    </p:extLst>
+  </p:cSld>
+  <p:clrMapOvr>
+    <a:masterClrMapping/>
+  </p:clrMapOvr>
+</p:sld>
+</file>
+
+<file path=ppt/slides/slide36.xml><?xml version="1.0" encoding="utf-8"?>
+<p:sld xmlns:a="http://schemas.openxmlformats.org/drawingml/2006/main" xmlns:r="http://schemas.openxmlformats.org/officeDocument/2006/relationships" xmlns:p="http://schemas.openxmlformats.org/presentationml/2006/main">
+  <p:cSld>
+    <p:spTree>
+      <p:nvGrpSpPr>
+        <p:cNvPr id="1" name=""/>
+        <p:cNvGrpSpPr/>
+        <p:nvPr/>
+      </p:nvGrpSpPr>
+      <p:grpSpPr>
+        <a:xfrm>
+          <a:off x="0" y="0"/>
+          <a:ext cx="0" cy="0"/>
+          <a:chOff x="0" y="0"/>
+          <a:chExt cx="0" cy="0"/>
+        </a:xfrm>
+      </p:grpSpPr>
+      <p:sp>
+        <p:nvSpPr>
+          <p:cNvPr id="2" name="Title 1"/>
+          <p:cNvSpPr>
+            <a:spLocks noGrp="1"/>
+          </p:cNvSpPr>
+          <p:nvPr>
+            <p:ph type="title"/>
+          </p:nvPr>
+        </p:nvSpPr>
+        <p:spPr/>
+        <p:txBody>
+          <a:bodyPr/>
+          <a:lstStyle/>
+          <a:p>
+            <a:r>
+              <a:rPr lang="en-US" dirty="0" smtClean="0"/>
+              <a:t>Bulk-logged Recovery </a:t>
+            </a:r>
+            <a:r>
+              <a:rPr lang="en-US" dirty="0" smtClean="0"/>
+              <a:t>Model</a:t>
+            </a:r>
+            <a:endParaRPr lang="en-US" dirty="0"/>
+          </a:p>
+        </p:txBody>
+      </p:sp>
+      <p:sp>
+        <p:nvSpPr>
+          <p:cNvPr id="3" name="Content Placeholder 2"/>
+          <p:cNvSpPr>
+            <a:spLocks noGrp="1"/>
+          </p:cNvSpPr>
+          <p:nvPr>
+            <p:ph idx="1"/>
+          </p:nvPr>
+        </p:nvSpPr>
+        <p:spPr/>
+        <p:txBody>
+          <a:bodyPr>
+            <a:normAutofit/>
+          </a:bodyPr>
+          <a:lstStyle/>
+          <a:p>
+            <a:r>
+              <a:rPr lang="en-US" dirty="0" smtClean="0"/>
+              <a:t>Not frequently used, perhaps temporarily during maintenance windows</a:t>
+            </a:r>
+          </a:p>
+          <a:p>
+            <a:pPr lvl="1"/>
+            <a:r>
+              <a:rPr lang="en-US" dirty="0"/>
+              <a:t>What is your recovery point objective</a:t>
+            </a:r>
+            <a:r>
+              <a:rPr lang="en-US" dirty="0" smtClean="0"/>
+              <a:t>?</a:t>
+            </a:r>
+            <a:endParaRPr lang="en-US" dirty="0" smtClean="0"/>
+          </a:p>
+          <a:p>
+            <a:r>
+              <a:rPr lang="en-US" dirty="0" smtClean="0"/>
+              <a:t>Similar </a:t>
+            </a:r>
+            <a:r>
+              <a:rPr lang="en-US" dirty="0"/>
+              <a:t>to full model, but some changes are only “noted” rather than fully logged</a:t>
+            </a:r>
+          </a:p>
+          <a:p>
+            <a:r>
+              <a:rPr lang="en-US" dirty="0"/>
+              <a:t>Log backups still include all changes</a:t>
+            </a:r>
+          </a:p>
+          <a:p>
+            <a:r>
+              <a:rPr lang="en-US" dirty="0"/>
+              <a:t>Point-in-time recovery not possible</a:t>
+            </a:r>
+          </a:p>
+        </p:txBody>
+      </p:sp>
+    </p:spTree>
+    <p:extLst>
+      <p:ext uri="{BB962C8B-B14F-4D97-AF65-F5344CB8AC3E}">
+        <p14:creationId xmlns:p14="http://schemas.microsoft.com/office/powerpoint/2010/main" val="3984488222"/>
+      </p:ext>
+    </p:extLst>
+  </p:cSld>
+  <p:clrMapOvr>
+    <a:masterClrMapping/>
+  </p:clrMapOvr>
+</p:sld>
+</file>
+
+<file path=ppt/slides/slide37.xml><?xml version="1.0" encoding="utf-8"?>
+<p:sld xmlns:a="http://schemas.openxmlformats.org/drawingml/2006/main" xmlns:r="http://schemas.openxmlformats.org/officeDocument/2006/relationships" xmlns:p="http://schemas.openxmlformats.org/presentationml/2006/main">
+  <p:cSld>
+    <p:spTree>
+      <p:nvGrpSpPr>
+        <p:cNvPr id="1" name=""/>
+        <p:cNvGrpSpPr/>
+        <p:nvPr/>
+      </p:nvGrpSpPr>
+      <p:grpSpPr>
+        <a:xfrm>
+          <a:off x="0" y="0"/>
+          <a:ext cx="0" cy="0"/>
+          <a:chOff x="0" y="0"/>
+          <a:chExt cx="0" cy="0"/>
+        </a:xfrm>
+      </p:grpSpPr>
+      <p:sp>
+        <p:nvSpPr>
+          <p:cNvPr id="2" name="Title 1"/>
+          <p:cNvSpPr>
+            <a:spLocks noGrp="1"/>
+          </p:cNvSpPr>
+          <p:nvPr>
+            <p:ph type="title"/>
+          </p:nvPr>
+        </p:nvSpPr>
+        <p:spPr/>
+        <p:txBody>
+          <a:bodyPr/>
+          <a:lstStyle/>
+          <a:p>
+            <a:r>
               <a:rPr lang="en-US" dirty="0"/>
               <a:t>Clearing the Log</a:t>
             </a:r>
@@ -10047,7 +10359,7 @@
 </p:sld>
 </file>
 
-<file path=ppt/slides/slide35.xml><?xml version="1.0" encoding="utf-8"?>
+<file path=ppt/slides/slide38.xml><?xml version="1.0" encoding="utf-8"?>
 <p:sld xmlns:a="http://schemas.openxmlformats.org/drawingml/2006/main" xmlns:r="http://schemas.openxmlformats.org/officeDocument/2006/relationships" xmlns:p="http://schemas.openxmlformats.org/presentationml/2006/main">
   <p:cSld>
     <p:spTree>
@@ -10163,7 +10475,7 @@
 </p:sld>
 </file>
 
-<file path=ppt/slides/slide36.xml><?xml version="1.0" encoding="utf-8"?>
+<file path=ppt/slides/slide39.xml><?xml version="1.0" encoding="utf-8"?>
 <p:sld xmlns:a="http://schemas.openxmlformats.org/drawingml/2006/main" xmlns:r="http://schemas.openxmlformats.org/officeDocument/2006/relationships" xmlns:p="http://schemas.openxmlformats.org/presentationml/2006/main">
   <p:cSld>
     <p:spTree>
@@ -10283,7 +10595,152 @@
 </p:sld>
 </file>
 
-<file path=ppt/slides/slide37.xml><?xml version="1.0" encoding="utf-8"?>
+<file path=ppt/slides/slide4.xml><?xml version="1.0" encoding="utf-8"?>
+<p:sld xmlns:a="http://schemas.openxmlformats.org/drawingml/2006/main" xmlns:r="http://schemas.openxmlformats.org/officeDocument/2006/relationships" xmlns:p="http://schemas.openxmlformats.org/presentationml/2006/main">
+  <p:cSld>
+    <p:spTree>
+      <p:nvGrpSpPr>
+        <p:cNvPr id="1" name=""/>
+        <p:cNvGrpSpPr/>
+        <p:nvPr/>
+      </p:nvGrpSpPr>
+      <p:grpSpPr>
+        <a:xfrm>
+          <a:off x="0" y="0"/>
+          <a:ext cx="0" cy="0"/>
+          <a:chOff x="0" y="0"/>
+          <a:chExt cx="0" cy="0"/>
+        </a:xfrm>
+      </p:grpSpPr>
+      <p:sp>
+        <p:nvSpPr>
+          <p:cNvPr id="2" name="Title 1"/>
+          <p:cNvSpPr>
+            <a:spLocks noGrp="1"/>
+          </p:cNvSpPr>
+          <p:nvPr>
+            <p:ph type="title"/>
+          </p:nvPr>
+        </p:nvSpPr>
+        <p:spPr/>
+        <p:txBody>
+          <a:bodyPr/>
+          <a:lstStyle/>
+          <a:p>
+            <a:r>
+              <a:rPr lang="en-US" dirty="0"/>
+              <a:t>Purpose of the Transaction Log</a:t>
+            </a:r>
+          </a:p>
+        </p:txBody>
+      </p:sp>
+      <p:sp>
+        <p:nvSpPr>
+          <p:cNvPr id="3" name="Content Placeholder 2"/>
+          <p:cNvSpPr>
+            <a:spLocks noGrp="1"/>
+          </p:cNvSpPr>
+          <p:nvPr>
+            <p:ph idx="1"/>
+          </p:nvPr>
+        </p:nvSpPr>
+        <p:spPr/>
+        <p:txBody>
+          <a:bodyPr>
+            <a:normAutofit fontScale="92500" lnSpcReduction="10000"/>
+          </a:bodyPr>
+          <a:lstStyle/>
+          <a:p>
+            <a:r>
+              <a:rPr lang="en-US" dirty="0"/>
+              <a:t>Primary purposes</a:t>
+            </a:r>
+          </a:p>
+          <a:p>
+            <a:pPr lvl="1"/>
+            <a:r>
+              <a:rPr lang="en-US" dirty="0"/>
+              <a:t>Durability</a:t>
+            </a:r>
+          </a:p>
+          <a:p>
+            <a:pPr lvl="2"/>
+            <a:r>
+              <a:rPr lang="en-US" dirty="0"/>
+              <a:t>Write-ahead logging</a:t>
+            </a:r>
+          </a:p>
+          <a:p>
+            <a:pPr lvl="2"/>
+            <a:r>
+              <a:rPr lang="en-US" dirty="0"/>
+              <a:t>Crash recovery / restore operations</a:t>
+            </a:r>
+          </a:p>
+          <a:p>
+            <a:pPr lvl="1"/>
+            <a:r>
+              <a:rPr lang="en-US" dirty="0"/>
+              <a:t>Atomicity</a:t>
+            </a:r>
+          </a:p>
+          <a:p>
+            <a:pPr lvl="1"/>
+            <a:r>
+              <a:rPr lang="en-US" dirty="0"/>
+              <a:t>Thought experiment</a:t>
+            </a:r>
+          </a:p>
+          <a:p>
+            <a:pPr lvl="2"/>
+            <a:r>
+              <a:rPr lang="en-US" dirty="0"/>
+              <a:t>What would SQL be like without a transaction log?</a:t>
+            </a:r>
+          </a:p>
+          <a:p>
+            <a:r>
+              <a:rPr lang="en-US" dirty="0"/>
+              <a:t>Secondary purposes</a:t>
+            </a:r>
+          </a:p>
+          <a:p>
+            <a:pPr lvl="1"/>
+            <a:r>
+              <a:rPr lang="en-US" dirty="0"/>
+              <a:t>Log reader (replication, CDC)</a:t>
+            </a:r>
+          </a:p>
+          <a:p>
+            <a:pPr lvl="1"/>
+            <a:r>
+              <a:rPr lang="en-US" dirty="0"/>
+              <a:t>Mirroring / Availability Groups / log shipping</a:t>
+            </a:r>
+          </a:p>
+          <a:p>
+            <a:pPr lvl="1"/>
+            <a:r>
+              <a:rPr lang="en-US" dirty="0"/>
+              <a:t>Snapshots</a:t>
+            </a:r>
+          </a:p>
+        </p:txBody>
+      </p:sp>
+    </p:spTree>
+    <p:extLst>
+      <p:ext uri="{BB962C8B-B14F-4D97-AF65-F5344CB8AC3E}">
+        <p14:creationId xmlns:p14="http://schemas.microsoft.com/office/powerpoint/2010/main" val="1146920383"/>
+      </p:ext>
+    </p:extLst>
+  </p:cSld>
+  <p:clrMapOvr>
+    <a:masterClrMapping/>
+  </p:clrMapOvr>
+</p:sld>
+</file>
+
+<file path=ppt/slides/slide40.xml><?xml version="1.0" encoding="utf-8"?>
 <p:sld xmlns:a="http://schemas.openxmlformats.org/drawingml/2006/main" xmlns:r="http://schemas.openxmlformats.org/officeDocument/2006/relationships" xmlns:p="http://schemas.openxmlformats.org/presentationml/2006/main">
   <p:cSld>
     <p:spTree>
@@ -10398,7 +10855,7 @@
 </p:sld>
 </file>
 
-<file path=ppt/slides/slide38.xml><?xml version="1.0" encoding="utf-8"?>
+<file path=ppt/slides/slide41.xml><?xml version="1.0" encoding="utf-8"?>
 <p:sld xmlns:a="http://schemas.openxmlformats.org/drawingml/2006/main" xmlns:r="http://schemas.openxmlformats.org/officeDocument/2006/relationships" xmlns:p="http://schemas.openxmlformats.org/presentationml/2006/main">
   <p:cSld>
     <p:spTree>
@@ -10507,7 +10964,7 @@
 </p:sld>
 </file>
 
-<file path=ppt/slides/slide39.xml><?xml version="1.0" encoding="utf-8"?>
+<file path=ppt/slides/slide42.xml><?xml version="1.0" encoding="utf-8"?>
 <p:sld xmlns:a="http://schemas.openxmlformats.org/drawingml/2006/main" xmlns:r="http://schemas.openxmlformats.org/officeDocument/2006/relationships" xmlns:p="http://schemas.openxmlformats.org/presentationml/2006/main">
   <p:cSld>
     <p:spTree>
@@ -10616,152 +11073,7 @@
 </p:sld>
 </file>
 
-<file path=ppt/slides/slide4.xml><?xml version="1.0" encoding="utf-8"?>
-<p:sld xmlns:a="http://schemas.openxmlformats.org/drawingml/2006/main" xmlns:r="http://schemas.openxmlformats.org/officeDocument/2006/relationships" xmlns:p="http://schemas.openxmlformats.org/presentationml/2006/main">
-  <p:cSld>
-    <p:spTree>
-      <p:nvGrpSpPr>
-        <p:cNvPr id="1" name=""/>
-        <p:cNvGrpSpPr/>
-        <p:nvPr/>
-      </p:nvGrpSpPr>
-      <p:grpSpPr>
-        <a:xfrm>
-          <a:off x="0" y="0"/>
-          <a:ext cx="0" cy="0"/>
-          <a:chOff x="0" y="0"/>
-          <a:chExt cx="0" cy="0"/>
-        </a:xfrm>
-      </p:grpSpPr>
-      <p:sp>
-        <p:nvSpPr>
-          <p:cNvPr id="2" name="Title 1"/>
-          <p:cNvSpPr>
-            <a:spLocks noGrp="1"/>
-          </p:cNvSpPr>
-          <p:nvPr>
-            <p:ph type="title"/>
-          </p:nvPr>
-        </p:nvSpPr>
-        <p:spPr/>
-        <p:txBody>
-          <a:bodyPr/>
-          <a:lstStyle/>
-          <a:p>
-            <a:r>
-              <a:rPr lang="en-US" dirty="0"/>
-              <a:t>Purpose of the Transaction Log</a:t>
-            </a:r>
-          </a:p>
-        </p:txBody>
-      </p:sp>
-      <p:sp>
-        <p:nvSpPr>
-          <p:cNvPr id="3" name="Content Placeholder 2"/>
-          <p:cNvSpPr>
-            <a:spLocks noGrp="1"/>
-          </p:cNvSpPr>
-          <p:nvPr>
-            <p:ph idx="1"/>
-          </p:nvPr>
-        </p:nvSpPr>
-        <p:spPr/>
-        <p:txBody>
-          <a:bodyPr>
-            <a:normAutofit fontScale="92500" lnSpcReduction="10000"/>
-          </a:bodyPr>
-          <a:lstStyle/>
-          <a:p>
-            <a:r>
-              <a:rPr lang="en-US" dirty="0"/>
-              <a:t>Primary purposes</a:t>
-            </a:r>
-          </a:p>
-          <a:p>
-            <a:pPr lvl="1"/>
-            <a:r>
-              <a:rPr lang="en-US" dirty="0"/>
-              <a:t>Durability</a:t>
-            </a:r>
-          </a:p>
-          <a:p>
-            <a:pPr lvl="2"/>
-            <a:r>
-              <a:rPr lang="en-US" dirty="0"/>
-              <a:t>Write-ahead logging</a:t>
-            </a:r>
-          </a:p>
-          <a:p>
-            <a:pPr lvl="2"/>
-            <a:r>
-              <a:rPr lang="en-US" dirty="0"/>
-              <a:t>Crash recovery / restore operations</a:t>
-            </a:r>
-          </a:p>
-          <a:p>
-            <a:pPr lvl="1"/>
-            <a:r>
-              <a:rPr lang="en-US" dirty="0"/>
-              <a:t>Atomicity</a:t>
-            </a:r>
-          </a:p>
-          <a:p>
-            <a:pPr lvl="1"/>
-            <a:r>
-              <a:rPr lang="en-US" dirty="0"/>
-              <a:t>Thought experiment</a:t>
-            </a:r>
-          </a:p>
-          <a:p>
-            <a:pPr lvl="2"/>
-            <a:r>
-              <a:rPr lang="en-US" dirty="0"/>
-              <a:t>What would SQL be like without a transaction log?</a:t>
-            </a:r>
-          </a:p>
-          <a:p>
-            <a:r>
-              <a:rPr lang="en-US" dirty="0"/>
-              <a:t>Secondary purposes</a:t>
-            </a:r>
-          </a:p>
-          <a:p>
-            <a:pPr lvl="1"/>
-            <a:r>
-              <a:rPr lang="en-US" dirty="0"/>
-              <a:t>Log reader (replication, CDC)</a:t>
-            </a:r>
-          </a:p>
-          <a:p>
-            <a:pPr lvl="1"/>
-            <a:r>
-              <a:rPr lang="en-US" dirty="0"/>
-              <a:t>Mirroring / Availability Groups / log shipping</a:t>
-            </a:r>
-          </a:p>
-          <a:p>
-            <a:pPr lvl="1"/>
-            <a:r>
-              <a:rPr lang="en-US" dirty="0"/>
-              <a:t>Snapshots</a:t>
-            </a:r>
-          </a:p>
-        </p:txBody>
-      </p:sp>
-    </p:spTree>
-    <p:extLst>
-      <p:ext uri="{BB962C8B-B14F-4D97-AF65-F5344CB8AC3E}">
-        <p14:creationId xmlns:p14="http://schemas.microsoft.com/office/powerpoint/2010/main" val="1146920383"/>
-      </p:ext>
-    </p:extLst>
-  </p:cSld>
-  <p:clrMapOvr>
-    <a:masterClrMapping/>
-  </p:clrMapOvr>
-</p:sld>
-</file>
-
-<file path=ppt/slides/slide40.xml><?xml version="1.0" encoding="utf-8"?>
+<file path=ppt/slides/slide43.xml><?xml version="1.0" encoding="utf-8"?>
 <p:sld xmlns:a="http://schemas.openxmlformats.org/drawingml/2006/main" xmlns:r="http://schemas.openxmlformats.org/officeDocument/2006/relationships" xmlns:p="http://schemas.openxmlformats.org/presentationml/2006/main">
   <p:cSld>
     <p:spTree>
@@ -10864,7 +11176,7 @@
 </p:sld>
 </file>
 
-<file path=ppt/slides/slide41.xml><?xml version="1.0" encoding="utf-8"?>
+<file path=ppt/slides/slide44.xml><?xml version="1.0" encoding="utf-8"?>
 <p:sld xmlns:a="http://schemas.openxmlformats.org/drawingml/2006/main" xmlns:r="http://schemas.openxmlformats.org/officeDocument/2006/relationships" xmlns:p="http://schemas.openxmlformats.org/presentationml/2006/main">
   <p:cSld>
     <p:spTree>
@@ -10967,7 +11279,7 @@
 </p:sld>
 </file>
 
-<file path=ppt/slides/slide42.xml><?xml version="1.0" encoding="utf-8"?>
+<file path=ppt/slides/slide45.xml><?xml version="1.0" encoding="utf-8"?>
 <p:sld xmlns:a="http://schemas.openxmlformats.org/drawingml/2006/main" xmlns:r="http://schemas.openxmlformats.org/officeDocument/2006/relationships" xmlns:p="http://schemas.openxmlformats.org/presentationml/2006/main">
   <p:cSld>
     <p:spTree>
@@ -11063,7 +11375,7 @@
 </p:sld>
 </file>
 
-<file path=ppt/slides/slide43.xml><?xml version="1.0" encoding="utf-8"?>
+<file path=ppt/slides/slide46.xml><?xml version="1.0" encoding="utf-8"?>
 <p:sld xmlns:a="http://schemas.openxmlformats.org/drawingml/2006/main" xmlns:r="http://schemas.openxmlformats.org/officeDocument/2006/relationships" xmlns:p="http://schemas.openxmlformats.org/presentationml/2006/main">
   <p:cSld>
     <p:spTree>
@@ -11164,7 +11476,7 @@
 </p:sld>
 </file>
 
-<file path=ppt/slides/slide44.xml><?xml version="1.0" encoding="utf-8"?>
+<file path=ppt/slides/slide47.xml><?xml version="1.0" encoding="utf-8"?>
 <p:sld xmlns:a="http://schemas.openxmlformats.org/drawingml/2006/main" xmlns:r="http://schemas.openxmlformats.org/officeDocument/2006/relationships" xmlns:p="http://schemas.openxmlformats.org/presentationml/2006/main">
   <p:cSld>
     <p:spTree>
@@ -11628,7 +11940,7 @@
 </p:sld>
 </file>
 
-<file path=ppt/slides/slide45.xml><?xml version="1.0" encoding="utf-8"?>
+<file path=ppt/slides/slide48.xml><?xml version="1.0" encoding="utf-8"?>
 <p:sld xmlns:a="http://schemas.openxmlformats.org/drawingml/2006/main" xmlns:r="http://schemas.openxmlformats.org/officeDocument/2006/relationships" xmlns:p="http://schemas.openxmlformats.org/presentationml/2006/main">
   <p:cSld>
     <p:spTree>
@@ -11746,7 +12058,7 @@
 </p:sld>
 </file>
 
-<file path=ppt/slides/slide46.xml><?xml version="1.0" encoding="utf-8"?>
+<file path=ppt/slides/slide49.xml><?xml version="1.0" encoding="utf-8"?>
 <p:sld xmlns:a="http://schemas.openxmlformats.org/drawingml/2006/main" xmlns:r="http://schemas.openxmlformats.org/officeDocument/2006/relationships" xmlns:p="http://schemas.openxmlformats.org/presentationml/2006/main">
   <p:cSld>
     <p:spTree>
@@ -11870,7 +12182,137 @@
 </p:sld>
 </file>
 
-<file path=ppt/slides/slide47.xml><?xml version="1.0" encoding="utf-8"?>
+<file path=ppt/slides/slide5.xml><?xml version="1.0" encoding="utf-8"?>
+<p:sld xmlns:a="http://schemas.openxmlformats.org/drawingml/2006/main" xmlns:r="http://schemas.openxmlformats.org/officeDocument/2006/relationships" xmlns:p="http://schemas.openxmlformats.org/presentationml/2006/main">
+  <p:cSld>
+    <p:spTree>
+      <p:nvGrpSpPr>
+        <p:cNvPr id="1" name=""/>
+        <p:cNvGrpSpPr/>
+        <p:nvPr/>
+      </p:nvGrpSpPr>
+      <p:grpSpPr>
+        <a:xfrm>
+          <a:off x="0" y="0"/>
+          <a:ext cx="0" cy="0"/>
+          <a:chOff x="0" y="0"/>
+          <a:chExt cx="0" cy="0"/>
+        </a:xfrm>
+      </p:grpSpPr>
+      <p:sp>
+        <p:nvSpPr>
+          <p:cNvPr id="2" name="Title 1"/>
+          <p:cNvSpPr>
+            <a:spLocks noGrp="1"/>
+          </p:cNvSpPr>
+          <p:nvPr>
+            <p:ph type="title"/>
+          </p:nvPr>
+        </p:nvSpPr>
+        <p:spPr/>
+        <p:txBody>
+          <a:bodyPr/>
+          <a:lstStyle/>
+          <a:p>
+            <a:r>
+              <a:rPr lang="en-US" dirty="0"/>
+              <a:t>What Goes in the Transaction Log?</a:t>
+            </a:r>
+          </a:p>
+        </p:txBody>
+      </p:sp>
+      <p:sp>
+        <p:nvSpPr>
+          <p:cNvPr id="3" name="Content Placeholder 2"/>
+          <p:cNvSpPr>
+            <a:spLocks noGrp="1"/>
+          </p:cNvSpPr>
+          <p:nvPr>
+            <p:ph idx="1"/>
+          </p:nvPr>
+        </p:nvSpPr>
+        <p:spPr/>
+        <p:txBody>
+          <a:bodyPr/>
+          <a:lstStyle/>
+          <a:p>
+            <a:r>
+              <a:rPr lang="en-US" u="sng" dirty="0"/>
+              <a:t>Everything</a:t>
+            </a:r>
+            <a:r>
+              <a:rPr lang="en-US" dirty="0"/>
+              <a:t> that modifies the state </a:t>
+            </a:r>
+            <a:r>
+              <a:rPr lang="en-US" u="sng" dirty="0"/>
+              <a:t>any</a:t>
+            </a:r>
+            <a:r>
+              <a:rPr lang="en-US" dirty="0"/>
+              <a:t> database in SQL</a:t>
+            </a:r>
+          </a:p>
+          <a:p>
+            <a:pPr lvl="1"/>
+            <a:r>
+              <a:rPr lang="en-US" dirty="0"/>
+              <a:t>Includes data to </a:t>
+            </a:r>
+            <a:r>
+              <a:rPr lang="en-US" b="1" dirty="0"/>
+              <a:t>redo</a:t>
+            </a:r>
+            <a:r>
+              <a:rPr lang="en-US" dirty="0"/>
+              <a:t> an operation</a:t>
+            </a:r>
+          </a:p>
+          <a:p>
+            <a:pPr lvl="1"/>
+            <a:r>
+              <a:rPr lang="en-US" dirty="0"/>
+              <a:t>Includes data to </a:t>
+            </a:r>
+            <a:r>
+              <a:rPr lang="en-US" b="1" dirty="0"/>
+              <a:t>undo</a:t>
+            </a:r>
+            <a:r>
+              <a:rPr lang="en-US" dirty="0"/>
+              <a:t> an operation</a:t>
+            </a:r>
+          </a:p>
+          <a:p>
+            <a:r>
+              <a:rPr lang="en-US" sz="2400" dirty="0"/>
+              <a:t>Very limited exceptions for some </a:t>
+            </a:r>
+            <a:r>
+              <a:rPr lang="en-US" sz="2400" dirty="0" err="1"/>
+              <a:t>tempdb</a:t>
+            </a:r>
+            <a:r>
+              <a:rPr lang="en-US" sz="2400" dirty="0"/>
+              <a:t> operations</a:t>
+            </a:r>
+          </a:p>
+        </p:txBody>
+      </p:sp>
+    </p:spTree>
+    <p:extLst>
+      <p:ext uri="{BB962C8B-B14F-4D97-AF65-F5344CB8AC3E}">
+        <p14:creationId xmlns:p14="http://schemas.microsoft.com/office/powerpoint/2010/main" val="1907664427"/>
+      </p:ext>
+    </p:extLst>
+  </p:cSld>
+  <p:clrMapOvr>
+    <a:masterClrMapping/>
+  </p:clrMapOvr>
+</p:sld>
+</file>
+
+<file path=ppt/slides/slide50.xml><?xml version="1.0" encoding="utf-8"?>
 <p:sld xmlns:a="http://schemas.openxmlformats.org/drawingml/2006/main" xmlns:r="http://schemas.openxmlformats.org/officeDocument/2006/relationships" xmlns:p="http://schemas.openxmlformats.org/presentationml/2006/main">
   <p:cSld>
     <p:spTree>
@@ -11971,7 +12413,7 @@
 </p:sld>
 </file>
 
-<file path=ppt/slides/slide48.xml><?xml version="1.0" encoding="utf-8"?>
+<file path=ppt/slides/slide51.xml><?xml version="1.0" encoding="utf-8"?>
 <p:sld xmlns:a="http://schemas.openxmlformats.org/drawingml/2006/main" xmlns:r="http://schemas.openxmlformats.org/officeDocument/2006/relationships" xmlns:p="http://schemas.openxmlformats.org/presentationml/2006/main">
   <p:cSld>
     <p:spTree>
@@ -12203,7 +12645,7 @@
 </p:sld>
 </file>
 
-<file path=ppt/slides/slide49.xml><?xml version="1.0" encoding="utf-8"?>
+<file path=ppt/slides/slide52.xml><?xml version="1.0" encoding="utf-8"?>
 <p:sld xmlns:a="http://schemas.openxmlformats.org/drawingml/2006/main" xmlns:r="http://schemas.openxmlformats.org/officeDocument/2006/relationships" xmlns:p="http://schemas.openxmlformats.org/presentationml/2006/main">
   <p:cSld>
     <p:spTree>
@@ -12342,136 +12784,6 @@
     <p:extLst>
       <p:ext uri="{BB962C8B-B14F-4D97-AF65-F5344CB8AC3E}">
         <p14:creationId xmlns:p14="http://schemas.microsoft.com/office/powerpoint/2010/main" val="340294112"/>
-      </p:ext>
-    </p:extLst>
-  </p:cSld>
-  <p:clrMapOvr>
-    <a:masterClrMapping/>
-  </p:clrMapOvr>
-</p:sld>
-</file>
-
-<file path=ppt/slides/slide5.xml><?xml version="1.0" encoding="utf-8"?>
-<p:sld xmlns:a="http://schemas.openxmlformats.org/drawingml/2006/main" xmlns:r="http://schemas.openxmlformats.org/officeDocument/2006/relationships" xmlns:p="http://schemas.openxmlformats.org/presentationml/2006/main">
-  <p:cSld>
-    <p:spTree>
-      <p:nvGrpSpPr>
-        <p:cNvPr id="1" name=""/>
-        <p:cNvGrpSpPr/>
-        <p:nvPr/>
-      </p:nvGrpSpPr>
-      <p:grpSpPr>
-        <a:xfrm>
-          <a:off x="0" y="0"/>
-          <a:ext cx="0" cy="0"/>
-          <a:chOff x="0" y="0"/>
-          <a:chExt cx="0" cy="0"/>
-        </a:xfrm>
-      </p:grpSpPr>
-      <p:sp>
-        <p:nvSpPr>
-          <p:cNvPr id="2" name="Title 1"/>
-          <p:cNvSpPr>
-            <a:spLocks noGrp="1"/>
-          </p:cNvSpPr>
-          <p:nvPr>
-            <p:ph type="title"/>
-          </p:nvPr>
-        </p:nvSpPr>
-        <p:spPr/>
-        <p:txBody>
-          <a:bodyPr/>
-          <a:lstStyle/>
-          <a:p>
-            <a:r>
-              <a:rPr lang="en-US" dirty="0"/>
-              <a:t>What Goes in the Transaction Log?</a:t>
-            </a:r>
-          </a:p>
-        </p:txBody>
-      </p:sp>
-      <p:sp>
-        <p:nvSpPr>
-          <p:cNvPr id="3" name="Content Placeholder 2"/>
-          <p:cNvSpPr>
-            <a:spLocks noGrp="1"/>
-          </p:cNvSpPr>
-          <p:nvPr>
-            <p:ph idx="1"/>
-          </p:nvPr>
-        </p:nvSpPr>
-        <p:spPr/>
-        <p:txBody>
-          <a:bodyPr/>
-          <a:lstStyle/>
-          <a:p>
-            <a:r>
-              <a:rPr lang="en-US" u="sng" dirty="0"/>
-              <a:t>Everything</a:t>
-            </a:r>
-            <a:r>
-              <a:rPr lang="en-US" dirty="0"/>
-              <a:t> that modifies the state </a:t>
-            </a:r>
-            <a:r>
-              <a:rPr lang="en-US" u="sng" dirty="0"/>
-              <a:t>any</a:t>
-            </a:r>
-            <a:r>
-              <a:rPr lang="en-US" dirty="0"/>
-              <a:t> database in SQL</a:t>
-            </a:r>
-          </a:p>
-          <a:p>
-            <a:pPr lvl="1"/>
-            <a:r>
-              <a:rPr lang="en-US" dirty="0"/>
-              <a:t>Includes data to </a:t>
-            </a:r>
-            <a:r>
-              <a:rPr lang="en-US" b="1" dirty="0"/>
-              <a:t>redo</a:t>
-            </a:r>
-            <a:r>
-              <a:rPr lang="en-US" dirty="0"/>
-              <a:t> an operation</a:t>
-            </a:r>
-          </a:p>
-          <a:p>
-            <a:pPr lvl="1"/>
-            <a:r>
-              <a:rPr lang="en-US" dirty="0"/>
-              <a:t>Includes data to </a:t>
-            </a:r>
-            <a:r>
-              <a:rPr lang="en-US" b="1" dirty="0"/>
-              <a:t>undo</a:t>
-            </a:r>
-            <a:r>
-              <a:rPr lang="en-US" dirty="0"/>
-              <a:t> an operation</a:t>
-            </a:r>
-          </a:p>
-          <a:p>
-            <a:r>
-              <a:rPr lang="en-US" sz="2400" dirty="0"/>
-              <a:t>Very limited exceptions for some </a:t>
-            </a:r>
-            <a:r>
-              <a:rPr lang="en-US" sz="2400" dirty="0" err="1"/>
-              <a:t>tempdb</a:t>
-            </a:r>
-            <a:r>
-              <a:rPr lang="en-US" sz="2400" dirty="0"/>
-              <a:t> operations</a:t>
-            </a:r>
-          </a:p>
-        </p:txBody>
-      </p:sp>
-    </p:spTree>
-    <p:extLst>
-      <p:ext uri="{BB962C8B-B14F-4D97-AF65-F5344CB8AC3E}">
-        <p14:creationId xmlns:p14="http://schemas.microsoft.com/office/powerpoint/2010/main" val="1907664427"/>
       </p:ext>
     </p:extLst>
   </p:cSld>

--- a/TransactionLog.pptx
+++ b/TransactionLog.pptx
@@ -5,61 +5,62 @@
     <p:sldMasterId id="2147483648" r:id="rId1"/>
   </p:sldMasterIdLst>
   <p:notesMasterIdLst>
-    <p:notesMasterId r:id="rId54"/>
+    <p:notesMasterId r:id="rId55"/>
   </p:notesMasterIdLst>
   <p:sldIdLst>
     <p:sldId id="328" r:id="rId2"/>
-    <p:sldId id="259" r:id="rId3"/>
-    <p:sldId id="329" r:id="rId4"/>
-    <p:sldId id="330" r:id="rId5"/>
-    <p:sldId id="331" r:id="rId6"/>
-    <p:sldId id="360" r:id="rId7"/>
-    <p:sldId id="332" r:id="rId8"/>
-    <p:sldId id="333" r:id="rId9"/>
-    <p:sldId id="334" r:id="rId10"/>
-    <p:sldId id="335" r:id="rId11"/>
-    <p:sldId id="339" r:id="rId12"/>
-    <p:sldId id="336" r:id="rId13"/>
-    <p:sldId id="337" r:id="rId14"/>
-    <p:sldId id="338" r:id="rId15"/>
-    <p:sldId id="340" r:id="rId16"/>
-    <p:sldId id="341" r:id="rId17"/>
-    <p:sldId id="342" r:id="rId18"/>
-    <p:sldId id="343" r:id="rId19"/>
-    <p:sldId id="344" r:id="rId20"/>
-    <p:sldId id="345" r:id="rId21"/>
-    <p:sldId id="346" r:id="rId22"/>
-    <p:sldId id="348" r:id="rId23"/>
-    <p:sldId id="364" r:id="rId24"/>
-    <p:sldId id="349" r:id="rId25"/>
-    <p:sldId id="362" r:id="rId26"/>
-    <p:sldId id="350" r:id="rId27"/>
-    <p:sldId id="363" r:id="rId28"/>
-    <p:sldId id="351" r:id="rId29"/>
-    <p:sldId id="354" r:id="rId30"/>
-    <p:sldId id="356" r:id="rId31"/>
-    <p:sldId id="361" r:id="rId32"/>
-    <p:sldId id="353" r:id="rId33"/>
-    <p:sldId id="352" r:id="rId34"/>
-    <p:sldId id="378" r:id="rId35"/>
-    <p:sldId id="379" r:id="rId36"/>
-    <p:sldId id="380" r:id="rId37"/>
-    <p:sldId id="355" r:id="rId38"/>
-    <p:sldId id="366" r:id="rId39"/>
-    <p:sldId id="368" r:id="rId40"/>
-    <p:sldId id="369" r:id="rId41"/>
-    <p:sldId id="373" r:id="rId42"/>
-    <p:sldId id="374" r:id="rId43"/>
-    <p:sldId id="375" r:id="rId44"/>
-    <p:sldId id="376" r:id="rId45"/>
-    <p:sldId id="377" r:id="rId46"/>
-    <p:sldId id="372" r:id="rId47"/>
-    <p:sldId id="357" r:id="rId48"/>
-    <p:sldId id="359" r:id="rId49"/>
-    <p:sldId id="365" r:id="rId50"/>
-    <p:sldId id="367" r:id="rId51"/>
-    <p:sldId id="370" r:id="rId52"/>
-    <p:sldId id="371" r:id="rId53"/>
+    <p:sldId id="381" r:id="rId3"/>
+    <p:sldId id="259" r:id="rId4"/>
+    <p:sldId id="329" r:id="rId5"/>
+    <p:sldId id="330" r:id="rId6"/>
+    <p:sldId id="331" r:id="rId7"/>
+    <p:sldId id="360" r:id="rId8"/>
+    <p:sldId id="332" r:id="rId9"/>
+    <p:sldId id="333" r:id="rId10"/>
+    <p:sldId id="334" r:id="rId11"/>
+    <p:sldId id="335" r:id="rId12"/>
+    <p:sldId id="339" r:id="rId13"/>
+    <p:sldId id="336" r:id="rId14"/>
+    <p:sldId id="337" r:id="rId15"/>
+    <p:sldId id="338" r:id="rId16"/>
+    <p:sldId id="340" r:id="rId17"/>
+    <p:sldId id="341" r:id="rId18"/>
+    <p:sldId id="342" r:id="rId19"/>
+    <p:sldId id="343" r:id="rId20"/>
+    <p:sldId id="344" r:id="rId21"/>
+    <p:sldId id="345" r:id="rId22"/>
+    <p:sldId id="346" r:id="rId23"/>
+    <p:sldId id="348" r:id="rId24"/>
+    <p:sldId id="364" r:id="rId25"/>
+    <p:sldId id="349" r:id="rId26"/>
+    <p:sldId id="362" r:id="rId27"/>
+    <p:sldId id="350" r:id="rId28"/>
+    <p:sldId id="363" r:id="rId29"/>
+    <p:sldId id="351" r:id="rId30"/>
+    <p:sldId id="354" r:id="rId31"/>
+    <p:sldId id="356" r:id="rId32"/>
+    <p:sldId id="361" r:id="rId33"/>
+    <p:sldId id="353" r:id="rId34"/>
+    <p:sldId id="352" r:id="rId35"/>
+    <p:sldId id="378" r:id="rId36"/>
+    <p:sldId id="379" r:id="rId37"/>
+    <p:sldId id="380" r:id="rId38"/>
+    <p:sldId id="355" r:id="rId39"/>
+    <p:sldId id="366" r:id="rId40"/>
+    <p:sldId id="368" r:id="rId41"/>
+    <p:sldId id="369" r:id="rId42"/>
+    <p:sldId id="373" r:id="rId43"/>
+    <p:sldId id="374" r:id="rId44"/>
+    <p:sldId id="375" r:id="rId45"/>
+    <p:sldId id="376" r:id="rId46"/>
+    <p:sldId id="377" r:id="rId47"/>
+    <p:sldId id="372" r:id="rId48"/>
+    <p:sldId id="357" r:id="rId49"/>
+    <p:sldId id="359" r:id="rId50"/>
+    <p:sldId id="365" r:id="rId51"/>
+    <p:sldId id="367" r:id="rId52"/>
+    <p:sldId id="370" r:id="rId53"/>
+    <p:sldId id="371" r:id="rId54"/>
   </p:sldIdLst>
   <p:sldSz cx="9144000" cy="6858000" type="screen4x3"/>
   <p:notesSz cx="6858000" cy="9144000"/>
@@ -259,7 +260,7 @@
           <a:p>
             <a:fld id="{2EDCB34D-5EC2-4739-9693-E425457AC201}" type="datetimeFigureOut">
               <a:rPr lang="en-US" smtClean="0"/>
-              <a:t>02/22/2017</a:t>
+              <a:t>03/08/2017</a:t>
             </a:fld>
             <a:endParaRPr lang="en-US"/>
           </a:p>
@@ -683,7 +684,7 @@
           <a:p>
             <a:fld id="{ADDBA41D-AE03-4F1C-B074-B56312AFAE46}" type="slidenum">
               <a:rPr lang="en-US" smtClean="0"/>
-              <a:t>19</a:t>
+              <a:t>20</a:t>
             </a:fld>
             <a:endParaRPr lang="en-US"/>
           </a:p>
@@ -775,7 +776,7 @@
           <a:p>
             <a:fld id="{ADDBA41D-AE03-4F1C-B074-B56312AFAE46}" type="slidenum">
               <a:rPr lang="en-US" smtClean="0"/>
-              <a:t>37</a:t>
+              <a:t>38</a:t>
             </a:fld>
             <a:endParaRPr lang="en-US"/>
           </a:p>
@@ -1029,7 +1030,7 @@
             <a:fld id="{5942B21B-2ADA-A040-A652-A7305E1B99FE}" type="datetimeFigureOut">
               <a:rPr lang="en-US" smtClean="0"/>
               <a:pPr/>
-              <a:t>02/22/2017</a:t>
+              <a:t>03/08/2017</a:t>
             </a:fld>
             <a:endParaRPr lang="en-US" dirty="0"/>
           </a:p>
@@ -1219,7 +1220,7 @@
           <a:p>
             <a:fld id="{5942B21B-2ADA-A040-A652-A7305E1B99FE}" type="datetimeFigureOut">
               <a:rPr lang="en-US" smtClean="0"/>
-              <a:t>02/22/2017</a:t>
+              <a:t>03/08/2017</a:t>
             </a:fld>
             <a:endParaRPr lang="en-US"/>
           </a:p>
@@ -1343,7 +1344,7 @@
             <a:fld id="{5942B21B-2ADA-A040-A652-A7305E1B99FE}" type="datetimeFigureOut">
               <a:rPr lang="en-US" smtClean="0"/>
               <a:pPr/>
-              <a:t>02/22/2017</a:t>
+              <a:t>03/08/2017</a:t>
             </a:fld>
             <a:r>
               <a:rPr lang="en-US"/>
@@ -1614,7 +1615,7 @@
             <a:fld id="{5942B21B-2ADA-A040-A652-A7305E1B99FE}" type="datetimeFigureOut">
               <a:rPr lang="en-US" smtClean="0"/>
               <a:pPr/>
-              <a:t>02/22/2017</a:t>
+              <a:t>03/08/2017</a:t>
             </a:fld>
             <a:r>
               <a:rPr lang="en-US" dirty="0"/>
@@ -1884,7 +1885,7 @@
             <a:fld id="{5942B21B-2ADA-A040-A652-A7305E1B99FE}" type="datetimeFigureOut">
               <a:rPr lang="en-US" smtClean="0"/>
               <a:pPr/>
-              <a:t>02/22/2017</a:t>
+              <a:t>03/08/2017</a:t>
             </a:fld>
             <a:r>
               <a:rPr lang="en-US" dirty="0"/>
@@ -2224,7 +2225,7 @@
             <a:fld id="{5942B21B-2ADA-A040-A652-A7305E1B99FE}" type="datetimeFigureOut">
               <a:rPr lang="en-US" smtClean="0"/>
               <a:pPr/>
-              <a:t>02/22/2017</a:t>
+              <a:t>03/08/2017</a:t>
             </a:fld>
             <a:r>
               <a:rPr lang="en-US" dirty="0"/>
@@ -2565,7 +2566,7 @@
             <a:fld id="{5942B21B-2ADA-A040-A652-A7305E1B99FE}" type="datetimeFigureOut">
               <a:rPr lang="en-US" smtClean="0"/>
               <a:pPr/>
-              <a:t>02/22/2017</a:t>
+              <a:t>03/08/2017</a:t>
             </a:fld>
             <a:r>
               <a:rPr lang="en-US" dirty="0"/>
@@ -3080,7 +3081,7 @@
             <a:fld id="{5942B21B-2ADA-A040-A652-A7305E1B99FE}" type="datetimeFigureOut">
               <a:rPr lang="en-US" smtClean="0"/>
               <a:pPr/>
-              <a:t>02/22/2017</a:t>
+              <a:t>03/08/2017</a:t>
             </a:fld>
             <a:r>
               <a:rPr lang="en-US" dirty="0"/>
@@ -3289,7 +3290,7 @@
             <a:fld id="{5942B21B-2ADA-A040-A652-A7305E1B99FE}" type="datetimeFigureOut">
               <a:rPr lang="en-US" smtClean="0"/>
               <a:pPr/>
-              <a:t>02/22/2017</a:t>
+              <a:t>03/08/2017</a:t>
             </a:fld>
             <a:r>
               <a:rPr lang="en-US" dirty="0"/>
@@ -3476,7 +3477,7 @@
             <a:fld id="{5942B21B-2ADA-A040-A652-A7305E1B99FE}" type="datetimeFigureOut">
               <a:rPr lang="en-US" smtClean="0"/>
               <a:pPr/>
-              <a:t>02/22/2017</a:t>
+              <a:t>03/08/2017</a:t>
             </a:fld>
             <a:r>
               <a:rPr lang="en-US" dirty="0"/>
@@ -3807,7 +3808,7 @@
             <a:fld id="{5942B21B-2ADA-A040-A652-A7305E1B99FE}" type="datetimeFigureOut">
               <a:rPr lang="en-US" smtClean="0"/>
               <a:pPr/>
-              <a:t>02/22/2017</a:t>
+              <a:t>03/08/2017</a:t>
             </a:fld>
             <a:r>
               <a:rPr lang="en-US" dirty="0"/>
@@ -4115,7 +4116,7 @@
             <a:fld id="{5942B21B-2ADA-A040-A652-A7305E1B99FE}" type="datetimeFigureOut">
               <a:rPr lang="en-US" smtClean="0"/>
               <a:pPr/>
-              <a:t>02/22/2017</a:t>
+              <a:t>03/08/2017</a:t>
             </a:fld>
             <a:r>
               <a:rPr lang="en-US" dirty="0"/>
@@ -4394,7 +4395,7 @@
             <a:fld id="{5942B21B-2ADA-A040-A652-A7305E1B99FE}" type="datetimeFigureOut">
               <a:rPr lang="en-US" smtClean="0"/>
               <a:pPr/>
-              <a:t>02/22/2017</a:t>
+              <a:t>03/08/2017</a:t>
             </a:fld>
             <a:r>
               <a:rPr lang="en-US" dirty="0"/>
@@ -5092,6 +5093,128 @@
           <a:p>
             <a:r>
               <a:rPr lang="en-US" dirty="0"/>
+              <a:t>Organization of the Transaction Log</a:t>
+            </a:r>
+          </a:p>
+        </p:txBody>
+      </p:sp>
+      <p:sp>
+        <p:nvSpPr>
+          <p:cNvPr id="3" name="Content Placeholder 2"/>
+          <p:cNvSpPr>
+            <a:spLocks noGrp="1"/>
+          </p:cNvSpPr>
+          <p:nvPr>
+            <p:ph idx="1"/>
+          </p:nvPr>
+        </p:nvSpPr>
+        <p:spPr>
+          <a:xfrm>
+            <a:off x="4352925" y="1600200"/>
+            <a:ext cx="4333875" cy="4525963"/>
+          </a:xfrm>
+        </p:spPr>
+        <p:txBody>
+          <a:bodyPr/>
+          <a:lstStyle/>
+          <a:p>
+            <a:r>
+              <a:rPr lang="en-US" dirty="0"/>
+              <a:t>The Transaction Log is just a file …</a:t>
+            </a:r>
+          </a:p>
+          <a:p>
+            <a:r>
+              <a:rPr lang="en-US" dirty="0"/>
+              <a:t>With a bit of header information …</a:t>
+            </a:r>
+          </a:p>
+          <a:p>
+            <a:r>
+              <a:rPr lang="en-US" dirty="0"/>
+              <a:t>Then divided into Virtual Log Files.</a:t>
+            </a:r>
+          </a:p>
+          <a:p>
+            <a:pPr lvl="1"/>
+            <a:r>
+              <a:rPr lang="en-US" dirty="0"/>
+              <a:t>Not necessarily of equal size</a:t>
+            </a:r>
+          </a:p>
+        </p:txBody>
+      </p:sp>
+      <p:pic>
+        <p:nvPicPr>
+          <p:cNvPr id="5" name="Picture 4"/>
+          <p:cNvPicPr>
+            <a:picLocks noChangeAspect="1"/>
+          </p:cNvPicPr>
+          <p:nvPr/>
+        </p:nvPicPr>
+        <p:blipFill>
+          <a:blip r:embed="rId2"/>
+          <a:stretch>
+            <a:fillRect/>
+          </a:stretch>
+        </p:blipFill>
+        <p:spPr>
+          <a:xfrm>
+            <a:off x="457200" y="1417320"/>
+            <a:ext cx="3814109" cy="4681728"/>
+          </a:xfrm>
+          <a:prstGeom prst="rect">
+            <a:avLst/>
+          </a:prstGeom>
+        </p:spPr>
+      </p:pic>
+    </p:spTree>
+    <p:extLst>
+      <p:ext uri="{BB962C8B-B14F-4D97-AF65-F5344CB8AC3E}">
+        <p14:creationId xmlns:p14="http://schemas.microsoft.com/office/powerpoint/2010/main" val="3601134671"/>
+      </p:ext>
+    </p:extLst>
+  </p:cSld>
+  <p:clrMapOvr>
+    <a:masterClrMapping/>
+  </p:clrMapOvr>
+</p:sld>
+</file>
+
+<file path=ppt/slides/slide11.xml><?xml version="1.0" encoding="utf-8"?>
+<p:sld xmlns:a="http://schemas.openxmlformats.org/drawingml/2006/main" xmlns:r="http://schemas.openxmlformats.org/officeDocument/2006/relationships" xmlns:p="http://schemas.openxmlformats.org/presentationml/2006/main">
+  <p:cSld>
+    <p:spTree>
+      <p:nvGrpSpPr>
+        <p:cNvPr id="1" name=""/>
+        <p:cNvGrpSpPr/>
+        <p:nvPr/>
+      </p:nvGrpSpPr>
+      <p:grpSpPr>
+        <a:xfrm>
+          <a:off x="0" y="0"/>
+          <a:ext cx="0" cy="0"/>
+          <a:chOff x="0" y="0"/>
+          <a:chExt cx="0" cy="0"/>
+        </a:xfrm>
+      </p:grpSpPr>
+      <p:sp>
+        <p:nvSpPr>
+          <p:cNvPr id="2" name="Title 1"/>
+          <p:cNvSpPr>
+            <a:spLocks noGrp="1"/>
+          </p:cNvSpPr>
+          <p:nvPr>
+            <p:ph type="title"/>
+          </p:nvPr>
+        </p:nvSpPr>
+        <p:spPr/>
+        <p:txBody>
+          <a:bodyPr/>
+          <a:lstStyle/>
+          <a:p>
+            <a:r>
+              <a:rPr lang="en-US" dirty="0"/>
               <a:t>Virtual Log Files</a:t>
             </a:r>
           </a:p>
@@ -5212,7 +5335,7 @@
 </p:sld>
 </file>
 
-<file path=ppt/slides/slide11.xml><?xml version="1.0" encoding="utf-8"?>
+<file path=ppt/slides/slide12.xml><?xml version="1.0" encoding="utf-8"?>
 <p:sld xmlns:a="http://schemas.openxmlformats.org/drawingml/2006/main" xmlns:r="http://schemas.openxmlformats.org/officeDocument/2006/relationships" xmlns:p="http://schemas.openxmlformats.org/presentationml/2006/main">
   <p:cSld>
     <p:spTree>
@@ -5384,7 +5507,7 @@
 </p:sld>
 </file>
 
-<file path=ppt/slides/slide12.xml><?xml version="1.0" encoding="utf-8"?>
+<file path=ppt/slides/slide13.xml><?xml version="1.0" encoding="utf-8"?>
 <p:sld xmlns:a="http://schemas.openxmlformats.org/drawingml/2006/main" xmlns:r="http://schemas.openxmlformats.org/officeDocument/2006/relationships" xmlns:p="http://schemas.openxmlformats.org/presentationml/2006/main">
   <p:cSld>
     <p:spTree>
@@ -5493,7 +5616,7 @@
 </p:sld>
 </file>
 
-<file path=ppt/slides/slide13.xml><?xml version="1.0" encoding="utf-8"?>
+<file path=ppt/slides/slide14.xml><?xml version="1.0" encoding="utf-8"?>
 <p:sld xmlns:a="http://schemas.openxmlformats.org/drawingml/2006/main" xmlns:r="http://schemas.openxmlformats.org/officeDocument/2006/relationships" xmlns:p="http://schemas.openxmlformats.org/presentationml/2006/main">
   <p:cSld>
     <p:spTree>
@@ -5602,7 +5725,7 @@
 </p:sld>
 </file>
 
-<file path=ppt/slides/slide14.xml><?xml version="1.0" encoding="utf-8"?>
+<file path=ppt/slides/slide15.xml><?xml version="1.0" encoding="utf-8"?>
 <p:sld xmlns:a="http://schemas.openxmlformats.org/drawingml/2006/main" xmlns:r="http://schemas.openxmlformats.org/officeDocument/2006/relationships" xmlns:p="http://schemas.openxmlformats.org/presentationml/2006/main">
   <p:cSld>
     <p:spTree>
@@ -5718,7 +5841,7 @@
 </p:sld>
 </file>
 
-<file path=ppt/slides/slide15.xml><?xml version="1.0" encoding="utf-8"?>
+<file path=ppt/slides/slide16.xml><?xml version="1.0" encoding="utf-8"?>
 <p:sld xmlns:a="http://schemas.openxmlformats.org/drawingml/2006/main" xmlns:r="http://schemas.openxmlformats.org/officeDocument/2006/relationships" xmlns:p="http://schemas.openxmlformats.org/presentationml/2006/main">
   <p:cSld>
     <p:spTree>
@@ -5831,7 +5954,7 @@
 </p:sld>
 </file>
 
-<file path=ppt/slides/slide16.xml><?xml version="1.0" encoding="utf-8"?>
+<file path=ppt/slides/slide17.xml><?xml version="1.0" encoding="utf-8"?>
 <p:sld xmlns:a="http://schemas.openxmlformats.org/drawingml/2006/main" xmlns:r="http://schemas.openxmlformats.org/officeDocument/2006/relationships" xmlns:p="http://schemas.openxmlformats.org/presentationml/2006/main">
   <p:cSld>
     <p:spTree>
@@ -5955,7 +6078,7 @@
 </p:sld>
 </file>
 
-<file path=ppt/slides/slide17.xml><?xml version="1.0" encoding="utf-8"?>
+<file path=ppt/slides/slide18.xml><?xml version="1.0" encoding="utf-8"?>
 <p:sld xmlns:a="http://schemas.openxmlformats.org/drawingml/2006/main" xmlns:r="http://schemas.openxmlformats.org/officeDocument/2006/relationships" xmlns:p="http://schemas.openxmlformats.org/presentationml/2006/main">
   <p:cSld>
     <p:spTree>
@@ -6118,7 +6241,7 @@
 </p:sld>
 </file>
 
-<file path=ppt/slides/slide18.xml><?xml version="1.0" encoding="utf-8"?>
+<file path=ppt/slides/slide19.xml><?xml version="1.0" encoding="utf-8"?>
 <p:sld xmlns:a="http://schemas.openxmlformats.org/drawingml/2006/main" xmlns:r="http://schemas.openxmlformats.org/officeDocument/2006/relationships" xmlns:p="http://schemas.openxmlformats.org/presentationml/2006/main">
   <p:cSld>
     <p:spTree>
@@ -6234,7 +6357,84 @@
 </p:sld>
 </file>
 
-<file path=ppt/slides/slide19.xml><?xml version="1.0" encoding="utf-8"?>
+<file path=ppt/slides/slide2.xml><?xml version="1.0" encoding="utf-8"?>
+<p:sld xmlns:a="http://schemas.openxmlformats.org/drawingml/2006/main" xmlns:r="http://schemas.openxmlformats.org/officeDocument/2006/relationships" xmlns:p="http://schemas.openxmlformats.org/presentationml/2006/main">
+  <p:cSld>
+    <p:spTree>
+      <p:nvGrpSpPr>
+        <p:cNvPr id="1" name=""/>
+        <p:cNvGrpSpPr/>
+        <p:nvPr/>
+      </p:nvGrpSpPr>
+      <p:grpSpPr>
+        <a:xfrm>
+          <a:off x="0" y="0"/>
+          <a:ext cx="0" cy="0"/>
+          <a:chOff x="0" y="0"/>
+          <a:chExt cx="0" cy="0"/>
+        </a:xfrm>
+      </p:grpSpPr>
+      <p:sp>
+        <p:nvSpPr>
+          <p:cNvPr id="2" name="Title 1"/>
+          <p:cNvSpPr>
+            <a:spLocks noGrp="1"/>
+          </p:cNvSpPr>
+          <p:nvPr>
+            <p:ph type="title"/>
+          </p:nvPr>
+        </p:nvSpPr>
+        <p:spPr/>
+        <p:txBody>
+          <a:bodyPr/>
+          <a:lstStyle/>
+          <a:p>
+            <a:r>
+              <a:rPr lang="en-US" dirty="0" smtClean="0"/>
+              <a:t>Thanks to all the great sponsors!</a:t>
+            </a:r>
+            <a:endParaRPr lang="en-US" dirty="0"/>
+          </a:p>
+        </p:txBody>
+      </p:sp>
+      <p:pic>
+        <p:nvPicPr>
+          <p:cNvPr id="4" name="Picture 3"/>
+          <p:cNvPicPr>
+            <a:picLocks noChangeAspect="1"/>
+          </p:cNvPicPr>
+          <p:nvPr/>
+        </p:nvPicPr>
+        <p:blipFill>
+          <a:blip r:embed="rId2"/>
+          <a:stretch>
+            <a:fillRect/>
+          </a:stretch>
+        </p:blipFill>
+        <p:spPr>
+          <a:xfrm>
+            <a:off x="909999" y="1328255"/>
+            <a:ext cx="7315200" cy="4693567"/>
+          </a:xfrm>
+          <a:prstGeom prst="rect">
+            <a:avLst/>
+          </a:prstGeom>
+        </p:spPr>
+      </p:pic>
+    </p:spTree>
+    <p:extLst>
+      <p:ext uri="{BB962C8B-B14F-4D97-AF65-F5344CB8AC3E}">
+        <p14:creationId xmlns:p14="http://schemas.microsoft.com/office/powerpoint/2010/main" val="1527521613"/>
+      </p:ext>
+    </p:extLst>
+  </p:cSld>
+  <p:clrMapOvr>
+    <a:masterClrMapping/>
+  </p:clrMapOvr>
+</p:sld>
+</file>
+
+<file path=ppt/slides/slide20.xml><?xml version="1.0" encoding="utf-8"?>
 <p:sld xmlns:a="http://schemas.openxmlformats.org/drawingml/2006/main" xmlns:r="http://schemas.openxmlformats.org/officeDocument/2006/relationships" xmlns:p="http://schemas.openxmlformats.org/presentationml/2006/main">
   <p:cSld>
     <p:spTree>
@@ -6361,7 +6561,1471 @@
 </p:sld>
 </file>
 
-<file path=ppt/slides/slide2.xml><?xml version="1.0" encoding="utf-8"?>
+<file path=ppt/slides/slide21.xml><?xml version="1.0" encoding="utf-8"?>
+<p:sld xmlns:a="http://schemas.openxmlformats.org/drawingml/2006/main" xmlns:r="http://schemas.openxmlformats.org/officeDocument/2006/relationships" xmlns:p="http://schemas.openxmlformats.org/presentationml/2006/main">
+  <p:cSld>
+    <p:spTree>
+      <p:nvGrpSpPr>
+        <p:cNvPr id="1" name=""/>
+        <p:cNvGrpSpPr/>
+        <p:nvPr/>
+      </p:nvGrpSpPr>
+      <p:grpSpPr>
+        <a:xfrm>
+          <a:off x="0" y="0"/>
+          <a:ext cx="0" cy="0"/>
+          <a:chOff x="0" y="0"/>
+          <a:chExt cx="0" cy="0"/>
+        </a:xfrm>
+      </p:grpSpPr>
+      <p:sp>
+        <p:nvSpPr>
+          <p:cNvPr id="2" name="Title 1"/>
+          <p:cNvSpPr>
+            <a:spLocks noGrp="1"/>
+          </p:cNvSpPr>
+          <p:nvPr>
+            <p:ph type="title"/>
+          </p:nvPr>
+        </p:nvSpPr>
+        <p:spPr/>
+        <p:txBody>
+          <a:bodyPr/>
+          <a:lstStyle/>
+          <a:p>
+            <a:r>
+              <a:rPr lang="en-US" dirty="0"/>
+              <a:t>Log Record Detail</a:t>
+            </a:r>
+          </a:p>
+        </p:txBody>
+      </p:sp>
+      <p:sp>
+        <p:nvSpPr>
+          <p:cNvPr id="3" name="Content Placeholder 2"/>
+          <p:cNvSpPr>
+            <a:spLocks noGrp="1"/>
+          </p:cNvSpPr>
+          <p:nvPr>
+            <p:ph idx="1"/>
+          </p:nvPr>
+        </p:nvSpPr>
+        <p:spPr>
+          <a:xfrm>
+            <a:off x="457201" y="3797145"/>
+            <a:ext cx="8229600" cy="2329018"/>
+          </a:xfrm>
+        </p:spPr>
+        <p:txBody>
+          <a:bodyPr>
+            <a:normAutofit lnSpcReduction="10000"/>
+          </a:bodyPr>
+          <a:lstStyle/>
+          <a:p>
+            <a:r>
+              <a:rPr lang="en-US" dirty="0"/>
+              <a:t>Of course, a header</a:t>
+            </a:r>
+          </a:p>
+          <a:p>
+            <a:pPr lvl="1"/>
+            <a:r>
+              <a:rPr lang="en-US" dirty="0"/>
+              <a:t>Record type, transaction ID, length, pointer to previous transaction record, etc.</a:t>
+            </a:r>
+          </a:p>
+          <a:p>
+            <a:r>
+              <a:rPr lang="en-US" dirty="0"/>
+              <a:t>Payload</a:t>
+            </a:r>
+          </a:p>
+          <a:p>
+            <a:pPr lvl="1"/>
+            <a:r>
+              <a:rPr lang="en-US" dirty="0"/>
+              <a:t>Before/after image of changes</a:t>
+            </a:r>
+          </a:p>
+        </p:txBody>
+      </p:sp>
+      <p:pic>
+        <p:nvPicPr>
+          <p:cNvPr id="4" name="Picture 3"/>
+          <p:cNvPicPr>
+            <a:picLocks noChangeAspect="1"/>
+          </p:cNvPicPr>
+          <p:nvPr/>
+        </p:nvPicPr>
+        <p:blipFill>
+          <a:blip r:embed="rId2"/>
+          <a:stretch>
+            <a:fillRect/>
+          </a:stretch>
+        </p:blipFill>
+        <p:spPr>
+          <a:xfrm>
+            <a:off x="457200" y="1417320"/>
+            <a:ext cx="8199451" cy="2377440"/>
+          </a:xfrm>
+          <a:prstGeom prst="rect">
+            <a:avLst/>
+          </a:prstGeom>
+        </p:spPr>
+      </p:pic>
+    </p:spTree>
+    <p:extLst>
+      <p:ext uri="{BB962C8B-B14F-4D97-AF65-F5344CB8AC3E}">
+        <p14:creationId xmlns:p14="http://schemas.microsoft.com/office/powerpoint/2010/main" val="3638472235"/>
+      </p:ext>
+    </p:extLst>
+  </p:cSld>
+  <p:clrMapOvr>
+    <a:masterClrMapping/>
+  </p:clrMapOvr>
+</p:sld>
+</file>
+
+<file path=ppt/slides/slide22.xml><?xml version="1.0" encoding="utf-8"?>
+<p:sld xmlns:a="http://schemas.openxmlformats.org/drawingml/2006/main" xmlns:r="http://schemas.openxmlformats.org/officeDocument/2006/relationships" xmlns:p="http://schemas.openxmlformats.org/presentationml/2006/main">
+  <p:cSld>
+    <p:spTree>
+      <p:nvGrpSpPr>
+        <p:cNvPr id="1" name=""/>
+        <p:cNvGrpSpPr/>
+        <p:nvPr/>
+      </p:nvGrpSpPr>
+      <p:grpSpPr>
+        <a:xfrm>
+          <a:off x="0" y="0"/>
+          <a:ext cx="0" cy="0"/>
+          <a:chOff x="0" y="0"/>
+          <a:chExt cx="0" cy="0"/>
+        </a:xfrm>
+      </p:grpSpPr>
+      <p:sp>
+        <p:nvSpPr>
+          <p:cNvPr id="2" name="Title 1"/>
+          <p:cNvSpPr>
+            <a:spLocks noGrp="1"/>
+          </p:cNvSpPr>
+          <p:nvPr>
+            <p:ph type="title"/>
+          </p:nvPr>
+        </p:nvSpPr>
+        <p:spPr/>
+        <p:txBody>
+          <a:bodyPr/>
+          <a:lstStyle/>
+          <a:p>
+            <a:r>
+              <a:rPr lang="en-US" dirty="0"/>
+              <a:t>Log Sequence Number</a:t>
+            </a:r>
+          </a:p>
+        </p:txBody>
+      </p:sp>
+      <p:sp>
+        <p:nvSpPr>
+          <p:cNvPr id="3" name="Content Placeholder 2"/>
+          <p:cNvSpPr>
+            <a:spLocks noGrp="1"/>
+          </p:cNvSpPr>
+          <p:nvPr>
+            <p:ph idx="1"/>
+          </p:nvPr>
+        </p:nvSpPr>
+        <p:spPr/>
+        <p:txBody>
+          <a:bodyPr/>
+          <a:lstStyle/>
+          <a:p>
+            <a:r>
+              <a:rPr lang="en-US" dirty="0"/>
+              <a:t>Each log record can be uniquely identified by its Log Sequence Number (LSN)</a:t>
+            </a:r>
+          </a:p>
+          <a:p>
+            <a:r>
+              <a:rPr lang="en-US" dirty="0"/>
+              <a:t>An LSN is composed of three parts</a:t>
+            </a:r>
+          </a:p>
+          <a:p>
+            <a:pPr lvl="1"/>
+            <a:r>
+              <a:rPr lang="en-US" dirty="0"/>
+              <a:t>VLF number</a:t>
+            </a:r>
+          </a:p>
+          <a:p>
+            <a:pPr lvl="1"/>
+            <a:r>
+              <a:rPr lang="en-US" dirty="0"/>
+              <a:t>Log Block offset (512-byte chunks, not necessarily contiguous)</a:t>
+            </a:r>
+          </a:p>
+          <a:p>
+            <a:pPr lvl="1"/>
+            <a:r>
+              <a:rPr lang="en-US" dirty="0"/>
+              <a:t>Log Record number (slot number)</a:t>
+            </a:r>
+          </a:p>
+          <a:p>
+            <a:r>
+              <a:rPr lang="en-US" dirty="0"/>
+              <a:t>The LSN is in a very real way a pointer into the (logical) log file</a:t>
+            </a:r>
+          </a:p>
+        </p:txBody>
+      </p:sp>
+    </p:spTree>
+    <p:extLst>
+      <p:ext uri="{BB962C8B-B14F-4D97-AF65-F5344CB8AC3E}">
+        <p14:creationId xmlns:p14="http://schemas.microsoft.com/office/powerpoint/2010/main" val="1560482780"/>
+      </p:ext>
+    </p:extLst>
+  </p:cSld>
+  <p:clrMapOvr>
+    <a:masterClrMapping/>
+  </p:clrMapOvr>
+</p:sld>
+</file>
+
+<file path=ppt/slides/slide23.xml><?xml version="1.0" encoding="utf-8"?>
+<p:sld xmlns:a="http://schemas.openxmlformats.org/drawingml/2006/main" xmlns:r="http://schemas.openxmlformats.org/officeDocument/2006/relationships" xmlns:p="http://schemas.openxmlformats.org/presentationml/2006/main">
+  <p:cSld>
+    <p:spTree>
+      <p:nvGrpSpPr>
+        <p:cNvPr id="1" name=""/>
+        <p:cNvGrpSpPr/>
+        <p:nvPr/>
+      </p:nvGrpSpPr>
+      <p:grpSpPr>
+        <a:xfrm>
+          <a:off x="0" y="0"/>
+          <a:ext cx="0" cy="0"/>
+          <a:chOff x="0" y="0"/>
+          <a:chExt cx="0" cy="0"/>
+        </a:xfrm>
+      </p:grpSpPr>
+      <p:sp>
+        <p:nvSpPr>
+          <p:cNvPr id="2" name="Title 1"/>
+          <p:cNvSpPr>
+            <a:spLocks noGrp="1"/>
+          </p:cNvSpPr>
+          <p:nvPr>
+            <p:ph type="title"/>
+          </p:nvPr>
+        </p:nvSpPr>
+        <p:spPr/>
+        <p:txBody>
+          <a:bodyPr/>
+          <a:lstStyle/>
+          <a:p>
+            <a:r>
+              <a:rPr lang="en-US" dirty="0"/>
+              <a:t>LSN Representations</a:t>
+            </a:r>
+          </a:p>
+        </p:txBody>
+      </p:sp>
+      <p:sp>
+        <p:nvSpPr>
+          <p:cNvPr id="3" name="Content Placeholder 2"/>
+          <p:cNvSpPr>
+            <a:spLocks noGrp="1"/>
+          </p:cNvSpPr>
+          <p:nvPr>
+            <p:ph idx="1"/>
+          </p:nvPr>
+        </p:nvSpPr>
+        <p:spPr>
+          <a:xfrm>
+            <a:off x="457200" y="1600201"/>
+            <a:ext cx="8229600" cy="628650"/>
+          </a:xfrm>
+        </p:spPr>
+        <p:txBody>
+          <a:bodyPr/>
+          <a:lstStyle/>
+          <a:p>
+            <a:pPr marL="0" indent="0">
+              <a:buNone/>
+            </a:pPr>
+            <a:r>
+              <a:rPr lang="en-US" dirty="0"/>
+              <a:t>Four common ways to express an LSN</a:t>
+            </a:r>
+          </a:p>
+        </p:txBody>
+      </p:sp>
+      <p:graphicFrame>
+        <p:nvGraphicFramePr>
+          <p:cNvPr id="4" name="Table 3"/>
+          <p:cNvGraphicFramePr>
+            <a:graphicFrameLocks noGrp="1"/>
+          </p:cNvGraphicFramePr>
+          <p:nvPr>
+            <p:extLst>
+              <p:ext uri="{D42A27DB-BD31-4B8C-83A1-F6EECF244321}">
+                <p14:modId xmlns:p14="http://schemas.microsoft.com/office/powerpoint/2010/main" val="3688946346"/>
+              </p:ext>
+            </p:extLst>
+          </p:nvPr>
+        </p:nvGraphicFramePr>
+        <p:xfrm>
+          <a:off x="457200" y="2352675"/>
+          <a:ext cx="8229600" cy="2419826"/>
+        </p:xfrm>
+        <a:graphic>
+          <a:graphicData uri="http://schemas.openxmlformats.org/drawingml/2006/table">
+            <a:tbl>
+              <a:tblPr firstRow="1" bandRow="1">
+                <a:tableStyleId>{5C22544A-7EE6-4342-B048-85BDC9FD1C3A}</a:tableStyleId>
+              </a:tblPr>
+              <a:tblGrid>
+                <a:gridCol w="1895475">
+                  <a:extLst>
+                    <a:ext uri="{9D8B030D-6E8A-4147-A177-3AD203B41FA5}">
+                      <a16:colId xmlns="" xmlns:a16="http://schemas.microsoft.com/office/drawing/2014/main" val="20000"/>
+                    </a:ext>
+                  </a:extLst>
+                </a:gridCol>
+                <a:gridCol w="3171825">
+                  <a:extLst>
+                    <a:ext uri="{9D8B030D-6E8A-4147-A177-3AD203B41FA5}">
+                      <a16:colId xmlns="" xmlns:a16="http://schemas.microsoft.com/office/drawing/2014/main" val="20001"/>
+                    </a:ext>
+                  </a:extLst>
+                </a:gridCol>
+                <a:gridCol w="3162300">
+                  <a:extLst>
+                    <a:ext uri="{9D8B030D-6E8A-4147-A177-3AD203B41FA5}">
+                      <a16:colId xmlns="" xmlns:a16="http://schemas.microsoft.com/office/drawing/2014/main" val="20002"/>
+                    </a:ext>
+                  </a:extLst>
+                </a:gridCol>
+              </a:tblGrid>
+              <a:tr h="397986">
+                <a:tc>
+                  <a:txBody>
+                    <a:bodyPr/>
+                    <a:lstStyle/>
+                    <a:p>
+                      <a:r>
+                        <a:rPr lang="en-US" dirty="0"/>
+                        <a:t>Format</a:t>
+                      </a:r>
+                    </a:p>
+                  </a:txBody>
+                  <a:tcPr/>
+                </a:tc>
+                <a:tc>
+                  <a:txBody>
+                    <a:bodyPr/>
+                    <a:lstStyle/>
+                    <a:p>
+                      <a:r>
+                        <a:rPr lang="en-US" dirty="0"/>
+                        <a:t>Example</a:t>
+                      </a:r>
+                    </a:p>
+                  </a:txBody>
+                  <a:tcPr/>
+                </a:tc>
+                <a:tc>
+                  <a:txBody>
+                    <a:bodyPr/>
+                    <a:lstStyle/>
+                    <a:p>
+                      <a:r>
+                        <a:rPr lang="en-US" dirty="0"/>
+                        <a:t>Common uses</a:t>
+                      </a:r>
+                    </a:p>
+                  </a:txBody>
+                  <a:tcPr/>
+                </a:tc>
+                <a:extLst>
+                  <a:ext uri="{0D108BD9-81ED-4DB2-BD59-A6C34878D82A}">
+                    <a16:rowId xmlns="" xmlns:a16="http://schemas.microsoft.com/office/drawing/2014/main" val="10000"/>
+                  </a:ext>
+                </a:extLst>
+              </a:tr>
+              <a:tr h="370840">
+                <a:tc>
+                  <a:txBody>
+                    <a:bodyPr/>
+                    <a:lstStyle/>
+                    <a:p>
+                      <a:r>
+                        <a:rPr lang="en-US" dirty="0"/>
+                        <a:t>Colon-separated (hexadecimal)</a:t>
+                      </a:r>
+                    </a:p>
+                  </a:txBody>
+                  <a:tcPr/>
+                </a:tc>
+                <a:tc>
+                  <a:txBody>
+                    <a:bodyPr/>
+                    <a:lstStyle/>
+                    <a:p>
+                      <a:pPr marL="0" marR="0" lvl="1" indent="0" algn="l" defTabSz="457200" rtl="0" eaLnBrk="1" fontAlgn="auto" latinLnBrk="0" hangingPunct="1">
+                        <a:lnSpc>
+                          <a:spcPct val="100000"/>
+                        </a:lnSpc>
+                        <a:spcBef>
+                          <a:spcPts val="0"/>
+                        </a:spcBef>
+                        <a:spcAft>
+                          <a:spcPts val="0"/>
+                        </a:spcAft>
+                        <a:buClrTx/>
+                        <a:buSzTx/>
+                        <a:buFontTx/>
+                        <a:buNone/>
+                        <a:tabLst/>
+                        <a:defRPr/>
+                      </a:pPr>
+                      <a:r>
+                        <a:rPr lang="en-US" dirty="0"/>
+                        <a:t>000001c0:0000006b:0005</a:t>
+                      </a:r>
+                    </a:p>
+                  </a:txBody>
+                  <a:tcPr/>
+                </a:tc>
+                <a:tc>
+                  <a:txBody>
+                    <a:bodyPr/>
+                    <a:lstStyle/>
+                    <a:p>
+                      <a:r>
+                        <a:rPr lang="en-US" dirty="0"/>
+                        <a:t>Log management</a:t>
+                      </a:r>
+                    </a:p>
+                  </a:txBody>
+                  <a:tcPr/>
+                </a:tc>
+                <a:extLst>
+                  <a:ext uri="{0D108BD9-81ED-4DB2-BD59-A6C34878D82A}">
+                    <a16:rowId xmlns="" xmlns:a16="http://schemas.microsoft.com/office/drawing/2014/main" val="10001"/>
+                  </a:ext>
+                </a:extLst>
+              </a:tr>
+              <a:tr h="370840">
+                <a:tc>
+                  <a:txBody>
+                    <a:bodyPr/>
+                    <a:lstStyle/>
+                    <a:p>
+                      <a:r>
+                        <a:rPr lang="en-US" dirty="0"/>
+                        <a:t>Hexadecimal</a:t>
+                      </a:r>
+                    </a:p>
+                  </a:txBody>
+                  <a:tcPr/>
+                </a:tc>
+                <a:tc>
+                  <a:txBody>
+                    <a:bodyPr/>
+                    <a:lstStyle/>
+                    <a:p>
+                      <a:pPr marL="0" marR="0" lvl="1" indent="0" algn="l" defTabSz="457200" rtl="0" eaLnBrk="1" fontAlgn="auto" latinLnBrk="0" hangingPunct="1">
+                        <a:lnSpc>
+                          <a:spcPct val="100000"/>
+                        </a:lnSpc>
+                        <a:spcBef>
+                          <a:spcPts val="0"/>
+                        </a:spcBef>
+                        <a:spcAft>
+                          <a:spcPts val="0"/>
+                        </a:spcAft>
+                        <a:buClrTx/>
+                        <a:buSzTx/>
+                        <a:buFontTx/>
+                        <a:buNone/>
+                        <a:tabLst/>
+                        <a:defRPr/>
+                      </a:pPr>
+                      <a:r>
+                        <a:rPr lang="en-US" sz="1800" kern="1200" dirty="0">
+                          <a:solidFill>
+                            <a:schemeClr val="dk1"/>
+                          </a:solidFill>
+                          <a:latin typeface="+mn-lt"/>
+                          <a:ea typeface="+mn-ea"/>
+                          <a:cs typeface="+mn-cs"/>
+                        </a:rPr>
+                        <a:t>0x000001c00000006b0005</a:t>
+                      </a:r>
+                      <a:endParaRPr lang="en-US" dirty="0"/>
+                    </a:p>
+                  </a:txBody>
+                  <a:tcPr/>
+                </a:tc>
+                <a:tc>
+                  <a:txBody>
+                    <a:bodyPr/>
+                    <a:lstStyle/>
+                    <a:p>
+                      <a:r>
+                        <a:rPr lang="en-US" dirty="0"/>
+                        <a:t>Change data capture</a:t>
+                      </a:r>
+                    </a:p>
+                  </a:txBody>
+                  <a:tcPr/>
+                </a:tc>
+                <a:extLst>
+                  <a:ext uri="{0D108BD9-81ED-4DB2-BD59-A6C34878D82A}">
+                    <a16:rowId xmlns="" xmlns:a16="http://schemas.microsoft.com/office/drawing/2014/main" val="10002"/>
+                  </a:ext>
+                </a:extLst>
+              </a:tr>
+              <a:tr h="370840">
+                <a:tc>
+                  <a:txBody>
+                    <a:bodyPr/>
+                    <a:lstStyle/>
+                    <a:p>
+                      <a:r>
+                        <a:rPr lang="en-US" dirty="0"/>
+                        <a:t>Decimal</a:t>
+                      </a:r>
+                    </a:p>
+                  </a:txBody>
+                  <a:tcPr/>
+                </a:tc>
+                <a:tc>
+                  <a:txBody>
+                    <a:bodyPr/>
+                    <a:lstStyle/>
+                    <a:p>
+                      <a:r>
+                        <a:rPr lang="en-US" dirty="0"/>
+                        <a:t>448000000010700005</a:t>
+                      </a:r>
+                    </a:p>
+                  </a:txBody>
+                  <a:tcPr/>
+                </a:tc>
+                <a:tc>
+                  <a:txBody>
+                    <a:bodyPr/>
+                    <a:lstStyle/>
+                    <a:p>
+                      <a:r>
+                        <a:rPr lang="en-US" dirty="0"/>
+                        <a:t>Backup</a:t>
+                      </a:r>
+                    </a:p>
+                  </a:txBody>
+                  <a:tcPr/>
+                </a:tc>
+                <a:extLst>
+                  <a:ext uri="{0D108BD9-81ED-4DB2-BD59-A6C34878D82A}">
+                    <a16:rowId xmlns="" xmlns:a16="http://schemas.microsoft.com/office/drawing/2014/main" val="10003"/>
+                  </a:ext>
+                </a:extLst>
+              </a:tr>
+              <a:tr h="370840">
+                <a:tc>
+                  <a:txBody>
+                    <a:bodyPr/>
+                    <a:lstStyle/>
+                    <a:p>
+                      <a:r>
+                        <a:rPr lang="en-US" dirty="0"/>
+                        <a:t>Colon-separated (decimal)</a:t>
+                      </a:r>
+                    </a:p>
+                  </a:txBody>
+                  <a:tcPr/>
+                </a:tc>
+                <a:tc>
+                  <a:txBody>
+                    <a:bodyPr/>
+                    <a:lstStyle/>
+                    <a:p>
+                      <a:r>
+                        <a:rPr lang="en-US" dirty="0"/>
+                        <a:t>448:107:5</a:t>
+                      </a:r>
+                    </a:p>
+                  </a:txBody>
+                  <a:tcPr/>
+                </a:tc>
+                <a:tc>
+                  <a:txBody>
+                    <a:bodyPr/>
+                    <a:lstStyle/>
+                    <a:p>
+                      <a:r>
+                        <a:rPr lang="en-US" dirty="0"/>
+                        <a:t>Input to </a:t>
+                      </a:r>
+                      <a:r>
+                        <a:rPr lang="en-US" dirty="0" err="1"/>
+                        <a:t>fn_dblog</a:t>
+                      </a:r>
+                      <a:endParaRPr lang="en-US" dirty="0"/>
+                    </a:p>
+                  </a:txBody>
+                  <a:tcPr/>
+                </a:tc>
+                <a:extLst>
+                  <a:ext uri="{0D108BD9-81ED-4DB2-BD59-A6C34878D82A}">
+                    <a16:rowId xmlns="" xmlns:a16="http://schemas.microsoft.com/office/drawing/2014/main" val="3543017676"/>
+                  </a:ext>
+                </a:extLst>
+              </a:tr>
+            </a:tbl>
+          </a:graphicData>
+        </a:graphic>
+      </p:graphicFrame>
+      <p:sp>
+        <p:nvSpPr>
+          <p:cNvPr id="5" name="Content Placeholder 2"/>
+          <p:cNvSpPr txBox="1">
+            <a:spLocks/>
+          </p:cNvSpPr>
+          <p:nvPr/>
+        </p:nvSpPr>
+        <p:spPr>
+          <a:xfrm>
+            <a:off x="457200" y="4877015"/>
+            <a:ext cx="8229600" cy="628650"/>
+          </a:xfrm>
+          <a:prstGeom prst="rect">
+            <a:avLst/>
+          </a:prstGeom>
+        </p:spPr>
+        <p:txBody>
+          <a:bodyPr vert="horz" lIns="91440" tIns="45720" rIns="91440" bIns="45720" rtlCol="0">
+            <a:normAutofit/>
+          </a:bodyPr>
+          <a:lstStyle>
+            <a:lvl1pPr marL="342900" indent="-342900" algn="l" defTabSz="457200" rtl="0" eaLnBrk="1" latinLnBrk="0" hangingPunct="1">
+              <a:spcBef>
+                <a:spcPct val="20000"/>
+              </a:spcBef>
+              <a:buFont typeface="Wingdings" charset="2"/>
+              <a:buChar char="§"/>
+              <a:defRPr sz="3000" kern="1200">
+                <a:solidFill>
+                  <a:schemeClr val="tx2"/>
+                </a:solidFill>
+                <a:latin typeface="+mn-lt"/>
+                <a:ea typeface="+mn-ea"/>
+                <a:cs typeface="+mn-cs"/>
+              </a:defRPr>
+            </a:lvl1pPr>
+            <a:lvl2pPr marL="742950" indent="-285750" algn="l" defTabSz="457200" rtl="0" eaLnBrk="1" latinLnBrk="0" hangingPunct="1">
+              <a:spcBef>
+                <a:spcPct val="20000"/>
+              </a:spcBef>
+              <a:buFont typeface="Wingdings" charset="2"/>
+              <a:buChar char="§"/>
+              <a:defRPr sz="2600" kern="1200">
+                <a:solidFill>
+                  <a:srgbClr val="474947"/>
+                </a:solidFill>
+                <a:latin typeface="+mn-lt"/>
+                <a:ea typeface="+mn-ea"/>
+                <a:cs typeface="+mn-cs"/>
+              </a:defRPr>
+            </a:lvl2pPr>
+            <a:lvl3pPr marL="1143000" indent="-228600" algn="l" defTabSz="457200" rtl="0" eaLnBrk="1" latinLnBrk="0" hangingPunct="1">
+              <a:spcBef>
+                <a:spcPct val="20000"/>
+              </a:spcBef>
+              <a:buFont typeface="Wingdings" charset="2"/>
+              <a:buChar char="§"/>
+              <a:defRPr sz="2200" kern="1200">
+                <a:solidFill>
+                  <a:srgbClr val="474947"/>
+                </a:solidFill>
+                <a:latin typeface="+mn-lt"/>
+                <a:ea typeface="+mn-ea"/>
+                <a:cs typeface="+mn-cs"/>
+              </a:defRPr>
+            </a:lvl3pPr>
+            <a:lvl4pPr marL="1600200" indent="-228600" algn="l" defTabSz="457200" rtl="0" eaLnBrk="1" latinLnBrk="0" hangingPunct="1">
+              <a:spcBef>
+                <a:spcPct val="20000"/>
+              </a:spcBef>
+              <a:buFont typeface="Wingdings" charset="2"/>
+              <a:buChar char="§"/>
+              <a:defRPr sz="2000" kern="1200">
+                <a:solidFill>
+                  <a:srgbClr val="474947"/>
+                </a:solidFill>
+                <a:latin typeface="+mn-lt"/>
+                <a:ea typeface="+mn-ea"/>
+                <a:cs typeface="+mn-cs"/>
+              </a:defRPr>
+            </a:lvl4pPr>
+            <a:lvl5pPr marL="2057400" indent="-228600" algn="l" defTabSz="457200" rtl="0" eaLnBrk="1" latinLnBrk="0" hangingPunct="1">
+              <a:spcBef>
+                <a:spcPct val="20000"/>
+              </a:spcBef>
+              <a:buFont typeface="Wingdings" charset="2"/>
+              <a:buChar char="§"/>
+              <a:defRPr sz="1800" kern="1200">
+                <a:solidFill>
+                  <a:srgbClr val="474947"/>
+                </a:solidFill>
+                <a:latin typeface="+mn-lt"/>
+                <a:ea typeface="+mn-ea"/>
+                <a:cs typeface="+mn-cs"/>
+              </a:defRPr>
+            </a:lvl5pPr>
+            <a:lvl6pPr marL="2514600" indent="-228600" algn="l" defTabSz="457200" rtl="0" eaLnBrk="1" latinLnBrk="0" hangingPunct="1">
+              <a:spcBef>
+                <a:spcPct val="20000"/>
+              </a:spcBef>
+              <a:buFont typeface="Arial"/>
+              <a:buChar char="•"/>
+              <a:defRPr sz="2000" kern="1200">
+                <a:solidFill>
+                  <a:schemeClr val="tx1"/>
+                </a:solidFill>
+                <a:latin typeface="+mn-lt"/>
+                <a:ea typeface="+mn-ea"/>
+                <a:cs typeface="+mn-cs"/>
+              </a:defRPr>
+            </a:lvl6pPr>
+            <a:lvl7pPr marL="2971800" indent="-228600" algn="l" defTabSz="457200" rtl="0" eaLnBrk="1" latinLnBrk="0" hangingPunct="1">
+              <a:spcBef>
+                <a:spcPct val="20000"/>
+              </a:spcBef>
+              <a:buFont typeface="Arial"/>
+              <a:buChar char="•"/>
+              <a:defRPr sz="2000" kern="1200">
+                <a:solidFill>
+                  <a:schemeClr val="tx1"/>
+                </a:solidFill>
+                <a:latin typeface="+mn-lt"/>
+                <a:ea typeface="+mn-ea"/>
+                <a:cs typeface="+mn-cs"/>
+              </a:defRPr>
+            </a:lvl7pPr>
+            <a:lvl8pPr marL="3429000" indent="-228600" algn="l" defTabSz="457200" rtl="0" eaLnBrk="1" latinLnBrk="0" hangingPunct="1">
+              <a:spcBef>
+                <a:spcPct val="20000"/>
+              </a:spcBef>
+              <a:buFont typeface="Arial"/>
+              <a:buChar char="•"/>
+              <a:defRPr sz="2000" kern="1200">
+                <a:solidFill>
+                  <a:schemeClr val="tx1"/>
+                </a:solidFill>
+                <a:latin typeface="+mn-lt"/>
+                <a:ea typeface="+mn-ea"/>
+                <a:cs typeface="+mn-cs"/>
+              </a:defRPr>
+            </a:lvl8pPr>
+            <a:lvl9pPr marL="3886200" indent="-228600" algn="l" defTabSz="457200" rtl="0" eaLnBrk="1" latinLnBrk="0" hangingPunct="1">
+              <a:spcBef>
+                <a:spcPct val="20000"/>
+              </a:spcBef>
+              <a:buFont typeface="Arial"/>
+              <a:buChar char="•"/>
+              <a:defRPr sz="2000" kern="1200">
+                <a:solidFill>
+                  <a:schemeClr val="tx1"/>
+                </a:solidFill>
+                <a:latin typeface="+mn-lt"/>
+                <a:ea typeface="+mn-ea"/>
+                <a:cs typeface="+mn-cs"/>
+              </a:defRPr>
+            </a:lvl9pPr>
+          </a:lstStyle>
+          <a:p>
+            <a:pPr marL="0" indent="0">
+              <a:buFont typeface="Wingdings" charset="2"/>
+              <a:buNone/>
+            </a:pPr>
+            <a:r>
+              <a:rPr lang="en-US" dirty="0"/>
+              <a:t>These four LSNs are equivalent</a:t>
+            </a:r>
+          </a:p>
+        </p:txBody>
+      </p:sp>
+    </p:spTree>
+    <p:extLst>
+      <p:ext uri="{BB962C8B-B14F-4D97-AF65-F5344CB8AC3E}">
+        <p14:creationId xmlns:p14="http://schemas.microsoft.com/office/powerpoint/2010/main" val="2618731270"/>
+      </p:ext>
+    </p:extLst>
+  </p:cSld>
+  <p:clrMapOvr>
+    <a:masterClrMapping/>
+  </p:clrMapOvr>
+</p:sld>
+</file>
+
+<file path=ppt/slides/slide24.xml><?xml version="1.0" encoding="utf-8"?>
+<p:sld xmlns:a="http://schemas.openxmlformats.org/drawingml/2006/main" xmlns:r="http://schemas.openxmlformats.org/officeDocument/2006/relationships" xmlns:p="http://schemas.openxmlformats.org/presentationml/2006/main">
+  <p:cSld>
+    <p:spTree>
+      <p:nvGrpSpPr>
+        <p:cNvPr id="1" name=""/>
+        <p:cNvGrpSpPr/>
+        <p:nvPr/>
+      </p:nvGrpSpPr>
+      <p:grpSpPr>
+        <a:xfrm>
+          <a:off x="0" y="0"/>
+          <a:ext cx="0" cy="0"/>
+          <a:chOff x="0" y="0"/>
+          <a:chExt cx="0" cy="0"/>
+        </a:xfrm>
+      </p:grpSpPr>
+      <p:sp>
+        <p:nvSpPr>
+          <p:cNvPr id="2" name="Title 1"/>
+          <p:cNvSpPr>
+            <a:spLocks noGrp="1"/>
+          </p:cNvSpPr>
+          <p:nvPr>
+            <p:ph type="title"/>
+          </p:nvPr>
+        </p:nvSpPr>
+        <p:spPr/>
+        <p:txBody>
+          <a:bodyPr/>
+          <a:lstStyle/>
+          <a:p>
+            <a:r>
+              <a:rPr lang="en-US" dirty="0"/>
+              <a:t>Demo</a:t>
+            </a:r>
+          </a:p>
+        </p:txBody>
+      </p:sp>
+      <p:sp>
+        <p:nvSpPr>
+          <p:cNvPr id="3" name="Content Placeholder 2"/>
+          <p:cNvSpPr>
+            <a:spLocks noGrp="1"/>
+          </p:cNvSpPr>
+          <p:nvPr>
+            <p:ph idx="1"/>
+          </p:nvPr>
+        </p:nvSpPr>
+        <p:spPr/>
+        <p:txBody>
+          <a:bodyPr/>
+          <a:lstStyle/>
+          <a:p>
+            <a:pPr marL="0" indent="0">
+              <a:buNone/>
+            </a:pPr>
+            <a:r>
+              <a:rPr lang="en-US" dirty="0"/>
+              <a:t>LSN Converter</a:t>
+            </a:r>
+          </a:p>
+        </p:txBody>
+      </p:sp>
+      <p:pic>
+        <p:nvPicPr>
+          <p:cNvPr id="4" name="Picture 3"/>
+          <p:cNvPicPr>
+            <a:picLocks noChangeAspect="1"/>
+          </p:cNvPicPr>
+          <p:nvPr/>
+        </p:nvPicPr>
+        <p:blipFill>
+          <a:blip r:embed="rId2"/>
+          <a:stretch>
+            <a:fillRect/>
+          </a:stretch>
+        </p:blipFill>
+        <p:spPr>
+          <a:xfrm>
+            <a:off x="763071" y="1653000"/>
+            <a:ext cx="7617858" cy="3552000"/>
+          </a:xfrm>
+          <a:prstGeom prst="rect">
+            <a:avLst/>
+          </a:prstGeom>
+        </p:spPr>
+      </p:pic>
+    </p:spTree>
+    <p:extLst>
+      <p:ext uri="{BB962C8B-B14F-4D97-AF65-F5344CB8AC3E}">
+        <p14:creationId xmlns:p14="http://schemas.microsoft.com/office/powerpoint/2010/main" val="958662350"/>
+      </p:ext>
+    </p:extLst>
+  </p:cSld>
+  <p:clrMapOvr>
+    <a:masterClrMapping/>
+  </p:clrMapOvr>
+</p:sld>
+</file>
+
+<file path=ppt/slides/slide25.xml><?xml version="1.0" encoding="utf-8"?>
+<p:sld xmlns:a="http://schemas.openxmlformats.org/drawingml/2006/main" xmlns:r="http://schemas.openxmlformats.org/officeDocument/2006/relationships" xmlns:p="http://schemas.openxmlformats.org/presentationml/2006/main">
+  <p:cSld>
+    <p:spTree>
+      <p:nvGrpSpPr>
+        <p:cNvPr id="1" name=""/>
+        <p:cNvGrpSpPr/>
+        <p:nvPr/>
+      </p:nvGrpSpPr>
+      <p:grpSpPr>
+        <a:xfrm>
+          <a:off x="0" y="0"/>
+          <a:ext cx="0" cy="0"/>
+          <a:chOff x="0" y="0"/>
+          <a:chExt cx="0" cy="0"/>
+        </a:xfrm>
+      </p:grpSpPr>
+      <p:sp>
+        <p:nvSpPr>
+          <p:cNvPr id="2" name="Title 1"/>
+          <p:cNvSpPr>
+            <a:spLocks noGrp="1"/>
+          </p:cNvSpPr>
+          <p:nvPr>
+            <p:ph type="title"/>
+          </p:nvPr>
+        </p:nvSpPr>
+        <p:spPr/>
+        <p:txBody>
+          <a:bodyPr/>
+          <a:lstStyle/>
+          <a:p>
+            <a:r>
+              <a:rPr lang="en-US" dirty="0"/>
+              <a:t>DBCC LOGINFO(‘</a:t>
+            </a:r>
+            <a:r>
+              <a:rPr lang="en-US" dirty="0" err="1"/>
+              <a:t>db_name</a:t>
+            </a:r>
+            <a:r>
+              <a:rPr lang="en-US" dirty="0"/>
+              <a:t>’)</a:t>
+            </a:r>
+          </a:p>
+        </p:txBody>
+      </p:sp>
+      <p:sp>
+        <p:nvSpPr>
+          <p:cNvPr id="3" name="Content Placeholder 2"/>
+          <p:cNvSpPr>
+            <a:spLocks noGrp="1"/>
+          </p:cNvSpPr>
+          <p:nvPr>
+            <p:ph idx="1"/>
+          </p:nvPr>
+        </p:nvSpPr>
+        <p:spPr>
+          <a:xfrm>
+            <a:off x="457200" y="1408113"/>
+            <a:ext cx="8229600" cy="676275"/>
+          </a:xfrm>
+        </p:spPr>
+        <p:txBody>
+          <a:bodyPr/>
+          <a:lstStyle/>
+          <a:p>
+            <a:pPr marL="0" indent="0">
+              <a:buNone/>
+            </a:pPr>
+            <a:r>
+              <a:rPr lang="en-US" dirty="0"/>
+              <a:t>Returns one row per VLF</a:t>
+            </a:r>
+          </a:p>
+        </p:txBody>
+      </p:sp>
+      <p:pic>
+        <p:nvPicPr>
+          <p:cNvPr id="5" name="Picture 4"/>
+          <p:cNvPicPr>
+            <a:picLocks noChangeAspect="1"/>
+          </p:cNvPicPr>
+          <p:nvPr/>
+        </p:nvPicPr>
+        <p:blipFill>
+          <a:blip r:embed="rId2"/>
+          <a:stretch>
+            <a:fillRect/>
+          </a:stretch>
+        </p:blipFill>
+        <p:spPr>
+          <a:xfrm>
+            <a:off x="457200" y="2084388"/>
+            <a:ext cx="8067675" cy="3634087"/>
+          </a:xfrm>
+          <a:prstGeom prst="rect">
+            <a:avLst/>
+          </a:prstGeom>
+        </p:spPr>
+      </p:pic>
+    </p:spTree>
+    <p:extLst>
+      <p:ext uri="{BB962C8B-B14F-4D97-AF65-F5344CB8AC3E}">
+        <p14:creationId xmlns:p14="http://schemas.microsoft.com/office/powerpoint/2010/main" val="3403567972"/>
+      </p:ext>
+    </p:extLst>
+  </p:cSld>
+  <p:clrMapOvr>
+    <a:masterClrMapping/>
+  </p:clrMapOvr>
+</p:sld>
+</file>
+
+<file path=ppt/slides/slide26.xml><?xml version="1.0" encoding="utf-8"?>
+<p:sld xmlns:a="http://schemas.openxmlformats.org/drawingml/2006/main" xmlns:r="http://schemas.openxmlformats.org/officeDocument/2006/relationships" xmlns:p="http://schemas.openxmlformats.org/presentationml/2006/main">
+  <p:cSld>
+    <p:spTree>
+      <p:nvGrpSpPr>
+        <p:cNvPr id="1" name=""/>
+        <p:cNvGrpSpPr/>
+        <p:nvPr/>
+      </p:nvGrpSpPr>
+      <p:grpSpPr>
+        <a:xfrm>
+          <a:off x="0" y="0"/>
+          <a:ext cx="0" cy="0"/>
+          <a:chOff x="0" y="0"/>
+          <a:chExt cx="0" cy="0"/>
+        </a:xfrm>
+      </p:grpSpPr>
+      <p:sp>
+        <p:nvSpPr>
+          <p:cNvPr id="2" name="Title 1"/>
+          <p:cNvSpPr>
+            <a:spLocks noGrp="1"/>
+          </p:cNvSpPr>
+          <p:nvPr>
+            <p:ph type="title"/>
+          </p:nvPr>
+        </p:nvSpPr>
+        <p:spPr/>
+        <p:txBody>
+          <a:bodyPr/>
+          <a:lstStyle/>
+          <a:p>
+            <a:r>
+              <a:rPr lang="en-US" dirty="0"/>
+              <a:t>Demo</a:t>
+            </a:r>
+          </a:p>
+        </p:txBody>
+      </p:sp>
+      <p:sp>
+        <p:nvSpPr>
+          <p:cNvPr id="3" name="Content Placeholder 2"/>
+          <p:cNvSpPr>
+            <a:spLocks noGrp="1"/>
+          </p:cNvSpPr>
+          <p:nvPr>
+            <p:ph idx="1"/>
+          </p:nvPr>
+        </p:nvSpPr>
+        <p:spPr/>
+        <p:txBody>
+          <a:bodyPr/>
+          <a:lstStyle/>
+          <a:p>
+            <a:pPr marL="0" indent="0">
+              <a:buNone/>
+            </a:pPr>
+            <a:r>
+              <a:rPr lang="en-US" dirty="0"/>
+              <a:t>DBCC LOGINFO</a:t>
+            </a:r>
+          </a:p>
+        </p:txBody>
+      </p:sp>
+      <p:pic>
+        <p:nvPicPr>
+          <p:cNvPr id="4" name="Picture 3"/>
+          <p:cNvPicPr>
+            <a:picLocks noChangeAspect="1"/>
+          </p:cNvPicPr>
+          <p:nvPr/>
+        </p:nvPicPr>
+        <p:blipFill>
+          <a:blip r:embed="rId2"/>
+          <a:stretch>
+            <a:fillRect/>
+          </a:stretch>
+        </p:blipFill>
+        <p:spPr>
+          <a:xfrm>
+            <a:off x="763071" y="1653000"/>
+            <a:ext cx="7617858" cy="3552000"/>
+          </a:xfrm>
+          <a:prstGeom prst="rect">
+            <a:avLst/>
+          </a:prstGeom>
+        </p:spPr>
+      </p:pic>
+    </p:spTree>
+    <p:extLst>
+      <p:ext uri="{BB962C8B-B14F-4D97-AF65-F5344CB8AC3E}">
+        <p14:creationId xmlns:p14="http://schemas.microsoft.com/office/powerpoint/2010/main" val="4134537087"/>
+      </p:ext>
+    </p:extLst>
+  </p:cSld>
+  <p:clrMapOvr>
+    <a:masterClrMapping/>
+  </p:clrMapOvr>
+</p:sld>
+</file>
+
+<file path=ppt/slides/slide27.xml><?xml version="1.0" encoding="utf-8"?>
+<p:sld xmlns:a="http://schemas.openxmlformats.org/drawingml/2006/main" xmlns:r="http://schemas.openxmlformats.org/officeDocument/2006/relationships" xmlns:p="http://schemas.openxmlformats.org/presentationml/2006/main">
+  <p:cSld>
+    <p:spTree>
+      <p:nvGrpSpPr>
+        <p:cNvPr id="1" name=""/>
+        <p:cNvGrpSpPr/>
+        <p:nvPr/>
+      </p:nvGrpSpPr>
+      <p:grpSpPr>
+        <a:xfrm>
+          <a:off x="0" y="0"/>
+          <a:ext cx="0" cy="0"/>
+          <a:chOff x="0" y="0"/>
+          <a:chExt cx="0" cy="0"/>
+        </a:xfrm>
+      </p:grpSpPr>
+      <p:sp>
+        <p:nvSpPr>
+          <p:cNvPr id="2" name="Title 1"/>
+          <p:cNvSpPr>
+            <a:spLocks noGrp="1"/>
+          </p:cNvSpPr>
+          <p:nvPr>
+            <p:ph type="title"/>
+          </p:nvPr>
+        </p:nvSpPr>
+        <p:spPr/>
+        <p:txBody>
+          <a:bodyPr/>
+          <a:lstStyle/>
+          <a:p>
+            <a:r>
+              <a:rPr lang="en-US" dirty="0" err="1"/>
+              <a:t>fn_dblog</a:t>
+            </a:r>
+            <a:r>
+              <a:rPr lang="en-US" dirty="0"/>
+              <a:t>(</a:t>
+            </a:r>
+            <a:r>
+              <a:rPr lang="en-US" dirty="0" err="1"/>
+              <a:t>start_lsn</a:t>
+            </a:r>
+            <a:r>
+              <a:rPr lang="en-US" dirty="0"/>
+              <a:t>, </a:t>
+            </a:r>
+            <a:r>
+              <a:rPr lang="en-US" dirty="0" err="1"/>
+              <a:t>end_lsn</a:t>
+            </a:r>
+            <a:r>
+              <a:rPr lang="en-US" dirty="0"/>
+              <a:t>)</a:t>
+            </a:r>
+          </a:p>
+        </p:txBody>
+      </p:sp>
+      <p:sp>
+        <p:nvSpPr>
+          <p:cNvPr id="3" name="Content Placeholder 2"/>
+          <p:cNvSpPr>
+            <a:spLocks noGrp="1"/>
+          </p:cNvSpPr>
+          <p:nvPr>
+            <p:ph idx="1"/>
+          </p:nvPr>
+        </p:nvSpPr>
+        <p:spPr>
+          <a:xfrm>
+            <a:off x="457200" y="1397001"/>
+            <a:ext cx="8229600" cy="704850"/>
+          </a:xfrm>
+        </p:spPr>
+        <p:txBody>
+          <a:bodyPr/>
+          <a:lstStyle/>
+          <a:p>
+            <a:pPr marL="0" indent="0">
+              <a:buNone/>
+            </a:pPr>
+            <a:r>
+              <a:rPr lang="en-US" dirty="0"/>
+              <a:t>Returns one row per log record</a:t>
+            </a:r>
+          </a:p>
+        </p:txBody>
+      </p:sp>
+      <p:pic>
+        <p:nvPicPr>
+          <p:cNvPr id="4" name="Picture 3"/>
+          <p:cNvPicPr>
+            <a:picLocks noChangeAspect="1"/>
+          </p:cNvPicPr>
+          <p:nvPr/>
+        </p:nvPicPr>
+        <p:blipFill>
+          <a:blip r:embed="rId2"/>
+          <a:stretch>
+            <a:fillRect/>
+          </a:stretch>
+        </p:blipFill>
+        <p:spPr>
+          <a:xfrm>
+            <a:off x="457200" y="2025651"/>
+            <a:ext cx="7962900" cy="4032860"/>
+          </a:xfrm>
+          <a:prstGeom prst="rect">
+            <a:avLst/>
+          </a:prstGeom>
+        </p:spPr>
+      </p:pic>
+    </p:spTree>
+    <p:extLst>
+      <p:ext uri="{BB962C8B-B14F-4D97-AF65-F5344CB8AC3E}">
+        <p14:creationId xmlns:p14="http://schemas.microsoft.com/office/powerpoint/2010/main" val="2370315233"/>
+      </p:ext>
+    </p:extLst>
+  </p:cSld>
+  <p:clrMapOvr>
+    <a:masterClrMapping/>
+  </p:clrMapOvr>
+</p:sld>
+</file>
+
+<file path=ppt/slides/slide28.xml><?xml version="1.0" encoding="utf-8"?>
+<p:sld xmlns:a="http://schemas.openxmlformats.org/drawingml/2006/main" xmlns:r="http://schemas.openxmlformats.org/officeDocument/2006/relationships" xmlns:p="http://schemas.openxmlformats.org/presentationml/2006/main">
+  <p:cSld>
+    <p:spTree>
+      <p:nvGrpSpPr>
+        <p:cNvPr id="1" name=""/>
+        <p:cNvGrpSpPr/>
+        <p:nvPr/>
+      </p:nvGrpSpPr>
+      <p:grpSpPr>
+        <a:xfrm>
+          <a:off x="0" y="0"/>
+          <a:ext cx="0" cy="0"/>
+          <a:chOff x="0" y="0"/>
+          <a:chExt cx="0" cy="0"/>
+        </a:xfrm>
+      </p:grpSpPr>
+      <p:sp>
+        <p:nvSpPr>
+          <p:cNvPr id="2" name="Title 1"/>
+          <p:cNvSpPr>
+            <a:spLocks noGrp="1"/>
+          </p:cNvSpPr>
+          <p:nvPr>
+            <p:ph type="title"/>
+          </p:nvPr>
+        </p:nvSpPr>
+        <p:spPr/>
+        <p:txBody>
+          <a:bodyPr/>
+          <a:lstStyle/>
+          <a:p>
+            <a:r>
+              <a:rPr lang="en-US" dirty="0"/>
+              <a:t>Demo</a:t>
+            </a:r>
+          </a:p>
+        </p:txBody>
+      </p:sp>
+      <p:sp>
+        <p:nvSpPr>
+          <p:cNvPr id="3" name="Content Placeholder 2"/>
+          <p:cNvSpPr>
+            <a:spLocks noGrp="1"/>
+          </p:cNvSpPr>
+          <p:nvPr>
+            <p:ph idx="1"/>
+          </p:nvPr>
+        </p:nvSpPr>
+        <p:spPr/>
+        <p:txBody>
+          <a:bodyPr/>
+          <a:lstStyle/>
+          <a:p>
+            <a:pPr marL="0" indent="0">
+              <a:buNone/>
+            </a:pPr>
+            <a:r>
+              <a:rPr lang="en-US" dirty="0" err="1"/>
+              <a:t>fn_dblog</a:t>
+            </a:r>
+            <a:endParaRPr lang="en-US" dirty="0"/>
+          </a:p>
+        </p:txBody>
+      </p:sp>
+      <p:pic>
+        <p:nvPicPr>
+          <p:cNvPr id="4" name="Picture 3"/>
+          <p:cNvPicPr>
+            <a:picLocks noChangeAspect="1"/>
+          </p:cNvPicPr>
+          <p:nvPr/>
+        </p:nvPicPr>
+        <p:blipFill>
+          <a:blip r:embed="rId2"/>
+          <a:stretch>
+            <a:fillRect/>
+          </a:stretch>
+        </p:blipFill>
+        <p:spPr>
+          <a:xfrm>
+            <a:off x="763071" y="1653000"/>
+            <a:ext cx="7617858" cy="3552000"/>
+          </a:xfrm>
+          <a:prstGeom prst="rect">
+            <a:avLst/>
+          </a:prstGeom>
+        </p:spPr>
+      </p:pic>
+    </p:spTree>
+    <p:extLst>
+      <p:ext uri="{BB962C8B-B14F-4D97-AF65-F5344CB8AC3E}">
+        <p14:creationId xmlns:p14="http://schemas.microsoft.com/office/powerpoint/2010/main" val="2250290301"/>
+      </p:ext>
+    </p:extLst>
+  </p:cSld>
+  <p:clrMapOvr>
+    <a:masterClrMapping/>
+  </p:clrMapOvr>
+</p:sld>
+</file>
+
+<file path=ppt/slides/slide29.xml><?xml version="1.0" encoding="utf-8"?>
+<p:sld xmlns:a="http://schemas.openxmlformats.org/drawingml/2006/main" xmlns:r="http://schemas.openxmlformats.org/officeDocument/2006/relationships" xmlns:p="http://schemas.openxmlformats.org/presentationml/2006/main">
+  <p:cSld>
+    <p:spTree>
+      <p:nvGrpSpPr>
+        <p:cNvPr id="1" name=""/>
+        <p:cNvGrpSpPr/>
+        <p:nvPr/>
+      </p:nvGrpSpPr>
+      <p:grpSpPr>
+        <a:xfrm>
+          <a:off x="0" y="0"/>
+          <a:ext cx="0" cy="0"/>
+          <a:chOff x="0" y="0"/>
+          <a:chExt cx="0" cy="0"/>
+        </a:xfrm>
+      </p:grpSpPr>
+      <p:sp>
+        <p:nvSpPr>
+          <p:cNvPr id="2" name="Title 1"/>
+          <p:cNvSpPr>
+            <a:spLocks noGrp="1"/>
+          </p:cNvSpPr>
+          <p:nvPr>
+            <p:ph type="title"/>
+          </p:nvPr>
+        </p:nvSpPr>
+        <p:spPr/>
+        <p:txBody>
+          <a:bodyPr/>
+          <a:lstStyle/>
+          <a:p>
+            <a:r>
+              <a:rPr lang="en-US" dirty="0"/>
+              <a:t>Related commands/function</a:t>
+            </a:r>
+          </a:p>
+        </p:txBody>
+      </p:sp>
+      <p:sp>
+        <p:nvSpPr>
+          <p:cNvPr id="3" name="Content Placeholder 2"/>
+          <p:cNvSpPr>
+            <a:spLocks noGrp="1"/>
+          </p:cNvSpPr>
+          <p:nvPr>
+            <p:ph idx="1"/>
+          </p:nvPr>
+        </p:nvSpPr>
+        <p:spPr/>
+        <p:txBody>
+          <a:bodyPr/>
+          <a:lstStyle/>
+          <a:p>
+            <a:r>
+              <a:rPr lang="en-US" dirty="0"/>
+              <a:t>DBCC SQLPERF(LOGSPACE)</a:t>
+            </a:r>
+          </a:p>
+          <a:p>
+            <a:pPr lvl="1"/>
+            <a:r>
+              <a:rPr lang="en-US" dirty="0"/>
+              <a:t>Log size, percent used per database</a:t>
+            </a:r>
+          </a:p>
+          <a:p>
+            <a:r>
+              <a:rPr lang="en-US" dirty="0" err="1"/>
+              <a:t>fn_dump_dblog</a:t>
+            </a:r>
+            <a:endParaRPr lang="en-US" dirty="0"/>
+          </a:p>
+          <a:p>
+            <a:pPr lvl="1"/>
+            <a:r>
+              <a:rPr lang="en-US" dirty="0"/>
+              <a:t>Similar to </a:t>
+            </a:r>
+            <a:r>
+              <a:rPr lang="en-US" dirty="0" err="1"/>
+              <a:t>fn_dblog</a:t>
+            </a:r>
+            <a:r>
+              <a:rPr lang="en-US" dirty="0"/>
+              <a:t>, but reads </a:t>
+            </a:r>
+            <a:r>
+              <a:rPr lang="en-US"/>
+              <a:t>from backup file</a:t>
+            </a:r>
+            <a:endParaRPr lang="en-US" dirty="0"/>
+          </a:p>
+        </p:txBody>
+      </p:sp>
+    </p:spTree>
+    <p:extLst>
+      <p:ext uri="{BB962C8B-B14F-4D97-AF65-F5344CB8AC3E}">
+        <p14:creationId xmlns:p14="http://schemas.microsoft.com/office/powerpoint/2010/main" val="961231621"/>
+      </p:ext>
+    </p:extLst>
+  </p:cSld>
+  <p:clrMapOvr>
+    <a:masterClrMapping/>
+  </p:clrMapOvr>
+</p:sld>
+</file>
+
+<file path=ppt/slides/slide3.xml><?xml version="1.0" encoding="utf-8"?>
 <p:sld xmlns:a="http://schemas.openxmlformats.org/drawingml/2006/main" xmlns:r="http://schemas.openxmlformats.org/officeDocument/2006/relationships" xmlns:p="http://schemas.openxmlformats.org/presentationml/2006/main">
   <p:cSld>
     <p:spTree>
@@ -7371,1661 +9035,6 @@
 </p:sld>
 </file>
 
-<file path=ppt/slides/slide20.xml><?xml version="1.0" encoding="utf-8"?>
-<p:sld xmlns:a="http://schemas.openxmlformats.org/drawingml/2006/main" xmlns:r="http://schemas.openxmlformats.org/officeDocument/2006/relationships" xmlns:p="http://schemas.openxmlformats.org/presentationml/2006/main">
-  <p:cSld>
-    <p:spTree>
-      <p:nvGrpSpPr>
-        <p:cNvPr id="1" name=""/>
-        <p:cNvGrpSpPr/>
-        <p:nvPr/>
-      </p:nvGrpSpPr>
-      <p:grpSpPr>
-        <a:xfrm>
-          <a:off x="0" y="0"/>
-          <a:ext cx="0" cy="0"/>
-          <a:chOff x="0" y="0"/>
-          <a:chExt cx="0" cy="0"/>
-        </a:xfrm>
-      </p:grpSpPr>
-      <p:sp>
-        <p:nvSpPr>
-          <p:cNvPr id="2" name="Title 1"/>
-          <p:cNvSpPr>
-            <a:spLocks noGrp="1"/>
-          </p:cNvSpPr>
-          <p:nvPr>
-            <p:ph type="title"/>
-          </p:nvPr>
-        </p:nvSpPr>
-        <p:spPr/>
-        <p:txBody>
-          <a:bodyPr/>
-          <a:lstStyle/>
-          <a:p>
-            <a:r>
-              <a:rPr lang="en-US" dirty="0"/>
-              <a:t>Log Record Detail</a:t>
-            </a:r>
-          </a:p>
-        </p:txBody>
-      </p:sp>
-      <p:sp>
-        <p:nvSpPr>
-          <p:cNvPr id="3" name="Content Placeholder 2"/>
-          <p:cNvSpPr>
-            <a:spLocks noGrp="1"/>
-          </p:cNvSpPr>
-          <p:nvPr>
-            <p:ph idx="1"/>
-          </p:nvPr>
-        </p:nvSpPr>
-        <p:spPr>
-          <a:xfrm>
-            <a:off x="457201" y="3797145"/>
-            <a:ext cx="8229600" cy="2329018"/>
-          </a:xfrm>
-        </p:spPr>
-        <p:txBody>
-          <a:bodyPr>
-            <a:normAutofit lnSpcReduction="10000"/>
-          </a:bodyPr>
-          <a:lstStyle/>
-          <a:p>
-            <a:r>
-              <a:rPr lang="en-US" dirty="0"/>
-              <a:t>Of course, a header</a:t>
-            </a:r>
-          </a:p>
-          <a:p>
-            <a:pPr lvl="1"/>
-            <a:r>
-              <a:rPr lang="en-US" dirty="0"/>
-              <a:t>Record type, transaction ID, length, pointer to previous transaction record, etc.</a:t>
-            </a:r>
-          </a:p>
-          <a:p>
-            <a:r>
-              <a:rPr lang="en-US" dirty="0"/>
-              <a:t>Payload</a:t>
-            </a:r>
-          </a:p>
-          <a:p>
-            <a:pPr lvl="1"/>
-            <a:r>
-              <a:rPr lang="en-US" dirty="0"/>
-              <a:t>Before/after image of changes</a:t>
-            </a:r>
-          </a:p>
-        </p:txBody>
-      </p:sp>
-      <p:pic>
-        <p:nvPicPr>
-          <p:cNvPr id="4" name="Picture 3"/>
-          <p:cNvPicPr>
-            <a:picLocks noChangeAspect="1"/>
-          </p:cNvPicPr>
-          <p:nvPr/>
-        </p:nvPicPr>
-        <p:blipFill>
-          <a:blip r:embed="rId2"/>
-          <a:stretch>
-            <a:fillRect/>
-          </a:stretch>
-        </p:blipFill>
-        <p:spPr>
-          <a:xfrm>
-            <a:off x="457200" y="1417320"/>
-            <a:ext cx="8199451" cy="2377440"/>
-          </a:xfrm>
-          <a:prstGeom prst="rect">
-            <a:avLst/>
-          </a:prstGeom>
-        </p:spPr>
-      </p:pic>
-    </p:spTree>
-    <p:extLst>
-      <p:ext uri="{BB962C8B-B14F-4D97-AF65-F5344CB8AC3E}">
-        <p14:creationId xmlns:p14="http://schemas.microsoft.com/office/powerpoint/2010/main" val="3638472235"/>
-      </p:ext>
-    </p:extLst>
-  </p:cSld>
-  <p:clrMapOvr>
-    <a:masterClrMapping/>
-  </p:clrMapOvr>
-</p:sld>
-</file>
-
-<file path=ppt/slides/slide21.xml><?xml version="1.0" encoding="utf-8"?>
-<p:sld xmlns:a="http://schemas.openxmlformats.org/drawingml/2006/main" xmlns:r="http://schemas.openxmlformats.org/officeDocument/2006/relationships" xmlns:p="http://schemas.openxmlformats.org/presentationml/2006/main">
-  <p:cSld>
-    <p:spTree>
-      <p:nvGrpSpPr>
-        <p:cNvPr id="1" name=""/>
-        <p:cNvGrpSpPr/>
-        <p:nvPr/>
-      </p:nvGrpSpPr>
-      <p:grpSpPr>
-        <a:xfrm>
-          <a:off x="0" y="0"/>
-          <a:ext cx="0" cy="0"/>
-          <a:chOff x="0" y="0"/>
-          <a:chExt cx="0" cy="0"/>
-        </a:xfrm>
-      </p:grpSpPr>
-      <p:sp>
-        <p:nvSpPr>
-          <p:cNvPr id="2" name="Title 1"/>
-          <p:cNvSpPr>
-            <a:spLocks noGrp="1"/>
-          </p:cNvSpPr>
-          <p:nvPr>
-            <p:ph type="title"/>
-          </p:nvPr>
-        </p:nvSpPr>
-        <p:spPr/>
-        <p:txBody>
-          <a:bodyPr/>
-          <a:lstStyle/>
-          <a:p>
-            <a:r>
-              <a:rPr lang="en-US" dirty="0"/>
-              <a:t>Log Sequence Number</a:t>
-            </a:r>
-          </a:p>
-        </p:txBody>
-      </p:sp>
-      <p:sp>
-        <p:nvSpPr>
-          <p:cNvPr id="3" name="Content Placeholder 2"/>
-          <p:cNvSpPr>
-            <a:spLocks noGrp="1"/>
-          </p:cNvSpPr>
-          <p:nvPr>
-            <p:ph idx="1"/>
-          </p:nvPr>
-        </p:nvSpPr>
-        <p:spPr/>
-        <p:txBody>
-          <a:bodyPr/>
-          <a:lstStyle/>
-          <a:p>
-            <a:r>
-              <a:rPr lang="en-US" dirty="0"/>
-              <a:t>Each log record can be uniquely identified by its Log Sequence Number (LSN)</a:t>
-            </a:r>
-          </a:p>
-          <a:p>
-            <a:r>
-              <a:rPr lang="en-US" dirty="0"/>
-              <a:t>An LSN is composed of three parts</a:t>
-            </a:r>
-          </a:p>
-          <a:p>
-            <a:pPr lvl="1"/>
-            <a:r>
-              <a:rPr lang="en-US" dirty="0"/>
-              <a:t>VLF number</a:t>
-            </a:r>
-          </a:p>
-          <a:p>
-            <a:pPr lvl="1"/>
-            <a:r>
-              <a:rPr lang="en-US" dirty="0"/>
-              <a:t>Log Block offset (512-byte chunks, not necessarily contiguous)</a:t>
-            </a:r>
-          </a:p>
-          <a:p>
-            <a:pPr lvl="1"/>
-            <a:r>
-              <a:rPr lang="en-US" dirty="0"/>
-              <a:t>Log Record number (slot number)</a:t>
-            </a:r>
-          </a:p>
-          <a:p>
-            <a:r>
-              <a:rPr lang="en-US" dirty="0"/>
-              <a:t>The LSN is in a very real way a pointer into the (logical) log file</a:t>
-            </a:r>
-          </a:p>
-        </p:txBody>
-      </p:sp>
-    </p:spTree>
-    <p:extLst>
-      <p:ext uri="{BB962C8B-B14F-4D97-AF65-F5344CB8AC3E}">
-        <p14:creationId xmlns:p14="http://schemas.microsoft.com/office/powerpoint/2010/main" val="1560482780"/>
-      </p:ext>
-    </p:extLst>
-  </p:cSld>
-  <p:clrMapOvr>
-    <a:masterClrMapping/>
-  </p:clrMapOvr>
-</p:sld>
-</file>
-
-<file path=ppt/slides/slide22.xml><?xml version="1.0" encoding="utf-8"?>
-<p:sld xmlns:a="http://schemas.openxmlformats.org/drawingml/2006/main" xmlns:r="http://schemas.openxmlformats.org/officeDocument/2006/relationships" xmlns:p="http://schemas.openxmlformats.org/presentationml/2006/main">
-  <p:cSld>
-    <p:spTree>
-      <p:nvGrpSpPr>
-        <p:cNvPr id="1" name=""/>
-        <p:cNvGrpSpPr/>
-        <p:nvPr/>
-      </p:nvGrpSpPr>
-      <p:grpSpPr>
-        <a:xfrm>
-          <a:off x="0" y="0"/>
-          <a:ext cx="0" cy="0"/>
-          <a:chOff x="0" y="0"/>
-          <a:chExt cx="0" cy="0"/>
-        </a:xfrm>
-      </p:grpSpPr>
-      <p:sp>
-        <p:nvSpPr>
-          <p:cNvPr id="2" name="Title 1"/>
-          <p:cNvSpPr>
-            <a:spLocks noGrp="1"/>
-          </p:cNvSpPr>
-          <p:nvPr>
-            <p:ph type="title"/>
-          </p:nvPr>
-        </p:nvSpPr>
-        <p:spPr/>
-        <p:txBody>
-          <a:bodyPr/>
-          <a:lstStyle/>
-          <a:p>
-            <a:r>
-              <a:rPr lang="en-US" dirty="0"/>
-              <a:t>LSN Representations</a:t>
-            </a:r>
-          </a:p>
-        </p:txBody>
-      </p:sp>
-      <p:sp>
-        <p:nvSpPr>
-          <p:cNvPr id="3" name="Content Placeholder 2"/>
-          <p:cNvSpPr>
-            <a:spLocks noGrp="1"/>
-          </p:cNvSpPr>
-          <p:nvPr>
-            <p:ph idx="1"/>
-          </p:nvPr>
-        </p:nvSpPr>
-        <p:spPr>
-          <a:xfrm>
-            <a:off x="457200" y="1600201"/>
-            <a:ext cx="8229600" cy="628650"/>
-          </a:xfrm>
-        </p:spPr>
-        <p:txBody>
-          <a:bodyPr/>
-          <a:lstStyle/>
-          <a:p>
-            <a:pPr marL="0" indent="0">
-              <a:buNone/>
-            </a:pPr>
-            <a:r>
-              <a:rPr lang="en-US" dirty="0"/>
-              <a:t>Four common ways to express an LSN</a:t>
-            </a:r>
-          </a:p>
-        </p:txBody>
-      </p:sp>
-      <p:graphicFrame>
-        <p:nvGraphicFramePr>
-          <p:cNvPr id="4" name="Table 3"/>
-          <p:cNvGraphicFramePr>
-            <a:graphicFrameLocks noGrp="1"/>
-          </p:cNvGraphicFramePr>
-          <p:nvPr>
-            <p:extLst>
-              <p:ext uri="{D42A27DB-BD31-4B8C-83A1-F6EECF244321}">
-                <p14:modId xmlns:p14="http://schemas.microsoft.com/office/powerpoint/2010/main" val="3688946346"/>
-              </p:ext>
-            </p:extLst>
-          </p:nvPr>
-        </p:nvGraphicFramePr>
-        <p:xfrm>
-          <a:off x="457200" y="2352675"/>
-          <a:ext cx="8229600" cy="2419826"/>
-        </p:xfrm>
-        <a:graphic>
-          <a:graphicData uri="http://schemas.openxmlformats.org/drawingml/2006/table">
-            <a:tbl>
-              <a:tblPr firstRow="1" bandRow="1">
-                <a:tableStyleId>{5C22544A-7EE6-4342-B048-85BDC9FD1C3A}</a:tableStyleId>
-              </a:tblPr>
-              <a:tblGrid>
-                <a:gridCol w="1895475">
-                  <a:extLst>
-                    <a:ext uri="{9D8B030D-6E8A-4147-A177-3AD203B41FA5}">
-                      <a16:colId xmlns:a16="http://schemas.microsoft.com/office/drawing/2014/main" xmlns="" val="20000"/>
-                    </a:ext>
-                  </a:extLst>
-                </a:gridCol>
-                <a:gridCol w="3171825">
-                  <a:extLst>
-                    <a:ext uri="{9D8B030D-6E8A-4147-A177-3AD203B41FA5}">
-                      <a16:colId xmlns:a16="http://schemas.microsoft.com/office/drawing/2014/main" xmlns="" val="20001"/>
-                    </a:ext>
-                  </a:extLst>
-                </a:gridCol>
-                <a:gridCol w="3162300">
-                  <a:extLst>
-                    <a:ext uri="{9D8B030D-6E8A-4147-A177-3AD203B41FA5}">
-                      <a16:colId xmlns:a16="http://schemas.microsoft.com/office/drawing/2014/main" xmlns="" val="20002"/>
-                    </a:ext>
-                  </a:extLst>
-                </a:gridCol>
-              </a:tblGrid>
-              <a:tr h="397986">
-                <a:tc>
-                  <a:txBody>
-                    <a:bodyPr/>
-                    <a:lstStyle/>
-                    <a:p>
-                      <a:r>
-                        <a:rPr lang="en-US" dirty="0"/>
-                        <a:t>Format</a:t>
-                      </a:r>
-                    </a:p>
-                  </a:txBody>
-                  <a:tcPr/>
-                </a:tc>
-                <a:tc>
-                  <a:txBody>
-                    <a:bodyPr/>
-                    <a:lstStyle/>
-                    <a:p>
-                      <a:r>
-                        <a:rPr lang="en-US" dirty="0"/>
-                        <a:t>Example</a:t>
-                      </a:r>
-                    </a:p>
-                  </a:txBody>
-                  <a:tcPr/>
-                </a:tc>
-                <a:tc>
-                  <a:txBody>
-                    <a:bodyPr/>
-                    <a:lstStyle/>
-                    <a:p>
-                      <a:r>
-                        <a:rPr lang="en-US" dirty="0"/>
-                        <a:t>Common uses</a:t>
-                      </a:r>
-                    </a:p>
-                  </a:txBody>
-                  <a:tcPr/>
-                </a:tc>
-                <a:extLst>
-                  <a:ext uri="{0D108BD9-81ED-4DB2-BD59-A6C34878D82A}">
-                    <a16:rowId xmlns:a16="http://schemas.microsoft.com/office/drawing/2014/main" xmlns="" val="10000"/>
-                  </a:ext>
-                </a:extLst>
-              </a:tr>
-              <a:tr h="370840">
-                <a:tc>
-                  <a:txBody>
-                    <a:bodyPr/>
-                    <a:lstStyle/>
-                    <a:p>
-                      <a:r>
-                        <a:rPr lang="en-US" dirty="0"/>
-                        <a:t>Colon-separated (hexadecimal)</a:t>
-                      </a:r>
-                    </a:p>
-                  </a:txBody>
-                  <a:tcPr/>
-                </a:tc>
-                <a:tc>
-                  <a:txBody>
-                    <a:bodyPr/>
-                    <a:lstStyle/>
-                    <a:p>
-                      <a:pPr marL="0" marR="0" lvl="1" indent="0" algn="l" defTabSz="457200" rtl="0" eaLnBrk="1" fontAlgn="auto" latinLnBrk="0" hangingPunct="1">
-                        <a:lnSpc>
-                          <a:spcPct val="100000"/>
-                        </a:lnSpc>
-                        <a:spcBef>
-                          <a:spcPts val="0"/>
-                        </a:spcBef>
-                        <a:spcAft>
-                          <a:spcPts val="0"/>
-                        </a:spcAft>
-                        <a:buClrTx/>
-                        <a:buSzTx/>
-                        <a:buFontTx/>
-                        <a:buNone/>
-                        <a:tabLst/>
-                        <a:defRPr/>
-                      </a:pPr>
-                      <a:r>
-                        <a:rPr lang="en-US" dirty="0"/>
-                        <a:t>000001c0:0000006b:0005</a:t>
-                      </a:r>
-                    </a:p>
-                  </a:txBody>
-                  <a:tcPr/>
-                </a:tc>
-                <a:tc>
-                  <a:txBody>
-                    <a:bodyPr/>
-                    <a:lstStyle/>
-                    <a:p>
-                      <a:r>
-                        <a:rPr lang="en-US" dirty="0"/>
-                        <a:t>Log management</a:t>
-                      </a:r>
-                    </a:p>
-                  </a:txBody>
-                  <a:tcPr/>
-                </a:tc>
-                <a:extLst>
-                  <a:ext uri="{0D108BD9-81ED-4DB2-BD59-A6C34878D82A}">
-                    <a16:rowId xmlns:a16="http://schemas.microsoft.com/office/drawing/2014/main" xmlns="" val="10001"/>
-                  </a:ext>
-                </a:extLst>
-              </a:tr>
-              <a:tr h="370840">
-                <a:tc>
-                  <a:txBody>
-                    <a:bodyPr/>
-                    <a:lstStyle/>
-                    <a:p>
-                      <a:r>
-                        <a:rPr lang="en-US" dirty="0"/>
-                        <a:t>Hexadecimal</a:t>
-                      </a:r>
-                    </a:p>
-                  </a:txBody>
-                  <a:tcPr/>
-                </a:tc>
-                <a:tc>
-                  <a:txBody>
-                    <a:bodyPr/>
-                    <a:lstStyle/>
-                    <a:p>
-                      <a:pPr marL="0" marR="0" lvl="1" indent="0" algn="l" defTabSz="457200" rtl="0" eaLnBrk="1" fontAlgn="auto" latinLnBrk="0" hangingPunct="1">
-                        <a:lnSpc>
-                          <a:spcPct val="100000"/>
-                        </a:lnSpc>
-                        <a:spcBef>
-                          <a:spcPts val="0"/>
-                        </a:spcBef>
-                        <a:spcAft>
-                          <a:spcPts val="0"/>
-                        </a:spcAft>
-                        <a:buClrTx/>
-                        <a:buSzTx/>
-                        <a:buFontTx/>
-                        <a:buNone/>
-                        <a:tabLst/>
-                        <a:defRPr/>
-                      </a:pPr>
-                      <a:r>
-                        <a:rPr lang="en-US" sz="1800" kern="1200" dirty="0">
-                          <a:solidFill>
-                            <a:schemeClr val="dk1"/>
-                          </a:solidFill>
-                          <a:latin typeface="+mn-lt"/>
-                          <a:ea typeface="+mn-ea"/>
-                          <a:cs typeface="+mn-cs"/>
-                        </a:rPr>
-                        <a:t>0x000001c00000006b0005</a:t>
-                      </a:r>
-                      <a:endParaRPr lang="en-US" dirty="0"/>
-                    </a:p>
-                  </a:txBody>
-                  <a:tcPr/>
-                </a:tc>
-                <a:tc>
-                  <a:txBody>
-                    <a:bodyPr/>
-                    <a:lstStyle/>
-                    <a:p>
-                      <a:r>
-                        <a:rPr lang="en-US" dirty="0"/>
-                        <a:t>Change data capture</a:t>
-                      </a:r>
-                    </a:p>
-                  </a:txBody>
-                  <a:tcPr/>
-                </a:tc>
-                <a:extLst>
-                  <a:ext uri="{0D108BD9-81ED-4DB2-BD59-A6C34878D82A}">
-                    <a16:rowId xmlns:a16="http://schemas.microsoft.com/office/drawing/2014/main" xmlns="" val="10002"/>
-                  </a:ext>
-                </a:extLst>
-              </a:tr>
-              <a:tr h="370840">
-                <a:tc>
-                  <a:txBody>
-                    <a:bodyPr/>
-                    <a:lstStyle/>
-                    <a:p>
-                      <a:r>
-                        <a:rPr lang="en-US" dirty="0"/>
-                        <a:t>Decimal</a:t>
-                      </a:r>
-                    </a:p>
-                  </a:txBody>
-                  <a:tcPr/>
-                </a:tc>
-                <a:tc>
-                  <a:txBody>
-                    <a:bodyPr/>
-                    <a:lstStyle/>
-                    <a:p>
-                      <a:r>
-                        <a:rPr lang="en-US" dirty="0"/>
-                        <a:t>448000000010700005</a:t>
-                      </a:r>
-                    </a:p>
-                  </a:txBody>
-                  <a:tcPr/>
-                </a:tc>
-                <a:tc>
-                  <a:txBody>
-                    <a:bodyPr/>
-                    <a:lstStyle/>
-                    <a:p>
-                      <a:r>
-                        <a:rPr lang="en-US" dirty="0"/>
-                        <a:t>Backup</a:t>
-                      </a:r>
-                    </a:p>
-                  </a:txBody>
-                  <a:tcPr/>
-                </a:tc>
-                <a:extLst>
-                  <a:ext uri="{0D108BD9-81ED-4DB2-BD59-A6C34878D82A}">
-                    <a16:rowId xmlns:a16="http://schemas.microsoft.com/office/drawing/2014/main" xmlns="" val="10003"/>
-                  </a:ext>
-                </a:extLst>
-              </a:tr>
-              <a:tr h="370840">
-                <a:tc>
-                  <a:txBody>
-                    <a:bodyPr/>
-                    <a:lstStyle/>
-                    <a:p>
-                      <a:r>
-                        <a:rPr lang="en-US" dirty="0"/>
-                        <a:t>Colon-separated (decimal)</a:t>
-                      </a:r>
-                    </a:p>
-                  </a:txBody>
-                  <a:tcPr/>
-                </a:tc>
-                <a:tc>
-                  <a:txBody>
-                    <a:bodyPr/>
-                    <a:lstStyle/>
-                    <a:p>
-                      <a:r>
-                        <a:rPr lang="en-US" dirty="0"/>
-                        <a:t>448:107:5</a:t>
-                      </a:r>
-                    </a:p>
-                  </a:txBody>
-                  <a:tcPr/>
-                </a:tc>
-                <a:tc>
-                  <a:txBody>
-                    <a:bodyPr/>
-                    <a:lstStyle/>
-                    <a:p>
-                      <a:r>
-                        <a:rPr lang="en-US" dirty="0"/>
-                        <a:t>Input to </a:t>
-                      </a:r>
-                      <a:r>
-                        <a:rPr lang="en-US" dirty="0" err="1"/>
-                        <a:t>fn_dblog</a:t>
-                      </a:r>
-                      <a:endParaRPr lang="en-US" dirty="0"/>
-                    </a:p>
-                  </a:txBody>
-                  <a:tcPr/>
-                </a:tc>
-                <a:extLst>
-                  <a:ext uri="{0D108BD9-81ED-4DB2-BD59-A6C34878D82A}">
-                    <a16:rowId xmlns:a16="http://schemas.microsoft.com/office/drawing/2014/main" xmlns="" val="3543017676"/>
-                  </a:ext>
-                </a:extLst>
-              </a:tr>
-            </a:tbl>
-          </a:graphicData>
-        </a:graphic>
-      </p:graphicFrame>
-      <p:sp>
-        <p:nvSpPr>
-          <p:cNvPr id="5" name="Content Placeholder 2"/>
-          <p:cNvSpPr txBox="1">
-            <a:spLocks/>
-          </p:cNvSpPr>
-          <p:nvPr/>
-        </p:nvSpPr>
-        <p:spPr>
-          <a:xfrm>
-            <a:off x="457200" y="4877015"/>
-            <a:ext cx="8229600" cy="628650"/>
-          </a:xfrm>
-          <a:prstGeom prst="rect">
-            <a:avLst/>
-          </a:prstGeom>
-        </p:spPr>
-        <p:txBody>
-          <a:bodyPr vert="horz" lIns="91440" tIns="45720" rIns="91440" bIns="45720" rtlCol="0">
-            <a:normAutofit/>
-          </a:bodyPr>
-          <a:lstStyle>
-            <a:lvl1pPr marL="342900" indent="-342900" algn="l" defTabSz="457200" rtl="0" eaLnBrk="1" latinLnBrk="0" hangingPunct="1">
-              <a:spcBef>
-                <a:spcPct val="20000"/>
-              </a:spcBef>
-              <a:buFont typeface="Wingdings" charset="2"/>
-              <a:buChar char="§"/>
-              <a:defRPr sz="3000" kern="1200">
-                <a:solidFill>
-                  <a:schemeClr val="tx2"/>
-                </a:solidFill>
-                <a:latin typeface="+mn-lt"/>
-                <a:ea typeface="+mn-ea"/>
-                <a:cs typeface="+mn-cs"/>
-              </a:defRPr>
-            </a:lvl1pPr>
-            <a:lvl2pPr marL="742950" indent="-285750" algn="l" defTabSz="457200" rtl="0" eaLnBrk="1" latinLnBrk="0" hangingPunct="1">
-              <a:spcBef>
-                <a:spcPct val="20000"/>
-              </a:spcBef>
-              <a:buFont typeface="Wingdings" charset="2"/>
-              <a:buChar char="§"/>
-              <a:defRPr sz="2600" kern="1200">
-                <a:solidFill>
-                  <a:srgbClr val="474947"/>
-                </a:solidFill>
-                <a:latin typeface="+mn-lt"/>
-                <a:ea typeface="+mn-ea"/>
-                <a:cs typeface="+mn-cs"/>
-              </a:defRPr>
-            </a:lvl2pPr>
-            <a:lvl3pPr marL="1143000" indent="-228600" algn="l" defTabSz="457200" rtl="0" eaLnBrk="1" latinLnBrk="0" hangingPunct="1">
-              <a:spcBef>
-                <a:spcPct val="20000"/>
-              </a:spcBef>
-              <a:buFont typeface="Wingdings" charset="2"/>
-              <a:buChar char="§"/>
-              <a:defRPr sz="2200" kern="1200">
-                <a:solidFill>
-                  <a:srgbClr val="474947"/>
-                </a:solidFill>
-                <a:latin typeface="+mn-lt"/>
-                <a:ea typeface="+mn-ea"/>
-                <a:cs typeface="+mn-cs"/>
-              </a:defRPr>
-            </a:lvl3pPr>
-            <a:lvl4pPr marL="1600200" indent="-228600" algn="l" defTabSz="457200" rtl="0" eaLnBrk="1" latinLnBrk="0" hangingPunct="1">
-              <a:spcBef>
-                <a:spcPct val="20000"/>
-              </a:spcBef>
-              <a:buFont typeface="Wingdings" charset="2"/>
-              <a:buChar char="§"/>
-              <a:defRPr sz="2000" kern="1200">
-                <a:solidFill>
-                  <a:srgbClr val="474947"/>
-                </a:solidFill>
-                <a:latin typeface="+mn-lt"/>
-                <a:ea typeface="+mn-ea"/>
-                <a:cs typeface="+mn-cs"/>
-              </a:defRPr>
-            </a:lvl4pPr>
-            <a:lvl5pPr marL="2057400" indent="-228600" algn="l" defTabSz="457200" rtl="0" eaLnBrk="1" latinLnBrk="0" hangingPunct="1">
-              <a:spcBef>
-                <a:spcPct val="20000"/>
-              </a:spcBef>
-              <a:buFont typeface="Wingdings" charset="2"/>
-              <a:buChar char="§"/>
-              <a:defRPr sz="1800" kern="1200">
-                <a:solidFill>
-                  <a:srgbClr val="474947"/>
-                </a:solidFill>
-                <a:latin typeface="+mn-lt"/>
-                <a:ea typeface="+mn-ea"/>
-                <a:cs typeface="+mn-cs"/>
-              </a:defRPr>
-            </a:lvl5pPr>
-            <a:lvl6pPr marL="2514600" indent="-228600" algn="l" defTabSz="457200" rtl="0" eaLnBrk="1" latinLnBrk="0" hangingPunct="1">
-              <a:spcBef>
-                <a:spcPct val="20000"/>
-              </a:spcBef>
-              <a:buFont typeface="Arial"/>
-              <a:buChar char="•"/>
-              <a:defRPr sz="2000" kern="1200">
-                <a:solidFill>
-                  <a:schemeClr val="tx1"/>
-                </a:solidFill>
-                <a:latin typeface="+mn-lt"/>
-                <a:ea typeface="+mn-ea"/>
-                <a:cs typeface="+mn-cs"/>
-              </a:defRPr>
-            </a:lvl6pPr>
-            <a:lvl7pPr marL="2971800" indent="-228600" algn="l" defTabSz="457200" rtl="0" eaLnBrk="1" latinLnBrk="0" hangingPunct="1">
-              <a:spcBef>
-                <a:spcPct val="20000"/>
-              </a:spcBef>
-              <a:buFont typeface="Arial"/>
-              <a:buChar char="•"/>
-              <a:defRPr sz="2000" kern="1200">
-                <a:solidFill>
-                  <a:schemeClr val="tx1"/>
-                </a:solidFill>
-                <a:latin typeface="+mn-lt"/>
-                <a:ea typeface="+mn-ea"/>
-                <a:cs typeface="+mn-cs"/>
-              </a:defRPr>
-            </a:lvl7pPr>
-            <a:lvl8pPr marL="3429000" indent="-228600" algn="l" defTabSz="457200" rtl="0" eaLnBrk="1" latinLnBrk="0" hangingPunct="1">
-              <a:spcBef>
-                <a:spcPct val="20000"/>
-              </a:spcBef>
-              <a:buFont typeface="Arial"/>
-              <a:buChar char="•"/>
-              <a:defRPr sz="2000" kern="1200">
-                <a:solidFill>
-                  <a:schemeClr val="tx1"/>
-                </a:solidFill>
-                <a:latin typeface="+mn-lt"/>
-                <a:ea typeface="+mn-ea"/>
-                <a:cs typeface="+mn-cs"/>
-              </a:defRPr>
-            </a:lvl8pPr>
-            <a:lvl9pPr marL="3886200" indent="-228600" algn="l" defTabSz="457200" rtl="0" eaLnBrk="1" latinLnBrk="0" hangingPunct="1">
-              <a:spcBef>
-                <a:spcPct val="20000"/>
-              </a:spcBef>
-              <a:buFont typeface="Arial"/>
-              <a:buChar char="•"/>
-              <a:defRPr sz="2000" kern="1200">
-                <a:solidFill>
-                  <a:schemeClr val="tx1"/>
-                </a:solidFill>
-                <a:latin typeface="+mn-lt"/>
-                <a:ea typeface="+mn-ea"/>
-                <a:cs typeface="+mn-cs"/>
-              </a:defRPr>
-            </a:lvl9pPr>
-          </a:lstStyle>
-          <a:p>
-            <a:pPr marL="0" indent="0">
-              <a:buFont typeface="Wingdings" charset="2"/>
-              <a:buNone/>
-            </a:pPr>
-            <a:r>
-              <a:rPr lang="en-US" dirty="0"/>
-              <a:t>These four LSNs are equivalent</a:t>
-            </a:r>
-          </a:p>
-        </p:txBody>
-      </p:sp>
-    </p:spTree>
-    <p:extLst>
-      <p:ext uri="{BB962C8B-B14F-4D97-AF65-F5344CB8AC3E}">
-        <p14:creationId xmlns:p14="http://schemas.microsoft.com/office/powerpoint/2010/main" val="2618731270"/>
-      </p:ext>
-    </p:extLst>
-  </p:cSld>
-  <p:clrMapOvr>
-    <a:masterClrMapping/>
-  </p:clrMapOvr>
-</p:sld>
-</file>
-
-<file path=ppt/slides/slide23.xml><?xml version="1.0" encoding="utf-8"?>
-<p:sld xmlns:a="http://schemas.openxmlformats.org/drawingml/2006/main" xmlns:r="http://schemas.openxmlformats.org/officeDocument/2006/relationships" xmlns:p="http://schemas.openxmlformats.org/presentationml/2006/main">
-  <p:cSld>
-    <p:spTree>
-      <p:nvGrpSpPr>
-        <p:cNvPr id="1" name=""/>
-        <p:cNvGrpSpPr/>
-        <p:nvPr/>
-      </p:nvGrpSpPr>
-      <p:grpSpPr>
-        <a:xfrm>
-          <a:off x="0" y="0"/>
-          <a:ext cx="0" cy="0"/>
-          <a:chOff x="0" y="0"/>
-          <a:chExt cx="0" cy="0"/>
-        </a:xfrm>
-      </p:grpSpPr>
-      <p:sp>
-        <p:nvSpPr>
-          <p:cNvPr id="2" name="Title 1"/>
-          <p:cNvSpPr>
-            <a:spLocks noGrp="1"/>
-          </p:cNvSpPr>
-          <p:nvPr>
-            <p:ph type="title"/>
-          </p:nvPr>
-        </p:nvSpPr>
-        <p:spPr/>
-        <p:txBody>
-          <a:bodyPr/>
-          <a:lstStyle/>
-          <a:p>
-            <a:r>
-              <a:rPr lang="en-US" dirty="0"/>
-              <a:t>Demo</a:t>
-            </a:r>
-          </a:p>
-        </p:txBody>
-      </p:sp>
-      <p:sp>
-        <p:nvSpPr>
-          <p:cNvPr id="3" name="Content Placeholder 2"/>
-          <p:cNvSpPr>
-            <a:spLocks noGrp="1"/>
-          </p:cNvSpPr>
-          <p:nvPr>
-            <p:ph idx="1"/>
-          </p:nvPr>
-        </p:nvSpPr>
-        <p:spPr/>
-        <p:txBody>
-          <a:bodyPr/>
-          <a:lstStyle/>
-          <a:p>
-            <a:pPr marL="0" indent="0">
-              <a:buNone/>
-            </a:pPr>
-            <a:r>
-              <a:rPr lang="en-US" dirty="0"/>
-              <a:t>LSN Converter</a:t>
-            </a:r>
-          </a:p>
-        </p:txBody>
-      </p:sp>
-      <p:pic>
-        <p:nvPicPr>
-          <p:cNvPr id="4" name="Picture 3"/>
-          <p:cNvPicPr>
-            <a:picLocks noChangeAspect="1"/>
-          </p:cNvPicPr>
-          <p:nvPr/>
-        </p:nvPicPr>
-        <p:blipFill>
-          <a:blip r:embed="rId2"/>
-          <a:stretch>
-            <a:fillRect/>
-          </a:stretch>
-        </p:blipFill>
-        <p:spPr>
-          <a:xfrm>
-            <a:off x="763071" y="1653000"/>
-            <a:ext cx="7617858" cy="3552000"/>
-          </a:xfrm>
-          <a:prstGeom prst="rect">
-            <a:avLst/>
-          </a:prstGeom>
-        </p:spPr>
-      </p:pic>
-    </p:spTree>
-    <p:extLst>
-      <p:ext uri="{BB962C8B-B14F-4D97-AF65-F5344CB8AC3E}">
-        <p14:creationId xmlns:p14="http://schemas.microsoft.com/office/powerpoint/2010/main" val="958662350"/>
-      </p:ext>
-    </p:extLst>
-  </p:cSld>
-  <p:clrMapOvr>
-    <a:masterClrMapping/>
-  </p:clrMapOvr>
-</p:sld>
-</file>
-
-<file path=ppt/slides/slide24.xml><?xml version="1.0" encoding="utf-8"?>
-<p:sld xmlns:a="http://schemas.openxmlformats.org/drawingml/2006/main" xmlns:r="http://schemas.openxmlformats.org/officeDocument/2006/relationships" xmlns:p="http://schemas.openxmlformats.org/presentationml/2006/main">
-  <p:cSld>
-    <p:spTree>
-      <p:nvGrpSpPr>
-        <p:cNvPr id="1" name=""/>
-        <p:cNvGrpSpPr/>
-        <p:nvPr/>
-      </p:nvGrpSpPr>
-      <p:grpSpPr>
-        <a:xfrm>
-          <a:off x="0" y="0"/>
-          <a:ext cx="0" cy="0"/>
-          <a:chOff x="0" y="0"/>
-          <a:chExt cx="0" cy="0"/>
-        </a:xfrm>
-      </p:grpSpPr>
-      <p:sp>
-        <p:nvSpPr>
-          <p:cNvPr id="2" name="Title 1"/>
-          <p:cNvSpPr>
-            <a:spLocks noGrp="1"/>
-          </p:cNvSpPr>
-          <p:nvPr>
-            <p:ph type="title"/>
-          </p:nvPr>
-        </p:nvSpPr>
-        <p:spPr/>
-        <p:txBody>
-          <a:bodyPr/>
-          <a:lstStyle/>
-          <a:p>
-            <a:r>
-              <a:rPr lang="en-US" dirty="0"/>
-              <a:t>DBCC LOGINFO(‘</a:t>
-            </a:r>
-            <a:r>
-              <a:rPr lang="en-US" dirty="0" err="1"/>
-              <a:t>db_name</a:t>
-            </a:r>
-            <a:r>
-              <a:rPr lang="en-US" dirty="0"/>
-              <a:t>’)</a:t>
-            </a:r>
-          </a:p>
-        </p:txBody>
-      </p:sp>
-      <p:sp>
-        <p:nvSpPr>
-          <p:cNvPr id="3" name="Content Placeholder 2"/>
-          <p:cNvSpPr>
-            <a:spLocks noGrp="1"/>
-          </p:cNvSpPr>
-          <p:nvPr>
-            <p:ph idx="1"/>
-          </p:nvPr>
-        </p:nvSpPr>
-        <p:spPr>
-          <a:xfrm>
-            <a:off x="457200" y="1408113"/>
-            <a:ext cx="8229600" cy="676275"/>
-          </a:xfrm>
-        </p:spPr>
-        <p:txBody>
-          <a:bodyPr/>
-          <a:lstStyle/>
-          <a:p>
-            <a:pPr marL="0" indent="0">
-              <a:buNone/>
-            </a:pPr>
-            <a:r>
-              <a:rPr lang="en-US" dirty="0"/>
-              <a:t>Returns one row per VLF</a:t>
-            </a:r>
-          </a:p>
-        </p:txBody>
-      </p:sp>
-      <p:pic>
-        <p:nvPicPr>
-          <p:cNvPr id="5" name="Picture 4"/>
-          <p:cNvPicPr>
-            <a:picLocks noChangeAspect="1"/>
-          </p:cNvPicPr>
-          <p:nvPr/>
-        </p:nvPicPr>
-        <p:blipFill>
-          <a:blip r:embed="rId2"/>
-          <a:stretch>
-            <a:fillRect/>
-          </a:stretch>
-        </p:blipFill>
-        <p:spPr>
-          <a:xfrm>
-            <a:off x="457200" y="2084388"/>
-            <a:ext cx="8067675" cy="3634087"/>
-          </a:xfrm>
-          <a:prstGeom prst="rect">
-            <a:avLst/>
-          </a:prstGeom>
-        </p:spPr>
-      </p:pic>
-    </p:spTree>
-    <p:extLst>
-      <p:ext uri="{BB962C8B-B14F-4D97-AF65-F5344CB8AC3E}">
-        <p14:creationId xmlns:p14="http://schemas.microsoft.com/office/powerpoint/2010/main" val="3403567972"/>
-      </p:ext>
-    </p:extLst>
-  </p:cSld>
-  <p:clrMapOvr>
-    <a:masterClrMapping/>
-  </p:clrMapOvr>
-</p:sld>
-</file>
-
-<file path=ppt/slides/slide25.xml><?xml version="1.0" encoding="utf-8"?>
-<p:sld xmlns:a="http://schemas.openxmlformats.org/drawingml/2006/main" xmlns:r="http://schemas.openxmlformats.org/officeDocument/2006/relationships" xmlns:p="http://schemas.openxmlformats.org/presentationml/2006/main">
-  <p:cSld>
-    <p:spTree>
-      <p:nvGrpSpPr>
-        <p:cNvPr id="1" name=""/>
-        <p:cNvGrpSpPr/>
-        <p:nvPr/>
-      </p:nvGrpSpPr>
-      <p:grpSpPr>
-        <a:xfrm>
-          <a:off x="0" y="0"/>
-          <a:ext cx="0" cy="0"/>
-          <a:chOff x="0" y="0"/>
-          <a:chExt cx="0" cy="0"/>
-        </a:xfrm>
-      </p:grpSpPr>
-      <p:sp>
-        <p:nvSpPr>
-          <p:cNvPr id="2" name="Title 1"/>
-          <p:cNvSpPr>
-            <a:spLocks noGrp="1"/>
-          </p:cNvSpPr>
-          <p:nvPr>
-            <p:ph type="title"/>
-          </p:nvPr>
-        </p:nvSpPr>
-        <p:spPr/>
-        <p:txBody>
-          <a:bodyPr/>
-          <a:lstStyle/>
-          <a:p>
-            <a:r>
-              <a:rPr lang="en-US" dirty="0"/>
-              <a:t>Demo</a:t>
-            </a:r>
-          </a:p>
-        </p:txBody>
-      </p:sp>
-      <p:sp>
-        <p:nvSpPr>
-          <p:cNvPr id="3" name="Content Placeholder 2"/>
-          <p:cNvSpPr>
-            <a:spLocks noGrp="1"/>
-          </p:cNvSpPr>
-          <p:nvPr>
-            <p:ph idx="1"/>
-          </p:nvPr>
-        </p:nvSpPr>
-        <p:spPr/>
-        <p:txBody>
-          <a:bodyPr/>
-          <a:lstStyle/>
-          <a:p>
-            <a:pPr marL="0" indent="0">
-              <a:buNone/>
-            </a:pPr>
-            <a:r>
-              <a:rPr lang="en-US" dirty="0"/>
-              <a:t>DBCC LOGINFO</a:t>
-            </a:r>
-          </a:p>
-        </p:txBody>
-      </p:sp>
-      <p:pic>
-        <p:nvPicPr>
-          <p:cNvPr id="4" name="Picture 3"/>
-          <p:cNvPicPr>
-            <a:picLocks noChangeAspect="1"/>
-          </p:cNvPicPr>
-          <p:nvPr/>
-        </p:nvPicPr>
-        <p:blipFill>
-          <a:blip r:embed="rId2"/>
-          <a:stretch>
-            <a:fillRect/>
-          </a:stretch>
-        </p:blipFill>
-        <p:spPr>
-          <a:xfrm>
-            <a:off x="763071" y="1653000"/>
-            <a:ext cx="7617858" cy="3552000"/>
-          </a:xfrm>
-          <a:prstGeom prst="rect">
-            <a:avLst/>
-          </a:prstGeom>
-        </p:spPr>
-      </p:pic>
-    </p:spTree>
-    <p:extLst>
-      <p:ext uri="{BB962C8B-B14F-4D97-AF65-F5344CB8AC3E}">
-        <p14:creationId xmlns:p14="http://schemas.microsoft.com/office/powerpoint/2010/main" val="4134537087"/>
-      </p:ext>
-    </p:extLst>
-  </p:cSld>
-  <p:clrMapOvr>
-    <a:masterClrMapping/>
-  </p:clrMapOvr>
-</p:sld>
-</file>
-
-<file path=ppt/slides/slide26.xml><?xml version="1.0" encoding="utf-8"?>
-<p:sld xmlns:a="http://schemas.openxmlformats.org/drawingml/2006/main" xmlns:r="http://schemas.openxmlformats.org/officeDocument/2006/relationships" xmlns:p="http://schemas.openxmlformats.org/presentationml/2006/main">
-  <p:cSld>
-    <p:spTree>
-      <p:nvGrpSpPr>
-        <p:cNvPr id="1" name=""/>
-        <p:cNvGrpSpPr/>
-        <p:nvPr/>
-      </p:nvGrpSpPr>
-      <p:grpSpPr>
-        <a:xfrm>
-          <a:off x="0" y="0"/>
-          <a:ext cx="0" cy="0"/>
-          <a:chOff x="0" y="0"/>
-          <a:chExt cx="0" cy="0"/>
-        </a:xfrm>
-      </p:grpSpPr>
-      <p:sp>
-        <p:nvSpPr>
-          <p:cNvPr id="2" name="Title 1"/>
-          <p:cNvSpPr>
-            <a:spLocks noGrp="1"/>
-          </p:cNvSpPr>
-          <p:nvPr>
-            <p:ph type="title"/>
-          </p:nvPr>
-        </p:nvSpPr>
-        <p:spPr/>
-        <p:txBody>
-          <a:bodyPr/>
-          <a:lstStyle/>
-          <a:p>
-            <a:r>
-              <a:rPr lang="en-US" dirty="0" err="1"/>
-              <a:t>fn_dblog</a:t>
-            </a:r>
-            <a:r>
-              <a:rPr lang="en-US" dirty="0"/>
-              <a:t>(</a:t>
-            </a:r>
-            <a:r>
-              <a:rPr lang="en-US" dirty="0" err="1"/>
-              <a:t>start_lsn</a:t>
-            </a:r>
-            <a:r>
-              <a:rPr lang="en-US" dirty="0"/>
-              <a:t>, </a:t>
-            </a:r>
-            <a:r>
-              <a:rPr lang="en-US" dirty="0" err="1"/>
-              <a:t>end_lsn</a:t>
-            </a:r>
-            <a:r>
-              <a:rPr lang="en-US" dirty="0"/>
-              <a:t>)</a:t>
-            </a:r>
-          </a:p>
-        </p:txBody>
-      </p:sp>
-      <p:sp>
-        <p:nvSpPr>
-          <p:cNvPr id="3" name="Content Placeholder 2"/>
-          <p:cNvSpPr>
-            <a:spLocks noGrp="1"/>
-          </p:cNvSpPr>
-          <p:nvPr>
-            <p:ph idx="1"/>
-          </p:nvPr>
-        </p:nvSpPr>
-        <p:spPr>
-          <a:xfrm>
-            <a:off x="457200" y="1397001"/>
-            <a:ext cx="8229600" cy="704850"/>
-          </a:xfrm>
-        </p:spPr>
-        <p:txBody>
-          <a:bodyPr/>
-          <a:lstStyle/>
-          <a:p>
-            <a:pPr marL="0" indent="0">
-              <a:buNone/>
-            </a:pPr>
-            <a:r>
-              <a:rPr lang="en-US" dirty="0"/>
-              <a:t>Returns one row per log record</a:t>
-            </a:r>
-          </a:p>
-        </p:txBody>
-      </p:sp>
-      <p:pic>
-        <p:nvPicPr>
-          <p:cNvPr id="4" name="Picture 3"/>
-          <p:cNvPicPr>
-            <a:picLocks noChangeAspect="1"/>
-          </p:cNvPicPr>
-          <p:nvPr/>
-        </p:nvPicPr>
-        <p:blipFill>
-          <a:blip r:embed="rId2"/>
-          <a:stretch>
-            <a:fillRect/>
-          </a:stretch>
-        </p:blipFill>
-        <p:spPr>
-          <a:xfrm>
-            <a:off x="457200" y="2025651"/>
-            <a:ext cx="7962900" cy="4032860"/>
-          </a:xfrm>
-          <a:prstGeom prst="rect">
-            <a:avLst/>
-          </a:prstGeom>
-        </p:spPr>
-      </p:pic>
-    </p:spTree>
-    <p:extLst>
-      <p:ext uri="{BB962C8B-B14F-4D97-AF65-F5344CB8AC3E}">
-        <p14:creationId xmlns:p14="http://schemas.microsoft.com/office/powerpoint/2010/main" val="2370315233"/>
-      </p:ext>
-    </p:extLst>
-  </p:cSld>
-  <p:clrMapOvr>
-    <a:masterClrMapping/>
-  </p:clrMapOvr>
-</p:sld>
-</file>
-
-<file path=ppt/slides/slide27.xml><?xml version="1.0" encoding="utf-8"?>
-<p:sld xmlns:a="http://schemas.openxmlformats.org/drawingml/2006/main" xmlns:r="http://schemas.openxmlformats.org/officeDocument/2006/relationships" xmlns:p="http://schemas.openxmlformats.org/presentationml/2006/main">
-  <p:cSld>
-    <p:spTree>
-      <p:nvGrpSpPr>
-        <p:cNvPr id="1" name=""/>
-        <p:cNvGrpSpPr/>
-        <p:nvPr/>
-      </p:nvGrpSpPr>
-      <p:grpSpPr>
-        <a:xfrm>
-          <a:off x="0" y="0"/>
-          <a:ext cx="0" cy="0"/>
-          <a:chOff x="0" y="0"/>
-          <a:chExt cx="0" cy="0"/>
-        </a:xfrm>
-      </p:grpSpPr>
-      <p:sp>
-        <p:nvSpPr>
-          <p:cNvPr id="2" name="Title 1"/>
-          <p:cNvSpPr>
-            <a:spLocks noGrp="1"/>
-          </p:cNvSpPr>
-          <p:nvPr>
-            <p:ph type="title"/>
-          </p:nvPr>
-        </p:nvSpPr>
-        <p:spPr/>
-        <p:txBody>
-          <a:bodyPr/>
-          <a:lstStyle/>
-          <a:p>
-            <a:r>
-              <a:rPr lang="en-US" dirty="0"/>
-              <a:t>Demo</a:t>
-            </a:r>
-          </a:p>
-        </p:txBody>
-      </p:sp>
-      <p:sp>
-        <p:nvSpPr>
-          <p:cNvPr id="3" name="Content Placeholder 2"/>
-          <p:cNvSpPr>
-            <a:spLocks noGrp="1"/>
-          </p:cNvSpPr>
-          <p:nvPr>
-            <p:ph idx="1"/>
-          </p:nvPr>
-        </p:nvSpPr>
-        <p:spPr/>
-        <p:txBody>
-          <a:bodyPr/>
-          <a:lstStyle/>
-          <a:p>
-            <a:pPr marL="0" indent="0">
-              <a:buNone/>
-            </a:pPr>
-            <a:r>
-              <a:rPr lang="en-US" dirty="0" err="1"/>
-              <a:t>fn_dblog</a:t>
-            </a:r>
-            <a:endParaRPr lang="en-US" dirty="0"/>
-          </a:p>
-        </p:txBody>
-      </p:sp>
-      <p:pic>
-        <p:nvPicPr>
-          <p:cNvPr id="4" name="Picture 3"/>
-          <p:cNvPicPr>
-            <a:picLocks noChangeAspect="1"/>
-          </p:cNvPicPr>
-          <p:nvPr/>
-        </p:nvPicPr>
-        <p:blipFill>
-          <a:blip r:embed="rId2"/>
-          <a:stretch>
-            <a:fillRect/>
-          </a:stretch>
-        </p:blipFill>
-        <p:spPr>
-          <a:xfrm>
-            <a:off x="763071" y="1653000"/>
-            <a:ext cx="7617858" cy="3552000"/>
-          </a:xfrm>
-          <a:prstGeom prst="rect">
-            <a:avLst/>
-          </a:prstGeom>
-        </p:spPr>
-      </p:pic>
-    </p:spTree>
-    <p:extLst>
-      <p:ext uri="{BB962C8B-B14F-4D97-AF65-F5344CB8AC3E}">
-        <p14:creationId xmlns:p14="http://schemas.microsoft.com/office/powerpoint/2010/main" val="2250290301"/>
-      </p:ext>
-    </p:extLst>
-  </p:cSld>
-  <p:clrMapOvr>
-    <a:masterClrMapping/>
-  </p:clrMapOvr>
-</p:sld>
-</file>
-
-<file path=ppt/slides/slide28.xml><?xml version="1.0" encoding="utf-8"?>
-<p:sld xmlns:a="http://schemas.openxmlformats.org/drawingml/2006/main" xmlns:r="http://schemas.openxmlformats.org/officeDocument/2006/relationships" xmlns:p="http://schemas.openxmlformats.org/presentationml/2006/main">
-  <p:cSld>
-    <p:spTree>
-      <p:nvGrpSpPr>
-        <p:cNvPr id="1" name=""/>
-        <p:cNvGrpSpPr/>
-        <p:nvPr/>
-      </p:nvGrpSpPr>
-      <p:grpSpPr>
-        <a:xfrm>
-          <a:off x="0" y="0"/>
-          <a:ext cx="0" cy="0"/>
-          <a:chOff x="0" y="0"/>
-          <a:chExt cx="0" cy="0"/>
-        </a:xfrm>
-      </p:grpSpPr>
-      <p:sp>
-        <p:nvSpPr>
-          <p:cNvPr id="2" name="Title 1"/>
-          <p:cNvSpPr>
-            <a:spLocks noGrp="1"/>
-          </p:cNvSpPr>
-          <p:nvPr>
-            <p:ph type="title"/>
-          </p:nvPr>
-        </p:nvSpPr>
-        <p:spPr/>
-        <p:txBody>
-          <a:bodyPr/>
-          <a:lstStyle/>
-          <a:p>
-            <a:r>
-              <a:rPr lang="en-US" dirty="0"/>
-              <a:t>Related commands/function</a:t>
-            </a:r>
-          </a:p>
-        </p:txBody>
-      </p:sp>
-      <p:sp>
-        <p:nvSpPr>
-          <p:cNvPr id="3" name="Content Placeholder 2"/>
-          <p:cNvSpPr>
-            <a:spLocks noGrp="1"/>
-          </p:cNvSpPr>
-          <p:nvPr>
-            <p:ph idx="1"/>
-          </p:nvPr>
-        </p:nvSpPr>
-        <p:spPr/>
-        <p:txBody>
-          <a:bodyPr/>
-          <a:lstStyle/>
-          <a:p>
-            <a:r>
-              <a:rPr lang="en-US" dirty="0"/>
-              <a:t>DBCC SQLPERF(LOGSPACE)</a:t>
-            </a:r>
-          </a:p>
-          <a:p>
-            <a:pPr lvl="1"/>
-            <a:r>
-              <a:rPr lang="en-US" dirty="0"/>
-              <a:t>Log size, percent used per database</a:t>
-            </a:r>
-          </a:p>
-          <a:p>
-            <a:r>
-              <a:rPr lang="en-US" dirty="0" err="1"/>
-              <a:t>fn_dump_dblog</a:t>
-            </a:r>
-            <a:endParaRPr lang="en-US" dirty="0"/>
-          </a:p>
-          <a:p>
-            <a:pPr lvl="1"/>
-            <a:r>
-              <a:rPr lang="en-US" dirty="0"/>
-              <a:t>Similar to </a:t>
-            </a:r>
-            <a:r>
-              <a:rPr lang="en-US" dirty="0" err="1"/>
-              <a:t>fn_dblog</a:t>
-            </a:r>
-            <a:r>
-              <a:rPr lang="en-US" dirty="0"/>
-              <a:t>, but reads </a:t>
-            </a:r>
-            <a:r>
-              <a:rPr lang="en-US"/>
-              <a:t>from backup file</a:t>
-            </a:r>
-            <a:endParaRPr lang="en-US" dirty="0"/>
-          </a:p>
-        </p:txBody>
-      </p:sp>
-    </p:spTree>
-    <p:extLst>
-      <p:ext uri="{BB962C8B-B14F-4D97-AF65-F5344CB8AC3E}">
-        <p14:creationId xmlns:p14="http://schemas.microsoft.com/office/powerpoint/2010/main" val="961231621"/>
-      </p:ext>
-    </p:extLst>
-  </p:cSld>
-  <p:clrMapOvr>
-    <a:masterClrMapping/>
-  </p:clrMapOvr>
-</p:sld>
-</file>
-
-<file path=ppt/slides/slide29.xml><?xml version="1.0" encoding="utf-8"?>
-<p:sld xmlns:a="http://schemas.openxmlformats.org/drawingml/2006/main" xmlns:r="http://schemas.openxmlformats.org/officeDocument/2006/relationships" xmlns:p="http://schemas.openxmlformats.org/presentationml/2006/main">
-  <p:cSld>
-    <p:spTree>
-      <p:nvGrpSpPr>
-        <p:cNvPr id="1" name=""/>
-        <p:cNvGrpSpPr/>
-        <p:nvPr/>
-      </p:nvGrpSpPr>
-      <p:grpSpPr>
-        <a:xfrm>
-          <a:off x="0" y="0"/>
-          <a:ext cx="0" cy="0"/>
-          <a:chOff x="0" y="0"/>
-          <a:chExt cx="0" cy="0"/>
-        </a:xfrm>
-      </p:grpSpPr>
-      <p:sp>
-        <p:nvSpPr>
-          <p:cNvPr id="2" name="Title 1"/>
-          <p:cNvSpPr>
-            <a:spLocks noGrp="1"/>
-          </p:cNvSpPr>
-          <p:nvPr>
-            <p:ph type="title"/>
-          </p:nvPr>
-        </p:nvSpPr>
-        <p:spPr/>
-        <p:txBody>
-          <a:bodyPr/>
-          <a:lstStyle/>
-          <a:p>
-            <a:r>
-              <a:rPr lang="en-US" dirty="0"/>
-              <a:t>Checkpoint</a:t>
-            </a:r>
-          </a:p>
-        </p:txBody>
-      </p:sp>
-      <p:sp>
-        <p:nvSpPr>
-          <p:cNvPr id="3" name="Content Placeholder 2"/>
-          <p:cNvSpPr>
-            <a:spLocks noGrp="1"/>
-          </p:cNvSpPr>
-          <p:nvPr>
-            <p:ph idx="1"/>
-          </p:nvPr>
-        </p:nvSpPr>
-        <p:spPr/>
-        <p:txBody>
-          <a:bodyPr/>
-          <a:lstStyle/>
-          <a:p>
-            <a:r>
-              <a:rPr lang="en-US" dirty="0"/>
-              <a:t>Process of writing dirty pages from the buffer pool to disk</a:t>
-            </a:r>
-          </a:p>
-          <a:p>
-            <a:pPr lvl="1"/>
-            <a:r>
-              <a:rPr lang="en-US" dirty="0"/>
-              <a:t>Irrespective of transaction completion</a:t>
-            </a:r>
-          </a:p>
-          <a:p>
-            <a:pPr marL="0" indent="0">
-              <a:buNone/>
-            </a:pPr>
-            <a:endParaRPr lang="en-US" dirty="0"/>
-          </a:p>
-        </p:txBody>
-      </p:sp>
-    </p:spTree>
-    <p:extLst>
-      <p:ext uri="{BB962C8B-B14F-4D97-AF65-F5344CB8AC3E}">
-        <p14:creationId xmlns:p14="http://schemas.microsoft.com/office/powerpoint/2010/main" val="998445908"/>
-      </p:ext>
-    </p:extLst>
-  </p:cSld>
-  <p:clrMapOvr>
-    <a:masterClrMapping/>
-  </p:clrMapOvr>
-</p:sld>
-</file>
-
-<file path=ppt/slides/slide3.xml><?xml version="1.0" encoding="utf-8"?>
-<p:sld xmlns:a="http://schemas.openxmlformats.org/drawingml/2006/main" xmlns:r="http://schemas.openxmlformats.org/officeDocument/2006/relationships" xmlns:p="http://schemas.openxmlformats.org/presentationml/2006/main">
-  <p:cSld>
-    <p:spTree>
-      <p:nvGrpSpPr>
-        <p:cNvPr id="1" name=""/>
-        <p:cNvGrpSpPr/>
-        <p:nvPr/>
-      </p:nvGrpSpPr>
-      <p:grpSpPr>
-        <a:xfrm>
-          <a:off x="0" y="0"/>
-          <a:ext cx="0" cy="0"/>
-          <a:chOff x="0" y="0"/>
-          <a:chExt cx="0" cy="0"/>
-        </a:xfrm>
-      </p:grpSpPr>
-      <p:sp>
-        <p:nvSpPr>
-          <p:cNvPr id="2" name="Title 1"/>
-          <p:cNvSpPr>
-            <a:spLocks noGrp="1"/>
-          </p:cNvSpPr>
-          <p:nvPr>
-            <p:ph type="title"/>
-          </p:nvPr>
-        </p:nvSpPr>
-        <p:spPr/>
-        <p:txBody>
-          <a:bodyPr/>
-          <a:lstStyle/>
-          <a:p>
-            <a:r>
-              <a:rPr lang="en-US" dirty="0"/>
-              <a:t>Agenda</a:t>
-            </a:r>
-          </a:p>
-        </p:txBody>
-      </p:sp>
-      <p:sp>
-        <p:nvSpPr>
-          <p:cNvPr id="3" name="Content Placeholder 2"/>
-          <p:cNvSpPr>
-            <a:spLocks noGrp="1"/>
-          </p:cNvSpPr>
-          <p:nvPr>
-            <p:ph idx="1"/>
-          </p:nvPr>
-        </p:nvSpPr>
-        <p:spPr/>
-        <p:txBody>
-          <a:bodyPr/>
-          <a:lstStyle/>
-          <a:p>
-            <a:r>
-              <a:rPr lang="en-US" dirty="0"/>
-              <a:t>Purpose of the transaction log</a:t>
-            </a:r>
-          </a:p>
-          <a:p>
-            <a:r>
-              <a:rPr lang="en-US" dirty="0"/>
-              <a:t>Organization of the transaction log</a:t>
-            </a:r>
-          </a:p>
-          <a:p>
-            <a:r>
-              <a:rPr lang="en-US" dirty="0"/>
-              <a:t>Flushing &amp; clearing the log / checkpoints</a:t>
-            </a:r>
-          </a:p>
-          <a:p>
-            <a:r>
-              <a:rPr lang="en-US" dirty="0"/>
-              <a:t>Rollback operations</a:t>
-            </a:r>
-          </a:p>
-          <a:p>
-            <a:r>
-              <a:rPr lang="en-US" dirty="0"/>
-              <a:t>VLF fragmentation</a:t>
-            </a:r>
-          </a:p>
-          <a:p>
-            <a:r>
-              <a:rPr lang="en-US" dirty="0"/>
-              <a:t>Log monitoring</a:t>
-            </a:r>
-          </a:p>
-        </p:txBody>
-      </p:sp>
-    </p:spTree>
-    <p:extLst>
-      <p:ext uri="{BB962C8B-B14F-4D97-AF65-F5344CB8AC3E}">
-        <p14:creationId xmlns:p14="http://schemas.microsoft.com/office/powerpoint/2010/main" val="1097259878"/>
-      </p:ext>
-    </p:extLst>
-  </p:cSld>
-  <p:clrMapOvr>
-    <a:masterClrMapping/>
-  </p:clrMapOvr>
-</p:sld>
-</file>
-
 <file path=ppt/slides/slide30.xml><?xml version="1.0" encoding="utf-8"?>
 <p:sld xmlns:a="http://schemas.openxmlformats.org/drawingml/2006/main" xmlns:r="http://schemas.openxmlformats.org/officeDocument/2006/relationships" xmlns:p="http://schemas.openxmlformats.org/presentationml/2006/main">
   <p:cSld>
@@ -9060,7 +9069,7 @@
           <a:p>
             <a:r>
               <a:rPr lang="en-US" dirty="0"/>
-              <a:t>Checkpoint Types</a:t>
+              <a:t>Checkpoint</a:t>
             </a:r>
           </a:p>
         </p:txBody>
@@ -9077,165 +9086,19 @@
         </p:nvSpPr>
         <p:spPr/>
         <p:txBody>
-          <a:bodyPr>
-            <a:normAutofit fontScale="85000" lnSpcReduction="10000"/>
-          </a:bodyPr>
+          <a:bodyPr/>
           <a:lstStyle/>
           <a:p>
             <a:r>
               <a:rPr lang="en-US" dirty="0"/>
-              <a:t>Automatic</a:t>
+              <a:t>Process of writing dirty pages from the buffer pool to disk</a:t>
             </a:r>
           </a:p>
           <a:p>
             <a:pPr lvl="1"/>
             <a:r>
               <a:rPr lang="en-US" dirty="0"/>
-              <a:t>Period background thread</a:t>
-            </a:r>
-          </a:p>
-          <a:p>
-            <a:pPr lvl="1"/>
-            <a:r>
-              <a:rPr lang="en-US" dirty="0"/>
-              <a:t>Instance-wide [</a:t>
-            </a:r>
-            <a:r>
-              <a:rPr lang="en-US" sz="1700" dirty="0" err="1">
-                <a:latin typeface="Courier New" panose="02070309020205020404" pitchFamily="49" charset="0"/>
-                <a:cs typeface="Courier New" panose="02070309020205020404" pitchFamily="49" charset="0"/>
-              </a:rPr>
-              <a:t>sp_configure</a:t>
-            </a:r>
-            <a:r>
-              <a:rPr lang="en-US" sz="1700" dirty="0">
-                <a:latin typeface="Courier New" panose="02070309020205020404" pitchFamily="49" charset="0"/>
-                <a:cs typeface="Courier New" panose="02070309020205020404" pitchFamily="49" charset="0"/>
-              </a:rPr>
-              <a:t> </a:t>
-            </a:r>
-            <a:r>
-              <a:rPr lang="en-US" sz="1800" dirty="0"/>
-              <a:t>'</a:t>
-            </a:r>
-            <a:r>
-              <a:rPr lang="en-US" sz="1700" dirty="0">
-                <a:latin typeface="Courier New" panose="02070309020205020404" pitchFamily="49" charset="0"/>
-                <a:cs typeface="Courier New" panose="02070309020205020404" pitchFamily="49" charset="0"/>
-              </a:rPr>
-              <a:t>recovery interval (min)</a:t>
-            </a:r>
-            <a:r>
-              <a:rPr lang="en-US" sz="1600" dirty="0"/>
-              <a:t>'</a:t>
-            </a:r>
-            <a:r>
-              <a:rPr lang="en-US" sz="1700" dirty="0">
-                <a:latin typeface="Courier New" panose="02070309020205020404" pitchFamily="49" charset="0"/>
-                <a:cs typeface="Courier New" panose="02070309020205020404" pitchFamily="49" charset="0"/>
-              </a:rPr>
-              <a:t>, 2</a:t>
-            </a:r>
-            <a:r>
-              <a:rPr lang="en-US" dirty="0"/>
-              <a:t>]</a:t>
-            </a:r>
-          </a:p>
-          <a:p>
-            <a:r>
-              <a:rPr lang="en-US" dirty="0"/>
-              <a:t>Indirect (2012+)</a:t>
-            </a:r>
-          </a:p>
-          <a:p>
-            <a:pPr lvl="1"/>
-            <a:r>
-              <a:rPr lang="en-US" dirty="0"/>
-              <a:t>Database-specific</a:t>
-            </a:r>
-          </a:p>
-          <a:p>
-            <a:pPr lvl="1"/>
-            <a:r>
-              <a:rPr lang="en-US" dirty="0"/>
-              <a:t>[</a:t>
-            </a:r>
-            <a:r>
-              <a:rPr lang="en-US" sz="1700" dirty="0">
-                <a:latin typeface="Courier New" panose="02070309020205020404" pitchFamily="49" charset="0"/>
-                <a:cs typeface="Courier New" panose="02070309020205020404" pitchFamily="49" charset="0"/>
-              </a:rPr>
-              <a:t>alter database </a:t>
-            </a:r>
-            <a:r>
-              <a:rPr lang="en-US" sz="1700" dirty="0" err="1">
-                <a:latin typeface="Courier New" panose="02070309020205020404" pitchFamily="49" charset="0"/>
-                <a:cs typeface="Courier New" panose="02070309020205020404" pitchFamily="49" charset="0"/>
-              </a:rPr>
-              <a:t>myDB</a:t>
-            </a:r>
-            <a:r>
-              <a:rPr lang="en-US" sz="1700" dirty="0">
-                <a:latin typeface="Courier New" panose="02070309020205020404" pitchFamily="49" charset="0"/>
-                <a:cs typeface="Courier New" panose="02070309020205020404" pitchFamily="49" charset="0"/>
-              </a:rPr>
-              <a:t> set </a:t>
-            </a:r>
-            <a:r>
-              <a:rPr lang="en-US" sz="1700" dirty="0" err="1">
-                <a:latin typeface="Courier New" panose="02070309020205020404" pitchFamily="49" charset="0"/>
-                <a:cs typeface="Courier New" panose="02070309020205020404" pitchFamily="49" charset="0"/>
-              </a:rPr>
-              <a:t>target_recovery_time</a:t>
-            </a:r>
-            <a:r>
-              <a:rPr lang="en-US" sz="1700" dirty="0">
-                <a:latin typeface="Courier New" panose="02070309020205020404" pitchFamily="49" charset="0"/>
-                <a:cs typeface="Courier New" panose="02070309020205020404" pitchFamily="49" charset="0"/>
-              </a:rPr>
-              <a:t> = 2 minutes</a:t>
-            </a:r>
-            <a:r>
-              <a:rPr lang="en-US" dirty="0" smtClean="0"/>
-              <a:t>]</a:t>
-            </a:r>
-          </a:p>
-          <a:p>
-            <a:pPr lvl="1"/>
-            <a:r>
-              <a:rPr lang="en-US" dirty="0" smtClean="0"/>
-              <a:t>Off by default in 2012, 2014; on </a:t>
-            </a:r>
-            <a:r>
-              <a:rPr lang="en-US" smtClean="0"/>
-              <a:t>by default in 2016</a:t>
-            </a:r>
-            <a:endParaRPr lang="en-US" dirty="0"/>
-          </a:p>
-          <a:p>
-            <a:r>
-              <a:rPr lang="en-US" dirty="0"/>
-              <a:t>Internal</a:t>
-            </a:r>
-          </a:p>
-          <a:p>
-            <a:pPr lvl="1"/>
-            <a:r>
-              <a:rPr lang="en-US" dirty="0"/>
-              <a:t>During operations such as backup, snapshots, shutdown</a:t>
-            </a:r>
-          </a:p>
-          <a:p>
-            <a:r>
-              <a:rPr lang="en-US" dirty="0"/>
-              <a:t>Manual</a:t>
-            </a:r>
-          </a:p>
-          <a:p>
-            <a:pPr lvl="1"/>
-            <a:r>
-              <a:rPr lang="en-US" dirty="0"/>
-              <a:t>CHECKPOINT command</a:t>
+              <a:t>Irrespective of transaction completion</a:t>
             </a:r>
           </a:p>
           <a:p>
@@ -9249,7 +9112,7 @@
     </p:spTree>
     <p:extLst>
       <p:ext uri="{BB962C8B-B14F-4D97-AF65-F5344CB8AC3E}">
-        <p14:creationId xmlns:p14="http://schemas.microsoft.com/office/powerpoint/2010/main" val="2925193969"/>
+        <p14:creationId xmlns:p14="http://schemas.microsoft.com/office/powerpoint/2010/main" val="998445908"/>
       </p:ext>
     </p:extLst>
   </p:cSld>
@@ -9293,7 +9156,7 @@
           <a:p>
             <a:r>
               <a:rPr lang="en-US" dirty="0"/>
-              <a:t>Checkpoint Process</a:t>
+              <a:t>Checkpoint Types</a:t>
             </a:r>
           </a:p>
         </p:txBody>
@@ -9310,148 +9173,179 @@
         </p:nvSpPr>
         <p:spPr/>
         <p:txBody>
-          <a:bodyPr/>
+          <a:bodyPr>
+            <a:normAutofit fontScale="85000" lnSpcReduction="10000"/>
+          </a:bodyPr>
           <a:lstStyle/>
           <a:p>
             <a:r>
-              <a:rPr lang="en-US" dirty="0">
-                <a:solidFill>
-                  <a:schemeClr val="accent1">
-                    <a:lumMod val="60000"/>
-                    <a:lumOff val="40000"/>
-                  </a:schemeClr>
-                </a:solidFill>
+              <a:rPr lang="en-US" dirty="0"/>
+              <a:t>Automatic</a:t>
+            </a:r>
+          </a:p>
+          <a:p>
+            <a:pPr lvl="1"/>
+            <a:r>
+              <a:rPr lang="en-US" dirty="0"/>
+              <a:t>Period background thread</a:t>
+            </a:r>
+          </a:p>
+          <a:p>
+            <a:pPr lvl="1"/>
+            <a:r>
+              <a:rPr lang="en-US" dirty="0"/>
+              <a:t>Instance-wide [</a:t>
+            </a:r>
+            <a:r>
+              <a:rPr lang="en-US" sz="1700" dirty="0" err="1">
+                <a:latin typeface="Courier New" panose="02070309020205020404" pitchFamily="49" charset="0"/>
+                <a:cs typeface="Courier New" panose="02070309020205020404" pitchFamily="49" charset="0"/>
               </a:rPr>
-              <a:t>Write to </a:t>
-            </a:r>
-            <a:r>
-              <a:rPr lang="en-US" dirty="0" smtClean="0">
-                <a:solidFill>
-                  <a:schemeClr val="accent1">
-                    <a:lumMod val="60000"/>
-                    <a:lumOff val="40000"/>
-                  </a:schemeClr>
-                </a:solidFill>
+              <a:t>sp_configure</a:t>
+            </a:r>
+            <a:r>
+              <a:rPr lang="en-US" sz="1700" dirty="0">
+                <a:latin typeface="Courier New" panose="02070309020205020404" pitchFamily="49" charset="0"/>
+                <a:cs typeface="Courier New" panose="02070309020205020404" pitchFamily="49" charset="0"/>
               </a:rPr>
-              <a:t>log: checkpoint start</a:t>
-            </a:r>
-            <a:endParaRPr lang="en-US" dirty="0">
-              <a:solidFill>
-                <a:schemeClr val="accent1">
-                  <a:lumMod val="60000"/>
-                  <a:lumOff val="40000"/>
-                </a:schemeClr>
-              </a:solidFill>
-            </a:endParaRPr>
+              <a:t> </a:t>
+            </a:r>
+            <a:r>
+              <a:rPr lang="en-US" sz="1800" dirty="0"/>
+              <a:t>'</a:t>
+            </a:r>
+            <a:r>
+              <a:rPr lang="en-US" sz="1700" dirty="0">
+                <a:latin typeface="Courier New" panose="02070309020205020404" pitchFamily="49" charset="0"/>
+                <a:cs typeface="Courier New" panose="02070309020205020404" pitchFamily="49" charset="0"/>
+              </a:rPr>
+              <a:t>recovery interval (min)</a:t>
+            </a:r>
+            <a:r>
+              <a:rPr lang="en-US" sz="1600" dirty="0"/>
+              <a:t>'</a:t>
+            </a:r>
+            <a:r>
+              <a:rPr lang="en-US" sz="1700" dirty="0">
+                <a:latin typeface="Courier New" panose="02070309020205020404" pitchFamily="49" charset="0"/>
+                <a:cs typeface="Courier New" panose="02070309020205020404" pitchFamily="49" charset="0"/>
+              </a:rPr>
+              <a:t>, 2</a:t>
+            </a:r>
+            <a:r>
+              <a:rPr lang="en-US" dirty="0"/>
+              <a:t>]</a:t>
+            </a:r>
+          </a:p>
+          <a:p>
+            <a:r>
+              <a:rPr lang="en-US" dirty="0"/>
+              <a:t>Indirect (2012+)</a:t>
+            </a:r>
           </a:p>
           <a:p>
             <a:pPr lvl="1"/>
             <a:r>
               <a:rPr lang="en-US" dirty="0"/>
-              <a:t>Also info about any uncommitted transactions</a:t>
+              <a:t>Database-specific</a:t>
             </a:r>
           </a:p>
           <a:p>
             <a:pPr lvl="1"/>
             <a:r>
               <a:rPr lang="en-US" dirty="0"/>
-              <a:t>Flush the log</a:t>
-            </a:r>
-          </a:p>
-          <a:p>
-            <a:r>
-              <a:rPr lang="en-US" dirty="0"/>
-              <a:t>Identify dirty pages; write to disk</a:t>
-            </a:r>
-          </a:p>
-          <a:p>
-            <a:r>
-              <a:rPr lang="en-US" dirty="0">
-                <a:solidFill>
-                  <a:schemeClr val="accent1">
-                    <a:lumMod val="60000"/>
-                    <a:lumOff val="40000"/>
-                  </a:schemeClr>
-                </a:solidFill>
+              <a:t>[</a:t>
+            </a:r>
+            <a:r>
+              <a:rPr lang="en-US" sz="1700" dirty="0">
+                <a:latin typeface="Courier New" panose="02070309020205020404" pitchFamily="49" charset="0"/>
+                <a:cs typeface="Courier New" panose="02070309020205020404" pitchFamily="49" charset="0"/>
               </a:rPr>
-              <a:t>Update boot page with </a:t>
-            </a:r>
-            <a:r>
-              <a:rPr lang="en-US" dirty="0" smtClean="0">
-                <a:solidFill>
-                  <a:schemeClr val="accent1">
-                    <a:lumMod val="60000"/>
-                    <a:lumOff val="40000"/>
-                  </a:schemeClr>
-                </a:solidFill>
+              <a:t>alter database </a:t>
+            </a:r>
+            <a:r>
+              <a:rPr lang="en-US" sz="1700" dirty="0" err="1">
+                <a:latin typeface="Courier New" panose="02070309020205020404" pitchFamily="49" charset="0"/>
+                <a:cs typeface="Courier New" panose="02070309020205020404" pitchFamily="49" charset="0"/>
               </a:rPr>
-              <a:t>LSN </a:t>
-            </a:r>
-            <a:r>
-              <a:rPr lang="en-US" dirty="0">
-                <a:solidFill>
-                  <a:schemeClr val="accent1">
-                    <a:lumMod val="60000"/>
-                    <a:lumOff val="40000"/>
-                  </a:schemeClr>
-                </a:solidFill>
+              <a:t>myDB</a:t>
+            </a:r>
+            <a:r>
+              <a:rPr lang="en-US" sz="1700" dirty="0">
+                <a:latin typeface="Courier New" panose="02070309020205020404" pitchFamily="49" charset="0"/>
+                <a:cs typeface="Courier New" panose="02070309020205020404" pitchFamily="49" charset="0"/>
               </a:rPr>
-              <a:t>corresponding to checkpoint start</a:t>
-            </a:r>
-          </a:p>
-          <a:p>
+              <a:t> set </a:t>
+            </a:r>
+            <a:r>
+              <a:rPr lang="en-US" sz="1700" dirty="0" err="1">
+                <a:latin typeface="Courier New" panose="02070309020205020404" pitchFamily="49" charset="0"/>
+                <a:cs typeface="Courier New" panose="02070309020205020404" pitchFamily="49" charset="0"/>
+              </a:rPr>
+              <a:t>target_recovery_time</a:t>
+            </a:r>
+            <a:r>
+              <a:rPr lang="en-US" sz="1700" dirty="0">
+                <a:latin typeface="Courier New" panose="02070309020205020404" pitchFamily="49" charset="0"/>
+                <a:cs typeface="Courier New" panose="02070309020205020404" pitchFamily="49" charset="0"/>
+              </a:rPr>
+              <a:t> = 2 minutes</a:t>
+            </a:r>
             <a:r>
               <a:rPr lang="en-US" dirty="0" smtClean="0"/>
-              <a:t>(If SIMPLE </a:t>
-            </a:r>
-            <a:r>
-              <a:rPr lang="en-US" dirty="0"/>
-              <a:t>recovery</a:t>
-            </a:r>
+              <a:t>]</a:t>
+            </a:r>
+          </a:p>
+          <a:p>
+            <a:pPr lvl="1"/>
             <a:r>
               <a:rPr lang="en-US" dirty="0" smtClean="0"/>
-              <a:t>) clear the log</a:t>
+              <a:t>Off by default in 2012, 2014; on </a:t>
+            </a:r>
+            <a:r>
+              <a:rPr lang="en-US" smtClean="0"/>
+              <a:t>by default in 2016</a:t>
             </a:r>
             <a:endParaRPr lang="en-US" dirty="0"/>
           </a:p>
           <a:p>
             <a:r>
-              <a:rPr lang="en-US" dirty="0">
-                <a:solidFill>
-                  <a:schemeClr val="accent1">
-                    <a:lumMod val="60000"/>
-                    <a:lumOff val="40000"/>
-                  </a:schemeClr>
-                </a:solidFill>
-              </a:rPr>
-              <a:t>Write to </a:t>
-            </a:r>
-            <a:r>
-              <a:rPr lang="en-US" dirty="0" smtClean="0">
-                <a:solidFill>
-                  <a:schemeClr val="accent1">
-                    <a:lumMod val="60000"/>
-                    <a:lumOff val="40000"/>
-                  </a:schemeClr>
-                </a:solidFill>
-              </a:rPr>
-              <a:t>log: checkpoint finish</a:t>
-            </a:r>
-            <a:endParaRPr lang="en-US" dirty="0">
-              <a:solidFill>
-                <a:schemeClr val="accent1">
-                  <a:lumMod val="60000"/>
-                  <a:lumOff val="40000"/>
-                </a:schemeClr>
-              </a:solidFill>
-            </a:endParaRPr>
+              <a:rPr lang="en-US" dirty="0"/>
+              <a:t>Internal</a:t>
+            </a:r>
+          </a:p>
+          <a:p>
+            <a:pPr lvl="1"/>
+            <a:r>
+              <a:rPr lang="en-US" dirty="0"/>
+              <a:t>During operations such as backup, snapshots, shutdown</a:t>
+            </a:r>
+          </a:p>
+          <a:p>
+            <a:r>
+              <a:rPr lang="en-US" dirty="0"/>
+              <a:t>Manual</a:t>
+            </a:r>
+          </a:p>
+          <a:p>
+            <a:pPr lvl="1"/>
+            <a:r>
+              <a:rPr lang="en-US" dirty="0"/>
+              <a:t>CHECKPOINT command</a:t>
+            </a:r>
+          </a:p>
+          <a:p>
+            <a:pPr marL="0" indent="0">
+              <a:buNone/>
+            </a:pPr>
+            <a:endParaRPr lang="en-US" dirty="0"/>
           </a:p>
         </p:txBody>
       </p:sp>
     </p:spTree>
     <p:extLst>
       <p:ext uri="{BB962C8B-B14F-4D97-AF65-F5344CB8AC3E}">
-        <p14:creationId xmlns:p14="http://schemas.microsoft.com/office/powerpoint/2010/main" val="348943073"/>
+        <p14:creationId xmlns:p14="http://schemas.microsoft.com/office/powerpoint/2010/main" val="2925193969"/>
       </p:ext>
     </p:extLst>
   </p:cSld>
@@ -9495,7 +9389,7 @@
           <a:p>
             <a:r>
               <a:rPr lang="en-US" dirty="0"/>
-              <a:t>Flushing the Log</a:t>
+              <a:t>Checkpoint Process</a:t>
             </a:r>
           </a:p>
         </p:txBody>
@@ -9516,50 +9410,144 @@
           <a:lstStyle/>
           <a:p>
             <a:r>
-              <a:rPr lang="en-US" dirty="0"/>
-              <a:t>Flushing = closing a log block</a:t>
-            </a:r>
-          </a:p>
-          <a:p>
-            <a:r>
-              <a:rPr lang="en-US" dirty="0"/>
-              <a:t>Triggers</a:t>
-            </a:r>
+              <a:rPr lang="en-US" dirty="0">
+                <a:solidFill>
+                  <a:schemeClr val="accent1">
+                    <a:lumMod val="60000"/>
+                    <a:lumOff val="40000"/>
+                  </a:schemeClr>
+                </a:solidFill>
+              </a:rPr>
+              <a:t>Write to </a:t>
+            </a:r>
+            <a:r>
+              <a:rPr lang="en-US" dirty="0" smtClean="0">
+                <a:solidFill>
+                  <a:schemeClr val="accent1">
+                    <a:lumMod val="60000"/>
+                    <a:lumOff val="40000"/>
+                  </a:schemeClr>
+                </a:solidFill>
+              </a:rPr>
+              <a:t>log: checkpoint start</a:t>
+            </a:r>
+            <a:endParaRPr lang="en-US" dirty="0">
+              <a:solidFill>
+                <a:schemeClr val="accent1">
+                  <a:lumMod val="60000"/>
+                  <a:lumOff val="40000"/>
+                </a:schemeClr>
+              </a:solidFill>
+            </a:endParaRPr>
           </a:p>
           <a:p>
             <a:pPr lvl="1"/>
             <a:r>
               <a:rPr lang="en-US" dirty="0"/>
-              <a:t>60K limit reached</a:t>
+              <a:t>Also info about any uncommitted transactions</a:t>
             </a:r>
           </a:p>
           <a:p>
             <a:pPr lvl="1"/>
             <a:r>
               <a:rPr lang="en-US" dirty="0"/>
-              <a:t>Transaction commits</a:t>
-            </a:r>
-          </a:p>
-          <a:p>
-            <a:pPr lvl="1"/>
-            <a:r>
-              <a:rPr lang="en-US" dirty="0"/>
-              <a:t>Transaction rollbacks</a:t>
-            </a:r>
-          </a:p>
-          <a:p>
-            <a:pPr lvl="1"/>
-            <a:r>
-              <a:rPr lang="en-US" dirty="0"/>
-              <a:t>Checkpoint</a:t>
-            </a:r>
+              <a:t>Flush the log</a:t>
+            </a:r>
+          </a:p>
+          <a:p>
+            <a:r>
+              <a:rPr lang="en-US" dirty="0"/>
+              <a:t>Identify dirty pages; write to disk</a:t>
+            </a:r>
+          </a:p>
+          <a:p>
+            <a:r>
+              <a:rPr lang="en-US" dirty="0">
+                <a:solidFill>
+                  <a:schemeClr val="accent1">
+                    <a:lumMod val="60000"/>
+                    <a:lumOff val="40000"/>
+                  </a:schemeClr>
+                </a:solidFill>
+              </a:rPr>
+              <a:t>Update boot page with </a:t>
+            </a:r>
+            <a:r>
+              <a:rPr lang="en-US" dirty="0" smtClean="0">
+                <a:solidFill>
+                  <a:schemeClr val="accent1">
+                    <a:lumMod val="60000"/>
+                    <a:lumOff val="40000"/>
+                  </a:schemeClr>
+                </a:solidFill>
+              </a:rPr>
+              <a:t>LSN </a:t>
+            </a:r>
+            <a:r>
+              <a:rPr lang="en-US" dirty="0">
+                <a:solidFill>
+                  <a:schemeClr val="accent1">
+                    <a:lumMod val="60000"/>
+                    <a:lumOff val="40000"/>
+                  </a:schemeClr>
+                </a:solidFill>
+              </a:rPr>
+              <a:t>corresponding to checkpoint start</a:t>
+            </a:r>
+          </a:p>
+          <a:p>
+            <a:r>
+              <a:rPr lang="en-US" dirty="0" smtClean="0"/>
+              <a:t>(If SIMPLE </a:t>
+            </a:r>
+            <a:r>
+              <a:rPr lang="en-US" dirty="0"/>
+              <a:t>recovery</a:t>
+            </a:r>
+            <a:r>
+              <a:rPr lang="en-US" dirty="0" smtClean="0"/>
+              <a:t>) clear the log</a:t>
+            </a:r>
+            <a:endParaRPr lang="en-US" dirty="0"/>
+          </a:p>
+          <a:p>
+            <a:r>
+              <a:rPr lang="en-US" dirty="0">
+                <a:solidFill>
+                  <a:schemeClr val="accent1">
+                    <a:lumMod val="60000"/>
+                    <a:lumOff val="40000"/>
+                  </a:schemeClr>
+                </a:solidFill>
+              </a:rPr>
+              <a:t>Write to </a:t>
+            </a:r>
+            <a:r>
+              <a:rPr lang="en-US" dirty="0" smtClean="0">
+                <a:solidFill>
+                  <a:schemeClr val="accent1">
+                    <a:lumMod val="60000"/>
+                    <a:lumOff val="40000"/>
+                  </a:schemeClr>
+                </a:solidFill>
+              </a:rPr>
+              <a:t>log: checkpoint finish</a:t>
+            </a:r>
+            <a:endParaRPr lang="en-US" dirty="0">
+              <a:solidFill>
+                <a:schemeClr val="accent1">
+                  <a:lumMod val="60000"/>
+                  <a:lumOff val="40000"/>
+                </a:schemeClr>
+              </a:solidFill>
+            </a:endParaRPr>
           </a:p>
         </p:txBody>
       </p:sp>
     </p:spTree>
     <p:extLst>
       <p:ext uri="{BB962C8B-B14F-4D97-AF65-F5344CB8AC3E}">
-        <p14:creationId xmlns:p14="http://schemas.microsoft.com/office/powerpoint/2010/main" val="4039889923"/>
+        <p14:creationId xmlns:p14="http://schemas.microsoft.com/office/powerpoint/2010/main" val="348943073"/>
       </p:ext>
     </p:extLst>
   </p:cSld>
@@ -9603,13 +9591,8 @@
           <a:p>
             <a:r>
               <a:rPr lang="en-US" dirty="0"/>
-              <a:t>Recovery </a:t>
-            </a:r>
-            <a:r>
-              <a:rPr lang="en-US" dirty="0" smtClean="0"/>
-              <a:t>Models</a:t>
-            </a:r>
-            <a:endParaRPr lang="en-US" dirty="0"/>
+              <a:t>Flushing the Log</a:t>
+            </a:r>
           </a:p>
         </p:txBody>
       </p:sp>
@@ -9625,46 +9608,54 @@
         </p:nvSpPr>
         <p:spPr/>
         <p:txBody>
-          <a:bodyPr>
-            <a:normAutofit/>
-          </a:bodyPr>
+          <a:bodyPr/>
           <a:lstStyle/>
           <a:p>
             <a:r>
               <a:rPr lang="en-US" dirty="0"/>
-              <a:t>Impacts how SQL logs changes</a:t>
+              <a:t>Flushing = closing a log block</a:t>
+            </a:r>
+          </a:p>
+          <a:p>
+            <a:r>
+              <a:rPr lang="en-US" dirty="0"/>
+              <a:t>Triggers</a:t>
             </a:r>
           </a:p>
           <a:p>
             <a:pPr lvl="1"/>
             <a:r>
-              <a:rPr lang="en-US" dirty="0" smtClean="0"/>
-              <a:t>Simple</a:t>
-            </a:r>
-            <a:endParaRPr lang="en-US" dirty="0"/>
+              <a:rPr lang="en-US" dirty="0"/>
+              <a:t>60K limit reached</a:t>
+            </a:r>
           </a:p>
           <a:p>
             <a:pPr lvl="1"/>
             <a:r>
-              <a:rPr lang="en-US" dirty="0" smtClean="0"/>
-              <a:t>Full</a:t>
-            </a:r>
-            <a:endParaRPr lang="en-US" dirty="0"/>
+              <a:rPr lang="en-US" dirty="0"/>
+              <a:t>Transaction commits</a:t>
+            </a:r>
           </a:p>
           <a:p>
             <a:pPr lvl="1"/>
             <a:r>
-              <a:rPr lang="en-US" dirty="0" smtClean="0"/>
-              <a:t>Bulk-logged</a:t>
-            </a:r>
-            <a:endParaRPr lang="en-US" dirty="0"/>
+              <a:rPr lang="en-US" dirty="0"/>
+              <a:t>Transaction rollbacks</a:t>
+            </a:r>
+          </a:p>
+          <a:p>
+            <a:pPr lvl="1"/>
+            <a:r>
+              <a:rPr lang="en-US" dirty="0"/>
+              <a:t>Checkpoint</a:t>
+            </a:r>
           </a:p>
         </p:txBody>
       </p:sp>
     </p:spTree>
     <p:extLst>
       <p:ext uri="{BB962C8B-B14F-4D97-AF65-F5344CB8AC3E}">
-        <p14:creationId xmlns:p14="http://schemas.microsoft.com/office/powerpoint/2010/main" val="3098932775"/>
+        <p14:creationId xmlns:p14="http://schemas.microsoft.com/office/powerpoint/2010/main" val="4039889923"/>
       </p:ext>
     </p:extLst>
   </p:cSld>
@@ -9707,12 +9698,12 @@
           <a:lstStyle/>
           <a:p>
             <a:r>
+              <a:rPr lang="en-US" dirty="0"/>
+              <a:t>Recovery </a:t>
+            </a:r>
+            <a:r>
               <a:rPr lang="en-US" dirty="0" smtClean="0"/>
-              <a:t>Simple Recovery </a:t>
-            </a:r>
-            <a:r>
-              <a:rPr lang="en-US" dirty="0" smtClean="0"/>
-              <a:t>Model</a:t>
+              <a:t>Models</a:t>
             </a:r>
             <a:endParaRPr lang="en-US" dirty="0"/>
           </a:p>
@@ -9736,52 +9727,31 @@
           <a:lstStyle/>
           <a:p>
             <a:r>
+              <a:rPr lang="en-US" dirty="0"/>
+              <a:t>Impacts how SQL logs changes</a:t>
+            </a:r>
+          </a:p>
+          <a:p>
+            <a:pPr lvl="1"/>
+            <a:r>
               <a:rPr lang="en-US" dirty="0" smtClean="0"/>
-              <a:t>Commonly used for test systems or low-volume production systems</a:t>
-            </a:r>
+              <a:t>Simple</a:t>
+            </a:r>
+            <a:endParaRPr lang="en-US" dirty="0"/>
           </a:p>
           <a:p>
             <a:pPr lvl="1"/>
             <a:r>
               <a:rPr lang="en-US" dirty="0" smtClean="0"/>
-              <a:t>What is your recovery point objective?</a:t>
-            </a:r>
-            <a:endParaRPr lang="en-US" dirty="0" smtClean="0"/>
-          </a:p>
-          <a:p>
+              <a:t>Full</a:t>
+            </a:r>
+            <a:endParaRPr lang="en-US" dirty="0"/>
+          </a:p>
+          <a:p>
+            <a:pPr lvl="1"/>
             <a:r>
               <a:rPr lang="en-US" dirty="0" smtClean="0"/>
-              <a:t>All </a:t>
-            </a:r>
-            <a:r>
-              <a:rPr lang="en-US" dirty="0"/>
-              <a:t>changes logged, but can be </a:t>
-            </a:r>
-            <a:r>
-              <a:rPr lang="en-US" dirty="0" smtClean="0"/>
-              <a:t>“discarded” </a:t>
-            </a:r>
-            <a:r>
-              <a:rPr lang="en-US" dirty="0"/>
-              <a:t>on commit</a:t>
-            </a:r>
-          </a:p>
-          <a:p>
-            <a:r>
-              <a:rPr lang="en-US" dirty="0"/>
-              <a:t>Can only </a:t>
-            </a:r>
-            <a:r>
-              <a:rPr lang="en-US" dirty="0" smtClean="0"/>
-              <a:t>recover </a:t>
-            </a:r>
-            <a:r>
-              <a:rPr lang="en-US" dirty="0"/>
-              <a:t>to the latest full </a:t>
-            </a:r>
-            <a:r>
-              <a:rPr lang="en-US" dirty="0" smtClean="0"/>
-              <a:t>backup</a:t>
+              <a:t>Bulk-logged</a:t>
             </a:r>
             <a:endParaRPr lang="en-US" dirty="0"/>
           </a:p>
@@ -9790,7 +9760,7 @@
     </p:spTree>
     <p:extLst>
       <p:ext uri="{BB962C8B-B14F-4D97-AF65-F5344CB8AC3E}">
-        <p14:creationId xmlns:p14="http://schemas.microsoft.com/office/powerpoint/2010/main" val="2301797226"/>
+        <p14:creationId xmlns:p14="http://schemas.microsoft.com/office/powerpoint/2010/main" val="3098932775"/>
       </p:ext>
     </p:extLst>
   </p:cSld>
@@ -9834,11 +9804,7 @@
           <a:p>
             <a:r>
               <a:rPr lang="en-US" dirty="0" smtClean="0"/>
-              <a:t>Full Recovery </a:t>
-            </a:r>
-            <a:r>
-              <a:rPr lang="en-US" dirty="0" smtClean="0"/>
-              <a:t>Model</a:t>
+              <a:t>Simple Recovery Model</a:t>
             </a:r>
             <a:endParaRPr lang="en-US" dirty="0"/>
           </a:p>
@@ -9863,39 +9829,50 @@
           <a:p>
             <a:r>
               <a:rPr lang="en-US" dirty="0" smtClean="0"/>
-              <a:t>Probably the most common recovery model for production systems</a:t>
+              <a:t>Commonly used for test systems or low-volume production systems</a:t>
             </a:r>
           </a:p>
           <a:p>
             <a:pPr lvl="1"/>
             <a:r>
-              <a:rPr lang="en-US" dirty="0"/>
-              <a:t>What is your recovery point objective</a:t>
-            </a:r>
-            <a:r>
               <a:rPr lang="en-US" dirty="0" smtClean="0"/>
-              <a:t>?</a:t>
-            </a:r>
-            <a:endParaRPr lang="en-US" dirty="0" smtClean="0"/>
+              <a:t>What is your recovery point objective?</a:t>
+            </a:r>
           </a:p>
           <a:p>
             <a:r>
               <a:rPr lang="en-US" dirty="0" smtClean="0"/>
-              <a:t>Log </a:t>
-            </a:r>
-            <a:r>
-              <a:rPr lang="en-US" dirty="0"/>
-              <a:t>records must be kept until log backup completed</a:t>
-            </a:r>
-          </a:p>
-          <a:p>
-            <a:r>
-              <a:rPr lang="en-US" dirty="0"/>
-              <a:t>Can recover to an arbitrary point in </a:t>
+              <a:t>All </a:t>
+            </a:r>
+            <a:r>
+              <a:rPr lang="en-US" dirty="0"/>
+              <a:t>changes logged, but can be </a:t>
             </a:r>
             <a:r>
               <a:rPr lang="en-US" dirty="0" smtClean="0"/>
-              <a:t>time</a:t>
+              <a:t>“discarded” </a:t>
+            </a:r>
+            <a:r>
+              <a:rPr lang="en-US" dirty="0"/>
+              <a:t>on commit</a:t>
+            </a:r>
+          </a:p>
+          <a:p>
+            <a:r>
+              <a:rPr lang="en-US" dirty="0"/>
+              <a:t>Can only </a:t>
+            </a:r>
+            <a:r>
+              <a:rPr lang="en-US" dirty="0" smtClean="0"/>
+              <a:t>recover </a:t>
+            </a:r>
+            <a:r>
+              <a:rPr lang="en-US" dirty="0"/>
+              <a:t>to the latest full </a:t>
+            </a:r>
+            <a:r>
+              <a:rPr lang="en-US" dirty="0" smtClean="0"/>
+              <a:t>backup</a:t>
             </a:r>
             <a:endParaRPr lang="en-US" dirty="0"/>
           </a:p>
@@ -9904,7 +9881,7 @@
     </p:spTree>
     <p:extLst>
       <p:ext uri="{BB962C8B-B14F-4D97-AF65-F5344CB8AC3E}">
-        <p14:creationId xmlns:p14="http://schemas.microsoft.com/office/powerpoint/2010/main" val="933691385"/>
+        <p14:creationId xmlns:p14="http://schemas.microsoft.com/office/powerpoint/2010/main" val="2301797226"/>
       </p:ext>
     </p:extLst>
   </p:cSld>
@@ -9948,11 +9925,7 @@
           <a:p>
             <a:r>
               <a:rPr lang="en-US" dirty="0" smtClean="0"/>
-              <a:t>Bulk-logged Recovery </a:t>
-            </a:r>
-            <a:r>
-              <a:rPr lang="en-US" dirty="0" smtClean="0"/>
-              <a:t>Model</a:t>
+              <a:t>Full Recovery Model</a:t>
             </a:r>
             <a:endParaRPr lang="en-US" dirty="0"/>
           </a:p>
@@ -9977,7 +9950,7 @@
           <a:p>
             <a:r>
               <a:rPr lang="en-US" dirty="0" smtClean="0"/>
-              <a:t>Not frequently used, perhaps temporarily during maintenance windows</a:t>
+              <a:t>Probably the most common recovery model for production systems</a:t>
             </a:r>
           </a:p>
           <a:p>
@@ -9990,36 +9963,34 @@
               <a:rPr lang="en-US" dirty="0" smtClean="0"/>
               <a:t>?</a:t>
             </a:r>
-            <a:endParaRPr lang="en-US" dirty="0" smtClean="0"/>
           </a:p>
           <a:p>
             <a:r>
               <a:rPr lang="en-US" dirty="0" smtClean="0"/>
-              <a:t>Similar </a:t>
-            </a:r>
-            <a:r>
-              <a:rPr lang="en-US" dirty="0"/>
-              <a:t>to full model, but some changes are only “noted” rather than fully logged</a:t>
-            </a:r>
-          </a:p>
-          <a:p>
-            <a:r>
-              <a:rPr lang="en-US" dirty="0"/>
-              <a:t>Log backups still include all changes</a:t>
-            </a:r>
-          </a:p>
-          <a:p>
-            <a:r>
-              <a:rPr lang="en-US" dirty="0"/>
-              <a:t>Point-in-time recovery not possible</a:t>
-            </a:r>
+              <a:t>Log </a:t>
+            </a:r>
+            <a:r>
+              <a:rPr lang="en-US" dirty="0"/>
+              <a:t>records must be kept until log backup completed</a:t>
+            </a:r>
+          </a:p>
+          <a:p>
+            <a:r>
+              <a:rPr lang="en-US" dirty="0"/>
+              <a:t>Can recover to an arbitrary point in </a:t>
+            </a:r>
+            <a:r>
+              <a:rPr lang="en-US" dirty="0" smtClean="0"/>
+              <a:t>time</a:t>
+            </a:r>
+            <a:endParaRPr lang="en-US" dirty="0"/>
           </a:p>
         </p:txBody>
       </p:sp>
     </p:spTree>
     <p:extLst>
       <p:ext uri="{BB962C8B-B14F-4D97-AF65-F5344CB8AC3E}">
-        <p14:creationId xmlns:p14="http://schemas.microsoft.com/office/powerpoint/2010/main" val="3984488222"/>
+        <p14:creationId xmlns:p14="http://schemas.microsoft.com/office/powerpoint/2010/main" val="933691385"/>
       </p:ext>
     </p:extLst>
   </p:cSld>
@@ -10062,6 +10033,116 @@
           <a:lstStyle/>
           <a:p>
             <a:r>
+              <a:rPr lang="en-US" dirty="0" smtClean="0"/>
+              <a:t>Bulk-logged Recovery Model</a:t>
+            </a:r>
+            <a:endParaRPr lang="en-US" dirty="0"/>
+          </a:p>
+        </p:txBody>
+      </p:sp>
+      <p:sp>
+        <p:nvSpPr>
+          <p:cNvPr id="3" name="Content Placeholder 2"/>
+          <p:cNvSpPr>
+            <a:spLocks noGrp="1"/>
+          </p:cNvSpPr>
+          <p:nvPr>
+            <p:ph idx="1"/>
+          </p:nvPr>
+        </p:nvSpPr>
+        <p:spPr/>
+        <p:txBody>
+          <a:bodyPr>
+            <a:normAutofit/>
+          </a:bodyPr>
+          <a:lstStyle/>
+          <a:p>
+            <a:r>
+              <a:rPr lang="en-US" dirty="0" smtClean="0"/>
+              <a:t>Not frequently used, perhaps temporarily during maintenance windows</a:t>
+            </a:r>
+          </a:p>
+          <a:p>
+            <a:pPr lvl="1"/>
+            <a:r>
+              <a:rPr lang="en-US" dirty="0"/>
+              <a:t>What is your recovery point objective</a:t>
+            </a:r>
+            <a:r>
+              <a:rPr lang="en-US" dirty="0" smtClean="0"/>
+              <a:t>?</a:t>
+            </a:r>
+          </a:p>
+          <a:p>
+            <a:r>
+              <a:rPr lang="en-US" dirty="0" smtClean="0"/>
+              <a:t>Similar </a:t>
+            </a:r>
+            <a:r>
+              <a:rPr lang="en-US" dirty="0"/>
+              <a:t>to full model, but some changes are only “noted” rather than fully logged</a:t>
+            </a:r>
+          </a:p>
+          <a:p>
+            <a:r>
+              <a:rPr lang="en-US" dirty="0"/>
+              <a:t>Log backups still include all changes</a:t>
+            </a:r>
+          </a:p>
+          <a:p>
+            <a:r>
+              <a:rPr lang="en-US" dirty="0"/>
+              <a:t>Point-in-time recovery not possible</a:t>
+            </a:r>
+          </a:p>
+        </p:txBody>
+      </p:sp>
+    </p:spTree>
+    <p:extLst>
+      <p:ext uri="{BB962C8B-B14F-4D97-AF65-F5344CB8AC3E}">
+        <p14:creationId xmlns:p14="http://schemas.microsoft.com/office/powerpoint/2010/main" val="3984488222"/>
+      </p:ext>
+    </p:extLst>
+  </p:cSld>
+  <p:clrMapOvr>
+    <a:masterClrMapping/>
+  </p:clrMapOvr>
+</p:sld>
+</file>
+
+<file path=ppt/slides/slide38.xml><?xml version="1.0" encoding="utf-8"?>
+<p:sld xmlns:a="http://schemas.openxmlformats.org/drawingml/2006/main" xmlns:r="http://schemas.openxmlformats.org/officeDocument/2006/relationships" xmlns:p="http://schemas.openxmlformats.org/presentationml/2006/main">
+  <p:cSld>
+    <p:spTree>
+      <p:nvGrpSpPr>
+        <p:cNvPr id="1" name=""/>
+        <p:cNvGrpSpPr/>
+        <p:nvPr/>
+      </p:nvGrpSpPr>
+      <p:grpSpPr>
+        <a:xfrm>
+          <a:off x="0" y="0"/>
+          <a:ext cx="0" cy="0"/>
+          <a:chOff x="0" y="0"/>
+          <a:chExt cx="0" cy="0"/>
+        </a:xfrm>
+      </p:grpSpPr>
+      <p:sp>
+        <p:nvSpPr>
+          <p:cNvPr id="2" name="Title 1"/>
+          <p:cNvSpPr>
+            <a:spLocks noGrp="1"/>
+          </p:cNvSpPr>
+          <p:nvPr>
+            <p:ph type="title"/>
+          </p:nvPr>
+        </p:nvSpPr>
+        <p:spPr/>
+        <p:txBody>
+          <a:bodyPr/>
+          <a:lstStyle/>
+          <a:p>
+            <a:r>
               <a:rPr lang="en-US" dirty="0"/>
               <a:t>Clearing the Log</a:t>
             </a:r>
@@ -10359,7 +10440,7 @@
 </p:sld>
 </file>
 
-<file path=ppt/slides/slide38.xml><?xml version="1.0" encoding="utf-8"?>
+<file path=ppt/slides/slide39.xml><?xml version="1.0" encoding="utf-8"?>
 <p:sld xmlns:a="http://schemas.openxmlformats.org/drawingml/2006/main" xmlns:r="http://schemas.openxmlformats.org/officeDocument/2006/relationships" xmlns:p="http://schemas.openxmlformats.org/presentationml/2006/main">
   <p:cSld>
     <p:spTree>
@@ -10475,126 +10556,6 @@
 </p:sld>
 </file>
 
-<file path=ppt/slides/slide39.xml><?xml version="1.0" encoding="utf-8"?>
-<p:sld xmlns:a="http://schemas.openxmlformats.org/drawingml/2006/main" xmlns:r="http://schemas.openxmlformats.org/officeDocument/2006/relationships" xmlns:p="http://schemas.openxmlformats.org/presentationml/2006/main">
-  <p:cSld>
-    <p:spTree>
-      <p:nvGrpSpPr>
-        <p:cNvPr id="1" name=""/>
-        <p:cNvGrpSpPr/>
-        <p:nvPr/>
-      </p:nvGrpSpPr>
-      <p:grpSpPr>
-        <a:xfrm>
-          <a:off x="0" y="0"/>
-          <a:ext cx="0" cy="0"/>
-          <a:chOff x="0" y="0"/>
-          <a:chExt cx="0" cy="0"/>
-        </a:xfrm>
-      </p:grpSpPr>
-      <p:sp>
-        <p:nvSpPr>
-          <p:cNvPr id="2" name="Title 1"/>
-          <p:cNvSpPr>
-            <a:spLocks noGrp="1"/>
-          </p:cNvSpPr>
-          <p:nvPr>
-            <p:ph type="title"/>
-          </p:nvPr>
-        </p:nvSpPr>
-        <p:spPr/>
-        <p:txBody>
-          <a:bodyPr/>
-          <a:lstStyle/>
-          <a:p>
-            <a:r>
-              <a:rPr lang="en-US" dirty="0"/>
-              <a:t>Rolling Back a Transaction</a:t>
-            </a:r>
-          </a:p>
-        </p:txBody>
-      </p:sp>
-      <p:sp>
-        <p:nvSpPr>
-          <p:cNvPr id="3" name="Content Placeholder 2"/>
-          <p:cNvSpPr>
-            <a:spLocks noGrp="1"/>
-          </p:cNvSpPr>
-          <p:nvPr>
-            <p:ph idx="1"/>
-          </p:nvPr>
-        </p:nvSpPr>
-        <p:spPr/>
-        <p:txBody>
-          <a:bodyPr/>
-          <a:lstStyle/>
-          <a:p>
-            <a:r>
-              <a:rPr lang="en-US" dirty="0"/>
-              <a:t>When a transaction cannot complete, it must rollback</a:t>
-            </a:r>
-          </a:p>
-          <a:p>
-            <a:pPr lvl="1"/>
-            <a:r>
-              <a:rPr lang="en-US" dirty="0"/>
-              <a:t>ROLLBACK TRANSACTION command</a:t>
-            </a:r>
-          </a:p>
-          <a:p>
-            <a:pPr lvl="1"/>
-            <a:r>
-              <a:rPr lang="en-US" dirty="0"/>
-              <a:t>Connection is abandoned</a:t>
-            </a:r>
-          </a:p>
-          <a:p>
-            <a:pPr lvl="2"/>
-            <a:r>
-              <a:rPr lang="en-US" dirty="0"/>
-              <a:t>Network failure, KILL, severe errors, client crash</a:t>
-            </a:r>
-          </a:p>
-          <a:p>
-            <a:pPr lvl="1"/>
-            <a:r>
-              <a:rPr lang="en-US" dirty="0"/>
-              <a:t>Non-graceful shutdown of SQL (crash recovery)</a:t>
-            </a:r>
-          </a:p>
-          <a:p>
-            <a:pPr lvl="1"/>
-            <a:r>
-              <a:rPr lang="en-US" dirty="0"/>
-              <a:t>Restore </a:t>
-            </a:r>
-            <a:r>
-              <a:rPr lang="en-US" dirty="0" smtClean="0"/>
-              <a:t>operations</a:t>
-            </a:r>
-          </a:p>
-          <a:p>
-            <a:r>
-              <a:rPr lang="en-US" dirty="0" smtClean="0"/>
-              <a:t>Rollback operations are single-threaded</a:t>
-            </a:r>
-            <a:endParaRPr lang="en-US" dirty="0"/>
-          </a:p>
-        </p:txBody>
-      </p:sp>
-    </p:spTree>
-    <p:extLst>
-      <p:ext uri="{BB962C8B-B14F-4D97-AF65-F5344CB8AC3E}">
-        <p14:creationId xmlns:p14="http://schemas.microsoft.com/office/powerpoint/2010/main" val="2736551440"/>
-      </p:ext>
-    </p:extLst>
-  </p:cSld>
-  <p:clrMapOvr>
-    <a:masterClrMapping/>
-  </p:clrMapOvr>
-</p:sld>
-</file>
-
 <file path=ppt/slides/slide4.xml><?xml version="1.0" encoding="utf-8"?>
 <p:sld xmlns:a="http://schemas.openxmlformats.org/drawingml/2006/main" xmlns:r="http://schemas.openxmlformats.org/officeDocument/2006/relationships" xmlns:p="http://schemas.openxmlformats.org/presentationml/2006/main">
   <p:cSld>
@@ -10629,7 +10590,7 @@
           <a:p>
             <a:r>
               <a:rPr lang="en-US" dirty="0"/>
-              <a:t>Purpose of the Transaction Log</a:t>
+              <a:t>Agenda</a:t>
             </a:r>
           </a:p>
         </p:txBody>
@@ -10646,83 +10607,42 @@
         </p:nvSpPr>
         <p:spPr/>
         <p:txBody>
-          <a:bodyPr>
-            <a:normAutofit fontScale="92500" lnSpcReduction="10000"/>
-          </a:bodyPr>
+          <a:bodyPr/>
           <a:lstStyle/>
           <a:p>
             <a:r>
               <a:rPr lang="en-US" dirty="0"/>
-              <a:t>Primary purposes</a:t>
-            </a:r>
-          </a:p>
-          <a:p>
-            <a:pPr lvl="1"/>
-            <a:r>
-              <a:rPr lang="en-US" dirty="0"/>
-              <a:t>Durability</a:t>
-            </a:r>
-          </a:p>
-          <a:p>
-            <a:pPr lvl="2"/>
-            <a:r>
-              <a:rPr lang="en-US" dirty="0"/>
-              <a:t>Write-ahead logging</a:t>
-            </a:r>
-          </a:p>
-          <a:p>
-            <a:pPr lvl="2"/>
-            <a:r>
-              <a:rPr lang="en-US" dirty="0"/>
-              <a:t>Crash recovery / restore operations</a:t>
-            </a:r>
-          </a:p>
-          <a:p>
-            <a:pPr lvl="1"/>
-            <a:r>
-              <a:rPr lang="en-US" dirty="0"/>
-              <a:t>Atomicity</a:t>
-            </a:r>
-          </a:p>
-          <a:p>
-            <a:pPr lvl="1"/>
-            <a:r>
-              <a:rPr lang="en-US" dirty="0"/>
-              <a:t>Thought experiment</a:t>
-            </a:r>
-          </a:p>
-          <a:p>
-            <a:pPr lvl="2"/>
-            <a:r>
-              <a:rPr lang="en-US" dirty="0"/>
-              <a:t>What would SQL be like without a transaction log?</a:t>
-            </a:r>
-          </a:p>
-          <a:p>
-            <a:r>
-              <a:rPr lang="en-US" dirty="0"/>
-              <a:t>Secondary purposes</a:t>
-            </a:r>
-          </a:p>
-          <a:p>
-            <a:pPr lvl="1"/>
-            <a:r>
-              <a:rPr lang="en-US" dirty="0"/>
-              <a:t>Log reader (replication, CDC)</a:t>
-            </a:r>
-          </a:p>
-          <a:p>
-            <a:pPr lvl="1"/>
-            <a:r>
-              <a:rPr lang="en-US" dirty="0"/>
-              <a:t>Mirroring / Availability Groups / log shipping</a:t>
-            </a:r>
-          </a:p>
-          <a:p>
-            <a:pPr lvl="1"/>
-            <a:r>
-              <a:rPr lang="en-US" dirty="0"/>
-              <a:t>Snapshots</a:t>
+              <a:t>Purpose of the transaction log</a:t>
+            </a:r>
+          </a:p>
+          <a:p>
+            <a:r>
+              <a:rPr lang="en-US" dirty="0"/>
+              <a:t>Organization of the transaction log</a:t>
+            </a:r>
+          </a:p>
+          <a:p>
+            <a:r>
+              <a:rPr lang="en-US" dirty="0"/>
+              <a:t>Flushing &amp; clearing the log / checkpoints</a:t>
+            </a:r>
+          </a:p>
+          <a:p>
+            <a:r>
+              <a:rPr lang="en-US" dirty="0"/>
+              <a:t>Rollback operations</a:t>
+            </a:r>
+          </a:p>
+          <a:p>
+            <a:r>
+              <a:rPr lang="en-US" dirty="0"/>
+              <a:t>VLF fragmentation</a:t>
+            </a:r>
+          </a:p>
+          <a:p>
+            <a:r>
+              <a:rPr lang="en-US" dirty="0"/>
+              <a:t>Log monitoring</a:t>
             </a:r>
           </a:p>
         </p:txBody>
@@ -10730,7 +10650,7 @@
     </p:spTree>
     <p:extLst>
       <p:ext uri="{BB962C8B-B14F-4D97-AF65-F5344CB8AC3E}">
-        <p14:creationId xmlns:p14="http://schemas.microsoft.com/office/powerpoint/2010/main" val="1146920383"/>
+        <p14:creationId xmlns:p14="http://schemas.microsoft.com/office/powerpoint/2010/main" val="1097259878"/>
       </p:ext>
     </p:extLst>
   </p:cSld>
@@ -10741,6 +10661,126 @@
 </file>
 
 <file path=ppt/slides/slide40.xml><?xml version="1.0" encoding="utf-8"?>
+<p:sld xmlns:a="http://schemas.openxmlformats.org/drawingml/2006/main" xmlns:r="http://schemas.openxmlformats.org/officeDocument/2006/relationships" xmlns:p="http://schemas.openxmlformats.org/presentationml/2006/main">
+  <p:cSld>
+    <p:spTree>
+      <p:nvGrpSpPr>
+        <p:cNvPr id="1" name=""/>
+        <p:cNvGrpSpPr/>
+        <p:nvPr/>
+      </p:nvGrpSpPr>
+      <p:grpSpPr>
+        <a:xfrm>
+          <a:off x="0" y="0"/>
+          <a:ext cx="0" cy="0"/>
+          <a:chOff x="0" y="0"/>
+          <a:chExt cx="0" cy="0"/>
+        </a:xfrm>
+      </p:grpSpPr>
+      <p:sp>
+        <p:nvSpPr>
+          <p:cNvPr id="2" name="Title 1"/>
+          <p:cNvSpPr>
+            <a:spLocks noGrp="1"/>
+          </p:cNvSpPr>
+          <p:nvPr>
+            <p:ph type="title"/>
+          </p:nvPr>
+        </p:nvSpPr>
+        <p:spPr/>
+        <p:txBody>
+          <a:bodyPr/>
+          <a:lstStyle/>
+          <a:p>
+            <a:r>
+              <a:rPr lang="en-US" dirty="0"/>
+              <a:t>Rolling Back a Transaction</a:t>
+            </a:r>
+          </a:p>
+        </p:txBody>
+      </p:sp>
+      <p:sp>
+        <p:nvSpPr>
+          <p:cNvPr id="3" name="Content Placeholder 2"/>
+          <p:cNvSpPr>
+            <a:spLocks noGrp="1"/>
+          </p:cNvSpPr>
+          <p:nvPr>
+            <p:ph idx="1"/>
+          </p:nvPr>
+        </p:nvSpPr>
+        <p:spPr/>
+        <p:txBody>
+          <a:bodyPr/>
+          <a:lstStyle/>
+          <a:p>
+            <a:r>
+              <a:rPr lang="en-US" dirty="0"/>
+              <a:t>When a transaction cannot complete, it must rollback</a:t>
+            </a:r>
+          </a:p>
+          <a:p>
+            <a:pPr lvl="1"/>
+            <a:r>
+              <a:rPr lang="en-US" dirty="0"/>
+              <a:t>ROLLBACK TRANSACTION command</a:t>
+            </a:r>
+          </a:p>
+          <a:p>
+            <a:pPr lvl="1"/>
+            <a:r>
+              <a:rPr lang="en-US" dirty="0"/>
+              <a:t>Connection is abandoned</a:t>
+            </a:r>
+          </a:p>
+          <a:p>
+            <a:pPr lvl="2"/>
+            <a:r>
+              <a:rPr lang="en-US" dirty="0"/>
+              <a:t>Network failure, KILL, severe errors, client crash</a:t>
+            </a:r>
+          </a:p>
+          <a:p>
+            <a:pPr lvl="1"/>
+            <a:r>
+              <a:rPr lang="en-US" dirty="0"/>
+              <a:t>Non-graceful shutdown of SQL (crash recovery)</a:t>
+            </a:r>
+          </a:p>
+          <a:p>
+            <a:pPr lvl="1"/>
+            <a:r>
+              <a:rPr lang="en-US" dirty="0"/>
+              <a:t>Restore </a:t>
+            </a:r>
+            <a:r>
+              <a:rPr lang="en-US" dirty="0" smtClean="0"/>
+              <a:t>operations</a:t>
+            </a:r>
+          </a:p>
+          <a:p>
+            <a:r>
+              <a:rPr lang="en-US" dirty="0" smtClean="0"/>
+              <a:t>Rollback operations are single-threaded</a:t>
+            </a:r>
+            <a:endParaRPr lang="en-US" dirty="0"/>
+          </a:p>
+        </p:txBody>
+      </p:sp>
+    </p:spTree>
+    <p:extLst>
+      <p:ext uri="{BB962C8B-B14F-4D97-AF65-F5344CB8AC3E}">
+        <p14:creationId xmlns:p14="http://schemas.microsoft.com/office/powerpoint/2010/main" val="2736551440"/>
+      </p:ext>
+    </p:extLst>
+  </p:cSld>
+  <p:clrMapOvr>
+    <a:masterClrMapping/>
+  </p:clrMapOvr>
+</p:sld>
+</file>
+
+<file path=ppt/slides/slide41.xml><?xml version="1.0" encoding="utf-8"?>
 <p:sld xmlns:a="http://schemas.openxmlformats.org/drawingml/2006/main" xmlns:r="http://schemas.openxmlformats.org/officeDocument/2006/relationships" xmlns:p="http://schemas.openxmlformats.org/presentationml/2006/main">
   <p:cSld>
     <p:spTree>
@@ -10855,7 +10895,7 @@
 </p:sld>
 </file>
 
-<file path=ppt/slides/slide41.xml><?xml version="1.0" encoding="utf-8"?>
+<file path=ppt/slides/slide42.xml><?xml version="1.0" encoding="utf-8"?>
 <p:sld xmlns:a="http://schemas.openxmlformats.org/drawingml/2006/main" xmlns:r="http://schemas.openxmlformats.org/officeDocument/2006/relationships" xmlns:p="http://schemas.openxmlformats.org/presentationml/2006/main">
   <p:cSld>
     <p:spTree>
@@ -10964,7 +11004,7 @@
 </p:sld>
 </file>
 
-<file path=ppt/slides/slide42.xml><?xml version="1.0" encoding="utf-8"?>
+<file path=ppt/slides/slide43.xml><?xml version="1.0" encoding="utf-8"?>
 <p:sld xmlns:a="http://schemas.openxmlformats.org/drawingml/2006/main" xmlns:r="http://schemas.openxmlformats.org/officeDocument/2006/relationships" xmlns:p="http://schemas.openxmlformats.org/presentationml/2006/main">
   <p:cSld>
     <p:spTree>
@@ -11073,7 +11113,7 @@
 </p:sld>
 </file>
 
-<file path=ppt/slides/slide43.xml><?xml version="1.0" encoding="utf-8"?>
+<file path=ppt/slides/slide44.xml><?xml version="1.0" encoding="utf-8"?>
 <p:sld xmlns:a="http://schemas.openxmlformats.org/drawingml/2006/main" xmlns:r="http://schemas.openxmlformats.org/officeDocument/2006/relationships" xmlns:p="http://schemas.openxmlformats.org/presentationml/2006/main">
   <p:cSld>
     <p:spTree>
@@ -11176,7 +11216,7 @@
 </p:sld>
 </file>
 
-<file path=ppt/slides/slide44.xml><?xml version="1.0" encoding="utf-8"?>
+<file path=ppt/slides/slide45.xml><?xml version="1.0" encoding="utf-8"?>
 <p:sld xmlns:a="http://schemas.openxmlformats.org/drawingml/2006/main" xmlns:r="http://schemas.openxmlformats.org/officeDocument/2006/relationships" xmlns:p="http://schemas.openxmlformats.org/presentationml/2006/main">
   <p:cSld>
     <p:spTree>
@@ -11279,7 +11319,7 @@
 </p:sld>
 </file>
 
-<file path=ppt/slides/slide45.xml><?xml version="1.0" encoding="utf-8"?>
+<file path=ppt/slides/slide46.xml><?xml version="1.0" encoding="utf-8"?>
 <p:sld xmlns:a="http://schemas.openxmlformats.org/drawingml/2006/main" xmlns:r="http://schemas.openxmlformats.org/officeDocument/2006/relationships" xmlns:p="http://schemas.openxmlformats.org/presentationml/2006/main">
   <p:cSld>
     <p:spTree>
@@ -11375,7 +11415,7 @@
 </p:sld>
 </file>
 
-<file path=ppt/slides/slide46.xml><?xml version="1.0" encoding="utf-8"?>
+<file path=ppt/slides/slide47.xml><?xml version="1.0" encoding="utf-8"?>
 <p:sld xmlns:a="http://schemas.openxmlformats.org/drawingml/2006/main" xmlns:r="http://schemas.openxmlformats.org/officeDocument/2006/relationships" xmlns:p="http://schemas.openxmlformats.org/presentationml/2006/main">
   <p:cSld>
     <p:spTree>
@@ -11476,7 +11516,7 @@
 </p:sld>
 </file>
 
-<file path=ppt/slides/slide47.xml><?xml version="1.0" encoding="utf-8"?>
+<file path=ppt/slides/slide48.xml><?xml version="1.0" encoding="utf-8"?>
 <p:sld xmlns:a="http://schemas.openxmlformats.org/drawingml/2006/main" xmlns:r="http://schemas.openxmlformats.org/officeDocument/2006/relationships" xmlns:p="http://schemas.openxmlformats.org/presentationml/2006/main">
   <p:cSld>
     <p:spTree>
@@ -11575,14 +11615,14 @@
                 <a:gridCol w="3048000">
                   <a:extLst>
                     <a:ext uri="{9D8B030D-6E8A-4147-A177-3AD203B41FA5}">
-                      <a16:colId xmlns:a16="http://schemas.microsoft.com/office/drawing/2014/main" xmlns="" val="20000"/>
+                      <a16:colId xmlns="" xmlns:a16="http://schemas.microsoft.com/office/drawing/2014/main" val="20000"/>
                     </a:ext>
                   </a:extLst>
                 </a:gridCol>
                 <a:gridCol w="3048000">
                   <a:extLst>
                     <a:ext uri="{9D8B030D-6E8A-4147-A177-3AD203B41FA5}">
-                      <a16:colId xmlns:a16="http://schemas.microsoft.com/office/drawing/2014/main" xmlns="" val="20001"/>
+                      <a16:colId xmlns="" xmlns:a16="http://schemas.microsoft.com/office/drawing/2014/main" val="20001"/>
                     </a:ext>
                   </a:extLst>
                 </a:gridCol>
@@ -11628,7 +11668,7 @@
                 </a:tc>
                 <a:extLst>
                   <a:ext uri="{0D108BD9-81ED-4DB2-BD59-A6C34878D82A}">
-                    <a16:rowId xmlns:a16="http://schemas.microsoft.com/office/drawing/2014/main" xmlns="" val="10000"/>
+                    <a16:rowId xmlns="" xmlns:a16="http://schemas.microsoft.com/office/drawing/2014/main" val="10000"/>
                   </a:ext>
                 </a:extLst>
               </a:tr>
@@ -11663,7 +11703,7 @@
                 </a:tc>
                 <a:extLst>
                   <a:ext uri="{0D108BD9-81ED-4DB2-BD59-A6C34878D82A}">
-                    <a16:rowId xmlns:a16="http://schemas.microsoft.com/office/drawing/2014/main" xmlns="" val="10001"/>
+                    <a16:rowId xmlns="" xmlns:a16="http://schemas.microsoft.com/office/drawing/2014/main" val="10001"/>
                   </a:ext>
                 </a:extLst>
               </a:tr>
@@ -11698,7 +11738,7 @@
                 </a:tc>
                 <a:extLst>
                   <a:ext uri="{0D108BD9-81ED-4DB2-BD59-A6C34878D82A}">
-                    <a16:rowId xmlns:a16="http://schemas.microsoft.com/office/drawing/2014/main" xmlns="" val="10002"/>
+                    <a16:rowId xmlns="" xmlns:a16="http://schemas.microsoft.com/office/drawing/2014/main" val="10002"/>
                   </a:ext>
                 </a:extLst>
               </a:tr>
@@ -11738,7 +11778,7 @@
                 </a:tc>
                 <a:extLst>
                   <a:ext uri="{0D108BD9-81ED-4DB2-BD59-A6C34878D82A}">
-                    <a16:rowId xmlns:a16="http://schemas.microsoft.com/office/drawing/2014/main" xmlns="" val="10003"/>
+                    <a16:rowId xmlns="" xmlns:a16="http://schemas.microsoft.com/office/drawing/2014/main" val="10003"/>
                   </a:ext>
                 </a:extLst>
               </a:tr>
@@ -11931,124 +11971,6 @@
     <p:extLst>
       <p:ext uri="{BB962C8B-B14F-4D97-AF65-F5344CB8AC3E}">
         <p14:creationId xmlns:p14="http://schemas.microsoft.com/office/powerpoint/2010/main" val="3274095779"/>
-      </p:ext>
-    </p:extLst>
-  </p:cSld>
-  <p:clrMapOvr>
-    <a:masterClrMapping/>
-  </p:clrMapOvr>
-</p:sld>
-</file>
-
-<file path=ppt/slides/slide48.xml><?xml version="1.0" encoding="utf-8"?>
-<p:sld xmlns:a="http://schemas.openxmlformats.org/drawingml/2006/main" xmlns:r="http://schemas.openxmlformats.org/officeDocument/2006/relationships" xmlns:p="http://schemas.openxmlformats.org/presentationml/2006/main">
-  <p:cSld>
-    <p:spTree>
-      <p:nvGrpSpPr>
-        <p:cNvPr id="1" name=""/>
-        <p:cNvGrpSpPr/>
-        <p:nvPr/>
-      </p:nvGrpSpPr>
-      <p:grpSpPr>
-        <a:xfrm>
-          <a:off x="0" y="0"/>
-          <a:ext cx="0" cy="0"/>
-          <a:chOff x="0" y="0"/>
-          <a:chExt cx="0" cy="0"/>
-        </a:xfrm>
-      </p:grpSpPr>
-      <p:sp>
-        <p:nvSpPr>
-          <p:cNvPr id="2" name="Title 1"/>
-          <p:cNvSpPr>
-            <a:spLocks noGrp="1"/>
-          </p:cNvSpPr>
-          <p:nvPr>
-            <p:ph type="title"/>
-          </p:nvPr>
-        </p:nvSpPr>
-        <p:spPr/>
-        <p:txBody>
-          <a:bodyPr/>
-          <a:lstStyle/>
-          <a:p>
-            <a:r>
-              <a:rPr lang="en-US" dirty="0"/>
-              <a:t>VLF Trade-Offs</a:t>
-            </a:r>
-          </a:p>
-        </p:txBody>
-      </p:sp>
-      <p:sp>
-        <p:nvSpPr>
-          <p:cNvPr id="3" name="Content Placeholder 2"/>
-          <p:cNvSpPr>
-            <a:spLocks noGrp="1"/>
-          </p:cNvSpPr>
-          <p:nvPr>
-            <p:ph idx="1"/>
-          </p:nvPr>
-        </p:nvSpPr>
-        <p:spPr/>
-        <p:txBody>
-          <a:bodyPr>
-            <a:normAutofit lnSpcReduction="10000"/>
-          </a:bodyPr>
-          <a:lstStyle/>
-          <a:p>
-            <a:r>
-              <a:rPr lang="en-US" dirty="0"/>
-              <a:t>Too many VLFs create performance problems (“VLF Fragmentation”)</a:t>
-            </a:r>
-          </a:p>
-          <a:p>
-            <a:pPr lvl="1"/>
-            <a:r>
-              <a:rPr lang="en-US" dirty="0"/>
-              <a:t>Slows noticeably any time log is read</a:t>
-            </a:r>
-          </a:p>
-          <a:p>
-            <a:pPr lvl="2"/>
-            <a:r>
-              <a:rPr lang="en-US" dirty="0"/>
-              <a:t>Start-up time for database, log reader, backup &amp; restore, etc.</a:t>
-            </a:r>
-          </a:p>
-          <a:p>
-            <a:pPr lvl="1"/>
-            <a:r>
-              <a:rPr lang="en-US" dirty="0"/>
-              <a:t>But smaller VLFs are faster to allocate (zero-</a:t>
-            </a:r>
-            <a:r>
-              <a:rPr lang="en-US" dirty="0" err="1"/>
-              <a:t>init</a:t>
-            </a:r>
-            <a:r>
-              <a:rPr lang="en-US" dirty="0"/>
-              <a:t>)</a:t>
-            </a:r>
-          </a:p>
-          <a:p>
-            <a:r>
-              <a:rPr lang="en-US" dirty="0"/>
-              <a:t>Too few VLFs also create performance problems</a:t>
-            </a:r>
-          </a:p>
-          <a:p>
-            <a:pPr lvl="1"/>
-            <a:r>
-              <a:rPr lang="en-US" dirty="0"/>
-              <a:t>Clearing the log, especially when long-running transactions are happening</a:t>
-            </a:r>
-          </a:p>
-        </p:txBody>
-      </p:sp>
-    </p:spTree>
-    <p:extLst>
-      <p:ext uri="{BB962C8B-B14F-4D97-AF65-F5344CB8AC3E}">
-        <p14:creationId xmlns:p14="http://schemas.microsoft.com/office/powerpoint/2010/main" val="2035035367"/>
       </p:ext>
     </p:extLst>
   </p:cSld>
@@ -12092,7 +12014,7 @@
           <a:p>
             <a:r>
               <a:rPr lang="en-US" dirty="0"/>
-              <a:t>Pre-Allocating the Log</a:t>
+              <a:t>VLF Trade-Offs</a:t>
             </a:r>
           </a:p>
         </p:txBody>
@@ -12109,70 +12031,64 @@
         </p:nvSpPr>
         <p:spPr/>
         <p:txBody>
-          <a:bodyPr/>
+          <a:bodyPr>
+            <a:normAutofit lnSpcReduction="10000"/>
+          </a:bodyPr>
           <a:lstStyle/>
           <a:p>
             <a:r>
               <a:rPr lang="en-US" dirty="0"/>
-              <a:t>Why?</a:t>
+              <a:t>Too many VLFs create performance problems (“VLF Fragmentation”)</a:t>
             </a:r>
           </a:p>
           <a:p>
             <a:pPr lvl="1"/>
             <a:r>
               <a:rPr lang="en-US" dirty="0"/>
-              <a:t>Eliminate VLF fragmentation</a:t>
+              <a:t>Slows noticeably any time log is read</a:t>
+            </a:r>
+          </a:p>
+          <a:p>
+            <a:pPr lvl="2"/>
+            <a:r>
+              <a:rPr lang="en-US" dirty="0"/>
+              <a:t>Start-up time for database, log reader, backup &amp; restore, etc.</a:t>
             </a:r>
           </a:p>
           <a:p>
             <a:pPr lvl="1"/>
             <a:r>
               <a:rPr lang="en-US" dirty="0"/>
-              <a:t>Avoid log growth during user operations</a:t>
-            </a:r>
-          </a:p>
-          <a:p>
-            <a:pPr lvl="2"/>
-            <a:r>
-              <a:rPr lang="en-US" dirty="0"/>
-              <a:t>Can be time-consuming due to </a:t>
-            </a:r>
-            <a:r>
-              <a:rPr lang="en-US" dirty="0" smtClean="0"/>
-              <a:t>zero-initialization</a:t>
-            </a:r>
-          </a:p>
-          <a:p>
-            <a:r>
-              <a:rPr lang="en-US" dirty="0" smtClean="0"/>
-              <a:t>However, plan for auto-growth</a:t>
+              <a:t>But smaller VLFs are faster to allocate (zero-</a:t>
+            </a:r>
+            <a:r>
+              <a:rPr lang="en-US" dirty="0" err="1"/>
+              <a:t>init</a:t>
+            </a:r>
+            <a:r>
+              <a:rPr lang="en-US" dirty="0"/>
+              <a:t>)</a:t>
+            </a:r>
+          </a:p>
+          <a:p>
+            <a:r>
+              <a:rPr lang="en-US" dirty="0"/>
+              <a:t>Too few VLFs also create performance problems</a:t>
             </a:r>
           </a:p>
           <a:p>
             <a:pPr lvl="1"/>
             <a:r>
-              <a:rPr lang="en-US" dirty="0" smtClean="0"/>
-              <a:t>Set reasonable auto-growth parameters</a:t>
-            </a:r>
-          </a:p>
-          <a:p>
-            <a:pPr lvl="1"/>
-            <a:r>
-              <a:rPr lang="en-US" dirty="0" smtClean="0"/>
-              <a:t>Fixed growth amount, </a:t>
-            </a:r>
-            <a:r>
-              <a:rPr lang="en-US" smtClean="0"/>
-              <a:t>not percentage</a:t>
-            </a:r>
-            <a:endParaRPr lang="en-US" dirty="0"/>
+              <a:rPr lang="en-US" dirty="0"/>
+              <a:t>Clearing the log, especially when long-running transactions are happening</a:t>
+            </a:r>
           </a:p>
         </p:txBody>
       </p:sp>
     </p:spTree>
     <p:extLst>
       <p:ext uri="{BB962C8B-B14F-4D97-AF65-F5344CB8AC3E}">
-        <p14:creationId xmlns:p14="http://schemas.microsoft.com/office/powerpoint/2010/main" val="1170893381"/>
+        <p14:creationId xmlns:p14="http://schemas.microsoft.com/office/powerpoint/2010/main" val="2035035367"/>
       </p:ext>
     </p:extLst>
   </p:cSld>
@@ -12216,7 +12132,7 @@
           <a:p>
             <a:r>
               <a:rPr lang="en-US" dirty="0"/>
-              <a:t>What Goes in the Transaction Log?</a:t>
+              <a:t>Purpose of the Transaction Log</a:t>
             </a:r>
           </a:p>
         </p:txBody>
@@ -12233,68 +12149,83 @@
         </p:nvSpPr>
         <p:spPr/>
         <p:txBody>
-          <a:bodyPr/>
+          <a:bodyPr>
+            <a:normAutofit fontScale="92500" lnSpcReduction="10000"/>
+          </a:bodyPr>
           <a:lstStyle/>
           <a:p>
             <a:r>
-              <a:rPr lang="en-US" u="sng" dirty="0"/>
-              <a:t>Everything</a:t>
-            </a:r>
-            <a:r>
-              <a:rPr lang="en-US" dirty="0"/>
-              <a:t> that modifies the state </a:t>
-            </a:r>
-            <a:r>
-              <a:rPr lang="en-US" u="sng" dirty="0"/>
-              <a:t>any</a:t>
-            </a:r>
-            <a:r>
-              <a:rPr lang="en-US" dirty="0"/>
-              <a:t> database in SQL</a:t>
+              <a:rPr lang="en-US" dirty="0"/>
+              <a:t>Primary purposes</a:t>
             </a:r>
           </a:p>
           <a:p>
             <a:pPr lvl="1"/>
             <a:r>
               <a:rPr lang="en-US" dirty="0"/>
-              <a:t>Includes data to </a:t>
-            </a:r>
-            <a:r>
-              <a:rPr lang="en-US" b="1" dirty="0"/>
-              <a:t>redo</a:t>
-            </a:r>
-            <a:r>
-              <a:rPr lang="en-US" dirty="0"/>
-              <a:t> an operation</a:t>
+              <a:t>Durability</a:t>
+            </a:r>
+          </a:p>
+          <a:p>
+            <a:pPr lvl="2"/>
+            <a:r>
+              <a:rPr lang="en-US" dirty="0"/>
+              <a:t>Write-ahead logging</a:t>
+            </a:r>
+          </a:p>
+          <a:p>
+            <a:pPr lvl="2"/>
+            <a:r>
+              <a:rPr lang="en-US" dirty="0"/>
+              <a:t>Crash recovery / restore operations</a:t>
             </a:r>
           </a:p>
           <a:p>
             <a:pPr lvl="1"/>
             <a:r>
               <a:rPr lang="en-US" dirty="0"/>
-              <a:t>Includes data to </a:t>
-            </a:r>
-            <a:r>
-              <a:rPr lang="en-US" b="1" dirty="0"/>
-              <a:t>undo</a:t>
-            </a:r>
-            <a:r>
-              <a:rPr lang="en-US" dirty="0"/>
-              <a:t> an operation</a:t>
-            </a:r>
-          </a:p>
-          <a:p>
-            <a:r>
-              <a:rPr lang="en-US" sz="2400" dirty="0"/>
-              <a:t>Very limited exceptions for some </a:t>
-            </a:r>
-            <a:r>
-              <a:rPr lang="en-US" sz="2400" dirty="0" err="1"/>
-              <a:t>tempdb</a:t>
-            </a:r>
-            <a:r>
-              <a:rPr lang="en-US" sz="2400" dirty="0"/>
-              <a:t> operations</a:t>
+              <a:t>Atomicity</a:t>
+            </a:r>
+          </a:p>
+          <a:p>
+            <a:pPr lvl="1"/>
+            <a:r>
+              <a:rPr lang="en-US" dirty="0"/>
+              <a:t>Thought experiment</a:t>
+            </a:r>
+          </a:p>
+          <a:p>
+            <a:pPr lvl="2"/>
+            <a:r>
+              <a:rPr lang="en-US" dirty="0"/>
+              <a:t>What would SQL be like without a transaction log?</a:t>
+            </a:r>
+          </a:p>
+          <a:p>
+            <a:r>
+              <a:rPr lang="en-US" dirty="0"/>
+              <a:t>Secondary purposes</a:t>
+            </a:r>
+          </a:p>
+          <a:p>
+            <a:pPr lvl="1"/>
+            <a:r>
+              <a:rPr lang="en-US" dirty="0"/>
+              <a:t>Log reader (replication, CDC)</a:t>
+            </a:r>
+          </a:p>
+          <a:p>
+            <a:pPr lvl="1"/>
+            <a:r>
+              <a:rPr lang="en-US" dirty="0"/>
+              <a:t>Mirroring / Availability Groups / log shipping</a:t>
+            </a:r>
+          </a:p>
+          <a:p>
+            <a:pPr lvl="1"/>
+            <a:r>
+              <a:rPr lang="en-US" dirty="0"/>
+              <a:t>Snapshots</a:t>
             </a:r>
           </a:p>
         </p:txBody>
@@ -12302,7 +12233,7 @@
     </p:spTree>
     <p:extLst>
       <p:ext uri="{BB962C8B-B14F-4D97-AF65-F5344CB8AC3E}">
-        <p14:creationId xmlns:p14="http://schemas.microsoft.com/office/powerpoint/2010/main" val="1907664427"/>
+        <p14:creationId xmlns:p14="http://schemas.microsoft.com/office/powerpoint/2010/main" val="1146920383"/>
       </p:ext>
     </p:extLst>
   </p:cSld>
@@ -12313,6 +12244,130 @@
 </file>
 
 <file path=ppt/slides/slide50.xml><?xml version="1.0" encoding="utf-8"?>
+<p:sld xmlns:a="http://schemas.openxmlformats.org/drawingml/2006/main" xmlns:r="http://schemas.openxmlformats.org/officeDocument/2006/relationships" xmlns:p="http://schemas.openxmlformats.org/presentationml/2006/main">
+  <p:cSld>
+    <p:spTree>
+      <p:nvGrpSpPr>
+        <p:cNvPr id="1" name=""/>
+        <p:cNvGrpSpPr/>
+        <p:nvPr/>
+      </p:nvGrpSpPr>
+      <p:grpSpPr>
+        <a:xfrm>
+          <a:off x="0" y="0"/>
+          <a:ext cx="0" cy="0"/>
+          <a:chOff x="0" y="0"/>
+          <a:chExt cx="0" cy="0"/>
+        </a:xfrm>
+      </p:grpSpPr>
+      <p:sp>
+        <p:nvSpPr>
+          <p:cNvPr id="2" name="Title 1"/>
+          <p:cNvSpPr>
+            <a:spLocks noGrp="1"/>
+          </p:cNvSpPr>
+          <p:nvPr>
+            <p:ph type="title"/>
+          </p:nvPr>
+        </p:nvSpPr>
+        <p:spPr/>
+        <p:txBody>
+          <a:bodyPr/>
+          <a:lstStyle/>
+          <a:p>
+            <a:r>
+              <a:rPr lang="en-US" dirty="0"/>
+              <a:t>Pre-Allocating the Log</a:t>
+            </a:r>
+          </a:p>
+        </p:txBody>
+      </p:sp>
+      <p:sp>
+        <p:nvSpPr>
+          <p:cNvPr id="3" name="Content Placeholder 2"/>
+          <p:cNvSpPr>
+            <a:spLocks noGrp="1"/>
+          </p:cNvSpPr>
+          <p:nvPr>
+            <p:ph idx="1"/>
+          </p:nvPr>
+        </p:nvSpPr>
+        <p:spPr/>
+        <p:txBody>
+          <a:bodyPr/>
+          <a:lstStyle/>
+          <a:p>
+            <a:r>
+              <a:rPr lang="en-US" dirty="0"/>
+              <a:t>Why?</a:t>
+            </a:r>
+          </a:p>
+          <a:p>
+            <a:pPr lvl="1"/>
+            <a:r>
+              <a:rPr lang="en-US" dirty="0"/>
+              <a:t>Eliminate VLF fragmentation</a:t>
+            </a:r>
+          </a:p>
+          <a:p>
+            <a:pPr lvl="1"/>
+            <a:r>
+              <a:rPr lang="en-US" dirty="0"/>
+              <a:t>Avoid log growth during user operations</a:t>
+            </a:r>
+          </a:p>
+          <a:p>
+            <a:pPr lvl="2"/>
+            <a:r>
+              <a:rPr lang="en-US" dirty="0"/>
+              <a:t>Can be time-consuming due to </a:t>
+            </a:r>
+            <a:r>
+              <a:rPr lang="en-US" dirty="0" smtClean="0"/>
+              <a:t>zero-initialization</a:t>
+            </a:r>
+          </a:p>
+          <a:p>
+            <a:r>
+              <a:rPr lang="en-US" dirty="0" smtClean="0"/>
+              <a:t>However, plan for auto-growth</a:t>
+            </a:r>
+          </a:p>
+          <a:p>
+            <a:pPr lvl="1"/>
+            <a:r>
+              <a:rPr lang="en-US" dirty="0" smtClean="0"/>
+              <a:t>Set reasonable auto-growth parameters</a:t>
+            </a:r>
+          </a:p>
+          <a:p>
+            <a:pPr lvl="1"/>
+            <a:r>
+              <a:rPr lang="en-US" dirty="0" smtClean="0"/>
+              <a:t>Fixed growth amount, </a:t>
+            </a:r>
+            <a:r>
+              <a:rPr lang="en-US" smtClean="0"/>
+              <a:t>not percentage</a:t>
+            </a:r>
+            <a:endParaRPr lang="en-US" dirty="0"/>
+          </a:p>
+        </p:txBody>
+      </p:sp>
+    </p:spTree>
+    <p:extLst>
+      <p:ext uri="{BB962C8B-B14F-4D97-AF65-F5344CB8AC3E}">
+        <p14:creationId xmlns:p14="http://schemas.microsoft.com/office/powerpoint/2010/main" val="1170893381"/>
+      </p:ext>
+    </p:extLst>
+  </p:cSld>
+  <p:clrMapOvr>
+    <a:masterClrMapping/>
+  </p:clrMapOvr>
+</p:sld>
+</file>
+
+<file path=ppt/slides/slide51.xml><?xml version="1.0" encoding="utf-8"?>
 <p:sld xmlns:a="http://schemas.openxmlformats.org/drawingml/2006/main" xmlns:r="http://schemas.openxmlformats.org/officeDocument/2006/relationships" xmlns:p="http://schemas.openxmlformats.org/presentationml/2006/main">
   <p:cSld>
     <p:spTree>
@@ -12413,7 +12468,7 @@
 </p:sld>
 </file>
 
-<file path=ppt/slides/slide51.xml><?xml version="1.0" encoding="utf-8"?>
+<file path=ppt/slides/slide52.xml><?xml version="1.0" encoding="utf-8"?>
 <p:sld xmlns:a="http://schemas.openxmlformats.org/drawingml/2006/main" xmlns:r="http://schemas.openxmlformats.org/officeDocument/2006/relationships" xmlns:p="http://schemas.openxmlformats.org/presentationml/2006/main">
   <p:cSld>
     <p:spTree>
@@ -12645,7 +12700,7 @@
 </p:sld>
 </file>
 
-<file path=ppt/slides/slide52.xml><?xml version="1.0" encoding="utf-8"?>
+<file path=ppt/slides/slide53.xml><?xml version="1.0" encoding="utf-8"?>
 <p:sld xmlns:a="http://schemas.openxmlformats.org/drawingml/2006/main" xmlns:r="http://schemas.openxmlformats.org/officeDocument/2006/relationships" xmlns:p="http://schemas.openxmlformats.org/presentationml/2006/main">
   <p:cSld>
     <p:spTree>
@@ -12827,6 +12882,136 @@
           <a:p>
             <a:r>
               <a:rPr lang="en-US" dirty="0"/>
+              <a:t>What Goes in the Transaction Log?</a:t>
+            </a:r>
+          </a:p>
+        </p:txBody>
+      </p:sp>
+      <p:sp>
+        <p:nvSpPr>
+          <p:cNvPr id="3" name="Content Placeholder 2"/>
+          <p:cNvSpPr>
+            <a:spLocks noGrp="1"/>
+          </p:cNvSpPr>
+          <p:nvPr>
+            <p:ph idx="1"/>
+          </p:nvPr>
+        </p:nvSpPr>
+        <p:spPr/>
+        <p:txBody>
+          <a:bodyPr/>
+          <a:lstStyle/>
+          <a:p>
+            <a:r>
+              <a:rPr lang="en-US" u="sng" dirty="0"/>
+              <a:t>Everything</a:t>
+            </a:r>
+            <a:r>
+              <a:rPr lang="en-US" dirty="0"/>
+              <a:t> that modifies the state </a:t>
+            </a:r>
+            <a:r>
+              <a:rPr lang="en-US" u="sng" dirty="0"/>
+              <a:t>any</a:t>
+            </a:r>
+            <a:r>
+              <a:rPr lang="en-US" dirty="0"/>
+              <a:t> database in SQL</a:t>
+            </a:r>
+          </a:p>
+          <a:p>
+            <a:pPr lvl="1"/>
+            <a:r>
+              <a:rPr lang="en-US" dirty="0"/>
+              <a:t>Includes data to </a:t>
+            </a:r>
+            <a:r>
+              <a:rPr lang="en-US" b="1" dirty="0"/>
+              <a:t>redo</a:t>
+            </a:r>
+            <a:r>
+              <a:rPr lang="en-US" dirty="0"/>
+              <a:t> an operation</a:t>
+            </a:r>
+          </a:p>
+          <a:p>
+            <a:pPr lvl="1"/>
+            <a:r>
+              <a:rPr lang="en-US" dirty="0"/>
+              <a:t>Includes data to </a:t>
+            </a:r>
+            <a:r>
+              <a:rPr lang="en-US" b="1" dirty="0"/>
+              <a:t>undo</a:t>
+            </a:r>
+            <a:r>
+              <a:rPr lang="en-US" dirty="0"/>
+              <a:t> an operation</a:t>
+            </a:r>
+          </a:p>
+          <a:p>
+            <a:r>
+              <a:rPr lang="en-US" sz="2400" dirty="0"/>
+              <a:t>Very limited exceptions for some </a:t>
+            </a:r>
+            <a:r>
+              <a:rPr lang="en-US" sz="2400" dirty="0" err="1"/>
+              <a:t>tempdb</a:t>
+            </a:r>
+            <a:r>
+              <a:rPr lang="en-US" sz="2400" dirty="0"/>
+              <a:t> operations</a:t>
+            </a:r>
+          </a:p>
+        </p:txBody>
+      </p:sp>
+    </p:spTree>
+    <p:extLst>
+      <p:ext uri="{BB962C8B-B14F-4D97-AF65-F5344CB8AC3E}">
+        <p14:creationId xmlns:p14="http://schemas.microsoft.com/office/powerpoint/2010/main" val="1907664427"/>
+      </p:ext>
+    </p:extLst>
+  </p:cSld>
+  <p:clrMapOvr>
+    <a:masterClrMapping/>
+  </p:clrMapOvr>
+</p:sld>
+</file>
+
+<file path=ppt/slides/slide7.xml><?xml version="1.0" encoding="utf-8"?>
+<p:sld xmlns:a="http://schemas.openxmlformats.org/drawingml/2006/main" xmlns:r="http://schemas.openxmlformats.org/officeDocument/2006/relationships" xmlns:p="http://schemas.openxmlformats.org/presentationml/2006/main">
+  <p:cSld>
+    <p:spTree>
+      <p:nvGrpSpPr>
+        <p:cNvPr id="1" name=""/>
+        <p:cNvGrpSpPr/>
+        <p:nvPr/>
+      </p:nvGrpSpPr>
+      <p:grpSpPr>
+        <a:xfrm>
+          <a:off x="0" y="0"/>
+          <a:ext cx="0" cy="0"/>
+          <a:chOff x="0" y="0"/>
+          <a:chExt cx="0" cy="0"/>
+        </a:xfrm>
+      </p:grpSpPr>
+      <p:sp>
+        <p:nvSpPr>
+          <p:cNvPr id="2" name="Title 1"/>
+          <p:cNvSpPr>
+            <a:spLocks noGrp="1"/>
+          </p:cNvSpPr>
+          <p:nvPr>
+            <p:ph type="title"/>
+          </p:nvPr>
+        </p:nvSpPr>
+        <p:spPr/>
+        <p:txBody>
+          <a:bodyPr/>
+          <a:lstStyle/>
+          <a:p>
+            <a:r>
+              <a:rPr lang="en-US" dirty="0"/>
               <a:t>Physical vs Logical Log File</a:t>
             </a:r>
           </a:p>
@@ -12923,7 +13108,7 @@
 </p:sld>
 </file>
 
-<file path=ppt/slides/slide7.xml><?xml version="1.0" encoding="utf-8"?>
+<file path=ppt/slides/slide8.xml><?xml version="1.0" encoding="utf-8"?>
 <p:sld xmlns:a="http://schemas.openxmlformats.org/drawingml/2006/main" xmlns:r="http://schemas.openxmlformats.org/officeDocument/2006/relationships" xmlns:p="http://schemas.openxmlformats.org/presentationml/2006/main">
   <p:cSld>
     <p:spTree>
@@ -13026,7 +13211,7 @@
 </p:sld>
 </file>
 
-<file path=ppt/slides/slide8.xml><?xml version="1.0" encoding="utf-8"?>
+<file path=ppt/slides/slide9.xml><?xml version="1.0" encoding="utf-8"?>
 <p:sld xmlns:a="http://schemas.openxmlformats.org/drawingml/2006/main" xmlns:r="http://schemas.openxmlformats.org/officeDocument/2006/relationships" xmlns:p="http://schemas.openxmlformats.org/presentationml/2006/main">
   <p:cSld>
     <p:spTree>
@@ -13126,128 +13311,6 @@
     <p:extLst>
       <p:ext uri="{BB962C8B-B14F-4D97-AF65-F5344CB8AC3E}">
         <p14:creationId xmlns:p14="http://schemas.microsoft.com/office/powerpoint/2010/main" val="1865007227"/>
-      </p:ext>
-    </p:extLst>
-  </p:cSld>
-  <p:clrMapOvr>
-    <a:masterClrMapping/>
-  </p:clrMapOvr>
-</p:sld>
-</file>
-
-<file path=ppt/slides/slide9.xml><?xml version="1.0" encoding="utf-8"?>
-<p:sld xmlns:a="http://schemas.openxmlformats.org/drawingml/2006/main" xmlns:r="http://schemas.openxmlformats.org/officeDocument/2006/relationships" xmlns:p="http://schemas.openxmlformats.org/presentationml/2006/main">
-  <p:cSld>
-    <p:spTree>
-      <p:nvGrpSpPr>
-        <p:cNvPr id="1" name=""/>
-        <p:cNvGrpSpPr/>
-        <p:nvPr/>
-      </p:nvGrpSpPr>
-      <p:grpSpPr>
-        <a:xfrm>
-          <a:off x="0" y="0"/>
-          <a:ext cx="0" cy="0"/>
-          <a:chOff x="0" y="0"/>
-          <a:chExt cx="0" cy="0"/>
-        </a:xfrm>
-      </p:grpSpPr>
-      <p:sp>
-        <p:nvSpPr>
-          <p:cNvPr id="2" name="Title 1"/>
-          <p:cNvSpPr>
-            <a:spLocks noGrp="1"/>
-          </p:cNvSpPr>
-          <p:nvPr>
-            <p:ph type="title"/>
-          </p:nvPr>
-        </p:nvSpPr>
-        <p:spPr/>
-        <p:txBody>
-          <a:bodyPr/>
-          <a:lstStyle/>
-          <a:p>
-            <a:r>
-              <a:rPr lang="en-US" dirty="0"/>
-              <a:t>Organization of the Transaction Log</a:t>
-            </a:r>
-          </a:p>
-        </p:txBody>
-      </p:sp>
-      <p:sp>
-        <p:nvSpPr>
-          <p:cNvPr id="3" name="Content Placeholder 2"/>
-          <p:cNvSpPr>
-            <a:spLocks noGrp="1"/>
-          </p:cNvSpPr>
-          <p:nvPr>
-            <p:ph idx="1"/>
-          </p:nvPr>
-        </p:nvSpPr>
-        <p:spPr>
-          <a:xfrm>
-            <a:off x="4352925" y="1600200"/>
-            <a:ext cx="4333875" cy="4525963"/>
-          </a:xfrm>
-        </p:spPr>
-        <p:txBody>
-          <a:bodyPr/>
-          <a:lstStyle/>
-          <a:p>
-            <a:r>
-              <a:rPr lang="en-US" dirty="0"/>
-              <a:t>The Transaction Log is just a file …</a:t>
-            </a:r>
-          </a:p>
-          <a:p>
-            <a:r>
-              <a:rPr lang="en-US" dirty="0"/>
-              <a:t>With a bit of header information …</a:t>
-            </a:r>
-          </a:p>
-          <a:p>
-            <a:r>
-              <a:rPr lang="en-US" dirty="0"/>
-              <a:t>Then divided into Virtual Log Files.</a:t>
-            </a:r>
-          </a:p>
-          <a:p>
-            <a:pPr lvl="1"/>
-            <a:r>
-              <a:rPr lang="en-US" dirty="0"/>
-              <a:t>Not necessarily of equal size</a:t>
-            </a:r>
-          </a:p>
-        </p:txBody>
-      </p:sp>
-      <p:pic>
-        <p:nvPicPr>
-          <p:cNvPr id="5" name="Picture 4"/>
-          <p:cNvPicPr>
-            <a:picLocks noChangeAspect="1"/>
-          </p:cNvPicPr>
-          <p:nvPr/>
-        </p:nvPicPr>
-        <p:blipFill>
-          <a:blip r:embed="rId2"/>
-          <a:stretch>
-            <a:fillRect/>
-          </a:stretch>
-        </p:blipFill>
-        <p:spPr>
-          <a:xfrm>
-            <a:off x="457200" y="1417320"/>
-            <a:ext cx="3814109" cy="4681728"/>
-          </a:xfrm>
-          <a:prstGeom prst="rect">
-            <a:avLst/>
-          </a:prstGeom>
-        </p:spPr>
-      </p:pic>
-    </p:spTree>
-    <p:extLst>
-      <p:ext uri="{BB962C8B-B14F-4D97-AF65-F5344CB8AC3E}">
-        <p14:creationId xmlns:p14="http://schemas.microsoft.com/office/powerpoint/2010/main" val="3601134671"/>
       </p:ext>
     </p:extLst>
   </p:cSld>

--- a/TransactionLog.pptx
+++ b/TransactionLog.pptx
@@ -5,62 +5,61 @@
     <p:sldMasterId id="2147483648" r:id="rId1"/>
   </p:sldMasterIdLst>
   <p:notesMasterIdLst>
-    <p:notesMasterId r:id="rId55"/>
+    <p:notesMasterId r:id="rId54"/>
   </p:notesMasterIdLst>
   <p:sldIdLst>
     <p:sldId id="328" r:id="rId2"/>
-    <p:sldId id="381" r:id="rId3"/>
-    <p:sldId id="259" r:id="rId4"/>
-    <p:sldId id="329" r:id="rId5"/>
-    <p:sldId id="330" r:id="rId6"/>
-    <p:sldId id="331" r:id="rId7"/>
-    <p:sldId id="360" r:id="rId8"/>
-    <p:sldId id="332" r:id="rId9"/>
-    <p:sldId id="333" r:id="rId10"/>
-    <p:sldId id="334" r:id="rId11"/>
-    <p:sldId id="335" r:id="rId12"/>
-    <p:sldId id="339" r:id="rId13"/>
-    <p:sldId id="336" r:id="rId14"/>
-    <p:sldId id="337" r:id="rId15"/>
-    <p:sldId id="338" r:id="rId16"/>
-    <p:sldId id="340" r:id="rId17"/>
-    <p:sldId id="341" r:id="rId18"/>
-    <p:sldId id="342" r:id="rId19"/>
-    <p:sldId id="343" r:id="rId20"/>
-    <p:sldId id="344" r:id="rId21"/>
-    <p:sldId id="345" r:id="rId22"/>
-    <p:sldId id="346" r:id="rId23"/>
-    <p:sldId id="348" r:id="rId24"/>
-    <p:sldId id="364" r:id="rId25"/>
-    <p:sldId id="349" r:id="rId26"/>
-    <p:sldId id="362" r:id="rId27"/>
-    <p:sldId id="350" r:id="rId28"/>
-    <p:sldId id="363" r:id="rId29"/>
-    <p:sldId id="351" r:id="rId30"/>
-    <p:sldId id="354" r:id="rId31"/>
-    <p:sldId id="356" r:id="rId32"/>
-    <p:sldId id="361" r:id="rId33"/>
-    <p:sldId id="353" r:id="rId34"/>
-    <p:sldId id="352" r:id="rId35"/>
-    <p:sldId id="378" r:id="rId36"/>
-    <p:sldId id="379" r:id="rId37"/>
-    <p:sldId id="380" r:id="rId38"/>
-    <p:sldId id="355" r:id="rId39"/>
-    <p:sldId id="366" r:id="rId40"/>
-    <p:sldId id="368" r:id="rId41"/>
-    <p:sldId id="369" r:id="rId42"/>
-    <p:sldId id="373" r:id="rId43"/>
-    <p:sldId id="374" r:id="rId44"/>
-    <p:sldId id="375" r:id="rId45"/>
-    <p:sldId id="376" r:id="rId46"/>
-    <p:sldId id="377" r:id="rId47"/>
-    <p:sldId id="372" r:id="rId48"/>
-    <p:sldId id="357" r:id="rId49"/>
-    <p:sldId id="359" r:id="rId50"/>
-    <p:sldId id="365" r:id="rId51"/>
-    <p:sldId id="367" r:id="rId52"/>
-    <p:sldId id="370" r:id="rId53"/>
-    <p:sldId id="371" r:id="rId54"/>
+    <p:sldId id="259" r:id="rId3"/>
+    <p:sldId id="329" r:id="rId4"/>
+    <p:sldId id="330" r:id="rId5"/>
+    <p:sldId id="331" r:id="rId6"/>
+    <p:sldId id="360" r:id="rId7"/>
+    <p:sldId id="332" r:id="rId8"/>
+    <p:sldId id="333" r:id="rId9"/>
+    <p:sldId id="334" r:id="rId10"/>
+    <p:sldId id="335" r:id="rId11"/>
+    <p:sldId id="339" r:id="rId12"/>
+    <p:sldId id="336" r:id="rId13"/>
+    <p:sldId id="337" r:id="rId14"/>
+    <p:sldId id="338" r:id="rId15"/>
+    <p:sldId id="340" r:id="rId16"/>
+    <p:sldId id="341" r:id="rId17"/>
+    <p:sldId id="342" r:id="rId18"/>
+    <p:sldId id="343" r:id="rId19"/>
+    <p:sldId id="344" r:id="rId20"/>
+    <p:sldId id="345" r:id="rId21"/>
+    <p:sldId id="346" r:id="rId22"/>
+    <p:sldId id="348" r:id="rId23"/>
+    <p:sldId id="364" r:id="rId24"/>
+    <p:sldId id="349" r:id="rId25"/>
+    <p:sldId id="362" r:id="rId26"/>
+    <p:sldId id="350" r:id="rId27"/>
+    <p:sldId id="363" r:id="rId28"/>
+    <p:sldId id="351" r:id="rId29"/>
+    <p:sldId id="354" r:id="rId30"/>
+    <p:sldId id="356" r:id="rId31"/>
+    <p:sldId id="361" r:id="rId32"/>
+    <p:sldId id="353" r:id="rId33"/>
+    <p:sldId id="352" r:id="rId34"/>
+    <p:sldId id="378" r:id="rId35"/>
+    <p:sldId id="379" r:id="rId36"/>
+    <p:sldId id="380" r:id="rId37"/>
+    <p:sldId id="355" r:id="rId38"/>
+    <p:sldId id="366" r:id="rId39"/>
+    <p:sldId id="368" r:id="rId40"/>
+    <p:sldId id="369" r:id="rId41"/>
+    <p:sldId id="373" r:id="rId42"/>
+    <p:sldId id="374" r:id="rId43"/>
+    <p:sldId id="375" r:id="rId44"/>
+    <p:sldId id="376" r:id="rId45"/>
+    <p:sldId id="377" r:id="rId46"/>
+    <p:sldId id="372" r:id="rId47"/>
+    <p:sldId id="357" r:id="rId48"/>
+    <p:sldId id="359" r:id="rId49"/>
+    <p:sldId id="365" r:id="rId50"/>
+    <p:sldId id="367" r:id="rId51"/>
+    <p:sldId id="370" r:id="rId52"/>
+    <p:sldId id="371" r:id="rId53"/>
   </p:sldIdLst>
   <p:sldSz cx="9144000" cy="6858000" type="screen4x3"/>
   <p:notesSz cx="6858000" cy="9144000"/>
@@ -260,7 +259,7 @@
           <a:p>
             <a:fld id="{2EDCB34D-5EC2-4739-9693-E425457AC201}" type="datetimeFigureOut">
               <a:rPr lang="en-US" smtClean="0"/>
-              <a:t>03/08/2017</a:t>
+              <a:t>3/14/2017</a:t>
             </a:fld>
             <a:endParaRPr lang="en-US"/>
           </a:p>
@@ -684,7 +683,7 @@
           <a:p>
             <a:fld id="{ADDBA41D-AE03-4F1C-B074-B56312AFAE46}" type="slidenum">
               <a:rPr lang="en-US" smtClean="0"/>
-              <a:t>20</a:t>
+              <a:t>19</a:t>
             </a:fld>
             <a:endParaRPr lang="en-US"/>
           </a:p>
@@ -776,7 +775,7 @@
           <a:p>
             <a:fld id="{ADDBA41D-AE03-4F1C-B074-B56312AFAE46}" type="slidenum">
               <a:rPr lang="en-US" smtClean="0"/>
-              <a:t>38</a:t>
+              <a:t>37</a:t>
             </a:fld>
             <a:endParaRPr lang="en-US"/>
           </a:p>
@@ -1030,7 +1029,7 @@
             <a:fld id="{5942B21B-2ADA-A040-A652-A7305E1B99FE}" type="datetimeFigureOut">
               <a:rPr lang="en-US" smtClean="0"/>
               <a:pPr/>
-              <a:t>03/08/2017</a:t>
+              <a:t>3/14/2017</a:t>
             </a:fld>
             <a:endParaRPr lang="en-US" dirty="0"/>
           </a:p>
@@ -1220,7 +1219,7 @@
           <a:p>
             <a:fld id="{5942B21B-2ADA-A040-A652-A7305E1B99FE}" type="datetimeFigureOut">
               <a:rPr lang="en-US" smtClean="0"/>
-              <a:t>03/08/2017</a:t>
+              <a:t>3/14/2017</a:t>
             </a:fld>
             <a:endParaRPr lang="en-US"/>
           </a:p>
@@ -1344,7 +1343,7 @@
             <a:fld id="{5942B21B-2ADA-A040-A652-A7305E1B99FE}" type="datetimeFigureOut">
               <a:rPr lang="en-US" smtClean="0"/>
               <a:pPr/>
-              <a:t>03/08/2017</a:t>
+              <a:t>3/14/2017</a:t>
             </a:fld>
             <a:r>
               <a:rPr lang="en-US"/>
@@ -1615,7 +1614,7 @@
             <a:fld id="{5942B21B-2ADA-A040-A652-A7305E1B99FE}" type="datetimeFigureOut">
               <a:rPr lang="en-US" smtClean="0"/>
               <a:pPr/>
-              <a:t>03/08/2017</a:t>
+              <a:t>3/14/2017</a:t>
             </a:fld>
             <a:r>
               <a:rPr lang="en-US" dirty="0"/>
@@ -1885,7 +1884,7 @@
             <a:fld id="{5942B21B-2ADA-A040-A652-A7305E1B99FE}" type="datetimeFigureOut">
               <a:rPr lang="en-US" smtClean="0"/>
               <a:pPr/>
-              <a:t>03/08/2017</a:t>
+              <a:t>3/14/2017</a:t>
             </a:fld>
             <a:r>
               <a:rPr lang="en-US" dirty="0"/>
@@ -2225,7 +2224,7 @@
             <a:fld id="{5942B21B-2ADA-A040-A652-A7305E1B99FE}" type="datetimeFigureOut">
               <a:rPr lang="en-US" smtClean="0"/>
               <a:pPr/>
-              <a:t>03/08/2017</a:t>
+              <a:t>3/14/2017</a:t>
             </a:fld>
             <a:r>
               <a:rPr lang="en-US" dirty="0"/>
@@ -2566,7 +2565,7 @@
             <a:fld id="{5942B21B-2ADA-A040-A652-A7305E1B99FE}" type="datetimeFigureOut">
               <a:rPr lang="en-US" smtClean="0"/>
               <a:pPr/>
-              <a:t>03/08/2017</a:t>
+              <a:t>3/14/2017</a:t>
             </a:fld>
             <a:r>
               <a:rPr lang="en-US" dirty="0"/>
@@ -3081,7 +3080,7 @@
             <a:fld id="{5942B21B-2ADA-A040-A652-A7305E1B99FE}" type="datetimeFigureOut">
               <a:rPr lang="en-US" smtClean="0"/>
               <a:pPr/>
-              <a:t>03/08/2017</a:t>
+              <a:t>3/14/2017</a:t>
             </a:fld>
             <a:r>
               <a:rPr lang="en-US" dirty="0"/>
@@ -3290,7 +3289,7 @@
             <a:fld id="{5942B21B-2ADA-A040-A652-A7305E1B99FE}" type="datetimeFigureOut">
               <a:rPr lang="en-US" smtClean="0"/>
               <a:pPr/>
-              <a:t>03/08/2017</a:t>
+              <a:t>3/14/2017</a:t>
             </a:fld>
             <a:r>
               <a:rPr lang="en-US" dirty="0"/>
@@ -3477,7 +3476,7 @@
             <a:fld id="{5942B21B-2ADA-A040-A652-A7305E1B99FE}" type="datetimeFigureOut">
               <a:rPr lang="en-US" smtClean="0"/>
               <a:pPr/>
-              <a:t>03/08/2017</a:t>
+              <a:t>3/14/2017</a:t>
             </a:fld>
             <a:r>
               <a:rPr lang="en-US" dirty="0"/>
@@ -3808,7 +3807,7 @@
             <a:fld id="{5942B21B-2ADA-A040-A652-A7305E1B99FE}" type="datetimeFigureOut">
               <a:rPr lang="en-US" smtClean="0"/>
               <a:pPr/>
-              <a:t>03/08/2017</a:t>
+              <a:t>3/14/2017</a:t>
             </a:fld>
             <a:r>
               <a:rPr lang="en-US" dirty="0"/>
@@ -4116,7 +4115,7 @@
             <a:fld id="{5942B21B-2ADA-A040-A652-A7305E1B99FE}" type="datetimeFigureOut">
               <a:rPr lang="en-US" smtClean="0"/>
               <a:pPr/>
-              <a:t>03/08/2017</a:t>
+              <a:t>3/14/2017</a:t>
             </a:fld>
             <a:r>
               <a:rPr lang="en-US" dirty="0"/>
@@ -4395,7 +4394,7 @@
             <a:fld id="{5942B21B-2ADA-A040-A652-A7305E1B99FE}" type="datetimeFigureOut">
               <a:rPr lang="en-US" smtClean="0"/>
               <a:pPr/>
-              <a:t>03/08/2017</a:t>
+              <a:t>3/14/2017</a:t>
             </a:fld>
             <a:r>
               <a:rPr lang="en-US" dirty="0"/>
@@ -5028,16 +5027,12 @@
               <a:buNone/>
             </a:pPr>
             <a:r>
-              <a:rPr lang="en-US" dirty="0" smtClean="0"/>
+              <a:rPr lang="en-US" dirty="0"/>
               <a:t>Chicago, IL </a:t>
             </a:r>
             <a:r>
               <a:rPr lang="en-US"/>
-              <a:t>– </a:t>
-            </a:r>
-            <a:r>
-              <a:rPr lang="en-US" smtClean="0"/>
-              <a:t>March 11, </a:t>
+              <a:t>– March 11, </a:t>
             </a:r>
             <a:r>
               <a:rPr lang="en-US" dirty="0"/>
@@ -5060,128 +5055,6 @@
 </file>
 
 <file path=ppt/slides/slide10.xml><?xml version="1.0" encoding="utf-8"?>
-<p:sld xmlns:a="http://schemas.openxmlformats.org/drawingml/2006/main" xmlns:r="http://schemas.openxmlformats.org/officeDocument/2006/relationships" xmlns:p="http://schemas.openxmlformats.org/presentationml/2006/main">
-  <p:cSld>
-    <p:spTree>
-      <p:nvGrpSpPr>
-        <p:cNvPr id="1" name=""/>
-        <p:cNvGrpSpPr/>
-        <p:nvPr/>
-      </p:nvGrpSpPr>
-      <p:grpSpPr>
-        <a:xfrm>
-          <a:off x="0" y="0"/>
-          <a:ext cx="0" cy="0"/>
-          <a:chOff x="0" y="0"/>
-          <a:chExt cx="0" cy="0"/>
-        </a:xfrm>
-      </p:grpSpPr>
-      <p:sp>
-        <p:nvSpPr>
-          <p:cNvPr id="2" name="Title 1"/>
-          <p:cNvSpPr>
-            <a:spLocks noGrp="1"/>
-          </p:cNvSpPr>
-          <p:nvPr>
-            <p:ph type="title"/>
-          </p:nvPr>
-        </p:nvSpPr>
-        <p:spPr/>
-        <p:txBody>
-          <a:bodyPr/>
-          <a:lstStyle/>
-          <a:p>
-            <a:r>
-              <a:rPr lang="en-US" dirty="0"/>
-              <a:t>Organization of the Transaction Log</a:t>
-            </a:r>
-          </a:p>
-        </p:txBody>
-      </p:sp>
-      <p:sp>
-        <p:nvSpPr>
-          <p:cNvPr id="3" name="Content Placeholder 2"/>
-          <p:cNvSpPr>
-            <a:spLocks noGrp="1"/>
-          </p:cNvSpPr>
-          <p:nvPr>
-            <p:ph idx="1"/>
-          </p:nvPr>
-        </p:nvSpPr>
-        <p:spPr>
-          <a:xfrm>
-            <a:off x="4352925" y="1600200"/>
-            <a:ext cx="4333875" cy="4525963"/>
-          </a:xfrm>
-        </p:spPr>
-        <p:txBody>
-          <a:bodyPr/>
-          <a:lstStyle/>
-          <a:p>
-            <a:r>
-              <a:rPr lang="en-US" dirty="0"/>
-              <a:t>The Transaction Log is just a file …</a:t>
-            </a:r>
-          </a:p>
-          <a:p>
-            <a:r>
-              <a:rPr lang="en-US" dirty="0"/>
-              <a:t>With a bit of header information …</a:t>
-            </a:r>
-          </a:p>
-          <a:p>
-            <a:r>
-              <a:rPr lang="en-US" dirty="0"/>
-              <a:t>Then divided into Virtual Log Files.</a:t>
-            </a:r>
-          </a:p>
-          <a:p>
-            <a:pPr lvl="1"/>
-            <a:r>
-              <a:rPr lang="en-US" dirty="0"/>
-              <a:t>Not necessarily of equal size</a:t>
-            </a:r>
-          </a:p>
-        </p:txBody>
-      </p:sp>
-      <p:pic>
-        <p:nvPicPr>
-          <p:cNvPr id="5" name="Picture 4"/>
-          <p:cNvPicPr>
-            <a:picLocks noChangeAspect="1"/>
-          </p:cNvPicPr>
-          <p:nvPr/>
-        </p:nvPicPr>
-        <p:blipFill>
-          <a:blip r:embed="rId2"/>
-          <a:stretch>
-            <a:fillRect/>
-          </a:stretch>
-        </p:blipFill>
-        <p:spPr>
-          <a:xfrm>
-            <a:off x="457200" y="1417320"/>
-            <a:ext cx="3814109" cy="4681728"/>
-          </a:xfrm>
-          <a:prstGeom prst="rect">
-            <a:avLst/>
-          </a:prstGeom>
-        </p:spPr>
-      </p:pic>
-    </p:spTree>
-    <p:extLst>
-      <p:ext uri="{BB962C8B-B14F-4D97-AF65-F5344CB8AC3E}">
-        <p14:creationId xmlns:p14="http://schemas.microsoft.com/office/powerpoint/2010/main" val="3601134671"/>
-      </p:ext>
-    </p:extLst>
-  </p:cSld>
-  <p:clrMapOvr>
-    <a:masterClrMapping/>
-  </p:clrMapOvr>
-</p:sld>
-</file>
-
-<file path=ppt/slides/slide11.xml><?xml version="1.0" encoding="utf-8"?>
 <p:sld xmlns:a="http://schemas.openxmlformats.org/drawingml/2006/main" xmlns:r="http://schemas.openxmlformats.org/officeDocument/2006/relationships" xmlns:p="http://schemas.openxmlformats.org/presentationml/2006/main">
   <p:cSld>
     <p:spTree>
@@ -5335,7 +5208,7 @@
 </p:sld>
 </file>
 
-<file path=ppt/slides/slide12.xml><?xml version="1.0" encoding="utf-8"?>
+<file path=ppt/slides/slide11.xml><?xml version="1.0" encoding="utf-8"?>
 <p:sld xmlns:a="http://schemas.openxmlformats.org/drawingml/2006/main" xmlns:r="http://schemas.openxmlformats.org/officeDocument/2006/relationships" xmlns:p="http://schemas.openxmlformats.org/presentationml/2006/main">
   <p:cSld>
     <p:spTree>
@@ -5448,12 +5321,8 @@
           </a:p>
           <a:p>
             <a:r>
-              <a:rPr lang="en-US" dirty="0" smtClean="0"/>
-              <a:t>Only </a:t>
-            </a:r>
-            <a:r>
-              <a:rPr lang="en-US" dirty="0"/>
-              <a:t>one VLF is current at a time.</a:t>
+              <a:rPr lang="en-US" dirty="0"/>
+              <a:t>Only one VLF is current at a time.</a:t>
             </a:r>
           </a:p>
           <a:p>
@@ -5507,7 +5376,7 @@
 </p:sld>
 </file>
 
-<file path=ppt/slides/slide13.xml><?xml version="1.0" encoding="utf-8"?>
+<file path=ppt/slides/slide12.xml><?xml version="1.0" encoding="utf-8"?>
 <p:sld xmlns:a="http://schemas.openxmlformats.org/drawingml/2006/main" xmlns:r="http://schemas.openxmlformats.org/officeDocument/2006/relationships" xmlns:p="http://schemas.openxmlformats.org/presentationml/2006/main">
   <p:cSld>
     <p:spTree>
@@ -5616,7 +5485,7 @@
 </p:sld>
 </file>
 
-<file path=ppt/slides/slide14.xml><?xml version="1.0" encoding="utf-8"?>
+<file path=ppt/slides/slide13.xml><?xml version="1.0" encoding="utf-8"?>
 <p:sld xmlns:a="http://schemas.openxmlformats.org/drawingml/2006/main" xmlns:r="http://schemas.openxmlformats.org/officeDocument/2006/relationships" xmlns:p="http://schemas.openxmlformats.org/presentationml/2006/main">
   <p:cSld>
     <p:spTree>
@@ -5725,7 +5594,7 @@
 </p:sld>
 </file>
 
-<file path=ppt/slides/slide15.xml><?xml version="1.0" encoding="utf-8"?>
+<file path=ppt/slides/slide14.xml><?xml version="1.0" encoding="utf-8"?>
 <p:sld xmlns:a="http://schemas.openxmlformats.org/drawingml/2006/main" xmlns:r="http://schemas.openxmlformats.org/officeDocument/2006/relationships" xmlns:p="http://schemas.openxmlformats.org/presentationml/2006/main">
   <p:cSld>
     <p:spTree>
@@ -5841,7 +5710,7 @@
 </p:sld>
 </file>
 
-<file path=ppt/slides/slide16.xml><?xml version="1.0" encoding="utf-8"?>
+<file path=ppt/slides/slide15.xml><?xml version="1.0" encoding="utf-8"?>
 <p:sld xmlns:a="http://schemas.openxmlformats.org/drawingml/2006/main" xmlns:r="http://schemas.openxmlformats.org/officeDocument/2006/relationships" xmlns:p="http://schemas.openxmlformats.org/presentationml/2006/main">
   <p:cSld>
     <p:spTree>
@@ -5954,7 +5823,7 @@
 </p:sld>
 </file>
 
-<file path=ppt/slides/slide17.xml><?xml version="1.0" encoding="utf-8"?>
+<file path=ppt/slides/slide16.xml><?xml version="1.0" encoding="utf-8"?>
 <p:sld xmlns:a="http://schemas.openxmlformats.org/drawingml/2006/main" xmlns:r="http://schemas.openxmlformats.org/officeDocument/2006/relationships" xmlns:p="http://schemas.openxmlformats.org/presentationml/2006/main">
   <p:cSld>
     <p:spTree>
@@ -6028,13 +5897,8 @@
           <a:p>
             <a:r>
               <a:rPr lang="en-US" dirty="0"/>
-              <a:t>Eventually the log will be </a:t>
-            </a:r>
-            <a:r>
-              <a:rPr lang="en-US" dirty="0" smtClean="0"/>
-              <a:t>“truncated” or “cleared”</a:t>
-            </a:r>
-            <a:endParaRPr lang="en-US" dirty="0"/>
+              <a:t>Eventually the log will be “truncated” or “cleared”</a:t>
+            </a:r>
           </a:p>
           <a:p>
             <a:endParaRPr lang="en-US" dirty="0"/>
@@ -6078,7 +5942,7 @@
 </p:sld>
 </file>
 
-<file path=ppt/slides/slide18.xml><?xml version="1.0" encoding="utf-8"?>
+<file path=ppt/slides/slide17.xml><?xml version="1.0" encoding="utf-8"?>
 <p:sld xmlns:a="http://schemas.openxmlformats.org/drawingml/2006/main" xmlns:r="http://schemas.openxmlformats.org/officeDocument/2006/relationships" xmlns:p="http://schemas.openxmlformats.org/presentationml/2006/main">
   <p:cSld>
     <p:spTree>
@@ -6241,7 +6105,7 @@
 </p:sld>
 </file>
 
-<file path=ppt/slides/slide19.xml><?xml version="1.0" encoding="utf-8"?>
+<file path=ppt/slides/slide18.xml><?xml version="1.0" encoding="utf-8"?>
 <p:sld xmlns:a="http://schemas.openxmlformats.org/drawingml/2006/main" xmlns:r="http://schemas.openxmlformats.org/officeDocument/2006/relationships" xmlns:p="http://schemas.openxmlformats.org/presentationml/2006/main">
   <p:cSld>
     <p:spTree>
@@ -6357,84 +6221,7 @@
 </p:sld>
 </file>
 
-<file path=ppt/slides/slide2.xml><?xml version="1.0" encoding="utf-8"?>
-<p:sld xmlns:a="http://schemas.openxmlformats.org/drawingml/2006/main" xmlns:r="http://schemas.openxmlformats.org/officeDocument/2006/relationships" xmlns:p="http://schemas.openxmlformats.org/presentationml/2006/main">
-  <p:cSld>
-    <p:spTree>
-      <p:nvGrpSpPr>
-        <p:cNvPr id="1" name=""/>
-        <p:cNvGrpSpPr/>
-        <p:nvPr/>
-      </p:nvGrpSpPr>
-      <p:grpSpPr>
-        <a:xfrm>
-          <a:off x="0" y="0"/>
-          <a:ext cx="0" cy="0"/>
-          <a:chOff x="0" y="0"/>
-          <a:chExt cx="0" cy="0"/>
-        </a:xfrm>
-      </p:grpSpPr>
-      <p:sp>
-        <p:nvSpPr>
-          <p:cNvPr id="2" name="Title 1"/>
-          <p:cNvSpPr>
-            <a:spLocks noGrp="1"/>
-          </p:cNvSpPr>
-          <p:nvPr>
-            <p:ph type="title"/>
-          </p:nvPr>
-        </p:nvSpPr>
-        <p:spPr/>
-        <p:txBody>
-          <a:bodyPr/>
-          <a:lstStyle/>
-          <a:p>
-            <a:r>
-              <a:rPr lang="en-US" dirty="0" smtClean="0"/>
-              <a:t>Thanks to all the great sponsors!</a:t>
-            </a:r>
-            <a:endParaRPr lang="en-US" dirty="0"/>
-          </a:p>
-        </p:txBody>
-      </p:sp>
-      <p:pic>
-        <p:nvPicPr>
-          <p:cNvPr id="4" name="Picture 3"/>
-          <p:cNvPicPr>
-            <a:picLocks noChangeAspect="1"/>
-          </p:cNvPicPr>
-          <p:nvPr/>
-        </p:nvPicPr>
-        <p:blipFill>
-          <a:blip r:embed="rId2"/>
-          <a:stretch>
-            <a:fillRect/>
-          </a:stretch>
-        </p:blipFill>
-        <p:spPr>
-          <a:xfrm>
-            <a:off x="909999" y="1328255"/>
-            <a:ext cx="7315200" cy="4693567"/>
-          </a:xfrm>
-          <a:prstGeom prst="rect">
-            <a:avLst/>
-          </a:prstGeom>
-        </p:spPr>
-      </p:pic>
-    </p:spTree>
-    <p:extLst>
-      <p:ext uri="{BB962C8B-B14F-4D97-AF65-F5344CB8AC3E}">
-        <p14:creationId xmlns:p14="http://schemas.microsoft.com/office/powerpoint/2010/main" val="1527521613"/>
-      </p:ext>
-    </p:extLst>
-  </p:cSld>
-  <p:clrMapOvr>
-    <a:masterClrMapping/>
-  </p:clrMapOvr>
-</p:sld>
-</file>
-
-<file path=ppt/slides/slide20.xml><?xml version="1.0" encoding="utf-8"?>
+<file path=ppt/slides/slide19.xml><?xml version="1.0" encoding="utf-8"?>
 <p:sld xmlns:a="http://schemas.openxmlformats.org/drawingml/2006/main" xmlns:r="http://schemas.openxmlformats.org/officeDocument/2006/relationships" xmlns:p="http://schemas.openxmlformats.org/presentationml/2006/main">
   <p:cSld>
     <p:spTree>
@@ -6561,1471 +6348,7 @@
 </p:sld>
 </file>
 
-<file path=ppt/slides/slide21.xml><?xml version="1.0" encoding="utf-8"?>
-<p:sld xmlns:a="http://schemas.openxmlformats.org/drawingml/2006/main" xmlns:r="http://schemas.openxmlformats.org/officeDocument/2006/relationships" xmlns:p="http://schemas.openxmlformats.org/presentationml/2006/main">
-  <p:cSld>
-    <p:spTree>
-      <p:nvGrpSpPr>
-        <p:cNvPr id="1" name=""/>
-        <p:cNvGrpSpPr/>
-        <p:nvPr/>
-      </p:nvGrpSpPr>
-      <p:grpSpPr>
-        <a:xfrm>
-          <a:off x="0" y="0"/>
-          <a:ext cx="0" cy="0"/>
-          <a:chOff x="0" y="0"/>
-          <a:chExt cx="0" cy="0"/>
-        </a:xfrm>
-      </p:grpSpPr>
-      <p:sp>
-        <p:nvSpPr>
-          <p:cNvPr id="2" name="Title 1"/>
-          <p:cNvSpPr>
-            <a:spLocks noGrp="1"/>
-          </p:cNvSpPr>
-          <p:nvPr>
-            <p:ph type="title"/>
-          </p:nvPr>
-        </p:nvSpPr>
-        <p:spPr/>
-        <p:txBody>
-          <a:bodyPr/>
-          <a:lstStyle/>
-          <a:p>
-            <a:r>
-              <a:rPr lang="en-US" dirty="0"/>
-              <a:t>Log Record Detail</a:t>
-            </a:r>
-          </a:p>
-        </p:txBody>
-      </p:sp>
-      <p:sp>
-        <p:nvSpPr>
-          <p:cNvPr id="3" name="Content Placeholder 2"/>
-          <p:cNvSpPr>
-            <a:spLocks noGrp="1"/>
-          </p:cNvSpPr>
-          <p:nvPr>
-            <p:ph idx="1"/>
-          </p:nvPr>
-        </p:nvSpPr>
-        <p:spPr>
-          <a:xfrm>
-            <a:off x="457201" y="3797145"/>
-            <a:ext cx="8229600" cy="2329018"/>
-          </a:xfrm>
-        </p:spPr>
-        <p:txBody>
-          <a:bodyPr>
-            <a:normAutofit lnSpcReduction="10000"/>
-          </a:bodyPr>
-          <a:lstStyle/>
-          <a:p>
-            <a:r>
-              <a:rPr lang="en-US" dirty="0"/>
-              <a:t>Of course, a header</a:t>
-            </a:r>
-          </a:p>
-          <a:p>
-            <a:pPr lvl="1"/>
-            <a:r>
-              <a:rPr lang="en-US" dirty="0"/>
-              <a:t>Record type, transaction ID, length, pointer to previous transaction record, etc.</a:t>
-            </a:r>
-          </a:p>
-          <a:p>
-            <a:r>
-              <a:rPr lang="en-US" dirty="0"/>
-              <a:t>Payload</a:t>
-            </a:r>
-          </a:p>
-          <a:p>
-            <a:pPr lvl="1"/>
-            <a:r>
-              <a:rPr lang="en-US" dirty="0"/>
-              <a:t>Before/after image of changes</a:t>
-            </a:r>
-          </a:p>
-        </p:txBody>
-      </p:sp>
-      <p:pic>
-        <p:nvPicPr>
-          <p:cNvPr id="4" name="Picture 3"/>
-          <p:cNvPicPr>
-            <a:picLocks noChangeAspect="1"/>
-          </p:cNvPicPr>
-          <p:nvPr/>
-        </p:nvPicPr>
-        <p:blipFill>
-          <a:blip r:embed="rId2"/>
-          <a:stretch>
-            <a:fillRect/>
-          </a:stretch>
-        </p:blipFill>
-        <p:spPr>
-          <a:xfrm>
-            <a:off x="457200" y="1417320"/>
-            <a:ext cx="8199451" cy="2377440"/>
-          </a:xfrm>
-          <a:prstGeom prst="rect">
-            <a:avLst/>
-          </a:prstGeom>
-        </p:spPr>
-      </p:pic>
-    </p:spTree>
-    <p:extLst>
-      <p:ext uri="{BB962C8B-B14F-4D97-AF65-F5344CB8AC3E}">
-        <p14:creationId xmlns:p14="http://schemas.microsoft.com/office/powerpoint/2010/main" val="3638472235"/>
-      </p:ext>
-    </p:extLst>
-  </p:cSld>
-  <p:clrMapOvr>
-    <a:masterClrMapping/>
-  </p:clrMapOvr>
-</p:sld>
-</file>
-
-<file path=ppt/slides/slide22.xml><?xml version="1.0" encoding="utf-8"?>
-<p:sld xmlns:a="http://schemas.openxmlformats.org/drawingml/2006/main" xmlns:r="http://schemas.openxmlformats.org/officeDocument/2006/relationships" xmlns:p="http://schemas.openxmlformats.org/presentationml/2006/main">
-  <p:cSld>
-    <p:spTree>
-      <p:nvGrpSpPr>
-        <p:cNvPr id="1" name=""/>
-        <p:cNvGrpSpPr/>
-        <p:nvPr/>
-      </p:nvGrpSpPr>
-      <p:grpSpPr>
-        <a:xfrm>
-          <a:off x="0" y="0"/>
-          <a:ext cx="0" cy="0"/>
-          <a:chOff x="0" y="0"/>
-          <a:chExt cx="0" cy="0"/>
-        </a:xfrm>
-      </p:grpSpPr>
-      <p:sp>
-        <p:nvSpPr>
-          <p:cNvPr id="2" name="Title 1"/>
-          <p:cNvSpPr>
-            <a:spLocks noGrp="1"/>
-          </p:cNvSpPr>
-          <p:nvPr>
-            <p:ph type="title"/>
-          </p:nvPr>
-        </p:nvSpPr>
-        <p:spPr/>
-        <p:txBody>
-          <a:bodyPr/>
-          <a:lstStyle/>
-          <a:p>
-            <a:r>
-              <a:rPr lang="en-US" dirty="0"/>
-              <a:t>Log Sequence Number</a:t>
-            </a:r>
-          </a:p>
-        </p:txBody>
-      </p:sp>
-      <p:sp>
-        <p:nvSpPr>
-          <p:cNvPr id="3" name="Content Placeholder 2"/>
-          <p:cNvSpPr>
-            <a:spLocks noGrp="1"/>
-          </p:cNvSpPr>
-          <p:nvPr>
-            <p:ph idx="1"/>
-          </p:nvPr>
-        </p:nvSpPr>
-        <p:spPr/>
-        <p:txBody>
-          <a:bodyPr/>
-          <a:lstStyle/>
-          <a:p>
-            <a:r>
-              <a:rPr lang="en-US" dirty="0"/>
-              <a:t>Each log record can be uniquely identified by its Log Sequence Number (LSN)</a:t>
-            </a:r>
-          </a:p>
-          <a:p>
-            <a:r>
-              <a:rPr lang="en-US" dirty="0"/>
-              <a:t>An LSN is composed of three parts</a:t>
-            </a:r>
-          </a:p>
-          <a:p>
-            <a:pPr lvl="1"/>
-            <a:r>
-              <a:rPr lang="en-US" dirty="0"/>
-              <a:t>VLF number</a:t>
-            </a:r>
-          </a:p>
-          <a:p>
-            <a:pPr lvl="1"/>
-            <a:r>
-              <a:rPr lang="en-US" dirty="0"/>
-              <a:t>Log Block offset (512-byte chunks, not necessarily contiguous)</a:t>
-            </a:r>
-          </a:p>
-          <a:p>
-            <a:pPr lvl="1"/>
-            <a:r>
-              <a:rPr lang="en-US" dirty="0"/>
-              <a:t>Log Record number (slot number)</a:t>
-            </a:r>
-          </a:p>
-          <a:p>
-            <a:r>
-              <a:rPr lang="en-US" dirty="0"/>
-              <a:t>The LSN is in a very real way a pointer into the (logical) log file</a:t>
-            </a:r>
-          </a:p>
-        </p:txBody>
-      </p:sp>
-    </p:spTree>
-    <p:extLst>
-      <p:ext uri="{BB962C8B-B14F-4D97-AF65-F5344CB8AC3E}">
-        <p14:creationId xmlns:p14="http://schemas.microsoft.com/office/powerpoint/2010/main" val="1560482780"/>
-      </p:ext>
-    </p:extLst>
-  </p:cSld>
-  <p:clrMapOvr>
-    <a:masterClrMapping/>
-  </p:clrMapOvr>
-</p:sld>
-</file>
-
-<file path=ppt/slides/slide23.xml><?xml version="1.0" encoding="utf-8"?>
-<p:sld xmlns:a="http://schemas.openxmlformats.org/drawingml/2006/main" xmlns:r="http://schemas.openxmlformats.org/officeDocument/2006/relationships" xmlns:p="http://schemas.openxmlformats.org/presentationml/2006/main">
-  <p:cSld>
-    <p:spTree>
-      <p:nvGrpSpPr>
-        <p:cNvPr id="1" name=""/>
-        <p:cNvGrpSpPr/>
-        <p:nvPr/>
-      </p:nvGrpSpPr>
-      <p:grpSpPr>
-        <a:xfrm>
-          <a:off x="0" y="0"/>
-          <a:ext cx="0" cy="0"/>
-          <a:chOff x="0" y="0"/>
-          <a:chExt cx="0" cy="0"/>
-        </a:xfrm>
-      </p:grpSpPr>
-      <p:sp>
-        <p:nvSpPr>
-          <p:cNvPr id="2" name="Title 1"/>
-          <p:cNvSpPr>
-            <a:spLocks noGrp="1"/>
-          </p:cNvSpPr>
-          <p:nvPr>
-            <p:ph type="title"/>
-          </p:nvPr>
-        </p:nvSpPr>
-        <p:spPr/>
-        <p:txBody>
-          <a:bodyPr/>
-          <a:lstStyle/>
-          <a:p>
-            <a:r>
-              <a:rPr lang="en-US" dirty="0"/>
-              <a:t>LSN Representations</a:t>
-            </a:r>
-          </a:p>
-        </p:txBody>
-      </p:sp>
-      <p:sp>
-        <p:nvSpPr>
-          <p:cNvPr id="3" name="Content Placeholder 2"/>
-          <p:cNvSpPr>
-            <a:spLocks noGrp="1"/>
-          </p:cNvSpPr>
-          <p:nvPr>
-            <p:ph idx="1"/>
-          </p:nvPr>
-        </p:nvSpPr>
-        <p:spPr>
-          <a:xfrm>
-            <a:off x="457200" y="1600201"/>
-            <a:ext cx="8229600" cy="628650"/>
-          </a:xfrm>
-        </p:spPr>
-        <p:txBody>
-          <a:bodyPr/>
-          <a:lstStyle/>
-          <a:p>
-            <a:pPr marL="0" indent="0">
-              <a:buNone/>
-            </a:pPr>
-            <a:r>
-              <a:rPr lang="en-US" dirty="0"/>
-              <a:t>Four common ways to express an LSN</a:t>
-            </a:r>
-          </a:p>
-        </p:txBody>
-      </p:sp>
-      <p:graphicFrame>
-        <p:nvGraphicFramePr>
-          <p:cNvPr id="4" name="Table 3"/>
-          <p:cNvGraphicFramePr>
-            <a:graphicFrameLocks noGrp="1"/>
-          </p:cNvGraphicFramePr>
-          <p:nvPr>
-            <p:extLst>
-              <p:ext uri="{D42A27DB-BD31-4B8C-83A1-F6EECF244321}">
-                <p14:modId xmlns:p14="http://schemas.microsoft.com/office/powerpoint/2010/main" val="3688946346"/>
-              </p:ext>
-            </p:extLst>
-          </p:nvPr>
-        </p:nvGraphicFramePr>
-        <p:xfrm>
-          <a:off x="457200" y="2352675"/>
-          <a:ext cx="8229600" cy="2419826"/>
-        </p:xfrm>
-        <a:graphic>
-          <a:graphicData uri="http://schemas.openxmlformats.org/drawingml/2006/table">
-            <a:tbl>
-              <a:tblPr firstRow="1" bandRow="1">
-                <a:tableStyleId>{5C22544A-7EE6-4342-B048-85BDC9FD1C3A}</a:tableStyleId>
-              </a:tblPr>
-              <a:tblGrid>
-                <a:gridCol w="1895475">
-                  <a:extLst>
-                    <a:ext uri="{9D8B030D-6E8A-4147-A177-3AD203B41FA5}">
-                      <a16:colId xmlns="" xmlns:a16="http://schemas.microsoft.com/office/drawing/2014/main" val="20000"/>
-                    </a:ext>
-                  </a:extLst>
-                </a:gridCol>
-                <a:gridCol w="3171825">
-                  <a:extLst>
-                    <a:ext uri="{9D8B030D-6E8A-4147-A177-3AD203B41FA5}">
-                      <a16:colId xmlns="" xmlns:a16="http://schemas.microsoft.com/office/drawing/2014/main" val="20001"/>
-                    </a:ext>
-                  </a:extLst>
-                </a:gridCol>
-                <a:gridCol w="3162300">
-                  <a:extLst>
-                    <a:ext uri="{9D8B030D-6E8A-4147-A177-3AD203B41FA5}">
-                      <a16:colId xmlns="" xmlns:a16="http://schemas.microsoft.com/office/drawing/2014/main" val="20002"/>
-                    </a:ext>
-                  </a:extLst>
-                </a:gridCol>
-              </a:tblGrid>
-              <a:tr h="397986">
-                <a:tc>
-                  <a:txBody>
-                    <a:bodyPr/>
-                    <a:lstStyle/>
-                    <a:p>
-                      <a:r>
-                        <a:rPr lang="en-US" dirty="0"/>
-                        <a:t>Format</a:t>
-                      </a:r>
-                    </a:p>
-                  </a:txBody>
-                  <a:tcPr/>
-                </a:tc>
-                <a:tc>
-                  <a:txBody>
-                    <a:bodyPr/>
-                    <a:lstStyle/>
-                    <a:p>
-                      <a:r>
-                        <a:rPr lang="en-US" dirty="0"/>
-                        <a:t>Example</a:t>
-                      </a:r>
-                    </a:p>
-                  </a:txBody>
-                  <a:tcPr/>
-                </a:tc>
-                <a:tc>
-                  <a:txBody>
-                    <a:bodyPr/>
-                    <a:lstStyle/>
-                    <a:p>
-                      <a:r>
-                        <a:rPr lang="en-US" dirty="0"/>
-                        <a:t>Common uses</a:t>
-                      </a:r>
-                    </a:p>
-                  </a:txBody>
-                  <a:tcPr/>
-                </a:tc>
-                <a:extLst>
-                  <a:ext uri="{0D108BD9-81ED-4DB2-BD59-A6C34878D82A}">
-                    <a16:rowId xmlns="" xmlns:a16="http://schemas.microsoft.com/office/drawing/2014/main" val="10000"/>
-                  </a:ext>
-                </a:extLst>
-              </a:tr>
-              <a:tr h="370840">
-                <a:tc>
-                  <a:txBody>
-                    <a:bodyPr/>
-                    <a:lstStyle/>
-                    <a:p>
-                      <a:r>
-                        <a:rPr lang="en-US" dirty="0"/>
-                        <a:t>Colon-separated (hexadecimal)</a:t>
-                      </a:r>
-                    </a:p>
-                  </a:txBody>
-                  <a:tcPr/>
-                </a:tc>
-                <a:tc>
-                  <a:txBody>
-                    <a:bodyPr/>
-                    <a:lstStyle/>
-                    <a:p>
-                      <a:pPr marL="0" marR="0" lvl="1" indent="0" algn="l" defTabSz="457200" rtl="0" eaLnBrk="1" fontAlgn="auto" latinLnBrk="0" hangingPunct="1">
-                        <a:lnSpc>
-                          <a:spcPct val="100000"/>
-                        </a:lnSpc>
-                        <a:spcBef>
-                          <a:spcPts val="0"/>
-                        </a:spcBef>
-                        <a:spcAft>
-                          <a:spcPts val="0"/>
-                        </a:spcAft>
-                        <a:buClrTx/>
-                        <a:buSzTx/>
-                        <a:buFontTx/>
-                        <a:buNone/>
-                        <a:tabLst/>
-                        <a:defRPr/>
-                      </a:pPr>
-                      <a:r>
-                        <a:rPr lang="en-US" dirty="0"/>
-                        <a:t>000001c0:0000006b:0005</a:t>
-                      </a:r>
-                    </a:p>
-                  </a:txBody>
-                  <a:tcPr/>
-                </a:tc>
-                <a:tc>
-                  <a:txBody>
-                    <a:bodyPr/>
-                    <a:lstStyle/>
-                    <a:p>
-                      <a:r>
-                        <a:rPr lang="en-US" dirty="0"/>
-                        <a:t>Log management</a:t>
-                      </a:r>
-                    </a:p>
-                  </a:txBody>
-                  <a:tcPr/>
-                </a:tc>
-                <a:extLst>
-                  <a:ext uri="{0D108BD9-81ED-4DB2-BD59-A6C34878D82A}">
-                    <a16:rowId xmlns="" xmlns:a16="http://schemas.microsoft.com/office/drawing/2014/main" val="10001"/>
-                  </a:ext>
-                </a:extLst>
-              </a:tr>
-              <a:tr h="370840">
-                <a:tc>
-                  <a:txBody>
-                    <a:bodyPr/>
-                    <a:lstStyle/>
-                    <a:p>
-                      <a:r>
-                        <a:rPr lang="en-US" dirty="0"/>
-                        <a:t>Hexadecimal</a:t>
-                      </a:r>
-                    </a:p>
-                  </a:txBody>
-                  <a:tcPr/>
-                </a:tc>
-                <a:tc>
-                  <a:txBody>
-                    <a:bodyPr/>
-                    <a:lstStyle/>
-                    <a:p>
-                      <a:pPr marL="0" marR="0" lvl="1" indent="0" algn="l" defTabSz="457200" rtl="0" eaLnBrk="1" fontAlgn="auto" latinLnBrk="0" hangingPunct="1">
-                        <a:lnSpc>
-                          <a:spcPct val="100000"/>
-                        </a:lnSpc>
-                        <a:spcBef>
-                          <a:spcPts val="0"/>
-                        </a:spcBef>
-                        <a:spcAft>
-                          <a:spcPts val="0"/>
-                        </a:spcAft>
-                        <a:buClrTx/>
-                        <a:buSzTx/>
-                        <a:buFontTx/>
-                        <a:buNone/>
-                        <a:tabLst/>
-                        <a:defRPr/>
-                      </a:pPr>
-                      <a:r>
-                        <a:rPr lang="en-US" sz="1800" kern="1200" dirty="0">
-                          <a:solidFill>
-                            <a:schemeClr val="dk1"/>
-                          </a:solidFill>
-                          <a:latin typeface="+mn-lt"/>
-                          <a:ea typeface="+mn-ea"/>
-                          <a:cs typeface="+mn-cs"/>
-                        </a:rPr>
-                        <a:t>0x000001c00000006b0005</a:t>
-                      </a:r>
-                      <a:endParaRPr lang="en-US" dirty="0"/>
-                    </a:p>
-                  </a:txBody>
-                  <a:tcPr/>
-                </a:tc>
-                <a:tc>
-                  <a:txBody>
-                    <a:bodyPr/>
-                    <a:lstStyle/>
-                    <a:p>
-                      <a:r>
-                        <a:rPr lang="en-US" dirty="0"/>
-                        <a:t>Change data capture</a:t>
-                      </a:r>
-                    </a:p>
-                  </a:txBody>
-                  <a:tcPr/>
-                </a:tc>
-                <a:extLst>
-                  <a:ext uri="{0D108BD9-81ED-4DB2-BD59-A6C34878D82A}">
-                    <a16:rowId xmlns="" xmlns:a16="http://schemas.microsoft.com/office/drawing/2014/main" val="10002"/>
-                  </a:ext>
-                </a:extLst>
-              </a:tr>
-              <a:tr h="370840">
-                <a:tc>
-                  <a:txBody>
-                    <a:bodyPr/>
-                    <a:lstStyle/>
-                    <a:p>
-                      <a:r>
-                        <a:rPr lang="en-US" dirty="0"/>
-                        <a:t>Decimal</a:t>
-                      </a:r>
-                    </a:p>
-                  </a:txBody>
-                  <a:tcPr/>
-                </a:tc>
-                <a:tc>
-                  <a:txBody>
-                    <a:bodyPr/>
-                    <a:lstStyle/>
-                    <a:p>
-                      <a:r>
-                        <a:rPr lang="en-US" dirty="0"/>
-                        <a:t>448000000010700005</a:t>
-                      </a:r>
-                    </a:p>
-                  </a:txBody>
-                  <a:tcPr/>
-                </a:tc>
-                <a:tc>
-                  <a:txBody>
-                    <a:bodyPr/>
-                    <a:lstStyle/>
-                    <a:p>
-                      <a:r>
-                        <a:rPr lang="en-US" dirty="0"/>
-                        <a:t>Backup</a:t>
-                      </a:r>
-                    </a:p>
-                  </a:txBody>
-                  <a:tcPr/>
-                </a:tc>
-                <a:extLst>
-                  <a:ext uri="{0D108BD9-81ED-4DB2-BD59-A6C34878D82A}">
-                    <a16:rowId xmlns="" xmlns:a16="http://schemas.microsoft.com/office/drawing/2014/main" val="10003"/>
-                  </a:ext>
-                </a:extLst>
-              </a:tr>
-              <a:tr h="370840">
-                <a:tc>
-                  <a:txBody>
-                    <a:bodyPr/>
-                    <a:lstStyle/>
-                    <a:p>
-                      <a:r>
-                        <a:rPr lang="en-US" dirty="0"/>
-                        <a:t>Colon-separated (decimal)</a:t>
-                      </a:r>
-                    </a:p>
-                  </a:txBody>
-                  <a:tcPr/>
-                </a:tc>
-                <a:tc>
-                  <a:txBody>
-                    <a:bodyPr/>
-                    <a:lstStyle/>
-                    <a:p>
-                      <a:r>
-                        <a:rPr lang="en-US" dirty="0"/>
-                        <a:t>448:107:5</a:t>
-                      </a:r>
-                    </a:p>
-                  </a:txBody>
-                  <a:tcPr/>
-                </a:tc>
-                <a:tc>
-                  <a:txBody>
-                    <a:bodyPr/>
-                    <a:lstStyle/>
-                    <a:p>
-                      <a:r>
-                        <a:rPr lang="en-US" dirty="0"/>
-                        <a:t>Input to </a:t>
-                      </a:r>
-                      <a:r>
-                        <a:rPr lang="en-US" dirty="0" err="1"/>
-                        <a:t>fn_dblog</a:t>
-                      </a:r>
-                      <a:endParaRPr lang="en-US" dirty="0"/>
-                    </a:p>
-                  </a:txBody>
-                  <a:tcPr/>
-                </a:tc>
-                <a:extLst>
-                  <a:ext uri="{0D108BD9-81ED-4DB2-BD59-A6C34878D82A}">
-                    <a16:rowId xmlns="" xmlns:a16="http://schemas.microsoft.com/office/drawing/2014/main" val="3543017676"/>
-                  </a:ext>
-                </a:extLst>
-              </a:tr>
-            </a:tbl>
-          </a:graphicData>
-        </a:graphic>
-      </p:graphicFrame>
-      <p:sp>
-        <p:nvSpPr>
-          <p:cNvPr id="5" name="Content Placeholder 2"/>
-          <p:cNvSpPr txBox="1">
-            <a:spLocks/>
-          </p:cNvSpPr>
-          <p:nvPr/>
-        </p:nvSpPr>
-        <p:spPr>
-          <a:xfrm>
-            <a:off x="457200" y="4877015"/>
-            <a:ext cx="8229600" cy="628650"/>
-          </a:xfrm>
-          <a:prstGeom prst="rect">
-            <a:avLst/>
-          </a:prstGeom>
-        </p:spPr>
-        <p:txBody>
-          <a:bodyPr vert="horz" lIns="91440" tIns="45720" rIns="91440" bIns="45720" rtlCol="0">
-            <a:normAutofit/>
-          </a:bodyPr>
-          <a:lstStyle>
-            <a:lvl1pPr marL="342900" indent="-342900" algn="l" defTabSz="457200" rtl="0" eaLnBrk="1" latinLnBrk="0" hangingPunct="1">
-              <a:spcBef>
-                <a:spcPct val="20000"/>
-              </a:spcBef>
-              <a:buFont typeface="Wingdings" charset="2"/>
-              <a:buChar char="§"/>
-              <a:defRPr sz="3000" kern="1200">
-                <a:solidFill>
-                  <a:schemeClr val="tx2"/>
-                </a:solidFill>
-                <a:latin typeface="+mn-lt"/>
-                <a:ea typeface="+mn-ea"/>
-                <a:cs typeface="+mn-cs"/>
-              </a:defRPr>
-            </a:lvl1pPr>
-            <a:lvl2pPr marL="742950" indent="-285750" algn="l" defTabSz="457200" rtl="0" eaLnBrk="1" latinLnBrk="0" hangingPunct="1">
-              <a:spcBef>
-                <a:spcPct val="20000"/>
-              </a:spcBef>
-              <a:buFont typeface="Wingdings" charset="2"/>
-              <a:buChar char="§"/>
-              <a:defRPr sz="2600" kern="1200">
-                <a:solidFill>
-                  <a:srgbClr val="474947"/>
-                </a:solidFill>
-                <a:latin typeface="+mn-lt"/>
-                <a:ea typeface="+mn-ea"/>
-                <a:cs typeface="+mn-cs"/>
-              </a:defRPr>
-            </a:lvl2pPr>
-            <a:lvl3pPr marL="1143000" indent="-228600" algn="l" defTabSz="457200" rtl="0" eaLnBrk="1" latinLnBrk="0" hangingPunct="1">
-              <a:spcBef>
-                <a:spcPct val="20000"/>
-              </a:spcBef>
-              <a:buFont typeface="Wingdings" charset="2"/>
-              <a:buChar char="§"/>
-              <a:defRPr sz="2200" kern="1200">
-                <a:solidFill>
-                  <a:srgbClr val="474947"/>
-                </a:solidFill>
-                <a:latin typeface="+mn-lt"/>
-                <a:ea typeface="+mn-ea"/>
-                <a:cs typeface="+mn-cs"/>
-              </a:defRPr>
-            </a:lvl3pPr>
-            <a:lvl4pPr marL="1600200" indent="-228600" algn="l" defTabSz="457200" rtl="0" eaLnBrk="1" latinLnBrk="0" hangingPunct="1">
-              <a:spcBef>
-                <a:spcPct val="20000"/>
-              </a:spcBef>
-              <a:buFont typeface="Wingdings" charset="2"/>
-              <a:buChar char="§"/>
-              <a:defRPr sz="2000" kern="1200">
-                <a:solidFill>
-                  <a:srgbClr val="474947"/>
-                </a:solidFill>
-                <a:latin typeface="+mn-lt"/>
-                <a:ea typeface="+mn-ea"/>
-                <a:cs typeface="+mn-cs"/>
-              </a:defRPr>
-            </a:lvl4pPr>
-            <a:lvl5pPr marL="2057400" indent="-228600" algn="l" defTabSz="457200" rtl="0" eaLnBrk="1" latinLnBrk="0" hangingPunct="1">
-              <a:spcBef>
-                <a:spcPct val="20000"/>
-              </a:spcBef>
-              <a:buFont typeface="Wingdings" charset="2"/>
-              <a:buChar char="§"/>
-              <a:defRPr sz="1800" kern="1200">
-                <a:solidFill>
-                  <a:srgbClr val="474947"/>
-                </a:solidFill>
-                <a:latin typeface="+mn-lt"/>
-                <a:ea typeface="+mn-ea"/>
-                <a:cs typeface="+mn-cs"/>
-              </a:defRPr>
-            </a:lvl5pPr>
-            <a:lvl6pPr marL="2514600" indent="-228600" algn="l" defTabSz="457200" rtl="0" eaLnBrk="1" latinLnBrk="0" hangingPunct="1">
-              <a:spcBef>
-                <a:spcPct val="20000"/>
-              </a:spcBef>
-              <a:buFont typeface="Arial"/>
-              <a:buChar char="•"/>
-              <a:defRPr sz="2000" kern="1200">
-                <a:solidFill>
-                  <a:schemeClr val="tx1"/>
-                </a:solidFill>
-                <a:latin typeface="+mn-lt"/>
-                <a:ea typeface="+mn-ea"/>
-                <a:cs typeface="+mn-cs"/>
-              </a:defRPr>
-            </a:lvl6pPr>
-            <a:lvl7pPr marL="2971800" indent="-228600" algn="l" defTabSz="457200" rtl="0" eaLnBrk="1" latinLnBrk="0" hangingPunct="1">
-              <a:spcBef>
-                <a:spcPct val="20000"/>
-              </a:spcBef>
-              <a:buFont typeface="Arial"/>
-              <a:buChar char="•"/>
-              <a:defRPr sz="2000" kern="1200">
-                <a:solidFill>
-                  <a:schemeClr val="tx1"/>
-                </a:solidFill>
-                <a:latin typeface="+mn-lt"/>
-                <a:ea typeface="+mn-ea"/>
-                <a:cs typeface="+mn-cs"/>
-              </a:defRPr>
-            </a:lvl7pPr>
-            <a:lvl8pPr marL="3429000" indent="-228600" algn="l" defTabSz="457200" rtl="0" eaLnBrk="1" latinLnBrk="0" hangingPunct="1">
-              <a:spcBef>
-                <a:spcPct val="20000"/>
-              </a:spcBef>
-              <a:buFont typeface="Arial"/>
-              <a:buChar char="•"/>
-              <a:defRPr sz="2000" kern="1200">
-                <a:solidFill>
-                  <a:schemeClr val="tx1"/>
-                </a:solidFill>
-                <a:latin typeface="+mn-lt"/>
-                <a:ea typeface="+mn-ea"/>
-                <a:cs typeface="+mn-cs"/>
-              </a:defRPr>
-            </a:lvl8pPr>
-            <a:lvl9pPr marL="3886200" indent="-228600" algn="l" defTabSz="457200" rtl="0" eaLnBrk="1" latinLnBrk="0" hangingPunct="1">
-              <a:spcBef>
-                <a:spcPct val="20000"/>
-              </a:spcBef>
-              <a:buFont typeface="Arial"/>
-              <a:buChar char="•"/>
-              <a:defRPr sz="2000" kern="1200">
-                <a:solidFill>
-                  <a:schemeClr val="tx1"/>
-                </a:solidFill>
-                <a:latin typeface="+mn-lt"/>
-                <a:ea typeface="+mn-ea"/>
-                <a:cs typeface="+mn-cs"/>
-              </a:defRPr>
-            </a:lvl9pPr>
-          </a:lstStyle>
-          <a:p>
-            <a:pPr marL="0" indent="0">
-              <a:buFont typeface="Wingdings" charset="2"/>
-              <a:buNone/>
-            </a:pPr>
-            <a:r>
-              <a:rPr lang="en-US" dirty="0"/>
-              <a:t>These four LSNs are equivalent</a:t>
-            </a:r>
-          </a:p>
-        </p:txBody>
-      </p:sp>
-    </p:spTree>
-    <p:extLst>
-      <p:ext uri="{BB962C8B-B14F-4D97-AF65-F5344CB8AC3E}">
-        <p14:creationId xmlns:p14="http://schemas.microsoft.com/office/powerpoint/2010/main" val="2618731270"/>
-      </p:ext>
-    </p:extLst>
-  </p:cSld>
-  <p:clrMapOvr>
-    <a:masterClrMapping/>
-  </p:clrMapOvr>
-</p:sld>
-</file>
-
-<file path=ppt/slides/slide24.xml><?xml version="1.0" encoding="utf-8"?>
-<p:sld xmlns:a="http://schemas.openxmlformats.org/drawingml/2006/main" xmlns:r="http://schemas.openxmlformats.org/officeDocument/2006/relationships" xmlns:p="http://schemas.openxmlformats.org/presentationml/2006/main">
-  <p:cSld>
-    <p:spTree>
-      <p:nvGrpSpPr>
-        <p:cNvPr id="1" name=""/>
-        <p:cNvGrpSpPr/>
-        <p:nvPr/>
-      </p:nvGrpSpPr>
-      <p:grpSpPr>
-        <a:xfrm>
-          <a:off x="0" y="0"/>
-          <a:ext cx="0" cy="0"/>
-          <a:chOff x="0" y="0"/>
-          <a:chExt cx="0" cy="0"/>
-        </a:xfrm>
-      </p:grpSpPr>
-      <p:sp>
-        <p:nvSpPr>
-          <p:cNvPr id="2" name="Title 1"/>
-          <p:cNvSpPr>
-            <a:spLocks noGrp="1"/>
-          </p:cNvSpPr>
-          <p:nvPr>
-            <p:ph type="title"/>
-          </p:nvPr>
-        </p:nvSpPr>
-        <p:spPr/>
-        <p:txBody>
-          <a:bodyPr/>
-          <a:lstStyle/>
-          <a:p>
-            <a:r>
-              <a:rPr lang="en-US" dirty="0"/>
-              <a:t>Demo</a:t>
-            </a:r>
-          </a:p>
-        </p:txBody>
-      </p:sp>
-      <p:sp>
-        <p:nvSpPr>
-          <p:cNvPr id="3" name="Content Placeholder 2"/>
-          <p:cNvSpPr>
-            <a:spLocks noGrp="1"/>
-          </p:cNvSpPr>
-          <p:nvPr>
-            <p:ph idx="1"/>
-          </p:nvPr>
-        </p:nvSpPr>
-        <p:spPr/>
-        <p:txBody>
-          <a:bodyPr/>
-          <a:lstStyle/>
-          <a:p>
-            <a:pPr marL="0" indent="0">
-              <a:buNone/>
-            </a:pPr>
-            <a:r>
-              <a:rPr lang="en-US" dirty="0"/>
-              <a:t>LSN Converter</a:t>
-            </a:r>
-          </a:p>
-        </p:txBody>
-      </p:sp>
-      <p:pic>
-        <p:nvPicPr>
-          <p:cNvPr id="4" name="Picture 3"/>
-          <p:cNvPicPr>
-            <a:picLocks noChangeAspect="1"/>
-          </p:cNvPicPr>
-          <p:nvPr/>
-        </p:nvPicPr>
-        <p:blipFill>
-          <a:blip r:embed="rId2"/>
-          <a:stretch>
-            <a:fillRect/>
-          </a:stretch>
-        </p:blipFill>
-        <p:spPr>
-          <a:xfrm>
-            <a:off x="763071" y="1653000"/>
-            <a:ext cx="7617858" cy="3552000"/>
-          </a:xfrm>
-          <a:prstGeom prst="rect">
-            <a:avLst/>
-          </a:prstGeom>
-        </p:spPr>
-      </p:pic>
-    </p:spTree>
-    <p:extLst>
-      <p:ext uri="{BB962C8B-B14F-4D97-AF65-F5344CB8AC3E}">
-        <p14:creationId xmlns:p14="http://schemas.microsoft.com/office/powerpoint/2010/main" val="958662350"/>
-      </p:ext>
-    </p:extLst>
-  </p:cSld>
-  <p:clrMapOvr>
-    <a:masterClrMapping/>
-  </p:clrMapOvr>
-</p:sld>
-</file>
-
-<file path=ppt/slides/slide25.xml><?xml version="1.0" encoding="utf-8"?>
-<p:sld xmlns:a="http://schemas.openxmlformats.org/drawingml/2006/main" xmlns:r="http://schemas.openxmlformats.org/officeDocument/2006/relationships" xmlns:p="http://schemas.openxmlformats.org/presentationml/2006/main">
-  <p:cSld>
-    <p:spTree>
-      <p:nvGrpSpPr>
-        <p:cNvPr id="1" name=""/>
-        <p:cNvGrpSpPr/>
-        <p:nvPr/>
-      </p:nvGrpSpPr>
-      <p:grpSpPr>
-        <a:xfrm>
-          <a:off x="0" y="0"/>
-          <a:ext cx="0" cy="0"/>
-          <a:chOff x="0" y="0"/>
-          <a:chExt cx="0" cy="0"/>
-        </a:xfrm>
-      </p:grpSpPr>
-      <p:sp>
-        <p:nvSpPr>
-          <p:cNvPr id="2" name="Title 1"/>
-          <p:cNvSpPr>
-            <a:spLocks noGrp="1"/>
-          </p:cNvSpPr>
-          <p:nvPr>
-            <p:ph type="title"/>
-          </p:nvPr>
-        </p:nvSpPr>
-        <p:spPr/>
-        <p:txBody>
-          <a:bodyPr/>
-          <a:lstStyle/>
-          <a:p>
-            <a:r>
-              <a:rPr lang="en-US" dirty="0"/>
-              <a:t>DBCC LOGINFO(‘</a:t>
-            </a:r>
-            <a:r>
-              <a:rPr lang="en-US" dirty="0" err="1"/>
-              <a:t>db_name</a:t>
-            </a:r>
-            <a:r>
-              <a:rPr lang="en-US" dirty="0"/>
-              <a:t>’)</a:t>
-            </a:r>
-          </a:p>
-        </p:txBody>
-      </p:sp>
-      <p:sp>
-        <p:nvSpPr>
-          <p:cNvPr id="3" name="Content Placeholder 2"/>
-          <p:cNvSpPr>
-            <a:spLocks noGrp="1"/>
-          </p:cNvSpPr>
-          <p:nvPr>
-            <p:ph idx="1"/>
-          </p:nvPr>
-        </p:nvSpPr>
-        <p:spPr>
-          <a:xfrm>
-            <a:off x="457200" y="1408113"/>
-            <a:ext cx="8229600" cy="676275"/>
-          </a:xfrm>
-        </p:spPr>
-        <p:txBody>
-          <a:bodyPr/>
-          <a:lstStyle/>
-          <a:p>
-            <a:pPr marL="0" indent="0">
-              <a:buNone/>
-            </a:pPr>
-            <a:r>
-              <a:rPr lang="en-US" dirty="0"/>
-              <a:t>Returns one row per VLF</a:t>
-            </a:r>
-          </a:p>
-        </p:txBody>
-      </p:sp>
-      <p:pic>
-        <p:nvPicPr>
-          <p:cNvPr id="5" name="Picture 4"/>
-          <p:cNvPicPr>
-            <a:picLocks noChangeAspect="1"/>
-          </p:cNvPicPr>
-          <p:nvPr/>
-        </p:nvPicPr>
-        <p:blipFill>
-          <a:blip r:embed="rId2"/>
-          <a:stretch>
-            <a:fillRect/>
-          </a:stretch>
-        </p:blipFill>
-        <p:spPr>
-          <a:xfrm>
-            <a:off x="457200" y="2084388"/>
-            <a:ext cx="8067675" cy="3634087"/>
-          </a:xfrm>
-          <a:prstGeom prst="rect">
-            <a:avLst/>
-          </a:prstGeom>
-        </p:spPr>
-      </p:pic>
-    </p:spTree>
-    <p:extLst>
-      <p:ext uri="{BB962C8B-B14F-4D97-AF65-F5344CB8AC3E}">
-        <p14:creationId xmlns:p14="http://schemas.microsoft.com/office/powerpoint/2010/main" val="3403567972"/>
-      </p:ext>
-    </p:extLst>
-  </p:cSld>
-  <p:clrMapOvr>
-    <a:masterClrMapping/>
-  </p:clrMapOvr>
-</p:sld>
-</file>
-
-<file path=ppt/slides/slide26.xml><?xml version="1.0" encoding="utf-8"?>
-<p:sld xmlns:a="http://schemas.openxmlformats.org/drawingml/2006/main" xmlns:r="http://schemas.openxmlformats.org/officeDocument/2006/relationships" xmlns:p="http://schemas.openxmlformats.org/presentationml/2006/main">
-  <p:cSld>
-    <p:spTree>
-      <p:nvGrpSpPr>
-        <p:cNvPr id="1" name=""/>
-        <p:cNvGrpSpPr/>
-        <p:nvPr/>
-      </p:nvGrpSpPr>
-      <p:grpSpPr>
-        <a:xfrm>
-          <a:off x="0" y="0"/>
-          <a:ext cx="0" cy="0"/>
-          <a:chOff x="0" y="0"/>
-          <a:chExt cx="0" cy="0"/>
-        </a:xfrm>
-      </p:grpSpPr>
-      <p:sp>
-        <p:nvSpPr>
-          <p:cNvPr id="2" name="Title 1"/>
-          <p:cNvSpPr>
-            <a:spLocks noGrp="1"/>
-          </p:cNvSpPr>
-          <p:nvPr>
-            <p:ph type="title"/>
-          </p:nvPr>
-        </p:nvSpPr>
-        <p:spPr/>
-        <p:txBody>
-          <a:bodyPr/>
-          <a:lstStyle/>
-          <a:p>
-            <a:r>
-              <a:rPr lang="en-US" dirty="0"/>
-              <a:t>Demo</a:t>
-            </a:r>
-          </a:p>
-        </p:txBody>
-      </p:sp>
-      <p:sp>
-        <p:nvSpPr>
-          <p:cNvPr id="3" name="Content Placeholder 2"/>
-          <p:cNvSpPr>
-            <a:spLocks noGrp="1"/>
-          </p:cNvSpPr>
-          <p:nvPr>
-            <p:ph idx="1"/>
-          </p:nvPr>
-        </p:nvSpPr>
-        <p:spPr/>
-        <p:txBody>
-          <a:bodyPr/>
-          <a:lstStyle/>
-          <a:p>
-            <a:pPr marL="0" indent="0">
-              <a:buNone/>
-            </a:pPr>
-            <a:r>
-              <a:rPr lang="en-US" dirty="0"/>
-              <a:t>DBCC LOGINFO</a:t>
-            </a:r>
-          </a:p>
-        </p:txBody>
-      </p:sp>
-      <p:pic>
-        <p:nvPicPr>
-          <p:cNvPr id="4" name="Picture 3"/>
-          <p:cNvPicPr>
-            <a:picLocks noChangeAspect="1"/>
-          </p:cNvPicPr>
-          <p:nvPr/>
-        </p:nvPicPr>
-        <p:blipFill>
-          <a:blip r:embed="rId2"/>
-          <a:stretch>
-            <a:fillRect/>
-          </a:stretch>
-        </p:blipFill>
-        <p:spPr>
-          <a:xfrm>
-            <a:off x="763071" y="1653000"/>
-            <a:ext cx="7617858" cy="3552000"/>
-          </a:xfrm>
-          <a:prstGeom prst="rect">
-            <a:avLst/>
-          </a:prstGeom>
-        </p:spPr>
-      </p:pic>
-    </p:spTree>
-    <p:extLst>
-      <p:ext uri="{BB962C8B-B14F-4D97-AF65-F5344CB8AC3E}">
-        <p14:creationId xmlns:p14="http://schemas.microsoft.com/office/powerpoint/2010/main" val="4134537087"/>
-      </p:ext>
-    </p:extLst>
-  </p:cSld>
-  <p:clrMapOvr>
-    <a:masterClrMapping/>
-  </p:clrMapOvr>
-</p:sld>
-</file>
-
-<file path=ppt/slides/slide27.xml><?xml version="1.0" encoding="utf-8"?>
-<p:sld xmlns:a="http://schemas.openxmlformats.org/drawingml/2006/main" xmlns:r="http://schemas.openxmlformats.org/officeDocument/2006/relationships" xmlns:p="http://schemas.openxmlformats.org/presentationml/2006/main">
-  <p:cSld>
-    <p:spTree>
-      <p:nvGrpSpPr>
-        <p:cNvPr id="1" name=""/>
-        <p:cNvGrpSpPr/>
-        <p:nvPr/>
-      </p:nvGrpSpPr>
-      <p:grpSpPr>
-        <a:xfrm>
-          <a:off x="0" y="0"/>
-          <a:ext cx="0" cy="0"/>
-          <a:chOff x="0" y="0"/>
-          <a:chExt cx="0" cy="0"/>
-        </a:xfrm>
-      </p:grpSpPr>
-      <p:sp>
-        <p:nvSpPr>
-          <p:cNvPr id="2" name="Title 1"/>
-          <p:cNvSpPr>
-            <a:spLocks noGrp="1"/>
-          </p:cNvSpPr>
-          <p:nvPr>
-            <p:ph type="title"/>
-          </p:nvPr>
-        </p:nvSpPr>
-        <p:spPr/>
-        <p:txBody>
-          <a:bodyPr/>
-          <a:lstStyle/>
-          <a:p>
-            <a:r>
-              <a:rPr lang="en-US" dirty="0" err="1"/>
-              <a:t>fn_dblog</a:t>
-            </a:r>
-            <a:r>
-              <a:rPr lang="en-US" dirty="0"/>
-              <a:t>(</a:t>
-            </a:r>
-            <a:r>
-              <a:rPr lang="en-US" dirty="0" err="1"/>
-              <a:t>start_lsn</a:t>
-            </a:r>
-            <a:r>
-              <a:rPr lang="en-US" dirty="0"/>
-              <a:t>, </a:t>
-            </a:r>
-            <a:r>
-              <a:rPr lang="en-US" dirty="0" err="1"/>
-              <a:t>end_lsn</a:t>
-            </a:r>
-            <a:r>
-              <a:rPr lang="en-US" dirty="0"/>
-              <a:t>)</a:t>
-            </a:r>
-          </a:p>
-        </p:txBody>
-      </p:sp>
-      <p:sp>
-        <p:nvSpPr>
-          <p:cNvPr id="3" name="Content Placeholder 2"/>
-          <p:cNvSpPr>
-            <a:spLocks noGrp="1"/>
-          </p:cNvSpPr>
-          <p:nvPr>
-            <p:ph idx="1"/>
-          </p:nvPr>
-        </p:nvSpPr>
-        <p:spPr>
-          <a:xfrm>
-            <a:off x="457200" y="1397001"/>
-            <a:ext cx="8229600" cy="704850"/>
-          </a:xfrm>
-        </p:spPr>
-        <p:txBody>
-          <a:bodyPr/>
-          <a:lstStyle/>
-          <a:p>
-            <a:pPr marL="0" indent="0">
-              <a:buNone/>
-            </a:pPr>
-            <a:r>
-              <a:rPr lang="en-US" dirty="0"/>
-              <a:t>Returns one row per log record</a:t>
-            </a:r>
-          </a:p>
-        </p:txBody>
-      </p:sp>
-      <p:pic>
-        <p:nvPicPr>
-          <p:cNvPr id="4" name="Picture 3"/>
-          <p:cNvPicPr>
-            <a:picLocks noChangeAspect="1"/>
-          </p:cNvPicPr>
-          <p:nvPr/>
-        </p:nvPicPr>
-        <p:blipFill>
-          <a:blip r:embed="rId2"/>
-          <a:stretch>
-            <a:fillRect/>
-          </a:stretch>
-        </p:blipFill>
-        <p:spPr>
-          <a:xfrm>
-            <a:off x="457200" y="2025651"/>
-            <a:ext cx="7962900" cy="4032860"/>
-          </a:xfrm>
-          <a:prstGeom prst="rect">
-            <a:avLst/>
-          </a:prstGeom>
-        </p:spPr>
-      </p:pic>
-    </p:spTree>
-    <p:extLst>
-      <p:ext uri="{BB962C8B-B14F-4D97-AF65-F5344CB8AC3E}">
-        <p14:creationId xmlns:p14="http://schemas.microsoft.com/office/powerpoint/2010/main" val="2370315233"/>
-      </p:ext>
-    </p:extLst>
-  </p:cSld>
-  <p:clrMapOvr>
-    <a:masterClrMapping/>
-  </p:clrMapOvr>
-</p:sld>
-</file>
-
-<file path=ppt/slides/slide28.xml><?xml version="1.0" encoding="utf-8"?>
-<p:sld xmlns:a="http://schemas.openxmlformats.org/drawingml/2006/main" xmlns:r="http://schemas.openxmlformats.org/officeDocument/2006/relationships" xmlns:p="http://schemas.openxmlformats.org/presentationml/2006/main">
-  <p:cSld>
-    <p:spTree>
-      <p:nvGrpSpPr>
-        <p:cNvPr id="1" name=""/>
-        <p:cNvGrpSpPr/>
-        <p:nvPr/>
-      </p:nvGrpSpPr>
-      <p:grpSpPr>
-        <a:xfrm>
-          <a:off x="0" y="0"/>
-          <a:ext cx="0" cy="0"/>
-          <a:chOff x="0" y="0"/>
-          <a:chExt cx="0" cy="0"/>
-        </a:xfrm>
-      </p:grpSpPr>
-      <p:sp>
-        <p:nvSpPr>
-          <p:cNvPr id="2" name="Title 1"/>
-          <p:cNvSpPr>
-            <a:spLocks noGrp="1"/>
-          </p:cNvSpPr>
-          <p:nvPr>
-            <p:ph type="title"/>
-          </p:nvPr>
-        </p:nvSpPr>
-        <p:spPr/>
-        <p:txBody>
-          <a:bodyPr/>
-          <a:lstStyle/>
-          <a:p>
-            <a:r>
-              <a:rPr lang="en-US" dirty="0"/>
-              <a:t>Demo</a:t>
-            </a:r>
-          </a:p>
-        </p:txBody>
-      </p:sp>
-      <p:sp>
-        <p:nvSpPr>
-          <p:cNvPr id="3" name="Content Placeholder 2"/>
-          <p:cNvSpPr>
-            <a:spLocks noGrp="1"/>
-          </p:cNvSpPr>
-          <p:nvPr>
-            <p:ph idx="1"/>
-          </p:nvPr>
-        </p:nvSpPr>
-        <p:spPr/>
-        <p:txBody>
-          <a:bodyPr/>
-          <a:lstStyle/>
-          <a:p>
-            <a:pPr marL="0" indent="0">
-              <a:buNone/>
-            </a:pPr>
-            <a:r>
-              <a:rPr lang="en-US" dirty="0" err="1"/>
-              <a:t>fn_dblog</a:t>
-            </a:r>
-            <a:endParaRPr lang="en-US" dirty="0"/>
-          </a:p>
-        </p:txBody>
-      </p:sp>
-      <p:pic>
-        <p:nvPicPr>
-          <p:cNvPr id="4" name="Picture 3"/>
-          <p:cNvPicPr>
-            <a:picLocks noChangeAspect="1"/>
-          </p:cNvPicPr>
-          <p:nvPr/>
-        </p:nvPicPr>
-        <p:blipFill>
-          <a:blip r:embed="rId2"/>
-          <a:stretch>
-            <a:fillRect/>
-          </a:stretch>
-        </p:blipFill>
-        <p:spPr>
-          <a:xfrm>
-            <a:off x="763071" y="1653000"/>
-            <a:ext cx="7617858" cy="3552000"/>
-          </a:xfrm>
-          <a:prstGeom prst="rect">
-            <a:avLst/>
-          </a:prstGeom>
-        </p:spPr>
-      </p:pic>
-    </p:spTree>
-    <p:extLst>
-      <p:ext uri="{BB962C8B-B14F-4D97-AF65-F5344CB8AC3E}">
-        <p14:creationId xmlns:p14="http://schemas.microsoft.com/office/powerpoint/2010/main" val="2250290301"/>
-      </p:ext>
-    </p:extLst>
-  </p:cSld>
-  <p:clrMapOvr>
-    <a:masterClrMapping/>
-  </p:clrMapOvr>
-</p:sld>
-</file>
-
-<file path=ppt/slides/slide29.xml><?xml version="1.0" encoding="utf-8"?>
-<p:sld xmlns:a="http://schemas.openxmlformats.org/drawingml/2006/main" xmlns:r="http://schemas.openxmlformats.org/officeDocument/2006/relationships" xmlns:p="http://schemas.openxmlformats.org/presentationml/2006/main">
-  <p:cSld>
-    <p:spTree>
-      <p:nvGrpSpPr>
-        <p:cNvPr id="1" name=""/>
-        <p:cNvGrpSpPr/>
-        <p:nvPr/>
-      </p:nvGrpSpPr>
-      <p:grpSpPr>
-        <a:xfrm>
-          <a:off x="0" y="0"/>
-          <a:ext cx="0" cy="0"/>
-          <a:chOff x="0" y="0"/>
-          <a:chExt cx="0" cy="0"/>
-        </a:xfrm>
-      </p:grpSpPr>
-      <p:sp>
-        <p:nvSpPr>
-          <p:cNvPr id="2" name="Title 1"/>
-          <p:cNvSpPr>
-            <a:spLocks noGrp="1"/>
-          </p:cNvSpPr>
-          <p:nvPr>
-            <p:ph type="title"/>
-          </p:nvPr>
-        </p:nvSpPr>
-        <p:spPr/>
-        <p:txBody>
-          <a:bodyPr/>
-          <a:lstStyle/>
-          <a:p>
-            <a:r>
-              <a:rPr lang="en-US" dirty="0"/>
-              <a:t>Related commands/function</a:t>
-            </a:r>
-          </a:p>
-        </p:txBody>
-      </p:sp>
-      <p:sp>
-        <p:nvSpPr>
-          <p:cNvPr id="3" name="Content Placeholder 2"/>
-          <p:cNvSpPr>
-            <a:spLocks noGrp="1"/>
-          </p:cNvSpPr>
-          <p:nvPr>
-            <p:ph idx="1"/>
-          </p:nvPr>
-        </p:nvSpPr>
-        <p:spPr/>
-        <p:txBody>
-          <a:bodyPr/>
-          <a:lstStyle/>
-          <a:p>
-            <a:r>
-              <a:rPr lang="en-US" dirty="0"/>
-              <a:t>DBCC SQLPERF(LOGSPACE)</a:t>
-            </a:r>
-          </a:p>
-          <a:p>
-            <a:pPr lvl="1"/>
-            <a:r>
-              <a:rPr lang="en-US" dirty="0"/>
-              <a:t>Log size, percent used per database</a:t>
-            </a:r>
-          </a:p>
-          <a:p>
-            <a:r>
-              <a:rPr lang="en-US" dirty="0" err="1"/>
-              <a:t>fn_dump_dblog</a:t>
-            </a:r>
-            <a:endParaRPr lang="en-US" dirty="0"/>
-          </a:p>
-          <a:p>
-            <a:pPr lvl="1"/>
-            <a:r>
-              <a:rPr lang="en-US" dirty="0"/>
-              <a:t>Similar to </a:t>
-            </a:r>
-            <a:r>
-              <a:rPr lang="en-US" dirty="0" err="1"/>
-              <a:t>fn_dblog</a:t>
-            </a:r>
-            <a:r>
-              <a:rPr lang="en-US" dirty="0"/>
-              <a:t>, but reads </a:t>
-            </a:r>
-            <a:r>
-              <a:rPr lang="en-US"/>
-              <a:t>from backup file</a:t>
-            </a:r>
-            <a:endParaRPr lang="en-US" dirty="0"/>
-          </a:p>
-        </p:txBody>
-      </p:sp>
-    </p:spTree>
-    <p:extLst>
-      <p:ext uri="{BB962C8B-B14F-4D97-AF65-F5344CB8AC3E}">
-        <p14:creationId xmlns:p14="http://schemas.microsoft.com/office/powerpoint/2010/main" val="961231621"/>
-      </p:ext>
-    </p:extLst>
-  </p:cSld>
-  <p:clrMapOvr>
-    <a:masterClrMapping/>
-  </p:clrMapOvr>
-</p:sld>
-</file>
-
-<file path=ppt/slides/slide3.xml><?xml version="1.0" encoding="utf-8"?>
+<file path=ppt/slides/slide2.xml><?xml version="1.0" encoding="utf-8"?>
 <p:sld xmlns:a="http://schemas.openxmlformats.org/drawingml/2006/main" xmlns:r="http://schemas.openxmlformats.org/officeDocument/2006/relationships" xmlns:p="http://schemas.openxmlformats.org/presentationml/2006/main">
   <p:cSld>
     <p:spTree>
@@ -9035,6 +7358,1661 @@
 </p:sld>
 </file>
 
+<file path=ppt/slides/slide20.xml><?xml version="1.0" encoding="utf-8"?>
+<p:sld xmlns:a="http://schemas.openxmlformats.org/drawingml/2006/main" xmlns:r="http://schemas.openxmlformats.org/officeDocument/2006/relationships" xmlns:p="http://schemas.openxmlformats.org/presentationml/2006/main">
+  <p:cSld>
+    <p:spTree>
+      <p:nvGrpSpPr>
+        <p:cNvPr id="1" name=""/>
+        <p:cNvGrpSpPr/>
+        <p:nvPr/>
+      </p:nvGrpSpPr>
+      <p:grpSpPr>
+        <a:xfrm>
+          <a:off x="0" y="0"/>
+          <a:ext cx="0" cy="0"/>
+          <a:chOff x="0" y="0"/>
+          <a:chExt cx="0" cy="0"/>
+        </a:xfrm>
+      </p:grpSpPr>
+      <p:sp>
+        <p:nvSpPr>
+          <p:cNvPr id="2" name="Title 1"/>
+          <p:cNvSpPr>
+            <a:spLocks noGrp="1"/>
+          </p:cNvSpPr>
+          <p:nvPr>
+            <p:ph type="title"/>
+          </p:nvPr>
+        </p:nvSpPr>
+        <p:spPr/>
+        <p:txBody>
+          <a:bodyPr/>
+          <a:lstStyle/>
+          <a:p>
+            <a:r>
+              <a:rPr lang="en-US" dirty="0"/>
+              <a:t>Log Record Detail</a:t>
+            </a:r>
+          </a:p>
+        </p:txBody>
+      </p:sp>
+      <p:sp>
+        <p:nvSpPr>
+          <p:cNvPr id="3" name="Content Placeholder 2"/>
+          <p:cNvSpPr>
+            <a:spLocks noGrp="1"/>
+          </p:cNvSpPr>
+          <p:nvPr>
+            <p:ph idx="1"/>
+          </p:nvPr>
+        </p:nvSpPr>
+        <p:spPr>
+          <a:xfrm>
+            <a:off x="457201" y="3797145"/>
+            <a:ext cx="8229600" cy="2329018"/>
+          </a:xfrm>
+        </p:spPr>
+        <p:txBody>
+          <a:bodyPr>
+            <a:normAutofit lnSpcReduction="10000"/>
+          </a:bodyPr>
+          <a:lstStyle/>
+          <a:p>
+            <a:r>
+              <a:rPr lang="en-US" dirty="0"/>
+              <a:t>Of course, a header</a:t>
+            </a:r>
+          </a:p>
+          <a:p>
+            <a:pPr lvl="1"/>
+            <a:r>
+              <a:rPr lang="en-US" dirty="0"/>
+              <a:t>Record type, transaction ID, length, pointer to previous transaction record, etc.</a:t>
+            </a:r>
+          </a:p>
+          <a:p>
+            <a:r>
+              <a:rPr lang="en-US" dirty="0"/>
+              <a:t>Payload</a:t>
+            </a:r>
+          </a:p>
+          <a:p>
+            <a:pPr lvl="1"/>
+            <a:r>
+              <a:rPr lang="en-US" dirty="0"/>
+              <a:t>Before/after image of changes</a:t>
+            </a:r>
+          </a:p>
+        </p:txBody>
+      </p:sp>
+      <p:pic>
+        <p:nvPicPr>
+          <p:cNvPr id="4" name="Picture 3"/>
+          <p:cNvPicPr>
+            <a:picLocks noChangeAspect="1"/>
+          </p:cNvPicPr>
+          <p:nvPr/>
+        </p:nvPicPr>
+        <p:blipFill>
+          <a:blip r:embed="rId2"/>
+          <a:stretch>
+            <a:fillRect/>
+          </a:stretch>
+        </p:blipFill>
+        <p:spPr>
+          <a:xfrm>
+            <a:off x="457200" y="1417320"/>
+            <a:ext cx="8199451" cy="2377440"/>
+          </a:xfrm>
+          <a:prstGeom prst="rect">
+            <a:avLst/>
+          </a:prstGeom>
+        </p:spPr>
+      </p:pic>
+    </p:spTree>
+    <p:extLst>
+      <p:ext uri="{BB962C8B-B14F-4D97-AF65-F5344CB8AC3E}">
+        <p14:creationId xmlns:p14="http://schemas.microsoft.com/office/powerpoint/2010/main" val="3638472235"/>
+      </p:ext>
+    </p:extLst>
+  </p:cSld>
+  <p:clrMapOvr>
+    <a:masterClrMapping/>
+  </p:clrMapOvr>
+</p:sld>
+</file>
+
+<file path=ppt/slides/slide21.xml><?xml version="1.0" encoding="utf-8"?>
+<p:sld xmlns:a="http://schemas.openxmlformats.org/drawingml/2006/main" xmlns:r="http://schemas.openxmlformats.org/officeDocument/2006/relationships" xmlns:p="http://schemas.openxmlformats.org/presentationml/2006/main">
+  <p:cSld>
+    <p:spTree>
+      <p:nvGrpSpPr>
+        <p:cNvPr id="1" name=""/>
+        <p:cNvGrpSpPr/>
+        <p:nvPr/>
+      </p:nvGrpSpPr>
+      <p:grpSpPr>
+        <a:xfrm>
+          <a:off x="0" y="0"/>
+          <a:ext cx="0" cy="0"/>
+          <a:chOff x="0" y="0"/>
+          <a:chExt cx="0" cy="0"/>
+        </a:xfrm>
+      </p:grpSpPr>
+      <p:sp>
+        <p:nvSpPr>
+          <p:cNvPr id="2" name="Title 1"/>
+          <p:cNvSpPr>
+            <a:spLocks noGrp="1"/>
+          </p:cNvSpPr>
+          <p:nvPr>
+            <p:ph type="title"/>
+          </p:nvPr>
+        </p:nvSpPr>
+        <p:spPr/>
+        <p:txBody>
+          <a:bodyPr/>
+          <a:lstStyle/>
+          <a:p>
+            <a:r>
+              <a:rPr lang="en-US" dirty="0"/>
+              <a:t>Log Sequence Number</a:t>
+            </a:r>
+          </a:p>
+        </p:txBody>
+      </p:sp>
+      <p:sp>
+        <p:nvSpPr>
+          <p:cNvPr id="3" name="Content Placeholder 2"/>
+          <p:cNvSpPr>
+            <a:spLocks noGrp="1"/>
+          </p:cNvSpPr>
+          <p:nvPr>
+            <p:ph idx="1"/>
+          </p:nvPr>
+        </p:nvSpPr>
+        <p:spPr/>
+        <p:txBody>
+          <a:bodyPr/>
+          <a:lstStyle/>
+          <a:p>
+            <a:r>
+              <a:rPr lang="en-US" dirty="0"/>
+              <a:t>Each log record can be uniquely identified by its Log Sequence Number (LSN)</a:t>
+            </a:r>
+          </a:p>
+          <a:p>
+            <a:r>
+              <a:rPr lang="en-US" dirty="0"/>
+              <a:t>An LSN is composed of three parts</a:t>
+            </a:r>
+          </a:p>
+          <a:p>
+            <a:pPr lvl="1"/>
+            <a:r>
+              <a:rPr lang="en-US" dirty="0"/>
+              <a:t>VLF number</a:t>
+            </a:r>
+          </a:p>
+          <a:p>
+            <a:pPr lvl="1"/>
+            <a:r>
+              <a:rPr lang="en-US" dirty="0"/>
+              <a:t>Log Block offset (512-byte chunks, not necessarily contiguous)</a:t>
+            </a:r>
+          </a:p>
+          <a:p>
+            <a:pPr lvl="1"/>
+            <a:r>
+              <a:rPr lang="en-US" dirty="0"/>
+              <a:t>Log Record number (slot number)</a:t>
+            </a:r>
+          </a:p>
+          <a:p>
+            <a:r>
+              <a:rPr lang="en-US" dirty="0"/>
+              <a:t>The LSN is in a very real way a pointer into the (logical) log file</a:t>
+            </a:r>
+          </a:p>
+        </p:txBody>
+      </p:sp>
+    </p:spTree>
+    <p:extLst>
+      <p:ext uri="{BB962C8B-B14F-4D97-AF65-F5344CB8AC3E}">
+        <p14:creationId xmlns:p14="http://schemas.microsoft.com/office/powerpoint/2010/main" val="1560482780"/>
+      </p:ext>
+    </p:extLst>
+  </p:cSld>
+  <p:clrMapOvr>
+    <a:masterClrMapping/>
+  </p:clrMapOvr>
+</p:sld>
+</file>
+
+<file path=ppt/slides/slide22.xml><?xml version="1.0" encoding="utf-8"?>
+<p:sld xmlns:a="http://schemas.openxmlformats.org/drawingml/2006/main" xmlns:r="http://schemas.openxmlformats.org/officeDocument/2006/relationships" xmlns:p="http://schemas.openxmlformats.org/presentationml/2006/main">
+  <p:cSld>
+    <p:spTree>
+      <p:nvGrpSpPr>
+        <p:cNvPr id="1" name=""/>
+        <p:cNvGrpSpPr/>
+        <p:nvPr/>
+      </p:nvGrpSpPr>
+      <p:grpSpPr>
+        <a:xfrm>
+          <a:off x="0" y="0"/>
+          <a:ext cx="0" cy="0"/>
+          <a:chOff x="0" y="0"/>
+          <a:chExt cx="0" cy="0"/>
+        </a:xfrm>
+      </p:grpSpPr>
+      <p:sp>
+        <p:nvSpPr>
+          <p:cNvPr id="2" name="Title 1"/>
+          <p:cNvSpPr>
+            <a:spLocks noGrp="1"/>
+          </p:cNvSpPr>
+          <p:nvPr>
+            <p:ph type="title"/>
+          </p:nvPr>
+        </p:nvSpPr>
+        <p:spPr/>
+        <p:txBody>
+          <a:bodyPr/>
+          <a:lstStyle/>
+          <a:p>
+            <a:r>
+              <a:rPr lang="en-US" dirty="0"/>
+              <a:t>LSN Representations</a:t>
+            </a:r>
+          </a:p>
+        </p:txBody>
+      </p:sp>
+      <p:sp>
+        <p:nvSpPr>
+          <p:cNvPr id="3" name="Content Placeholder 2"/>
+          <p:cNvSpPr>
+            <a:spLocks noGrp="1"/>
+          </p:cNvSpPr>
+          <p:nvPr>
+            <p:ph idx="1"/>
+          </p:nvPr>
+        </p:nvSpPr>
+        <p:spPr>
+          <a:xfrm>
+            <a:off x="457200" y="1600201"/>
+            <a:ext cx="8229600" cy="628650"/>
+          </a:xfrm>
+        </p:spPr>
+        <p:txBody>
+          <a:bodyPr/>
+          <a:lstStyle/>
+          <a:p>
+            <a:pPr marL="0" indent="0">
+              <a:buNone/>
+            </a:pPr>
+            <a:r>
+              <a:rPr lang="en-US" dirty="0"/>
+              <a:t>Four common ways to express an LSN</a:t>
+            </a:r>
+          </a:p>
+        </p:txBody>
+      </p:sp>
+      <p:graphicFrame>
+        <p:nvGraphicFramePr>
+          <p:cNvPr id="4" name="Table 3"/>
+          <p:cNvGraphicFramePr>
+            <a:graphicFrameLocks noGrp="1"/>
+          </p:cNvGraphicFramePr>
+          <p:nvPr>
+            <p:extLst>
+              <p:ext uri="{D42A27DB-BD31-4B8C-83A1-F6EECF244321}">
+                <p14:modId xmlns:p14="http://schemas.microsoft.com/office/powerpoint/2010/main" val="3688946346"/>
+              </p:ext>
+            </p:extLst>
+          </p:nvPr>
+        </p:nvGraphicFramePr>
+        <p:xfrm>
+          <a:off x="457200" y="2352675"/>
+          <a:ext cx="8229600" cy="2419826"/>
+        </p:xfrm>
+        <a:graphic>
+          <a:graphicData uri="http://schemas.openxmlformats.org/drawingml/2006/table">
+            <a:tbl>
+              <a:tblPr firstRow="1" bandRow="1">
+                <a:tableStyleId>{5C22544A-7EE6-4342-B048-85BDC9FD1C3A}</a:tableStyleId>
+              </a:tblPr>
+              <a:tblGrid>
+                <a:gridCol w="1895475">
+                  <a:extLst>
+                    <a:ext uri="{9D8B030D-6E8A-4147-A177-3AD203B41FA5}">
+                      <a16:colId xmlns:a16="http://schemas.microsoft.com/office/drawing/2014/main" val="20000"/>
+                    </a:ext>
+                  </a:extLst>
+                </a:gridCol>
+                <a:gridCol w="3171825">
+                  <a:extLst>
+                    <a:ext uri="{9D8B030D-6E8A-4147-A177-3AD203B41FA5}">
+                      <a16:colId xmlns:a16="http://schemas.microsoft.com/office/drawing/2014/main" val="20001"/>
+                    </a:ext>
+                  </a:extLst>
+                </a:gridCol>
+                <a:gridCol w="3162300">
+                  <a:extLst>
+                    <a:ext uri="{9D8B030D-6E8A-4147-A177-3AD203B41FA5}">
+                      <a16:colId xmlns:a16="http://schemas.microsoft.com/office/drawing/2014/main" val="20002"/>
+                    </a:ext>
+                  </a:extLst>
+                </a:gridCol>
+              </a:tblGrid>
+              <a:tr h="397986">
+                <a:tc>
+                  <a:txBody>
+                    <a:bodyPr/>
+                    <a:lstStyle/>
+                    <a:p>
+                      <a:r>
+                        <a:rPr lang="en-US" dirty="0"/>
+                        <a:t>Format</a:t>
+                      </a:r>
+                    </a:p>
+                  </a:txBody>
+                  <a:tcPr/>
+                </a:tc>
+                <a:tc>
+                  <a:txBody>
+                    <a:bodyPr/>
+                    <a:lstStyle/>
+                    <a:p>
+                      <a:r>
+                        <a:rPr lang="en-US" dirty="0"/>
+                        <a:t>Example</a:t>
+                      </a:r>
+                    </a:p>
+                  </a:txBody>
+                  <a:tcPr/>
+                </a:tc>
+                <a:tc>
+                  <a:txBody>
+                    <a:bodyPr/>
+                    <a:lstStyle/>
+                    <a:p>
+                      <a:r>
+                        <a:rPr lang="en-US" dirty="0"/>
+                        <a:t>Common uses</a:t>
+                      </a:r>
+                    </a:p>
+                  </a:txBody>
+                  <a:tcPr/>
+                </a:tc>
+                <a:extLst>
+                  <a:ext uri="{0D108BD9-81ED-4DB2-BD59-A6C34878D82A}">
+                    <a16:rowId xmlns:a16="http://schemas.microsoft.com/office/drawing/2014/main" val="10000"/>
+                  </a:ext>
+                </a:extLst>
+              </a:tr>
+              <a:tr h="370840">
+                <a:tc>
+                  <a:txBody>
+                    <a:bodyPr/>
+                    <a:lstStyle/>
+                    <a:p>
+                      <a:r>
+                        <a:rPr lang="en-US" dirty="0"/>
+                        <a:t>Colon-separated (hexadecimal)</a:t>
+                      </a:r>
+                    </a:p>
+                  </a:txBody>
+                  <a:tcPr/>
+                </a:tc>
+                <a:tc>
+                  <a:txBody>
+                    <a:bodyPr/>
+                    <a:lstStyle/>
+                    <a:p>
+                      <a:pPr marL="0" marR="0" lvl="1" indent="0" algn="l" defTabSz="457200" rtl="0" eaLnBrk="1" fontAlgn="auto" latinLnBrk="0" hangingPunct="1">
+                        <a:lnSpc>
+                          <a:spcPct val="100000"/>
+                        </a:lnSpc>
+                        <a:spcBef>
+                          <a:spcPts val="0"/>
+                        </a:spcBef>
+                        <a:spcAft>
+                          <a:spcPts val="0"/>
+                        </a:spcAft>
+                        <a:buClrTx/>
+                        <a:buSzTx/>
+                        <a:buFontTx/>
+                        <a:buNone/>
+                        <a:tabLst/>
+                        <a:defRPr/>
+                      </a:pPr>
+                      <a:r>
+                        <a:rPr lang="en-US" dirty="0"/>
+                        <a:t>000001c0:0000006b:0005</a:t>
+                      </a:r>
+                    </a:p>
+                  </a:txBody>
+                  <a:tcPr/>
+                </a:tc>
+                <a:tc>
+                  <a:txBody>
+                    <a:bodyPr/>
+                    <a:lstStyle/>
+                    <a:p>
+                      <a:r>
+                        <a:rPr lang="en-US" dirty="0"/>
+                        <a:t>Log management</a:t>
+                      </a:r>
+                    </a:p>
+                  </a:txBody>
+                  <a:tcPr/>
+                </a:tc>
+                <a:extLst>
+                  <a:ext uri="{0D108BD9-81ED-4DB2-BD59-A6C34878D82A}">
+                    <a16:rowId xmlns:a16="http://schemas.microsoft.com/office/drawing/2014/main" val="10001"/>
+                  </a:ext>
+                </a:extLst>
+              </a:tr>
+              <a:tr h="370840">
+                <a:tc>
+                  <a:txBody>
+                    <a:bodyPr/>
+                    <a:lstStyle/>
+                    <a:p>
+                      <a:r>
+                        <a:rPr lang="en-US" dirty="0"/>
+                        <a:t>Hexadecimal</a:t>
+                      </a:r>
+                    </a:p>
+                  </a:txBody>
+                  <a:tcPr/>
+                </a:tc>
+                <a:tc>
+                  <a:txBody>
+                    <a:bodyPr/>
+                    <a:lstStyle/>
+                    <a:p>
+                      <a:pPr marL="0" marR="0" lvl="1" indent="0" algn="l" defTabSz="457200" rtl="0" eaLnBrk="1" fontAlgn="auto" latinLnBrk="0" hangingPunct="1">
+                        <a:lnSpc>
+                          <a:spcPct val="100000"/>
+                        </a:lnSpc>
+                        <a:spcBef>
+                          <a:spcPts val="0"/>
+                        </a:spcBef>
+                        <a:spcAft>
+                          <a:spcPts val="0"/>
+                        </a:spcAft>
+                        <a:buClrTx/>
+                        <a:buSzTx/>
+                        <a:buFontTx/>
+                        <a:buNone/>
+                        <a:tabLst/>
+                        <a:defRPr/>
+                      </a:pPr>
+                      <a:r>
+                        <a:rPr lang="en-US" sz="1800" kern="1200" dirty="0">
+                          <a:solidFill>
+                            <a:schemeClr val="dk1"/>
+                          </a:solidFill>
+                          <a:latin typeface="+mn-lt"/>
+                          <a:ea typeface="+mn-ea"/>
+                          <a:cs typeface="+mn-cs"/>
+                        </a:rPr>
+                        <a:t>0x000001c00000006b0005</a:t>
+                      </a:r>
+                      <a:endParaRPr lang="en-US" dirty="0"/>
+                    </a:p>
+                  </a:txBody>
+                  <a:tcPr/>
+                </a:tc>
+                <a:tc>
+                  <a:txBody>
+                    <a:bodyPr/>
+                    <a:lstStyle/>
+                    <a:p>
+                      <a:r>
+                        <a:rPr lang="en-US" dirty="0"/>
+                        <a:t>Change data capture</a:t>
+                      </a:r>
+                    </a:p>
+                  </a:txBody>
+                  <a:tcPr/>
+                </a:tc>
+                <a:extLst>
+                  <a:ext uri="{0D108BD9-81ED-4DB2-BD59-A6C34878D82A}">
+                    <a16:rowId xmlns:a16="http://schemas.microsoft.com/office/drawing/2014/main" val="10002"/>
+                  </a:ext>
+                </a:extLst>
+              </a:tr>
+              <a:tr h="370840">
+                <a:tc>
+                  <a:txBody>
+                    <a:bodyPr/>
+                    <a:lstStyle/>
+                    <a:p>
+                      <a:r>
+                        <a:rPr lang="en-US" dirty="0"/>
+                        <a:t>Decimal</a:t>
+                      </a:r>
+                    </a:p>
+                  </a:txBody>
+                  <a:tcPr/>
+                </a:tc>
+                <a:tc>
+                  <a:txBody>
+                    <a:bodyPr/>
+                    <a:lstStyle/>
+                    <a:p>
+                      <a:r>
+                        <a:rPr lang="en-US" dirty="0"/>
+                        <a:t>448000000010700005</a:t>
+                      </a:r>
+                    </a:p>
+                  </a:txBody>
+                  <a:tcPr/>
+                </a:tc>
+                <a:tc>
+                  <a:txBody>
+                    <a:bodyPr/>
+                    <a:lstStyle/>
+                    <a:p>
+                      <a:r>
+                        <a:rPr lang="en-US" dirty="0"/>
+                        <a:t>Backup</a:t>
+                      </a:r>
+                    </a:p>
+                  </a:txBody>
+                  <a:tcPr/>
+                </a:tc>
+                <a:extLst>
+                  <a:ext uri="{0D108BD9-81ED-4DB2-BD59-A6C34878D82A}">
+                    <a16:rowId xmlns:a16="http://schemas.microsoft.com/office/drawing/2014/main" val="10003"/>
+                  </a:ext>
+                </a:extLst>
+              </a:tr>
+              <a:tr h="370840">
+                <a:tc>
+                  <a:txBody>
+                    <a:bodyPr/>
+                    <a:lstStyle/>
+                    <a:p>
+                      <a:r>
+                        <a:rPr lang="en-US" dirty="0"/>
+                        <a:t>Colon-separated (decimal)</a:t>
+                      </a:r>
+                    </a:p>
+                  </a:txBody>
+                  <a:tcPr/>
+                </a:tc>
+                <a:tc>
+                  <a:txBody>
+                    <a:bodyPr/>
+                    <a:lstStyle/>
+                    <a:p>
+                      <a:r>
+                        <a:rPr lang="en-US" dirty="0"/>
+                        <a:t>448:107:5</a:t>
+                      </a:r>
+                    </a:p>
+                  </a:txBody>
+                  <a:tcPr/>
+                </a:tc>
+                <a:tc>
+                  <a:txBody>
+                    <a:bodyPr/>
+                    <a:lstStyle/>
+                    <a:p>
+                      <a:r>
+                        <a:rPr lang="en-US" dirty="0"/>
+                        <a:t>Input to </a:t>
+                      </a:r>
+                      <a:r>
+                        <a:rPr lang="en-US" dirty="0" err="1"/>
+                        <a:t>fn_dblog</a:t>
+                      </a:r>
+                      <a:endParaRPr lang="en-US" dirty="0"/>
+                    </a:p>
+                  </a:txBody>
+                  <a:tcPr/>
+                </a:tc>
+                <a:extLst>
+                  <a:ext uri="{0D108BD9-81ED-4DB2-BD59-A6C34878D82A}">
+                    <a16:rowId xmlns:a16="http://schemas.microsoft.com/office/drawing/2014/main" val="3543017676"/>
+                  </a:ext>
+                </a:extLst>
+              </a:tr>
+            </a:tbl>
+          </a:graphicData>
+        </a:graphic>
+      </p:graphicFrame>
+      <p:sp>
+        <p:nvSpPr>
+          <p:cNvPr id="5" name="Content Placeholder 2"/>
+          <p:cNvSpPr txBox="1">
+            <a:spLocks/>
+          </p:cNvSpPr>
+          <p:nvPr/>
+        </p:nvSpPr>
+        <p:spPr>
+          <a:xfrm>
+            <a:off x="457200" y="4877015"/>
+            <a:ext cx="8229600" cy="628650"/>
+          </a:xfrm>
+          <a:prstGeom prst="rect">
+            <a:avLst/>
+          </a:prstGeom>
+        </p:spPr>
+        <p:txBody>
+          <a:bodyPr vert="horz" lIns="91440" tIns="45720" rIns="91440" bIns="45720" rtlCol="0">
+            <a:normAutofit/>
+          </a:bodyPr>
+          <a:lstStyle>
+            <a:lvl1pPr marL="342900" indent="-342900" algn="l" defTabSz="457200" rtl="0" eaLnBrk="1" latinLnBrk="0" hangingPunct="1">
+              <a:spcBef>
+                <a:spcPct val="20000"/>
+              </a:spcBef>
+              <a:buFont typeface="Wingdings" charset="2"/>
+              <a:buChar char="§"/>
+              <a:defRPr sz="3000" kern="1200">
+                <a:solidFill>
+                  <a:schemeClr val="tx2"/>
+                </a:solidFill>
+                <a:latin typeface="+mn-lt"/>
+                <a:ea typeface="+mn-ea"/>
+                <a:cs typeface="+mn-cs"/>
+              </a:defRPr>
+            </a:lvl1pPr>
+            <a:lvl2pPr marL="742950" indent="-285750" algn="l" defTabSz="457200" rtl="0" eaLnBrk="1" latinLnBrk="0" hangingPunct="1">
+              <a:spcBef>
+                <a:spcPct val="20000"/>
+              </a:spcBef>
+              <a:buFont typeface="Wingdings" charset="2"/>
+              <a:buChar char="§"/>
+              <a:defRPr sz="2600" kern="1200">
+                <a:solidFill>
+                  <a:srgbClr val="474947"/>
+                </a:solidFill>
+                <a:latin typeface="+mn-lt"/>
+                <a:ea typeface="+mn-ea"/>
+                <a:cs typeface="+mn-cs"/>
+              </a:defRPr>
+            </a:lvl2pPr>
+            <a:lvl3pPr marL="1143000" indent="-228600" algn="l" defTabSz="457200" rtl="0" eaLnBrk="1" latinLnBrk="0" hangingPunct="1">
+              <a:spcBef>
+                <a:spcPct val="20000"/>
+              </a:spcBef>
+              <a:buFont typeface="Wingdings" charset="2"/>
+              <a:buChar char="§"/>
+              <a:defRPr sz="2200" kern="1200">
+                <a:solidFill>
+                  <a:srgbClr val="474947"/>
+                </a:solidFill>
+                <a:latin typeface="+mn-lt"/>
+                <a:ea typeface="+mn-ea"/>
+                <a:cs typeface="+mn-cs"/>
+              </a:defRPr>
+            </a:lvl3pPr>
+            <a:lvl4pPr marL="1600200" indent="-228600" algn="l" defTabSz="457200" rtl="0" eaLnBrk="1" latinLnBrk="0" hangingPunct="1">
+              <a:spcBef>
+                <a:spcPct val="20000"/>
+              </a:spcBef>
+              <a:buFont typeface="Wingdings" charset="2"/>
+              <a:buChar char="§"/>
+              <a:defRPr sz="2000" kern="1200">
+                <a:solidFill>
+                  <a:srgbClr val="474947"/>
+                </a:solidFill>
+                <a:latin typeface="+mn-lt"/>
+                <a:ea typeface="+mn-ea"/>
+                <a:cs typeface="+mn-cs"/>
+              </a:defRPr>
+            </a:lvl4pPr>
+            <a:lvl5pPr marL="2057400" indent="-228600" algn="l" defTabSz="457200" rtl="0" eaLnBrk="1" latinLnBrk="0" hangingPunct="1">
+              <a:spcBef>
+                <a:spcPct val="20000"/>
+              </a:spcBef>
+              <a:buFont typeface="Wingdings" charset="2"/>
+              <a:buChar char="§"/>
+              <a:defRPr sz="1800" kern="1200">
+                <a:solidFill>
+                  <a:srgbClr val="474947"/>
+                </a:solidFill>
+                <a:latin typeface="+mn-lt"/>
+                <a:ea typeface="+mn-ea"/>
+                <a:cs typeface="+mn-cs"/>
+              </a:defRPr>
+            </a:lvl5pPr>
+            <a:lvl6pPr marL="2514600" indent="-228600" algn="l" defTabSz="457200" rtl="0" eaLnBrk="1" latinLnBrk="0" hangingPunct="1">
+              <a:spcBef>
+                <a:spcPct val="20000"/>
+              </a:spcBef>
+              <a:buFont typeface="Arial"/>
+              <a:buChar char="•"/>
+              <a:defRPr sz="2000" kern="1200">
+                <a:solidFill>
+                  <a:schemeClr val="tx1"/>
+                </a:solidFill>
+                <a:latin typeface="+mn-lt"/>
+                <a:ea typeface="+mn-ea"/>
+                <a:cs typeface="+mn-cs"/>
+              </a:defRPr>
+            </a:lvl6pPr>
+            <a:lvl7pPr marL="2971800" indent="-228600" algn="l" defTabSz="457200" rtl="0" eaLnBrk="1" latinLnBrk="0" hangingPunct="1">
+              <a:spcBef>
+                <a:spcPct val="20000"/>
+              </a:spcBef>
+              <a:buFont typeface="Arial"/>
+              <a:buChar char="•"/>
+              <a:defRPr sz="2000" kern="1200">
+                <a:solidFill>
+                  <a:schemeClr val="tx1"/>
+                </a:solidFill>
+                <a:latin typeface="+mn-lt"/>
+                <a:ea typeface="+mn-ea"/>
+                <a:cs typeface="+mn-cs"/>
+              </a:defRPr>
+            </a:lvl7pPr>
+            <a:lvl8pPr marL="3429000" indent="-228600" algn="l" defTabSz="457200" rtl="0" eaLnBrk="1" latinLnBrk="0" hangingPunct="1">
+              <a:spcBef>
+                <a:spcPct val="20000"/>
+              </a:spcBef>
+              <a:buFont typeface="Arial"/>
+              <a:buChar char="•"/>
+              <a:defRPr sz="2000" kern="1200">
+                <a:solidFill>
+                  <a:schemeClr val="tx1"/>
+                </a:solidFill>
+                <a:latin typeface="+mn-lt"/>
+                <a:ea typeface="+mn-ea"/>
+                <a:cs typeface="+mn-cs"/>
+              </a:defRPr>
+            </a:lvl8pPr>
+            <a:lvl9pPr marL="3886200" indent="-228600" algn="l" defTabSz="457200" rtl="0" eaLnBrk="1" latinLnBrk="0" hangingPunct="1">
+              <a:spcBef>
+                <a:spcPct val="20000"/>
+              </a:spcBef>
+              <a:buFont typeface="Arial"/>
+              <a:buChar char="•"/>
+              <a:defRPr sz="2000" kern="1200">
+                <a:solidFill>
+                  <a:schemeClr val="tx1"/>
+                </a:solidFill>
+                <a:latin typeface="+mn-lt"/>
+                <a:ea typeface="+mn-ea"/>
+                <a:cs typeface="+mn-cs"/>
+              </a:defRPr>
+            </a:lvl9pPr>
+          </a:lstStyle>
+          <a:p>
+            <a:pPr marL="0" indent="0">
+              <a:buFont typeface="Wingdings" charset="2"/>
+              <a:buNone/>
+            </a:pPr>
+            <a:r>
+              <a:rPr lang="en-US" dirty="0"/>
+              <a:t>These four LSNs are equivalent</a:t>
+            </a:r>
+          </a:p>
+        </p:txBody>
+      </p:sp>
+    </p:spTree>
+    <p:extLst>
+      <p:ext uri="{BB962C8B-B14F-4D97-AF65-F5344CB8AC3E}">
+        <p14:creationId xmlns:p14="http://schemas.microsoft.com/office/powerpoint/2010/main" val="2618731270"/>
+      </p:ext>
+    </p:extLst>
+  </p:cSld>
+  <p:clrMapOvr>
+    <a:masterClrMapping/>
+  </p:clrMapOvr>
+</p:sld>
+</file>
+
+<file path=ppt/slides/slide23.xml><?xml version="1.0" encoding="utf-8"?>
+<p:sld xmlns:a="http://schemas.openxmlformats.org/drawingml/2006/main" xmlns:r="http://schemas.openxmlformats.org/officeDocument/2006/relationships" xmlns:p="http://schemas.openxmlformats.org/presentationml/2006/main">
+  <p:cSld>
+    <p:spTree>
+      <p:nvGrpSpPr>
+        <p:cNvPr id="1" name=""/>
+        <p:cNvGrpSpPr/>
+        <p:nvPr/>
+      </p:nvGrpSpPr>
+      <p:grpSpPr>
+        <a:xfrm>
+          <a:off x="0" y="0"/>
+          <a:ext cx="0" cy="0"/>
+          <a:chOff x="0" y="0"/>
+          <a:chExt cx="0" cy="0"/>
+        </a:xfrm>
+      </p:grpSpPr>
+      <p:sp>
+        <p:nvSpPr>
+          <p:cNvPr id="2" name="Title 1"/>
+          <p:cNvSpPr>
+            <a:spLocks noGrp="1"/>
+          </p:cNvSpPr>
+          <p:nvPr>
+            <p:ph type="title"/>
+          </p:nvPr>
+        </p:nvSpPr>
+        <p:spPr/>
+        <p:txBody>
+          <a:bodyPr/>
+          <a:lstStyle/>
+          <a:p>
+            <a:r>
+              <a:rPr lang="en-US" dirty="0"/>
+              <a:t>Demo</a:t>
+            </a:r>
+          </a:p>
+        </p:txBody>
+      </p:sp>
+      <p:sp>
+        <p:nvSpPr>
+          <p:cNvPr id="3" name="Content Placeholder 2"/>
+          <p:cNvSpPr>
+            <a:spLocks noGrp="1"/>
+          </p:cNvSpPr>
+          <p:nvPr>
+            <p:ph idx="1"/>
+          </p:nvPr>
+        </p:nvSpPr>
+        <p:spPr/>
+        <p:txBody>
+          <a:bodyPr/>
+          <a:lstStyle/>
+          <a:p>
+            <a:pPr marL="0" indent="0">
+              <a:buNone/>
+            </a:pPr>
+            <a:r>
+              <a:rPr lang="en-US" dirty="0"/>
+              <a:t>LSN Converter</a:t>
+            </a:r>
+          </a:p>
+        </p:txBody>
+      </p:sp>
+      <p:pic>
+        <p:nvPicPr>
+          <p:cNvPr id="4" name="Picture 3"/>
+          <p:cNvPicPr>
+            <a:picLocks noChangeAspect="1"/>
+          </p:cNvPicPr>
+          <p:nvPr/>
+        </p:nvPicPr>
+        <p:blipFill>
+          <a:blip r:embed="rId2"/>
+          <a:stretch>
+            <a:fillRect/>
+          </a:stretch>
+        </p:blipFill>
+        <p:spPr>
+          <a:xfrm>
+            <a:off x="763071" y="1653000"/>
+            <a:ext cx="7617858" cy="3552000"/>
+          </a:xfrm>
+          <a:prstGeom prst="rect">
+            <a:avLst/>
+          </a:prstGeom>
+        </p:spPr>
+      </p:pic>
+    </p:spTree>
+    <p:extLst>
+      <p:ext uri="{BB962C8B-B14F-4D97-AF65-F5344CB8AC3E}">
+        <p14:creationId xmlns:p14="http://schemas.microsoft.com/office/powerpoint/2010/main" val="958662350"/>
+      </p:ext>
+    </p:extLst>
+  </p:cSld>
+  <p:clrMapOvr>
+    <a:masterClrMapping/>
+  </p:clrMapOvr>
+</p:sld>
+</file>
+
+<file path=ppt/slides/slide24.xml><?xml version="1.0" encoding="utf-8"?>
+<p:sld xmlns:a="http://schemas.openxmlformats.org/drawingml/2006/main" xmlns:r="http://schemas.openxmlformats.org/officeDocument/2006/relationships" xmlns:p="http://schemas.openxmlformats.org/presentationml/2006/main">
+  <p:cSld>
+    <p:spTree>
+      <p:nvGrpSpPr>
+        <p:cNvPr id="1" name=""/>
+        <p:cNvGrpSpPr/>
+        <p:nvPr/>
+      </p:nvGrpSpPr>
+      <p:grpSpPr>
+        <a:xfrm>
+          <a:off x="0" y="0"/>
+          <a:ext cx="0" cy="0"/>
+          <a:chOff x="0" y="0"/>
+          <a:chExt cx="0" cy="0"/>
+        </a:xfrm>
+      </p:grpSpPr>
+      <p:sp>
+        <p:nvSpPr>
+          <p:cNvPr id="2" name="Title 1"/>
+          <p:cNvSpPr>
+            <a:spLocks noGrp="1"/>
+          </p:cNvSpPr>
+          <p:nvPr>
+            <p:ph type="title"/>
+          </p:nvPr>
+        </p:nvSpPr>
+        <p:spPr/>
+        <p:txBody>
+          <a:bodyPr/>
+          <a:lstStyle/>
+          <a:p>
+            <a:r>
+              <a:rPr lang="en-US" dirty="0"/>
+              <a:t>DBCC LOGINFO(‘</a:t>
+            </a:r>
+            <a:r>
+              <a:rPr lang="en-US" dirty="0" err="1"/>
+              <a:t>db_name</a:t>
+            </a:r>
+            <a:r>
+              <a:rPr lang="en-US" dirty="0"/>
+              <a:t>’)</a:t>
+            </a:r>
+          </a:p>
+        </p:txBody>
+      </p:sp>
+      <p:sp>
+        <p:nvSpPr>
+          <p:cNvPr id="3" name="Content Placeholder 2"/>
+          <p:cNvSpPr>
+            <a:spLocks noGrp="1"/>
+          </p:cNvSpPr>
+          <p:nvPr>
+            <p:ph idx="1"/>
+          </p:nvPr>
+        </p:nvSpPr>
+        <p:spPr>
+          <a:xfrm>
+            <a:off x="457200" y="1408113"/>
+            <a:ext cx="8229600" cy="676275"/>
+          </a:xfrm>
+        </p:spPr>
+        <p:txBody>
+          <a:bodyPr/>
+          <a:lstStyle/>
+          <a:p>
+            <a:pPr marL="0" indent="0">
+              <a:buNone/>
+            </a:pPr>
+            <a:r>
+              <a:rPr lang="en-US" dirty="0"/>
+              <a:t>Returns one row per VLF</a:t>
+            </a:r>
+          </a:p>
+        </p:txBody>
+      </p:sp>
+      <p:pic>
+        <p:nvPicPr>
+          <p:cNvPr id="5" name="Picture 4"/>
+          <p:cNvPicPr>
+            <a:picLocks noChangeAspect="1"/>
+          </p:cNvPicPr>
+          <p:nvPr/>
+        </p:nvPicPr>
+        <p:blipFill>
+          <a:blip r:embed="rId2"/>
+          <a:stretch>
+            <a:fillRect/>
+          </a:stretch>
+        </p:blipFill>
+        <p:spPr>
+          <a:xfrm>
+            <a:off x="457200" y="2084388"/>
+            <a:ext cx="8067675" cy="3634087"/>
+          </a:xfrm>
+          <a:prstGeom prst="rect">
+            <a:avLst/>
+          </a:prstGeom>
+        </p:spPr>
+      </p:pic>
+    </p:spTree>
+    <p:extLst>
+      <p:ext uri="{BB962C8B-B14F-4D97-AF65-F5344CB8AC3E}">
+        <p14:creationId xmlns:p14="http://schemas.microsoft.com/office/powerpoint/2010/main" val="3403567972"/>
+      </p:ext>
+    </p:extLst>
+  </p:cSld>
+  <p:clrMapOvr>
+    <a:masterClrMapping/>
+  </p:clrMapOvr>
+</p:sld>
+</file>
+
+<file path=ppt/slides/slide25.xml><?xml version="1.0" encoding="utf-8"?>
+<p:sld xmlns:a="http://schemas.openxmlformats.org/drawingml/2006/main" xmlns:r="http://schemas.openxmlformats.org/officeDocument/2006/relationships" xmlns:p="http://schemas.openxmlformats.org/presentationml/2006/main">
+  <p:cSld>
+    <p:spTree>
+      <p:nvGrpSpPr>
+        <p:cNvPr id="1" name=""/>
+        <p:cNvGrpSpPr/>
+        <p:nvPr/>
+      </p:nvGrpSpPr>
+      <p:grpSpPr>
+        <a:xfrm>
+          <a:off x="0" y="0"/>
+          <a:ext cx="0" cy="0"/>
+          <a:chOff x="0" y="0"/>
+          <a:chExt cx="0" cy="0"/>
+        </a:xfrm>
+      </p:grpSpPr>
+      <p:sp>
+        <p:nvSpPr>
+          <p:cNvPr id="2" name="Title 1"/>
+          <p:cNvSpPr>
+            <a:spLocks noGrp="1"/>
+          </p:cNvSpPr>
+          <p:nvPr>
+            <p:ph type="title"/>
+          </p:nvPr>
+        </p:nvSpPr>
+        <p:spPr/>
+        <p:txBody>
+          <a:bodyPr/>
+          <a:lstStyle/>
+          <a:p>
+            <a:r>
+              <a:rPr lang="en-US" dirty="0"/>
+              <a:t>Demo</a:t>
+            </a:r>
+          </a:p>
+        </p:txBody>
+      </p:sp>
+      <p:sp>
+        <p:nvSpPr>
+          <p:cNvPr id="3" name="Content Placeholder 2"/>
+          <p:cNvSpPr>
+            <a:spLocks noGrp="1"/>
+          </p:cNvSpPr>
+          <p:nvPr>
+            <p:ph idx="1"/>
+          </p:nvPr>
+        </p:nvSpPr>
+        <p:spPr/>
+        <p:txBody>
+          <a:bodyPr/>
+          <a:lstStyle/>
+          <a:p>
+            <a:pPr marL="0" indent="0">
+              <a:buNone/>
+            </a:pPr>
+            <a:r>
+              <a:rPr lang="en-US" dirty="0"/>
+              <a:t>DBCC LOGINFO</a:t>
+            </a:r>
+          </a:p>
+        </p:txBody>
+      </p:sp>
+      <p:pic>
+        <p:nvPicPr>
+          <p:cNvPr id="4" name="Picture 3"/>
+          <p:cNvPicPr>
+            <a:picLocks noChangeAspect="1"/>
+          </p:cNvPicPr>
+          <p:nvPr/>
+        </p:nvPicPr>
+        <p:blipFill>
+          <a:blip r:embed="rId2"/>
+          <a:stretch>
+            <a:fillRect/>
+          </a:stretch>
+        </p:blipFill>
+        <p:spPr>
+          <a:xfrm>
+            <a:off x="763071" y="1653000"/>
+            <a:ext cx="7617858" cy="3552000"/>
+          </a:xfrm>
+          <a:prstGeom prst="rect">
+            <a:avLst/>
+          </a:prstGeom>
+        </p:spPr>
+      </p:pic>
+    </p:spTree>
+    <p:extLst>
+      <p:ext uri="{BB962C8B-B14F-4D97-AF65-F5344CB8AC3E}">
+        <p14:creationId xmlns:p14="http://schemas.microsoft.com/office/powerpoint/2010/main" val="4134537087"/>
+      </p:ext>
+    </p:extLst>
+  </p:cSld>
+  <p:clrMapOvr>
+    <a:masterClrMapping/>
+  </p:clrMapOvr>
+</p:sld>
+</file>
+
+<file path=ppt/slides/slide26.xml><?xml version="1.0" encoding="utf-8"?>
+<p:sld xmlns:a="http://schemas.openxmlformats.org/drawingml/2006/main" xmlns:r="http://schemas.openxmlformats.org/officeDocument/2006/relationships" xmlns:p="http://schemas.openxmlformats.org/presentationml/2006/main">
+  <p:cSld>
+    <p:spTree>
+      <p:nvGrpSpPr>
+        <p:cNvPr id="1" name=""/>
+        <p:cNvGrpSpPr/>
+        <p:nvPr/>
+      </p:nvGrpSpPr>
+      <p:grpSpPr>
+        <a:xfrm>
+          <a:off x="0" y="0"/>
+          <a:ext cx="0" cy="0"/>
+          <a:chOff x="0" y="0"/>
+          <a:chExt cx="0" cy="0"/>
+        </a:xfrm>
+      </p:grpSpPr>
+      <p:sp>
+        <p:nvSpPr>
+          <p:cNvPr id="2" name="Title 1"/>
+          <p:cNvSpPr>
+            <a:spLocks noGrp="1"/>
+          </p:cNvSpPr>
+          <p:nvPr>
+            <p:ph type="title"/>
+          </p:nvPr>
+        </p:nvSpPr>
+        <p:spPr/>
+        <p:txBody>
+          <a:bodyPr/>
+          <a:lstStyle/>
+          <a:p>
+            <a:r>
+              <a:rPr lang="en-US" dirty="0" err="1"/>
+              <a:t>fn_dblog</a:t>
+            </a:r>
+            <a:r>
+              <a:rPr lang="en-US" dirty="0"/>
+              <a:t>(</a:t>
+            </a:r>
+            <a:r>
+              <a:rPr lang="en-US" dirty="0" err="1"/>
+              <a:t>start_lsn</a:t>
+            </a:r>
+            <a:r>
+              <a:rPr lang="en-US" dirty="0"/>
+              <a:t>, </a:t>
+            </a:r>
+            <a:r>
+              <a:rPr lang="en-US" dirty="0" err="1"/>
+              <a:t>end_lsn</a:t>
+            </a:r>
+            <a:r>
+              <a:rPr lang="en-US" dirty="0"/>
+              <a:t>)</a:t>
+            </a:r>
+          </a:p>
+        </p:txBody>
+      </p:sp>
+      <p:sp>
+        <p:nvSpPr>
+          <p:cNvPr id="3" name="Content Placeholder 2"/>
+          <p:cNvSpPr>
+            <a:spLocks noGrp="1"/>
+          </p:cNvSpPr>
+          <p:nvPr>
+            <p:ph idx="1"/>
+          </p:nvPr>
+        </p:nvSpPr>
+        <p:spPr>
+          <a:xfrm>
+            <a:off x="457200" y="1397001"/>
+            <a:ext cx="8229600" cy="704850"/>
+          </a:xfrm>
+        </p:spPr>
+        <p:txBody>
+          <a:bodyPr/>
+          <a:lstStyle/>
+          <a:p>
+            <a:pPr marL="0" indent="0">
+              <a:buNone/>
+            </a:pPr>
+            <a:r>
+              <a:rPr lang="en-US" dirty="0"/>
+              <a:t>Returns one row per log record</a:t>
+            </a:r>
+          </a:p>
+        </p:txBody>
+      </p:sp>
+      <p:pic>
+        <p:nvPicPr>
+          <p:cNvPr id="4" name="Picture 3"/>
+          <p:cNvPicPr>
+            <a:picLocks noChangeAspect="1"/>
+          </p:cNvPicPr>
+          <p:nvPr/>
+        </p:nvPicPr>
+        <p:blipFill>
+          <a:blip r:embed="rId2"/>
+          <a:stretch>
+            <a:fillRect/>
+          </a:stretch>
+        </p:blipFill>
+        <p:spPr>
+          <a:xfrm>
+            <a:off x="457200" y="2025651"/>
+            <a:ext cx="7962900" cy="4032860"/>
+          </a:xfrm>
+          <a:prstGeom prst="rect">
+            <a:avLst/>
+          </a:prstGeom>
+        </p:spPr>
+      </p:pic>
+    </p:spTree>
+    <p:extLst>
+      <p:ext uri="{BB962C8B-B14F-4D97-AF65-F5344CB8AC3E}">
+        <p14:creationId xmlns:p14="http://schemas.microsoft.com/office/powerpoint/2010/main" val="2370315233"/>
+      </p:ext>
+    </p:extLst>
+  </p:cSld>
+  <p:clrMapOvr>
+    <a:masterClrMapping/>
+  </p:clrMapOvr>
+</p:sld>
+</file>
+
+<file path=ppt/slides/slide27.xml><?xml version="1.0" encoding="utf-8"?>
+<p:sld xmlns:a="http://schemas.openxmlformats.org/drawingml/2006/main" xmlns:r="http://schemas.openxmlformats.org/officeDocument/2006/relationships" xmlns:p="http://schemas.openxmlformats.org/presentationml/2006/main">
+  <p:cSld>
+    <p:spTree>
+      <p:nvGrpSpPr>
+        <p:cNvPr id="1" name=""/>
+        <p:cNvGrpSpPr/>
+        <p:nvPr/>
+      </p:nvGrpSpPr>
+      <p:grpSpPr>
+        <a:xfrm>
+          <a:off x="0" y="0"/>
+          <a:ext cx="0" cy="0"/>
+          <a:chOff x="0" y="0"/>
+          <a:chExt cx="0" cy="0"/>
+        </a:xfrm>
+      </p:grpSpPr>
+      <p:sp>
+        <p:nvSpPr>
+          <p:cNvPr id="2" name="Title 1"/>
+          <p:cNvSpPr>
+            <a:spLocks noGrp="1"/>
+          </p:cNvSpPr>
+          <p:nvPr>
+            <p:ph type="title"/>
+          </p:nvPr>
+        </p:nvSpPr>
+        <p:spPr/>
+        <p:txBody>
+          <a:bodyPr/>
+          <a:lstStyle/>
+          <a:p>
+            <a:r>
+              <a:rPr lang="en-US" dirty="0"/>
+              <a:t>Demo</a:t>
+            </a:r>
+          </a:p>
+        </p:txBody>
+      </p:sp>
+      <p:sp>
+        <p:nvSpPr>
+          <p:cNvPr id="3" name="Content Placeholder 2"/>
+          <p:cNvSpPr>
+            <a:spLocks noGrp="1"/>
+          </p:cNvSpPr>
+          <p:nvPr>
+            <p:ph idx="1"/>
+          </p:nvPr>
+        </p:nvSpPr>
+        <p:spPr/>
+        <p:txBody>
+          <a:bodyPr/>
+          <a:lstStyle/>
+          <a:p>
+            <a:pPr marL="0" indent="0">
+              <a:buNone/>
+            </a:pPr>
+            <a:r>
+              <a:rPr lang="en-US" dirty="0" err="1"/>
+              <a:t>fn_dblog</a:t>
+            </a:r>
+            <a:endParaRPr lang="en-US" dirty="0"/>
+          </a:p>
+        </p:txBody>
+      </p:sp>
+      <p:pic>
+        <p:nvPicPr>
+          <p:cNvPr id="4" name="Picture 3"/>
+          <p:cNvPicPr>
+            <a:picLocks noChangeAspect="1"/>
+          </p:cNvPicPr>
+          <p:nvPr/>
+        </p:nvPicPr>
+        <p:blipFill>
+          <a:blip r:embed="rId2"/>
+          <a:stretch>
+            <a:fillRect/>
+          </a:stretch>
+        </p:blipFill>
+        <p:spPr>
+          <a:xfrm>
+            <a:off x="763071" y="1653000"/>
+            <a:ext cx="7617858" cy="3552000"/>
+          </a:xfrm>
+          <a:prstGeom prst="rect">
+            <a:avLst/>
+          </a:prstGeom>
+        </p:spPr>
+      </p:pic>
+    </p:spTree>
+    <p:extLst>
+      <p:ext uri="{BB962C8B-B14F-4D97-AF65-F5344CB8AC3E}">
+        <p14:creationId xmlns:p14="http://schemas.microsoft.com/office/powerpoint/2010/main" val="2250290301"/>
+      </p:ext>
+    </p:extLst>
+  </p:cSld>
+  <p:clrMapOvr>
+    <a:masterClrMapping/>
+  </p:clrMapOvr>
+</p:sld>
+</file>
+
+<file path=ppt/slides/slide28.xml><?xml version="1.0" encoding="utf-8"?>
+<p:sld xmlns:a="http://schemas.openxmlformats.org/drawingml/2006/main" xmlns:r="http://schemas.openxmlformats.org/officeDocument/2006/relationships" xmlns:p="http://schemas.openxmlformats.org/presentationml/2006/main">
+  <p:cSld>
+    <p:spTree>
+      <p:nvGrpSpPr>
+        <p:cNvPr id="1" name=""/>
+        <p:cNvGrpSpPr/>
+        <p:nvPr/>
+      </p:nvGrpSpPr>
+      <p:grpSpPr>
+        <a:xfrm>
+          <a:off x="0" y="0"/>
+          <a:ext cx="0" cy="0"/>
+          <a:chOff x="0" y="0"/>
+          <a:chExt cx="0" cy="0"/>
+        </a:xfrm>
+      </p:grpSpPr>
+      <p:sp>
+        <p:nvSpPr>
+          <p:cNvPr id="2" name="Title 1"/>
+          <p:cNvSpPr>
+            <a:spLocks noGrp="1"/>
+          </p:cNvSpPr>
+          <p:nvPr>
+            <p:ph type="title"/>
+          </p:nvPr>
+        </p:nvSpPr>
+        <p:spPr/>
+        <p:txBody>
+          <a:bodyPr/>
+          <a:lstStyle/>
+          <a:p>
+            <a:r>
+              <a:rPr lang="en-US" dirty="0"/>
+              <a:t>Related commands/function</a:t>
+            </a:r>
+          </a:p>
+        </p:txBody>
+      </p:sp>
+      <p:sp>
+        <p:nvSpPr>
+          <p:cNvPr id="3" name="Content Placeholder 2"/>
+          <p:cNvSpPr>
+            <a:spLocks noGrp="1"/>
+          </p:cNvSpPr>
+          <p:nvPr>
+            <p:ph idx="1"/>
+          </p:nvPr>
+        </p:nvSpPr>
+        <p:spPr/>
+        <p:txBody>
+          <a:bodyPr/>
+          <a:lstStyle/>
+          <a:p>
+            <a:r>
+              <a:rPr lang="en-US" dirty="0"/>
+              <a:t>DBCC SQLPERF(LOGSPACE)</a:t>
+            </a:r>
+          </a:p>
+          <a:p>
+            <a:pPr lvl="1"/>
+            <a:r>
+              <a:rPr lang="en-US" dirty="0"/>
+              <a:t>Log size, percent used per database</a:t>
+            </a:r>
+          </a:p>
+          <a:p>
+            <a:r>
+              <a:rPr lang="en-US" dirty="0" err="1"/>
+              <a:t>fn_dump_dblog</a:t>
+            </a:r>
+            <a:endParaRPr lang="en-US" dirty="0"/>
+          </a:p>
+          <a:p>
+            <a:pPr lvl="1"/>
+            <a:r>
+              <a:rPr lang="en-US" dirty="0"/>
+              <a:t>Similar to </a:t>
+            </a:r>
+            <a:r>
+              <a:rPr lang="en-US" dirty="0" err="1"/>
+              <a:t>fn_dblog</a:t>
+            </a:r>
+            <a:r>
+              <a:rPr lang="en-US" dirty="0"/>
+              <a:t>, but reads </a:t>
+            </a:r>
+            <a:r>
+              <a:rPr lang="en-US"/>
+              <a:t>from backup file</a:t>
+            </a:r>
+            <a:endParaRPr lang="en-US" dirty="0"/>
+          </a:p>
+        </p:txBody>
+      </p:sp>
+    </p:spTree>
+    <p:extLst>
+      <p:ext uri="{BB962C8B-B14F-4D97-AF65-F5344CB8AC3E}">
+        <p14:creationId xmlns:p14="http://schemas.microsoft.com/office/powerpoint/2010/main" val="961231621"/>
+      </p:ext>
+    </p:extLst>
+  </p:cSld>
+  <p:clrMapOvr>
+    <a:masterClrMapping/>
+  </p:clrMapOvr>
+</p:sld>
+</file>
+
+<file path=ppt/slides/slide29.xml><?xml version="1.0" encoding="utf-8"?>
+<p:sld xmlns:a="http://schemas.openxmlformats.org/drawingml/2006/main" xmlns:r="http://schemas.openxmlformats.org/officeDocument/2006/relationships" xmlns:p="http://schemas.openxmlformats.org/presentationml/2006/main">
+  <p:cSld>
+    <p:spTree>
+      <p:nvGrpSpPr>
+        <p:cNvPr id="1" name=""/>
+        <p:cNvGrpSpPr/>
+        <p:nvPr/>
+      </p:nvGrpSpPr>
+      <p:grpSpPr>
+        <a:xfrm>
+          <a:off x="0" y="0"/>
+          <a:ext cx="0" cy="0"/>
+          <a:chOff x="0" y="0"/>
+          <a:chExt cx="0" cy="0"/>
+        </a:xfrm>
+      </p:grpSpPr>
+      <p:sp>
+        <p:nvSpPr>
+          <p:cNvPr id="2" name="Title 1"/>
+          <p:cNvSpPr>
+            <a:spLocks noGrp="1"/>
+          </p:cNvSpPr>
+          <p:nvPr>
+            <p:ph type="title"/>
+          </p:nvPr>
+        </p:nvSpPr>
+        <p:spPr/>
+        <p:txBody>
+          <a:bodyPr/>
+          <a:lstStyle/>
+          <a:p>
+            <a:r>
+              <a:rPr lang="en-US" dirty="0"/>
+              <a:t>Checkpoint</a:t>
+            </a:r>
+          </a:p>
+        </p:txBody>
+      </p:sp>
+      <p:sp>
+        <p:nvSpPr>
+          <p:cNvPr id="3" name="Content Placeholder 2"/>
+          <p:cNvSpPr>
+            <a:spLocks noGrp="1"/>
+          </p:cNvSpPr>
+          <p:nvPr>
+            <p:ph idx="1"/>
+          </p:nvPr>
+        </p:nvSpPr>
+        <p:spPr/>
+        <p:txBody>
+          <a:bodyPr/>
+          <a:lstStyle/>
+          <a:p>
+            <a:r>
+              <a:rPr lang="en-US" dirty="0"/>
+              <a:t>Process of writing dirty pages from the buffer pool to disk</a:t>
+            </a:r>
+          </a:p>
+          <a:p>
+            <a:pPr lvl="1"/>
+            <a:r>
+              <a:rPr lang="en-US" dirty="0"/>
+              <a:t>Irrespective of transaction completion</a:t>
+            </a:r>
+          </a:p>
+          <a:p>
+            <a:pPr marL="0" indent="0">
+              <a:buNone/>
+            </a:pPr>
+            <a:endParaRPr lang="en-US" dirty="0"/>
+          </a:p>
+        </p:txBody>
+      </p:sp>
+    </p:spTree>
+    <p:extLst>
+      <p:ext uri="{BB962C8B-B14F-4D97-AF65-F5344CB8AC3E}">
+        <p14:creationId xmlns:p14="http://schemas.microsoft.com/office/powerpoint/2010/main" val="998445908"/>
+      </p:ext>
+    </p:extLst>
+  </p:cSld>
+  <p:clrMapOvr>
+    <a:masterClrMapping/>
+  </p:clrMapOvr>
+</p:sld>
+</file>
+
+<file path=ppt/slides/slide3.xml><?xml version="1.0" encoding="utf-8"?>
+<p:sld xmlns:a="http://schemas.openxmlformats.org/drawingml/2006/main" xmlns:r="http://schemas.openxmlformats.org/officeDocument/2006/relationships" xmlns:p="http://schemas.openxmlformats.org/presentationml/2006/main">
+  <p:cSld>
+    <p:spTree>
+      <p:nvGrpSpPr>
+        <p:cNvPr id="1" name=""/>
+        <p:cNvGrpSpPr/>
+        <p:nvPr/>
+      </p:nvGrpSpPr>
+      <p:grpSpPr>
+        <a:xfrm>
+          <a:off x="0" y="0"/>
+          <a:ext cx="0" cy="0"/>
+          <a:chOff x="0" y="0"/>
+          <a:chExt cx="0" cy="0"/>
+        </a:xfrm>
+      </p:grpSpPr>
+      <p:sp>
+        <p:nvSpPr>
+          <p:cNvPr id="2" name="Title 1"/>
+          <p:cNvSpPr>
+            <a:spLocks noGrp="1"/>
+          </p:cNvSpPr>
+          <p:nvPr>
+            <p:ph type="title"/>
+          </p:nvPr>
+        </p:nvSpPr>
+        <p:spPr/>
+        <p:txBody>
+          <a:bodyPr/>
+          <a:lstStyle/>
+          <a:p>
+            <a:r>
+              <a:rPr lang="en-US" dirty="0"/>
+              <a:t>Agenda</a:t>
+            </a:r>
+          </a:p>
+        </p:txBody>
+      </p:sp>
+      <p:sp>
+        <p:nvSpPr>
+          <p:cNvPr id="3" name="Content Placeholder 2"/>
+          <p:cNvSpPr>
+            <a:spLocks noGrp="1"/>
+          </p:cNvSpPr>
+          <p:nvPr>
+            <p:ph idx="1"/>
+          </p:nvPr>
+        </p:nvSpPr>
+        <p:spPr/>
+        <p:txBody>
+          <a:bodyPr/>
+          <a:lstStyle/>
+          <a:p>
+            <a:r>
+              <a:rPr lang="en-US" dirty="0"/>
+              <a:t>Purpose of the transaction log</a:t>
+            </a:r>
+          </a:p>
+          <a:p>
+            <a:r>
+              <a:rPr lang="en-US" dirty="0"/>
+              <a:t>Organization of the transaction log</a:t>
+            </a:r>
+          </a:p>
+          <a:p>
+            <a:r>
+              <a:rPr lang="en-US" dirty="0"/>
+              <a:t>Flushing &amp; clearing the log / checkpoints</a:t>
+            </a:r>
+          </a:p>
+          <a:p>
+            <a:r>
+              <a:rPr lang="en-US" dirty="0"/>
+              <a:t>Rollback operations</a:t>
+            </a:r>
+          </a:p>
+          <a:p>
+            <a:r>
+              <a:rPr lang="en-US" dirty="0"/>
+              <a:t>VLF fragmentation</a:t>
+            </a:r>
+          </a:p>
+          <a:p>
+            <a:r>
+              <a:rPr lang="en-US" dirty="0"/>
+              <a:t>Log monitoring</a:t>
+            </a:r>
+          </a:p>
+        </p:txBody>
+      </p:sp>
+    </p:spTree>
+    <p:extLst>
+      <p:ext uri="{BB962C8B-B14F-4D97-AF65-F5344CB8AC3E}">
+        <p14:creationId xmlns:p14="http://schemas.microsoft.com/office/powerpoint/2010/main" val="1097259878"/>
+      </p:ext>
+    </p:extLst>
+  </p:cSld>
+  <p:clrMapOvr>
+    <a:masterClrMapping/>
+  </p:clrMapOvr>
+</p:sld>
+</file>
+
 <file path=ppt/slides/slide30.xml><?xml version="1.0" encoding="utf-8"?>
 <p:sld xmlns:a="http://schemas.openxmlformats.org/drawingml/2006/main" xmlns:r="http://schemas.openxmlformats.org/officeDocument/2006/relationships" xmlns:p="http://schemas.openxmlformats.org/presentationml/2006/main">
   <p:cSld>
@@ -9069,7 +9047,7 @@
           <a:p>
             <a:r>
               <a:rPr lang="en-US" dirty="0"/>
-              <a:t>Checkpoint</a:t>
+              <a:t>Checkpoint Types</a:t>
             </a:r>
           </a:p>
         </p:txBody>
@@ -9086,19 +9064,165 @@
         </p:nvSpPr>
         <p:spPr/>
         <p:txBody>
-          <a:bodyPr/>
+          <a:bodyPr>
+            <a:normAutofit fontScale="85000" lnSpcReduction="10000"/>
+          </a:bodyPr>
           <a:lstStyle/>
           <a:p>
             <a:r>
               <a:rPr lang="en-US" dirty="0"/>
-              <a:t>Process of writing dirty pages from the buffer pool to disk</a:t>
+              <a:t>Automatic</a:t>
             </a:r>
           </a:p>
           <a:p>
             <a:pPr lvl="1"/>
             <a:r>
               <a:rPr lang="en-US" dirty="0"/>
-              <a:t>Irrespective of transaction completion</a:t>
+              <a:t>Period background thread</a:t>
+            </a:r>
+          </a:p>
+          <a:p>
+            <a:pPr lvl="1"/>
+            <a:r>
+              <a:rPr lang="en-US" dirty="0"/>
+              <a:t>Instance-wide [</a:t>
+            </a:r>
+            <a:r>
+              <a:rPr lang="en-US" sz="1700" dirty="0" err="1">
+                <a:latin typeface="Courier New" panose="02070309020205020404" pitchFamily="49" charset="0"/>
+                <a:cs typeface="Courier New" panose="02070309020205020404" pitchFamily="49" charset="0"/>
+              </a:rPr>
+              <a:t>sp_configure</a:t>
+            </a:r>
+            <a:r>
+              <a:rPr lang="en-US" sz="1700" dirty="0">
+                <a:latin typeface="Courier New" panose="02070309020205020404" pitchFamily="49" charset="0"/>
+                <a:cs typeface="Courier New" panose="02070309020205020404" pitchFamily="49" charset="0"/>
+              </a:rPr>
+              <a:t> </a:t>
+            </a:r>
+            <a:r>
+              <a:rPr lang="en-US" sz="1800" dirty="0"/>
+              <a:t>'</a:t>
+            </a:r>
+            <a:r>
+              <a:rPr lang="en-US" sz="1700" dirty="0">
+                <a:latin typeface="Courier New" panose="02070309020205020404" pitchFamily="49" charset="0"/>
+                <a:cs typeface="Courier New" panose="02070309020205020404" pitchFamily="49" charset="0"/>
+              </a:rPr>
+              <a:t>recovery interval (min)</a:t>
+            </a:r>
+            <a:r>
+              <a:rPr lang="en-US" sz="1600" dirty="0"/>
+              <a:t>'</a:t>
+            </a:r>
+            <a:r>
+              <a:rPr lang="en-US" sz="1700" dirty="0">
+                <a:latin typeface="Courier New" panose="02070309020205020404" pitchFamily="49" charset="0"/>
+                <a:cs typeface="Courier New" panose="02070309020205020404" pitchFamily="49" charset="0"/>
+              </a:rPr>
+              <a:t>, 2</a:t>
+            </a:r>
+            <a:r>
+              <a:rPr lang="en-US" dirty="0"/>
+              <a:t>]</a:t>
+            </a:r>
+          </a:p>
+          <a:p>
+            <a:r>
+              <a:rPr lang="en-US" dirty="0"/>
+              <a:t>Indirect (2012+)</a:t>
+            </a:r>
+          </a:p>
+          <a:p>
+            <a:pPr lvl="1"/>
+            <a:r>
+              <a:rPr lang="en-US" dirty="0"/>
+              <a:t>Database-specific</a:t>
+            </a:r>
+          </a:p>
+          <a:p>
+            <a:pPr lvl="1"/>
+            <a:r>
+              <a:rPr lang="en-US" dirty="0"/>
+              <a:t>[</a:t>
+            </a:r>
+            <a:r>
+              <a:rPr lang="en-US" sz="1700" dirty="0">
+                <a:latin typeface="Courier New" panose="02070309020205020404" pitchFamily="49" charset="0"/>
+                <a:cs typeface="Courier New" panose="02070309020205020404" pitchFamily="49" charset="0"/>
+              </a:rPr>
+              <a:t>alter database </a:t>
+            </a:r>
+            <a:r>
+              <a:rPr lang="en-US" sz="1700" dirty="0" err="1">
+                <a:latin typeface="Courier New" panose="02070309020205020404" pitchFamily="49" charset="0"/>
+                <a:cs typeface="Courier New" panose="02070309020205020404" pitchFamily="49" charset="0"/>
+              </a:rPr>
+              <a:t>myDB</a:t>
+            </a:r>
+            <a:r>
+              <a:rPr lang="en-US" sz="1700" dirty="0">
+                <a:latin typeface="Courier New" panose="02070309020205020404" pitchFamily="49" charset="0"/>
+                <a:cs typeface="Courier New" panose="02070309020205020404" pitchFamily="49" charset="0"/>
+              </a:rPr>
+              <a:t> set </a:t>
+            </a:r>
+            <a:r>
+              <a:rPr lang="en-US" sz="1700" dirty="0" err="1">
+                <a:latin typeface="Courier New" panose="02070309020205020404" pitchFamily="49" charset="0"/>
+                <a:cs typeface="Courier New" panose="02070309020205020404" pitchFamily="49" charset="0"/>
+              </a:rPr>
+              <a:t>target_recovery_time</a:t>
+            </a:r>
+            <a:r>
+              <a:rPr lang="en-US" sz="1700" dirty="0">
+                <a:latin typeface="Courier New" panose="02070309020205020404" pitchFamily="49" charset="0"/>
+                <a:cs typeface="Courier New" panose="02070309020205020404" pitchFamily="49" charset="0"/>
+              </a:rPr>
+              <a:t> = 2 minutes</a:t>
+            </a:r>
+            <a:r>
+              <a:rPr lang="en-US" dirty="0"/>
+              <a:t>]</a:t>
+            </a:r>
+          </a:p>
+          <a:p>
+            <a:pPr lvl="1"/>
+            <a:r>
+              <a:rPr lang="en-US" dirty="0"/>
+              <a:t>Off by default in 2012, 2014; on </a:t>
+            </a:r>
+            <a:r>
+              <a:rPr lang="en-US"/>
+              <a:t>by default in 2016</a:t>
+            </a:r>
+            <a:endParaRPr lang="en-US" dirty="0"/>
+          </a:p>
+          <a:p>
+            <a:r>
+              <a:rPr lang="en-US" dirty="0"/>
+              <a:t>Internal</a:t>
+            </a:r>
+          </a:p>
+          <a:p>
+            <a:pPr lvl="1"/>
+            <a:r>
+              <a:rPr lang="en-US" dirty="0"/>
+              <a:t>During operations such as backup, snapshots, shutdown</a:t>
+            </a:r>
+          </a:p>
+          <a:p>
+            <a:r>
+              <a:rPr lang="en-US" dirty="0"/>
+              <a:t>Manual</a:t>
+            </a:r>
+          </a:p>
+          <a:p>
+            <a:pPr lvl="1"/>
+            <a:r>
+              <a:rPr lang="en-US" dirty="0"/>
+              <a:t>CHECKPOINT command</a:t>
             </a:r>
           </a:p>
           <a:p>
@@ -9112,7 +9236,7 @@
     </p:spTree>
     <p:extLst>
       <p:ext uri="{BB962C8B-B14F-4D97-AF65-F5344CB8AC3E}">
-        <p14:creationId xmlns:p14="http://schemas.microsoft.com/office/powerpoint/2010/main" val="998445908"/>
+        <p14:creationId xmlns:p14="http://schemas.microsoft.com/office/powerpoint/2010/main" val="2925193969"/>
       </p:ext>
     </p:extLst>
   </p:cSld>
@@ -9156,7 +9280,7 @@
           <a:p>
             <a:r>
               <a:rPr lang="en-US" dirty="0"/>
-              <a:t>Checkpoint Types</a:t>
+              <a:t>Checkpoint Process</a:t>
             </a:r>
           </a:p>
         </p:txBody>
@@ -9173,179 +9297,79 @@
         </p:nvSpPr>
         <p:spPr/>
         <p:txBody>
-          <a:bodyPr>
-            <a:normAutofit fontScale="85000" lnSpcReduction="10000"/>
-          </a:bodyPr>
+          <a:bodyPr/>
           <a:lstStyle/>
           <a:p>
             <a:r>
-              <a:rPr lang="en-US" dirty="0"/>
-              <a:t>Automatic</a:t>
+              <a:rPr lang="en-US" dirty="0">
+                <a:solidFill>
+                  <a:schemeClr val="accent1">
+                    <a:lumMod val="60000"/>
+                    <a:lumOff val="40000"/>
+                  </a:schemeClr>
+                </a:solidFill>
+              </a:rPr>
+              <a:t>Write to log: checkpoint start</a:t>
             </a:r>
           </a:p>
           <a:p>
             <a:pPr lvl="1"/>
             <a:r>
               <a:rPr lang="en-US" dirty="0"/>
-              <a:t>Period background thread</a:t>
+              <a:t>Also info about any uncommitted transactions</a:t>
             </a:r>
           </a:p>
           <a:p>
             <a:pPr lvl="1"/>
             <a:r>
               <a:rPr lang="en-US" dirty="0"/>
-              <a:t>Instance-wide [</a:t>
-            </a:r>
-            <a:r>
-              <a:rPr lang="en-US" sz="1700" dirty="0" err="1">
-                <a:latin typeface="Courier New" panose="02070309020205020404" pitchFamily="49" charset="0"/>
-                <a:cs typeface="Courier New" panose="02070309020205020404" pitchFamily="49" charset="0"/>
+              <a:t>Flush the log</a:t>
+            </a:r>
+          </a:p>
+          <a:p>
+            <a:r>
+              <a:rPr lang="en-US" dirty="0"/>
+              <a:t>Identify dirty pages; write to disk</a:t>
+            </a:r>
+          </a:p>
+          <a:p>
+            <a:r>
+              <a:rPr lang="en-US" dirty="0">
+                <a:solidFill>
+                  <a:schemeClr val="accent1">
+                    <a:lumMod val="60000"/>
+                    <a:lumOff val="40000"/>
+                  </a:schemeClr>
+                </a:solidFill>
               </a:rPr>
-              <a:t>sp_configure</a:t>
-            </a:r>
-            <a:r>
-              <a:rPr lang="en-US" sz="1700" dirty="0">
-                <a:latin typeface="Courier New" panose="02070309020205020404" pitchFamily="49" charset="0"/>
-                <a:cs typeface="Courier New" panose="02070309020205020404" pitchFamily="49" charset="0"/>
+              <a:t>Update boot page with LSN corresponding to checkpoint start</a:t>
+            </a:r>
+          </a:p>
+          <a:p>
+            <a:r>
+              <a:rPr lang="en-US" dirty="0"/>
+              <a:t>(If SIMPLE recovery) clear the log</a:t>
+            </a:r>
+          </a:p>
+          <a:p>
+            <a:r>
+              <a:rPr lang="en-US" dirty="0">
+                <a:solidFill>
+                  <a:schemeClr val="accent1">
+                    <a:lumMod val="60000"/>
+                    <a:lumOff val="40000"/>
+                  </a:schemeClr>
+                </a:solidFill>
               </a:rPr>
-              <a:t> </a:t>
-            </a:r>
-            <a:r>
-              <a:rPr lang="en-US" sz="1800" dirty="0"/>
-              <a:t>'</a:t>
-            </a:r>
-            <a:r>
-              <a:rPr lang="en-US" sz="1700" dirty="0">
-                <a:latin typeface="Courier New" panose="02070309020205020404" pitchFamily="49" charset="0"/>
-                <a:cs typeface="Courier New" panose="02070309020205020404" pitchFamily="49" charset="0"/>
-              </a:rPr>
-              <a:t>recovery interval (min)</a:t>
-            </a:r>
-            <a:r>
-              <a:rPr lang="en-US" sz="1600" dirty="0"/>
-              <a:t>'</a:t>
-            </a:r>
-            <a:r>
-              <a:rPr lang="en-US" sz="1700" dirty="0">
-                <a:latin typeface="Courier New" panose="02070309020205020404" pitchFamily="49" charset="0"/>
-                <a:cs typeface="Courier New" panose="02070309020205020404" pitchFamily="49" charset="0"/>
-              </a:rPr>
-              <a:t>, 2</a:t>
-            </a:r>
-            <a:r>
-              <a:rPr lang="en-US" dirty="0"/>
-              <a:t>]</a:t>
-            </a:r>
-          </a:p>
-          <a:p>
-            <a:r>
-              <a:rPr lang="en-US" dirty="0"/>
-              <a:t>Indirect (2012+)</a:t>
-            </a:r>
-          </a:p>
-          <a:p>
-            <a:pPr lvl="1"/>
-            <a:r>
-              <a:rPr lang="en-US" dirty="0"/>
-              <a:t>Database-specific</a:t>
-            </a:r>
-          </a:p>
-          <a:p>
-            <a:pPr lvl="1"/>
-            <a:r>
-              <a:rPr lang="en-US" dirty="0"/>
-              <a:t>[</a:t>
-            </a:r>
-            <a:r>
-              <a:rPr lang="en-US" sz="1700" dirty="0">
-                <a:latin typeface="Courier New" panose="02070309020205020404" pitchFamily="49" charset="0"/>
-                <a:cs typeface="Courier New" panose="02070309020205020404" pitchFamily="49" charset="0"/>
-              </a:rPr>
-              <a:t>alter database </a:t>
-            </a:r>
-            <a:r>
-              <a:rPr lang="en-US" sz="1700" dirty="0" err="1">
-                <a:latin typeface="Courier New" panose="02070309020205020404" pitchFamily="49" charset="0"/>
-                <a:cs typeface="Courier New" panose="02070309020205020404" pitchFamily="49" charset="0"/>
-              </a:rPr>
-              <a:t>myDB</a:t>
-            </a:r>
-            <a:r>
-              <a:rPr lang="en-US" sz="1700" dirty="0">
-                <a:latin typeface="Courier New" panose="02070309020205020404" pitchFamily="49" charset="0"/>
-                <a:cs typeface="Courier New" panose="02070309020205020404" pitchFamily="49" charset="0"/>
-              </a:rPr>
-              <a:t> set </a:t>
-            </a:r>
-            <a:r>
-              <a:rPr lang="en-US" sz="1700" dirty="0" err="1">
-                <a:latin typeface="Courier New" panose="02070309020205020404" pitchFamily="49" charset="0"/>
-                <a:cs typeface="Courier New" panose="02070309020205020404" pitchFamily="49" charset="0"/>
-              </a:rPr>
-              <a:t>target_recovery_time</a:t>
-            </a:r>
-            <a:r>
-              <a:rPr lang="en-US" sz="1700" dirty="0">
-                <a:latin typeface="Courier New" panose="02070309020205020404" pitchFamily="49" charset="0"/>
-                <a:cs typeface="Courier New" panose="02070309020205020404" pitchFamily="49" charset="0"/>
-              </a:rPr>
-              <a:t> = 2 minutes</a:t>
-            </a:r>
-            <a:r>
-              <a:rPr lang="en-US" dirty="0" smtClean="0"/>
-              <a:t>]</a:t>
-            </a:r>
-          </a:p>
-          <a:p>
-            <a:pPr lvl="1"/>
-            <a:r>
-              <a:rPr lang="en-US" dirty="0" smtClean="0"/>
-              <a:t>Off by default in 2012, 2014; on </a:t>
-            </a:r>
-            <a:r>
-              <a:rPr lang="en-US" smtClean="0"/>
-              <a:t>by default in 2016</a:t>
-            </a:r>
-            <a:endParaRPr lang="en-US" dirty="0"/>
-          </a:p>
-          <a:p>
-            <a:r>
-              <a:rPr lang="en-US" dirty="0"/>
-              <a:t>Internal</a:t>
-            </a:r>
-          </a:p>
-          <a:p>
-            <a:pPr lvl="1"/>
-            <a:r>
-              <a:rPr lang="en-US" dirty="0"/>
-              <a:t>During operations such as backup, snapshots, shutdown</a:t>
-            </a:r>
-          </a:p>
-          <a:p>
-            <a:r>
-              <a:rPr lang="en-US" dirty="0"/>
-              <a:t>Manual</a:t>
-            </a:r>
-          </a:p>
-          <a:p>
-            <a:pPr lvl="1"/>
-            <a:r>
-              <a:rPr lang="en-US" dirty="0"/>
-              <a:t>CHECKPOINT command</a:t>
-            </a:r>
-          </a:p>
-          <a:p>
-            <a:pPr marL="0" indent="0">
-              <a:buNone/>
-            </a:pPr>
-            <a:endParaRPr lang="en-US" dirty="0"/>
+              <a:t>Write to log: checkpoint finish</a:t>
+            </a:r>
           </a:p>
         </p:txBody>
       </p:sp>
     </p:spTree>
     <p:extLst>
       <p:ext uri="{BB962C8B-B14F-4D97-AF65-F5344CB8AC3E}">
-        <p14:creationId xmlns:p14="http://schemas.microsoft.com/office/powerpoint/2010/main" val="2925193969"/>
+        <p14:creationId xmlns:p14="http://schemas.microsoft.com/office/powerpoint/2010/main" val="348943073"/>
       </p:ext>
     </p:extLst>
   </p:cSld>
@@ -9389,7 +9413,7 @@
           <a:p>
             <a:r>
               <a:rPr lang="en-US" dirty="0"/>
-              <a:t>Checkpoint Process</a:t>
+              <a:t>Flushing the Log</a:t>
             </a:r>
           </a:p>
         </p:txBody>
@@ -9410,144 +9434,50 @@
           <a:lstStyle/>
           <a:p>
             <a:r>
-              <a:rPr lang="en-US" dirty="0">
-                <a:solidFill>
-                  <a:schemeClr val="accent1">
-                    <a:lumMod val="60000"/>
-                    <a:lumOff val="40000"/>
-                  </a:schemeClr>
-                </a:solidFill>
-              </a:rPr>
-              <a:t>Write to </a:t>
-            </a:r>
-            <a:r>
-              <a:rPr lang="en-US" dirty="0" smtClean="0">
-                <a:solidFill>
-                  <a:schemeClr val="accent1">
-                    <a:lumMod val="60000"/>
-                    <a:lumOff val="40000"/>
-                  </a:schemeClr>
-                </a:solidFill>
-              </a:rPr>
-              <a:t>log: checkpoint start</a:t>
-            </a:r>
-            <a:endParaRPr lang="en-US" dirty="0">
-              <a:solidFill>
-                <a:schemeClr val="accent1">
-                  <a:lumMod val="60000"/>
-                  <a:lumOff val="40000"/>
-                </a:schemeClr>
-              </a:solidFill>
-            </a:endParaRPr>
+              <a:rPr lang="en-US" dirty="0"/>
+              <a:t>Flushing = closing a log block</a:t>
+            </a:r>
+          </a:p>
+          <a:p>
+            <a:r>
+              <a:rPr lang="en-US" dirty="0"/>
+              <a:t>Triggers</a:t>
+            </a:r>
           </a:p>
           <a:p>
             <a:pPr lvl="1"/>
             <a:r>
               <a:rPr lang="en-US" dirty="0"/>
-              <a:t>Also info about any uncommitted transactions</a:t>
+              <a:t>60K limit reached</a:t>
             </a:r>
           </a:p>
           <a:p>
             <a:pPr lvl="1"/>
             <a:r>
               <a:rPr lang="en-US" dirty="0"/>
-              <a:t>Flush the log</a:t>
-            </a:r>
-          </a:p>
-          <a:p>
-            <a:r>
-              <a:rPr lang="en-US" dirty="0"/>
-              <a:t>Identify dirty pages; write to disk</a:t>
-            </a:r>
-          </a:p>
-          <a:p>
-            <a:r>
-              <a:rPr lang="en-US" dirty="0">
-                <a:solidFill>
-                  <a:schemeClr val="accent1">
-                    <a:lumMod val="60000"/>
-                    <a:lumOff val="40000"/>
-                  </a:schemeClr>
-                </a:solidFill>
-              </a:rPr>
-              <a:t>Update boot page with </a:t>
-            </a:r>
-            <a:r>
-              <a:rPr lang="en-US" dirty="0" smtClean="0">
-                <a:solidFill>
-                  <a:schemeClr val="accent1">
-                    <a:lumMod val="60000"/>
-                    <a:lumOff val="40000"/>
-                  </a:schemeClr>
-                </a:solidFill>
-              </a:rPr>
-              <a:t>LSN </a:t>
-            </a:r>
-            <a:r>
-              <a:rPr lang="en-US" dirty="0">
-                <a:solidFill>
-                  <a:schemeClr val="accent1">
-                    <a:lumMod val="60000"/>
-                    <a:lumOff val="40000"/>
-                  </a:schemeClr>
-                </a:solidFill>
-              </a:rPr>
-              <a:t>corresponding to checkpoint start</a:t>
-            </a:r>
-          </a:p>
-          <a:p>
-            <a:r>
-              <a:rPr lang="en-US" dirty="0" smtClean="0"/>
-              <a:t>(If SIMPLE </a:t>
-            </a:r>
-            <a:r>
-              <a:rPr lang="en-US" dirty="0"/>
-              <a:t>recovery</a:t>
-            </a:r>
-            <a:r>
-              <a:rPr lang="en-US" dirty="0" smtClean="0"/>
-              <a:t>) clear the log</a:t>
-            </a:r>
-            <a:endParaRPr lang="en-US" dirty="0"/>
-          </a:p>
-          <a:p>
-            <a:r>
-              <a:rPr lang="en-US" dirty="0">
-                <a:solidFill>
-                  <a:schemeClr val="accent1">
-                    <a:lumMod val="60000"/>
-                    <a:lumOff val="40000"/>
-                  </a:schemeClr>
-                </a:solidFill>
-              </a:rPr>
-              <a:t>Write to </a:t>
-            </a:r>
-            <a:r>
-              <a:rPr lang="en-US" dirty="0" smtClean="0">
-                <a:solidFill>
-                  <a:schemeClr val="accent1">
-                    <a:lumMod val="60000"/>
-                    <a:lumOff val="40000"/>
-                  </a:schemeClr>
-                </a:solidFill>
-              </a:rPr>
-              <a:t>log: checkpoint finish</a:t>
-            </a:r>
-            <a:endParaRPr lang="en-US" dirty="0">
-              <a:solidFill>
-                <a:schemeClr val="accent1">
-                  <a:lumMod val="60000"/>
-                  <a:lumOff val="40000"/>
-                </a:schemeClr>
-              </a:solidFill>
-            </a:endParaRPr>
+              <a:t>Transaction commits</a:t>
+            </a:r>
+          </a:p>
+          <a:p>
+            <a:pPr lvl="1"/>
+            <a:r>
+              <a:rPr lang="en-US" dirty="0"/>
+              <a:t>Transaction rollbacks</a:t>
+            </a:r>
+          </a:p>
+          <a:p>
+            <a:pPr lvl="1"/>
+            <a:r>
+              <a:rPr lang="en-US" dirty="0"/>
+              <a:t>Checkpoint</a:t>
+            </a:r>
           </a:p>
         </p:txBody>
       </p:sp>
     </p:spTree>
     <p:extLst>
       <p:ext uri="{BB962C8B-B14F-4D97-AF65-F5344CB8AC3E}">
-        <p14:creationId xmlns:p14="http://schemas.microsoft.com/office/powerpoint/2010/main" val="348943073"/>
+        <p14:creationId xmlns:p14="http://schemas.microsoft.com/office/powerpoint/2010/main" val="4039889923"/>
       </p:ext>
     </p:extLst>
   </p:cSld>
@@ -9591,7 +9521,7 @@
           <a:p>
             <a:r>
               <a:rPr lang="en-US" dirty="0"/>
-              <a:t>Flushing the Log</a:t>
+              <a:t>Recovery Models</a:t>
             </a:r>
           </a:p>
         </p:txBody>
@@ -9608,46 +9538,35 @@
         </p:nvSpPr>
         <p:spPr/>
         <p:txBody>
-          <a:bodyPr/>
+          <a:bodyPr>
+            <a:normAutofit/>
+          </a:bodyPr>
           <a:lstStyle/>
           <a:p>
             <a:r>
               <a:rPr lang="en-US" dirty="0"/>
-              <a:t>Flushing = closing a log block</a:t>
-            </a:r>
-          </a:p>
-          <a:p>
-            <a:r>
-              <a:rPr lang="en-US" dirty="0"/>
-              <a:t>Triggers</a:t>
+              <a:t>Impacts how SQL logs changes</a:t>
             </a:r>
           </a:p>
           <a:p>
             <a:pPr lvl="1"/>
             <a:r>
               <a:rPr lang="en-US" dirty="0"/>
-              <a:t>60K limit reached</a:t>
+              <a:t>Simple</a:t>
             </a:r>
           </a:p>
           <a:p>
             <a:pPr lvl="1"/>
             <a:r>
               <a:rPr lang="en-US" dirty="0"/>
-              <a:t>Transaction commits</a:t>
+              <a:t>Full</a:t>
             </a:r>
           </a:p>
           <a:p>
             <a:pPr lvl="1"/>
             <a:r>
               <a:rPr lang="en-US" dirty="0"/>
-              <a:t>Transaction rollbacks</a:t>
-            </a:r>
-          </a:p>
-          <a:p>
-            <a:pPr lvl="1"/>
-            <a:r>
-              <a:rPr lang="en-US" dirty="0"/>
-              <a:t>Checkpoint</a:t>
+              <a:t>Bulk-logged</a:t>
             </a:r>
           </a:p>
         </p:txBody>
@@ -9655,7 +9574,7 @@
     </p:spTree>
     <p:extLst>
       <p:ext uri="{BB962C8B-B14F-4D97-AF65-F5344CB8AC3E}">
-        <p14:creationId xmlns:p14="http://schemas.microsoft.com/office/powerpoint/2010/main" val="4039889923"/>
+        <p14:creationId xmlns:p14="http://schemas.microsoft.com/office/powerpoint/2010/main" val="3098932775"/>
       </p:ext>
     </p:extLst>
   </p:cSld>
@@ -9699,13 +9618,8 @@
           <a:p>
             <a:r>
               <a:rPr lang="en-US" dirty="0"/>
-              <a:t>Recovery </a:t>
-            </a:r>
-            <a:r>
-              <a:rPr lang="en-US" dirty="0" smtClean="0"/>
-              <a:t>Models</a:t>
-            </a:r>
-            <a:endParaRPr lang="en-US" dirty="0"/>
+              <a:t>Simple Recovery Model</a:t>
+            </a:r>
           </a:p>
         </p:txBody>
       </p:sp>
@@ -9728,39 +9642,34 @@
           <a:p>
             <a:r>
               <a:rPr lang="en-US" dirty="0"/>
-              <a:t>Impacts how SQL logs changes</a:t>
+              <a:t>Commonly used for test systems or low-volume production systems</a:t>
             </a:r>
           </a:p>
           <a:p>
             <a:pPr lvl="1"/>
             <a:r>
-              <a:rPr lang="en-US" dirty="0" smtClean="0"/>
-              <a:t>Simple</a:t>
-            </a:r>
-            <a:endParaRPr lang="en-US" dirty="0"/>
-          </a:p>
-          <a:p>
-            <a:pPr lvl="1"/>
-            <a:r>
-              <a:rPr lang="en-US" dirty="0" smtClean="0"/>
-              <a:t>Full</a:t>
-            </a:r>
-            <a:endParaRPr lang="en-US" dirty="0"/>
-          </a:p>
-          <a:p>
-            <a:pPr lvl="1"/>
-            <a:r>
-              <a:rPr lang="en-US" dirty="0" smtClean="0"/>
-              <a:t>Bulk-logged</a:t>
-            </a:r>
-            <a:endParaRPr lang="en-US" dirty="0"/>
+              <a:rPr lang="en-US" dirty="0"/>
+              <a:t>What is your recovery point objective?</a:t>
+            </a:r>
+          </a:p>
+          <a:p>
+            <a:r>
+              <a:rPr lang="en-US" dirty="0"/>
+              <a:t>All changes logged, but can be “discarded” on commit</a:t>
+            </a:r>
+          </a:p>
+          <a:p>
+            <a:r>
+              <a:rPr lang="en-US" dirty="0"/>
+              <a:t>Can only recover to the latest full backup</a:t>
+            </a:r>
           </a:p>
         </p:txBody>
       </p:sp>
     </p:spTree>
     <p:extLst>
       <p:ext uri="{BB962C8B-B14F-4D97-AF65-F5344CB8AC3E}">
-        <p14:creationId xmlns:p14="http://schemas.microsoft.com/office/powerpoint/2010/main" val="3098932775"/>
+        <p14:creationId xmlns:p14="http://schemas.microsoft.com/office/powerpoint/2010/main" val="2301797226"/>
       </p:ext>
     </p:extLst>
   </p:cSld>
@@ -9803,10 +9712,9 @@
           <a:lstStyle/>
           <a:p>
             <a:r>
-              <a:rPr lang="en-US" dirty="0" smtClean="0"/>
-              <a:t>Simple Recovery Model</a:t>
-            </a:r>
-            <a:endParaRPr lang="en-US" dirty="0"/>
+              <a:rPr lang="en-US" dirty="0"/>
+              <a:t>Full Recovery Model</a:t>
+            </a:r>
           </a:p>
         </p:txBody>
       </p:sp>
@@ -9828,60 +9736,35 @@
           <a:lstStyle/>
           <a:p>
             <a:r>
-              <a:rPr lang="en-US" dirty="0" smtClean="0"/>
-              <a:t>Commonly used for test systems or low-volume production systems</a:t>
+              <a:rPr lang="en-US" dirty="0"/>
+              <a:t>Probably the most common recovery model for production systems</a:t>
             </a:r>
           </a:p>
           <a:p>
             <a:pPr lvl="1"/>
             <a:r>
-              <a:rPr lang="en-US" dirty="0" smtClean="0"/>
+              <a:rPr lang="en-US" dirty="0"/>
               <a:t>What is your recovery point objective?</a:t>
             </a:r>
           </a:p>
           <a:p>
             <a:r>
-              <a:rPr lang="en-US" dirty="0" smtClean="0"/>
-              <a:t>All </a:t>
-            </a:r>
-            <a:r>
-              <a:rPr lang="en-US" dirty="0"/>
-              <a:t>changes logged, but can be </a:t>
-            </a:r>
-            <a:r>
-              <a:rPr lang="en-US" dirty="0" smtClean="0"/>
-              <a:t>“discarded” </a:t>
-            </a:r>
-            <a:r>
-              <a:rPr lang="en-US" dirty="0"/>
-              <a:t>on commit</a:t>
-            </a:r>
-          </a:p>
-          <a:p>
-            <a:r>
-              <a:rPr lang="en-US" dirty="0"/>
-              <a:t>Can only </a:t>
-            </a:r>
-            <a:r>
-              <a:rPr lang="en-US" dirty="0" smtClean="0"/>
-              <a:t>recover </a:t>
-            </a:r>
-            <a:r>
-              <a:rPr lang="en-US" dirty="0"/>
-              <a:t>to the latest full </a:t>
-            </a:r>
-            <a:r>
-              <a:rPr lang="en-US" dirty="0" smtClean="0"/>
-              <a:t>backup</a:t>
-            </a:r>
-            <a:endParaRPr lang="en-US" dirty="0"/>
+              <a:rPr lang="en-US" dirty="0"/>
+              <a:t>Log records must be kept until log backup completed</a:t>
+            </a:r>
+          </a:p>
+          <a:p>
+            <a:r>
+              <a:rPr lang="en-US" dirty="0"/>
+              <a:t>Can recover to an arbitrary point in time</a:t>
+            </a:r>
           </a:p>
         </p:txBody>
       </p:sp>
     </p:spTree>
     <p:extLst>
       <p:ext uri="{BB962C8B-B14F-4D97-AF65-F5344CB8AC3E}">
-        <p14:creationId xmlns:p14="http://schemas.microsoft.com/office/powerpoint/2010/main" val="2301797226"/>
+        <p14:creationId xmlns:p14="http://schemas.microsoft.com/office/powerpoint/2010/main" val="933691385"/>
       </p:ext>
     </p:extLst>
   </p:cSld>
@@ -9924,10 +9807,9 @@
           <a:lstStyle/>
           <a:p>
             <a:r>
-              <a:rPr lang="en-US" dirty="0" smtClean="0"/>
-              <a:t>Full Recovery Model</a:t>
-            </a:r>
-            <a:endParaRPr lang="en-US" dirty="0"/>
+              <a:rPr lang="en-US" dirty="0"/>
+              <a:t>Bulk-logged Recovery Model</a:t>
+            </a:r>
           </a:p>
         </p:txBody>
       </p:sp>
@@ -9949,48 +9831,41 @@
           <a:lstStyle/>
           <a:p>
             <a:r>
-              <a:rPr lang="en-US" dirty="0" smtClean="0"/>
-              <a:t>Probably the most common recovery model for production systems</a:t>
+              <a:rPr lang="en-US" dirty="0"/>
+              <a:t>Not frequently used, perhaps temporarily during maintenance windows</a:t>
             </a:r>
           </a:p>
           <a:p>
             <a:pPr lvl="1"/>
             <a:r>
               <a:rPr lang="en-US" dirty="0"/>
-              <a:t>What is your recovery point objective</a:t>
-            </a:r>
-            <a:r>
-              <a:rPr lang="en-US" dirty="0" smtClean="0"/>
-              <a:t>?</a:t>
-            </a:r>
-          </a:p>
-          <a:p>
-            <a:r>
-              <a:rPr lang="en-US" dirty="0" smtClean="0"/>
-              <a:t>Log </a:t>
-            </a:r>
-            <a:r>
-              <a:rPr lang="en-US" dirty="0"/>
-              <a:t>records must be kept until log backup completed</a:t>
-            </a:r>
-          </a:p>
-          <a:p>
-            <a:r>
-              <a:rPr lang="en-US" dirty="0"/>
-              <a:t>Can recover to an arbitrary point in </a:t>
-            </a:r>
-            <a:r>
-              <a:rPr lang="en-US" dirty="0" smtClean="0"/>
-              <a:t>time</a:t>
-            </a:r>
-            <a:endParaRPr lang="en-US" dirty="0"/>
+              <a:t>What is your recovery point objective?</a:t>
+            </a:r>
+          </a:p>
+          <a:p>
+            <a:r>
+              <a:rPr lang="en-US" dirty="0"/>
+              <a:t>Similar to full model, but some changes are only “noted” rather than fully logged</a:t>
+            </a:r>
+          </a:p>
+          <a:p>
+            <a:r>
+              <a:rPr lang="en-US" dirty="0"/>
+              <a:t>Log backups still include all changes</a:t>
+            </a:r>
+          </a:p>
+          <a:p>
+            <a:r>
+              <a:rPr lang="en-US" dirty="0"/>
+              <a:t>Point-in-time recovery not possible</a:t>
+            </a:r>
           </a:p>
         </p:txBody>
       </p:sp>
     </p:spTree>
     <p:extLst>
       <p:ext uri="{BB962C8B-B14F-4D97-AF65-F5344CB8AC3E}">
-        <p14:creationId xmlns:p14="http://schemas.microsoft.com/office/powerpoint/2010/main" val="933691385"/>
+        <p14:creationId xmlns:p14="http://schemas.microsoft.com/office/powerpoint/2010/main" val="3984488222"/>
       </p:ext>
     </p:extLst>
   </p:cSld>
@@ -10033,116 +9908,6 @@
           <a:lstStyle/>
           <a:p>
             <a:r>
-              <a:rPr lang="en-US" dirty="0" smtClean="0"/>
-              <a:t>Bulk-logged Recovery Model</a:t>
-            </a:r>
-            <a:endParaRPr lang="en-US" dirty="0"/>
-          </a:p>
-        </p:txBody>
-      </p:sp>
-      <p:sp>
-        <p:nvSpPr>
-          <p:cNvPr id="3" name="Content Placeholder 2"/>
-          <p:cNvSpPr>
-            <a:spLocks noGrp="1"/>
-          </p:cNvSpPr>
-          <p:nvPr>
-            <p:ph idx="1"/>
-          </p:nvPr>
-        </p:nvSpPr>
-        <p:spPr/>
-        <p:txBody>
-          <a:bodyPr>
-            <a:normAutofit/>
-          </a:bodyPr>
-          <a:lstStyle/>
-          <a:p>
-            <a:r>
-              <a:rPr lang="en-US" dirty="0" smtClean="0"/>
-              <a:t>Not frequently used, perhaps temporarily during maintenance windows</a:t>
-            </a:r>
-          </a:p>
-          <a:p>
-            <a:pPr lvl="1"/>
-            <a:r>
-              <a:rPr lang="en-US" dirty="0"/>
-              <a:t>What is your recovery point objective</a:t>
-            </a:r>
-            <a:r>
-              <a:rPr lang="en-US" dirty="0" smtClean="0"/>
-              <a:t>?</a:t>
-            </a:r>
-          </a:p>
-          <a:p>
-            <a:r>
-              <a:rPr lang="en-US" dirty="0" smtClean="0"/>
-              <a:t>Similar </a:t>
-            </a:r>
-            <a:r>
-              <a:rPr lang="en-US" dirty="0"/>
-              <a:t>to full model, but some changes are only “noted” rather than fully logged</a:t>
-            </a:r>
-          </a:p>
-          <a:p>
-            <a:r>
-              <a:rPr lang="en-US" dirty="0"/>
-              <a:t>Log backups still include all changes</a:t>
-            </a:r>
-          </a:p>
-          <a:p>
-            <a:r>
-              <a:rPr lang="en-US" dirty="0"/>
-              <a:t>Point-in-time recovery not possible</a:t>
-            </a:r>
-          </a:p>
-        </p:txBody>
-      </p:sp>
-    </p:spTree>
-    <p:extLst>
-      <p:ext uri="{BB962C8B-B14F-4D97-AF65-F5344CB8AC3E}">
-        <p14:creationId xmlns:p14="http://schemas.microsoft.com/office/powerpoint/2010/main" val="3984488222"/>
-      </p:ext>
-    </p:extLst>
-  </p:cSld>
-  <p:clrMapOvr>
-    <a:masterClrMapping/>
-  </p:clrMapOvr>
-</p:sld>
-</file>
-
-<file path=ppt/slides/slide38.xml><?xml version="1.0" encoding="utf-8"?>
-<p:sld xmlns:a="http://schemas.openxmlformats.org/drawingml/2006/main" xmlns:r="http://schemas.openxmlformats.org/officeDocument/2006/relationships" xmlns:p="http://schemas.openxmlformats.org/presentationml/2006/main">
-  <p:cSld>
-    <p:spTree>
-      <p:nvGrpSpPr>
-        <p:cNvPr id="1" name=""/>
-        <p:cNvGrpSpPr/>
-        <p:nvPr/>
-      </p:nvGrpSpPr>
-      <p:grpSpPr>
-        <a:xfrm>
-          <a:off x="0" y="0"/>
-          <a:ext cx="0" cy="0"/>
-          <a:chOff x="0" y="0"/>
-          <a:chExt cx="0" cy="0"/>
-        </a:xfrm>
-      </p:grpSpPr>
-      <p:sp>
-        <p:nvSpPr>
-          <p:cNvPr id="2" name="Title 1"/>
-          <p:cNvSpPr>
-            <a:spLocks noGrp="1"/>
-          </p:cNvSpPr>
-          <p:nvPr>
-            <p:ph type="title"/>
-          </p:nvPr>
-        </p:nvSpPr>
-        <p:spPr/>
-        <p:txBody>
-          <a:bodyPr/>
-          <a:lstStyle/>
-          <a:p>
-            <a:r>
               <a:rPr lang="en-US" dirty="0"/>
               <a:t>Clearing the Log</a:t>
             </a:r>
@@ -10440,7 +10205,7 @@
 </p:sld>
 </file>
 
-<file path=ppt/slides/slide39.xml><?xml version="1.0" encoding="utf-8"?>
+<file path=ppt/slides/slide38.xml><?xml version="1.0" encoding="utf-8"?>
 <p:sld xmlns:a="http://schemas.openxmlformats.org/drawingml/2006/main" xmlns:r="http://schemas.openxmlformats.org/officeDocument/2006/relationships" xmlns:p="http://schemas.openxmlformats.org/presentationml/2006/main">
   <p:cSld>
     <p:spTree>
@@ -10556,6 +10321,121 @@
 </p:sld>
 </file>
 
+<file path=ppt/slides/slide39.xml><?xml version="1.0" encoding="utf-8"?>
+<p:sld xmlns:a="http://schemas.openxmlformats.org/drawingml/2006/main" xmlns:r="http://schemas.openxmlformats.org/officeDocument/2006/relationships" xmlns:p="http://schemas.openxmlformats.org/presentationml/2006/main">
+  <p:cSld>
+    <p:spTree>
+      <p:nvGrpSpPr>
+        <p:cNvPr id="1" name=""/>
+        <p:cNvGrpSpPr/>
+        <p:nvPr/>
+      </p:nvGrpSpPr>
+      <p:grpSpPr>
+        <a:xfrm>
+          <a:off x="0" y="0"/>
+          <a:ext cx="0" cy="0"/>
+          <a:chOff x="0" y="0"/>
+          <a:chExt cx="0" cy="0"/>
+        </a:xfrm>
+      </p:grpSpPr>
+      <p:sp>
+        <p:nvSpPr>
+          <p:cNvPr id="2" name="Title 1"/>
+          <p:cNvSpPr>
+            <a:spLocks noGrp="1"/>
+          </p:cNvSpPr>
+          <p:nvPr>
+            <p:ph type="title"/>
+          </p:nvPr>
+        </p:nvSpPr>
+        <p:spPr/>
+        <p:txBody>
+          <a:bodyPr/>
+          <a:lstStyle/>
+          <a:p>
+            <a:r>
+              <a:rPr lang="en-US" dirty="0"/>
+              <a:t>Rolling Back a Transaction</a:t>
+            </a:r>
+          </a:p>
+        </p:txBody>
+      </p:sp>
+      <p:sp>
+        <p:nvSpPr>
+          <p:cNvPr id="3" name="Content Placeholder 2"/>
+          <p:cNvSpPr>
+            <a:spLocks noGrp="1"/>
+          </p:cNvSpPr>
+          <p:nvPr>
+            <p:ph idx="1"/>
+          </p:nvPr>
+        </p:nvSpPr>
+        <p:spPr/>
+        <p:txBody>
+          <a:bodyPr/>
+          <a:lstStyle/>
+          <a:p>
+            <a:r>
+              <a:rPr lang="en-US" dirty="0"/>
+              <a:t>When a transaction cannot complete, it must rollback</a:t>
+            </a:r>
+          </a:p>
+          <a:p>
+            <a:pPr lvl="1"/>
+            <a:r>
+              <a:rPr lang="en-US" dirty="0"/>
+              <a:t>ROLLBACK TRANSACTION command</a:t>
+            </a:r>
+          </a:p>
+          <a:p>
+            <a:pPr lvl="1"/>
+            <a:r>
+              <a:rPr lang="en-US" dirty="0"/>
+              <a:t>Connection is abandoned</a:t>
+            </a:r>
+          </a:p>
+          <a:p>
+            <a:pPr lvl="2"/>
+            <a:r>
+              <a:rPr lang="en-US" dirty="0"/>
+              <a:t>Network failure, KILL, severe errors, client crash</a:t>
+            </a:r>
+          </a:p>
+          <a:p>
+            <a:pPr lvl="1"/>
+            <a:r>
+              <a:rPr lang="en-US" dirty="0"/>
+              <a:t>Non-graceful shutdown of SQL (crash recovery)</a:t>
+            </a:r>
+          </a:p>
+          <a:p>
+            <a:pPr lvl="1"/>
+            <a:r>
+              <a:rPr lang="en-US" dirty="0"/>
+              <a:t>Restore operations</a:t>
+            </a:r>
+          </a:p>
+          <a:p>
+            <a:r>
+              <a:rPr lang="en-US" dirty="0"/>
+              <a:t>Rollback operations are single-threaded</a:t>
+            </a:r>
+          </a:p>
+        </p:txBody>
+      </p:sp>
+    </p:spTree>
+    <p:extLst>
+      <p:ext uri="{BB962C8B-B14F-4D97-AF65-F5344CB8AC3E}">
+        <p14:creationId xmlns:p14="http://schemas.microsoft.com/office/powerpoint/2010/main" val="2736551440"/>
+      </p:ext>
+    </p:extLst>
+  </p:cSld>
+  <p:clrMapOvr>
+    <a:masterClrMapping/>
+  </p:clrMapOvr>
+</p:sld>
+</file>
+
 <file path=ppt/slides/slide4.xml><?xml version="1.0" encoding="utf-8"?>
 <p:sld xmlns:a="http://schemas.openxmlformats.org/drawingml/2006/main" xmlns:r="http://schemas.openxmlformats.org/officeDocument/2006/relationships" xmlns:p="http://schemas.openxmlformats.org/presentationml/2006/main">
   <p:cSld>
@@ -10590,7 +10470,7 @@
           <a:p>
             <a:r>
               <a:rPr lang="en-US" dirty="0"/>
-              <a:t>Agenda</a:t>
+              <a:t>Purpose of the Transaction Log</a:t>
             </a:r>
           </a:p>
         </p:txBody>
@@ -10607,42 +10487,83 @@
         </p:nvSpPr>
         <p:spPr/>
         <p:txBody>
-          <a:bodyPr/>
+          <a:bodyPr>
+            <a:normAutofit fontScale="92500" lnSpcReduction="10000"/>
+          </a:bodyPr>
           <a:lstStyle/>
           <a:p>
             <a:r>
               <a:rPr lang="en-US" dirty="0"/>
-              <a:t>Purpose of the transaction log</a:t>
-            </a:r>
-          </a:p>
-          <a:p>
-            <a:r>
-              <a:rPr lang="en-US" dirty="0"/>
-              <a:t>Organization of the transaction log</a:t>
-            </a:r>
-          </a:p>
-          <a:p>
-            <a:r>
-              <a:rPr lang="en-US" dirty="0"/>
-              <a:t>Flushing &amp; clearing the log / checkpoints</a:t>
-            </a:r>
-          </a:p>
-          <a:p>
-            <a:r>
-              <a:rPr lang="en-US" dirty="0"/>
-              <a:t>Rollback operations</a:t>
-            </a:r>
-          </a:p>
-          <a:p>
-            <a:r>
-              <a:rPr lang="en-US" dirty="0"/>
-              <a:t>VLF fragmentation</a:t>
-            </a:r>
-          </a:p>
-          <a:p>
-            <a:r>
-              <a:rPr lang="en-US" dirty="0"/>
-              <a:t>Log monitoring</a:t>
+              <a:t>Primary purposes</a:t>
+            </a:r>
+          </a:p>
+          <a:p>
+            <a:pPr lvl="1"/>
+            <a:r>
+              <a:rPr lang="en-US" dirty="0"/>
+              <a:t>Durability</a:t>
+            </a:r>
+          </a:p>
+          <a:p>
+            <a:pPr lvl="2"/>
+            <a:r>
+              <a:rPr lang="en-US" dirty="0"/>
+              <a:t>Write-ahead logging</a:t>
+            </a:r>
+          </a:p>
+          <a:p>
+            <a:pPr lvl="2"/>
+            <a:r>
+              <a:rPr lang="en-US" dirty="0"/>
+              <a:t>Crash recovery / restore operations</a:t>
+            </a:r>
+          </a:p>
+          <a:p>
+            <a:pPr lvl="1"/>
+            <a:r>
+              <a:rPr lang="en-US" dirty="0"/>
+              <a:t>Atomicity</a:t>
+            </a:r>
+          </a:p>
+          <a:p>
+            <a:pPr lvl="1"/>
+            <a:r>
+              <a:rPr lang="en-US" dirty="0"/>
+              <a:t>Thought experiment</a:t>
+            </a:r>
+          </a:p>
+          <a:p>
+            <a:pPr lvl="2"/>
+            <a:r>
+              <a:rPr lang="en-US" dirty="0"/>
+              <a:t>What would SQL be like without a transaction log?</a:t>
+            </a:r>
+          </a:p>
+          <a:p>
+            <a:r>
+              <a:rPr lang="en-US" dirty="0"/>
+              <a:t>Secondary purposes</a:t>
+            </a:r>
+          </a:p>
+          <a:p>
+            <a:pPr lvl="1"/>
+            <a:r>
+              <a:rPr lang="en-US" dirty="0"/>
+              <a:t>Log reader (replication, CDC)</a:t>
+            </a:r>
+          </a:p>
+          <a:p>
+            <a:pPr lvl="1"/>
+            <a:r>
+              <a:rPr lang="en-US" dirty="0"/>
+              <a:t>Mirroring / Availability Groups / log shipping</a:t>
+            </a:r>
+          </a:p>
+          <a:p>
+            <a:pPr lvl="1"/>
+            <a:r>
+              <a:rPr lang="en-US" dirty="0"/>
+              <a:t>Snapshots</a:t>
             </a:r>
           </a:p>
         </p:txBody>
@@ -10650,7 +10571,7 @@
     </p:spTree>
     <p:extLst>
       <p:ext uri="{BB962C8B-B14F-4D97-AF65-F5344CB8AC3E}">
-        <p14:creationId xmlns:p14="http://schemas.microsoft.com/office/powerpoint/2010/main" val="1097259878"/>
+        <p14:creationId xmlns:p14="http://schemas.microsoft.com/office/powerpoint/2010/main" val="1146920383"/>
       </p:ext>
     </p:extLst>
   </p:cSld>
@@ -10661,126 +10582,6 @@
 </file>
 
 <file path=ppt/slides/slide40.xml><?xml version="1.0" encoding="utf-8"?>
-<p:sld xmlns:a="http://schemas.openxmlformats.org/drawingml/2006/main" xmlns:r="http://schemas.openxmlformats.org/officeDocument/2006/relationships" xmlns:p="http://schemas.openxmlformats.org/presentationml/2006/main">
-  <p:cSld>
-    <p:spTree>
-      <p:nvGrpSpPr>
-        <p:cNvPr id="1" name=""/>
-        <p:cNvGrpSpPr/>
-        <p:nvPr/>
-      </p:nvGrpSpPr>
-      <p:grpSpPr>
-        <a:xfrm>
-          <a:off x="0" y="0"/>
-          <a:ext cx="0" cy="0"/>
-          <a:chOff x="0" y="0"/>
-          <a:chExt cx="0" cy="0"/>
-        </a:xfrm>
-      </p:grpSpPr>
-      <p:sp>
-        <p:nvSpPr>
-          <p:cNvPr id="2" name="Title 1"/>
-          <p:cNvSpPr>
-            <a:spLocks noGrp="1"/>
-          </p:cNvSpPr>
-          <p:nvPr>
-            <p:ph type="title"/>
-          </p:nvPr>
-        </p:nvSpPr>
-        <p:spPr/>
-        <p:txBody>
-          <a:bodyPr/>
-          <a:lstStyle/>
-          <a:p>
-            <a:r>
-              <a:rPr lang="en-US" dirty="0"/>
-              <a:t>Rolling Back a Transaction</a:t>
-            </a:r>
-          </a:p>
-        </p:txBody>
-      </p:sp>
-      <p:sp>
-        <p:nvSpPr>
-          <p:cNvPr id="3" name="Content Placeholder 2"/>
-          <p:cNvSpPr>
-            <a:spLocks noGrp="1"/>
-          </p:cNvSpPr>
-          <p:nvPr>
-            <p:ph idx="1"/>
-          </p:nvPr>
-        </p:nvSpPr>
-        <p:spPr/>
-        <p:txBody>
-          <a:bodyPr/>
-          <a:lstStyle/>
-          <a:p>
-            <a:r>
-              <a:rPr lang="en-US" dirty="0"/>
-              <a:t>When a transaction cannot complete, it must rollback</a:t>
-            </a:r>
-          </a:p>
-          <a:p>
-            <a:pPr lvl="1"/>
-            <a:r>
-              <a:rPr lang="en-US" dirty="0"/>
-              <a:t>ROLLBACK TRANSACTION command</a:t>
-            </a:r>
-          </a:p>
-          <a:p>
-            <a:pPr lvl="1"/>
-            <a:r>
-              <a:rPr lang="en-US" dirty="0"/>
-              <a:t>Connection is abandoned</a:t>
-            </a:r>
-          </a:p>
-          <a:p>
-            <a:pPr lvl="2"/>
-            <a:r>
-              <a:rPr lang="en-US" dirty="0"/>
-              <a:t>Network failure, KILL, severe errors, client crash</a:t>
-            </a:r>
-          </a:p>
-          <a:p>
-            <a:pPr lvl="1"/>
-            <a:r>
-              <a:rPr lang="en-US" dirty="0"/>
-              <a:t>Non-graceful shutdown of SQL (crash recovery)</a:t>
-            </a:r>
-          </a:p>
-          <a:p>
-            <a:pPr lvl="1"/>
-            <a:r>
-              <a:rPr lang="en-US" dirty="0"/>
-              <a:t>Restore </a:t>
-            </a:r>
-            <a:r>
-              <a:rPr lang="en-US" dirty="0" smtClean="0"/>
-              <a:t>operations</a:t>
-            </a:r>
-          </a:p>
-          <a:p>
-            <a:r>
-              <a:rPr lang="en-US" dirty="0" smtClean="0"/>
-              <a:t>Rollback operations are single-threaded</a:t>
-            </a:r>
-            <a:endParaRPr lang="en-US" dirty="0"/>
-          </a:p>
-        </p:txBody>
-      </p:sp>
-    </p:spTree>
-    <p:extLst>
-      <p:ext uri="{BB962C8B-B14F-4D97-AF65-F5344CB8AC3E}">
-        <p14:creationId xmlns:p14="http://schemas.microsoft.com/office/powerpoint/2010/main" val="2736551440"/>
-      </p:ext>
-    </p:extLst>
-  </p:cSld>
-  <p:clrMapOvr>
-    <a:masterClrMapping/>
-  </p:clrMapOvr>
-</p:sld>
-</file>
-
-<file path=ppt/slides/slide41.xml><?xml version="1.0" encoding="utf-8"?>
 <p:sld xmlns:a="http://schemas.openxmlformats.org/drawingml/2006/main" xmlns:r="http://schemas.openxmlformats.org/officeDocument/2006/relationships" xmlns:p="http://schemas.openxmlformats.org/presentationml/2006/main">
   <p:cSld>
     <p:spTree>
@@ -10895,7 +10696,7 @@
 </p:sld>
 </file>
 
-<file path=ppt/slides/slide42.xml><?xml version="1.0" encoding="utf-8"?>
+<file path=ppt/slides/slide41.xml><?xml version="1.0" encoding="utf-8"?>
 <p:sld xmlns:a="http://schemas.openxmlformats.org/drawingml/2006/main" xmlns:r="http://schemas.openxmlformats.org/officeDocument/2006/relationships" xmlns:p="http://schemas.openxmlformats.org/presentationml/2006/main">
   <p:cSld>
     <p:spTree>
@@ -11004,7 +10805,7 @@
 </p:sld>
 </file>
 
-<file path=ppt/slides/slide43.xml><?xml version="1.0" encoding="utf-8"?>
+<file path=ppt/slides/slide42.xml><?xml version="1.0" encoding="utf-8"?>
 <p:sld xmlns:a="http://schemas.openxmlformats.org/drawingml/2006/main" xmlns:r="http://schemas.openxmlformats.org/officeDocument/2006/relationships" xmlns:p="http://schemas.openxmlformats.org/presentationml/2006/main">
   <p:cSld>
     <p:spTree>
@@ -11113,7 +10914,7 @@
 </p:sld>
 </file>
 
-<file path=ppt/slides/slide44.xml><?xml version="1.0" encoding="utf-8"?>
+<file path=ppt/slides/slide43.xml><?xml version="1.0" encoding="utf-8"?>
 <p:sld xmlns:a="http://schemas.openxmlformats.org/drawingml/2006/main" xmlns:r="http://schemas.openxmlformats.org/officeDocument/2006/relationships" xmlns:p="http://schemas.openxmlformats.org/presentationml/2006/main">
   <p:cSld>
     <p:spTree>
@@ -11216,7 +11017,7 @@
 </p:sld>
 </file>
 
-<file path=ppt/slides/slide45.xml><?xml version="1.0" encoding="utf-8"?>
+<file path=ppt/slides/slide44.xml><?xml version="1.0" encoding="utf-8"?>
 <p:sld xmlns:a="http://schemas.openxmlformats.org/drawingml/2006/main" xmlns:r="http://schemas.openxmlformats.org/officeDocument/2006/relationships" xmlns:p="http://schemas.openxmlformats.org/presentationml/2006/main">
   <p:cSld>
     <p:spTree>
@@ -11319,7 +11120,7 @@
 </p:sld>
 </file>
 
-<file path=ppt/slides/slide46.xml><?xml version="1.0" encoding="utf-8"?>
+<file path=ppt/slides/slide45.xml><?xml version="1.0" encoding="utf-8"?>
 <p:sld xmlns:a="http://schemas.openxmlformats.org/drawingml/2006/main" xmlns:r="http://schemas.openxmlformats.org/officeDocument/2006/relationships" xmlns:p="http://schemas.openxmlformats.org/presentationml/2006/main">
   <p:cSld>
     <p:spTree>
@@ -11382,22 +11183,14 @@
             <a:pPr lvl="1"/>
             <a:r>
               <a:rPr lang="en-US" dirty="0"/>
-              <a:t>Rollback operations generate log </a:t>
-            </a:r>
-            <a:r>
-              <a:rPr lang="en-US" dirty="0" smtClean="0"/>
-              <a:t>records</a:t>
+              <a:t>Rollback operations generate log records</a:t>
             </a:r>
           </a:p>
           <a:p>
             <a:pPr lvl="1"/>
             <a:r>
-              <a:rPr lang="en-US" dirty="0" smtClean="0"/>
-              <a:t>As </a:t>
-            </a:r>
-            <a:r>
-              <a:rPr lang="en-US" dirty="0"/>
-              <a:t>the initial operations are performed, SQL Server will “reserve” log space to ensure that a rollback is possible.</a:t>
+              <a:rPr lang="en-US" dirty="0"/>
+              <a:t>As the initial operations are performed, SQL Server will “reserve” log space to ensure that a rollback is possible.</a:t>
             </a:r>
           </a:p>
         </p:txBody>
@@ -11415,7 +11208,7 @@
 </p:sld>
 </file>
 
-<file path=ppt/slides/slide47.xml><?xml version="1.0" encoding="utf-8"?>
+<file path=ppt/slides/slide46.xml><?xml version="1.0" encoding="utf-8"?>
 <p:sld xmlns:a="http://schemas.openxmlformats.org/drawingml/2006/main" xmlns:r="http://schemas.openxmlformats.org/officeDocument/2006/relationships" xmlns:p="http://schemas.openxmlformats.org/presentationml/2006/main">
   <p:cSld>
     <p:spTree>
@@ -11516,7 +11309,7 @@
 </p:sld>
 </file>
 
-<file path=ppt/slides/slide48.xml><?xml version="1.0" encoding="utf-8"?>
+<file path=ppt/slides/slide47.xml><?xml version="1.0" encoding="utf-8"?>
 <p:sld xmlns:a="http://schemas.openxmlformats.org/drawingml/2006/main" xmlns:r="http://schemas.openxmlformats.org/officeDocument/2006/relationships" xmlns:p="http://schemas.openxmlformats.org/presentationml/2006/main">
   <p:cSld>
     <p:spTree>
@@ -11615,14 +11408,14 @@
                 <a:gridCol w="3048000">
                   <a:extLst>
                     <a:ext uri="{9D8B030D-6E8A-4147-A177-3AD203B41FA5}">
-                      <a16:colId xmlns="" xmlns:a16="http://schemas.microsoft.com/office/drawing/2014/main" val="20000"/>
+                      <a16:colId xmlns:a16="http://schemas.microsoft.com/office/drawing/2014/main" val="20000"/>
                     </a:ext>
                   </a:extLst>
                 </a:gridCol>
                 <a:gridCol w="3048000">
                   <a:extLst>
                     <a:ext uri="{9D8B030D-6E8A-4147-A177-3AD203B41FA5}">
-                      <a16:colId xmlns="" xmlns:a16="http://schemas.microsoft.com/office/drawing/2014/main" val="20001"/>
+                      <a16:colId xmlns:a16="http://schemas.microsoft.com/office/drawing/2014/main" val="20001"/>
                     </a:ext>
                   </a:extLst>
                 </a:gridCol>
@@ -11668,7 +11461,7 @@
                 </a:tc>
                 <a:extLst>
                   <a:ext uri="{0D108BD9-81ED-4DB2-BD59-A6C34878D82A}">
-                    <a16:rowId xmlns="" xmlns:a16="http://schemas.microsoft.com/office/drawing/2014/main" val="10000"/>
+                    <a16:rowId xmlns:a16="http://schemas.microsoft.com/office/drawing/2014/main" val="10000"/>
                   </a:ext>
                 </a:extLst>
               </a:tr>
@@ -11703,7 +11496,7 @@
                 </a:tc>
                 <a:extLst>
                   <a:ext uri="{0D108BD9-81ED-4DB2-BD59-A6C34878D82A}">
-                    <a16:rowId xmlns="" xmlns:a16="http://schemas.microsoft.com/office/drawing/2014/main" val="10001"/>
+                    <a16:rowId xmlns:a16="http://schemas.microsoft.com/office/drawing/2014/main" val="10001"/>
                   </a:ext>
                 </a:extLst>
               </a:tr>
@@ -11738,7 +11531,7 @@
                 </a:tc>
                 <a:extLst>
                   <a:ext uri="{0D108BD9-81ED-4DB2-BD59-A6C34878D82A}">
-                    <a16:rowId xmlns="" xmlns:a16="http://schemas.microsoft.com/office/drawing/2014/main" val="10002"/>
+                    <a16:rowId xmlns:a16="http://schemas.microsoft.com/office/drawing/2014/main" val="10002"/>
                   </a:ext>
                 </a:extLst>
               </a:tr>
@@ -11778,7 +11571,7 @@
                 </a:tc>
                 <a:extLst>
                   <a:ext uri="{0D108BD9-81ED-4DB2-BD59-A6C34878D82A}">
-                    <a16:rowId xmlns="" xmlns:a16="http://schemas.microsoft.com/office/drawing/2014/main" val="10003"/>
+                    <a16:rowId xmlns:a16="http://schemas.microsoft.com/office/drawing/2014/main" val="10003"/>
                   </a:ext>
                 </a:extLst>
               </a:tr>
@@ -11971,6 +11764,124 @@
     <p:extLst>
       <p:ext uri="{BB962C8B-B14F-4D97-AF65-F5344CB8AC3E}">
         <p14:creationId xmlns:p14="http://schemas.microsoft.com/office/powerpoint/2010/main" val="3274095779"/>
+      </p:ext>
+    </p:extLst>
+  </p:cSld>
+  <p:clrMapOvr>
+    <a:masterClrMapping/>
+  </p:clrMapOvr>
+</p:sld>
+</file>
+
+<file path=ppt/slides/slide48.xml><?xml version="1.0" encoding="utf-8"?>
+<p:sld xmlns:a="http://schemas.openxmlformats.org/drawingml/2006/main" xmlns:r="http://schemas.openxmlformats.org/officeDocument/2006/relationships" xmlns:p="http://schemas.openxmlformats.org/presentationml/2006/main">
+  <p:cSld>
+    <p:spTree>
+      <p:nvGrpSpPr>
+        <p:cNvPr id="1" name=""/>
+        <p:cNvGrpSpPr/>
+        <p:nvPr/>
+      </p:nvGrpSpPr>
+      <p:grpSpPr>
+        <a:xfrm>
+          <a:off x="0" y="0"/>
+          <a:ext cx="0" cy="0"/>
+          <a:chOff x="0" y="0"/>
+          <a:chExt cx="0" cy="0"/>
+        </a:xfrm>
+      </p:grpSpPr>
+      <p:sp>
+        <p:nvSpPr>
+          <p:cNvPr id="2" name="Title 1"/>
+          <p:cNvSpPr>
+            <a:spLocks noGrp="1"/>
+          </p:cNvSpPr>
+          <p:nvPr>
+            <p:ph type="title"/>
+          </p:nvPr>
+        </p:nvSpPr>
+        <p:spPr/>
+        <p:txBody>
+          <a:bodyPr/>
+          <a:lstStyle/>
+          <a:p>
+            <a:r>
+              <a:rPr lang="en-US" dirty="0"/>
+              <a:t>VLF Trade-Offs</a:t>
+            </a:r>
+          </a:p>
+        </p:txBody>
+      </p:sp>
+      <p:sp>
+        <p:nvSpPr>
+          <p:cNvPr id="3" name="Content Placeholder 2"/>
+          <p:cNvSpPr>
+            <a:spLocks noGrp="1"/>
+          </p:cNvSpPr>
+          <p:nvPr>
+            <p:ph idx="1"/>
+          </p:nvPr>
+        </p:nvSpPr>
+        <p:spPr/>
+        <p:txBody>
+          <a:bodyPr>
+            <a:normAutofit lnSpcReduction="10000"/>
+          </a:bodyPr>
+          <a:lstStyle/>
+          <a:p>
+            <a:r>
+              <a:rPr lang="en-US" dirty="0"/>
+              <a:t>Too many VLFs create performance problems (“VLF Fragmentation”)</a:t>
+            </a:r>
+          </a:p>
+          <a:p>
+            <a:pPr lvl="1"/>
+            <a:r>
+              <a:rPr lang="en-US" dirty="0"/>
+              <a:t>Slows noticeably any time log is read</a:t>
+            </a:r>
+          </a:p>
+          <a:p>
+            <a:pPr lvl="2"/>
+            <a:r>
+              <a:rPr lang="en-US" dirty="0"/>
+              <a:t>Start-up time for database, log reader, backup &amp; restore, etc.</a:t>
+            </a:r>
+          </a:p>
+          <a:p>
+            <a:pPr lvl="1"/>
+            <a:r>
+              <a:rPr lang="en-US" dirty="0"/>
+              <a:t>But smaller VLFs are faster to allocate (zero-</a:t>
+            </a:r>
+            <a:r>
+              <a:rPr lang="en-US" dirty="0" err="1"/>
+              <a:t>init</a:t>
+            </a:r>
+            <a:r>
+              <a:rPr lang="en-US" dirty="0"/>
+              <a:t>)</a:t>
+            </a:r>
+          </a:p>
+          <a:p>
+            <a:r>
+              <a:rPr lang="en-US" dirty="0"/>
+              <a:t>Too few VLFs also create performance problems</a:t>
+            </a:r>
+          </a:p>
+          <a:p>
+            <a:pPr lvl="1"/>
+            <a:r>
+              <a:rPr lang="en-US" dirty="0"/>
+              <a:t>Clearing the log, especially when long-running transactions are happening</a:t>
+            </a:r>
+          </a:p>
+        </p:txBody>
+      </p:sp>
+    </p:spTree>
+    <p:extLst>
+      <p:ext uri="{BB962C8B-B14F-4D97-AF65-F5344CB8AC3E}">
+        <p14:creationId xmlns:p14="http://schemas.microsoft.com/office/powerpoint/2010/main" val="2035035367"/>
       </p:ext>
     </p:extLst>
   </p:cSld>
@@ -12014,7 +11925,7 @@
           <a:p>
             <a:r>
               <a:rPr lang="en-US" dirty="0"/>
-              <a:t>VLF Trade-Offs</a:t>
+              <a:t>Pre-Allocating the Log</a:t>
             </a:r>
           </a:p>
         </p:txBody>
@@ -12031,64 +11942,66 @@
         </p:nvSpPr>
         <p:spPr/>
         <p:txBody>
-          <a:bodyPr>
-            <a:normAutofit lnSpcReduction="10000"/>
-          </a:bodyPr>
+          <a:bodyPr/>
           <a:lstStyle/>
           <a:p>
             <a:r>
               <a:rPr lang="en-US" dirty="0"/>
-              <a:t>Too many VLFs create performance problems (“VLF Fragmentation”)</a:t>
+              <a:t>Why?</a:t>
             </a:r>
           </a:p>
           <a:p>
             <a:pPr lvl="1"/>
             <a:r>
               <a:rPr lang="en-US" dirty="0"/>
-              <a:t>Slows noticeably any time log is read</a:t>
+              <a:t>Eliminate VLF fragmentation</a:t>
+            </a:r>
+          </a:p>
+          <a:p>
+            <a:pPr lvl="1"/>
+            <a:r>
+              <a:rPr lang="en-US" dirty="0"/>
+              <a:t>Avoid log growth during user operations</a:t>
             </a:r>
           </a:p>
           <a:p>
             <a:pPr lvl="2"/>
             <a:r>
               <a:rPr lang="en-US" dirty="0"/>
-              <a:t>Start-up time for database, log reader, backup &amp; restore, etc.</a:t>
+              <a:t>Can be time-consuming due to zero-initialization</a:t>
+            </a:r>
+          </a:p>
+          <a:p>
+            <a:r>
+              <a:rPr lang="en-US" dirty="0"/>
+              <a:t>However, plan for auto-growth</a:t>
             </a:r>
           </a:p>
           <a:p>
             <a:pPr lvl="1"/>
             <a:r>
               <a:rPr lang="en-US" dirty="0"/>
-              <a:t>But smaller VLFs are faster to allocate (zero-</a:t>
-            </a:r>
-            <a:r>
-              <a:rPr lang="en-US" dirty="0" err="1"/>
-              <a:t>init</a:t>
-            </a:r>
-            <a:r>
-              <a:rPr lang="en-US" dirty="0"/>
-              <a:t>)</a:t>
-            </a:r>
-          </a:p>
-          <a:p>
-            <a:r>
-              <a:rPr lang="en-US" dirty="0"/>
-              <a:t>Too few VLFs also create performance problems</a:t>
+              <a:t>Set reasonable auto-growth parameters</a:t>
             </a:r>
           </a:p>
           <a:p>
             <a:pPr lvl="1"/>
             <a:r>
               <a:rPr lang="en-US" dirty="0"/>
-              <a:t>Clearing the log, especially when long-running transactions are happening</a:t>
-            </a:r>
+              <a:t>Fixed growth amount, </a:t>
+            </a:r>
+            <a:r>
+              <a:rPr lang="en-US"/>
+              <a:t>not percentage</a:t>
+            </a:r>
+            <a:endParaRPr lang="en-US" dirty="0"/>
           </a:p>
         </p:txBody>
       </p:sp>
     </p:spTree>
     <p:extLst>
       <p:ext uri="{BB962C8B-B14F-4D97-AF65-F5344CB8AC3E}">
-        <p14:creationId xmlns:p14="http://schemas.microsoft.com/office/powerpoint/2010/main" val="2035035367"/>
+        <p14:creationId xmlns:p14="http://schemas.microsoft.com/office/powerpoint/2010/main" val="1170893381"/>
       </p:ext>
     </p:extLst>
   </p:cSld>
@@ -12132,7 +12045,7 @@
           <a:p>
             <a:r>
               <a:rPr lang="en-US" dirty="0"/>
-              <a:t>Purpose of the Transaction Log</a:t>
+              <a:t>What Goes in the Transaction Log?</a:t>
             </a:r>
           </a:p>
         </p:txBody>
@@ -12149,83 +12062,68 @@
         </p:nvSpPr>
         <p:spPr/>
         <p:txBody>
-          <a:bodyPr>
-            <a:normAutofit fontScale="92500" lnSpcReduction="10000"/>
-          </a:bodyPr>
+          <a:bodyPr/>
           <a:lstStyle/>
           <a:p>
             <a:r>
-              <a:rPr lang="en-US" dirty="0"/>
-              <a:t>Primary purposes</a:t>
+              <a:rPr lang="en-US" u="sng" dirty="0"/>
+              <a:t>Everything</a:t>
+            </a:r>
+            <a:r>
+              <a:rPr lang="en-US" dirty="0"/>
+              <a:t> that modifies the state </a:t>
+            </a:r>
+            <a:r>
+              <a:rPr lang="en-US" u="sng" dirty="0"/>
+              <a:t>any</a:t>
+            </a:r>
+            <a:r>
+              <a:rPr lang="en-US" dirty="0"/>
+              <a:t> database in SQL</a:t>
             </a:r>
           </a:p>
           <a:p>
             <a:pPr lvl="1"/>
             <a:r>
               <a:rPr lang="en-US" dirty="0"/>
-              <a:t>Durability</a:t>
-            </a:r>
-          </a:p>
-          <a:p>
-            <a:pPr lvl="2"/>
-            <a:r>
-              <a:rPr lang="en-US" dirty="0"/>
-              <a:t>Write-ahead logging</a:t>
-            </a:r>
-          </a:p>
-          <a:p>
-            <a:pPr lvl="2"/>
-            <a:r>
-              <a:rPr lang="en-US" dirty="0"/>
-              <a:t>Crash recovery / restore operations</a:t>
+              <a:t>Includes data to </a:t>
+            </a:r>
+            <a:r>
+              <a:rPr lang="en-US" b="1" dirty="0"/>
+              <a:t>redo</a:t>
+            </a:r>
+            <a:r>
+              <a:rPr lang="en-US" dirty="0"/>
+              <a:t> an operation</a:t>
             </a:r>
           </a:p>
           <a:p>
             <a:pPr lvl="1"/>
             <a:r>
               <a:rPr lang="en-US" dirty="0"/>
-              <a:t>Atomicity</a:t>
-            </a:r>
-          </a:p>
-          <a:p>
-            <a:pPr lvl="1"/>
-            <a:r>
-              <a:rPr lang="en-US" dirty="0"/>
-              <a:t>Thought experiment</a:t>
-            </a:r>
-          </a:p>
-          <a:p>
-            <a:pPr lvl="2"/>
-            <a:r>
-              <a:rPr lang="en-US" dirty="0"/>
-              <a:t>What would SQL be like without a transaction log?</a:t>
-            </a:r>
-          </a:p>
-          <a:p>
-            <a:r>
-              <a:rPr lang="en-US" dirty="0"/>
-              <a:t>Secondary purposes</a:t>
-            </a:r>
-          </a:p>
-          <a:p>
-            <a:pPr lvl="1"/>
-            <a:r>
-              <a:rPr lang="en-US" dirty="0"/>
-              <a:t>Log reader (replication, CDC)</a:t>
-            </a:r>
-          </a:p>
-          <a:p>
-            <a:pPr lvl="1"/>
-            <a:r>
-              <a:rPr lang="en-US" dirty="0"/>
-              <a:t>Mirroring / Availability Groups / log shipping</a:t>
-            </a:r>
-          </a:p>
-          <a:p>
-            <a:pPr lvl="1"/>
-            <a:r>
-              <a:rPr lang="en-US" dirty="0"/>
-              <a:t>Snapshots</a:t>
+              <a:t>Includes data to </a:t>
+            </a:r>
+            <a:r>
+              <a:rPr lang="en-US" b="1" dirty="0"/>
+              <a:t>undo</a:t>
+            </a:r>
+            <a:r>
+              <a:rPr lang="en-US" dirty="0"/>
+              <a:t> an operation</a:t>
+            </a:r>
+          </a:p>
+          <a:p>
+            <a:r>
+              <a:rPr lang="en-US" sz="2400" dirty="0"/>
+              <a:t>Very limited exceptions for some </a:t>
+            </a:r>
+            <a:r>
+              <a:rPr lang="en-US" sz="2400" dirty="0" err="1"/>
+              <a:t>tempdb</a:t>
+            </a:r>
+            <a:r>
+              <a:rPr lang="en-US" sz="2400" dirty="0"/>
+              <a:t> operations</a:t>
             </a:r>
           </a:p>
         </p:txBody>
@@ -12233,7 +12131,7 @@
     </p:spTree>
     <p:extLst>
       <p:ext uri="{BB962C8B-B14F-4D97-AF65-F5344CB8AC3E}">
-        <p14:creationId xmlns:p14="http://schemas.microsoft.com/office/powerpoint/2010/main" val="1146920383"/>
+        <p14:creationId xmlns:p14="http://schemas.microsoft.com/office/powerpoint/2010/main" val="1907664427"/>
       </p:ext>
     </p:extLst>
   </p:cSld>
@@ -12244,130 +12142,6 @@
 </file>
 
 <file path=ppt/slides/slide50.xml><?xml version="1.0" encoding="utf-8"?>
-<p:sld xmlns:a="http://schemas.openxmlformats.org/drawingml/2006/main" xmlns:r="http://schemas.openxmlformats.org/officeDocument/2006/relationships" xmlns:p="http://schemas.openxmlformats.org/presentationml/2006/main">
-  <p:cSld>
-    <p:spTree>
-      <p:nvGrpSpPr>
-        <p:cNvPr id="1" name=""/>
-        <p:cNvGrpSpPr/>
-        <p:nvPr/>
-      </p:nvGrpSpPr>
-      <p:grpSpPr>
-        <a:xfrm>
-          <a:off x="0" y="0"/>
-          <a:ext cx="0" cy="0"/>
-          <a:chOff x="0" y="0"/>
-          <a:chExt cx="0" cy="0"/>
-        </a:xfrm>
-      </p:grpSpPr>
-      <p:sp>
-        <p:nvSpPr>
-          <p:cNvPr id="2" name="Title 1"/>
-          <p:cNvSpPr>
-            <a:spLocks noGrp="1"/>
-          </p:cNvSpPr>
-          <p:nvPr>
-            <p:ph type="title"/>
-          </p:nvPr>
-        </p:nvSpPr>
-        <p:spPr/>
-        <p:txBody>
-          <a:bodyPr/>
-          <a:lstStyle/>
-          <a:p>
-            <a:r>
-              <a:rPr lang="en-US" dirty="0"/>
-              <a:t>Pre-Allocating the Log</a:t>
-            </a:r>
-          </a:p>
-        </p:txBody>
-      </p:sp>
-      <p:sp>
-        <p:nvSpPr>
-          <p:cNvPr id="3" name="Content Placeholder 2"/>
-          <p:cNvSpPr>
-            <a:spLocks noGrp="1"/>
-          </p:cNvSpPr>
-          <p:nvPr>
-            <p:ph idx="1"/>
-          </p:nvPr>
-        </p:nvSpPr>
-        <p:spPr/>
-        <p:txBody>
-          <a:bodyPr/>
-          <a:lstStyle/>
-          <a:p>
-            <a:r>
-              <a:rPr lang="en-US" dirty="0"/>
-              <a:t>Why?</a:t>
-            </a:r>
-          </a:p>
-          <a:p>
-            <a:pPr lvl="1"/>
-            <a:r>
-              <a:rPr lang="en-US" dirty="0"/>
-              <a:t>Eliminate VLF fragmentation</a:t>
-            </a:r>
-          </a:p>
-          <a:p>
-            <a:pPr lvl="1"/>
-            <a:r>
-              <a:rPr lang="en-US" dirty="0"/>
-              <a:t>Avoid log growth during user operations</a:t>
-            </a:r>
-          </a:p>
-          <a:p>
-            <a:pPr lvl="2"/>
-            <a:r>
-              <a:rPr lang="en-US" dirty="0"/>
-              <a:t>Can be time-consuming due to </a:t>
-            </a:r>
-            <a:r>
-              <a:rPr lang="en-US" dirty="0" smtClean="0"/>
-              <a:t>zero-initialization</a:t>
-            </a:r>
-          </a:p>
-          <a:p>
-            <a:r>
-              <a:rPr lang="en-US" dirty="0" smtClean="0"/>
-              <a:t>However, plan for auto-growth</a:t>
-            </a:r>
-          </a:p>
-          <a:p>
-            <a:pPr lvl="1"/>
-            <a:r>
-              <a:rPr lang="en-US" dirty="0" smtClean="0"/>
-              <a:t>Set reasonable auto-growth parameters</a:t>
-            </a:r>
-          </a:p>
-          <a:p>
-            <a:pPr lvl="1"/>
-            <a:r>
-              <a:rPr lang="en-US" dirty="0" smtClean="0"/>
-              <a:t>Fixed growth amount, </a:t>
-            </a:r>
-            <a:r>
-              <a:rPr lang="en-US" smtClean="0"/>
-              <a:t>not percentage</a:t>
-            </a:r>
-            <a:endParaRPr lang="en-US" dirty="0"/>
-          </a:p>
-        </p:txBody>
-      </p:sp>
-    </p:spTree>
-    <p:extLst>
-      <p:ext uri="{BB962C8B-B14F-4D97-AF65-F5344CB8AC3E}">
-        <p14:creationId xmlns:p14="http://schemas.microsoft.com/office/powerpoint/2010/main" val="1170893381"/>
-      </p:ext>
-    </p:extLst>
-  </p:cSld>
-  <p:clrMapOvr>
-    <a:masterClrMapping/>
-  </p:clrMapOvr>
-</p:sld>
-</file>
-
-<file path=ppt/slides/slide51.xml><?xml version="1.0" encoding="utf-8"?>
 <p:sld xmlns:a="http://schemas.openxmlformats.org/drawingml/2006/main" xmlns:r="http://schemas.openxmlformats.org/officeDocument/2006/relationships" xmlns:p="http://schemas.openxmlformats.org/presentationml/2006/main">
   <p:cSld>
     <p:spTree>
@@ -12468,7 +12242,7 @@
 </p:sld>
 </file>
 
-<file path=ppt/slides/slide52.xml><?xml version="1.0" encoding="utf-8"?>
+<file path=ppt/slides/slide51.xml><?xml version="1.0" encoding="utf-8"?>
 <p:sld xmlns:a="http://schemas.openxmlformats.org/drawingml/2006/main" xmlns:r="http://schemas.openxmlformats.org/officeDocument/2006/relationships" xmlns:p="http://schemas.openxmlformats.org/presentationml/2006/main">
   <p:cSld>
     <p:spTree>
@@ -12700,7 +12474,7 @@
 </p:sld>
 </file>
 
-<file path=ppt/slides/slide53.xml><?xml version="1.0" encoding="utf-8"?>
+<file path=ppt/slides/slide52.xml><?xml version="1.0" encoding="utf-8"?>
 <p:sld xmlns:a="http://schemas.openxmlformats.org/drawingml/2006/main" xmlns:r="http://schemas.openxmlformats.org/officeDocument/2006/relationships" xmlns:p="http://schemas.openxmlformats.org/presentationml/2006/main">
   <p:cSld>
     <p:spTree>
@@ -12882,136 +12656,6 @@
           <a:p>
             <a:r>
               <a:rPr lang="en-US" dirty="0"/>
-              <a:t>What Goes in the Transaction Log?</a:t>
-            </a:r>
-          </a:p>
-        </p:txBody>
-      </p:sp>
-      <p:sp>
-        <p:nvSpPr>
-          <p:cNvPr id="3" name="Content Placeholder 2"/>
-          <p:cNvSpPr>
-            <a:spLocks noGrp="1"/>
-          </p:cNvSpPr>
-          <p:nvPr>
-            <p:ph idx="1"/>
-          </p:nvPr>
-        </p:nvSpPr>
-        <p:spPr/>
-        <p:txBody>
-          <a:bodyPr/>
-          <a:lstStyle/>
-          <a:p>
-            <a:r>
-              <a:rPr lang="en-US" u="sng" dirty="0"/>
-              <a:t>Everything</a:t>
-            </a:r>
-            <a:r>
-              <a:rPr lang="en-US" dirty="0"/>
-              <a:t> that modifies the state </a:t>
-            </a:r>
-            <a:r>
-              <a:rPr lang="en-US" u="sng" dirty="0"/>
-              <a:t>any</a:t>
-            </a:r>
-            <a:r>
-              <a:rPr lang="en-US" dirty="0"/>
-              <a:t> database in SQL</a:t>
-            </a:r>
-          </a:p>
-          <a:p>
-            <a:pPr lvl="1"/>
-            <a:r>
-              <a:rPr lang="en-US" dirty="0"/>
-              <a:t>Includes data to </a:t>
-            </a:r>
-            <a:r>
-              <a:rPr lang="en-US" b="1" dirty="0"/>
-              <a:t>redo</a:t>
-            </a:r>
-            <a:r>
-              <a:rPr lang="en-US" dirty="0"/>
-              <a:t> an operation</a:t>
-            </a:r>
-          </a:p>
-          <a:p>
-            <a:pPr lvl="1"/>
-            <a:r>
-              <a:rPr lang="en-US" dirty="0"/>
-              <a:t>Includes data to </a:t>
-            </a:r>
-            <a:r>
-              <a:rPr lang="en-US" b="1" dirty="0"/>
-              <a:t>undo</a:t>
-            </a:r>
-            <a:r>
-              <a:rPr lang="en-US" dirty="0"/>
-              <a:t> an operation</a:t>
-            </a:r>
-          </a:p>
-          <a:p>
-            <a:r>
-              <a:rPr lang="en-US" sz="2400" dirty="0"/>
-              <a:t>Very limited exceptions for some </a:t>
-            </a:r>
-            <a:r>
-              <a:rPr lang="en-US" sz="2400" dirty="0" err="1"/>
-              <a:t>tempdb</a:t>
-            </a:r>
-            <a:r>
-              <a:rPr lang="en-US" sz="2400" dirty="0"/>
-              <a:t> operations</a:t>
-            </a:r>
-          </a:p>
-        </p:txBody>
-      </p:sp>
-    </p:spTree>
-    <p:extLst>
-      <p:ext uri="{BB962C8B-B14F-4D97-AF65-F5344CB8AC3E}">
-        <p14:creationId xmlns:p14="http://schemas.microsoft.com/office/powerpoint/2010/main" val="1907664427"/>
-      </p:ext>
-    </p:extLst>
-  </p:cSld>
-  <p:clrMapOvr>
-    <a:masterClrMapping/>
-  </p:clrMapOvr>
-</p:sld>
-</file>
-
-<file path=ppt/slides/slide7.xml><?xml version="1.0" encoding="utf-8"?>
-<p:sld xmlns:a="http://schemas.openxmlformats.org/drawingml/2006/main" xmlns:r="http://schemas.openxmlformats.org/officeDocument/2006/relationships" xmlns:p="http://schemas.openxmlformats.org/presentationml/2006/main">
-  <p:cSld>
-    <p:spTree>
-      <p:nvGrpSpPr>
-        <p:cNvPr id="1" name=""/>
-        <p:cNvGrpSpPr/>
-        <p:nvPr/>
-      </p:nvGrpSpPr>
-      <p:grpSpPr>
-        <a:xfrm>
-          <a:off x="0" y="0"/>
-          <a:ext cx="0" cy="0"/>
-          <a:chOff x="0" y="0"/>
-          <a:chExt cx="0" cy="0"/>
-        </a:xfrm>
-      </p:grpSpPr>
-      <p:sp>
-        <p:nvSpPr>
-          <p:cNvPr id="2" name="Title 1"/>
-          <p:cNvSpPr>
-            <a:spLocks noGrp="1"/>
-          </p:cNvSpPr>
-          <p:nvPr>
-            <p:ph type="title"/>
-          </p:nvPr>
-        </p:nvSpPr>
-        <p:spPr/>
-        <p:txBody>
-          <a:bodyPr/>
-          <a:lstStyle/>
-          <a:p>
-            <a:r>
-              <a:rPr lang="en-US" dirty="0"/>
               <a:t>Physical vs Logical Log File</a:t>
             </a:r>
           </a:p>
@@ -13108,7 +12752,7 @@
 </p:sld>
 </file>
 
-<file path=ppt/slides/slide8.xml><?xml version="1.0" encoding="utf-8"?>
+<file path=ppt/slides/slide7.xml><?xml version="1.0" encoding="utf-8"?>
 <p:sld xmlns:a="http://schemas.openxmlformats.org/drawingml/2006/main" xmlns:r="http://schemas.openxmlformats.org/officeDocument/2006/relationships" xmlns:p="http://schemas.openxmlformats.org/presentationml/2006/main">
   <p:cSld>
     <p:spTree>
@@ -13211,7 +12855,7 @@
 </p:sld>
 </file>
 
-<file path=ppt/slides/slide9.xml><?xml version="1.0" encoding="utf-8"?>
+<file path=ppt/slides/slide8.xml><?xml version="1.0" encoding="utf-8"?>
 <p:sld xmlns:a="http://schemas.openxmlformats.org/drawingml/2006/main" xmlns:r="http://schemas.openxmlformats.org/officeDocument/2006/relationships" xmlns:p="http://schemas.openxmlformats.org/presentationml/2006/main">
   <p:cSld>
     <p:spTree>
@@ -13311,6 +12955,128 @@
     <p:extLst>
       <p:ext uri="{BB962C8B-B14F-4D97-AF65-F5344CB8AC3E}">
         <p14:creationId xmlns:p14="http://schemas.microsoft.com/office/powerpoint/2010/main" val="1865007227"/>
+      </p:ext>
+    </p:extLst>
+  </p:cSld>
+  <p:clrMapOvr>
+    <a:masterClrMapping/>
+  </p:clrMapOvr>
+</p:sld>
+</file>
+
+<file path=ppt/slides/slide9.xml><?xml version="1.0" encoding="utf-8"?>
+<p:sld xmlns:a="http://schemas.openxmlformats.org/drawingml/2006/main" xmlns:r="http://schemas.openxmlformats.org/officeDocument/2006/relationships" xmlns:p="http://schemas.openxmlformats.org/presentationml/2006/main">
+  <p:cSld>
+    <p:spTree>
+      <p:nvGrpSpPr>
+        <p:cNvPr id="1" name=""/>
+        <p:cNvGrpSpPr/>
+        <p:nvPr/>
+      </p:nvGrpSpPr>
+      <p:grpSpPr>
+        <a:xfrm>
+          <a:off x="0" y="0"/>
+          <a:ext cx="0" cy="0"/>
+          <a:chOff x="0" y="0"/>
+          <a:chExt cx="0" cy="0"/>
+        </a:xfrm>
+      </p:grpSpPr>
+      <p:sp>
+        <p:nvSpPr>
+          <p:cNvPr id="2" name="Title 1"/>
+          <p:cNvSpPr>
+            <a:spLocks noGrp="1"/>
+          </p:cNvSpPr>
+          <p:nvPr>
+            <p:ph type="title"/>
+          </p:nvPr>
+        </p:nvSpPr>
+        <p:spPr/>
+        <p:txBody>
+          <a:bodyPr/>
+          <a:lstStyle/>
+          <a:p>
+            <a:r>
+              <a:rPr lang="en-US" dirty="0"/>
+              <a:t>Organization of the Transaction Log</a:t>
+            </a:r>
+          </a:p>
+        </p:txBody>
+      </p:sp>
+      <p:sp>
+        <p:nvSpPr>
+          <p:cNvPr id="3" name="Content Placeholder 2"/>
+          <p:cNvSpPr>
+            <a:spLocks noGrp="1"/>
+          </p:cNvSpPr>
+          <p:nvPr>
+            <p:ph idx="1"/>
+          </p:nvPr>
+        </p:nvSpPr>
+        <p:spPr>
+          <a:xfrm>
+            <a:off x="4352925" y="1600200"/>
+            <a:ext cx="4333875" cy="4525963"/>
+          </a:xfrm>
+        </p:spPr>
+        <p:txBody>
+          <a:bodyPr/>
+          <a:lstStyle/>
+          <a:p>
+            <a:r>
+              <a:rPr lang="en-US" dirty="0"/>
+              <a:t>The Transaction Log is just a file …</a:t>
+            </a:r>
+          </a:p>
+          <a:p>
+            <a:r>
+              <a:rPr lang="en-US" dirty="0"/>
+              <a:t>With a bit of header information …</a:t>
+            </a:r>
+          </a:p>
+          <a:p>
+            <a:r>
+              <a:rPr lang="en-US" dirty="0"/>
+              <a:t>Then divided into Virtual Log Files.</a:t>
+            </a:r>
+          </a:p>
+          <a:p>
+            <a:pPr lvl="1"/>
+            <a:r>
+              <a:rPr lang="en-US" dirty="0"/>
+              <a:t>Not necessarily of equal size</a:t>
+            </a:r>
+          </a:p>
+        </p:txBody>
+      </p:sp>
+      <p:pic>
+        <p:nvPicPr>
+          <p:cNvPr id="5" name="Picture 4"/>
+          <p:cNvPicPr>
+            <a:picLocks noChangeAspect="1"/>
+          </p:cNvPicPr>
+          <p:nvPr/>
+        </p:nvPicPr>
+        <p:blipFill>
+          <a:blip r:embed="rId2"/>
+          <a:stretch>
+            <a:fillRect/>
+          </a:stretch>
+        </p:blipFill>
+        <p:spPr>
+          <a:xfrm>
+            <a:off x="457200" y="1417320"/>
+            <a:ext cx="3814109" cy="4681728"/>
+          </a:xfrm>
+          <a:prstGeom prst="rect">
+            <a:avLst/>
+          </a:prstGeom>
+        </p:spPr>
+      </p:pic>
+    </p:spTree>
+    <p:extLst>
+      <p:ext uri="{BB962C8B-B14F-4D97-AF65-F5344CB8AC3E}">
+        <p14:creationId xmlns:p14="http://schemas.microsoft.com/office/powerpoint/2010/main" val="3601134671"/>
       </p:ext>
     </p:extLst>
   </p:cSld>

--- a/TransactionLog.pptx
+++ b/TransactionLog.pptx
@@ -8748,7 +8748,7 @@
           <a:p>
             <a:r>
               <a:rPr lang="en-US" dirty="0"/>
-              <a:t>Related commands/function</a:t>
+              <a:t>Related command/function</a:t>
             </a:r>
           </a:p>
         </p:txBody>
@@ -9247,7 +9247,7 @@
 </file>
 
 <file path=ppt/slides/slide31.xml><?xml version="1.0" encoding="utf-8"?>
-<p:sld xmlns:a="http://schemas.openxmlformats.org/drawingml/2006/main" xmlns:r="http://schemas.openxmlformats.org/officeDocument/2006/relationships" xmlns:p="http://schemas.openxmlformats.org/presentationml/2006/main">
+<p:sld xmlns:a="http://schemas.openxmlformats.org/drawingml/2006/main" xmlns:r="http://schemas.openxmlformats.org/officeDocument/2006/relationships" xmlns:p="http://schemas.openxmlformats.org/presentationml/2006/main" show="0">
   <p:cSld>
     <p:spTree>
       <p:nvGrpSpPr>
@@ -9909,7 +9909,7 @@
           <a:p>
             <a:r>
               <a:rPr lang="en-US" dirty="0"/>
-              <a:t>Clearing the Log</a:t>
+              <a:t>Clearing* the Log (aka Truncating*)</a:t>
             </a:r>
           </a:p>
         </p:txBody>
@@ -9946,7 +9946,7 @@
             <a:pPr lvl="1"/>
             <a:r>
               <a:rPr lang="en-US" dirty="0"/>
-              <a:t>Simple recovery*: Checkpoint</a:t>
+              <a:t>Simple recovery**: Checkpoint</a:t>
             </a:r>
           </a:p>
           <a:p>
@@ -9960,7 +9960,7 @@
             <a:pPr lvl="1"/>
             <a:r>
               <a:rPr lang="en-US" dirty="0"/>
-              <a:t>Change from Full or Bulked Logged to Simple**</a:t>
+              <a:t>Change from Full or Bulked Logged to Simple***</a:t>
             </a:r>
           </a:p>
           <a:p>
@@ -10025,7 +10025,7 @@
         <p:spPr>
           <a:xfrm>
             <a:off x="209550" y="6126163"/>
-            <a:ext cx="6800850" cy="600075"/>
+            <a:ext cx="6800850" cy="731837"/>
           </a:xfrm>
           <a:prstGeom prst="rect">
             <a:avLst/>
@@ -10033,7 +10033,7 @@
         </p:spPr>
         <p:txBody>
           <a:bodyPr vert="horz" lIns="91440" tIns="45720" rIns="91440" bIns="45720" rtlCol="0">
-            <a:normAutofit fontScale="92500" lnSpcReduction="20000"/>
+            <a:normAutofit fontScale="85000" lnSpcReduction="20000"/>
           </a:bodyPr>
           <a:lstStyle>
             <a:lvl1pPr marL="342900" indent="-342900" algn="l" defTabSz="457200" rtl="0" eaLnBrk="1" latinLnBrk="0" hangingPunct="1">
@@ -10178,8 +10178,21 @@
             </a:pPr>
             <a:r>
               <a:rPr lang="en-US" sz="1800" dirty="0"/>
-              <a:t>* More technically, when in “auto-truncate” mode.</a:t>
-            </a:r>
+              <a:t>* Horribly misnamed!  This </a:t>
+            </a:r>
+            <a:r>
+              <a:rPr lang="en-US" sz="1800"/>
+              <a:t>process clears </a:t>
+            </a:r>
+            <a:r>
+              <a:rPr lang="en-US" sz="1800" dirty="0"/>
+              <a:t>nothing and </a:t>
+            </a:r>
+            <a:r>
+              <a:rPr lang="en-US" sz="1800"/>
+              <a:t>truncates nothing.</a:t>
+            </a:r>
+            <a:endParaRPr lang="en-US" sz="1800" dirty="0"/>
           </a:p>
           <a:p>
             <a:pPr marL="57150" indent="0">
@@ -10187,7 +10200,16 @@
             </a:pPr>
             <a:r>
               <a:rPr lang="en-US" sz="1800" dirty="0"/>
-              <a:t>** But this breaks the backup chain!</a:t>
+              <a:t>** More technically, when in “auto-truncate” mode.</a:t>
+            </a:r>
+          </a:p>
+          <a:p>
+            <a:pPr marL="57150" indent="0">
+              <a:buNone/>
+            </a:pPr>
+            <a:r>
+              <a:rPr lang="en-US" sz="1800" dirty="0"/>
+              <a:t>*** But this breaks the backup chain!</a:t>
             </a:r>
           </a:p>
         </p:txBody>

--- a/TransactionLog.pptx
+++ b/TransactionLog.pptx
@@ -259,7 +259,7 @@
           <a:p>
             <a:fld id="{2EDCB34D-5EC2-4739-9693-E425457AC201}" type="datetimeFigureOut">
               <a:rPr lang="en-US" smtClean="0"/>
-              <a:t>3/14/2017</a:t>
+              <a:t>03/15/2017</a:t>
             </a:fld>
             <a:endParaRPr lang="en-US"/>
           </a:p>
@@ -1029,7 +1029,7 @@
             <a:fld id="{5942B21B-2ADA-A040-A652-A7305E1B99FE}" type="datetimeFigureOut">
               <a:rPr lang="en-US" smtClean="0"/>
               <a:pPr/>
-              <a:t>3/14/2017</a:t>
+              <a:t>03/15/2017</a:t>
             </a:fld>
             <a:endParaRPr lang="en-US" dirty="0"/>
           </a:p>
@@ -1219,7 +1219,7 @@
           <a:p>
             <a:fld id="{5942B21B-2ADA-A040-A652-A7305E1B99FE}" type="datetimeFigureOut">
               <a:rPr lang="en-US" smtClean="0"/>
-              <a:t>3/14/2017</a:t>
+              <a:t>03/15/2017</a:t>
             </a:fld>
             <a:endParaRPr lang="en-US"/>
           </a:p>
@@ -1343,7 +1343,7 @@
             <a:fld id="{5942B21B-2ADA-A040-A652-A7305E1B99FE}" type="datetimeFigureOut">
               <a:rPr lang="en-US" smtClean="0"/>
               <a:pPr/>
-              <a:t>3/14/2017</a:t>
+              <a:t>03/15/2017</a:t>
             </a:fld>
             <a:r>
               <a:rPr lang="en-US"/>
@@ -1614,7 +1614,7 @@
             <a:fld id="{5942B21B-2ADA-A040-A652-A7305E1B99FE}" type="datetimeFigureOut">
               <a:rPr lang="en-US" smtClean="0"/>
               <a:pPr/>
-              <a:t>3/14/2017</a:t>
+              <a:t>03/15/2017</a:t>
             </a:fld>
             <a:r>
               <a:rPr lang="en-US" dirty="0"/>
@@ -1884,7 +1884,7 @@
             <a:fld id="{5942B21B-2ADA-A040-A652-A7305E1B99FE}" type="datetimeFigureOut">
               <a:rPr lang="en-US" smtClean="0"/>
               <a:pPr/>
-              <a:t>3/14/2017</a:t>
+              <a:t>03/15/2017</a:t>
             </a:fld>
             <a:r>
               <a:rPr lang="en-US" dirty="0"/>
@@ -2224,7 +2224,7 @@
             <a:fld id="{5942B21B-2ADA-A040-A652-A7305E1B99FE}" type="datetimeFigureOut">
               <a:rPr lang="en-US" smtClean="0"/>
               <a:pPr/>
-              <a:t>3/14/2017</a:t>
+              <a:t>03/15/2017</a:t>
             </a:fld>
             <a:r>
               <a:rPr lang="en-US" dirty="0"/>
@@ -2565,7 +2565,7 @@
             <a:fld id="{5942B21B-2ADA-A040-A652-A7305E1B99FE}" type="datetimeFigureOut">
               <a:rPr lang="en-US" smtClean="0"/>
               <a:pPr/>
-              <a:t>3/14/2017</a:t>
+              <a:t>03/15/2017</a:t>
             </a:fld>
             <a:r>
               <a:rPr lang="en-US" dirty="0"/>
@@ -3080,7 +3080,7 @@
             <a:fld id="{5942B21B-2ADA-A040-A652-A7305E1B99FE}" type="datetimeFigureOut">
               <a:rPr lang="en-US" smtClean="0"/>
               <a:pPr/>
-              <a:t>3/14/2017</a:t>
+              <a:t>03/15/2017</a:t>
             </a:fld>
             <a:r>
               <a:rPr lang="en-US" dirty="0"/>
@@ -3289,7 +3289,7 @@
             <a:fld id="{5942B21B-2ADA-A040-A652-A7305E1B99FE}" type="datetimeFigureOut">
               <a:rPr lang="en-US" smtClean="0"/>
               <a:pPr/>
-              <a:t>3/14/2017</a:t>
+              <a:t>03/15/2017</a:t>
             </a:fld>
             <a:r>
               <a:rPr lang="en-US" dirty="0"/>
@@ -3476,7 +3476,7 @@
             <a:fld id="{5942B21B-2ADA-A040-A652-A7305E1B99FE}" type="datetimeFigureOut">
               <a:rPr lang="en-US" smtClean="0"/>
               <a:pPr/>
-              <a:t>3/14/2017</a:t>
+              <a:t>03/15/2017</a:t>
             </a:fld>
             <a:r>
               <a:rPr lang="en-US" dirty="0"/>
@@ -3807,7 +3807,7 @@
             <a:fld id="{5942B21B-2ADA-A040-A652-A7305E1B99FE}" type="datetimeFigureOut">
               <a:rPr lang="en-US" smtClean="0"/>
               <a:pPr/>
-              <a:t>3/14/2017</a:t>
+              <a:t>03/15/2017</a:t>
             </a:fld>
             <a:r>
               <a:rPr lang="en-US" dirty="0"/>
@@ -4115,7 +4115,7 @@
             <a:fld id="{5942B21B-2ADA-A040-A652-A7305E1B99FE}" type="datetimeFigureOut">
               <a:rPr lang="en-US" smtClean="0"/>
               <a:pPr/>
-              <a:t>3/14/2017</a:t>
+              <a:t>03/15/2017</a:t>
             </a:fld>
             <a:r>
               <a:rPr lang="en-US" dirty="0"/>
@@ -4394,7 +4394,7 @@
             <a:fld id="{5942B21B-2ADA-A040-A652-A7305E1B99FE}" type="datetimeFigureOut">
               <a:rPr lang="en-US" smtClean="0"/>
               <a:pPr/>
-              <a:t>3/14/2017</a:t>
+              <a:t>03/15/2017</a:t>
             </a:fld>
             <a:r>
               <a:rPr lang="en-US" dirty="0"/>
@@ -4874,7 +4874,7 @@
         </p:spPr>
         <p:txBody>
           <a:bodyPr vert="horz" lIns="91440" tIns="45720" rIns="91440" bIns="45720" rtlCol="0">
-            <a:normAutofit lnSpcReduction="10000"/>
+            <a:normAutofit fontScale="85000" lnSpcReduction="10000"/>
           </a:bodyPr>
           <a:lstStyle>
             <a:lvl1pPr marL="342900" indent="-342900" algn="l" defTabSz="457200" rtl="0" eaLnBrk="1" latinLnBrk="0" hangingPunct="1">
@@ -5027,12 +5027,16 @@
               <a:buNone/>
             </a:pPr>
             <a:r>
-              <a:rPr lang="en-US" dirty="0"/>
-              <a:t>Chicago, IL </a:t>
-            </a:r>
-            <a:r>
-              <a:rPr lang="en-US"/>
-              <a:t>– March 11, </a:t>
+              <a:rPr lang="en-US" dirty="0" smtClean="0"/>
+              <a:t>Colorado Springs, CO </a:t>
+            </a:r>
+            <a:r>
+              <a:rPr lang="en-US" dirty="0"/>
+              <a:t>– March </a:t>
+            </a:r>
+            <a:r>
+              <a:rPr lang="en-US" dirty="0" smtClean="0"/>
+              <a:t>25, </a:t>
             </a:r>
             <a:r>
               <a:rPr lang="en-US" dirty="0"/>
@@ -7687,21 +7691,21 @@
                 <a:gridCol w="1895475">
                   <a:extLst>
                     <a:ext uri="{9D8B030D-6E8A-4147-A177-3AD203B41FA5}">
-                      <a16:colId xmlns:a16="http://schemas.microsoft.com/office/drawing/2014/main" val="20000"/>
+                      <a16:colId xmlns:a16="http://schemas.microsoft.com/office/drawing/2014/main" xmlns="" val="20000"/>
                     </a:ext>
                   </a:extLst>
                 </a:gridCol>
                 <a:gridCol w="3171825">
                   <a:extLst>
                     <a:ext uri="{9D8B030D-6E8A-4147-A177-3AD203B41FA5}">
-                      <a16:colId xmlns:a16="http://schemas.microsoft.com/office/drawing/2014/main" val="20001"/>
+                      <a16:colId xmlns:a16="http://schemas.microsoft.com/office/drawing/2014/main" xmlns="" val="20001"/>
                     </a:ext>
                   </a:extLst>
                 </a:gridCol>
                 <a:gridCol w="3162300">
                   <a:extLst>
                     <a:ext uri="{9D8B030D-6E8A-4147-A177-3AD203B41FA5}">
-                      <a16:colId xmlns:a16="http://schemas.microsoft.com/office/drawing/2014/main" val="20002"/>
+                      <a16:colId xmlns:a16="http://schemas.microsoft.com/office/drawing/2014/main" xmlns="" val="20002"/>
                     </a:ext>
                   </a:extLst>
                 </a:gridCol>
@@ -7748,7 +7752,7 @@
                 </a:tc>
                 <a:extLst>
                   <a:ext uri="{0D108BD9-81ED-4DB2-BD59-A6C34878D82A}">
-                    <a16:rowId xmlns:a16="http://schemas.microsoft.com/office/drawing/2014/main" val="10000"/>
+                    <a16:rowId xmlns:a16="http://schemas.microsoft.com/office/drawing/2014/main" xmlns="" val="10000"/>
                   </a:ext>
                 </a:extLst>
               </a:tr>
@@ -7811,7 +7815,7 @@
                 </a:tc>
                 <a:extLst>
                   <a:ext uri="{0D108BD9-81ED-4DB2-BD59-A6C34878D82A}">
-                    <a16:rowId xmlns:a16="http://schemas.microsoft.com/office/drawing/2014/main" val="10001"/>
+                    <a16:rowId xmlns:a16="http://schemas.microsoft.com/office/drawing/2014/main" xmlns="" val="10001"/>
                   </a:ext>
                 </a:extLst>
               </a:tr>
@@ -7882,7 +7886,7 @@
                 </a:tc>
                 <a:extLst>
                   <a:ext uri="{0D108BD9-81ED-4DB2-BD59-A6C34878D82A}">
-                    <a16:rowId xmlns:a16="http://schemas.microsoft.com/office/drawing/2014/main" val="10002"/>
+                    <a16:rowId xmlns:a16="http://schemas.microsoft.com/office/drawing/2014/main" xmlns="" val="10002"/>
                   </a:ext>
                 </a:extLst>
               </a:tr>
@@ -7928,7 +7932,7 @@
                 </a:tc>
                 <a:extLst>
                   <a:ext uri="{0D108BD9-81ED-4DB2-BD59-A6C34878D82A}">
-                    <a16:rowId xmlns:a16="http://schemas.microsoft.com/office/drawing/2014/main" val="10003"/>
+                    <a16:rowId xmlns:a16="http://schemas.microsoft.com/office/drawing/2014/main" xmlns="" val="10003"/>
                   </a:ext>
                 </a:extLst>
               </a:tr>
@@ -7979,7 +7983,7 @@
                 </a:tc>
                 <a:extLst>
                   <a:ext uri="{0D108BD9-81ED-4DB2-BD59-A6C34878D82A}">
-                    <a16:rowId xmlns:a16="http://schemas.microsoft.com/office/drawing/2014/main" val="3543017676"/>
+                    <a16:rowId xmlns:a16="http://schemas.microsoft.com/office/drawing/2014/main" xmlns="" val="3543017676"/>
                   </a:ext>
                 </a:extLst>
               </a:tr>
@@ -9376,6 +9380,14 @@
   <p:clrMapOvr>
     <a:masterClrMapping/>
   </p:clrMapOvr>
+  <mc:AlternateContent xmlns:mc="http://schemas.openxmlformats.org/markup-compatibility/2006">
+    <mc:Choice xmlns:p14="http://schemas.microsoft.com/office/powerpoint/2010/main" Requires="p14">
+      <p:transition spd="slow" p14:dur="2000"/>
+    </mc:Choice>
+    <mc:Fallback>
+      <p:transition spd="slow"/>
+    </mc:Fallback>
+  </mc:AlternateContent>
 </p:sld>
 </file>
 
@@ -11430,14 +11442,14 @@
                 <a:gridCol w="3048000">
                   <a:extLst>
                     <a:ext uri="{9D8B030D-6E8A-4147-A177-3AD203B41FA5}">
-                      <a16:colId xmlns:a16="http://schemas.microsoft.com/office/drawing/2014/main" val="20000"/>
+                      <a16:colId xmlns:a16="http://schemas.microsoft.com/office/drawing/2014/main" xmlns="" val="20000"/>
                     </a:ext>
                   </a:extLst>
                 </a:gridCol>
                 <a:gridCol w="3048000">
                   <a:extLst>
                     <a:ext uri="{9D8B030D-6E8A-4147-A177-3AD203B41FA5}">
-                      <a16:colId xmlns:a16="http://schemas.microsoft.com/office/drawing/2014/main" val="20001"/>
+                      <a16:colId xmlns:a16="http://schemas.microsoft.com/office/drawing/2014/main" xmlns="" val="20001"/>
                     </a:ext>
                   </a:extLst>
                 </a:gridCol>
@@ -11483,7 +11495,7 @@
                 </a:tc>
                 <a:extLst>
                   <a:ext uri="{0D108BD9-81ED-4DB2-BD59-A6C34878D82A}">
-                    <a16:rowId xmlns:a16="http://schemas.microsoft.com/office/drawing/2014/main" val="10000"/>
+                    <a16:rowId xmlns:a16="http://schemas.microsoft.com/office/drawing/2014/main" xmlns="" val="10000"/>
                   </a:ext>
                 </a:extLst>
               </a:tr>
@@ -11518,7 +11530,7 @@
                 </a:tc>
                 <a:extLst>
                   <a:ext uri="{0D108BD9-81ED-4DB2-BD59-A6C34878D82A}">
-                    <a16:rowId xmlns:a16="http://schemas.microsoft.com/office/drawing/2014/main" val="10001"/>
+                    <a16:rowId xmlns:a16="http://schemas.microsoft.com/office/drawing/2014/main" xmlns="" val="10001"/>
                   </a:ext>
                 </a:extLst>
               </a:tr>
@@ -11553,7 +11565,7 @@
                 </a:tc>
                 <a:extLst>
                   <a:ext uri="{0D108BD9-81ED-4DB2-BD59-A6C34878D82A}">
-                    <a16:rowId xmlns:a16="http://schemas.microsoft.com/office/drawing/2014/main" val="10002"/>
+                    <a16:rowId xmlns:a16="http://schemas.microsoft.com/office/drawing/2014/main" xmlns="" val="10002"/>
                   </a:ext>
                 </a:extLst>
               </a:tr>
@@ -11593,7 +11605,7 @@
                 </a:tc>
                 <a:extLst>
                   <a:ext uri="{0D108BD9-81ED-4DB2-BD59-A6C34878D82A}">
-                    <a16:rowId xmlns:a16="http://schemas.microsoft.com/office/drawing/2014/main" val="10003"/>
+                    <a16:rowId xmlns:a16="http://schemas.microsoft.com/office/drawing/2014/main" xmlns="" val="10003"/>
                   </a:ext>
                 </a:extLst>
               </a:tr>

--- a/TransactionLog.pptx
+++ b/TransactionLog.pptx
@@ -5,64 +5,65 @@
     <p:sldMasterId id="2147483648" r:id="rId1"/>
   </p:sldMasterIdLst>
   <p:notesMasterIdLst>
-    <p:notesMasterId r:id="rId54"/>
+    <p:notesMasterId r:id="rId55"/>
   </p:notesMasterIdLst>
   <p:sldIdLst>
-    <p:sldId id="328" r:id="rId2"/>
-    <p:sldId id="259" r:id="rId3"/>
-    <p:sldId id="329" r:id="rId4"/>
-    <p:sldId id="330" r:id="rId5"/>
-    <p:sldId id="331" r:id="rId6"/>
-    <p:sldId id="360" r:id="rId7"/>
-    <p:sldId id="332" r:id="rId8"/>
-    <p:sldId id="333" r:id="rId9"/>
-    <p:sldId id="334" r:id="rId10"/>
-    <p:sldId id="335" r:id="rId11"/>
-    <p:sldId id="339" r:id="rId12"/>
-    <p:sldId id="336" r:id="rId13"/>
-    <p:sldId id="337" r:id="rId14"/>
-    <p:sldId id="338" r:id="rId15"/>
-    <p:sldId id="340" r:id="rId16"/>
-    <p:sldId id="341" r:id="rId17"/>
-    <p:sldId id="342" r:id="rId18"/>
-    <p:sldId id="343" r:id="rId19"/>
-    <p:sldId id="344" r:id="rId20"/>
-    <p:sldId id="345" r:id="rId21"/>
-    <p:sldId id="346" r:id="rId22"/>
-    <p:sldId id="348" r:id="rId23"/>
-    <p:sldId id="364" r:id="rId24"/>
-    <p:sldId id="349" r:id="rId25"/>
-    <p:sldId id="362" r:id="rId26"/>
-    <p:sldId id="350" r:id="rId27"/>
-    <p:sldId id="363" r:id="rId28"/>
-    <p:sldId id="351" r:id="rId29"/>
-    <p:sldId id="354" r:id="rId30"/>
-    <p:sldId id="356" r:id="rId31"/>
-    <p:sldId id="361" r:id="rId32"/>
-    <p:sldId id="353" r:id="rId33"/>
-    <p:sldId id="352" r:id="rId34"/>
-    <p:sldId id="378" r:id="rId35"/>
-    <p:sldId id="379" r:id="rId36"/>
-    <p:sldId id="380" r:id="rId37"/>
-    <p:sldId id="355" r:id="rId38"/>
-    <p:sldId id="366" r:id="rId39"/>
-    <p:sldId id="368" r:id="rId40"/>
-    <p:sldId id="369" r:id="rId41"/>
-    <p:sldId id="373" r:id="rId42"/>
-    <p:sldId id="374" r:id="rId43"/>
-    <p:sldId id="375" r:id="rId44"/>
-    <p:sldId id="376" r:id="rId45"/>
-    <p:sldId id="377" r:id="rId46"/>
-    <p:sldId id="372" r:id="rId47"/>
-    <p:sldId id="357" r:id="rId48"/>
-    <p:sldId id="359" r:id="rId49"/>
-    <p:sldId id="365" r:id="rId50"/>
-    <p:sldId id="367" r:id="rId51"/>
-    <p:sldId id="370" r:id="rId52"/>
-    <p:sldId id="371" r:id="rId53"/>
+    <p:sldId id="262" r:id="rId2"/>
+    <p:sldId id="314" r:id="rId3"/>
+    <p:sldId id="263" r:id="rId4"/>
+    <p:sldId id="264" r:id="rId5"/>
+    <p:sldId id="265" r:id="rId6"/>
+    <p:sldId id="266" r:id="rId7"/>
+    <p:sldId id="267" r:id="rId8"/>
+    <p:sldId id="268" r:id="rId9"/>
+    <p:sldId id="269" r:id="rId10"/>
+    <p:sldId id="270" r:id="rId11"/>
+    <p:sldId id="271" r:id="rId12"/>
+    <p:sldId id="272" r:id="rId13"/>
+    <p:sldId id="273" r:id="rId14"/>
+    <p:sldId id="274" r:id="rId15"/>
+    <p:sldId id="275" r:id="rId16"/>
+    <p:sldId id="276" r:id="rId17"/>
+    <p:sldId id="277" r:id="rId18"/>
+    <p:sldId id="278" r:id="rId19"/>
+    <p:sldId id="279" r:id="rId20"/>
+    <p:sldId id="280" r:id="rId21"/>
+    <p:sldId id="281" r:id="rId22"/>
+    <p:sldId id="282" r:id="rId23"/>
+    <p:sldId id="283" r:id="rId24"/>
+    <p:sldId id="284" r:id="rId25"/>
+    <p:sldId id="285" r:id="rId26"/>
+    <p:sldId id="286" r:id="rId27"/>
+    <p:sldId id="287" r:id="rId28"/>
+    <p:sldId id="288" r:id="rId29"/>
+    <p:sldId id="289" r:id="rId30"/>
+    <p:sldId id="290" r:id="rId31"/>
+    <p:sldId id="291" r:id="rId32"/>
+    <p:sldId id="292" r:id="rId33"/>
+    <p:sldId id="293" r:id="rId34"/>
+    <p:sldId id="294" r:id="rId35"/>
+    <p:sldId id="295" r:id="rId36"/>
+    <p:sldId id="296" r:id="rId37"/>
+    <p:sldId id="297" r:id="rId38"/>
+    <p:sldId id="298" r:id="rId39"/>
+    <p:sldId id="299" r:id="rId40"/>
+    <p:sldId id="300" r:id="rId41"/>
+    <p:sldId id="301" r:id="rId42"/>
+    <p:sldId id="302" r:id="rId43"/>
+    <p:sldId id="303" r:id="rId44"/>
+    <p:sldId id="304" r:id="rId45"/>
+    <p:sldId id="305" r:id="rId46"/>
+    <p:sldId id="306" r:id="rId47"/>
+    <p:sldId id="307" r:id="rId48"/>
+    <p:sldId id="308" r:id="rId49"/>
+    <p:sldId id="309" r:id="rId50"/>
+    <p:sldId id="310" r:id="rId51"/>
+    <p:sldId id="311" r:id="rId52"/>
+    <p:sldId id="312" r:id="rId53"/>
+    <p:sldId id="313" r:id="rId54"/>
   </p:sldIdLst>
   <p:sldSz cx="9144000" cy="6858000" type="screen4x3"/>
-  <p:notesSz cx="6858000" cy="9144000"/>
+  <p:notesSz cx="7010400" cy="9296400"/>
   <p:defaultTextStyle>
     <a:defPPr>
       <a:defRPr lang="en-US"/>
@@ -212,14 +213,14 @@
         <p:spPr>
           <a:xfrm>
             <a:off x="0" y="0"/>
-            <a:ext cx="2971800" cy="458788"/>
+            <a:ext cx="3037840" cy="466434"/>
           </a:xfrm>
           <a:prstGeom prst="rect">
             <a:avLst/>
           </a:prstGeom>
         </p:spPr>
         <p:txBody>
-          <a:bodyPr vert="horz" lIns="91440" tIns="45720" rIns="91440" bIns="45720" rtlCol="0"/>
+          <a:bodyPr vert="horz" lIns="93177" tIns="46589" rIns="93177" bIns="46589" rtlCol="0"/>
           <a:lstStyle>
             <a:lvl1pPr algn="l">
               <a:defRPr sz="1200"/>
@@ -242,24 +243,24 @@
         </p:nvSpPr>
         <p:spPr>
           <a:xfrm>
-            <a:off x="3884613" y="0"/>
-            <a:ext cx="2971800" cy="458788"/>
+            <a:off x="3970938" y="0"/>
+            <a:ext cx="3037840" cy="466434"/>
           </a:xfrm>
           <a:prstGeom prst="rect">
             <a:avLst/>
           </a:prstGeom>
         </p:spPr>
         <p:txBody>
-          <a:bodyPr vert="horz" lIns="91440" tIns="45720" rIns="91440" bIns="45720" rtlCol="0"/>
+          <a:bodyPr vert="horz" lIns="93177" tIns="46589" rIns="93177" bIns="46589" rtlCol="0"/>
           <a:lstStyle>
             <a:lvl1pPr algn="r">
               <a:defRPr sz="1200"/>
             </a:lvl1pPr>
           </a:lstStyle>
           <a:p>
-            <a:fld id="{2EDCB34D-5EC2-4739-9693-E425457AC201}" type="datetimeFigureOut">
+            <a:fld id="{636FE61D-3D09-4319-BAB8-31CF8C26DA82}" type="datetimeFigureOut">
               <a:rPr lang="en-US" smtClean="0"/>
-              <a:t>03/15/2017</a:t>
+              <a:t>03/22/2017</a:t>
             </a:fld>
             <a:endParaRPr lang="en-US"/>
           </a:p>
@@ -277,8 +278,8 @@
         </p:nvSpPr>
         <p:spPr>
           <a:xfrm>
-            <a:off x="1371600" y="1143000"/>
-            <a:ext cx="4114800" cy="3086100"/>
+            <a:off x="1414463" y="1162050"/>
+            <a:ext cx="4181475" cy="3136900"/>
           </a:xfrm>
           <a:prstGeom prst="rect">
             <a:avLst/>
@@ -291,7 +292,7 @@
           </a:ln>
         </p:spPr>
         <p:txBody>
-          <a:bodyPr vert="horz" lIns="91440" tIns="45720" rIns="91440" bIns="45720" rtlCol="0" anchor="ctr"/>
+          <a:bodyPr vert="horz" lIns="93177" tIns="46589" rIns="93177" bIns="46589" rtlCol="0" anchor="ctr"/>
           <a:lstStyle/>
           <a:p>
             <a:endParaRPr lang="en-US"/>
@@ -310,50 +311,51 @@
         </p:nvSpPr>
         <p:spPr>
           <a:xfrm>
-            <a:off x="685800" y="4400550"/>
-            <a:ext cx="5486400" cy="3600450"/>
+            <a:off x="701040" y="4473892"/>
+            <a:ext cx="5608320" cy="3660458"/>
           </a:xfrm>
           <a:prstGeom prst="rect">
             <a:avLst/>
           </a:prstGeom>
         </p:spPr>
         <p:txBody>
-          <a:bodyPr vert="horz" lIns="91440" tIns="45720" rIns="91440" bIns="45720" rtlCol="0"/>
+          <a:bodyPr vert="horz" lIns="93177" tIns="46589" rIns="93177" bIns="46589" rtlCol="0"/>
           <a:lstStyle/>
           <a:p>
             <a:pPr lvl="0"/>
             <a:r>
-              <a:rPr lang="en-US"/>
-              <a:t>Edit Master text styles</a:t>
+              <a:rPr lang="en-US" smtClean="0"/>
+              <a:t>Click to edit Master text styles</a:t>
             </a:r>
           </a:p>
           <a:p>
             <a:pPr lvl="1"/>
             <a:r>
-              <a:rPr lang="en-US"/>
+              <a:rPr lang="en-US" smtClean="0"/>
               <a:t>Second level</a:t>
             </a:r>
           </a:p>
           <a:p>
             <a:pPr lvl="2"/>
             <a:r>
-              <a:rPr lang="en-US"/>
+              <a:rPr lang="en-US" smtClean="0"/>
               <a:t>Third level</a:t>
             </a:r>
           </a:p>
           <a:p>
             <a:pPr lvl="3"/>
             <a:r>
-              <a:rPr lang="en-US"/>
+              <a:rPr lang="en-US" smtClean="0"/>
               <a:t>Fourth level</a:t>
             </a:r>
           </a:p>
           <a:p>
             <a:pPr lvl="4"/>
             <a:r>
-              <a:rPr lang="en-US"/>
+              <a:rPr lang="en-US" smtClean="0"/>
               <a:t>Fifth level</a:t>
             </a:r>
+            <a:endParaRPr lang="en-US"/>
           </a:p>
         </p:txBody>
       </p:sp>
@@ -369,15 +371,15 @@
         </p:nvSpPr>
         <p:spPr>
           <a:xfrm>
-            <a:off x="0" y="8685213"/>
-            <a:ext cx="2971800" cy="458787"/>
+            <a:off x="0" y="8829967"/>
+            <a:ext cx="3037840" cy="466433"/>
           </a:xfrm>
           <a:prstGeom prst="rect">
             <a:avLst/>
           </a:prstGeom>
         </p:spPr>
         <p:txBody>
-          <a:bodyPr vert="horz" lIns="91440" tIns="45720" rIns="91440" bIns="45720" rtlCol="0" anchor="b"/>
+          <a:bodyPr vert="horz" lIns="93177" tIns="46589" rIns="93177" bIns="46589" rtlCol="0" anchor="b"/>
           <a:lstStyle>
             <a:lvl1pPr algn="l">
               <a:defRPr sz="1200"/>
@@ -400,22 +402,22 @@
         </p:nvSpPr>
         <p:spPr>
           <a:xfrm>
-            <a:off x="3884613" y="8685213"/>
-            <a:ext cx="2971800" cy="458787"/>
+            <a:off x="3970938" y="8829967"/>
+            <a:ext cx="3037840" cy="466433"/>
           </a:xfrm>
           <a:prstGeom prst="rect">
             <a:avLst/>
           </a:prstGeom>
         </p:spPr>
         <p:txBody>
-          <a:bodyPr vert="horz" lIns="91440" tIns="45720" rIns="91440" bIns="45720" rtlCol="0" anchor="b"/>
+          <a:bodyPr vert="horz" lIns="93177" tIns="46589" rIns="93177" bIns="46589" rtlCol="0" anchor="b"/>
           <a:lstStyle>
             <a:lvl1pPr algn="r">
               <a:defRPr sz="1200"/>
             </a:lvl1pPr>
           </a:lstStyle>
           <a:p>
-            <a:fld id="{ADDBA41D-AE03-4F1C-B074-B56312AFAE46}" type="slidenum">
+            <a:fld id="{47599759-32A3-47F2-9A65-C15F67D32FC2}" type="slidenum">
               <a:rPr lang="en-US" smtClean="0"/>
               <a:t>‹#›</a:t>
             </a:fld>
@@ -426,7 +428,7 @@
     </p:spTree>
     <p:extLst>
       <p:ext uri="{BB962C8B-B14F-4D97-AF65-F5344CB8AC3E}">
-        <p14:creationId xmlns:p14="http://schemas.microsoft.com/office/powerpoint/2010/main" val="1212497234"/>
+        <p14:creationId xmlns:p14="http://schemas.microsoft.com/office/powerpoint/2010/main" val="3083009204"/>
       </p:ext>
     </p:extLst>
   </p:cSld>
@@ -654,15 +656,7 @@
           <a:bodyPr/>
           <a:lstStyle/>
           <a:p>
-            <a:r>
-              <a:rPr lang="en-US" dirty="0"/>
-              <a:t>Limit of 24K per </a:t>
-            </a:r>
-            <a:r>
-              <a:rPr lang="en-US"/>
-              <a:t>log record?</a:t>
-            </a:r>
-            <a:endParaRPr lang="en-US" dirty="0"/>
+            <a:endParaRPr lang="en-US"/>
           </a:p>
         </p:txBody>
       </p:sp>
@@ -681,9 +675,9 @@
           <a:bodyPr/>
           <a:lstStyle/>
           <a:p>
-            <a:fld id="{ADDBA41D-AE03-4F1C-B074-B56312AFAE46}" type="slidenum">
+            <a:fld id="{47599759-32A3-47F2-9A65-C15F67D32FC2}" type="slidenum">
               <a:rPr lang="en-US" smtClean="0"/>
-              <a:t>19</a:t>
+              <a:t>2</a:t>
             </a:fld>
             <a:endParaRPr lang="en-US"/>
           </a:p>
@@ -692,7 +686,7 @@
     </p:spTree>
     <p:extLst>
       <p:ext uri="{BB962C8B-B14F-4D97-AF65-F5344CB8AC3E}">
-        <p14:creationId xmlns:p14="http://schemas.microsoft.com/office/powerpoint/2010/main" val="2635528499"/>
+        <p14:creationId xmlns:p14="http://schemas.microsoft.com/office/powerpoint/2010/main" val="787278740"/>
       </p:ext>
     </p:extLst>
   </p:cSld>
@@ -748,6 +742,98 @@
           <a:p>
             <a:r>
               <a:rPr lang="en-US" dirty="0"/>
+              <a:t>Limit of 24K per </a:t>
+            </a:r>
+            <a:r>
+              <a:rPr lang="en-US"/>
+              <a:t>log record?</a:t>
+            </a:r>
+            <a:endParaRPr lang="en-US" dirty="0"/>
+          </a:p>
+        </p:txBody>
+      </p:sp>
+      <p:sp>
+        <p:nvSpPr>
+          <p:cNvPr id="4" name="Slide Number Placeholder 3"/>
+          <p:cNvSpPr>
+            <a:spLocks noGrp="1"/>
+          </p:cNvSpPr>
+          <p:nvPr>
+            <p:ph type="sldNum" sz="quarter" idx="10"/>
+          </p:nvPr>
+        </p:nvSpPr>
+        <p:spPr/>
+        <p:txBody>
+          <a:bodyPr/>
+          <a:lstStyle/>
+          <a:p>
+            <a:fld id="{ADDBA41D-AE03-4F1C-B074-B56312AFAE46}" type="slidenum">
+              <a:rPr lang="en-US" smtClean="0"/>
+              <a:t>20</a:t>
+            </a:fld>
+            <a:endParaRPr lang="en-US"/>
+          </a:p>
+        </p:txBody>
+      </p:sp>
+    </p:spTree>
+    <p:extLst>
+      <p:ext uri="{BB962C8B-B14F-4D97-AF65-F5344CB8AC3E}">
+        <p14:creationId xmlns:p14="http://schemas.microsoft.com/office/powerpoint/2010/main" val="2635528499"/>
+      </p:ext>
+    </p:extLst>
+  </p:cSld>
+  <p:clrMapOvr>
+    <a:masterClrMapping/>
+  </p:clrMapOvr>
+</p:notes>
+</file>
+
+<file path=ppt/notesSlides/notesSlide4.xml><?xml version="1.0" encoding="utf-8"?>
+<p:notes xmlns:a="http://schemas.openxmlformats.org/drawingml/2006/main" xmlns:r="http://schemas.openxmlformats.org/officeDocument/2006/relationships" xmlns:p="http://schemas.openxmlformats.org/presentationml/2006/main">
+  <p:cSld>
+    <p:spTree>
+      <p:nvGrpSpPr>
+        <p:cNvPr id="1" name=""/>
+        <p:cNvGrpSpPr/>
+        <p:nvPr/>
+      </p:nvGrpSpPr>
+      <p:grpSpPr>
+        <a:xfrm>
+          <a:off x="0" y="0"/>
+          <a:ext cx="0" cy="0"/>
+          <a:chOff x="0" y="0"/>
+          <a:chExt cx="0" cy="0"/>
+        </a:xfrm>
+      </p:grpSpPr>
+      <p:sp>
+        <p:nvSpPr>
+          <p:cNvPr id="2" name="Slide Image Placeholder 1"/>
+          <p:cNvSpPr>
+            <a:spLocks noGrp="1" noRot="1" noChangeAspect="1"/>
+          </p:cNvSpPr>
+          <p:nvPr>
+            <p:ph type="sldImg"/>
+          </p:nvPr>
+        </p:nvSpPr>
+        <p:spPr/>
+      </p:sp>
+      <p:sp>
+        <p:nvSpPr>
+          <p:cNvPr id="3" name="Notes Placeholder 2"/>
+          <p:cNvSpPr>
+            <a:spLocks noGrp="1"/>
+          </p:cNvSpPr>
+          <p:nvPr>
+            <p:ph type="body" idx="1"/>
+          </p:nvPr>
+        </p:nvSpPr>
+        <p:spPr/>
+        <p:txBody>
+          <a:bodyPr/>
+          <a:lstStyle/>
+          <a:p>
+            <a:r>
+              <a:rPr lang="en-US" dirty="0"/>
               <a:t>Auto-truncate mode means that the database (1) is in the Simple recovery model, or no</a:t>
             </a:r>
             <a:r>
@@ -775,7 +861,7 @@
           <a:p>
             <a:fld id="{ADDBA41D-AE03-4F1C-B074-B56312AFAE46}" type="slidenum">
               <a:rPr lang="en-US" smtClean="0"/>
-              <a:t>37</a:t>
+              <a:t>38</a:t>
             </a:fld>
             <a:endParaRPr lang="en-US"/>
           </a:p>
@@ -833,8 +919,8 @@
         </p:blipFill>
         <p:spPr>
           <a:xfrm>
-            <a:off x="0" y="107547"/>
-            <a:ext cx="9143999" cy="6758608"/>
+            <a:off x="0" y="107546"/>
+            <a:ext cx="9143999" cy="6747609"/>
           </a:xfrm>
           <a:prstGeom prst="rect">
             <a:avLst/>
@@ -872,9 +958,10 @@
           </a:lstStyle>
           <a:p>
             <a:r>
-              <a:rPr lang="en-US" dirty="0"/>
+              <a:rPr lang="en-US" dirty="0" smtClean="0"/>
               <a:t>Click to edit Master title style</a:t>
             </a:r>
+            <a:endParaRPr lang="en-US" dirty="0"/>
           </a:p>
         </p:txBody>
       </p:sp>
@@ -990,90 +1077,18 @@
           </a:lstStyle>
           <a:p>
             <a:r>
-              <a:rPr lang="en-US" dirty="0"/>
+              <a:rPr lang="en-US" dirty="0" smtClean="0"/>
               <a:t>Click to edit Master subtitle style</a:t>
             </a:r>
-          </a:p>
-        </p:txBody>
-      </p:sp>
-      <p:sp>
-        <p:nvSpPr>
-          <p:cNvPr id="4" name="Date Placeholder 3"/>
-          <p:cNvSpPr>
-            <a:spLocks noGrp="1"/>
-          </p:cNvSpPr>
-          <p:nvPr>
-            <p:ph type="dt" sz="half" idx="10"/>
-          </p:nvPr>
-        </p:nvSpPr>
-        <p:spPr>
-          <a:xfrm>
-            <a:off x="457199" y="6197614"/>
-            <a:ext cx="773079" cy="365125"/>
-          </a:xfrm>
-        </p:spPr>
-        <p:txBody>
-          <a:bodyPr/>
-          <a:lstStyle>
-            <a:lvl1pPr>
-              <a:defRPr>
-                <a:solidFill>
-                  <a:schemeClr val="bg1">
-                    <a:lumMod val="75000"/>
-                  </a:schemeClr>
-                </a:solidFill>
-              </a:defRPr>
-            </a:lvl1pPr>
-          </a:lstStyle>
-          <a:p>
-            <a:fld id="{5942B21B-2ADA-A040-A652-A7305E1B99FE}" type="datetimeFigureOut">
-              <a:rPr lang="en-US" smtClean="0"/>
-              <a:pPr/>
-              <a:t>03/15/2017</a:t>
-            </a:fld>
-            <a:endParaRPr lang="en-US" dirty="0"/>
-          </a:p>
-        </p:txBody>
-      </p:sp>
-      <p:sp>
-        <p:nvSpPr>
-          <p:cNvPr id="5" name="Footer Placeholder 4"/>
-          <p:cNvSpPr>
-            <a:spLocks noGrp="1"/>
-          </p:cNvSpPr>
-          <p:nvPr>
-            <p:ph type="ftr" sz="quarter" idx="11"/>
-          </p:nvPr>
-        </p:nvSpPr>
-        <p:spPr>
-          <a:xfrm>
-            <a:off x="1350847" y="6197614"/>
-            <a:ext cx="2895600" cy="365125"/>
-          </a:xfrm>
-        </p:spPr>
-        <p:txBody>
-          <a:bodyPr/>
-          <a:lstStyle>
-            <a:lvl1pPr algn="l">
-              <a:defRPr>
-                <a:solidFill>
-                  <a:schemeClr val="bg1">
-                    <a:lumMod val="75000"/>
-                  </a:schemeClr>
-                </a:solidFill>
-              </a:defRPr>
-            </a:lvl1pPr>
-          </a:lstStyle>
-          <a:p>
             <a:endParaRPr lang="en-US" dirty="0"/>
           </a:p>
         </p:txBody>
       </p:sp>
       <p:pic>
         <p:nvPicPr>
-          <p:cNvPr id="9" name="Picture 8" descr="SQLSaturday_Final_Web.jpg"/>
+          <p:cNvPr id="1028" name="Picture 4" descr="http://www.sqlsaturday.com/images/sqlsat584_web.png"/>
           <p:cNvPicPr>
-            <a:picLocks noChangeAspect="1"/>
+            <a:picLocks noChangeAspect="1" noChangeArrowheads="1"/>
           </p:cNvPicPr>
           <p:nvPr userDrawn="1"/>
         </p:nvPicPr>
@@ -1085,18 +1100,29 @@
               </a:ext>
             </a:extLst>
           </a:blip>
+          <a:srcRect/>
           <a:stretch>
             <a:fillRect/>
           </a:stretch>
         </p:blipFill>
-        <p:spPr>
-          <a:xfrm>
-            <a:off x="7064317" y="5675582"/>
-            <a:ext cx="1912930" cy="1044064"/>
+        <p:spPr bwMode="auto">
+          <a:xfrm>
+            <a:off x="6895420" y="5740561"/>
+            <a:ext cx="2247900" cy="1095376"/>
           </a:xfrm>
           <a:prstGeom prst="rect">
             <a:avLst/>
           </a:prstGeom>
+          <a:noFill/>
+          <a:extLst>
+            <a:ext uri="{909E8E84-426E-40DD-AFC4-6F175D3DCCD1}">
+              <a14:hiddenFill xmlns:a14="http://schemas.microsoft.com/office/drawing/2010/main">
+                <a:solidFill>
+                  <a:srgbClr val="FFFFFF"/>
+                </a:solidFill>
+              </a14:hiddenFill>
+            </a:ext>
+          </a:extLst>
         </p:spPr>
       </p:pic>
     </p:spTree>
@@ -1109,6 +1135,13 @@
   <p:clrMapOvr>
     <a:masterClrMapping/>
   </p:clrMapOvr>
+  <p:timing>
+    <p:tnLst>
+      <p:par>
+        <p:cTn id="1" dur="indefinite" restart="never" nodeType="tmRoot"/>
+      </p:par>
+    </p:tnLst>
+  </p:timing>
 </p:sldLayout>
 </file>
 
@@ -1145,9 +1178,10 @@
           <a:lstStyle/>
           <a:p>
             <a:r>
-              <a:rPr lang="en-US"/>
+              <a:rPr lang="en-US" smtClean="0"/>
               <a:t>Click to edit Master title style</a:t>
             </a:r>
+            <a:endParaRPr lang="en-US"/>
           </a:p>
         </p:txBody>
       </p:sp>
@@ -1168,204 +1202,54 @@
           <a:p>
             <a:pPr lvl="0"/>
             <a:r>
-              <a:rPr lang="en-US"/>
+              <a:rPr lang="en-US" smtClean="0"/>
               <a:t>Click to edit Master text styles</a:t>
             </a:r>
           </a:p>
           <a:p>
             <a:pPr lvl="1"/>
             <a:r>
-              <a:rPr lang="en-US"/>
+              <a:rPr lang="en-US" smtClean="0"/>
               <a:t>Second level</a:t>
             </a:r>
           </a:p>
           <a:p>
             <a:pPr lvl="2"/>
             <a:r>
-              <a:rPr lang="en-US"/>
+              <a:rPr lang="en-US" smtClean="0"/>
               <a:t>Third level</a:t>
             </a:r>
           </a:p>
           <a:p>
             <a:pPr lvl="3"/>
             <a:r>
-              <a:rPr lang="en-US"/>
+              <a:rPr lang="en-US" smtClean="0"/>
               <a:t>Fourth level</a:t>
             </a:r>
           </a:p>
           <a:p>
             <a:pPr lvl="4"/>
             <a:r>
-              <a:rPr lang="en-US"/>
+              <a:rPr lang="en-US" smtClean="0"/>
               <a:t>Fifth level</a:t>
             </a:r>
-          </a:p>
-        </p:txBody>
-      </p:sp>
-      <p:sp>
-        <p:nvSpPr>
-          <p:cNvPr id="4" name="Date Placeholder 3"/>
-          <p:cNvSpPr>
-            <a:spLocks noGrp="1"/>
-          </p:cNvSpPr>
-          <p:nvPr>
-            <p:ph type="dt" sz="half" idx="10"/>
-          </p:nvPr>
-        </p:nvSpPr>
-        <p:spPr/>
-        <p:txBody>
-          <a:bodyPr/>
-          <a:lstStyle/>
-          <a:p>
-            <a:fld id="{5942B21B-2ADA-A040-A652-A7305E1B99FE}" type="datetimeFigureOut">
-              <a:rPr lang="en-US" smtClean="0"/>
-              <a:t>03/15/2017</a:t>
-            </a:fld>
             <a:endParaRPr lang="en-US"/>
           </a:p>
         </p:txBody>
       </p:sp>
       <p:sp>
         <p:nvSpPr>
-          <p:cNvPr id="12" name="Date Placeholder 3"/>
-          <p:cNvSpPr txBox="1">
-            <a:spLocks/>
-          </p:cNvSpPr>
-          <p:nvPr userDrawn="1"/>
+          <p:cNvPr id="13" name="Footer Placeholder 4"/>
+          <p:cNvSpPr>
+            <a:spLocks noGrp="1"/>
+          </p:cNvSpPr>
+          <p:nvPr>
+            <p:ph type="ftr" sz="quarter" idx="3"/>
+          </p:nvPr>
         </p:nvSpPr>
         <p:spPr>
           <a:xfrm>
-            <a:off x="706329" y="6286903"/>
-            <a:ext cx="851361" cy="365125"/>
-          </a:xfrm>
-          <a:prstGeom prst="rect">
-            <a:avLst/>
-          </a:prstGeom>
-        </p:spPr>
-        <p:txBody>
-          <a:bodyPr vert="horz" lIns="91440" tIns="45720" rIns="91440" bIns="45720" rtlCol="0" anchor="ctr"/>
-          <a:lstStyle>
-            <a:defPPr>
-              <a:defRPr lang="en-US"/>
-            </a:defPPr>
-            <a:lvl1pPr marL="0" algn="l" defTabSz="457200" rtl="0" eaLnBrk="1" latinLnBrk="0" hangingPunct="1">
-              <a:defRPr sz="1100" kern="1200">
-                <a:solidFill>
-                  <a:srgbClr val="FFFFFF"/>
-                </a:solidFill>
-                <a:latin typeface="+mn-lt"/>
-                <a:ea typeface="+mn-ea"/>
-                <a:cs typeface="+mn-cs"/>
-              </a:defRPr>
-            </a:lvl1pPr>
-            <a:lvl2pPr marL="457200" algn="l" defTabSz="457200" rtl="0" eaLnBrk="1" latinLnBrk="0" hangingPunct="1">
-              <a:defRPr sz="1800" kern="1200">
-                <a:solidFill>
-                  <a:schemeClr val="tx1"/>
-                </a:solidFill>
-                <a:latin typeface="+mn-lt"/>
-                <a:ea typeface="+mn-ea"/>
-                <a:cs typeface="+mn-cs"/>
-              </a:defRPr>
-            </a:lvl2pPr>
-            <a:lvl3pPr marL="914400" algn="l" defTabSz="457200" rtl="0" eaLnBrk="1" latinLnBrk="0" hangingPunct="1">
-              <a:defRPr sz="1800" kern="1200">
-                <a:solidFill>
-                  <a:schemeClr val="tx1"/>
-                </a:solidFill>
-                <a:latin typeface="+mn-lt"/>
-                <a:ea typeface="+mn-ea"/>
-                <a:cs typeface="+mn-cs"/>
-              </a:defRPr>
-            </a:lvl3pPr>
-            <a:lvl4pPr marL="1371600" algn="l" defTabSz="457200" rtl="0" eaLnBrk="1" latinLnBrk="0" hangingPunct="1">
-              <a:defRPr sz="1800" kern="1200">
-                <a:solidFill>
-                  <a:schemeClr val="tx1"/>
-                </a:solidFill>
-                <a:latin typeface="+mn-lt"/>
-                <a:ea typeface="+mn-ea"/>
-                <a:cs typeface="+mn-cs"/>
-              </a:defRPr>
-            </a:lvl4pPr>
-            <a:lvl5pPr marL="1828800" algn="l" defTabSz="457200" rtl="0" eaLnBrk="1" latinLnBrk="0" hangingPunct="1">
-              <a:defRPr sz="1800" kern="1200">
-                <a:solidFill>
-                  <a:schemeClr val="tx1"/>
-                </a:solidFill>
-                <a:latin typeface="+mn-lt"/>
-                <a:ea typeface="+mn-ea"/>
-                <a:cs typeface="+mn-cs"/>
-              </a:defRPr>
-            </a:lvl5pPr>
-            <a:lvl6pPr marL="2286000" algn="l" defTabSz="457200" rtl="0" eaLnBrk="1" latinLnBrk="0" hangingPunct="1">
-              <a:defRPr sz="1800" kern="1200">
-                <a:solidFill>
-                  <a:schemeClr val="tx1"/>
-                </a:solidFill>
-                <a:latin typeface="+mn-lt"/>
-                <a:ea typeface="+mn-ea"/>
-                <a:cs typeface="+mn-cs"/>
-              </a:defRPr>
-            </a:lvl6pPr>
-            <a:lvl7pPr marL="2743200" algn="l" defTabSz="457200" rtl="0" eaLnBrk="1" latinLnBrk="0" hangingPunct="1">
-              <a:defRPr sz="1800" kern="1200">
-                <a:solidFill>
-                  <a:schemeClr val="tx1"/>
-                </a:solidFill>
-                <a:latin typeface="+mn-lt"/>
-                <a:ea typeface="+mn-ea"/>
-                <a:cs typeface="+mn-cs"/>
-              </a:defRPr>
-            </a:lvl7pPr>
-            <a:lvl8pPr marL="3200400" algn="l" defTabSz="457200" rtl="0" eaLnBrk="1" latinLnBrk="0" hangingPunct="1">
-              <a:defRPr sz="1800" kern="1200">
-                <a:solidFill>
-                  <a:schemeClr val="tx1"/>
-                </a:solidFill>
-                <a:latin typeface="+mn-lt"/>
-                <a:ea typeface="+mn-ea"/>
-                <a:cs typeface="+mn-cs"/>
-              </a:defRPr>
-            </a:lvl8pPr>
-            <a:lvl9pPr marL="3657600" algn="l" defTabSz="457200" rtl="0" eaLnBrk="1" latinLnBrk="0" hangingPunct="1">
-              <a:defRPr sz="1800" kern="1200">
-                <a:solidFill>
-                  <a:schemeClr val="tx1"/>
-                </a:solidFill>
-                <a:latin typeface="+mn-lt"/>
-                <a:ea typeface="+mn-ea"/>
-                <a:cs typeface="+mn-cs"/>
-              </a:defRPr>
-            </a:lvl9pPr>
-          </a:lstStyle>
-          <a:p>
-            <a:fld id="{5942B21B-2ADA-A040-A652-A7305E1B99FE}" type="datetimeFigureOut">
-              <a:rPr lang="en-US" smtClean="0"/>
-              <a:pPr/>
-              <a:t>03/15/2017</a:t>
-            </a:fld>
-            <a:r>
-              <a:rPr lang="en-US"/>
-              <a:t>  |</a:t>
-            </a:r>
-            <a:endParaRPr lang="en-US" dirty="0"/>
-          </a:p>
-        </p:txBody>
-      </p:sp>
-      <p:sp>
-        <p:nvSpPr>
-          <p:cNvPr id="13" name="Footer Placeholder 4"/>
-          <p:cNvSpPr>
-            <a:spLocks noGrp="1"/>
-          </p:cNvSpPr>
-          <p:nvPr>
-            <p:ph type="ftr" sz="quarter" idx="3"/>
-          </p:nvPr>
-        </p:nvSpPr>
-        <p:spPr>
-          <a:xfrm>
-            <a:off x="1420114" y="6286903"/>
+            <a:off x="763618" y="6286903"/>
             <a:ext cx="3153740" cy="365125"/>
           </a:xfrm>
           <a:prstGeom prst="rect">
@@ -1384,6 +1268,10 @@
             </a:lvl1pPr>
           </a:lstStyle>
           <a:p>
+            <a:r>
+              <a:rPr lang="en-US" dirty="0" smtClean="0"/>
+              <a:t>3/25/2017</a:t>
+            </a:r>
             <a:endParaRPr lang="en-US" dirty="0"/>
           </a:p>
         </p:txBody>
@@ -1425,9 +1313,10 @@
               <a:t>‹#›</a:t>
             </a:fld>
             <a:r>
-              <a:rPr lang="en-US" dirty="0"/>
+              <a:rPr lang="en-US" dirty="0" smtClean="0"/>
               <a:t>  |  </a:t>
             </a:r>
+            <a:endParaRPr lang="en-US" dirty="0"/>
           </a:p>
         </p:txBody>
       </p:sp>
@@ -1518,9 +1407,10 @@
           <a:lstStyle/>
           <a:p>
             <a:r>
-              <a:rPr lang="en-US"/>
+              <a:rPr lang="en-US" smtClean="0"/>
               <a:t>Click to edit Master title style</a:t>
             </a:r>
+            <a:endParaRPr lang="en-US"/>
           </a:p>
         </p:txBody>
       </p:sp>
@@ -1546,54 +1436,55 @@
           <a:p>
             <a:pPr lvl="0"/>
             <a:r>
-              <a:rPr lang="en-US"/>
+              <a:rPr lang="en-US" smtClean="0"/>
               <a:t>Click to edit Master text styles</a:t>
             </a:r>
           </a:p>
           <a:p>
             <a:pPr lvl="1"/>
             <a:r>
-              <a:rPr lang="en-US"/>
+              <a:rPr lang="en-US" smtClean="0"/>
               <a:t>Second level</a:t>
             </a:r>
           </a:p>
           <a:p>
             <a:pPr lvl="2"/>
             <a:r>
-              <a:rPr lang="en-US"/>
+              <a:rPr lang="en-US" smtClean="0"/>
               <a:t>Third level</a:t>
             </a:r>
           </a:p>
           <a:p>
             <a:pPr lvl="3"/>
             <a:r>
-              <a:rPr lang="en-US"/>
+              <a:rPr lang="en-US" smtClean="0"/>
               <a:t>Fourth level</a:t>
             </a:r>
           </a:p>
           <a:p>
             <a:pPr lvl="4"/>
             <a:r>
-              <a:rPr lang="en-US"/>
+              <a:rPr lang="en-US" smtClean="0"/>
               <a:t>Fifth level</a:t>
             </a:r>
-          </a:p>
-        </p:txBody>
-      </p:sp>
-      <p:sp>
-        <p:nvSpPr>
-          <p:cNvPr id="12" name="Date Placeholder 3"/>
-          <p:cNvSpPr>
-            <a:spLocks noGrp="1"/>
-          </p:cNvSpPr>
-          <p:nvPr>
-            <p:ph type="dt" sz="half" idx="2"/>
+            <a:endParaRPr lang="en-US"/>
+          </a:p>
+        </p:txBody>
+      </p:sp>
+      <p:sp>
+        <p:nvSpPr>
+          <p:cNvPr id="13" name="Footer Placeholder 4"/>
+          <p:cNvSpPr>
+            <a:spLocks noGrp="1"/>
+          </p:cNvSpPr>
+          <p:nvPr>
+            <p:ph type="ftr" sz="quarter" idx="3"/>
           </p:nvPr>
         </p:nvSpPr>
         <p:spPr>
           <a:xfrm>
-            <a:off x="706329" y="6286903"/>
-            <a:ext cx="851361" cy="365125"/>
+            <a:off x="763618" y="6286903"/>
+            <a:ext cx="3153740" cy="365125"/>
           </a:xfrm>
           <a:prstGeom prst="rect">
             <a:avLst/>
@@ -1611,50 +1502,10 @@
             </a:lvl1pPr>
           </a:lstStyle>
           <a:p>
-            <a:fld id="{5942B21B-2ADA-A040-A652-A7305E1B99FE}" type="datetimeFigureOut">
-              <a:rPr lang="en-US" smtClean="0"/>
-              <a:pPr/>
-              <a:t>03/15/2017</a:t>
-            </a:fld>
-            <a:r>
-              <a:rPr lang="en-US" dirty="0"/>
-              <a:t>  |</a:t>
-            </a:r>
-          </a:p>
-        </p:txBody>
-      </p:sp>
-      <p:sp>
-        <p:nvSpPr>
-          <p:cNvPr id="13" name="Footer Placeholder 4"/>
-          <p:cNvSpPr>
-            <a:spLocks noGrp="1"/>
-          </p:cNvSpPr>
-          <p:nvPr>
-            <p:ph type="ftr" sz="quarter" idx="3"/>
-          </p:nvPr>
-        </p:nvSpPr>
-        <p:spPr>
-          <a:xfrm>
-            <a:off x="1420114" y="6286903"/>
-            <a:ext cx="3153740" cy="365125"/>
-          </a:xfrm>
-          <a:prstGeom prst="rect">
-            <a:avLst/>
-          </a:prstGeom>
-        </p:spPr>
-        <p:txBody>
-          <a:bodyPr vert="horz" lIns="91440" tIns="45720" rIns="91440" bIns="45720" rtlCol="0" anchor="ctr"/>
-          <a:lstStyle>
-            <a:lvl1pPr algn="l">
-              <a:defRPr sz="1100">
-                <a:solidFill>
-                  <a:srgbClr val="FFFFFF"/>
-                </a:solidFill>
-              </a:defRPr>
-            </a:lvl1pPr>
-          </a:lstStyle>
-          <a:p>
-            <a:endParaRPr lang="en-US" dirty="0"/>
+            <a:r>
+              <a:rPr lang="en-US" dirty="0" smtClean="0"/>
+              <a:t>3/25/2017</a:t>
+            </a:r>
           </a:p>
         </p:txBody>
       </p:sp>
@@ -1695,9 +1546,10 @@
               <a:t>‹#›</a:t>
             </a:fld>
             <a:r>
-              <a:rPr lang="en-US" dirty="0"/>
+              <a:rPr lang="en-US" dirty="0" smtClean="0"/>
               <a:t>  |  </a:t>
             </a:r>
+            <a:endParaRPr lang="en-US" dirty="0"/>
           </a:p>
         </p:txBody>
       </p:sp>
@@ -1747,9 +1599,10 @@
           <a:lstStyle/>
           <a:p>
             <a:r>
-              <a:rPr lang="en-US" dirty="0"/>
+              <a:rPr lang="en-US" dirty="0" smtClean="0"/>
               <a:t>Click to edit Master title style</a:t>
             </a:r>
+            <a:endParaRPr lang="en-US" dirty="0"/>
           </a:p>
         </p:txBody>
       </p:sp>
@@ -1816,54 +1669,55 @@
           <a:p>
             <a:pPr lvl="0"/>
             <a:r>
-              <a:rPr lang="en-US" dirty="0"/>
+              <a:rPr lang="en-US" dirty="0" smtClean="0"/>
               <a:t>Click to edit Master text styles</a:t>
             </a:r>
           </a:p>
           <a:p>
             <a:pPr lvl="1"/>
             <a:r>
-              <a:rPr lang="en-US" dirty="0"/>
+              <a:rPr lang="en-US" dirty="0" smtClean="0"/>
               <a:t>Second level</a:t>
             </a:r>
           </a:p>
           <a:p>
             <a:pPr lvl="2"/>
             <a:r>
-              <a:rPr lang="en-US" dirty="0"/>
+              <a:rPr lang="en-US" dirty="0" smtClean="0"/>
               <a:t>Third level</a:t>
             </a:r>
           </a:p>
           <a:p>
             <a:pPr lvl="3"/>
             <a:r>
-              <a:rPr lang="en-US" dirty="0"/>
+              <a:rPr lang="en-US" dirty="0" smtClean="0"/>
               <a:t>Fourth level</a:t>
             </a:r>
           </a:p>
           <a:p>
             <a:pPr lvl="4"/>
             <a:r>
-              <a:rPr lang="en-US" dirty="0"/>
+              <a:rPr lang="en-US" dirty="0" smtClean="0"/>
               <a:t>Fifth level</a:t>
             </a:r>
-          </a:p>
-        </p:txBody>
-      </p:sp>
-      <p:sp>
-        <p:nvSpPr>
-          <p:cNvPr id="13" name="Date Placeholder 3"/>
-          <p:cNvSpPr>
-            <a:spLocks noGrp="1"/>
-          </p:cNvSpPr>
-          <p:nvPr>
-            <p:ph type="dt" sz="half" idx="2"/>
+            <a:endParaRPr lang="en-US" dirty="0"/>
+          </a:p>
+        </p:txBody>
+      </p:sp>
+      <p:sp>
+        <p:nvSpPr>
+          <p:cNvPr id="14" name="Footer Placeholder 4"/>
+          <p:cNvSpPr>
+            <a:spLocks noGrp="1"/>
+          </p:cNvSpPr>
+          <p:nvPr>
+            <p:ph type="ftr" sz="quarter" idx="3"/>
           </p:nvPr>
         </p:nvSpPr>
         <p:spPr>
           <a:xfrm>
-            <a:off x="706329" y="6286903"/>
-            <a:ext cx="851361" cy="365125"/>
+            <a:off x="763754" y="6285280"/>
+            <a:ext cx="3153740" cy="365125"/>
           </a:xfrm>
           <a:prstGeom prst="rect">
             <a:avLst/>
@@ -1881,49 +1735,10 @@
             </a:lvl1pPr>
           </a:lstStyle>
           <a:p>
-            <a:fld id="{5942B21B-2ADA-A040-A652-A7305E1B99FE}" type="datetimeFigureOut">
-              <a:rPr lang="en-US" smtClean="0"/>
-              <a:pPr/>
-              <a:t>03/15/2017</a:t>
-            </a:fld>
-            <a:r>
-              <a:rPr lang="en-US" dirty="0"/>
-              <a:t>  |</a:t>
-            </a:r>
-          </a:p>
-        </p:txBody>
-      </p:sp>
-      <p:sp>
-        <p:nvSpPr>
-          <p:cNvPr id="14" name="Footer Placeholder 4"/>
-          <p:cNvSpPr>
-            <a:spLocks noGrp="1"/>
-          </p:cNvSpPr>
-          <p:nvPr>
-            <p:ph type="ftr" sz="quarter" idx="3"/>
-          </p:nvPr>
-        </p:nvSpPr>
-        <p:spPr>
-          <a:xfrm>
-            <a:off x="1420114" y="6286903"/>
-            <a:ext cx="3153740" cy="365125"/>
-          </a:xfrm>
-          <a:prstGeom prst="rect">
-            <a:avLst/>
-          </a:prstGeom>
-        </p:spPr>
-        <p:txBody>
-          <a:bodyPr vert="horz" lIns="91440" tIns="45720" rIns="91440" bIns="45720" rtlCol="0" anchor="ctr"/>
-          <a:lstStyle>
-            <a:lvl1pPr algn="l">
-              <a:defRPr sz="1100">
-                <a:solidFill>
-                  <a:srgbClr val="FFFFFF"/>
-                </a:solidFill>
-              </a:defRPr>
-            </a:lvl1pPr>
-          </a:lstStyle>
-          <a:p>
+            <a:r>
+              <a:rPr lang="en-US" dirty="0" smtClean="0"/>
+              <a:t>3/25/2017</a:t>
+            </a:r>
             <a:endParaRPr lang="en-US" dirty="0"/>
           </a:p>
         </p:txBody>
@@ -1965,9 +1780,10 @@
               <a:t>‹#›</a:t>
             </a:fld>
             <a:r>
-              <a:rPr lang="en-US" dirty="0"/>
+              <a:rPr lang="en-US" dirty="0" smtClean="0"/>
               <a:t>  |  </a:t>
             </a:r>
+            <a:endParaRPr lang="en-US" dirty="0"/>
           </a:p>
         </p:txBody>
       </p:sp>
@@ -2017,6 +1833,13 @@
   <p:clrMapOvr>
     <a:masterClrMapping/>
   </p:clrMapOvr>
+  <p:timing>
+    <p:tnLst>
+      <p:par>
+        <p:cTn id="1" dur="indefinite" restart="never" nodeType="tmRoot"/>
+      </p:par>
+    </p:tnLst>
+  </p:timing>
 </p:sldLayout>
 </file>
 
@@ -2065,9 +1888,10 @@
           </a:lstStyle>
           <a:p>
             <a:r>
-              <a:rPr lang="en-US" dirty="0"/>
+              <a:rPr lang="en-US" dirty="0" smtClean="0"/>
               <a:t>Click to edit Master title style</a:t>
             </a:r>
+            <a:endParaRPr lang="en-US" dirty="0"/>
           </a:p>
         </p:txBody>
       </p:sp>
@@ -2184,7 +2008,7 @@
           <a:p>
             <a:pPr lvl="0"/>
             <a:r>
-              <a:rPr lang="en-US"/>
+              <a:rPr lang="en-US" smtClean="0"/>
               <a:t>Click to edit Master text styles</a:t>
             </a:r>
           </a:p>
@@ -2192,18 +2016,18 @@
       </p:sp>
       <p:sp>
         <p:nvSpPr>
-          <p:cNvPr id="7" name="Date Placeholder 3"/>
-          <p:cNvSpPr>
-            <a:spLocks noGrp="1"/>
-          </p:cNvSpPr>
-          <p:nvPr>
-            <p:ph type="dt" sz="half" idx="2"/>
+          <p:cNvPr id="8" name="Footer Placeholder 4"/>
+          <p:cNvSpPr>
+            <a:spLocks noGrp="1"/>
+          </p:cNvSpPr>
+          <p:nvPr>
+            <p:ph type="ftr" sz="quarter" idx="3"/>
           </p:nvPr>
         </p:nvSpPr>
         <p:spPr>
           <a:xfrm>
-            <a:off x="706329" y="6286903"/>
-            <a:ext cx="851361" cy="365125"/>
+            <a:off x="763615" y="6286903"/>
+            <a:ext cx="3153740" cy="365125"/>
           </a:xfrm>
           <a:prstGeom prst="rect">
             <a:avLst/>
@@ -2221,50 +2045,10 @@
             </a:lvl1pPr>
           </a:lstStyle>
           <a:p>
-            <a:fld id="{5942B21B-2ADA-A040-A652-A7305E1B99FE}" type="datetimeFigureOut">
-              <a:rPr lang="en-US" smtClean="0"/>
-              <a:pPr/>
-              <a:t>03/15/2017</a:t>
-            </a:fld>
-            <a:r>
-              <a:rPr lang="en-US" dirty="0"/>
-              <a:t>  |</a:t>
-            </a:r>
-          </a:p>
-        </p:txBody>
-      </p:sp>
-      <p:sp>
-        <p:nvSpPr>
-          <p:cNvPr id="8" name="Footer Placeholder 4"/>
-          <p:cNvSpPr>
-            <a:spLocks noGrp="1"/>
-          </p:cNvSpPr>
-          <p:nvPr>
-            <p:ph type="ftr" sz="quarter" idx="3"/>
-          </p:nvPr>
-        </p:nvSpPr>
-        <p:spPr>
-          <a:xfrm>
-            <a:off x="1420114" y="6286903"/>
-            <a:ext cx="3153740" cy="365125"/>
-          </a:xfrm>
-          <a:prstGeom prst="rect">
-            <a:avLst/>
-          </a:prstGeom>
-        </p:spPr>
-        <p:txBody>
-          <a:bodyPr vert="horz" lIns="91440" tIns="45720" rIns="91440" bIns="45720" rtlCol="0" anchor="ctr"/>
-          <a:lstStyle>
-            <a:lvl1pPr algn="l">
-              <a:defRPr sz="1100">
-                <a:solidFill>
-                  <a:srgbClr val="FFFFFF"/>
-                </a:solidFill>
-              </a:defRPr>
-            </a:lvl1pPr>
-          </a:lstStyle>
-          <a:p>
-            <a:endParaRPr lang="en-US" dirty="0"/>
+            <a:r>
+              <a:rPr lang="en-US" dirty="0" smtClean="0"/>
+              <a:t>3/25/2017</a:t>
+            </a:r>
           </a:p>
         </p:txBody>
       </p:sp>
@@ -2305,9 +2089,10 @@
               <a:t>‹#›</a:t>
             </a:fld>
             <a:r>
-              <a:rPr lang="en-US" dirty="0"/>
+              <a:rPr lang="en-US" dirty="0" smtClean="0"/>
               <a:t>  |  </a:t>
             </a:r>
+            <a:endParaRPr lang="en-US" dirty="0"/>
           </a:p>
         </p:txBody>
       </p:sp>
@@ -2321,6 +2106,13 @@
   <p:clrMapOvr>
     <a:masterClrMapping/>
   </p:clrMapOvr>
+  <p:timing>
+    <p:tnLst>
+      <p:par>
+        <p:cTn id="1" dur="indefinite" restart="never" nodeType="tmRoot"/>
+      </p:par>
+    </p:tnLst>
+  </p:timing>
 </p:sldLayout>
 </file>
 
@@ -2357,9 +2149,10 @@
           <a:lstStyle/>
           <a:p>
             <a:r>
-              <a:rPr lang="en-US"/>
+              <a:rPr lang="en-US" smtClean="0"/>
               <a:t>Click to edit Master title style</a:t>
             </a:r>
+            <a:endParaRPr lang="en-US"/>
           </a:p>
         </p:txBody>
       </p:sp>
@@ -2413,37 +2206,38 @@
           <a:p>
             <a:pPr lvl="0"/>
             <a:r>
-              <a:rPr lang="en-US"/>
+              <a:rPr lang="en-US" smtClean="0"/>
               <a:t>Click to edit Master text styles</a:t>
             </a:r>
           </a:p>
           <a:p>
             <a:pPr lvl="1"/>
             <a:r>
-              <a:rPr lang="en-US"/>
+              <a:rPr lang="en-US" smtClean="0"/>
               <a:t>Second level</a:t>
             </a:r>
           </a:p>
           <a:p>
             <a:pPr lvl="2"/>
             <a:r>
-              <a:rPr lang="en-US"/>
+              <a:rPr lang="en-US" smtClean="0"/>
               <a:t>Third level</a:t>
             </a:r>
           </a:p>
           <a:p>
             <a:pPr lvl="3"/>
             <a:r>
-              <a:rPr lang="en-US"/>
+              <a:rPr lang="en-US" smtClean="0"/>
               <a:t>Fourth level</a:t>
             </a:r>
           </a:p>
           <a:p>
             <a:pPr lvl="4"/>
             <a:r>
-              <a:rPr lang="en-US"/>
+              <a:rPr lang="en-US" smtClean="0"/>
               <a:t>Fifth level</a:t>
             </a:r>
+            <a:endParaRPr lang="en-US"/>
           </a:p>
         </p:txBody>
       </p:sp>
@@ -2497,54 +2291,55 @@
           <a:p>
             <a:pPr lvl="0"/>
             <a:r>
-              <a:rPr lang="en-US"/>
+              <a:rPr lang="en-US" smtClean="0"/>
               <a:t>Click to edit Master text styles</a:t>
             </a:r>
           </a:p>
           <a:p>
             <a:pPr lvl="1"/>
             <a:r>
-              <a:rPr lang="en-US"/>
+              <a:rPr lang="en-US" smtClean="0"/>
               <a:t>Second level</a:t>
             </a:r>
           </a:p>
           <a:p>
             <a:pPr lvl="2"/>
             <a:r>
-              <a:rPr lang="en-US"/>
+              <a:rPr lang="en-US" smtClean="0"/>
               <a:t>Third level</a:t>
             </a:r>
           </a:p>
           <a:p>
             <a:pPr lvl="3"/>
             <a:r>
-              <a:rPr lang="en-US"/>
+              <a:rPr lang="en-US" smtClean="0"/>
               <a:t>Fourth level</a:t>
             </a:r>
           </a:p>
           <a:p>
             <a:pPr lvl="4"/>
             <a:r>
-              <a:rPr lang="en-US"/>
+              <a:rPr lang="en-US" smtClean="0"/>
               <a:t>Fifth level</a:t>
             </a:r>
-          </a:p>
-        </p:txBody>
-      </p:sp>
-      <p:sp>
-        <p:nvSpPr>
-          <p:cNvPr id="16" name="Date Placeholder 3"/>
-          <p:cNvSpPr>
-            <a:spLocks noGrp="1"/>
-          </p:cNvSpPr>
-          <p:nvPr>
-            <p:ph type="dt" sz="half" idx="10"/>
+            <a:endParaRPr lang="en-US"/>
+          </a:p>
+        </p:txBody>
+      </p:sp>
+      <p:sp>
+        <p:nvSpPr>
+          <p:cNvPr id="17" name="Footer Placeholder 4"/>
+          <p:cNvSpPr>
+            <a:spLocks noGrp="1"/>
+          </p:cNvSpPr>
+          <p:nvPr>
+            <p:ph type="ftr" sz="quarter" idx="3"/>
           </p:nvPr>
         </p:nvSpPr>
         <p:spPr>
           <a:xfrm>
-            <a:off x="706329" y="6286903"/>
-            <a:ext cx="851361" cy="365125"/>
+            <a:off x="763629" y="6286903"/>
+            <a:ext cx="3153740" cy="365125"/>
           </a:xfrm>
           <a:prstGeom prst="rect">
             <a:avLst/>
@@ -2562,49 +2357,10 @@
             </a:lvl1pPr>
           </a:lstStyle>
           <a:p>
-            <a:fld id="{5942B21B-2ADA-A040-A652-A7305E1B99FE}" type="datetimeFigureOut">
-              <a:rPr lang="en-US" smtClean="0"/>
-              <a:pPr/>
-              <a:t>03/15/2017</a:t>
-            </a:fld>
-            <a:r>
-              <a:rPr lang="en-US" dirty="0"/>
-              <a:t>  |</a:t>
-            </a:r>
-          </a:p>
-        </p:txBody>
-      </p:sp>
-      <p:sp>
-        <p:nvSpPr>
-          <p:cNvPr id="17" name="Footer Placeholder 4"/>
-          <p:cNvSpPr>
-            <a:spLocks noGrp="1"/>
-          </p:cNvSpPr>
-          <p:nvPr>
-            <p:ph type="ftr" sz="quarter" idx="3"/>
-          </p:nvPr>
-        </p:nvSpPr>
-        <p:spPr>
-          <a:xfrm>
-            <a:off x="1420114" y="6286903"/>
-            <a:ext cx="3153740" cy="365125"/>
-          </a:xfrm>
-          <a:prstGeom prst="rect">
-            <a:avLst/>
-          </a:prstGeom>
-        </p:spPr>
-        <p:txBody>
-          <a:bodyPr vert="horz" lIns="91440" tIns="45720" rIns="91440" bIns="45720" rtlCol="0" anchor="ctr"/>
-          <a:lstStyle>
-            <a:lvl1pPr algn="l">
-              <a:defRPr sz="1100">
-                <a:solidFill>
-                  <a:srgbClr val="FFFFFF"/>
-                </a:solidFill>
-              </a:defRPr>
-            </a:lvl1pPr>
-          </a:lstStyle>
-          <a:p>
+            <a:r>
+              <a:rPr lang="en-US" dirty="0" smtClean="0"/>
+              <a:t>3/25/2017</a:t>
+            </a:r>
             <a:endParaRPr lang="en-US" dirty="0"/>
           </a:p>
         </p:txBody>
@@ -2646,9 +2402,10 @@
               <a:t>‹#›</a:t>
             </a:fld>
             <a:r>
-              <a:rPr lang="en-US" dirty="0"/>
+              <a:rPr lang="en-US" dirty="0" smtClean="0"/>
               <a:t>  |  </a:t>
             </a:r>
+            <a:endParaRPr lang="en-US" dirty="0"/>
           </a:p>
         </p:txBody>
       </p:sp>
@@ -2738,9 +2495,10 @@
           </a:lstStyle>
           <a:p>
             <a:r>
-              <a:rPr lang="en-US"/>
+              <a:rPr lang="en-US" smtClean="0"/>
               <a:t>Click to edit Master title style</a:t>
             </a:r>
+            <a:endParaRPr lang="en-US"/>
           </a:p>
         </p:txBody>
       </p:sp>
@@ -2805,7 +2563,7 @@
           <a:p>
             <a:pPr lvl="0"/>
             <a:r>
-              <a:rPr lang="en-US" dirty="0"/>
+              <a:rPr lang="en-US" dirty="0" smtClean="0"/>
               <a:t>Click to edit Master text styles</a:t>
             </a:r>
           </a:p>
@@ -2861,37 +2619,38 @@
           <a:p>
             <a:pPr lvl="0"/>
             <a:r>
-              <a:rPr lang="en-US" dirty="0"/>
+              <a:rPr lang="en-US" dirty="0" smtClean="0"/>
               <a:t>Click to edit Master text styles</a:t>
             </a:r>
           </a:p>
           <a:p>
             <a:pPr lvl="1"/>
             <a:r>
-              <a:rPr lang="en-US" dirty="0"/>
+              <a:rPr lang="en-US" dirty="0" smtClean="0"/>
               <a:t>Second level</a:t>
             </a:r>
           </a:p>
           <a:p>
             <a:pPr lvl="2"/>
             <a:r>
-              <a:rPr lang="en-US" dirty="0"/>
+              <a:rPr lang="en-US" dirty="0" smtClean="0"/>
               <a:t>Third level</a:t>
             </a:r>
           </a:p>
           <a:p>
             <a:pPr lvl="3"/>
             <a:r>
-              <a:rPr lang="en-US" dirty="0"/>
+              <a:rPr lang="en-US" dirty="0" smtClean="0"/>
               <a:t>Fourth level</a:t>
             </a:r>
           </a:p>
           <a:p>
             <a:pPr lvl="4"/>
             <a:r>
-              <a:rPr lang="en-US" dirty="0"/>
+              <a:rPr lang="en-US" dirty="0" smtClean="0"/>
               <a:t>Fifth level</a:t>
             </a:r>
+            <a:endParaRPr lang="en-US" dirty="0"/>
           </a:p>
         </p:txBody>
       </p:sp>
@@ -2956,7 +2715,7 @@
           <a:p>
             <a:pPr lvl="0"/>
             <a:r>
-              <a:rPr lang="en-US" dirty="0"/>
+              <a:rPr lang="en-US" dirty="0" smtClean="0"/>
               <a:t>Click to edit Master text styles</a:t>
             </a:r>
           </a:p>
@@ -3012,54 +2771,55 @@
           <a:p>
             <a:pPr lvl="0"/>
             <a:r>
-              <a:rPr lang="en-US" dirty="0"/>
+              <a:rPr lang="en-US" dirty="0" smtClean="0"/>
               <a:t>Click to edit Master text styles</a:t>
             </a:r>
           </a:p>
           <a:p>
             <a:pPr lvl="1"/>
             <a:r>
-              <a:rPr lang="en-US" dirty="0"/>
+              <a:rPr lang="en-US" dirty="0" smtClean="0"/>
               <a:t>Second level</a:t>
             </a:r>
           </a:p>
           <a:p>
             <a:pPr lvl="2"/>
             <a:r>
-              <a:rPr lang="en-US" dirty="0"/>
+              <a:rPr lang="en-US" dirty="0" smtClean="0"/>
               <a:t>Third level</a:t>
             </a:r>
           </a:p>
           <a:p>
             <a:pPr lvl="3"/>
             <a:r>
-              <a:rPr lang="en-US" dirty="0"/>
+              <a:rPr lang="en-US" dirty="0" smtClean="0"/>
               <a:t>Fourth level</a:t>
             </a:r>
           </a:p>
           <a:p>
             <a:pPr lvl="4"/>
             <a:r>
-              <a:rPr lang="en-US" dirty="0"/>
+              <a:rPr lang="en-US" dirty="0" smtClean="0"/>
               <a:t>Fifth level</a:t>
             </a:r>
-          </a:p>
-        </p:txBody>
-      </p:sp>
-      <p:sp>
-        <p:nvSpPr>
-          <p:cNvPr id="15" name="Date Placeholder 3"/>
-          <p:cNvSpPr>
-            <a:spLocks noGrp="1"/>
-          </p:cNvSpPr>
-          <p:nvPr>
-            <p:ph type="dt" sz="half" idx="10"/>
+            <a:endParaRPr lang="en-US" dirty="0"/>
+          </a:p>
+        </p:txBody>
+      </p:sp>
+      <p:sp>
+        <p:nvSpPr>
+          <p:cNvPr id="16" name="Footer Placeholder 4"/>
+          <p:cNvSpPr>
+            <a:spLocks noGrp="1"/>
+          </p:cNvSpPr>
+          <p:nvPr>
+            <p:ph type="ftr" sz="quarter" idx="11"/>
           </p:nvPr>
         </p:nvSpPr>
         <p:spPr>
           <a:xfrm>
-            <a:off x="706329" y="6286903"/>
-            <a:ext cx="851361" cy="365125"/>
+            <a:off x="763621" y="6286903"/>
+            <a:ext cx="3153740" cy="365125"/>
           </a:xfrm>
           <a:prstGeom prst="rect">
             <a:avLst/>
@@ -3077,49 +2837,10 @@
             </a:lvl1pPr>
           </a:lstStyle>
           <a:p>
-            <a:fld id="{5942B21B-2ADA-A040-A652-A7305E1B99FE}" type="datetimeFigureOut">
-              <a:rPr lang="en-US" smtClean="0"/>
-              <a:pPr/>
-              <a:t>03/15/2017</a:t>
-            </a:fld>
-            <a:r>
-              <a:rPr lang="en-US" dirty="0"/>
-              <a:t>  |</a:t>
-            </a:r>
-          </a:p>
-        </p:txBody>
-      </p:sp>
-      <p:sp>
-        <p:nvSpPr>
-          <p:cNvPr id="16" name="Footer Placeholder 4"/>
-          <p:cNvSpPr>
-            <a:spLocks noGrp="1"/>
-          </p:cNvSpPr>
-          <p:nvPr>
-            <p:ph type="ftr" sz="quarter" idx="11"/>
-          </p:nvPr>
-        </p:nvSpPr>
-        <p:spPr>
-          <a:xfrm>
-            <a:off x="1420114" y="6286903"/>
-            <a:ext cx="3153740" cy="365125"/>
-          </a:xfrm>
-          <a:prstGeom prst="rect">
-            <a:avLst/>
-          </a:prstGeom>
-        </p:spPr>
-        <p:txBody>
-          <a:bodyPr vert="horz" lIns="91440" tIns="45720" rIns="91440" bIns="45720" rtlCol="0" anchor="ctr"/>
-          <a:lstStyle>
-            <a:lvl1pPr algn="l">
-              <a:defRPr sz="1100">
-                <a:solidFill>
-                  <a:srgbClr val="FFFFFF"/>
-                </a:solidFill>
-              </a:defRPr>
-            </a:lvl1pPr>
-          </a:lstStyle>
-          <a:p>
+            <a:r>
+              <a:rPr lang="en-US" dirty="0" smtClean="0"/>
+              <a:t>3/25/2017</a:t>
+            </a:r>
             <a:endParaRPr lang="en-US" dirty="0"/>
           </a:p>
         </p:txBody>
@@ -3161,9 +2882,10 @@
               <a:t>‹#›</a:t>
             </a:fld>
             <a:r>
-              <a:rPr lang="en-US" dirty="0"/>
+              <a:rPr lang="en-US" dirty="0" smtClean="0"/>
               <a:t>  |  </a:t>
             </a:r>
+            <a:endParaRPr lang="en-US" dirty="0"/>
           </a:p>
         </p:txBody>
       </p:sp>
@@ -3249,26 +2971,27 @@
           <a:lstStyle/>
           <a:p>
             <a:r>
-              <a:rPr lang="en-US"/>
+              <a:rPr lang="en-US" smtClean="0"/>
               <a:t>Click to edit Master title style</a:t>
             </a:r>
-          </a:p>
-        </p:txBody>
-      </p:sp>
-      <p:sp>
-        <p:nvSpPr>
-          <p:cNvPr id="11" name="Date Placeholder 3"/>
-          <p:cNvSpPr>
-            <a:spLocks noGrp="1"/>
-          </p:cNvSpPr>
-          <p:nvPr>
-            <p:ph type="dt" sz="half" idx="2"/>
+            <a:endParaRPr lang="en-US"/>
+          </a:p>
+        </p:txBody>
+      </p:sp>
+      <p:sp>
+        <p:nvSpPr>
+          <p:cNvPr id="12" name="Footer Placeholder 4"/>
+          <p:cNvSpPr>
+            <a:spLocks noGrp="1"/>
+          </p:cNvSpPr>
+          <p:nvPr>
+            <p:ph type="ftr" sz="quarter" idx="3"/>
           </p:nvPr>
         </p:nvSpPr>
         <p:spPr>
           <a:xfrm>
-            <a:off x="706329" y="6286903"/>
-            <a:ext cx="851361" cy="365125"/>
+            <a:off x="763619" y="6286903"/>
+            <a:ext cx="3153740" cy="365125"/>
           </a:xfrm>
           <a:prstGeom prst="rect">
             <a:avLst/>
@@ -3286,49 +3009,10 @@
             </a:lvl1pPr>
           </a:lstStyle>
           <a:p>
-            <a:fld id="{5942B21B-2ADA-A040-A652-A7305E1B99FE}" type="datetimeFigureOut">
-              <a:rPr lang="en-US" smtClean="0"/>
-              <a:pPr/>
-              <a:t>03/15/2017</a:t>
-            </a:fld>
-            <a:r>
-              <a:rPr lang="en-US" dirty="0"/>
-              <a:t>  |</a:t>
-            </a:r>
-          </a:p>
-        </p:txBody>
-      </p:sp>
-      <p:sp>
-        <p:nvSpPr>
-          <p:cNvPr id="12" name="Footer Placeholder 4"/>
-          <p:cNvSpPr>
-            <a:spLocks noGrp="1"/>
-          </p:cNvSpPr>
-          <p:nvPr>
-            <p:ph type="ftr" sz="quarter" idx="3"/>
-          </p:nvPr>
-        </p:nvSpPr>
-        <p:spPr>
-          <a:xfrm>
-            <a:off x="1420114" y="6286903"/>
-            <a:ext cx="3153740" cy="365125"/>
-          </a:xfrm>
-          <a:prstGeom prst="rect">
-            <a:avLst/>
-          </a:prstGeom>
-        </p:spPr>
-        <p:txBody>
-          <a:bodyPr vert="horz" lIns="91440" tIns="45720" rIns="91440" bIns="45720" rtlCol="0" anchor="ctr"/>
-          <a:lstStyle>
-            <a:lvl1pPr algn="l">
-              <a:defRPr sz="1100">
-                <a:solidFill>
-                  <a:srgbClr val="FFFFFF"/>
-                </a:solidFill>
-              </a:defRPr>
-            </a:lvl1pPr>
-          </a:lstStyle>
-          <a:p>
+            <a:r>
+              <a:rPr lang="en-US" dirty="0" smtClean="0"/>
+              <a:t>3/25/2017</a:t>
+            </a:r>
             <a:endParaRPr lang="en-US" dirty="0"/>
           </a:p>
         </p:txBody>
@@ -3370,9 +3054,10 @@
               <a:t>‹#›</a:t>
             </a:fld>
             <a:r>
-              <a:rPr lang="en-US" dirty="0"/>
+              <a:rPr lang="en-US" dirty="0" smtClean="0"/>
               <a:t>  |  </a:t>
             </a:r>
+            <a:endParaRPr lang="en-US" dirty="0"/>
           </a:p>
         </p:txBody>
       </p:sp>
@@ -3444,18 +3129,18 @@
       </p:grpSpPr>
       <p:sp>
         <p:nvSpPr>
-          <p:cNvPr id="10" name="Date Placeholder 3"/>
-          <p:cNvSpPr>
-            <a:spLocks noGrp="1"/>
-          </p:cNvSpPr>
-          <p:nvPr>
-            <p:ph type="dt" sz="half" idx="2"/>
+          <p:cNvPr id="11" name="Footer Placeholder 4"/>
+          <p:cNvSpPr>
+            <a:spLocks noGrp="1"/>
+          </p:cNvSpPr>
+          <p:nvPr>
+            <p:ph type="ftr" sz="quarter" idx="3"/>
           </p:nvPr>
         </p:nvSpPr>
         <p:spPr>
           <a:xfrm>
-            <a:off x="706329" y="6286903"/>
-            <a:ext cx="851361" cy="365125"/>
+            <a:off x="763629" y="6286903"/>
+            <a:ext cx="3153740" cy="365125"/>
           </a:xfrm>
           <a:prstGeom prst="rect">
             <a:avLst/>
@@ -3473,49 +3158,10 @@
             </a:lvl1pPr>
           </a:lstStyle>
           <a:p>
-            <a:fld id="{5942B21B-2ADA-A040-A652-A7305E1B99FE}" type="datetimeFigureOut">
-              <a:rPr lang="en-US" smtClean="0"/>
-              <a:pPr/>
-              <a:t>03/15/2017</a:t>
-            </a:fld>
-            <a:r>
-              <a:rPr lang="en-US" dirty="0"/>
-              <a:t>  |</a:t>
-            </a:r>
-          </a:p>
-        </p:txBody>
-      </p:sp>
-      <p:sp>
-        <p:nvSpPr>
-          <p:cNvPr id="11" name="Footer Placeholder 4"/>
-          <p:cNvSpPr>
-            <a:spLocks noGrp="1"/>
-          </p:cNvSpPr>
-          <p:nvPr>
-            <p:ph type="ftr" sz="quarter" idx="3"/>
-          </p:nvPr>
-        </p:nvSpPr>
-        <p:spPr>
-          <a:xfrm>
-            <a:off x="1420114" y="6286903"/>
-            <a:ext cx="3153740" cy="365125"/>
-          </a:xfrm>
-          <a:prstGeom prst="rect">
-            <a:avLst/>
-          </a:prstGeom>
-        </p:spPr>
-        <p:txBody>
-          <a:bodyPr vert="horz" lIns="91440" tIns="45720" rIns="91440" bIns="45720" rtlCol="0" anchor="ctr"/>
-          <a:lstStyle>
-            <a:lvl1pPr algn="l">
-              <a:defRPr sz="1100">
-                <a:solidFill>
-                  <a:srgbClr val="FFFFFF"/>
-                </a:solidFill>
-              </a:defRPr>
-            </a:lvl1pPr>
-          </a:lstStyle>
-          <a:p>
+            <a:r>
+              <a:rPr lang="en-US" dirty="0" smtClean="0"/>
+              <a:t>3/25/2017</a:t>
+            </a:r>
             <a:endParaRPr lang="en-US" dirty="0"/>
           </a:p>
         </p:txBody>
@@ -3557,9 +3203,10 @@
               <a:t>‹#›</a:t>
             </a:fld>
             <a:r>
-              <a:rPr lang="en-US" dirty="0"/>
+              <a:rPr lang="en-US" dirty="0" smtClean="0"/>
               <a:t>  |  </a:t>
             </a:r>
+            <a:endParaRPr lang="en-US" dirty="0"/>
           </a:p>
         </p:txBody>
       </p:sp>
@@ -3618,9 +3265,10 @@
           </a:lstStyle>
           <a:p>
             <a:r>
-              <a:rPr lang="en-US" dirty="0"/>
+              <a:rPr lang="en-US" dirty="0" smtClean="0"/>
               <a:t>Click to edit Master title style</a:t>
             </a:r>
+            <a:endParaRPr lang="en-US" dirty="0"/>
           </a:p>
         </p:txBody>
       </p:sp>
@@ -3674,37 +3322,38 @@
           <a:p>
             <a:pPr lvl="0"/>
             <a:r>
-              <a:rPr lang="en-US" dirty="0"/>
+              <a:rPr lang="en-US" dirty="0" smtClean="0"/>
               <a:t>Click to edit Master text styles</a:t>
             </a:r>
           </a:p>
           <a:p>
             <a:pPr lvl="1"/>
             <a:r>
-              <a:rPr lang="en-US" dirty="0"/>
+              <a:rPr lang="en-US" dirty="0" smtClean="0"/>
               <a:t>Second level</a:t>
             </a:r>
           </a:p>
           <a:p>
             <a:pPr lvl="2"/>
             <a:r>
-              <a:rPr lang="en-US" dirty="0"/>
+              <a:rPr lang="en-US" dirty="0" smtClean="0"/>
               <a:t>Third level</a:t>
             </a:r>
           </a:p>
           <a:p>
             <a:pPr lvl="3"/>
             <a:r>
-              <a:rPr lang="en-US" dirty="0"/>
+              <a:rPr lang="en-US" dirty="0" smtClean="0"/>
               <a:t>Fourth level</a:t>
             </a:r>
           </a:p>
           <a:p>
             <a:pPr lvl="4"/>
             <a:r>
-              <a:rPr lang="en-US" dirty="0"/>
+              <a:rPr lang="en-US" dirty="0" smtClean="0"/>
               <a:t>Fifth level</a:t>
             </a:r>
+            <a:endParaRPr lang="en-US" dirty="0"/>
           </a:p>
         </p:txBody>
       </p:sp>
@@ -3767,7 +3416,7 @@
           <a:p>
             <a:pPr lvl="0"/>
             <a:r>
-              <a:rPr lang="en-US"/>
+              <a:rPr lang="en-US" smtClean="0"/>
               <a:t>Click to edit Master text styles</a:t>
             </a:r>
           </a:p>
@@ -3775,18 +3424,18 @@
       </p:sp>
       <p:sp>
         <p:nvSpPr>
-          <p:cNvPr id="13" name="Date Placeholder 3"/>
-          <p:cNvSpPr>
-            <a:spLocks noGrp="1"/>
-          </p:cNvSpPr>
-          <p:nvPr>
-            <p:ph type="dt" sz="half" idx="10"/>
+          <p:cNvPr id="14" name="Footer Placeholder 4"/>
+          <p:cNvSpPr>
+            <a:spLocks noGrp="1"/>
+          </p:cNvSpPr>
+          <p:nvPr>
+            <p:ph type="ftr" sz="quarter" idx="3"/>
           </p:nvPr>
         </p:nvSpPr>
         <p:spPr>
           <a:xfrm>
-            <a:off x="706329" y="6286903"/>
-            <a:ext cx="851361" cy="365125"/>
+            <a:off x="763618" y="6286903"/>
+            <a:ext cx="3153740" cy="365125"/>
           </a:xfrm>
           <a:prstGeom prst="rect">
             <a:avLst/>
@@ -3804,49 +3453,10 @@
             </a:lvl1pPr>
           </a:lstStyle>
           <a:p>
-            <a:fld id="{5942B21B-2ADA-A040-A652-A7305E1B99FE}" type="datetimeFigureOut">
-              <a:rPr lang="en-US" smtClean="0"/>
-              <a:pPr/>
-              <a:t>03/15/2017</a:t>
-            </a:fld>
-            <a:r>
-              <a:rPr lang="en-US" dirty="0"/>
-              <a:t>  |</a:t>
-            </a:r>
-          </a:p>
-        </p:txBody>
-      </p:sp>
-      <p:sp>
-        <p:nvSpPr>
-          <p:cNvPr id="14" name="Footer Placeholder 4"/>
-          <p:cNvSpPr>
-            <a:spLocks noGrp="1"/>
-          </p:cNvSpPr>
-          <p:nvPr>
-            <p:ph type="ftr" sz="quarter" idx="3"/>
-          </p:nvPr>
-        </p:nvSpPr>
-        <p:spPr>
-          <a:xfrm>
-            <a:off x="1420114" y="6286903"/>
-            <a:ext cx="3153740" cy="365125"/>
-          </a:xfrm>
-          <a:prstGeom prst="rect">
-            <a:avLst/>
-          </a:prstGeom>
-        </p:spPr>
-        <p:txBody>
-          <a:bodyPr vert="horz" lIns="91440" tIns="45720" rIns="91440" bIns="45720" rtlCol="0" anchor="ctr"/>
-          <a:lstStyle>
-            <a:lvl1pPr algn="l">
-              <a:defRPr sz="1100">
-                <a:solidFill>
-                  <a:srgbClr val="FFFFFF"/>
-                </a:solidFill>
-              </a:defRPr>
-            </a:lvl1pPr>
-          </a:lstStyle>
-          <a:p>
+            <a:r>
+              <a:rPr lang="en-US" dirty="0" smtClean="0"/>
+              <a:t>3/25/2017</a:t>
+            </a:r>
             <a:endParaRPr lang="en-US" dirty="0"/>
           </a:p>
         </p:txBody>
@@ -3888,9 +3498,10 @@
               <a:t>‹#›</a:t>
             </a:fld>
             <a:r>
-              <a:rPr lang="en-US" dirty="0"/>
+              <a:rPr lang="en-US" dirty="0" smtClean="0"/>
               <a:t>  |  </a:t>
             </a:r>
+            <a:endParaRPr lang="en-US" dirty="0"/>
           </a:p>
         </p:txBody>
       </p:sp>
@@ -3949,9 +3560,10 @@
           </a:lstStyle>
           <a:p>
             <a:r>
-              <a:rPr lang="en-US"/>
+              <a:rPr lang="en-US" smtClean="0"/>
               <a:t>Click to edit Master title style</a:t>
             </a:r>
+            <a:endParaRPr lang="en-US"/>
           </a:p>
         </p:txBody>
       </p:sp>
@@ -4075,7 +3687,7 @@
           <a:p>
             <a:pPr lvl="0"/>
             <a:r>
-              <a:rPr lang="en-US"/>
+              <a:rPr lang="en-US" smtClean="0"/>
               <a:t>Click to edit Master text styles</a:t>
             </a:r>
           </a:p>
@@ -4083,18 +3695,18 @@
       </p:sp>
       <p:sp>
         <p:nvSpPr>
-          <p:cNvPr id="13" name="Date Placeholder 3"/>
-          <p:cNvSpPr>
-            <a:spLocks noGrp="1"/>
-          </p:cNvSpPr>
-          <p:nvPr>
-            <p:ph type="dt" sz="half" idx="10"/>
+          <p:cNvPr id="14" name="Footer Placeholder 4"/>
+          <p:cNvSpPr>
+            <a:spLocks noGrp="1"/>
+          </p:cNvSpPr>
+          <p:nvPr>
+            <p:ph type="ftr" sz="quarter" idx="3"/>
           </p:nvPr>
         </p:nvSpPr>
         <p:spPr>
           <a:xfrm>
-            <a:off x="706329" y="6286903"/>
-            <a:ext cx="851361" cy="365125"/>
+            <a:off x="763624" y="6286903"/>
+            <a:ext cx="3153740" cy="365125"/>
           </a:xfrm>
           <a:prstGeom prst="rect">
             <a:avLst/>
@@ -4112,49 +3724,10 @@
             </a:lvl1pPr>
           </a:lstStyle>
           <a:p>
-            <a:fld id="{5942B21B-2ADA-A040-A652-A7305E1B99FE}" type="datetimeFigureOut">
-              <a:rPr lang="en-US" smtClean="0"/>
-              <a:pPr/>
-              <a:t>03/15/2017</a:t>
-            </a:fld>
-            <a:r>
-              <a:rPr lang="en-US" dirty="0"/>
-              <a:t>  |</a:t>
-            </a:r>
-          </a:p>
-        </p:txBody>
-      </p:sp>
-      <p:sp>
-        <p:nvSpPr>
-          <p:cNvPr id="14" name="Footer Placeholder 4"/>
-          <p:cNvSpPr>
-            <a:spLocks noGrp="1"/>
-          </p:cNvSpPr>
-          <p:nvPr>
-            <p:ph type="ftr" sz="quarter" idx="3"/>
-          </p:nvPr>
-        </p:nvSpPr>
-        <p:spPr>
-          <a:xfrm>
-            <a:off x="1420114" y="6286903"/>
-            <a:ext cx="3153740" cy="365125"/>
-          </a:xfrm>
-          <a:prstGeom prst="rect">
-            <a:avLst/>
-          </a:prstGeom>
-        </p:spPr>
-        <p:txBody>
-          <a:bodyPr vert="horz" lIns="91440" tIns="45720" rIns="91440" bIns="45720" rtlCol="0" anchor="ctr"/>
-          <a:lstStyle>
-            <a:lvl1pPr algn="l">
-              <a:defRPr sz="1100">
-                <a:solidFill>
-                  <a:srgbClr val="FFFFFF"/>
-                </a:solidFill>
-              </a:defRPr>
-            </a:lvl1pPr>
-          </a:lstStyle>
-          <a:p>
+            <a:r>
+              <a:rPr lang="en-US" dirty="0" smtClean="0"/>
+              <a:t>3/25/2017</a:t>
+            </a:r>
             <a:endParaRPr lang="en-US" dirty="0"/>
           </a:p>
         </p:txBody>
@@ -4196,9 +3769,10 @@
               <a:t>‹#›</a:t>
             </a:fld>
             <a:r>
-              <a:rPr lang="en-US" dirty="0"/>
+              <a:rPr lang="en-US" dirty="0" smtClean="0"/>
               <a:t>  |  </a:t>
             </a:r>
+            <a:endParaRPr lang="en-US" dirty="0"/>
           </a:p>
         </p:txBody>
       </p:sp>
@@ -4293,9 +3867,10 @@
           <a:lstStyle/>
           <a:p>
             <a:r>
-              <a:rPr lang="en-US" dirty="0"/>
+              <a:rPr lang="en-US" dirty="0" smtClean="0"/>
               <a:t>Click to edit Master title style</a:t>
             </a:r>
+            <a:endParaRPr lang="en-US" dirty="0"/>
           </a:p>
         </p:txBody>
       </p:sp>
@@ -4326,54 +3901,55 @@
           <a:p>
             <a:pPr lvl="0"/>
             <a:r>
-              <a:rPr lang="en-US" dirty="0"/>
+              <a:rPr lang="en-US" dirty="0" smtClean="0"/>
               <a:t>Click to edit Master text styles</a:t>
             </a:r>
           </a:p>
           <a:p>
             <a:pPr lvl="1"/>
             <a:r>
-              <a:rPr lang="en-US" dirty="0"/>
+              <a:rPr lang="en-US" dirty="0" smtClean="0"/>
               <a:t>Second level</a:t>
             </a:r>
           </a:p>
           <a:p>
             <a:pPr lvl="2"/>
             <a:r>
-              <a:rPr lang="en-US" dirty="0"/>
+              <a:rPr lang="en-US" dirty="0" smtClean="0"/>
               <a:t>Third level</a:t>
             </a:r>
           </a:p>
           <a:p>
             <a:pPr lvl="3"/>
             <a:r>
-              <a:rPr lang="en-US" dirty="0"/>
+              <a:rPr lang="en-US" dirty="0" smtClean="0"/>
               <a:t>Fourth level</a:t>
             </a:r>
           </a:p>
           <a:p>
             <a:pPr lvl="4"/>
             <a:r>
-              <a:rPr lang="en-US" dirty="0"/>
+              <a:rPr lang="en-US" dirty="0" smtClean="0"/>
               <a:t>Fifth level</a:t>
             </a:r>
-          </a:p>
-        </p:txBody>
-      </p:sp>
-      <p:sp>
-        <p:nvSpPr>
-          <p:cNvPr id="4" name="Date Placeholder 3"/>
-          <p:cNvSpPr>
-            <a:spLocks noGrp="1"/>
-          </p:cNvSpPr>
-          <p:nvPr>
-            <p:ph type="dt" sz="half" idx="2"/>
+            <a:endParaRPr lang="en-US" dirty="0"/>
+          </a:p>
+        </p:txBody>
+      </p:sp>
+      <p:sp>
+        <p:nvSpPr>
+          <p:cNvPr id="5" name="Footer Placeholder 4"/>
+          <p:cNvSpPr>
+            <a:spLocks noGrp="1"/>
+          </p:cNvSpPr>
+          <p:nvPr>
+            <p:ph type="ftr" sz="quarter" idx="3"/>
           </p:nvPr>
         </p:nvSpPr>
         <p:spPr>
           <a:xfrm>
-            <a:off x="706329" y="6286903"/>
-            <a:ext cx="851361" cy="365125"/>
+            <a:off x="763754" y="6290237"/>
+            <a:ext cx="3153740" cy="365125"/>
           </a:xfrm>
           <a:prstGeom prst="rect">
             <a:avLst/>
@@ -4391,49 +3967,10 @@
             </a:lvl1pPr>
           </a:lstStyle>
           <a:p>
-            <a:fld id="{5942B21B-2ADA-A040-A652-A7305E1B99FE}" type="datetimeFigureOut">
-              <a:rPr lang="en-US" smtClean="0"/>
-              <a:pPr/>
-              <a:t>03/15/2017</a:t>
-            </a:fld>
-            <a:r>
-              <a:rPr lang="en-US" dirty="0"/>
-              <a:t>  |</a:t>
-            </a:r>
-          </a:p>
-        </p:txBody>
-      </p:sp>
-      <p:sp>
-        <p:nvSpPr>
-          <p:cNvPr id="5" name="Footer Placeholder 4"/>
-          <p:cNvSpPr>
-            <a:spLocks noGrp="1"/>
-          </p:cNvSpPr>
-          <p:nvPr>
-            <p:ph type="ftr" sz="quarter" idx="3"/>
-          </p:nvPr>
-        </p:nvSpPr>
-        <p:spPr>
-          <a:xfrm>
-            <a:off x="1420114" y="6286903"/>
-            <a:ext cx="3153740" cy="365125"/>
-          </a:xfrm>
-          <a:prstGeom prst="rect">
-            <a:avLst/>
-          </a:prstGeom>
-        </p:spPr>
-        <p:txBody>
-          <a:bodyPr vert="horz" lIns="91440" tIns="45720" rIns="91440" bIns="45720" rtlCol="0" anchor="ctr"/>
-          <a:lstStyle>
-            <a:lvl1pPr algn="l">
-              <a:defRPr sz="1100">
-                <a:solidFill>
-                  <a:srgbClr val="FFFFFF"/>
-                </a:solidFill>
-              </a:defRPr>
-            </a:lvl1pPr>
-          </a:lstStyle>
-          <a:p>
+            <a:r>
+              <a:rPr lang="en-US" dirty="0" smtClean="0"/>
+              <a:t>3/25/2017</a:t>
+            </a:r>
             <a:endParaRPr lang="en-US" dirty="0"/>
           </a:p>
         </p:txBody>
@@ -4475,9 +4012,10 @@
               <a:t>‹#›</a:t>
             </a:fld>
             <a:r>
-              <a:rPr lang="en-US" dirty="0"/>
+              <a:rPr lang="en-US" dirty="0" smtClean="0"/>
               <a:t>  |  </a:t>
             </a:r>
+            <a:endParaRPr lang="en-US" dirty="0"/>
           </a:p>
         </p:txBody>
       </p:sp>
@@ -4509,9 +4047,9 @@
       </p:sp>
       <p:pic>
         <p:nvPicPr>
-          <p:cNvPr id="8" name="Picture 7" descr="SQLSaturday_Final_Web.jpg"/>
+          <p:cNvPr id="2050" name="Picture 2" descr="http://www.sqlsaturday.com/images/sqlsat584_web.png"/>
           <p:cNvPicPr>
-            <a:picLocks noChangeAspect="1"/>
+            <a:picLocks noChangeAspect="1" noChangeArrowheads="1"/>
           </p:cNvPicPr>
           <p:nvPr userDrawn="1"/>
         </p:nvPicPr>
@@ -4523,18 +4061,29 @@
               </a:ext>
             </a:extLst>
           </a:blip>
+          <a:srcRect/>
           <a:stretch>
             <a:fillRect/>
           </a:stretch>
         </p:blipFill>
-        <p:spPr>
-          <a:xfrm>
-            <a:off x="7124337" y="5911456"/>
-            <a:ext cx="1912930" cy="956465"/>
+        <p:spPr bwMode="auto">
+          <a:xfrm>
+            <a:off x="6896100" y="5739215"/>
+            <a:ext cx="2247900" cy="1095376"/>
           </a:xfrm>
           <a:prstGeom prst="rect">
             <a:avLst/>
           </a:prstGeom>
+          <a:noFill/>
+          <a:extLst>
+            <a:ext uri="{909E8E84-426E-40DD-AFC4-6F175D3DCCD1}">
+              <a14:hiddenFill xmlns:a14="http://schemas.microsoft.com/office/drawing/2010/main">
+                <a:solidFill>
+                  <a:srgbClr val="FFFFFF"/>
+                </a:solidFill>
+              </a14:hiddenFill>
+            </a:ext>
+          </a:extLst>
         </p:spPr>
       </p:pic>
     </p:spTree>
@@ -4558,6 +4107,14 @@
     <p:sldLayoutId id="2147483658" r:id="rId10"/>
     <p:sldLayoutId id="2147483659" r:id="rId11"/>
   </p:sldLayoutIdLst>
+  <p:timing>
+    <p:tnLst>
+      <p:par>
+        <p:cTn id="1" dur="indefinite" restart="never" nodeType="tmRoot"/>
+      </p:par>
+    </p:tnLst>
+  </p:timing>
+  <p:hf hdr="0" dt="0"/>
   <p:txStyles>
     <p:titleStyle>
       <a:lvl1pPr algn="l" defTabSz="457200" rtl="0" eaLnBrk="1" latinLnBrk="0" hangingPunct="1">
@@ -5092,7 +4649,7 @@
           <a:p>
             <a:r>
               <a:rPr lang="en-US" dirty="0"/>
-              <a:t>Virtual Log Files</a:t>
+              <a:t>Organization of the Transaction Log</a:t>
             </a:r>
           </a:p>
         </p:txBody>
@@ -5112,7 +4669,6 @@
             <a:off x="4352925" y="1600200"/>
             <a:ext cx="4333875" cy="4525963"/>
           </a:xfrm>
-          <a:noFill/>
         </p:spPr>
         <p:txBody>
           <a:bodyPr/>
@@ -5120,64 +4676,33 @@
           <a:p>
             <a:r>
               <a:rPr lang="en-US" dirty="0"/>
-              <a:t>VLFs can be in one of several statuses:</a:t>
+              <a:t>The Transaction Log is just a file …</a:t>
+            </a:r>
+          </a:p>
+          <a:p>
+            <a:r>
+              <a:rPr lang="en-US" dirty="0"/>
+              <a:t>With a bit of header information …</a:t>
+            </a:r>
+          </a:p>
+          <a:p>
+            <a:r>
+              <a:rPr lang="en-US" dirty="0"/>
+              <a:t>Then divided into Virtual Log Files.</a:t>
             </a:r>
           </a:p>
           <a:p>
             <a:pPr lvl="1"/>
             <a:r>
-              <a:rPr lang="en-US" dirty="0">
-                <a:solidFill>
-                  <a:srgbClr val="92D050"/>
-                </a:solidFill>
-              </a:rPr>
-              <a:t>Inactive (never used)</a:t>
-            </a:r>
-          </a:p>
-          <a:p>
-            <a:pPr lvl="1"/>
-            <a:r>
-              <a:rPr lang="en-US" dirty="0">
-                <a:solidFill>
-                  <a:srgbClr val="92D050"/>
-                </a:solidFill>
-              </a:rPr>
-              <a:t>Inactive (previously used)</a:t>
-            </a:r>
-          </a:p>
-          <a:p>
-            <a:pPr lvl="1"/>
-            <a:r>
-              <a:rPr lang="en-US" dirty="0">
-                <a:solidFill>
-                  <a:srgbClr val="FFC000"/>
-                </a:solidFill>
-              </a:rPr>
-              <a:t>Active (current)</a:t>
-            </a:r>
-          </a:p>
-          <a:p>
-            <a:pPr lvl="1"/>
-            <a:r>
-              <a:rPr lang="en-US" dirty="0">
-                <a:solidFill>
-                  <a:srgbClr val="FF0000"/>
-                </a:solidFill>
-              </a:rPr>
-              <a:t>Active (not usable)</a:t>
-            </a:r>
-          </a:p>
-          <a:p>
-            <a:r>
-              <a:rPr lang="en-US" dirty="0"/>
-              <a:t>Only one VLF is current at a time.</a:t>
+              <a:rPr lang="en-US" dirty="0"/>
+              <a:t>Not necessarily of equal size</a:t>
             </a:r>
           </a:p>
         </p:txBody>
       </p:sp>
       <p:pic>
         <p:nvPicPr>
-          <p:cNvPr id="4" name="Picture 3"/>
+          <p:cNvPr id="5" name="Picture 4"/>
           <p:cNvPicPr>
             <a:picLocks noChangeAspect="1"/>
           </p:cNvPicPr>
@@ -5202,7 +4727,7 @@
     </p:spTree>
     <p:extLst>
       <p:ext uri="{BB962C8B-B14F-4D97-AF65-F5344CB8AC3E}">
-        <p14:creationId xmlns:p14="http://schemas.microsoft.com/office/powerpoint/2010/main" val="1865925798"/>
+        <p14:creationId xmlns:p14="http://schemas.microsoft.com/office/powerpoint/2010/main" val="3601134671"/>
       </p:ext>
     </p:extLst>
   </p:cSld>
@@ -5269,9 +4794,7 @@
           <a:noFill/>
         </p:spPr>
         <p:txBody>
-          <a:bodyPr>
-            <a:normAutofit lnSpcReduction="10000"/>
-          </a:bodyPr>
+          <a:bodyPr/>
           <a:lstStyle/>
           <a:p>
             <a:r>
@@ -5329,23 +4852,11 @@
               <a:t>Only one VLF is current at a time.</a:t>
             </a:r>
           </a:p>
-          <a:p>
-            <a:r>
-              <a:rPr lang="en-US" dirty="0"/>
-              <a:t>VLFs are numbered.</a:t>
-            </a:r>
-          </a:p>
-          <a:p>
-            <a:pPr marL="0" indent="0">
-              <a:buNone/>
-            </a:pPr>
-            <a:endParaRPr lang="en-US" dirty="0"/>
-          </a:p>
         </p:txBody>
       </p:sp>
       <p:pic>
         <p:nvPicPr>
-          <p:cNvPr id="5" name="Picture 4"/>
+          <p:cNvPr id="4" name="Picture 3"/>
           <p:cNvPicPr>
             <a:picLocks noChangeAspect="1"/>
           </p:cNvPicPr>
@@ -5370,7 +4881,7 @@
     </p:spTree>
     <p:extLst>
       <p:ext uri="{BB962C8B-B14F-4D97-AF65-F5344CB8AC3E}">
-        <p14:creationId xmlns:p14="http://schemas.microsoft.com/office/powerpoint/2010/main" val="1725116295"/>
+        <p14:creationId xmlns:p14="http://schemas.microsoft.com/office/powerpoint/2010/main" val="1865925798"/>
       </p:ext>
     </p:extLst>
   </p:cSld>
@@ -5437,18 +4948,77 @@
           <a:noFill/>
         </p:spPr>
         <p:txBody>
-          <a:bodyPr/>
+          <a:bodyPr>
+            <a:normAutofit lnSpcReduction="10000"/>
+          </a:bodyPr>
           <a:lstStyle/>
           <a:p>
             <a:r>
               <a:rPr lang="en-US" dirty="0"/>
-              <a:t>As more records are added to the log, additional VLFs are allocated.</a:t>
-            </a:r>
-            <a:endParaRPr lang="en-US" dirty="0">
-              <a:solidFill>
-                <a:srgbClr val="FF0000"/>
-              </a:solidFill>
-            </a:endParaRPr>
+              <a:t>VLFs can be in one of several statuses:</a:t>
+            </a:r>
+          </a:p>
+          <a:p>
+            <a:pPr lvl="1"/>
+            <a:r>
+              <a:rPr lang="en-US" dirty="0">
+                <a:solidFill>
+                  <a:srgbClr val="92D050"/>
+                </a:solidFill>
+              </a:rPr>
+              <a:t>Inactive (never used)</a:t>
+            </a:r>
+          </a:p>
+          <a:p>
+            <a:pPr lvl="1"/>
+            <a:r>
+              <a:rPr lang="en-US" dirty="0">
+                <a:solidFill>
+                  <a:srgbClr val="92D050"/>
+                </a:solidFill>
+              </a:rPr>
+              <a:t>Inactive (previously used)</a:t>
+            </a:r>
+          </a:p>
+          <a:p>
+            <a:pPr lvl="1"/>
+            <a:r>
+              <a:rPr lang="en-US" dirty="0">
+                <a:solidFill>
+                  <a:srgbClr val="FFC000"/>
+                </a:solidFill>
+              </a:rPr>
+              <a:t>Active (current)</a:t>
+            </a:r>
+          </a:p>
+          <a:p>
+            <a:pPr lvl="1"/>
+            <a:r>
+              <a:rPr lang="en-US" dirty="0">
+                <a:solidFill>
+                  <a:srgbClr val="FF0000"/>
+                </a:solidFill>
+              </a:rPr>
+              <a:t>Active (not usable)</a:t>
+            </a:r>
+          </a:p>
+          <a:p>
+            <a:r>
+              <a:rPr lang="en-US" dirty="0"/>
+              <a:t>Only one VLF is current at a time.</a:t>
+            </a:r>
+          </a:p>
+          <a:p>
+            <a:r>
+              <a:rPr lang="en-US" dirty="0"/>
+              <a:t>VLFs are numbered.</a:t>
+            </a:r>
+          </a:p>
+          <a:p>
+            <a:pPr marL="0" indent="0">
+              <a:buNone/>
+            </a:pPr>
+            <a:endParaRPr lang="en-US" dirty="0"/>
           </a:p>
         </p:txBody>
       </p:sp>
@@ -5469,7 +5039,7 @@
         <p:spPr>
           <a:xfrm>
             <a:off x="457200" y="1417320"/>
-            <a:ext cx="3813048" cy="4680426"/>
+            <a:ext cx="3814109" cy="4681728"/>
           </a:xfrm>
           <a:prstGeom prst="rect">
             <a:avLst/>
@@ -5479,7 +5049,7 @@
     </p:spTree>
     <p:extLst>
       <p:ext uri="{BB962C8B-B14F-4D97-AF65-F5344CB8AC3E}">
-        <p14:creationId xmlns:p14="http://schemas.microsoft.com/office/powerpoint/2010/main" val="1339213773"/>
+        <p14:creationId xmlns:p14="http://schemas.microsoft.com/office/powerpoint/2010/main" val="1725116295"/>
       </p:ext>
     </p:extLst>
   </p:cSld>
@@ -5563,7 +5133,7 @@
       </p:sp>
       <p:pic>
         <p:nvPicPr>
-          <p:cNvPr id="4" name="Picture 3"/>
+          <p:cNvPr id="5" name="Picture 4"/>
           <p:cNvPicPr>
             <a:picLocks noChangeAspect="1"/>
           </p:cNvPicPr>
@@ -5578,7 +5148,7 @@
         <p:spPr>
           <a:xfrm>
             <a:off x="457200" y="1417320"/>
-            <a:ext cx="3814109" cy="4681728"/>
+            <a:ext cx="3813048" cy="4680426"/>
           </a:xfrm>
           <a:prstGeom prst="rect">
             <a:avLst/>
@@ -5588,7 +5158,7 @@
     </p:spTree>
     <p:extLst>
       <p:ext uri="{BB962C8B-B14F-4D97-AF65-F5344CB8AC3E}">
-        <p14:creationId xmlns:p14="http://schemas.microsoft.com/office/powerpoint/2010/main" val="3381668158"/>
+        <p14:creationId xmlns:p14="http://schemas.microsoft.com/office/powerpoint/2010/main" val="1339213773"/>
       </p:ext>
     </p:extLst>
   </p:cSld>
@@ -5660,26 +5230,19 @@
           <a:p>
             <a:r>
               <a:rPr lang="en-US" dirty="0"/>
-              <a:t>As more records are added to the log, additional VLFs are put in use.</a:t>
-            </a:r>
-          </a:p>
-          <a:p>
-            <a:r>
-              <a:rPr lang="en-US" dirty="0"/>
-              <a:t>Writing to the log is circular so long as VLF are available.</a:t>
-            </a:r>
-          </a:p>
-          <a:p>
-            <a:r>
-              <a:rPr lang="en-US" dirty="0"/>
-              <a:t>What happens next?</a:t>
-            </a:r>
+              <a:t>As more records are added to the log, additional VLFs are allocated.</a:t>
+            </a:r>
+            <a:endParaRPr lang="en-US" dirty="0">
+              <a:solidFill>
+                <a:srgbClr val="FF0000"/>
+              </a:solidFill>
+            </a:endParaRPr>
           </a:p>
         </p:txBody>
       </p:sp>
       <p:pic>
         <p:nvPicPr>
-          <p:cNvPr id="5" name="Picture 4"/>
+          <p:cNvPr id="4" name="Picture 3"/>
           <p:cNvPicPr>
             <a:picLocks noChangeAspect="1"/>
           </p:cNvPicPr>
@@ -5704,7 +5267,7 @@
     </p:spTree>
     <p:extLst>
       <p:ext uri="{BB962C8B-B14F-4D97-AF65-F5344CB8AC3E}">
-        <p14:creationId xmlns:p14="http://schemas.microsoft.com/office/powerpoint/2010/main" val="1135754112"/>
+        <p14:creationId xmlns:p14="http://schemas.microsoft.com/office/powerpoint/2010/main" val="3381668158"/>
       </p:ext>
     </p:extLst>
   </p:cSld>
@@ -5776,23 +5339,26 @@
           <a:p>
             <a:r>
               <a:rPr lang="en-US" dirty="0"/>
-              <a:t>The log file has to grow</a:t>
-            </a:r>
-          </a:p>
-          <a:p>
-            <a:r>
-              <a:rPr lang="en-US" dirty="0"/>
-              <a:t>More VLFs are added</a:t>
-            </a:r>
-          </a:p>
-          <a:p>
-            <a:endParaRPr lang="en-US" dirty="0"/>
+              <a:t>As more records are added to the log, additional VLFs are put in use.</a:t>
+            </a:r>
+          </a:p>
+          <a:p>
+            <a:r>
+              <a:rPr lang="en-US" dirty="0"/>
+              <a:t>Writing to the log is circular so long as VLF are available.</a:t>
+            </a:r>
+          </a:p>
+          <a:p>
+            <a:r>
+              <a:rPr lang="en-US" dirty="0"/>
+              <a:t>What happens next?</a:t>
+            </a:r>
           </a:p>
         </p:txBody>
       </p:sp>
       <p:pic>
         <p:nvPicPr>
-          <p:cNvPr id="4" name="Picture 3"/>
+          <p:cNvPr id="5" name="Picture 4"/>
           <p:cNvPicPr>
             <a:picLocks noChangeAspect="1"/>
           </p:cNvPicPr>
@@ -5807,7 +5373,7 @@
         <p:spPr>
           <a:xfrm>
             <a:off x="457200" y="1417320"/>
-            <a:ext cx="2008736" cy="4692864"/>
+            <a:ext cx="3814109" cy="4681728"/>
           </a:xfrm>
           <a:prstGeom prst="rect">
             <a:avLst/>
@@ -5817,7 +5383,7 @@
     </p:spTree>
     <p:extLst>
       <p:ext uri="{BB962C8B-B14F-4D97-AF65-F5344CB8AC3E}">
-        <p14:creationId xmlns:p14="http://schemas.microsoft.com/office/powerpoint/2010/main" val="3149823093"/>
+        <p14:creationId xmlns:p14="http://schemas.microsoft.com/office/powerpoint/2010/main" val="1135754112"/>
       </p:ext>
     </p:extLst>
   </p:cSld>
@@ -5899,6 +5465,119 @@
             </a:r>
           </a:p>
           <a:p>
+            <a:endParaRPr lang="en-US" dirty="0"/>
+          </a:p>
+        </p:txBody>
+      </p:sp>
+      <p:pic>
+        <p:nvPicPr>
+          <p:cNvPr id="4" name="Picture 3"/>
+          <p:cNvPicPr>
+            <a:picLocks noChangeAspect="1"/>
+          </p:cNvPicPr>
+          <p:nvPr/>
+        </p:nvPicPr>
+        <p:blipFill>
+          <a:blip r:embed="rId2"/>
+          <a:stretch>
+            <a:fillRect/>
+          </a:stretch>
+        </p:blipFill>
+        <p:spPr>
+          <a:xfrm>
+            <a:off x="457200" y="1417320"/>
+            <a:ext cx="2008736" cy="4692864"/>
+          </a:xfrm>
+          <a:prstGeom prst="rect">
+            <a:avLst/>
+          </a:prstGeom>
+        </p:spPr>
+      </p:pic>
+    </p:spTree>
+    <p:extLst>
+      <p:ext uri="{BB962C8B-B14F-4D97-AF65-F5344CB8AC3E}">
+        <p14:creationId xmlns:p14="http://schemas.microsoft.com/office/powerpoint/2010/main" val="3149823093"/>
+      </p:ext>
+    </p:extLst>
+  </p:cSld>
+  <p:clrMapOvr>
+    <a:masterClrMapping/>
+  </p:clrMapOvr>
+</p:sld>
+</file>
+
+<file path=ppt/slides/slide17.xml><?xml version="1.0" encoding="utf-8"?>
+<p:sld xmlns:a="http://schemas.openxmlformats.org/drawingml/2006/main" xmlns:r="http://schemas.openxmlformats.org/officeDocument/2006/relationships" xmlns:p="http://schemas.openxmlformats.org/presentationml/2006/main">
+  <p:cSld>
+    <p:spTree>
+      <p:nvGrpSpPr>
+        <p:cNvPr id="1" name=""/>
+        <p:cNvGrpSpPr/>
+        <p:nvPr/>
+      </p:nvGrpSpPr>
+      <p:grpSpPr>
+        <a:xfrm>
+          <a:off x="0" y="0"/>
+          <a:ext cx="0" cy="0"/>
+          <a:chOff x="0" y="0"/>
+          <a:chExt cx="0" cy="0"/>
+        </a:xfrm>
+      </p:grpSpPr>
+      <p:sp>
+        <p:nvSpPr>
+          <p:cNvPr id="2" name="Title 1"/>
+          <p:cNvSpPr>
+            <a:spLocks noGrp="1"/>
+          </p:cNvSpPr>
+          <p:nvPr>
+            <p:ph type="title"/>
+          </p:nvPr>
+        </p:nvSpPr>
+        <p:spPr/>
+        <p:txBody>
+          <a:bodyPr/>
+          <a:lstStyle/>
+          <a:p>
+            <a:r>
+              <a:rPr lang="en-US" dirty="0"/>
+              <a:t>Virtual Log Files</a:t>
+            </a:r>
+          </a:p>
+        </p:txBody>
+      </p:sp>
+      <p:sp>
+        <p:nvSpPr>
+          <p:cNvPr id="3" name="Content Placeholder 2"/>
+          <p:cNvSpPr>
+            <a:spLocks noGrp="1"/>
+          </p:cNvSpPr>
+          <p:nvPr>
+            <p:ph idx="1"/>
+          </p:nvPr>
+        </p:nvSpPr>
+        <p:spPr>
+          <a:xfrm>
+            <a:off x="4352925" y="1600200"/>
+            <a:ext cx="4333875" cy="4525963"/>
+          </a:xfrm>
+          <a:noFill/>
+        </p:spPr>
+        <p:txBody>
+          <a:bodyPr/>
+          <a:lstStyle/>
+          <a:p>
+            <a:r>
+              <a:rPr lang="en-US" dirty="0"/>
+              <a:t>The log file has to grow</a:t>
+            </a:r>
+          </a:p>
+          <a:p>
+            <a:r>
+              <a:rPr lang="en-US" dirty="0"/>
+              <a:t>More VLFs are added</a:t>
+            </a:r>
+          </a:p>
+          <a:p>
             <a:r>
               <a:rPr lang="en-US" dirty="0"/>
               <a:t>Eventually the log will be “truncated” or “cleared”</a:t>
@@ -5946,7 +5625,7 @@
 </p:sld>
 </file>
 
-<file path=ppt/slides/slide17.xml><?xml version="1.0" encoding="utf-8"?>
+<file path=ppt/slides/slide18.xml><?xml version="1.0" encoding="utf-8"?>
 <p:sld xmlns:a="http://schemas.openxmlformats.org/drawingml/2006/main" xmlns:r="http://schemas.openxmlformats.org/officeDocument/2006/relationships" xmlns:p="http://schemas.openxmlformats.org/presentationml/2006/main">
   <p:cSld>
     <p:spTree>
@@ -6109,122 +5788,6 @@
 </p:sld>
 </file>
 
-<file path=ppt/slides/slide18.xml><?xml version="1.0" encoding="utf-8"?>
-<p:sld xmlns:a="http://schemas.openxmlformats.org/drawingml/2006/main" xmlns:r="http://schemas.openxmlformats.org/officeDocument/2006/relationships" xmlns:p="http://schemas.openxmlformats.org/presentationml/2006/main">
-  <p:cSld>
-    <p:spTree>
-      <p:nvGrpSpPr>
-        <p:cNvPr id="1" name=""/>
-        <p:cNvGrpSpPr/>
-        <p:nvPr/>
-      </p:nvGrpSpPr>
-      <p:grpSpPr>
-        <a:xfrm>
-          <a:off x="0" y="0"/>
-          <a:ext cx="0" cy="0"/>
-          <a:chOff x="0" y="0"/>
-          <a:chExt cx="0" cy="0"/>
-        </a:xfrm>
-      </p:grpSpPr>
-      <p:sp>
-        <p:nvSpPr>
-          <p:cNvPr id="2" name="Title 1"/>
-          <p:cNvSpPr>
-            <a:spLocks noGrp="1"/>
-          </p:cNvSpPr>
-          <p:nvPr>
-            <p:ph type="title"/>
-          </p:nvPr>
-        </p:nvSpPr>
-        <p:spPr/>
-        <p:txBody>
-          <a:bodyPr/>
-          <a:lstStyle/>
-          <a:p>
-            <a:r>
-              <a:rPr lang="en-US" dirty="0"/>
-              <a:t>VLF Detail</a:t>
-            </a:r>
-          </a:p>
-        </p:txBody>
-      </p:sp>
-      <p:sp>
-        <p:nvSpPr>
-          <p:cNvPr id="3" name="Content Placeholder 2"/>
-          <p:cNvSpPr>
-            <a:spLocks noGrp="1"/>
-          </p:cNvSpPr>
-          <p:nvPr>
-            <p:ph idx="1"/>
-          </p:nvPr>
-        </p:nvSpPr>
-        <p:spPr>
-          <a:xfrm>
-            <a:off x="457201" y="3797145"/>
-            <a:ext cx="8229600" cy="2329018"/>
-          </a:xfrm>
-        </p:spPr>
-        <p:txBody>
-          <a:bodyPr/>
-          <a:lstStyle/>
-          <a:p>
-            <a:r>
-              <a:rPr lang="en-US" dirty="0"/>
-              <a:t>Again there is a header</a:t>
-            </a:r>
-          </a:p>
-          <a:p>
-            <a:r>
-              <a:rPr lang="en-US" dirty="0"/>
-              <a:t>Then a series of log blocks</a:t>
-            </a:r>
-          </a:p>
-          <a:p>
-            <a:pPr lvl="1"/>
-            <a:r>
-              <a:rPr lang="en-US" dirty="0"/>
-              <a:t>In 512 byte increments up to 60K in size</a:t>
-            </a:r>
-          </a:p>
-        </p:txBody>
-      </p:sp>
-      <p:pic>
-        <p:nvPicPr>
-          <p:cNvPr id="7" name="Picture 6"/>
-          <p:cNvPicPr>
-            <a:picLocks noChangeAspect="1"/>
-          </p:cNvPicPr>
-          <p:nvPr/>
-        </p:nvPicPr>
-        <p:blipFill>
-          <a:blip r:embed="rId2"/>
-          <a:stretch>
-            <a:fillRect/>
-          </a:stretch>
-        </p:blipFill>
-        <p:spPr>
-          <a:xfrm>
-            <a:off x="457200" y="1417320"/>
-            <a:ext cx="8190125" cy="2377440"/>
-          </a:xfrm>
-          <a:prstGeom prst="rect">
-            <a:avLst/>
-          </a:prstGeom>
-        </p:spPr>
-      </p:pic>
-    </p:spTree>
-    <p:extLst>
-      <p:ext uri="{BB962C8B-B14F-4D97-AF65-F5344CB8AC3E}">
-        <p14:creationId xmlns:p14="http://schemas.microsoft.com/office/powerpoint/2010/main" val="3765893842"/>
-      </p:ext>
-    </p:extLst>
-  </p:cSld>
-  <p:clrMapOvr>
-    <a:masterClrMapping/>
-  </p:clrMapOvr>
-</p:sld>
-</file>
-
 <file path=ppt/slides/slide19.xml><?xml version="1.0" encoding="utf-8"?>
 <p:sld xmlns:a="http://schemas.openxmlformats.org/drawingml/2006/main" xmlns:r="http://schemas.openxmlformats.org/officeDocument/2006/relationships" xmlns:p="http://schemas.openxmlformats.org/presentationml/2006/main">
   <p:cSld>
@@ -6259,7 +5822,7 @@
           <a:p>
             <a:r>
               <a:rPr lang="en-US" dirty="0"/>
-              <a:t>Log Block Detail</a:t>
+              <a:t>VLF Detail</a:t>
             </a:r>
           </a:p>
         </p:txBody>
@@ -6286,52 +5849,41 @@
           <a:p>
             <a:r>
               <a:rPr lang="en-US" dirty="0"/>
-              <a:t>As expected, starts with a header</a:t>
-            </a:r>
-          </a:p>
-          <a:p>
-            <a:r>
-              <a:rPr lang="en-US" dirty="0"/>
-              <a:t>Then a series of log records</a:t>
+              <a:t>Again there is a header</a:t>
+            </a:r>
+          </a:p>
+          <a:p>
+            <a:r>
+              <a:rPr lang="en-US" dirty="0"/>
+              <a:t>Then a series of log blocks</a:t>
             </a:r>
           </a:p>
           <a:p>
             <a:pPr lvl="1"/>
             <a:r>
               <a:rPr lang="en-US" dirty="0"/>
-              <a:t>Completely variable </a:t>
-            </a:r>
-            <a:r>
-              <a:rPr lang="en-US"/>
-              <a:t>in size</a:t>
-            </a:r>
-            <a:endParaRPr lang="en-US" dirty="0"/>
-          </a:p>
-          <a:p>
-            <a:r>
-              <a:rPr lang="en-US" dirty="0"/>
-              <a:t>And an index to the log records (slot array)</a:t>
+              <a:t>In 512 byte increments up to 60K in size</a:t>
             </a:r>
           </a:p>
         </p:txBody>
       </p:sp>
       <p:pic>
         <p:nvPicPr>
-          <p:cNvPr id="5" name="Picture 4"/>
+          <p:cNvPr id="7" name="Picture 6"/>
           <p:cNvPicPr>
             <a:picLocks noChangeAspect="1"/>
           </p:cNvPicPr>
           <p:nvPr/>
         </p:nvPicPr>
         <p:blipFill>
-          <a:blip r:embed="rId3"/>
+          <a:blip r:embed="rId2"/>
           <a:stretch>
             <a:fillRect/>
           </a:stretch>
         </p:blipFill>
         <p:spPr>
           <a:xfrm>
-            <a:off x="457200" y="1419705"/>
+            <a:off x="457200" y="1417320"/>
             <a:ext cx="8190125" cy="2377440"/>
           </a:xfrm>
           <a:prstGeom prst="rect">
@@ -6342,7 +5894,7 @@
     </p:spTree>
     <p:extLst>
       <p:ext uri="{BB962C8B-B14F-4D97-AF65-F5344CB8AC3E}">
-        <p14:creationId xmlns:p14="http://schemas.microsoft.com/office/powerpoint/2010/main" val="803829485"/>
+        <p14:creationId xmlns:p14="http://schemas.microsoft.com/office/powerpoint/2010/main" val="3765893842"/>
       </p:ext>
     </p:extLst>
   </p:cSld>
@@ -6371,199 +5923,298 @@
       </p:grpSpPr>
       <p:sp>
         <p:nvSpPr>
-          <p:cNvPr id="11" name="Content Placeholder 2"/>
-          <p:cNvSpPr txBox="1">
-            <a:spLocks/>
-          </p:cNvSpPr>
+          <p:cNvPr id="2" name="Title 1"/>
+          <p:cNvSpPr>
+            <a:spLocks noGrp="1"/>
+          </p:cNvSpPr>
+          <p:nvPr>
+            <p:ph type="title"/>
+          </p:nvPr>
+        </p:nvSpPr>
+        <p:spPr/>
+        <p:txBody>
+          <a:bodyPr/>
+          <a:lstStyle/>
+          <a:p>
+            <a:r>
+              <a:rPr lang="en-US" dirty="0" smtClean="0"/>
+              <a:t>Thank You Sponsors</a:t>
+            </a:r>
+            <a:endParaRPr lang="en-US" dirty="0"/>
+          </a:p>
+        </p:txBody>
+      </p:sp>
+      <p:sp>
+        <p:nvSpPr>
+          <p:cNvPr id="3" name="TextBox 2"/>
+          <p:cNvSpPr txBox="1"/>
           <p:nvPr/>
         </p:nvSpPr>
         <p:spPr>
           <a:xfrm>
-            <a:off x="457200" y="1600201"/>
-            <a:ext cx="8229600" cy="2086276"/>
+            <a:off x="566060" y="1592428"/>
+            <a:ext cx="1132115" cy="369332"/>
           </a:xfrm>
           <a:prstGeom prst="rect">
             <a:avLst/>
           </a:prstGeom>
-        </p:spPr>
-        <p:txBody>
-          <a:bodyPr vert="horz" lIns="91440" tIns="45720" rIns="91440" bIns="45720" rtlCol="0">
-            <a:normAutofit/>
+          <a:noFill/>
+        </p:spPr>
+        <p:txBody>
+          <a:bodyPr wrap="square" rtlCol="0">
+            <a:spAutoFit/>
           </a:bodyPr>
-          <a:lstStyle>
-            <a:lvl1pPr marL="342900" indent="-342900" algn="l" defTabSz="457200" rtl="0" eaLnBrk="1" latinLnBrk="0" hangingPunct="1">
-              <a:spcBef>
-                <a:spcPct val="20000"/>
-              </a:spcBef>
-              <a:buFont typeface="Wingdings" charset="2"/>
-              <a:buChar char="§"/>
-              <a:defRPr sz="3000" kern="1200">
-                <a:solidFill>
-                  <a:schemeClr val="tx2"/>
-                </a:solidFill>
-                <a:latin typeface="+mn-lt"/>
-                <a:ea typeface="+mn-ea"/>
-                <a:cs typeface="+mn-cs"/>
-              </a:defRPr>
-            </a:lvl1pPr>
-            <a:lvl2pPr marL="742950" indent="-285750" algn="l" defTabSz="457200" rtl="0" eaLnBrk="1" latinLnBrk="0" hangingPunct="1">
-              <a:spcBef>
-                <a:spcPct val="20000"/>
-              </a:spcBef>
-              <a:buFont typeface="Wingdings" charset="2"/>
-              <a:buChar char="§"/>
-              <a:defRPr sz="2600" kern="1200">
-                <a:solidFill>
-                  <a:srgbClr val="474947"/>
-                </a:solidFill>
-                <a:latin typeface="+mn-lt"/>
-                <a:ea typeface="+mn-ea"/>
-                <a:cs typeface="+mn-cs"/>
-              </a:defRPr>
-            </a:lvl2pPr>
-            <a:lvl3pPr marL="1143000" indent="-228600" algn="l" defTabSz="457200" rtl="0" eaLnBrk="1" latinLnBrk="0" hangingPunct="1">
-              <a:spcBef>
-                <a:spcPct val="20000"/>
-              </a:spcBef>
-              <a:buFont typeface="Wingdings" charset="2"/>
-              <a:buChar char="§"/>
-              <a:defRPr sz="2200" kern="1200">
-                <a:solidFill>
-                  <a:srgbClr val="474947"/>
-                </a:solidFill>
-                <a:latin typeface="+mn-lt"/>
-                <a:ea typeface="+mn-ea"/>
-                <a:cs typeface="+mn-cs"/>
-              </a:defRPr>
-            </a:lvl3pPr>
-            <a:lvl4pPr marL="1600200" indent="-228600" algn="l" defTabSz="457200" rtl="0" eaLnBrk="1" latinLnBrk="0" hangingPunct="1">
-              <a:spcBef>
-                <a:spcPct val="20000"/>
-              </a:spcBef>
-              <a:buFont typeface="Wingdings" charset="2"/>
-              <a:buChar char="§"/>
-              <a:defRPr sz="2000" kern="1200">
-                <a:solidFill>
-                  <a:srgbClr val="474947"/>
-                </a:solidFill>
-                <a:latin typeface="+mn-lt"/>
-                <a:ea typeface="+mn-ea"/>
-                <a:cs typeface="+mn-cs"/>
-              </a:defRPr>
-            </a:lvl4pPr>
-            <a:lvl5pPr marL="2057400" indent="-228600" algn="l" defTabSz="457200" rtl="0" eaLnBrk="1" latinLnBrk="0" hangingPunct="1">
-              <a:spcBef>
-                <a:spcPct val="20000"/>
-              </a:spcBef>
-              <a:buFont typeface="Wingdings" charset="2"/>
-              <a:buChar char="§"/>
-              <a:defRPr sz="1800" kern="1200">
-                <a:solidFill>
-                  <a:srgbClr val="474947"/>
-                </a:solidFill>
-                <a:latin typeface="+mn-lt"/>
-                <a:ea typeface="+mn-ea"/>
-                <a:cs typeface="+mn-cs"/>
-              </a:defRPr>
-            </a:lvl5pPr>
-            <a:lvl6pPr marL="2514600" indent="-228600" algn="l" defTabSz="457200" rtl="0" eaLnBrk="1" latinLnBrk="0" hangingPunct="1">
-              <a:spcBef>
-                <a:spcPct val="20000"/>
-              </a:spcBef>
-              <a:buFont typeface="Arial"/>
-              <a:buChar char="•"/>
-              <a:defRPr sz="2000" kern="1200">
-                <a:solidFill>
-                  <a:schemeClr val="tx1"/>
-                </a:solidFill>
-                <a:latin typeface="+mn-lt"/>
-                <a:ea typeface="+mn-ea"/>
-                <a:cs typeface="+mn-cs"/>
-              </a:defRPr>
-            </a:lvl6pPr>
-            <a:lvl7pPr marL="2971800" indent="-228600" algn="l" defTabSz="457200" rtl="0" eaLnBrk="1" latinLnBrk="0" hangingPunct="1">
-              <a:spcBef>
-                <a:spcPct val="20000"/>
-              </a:spcBef>
-              <a:buFont typeface="Arial"/>
-              <a:buChar char="•"/>
-              <a:defRPr sz="2000" kern="1200">
-                <a:solidFill>
-                  <a:schemeClr val="tx1"/>
-                </a:solidFill>
-                <a:latin typeface="+mn-lt"/>
-                <a:ea typeface="+mn-ea"/>
-                <a:cs typeface="+mn-cs"/>
-              </a:defRPr>
-            </a:lvl7pPr>
-            <a:lvl8pPr marL="3429000" indent="-228600" algn="l" defTabSz="457200" rtl="0" eaLnBrk="1" latinLnBrk="0" hangingPunct="1">
-              <a:spcBef>
-                <a:spcPct val="20000"/>
-              </a:spcBef>
-              <a:buFont typeface="Arial"/>
-              <a:buChar char="•"/>
-              <a:defRPr sz="2000" kern="1200">
-                <a:solidFill>
-                  <a:schemeClr val="tx1"/>
-                </a:solidFill>
-                <a:latin typeface="+mn-lt"/>
-                <a:ea typeface="+mn-ea"/>
-                <a:cs typeface="+mn-cs"/>
-              </a:defRPr>
-            </a:lvl8pPr>
-            <a:lvl9pPr marL="3886200" indent="-228600" algn="l" defTabSz="457200" rtl="0" eaLnBrk="1" latinLnBrk="0" hangingPunct="1">
-              <a:spcBef>
-                <a:spcPct val="20000"/>
-              </a:spcBef>
-              <a:buFont typeface="Arial"/>
-              <a:buChar char="•"/>
-              <a:defRPr sz="2000" kern="1200">
-                <a:solidFill>
-                  <a:schemeClr val="tx1"/>
-                </a:solidFill>
-                <a:latin typeface="+mn-lt"/>
-                <a:ea typeface="+mn-ea"/>
-                <a:cs typeface="+mn-cs"/>
-              </a:defRPr>
-            </a:lvl9pPr>
-          </a:lstStyle>
-          <a:p>
-            <a:r>
-              <a:rPr lang="en-US" dirty="0"/>
-              <a:t>15+ Years working with SQL Server</a:t>
-            </a:r>
-          </a:p>
-          <a:p>
-            <a:pPr lvl="1"/>
-            <a:r>
-              <a:rPr lang="en-US" dirty="0"/>
-              <a:t>Development work since 7.0</a:t>
-            </a:r>
-          </a:p>
-          <a:p>
-            <a:pPr lvl="1"/>
-            <a:r>
-              <a:rPr lang="en-US" dirty="0"/>
-              <a:t>Administration going back to 6.5</a:t>
-            </a:r>
-          </a:p>
-          <a:p>
-            <a:pPr lvl="1"/>
-            <a:r>
-              <a:rPr lang="en-US" dirty="0"/>
-              <a:t>Fascinated with SQL internals</a:t>
-            </a:r>
-          </a:p>
-        </p:txBody>
-      </p:sp>
-      <p:sp>
-        <p:nvSpPr>
-          <p:cNvPr id="2" name="Title 1"/>
-          <p:cNvSpPr>
-            <a:spLocks noGrp="1"/>
-          </p:cNvSpPr>
-          <p:nvPr>
-            <p:ph type="title"/>
+          <a:lstStyle/>
+          <a:p>
+            <a:r>
+              <a:rPr lang="en-US" dirty="0" smtClean="0"/>
+              <a:t>Platinum</a:t>
+            </a:r>
+            <a:endParaRPr lang="en-US" dirty="0"/>
+          </a:p>
+        </p:txBody>
+      </p:sp>
+      <p:cxnSp>
+        <p:nvCxnSpPr>
+          <p:cNvPr id="5" name="Straight Connector 4"/>
+          <p:cNvCxnSpPr/>
+          <p:nvPr/>
+        </p:nvCxnSpPr>
+        <p:spPr>
+          <a:xfrm>
+            <a:off x="566060" y="2251301"/>
+            <a:ext cx="8044543" cy="0"/>
+          </a:xfrm>
+          <a:prstGeom prst="line">
+            <a:avLst/>
+          </a:prstGeom>
+          <a:ln w="3175">
+            <a:solidFill>
+              <a:srgbClr val="7A9F31"/>
+            </a:solidFill>
+          </a:ln>
+          <a:effectLst/>
+        </p:spPr>
+        <p:style>
+          <a:lnRef idx="2">
+            <a:schemeClr val="accent1"/>
+          </a:lnRef>
+          <a:fillRef idx="0">
+            <a:schemeClr val="accent1"/>
+          </a:fillRef>
+          <a:effectRef idx="1">
+            <a:schemeClr val="accent1"/>
+          </a:effectRef>
+          <a:fontRef idx="minor">
+            <a:schemeClr val="tx1"/>
+          </a:fontRef>
+        </p:style>
+      </p:cxnSp>
+      <p:sp>
+        <p:nvSpPr>
+          <p:cNvPr id="7" name="TextBox 6"/>
+          <p:cNvSpPr txBox="1"/>
+          <p:nvPr/>
+        </p:nvSpPr>
+        <p:spPr>
+          <a:xfrm>
+            <a:off x="613685" y="2558537"/>
+            <a:ext cx="1172936" cy="369332"/>
+          </a:xfrm>
+          <a:prstGeom prst="rect">
+            <a:avLst/>
+          </a:prstGeom>
+          <a:noFill/>
+        </p:spPr>
+        <p:txBody>
+          <a:bodyPr wrap="square" rtlCol="0">
+            <a:spAutoFit/>
+          </a:bodyPr>
+          <a:lstStyle/>
+          <a:p>
+            <a:r>
+              <a:rPr lang="en-US" dirty="0" smtClean="0"/>
+              <a:t>Gold</a:t>
+            </a:r>
+          </a:p>
+        </p:txBody>
+      </p:sp>
+      <p:cxnSp>
+        <p:nvCxnSpPr>
+          <p:cNvPr id="27" name="Straight Connector 26"/>
+          <p:cNvCxnSpPr/>
+          <p:nvPr/>
+        </p:nvCxnSpPr>
+        <p:spPr>
+          <a:xfrm>
+            <a:off x="589195" y="3187472"/>
+            <a:ext cx="8044543" cy="0"/>
+          </a:xfrm>
+          <a:prstGeom prst="line">
+            <a:avLst/>
+          </a:prstGeom>
+          <a:ln w="3175">
+            <a:solidFill>
+              <a:srgbClr val="7A9F31"/>
+            </a:solidFill>
+          </a:ln>
+          <a:effectLst/>
+        </p:spPr>
+        <p:style>
+          <a:lnRef idx="2">
+            <a:schemeClr val="accent1"/>
+          </a:lnRef>
+          <a:fillRef idx="0">
+            <a:schemeClr val="accent1"/>
+          </a:fillRef>
+          <a:effectRef idx="1">
+            <a:schemeClr val="accent1"/>
+          </a:effectRef>
+          <a:fontRef idx="minor">
+            <a:schemeClr val="tx1"/>
+          </a:fontRef>
+        </p:style>
+      </p:cxnSp>
+      <p:sp>
+        <p:nvSpPr>
+          <p:cNvPr id="8" name="TextBox 7"/>
+          <p:cNvSpPr txBox="1"/>
+          <p:nvPr/>
+        </p:nvSpPr>
+        <p:spPr>
+          <a:xfrm>
+            <a:off x="613685" y="3472937"/>
+            <a:ext cx="1174296" cy="369332"/>
+          </a:xfrm>
+          <a:prstGeom prst="rect">
+            <a:avLst/>
+          </a:prstGeom>
+          <a:noFill/>
+        </p:spPr>
+        <p:txBody>
+          <a:bodyPr wrap="square" rtlCol="0">
+            <a:spAutoFit/>
+          </a:bodyPr>
+          <a:lstStyle/>
+          <a:p>
+            <a:r>
+              <a:rPr lang="en-US" dirty="0" smtClean="0"/>
+              <a:t>Silver</a:t>
+            </a:r>
+            <a:endParaRPr lang="en-US" dirty="0"/>
+          </a:p>
+        </p:txBody>
+      </p:sp>
+      <p:cxnSp>
+        <p:nvCxnSpPr>
+          <p:cNvPr id="29" name="Straight Connector 28"/>
+          <p:cNvCxnSpPr/>
+          <p:nvPr/>
+        </p:nvCxnSpPr>
+        <p:spPr>
+          <a:xfrm>
+            <a:off x="589194" y="4123643"/>
+            <a:ext cx="8044543" cy="0"/>
+          </a:xfrm>
+          <a:prstGeom prst="line">
+            <a:avLst/>
+          </a:prstGeom>
+          <a:ln w="3175">
+            <a:solidFill>
+              <a:srgbClr val="7A9F31"/>
+            </a:solidFill>
+          </a:ln>
+          <a:effectLst/>
+        </p:spPr>
+        <p:style>
+          <a:lnRef idx="2">
+            <a:schemeClr val="accent1"/>
+          </a:lnRef>
+          <a:fillRef idx="0">
+            <a:schemeClr val="accent1"/>
+          </a:fillRef>
+          <a:effectRef idx="1">
+            <a:schemeClr val="accent1"/>
+          </a:effectRef>
+          <a:fontRef idx="minor">
+            <a:schemeClr val="tx1"/>
+          </a:fontRef>
+        </p:style>
+      </p:cxnSp>
+      <p:sp>
+        <p:nvSpPr>
+          <p:cNvPr id="9" name="TextBox 8"/>
+          <p:cNvSpPr txBox="1"/>
+          <p:nvPr/>
+        </p:nvSpPr>
+        <p:spPr>
+          <a:xfrm>
+            <a:off x="609599" y="4365564"/>
+            <a:ext cx="1296761" cy="369332"/>
+          </a:xfrm>
+          <a:prstGeom prst="rect">
+            <a:avLst/>
+          </a:prstGeom>
+          <a:noFill/>
+        </p:spPr>
+        <p:txBody>
+          <a:bodyPr wrap="square" rtlCol="0">
+            <a:spAutoFit/>
+          </a:bodyPr>
+          <a:lstStyle/>
+          <a:p>
+            <a:r>
+              <a:rPr lang="en-US" dirty="0" smtClean="0"/>
+              <a:t>Bronze</a:t>
+            </a:r>
+            <a:endParaRPr lang="en-US" dirty="0"/>
+          </a:p>
+        </p:txBody>
+      </p:sp>
+      <p:cxnSp>
+        <p:nvCxnSpPr>
+          <p:cNvPr id="31" name="Straight Connector 30"/>
+          <p:cNvCxnSpPr/>
+          <p:nvPr/>
+        </p:nvCxnSpPr>
+        <p:spPr>
+          <a:xfrm>
+            <a:off x="589193" y="4970390"/>
+            <a:ext cx="8044543" cy="0"/>
+          </a:xfrm>
+          <a:prstGeom prst="line">
+            <a:avLst/>
+          </a:prstGeom>
+          <a:ln w="3175">
+            <a:solidFill>
+              <a:srgbClr val="7A9F31"/>
+            </a:solidFill>
+          </a:ln>
+          <a:effectLst/>
+        </p:spPr>
+        <p:style>
+          <a:lnRef idx="2">
+            <a:schemeClr val="accent1"/>
+          </a:lnRef>
+          <a:fillRef idx="0">
+            <a:schemeClr val="accent1"/>
+          </a:fillRef>
+          <a:effectRef idx="1">
+            <a:schemeClr val="accent1"/>
+          </a:effectRef>
+          <a:fontRef idx="minor">
+            <a:schemeClr val="tx1"/>
+          </a:fontRef>
+        </p:style>
+      </p:cxnSp>
+      <p:sp>
+        <p:nvSpPr>
+          <p:cNvPr id="4" name="Footer Placeholder 3"/>
+          <p:cNvSpPr>
+            <a:spLocks noGrp="1"/>
+          </p:cNvSpPr>
+          <p:nvPr>
+            <p:ph type="ftr" sz="quarter" idx="3"/>
           </p:nvPr>
         </p:nvSpPr>
         <p:spPr/>
@@ -6572,53 +6223,65 @@
           <a:lstStyle/>
           <a:p>
             <a:r>
-              <a:rPr lang="en-US" dirty="0"/>
-              <a:t>Brian Hansen</a:t>
-            </a:r>
+              <a:rPr lang="en-US" dirty="0" smtClean="0"/>
+              <a:t>3/25/2017</a:t>
+            </a:r>
+            <a:endParaRPr lang="en-US" dirty="0"/>
+          </a:p>
+        </p:txBody>
+      </p:sp>
+      <p:sp>
+        <p:nvSpPr>
+          <p:cNvPr id="6" name="Slide Number Placeholder 5"/>
+          <p:cNvSpPr>
+            <a:spLocks noGrp="1"/>
+          </p:cNvSpPr>
+          <p:nvPr>
+            <p:ph type="sldNum" sz="quarter" idx="4"/>
+          </p:nvPr>
+        </p:nvSpPr>
+        <p:spPr/>
+        <p:txBody>
+          <a:bodyPr/>
+          <a:lstStyle/>
+          <a:p>
+            <a:fld id="{87FD5303-69AD-2E4D-B18B-E5EED0F0A60B}" type="slidenum">
+              <a:rPr lang="en-US" smtClean="0"/>
+              <a:pPr/>
+              <a:t>2</a:t>
+            </a:fld>
+            <a:r>
+              <a:rPr lang="en-US" smtClean="0"/>
+              <a:t>  |  </a:t>
+            </a:r>
+            <a:endParaRPr lang="en-US" dirty="0"/>
           </a:p>
         </p:txBody>
       </p:sp>
       <p:pic>
         <p:nvPicPr>
-          <p:cNvPr id="6" name="Content Placeholder 5"/>
-          <p:cNvPicPr>
-            <a:picLocks noGrp="1" noChangeAspect="1"/>
-          </p:cNvPicPr>
-          <p:nvPr>
-            <p:ph idx="1"/>
-          </p:nvPr>
-        </p:nvPicPr>
-        <p:blipFill>
-          <a:blip r:embed="rId2"/>
-          <a:stretch>
-            <a:fillRect/>
-          </a:stretch>
-        </p:blipFill>
-        <p:spPr>
-          <a:xfrm>
-            <a:off x="5239853" y="3703222"/>
-            <a:ext cx="2969381" cy="986748"/>
-          </a:xfrm>
-        </p:spPr>
-      </p:pic>
-      <p:pic>
-        <p:nvPicPr>
-          <p:cNvPr id="7" name="Picture 6"/>
+          <p:cNvPr id="18" name="Picture 17" descr="Screen Clipping"/>
           <p:cNvPicPr>
             <a:picLocks noChangeAspect="1"/>
           </p:cNvPicPr>
           <p:nvPr/>
         </p:nvPicPr>
         <p:blipFill>
-          <a:blip r:embed="rId3"/>
+          <a:blip r:embed="rId3">
+            <a:extLst>
+              <a:ext uri="{28A0092B-C50C-407E-A947-70E740481C1C}">
+                <a14:useLocalDpi xmlns:a14="http://schemas.microsoft.com/office/drawing/2010/main" val="0"/>
+              </a:ext>
+            </a:extLst>
+          </a:blip>
           <a:stretch>
             <a:fillRect/>
           </a:stretch>
         </p:blipFill>
         <p:spPr>
           <a:xfrm>
-            <a:off x="457200" y="4315464"/>
-            <a:ext cx="400802" cy="325500"/>
+            <a:off x="2556318" y="2731759"/>
+            <a:ext cx="1547015" cy="332824"/>
           </a:xfrm>
           <a:prstGeom prst="rect">
             <a:avLst/>
@@ -6627,22 +6290,28 @@
       </p:pic>
       <p:pic>
         <p:nvPicPr>
-          <p:cNvPr id="8" name="Picture 7"/>
+          <p:cNvPr id="20" name="Picture 19" descr="Screen Clipping"/>
           <p:cNvPicPr>
             <a:picLocks noChangeAspect="1"/>
           </p:cNvPicPr>
           <p:nvPr/>
         </p:nvPicPr>
         <p:blipFill>
-          <a:blip r:embed="rId4"/>
+          <a:blip r:embed="rId4">
+            <a:extLst>
+              <a:ext uri="{28A0092B-C50C-407E-A947-70E740481C1C}">
+                <a14:useLocalDpi xmlns:a14="http://schemas.microsoft.com/office/drawing/2010/main" val="0"/>
+              </a:ext>
+            </a:extLst>
+          </a:blip>
           <a:stretch>
             <a:fillRect/>
           </a:stretch>
         </p:blipFill>
         <p:spPr>
           <a:xfrm>
-            <a:off x="457200" y="3698571"/>
-            <a:ext cx="400802" cy="400802"/>
+            <a:off x="5222826" y="2690665"/>
+            <a:ext cx="1622557" cy="432682"/>
           </a:xfrm>
           <a:prstGeom prst="rect">
             <a:avLst/>
@@ -6651,714 +6320,375 @@
       </p:pic>
       <p:pic>
         <p:nvPicPr>
-          <p:cNvPr id="13" name="Picture 12"/>
+          <p:cNvPr id="21" name="Picture 20" descr="Screen Clipping"/>
           <p:cNvPicPr>
             <a:picLocks noChangeAspect="1"/>
           </p:cNvPicPr>
           <p:nvPr/>
         </p:nvPicPr>
         <p:blipFill>
-          <a:blip r:embed="rId5"/>
+          <a:blip r:embed="rId5">
+            <a:extLst>
+              <a:ext uri="{28A0092B-C50C-407E-A947-70E740481C1C}">
+                <a14:useLocalDpi xmlns:a14="http://schemas.microsoft.com/office/drawing/2010/main" val="0"/>
+              </a:ext>
+            </a:extLst>
+          </a:blip>
           <a:stretch>
             <a:fillRect/>
           </a:stretch>
         </p:blipFill>
         <p:spPr>
           <a:xfrm>
-            <a:off x="457200" y="4808839"/>
-            <a:ext cx="2505163" cy="603922"/>
+            <a:off x="1514867" y="2295776"/>
+            <a:ext cx="1270889" cy="386054"/>
           </a:xfrm>
           <a:prstGeom prst="rect">
             <a:avLst/>
           </a:prstGeom>
         </p:spPr>
       </p:pic>
-      <p:sp>
-        <p:nvSpPr>
-          <p:cNvPr id="14" name="Content Placeholder 2"/>
-          <p:cNvSpPr txBox="1">
-            <a:spLocks/>
-          </p:cNvSpPr>
+      <p:pic>
+        <p:nvPicPr>
+          <p:cNvPr id="24" name="Picture 23" descr="Screen Clipping"/>
+          <p:cNvPicPr>
+            <a:picLocks noChangeAspect="1"/>
+          </p:cNvPicPr>
           <p:nvPr/>
-        </p:nvSpPr>
+        </p:nvPicPr>
+        <p:blipFill>
+          <a:blip r:embed="rId6">
+            <a:extLst>
+              <a:ext uri="{28A0092B-C50C-407E-A947-70E740481C1C}">
+                <a14:useLocalDpi xmlns:a14="http://schemas.microsoft.com/office/drawing/2010/main" val="0"/>
+              </a:ext>
+            </a:extLst>
+          </a:blip>
+          <a:stretch>
+            <a:fillRect/>
+          </a:stretch>
+        </p:blipFill>
         <p:spPr>
           <a:xfrm>
-            <a:off x="1024475" y="4222639"/>
-            <a:ext cx="3875773" cy="451585"/>
+            <a:off x="6327582" y="4235861"/>
+            <a:ext cx="790685" cy="628738"/>
           </a:xfrm>
           <a:prstGeom prst="rect">
             <a:avLst/>
           </a:prstGeom>
         </p:spPr>
-        <p:txBody>
-          <a:bodyPr vert="horz" lIns="91440" tIns="45720" rIns="91440" bIns="45720" rtlCol="0">
-            <a:normAutofit fontScale="92500" lnSpcReduction="20000"/>
-          </a:bodyPr>
-          <a:lstStyle>
-            <a:lvl1pPr marL="342900" indent="-342900" algn="l" defTabSz="457200" rtl="0" eaLnBrk="1" latinLnBrk="0" hangingPunct="1">
-              <a:spcBef>
-                <a:spcPct val="20000"/>
-              </a:spcBef>
-              <a:buFont typeface="Wingdings" charset="2"/>
-              <a:buChar char="§"/>
-              <a:defRPr sz="3000" kern="1200">
-                <a:solidFill>
-                  <a:schemeClr val="tx2"/>
-                </a:solidFill>
-                <a:latin typeface="+mn-lt"/>
-                <a:ea typeface="+mn-ea"/>
-                <a:cs typeface="+mn-cs"/>
-              </a:defRPr>
-            </a:lvl1pPr>
-            <a:lvl2pPr marL="742950" indent="-285750" algn="l" defTabSz="457200" rtl="0" eaLnBrk="1" latinLnBrk="0" hangingPunct="1">
-              <a:spcBef>
-                <a:spcPct val="20000"/>
-              </a:spcBef>
-              <a:buFont typeface="Wingdings" charset="2"/>
-              <a:buChar char="§"/>
-              <a:defRPr sz="2600" kern="1200">
-                <a:solidFill>
-                  <a:srgbClr val="474947"/>
-                </a:solidFill>
-                <a:latin typeface="+mn-lt"/>
-                <a:ea typeface="+mn-ea"/>
-                <a:cs typeface="+mn-cs"/>
-              </a:defRPr>
-            </a:lvl2pPr>
-            <a:lvl3pPr marL="1143000" indent="-228600" algn="l" defTabSz="457200" rtl="0" eaLnBrk="1" latinLnBrk="0" hangingPunct="1">
-              <a:spcBef>
-                <a:spcPct val="20000"/>
-              </a:spcBef>
-              <a:buFont typeface="Wingdings" charset="2"/>
-              <a:buChar char="§"/>
-              <a:defRPr sz="2200" kern="1200">
-                <a:solidFill>
-                  <a:srgbClr val="474947"/>
-                </a:solidFill>
-                <a:latin typeface="+mn-lt"/>
-                <a:ea typeface="+mn-ea"/>
-                <a:cs typeface="+mn-cs"/>
-              </a:defRPr>
-            </a:lvl3pPr>
-            <a:lvl4pPr marL="1600200" indent="-228600" algn="l" defTabSz="457200" rtl="0" eaLnBrk="1" latinLnBrk="0" hangingPunct="1">
-              <a:spcBef>
-                <a:spcPct val="20000"/>
-              </a:spcBef>
-              <a:buFont typeface="Wingdings" charset="2"/>
-              <a:buChar char="§"/>
-              <a:defRPr sz="2000" kern="1200">
-                <a:solidFill>
-                  <a:srgbClr val="474947"/>
-                </a:solidFill>
-                <a:latin typeface="+mn-lt"/>
-                <a:ea typeface="+mn-ea"/>
-                <a:cs typeface="+mn-cs"/>
-              </a:defRPr>
-            </a:lvl4pPr>
-            <a:lvl5pPr marL="2057400" indent="-228600" algn="l" defTabSz="457200" rtl="0" eaLnBrk="1" latinLnBrk="0" hangingPunct="1">
-              <a:spcBef>
-                <a:spcPct val="20000"/>
-              </a:spcBef>
-              <a:buFont typeface="Wingdings" charset="2"/>
-              <a:buChar char="§"/>
-              <a:defRPr sz="1800" kern="1200">
-                <a:solidFill>
-                  <a:srgbClr val="474947"/>
-                </a:solidFill>
-                <a:latin typeface="+mn-lt"/>
-                <a:ea typeface="+mn-ea"/>
-                <a:cs typeface="+mn-cs"/>
-              </a:defRPr>
-            </a:lvl5pPr>
-            <a:lvl6pPr marL="2514600" indent="-228600" algn="l" defTabSz="457200" rtl="0" eaLnBrk="1" latinLnBrk="0" hangingPunct="1">
-              <a:spcBef>
-                <a:spcPct val="20000"/>
-              </a:spcBef>
-              <a:buFont typeface="Arial"/>
-              <a:buChar char="•"/>
-              <a:defRPr sz="2000" kern="1200">
-                <a:solidFill>
-                  <a:schemeClr val="tx1"/>
-                </a:solidFill>
-                <a:latin typeface="+mn-lt"/>
-                <a:ea typeface="+mn-ea"/>
-                <a:cs typeface="+mn-cs"/>
-              </a:defRPr>
-            </a:lvl6pPr>
-            <a:lvl7pPr marL="2971800" indent="-228600" algn="l" defTabSz="457200" rtl="0" eaLnBrk="1" latinLnBrk="0" hangingPunct="1">
-              <a:spcBef>
-                <a:spcPct val="20000"/>
-              </a:spcBef>
-              <a:buFont typeface="Arial"/>
-              <a:buChar char="•"/>
-              <a:defRPr sz="2000" kern="1200">
-                <a:solidFill>
-                  <a:schemeClr val="tx1"/>
-                </a:solidFill>
-                <a:latin typeface="+mn-lt"/>
-                <a:ea typeface="+mn-ea"/>
-                <a:cs typeface="+mn-cs"/>
-              </a:defRPr>
-            </a:lvl7pPr>
-            <a:lvl8pPr marL="3429000" indent="-228600" algn="l" defTabSz="457200" rtl="0" eaLnBrk="1" latinLnBrk="0" hangingPunct="1">
-              <a:spcBef>
-                <a:spcPct val="20000"/>
-              </a:spcBef>
-              <a:buFont typeface="Arial"/>
-              <a:buChar char="•"/>
-              <a:defRPr sz="2000" kern="1200">
-                <a:solidFill>
-                  <a:schemeClr val="tx1"/>
-                </a:solidFill>
-                <a:latin typeface="+mn-lt"/>
-                <a:ea typeface="+mn-ea"/>
-                <a:cs typeface="+mn-cs"/>
-              </a:defRPr>
-            </a:lvl8pPr>
-            <a:lvl9pPr marL="3886200" indent="-228600" algn="l" defTabSz="457200" rtl="0" eaLnBrk="1" latinLnBrk="0" hangingPunct="1">
-              <a:spcBef>
-                <a:spcPct val="20000"/>
-              </a:spcBef>
-              <a:buFont typeface="Arial"/>
-              <a:buChar char="•"/>
-              <a:defRPr sz="2000" kern="1200">
-                <a:solidFill>
-                  <a:schemeClr val="tx1"/>
-                </a:solidFill>
-                <a:latin typeface="+mn-lt"/>
-                <a:ea typeface="+mn-ea"/>
-                <a:cs typeface="+mn-cs"/>
-              </a:defRPr>
-            </a:lvl9pPr>
-          </a:lstStyle>
-          <a:p>
-            <a:pPr marL="0" indent="0">
-              <a:buNone/>
-            </a:pPr>
-            <a:r>
-              <a:rPr lang="en-US" dirty="0"/>
-              <a:t>@tf3604.com</a:t>
-            </a:r>
-          </a:p>
-        </p:txBody>
-      </p:sp>
-      <p:sp>
-        <p:nvSpPr>
-          <p:cNvPr id="15" name="Content Placeholder 2"/>
-          <p:cNvSpPr txBox="1">
-            <a:spLocks/>
-          </p:cNvSpPr>
+      </p:pic>
+      <p:pic>
+        <p:nvPicPr>
+          <p:cNvPr id="1027" name="Picture 3"/>
+          <p:cNvPicPr>
+            <a:picLocks noChangeAspect="1" noChangeArrowheads="1"/>
+          </p:cNvPicPr>
           <p:nvPr/>
-        </p:nvSpPr>
-        <p:spPr>
-          <a:xfrm>
-            <a:off x="1024476" y="3738632"/>
-            <a:ext cx="3875773" cy="451585"/>
+        </p:nvPicPr>
+        <p:blipFill>
+          <a:blip r:embed="rId7">
+            <a:extLst>
+              <a:ext uri="{28A0092B-C50C-407E-A947-70E740481C1C}">
+                <a14:useLocalDpi xmlns:a14="http://schemas.microsoft.com/office/drawing/2010/main" val="0"/>
+              </a:ext>
+            </a:extLst>
+          </a:blip>
+          <a:srcRect/>
+          <a:stretch>
+            <a:fillRect/>
+          </a:stretch>
+        </p:blipFill>
+        <p:spPr bwMode="auto">
+          <a:xfrm>
+            <a:off x="3923962" y="4374017"/>
+            <a:ext cx="1724025" cy="352425"/>
           </a:xfrm>
           <a:prstGeom prst="rect">
             <a:avLst/>
           </a:prstGeom>
-        </p:spPr>
-        <p:txBody>
-          <a:bodyPr vert="horz" lIns="91440" tIns="45720" rIns="91440" bIns="45720" rtlCol="0">
-            <a:normAutofit fontScale="92500" lnSpcReduction="20000"/>
-          </a:bodyPr>
-          <a:lstStyle>
-            <a:lvl1pPr marL="342900" indent="-342900" algn="l" defTabSz="457200" rtl="0" eaLnBrk="1" latinLnBrk="0" hangingPunct="1">
-              <a:spcBef>
-                <a:spcPct val="20000"/>
-              </a:spcBef>
-              <a:buFont typeface="Wingdings" charset="2"/>
-              <a:buChar char="§"/>
-              <a:defRPr sz="3000" kern="1200">
-                <a:solidFill>
-                  <a:schemeClr val="tx2"/>
-                </a:solidFill>
-                <a:latin typeface="+mn-lt"/>
-                <a:ea typeface="+mn-ea"/>
-                <a:cs typeface="+mn-cs"/>
-              </a:defRPr>
-            </a:lvl1pPr>
-            <a:lvl2pPr marL="742950" indent="-285750" algn="l" defTabSz="457200" rtl="0" eaLnBrk="1" latinLnBrk="0" hangingPunct="1">
-              <a:spcBef>
-                <a:spcPct val="20000"/>
-              </a:spcBef>
-              <a:buFont typeface="Wingdings" charset="2"/>
-              <a:buChar char="§"/>
-              <a:defRPr sz="2600" kern="1200">
-                <a:solidFill>
-                  <a:srgbClr val="474947"/>
-                </a:solidFill>
-                <a:latin typeface="+mn-lt"/>
-                <a:ea typeface="+mn-ea"/>
-                <a:cs typeface="+mn-cs"/>
-              </a:defRPr>
-            </a:lvl2pPr>
-            <a:lvl3pPr marL="1143000" indent="-228600" algn="l" defTabSz="457200" rtl="0" eaLnBrk="1" latinLnBrk="0" hangingPunct="1">
-              <a:spcBef>
-                <a:spcPct val="20000"/>
-              </a:spcBef>
-              <a:buFont typeface="Wingdings" charset="2"/>
-              <a:buChar char="§"/>
-              <a:defRPr sz="2200" kern="1200">
-                <a:solidFill>
-                  <a:srgbClr val="474947"/>
-                </a:solidFill>
-                <a:latin typeface="+mn-lt"/>
-                <a:ea typeface="+mn-ea"/>
-                <a:cs typeface="+mn-cs"/>
-              </a:defRPr>
-            </a:lvl3pPr>
-            <a:lvl4pPr marL="1600200" indent="-228600" algn="l" defTabSz="457200" rtl="0" eaLnBrk="1" latinLnBrk="0" hangingPunct="1">
-              <a:spcBef>
-                <a:spcPct val="20000"/>
-              </a:spcBef>
-              <a:buFont typeface="Wingdings" charset="2"/>
-              <a:buChar char="§"/>
-              <a:defRPr sz="2000" kern="1200">
-                <a:solidFill>
-                  <a:srgbClr val="474947"/>
-                </a:solidFill>
-                <a:latin typeface="+mn-lt"/>
-                <a:ea typeface="+mn-ea"/>
-                <a:cs typeface="+mn-cs"/>
-              </a:defRPr>
-            </a:lvl4pPr>
-            <a:lvl5pPr marL="2057400" indent="-228600" algn="l" defTabSz="457200" rtl="0" eaLnBrk="1" latinLnBrk="0" hangingPunct="1">
-              <a:spcBef>
-                <a:spcPct val="20000"/>
-              </a:spcBef>
-              <a:buFont typeface="Wingdings" charset="2"/>
-              <a:buChar char="§"/>
-              <a:defRPr sz="1800" kern="1200">
-                <a:solidFill>
-                  <a:srgbClr val="474947"/>
-                </a:solidFill>
-                <a:latin typeface="+mn-lt"/>
-                <a:ea typeface="+mn-ea"/>
-                <a:cs typeface="+mn-cs"/>
-              </a:defRPr>
-            </a:lvl5pPr>
-            <a:lvl6pPr marL="2514600" indent="-228600" algn="l" defTabSz="457200" rtl="0" eaLnBrk="1" latinLnBrk="0" hangingPunct="1">
-              <a:spcBef>
-                <a:spcPct val="20000"/>
-              </a:spcBef>
-              <a:buFont typeface="Arial"/>
-              <a:buChar char="•"/>
-              <a:defRPr sz="2000" kern="1200">
+          <a:noFill/>
+          <a:ln>
+            <a:noFill/>
+          </a:ln>
+          <a:extLst>
+            <a:ext uri="{909E8E84-426E-40DD-AFC4-6F175D3DCCD1}">
+              <a14:hiddenFill xmlns:a14="http://schemas.microsoft.com/office/drawing/2010/main">
+                <a:solidFill>
+                  <a:schemeClr val="accent1"/>
+                </a:solidFill>
+              </a14:hiddenFill>
+            </a:ext>
+            <a:ext uri="{91240B29-F687-4F45-9708-019B960494DF}">
+              <a14:hiddenLine xmlns:a14="http://schemas.microsoft.com/office/drawing/2010/main" w="9525">
                 <a:solidFill>
                   <a:schemeClr val="tx1"/>
                 </a:solidFill>
-                <a:latin typeface="+mn-lt"/>
-                <a:ea typeface="+mn-ea"/>
-                <a:cs typeface="+mn-cs"/>
-              </a:defRPr>
-            </a:lvl6pPr>
-            <a:lvl7pPr marL="2971800" indent="-228600" algn="l" defTabSz="457200" rtl="0" eaLnBrk="1" latinLnBrk="0" hangingPunct="1">
-              <a:spcBef>
-                <a:spcPct val="20000"/>
-              </a:spcBef>
-              <a:buFont typeface="Arial"/>
-              <a:buChar char="•"/>
-              <a:defRPr sz="2000" kern="1200">
-                <a:solidFill>
-                  <a:schemeClr val="tx1"/>
-                </a:solidFill>
-                <a:latin typeface="+mn-lt"/>
-                <a:ea typeface="+mn-ea"/>
-                <a:cs typeface="+mn-cs"/>
-              </a:defRPr>
-            </a:lvl7pPr>
-            <a:lvl8pPr marL="3429000" indent="-228600" algn="l" defTabSz="457200" rtl="0" eaLnBrk="1" latinLnBrk="0" hangingPunct="1">
-              <a:spcBef>
-                <a:spcPct val="20000"/>
-              </a:spcBef>
-              <a:buFont typeface="Arial"/>
-              <a:buChar char="•"/>
-              <a:defRPr sz="2000" kern="1200">
-                <a:solidFill>
-                  <a:schemeClr val="tx1"/>
-                </a:solidFill>
-                <a:latin typeface="+mn-lt"/>
-                <a:ea typeface="+mn-ea"/>
-                <a:cs typeface="+mn-cs"/>
-              </a:defRPr>
-            </a:lvl8pPr>
-            <a:lvl9pPr marL="3886200" indent="-228600" algn="l" defTabSz="457200" rtl="0" eaLnBrk="1" latinLnBrk="0" hangingPunct="1">
-              <a:spcBef>
-                <a:spcPct val="20000"/>
-              </a:spcBef>
-              <a:buFont typeface="Arial"/>
-              <a:buChar char="•"/>
-              <a:defRPr sz="2000" kern="1200">
-                <a:solidFill>
-                  <a:schemeClr val="tx1"/>
-                </a:solidFill>
-                <a:latin typeface="+mn-lt"/>
-                <a:ea typeface="+mn-ea"/>
-                <a:cs typeface="+mn-cs"/>
-              </a:defRPr>
-            </a:lvl9pPr>
-          </a:lstStyle>
-          <a:p>
-            <a:pPr marL="0" indent="0">
-              <a:buNone/>
-            </a:pPr>
-            <a:r>
-              <a:rPr lang="en-US" dirty="0"/>
-              <a:t>brian@tf3604.com</a:t>
-            </a:r>
-          </a:p>
-        </p:txBody>
-      </p:sp>
-      <p:sp>
-        <p:nvSpPr>
-          <p:cNvPr id="17" name="Content Placeholder 2"/>
-          <p:cNvSpPr txBox="1">
-            <a:spLocks/>
-          </p:cNvSpPr>
+                <a:miter lim="800000"/>
+                <a:headEnd/>
+                <a:tailEnd/>
+              </a14:hiddenLine>
+            </a:ext>
+          </a:extLst>
+        </p:spPr>
+      </p:pic>
+      <p:pic>
+        <p:nvPicPr>
+          <p:cNvPr id="35" name="Picture 34"/>
+          <p:cNvPicPr>
+            <a:picLocks noChangeAspect="1" noChangeArrowheads="1"/>
+          </p:cNvPicPr>
           <p:nvPr/>
-        </p:nvSpPr>
-        <p:spPr>
-          <a:xfrm>
-            <a:off x="5239853" y="4735383"/>
-            <a:ext cx="3171273" cy="451585"/>
+        </p:nvPicPr>
+        <p:blipFill>
+          <a:blip r:embed="rId8">
+            <a:extLst>
+              <a:ext uri="{28A0092B-C50C-407E-A947-70E740481C1C}">
+                <a14:useLocalDpi xmlns:a14="http://schemas.microsoft.com/office/drawing/2010/main" val="0"/>
+              </a:ext>
+            </a:extLst>
+          </a:blip>
+          <a:srcRect/>
+          <a:stretch>
+            <a:fillRect/>
+          </a:stretch>
+        </p:blipFill>
+        <p:spPr bwMode="auto">
+          <a:xfrm>
+            <a:off x="1613969" y="4326392"/>
+            <a:ext cx="1657350" cy="447675"/>
           </a:xfrm>
           <a:prstGeom prst="rect">
             <a:avLst/>
           </a:prstGeom>
-        </p:spPr>
-        <p:txBody>
-          <a:bodyPr vert="horz" lIns="91440" tIns="45720" rIns="91440" bIns="45720" rtlCol="0">
-            <a:normAutofit fontScale="92500" lnSpcReduction="20000"/>
-          </a:bodyPr>
-          <a:lstStyle>
-            <a:lvl1pPr marL="342900" indent="-342900" algn="l" defTabSz="457200" rtl="0" eaLnBrk="1" latinLnBrk="0" hangingPunct="1">
-              <a:spcBef>
-                <a:spcPct val="20000"/>
-              </a:spcBef>
-              <a:buFont typeface="Wingdings" charset="2"/>
-              <a:buChar char="§"/>
-              <a:defRPr sz="3000" kern="1200">
-                <a:solidFill>
-                  <a:schemeClr val="tx2"/>
-                </a:solidFill>
-                <a:latin typeface="+mn-lt"/>
-                <a:ea typeface="+mn-ea"/>
-                <a:cs typeface="+mn-cs"/>
-              </a:defRPr>
-            </a:lvl1pPr>
-            <a:lvl2pPr marL="742950" indent="-285750" algn="l" defTabSz="457200" rtl="0" eaLnBrk="1" latinLnBrk="0" hangingPunct="1">
-              <a:spcBef>
-                <a:spcPct val="20000"/>
-              </a:spcBef>
-              <a:buFont typeface="Wingdings" charset="2"/>
-              <a:buChar char="§"/>
-              <a:defRPr sz="2600" kern="1200">
-                <a:solidFill>
-                  <a:srgbClr val="474947"/>
-                </a:solidFill>
-                <a:latin typeface="+mn-lt"/>
-                <a:ea typeface="+mn-ea"/>
-                <a:cs typeface="+mn-cs"/>
-              </a:defRPr>
-            </a:lvl2pPr>
-            <a:lvl3pPr marL="1143000" indent="-228600" algn="l" defTabSz="457200" rtl="0" eaLnBrk="1" latinLnBrk="0" hangingPunct="1">
-              <a:spcBef>
-                <a:spcPct val="20000"/>
-              </a:spcBef>
-              <a:buFont typeface="Wingdings" charset="2"/>
-              <a:buChar char="§"/>
-              <a:defRPr sz="2200" kern="1200">
-                <a:solidFill>
-                  <a:srgbClr val="474947"/>
-                </a:solidFill>
-                <a:latin typeface="+mn-lt"/>
-                <a:ea typeface="+mn-ea"/>
-                <a:cs typeface="+mn-cs"/>
-              </a:defRPr>
-            </a:lvl3pPr>
-            <a:lvl4pPr marL="1600200" indent="-228600" algn="l" defTabSz="457200" rtl="0" eaLnBrk="1" latinLnBrk="0" hangingPunct="1">
-              <a:spcBef>
-                <a:spcPct val="20000"/>
-              </a:spcBef>
-              <a:buFont typeface="Wingdings" charset="2"/>
-              <a:buChar char="§"/>
-              <a:defRPr sz="2000" kern="1200">
-                <a:solidFill>
-                  <a:srgbClr val="474947"/>
-                </a:solidFill>
-                <a:latin typeface="+mn-lt"/>
-                <a:ea typeface="+mn-ea"/>
-                <a:cs typeface="+mn-cs"/>
-              </a:defRPr>
-            </a:lvl4pPr>
-            <a:lvl5pPr marL="2057400" indent="-228600" algn="l" defTabSz="457200" rtl="0" eaLnBrk="1" latinLnBrk="0" hangingPunct="1">
-              <a:spcBef>
-                <a:spcPct val="20000"/>
-              </a:spcBef>
-              <a:buFont typeface="Wingdings" charset="2"/>
-              <a:buChar char="§"/>
-              <a:defRPr sz="1800" kern="1200">
-                <a:solidFill>
-                  <a:srgbClr val="474947"/>
-                </a:solidFill>
-                <a:latin typeface="+mn-lt"/>
-                <a:ea typeface="+mn-ea"/>
-                <a:cs typeface="+mn-cs"/>
-              </a:defRPr>
-            </a:lvl5pPr>
-            <a:lvl6pPr marL="2514600" indent="-228600" algn="l" defTabSz="457200" rtl="0" eaLnBrk="1" latinLnBrk="0" hangingPunct="1">
-              <a:spcBef>
-                <a:spcPct val="20000"/>
-              </a:spcBef>
-              <a:buFont typeface="Arial"/>
-              <a:buChar char="•"/>
-              <a:defRPr sz="2000" kern="1200">
+          <a:noFill/>
+          <a:ln>
+            <a:noFill/>
+          </a:ln>
+          <a:extLst>
+            <a:ext uri="{909E8E84-426E-40DD-AFC4-6F175D3DCCD1}">
+              <a14:hiddenFill xmlns:a14="http://schemas.microsoft.com/office/drawing/2010/main">
+                <a:solidFill>
+                  <a:schemeClr val="accent1"/>
+                </a:solidFill>
+              </a14:hiddenFill>
+            </a:ext>
+            <a:ext uri="{91240B29-F687-4F45-9708-019B960494DF}">
+              <a14:hiddenLine xmlns:a14="http://schemas.microsoft.com/office/drawing/2010/main" w="9525">
                 <a:solidFill>
                   <a:schemeClr val="tx1"/>
                 </a:solidFill>
-                <a:latin typeface="+mn-lt"/>
-                <a:ea typeface="+mn-ea"/>
-                <a:cs typeface="+mn-cs"/>
-              </a:defRPr>
-            </a:lvl6pPr>
-            <a:lvl7pPr marL="2971800" indent="-228600" algn="l" defTabSz="457200" rtl="0" eaLnBrk="1" latinLnBrk="0" hangingPunct="1">
-              <a:spcBef>
-                <a:spcPct val="20000"/>
-              </a:spcBef>
-              <a:buFont typeface="Arial"/>
-              <a:buChar char="•"/>
-              <a:defRPr sz="2000" kern="1200">
-                <a:solidFill>
-                  <a:schemeClr val="tx1"/>
-                </a:solidFill>
-                <a:latin typeface="+mn-lt"/>
-                <a:ea typeface="+mn-ea"/>
-                <a:cs typeface="+mn-cs"/>
-              </a:defRPr>
-            </a:lvl7pPr>
-            <a:lvl8pPr marL="3429000" indent="-228600" algn="l" defTabSz="457200" rtl="0" eaLnBrk="1" latinLnBrk="0" hangingPunct="1">
-              <a:spcBef>
-                <a:spcPct val="20000"/>
-              </a:spcBef>
-              <a:buFont typeface="Arial"/>
-              <a:buChar char="•"/>
-              <a:defRPr sz="2000" kern="1200">
-                <a:solidFill>
-                  <a:schemeClr val="tx1"/>
-                </a:solidFill>
-                <a:latin typeface="+mn-lt"/>
-                <a:ea typeface="+mn-ea"/>
-                <a:cs typeface="+mn-cs"/>
-              </a:defRPr>
-            </a:lvl8pPr>
-            <a:lvl9pPr marL="3886200" indent="-228600" algn="l" defTabSz="457200" rtl="0" eaLnBrk="1" latinLnBrk="0" hangingPunct="1">
-              <a:spcBef>
-                <a:spcPct val="20000"/>
-              </a:spcBef>
-              <a:buFont typeface="Arial"/>
-              <a:buChar char="•"/>
-              <a:defRPr sz="2000" kern="1200">
-                <a:solidFill>
-                  <a:schemeClr val="tx1"/>
-                </a:solidFill>
-                <a:latin typeface="+mn-lt"/>
-                <a:ea typeface="+mn-ea"/>
-                <a:cs typeface="+mn-cs"/>
-              </a:defRPr>
-            </a:lvl9pPr>
-          </a:lstStyle>
-          <a:p>
-            <a:pPr marL="0" indent="0">
-              <a:buNone/>
-            </a:pPr>
-            <a:r>
-              <a:rPr lang="en-US" dirty="0"/>
-              <a:t>children.org</a:t>
-            </a:r>
-          </a:p>
-        </p:txBody>
-      </p:sp>
-      <p:sp>
-        <p:nvSpPr>
-          <p:cNvPr id="18" name="Content Placeholder 2"/>
-          <p:cNvSpPr txBox="1">
-            <a:spLocks/>
-          </p:cNvSpPr>
+                <a:miter lim="800000"/>
+                <a:headEnd/>
+                <a:tailEnd/>
+              </a14:hiddenLine>
+            </a:ext>
+          </a:extLst>
+        </p:spPr>
+      </p:pic>
+      <p:sp>
+        <p:nvSpPr>
+          <p:cNvPr id="26" name="TextBox 25"/>
+          <p:cNvSpPr txBox="1"/>
           <p:nvPr/>
         </p:nvSpPr>
         <p:spPr>
           <a:xfrm>
-            <a:off x="1" y="5488620"/>
-            <a:ext cx="9143999" cy="451585"/>
+            <a:off x="618144" y="5193080"/>
+            <a:ext cx="1296761" cy="369332"/>
           </a:xfrm>
           <a:prstGeom prst="rect">
             <a:avLst/>
           </a:prstGeom>
-        </p:spPr>
-        <p:txBody>
-          <a:bodyPr vert="horz" lIns="91440" tIns="45720" rIns="91440" bIns="45720" rtlCol="0">
-            <a:normAutofit fontScale="92500" lnSpcReduction="20000"/>
+          <a:noFill/>
+        </p:spPr>
+        <p:txBody>
+          <a:bodyPr wrap="square" rtlCol="0">
+            <a:spAutoFit/>
           </a:bodyPr>
-          <a:lstStyle>
-            <a:lvl1pPr marL="342900" indent="-342900" algn="l" defTabSz="457200" rtl="0" eaLnBrk="1" latinLnBrk="0" hangingPunct="1">
-              <a:spcBef>
-                <a:spcPct val="20000"/>
-              </a:spcBef>
-              <a:buFont typeface="Wingdings" charset="2"/>
-              <a:buChar char="§"/>
-              <a:defRPr sz="3000" kern="1200">
-                <a:solidFill>
-                  <a:schemeClr val="tx2"/>
-                </a:solidFill>
-                <a:latin typeface="+mn-lt"/>
-                <a:ea typeface="+mn-ea"/>
-                <a:cs typeface="+mn-cs"/>
-              </a:defRPr>
-            </a:lvl1pPr>
-            <a:lvl2pPr marL="742950" indent="-285750" algn="l" defTabSz="457200" rtl="0" eaLnBrk="1" latinLnBrk="0" hangingPunct="1">
-              <a:spcBef>
-                <a:spcPct val="20000"/>
-              </a:spcBef>
-              <a:buFont typeface="Wingdings" charset="2"/>
-              <a:buChar char="§"/>
-              <a:defRPr sz="2600" kern="1200">
-                <a:solidFill>
-                  <a:srgbClr val="474947"/>
-                </a:solidFill>
-                <a:latin typeface="+mn-lt"/>
-                <a:ea typeface="+mn-ea"/>
-                <a:cs typeface="+mn-cs"/>
-              </a:defRPr>
-            </a:lvl2pPr>
-            <a:lvl3pPr marL="1143000" indent="-228600" algn="l" defTabSz="457200" rtl="0" eaLnBrk="1" latinLnBrk="0" hangingPunct="1">
-              <a:spcBef>
-                <a:spcPct val="20000"/>
-              </a:spcBef>
-              <a:buFont typeface="Wingdings" charset="2"/>
-              <a:buChar char="§"/>
-              <a:defRPr sz="2200" kern="1200">
-                <a:solidFill>
-                  <a:srgbClr val="474947"/>
-                </a:solidFill>
-                <a:latin typeface="+mn-lt"/>
-                <a:ea typeface="+mn-ea"/>
-                <a:cs typeface="+mn-cs"/>
-              </a:defRPr>
-            </a:lvl3pPr>
-            <a:lvl4pPr marL="1600200" indent="-228600" algn="l" defTabSz="457200" rtl="0" eaLnBrk="1" latinLnBrk="0" hangingPunct="1">
-              <a:spcBef>
-                <a:spcPct val="20000"/>
-              </a:spcBef>
-              <a:buFont typeface="Wingdings" charset="2"/>
-              <a:buChar char="§"/>
-              <a:defRPr sz="2000" kern="1200">
-                <a:solidFill>
-                  <a:srgbClr val="474947"/>
-                </a:solidFill>
-                <a:latin typeface="+mn-lt"/>
-                <a:ea typeface="+mn-ea"/>
-                <a:cs typeface="+mn-cs"/>
-              </a:defRPr>
-            </a:lvl4pPr>
-            <a:lvl5pPr marL="2057400" indent="-228600" algn="l" defTabSz="457200" rtl="0" eaLnBrk="1" latinLnBrk="0" hangingPunct="1">
-              <a:spcBef>
-                <a:spcPct val="20000"/>
-              </a:spcBef>
-              <a:buFont typeface="Wingdings" charset="2"/>
-              <a:buChar char="§"/>
-              <a:defRPr sz="1800" kern="1200">
-                <a:solidFill>
-                  <a:srgbClr val="474947"/>
-                </a:solidFill>
-                <a:latin typeface="+mn-lt"/>
-                <a:ea typeface="+mn-ea"/>
-                <a:cs typeface="+mn-cs"/>
-              </a:defRPr>
-            </a:lvl5pPr>
-            <a:lvl6pPr marL="2514600" indent="-228600" algn="l" defTabSz="457200" rtl="0" eaLnBrk="1" latinLnBrk="0" hangingPunct="1">
-              <a:spcBef>
-                <a:spcPct val="20000"/>
-              </a:spcBef>
-              <a:buFont typeface="Arial"/>
-              <a:buChar char="•"/>
-              <a:defRPr sz="2000" kern="1200">
-                <a:solidFill>
-                  <a:schemeClr val="tx1"/>
-                </a:solidFill>
-                <a:latin typeface="+mn-lt"/>
-                <a:ea typeface="+mn-ea"/>
-                <a:cs typeface="+mn-cs"/>
-              </a:defRPr>
-            </a:lvl6pPr>
-            <a:lvl7pPr marL="2971800" indent="-228600" algn="l" defTabSz="457200" rtl="0" eaLnBrk="1" latinLnBrk="0" hangingPunct="1">
-              <a:spcBef>
-                <a:spcPct val="20000"/>
-              </a:spcBef>
-              <a:buFont typeface="Arial"/>
-              <a:buChar char="•"/>
-              <a:defRPr sz="2000" kern="1200">
-                <a:solidFill>
-                  <a:schemeClr val="tx1"/>
-                </a:solidFill>
-                <a:latin typeface="+mn-lt"/>
-                <a:ea typeface="+mn-ea"/>
-                <a:cs typeface="+mn-cs"/>
-              </a:defRPr>
-            </a:lvl7pPr>
-            <a:lvl8pPr marL="3429000" indent="-228600" algn="l" defTabSz="457200" rtl="0" eaLnBrk="1" latinLnBrk="0" hangingPunct="1">
-              <a:spcBef>
-                <a:spcPct val="20000"/>
-              </a:spcBef>
-              <a:buFont typeface="Arial"/>
-              <a:buChar char="•"/>
-              <a:defRPr sz="2000" kern="1200">
-                <a:solidFill>
-                  <a:schemeClr val="tx1"/>
-                </a:solidFill>
-                <a:latin typeface="+mn-lt"/>
-                <a:ea typeface="+mn-ea"/>
-                <a:cs typeface="+mn-cs"/>
-              </a:defRPr>
-            </a:lvl8pPr>
-            <a:lvl9pPr marL="3886200" indent="-228600" algn="l" defTabSz="457200" rtl="0" eaLnBrk="1" latinLnBrk="0" hangingPunct="1">
-              <a:spcBef>
-                <a:spcPct val="20000"/>
-              </a:spcBef>
-              <a:buFont typeface="Arial"/>
-              <a:buChar char="•"/>
-              <a:defRPr sz="2000" kern="1200">
-                <a:solidFill>
-                  <a:schemeClr val="tx1"/>
-                </a:solidFill>
-                <a:latin typeface="+mn-lt"/>
-                <a:ea typeface="+mn-ea"/>
-                <a:cs typeface="+mn-cs"/>
-              </a:defRPr>
-            </a:lvl9pPr>
-          </a:lstStyle>
-          <a:p>
-            <a:pPr marL="0" indent="0" algn="ctr">
-              <a:buNone/>
-            </a:pPr>
-            <a:r>
-              <a:rPr lang="en-US" dirty="0"/>
-              <a:t>www.tf3604.com/log</a:t>
-            </a:r>
-          </a:p>
-        </p:txBody>
-      </p:sp>
+          <a:lstStyle/>
+          <a:p>
+            <a:r>
+              <a:rPr lang="en-US" dirty="0" smtClean="0"/>
+              <a:t>Swag</a:t>
+            </a:r>
+            <a:endParaRPr lang="en-US" dirty="0"/>
+          </a:p>
+        </p:txBody>
+      </p:sp>
+      <p:cxnSp>
+        <p:nvCxnSpPr>
+          <p:cNvPr id="28" name="Straight Connector 27"/>
+          <p:cNvCxnSpPr/>
+          <p:nvPr/>
+        </p:nvCxnSpPr>
+        <p:spPr>
+          <a:xfrm>
+            <a:off x="589193" y="5782260"/>
+            <a:ext cx="8044543" cy="0"/>
+          </a:xfrm>
+          <a:prstGeom prst="line">
+            <a:avLst/>
+          </a:prstGeom>
+          <a:ln w="3175">
+            <a:solidFill>
+              <a:srgbClr val="7A9F31"/>
+            </a:solidFill>
+          </a:ln>
+          <a:effectLst/>
+        </p:spPr>
+        <p:style>
+          <a:lnRef idx="2">
+            <a:schemeClr val="accent1"/>
+          </a:lnRef>
+          <a:fillRef idx="0">
+            <a:schemeClr val="accent1"/>
+          </a:fillRef>
+          <a:effectRef idx="1">
+            <a:schemeClr val="accent1"/>
+          </a:effectRef>
+          <a:fontRef idx="minor">
+            <a:schemeClr val="tx1"/>
+          </a:fontRef>
+        </p:style>
+      </p:cxnSp>
+      <p:pic>
+        <p:nvPicPr>
+          <p:cNvPr id="10" name="Picture 9"/>
+          <p:cNvPicPr>
+            <a:picLocks noChangeAspect="1"/>
+          </p:cNvPicPr>
+          <p:nvPr/>
+        </p:nvPicPr>
+        <p:blipFill>
+          <a:blip r:embed="rId9">
+            <a:extLst>
+              <a:ext uri="{28A0092B-C50C-407E-A947-70E740481C1C}">
+                <a14:useLocalDpi xmlns:a14="http://schemas.microsoft.com/office/drawing/2010/main" val="0"/>
+              </a:ext>
+            </a:extLst>
+          </a:blip>
+          <a:stretch>
+            <a:fillRect/>
+          </a:stretch>
+        </p:blipFill>
+        <p:spPr>
+          <a:xfrm>
+            <a:off x="1758580" y="1685654"/>
+            <a:ext cx="1027176" cy="182880"/>
+          </a:xfrm>
+          <a:prstGeom prst="rect">
+            <a:avLst/>
+          </a:prstGeom>
+        </p:spPr>
+      </p:pic>
+      <p:pic>
+        <p:nvPicPr>
+          <p:cNvPr id="15" name="Picture 14"/>
+          <p:cNvPicPr>
+            <a:picLocks noChangeAspect="1"/>
+          </p:cNvPicPr>
+          <p:nvPr/>
+        </p:nvPicPr>
+        <p:blipFill>
+          <a:blip r:embed="rId10">
+            <a:extLst>
+              <a:ext uri="{28A0092B-C50C-407E-A947-70E740481C1C}">
+                <a14:useLocalDpi xmlns:a14="http://schemas.microsoft.com/office/drawing/2010/main" val="0"/>
+              </a:ext>
+            </a:extLst>
+          </a:blip>
+          <a:stretch>
+            <a:fillRect/>
+          </a:stretch>
+        </p:blipFill>
+        <p:spPr>
+          <a:xfrm>
+            <a:off x="3917359" y="2295776"/>
+            <a:ext cx="1675357" cy="401613"/>
+          </a:xfrm>
+          <a:prstGeom prst="rect">
+            <a:avLst/>
+          </a:prstGeom>
+        </p:spPr>
+      </p:pic>
+      <p:pic>
+        <p:nvPicPr>
+          <p:cNvPr id="23" name="Picture 22"/>
+          <p:cNvPicPr>
+            <a:picLocks noChangeAspect="1"/>
+          </p:cNvPicPr>
+          <p:nvPr/>
+        </p:nvPicPr>
+        <p:blipFill>
+          <a:blip r:embed="rId11">
+            <a:extLst>
+              <a:ext uri="{28A0092B-C50C-407E-A947-70E740481C1C}">
+                <a14:useLocalDpi xmlns:a14="http://schemas.microsoft.com/office/drawing/2010/main" val="0"/>
+              </a:ext>
+            </a:extLst>
+          </a:blip>
+          <a:stretch>
+            <a:fillRect/>
+          </a:stretch>
+        </p:blipFill>
+        <p:spPr>
+          <a:xfrm>
+            <a:off x="6753346" y="2368741"/>
+            <a:ext cx="1857257" cy="321924"/>
+          </a:xfrm>
+          <a:prstGeom prst="rect">
+            <a:avLst/>
+          </a:prstGeom>
+        </p:spPr>
+      </p:pic>
+      <p:pic>
+        <p:nvPicPr>
+          <p:cNvPr id="25" name="Picture 24"/>
+          <p:cNvPicPr>
+            <a:picLocks noChangeAspect="1"/>
+          </p:cNvPicPr>
+          <p:nvPr/>
+        </p:nvPicPr>
+        <p:blipFill>
+          <a:blip r:embed="rId12">
+            <a:extLst>
+              <a:ext uri="{28A0092B-C50C-407E-A947-70E740481C1C}">
+                <a14:useLocalDpi xmlns:a14="http://schemas.microsoft.com/office/drawing/2010/main" val="0"/>
+              </a:ext>
+            </a:extLst>
+          </a:blip>
+          <a:stretch>
+            <a:fillRect/>
+          </a:stretch>
+        </p:blipFill>
+        <p:spPr>
+          <a:xfrm>
+            <a:off x="1855898" y="3549736"/>
+            <a:ext cx="2068064" cy="215733"/>
+          </a:xfrm>
+          <a:prstGeom prst="rect">
+            <a:avLst/>
+          </a:prstGeom>
+        </p:spPr>
+      </p:pic>
     </p:spTree>
     <p:extLst>
       <p:ext uri="{BB962C8B-B14F-4D97-AF65-F5344CB8AC3E}">
-        <p14:creationId xmlns:p14="http://schemas.microsoft.com/office/powerpoint/2010/main" val="1021995815"/>
+        <p14:creationId xmlns:p14="http://schemas.microsoft.com/office/powerpoint/2010/main" val="2875586194"/>
       </p:ext>
     </p:extLst>
   </p:cSld>
   <p:clrMapOvr>
     <a:masterClrMapping/>
   </p:clrMapOvr>
+  <p:timing>
+    <p:tnLst>
+      <p:par>
+        <p:cTn id="1" dur="indefinite" restart="never" nodeType="tmRoot"/>
+      </p:par>
+    </p:tnLst>
+  </p:timing>
 </p:sld>
 </file>
 
@@ -7396,7 +6726,7 @@
           <a:p>
             <a:r>
               <a:rPr lang="en-US" dirty="0"/>
-              <a:t>Log Record Detail</a:t>
+              <a:t>Log Block Detail</a:t>
             </a:r>
           </a:p>
         </p:txBody>
@@ -7418,56 +6748,58 @@
           </a:xfrm>
         </p:spPr>
         <p:txBody>
-          <a:bodyPr>
-            <a:normAutofit lnSpcReduction="10000"/>
-          </a:bodyPr>
+          <a:bodyPr/>
           <a:lstStyle/>
           <a:p>
             <a:r>
               <a:rPr lang="en-US" dirty="0"/>
-              <a:t>Of course, a header</a:t>
+              <a:t>As expected, starts with a header</a:t>
+            </a:r>
+          </a:p>
+          <a:p>
+            <a:r>
+              <a:rPr lang="en-US" dirty="0"/>
+              <a:t>Then a series of log records</a:t>
             </a:r>
           </a:p>
           <a:p>
             <a:pPr lvl="1"/>
             <a:r>
               <a:rPr lang="en-US" dirty="0"/>
-              <a:t>Record type, transaction ID, length, pointer to previous transaction record, etc.</a:t>
-            </a:r>
-          </a:p>
-          <a:p>
-            <a:r>
-              <a:rPr lang="en-US" dirty="0"/>
-              <a:t>Payload</a:t>
-            </a:r>
-          </a:p>
-          <a:p>
-            <a:pPr lvl="1"/>
-            <a:r>
-              <a:rPr lang="en-US" dirty="0"/>
-              <a:t>Before/after image of changes</a:t>
+              <a:t>Completely variable </a:t>
+            </a:r>
+            <a:r>
+              <a:rPr lang="en-US"/>
+              <a:t>in size</a:t>
+            </a:r>
+            <a:endParaRPr lang="en-US" dirty="0"/>
+          </a:p>
+          <a:p>
+            <a:r>
+              <a:rPr lang="en-US" dirty="0"/>
+              <a:t>And an index to the log records (slot array)</a:t>
             </a:r>
           </a:p>
         </p:txBody>
       </p:sp>
       <p:pic>
         <p:nvPicPr>
-          <p:cNvPr id="4" name="Picture 3"/>
+          <p:cNvPr id="5" name="Picture 4"/>
           <p:cNvPicPr>
             <a:picLocks noChangeAspect="1"/>
           </p:cNvPicPr>
           <p:nvPr/>
         </p:nvPicPr>
         <p:blipFill>
-          <a:blip r:embed="rId2"/>
+          <a:blip r:embed="rId3"/>
           <a:stretch>
             <a:fillRect/>
           </a:stretch>
         </p:blipFill>
         <p:spPr>
           <a:xfrm>
-            <a:off x="457200" y="1417320"/>
-            <a:ext cx="8199451" cy="2377440"/>
+            <a:off x="457200" y="1419705"/>
+            <a:ext cx="8190125" cy="2377440"/>
           </a:xfrm>
           <a:prstGeom prst="rect">
             <a:avLst/>
@@ -7477,7 +6809,7 @@
     </p:spTree>
     <p:extLst>
       <p:ext uri="{BB962C8B-B14F-4D97-AF65-F5344CB8AC3E}">
-        <p14:creationId xmlns:p14="http://schemas.microsoft.com/office/powerpoint/2010/main" val="3638472235"/>
+        <p14:creationId xmlns:p14="http://schemas.microsoft.com/office/powerpoint/2010/main" val="803829485"/>
       </p:ext>
     </p:extLst>
   </p:cSld>
@@ -7521,7 +6853,7 @@
           <a:p>
             <a:r>
               <a:rPr lang="en-US" dirty="0"/>
-              <a:t>Log Sequence Number</a:t>
+              <a:t>Log Record Detail</a:t>
             </a:r>
           </a:p>
         </p:txBody>
@@ -7536,55 +6868,73 @@
             <p:ph idx="1"/>
           </p:nvPr>
         </p:nvSpPr>
-        <p:spPr/>
-        <p:txBody>
-          <a:bodyPr/>
+        <p:spPr>
+          <a:xfrm>
+            <a:off x="457201" y="3797145"/>
+            <a:ext cx="8229600" cy="2329018"/>
+          </a:xfrm>
+        </p:spPr>
+        <p:txBody>
+          <a:bodyPr>
+            <a:normAutofit lnSpcReduction="10000"/>
+          </a:bodyPr>
           <a:lstStyle/>
           <a:p>
             <a:r>
               <a:rPr lang="en-US" dirty="0"/>
-              <a:t>Each log record can be uniquely identified by its Log Sequence Number (LSN)</a:t>
-            </a:r>
-          </a:p>
-          <a:p>
-            <a:r>
-              <a:rPr lang="en-US" dirty="0"/>
-              <a:t>An LSN is composed of three parts</a:t>
+              <a:t>Of course, a header</a:t>
             </a:r>
           </a:p>
           <a:p>
             <a:pPr lvl="1"/>
             <a:r>
               <a:rPr lang="en-US" dirty="0"/>
-              <a:t>VLF number</a:t>
+              <a:t>Record type, transaction ID, length, pointer to previous transaction record, etc.</a:t>
+            </a:r>
+          </a:p>
+          <a:p>
+            <a:r>
+              <a:rPr lang="en-US" dirty="0"/>
+              <a:t>Payload</a:t>
             </a:r>
           </a:p>
           <a:p>
             <a:pPr lvl="1"/>
             <a:r>
               <a:rPr lang="en-US" dirty="0"/>
-              <a:t>Log Block offset (512-byte chunks, not necessarily contiguous)</a:t>
-            </a:r>
-          </a:p>
-          <a:p>
-            <a:pPr lvl="1"/>
-            <a:r>
-              <a:rPr lang="en-US" dirty="0"/>
-              <a:t>Log Record number (slot number)</a:t>
-            </a:r>
-          </a:p>
-          <a:p>
-            <a:r>
-              <a:rPr lang="en-US" dirty="0"/>
-              <a:t>The LSN is in a very real way a pointer into the (logical) log file</a:t>
-            </a:r>
-          </a:p>
-        </p:txBody>
-      </p:sp>
+              <a:t>Before/after image of changes</a:t>
+            </a:r>
+          </a:p>
+        </p:txBody>
+      </p:sp>
+      <p:pic>
+        <p:nvPicPr>
+          <p:cNvPr id="4" name="Picture 3"/>
+          <p:cNvPicPr>
+            <a:picLocks noChangeAspect="1"/>
+          </p:cNvPicPr>
+          <p:nvPr/>
+        </p:nvPicPr>
+        <p:blipFill>
+          <a:blip r:embed="rId2"/>
+          <a:stretch>
+            <a:fillRect/>
+          </a:stretch>
+        </p:blipFill>
+        <p:spPr>
+          <a:xfrm>
+            <a:off x="457200" y="1417320"/>
+            <a:ext cx="8199451" cy="2377440"/>
+          </a:xfrm>
+          <a:prstGeom prst="rect">
+            <a:avLst/>
+          </a:prstGeom>
+        </p:spPr>
+      </p:pic>
     </p:spTree>
     <p:extLst>
       <p:ext uri="{BB962C8B-B14F-4D97-AF65-F5344CB8AC3E}">
-        <p14:creationId xmlns:p14="http://schemas.microsoft.com/office/powerpoint/2010/main" val="1560482780"/>
+        <p14:creationId xmlns:p14="http://schemas.microsoft.com/office/powerpoint/2010/main" val="3638472235"/>
       </p:ext>
     </p:extLst>
   </p:cSld>
@@ -7628,6 +6978,113 @@
           <a:p>
             <a:r>
               <a:rPr lang="en-US" dirty="0"/>
+              <a:t>Log Sequence Number</a:t>
+            </a:r>
+          </a:p>
+        </p:txBody>
+      </p:sp>
+      <p:sp>
+        <p:nvSpPr>
+          <p:cNvPr id="3" name="Content Placeholder 2"/>
+          <p:cNvSpPr>
+            <a:spLocks noGrp="1"/>
+          </p:cNvSpPr>
+          <p:nvPr>
+            <p:ph idx="1"/>
+          </p:nvPr>
+        </p:nvSpPr>
+        <p:spPr/>
+        <p:txBody>
+          <a:bodyPr/>
+          <a:lstStyle/>
+          <a:p>
+            <a:r>
+              <a:rPr lang="en-US" dirty="0"/>
+              <a:t>Each log record can be uniquely identified by its Log Sequence Number (LSN)</a:t>
+            </a:r>
+          </a:p>
+          <a:p>
+            <a:r>
+              <a:rPr lang="en-US" dirty="0"/>
+              <a:t>An LSN is composed of three parts</a:t>
+            </a:r>
+          </a:p>
+          <a:p>
+            <a:pPr lvl="1"/>
+            <a:r>
+              <a:rPr lang="en-US" dirty="0"/>
+              <a:t>VLF number</a:t>
+            </a:r>
+          </a:p>
+          <a:p>
+            <a:pPr lvl="1"/>
+            <a:r>
+              <a:rPr lang="en-US" dirty="0"/>
+              <a:t>Log Block offset (512-byte chunks, not necessarily contiguous)</a:t>
+            </a:r>
+          </a:p>
+          <a:p>
+            <a:pPr lvl="1"/>
+            <a:r>
+              <a:rPr lang="en-US" dirty="0"/>
+              <a:t>Log Record number (slot number)</a:t>
+            </a:r>
+          </a:p>
+          <a:p>
+            <a:r>
+              <a:rPr lang="en-US" dirty="0"/>
+              <a:t>The LSN is in a very real way a pointer into the (logical) log file</a:t>
+            </a:r>
+          </a:p>
+        </p:txBody>
+      </p:sp>
+    </p:spTree>
+    <p:extLst>
+      <p:ext uri="{BB962C8B-B14F-4D97-AF65-F5344CB8AC3E}">
+        <p14:creationId xmlns:p14="http://schemas.microsoft.com/office/powerpoint/2010/main" val="1560482780"/>
+      </p:ext>
+    </p:extLst>
+  </p:cSld>
+  <p:clrMapOvr>
+    <a:masterClrMapping/>
+  </p:clrMapOvr>
+</p:sld>
+</file>
+
+<file path=ppt/slides/slide23.xml><?xml version="1.0" encoding="utf-8"?>
+<p:sld xmlns:a="http://schemas.openxmlformats.org/drawingml/2006/main" xmlns:r="http://schemas.openxmlformats.org/officeDocument/2006/relationships" xmlns:p="http://schemas.openxmlformats.org/presentationml/2006/main">
+  <p:cSld>
+    <p:spTree>
+      <p:nvGrpSpPr>
+        <p:cNvPr id="1" name=""/>
+        <p:cNvGrpSpPr/>
+        <p:nvPr/>
+      </p:nvGrpSpPr>
+      <p:grpSpPr>
+        <a:xfrm>
+          <a:off x="0" y="0"/>
+          <a:ext cx="0" cy="0"/>
+          <a:chOff x="0" y="0"/>
+          <a:chExt cx="0" cy="0"/>
+        </a:xfrm>
+      </p:grpSpPr>
+      <p:sp>
+        <p:nvSpPr>
+          <p:cNvPr id="2" name="Title 1"/>
+          <p:cNvSpPr>
+            <a:spLocks noGrp="1"/>
+          </p:cNvSpPr>
+          <p:nvPr>
+            <p:ph type="title"/>
+          </p:nvPr>
+        </p:nvSpPr>
+        <p:spPr/>
+        <p:txBody>
+          <a:bodyPr/>
+          <a:lstStyle/>
+          <a:p>
+            <a:r>
+              <a:rPr lang="en-US" dirty="0"/>
               <a:t>LSN Representations</a:t>
             </a:r>
           </a:p>
@@ -7691,21 +7148,21 @@
                 <a:gridCol w="1895475">
                   <a:extLst>
                     <a:ext uri="{9D8B030D-6E8A-4147-A177-3AD203B41FA5}">
-                      <a16:colId xmlns:a16="http://schemas.microsoft.com/office/drawing/2014/main" xmlns="" val="20000"/>
+                      <a16:colId xmlns="" xmlns:a16="http://schemas.microsoft.com/office/drawing/2014/main" val="20000"/>
                     </a:ext>
                   </a:extLst>
                 </a:gridCol>
                 <a:gridCol w="3171825">
                   <a:extLst>
                     <a:ext uri="{9D8B030D-6E8A-4147-A177-3AD203B41FA5}">
-                      <a16:colId xmlns:a16="http://schemas.microsoft.com/office/drawing/2014/main" xmlns="" val="20001"/>
+                      <a16:colId xmlns="" xmlns:a16="http://schemas.microsoft.com/office/drawing/2014/main" val="20001"/>
                     </a:ext>
                   </a:extLst>
                 </a:gridCol>
                 <a:gridCol w="3162300">
                   <a:extLst>
                     <a:ext uri="{9D8B030D-6E8A-4147-A177-3AD203B41FA5}">
-                      <a16:colId xmlns:a16="http://schemas.microsoft.com/office/drawing/2014/main" xmlns="" val="20002"/>
+                      <a16:colId xmlns="" xmlns:a16="http://schemas.microsoft.com/office/drawing/2014/main" val="20002"/>
                     </a:ext>
                   </a:extLst>
                 </a:gridCol>
@@ -7752,7 +7209,7 @@
                 </a:tc>
                 <a:extLst>
                   <a:ext uri="{0D108BD9-81ED-4DB2-BD59-A6C34878D82A}">
-                    <a16:rowId xmlns:a16="http://schemas.microsoft.com/office/drawing/2014/main" xmlns="" val="10000"/>
+                    <a16:rowId xmlns="" xmlns:a16="http://schemas.microsoft.com/office/drawing/2014/main" val="10000"/>
                   </a:ext>
                 </a:extLst>
               </a:tr>
@@ -7815,7 +7272,7 @@
                 </a:tc>
                 <a:extLst>
                   <a:ext uri="{0D108BD9-81ED-4DB2-BD59-A6C34878D82A}">
-                    <a16:rowId xmlns:a16="http://schemas.microsoft.com/office/drawing/2014/main" xmlns="" val="10001"/>
+                    <a16:rowId xmlns="" xmlns:a16="http://schemas.microsoft.com/office/drawing/2014/main" val="10001"/>
                   </a:ext>
                 </a:extLst>
               </a:tr>
@@ -7886,7 +7343,7 @@
                 </a:tc>
                 <a:extLst>
                   <a:ext uri="{0D108BD9-81ED-4DB2-BD59-A6C34878D82A}">
-                    <a16:rowId xmlns:a16="http://schemas.microsoft.com/office/drawing/2014/main" xmlns="" val="10002"/>
+                    <a16:rowId xmlns="" xmlns:a16="http://schemas.microsoft.com/office/drawing/2014/main" val="10002"/>
                   </a:ext>
                 </a:extLst>
               </a:tr>
@@ -7932,7 +7389,7 @@
                 </a:tc>
                 <a:extLst>
                   <a:ext uri="{0D108BD9-81ED-4DB2-BD59-A6C34878D82A}">
-                    <a16:rowId xmlns:a16="http://schemas.microsoft.com/office/drawing/2014/main" xmlns="" val="10003"/>
+                    <a16:rowId xmlns="" xmlns:a16="http://schemas.microsoft.com/office/drawing/2014/main" val="10003"/>
                   </a:ext>
                 </a:extLst>
               </a:tr>
@@ -7983,7 +7440,7 @@
                 </a:tc>
                 <a:extLst>
                   <a:ext uri="{0D108BD9-81ED-4DB2-BD59-A6C34878D82A}">
-                    <a16:rowId xmlns:a16="http://schemas.microsoft.com/office/drawing/2014/main" xmlns="" val="3543017676"/>
+                    <a16:rowId xmlns="" xmlns:a16="http://schemas.microsoft.com/office/drawing/2014/main" val="3543017676"/>
                   </a:ext>
                 </a:extLst>
               </a:tr>
@@ -8165,107 +7622,6 @@
     <p:extLst>
       <p:ext uri="{BB962C8B-B14F-4D97-AF65-F5344CB8AC3E}">
         <p14:creationId xmlns:p14="http://schemas.microsoft.com/office/powerpoint/2010/main" val="2618731270"/>
-      </p:ext>
-    </p:extLst>
-  </p:cSld>
-  <p:clrMapOvr>
-    <a:masterClrMapping/>
-  </p:clrMapOvr>
-</p:sld>
-</file>
-
-<file path=ppt/slides/slide23.xml><?xml version="1.0" encoding="utf-8"?>
-<p:sld xmlns:a="http://schemas.openxmlformats.org/drawingml/2006/main" xmlns:r="http://schemas.openxmlformats.org/officeDocument/2006/relationships" xmlns:p="http://schemas.openxmlformats.org/presentationml/2006/main">
-  <p:cSld>
-    <p:spTree>
-      <p:nvGrpSpPr>
-        <p:cNvPr id="1" name=""/>
-        <p:cNvGrpSpPr/>
-        <p:nvPr/>
-      </p:nvGrpSpPr>
-      <p:grpSpPr>
-        <a:xfrm>
-          <a:off x="0" y="0"/>
-          <a:ext cx="0" cy="0"/>
-          <a:chOff x="0" y="0"/>
-          <a:chExt cx="0" cy="0"/>
-        </a:xfrm>
-      </p:grpSpPr>
-      <p:sp>
-        <p:nvSpPr>
-          <p:cNvPr id="2" name="Title 1"/>
-          <p:cNvSpPr>
-            <a:spLocks noGrp="1"/>
-          </p:cNvSpPr>
-          <p:nvPr>
-            <p:ph type="title"/>
-          </p:nvPr>
-        </p:nvSpPr>
-        <p:spPr/>
-        <p:txBody>
-          <a:bodyPr/>
-          <a:lstStyle/>
-          <a:p>
-            <a:r>
-              <a:rPr lang="en-US" dirty="0"/>
-              <a:t>Demo</a:t>
-            </a:r>
-          </a:p>
-        </p:txBody>
-      </p:sp>
-      <p:sp>
-        <p:nvSpPr>
-          <p:cNvPr id="3" name="Content Placeholder 2"/>
-          <p:cNvSpPr>
-            <a:spLocks noGrp="1"/>
-          </p:cNvSpPr>
-          <p:nvPr>
-            <p:ph idx="1"/>
-          </p:nvPr>
-        </p:nvSpPr>
-        <p:spPr/>
-        <p:txBody>
-          <a:bodyPr/>
-          <a:lstStyle/>
-          <a:p>
-            <a:pPr marL="0" indent="0">
-              <a:buNone/>
-            </a:pPr>
-            <a:r>
-              <a:rPr lang="en-US" dirty="0"/>
-              <a:t>LSN Converter</a:t>
-            </a:r>
-          </a:p>
-        </p:txBody>
-      </p:sp>
-      <p:pic>
-        <p:nvPicPr>
-          <p:cNvPr id="4" name="Picture 3"/>
-          <p:cNvPicPr>
-            <a:picLocks noChangeAspect="1"/>
-          </p:cNvPicPr>
-          <p:nvPr/>
-        </p:nvPicPr>
-        <p:blipFill>
-          <a:blip r:embed="rId2"/>
-          <a:stretch>
-            <a:fillRect/>
-          </a:stretch>
-        </p:blipFill>
-        <p:spPr>
-          <a:xfrm>
-            <a:off x="763071" y="1653000"/>
-            <a:ext cx="7617858" cy="3552000"/>
-          </a:xfrm>
-          <a:prstGeom prst="rect">
-            <a:avLst/>
-          </a:prstGeom>
-        </p:spPr>
-      </p:pic>
-    </p:spTree>
-    <p:extLst>
-      <p:ext uri="{BB962C8B-B14F-4D97-AF65-F5344CB8AC3E}">
-        <p14:creationId xmlns:p14="http://schemas.microsoft.com/office/powerpoint/2010/main" val="958662350"/>
       </p:ext>
     </p:extLst>
   </p:cSld>
@@ -8309,15 +7665,7 @@
           <a:p>
             <a:r>
               <a:rPr lang="en-US" dirty="0"/>
-              <a:t>DBCC LOGINFO(‘</a:t>
-            </a:r>
-            <a:r>
-              <a:rPr lang="en-US" dirty="0" err="1"/>
-              <a:t>db_name</a:t>
-            </a:r>
-            <a:r>
-              <a:rPr lang="en-US" dirty="0"/>
-              <a:t>’)</a:t>
+              <a:t>Demo</a:t>
             </a:r>
           </a:p>
         </p:txBody>
@@ -8332,12 +7680,7 @@
             <p:ph idx="1"/>
           </p:nvPr>
         </p:nvSpPr>
-        <p:spPr>
-          <a:xfrm>
-            <a:off x="457200" y="1408113"/>
-            <a:ext cx="8229600" cy="676275"/>
-          </a:xfrm>
-        </p:spPr>
+        <p:spPr/>
         <p:txBody>
           <a:bodyPr/>
           <a:lstStyle/>
@@ -8347,14 +7690,14 @@
             </a:pPr>
             <a:r>
               <a:rPr lang="en-US" dirty="0"/>
-              <a:t>Returns one row per VLF</a:t>
+              <a:t>LSN Converter</a:t>
             </a:r>
           </a:p>
         </p:txBody>
       </p:sp>
       <p:pic>
         <p:nvPicPr>
-          <p:cNvPr id="5" name="Picture 4"/>
+          <p:cNvPr id="4" name="Picture 3"/>
           <p:cNvPicPr>
             <a:picLocks noChangeAspect="1"/>
           </p:cNvPicPr>
@@ -8368,8 +7711,8 @@
         </p:blipFill>
         <p:spPr>
           <a:xfrm>
-            <a:off x="457200" y="2084388"/>
-            <a:ext cx="8067675" cy="3634087"/>
+            <a:off x="763071" y="1653000"/>
+            <a:ext cx="7617858" cy="3552000"/>
           </a:xfrm>
           <a:prstGeom prst="rect">
             <a:avLst/>
@@ -8379,7 +7722,7 @@
     </p:spTree>
     <p:extLst>
       <p:ext uri="{BB962C8B-B14F-4D97-AF65-F5344CB8AC3E}">
-        <p14:creationId xmlns:p14="http://schemas.microsoft.com/office/powerpoint/2010/main" val="3403567972"/>
+        <p14:creationId xmlns:p14="http://schemas.microsoft.com/office/powerpoint/2010/main" val="958662350"/>
       </p:ext>
     </p:extLst>
   </p:cSld>
@@ -8423,7 +7766,15 @@
           <a:p>
             <a:r>
               <a:rPr lang="en-US" dirty="0"/>
-              <a:t>Demo</a:t>
+              <a:t>DBCC LOGINFO(‘</a:t>
+            </a:r>
+            <a:r>
+              <a:rPr lang="en-US" dirty="0" err="1"/>
+              <a:t>db_name</a:t>
+            </a:r>
+            <a:r>
+              <a:rPr lang="en-US" dirty="0"/>
+              <a:t>’)</a:t>
             </a:r>
           </a:p>
         </p:txBody>
@@ -8438,7 +7789,12 @@
             <p:ph idx="1"/>
           </p:nvPr>
         </p:nvSpPr>
-        <p:spPr/>
+        <p:spPr>
+          <a:xfrm>
+            <a:off x="457200" y="1408113"/>
+            <a:ext cx="8229600" cy="676275"/>
+          </a:xfrm>
+        </p:spPr>
         <p:txBody>
           <a:bodyPr/>
           <a:lstStyle/>
@@ -8448,14 +7804,14 @@
             </a:pPr>
             <a:r>
               <a:rPr lang="en-US" dirty="0"/>
-              <a:t>DBCC LOGINFO</a:t>
+              <a:t>Returns one row per VLF</a:t>
             </a:r>
           </a:p>
         </p:txBody>
       </p:sp>
       <p:pic>
         <p:nvPicPr>
-          <p:cNvPr id="4" name="Picture 3"/>
+          <p:cNvPr id="5" name="Picture 4"/>
           <p:cNvPicPr>
             <a:picLocks noChangeAspect="1"/>
           </p:cNvPicPr>
@@ -8469,8 +7825,8 @@
         </p:blipFill>
         <p:spPr>
           <a:xfrm>
-            <a:off x="763071" y="1653000"/>
-            <a:ext cx="7617858" cy="3552000"/>
+            <a:off x="457200" y="2084388"/>
+            <a:ext cx="8067675" cy="3634087"/>
           </a:xfrm>
           <a:prstGeom prst="rect">
             <a:avLst/>
@@ -8480,7 +7836,7 @@
     </p:spTree>
     <p:extLst>
       <p:ext uri="{BB962C8B-B14F-4D97-AF65-F5344CB8AC3E}">
-        <p14:creationId xmlns:p14="http://schemas.microsoft.com/office/powerpoint/2010/main" val="4134537087"/>
+        <p14:creationId xmlns:p14="http://schemas.microsoft.com/office/powerpoint/2010/main" val="3403567972"/>
       </p:ext>
     </p:extLst>
   </p:cSld>
@@ -8523,28 +7879,8 @@
           <a:lstStyle/>
           <a:p>
             <a:r>
-              <a:rPr lang="en-US" dirty="0" err="1"/>
-              <a:t>fn_dblog</a:t>
-            </a:r>
-            <a:r>
-              <a:rPr lang="en-US" dirty="0"/>
-              <a:t>(</a:t>
-            </a:r>
-            <a:r>
-              <a:rPr lang="en-US" dirty="0" err="1"/>
-              <a:t>start_lsn</a:t>
-            </a:r>
-            <a:r>
-              <a:rPr lang="en-US" dirty="0"/>
-              <a:t>, </a:t>
-            </a:r>
-            <a:r>
-              <a:rPr lang="en-US" dirty="0" err="1"/>
-              <a:t>end_lsn</a:t>
-            </a:r>
-            <a:r>
-              <a:rPr lang="en-US" dirty="0"/>
-              <a:t>)</a:t>
+              <a:rPr lang="en-US" dirty="0"/>
+              <a:t>Demo</a:t>
             </a:r>
           </a:p>
         </p:txBody>
@@ -8559,12 +7895,7 @@
             <p:ph idx="1"/>
           </p:nvPr>
         </p:nvSpPr>
-        <p:spPr>
-          <a:xfrm>
-            <a:off x="457200" y="1397001"/>
-            <a:ext cx="8229600" cy="704850"/>
-          </a:xfrm>
-        </p:spPr>
+        <p:spPr/>
         <p:txBody>
           <a:bodyPr/>
           <a:lstStyle/>
@@ -8574,7 +7905,7 @@
             </a:pPr>
             <a:r>
               <a:rPr lang="en-US" dirty="0"/>
-              <a:t>Returns one row per log record</a:t>
+              <a:t>DBCC LOGINFO</a:t>
             </a:r>
           </a:p>
         </p:txBody>
@@ -8595,8 +7926,8 @@
         </p:blipFill>
         <p:spPr>
           <a:xfrm>
-            <a:off x="457200" y="2025651"/>
-            <a:ext cx="7962900" cy="4032860"/>
+            <a:off x="763071" y="1653000"/>
+            <a:ext cx="7617858" cy="3552000"/>
           </a:xfrm>
           <a:prstGeom prst="rect">
             <a:avLst/>
@@ -8606,7 +7937,7 @@
     </p:spTree>
     <p:extLst>
       <p:ext uri="{BB962C8B-B14F-4D97-AF65-F5344CB8AC3E}">
-        <p14:creationId xmlns:p14="http://schemas.microsoft.com/office/powerpoint/2010/main" val="2370315233"/>
+        <p14:creationId xmlns:p14="http://schemas.microsoft.com/office/powerpoint/2010/main" val="4134537087"/>
       </p:ext>
     </p:extLst>
   </p:cSld>
@@ -8649,8 +7980,28 @@
           <a:lstStyle/>
           <a:p>
             <a:r>
-              <a:rPr lang="en-US" dirty="0"/>
-              <a:t>Demo</a:t>
+              <a:rPr lang="en-US" dirty="0" err="1"/>
+              <a:t>fn_dblog</a:t>
+            </a:r>
+            <a:r>
+              <a:rPr lang="en-US" dirty="0"/>
+              <a:t>(</a:t>
+            </a:r>
+            <a:r>
+              <a:rPr lang="en-US" dirty="0" err="1"/>
+              <a:t>start_lsn</a:t>
+            </a:r>
+            <a:r>
+              <a:rPr lang="en-US" dirty="0"/>
+              <a:t>, </a:t>
+            </a:r>
+            <a:r>
+              <a:rPr lang="en-US" dirty="0" err="1"/>
+              <a:t>end_lsn</a:t>
+            </a:r>
+            <a:r>
+              <a:rPr lang="en-US" dirty="0"/>
+              <a:t>)</a:t>
             </a:r>
           </a:p>
         </p:txBody>
@@ -8665,7 +8016,12 @@
             <p:ph idx="1"/>
           </p:nvPr>
         </p:nvSpPr>
-        <p:spPr/>
+        <p:spPr>
+          <a:xfrm>
+            <a:off x="457200" y="1397001"/>
+            <a:ext cx="8229600" cy="704850"/>
+          </a:xfrm>
+        </p:spPr>
         <p:txBody>
           <a:bodyPr/>
           <a:lstStyle/>
@@ -8674,10 +8030,9 @@
               <a:buNone/>
             </a:pPr>
             <a:r>
-              <a:rPr lang="en-US" dirty="0" err="1"/>
-              <a:t>fn_dblog</a:t>
-            </a:r>
-            <a:endParaRPr lang="en-US" dirty="0"/>
+              <a:rPr lang="en-US" dirty="0"/>
+              <a:t>Returns one row per log record</a:t>
+            </a:r>
           </a:p>
         </p:txBody>
       </p:sp>
@@ -8697,8 +8052,8 @@
         </p:blipFill>
         <p:spPr>
           <a:xfrm>
-            <a:off x="763071" y="1653000"/>
-            <a:ext cx="7617858" cy="3552000"/>
+            <a:off x="457200" y="2025651"/>
+            <a:ext cx="7962900" cy="4032860"/>
           </a:xfrm>
           <a:prstGeom prst="rect">
             <a:avLst/>
@@ -8708,7 +8063,7 @@
     </p:spTree>
     <p:extLst>
       <p:ext uri="{BB962C8B-B14F-4D97-AF65-F5344CB8AC3E}">
-        <p14:creationId xmlns:p14="http://schemas.microsoft.com/office/powerpoint/2010/main" val="2250290301"/>
+        <p14:creationId xmlns:p14="http://schemas.microsoft.com/office/powerpoint/2010/main" val="2370315233"/>
       </p:ext>
     </p:extLst>
   </p:cSld>
@@ -8752,7 +8107,7 @@
           <a:p>
             <a:r>
               <a:rPr lang="en-US" dirty="0"/>
-              <a:t>Related command/function</a:t>
+              <a:t>Demo</a:t>
             </a:r>
           </a:p>
         </p:txBody>
@@ -8772,51 +8127,45 @@
           <a:bodyPr/>
           <a:lstStyle/>
           <a:p>
-            <a:r>
-              <a:rPr lang="en-US" dirty="0"/>
-              <a:t>DBCC SQLPERF(LOGSPACE)</a:t>
-            </a:r>
-          </a:p>
-          <a:p>
-            <a:pPr lvl="1"/>
-            <a:r>
-              <a:rPr lang="en-US" dirty="0"/>
-              <a:t>Log size, percent used per database</a:t>
-            </a:r>
-          </a:p>
-          <a:p>
-            <a:r>
-              <a:rPr lang="en-US" dirty="0" err="1"/>
-              <a:t>fn_dump_dblog</a:t>
-            </a:r>
-            <a:endParaRPr lang="en-US" dirty="0"/>
-          </a:p>
-          <a:p>
-            <a:pPr lvl="1"/>
-            <a:r>
-              <a:rPr lang="en-US" dirty="0"/>
-              <a:t>Similar to </a:t>
-            </a:r>
+            <a:pPr marL="0" indent="0">
+              <a:buNone/>
+            </a:pPr>
             <a:r>
               <a:rPr lang="en-US" dirty="0" err="1"/>
               <a:t>fn_dblog</a:t>
             </a:r>
-            <a:r>
-              <a:rPr lang="en-US" dirty="0"/>
-              <a:t>, but reads </a:t>
-            </a:r>
-            <a:r>
-              <a:rPr lang="en-US"/>
-              <a:t>from backup file</a:t>
-            </a:r>
             <a:endParaRPr lang="en-US" dirty="0"/>
           </a:p>
         </p:txBody>
       </p:sp>
+      <p:pic>
+        <p:nvPicPr>
+          <p:cNvPr id="4" name="Picture 3"/>
+          <p:cNvPicPr>
+            <a:picLocks noChangeAspect="1"/>
+          </p:cNvPicPr>
+          <p:nvPr/>
+        </p:nvPicPr>
+        <p:blipFill>
+          <a:blip r:embed="rId2"/>
+          <a:stretch>
+            <a:fillRect/>
+          </a:stretch>
+        </p:blipFill>
+        <p:spPr>
+          <a:xfrm>
+            <a:off x="763071" y="1653000"/>
+            <a:ext cx="7617858" cy="3552000"/>
+          </a:xfrm>
+          <a:prstGeom prst="rect">
+            <a:avLst/>
+          </a:prstGeom>
+        </p:spPr>
+      </p:pic>
     </p:spTree>
     <p:extLst>
       <p:ext uri="{BB962C8B-B14F-4D97-AF65-F5344CB8AC3E}">
-        <p14:creationId xmlns:p14="http://schemas.microsoft.com/office/powerpoint/2010/main" val="961231621"/>
+        <p14:creationId xmlns:p14="http://schemas.microsoft.com/office/powerpoint/2010/main" val="2250290301"/>
       </p:ext>
     </p:extLst>
   </p:cSld>
@@ -8860,7 +8209,7 @@
           <a:p>
             <a:r>
               <a:rPr lang="en-US" dirty="0"/>
-              <a:t>Checkpoint</a:t>
+              <a:t>Related command/function</a:t>
             </a:r>
           </a:p>
         </p:txBody>
@@ -8882,20 +8231,41 @@
           <a:p>
             <a:r>
               <a:rPr lang="en-US" dirty="0"/>
-              <a:t>Process of writing dirty pages from the buffer pool to disk</a:t>
+              <a:t>DBCC SQLPERF(LOGSPACE)</a:t>
             </a:r>
           </a:p>
           <a:p>
             <a:pPr lvl="1"/>
             <a:r>
               <a:rPr lang="en-US" dirty="0"/>
-              <a:t>Irrespective of transaction completion</a:t>
-            </a:r>
-          </a:p>
-          <a:p>
-            <a:pPr marL="0" indent="0">
-              <a:buNone/>
-            </a:pPr>
+              <a:t>Log size, percent used per database</a:t>
+            </a:r>
+          </a:p>
+          <a:p>
+            <a:r>
+              <a:rPr lang="en-US" dirty="0" err="1"/>
+              <a:t>fn_dump_dblog</a:t>
+            </a:r>
+            <a:endParaRPr lang="en-US" dirty="0"/>
+          </a:p>
+          <a:p>
+            <a:pPr lvl="1"/>
+            <a:r>
+              <a:rPr lang="en-US" dirty="0"/>
+              <a:t>Similar to </a:t>
+            </a:r>
+            <a:r>
+              <a:rPr lang="en-US" dirty="0" err="1"/>
+              <a:t>fn_dblog</a:t>
+            </a:r>
+            <a:r>
+              <a:rPr lang="en-US" dirty="0"/>
+              <a:t>, but reads </a:t>
+            </a:r>
+            <a:r>
+              <a:rPr lang="en-US"/>
+              <a:t>from backup file</a:t>
+            </a:r>
             <a:endParaRPr lang="en-US" dirty="0"/>
           </a:p>
         </p:txBody>
@@ -8903,7 +8273,7 @@
     </p:spTree>
     <p:extLst>
       <p:ext uri="{BB962C8B-B14F-4D97-AF65-F5344CB8AC3E}">
-        <p14:creationId xmlns:p14="http://schemas.microsoft.com/office/powerpoint/2010/main" val="998445908"/>
+        <p14:creationId xmlns:p14="http://schemas.microsoft.com/office/powerpoint/2010/main" val="961231621"/>
       </p:ext>
     </p:extLst>
   </p:cSld>
@@ -8932,6 +8302,193 @@
       </p:grpSpPr>
       <p:sp>
         <p:nvSpPr>
+          <p:cNvPr id="11" name="Content Placeholder 2"/>
+          <p:cNvSpPr txBox="1">
+            <a:spLocks/>
+          </p:cNvSpPr>
+          <p:nvPr/>
+        </p:nvSpPr>
+        <p:spPr>
+          <a:xfrm>
+            <a:off x="457200" y="1600201"/>
+            <a:ext cx="8229600" cy="2086276"/>
+          </a:xfrm>
+          <a:prstGeom prst="rect">
+            <a:avLst/>
+          </a:prstGeom>
+        </p:spPr>
+        <p:txBody>
+          <a:bodyPr vert="horz" lIns="91440" tIns="45720" rIns="91440" bIns="45720" rtlCol="0">
+            <a:normAutofit/>
+          </a:bodyPr>
+          <a:lstStyle>
+            <a:lvl1pPr marL="342900" indent="-342900" algn="l" defTabSz="457200" rtl="0" eaLnBrk="1" latinLnBrk="0" hangingPunct="1">
+              <a:spcBef>
+                <a:spcPct val="20000"/>
+              </a:spcBef>
+              <a:buFont typeface="Wingdings" charset="2"/>
+              <a:buChar char="§"/>
+              <a:defRPr sz="3000" kern="1200">
+                <a:solidFill>
+                  <a:schemeClr val="tx2"/>
+                </a:solidFill>
+                <a:latin typeface="+mn-lt"/>
+                <a:ea typeface="+mn-ea"/>
+                <a:cs typeface="+mn-cs"/>
+              </a:defRPr>
+            </a:lvl1pPr>
+            <a:lvl2pPr marL="742950" indent="-285750" algn="l" defTabSz="457200" rtl="0" eaLnBrk="1" latinLnBrk="0" hangingPunct="1">
+              <a:spcBef>
+                <a:spcPct val="20000"/>
+              </a:spcBef>
+              <a:buFont typeface="Wingdings" charset="2"/>
+              <a:buChar char="§"/>
+              <a:defRPr sz="2600" kern="1200">
+                <a:solidFill>
+                  <a:srgbClr val="474947"/>
+                </a:solidFill>
+                <a:latin typeface="+mn-lt"/>
+                <a:ea typeface="+mn-ea"/>
+                <a:cs typeface="+mn-cs"/>
+              </a:defRPr>
+            </a:lvl2pPr>
+            <a:lvl3pPr marL="1143000" indent="-228600" algn="l" defTabSz="457200" rtl="0" eaLnBrk="1" latinLnBrk="0" hangingPunct="1">
+              <a:spcBef>
+                <a:spcPct val="20000"/>
+              </a:spcBef>
+              <a:buFont typeface="Wingdings" charset="2"/>
+              <a:buChar char="§"/>
+              <a:defRPr sz="2200" kern="1200">
+                <a:solidFill>
+                  <a:srgbClr val="474947"/>
+                </a:solidFill>
+                <a:latin typeface="+mn-lt"/>
+                <a:ea typeface="+mn-ea"/>
+                <a:cs typeface="+mn-cs"/>
+              </a:defRPr>
+            </a:lvl3pPr>
+            <a:lvl4pPr marL="1600200" indent="-228600" algn="l" defTabSz="457200" rtl="0" eaLnBrk="1" latinLnBrk="0" hangingPunct="1">
+              <a:spcBef>
+                <a:spcPct val="20000"/>
+              </a:spcBef>
+              <a:buFont typeface="Wingdings" charset="2"/>
+              <a:buChar char="§"/>
+              <a:defRPr sz="2000" kern="1200">
+                <a:solidFill>
+                  <a:srgbClr val="474947"/>
+                </a:solidFill>
+                <a:latin typeface="+mn-lt"/>
+                <a:ea typeface="+mn-ea"/>
+                <a:cs typeface="+mn-cs"/>
+              </a:defRPr>
+            </a:lvl4pPr>
+            <a:lvl5pPr marL="2057400" indent="-228600" algn="l" defTabSz="457200" rtl="0" eaLnBrk="1" latinLnBrk="0" hangingPunct="1">
+              <a:spcBef>
+                <a:spcPct val="20000"/>
+              </a:spcBef>
+              <a:buFont typeface="Wingdings" charset="2"/>
+              <a:buChar char="§"/>
+              <a:defRPr sz="1800" kern="1200">
+                <a:solidFill>
+                  <a:srgbClr val="474947"/>
+                </a:solidFill>
+                <a:latin typeface="+mn-lt"/>
+                <a:ea typeface="+mn-ea"/>
+                <a:cs typeface="+mn-cs"/>
+              </a:defRPr>
+            </a:lvl5pPr>
+            <a:lvl6pPr marL="2514600" indent="-228600" algn="l" defTabSz="457200" rtl="0" eaLnBrk="1" latinLnBrk="0" hangingPunct="1">
+              <a:spcBef>
+                <a:spcPct val="20000"/>
+              </a:spcBef>
+              <a:buFont typeface="Arial"/>
+              <a:buChar char="•"/>
+              <a:defRPr sz="2000" kern="1200">
+                <a:solidFill>
+                  <a:schemeClr val="tx1"/>
+                </a:solidFill>
+                <a:latin typeface="+mn-lt"/>
+                <a:ea typeface="+mn-ea"/>
+                <a:cs typeface="+mn-cs"/>
+              </a:defRPr>
+            </a:lvl6pPr>
+            <a:lvl7pPr marL="2971800" indent="-228600" algn="l" defTabSz="457200" rtl="0" eaLnBrk="1" latinLnBrk="0" hangingPunct="1">
+              <a:spcBef>
+                <a:spcPct val="20000"/>
+              </a:spcBef>
+              <a:buFont typeface="Arial"/>
+              <a:buChar char="•"/>
+              <a:defRPr sz="2000" kern="1200">
+                <a:solidFill>
+                  <a:schemeClr val="tx1"/>
+                </a:solidFill>
+                <a:latin typeface="+mn-lt"/>
+                <a:ea typeface="+mn-ea"/>
+                <a:cs typeface="+mn-cs"/>
+              </a:defRPr>
+            </a:lvl7pPr>
+            <a:lvl8pPr marL="3429000" indent="-228600" algn="l" defTabSz="457200" rtl="0" eaLnBrk="1" latinLnBrk="0" hangingPunct="1">
+              <a:spcBef>
+                <a:spcPct val="20000"/>
+              </a:spcBef>
+              <a:buFont typeface="Arial"/>
+              <a:buChar char="•"/>
+              <a:defRPr sz="2000" kern="1200">
+                <a:solidFill>
+                  <a:schemeClr val="tx1"/>
+                </a:solidFill>
+                <a:latin typeface="+mn-lt"/>
+                <a:ea typeface="+mn-ea"/>
+                <a:cs typeface="+mn-cs"/>
+              </a:defRPr>
+            </a:lvl8pPr>
+            <a:lvl9pPr marL="3886200" indent="-228600" algn="l" defTabSz="457200" rtl="0" eaLnBrk="1" latinLnBrk="0" hangingPunct="1">
+              <a:spcBef>
+                <a:spcPct val="20000"/>
+              </a:spcBef>
+              <a:buFont typeface="Arial"/>
+              <a:buChar char="•"/>
+              <a:defRPr sz="2000" kern="1200">
+                <a:solidFill>
+                  <a:schemeClr val="tx1"/>
+                </a:solidFill>
+                <a:latin typeface="+mn-lt"/>
+                <a:ea typeface="+mn-ea"/>
+                <a:cs typeface="+mn-cs"/>
+              </a:defRPr>
+            </a:lvl9pPr>
+          </a:lstStyle>
+          <a:p>
+            <a:r>
+              <a:rPr lang="en-US" dirty="0"/>
+              <a:t>15+ Years working with SQL Server</a:t>
+            </a:r>
+          </a:p>
+          <a:p>
+            <a:pPr lvl="1"/>
+            <a:r>
+              <a:rPr lang="en-US" dirty="0"/>
+              <a:t>Development work since 7.0</a:t>
+            </a:r>
+          </a:p>
+          <a:p>
+            <a:pPr lvl="1"/>
+            <a:r>
+              <a:rPr lang="en-US" dirty="0"/>
+              <a:t>Administration going back to 6.5</a:t>
+            </a:r>
+          </a:p>
+          <a:p>
+            <a:pPr lvl="1"/>
+            <a:r>
+              <a:rPr lang="en-US" dirty="0"/>
+              <a:t>Fascinated with SQL internals</a:t>
+            </a:r>
+          </a:p>
+        </p:txBody>
+      </p:sp>
+      <p:sp>
+        <p:nvSpPr>
           <p:cNvPr id="2" name="Title 1"/>
           <p:cNvSpPr>
             <a:spLocks noGrp="1"/>
@@ -8947,59 +8504,778 @@
           <a:p>
             <a:r>
               <a:rPr lang="en-US" dirty="0"/>
-              <a:t>Agenda</a:t>
-            </a:r>
-          </a:p>
-        </p:txBody>
-      </p:sp>
-      <p:sp>
-        <p:nvSpPr>
-          <p:cNvPr id="3" name="Content Placeholder 2"/>
-          <p:cNvSpPr>
-            <a:spLocks noGrp="1"/>
-          </p:cNvSpPr>
+              <a:t>Brian Hansen</a:t>
+            </a:r>
+          </a:p>
+        </p:txBody>
+      </p:sp>
+      <p:pic>
+        <p:nvPicPr>
+          <p:cNvPr id="6" name="Content Placeholder 5"/>
+          <p:cNvPicPr>
+            <a:picLocks noGrp="1" noChangeAspect="1"/>
+          </p:cNvPicPr>
           <p:nvPr>
             <p:ph idx="1"/>
           </p:nvPr>
-        </p:nvSpPr>
-        <p:spPr/>
-        <p:txBody>
-          <a:bodyPr/>
-          <a:lstStyle/>
-          <a:p>
-            <a:r>
-              <a:rPr lang="en-US" dirty="0"/>
-              <a:t>Purpose of the transaction log</a:t>
-            </a:r>
-          </a:p>
-          <a:p>
-            <a:r>
-              <a:rPr lang="en-US" dirty="0"/>
-              <a:t>Organization of the transaction log</a:t>
-            </a:r>
-          </a:p>
-          <a:p>
-            <a:r>
-              <a:rPr lang="en-US" dirty="0"/>
-              <a:t>Flushing &amp; clearing the log / checkpoints</a:t>
-            </a:r>
-          </a:p>
-          <a:p>
-            <a:r>
-              <a:rPr lang="en-US" dirty="0"/>
-              <a:t>Rollback operations</a:t>
-            </a:r>
-          </a:p>
-          <a:p>
-            <a:r>
-              <a:rPr lang="en-US" dirty="0"/>
-              <a:t>VLF fragmentation</a:t>
-            </a:r>
-          </a:p>
-          <a:p>
-            <a:r>
-              <a:rPr lang="en-US" dirty="0"/>
-              <a:t>Log monitoring</a:t>
+        </p:nvPicPr>
+        <p:blipFill>
+          <a:blip r:embed="rId2"/>
+          <a:stretch>
+            <a:fillRect/>
+          </a:stretch>
+        </p:blipFill>
+        <p:spPr>
+          <a:xfrm>
+            <a:off x="5239853" y="3703222"/>
+            <a:ext cx="2969381" cy="986748"/>
+          </a:xfrm>
+        </p:spPr>
+      </p:pic>
+      <p:pic>
+        <p:nvPicPr>
+          <p:cNvPr id="7" name="Picture 6"/>
+          <p:cNvPicPr>
+            <a:picLocks noChangeAspect="1"/>
+          </p:cNvPicPr>
+          <p:nvPr/>
+        </p:nvPicPr>
+        <p:blipFill>
+          <a:blip r:embed="rId3"/>
+          <a:stretch>
+            <a:fillRect/>
+          </a:stretch>
+        </p:blipFill>
+        <p:spPr>
+          <a:xfrm>
+            <a:off x="457200" y="4315464"/>
+            <a:ext cx="400802" cy="325500"/>
+          </a:xfrm>
+          <a:prstGeom prst="rect">
+            <a:avLst/>
+          </a:prstGeom>
+        </p:spPr>
+      </p:pic>
+      <p:pic>
+        <p:nvPicPr>
+          <p:cNvPr id="8" name="Picture 7"/>
+          <p:cNvPicPr>
+            <a:picLocks noChangeAspect="1"/>
+          </p:cNvPicPr>
+          <p:nvPr/>
+        </p:nvPicPr>
+        <p:blipFill>
+          <a:blip r:embed="rId4"/>
+          <a:stretch>
+            <a:fillRect/>
+          </a:stretch>
+        </p:blipFill>
+        <p:spPr>
+          <a:xfrm>
+            <a:off x="457200" y="3698571"/>
+            <a:ext cx="400802" cy="400802"/>
+          </a:xfrm>
+          <a:prstGeom prst="rect">
+            <a:avLst/>
+          </a:prstGeom>
+        </p:spPr>
+      </p:pic>
+      <p:pic>
+        <p:nvPicPr>
+          <p:cNvPr id="13" name="Picture 12"/>
+          <p:cNvPicPr>
+            <a:picLocks noChangeAspect="1"/>
+          </p:cNvPicPr>
+          <p:nvPr/>
+        </p:nvPicPr>
+        <p:blipFill>
+          <a:blip r:embed="rId5"/>
+          <a:stretch>
+            <a:fillRect/>
+          </a:stretch>
+        </p:blipFill>
+        <p:spPr>
+          <a:xfrm>
+            <a:off x="457200" y="4808839"/>
+            <a:ext cx="2505163" cy="603922"/>
+          </a:xfrm>
+          <a:prstGeom prst="rect">
+            <a:avLst/>
+          </a:prstGeom>
+        </p:spPr>
+      </p:pic>
+      <p:sp>
+        <p:nvSpPr>
+          <p:cNvPr id="14" name="Content Placeholder 2"/>
+          <p:cNvSpPr txBox="1">
+            <a:spLocks/>
+          </p:cNvSpPr>
+          <p:nvPr/>
+        </p:nvSpPr>
+        <p:spPr>
+          <a:xfrm>
+            <a:off x="1024475" y="4222639"/>
+            <a:ext cx="3875773" cy="451585"/>
+          </a:xfrm>
+          <a:prstGeom prst="rect">
+            <a:avLst/>
+          </a:prstGeom>
+        </p:spPr>
+        <p:txBody>
+          <a:bodyPr vert="horz" lIns="91440" tIns="45720" rIns="91440" bIns="45720" rtlCol="0">
+            <a:normAutofit fontScale="92500" lnSpcReduction="20000"/>
+          </a:bodyPr>
+          <a:lstStyle>
+            <a:lvl1pPr marL="342900" indent="-342900" algn="l" defTabSz="457200" rtl="0" eaLnBrk="1" latinLnBrk="0" hangingPunct="1">
+              <a:spcBef>
+                <a:spcPct val="20000"/>
+              </a:spcBef>
+              <a:buFont typeface="Wingdings" charset="2"/>
+              <a:buChar char="§"/>
+              <a:defRPr sz="3000" kern="1200">
+                <a:solidFill>
+                  <a:schemeClr val="tx2"/>
+                </a:solidFill>
+                <a:latin typeface="+mn-lt"/>
+                <a:ea typeface="+mn-ea"/>
+                <a:cs typeface="+mn-cs"/>
+              </a:defRPr>
+            </a:lvl1pPr>
+            <a:lvl2pPr marL="742950" indent="-285750" algn="l" defTabSz="457200" rtl="0" eaLnBrk="1" latinLnBrk="0" hangingPunct="1">
+              <a:spcBef>
+                <a:spcPct val="20000"/>
+              </a:spcBef>
+              <a:buFont typeface="Wingdings" charset="2"/>
+              <a:buChar char="§"/>
+              <a:defRPr sz="2600" kern="1200">
+                <a:solidFill>
+                  <a:srgbClr val="474947"/>
+                </a:solidFill>
+                <a:latin typeface="+mn-lt"/>
+                <a:ea typeface="+mn-ea"/>
+                <a:cs typeface="+mn-cs"/>
+              </a:defRPr>
+            </a:lvl2pPr>
+            <a:lvl3pPr marL="1143000" indent="-228600" algn="l" defTabSz="457200" rtl="0" eaLnBrk="1" latinLnBrk="0" hangingPunct="1">
+              <a:spcBef>
+                <a:spcPct val="20000"/>
+              </a:spcBef>
+              <a:buFont typeface="Wingdings" charset="2"/>
+              <a:buChar char="§"/>
+              <a:defRPr sz="2200" kern="1200">
+                <a:solidFill>
+                  <a:srgbClr val="474947"/>
+                </a:solidFill>
+                <a:latin typeface="+mn-lt"/>
+                <a:ea typeface="+mn-ea"/>
+                <a:cs typeface="+mn-cs"/>
+              </a:defRPr>
+            </a:lvl3pPr>
+            <a:lvl4pPr marL="1600200" indent="-228600" algn="l" defTabSz="457200" rtl="0" eaLnBrk="1" latinLnBrk="0" hangingPunct="1">
+              <a:spcBef>
+                <a:spcPct val="20000"/>
+              </a:spcBef>
+              <a:buFont typeface="Wingdings" charset="2"/>
+              <a:buChar char="§"/>
+              <a:defRPr sz="2000" kern="1200">
+                <a:solidFill>
+                  <a:srgbClr val="474947"/>
+                </a:solidFill>
+                <a:latin typeface="+mn-lt"/>
+                <a:ea typeface="+mn-ea"/>
+                <a:cs typeface="+mn-cs"/>
+              </a:defRPr>
+            </a:lvl4pPr>
+            <a:lvl5pPr marL="2057400" indent="-228600" algn="l" defTabSz="457200" rtl="0" eaLnBrk="1" latinLnBrk="0" hangingPunct="1">
+              <a:spcBef>
+                <a:spcPct val="20000"/>
+              </a:spcBef>
+              <a:buFont typeface="Wingdings" charset="2"/>
+              <a:buChar char="§"/>
+              <a:defRPr sz="1800" kern="1200">
+                <a:solidFill>
+                  <a:srgbClr val="474947"/>
+                </a:solidFill>
+                <a:latin typeface="+mn-lt"/>
+                <a:ea typeface="+mn-ea"/>
+                <a:cs typeface="+mn-cs"/>
+              </a:defRPr>
+            </a:lvl5pPr>
+            <a:lvl6pPr marL="2514600" indent="-228600" algn="l" defTabSz="457200" rtl="0" eaLnBrk="1" latinLnBrk="0" hangingPunct="1">
+              <a:spcBef>
+                <a:spcPct val="20000"/>
+              </a:spcBef>
+              <a:buFont typeface="Arial"/>
+              <a:buChar char="•"/>
+              <a:defRPr sz="2000" kern="1200">
+                <a:solidFill>
+                  <a:schemeClr val="tx1"/>
+                </a:solidFill>
+                <a:latin typeface="+mn-lt"/>
+                <a:ea typeface="+mn-ea"/>
+                <a:cs typeface="+mn-cs"/>
+              </a:defRPr>
+            </a:lvl6pPr>
+            <a:lvl7pPr marL="2971800" indent="-228600" algn="l" defTabSz="457200" rtl="0" eaLnBrk="1" latinLnBrk="0" hangingPunct="1">
+              <a:spcBef>
+                <a:spcPct val="20000"/>
+              </a:spcBef>
+              <a:buFont typeface="Arial"/>
+              <a:buChar char="•"/>
+              <a:defRPr sz="2000" kern="1200">
+                <a:solidFill>
+                  <a:schemeClr val="tx1"/>
+                </a:solidFill>
+                <a:latin typeface="+mn-lt"/>
+                <a:ea typeface="+mn-ea"/>
+                <a:cs typeface="+mn-cs"/>
+              </a:defRPr>
+            </a:lvl7pPr>
+            <a:lvl8pPr marL="3429000" indent="-228600" algn="l" defTabSz="457200" rtl="0" eaLnBrk="1" latinLnBrk="0" hangingPunct="1">
+              <a:spcBef>
+                <a:spcPct val="20000"/>
+              </a:spcBef>
+              <a:buFont typeface="Arial"/>
+              <a:buChar char="•"/>
+              <a:defRPr sz="2000" kern="1200">
+                <a:solidFill>
+                  <a:schemeClr val="tx1"/>
+                </a:solidFill>
+                <a:latin typeface="+mn-lt"/>
+                <a:ea typeface="+mn-ea"/>
+                <a:cs typeface="+mn-cs"/>
+              </a:defRPr>
+            </a:lvl8pPr>
+            <a:lvl9pPr marL="3886200" indent="-228600" algn="l" defTabSz="457200" rtl="0" eaLnBrk="1" latinLnBrk="0" hangingPunct="1">
+              <a:spcBef>
+                <a:spcPct val="20000"/>
+              </a:spcBef>
+              <a:buFont typeface="Arial"/>
+              <a:buChar char="•"/>
+              <a:defRPr sz="2000" kern="1200">
+                <a:solidFill>
+                  <a:schemeClr val="tx1"/>
+                </a:solidFill>
+                <a:latin typeface="+mn-lt"/>
+                <a:ea typeface="+mn-ea"/>
+                <a:cs typeface="+mn-cs"/>
+              </a:defRPr>
+            </a:lvl9pPr>
+          </a:lstStyle>
+          <a:p>
+            <a:pPr marL="0" indent="0">
+              <a:buNone/>
+            </a:pPr>
+            <a:r>
+              <a:rPr lang="en-US" dirty="0"/>
+              <a:t>@tf3604.com</a:t>
+            </a:r>
+          </a:p>
+        </p:txBody>
+      </p:sp>
+      <p:sp>
+        <p:nvSpPr>
+          <p:cNvPr id="15" name="Content Placeholder 2"/>
+          <p:cNvSpPr txBox="1">
+            <a:spLocks/>
+          </p:cNvSpPr>
+          <p:nvPr/>
+        </p:nvSpPr>
+        <p:spPr>
+          <a:xfrm>
+            <a:off x="1024476" y="3738632"/>
+            <a:ext cx="3875773" cy="451585"/>
+          </a:xfrm>
+          <a:prstGeom prst="rect">
+            <a:avLst/>
+          </a:prstGeom>
+        </p:spPr>
+        <p:txBody>
+          <a:bodyPr vert="horz" lIns="91440" tIns="45720" rIns="91440" bIns="45720" rtlCol="0">
+            <a:normAutofit fontScale="92500" lnSpcReduction="20000"/>
+          </a:bodyPr>
+          <a:lstStyle>
+            <a:lvl1pPr marL="342900" indent="-342900" algn="l" defTabSz="457200" rtl="0" eaLnBrk="1" latinLnBrk="0" hangingPunct="1">
+              <a:spcBef>
+                <a:spcPct val="20000"/>
+              </a:spcBef>
+              <a:buFont typeface="Wingdings" charset="2"/>
+              <a:buChar char="§"/>
+              <a:defRPr sz="3000" kern="1200">
+                <a:solidFill>
+                  <a:schemeClr val="tx2"/>
+                </a:solidFill>
+                <a:latin typeface="+mn-lt"/>
+                <a:ea typeface="+mn-ea"/>
+                <a:cs typeface="+mn-cs"/>
+              </a:defRPr>
+            </a:lvl1pPr>
+            <a:lvl2pPr marL="742950" indent="-285750" algn="l" defTabSz="457200" rtl="0" eaLnBrk="1" latinLnBrk="0" hangingPunct="1">
+              <a:spcBef>
+                <a:spcPct val="20000"/>
+              </a:spcBef>
+              <a:buFont typeface="Wingdings" charset="2"/>
+              <a:buChar char="§"/>
+              <a:defRPr sz="2600" kern="1200">
+                <a:solidFill>
+                  <a:srgbClr val="474947"/>
+                </a:solidFill>
+                <a:latin typeface="+mn-lt"/>
+                <a:ea typeface="+mn-ea"/>
+                <a:cs typeface="+mn-cs"/>
+              </a:defRPr>
+            </a:lvl2pPr>
+            <a:lvl3pPr marL="1143000" indent="-228600" algn="l" defTabSz="457200" rtl="0" eaLnBrk="1" latinLnBrk="0" hangingPunct="1">
+              <a:spcBef>
+                <a:spcPct val="20000"/>
+              </a:spcBef>
+              <a:buFont typeface="Wingdings" charset="2"/>
+              <a:buChar char="§"/>
+              <a:defRPr sz="2200" kern="1200">
+                <a:solidFill>
+                  <a:srgbClr val="474947"/>
+                </a:solidFill>
+                <a:latin typeface="+mn-lt"/>
+                <a:ea typeface="+mn-ea"/>
+                <a:cs typeface="+mn-cs"/>
+              </a:defRPr>
+            </a:lvl3pPr>
+            <a:lvl4pPr marL="1600200" indent="-228600" algn="l" defTabSz="457200" rtl="0" eaLnBrk="1" latinLnBrk="0" hangingPunct="1">
+              <a:spcBef>
+                <a:spcPct val="20000"/>
+              </a:spcBef>
+              <a:buFont typeface="Wingdings" charset="2"/>
+              <a:buChar char="§"/>
+              <a:defRPr sz="2000" kern="1200">
+                <a:solidFill>
+                  <a:srgbClr val="474947"/>
+                </a:solidFill>
+                <a:latin typeface="+mn-lt"/>
+                <a:ea typeface="+mn-ea"/>
+                <a:cs typeface="+mn-cs"/>
+              </a:defRPr>
+            </a:lvl4pPr>
+            <a:lvl5pPr marL="2057400" indent="-228600" algn="l" defTabSz="457200" rtl="0" eaLnBrk="1" latinLnBrk="0" hangingPunct="1">
+              <a:spcBef>
+                <a:spcPct val="20000"/>
+              </a:spcBef>
+              <a:buFont typeface="Wingdings" charset="2"/>
+              <a:buChar char="§"/>
+              <a:defRPr sz="1800" kern="1200">
+                <a:solidFill>
+                  <a:srgbClr val="474947"/>
+                </a:solidFill>
+                <a:latin typeface="+mn-lt"/>
+                <a:ea typeface="+mn-ea"/>
+                <a:cs typeface="+mn-cs"/>
+              </a:defRPr>
+            </a:lvl5pPr>
+            <a:lvl6pPr marL="2514600" indent="-228600" algn="l" defTabSz="457200" rtl="0" eaLnBrk="1" latinLnBrk="0" hangingPunct="1">
+              <a:spcBef>
+                <a:spcPct val="20000"/>
+              </a:spcBef>
+              <a:buFont typeface="Arial"/>
+              <a:buChar char="•"/>
+              <a:defRPr sz="2000" kern="1200">
+                <a:solidFill>
+                  <a:schemeClr val="tx1"/>
+                </a:solidFill>
+                <a:latin typeface="+mn-lt"/>
+                <a:ea typeface="+mn-ea"/>
+                <a:cs typeface="+mn-cs"/>
+              </a:defRPr>
+            </a:lvl6pPr>
+            <a:lvl7pPr marL="2971800" indent="-228600" algn="l" defTabSz="457200" rtl="0" eaLnBrk="1" latinLnBrk="0" hangingPunct="1">
+              <a:spcBef>
+                <a:spcPct val="20000"/>
+              </a:spcBef>
+              <a:buFont typeface="Arial"/>
+              <a:buChar char="•"/>
+              <a:defRPr sz="2000" kern="1200">
+                <a:solidFill>
+                  <a:schemeClr val="tx1"/>
+                </a:solidFill>
+                <a:latin typeface="+mn-lt"/>
+                <a:ea typeface="+mn-ea"/>
+                <a:cs typeface="+mn-cs"/>
+              </a:defRPr>
+            </a:lvl7pPr>
+            <a:lvl8pPr marL="3429000" indent="-228600" algn="l" defTabSz="457200" rtl="0" eaLnBrk="1" latinLnBrk="0" hangingPunct="1">
+              <a:spcBef>
+                <a:spcPct val="20000"/>
+              </a:spcBef>
+              <a:buFont typeface="Arial"/>
+              <a:buChar char="•"/>
+              <a:defRPr sz="2000" kern="1200">
+                <a:solidFill>
+                  <a:schemeClr val="tx1"/>
+                </a:solidFill>
+                <a:latin typeface="+mn-lt"/>
+                <a:ea typeface="+mn-ea"/>
+                <a:cs typeface="+mn-cs"/>
+              </a:defRPr>
+            </a:lvl8pPr>
+            <a:lvl9pPr marL="3886200" indent="-228600" algn="l" defTabSz="457200" rtl="0" eaLnBrk="1" latinLnBrk="0" hangingPunct="1">
+              <a:spcBef>
+                <a:spcPct val="20000"/>
+              </a:spcBef>
+              <a:buFont typeface="Arial"/>
+              <a:buChar char="•"/>
+              <a:defRPr sz="2000" kern="1200">
+                <a:solidFill>
+                  <a:schemeClr val="tx1"/>
+                </a:solidFill>
+                <a:latin typeface="+mn-lt"/>
+                <a:ea typeface="+mn-ea"/>
+                <a:cs typeface="+mn-cs"/>
+              </a:defRPr>
+            </a:lvl9pPr>
+          </a:lstStyle>
+          <a:p>
+            <a:pPr marL="0" indent="0">
+              <a:buNone/>
+            </a:pPr>
+            <a:r>
+              <a:rPr lang="en-US" dirty="0"/>
+              <a:t>brian@tf3604.com</a:t>
+            </a:r>
+          </a:p>
+        </p:txBody>
+      </p:sp>
+      <p:sp>
+        <p:nvSpPr>
+          <p:cNvPr id="17" name="Content Placeholder 2"/>
+          <p:cNvSpPr txBox="1">
+            <a:spLocks/>
+          </p:cNvSpPr>
+          <p:nvPr/>
+        </p:nvSpPr>
+        <p:spPr>
+          <a:xfrm>
+            <a:off x="5239853" y="4735383"/>
+            <a:ext cx="3171273" cy="451585"/>
+          </a:xfrm>
+          <a:prstGeom prst="rect">
+            <a:avLst/>
+          </a:prstGeom>
+        </p:spPr>
+        <p:txBody>
+          <a:bodyPr vert="horz" lIns="91440" tIns="45720" rIns="91440" bIns="45720" rtlCol="0">
+            <a:normAutofit fontScale="92500" lnSpcReduction="20000"/>
+          </a:bodyPr>
+          <a:lstStyle>
+            <a:lvl1pPr marL="342900" indent="-342900" algn="l" defTabSz="457200" rtl="0" eaLnBrk="1" latinLnBrk="0" hangingPunct="1">
+              <a:spcBef>
+                <a:spcPct val="20000"/>
+              </a:spcBef>
+              <a:buFont typeface="Wingdings" charset="2"/>
+              <a:buChar char="§"/>
+              <a:defRPr sz="3000" kern="1200">
+                <a:solidFill>
+                  <a:schemeClr val="tx2"/>
+                </a:solidFill>
+                <a:latin typeface="+mn-lt"/>
+                <a:ea typeface="+mn-ea"/>
+                <a:cs typeface="+mn-cs"/>
+              </a:defRPr>
+            </a:lvl1pPr>
+            <a:lvl2pPr marL="742950" indent="-285750" algn="l" defTabSz="457200" rtl="0" eaLnBrk="1" latinLnBrk="0" hangingPunct="1">
+              <a:spcBef>
+                <a:spcPct val="20000"/>
+              </a:spcBef>
+              <a:buFont typeface="Wingdings" charset="2"/>
+              <a:buChar char="§"/>
+              <a:defRPr sz="2600" kern="1200">
+                <a:solidFill>
+                  <a:srgbClr val="474947"/>
+                </a:solidFill>
+                <a:latin typeface="+mn-lt"/>
+                <a:ea typeface="+mn-ea"/>
+                <a:cs typeface="+mn-cs"/>
+              </a:defRPr>
+            </a:lvl2pPr>
+            <a:lvl3pPr marL="1143000" indent="-228600" algn="l" defTabSz="457200" rtl="0" eaLnBrk="1" latinLnBrk="0" hangingPunct="1">
+              <a:spcBef>
+                <a:spcPct val="20000"/>
+              </a:spcBef>
+              <a:buFont typeface="Wingdings" charset="2"/>
+              <a:buChar char="§"/>
+              <a:defRPr sz="2200" kern="1200">
+                <a:solidFill>
+                  <a:srgbClr val="474947"/>
+                </a:solidFill>
+                <a:latin typeface="+mn-lt"/>
+                <a:ea typeface="+mn-ea"/>
+                <a:cs typeface="+mn-cs"/>
+              </a:defRPr>
+            </a:lvl3pPr>
+            <a:lvl4pPr marL="1600200" indent="-228600" algn="l" defTabSz="457200" rtl="0" eaLnBrk="1" latinLnBrk="0" hangingPunct="1">
+              <a:spcBef>
+                <a:spcPct val="20000"/>
+              </a:spcBef>
+              <a:buFont typeface="Wingdings" charset="2"/>
+              <a:buChar char="§"/>
+              <a:defRPr sz="2000" kern="1200">
+                <a:solidFill>
+                  <a:srgbClr val="474947"/>
+                </a:solidFill>
+                <a:latin typeface="+mn-lt"/>
+                <a:ea typeface="+mn-ea"/>
+                <a:cs typeface="+mn-cs"/>
+              </a:defRPr>
+            </a:lvl4pPr>
+            <a:lvl5pPr marL="2057400" indent="-228600" algn="l" defTabSz="457200" rtl="0" eaLnBrk="1" latinLnBrk="0" hangingPunct="1">
+              <a:spcBef>
+                <a:spcPct val="20000"/>
+              </a:spcBef>
+              <a:buFont typeface="Wingdings" charset="2"/>
+              <a:buChar char="§"/>
+              <a:defRPr sz="1800" kern="1200">
+                <a:solidFill>
+                  <a:srgbClr val="474947"/>
+                </a:solidFill>
+                <a:latin typeface="+mn-lt"/>
+                <a:ea typeface="+mn-ea"/>
+                <a:cs typeface="+mn-cs"/>
+              </a:defRPr>
+            </a:lvl5pPr>
+            <a:lvl6pPr marL="2514600" indent="-228600" algn="l" defTabSz="457200" rtl="0" eaLnBrk="1" latinLnBrk="0" hangingPunct="1">
+              <a:spcBef>
+                <a:spcPct val="20000"/>
+              </a:spcBef>
+              <a:buFont typeface="Arial"/>
+              <a:buChar char="•"/>
+              <a:defRPr sz="2000" kern="1200">
+                <a:solidFill>
+                  <a:schemeClr val="tx1"/>
+                </a:solidFill>
+                <a:latin typeface="+mn-lt"/>
+                <a:ea typeface="+mn-ea"/>
+                <a:cs typeface="+mn-cs"/>
+              </a:defRPr>
+            </a:lvl6pPr>
+            <a:lvl7pPr marL="2971800" indent="-228600" algn="l" defTabSz="457200" rtl="0" eaLnBrk="1" latinLnBrk="0" hangingPunct="1">
+              <a:spcBef>
+                <a:spcPct val="20000"/>
+              </a:spcBef>
+              <a:buFont typeface="Arial"/>
+              <a:buChar char="•"/>
+              <a:defRPr sz="2000" kern="1200">
+                <a:solidFill>
+                  <a:schemeClr val="tx1"/>
+                </a:solidFill>
+                <a:latin typeface="+mn-lt"/>
+                <a:ea typeface="+mn-ea"/>
+                <a:cs typeface="+mn-cs"/>
+              </a:defRPr>
+            </a:lvl7pPr>
+            <a:lvl8pPr marL="3429000" indent="-228600" algn="l" defTabSz="457200" rtl="0" eaLnBrk="1" latinLnBrk="0" hangingPunct="1">
+              <a:spcBef>
+                <a:spcPct val="20000"/>
+              </a:spcBef>
+              <a:buFont typeface="Arial"/>
+              <a:buChar char="•"/>
+              <a:defRPr sz="2000" kern="1200">
+                <a:solidFill>
+                  <a:schemeClr val="tx1"/>
+                </a:solidFill>
+                <a:latin typeface="+mn-lt"/>
+                <a:ea typeface="+mn-ea"/>
+                <a:cs typeface="+mn-cs"/>
+              </a:defRPr>
+            </a:lvl8pPr>
+            <a:lvl9pPr marL="3886200" indent="-228600" algn="l" defTabSz="457200" rtl="0" eaLnBrk="1" latinLnBrk="0" hangingPunct="1">
+              <a:spcBef>
+                <a:spcPct val="20000"/>
+              </a:spcBef>
+              <a:buFont typeface="Arial"/>
+              <a:buChar char="•"/>
+              <a:defRPr sz="2000" kern="1200">
+                <a:solidFill>
+                  <a:schemeClr val="tx1"/>
+                </a:solidFill>
+                <a:latin typeface="+mn-lt"/>
+                <a:ea typeface="+mn-ea"/>
+                <a:cs typeface="+mn-cs"/>
+              </a:defRPr>
+            </a:lvl9pPr>
+          </a:lstStyle>
+          <a:p>
+            <a:pPr marL="0" indent="0">
+              <a:buNone/>
+            </a:pPr>
+            <a:r>
+              <a:rPr lang="en-US" dirty="0"/>
+              <a:t>children.org</a:t>
+            </a:r>
+          </a:p>
+        </p:txBody>
+      </p:sp>
+      <p:sp>
+        <p:nvSpPr>
+          <p:cNvPr id="18" name="Content Placeholder 2"/>
+          <p:cNvSpPr txBox="1">
+            <a:spLocks/>
+          </p:cNvSpPr>
+          <p:nvPr/>
+        </p:nvSpPr>
+        <p:spPr>
+          <a:xfrm>
+            <a:off x="1" y="5488620"/>
+            <a:ext cx="9143999" cy="451585"/>
+          </a:xfrm>
+          <a:prstGeom prst="rect">
+            <a:avLst/>
+          </a:prstGeom>
+        </p:spPr>
+        <p:txBody>
+          <a:bodyPr vert="horz" lIns="91440" tIns="45720" rIns="91440" bIns="45720" rtlCol="0">
+            <a:normAutofit fontScale="92500" lnSpcReduction="20000"/>
+          </a:bodyPr>
+          <a:lstStyle>
+            <a:lvl1pPr marL="342900" indent="-342900" algn="l" defTabSz="457200" rtl="0" eaLnBrk="1" latinLnBrk="0" hangingPunct="1">
+              <a:spcBef>
+                <a:spcPct val="20000"/>
+              </a:spcBef>
+              <a:buFont typeface="Wingdings" charset="2"/>
+              <a:buChar char="§"/>
+              <a:defRPr sz="3000" kern="1200">
+                <a:solidFill>
+                  <a:schemeClr val="tx2"/>
+                </a:solidFill>
+                <a:latin typeface="+mn-lt"/>
+                <a:ea typeface="+mn-ea"/>
+                <a:cs typeface="+mn-cs"/>
+              </a:defRPr>
+            </a:lvl1pPr>
+            <a:lvl2pPr marL="742950" indent="-285750" algn="l" defTabSz="457200" rtl="0" eaLnBrk="1" latinLnBrk="0" hangingPunct="1">
+              <a:spcBef>
+                <a:spcPct val="20000"/>
+              </a:spcBef>
+              <a:buFont typeface="Wingdings" charset="2"/>
+              <a:buChar char="§"/>
+              <a:defRPr sz="2600" kern="1200">
+                <a:solidFill>
+                  <a:srgbClr val="474947"/>
+                </a:solidFill>
+                <a:latin typeface="+mn-lt"/>
+                <a:ea typeface="+mn-ea"/>
+                <a:cs typeface="+mn-cs"/>
+              </a:defRPr>
+            </a:lvl2pPr>
+            <a:lvl3pPr marL="1143000" indent="-228600" algn="l" defTabSz="457200" rtl="0" eaLnBrk="1" latinLnBrk="0" hangingPunct="1">
+              <a:spcBef>
+                <a:spcPct val="20000"/>
+              </a:spcBef>
+              <a:buFont typeface="Wingdings" charset="2"/>
+              <a:buChar char="§"/>
+              <a:defRPr sz="2200" kern="1200">
+                <a:solidFill>
+                  <a:srgbClr val="474947"/>
+                </a:solidFill>
+                <a:latin typeface="+mn-lt"/>
+                <a:ea typeface="+mn-ea"/>
+                <a:cs typeface="+mn-cs"/>
+              </a:defRPr>
+            </a:lvl3pPr>
+            <a:lvl4pPr marL="1600200" indent="-228600" algn="l" defTabSz="457200" rtl="0" eaLnBrk="1" latinLnBrk="0" hangingPunct="1">
+              <a:spcBef>
+                <a:spcPct val="20000"/>
+              </a:spcBef>
+              <a:buFont typeface="Wingdings" charset="2"/>
+              <a:buChar char="§"/>
+              <a:defRPr sz="2000" kern="1200">
+                <a:solidFill>
+                  <a:srgbClr val="474947"/>
+                </a:solidFill>
+                <a:latin typeface="+mn-lt"/>
+                <a:ea typeface="+mn-ea"/>
+                <a:cs typeface="+mn-cs"/>
+              </a:defRPr>
+            </a:lvl4pPr>
+            <a:lvl5pPr marL="2057400" indent="-228600" algn="l" defTabSz="457200" rtl="0" eaLnBrk="1" latinLnBrk="0" hangingPunct="1">
+              <a:spcBef>
+                <a:spcPct val="20000"/>
+              </a:spcBef>
+              <a:buFont typeface="Wingdings" charset="2"/>
+              <a:buChar char="§"/>
+              <a:defRPr sz="1800" kern="1200">
+                <a:solidFill>
+                  <a:srgbClr val="474947"/>
+                </a:solidFill>
+                <a:latin typeface="+mn-lt"/>
+                <a:ea typeface="+mn-ea"/>
+                <a:cs typeface="+mn-cs"/>
+              </a:defRPr>
+            </a:lvl5pPr>
+            <a:lvl6pPr marL="2514600" indent="-228600" algn="l" defTabSz="457200" rtl="0" eaLnBrk="1" latinLnBrk="0" hangingPunct="1">
+              <a:spcBef>
+                <a:spcPct val="20000"/>
+              </a:spcBef>
+              <a:buFont typeface="Arial"/>
+              <a:buChar char="•"/>
+              <a:defRPr sz="2000" kern="1200">
+                <a:solidFill>
+                  <a:schemeClr val="tx1"/>
+                </a:solidFill>
+                <a:latin typeface="+mn-lt"/>
+                <a:ea typeface="+mn-ea"/>
+                <a:cs typeface="+mn-cs"/>
+              </a:defRPr>
+            </a:lvl6pPr>
+            <a:lvl7pPr marL="2971800" indent="-228600" algn="l" defTabSz="457200" rtl="0" eaLnBrk="1" latinLnBrk="0" hangingPunct="1">
+              <a:spcBef>
+                <a:spcPct val="20000"/>
+              </a:spcBef>
+              <a:buFont typeface="Arial"/>
+              <a:buChar char="•"/>
+              <a:defRPr sz="2000" kern="1200">
+                <a:solidFill>
+                  <a:schemeClr val="tx1"/>
+                </a:solidFill>
+                <a:latin typeface="+mn-lt"/>
+                <a:ea typeface="+mn-ea"/>
+                <a:cs typeface="+mn-cs"/>
+              </a:defRPr>
+            </a:lvl7pPr>
+            <a:lvl8pPr marL="3429000" indent="-228600" algn="l" defTabSz="457200" rtl="0" eaLnBrk="1" latinLnBrk="0" hangingPunct="1">
+              <a:spcBef>
+                <a:spcPct val="20000"/>
+              </a:spcBef>
+              <a:buFont typeface="Arial"/>
+              <a:buChar char="•"/>
+              <a:defRPr sz="2000" kern="1200">
+                <a:solidFill>
+                  <a:schemeClr val="tx1"/>
+                </a:solidFill>
+                <a:latin typeface="+mn-lt"/>
+                <a:ea typeface="+mn-ea"/>
+                <a:cs typeface="+mn-cs"/>
+              </a:defRPr>
+            </a:lvl8pPr>
+            <a:lvl9pPr marL="3886200" indent="-228600" algn="l" defTabSz="457200" rtl="0" eaLnBrk="1" latinLnBrk="0" hangingPunct="1">
+              <a:spcBef>
+                <a:spcPct val="20000"/>
+              </a:spcBef>
+              <a:buFont typeface="Arial"/>
+              <a:buChar char="•"/>
+              <a:defRPr sz="2000" kern="1200">
+                <a:solidFill>
+                  <a:schemeClr val="tx1"/>
+                </a:solidFill>
+                <a:latin typeface="+mn-lt"/>
+                <a:ea typeface="+mn-ea"/>
+                <a:cs typeface="+mn-cs"/>
+              </a:defRPr>
+            </a:lvl9pPr>
+          </a:lstStyle>
+          <a:p>
+            <a:pPr marL="0" indent="0" algn="ctr">
+              <a:buNone/>
+            </a:pPr>
+            <a:r>
+              <a:rPr lang="en-US" dirty="0"/>
+              <a:t>www.tf3604.com/log</a:t>
             </a:r>
           </a:p>
         </p:txBody>
@@ -9007,7 +9283,7 @@
     </p:spTree>
     <p:extLst>
       <p:ext uri="{BB962C8B-B14F-4D97-AF65-F5344CB8AC3E}">
-        <p14:creationId xmlns:p14="http://schemas.microsoft.com/office/powerpoint/2010/main" val="1097259878"/>
+        <p14:creationId xmlns:p14="http://schemas.microsoft.com/office/powerpoint/2010/main" val="1021995815"/>
       </p:ext>
     </p:extLst>
   </p:cSld>
@@ -9051,6 +9327,93 @@
           <a:p>
             <a:r>
               <a:rPr lang="en-US" dirty="0"/>
+              <a:t>Checkpoint</a:t>
+            </a:r>
+          </a:p>
+        </p:txBody>
+      </p:sp>
+      <p:sp>
+        <p:nvSpPr>
+          <p:cNvPr id="3" name="Content Placeholder 2"/>
+          <p:cNvSpPr>
+            <a:spLocks noGrp="1"/>
+          </p:cNvSpPr>
+          <p:nvPr>
+            <p:ph idx="1"/>
+          </p:nvPr>
+        </p:nvSpPr>
+        <p:spPr/>
+        <p:txBody>
+          <a:bodyPr/>
+          <a:lstStyle/>
+          <a:p>
+            <a:r>
+              <a:rPr lang="en-US" dirty="0"/>
+              <a:t>Process of writing dirty pages from the buffer pool to disk</a:t>
+            </a:r>
+          </a:p>
+          <a:p>
+            <a:pPr lvl="1"/>
+            <a:r>
+              <a:rPr lang="en-US" dirty="0"/>
+              <a:t>Irrespective of transaction completion</a:t>
+            </a:r>
+          </a:p>
+          <a:p>
+            <a:pPr marL="0" indent="0">
+              <a:buNone/>
+            </a:pPr>
+            <a:endParaRPr lang="en-US" dirty="0"/>
+          </a:p>
+        </p:txBody>
+      </p:sp>
+    </p:spTree>
+    <p:extLst>
+      <p:ext uri="{BB962C8B-B14F-4D97-AF65-F5344CB8AC3E}">
+        <p14:creationId xmlns:p14="http://schemas.microsoft.com/office/powerpoint/2010/main" val="998445908"/>
+      </p:ext>
+    </p:extLst>
+  </p:cSld>
+  <p:clrMapOvr>
+    <a:masterClrMapping/>
+  </p:clrMapOvr>
+</p:sld>
+</file>
+
+<file path=ppt/slides/slide31.xml><?xml version="1.0" encoding="utf-8"?>
+<p:sld xmlns:a="http://schemas.openxmlformats.org/drawingml/2006/main" xmlns:r="http://schemas.openxmlformats.org/officeDocument/2006/relationships" xmlns:p="http://schemas.openxmlformats.org/presentationml/2006/main">
+  <p:cSld>
+    <p:spTree>
+      <p:nvGrpSpPr>
+        <p:cNvPr id="1" name=""/>
+        <p:cNvGrpSpPr/>
+        <p:nvPr/>
+      </p:nvGrpSpPr>
+      <p:grpSpPr>
+        <a:xfrm>
+          <a:off x="0" y="0"/>
+          <a:ext cx="0" cy="0"/>
+          <a:chOff x="0" y="0"/>
+          <a:chExt cx="0" cy="0"/>
+        </a:xfrm>
+      </p:grpSpPr>
+      <p:sp>
+        <p:nvSpPr>
+          <p:cNvPr id="2" name="Title 1"/>
+          <p:cNvSpPr>
+            <a:spLocks noGrp="1"/>
+          </p:cNvSpPr>
+          <p:nvPr>
+            <p:ph type="title"/>
+          </p:nvPr>
+        </p:nvSpPr>
+        <p:spPr/>
+        <p:txBody>
+          <a:bodyPr/>
+          <a:lstStyle/>
+          <a:p>
+            <a:r>
+              <a:rPr lang="en-US" dirty="0"/>
               <a:t>Checkpoint Types</a:t>
             </a:r>
           </a:p>
@@ -9250,7 +9613,7 @@
 </p:sld>
 </file>
 
-<file path=ppt/slides/slide31.xml><?xml version="1.0" encoding="utf-8"?>
+<file path=ppt/slides/slide32.xml><?xml version="1.0" encoding="utf-8"?>
 <p:sld xmlns:a="http://schemas.openxmlformats.org/drawingml/2006/main" xmlns:r="http://schemas.openxmlformats.org/officeDocument/2006/relationships" xmlns:p="http://schemas.openxmlformats.org/presentationml/2006/main" show="0">
   <p:cSld>
     <p:spTree>
@@ -9380,122 +9743,14 @@
   <p:clrMapOvr>
     <a:masterClrMapping/>
   </p:clrMapOvr>
-  <mc:AlternateContent xmlns:mc="http://schemas.openxmlformats.org/markup-compatibility/2006">
-    <mc:Choice xmlns:p14="http://schemas.microsoft.com/office/powerpoint/2010/main" Requires="p14">
+  <mc:AlternateContent xmlns:mc="http://schemas.openxmlformats.org/markup-compatibility/2006" xmlns:p14="http://schemas.microsoft.com/office/powerpoint/2010/main">
+    <mc:Choice Requires="p14">
       <p:transition spd="slow" p14:dur="2000"/>
     </mc:Choice>
-    <mc:Fallback>
+    <mc:Fallback xmlns="">
       <p:transition spd="slow"/>
     </mc:Fallback>
   </mc:AlternateContent>
-</p:sld>
-</file>
-
-<file path=ppt/slides/slide32.xml><?xml version="1.0" encoding="utf-8"?>
-<p:sld xmlns:a="http://schemas.openxmlformats.org/drawingml/2006/main" xmlns:r="http://schemas.openxmlformats.org/officeDocument/2006/relationships" xmlns:p="http://schemas.openxmlformats.org/presentationml/2006/main">
-  <p:cSld>
-    <p:spTree>
-      <p:nvGrpSpPr>
-        <p:cNvPr id="1" name=""/>
-        <p:cNvGrpSpPr/>
-        <p:nvPr/>
-      </p:nvGrpSpPr>
-      <p:grpSpPr>
-        <a:xfrm>
-          <a:off x="0" y="0"/>
-          <a:ext cx="0" cy="0"/>
-          <a:chOff x="0" y="0"/>
-          <a:chExt cx="0" cy="0"/>
-        </a:xfrm>
-      </p:grpSpPr>
-      <p:sp>
-        <p:nvSpPr>
-          <p:cNvPr id="2" name="Title 1"/>
-          <p:cNvSpPr>
-            <a:spLocks noGrp="1"/>
-          </p:cNvSpPr>
-          <p:nvPr>
-            <p:ph type="title"/>
-          </p:nvPr>
-        </p:nvSpPr>
-        <p:spPr/>
-        <p:txBody>
-          <a:bodyPr/>
-          <a:lstStyle/>
-          <a:p>
-            <a:r>
-              <a:rPr lang="en-US" dirty="0"/>
-              <a:t>Flushing the Log</a:t>
-            </a:r>
-          </a:p>
-        </p:txBody>
-      </p:sp>
-      <p:sp>
-        <p:nvSpPr>
-          <p:cNvPr id="3" name="Content Placeholder 2"/>
-          <p:cNvSpPr>
-            <a:spLocks noGrp="1"/>
-          </p:cNvSpPr>
-          <p:nvPr>
-            <p:ph idx="1"/>
-          </p:nvPr>
-        </p:nvSpPr>
-        <p:spPr/>
-        <p:txBody>
-          <a:bodyPr/>
-          <a:lstStyle/>
-          <a:p>
-            <a:r>
-              <a:rPr lang="en-US" dirty="0"/>
-              <a:t>Flushing = closing a log block</a:t>
-            </a:r>
-          </a:p>
-          <a:p>
-            <a:r>
-              <a:rPr lang="en-US" dirty="0"/>
-              <a:t>Triggers</a:t>
-            </a:r>
-          </a:p>
-          <a:p>
-            <a:pPr lvl="1"/>
-            <a:r>
-              <a:rPr lang="en-US" dirty="0"/>
-              <a:t>60K limit reached</a:t>
-            </a:r>
-          </a:p>
-          <a:p>
-            <a:pPr lvl="1"/>
-            <a:r>
-              <a:rPr lang="en-US" dirty="0"/>
-              <a:t>Transaction commits</a:t>
-            </a:r>
-          </a:p>
-          <a:p>
-            <a:pPr lvl="1"/>
-            <a:r>
-              <a:rPr lang="en-US" dirty="0"/>
-              <a:t>Transaction rollbacks</a:t>
-            </a:r>
-          </a:p>
-          <a:p>
-            <a:pPr lvl="1"/>
-            <a:r>
-              <a:rPr lang="en-US" dirty="0"/>
-              <a:t>Checkpoint</a:t>
-            </a:r>
-          </a:p>
-        </p:txBody>
-      </p:sp>
-    </p:spTree>
-    <p:extLst>
-      <p:ext uri="{BB962C8B-B14F-4D97-AF65-F5344CB8AC3E}">
-        <p14:creationId xmlns:p14="http://schemas.microsoft.com/office/powerpoint/2010/main" val="4039889923"/>
-      </p:ext>
-    </p:extLst>
-  </p:cSld>
-  <p:clrMapOvr>
-    <a:masterClrMapping/>
-  </p:clrMapOvr>
 </p:sld>
 </file>
 
@@ -9533,7 +9788,7 @@
           <a:p>
             <a:r>
               <a:rPr lang="en-US" dirty="0"/>
-              <a:t>Recovery Models</a:t>
+              <a:t>Flushing the Log</a:t>
             </a:r>
           </a:p>
         </p:txBody>
@@ -9550,35 +9805,46 @@
         </p:nvSpPr>
         <p:spPr/>
         <p:txBody>
-          <a:bodyPr>
-            <a:normAutofit/>
-          </a:bodyPr>
+          <a:bodyPr/>
           <a:lstStyle/>
           <a:p>
             <a:r>
               <a:rPr lang="en-US" dirty="0"/>
-              <a:t>Impacts how SQL logs changes</a:t>
+              <a:t>Flushing = closing a log block</a:t>
+            </a:r>
+          </a:p>
+          <a:p>
+            <a:r>
+              <a:rPr lang="en-US" dirty="0"/>
+              <a:t>Triggers</a:t>
             </a:r>
           </a:p>
           <a:p>
             <a:pPr lvl="1"/>
             <a:r>
               <a:rPr lang="en-US" dirty="0"/>
-              <a:t>Simple</a:t>
+              <a:t>60K limit reached</a:t>
             </a:r>
           </a:p>
           <a:p>
             <a:pPr lvl="1"/>
             <a:r>
               <a:rPr lang="en-US" dirty="0"/>
-              <a:t>Full</a:t>
+              <a:t>Transaction commits</a:t>
             </a:r>
           </a:p>
           <a:p>
             <a:pPr lvl="1"/>
             <a:r>
               <a:rPr lang="en-US" dirty="0"/>
-              <a:t>Bulk-logged</a:t>
+              <a:t>Transaction rollbacks</a:t>
+            </a:r>
+          </a:p>
+          <a:p>
+            <a:pPr lvl="1"/>
+            <a:r>
+              <a:rPr lang="en-US" dirty="0"/>
+              <a:t>Checkpoint</a:t>
             </a:r>
           </a:p>
         </p:txBody>
@@ -9586,7 +9852,7 @@
     </p:spTree>
     <p:extLst>
       <p:ext uri="{BB962C8B-B14F-4D97-AF65-F5344CB8AC3E}">
-        <p14:creationId xmlns:p14="http://schemas.microsoft.com/office/powerpoint/2010/main" val="3098932775"/>
+        <p14:creationId xmlns:p14="http://schemas.microsoft.com/office/powerpoint/2010/main" val="4039889923"/>
       </p:ext>
     </p:extLst>
   </p:cSld>
@@ -9630,7 +9896,7 @@
           <a:p>
             <a:r>
               <a:rPr lang="en-US" dirty="0"/>
-              <a:t>Simple Recovery Model</a:t>
+              <a:t>Recovery Models</a:t>
             </a:r>
           </a:p>
         </p:txBody>
@@ -9654,26 +9920,28 @@
           <a:p>
             <a:r>
               <a:rPr lang="en-US" dirty="0"/>
-              <a:t>Commonly used for test systems or low-volume production systems</a:t>
+              <a:t>Impacts how SQL logs changes</a:t>
             </a:r>
           </a:p>
           <a:p>
             <a:pPr lvl="1"/>
             <a:r>
               <a:rPr lang="en-US" dirty="0"/>
-              <a:t>What is your recovery point objective?</a:t>
-            </a:r>
-          </a:p>
-          <a:p>
-            <a:r>
-              <a:rPr lang="en-US" dirty="0"/>
-              <a:t>All changes logged, but can be “discarded” on commit</a:t>
-            </a:r>
-          </a:p>
-          <a:p>
-            <a:r>
-              <a:rPr lang="en-US" dirty="0"/>
-              <a:t>Can only recover to the latest full backup</a:t>
+              <a:t>Simple</a:t>
+            </a:r>
+          </a:p>
+          <a:p>
+            <a:pPr lvl="1"/>
+            <a:r>
+              <a:rPr lang="en-US" dirty="0"/>
+              <a:t>Full</a:t>
+            </a:r>
+          </a:p>
+          <a:p>
+            <a:pPr lvl="1"/>
+            <a:r>
+              <a:rPr lang="en-US" dirty="0"/>
+              <a:t>Bulk-logged</a:t>
             </a:r>
           </a:p>
         </p:txBody>
@@ -9681,7 +9949,7 @@
     </p:spTree>
     <p:extLst>
       <p:ext uri="{BB962C8B-B14F-4D97-AF65-F5344CB8AC3E}">
-        <p14:creationId xmlns:p14="http://schemas.microsoft.com/office/powerpoint/2010/main" val="2301797226"/>
+        <p14:creationId xmlns:p14="http://schemas.microsoft.com/office/powerpoint/2010/main" val="3098932775"/>
       </p:ext>
     </p:extLst>
   </p:cSld>
@@ -9725,7 +9993,7 @@
           <a:p>
             <a:r>
               <a:rPr lang="en-US" dirty="0"/>
-              <a:t>Full Recovery Model</a:t>
+              <a:t>Simple Recovery Model</a:t>
             </a:r>
           </a:p>
         </p:txBody>
@@ -9749,7 +10017,7 @@
           <a:p>
             <a:r>
               <a:rPr lang="en-US" dirty="0"/>
-              <a:t>Probably the most common recovery model for production systems</a:t>
+              <a:t>Commonly used for test systems or low-volume production systems</a:t>
             </a:r>
           </a:p>
           <a:p>
@@ -9762,13 +10030,13 @@
           <a:p>
             <a:r>
               <a:rPr lang="en-US" dirty="0"/>
-              <a:t>Log records must be kept until log backup completed</a:t>
-            </a:r>
-          </a:p>
-          <a:p>
-            <a:r>
-              <a:rPr lang="en-US" dirty="0"/>
-              <a:t>Can recover to an arbitrary point in time</a:t>
+              <a:t>All changes logged, but can be “discarded” on commit</a:t>
+            </a:r>
+          </a:p>
+          <a:p>
+            <a:r>
+              <a:rPr lang="en-US" dirty="0"/>
+              <a:t>Can only recover to the latest full backup</a:t>
             </a:r>
           </a:p>
         </p:txBody>
@@ -9776,7 +10044,7 @@
     </p:spTree>
     <p:extLst>
       <p:ext uri="{BB962C8B-B14F-4D97-AF65-F5344CB8AC3E}">
-        <p14:creationId xmlns:p14="http://schemas.microsoft.com/office/powerpoint/2010/main" val="933691385"/>
+        <p14:creationId xmlns:p14="http://schemas.microsoft.com/office/powerpoint/2010/main" val="2301797226"/>
       </p:ext>
     </p:extLst>
   </p:cSld>
@@ -9820,7 +10088,7 @@
           <a:p>
             <a:r>
               <a:rPr lang="en-US" dirty="0"/>
-              <a:t>Bulk-logged Recovery Model</a:t>
+              <a:t>Full Recovery Model</a:t>
             </a:r>
           </a:p>
         </p:txBody>
@@ -9844,7 +10112,7 @@
           <a:p>
             <a:r>
               <a:rPr lang="en-US" dirty="0"/>
-              <a:t>Not frequently used, perhaps temporarily during maintenance windows</a:t>
+              <a:t>Probably the most common recovery model for production systems</a:t>
             </a:r>
           </a:p>
           <a:p>
@@ -9857,19 +10125,13 @@
           <a:p>
             <a:r>
               <a:rPr lang="en-US" dirty="0"/>
-              <a:t>Similar to full model, but some changes are only “noted” rather than fully logged</a:t>
-            </a:r>
-          </a:p>
-          <a:p>
-            <a:r>
-              <a:rPr lang="en-US" dirty="0"/>
-              <a:t>Log backups still include all changes</a:t>
-            </a:r>
-          </a:p>
-          <a:p>
-            <a:r>
-              <a:rPr lang="en-US" dirty="0"/>
-              <a:t>Point-in-time recovery not possible</a:t>
+              <a:t>Log records must be kept until log backup completed</a:t>
+            </a:r>
+          </a:p>
+          <a:p>
+            <a:r>
+              <a:rPr lang="en-US" dirty="0"/>
+              <a:t>Can recover to an arbitrary point in time</a:t>
             </a:r>
           </a:p>
         </p:txBody>
@@ -9877,7 +10139,7 @@
     </p:spTree>
     <p:extLst>
       <p:ext uri="{BB962C8B-B14F-4D97-AF65-F5344CB8AC3E}">
-        <p14:creationId xmlns:p14="http://schemas.microsoft.com/office/powerpoint/2010/main" val="3984488222"/>
+        <p14:creationId xmlns:p14="http://schemas.microsoft.com/office/powerpoint/2010/main" val="933691385"/>
       </p:ext>
     </p:extLst>
   </p:cSld>
@@ -9921,7 +10183,7 @@
           <a:p>
             <a:r>
               <a:rPr lang="en-US" dirty="0"/>
-              <a:t>Clearing* the Log (aka Truncating*)</a:t>
+              <a:t>Bulk-logged Recovery Model</a:t>
             </a:r>
           </a:p>
         </p:txBody>
@@ -9939,289 +10201,38 @@
         <p:spPr/>
         <p:txBody>
           <a:bodyPr>
-            <a:normAutofit fontScale="92500" lnSpcReduction="10000"/>
+            <a:normAutofit/>
           </a:bodyPr>
           <a:lstStyle/>
           <a:p>
             <a:r>
               <a:rPr lang="en-US" dirty="0"/>
-              <a:t>Marks unneeded portions of log as inactive</a:t>
-            </a:r>
-          </a:p>
-          <a:p>
-            <a:r>
-              <a:rPr lang="en-US" dirty="0"/>
-              <a:t>Triggers:</a:t>
+              <a:t>Not frequently used, perhaps temporarily during maintenance windows</a:t>
             </a:r>
           </a:p>
           <a:p>
             <a:pPr lvl="1"/>
             <a:r>
               <a:rPr lang="en-US" dirty="0"/>
-              <a:t>Simple recovery**: Checkpoint</a:t>
-            </a:r>
-          </a:p>
-          <a:p>
-            <a:pPr lvl="1"/>
-            <a:r>
-              <a:rPr lang="en-US" dirty="0"/>
-              <a:t>Full/bulked-log: Log Backup</a:t>
-            </a:r>
-          </a:p>
-          <a:p>
-            <a:pPr lvl="1"/>
-            <a:r>
-              <a:rPr lang="en-US" dirty="0"/>
-              <a:t>Change from Full or Bulked Logged to Simple***</a:t>
-            </a:r>
-          </a:p>
-          <a:p>
-            <a:r>
-              <a:rPr lang="en-US" dirty="0"/>
-              <a:t>Why can’t the log clear?</a:t>
-            </a:r>
-          </a:p>
-          <a:p>
-            <a:pPr lvl="1"/>
-            <a:r>
-              <a:rPr lang="en-US" dirty="0"/>
-              <a:t>Pending log backup</a:t>
-            </a:r>
-          </a:p>
-          <a:p>
-            <a:pPr lvl="1"/>
-            <a:r>
-              <a:rPr lang="en-US" dirty="0"/>
-              <a:t>Active replication / CDC / AG / mirroring</a:t>
-            </a:r>
-          </a:p>
-          <a:p>
-            <a:pPr lvl="1"/>
-            <a:r>
-              <a:rPr lang="en-US" dirty="0"/>
-              <a:t>Long-running transaction</a:t>
-            </a:r>
-          </a:p>
-          <a:p>
-            <a:pPr lvl="1"/>
-            <a:r>
-              <a:rPr lang="en-US" dirty="0"/>
-              <a:t>See </a:t>
-            </a:r>
-            <a:r>
-              <a:rPr lang="en-US" sz="2000" b="1" dirty="0" err="1">
-                <a:latin typeface="Courier New" panose="02070309020205020404" pitchFamily="49" charset="0"/>
-                <a:cs typeface="Courier New" panose="02070309020205020404" pitchFamily="49" charset="0"/>
-              </a:rPr>
-              <a:t>sys.databases.log_reuse_wait_desc</a:t>
-            </a:r>
-            <a:endParaRPr lang="en-US" sz="2000" b="1" dirty="0">
-              <a:latin typeface="Courier New" panose="02070309020205020404" pitchFamily="49" charset="0"/>
-              <a:cs typeface="Courier New" panose="02070309020205020404" pitchFamily="49" charset="0"/>
-            </a:endParaRPr>
-          </a:p>
-          <a:p>
-            <a:pPr lvl="1"/>
-            <a:endParaRPr lang="en-US" dirty="0"/>
-          </a:p>
-        </p:txBody>
-      </p:sp>
-      <p:sp>
-        <p:nvSpPr>
-          <p:cNvPr id="4" name="Content Placeholder 2"/>
-          <p:cNvSpPr txBox="1">
-            <a:spLocks/>
-          </p:cNvSpPr>
-          <p:nvPr/>
-        </p:nvSpPr>
-        <p:spPr>
-          <a:xfrm>
-            <a:off x="209550" y="6126163"/>
-            <a:ext cx="6800850" cy="731837"/>
-          </a:xfrm>
-          <a:prstGeom prst="rect">
-            <a:avLst/>
-          </a:prstGeom>
-        </p:spPr>
-        <p:txBody>
-          <a:bodyPr vert="horz" lIns="91440" tIns="45720" rIns="91440" bIns="45720" rtlCol="0">
-            <a:normAutofit fontScale="85000" lnSpcReduction="20000"/>
-          </a:bodyPr>
-          <a:lstStyle>
-            <a:lvl1pPr marL="342900" indent="-342900" algn="l" defTabSz="457200" rtl="0" eaLnBrk="1" latinLnBrk="0" hangingPunct="1">
-              <a:spcBef>
-                <a:spcPct val="20000"/>
-              </a:spcBef>
-              <a:buFont typeface="Wingdings" charset="2"/>
-              <a:buChar char="§"/>
-              <a:defRPr sz="3000" kern="1200">
-                <a:solidFill>
-                  <a:schemeClr val="tx2"/>
-                </a:solidFill>
-                <a:latin typeface="+mn-lt"/>
-                <a:ea typeface="+mn-ea"/>
-                <a:cs typeface="+mn-cs"/>
-              </a:defRPr>
-            </a:lvl1pPr>
-            <a:lvl2pPr marL="742950" indent="-285750" algn="l" defTabSz="457200" rtl="0" eaLnBrk="1" latinLnBrk="0" hangingPunct="1">
-              <a:spcBef>
-                <a:spcPct val="20000"/>
-              </a:spcBef>
-              <a:buFont typeface="Wingdings" charset="2"/>
-              <a:buChar char="§"/>
-              <a:defRPr sz="2600" kern="1200">
-                <a:solidFill>
-                  <a:srgbClr val="474947"/>
-                </a:solidFill>
-                <a:latin typeface="+mn-lt"/>
-                <a:ea typeface="+mn-ea"/>
-                <a:cs typeface="+mn-cs"/>
-              </a:defRPr>
-            </a:lvl2pPr>
-            <a:lvl3pPr marL="1143000" indent="-228600" algn="l" defTabSz="457200" rtl="0" eaLnBrk="1" latinLnBrk="0" hangingPunct="1">
-              <a:spcBef>
-                <a:spcPct val="20000"/>
-              </a:spcBef>
-              <a:buFont typeface="Wingdings" charset="2"/>
-              <a:buChar char="§"/>
-              <a:defRPr sz="2200" kern="1200">
-                <a:solidFill>
-                  <a:srgbClr val="474947"/>
-                </a:solidFill>
-                <a:latin typeface="+mn-lt"/>
-                <a:ea typeface="+mn-ea"/>
-                <a:cs typeface="+mn-cs"/>
-              </a:defRPr>
-            </a:lvl3pPr>
-            <a:lvl4pPr marL="1600200" indent="-228600" algn="l" defTabSz="457200" rtl="0" eaLnBrk="1" latinLnBrk="0" hangingPunct="1">
-              <a:spcBef>
-                <a:spcPct val="20000"/>
-              </a:spcBef>
-              <a:buFont typeface="Wingdings" charset="2"/>
-              <a:buChar char="§"/>
-              <a:defRPr sz="2000" kern="1200">
-                <a:solidFill>
-                  <a:srgbClr val="474947"/>
-                </a:solidFill>
-                <a:latin typeface="+mn-lt"/>
-                <a:ea typeface="+mn-ea"/>
-                <a:cs typeface="+mn-cs"/>
-              </a:defRPr>
-            </a:lvl4pPr>
-            <a:lvl5pPr marL="2057400" indent="-228600" algn="l" defTabSz="457200" rtl="0" eaLnBrk="1" latinLnBrk="0" hangingPunct="1">
-              <a:spcBef>
-                <a:spcPct val="20000"/>
-              </a:spcBef>
-              <a:buFont typeface="Wingdings" charset="2"/>
-              <a:buChar char="§"/>
-              <a:defRPr sz="1800" kern="1200">
-                <a:solidFill>
-                  <a:srgbClr val="474947"/>
-                </a:solidFill>
-                <a:latin typeface="+mn-lt"/>
-                <a:ea typeface="+mn-ea"/>
-                <a:cs typeface="+mn-cs"/>
-              </a:defRPr>
-            </a:lvl5pPr>
-            <a:lvl6pPr marL="2514600" indent="-228600" algn="l" defTabSz="457200" rtl="0" eaLnBrk="1" latinLnBrk="0" hangingPunct="1">
-              <a:spcBef>
-                <a:spcPct val="20000"/>
-              </a:spcBef>
-              <a:buFont typeface="Arial"/>
-              <a:buChar char="•"/>
-              <a:defRPr sz="2000" kern="1200">
-                <a:solidFill>
-                  <a:schemeClr val="tx1"/>
-                </a:solidFill>
-                <a:latin typeface="+mn-lt"/>
-                <a:ea typeface="+mn-ea"/>
-                <a:cs typeface="+mn-cs"/>
-              </a:defRPr>
-            </a:lvl6pPr>
-            <a:lvl7pPr marL="2971800" indent="-228600" algn="l" defTabSz="457200" rtl="0" eaLnBrk="1" latinLnBrk="0" hangingPunct="1">
-              <a:spcBef>
-                <a:spcPct val="20000"/>
-              </a:spcBef>
-              <a:buFont typeface="Arial"/>
-              <a:buChar char="•"/>
-              <a:defRPr sz="2000" kern="1200">
-                <a:solidFill>
-                  <a:schemeClr val="tx1"/>
-                </a:solidFill>
-                <a:latin typeface="+mn-lt"/>
-                <a:ea typeface="+mn-ea"/>
-                <a:cs typeface="+mn-cs"/>
-              </a:defRPr>
-            </a:lvl7pPr>
-            <a:lvl8pPr marL="3429000" indent="-228600" algn="l" defTabSz="457200" rtl="0" eaLnBrk="1" latinLnBrk="0" hangingPunct="1">
-              <a:spcBef>
-                <a:spcPct val="20000"/>
-              </a:spcBef>
-              <a:buFont typeface="Arial"/>
-              <a:buChar char="•"/>
-              <a:defRPr sz="2000" kern="1200">
-                <a:solidFill>
-                  <a:schemeClr val="tx1"/>
-                </a:solidFill>
-                <a:latin typeface="+mn-lt"/>
-                <a:ea typeface="+mn-ea"/>
-                <a:cs typeface="+mn-cs"/>
-              </a:defRPr>
-            </a:lvl8pPr>
-            <a:lvl9pPr marL="3886200" indent="-228600" algn="l" defTabSz="457200" rtl="0" eaLnBrk="1" latinLnBrk="0" hangingPunct="1">
-              <a:spcBef>
-                <a:spcPct val="20000"/>
-              </a:spcBef>
-              <a:buFont typeface="Arial"/>
-              <a:buChar char="•"/>
-              <a:defRPr sz="2000" kern="1200">
-                <a:solidFill>
-                  <a:schemeClr val="tx1"/>
-                </a:solidFill>
-                <a:latin typeface="+mn-lt"/>
-                <a:ea typeface="+mn-ea"/>
-                <a:cs typeface="+mn-cs"/>
-              </a:defRPr>
-            </a:lvl9pPr>
-          </a:lstStyle>
-          <a:p>
-            <a:pPr marL="57150" indent="0">
-              <a:buNone/>
-            </a:pPr>
-            <a:r>
-              <a:rPr lang="en-US" sz="1800" dirty="0"/>
-              <a:t>* Horribly misnamed!  This </a:t>
-            </a:r>
-            <a:r>
-              <a:rPr lang="en-US" sz="1800"/>
-              <a:t>process clears </a:t>
-            </a:r>
-            <a:r>
-              <a:rPr lang="en-US" sz="1800" dirty="0"/>
-              <a:t>nothing and </a:t>
-            </a:r>
-            <a:r>
-              <a:rPr lang="en-US" sz="1800"/>
-              <a:t>truncates nothing.</a:t>
-            </a:r>
-            <a:endParaRPr lang="en-US" sz="1800" dirty="0"/>
-          </a:p>
-          <a:p>
-            <a:pPr marL="57150" indent="0">
-              <a:buNone/>
-            </a:pPr>
-            <a:r>
-              <a:rPr lang="en-US" sz="1800" dirty="0"/>
-              <a:t>** More technically, when in “auto-truncate” mode.</a:t>
-            </a:r>
-          </a:p>
-          <a:p>
-            <a:pPr marL="57150" indent="0">
-              <a:buNone/>
-            </a:pPr>
-            <a:r>
-              <a:rPr lang="en-US" sz="1800" dirty="0"/>
-              <a:t>*** But this breaks the backup chain!</a:t>
+              <a:t>What is your recovery point objective?</a:t>
+            </a:r>
+          </a:p>
+          <a:p>
+            <a:r>
+              <a:rPr lang="en-US" dirty="0"/>
+              <a:t>Similar to full model, but some changes are only “noted” rather than fully logged</a:t>
+            </a:r>
+          </a:p>
+          <a:p>
+            <a:r>
+              <a:rPr lang="en-US" dirty="0"/>
+              <a:t>Log backups still include all changes</a:t>
+            </a:r>
+          </a:p>
+          <a:p>
+            <a:r>
+              <a:rPr lang="en-US" dirty="0"/>
+              <a:t>Point-in-time recovery not possible</a:t>
             </a:r>
           </a:p>
         </p:txBody>
@@ -10229,7 +10240,7 @@
     </p:spTree>
     <p:extLst>
       <p:ext uri="{BB962C8B-B14F-4D97-AF65-F5344CB8AC3E}">
-        <p14:creationId xmlns:p14="http://schemas.microsoft.com/office/powerpoint/2010/main" val="4028217354"/>
+        <p14:creationId xmlns:p14="http://schemas.microsoft.com/office/powerpoint/2010/main" val="3984488222"/>
       </p:ext>
     </p:extLst>
   </p:cSld>
@@ -10273,7 +10284,7 @@
           <a:p>
             <a:r>
               <a:rPr lang="en-US" dirty="0"/>
-              <a:t>Demos</a:t>
+              <a:t>Clearing* the Log (aka Truncating*)</a:t>
             </a:r>
           </a:p>
         </p:txBody>
@@ -10290,62 +10301,298 @@
         </p:nvSpPr>
         <p:spPr/>
         <p:txBody>
-          <a:bodyPr/>
+          <a:bodyPr>
+            <a:normAutofit fontScale="92500" lnSpcReduction="10000"/>
+          </a:bodyPr>
           <a:lstStyle/>
           <a:p>
-            <a:pPr marL="0" indent="0">
-              <a:buNone/>
-            </a:pPr>
-            <a:r>
-              <a:rPr lang="en-US" dirty="0"/>
-              <a:t>Simple recovery</a:t>
-            </a:r>
-          </a:p>
-          <a:p>
-            <a:pPr marL="0" indent="0">
-              <a:buNone/>
-            </a:pPr>
-            <a:r>
-              <a:rPr lang="en-US" dirty="0"/>
-              <a:t>Full recovery</a:t>
-            </a:r>
-          </a:p>
-          <a:p>
-            <a:pPr marL="0" indent="0">
-              <a:buNone/>
-            </a:pPr>
+            <a:r>
+              <a:rPr lang="en-US" dirty="0"/>
+              <a:t>Marks unneeded portions of log as inactive</a:t>
+            </a:r>
+          </a:p>
+          <a:p>
+            <a:r>
+              <a:rPr lang="en-US" dirty="0"/>
+              <a:t>Triggers:</a:t>
+            </a:r>
+          </a:p>
+          <a:p>
+            <a:pPr lvl="1"/>
+            <a:r>
+              <a:rPr lang="en-US" dirty="0"/>
+              <a:t>Simple recovery**: Checkpoint</a:t>
+            </a:r>
+          </a:p>
+          <a:p>
+            <a:pPr lvl="1"/>
+            <a:r>
+              <a:rPr lang="en-US" dirty="0"/>
+              <a:t>Full/bulked-log: Log Backup</a:t>
+            </a:r>
+          </a:p>
+          <a:p>
+            <a:pPr lvl="1"/>
+            <a:r>
+              <a:rPr lang="en-US" dirty="0"/>
+              <a:t>Change from Full or Bulked Logged to Simple***</a:t>
+            </a:r>
+          </a:p>
+          <a:p>
+            <a:r>
+              <a:rPr lang="en-US" dirty="0"/>
+              <a:t>Why can’t the log clear?</a:t>
+            </a:r>
+          </a:p>
+          <a:p>
+            <a:pPr lvl="1"/>
+            <a:r>
+              <a:rPr lang="en-US" dirty="0"/>
+              <a:t>Pending log backup</a:t>
+            </a:r>
+          </a:p>
+          <a:p>
+            <a:pPr lvl="1"/>
+            <a:r>
+              <a:rPr lang="en-US" dirty="0"/>
+              <a:t>Active replication / CDC / AG / mirroring</a:t>
+            </a:r>
+          </a:p>
+          <a:p>
+            <a:pPr lvl="1"/>
+            <a:r>
+              <a:rPr lang="en-US" dirty="0"/>
+              <a:t>Long-running transaction</a:t>
+            </a:r>
+          </a:p>
+          <a:p>
+            <a:pPr lvl="1"/>
+            <a:r>
+              <a:rPr lang="en-US" dirty="0"/>
+              <a:t>See </a:t>
+            </a:r>
+            <a:r>
+              <a:rPr lang="en-US" sz="2000" b="1" dirty="0" err="1">
+                <a:latin typeface="Courier New" panose="02070309020205020404" pitchFamily="49" charset="0"/>
+                <a:cs typeface="Courier New" panose="02070309020205020404" pitchFamily="49" charset="0"/>
+              </a:rPr>
+              <a:t>sys.databases.log_reuse_wait_desc</a:t>
+            </a:r>
+            <a:endParaRPr lang="en-US" sz="2000" b="1" dirty="0">
+              <a:latin typeface="Courier New" panose="02070309020205020404" pitchFamily="49" charset="0"/>
+              <a:cs typeface="Courier New" panose="02070309020205020404" pitchFamily="49" charset="0"/>
+            </a:endParaRPr>
+          </a:p>
+          <a:p>
+            <a:pPr lvl="1"/>
             <a:endParaRPr lang="en-US" dirty="0"/>
           </a:p>
         </p:txBody>
       </p:sp>
-      <p:pic>
-        <p:nvPicPr>
-          <p:cNvPr id="4" name="Picture 3"/>
-          <p:cNvPicPr>
-            <a:picLocks noChangeAspect="1"/>
-          </p:cNvPicPr>
+      <p:sp>
+        <p:nvSpPr>
+          <p:cNvPr id="4" name="Content Placeholder 2"/>
+          <p:cNvSpPr txBox="1">
+            <a:spLocks/>
+          </p:cNvSpPr>
           <p:nvPr/>
-        </p:nvPicPr>
-        <p:blipFill>
-          <a:blip r:embed="rId2"/>
-          <a:stretch>
-            <a:fillRect/>
-          </a:stretch>
-        </p:blipFill>
+        </p:nvSpPr>
         <p:spPr>
           <a:xfrm>
-            <a:off x="837716" y="1970241"/>
-            <a:ext cx="7617858" cy="3552000"/>
+            <a:off x="209550" y="6126163"/>
+            <a:ext cx="6800850" cy="731837"/>
           </a:xfrm>
           <a:prstGeom prst="rect">
             <a:avLst/>
           </a:prstGeom>
         </p:spPr>
-      </p:pic>
+        <p:txBody>
+          <a:bodyPr vert="horz" lIns="91440" tIns="45720" rIns="91440" bIns="45720" rtlCol="0">
+            <a:normAutofit fontScale="85000" lnSpcReduction="20000"/>
+          </a:bodyPr>
+          <a:lstStyle>
+            <a:lvl1pPr marL="342900" indent="-342900" algn="l" defTabSz="457200" rtl="0" eaLnBrk="1" latinLnBrk="0" hangingPunct="1">
+              <a:spcBef>
+                <a:spcPct val="20000"/>
+              </a:spcBef>
+              <a:buFont typeface="Wingdings" charset="2"/>
+              <a:buChar char="§"/>
+              <a:defRPr sz="3000" kern="1200">
+                <a:solidFill>
+                  <a:schemeClr val="tx2"/>
+                </a:solidFill>
+                <a:latin typeface="+mn-lt"/>
+                <a:ea typeface="+mn-ea"/>
+                <a:cs typeface="+mn-cs"/>
+              </a:defRPr>
+            </a:lvl1pPr>
+            <a:lvl2pPr marL="742950" indent="-285750" algn="l" defTabSz="457200" rtl="0" eaLnBrk="1" latinLnBrk="0" hangingPunct="1">
+              <a:spcBef>
+                <a:spcPct val="20000"/>
+              </a:spcBef>
+              <a:buFont typeface="Wingdings" charset="2"/>
+              <a:buChar char="§"/>
+              <a:defRPr sz="2600" kern="1200">
+                <a:solidFill>
+                  <a:srgbClr val="474947"/>
+                </a:solidFill>
+                <a:latin typeface="+mn-lt"/>
+                <a:ea typeface="+mn-ea"/>
+                <a:cs typeface="+mn-cs"/>
+              </a:defRPr>
+            </a:lvl2pPr>
+            <a:lvl3pPr marL="1143000" indent="-228600" algn="l" defTabSz="457200" rtl="0" eaLnBrk="1" latinLnBrk="0" hangingPunct="1">
+              <a:spcBef>
+                <a:spcPct val="20000"/>
+              </a:spcBef>
+              <a:buFont typeface="Wingdings" charset="2"/>
+              <a:buChar char="§"/>
+              <a:defRPr sz="2200" kern="1200">
+                <a:solidFill>
+                  <a:srgbClr val="474947"/>
+                </a:solidFill>
+                <a:latin typeface="+mn-lt"/>
+                <a:ea typeface="+mn-ea"/>
+                <a:cs typeface="+mn-cs"/>
+              </a:defRPr>
+            </a:lvl3pPr>
+            <a:lvl4pPr marL="1600200" indent="-228600" algn="l" defTabSz="457200" rtl="0" eaLnBrk="1" latinLnBrk="0" hangingPunct="1">
+              <a:spcBef>
+                <a:spcPct val="20000"/>
+              </a:spcBef>
+              <a:buFont typeface="Wingdings" charset="2"/>
+              <a:buChar char="§"/>
+              <a:defRPr sz="2000" kern="1200">
+                <a:solidFill>
+                  <a:srgbClr val="474947"/>
+                </a:solidFill>
+                <a:latin typeface="+mn-lt"/>
+                <a:ea typeface="+mn-ea"/>
+                <a:cs typeface="+mn-cs"/>
+              </a:defRPr>
+            </a:lvl4pPr>
+            <a:lvl5pPr marL="2057400" indent="-228600" algn="l" defTabSz="457200" rtl="0" eaLnBrk="1" latinLnBrk="0" hangingPunct="1">
+              <a:spcBef>
+                <a:spcPct val="20000"/>
+              </a:spcBef>
+              <a:buFont typeface="Wingdings" charset="2"/>
+              <a:buChar char="§"/>
+              <a:defRPr sz="1800" kern="1200">
+                <a:solidFill>
+                  <a:srgbClr val="474947"/>
+                </a:solidFill>
+                <a:latin typeface="+mn-lt"/>
+                <a:ea typeface="+mn-ea"/>
+                <a:cs typeface="+mn-cs"/>
+              </a:defRPr>
+            </a:lvl5pPr>
+            <a:lvl6pPr marL="2514600" indent="-228600" algn="l" defTabSz="457200" rtl="0" eaLnBrk="1" latinLnBrk="0" hangingPunct="1">
+              <a:spcBef>
+                <a:spcPct val="20000"/>
+              </a:spcBef>
+              <a:buFont typeface="Arial"/>
+              <a:buChar char="•"/>
+              <a:defRPr sz="2000" kern="1200">
+                <a:solidFill>
+                  <a:schemeClr val="tx1"/>
+                </a:solidFill>
+                <a:latin typeface="+mn-lt"/>
+                <a:ea typeface="+mn-ea"/>
+                <a:cs typeface="+mn-cs"/>
+              </a:defRPr>
+            </a:lvl6pPr>
+            <a:lvl7pPr marL="2971800" indent="-228600" algn="l" defTabSz="457200" rtl="0" eaLnBrk="1" latinLnBrk="0" hangingPunct="1">
+              <a:spcBef>
+                <a:spcPct val="20000"/>
+              </a:spcBef>
+              <a:buFont typeface="Arial"/>
+              <a:buChar char="•"/>
+              <a:defRPr sz="2000" kern="1200">
+                <a:solidFill>
+                  <a:schemeClr val="tx1"/>
+                </a:solidFill>
+                <a:latin typeface="+mn-lt"/>
+                <a:ea typeface="+mn-ea"/>
+                <a:cs typeface="+mn-cs"/>
+              </a:defRPr>
+            </a:lvl7pPr>
+            <a:lvl8pPr marL="3429000" indent="-228600" algn="l" defTabSz="457200" rtl="0" eaLnBrk="1" latinLnBrk="0" hangingPunct="1">
+              <a:spcBef>
+                <a:spcPct val="20000"/>
+              </a:spcBef>
+              <a:buFont typeface="Arial"/>
+              <a:buChar char="•"/>
+              <a:defRPr sz="2000" kern="1200">
+                <a:solidFill>
+                  <a:schemeClr val="tx1"/>
+                </a:solidFill>
+                <a:latin typeface="+mn-lt"/>
+                <a:ea typeface="+mn-ea"/>
+                <a:cs typeface="+mn-cs"/>
+              </a:defRPr>
+            </a:lvl8pPr>
+            <a:lvl9pPr marL="3886200" indent="-228600" algn="l" defTabSz="457200" rtl="0" eaLnBrk="1" latinLnBrk="0" hangingPunct="1">
+              <a:spcBef>
+                <a:spcPct val="20000"/>
+              </a:spcBef>
+              <a:buFont typeface="Arial"/>
+              <a:buChar char="•"/>
+              <a:defRPr sz="2000" kern="1200">
+                <a:solidFill>
+                  <a:schemeClr val="tx1"/>
+                </a:solidFill>
+                <a:latin typeface="+mn-lt"/>
+                <a:ea typeface="+mn-ea"/>
+                <a:cs typeface="+mn-cs"/>
+              </a:defRPr>
+            </a:lvl9pPr>
+          </a:lstStyle>
+          <a:p>
+            <a:pPr marL="57150" indent="0">
+              <a:buNone/>
+            </a:pPr>
+            <a:r>
+              <a:rPr lang="en-US" sz="1800" dirty="0"/>
+              <a:t>* Horribly misnamed!  This </a:t>
+            </a:r>
+            <a:r>
+              <a:rPr lang="en-US" sz="1800"/>
+              <a:t>process clears </a:t>
+            </a:r>
+            <a:r>
+              <a:rPr lang="en-US" sz="1800" dirty="0"/>
+              <a:t>nothing and </a:t>
+            </a:r>
+            <a:r>
+              <a:rPr lang="en-US" sz="1800"/>
+              <a:t>truncates nothing.</a:t>
+            </a:r>
+            <a:endParaRPr lang="en-US" sz="1800" dirty="0"/>
+          </a:p>
+          <a:p>
+            <a:pPr marL="57150" indent="0">
+              <a:buNone/>
+            </a:pPr>
+            <a:r>
+              <a:rPr lang="en-US" sz="1800" dirty="0"/>
+              <a:t>** More technically, when in “auto-truncate” mode.</a:t>
+            </a:r>
+          </a:p>
+          <a:p>
+            <a:pPr marL="57150" indent="0">
+              <a:buNone/>
+            </a:pPr>
+            <a:r>
+              <a:rPr lang="en-US" sz="1800" dirty="0"/>
+              <a:t>*** But this breaks the backup chain!</a:t>
+            </a:r>
+          </a:p>
+        </p:txBody>
+      </p:sp>
     </p:spTree>
     <p:extLst>
       <p:ext uri="{BB962C8B-B14F-4D97-AF65-F5344CB8AC3E}">
-        <p14:creationId xmlns:p14="http://schemas.microsoft.com/office/powerpoint/2010/main" val="4059385380"/>
+        <p14:creationId xmlns:p14="http://schemas.microsoft.com/office/powerpoint/2010/main" val="4028217354"/>
       </p:ext>
     </p:extLst>
   </p:cSld>
@@ -10389,7 +10636,7 @@
           <a:p>
             <a:r>
               <a:rPr lang="en-US" dirty="0"/>
-              <a:t>Rolling Back a Transaction</a:t>
+              <a:t>Demos</a:t>
             </a:r>
           </a:p>
         </p:txBody>
@@ -10409,58 +10656,59 @@
           <a:bodyPr/>
           <a:lstStyle/>
           <a:p>
-            <a:r>
-              <a:rPr lang="en-US" dirty="0"/>
-              <a:t>When a transaction cannot complete, it must rollback</a:t>
-            </a:r>
-          </a:p>
-          <a:p>
-            <a:pPr lvl="1"/>
-            <a:r>
-              <a:rPr lang="en-US" dirty="0"/>
-              <a:t>ROLLBACK TRANSACTION command</a:t>
-            </a:r>
-          </a:p>
-          <a:p>
-            <a:pPr lvl="1"/>
-            <a:r>
-              <a:rPr lang="en-US" dirty="0"/>
-              <a:t>Connection is abandoned</a:t>
-            </a:r>
-          </a:p>
-          <a:p>
-            <a:pPr lvl="2"/>
-            <a:r>
-              <a:rPr lang="en-US" dirty="0"/>
-              <a:t>Network failure, KILL, severe errors, client crash</a:t>
-            </a:r>
-          </a:p>
-          <a:p>
-            <a:pPr lvl="1"/>
-            <a:r>
-              <a:rPr lang="en-US" dirty="0"/>
-              <a:t>Non-graceful shutdown of SQL (crash recovery)</a:t>
-            </a:r>
-          </a:p>
-          <a:p>
-            <a:pPr lvl="1"/>
-            <a:r>
-              <a:rPr lang="en-US" dirty="0"/>
-              <a:t>Restore operations</a:t>
-            </a:r>
-          </a:p>
-          <a:p>
-            <a:r>
-              <a:rPr lang="en-US" dirty="0"/>
-              <a:t>Rollback operations are single-threaded</a:t>
-            </a:r>
-          </a:p>
-        </p:txBody>
-      </p:sp>
+            <a:pPr marL="0" indent="0">
+              <a:buNone/>
+            </a:pPr>
+            <a:r>
+              <a:rPr lang="en-US" dirty="0"/>
+              <a:t>Simple recovery</a:t>
+            </a:r>
+          </a:p>
+          <a:p>
+            <a:pPr marL="0" indent="0">
+              <a:buNone/>
+            </a:pPr>
+            <a:r>
+              <a:rPr lang="en-US" dirty="0"/>
+              <a:t>Full recovery</a:t>
+            </a:r>
+          </a:p>
+          <a:p>
+            <a:pPr marL="0" indent="0">
+              <a:buNone/>
+            </a:pPr>
+            <a:endParaRPr lang="en-US" dirty="0"/>
+          </a:p>
+        </p:txBody>
+      </p:sp>
+      <p:pic>
+        <p:nvPicPr>
+          <p:cNvPr id="4" name="Picture 3"/>
+          <p:cNvPicPr>
+            <a:picLocks noChangeAspect="1"/>
+          </p:cNvPicPr>
+          <p:nvPr/>
+        </p:nvPicPr>
+        <p:blipFill>
+          <a:blip r:embed="rId2"/>
+          <a:stretch>
+            <a:fillRect/>
+          </a:stretch>
+        </p:blipFill>
+        <p:spPr>
+          <a:xfrm>
+            <a:off x="837716" y="1970241"/>
+            <a:ext cx="7617858" cy="3552000"/>
+          </a:xfrm>
+          <a:prstGeom prst="rect">
+            <a:avLst/>
+          </a:prstGeom>
+        </p:spPr>
+      </p:pic>
     </p:spTree>
     <p:extLst>
       <p:ext uri="{BB962C8B-B14F-4D97-AF65-F5344CB8AC3E}">
-        <p14:creationId xmlns:p14="http://schemas.microsoft.com/office/powerpoint/2010/main" val="2736551440"/>
+        <p14:creationId xmlns:p14="http://schemas.microsoft.com/office/powerpoint/2010/main" val="4059385380"/>
       </p:ext>
     </p:extLst>
   </p:cSld>
@@ -10504,7 +10752,7 @@
           <a:p>
             <a:r>
               <a:rPr lang="en-US" dirty="0"/>
-              <a:t>Purpose of the Transaction Log</a:t>
+              <a:t>Agenda</a:t>
             </a:r>
           </a:p>
         </p:txBody>
@@ -10521,83 +10769,42 @@
         </p:nvSpPr>
         <p:spPr/>
         <p:txBody>
-          <a:bodyPr>
-            <a:normAutofit fontScale="92500" lnSpcReduction="10000"/>
-          </a:bodyPr>
+          <a:bodyPr/>
           <a:lstStyle/>
           <a:p>
             <a:r>
               <a:rPr lang="en-US" dirty="0"/>
-              <a:t>Primary purposes</a:t>
-            </a:r>
-          </a:p>
-          <a:p>
-            <a:pPr lvl="1"/>
-            <a:r>
-              <a:rPr lang="en-US" dirty="0"/>
-              <a:t>Durability</a:t>
-            </a:r>
-          </a:p>
-          <a:p>
-            <a:pPr lvl="2"/>
-            <a:r>
-              <a:rPr lang="en-US" dirty="0"/>
-              <a:t>Write-ahead logging</a:t>
-            </a:r>
-          </a:p>
-          <a:p>
-            <a:pPr lvl="2"/>
-            <a:r>
-              <a:rPr lang="en-US" dirty="0"/>
-              <a:t>Crash recovery / restore operations</a:t>
-            </a:r>
-          </a:p>
-          <a:p>
-            <a:pPr lvl="1"/>
-            <a:r>
-              <a:rPr lang="en-US" dirty="0"/>
-              <a:t>Atomicity</a:t>
-            </a:r>
-          </a:p>
-          <a:p>
-            <a:pPr lvl="1"/>
-            <a:r>
-              <a:rPr lang="en-US" dirty="0"/>
-              <a:t>Thought experiment</a:t>
-            </a:r>
-          </a:p>
-          <a:p>
-            <a:pPr lvl="2"/>
-            <a:r>
-              <a:rPr lang="en-US" dirty="0"/>
-              <a:t>What would SQL be like without a transaction log?</a:t>
-            </a:r>
-          </a:p>
-          <a:p>
-            <a:r>
-              <a:rPr lang="en-US" dirty="0"/>
-              <a:t>Secondary purposes</a:t>
-            </a:r>
-          </a:p>
-          <a:p>
-            <a:pPr lvl="1"/>
-            <a:r>
-              <a:rPr lang="en-US" dirty="0"/>
-              <a:t>Log reader (replication, CDC)</a:t>
-            </a:r>
-          </a:p>
-          <a:p>
-            <a:pPr lvl="1"/>
-            <a:r>
-              <a:rPr lang="en-US" dirty="0"/>
-              <a:t>Mirroring / Availability Groups / log shipping</a:t>
-            </a:r>
-          </a:p>
-          <a:p>
-            <a:pPr lvl="1"/>
-            <a:r>
-              <a:rPr lang="en-US" dirty="0"/>
-              <a:t>Snapshots</a:t>
+              <a:t>Purpose of the transaction log</a:t>
+            </a:r>
+          </a:p>
+          <a:p>
+            <a:r>
+              <a:rPr lang="en-US" dirty="0"/>
+              <a:t>Organization of the transaction log</a:t>
+            </a:r>
+          </a:p>
+          <a:p>
+            <a:r>
+              <a:rPr lang="en-US" dirty="0"/>
+              <a:t>Flushing &amp; clearing the log / checkpoints</a:t>
+            </a:r>
+          </a:p>
+          <a:p>
+            <a:r>
+              <a:rPr lang="en-US" dirty="0"/>
+              <a:t>Rollback operations</a:t>
+            </a:r>
+          </a:p>
+          <a:p>
+            <a:r>
+              <a:rPr lang="en-US" dirty="0"/>
+              <a:t>VLF fragmentation</a:t>
+            </a:r>
+          </a:p>
+          <a:p>
+            <a:r>
+              <a:rPr lang="en-US" dirty="0"/>
+              <a:t>Log monitoring</a:t>
             </a:r>
           </a:p>
         </p:txBody>
@@ -10605,7 +10812,7 @@
     </p:spTree>
     <p:extLst>
       <p:ext uri="{BB962C8B-B14F-4D97-AF65-F5344CB8AC3E}">
-        <p14:creationId xmlns:p14="http://schemas.microsoft.com/office/powerpoint/2010/main" val="1146920383"/>
+        <p14:creationId xmlns:p14="http://schemas.microsoft.com/office/powerpoint/2010/main" val="1097259878"/>
       </p:ext>
     </p:extLst>
   </p:cSld>
@@ -10664,63 +10871,63 @@
             <p:ph idx="1"/>
           </p:nvPr>
         </p:nvSpPr>
-        <p:spPr>
-          <a:xfrm>
-            <a:off x="4352544" y="1600200"/>
-            <a:ext cx="4334256" cy="4525963"/>
-          </a:xfrm>
-        </p:spPr>
+        <p:spPr/>
         <p:txBody>
           <a:bodyPr/>
           <a:lstStyle/>
           <a:p>
             <a:r>
               <a:rPr lang="en-US" dirty="0"/>
-              <a:t>Log records form a reverse linked list of operations within a transaction.</a:t>
-            </a:r>
-          </a:p>
-          <a:p>
-            <a:r>
-              <a:rPr lang="en-US" dirty="0"/>
-              <a:t>Let’s suppose the yellow transaction needs to roll back.</a:t>
-            </a:r>
-          </a:p>
-          <a:p>
-            <a:r>
-              <a:rPr lang="en-US" dirty="0"/>
-              <a:t>The first record is for “begin transaction.”</a:t>
-            </a:r>
-          </a:p>
-        </p:txBody>
-      </p:sp>
-      <p:pic>
-        <p:nvPicPr>
-          <p:cNvPr id="4" name="Picture 3"/>
-          <p:cNvPicPr>
-            <a:picLocks noChangeAspect="1"/>
-          </p:cNvPicPr>
-          <p:nvPr/>
-        </p:nvPicPr>
-        <p:blipFill>
-          <a:blip r:embed="rId2"/>
-          <a:stretch>
-            <a:fillRect/>
-          </a:stretch>
-        </p:blipFill>
-        <p:spPr>
-          <a:xfrm>
-            <a:off x="457202" y="1533525"/>
-            <a:ext cx="3974552" cy="2913062"/>
-          </a:xfrm>
-          <a:prstGeom prst="rect">
-            <a:avLst/>
-          </a:prstGeom>
-        </p:spPr>
-      </p:pic>
+              <a:t>When a transaction cannot complete, it must rollback</a:t>
+            </a:r>
+          </a:p>
+          <a:p>
+            <a:pPr lvl="1"/>
+            <a:r>
+              <a:rPr lang="en-US" dirty="0"/>
+              <a:t>ROLLBACK TRANSACTION command</a:t>
+            </a:r>
+          </a:p>
+          <a:p>
+            <a:pPr lvl="1"/>
+            <a:r>
+              <a:rPr lang="en-US" dirty="0"/>
+              <a:t>Connection is abandoned</a:t>
+            </a:r>
+          </a:p>
+          <a:p>
+            <a:pPr lvl="2"/>
+            <a:r>
+              <a:rPr lang="en-US" dirty="0"/>
+              <a:t>Network failure, KILL, severe errors, client crash</a:t>
+            </a:r>
+          </a:p>
+          <a:p>
+            <a:pPr lvl="1"/>
+            <a:r>
+              <a:rPr lang="en-US" dirty="0"/>
+              <a:t>Non-graceful shutdown of SQL (crash recovery)</a:t>
+            </a:r>
+          </a:p>
+          <a:p>
+            <a:pPr lvl="1"/>
+            <a:r>
+              <a:rPr lang="en-US" dirty="0"/>
+              <a:t>Restore operations</a:t>
+            </a:r>
+          </a:p>
+          <a:p>
+            <a:r>
+              <a:rPr lang="en-US" dirty="0"/>
+              <a:t>Rollback operations are single-threaded</a:t>
+            </a:r>
+          </a:p>
+        </p:txBody>
+      </p:sp>
     </p:spTree>
     <p:extLst>
       <p:ext uri="{BB962C8B-B14F-4D97-AF65-F5344CB8AC3E}">
-        <p14:creationId xmlns:p14="http://schemas.microsoft.com/office/powerpoint/2010/main" val="2549905237"/>
+        <p14:creationId xmlns:p14="http://schemas.microsoft.com/office/powerpoint/2010/main" val="2736551440"/>
       </p:ext>
     </p:extLst>
   </p:cSld>
@@ -10791,13 +10998,19 @@
           <a:p>
             <a:r>
               <a:rPr lang="en-US" dirty="0"/>
-              <a:t>SQL Server finds the last log record for the transaction.</a:t>
-            </a:r>
-          </a:p>
-          <a:p>
-            <a:r>
-              <a:rPr lang="en-US" dirty="0"/>
-              <a:t>SQL reverses the operation in the buffer pool.</a:t>
+              <a:t>Log records form a reverse linked list of operations within a transaction.</a:t>
+            </a:r>
+          </a:p>
+          <a:p>
+            <a:r>
+              <a:rPr lang="en-US" dirty="0"/>
+              <a:t>Let’s suppose the yellow transaction needs to roll back.</a:t>
+            </a:r>
+          </a:p>
+          <a:p>
+            <a:r>
+              <a:rPr lang="en-US" dirty="0"/>
+              <a:t>The first record is for “begin transaction.”</a:t>
             </a:r>
           </a:p>
         </p:txBody>
@@ -10829,7 +11042,7 @@
     </p:spTree>
     <p:extLst>
       <p:ext uri="{BB962C8B-B14F-4D97-AF65-F5344CB8AC3E}">
-        <p14:creationId xmlns:p14="http://schemas.microsoft.com/office/powerpoint/2010/main" val="2411669164"/>
+        <p14:creationId xmlns:p14="http://schemas.microsoft.com/office/powerpoint/2010/main" val="2549905237"/>
       </p:ext>
     </p:extLst>
   </p:cSld>
@@ -10900,20 +11113,20 @@
           <a:p>
             <a:r>
               <a:rPr lang="en-US" dirty="0"/>
-              <a:t>Creates a new log record indicating that the operation was undone. This is called a “Compensation” record.</a:t>
-            </a:r>
-          </a:p>
-          <a:p>
-            <a:r>
-              <a:rPr lang="en-US" dirty="0"/>
-              <a:t>This record then points back to the second-to-last record.</a:t>
+              <a:t>SQL Server finds the last log record for the transaction.</a:t>
+            </a:r>
+          </a:p>
+          <a:p>
+            <a:r>
+              <a:rPr lang="en-US" dirty="0"/>
+              <a:t>SQL reverses the operation in the buffer pool.</a:t>
             </a:r>
           </a:p>
         </p:txBody>
       </p:sp>
       <p:pic>
         <p:nvPicPr>
-          <p:cNvPr id="5" name="Picture 4"/>
+          <p:cNvPr id="4" name="Picture 3"/>
           <p:cNvPicPr>
             <a:picLocks noChangeAspect="1"/>
           </p:cNvPicPr>
@@ -10927,8 +11140,8 @@
         </p:blipFill>
         <p:spPr>
           <a:xfrm>
-            <a:off x="457200" y="1536192"/>
-            <a:ext cx="3977640" cy="3240668"/>
+            <a:off x="457202" y="1533525"/>
+            <a:ext cx="3974552" cy="2913062"/>
           </a:xfrm>
           <a:prstGeom prst="rect">
             <a:avLst/>
@@ -10938,7 +11151,7 @@
     </p:spTree>
     <p:extLst>
       <p:ext uri="{BB962C8B-B14F-4D97-AF65-F5344CB8AC3E}">
-        <p14:creationId xmlns:p14="http://schemas.microsoft.com/office/powerpoint/2010/main" val="1776291973"/>
+        <p14:creationId xmlns:p14="http://schemas.microsoft.com/office/powerpoint/2010/main" val="2411669164"/>
       </p:ext>
     </p:extLst>
   </p:cSld>
@@ -11009,14 +11222,20 @@
           <a:p>
             <a:r>
               <a:rPr lang="en-US" dirty="0"/>
-              <a:t>The second to last operation is undone, and a compensation record is written that points back to the first record (the “begin transaction”).</a:t>
+              <a:t>Creates a new log record indicating that the operation was undone. This is called a “Compensation” record.</a:t>
+            </a:r>
+          </a:p>
+          <a:p>
+            <a:r>
+              <a:rPr lang="en-US" dirty="0"/>
+              <a:t>This record then points back to the second-to-last record.</a:t>
             </a:r>
           </a:p>
         </p:txBody>
       </p:sp>
       <p:pic>
         <p:nvPicPr>
-          <p:cNvPr id="4" name="Picture 3"/>
+          <p:cNvPr id="5" name="Picture 4"/>
           <p:cNvPicPr>
             <a:picLocks noChangeAspect="1"/>
           </p:cNvPicPr>
@@ -11031,7 +11250,7 @@
         <p:spPr>
           <a:xfrm>
             <a:off x="457200" y="1536192"/>
-            <a:ext cx="3977640" cy="3498622"/>
+            <a:ext cx="3977640" cy="3240668"/>
           </a:xfrm>
           <a:prstGeom prst="rect">
             <a:avLst/>
@@ -11041,7 +11260,7 @@
     </p:spTree>
     <p:extLst>
       <p:ext uri="{BB962C8B-B14F-4D97-AF65-F5344CB8AC3E}">
-        <p14:creationId xmlns:p14="http://schemas.microsoft.com/office/powerpoint/2010/main" val="2538862798"/>
+        <p14:creationId xmlns:p14="http://schemas.microsoft.com/office/powerpoint/2010/main" val="1776291973"/>
       </p:ext>
     </p:extLst>
   </p:cSld>
@@ -11112,14 +11331,14 @@
           <a:p>
             <a:r>
               <a:rPr lang="en-US" dirty="0"/>
-              <a:t>Finally, an “abort transaction” log record is written.  It also points back to the “begin transaction” record.</a:t>
+              <a:t>The second to last operation is undone, and a compensation record is written that points back to the first record (the “begin transaction”).</a:t>
             </a:r>
           </a:p>
         </p:txBody>
       </p:sp>
       <p:pic>
         <p:nvPicPr>
-          <p:cNvPr id="5" name="Picture 4"/>
+          <p:cNvPr id="4" name="Picture 3"/>
           <p:cNvPicPr>
             <a:picLocks noChangeAspect="1"/>
           </p:cNvPicPr>
@@ -11134,7 +11353,7 @@
         <p:spPr>
           <a:xfrm>
             <a:off x="457200" y="1536192"/>
-            <a:ext cx="3977640" cy="3684806"/>
+            <a:ext cx="3977640" cy="3498622"/>
           </a:xfrm>
           <a:prstGeom prst="rect">
             <a:avLst/>
@@ -11144,7 +11363,7 @@
     </p:spTree>
     <p:extLst>
       <p:ext uri="{BB962C8B-B14F-4D97-AF65-F5344CB8AC3E}">
-        <p14:creationId xmlns:p14="http://schemas.microsoft.com/office/powerpoint/2010/main" val="2967546195"/>
+        <p14:creationId xmlns:p14="http://schemas.microsoft.com/office/powerpoint/2010/main" val="2538862798"/>
       </p:ext>
     </p:extLst>
   </p:cSld>
@@ -11203,36 +11422,51 @@
             <p:ph idx="1"/>
           </p:nvPr>
         </p:nvSpPr>
-        <p:spPr/>
+        <p:spPr>
+          <a:xfrm>
+            <a:off x="4352544" y="1600200"/>
+            <a:ext cx="4334256" cy="4525963"/>
+          </a:xfrm>
+        </p:spPr>
         <p:txBody>
           <a:bodyPr/>
           <a:lstStyle/>
           <a:p>
             <a:r>
               <a:rPr lang="en-US" dirty="0"/>
-              <a:t>Key takeaways:</a:t>
-            </a:r>
-          </a:p>
-          <a:p>
-            <a:pPr lvl="1"/>
-            <a:r>
-              <a:rPr lang="en-US" dirty="0"/>
-              <a:t>Rollback operations generate log records</a:t>
-            </a:r>
-          </a:p>
-          <a:p>
-            <a:pPr lvl="1"/>
-            <a:r>
-              <a:rPr lang="en-US" dirty="0"/>
-              <a:t>As the initial operations are performed, SQL Server will “reserve” log space to ensure that a rollback is possible.</a:t>
-            </a:r>
-          </a:p>
-        </p:txBody>
-      </p:sp>
+              <a:t>Finally, an “abort transaction” log record is written.  It also points back to the “begin transaction” record.</a:t>
+            </a:r>
+          </a:p>
+        </p:txBody>
+      </p:sp>
+      <p:pic>
+        <p:nvPicPr>
+          <p:cNvPr id="5" name="Picture 4"/>
+          <p:cNvPicPr>
+            <a:picLocks noChangeAspect="1"/>
+          </p:cNvPicPr>
+          <p:nvPr/>
+        </p:nvPicPr>
+        <p:blipFill>
+          <a:blip r:embed="rId2"/>
+          <a:stretch>
+            <a:fillRect/>
+          </a:stretch>
+        </p:blipFill>
+        <p:spPr>
+          <a:xfrm>
+            <a:off x="457200" y="1536192"/>
+            <a:ext cx="3977640" cy="3684806"/>
+          </a:xfrm>
+          <a:prstGeom prst="rect">
+            <a:avLst/>
+          </a:prstGeom>
+        </p:spPr>
+      </p:pic>
     </p:spTree>
     <p:extLst>
       <p:ext uri="{BB962C8B-B14F-4D97-AF65-F5344CB8AC3E}">
-        <p14:creationId xmlns:p14="http://schemas.microsoft.com/office/powerpoint/2010/main" val="3280018847"/>
+        <p14:creationId xmlns:p14="http://schemas.microsoft.com/office/powerpoint/2010/main" val="2967546195"/>
       </p:ext>
     </p:extLst>
   </p:cSld>
@@ -11276,7 +11510,7 @@
           <a:p>
             <a:r>
               <a:rPr lang="en-US" dirty="0"/>
-              <a:t>Demo</a:t>
+              <a:t>Rolling Back a Transaction</a:t>
             </a:r>
           </a:p>
         </p:txBody>
@@ -11296,44 +11530,31 @@
           <a:bodyPr/>
           <a:lstStyle/>
           <a:p>
-            <a:pPr marL="0" indent="0">
-              <a:buNone/>
-            </a:pPr>
-            <a:r>
-              <a:rPr lang="en-US" dirty="0"/>
-              <a:t>Rollback operations</a:t>
-            </a:r>
-          </a:p>
-        </p:txBody>
-      </p:sp>
-      <p:pic>
-        <p:nvPicPr>
-          <p:cNvPr id="4" name="Picture 3"/>
-          <p:cNvPicPr>
-            <a:picLocks noChangeAspect="1"/>
-          </p:cNvPicPr>
-          <p:nvPr/>
-        </p:nvPicPr>
-        <p:blipFill>
-          <a:blip r:embed="rId2"/>
-          <a:stretch>
-            <a:fillRect/>
-          </a:stretch>
-        </p:blipFill>
-        <p:spPr>
-          <a:xfrm>
-            <a:off x="763071" y="1653000"/>
-            <a:ext cx="7617858" cy="3552000"/>
-          </a:xfrm>
-          <a:prstGeom prst="rect">
-            <a:avLst/>
-          </a:prstGeom>
-        </p:spPr>
-      </p:pic>
+            <a:r>
+              <a:rPr lang="en-US" dirty="0"/>
+              <a:t>Key takeaways:</a:t>
+            </a:r>
+          </a:p>
+          <a:p>
+            <a:pPr lvl="1"/>
+            <a:r>
+              <a:rPr lang="en-US" dirty="0"/>
+              <a:t>Rollback operations generate log records</a:t>
+            </a:r>
+          </a:p>
+          <a:p>
+            <a:pPr lvl="1"/>
+            <a:r>
+              <a:rPr lang="en-US" dirty="0"/>
+              <a:t>As the initial operations are performed, SQL Server will “reserve” log space to ensure that a rollback is possible.</a:t>
+            </a:r>
+          </a:p>
+        </p:txBody>
+      </p:sp>
     </p:spTree>
     <p:extLst>
       <p:ext uri="{BB962C8B-B14F-4D97-AF65-F5344CB8AC3E}">
-        <p14:creationId xmlns:p14="http://schemas.microsoft.com/office/powerpoint/2010/main" val="2592620329"/>
+        <p14:creationId xmlns:p14="http://schemas.microsoft.com/office/powerpoint/2010/main" val="3280018847"/>
       </p:ext>
     </p:extLst>
   </p:cSld>
@@ -11377,6 +11598,107 @@
           <a:p>
             <a:r>
               <a:rPr lang="en-US" dirty="0"/>
+              <a:t>Demo</a:t>
+            </a:r>
+          </a:p>
+        </p:txBody>
+      </p:sp>
+      <p:sp>
+        <p:nvSpPr>
+          <p:cNvPr id="3" name="Content Placeholder 2"/>
+          <p:cNvSpPr>
+            <a:spLocks noGrp="1"/>
+          </p:cNvSpPr>
+          <p:nvPr>
+            <p:ph idx="1"/>
+          </p:nvPr>
+        </p:nvSpPr>
+        <p:spPr/>
+        <p:txBody>
+          <a:bodyPr/>
+          <a:lstStyle/>
+          <a:p>
+            <a:pPr marL="0" indent="0">
+              <a:buNone/>
+            </a:pPr>
+            <a:r>
+              <a:rPr lang="en-US" dirty="0"/>
+              <a:t>Rollback operations</a:t>
+            </a:r>
+          </a:p>
+        </p:txBody>
+      </p:sp>
+      <p:pic>
+        <p:nvPicPr>
+          <p:cNvPr id="4" name="Picture 3"/>
+          <p:cNvPicPr>
+            <a:picLocks noChangeAspect="1"/>
+          </p:cNvPicPr>
+          <p:nvPr/>
+        </p:nvPicPr>
+        <p:blipFill>
+          <a:blip r:embed="rId2"/>
+          <a:stretch>
+            <a:fillRect/>
+          </a:stretch>
+        </p:blipFill>
+        <p:spPr>
+          <a:xfrm>
+            <a:off x="763071" y="1653000"/>
+            <a:ext cx="7617858" cy="3552000"/>
+          </a:xfrm>
+          <a:prstGeom prst="rect">
+            <a:avLst/>
+          </a:prstGeom>
+        </p:spPr>
+      </p:pic>
+    </p:spTree>
+    <p:extLst>
+      <p:ext uri="{BB962C8B-B14F-4D97-AF65-F5344CB8AC3E}">
+        <p14:creationId xmlns:p14="http://schemas.microsoft.com/office/powerpoint/2010/main" val="2592620329"/>
+      </p:ext>
+    </p:extLst>
+  </p:cSld>
+  <p:clrMapOvr>
+    <a:masterClrMapping/>
+  </p:clrMapOvr>
+</p:sld>
+</file>
+
+<file path=ppt/slides/slide48.xml><?xml version="1.0" encoding="utf-8"?>
+<p:sld xmlns:a="http://schemas.openxmlformats.org/drawingml/2006/main" xmlns:r="http://schemas.openxmlformats.org/officeDocument/2006/relationships" xmlns:p="http://schemas.openxmlformats.org/presentationml/2006/main">
+  <p:cSld>
+    <p:spTree>
+      <p:nvGrpSpPr>
+        <p:cNvPr id="1" name=""/>
+        <p:cNvGrpSpPr/>
+        <p:nvPr/>
+      </p:nvGrpSpPr>
+      <p:grpSpPr>
+        <a:xfrm>
+          <a:off x="0" y="0"/>
+          <a:ext cx="0" cy="0"/>
+          <a:chOff x="0" y="0"/>
+          <a:chExt cx="0" cy="0"/>
+        </a:xfrm>
+      </p:grpSpPr>
+      <p:sp>
+        <p:nvSpPr>
+          <p:cNvPr id="2" name="Title 1"/>
+          <p:cNvSpPr>
+            <a:spLocks noGrp="1"/>
+          </p:cNvSpPr>
+          <p:nvPr>
+            <p:ph type="title"/>
+          </p:nvPr>
+        </p:nvSpPr>
+        <p:spPr/>
+        <p:txBody>
+          <a:bodyPr/>
+          <a:lstStyle/>
+          <a:p>
+            <a:r>
+              <a:rPr lang="en-US" dirty="0"/>
               <a:t>Creating new VLFs</a:t>
             </a:r>
           </a:p>
@@ -11442,14 +11764,14 @@
                 <a:gridCol w="3048000">
                   <a:extLst>
                     <a:ext uri="{9D8B030D-6E8A-4147-A177-3AD203B41FA5}">
-                      <a16:colId xmlns:a16="http://schemas.microsoft.com/office/drawing/2014/main" xmlns="" val="20000"/>
+                      <a16:colId xmlns="" xmlns:a16="http://schemas.microsoft.com/office/drawing/2014/main" val="20000"/>
                     </a:ext>
                   </a:extLst>
                 </a:gridCol>
                 <a:gridCol w="3048000">
                   <a:extLst>
                     <a:ext uri="{9D8B030D-6E8A-4147-A177-3AD203B41FA5}">
-                      <a16:colId xmlns:a16="http://schemas.microsoft.com/office/drawing/2014/main" xmlns="" val="20001"/>
+                      <a16:colId xmlns="" xmlns:a16="http://schemas.microsoft.com/office/drawing/2014/main" val="20001"/>
                     </a:ext>
                   </a:extLst>
                 </a:gridCol>
@@ -11495,7 +11817,7 @@
                 </a:tc>
                 <a:extLst>
                   <a:ext uri="{0D108BD9-81ED-4DB2-BD59-A6C34878D82A}">
-                    <a16:rowId xmlns:a16="http://schemas.microsoft.com/office/drawing/2014/main" xmlns="" val="10000"/>
+                    <a16:rowId xmlns="" xmlns:a16="http://schemas.microsoft.com/office/drawing/2014/main" val="10000"/>
                   </a:ext>
                 </a:extLst>
               </a:tr>
@@ -11530,7 +11852,7 @@
                 </a:tc>
                 <a:extLst>
                   <a:ext uri="{0D108BD9-81ED-4DB2-BD59-A6C34878D82A}">
-                    <a16:rowId xmlns:a16="http://schemas.microsoft.com/office/drawing/2014/main" xmlns="" val="10001"/>
+                    <a16:rowId xmlns="" xmlns:a16="http://schemas.microsoft.com/office/drawing/2014/main" val="10001"/>
                   </a:ext>
                 </a:extLst>
               </a:tr>
@@ -11565,7 +11887,7 @@
                 </a:tc>
                 <a:extLst>
                   <a:ext uri="{0D108BD9-81ED-4DB2-BD59-A6C34878D82A}">
-                    <a16:rowId xmlns:a16="http://schemas.microsoft.com/office/drawing/2014/main" xmlns="" val="10002"/>
+                    <a16:rowId xmlns="" xmlns:a16="http://schemas.microsoft.com/office/drawing/2014/main" val="10002"/>
                   </a:ext>
                 </a:extLst>
               </a:tr>
@@ -11605,7 +11927,7 @@
                 </a:tc>
                 <a:extLst>
                   <a:ext uri="{0D108BD9-81ED-4DB2-BD59-A6C34878D82A}">
-                    <a16:rowId xmlns:a16="http://schemas.microsoft.com/office/drawing/2014/main" xmlns="" val="10003"/>
+                    <a16:rowId xmlns="" xmlns:a16="http://schemas.microsoft.com/office/drawing/2014/main" val="10003"/>
                   </a:ext>
                 </a:extLst>
               </a:tr>
@@ -11798,124 +12120,6 @@
     <p:extLst>
       <p:ext uri="{BB962C8B-B14F-4D97-AF65-F5344CB8AC3E}">
         <p14:creationId xmlns:p14="http://schemas.microsoft.com/office/powerpoint/2010/main" val="3274095779"/>
-      </p:ext>
-    </p:extLst>
-  </p:cSld>
-  <p:clrMapOvr>
-    <a:masterClrMapping/>
-  </p:clrMapOvr>
-</p:sld>
-</file>
-
-<file path=ppt/slides/slide48.xml><?xml version="1.0" encoding="utf-8"?>
-<p:sld xmlns:a="http://schemas.openxmlformats.org/drawingml/2006/main" xmlns:r="http://schemas.openxmlformats.org/officeDocument/2006/relationships" xmlns:p="http://schemas.openxmlformats.org/presentationml/2006/main">
-  <p:cSld>
-    <p:spTree>
-      <p:nvGrpSpPr>
-        <p:cNvPr id="1" name=""/>
-        <p:cNvGrpSpPr/>
-        <p:nvPr/>
-      </p:nvGrpSpPr>
-      <p:grpSpPr>
-        <a:xfrm>
-          <a:off x="0" y="0"/>
-          <a:ext cx="0" cy="0"/>
-          <a:chOff x="0" y="0"/>
-          <a:chExt cx="0" cy="0"/>
-        </a:xfrm>
-      </p:grpSpPr>
-      <p:sp>
-        <p:nvSpPr>
-          <p:cNvPr id="2" name="Title 1"/>
-          <p:cNvSpPr>
-            <a:spLocks noGrp="1"/>
-          </p:cNvSpPr>
-          <p:nvPr>
-            <p:ph type="title"/>
-          </p:nvPr>
-        </p:nvSpPr>
-        <p:spPr/>
-        <p:txBody>
-          <a:bodyPr/>
-          <a:lstStyle/>
-          <a:p>
-            <a:r>
-              <a:rPr lang="en-US" dirty="0"/>
-              <a:t>VLF Trade-Offs</a:t>
-            </a:r>
-          </a:p>
-        </p:txBody>
-      </p:sp>
-      <p:sp>
-        <p:nvSpPr>
-          <p:cNvPr id="3" name="Content Placeholder 2"/>
-          <p:cNvSpPr>
-            <a:spLocks noGrp="1"/>
-          </p:cNvSpPr>
-          <p:nvPr>
-            <p:ph idx="1"/>
-          </p:nvPr>
-        </p:nvSpPr>
-        <p:spPr/>
-        <p:txBody>
-          <a:bodyPr>
-            <a:normAutofit lnSpcReduction="10000"/>
-          </a:bodyPr>
-          <a:lstStyle/>
-          <a:p>
-            <a:r>
-              <a:rPr lang="en-US" dirty="0"/>
-              <a:t>Too many VLFs create performance problems (“VLF Fragmentation”)</a:t>
-            </a:r>
-          </a:p>
-          <a:p>
-            <a:pPr lvl="1"/>
-            <a:r>
-              <a:rPr lang="en-US" dirty="0"/>
-              <a:t>Slows noticeably any time log is read</a:t>
-            </a:r>
-          </a:p>
-          <a:p>
-            <a:pPr lvl="2"/>
-            <a:r>
-              <a:rPr lang="en-US" dirty="0"/>
-              <a:t>Start-up time for database, log reader, backup &amp; restore, etc.</a:t>
-            </a:r>
-          </a:p>
-          <a:p>
-            <a:pPr lvl="1"/>
-            <a:r>
-              <a:rPr lang="en-US" dirty="0"/>
-              <a:t>But smaller VLFs are faster to allocate (zero-</a:t>
-            </a:r>
-            <a:r>
-              <a:rPr lang="en-US" dirty="0" err="1"/>
-              <a:t>init</a:t>
-            </a:r>
-            <a:r>
-              <a:rPr lang="en-US" dirty="0"/>
-              <a:t>)</a:t>
-            </a:r>
-          </a:p>
-          <a:p>
-            <a:r>
-              <a:rPr lang="en-US" dirty="0"/>
-              <a:t>Too few VLFs also create performance problems</a:t>
-            </a:r>
-          </a:p>
-          <a:p>
-            <a:pPr lvl="1"/>
-            <a:r>
-              <a:rPr lang="en-US" dirty="0"/>
-              <a:t>Clearing the log, especially when long-running transactions are happening</a:t>
-            </a:r>
-          </a:p>
-        </p:txBody>
-      </p:sp>
-    </p:spTree>
-    <p:extLst>
-      <p:ext uri="{BB962C8B-B14F-4D97-AF65-F5344CB8AC3E}">
-        <p14:creationId xmlns:p14="http://schemas.microsoft.com/office/powerpoint/2010/main" val="2035035367"/>
       </p:ext>
     </p:extLst>
   </p:cSld>
@@ -11959,7 +12163,7 @@
           <a:p>
             <a:r>
               <a:rPr lang="en-US" dirty="0"/>
-              <a:t>Pre-Allocating the Log</a:t>
+              <a:t>VLF Trade-Offs</a:t>
             </a:r>
           </a:p>
         </p:txBody>
@@ -11976,66 +12180,64 @@
         </p:nvSpPr>
         <p:spPr/>
         <p:txBody>
-          <a:bodyPr/>
+          <a:bodyPr>
+            <a:normAutofit lnSpcReduction="10000"/>
+          </a:bodyPr>
           <a:lstStyle/>
           <a:p>
             <a:r>
               <a:rPr lang="en-US" dirty="0"/>
-              <a:t>Why?</a:t>
+              <a:t>Too many VLFs create performance problems (“VLF Fragmentation”)</a:t>
             </a:r>
           </a:p>
           <a:p>
             <a:pPr lvl="1"/>
             <a:r>
               <a:rPr lang="en-US" dirty="0"/>
-              <a:t>Eliminate VLF fragmentation</a:t>
+              <a:t>Slows noticeably any time log is read</a:t>
+            </a:r>
+          </a:p>
+          <a:p>
+            <a:pPr lvl="2"/>
+            <a:r>
+              <a:rPr lang="en-US" dirty="0"/>
+              <a:t>Start-up time for database, log reader, backup &amp; restore, etc.</a:t>
             </a:r>
           </a:p>
           <a:p>
             <a:pPr lvl="1"/>
             <a:r>
               <a:rPr lang="en-US" dirty="0"/>
-              <a:t>Avoid log growth during user operations</a:t>
-            </a:r>
-          </a:p>
-          <a:p>
-            <a:pPr lvl="2"/>
-            <a:r>
-              <a:rPr lang="en-US" dirty="0"/>
-              <a:t>Can be time-consuming due to zero-initialization</a:t>
-            </a:r>
-          </a:p>
-          <a:p>
-            <a:r>
-              <a:rPr lang="en-US" dirty="0"/>
-              <a:t>However, plan for auto-growth</a:t>
+              <a:t>But smaller VLFs are faster to allocate (zero-</a:t>
+            </a:r>
+            <a:r>
+              <a:rPr lang="en-US" dirty="0" err="1"/>
+              <a:t>init</a:t>
+            </a:r>
+            <a:r>
+              <a:rPr lang="en-US" dirty="0"/>
+              <a:t>)</a:t>
+            </a:r>
+          </a:p>
+          <a:p>
+            <a:r>
+              <a:rPr lang="en-US" dirty="0"/>
+              <a:t>Too few VLFs also create performance problems</a:t>
             </a:r>
           </a:p>
           <a:p>
             <a:pPr lvl="1"/>
             <a:r>
               <a:rPr lang="en-US" dirty="0"/>
-              <a:t>Set reasonable auto-growth parameters</a:t>
-            </a:r>
-          </a:p>
-          <a:p>
-            <a:pPr lvl="1"/>
-            <a:r>
-              <a:rPr lang="en-US" dirty="0"/>
-              <a:t>Fixed growth amount, </a:t>
-            </a:r>
-            <a:r>
-              <a:rPr lang="en-US"/>
-              <a:t>not percentage</a:t>
-            </a:r>
-            <a:endParaRPr lang="en-US" dirty="0"/>
+              <a:t>Clearing the log, especially when long-running transactions are happening</a:t>
+            </a:r>
           </a:p>
         </p:txBody>
       </p:sp>
     </p:spTree>
     <p:extLst>
       <p:ext uri="{BB962C8B-B14F-4D97-AF65-F5344CB8AC3E}">
-        <p14:creationId xmlns:p14="http://schemas.microsoft.com/office/powerpoint/2010/main" val="1170893381"/>
+        <p14:creationId xmlns:p14="http://schemas.microsoft.com/office/powerpoint/2010/main" val="2035035367"/>
       </p:ext>
     </p:extLst>
   </p:cSld>
@@ -12079,7 +12281,7 @@
           <a:p>
             <a:r>
               <a:rPr lang="en-US" dirty="0"/>
-              <a:t>What Goes in the Transaction Log?</a:t>
+              <a:t>Purpose of the Transaction Log</a:t>
             </a:r>
           </a:p>
         </p:txBody>
@@ -12096,68 +12298,83 @@
         </p:nvSpPr>
         <p:spPr/>
         <p:txBody>
-          <a:bodyPr/>
+          <a:bodyPr>
+            <a:normAutofit fontScale="92500" lnSpcReduction="10000"/>
+          </a:bodyPr>
           <a:lstStyle/>
           <a:p>
             <a:r>
-              <a:rPr lang="en-US" u="sng" dirty="0"/>
-              <a:t>Everything</a:t>
-            </a:r>
-            <a:r>
-              <a:rPr lang="en-US" dirty="0"/>
-              <a:t> that modifies the state </a:t>
-            </a:r>
-            <a:r>
-              <a:rPr lang="en-US" u="sng" dirty="0"/>
-              <a:t>any</a:t>
-            </a:r>
-            <a:r>
-              <a:rPr lang="en-US" dirty="0"/>
-              <a:t> database in SQL</a:t>
+              <a:rPr lang="en-US" dirty="0"/>
+              <a:t>Primary purposes</a:t>
             </a:r>
           </a:p>
           <a:p>
             <a:pPr lvl="1"/>
             <a:r>
               <a:rPr lang="en-US" dirty="0"/>
-              <a:t>Includes data to </a:t>
-            </a:r>
-            <a:r>
-              <a:rPr lang="en-US" b="1" dirty="0"/>
-              <a:t>redo</a:t>
-            </a:r>
-            <a:r>
-              <a:rPr lang="en-US" dirty="0"/>
-              <a:t> an operation</a:t>
+              <a:t>Durability</a:t>
+            </a:r>
+          </a:p>
+          <a:p>
+            <a:pPr lvl="2"/>
+            <a:r>
+              <a:rPr lang="en-US" dirty="0"/>
+              <a:t>Write-ahead logging</a:t>
+            </a:r>
+          </a:p>
+          <a:p>
+            <a:pPr lvl="2"/>
+            <a:r>
+              <a:rPr lang="en-US" dirty="0"/>
+              <a:t>Crash recovery / restore operations</a:t>
             </a:r>
           </a:p>
           <a:p>
             <a:pPr lvl="1"/>
             <a:r>
               <a:rPr lang="en-US" dirty="0"/>
-              <a:t>Includes data to </a:t>
-            </a:r>
-            <a:r>
-              <a:rPr lang="en-US" b="1" dirty="0"/>
-              <a:t>undo</a:t>
-            </a:r>
-            <a:r>
-              <a:rPr lang="en-US" dirty="0"/>
-              <a:t> an operation</a:t>
-            </a:r>
-          </a:p>
-          <a:p>
-            <a:r>
-              <a:rPr lang="en-US" sz="2400" dirty="0"/>
-              <a:t>Very limited exceptions for some </a:t>
-            </a:r>
-            <a:r>
-              <a:rPr lang="en-US" sz="2400" dirty="0" err="1"/>
-              <a:t>tempdb</a:t>
-            </a:r>
-            <a:r>
-              <a:rPr lang="en-US" sz="2400" dirty="0"/>
-              <a:t> operations</a:t>
+              <a:t>Atomicity</a:t>
+            </a:r>
+          </a:p>
+          <a:p>
+            <a:pPr lvl="1"/>
+            <a:r>
+              <a:rPr lang="en-US" dirty="0"/>
+              <a:t>Thought experiment</a:t>
+            </a:r>
+          </a:p>
+          <a:p>
+            <a:pPr lvl="2"/>
+            <a:r>
+              <a:rPr lang="en-US" dirty="0"/>
+              <a:t>What would SQL be like without a transaction log?</a:t>
+            </a:r>
+          </a:p>
+          <a:p>
+            <a:r>
+              <a:rPr lang="en-US" dirty="0"/>
+              <a:t>Secondary purposes</a:t>
+            </a:r>
+          </a:p>
+          <a:p>
+            <a:pPr lvl="1"/>
+            <a:r>
+              <a:rPr lang="en-US" dirty="0"/>
+              <a:t>Log reader (replication, CDC)</a:t>
+            </a:r>
+          </a:p>
+          <a:p>
+            <a:pPr lvl="1"/>
+            <a:r>
+              <a:rPr lang="en-US" dirty="0"/>
+              <a:t>Mirroring / Availability Groups / log shipping</a:t>
+            </a:r>
+          </a:p>
+          <a:p>
+            <a:pPr lvl="1"/>
+            <a:r>
+              <a:rPr lang="en-US" dirty="0"/>
+              <a:t>Snapshots</a:t>
             </a:r>
           </a:p>
         </p:txBody>
@@ -12165,7 +12382,7 @@
     </p:spTree>
     <p:extLst>
       <p:ext uri="{BB962C8B-B14F-4D97-AF65-F5344CB8AC3E}">
-        <p14:creationId xmlns:p14="http://schemas.microsoft.com/office/powerpoint/2010/main" val="1907664427"/>
+        <p14:creationId xmlns:p14="http://schemas.microsoft.com/office/powerpoint/2010/main" val="1146920383"/>
       </p:ext>
     </p:extLst>
   </p:cSld>
@@ -12209,7 +12426,7 @@
           <a:p>
             <a:r>
               <a:rPr lang="en-US" dirty="0"/>
-              <a:t>Demo</a:t>
+              <a:t>Pre-Allocating the Log</a:t>
             </a:r>
           </a:p>
         </p:txBody>
@@ -12229,44 +12446,63 @@
           <a:bodyPr/>
           <a:lstStyle/>
           <a:p>
-            <a:pPr marL="0" indent="0">
-              <a:buNone/>
-            </a:pPr>
-            <a:r>
-              <a:rPr lang="en-US" dirty="0"/>
-              <a:t>VLF Fragmentation</a:t>
-            </a:r>
-          </a:p>
-        </p:txBody>
-      </p:sp>
-      <p:pic>
-        <p:nvPicPr>
-          <p:cNvPr id="4" name="Picture 3"/>
-          <p:cNvPicPr>
-            <a:picLocks noChangeAspect="1"/>
-          </p:cNvPicPr>
-          <p:nvPr/>
-        </p:nvPicPr>
-        <p:blipFill>
-          <a:blip r:embed="rId2"/>
-          <a:stretch>
-            <a:fillRect/>
-          </a:stretch>
-        </p:blipFill>
-        <p:spPr>
-          <a:xfrm>
-            <a:off x="763071" y="1653000"/>
-            <a:ext cx="7617858" cy="3552000"/>
-          </a:xfrm>
-          <a:prstGeom prst="rect">
-            <a:avLst/>
-          </a:prstGeom>
-        </p:spPr>
-      </p:pic>
+            <a:r>
+              <a:rPr lang="en-US" dirty="0"/>
+              <a:t>Why?</a:t>
+            </a:r>
+          </a:p>
+          <a:p>
+            <a:pPr lvl="1"/>
+            <a:r>
+              <a:rPr lang="en-US" dirty="0"/>
+              <a:t>Eliminate VLF fragmentation</a:t>
+            </a:r>
+          </a:p>
+          <a:p>
+            <a:pPr lvl="1"/>
+            <a:r>
+              <a:rPr lang="en-US" dirty="0"/>
+              <a:t>Avoid log growth during user operations</a:t>
+            </a:r>
+          </a:p>
+          <a:p>
+            <a:pPr lvl="2"/>
+            <a:r>
+              <a:rPr lang="en-US" dirty="0"/>
+              <a:t>Can be time-consuming due to zero-initialization</a:t>
+            </a:r>
+          </a:p>
+          <a:p>
+            <a:r>
+              <a:rPr lang="en-US" dirty="0"/>
+              <a:t>However, plan for auto-growth</a:t>
+            </a:r>
+          </a:p>
+          <a:p>
+            <a:pPr lvl="1"/>
+            <a:r>
+              <a:rPr lang="en-US" dirty="0"/>
+              <a:t>Set reasonable auto-growth parameters</a:t>
+            </a:r>
+          </a:p>
+          <a:p>
+            <a:pPr lvl="1"/>
+            <a:r>
+              <a:rPr lang="en-US" dirty="0"/>
+              <a:t>Fixed growth amount, </a:t>
+            </a:r>
+            <a:r>
+              <a:rPr lang="en-US"/>
+              <a:t>not percentage</a:t>
+            </a:r>
+            <a:endParaRPr lang="en-US" dirty="0"/>
+          </a:p>
+        </p:txBody>
+      </p:sp>
     </p:spTree>
     <p:extLst>
       <p:ext uri="{BB962C8B-B14F-4D97-AF65-F5344CB8AC3E}">
-        <p14:creationId xmlns:p14="http://schemas.microsoft.com/office/powerpoint/2010/main" val="2679887936"/>
+        <p14:creationId xmlns:p14="http://schemas.microsoft.com/office/powerpoint/2010/main" val="1170893381"/>
       </p:ext>
     </p:extLst>
   </p:cSld>
@@ -12310,6 +12546,107 @@
           <a:p>
             <a:r>
               <a:rPr lang="en-US" dirty="0"/>
+              <a:t>Demo</a:t>
+            </a:r>
+          </a:p>
+        </p:txBody>
+      </p:sp>
+      <p:sp>
+        <p:nvSpPr>
+          <p:cNvPr id="3" name="Content Placeholder 2"/>
+          <p:cNvSpPr>
+            <a:spLocks noGrp="1"/>
+          </p:cNvSpPr>
+          <p:nvPr>
+            <p:ph idx="1"/>
+          </p:nvPr>
+        </p:nvSpPr>
+        <p:spPr/>
+        <p:txBody>
+          <a:bodyPr/>
+          <a:lstStyle/>
+          <a:p>
+            <a:pPr marL="0" indent="0">
+              <a:buNone/>
+            </a:pPr>
+            <a:r>
+              <a:rPr lang="en-US" dirty="0"/>
+              <a:t>VLF Fragmentation</a:t>
+            </a:r>
+          </a:p>
+        </p:txBody>
+      </p:sp>
+      <p:pic>
+        <p:nvPicPr>
+          <p:cNvPr id="4" name="Picture 3"/>
+          <p:cNvPicPr>
+            <a:picLocks noChangeAspect="1"/>
+          </p:cNvPicPr>
+          <p:nvPr/>
+        </p:nvPicPr>
+        <p:blipFill>
+          <a:blip r:embed="rId2"/>
+          <a:stretch>
+            <a:fillRect/>
+          </a:stretch>
+        </p:blipFill>
+        <p:spPr>
+          <a:xfrm>
+            <a:off x="763071" y="1653000"/>
+            <a:ext cx="7617858" cy="3552000"/>
+          </a:xfrm>
+          <a:prstGeom prst="rect">
+            <a:avLst/>
+          </a:prstGeom>
+        </p:spPr>
+      </p:pic>
+    </p:spTree>
+    <p:extLst>
+      <p:ext uri="{BB962C8B-B14F-4D97-AF65-F5344CB8AC3E}">
+        <p14:creationId xmlns:p14="http://schemas.microsoft.com/office/powerpoint/2010/main" val="2679887936"/>
+      </p:ext>
+    </p:extLst>
+  </p:cSld>
+  <p:clrMapOvr>
+    <a:masterClrMapping/>
+  </p:clrMapOvr>
+</p:sld>
+</file>
+
+<file path=ppt/slides/slide52.xml><?xml version="1.0" encoding="utf-8"?>
+<p:sld xmlns:a="http://schemas.openxmlformats.org/drawingml/2006/main" xmlns:r="http://schemas.openxmlformats.org/officeDocument/2006/relationships" xmlns:p="http://schemas.openxmlformats.org/presentationml/2006/main">
+  <p:cSld>
+    <p:spTree>
+      <p:nvGrpSpPr>
+        <p:cNvPr id="1" name=""/>
+        <p:cNvGrpSpPr/>
+        <p:nvPr/>
+      </p:nvGrpSpPr>
+      <p:grpSpPr>
+        <a:xfrm>
+          <a:off x="0" y="0"/>
+          <a:ext cx="0" cy="0"/>
+          <a:chOff x="0" y="0"/>
+          <a:chExt cx="0" cy="0"/>
+        </a:xfrm>
+      </p:grpSpPr>
+      <p:sp>
+        <p:nvSpPr>
+          <p:cNvPr id="2" name="Title 1"/>
+          <p:cNvSpPr>
+            <a:spLocks noGrp="1"/>
+          </p:cNvSpPr>
+          <p:nvPr>
+            <p:ph type="title"/>
+          </p:nvPr>
+        </p:nvSpPr>
+        <p:spPr/>
+        <p:txBody>
+          <a:bodyPr/>
+          <a:lstStyle/>
+          <a:p>
+            <a:r>
+              <a:rPr lang="en-US" dirty="0"/>
               <a:t>Log Monitoring</a:t>
             </a:r>
           </a:p>
@@ -12508,7 +12845,7 @@
 </p:sld>
 </file>
 
-<file path=ppt/slides/slide52.xml><?xml version="1.0" encoding="utf-8"?>
+<file path=ppt/slides/slide53.xml><?xml version="1.0" encoding="utf-8"?>
 <p:sld xmlns:a="http://schemas.openxmlformats.org/drawingml/2006/main" xmlns:r="http://schemas.openxmlformats.org/officeDocument/2006/relationships" xmlns:p="http://schemas.openxmlformats.org/presentationml/2006/main">
   <p:cSld>
     <p:spTree>
@@ -12690,7 +13027,7 @@
           <a:p>
             <a:r>
               <a:rPr lang="en-US" dirty="0"/>
-              <a:t>Physical vs Logical Log File</a:t>
+              <a:t>What Goes in the Transaction Log?</a:t>
             </a:r>
           </a:p>
         </p:txBody>
@@ -12711,64 +13048,64 @@
           <a:lstStyle/>
           <a:p>
             <a:r>
-              <a:rPr lang="en-US" dirty="0"/>
-              <a:t>Logical Log File</a:t>
+              <a:rPr lang="en-US" u="sng" dirty="0"/>
+              <a:t>Everything</a:t>
+            </a:r>
+            <a:r>
+              <a:rPr lang="en-US" dirty="0"/>
+              <a:t> that modifies the state </a:t>
+            </a:r>
+            <a:r>
+              <a:rPr lang="en-US" u="sng" dirty="0"/>
+              <a:t>any</a:t>
+            </a:r>
+            <a:r>
+              <a:rPr lang="en-US" dirty="0"/>
+              <a:t> database in SQL</a:t>
             </a:r>
           </a:p>
           <a:p>
             <a:pPr lvl="1"/>
             <a:r>
               <a:rPr lang="en-US" dirty="0"/>
-              <a:t>Always growing</a:t>
+              <a:t>Includes data to </a:t>
+            </a:r>
+            <a:r>
+              <a:rPr lang="en-US" b="1" dirty="0"/>
+              <a:t>redo</a:t>
+            </a:r>
+            <a:r>
+              <a:rPr lang="en-US" dirty="0"/>
+              <a:t> an operation</a:t>
             </a:r>
           </a:p>
           <a:p>
             <a:pPr lvl="1"/>
             <a:r>
               <a:rPr lang="en-US" dirty="0"/>
-              <a:t>Write once / read many</a:t>
-            </a:r>
-          </a:p>
-          <a:p>
-            <a:pPr lvl="2"/>
-            <a:r>
-              <a:rPr lang="en-US" dirty="0"/>
-              <a:t>After being written, log records are </a:t>
+              <a:t>Includes data to </a:t>
             </a:r>
             <a:r>
               <a:rPr lang="en-US" b="1" dirty="0"/>
-              <a:t>never</a:t>
-            </a:r>
-            <a:r>
-              <a:rPr lang="en-US" dirty="0"/>
-              <a:t> changed</a:t>
-            </a:r>
-          </a:p>
-          <a:p>
-            <a:r>
-              <a:rPr lang="en-US" dirty="0"/>
-              <a:t>Physical Log File</a:t>
-            </a:r>
-          </a:p>
-          <a:p>
-            <a:pPr lvl="1"/>
-            <a:r>
-              <a:rPr lang="en-US" dirty="0"/>
-              <a:t>Only grows when full (or manually grown)</a:t>
-            </a:r>
-          </a:p>
-          <a:p>
-            <a:pPr lvl="1"/>
-            <a:r>
-              <a:rPr lang="en-US" dirty="0"/>
-              <a:t>Divided into virtual log files (VLFs)</a:t>
-            </a:r>
-          </a:p>
-          <a:p>
-            <a:pPr lvl="1"/>
-            <a:r>
-              <a:rPr lang="en-US" dirty="0"/>
-              <a:t>VLFs are inactivated when possible and over-written</a:t>
+              <a:t>undo</a:t>
+            </a:r>
+            <a:r>
+              <a:rPr lang="en-US" dirty="0"/>
+              <a:t> an operation</a:t>
+            </a:r>
+          </a:p>
+          <a:p>
+            <a:r>
+              <a:rPr lang="en-US" sz="2400" dirty="0"/>
+              <a:t>Very limited exceptions for some </a:t>
+            </a:r>
+            <a:r>
+              <a:rPr lang="en-US" sz="2400" dirty="0" err="1"/>
+              <a:t>tempdb</a:t>
+            </a:r>
+            <a:r>
+              <a:rPr lang="en-US" sz="2400" dirty="0"/>
+              <a:t> operations</a:t>
             </a:r>
           </a:p>
         </p:txBody>
@@ -12776,7 +13113,7 @@
     </p:spTree>
     <p:extLst>
       <p:ext uri="{BB962C8B-B14F-4D97-AF65-F5344CB8AC3E}">
-        <p14:creationId xmlns:p14="http://schemas.microsoft.com/office/powerpoint/2010/main" val="3330670825"/>
+        <p14:creationId xmlns:p14="http://schemas.microsoft.com/office/powerpoint/2010/main" val="1907664427"/>
       </p:ext>
     </p:extLst>
   </p:cSld>
@@ -12820,7 +13157,7 @@
           <a:p>
             <a:r>
               <a:rPr lang="en-US" dirty="0"/>
-              <a:t>Organization of the Transaction Log</a:t>
+              <a:t>Physical vs Logical Log File</a:t>
             </a:r>
           </a:p>
         </p:txBody>
@@ -12835,51 +13172,78 @@
             <p:ph idx="1"/>
           </p:nvPr>
         </p:nvSpPr>
-        <p:spPr>
-          <a:xfrm>
-            <a:off x="4352925" y="1600200"/>
-            <a:ext cx="4333875" cy="4525963"/>
-          </a:xfrm>
-        </p:spPr>
+        <p:spPr/>
         <p:txBody>
           <a:bodyPr/>
           <a:lstStyle/>
           <a:p>
             <a:r>
               <a:rPr lang="en-US" dirty="0"/>
-              <a:t>The Transaction Log is just a file …</a:t>
-            </a:r>
-          </a:p>
-        </p:txBody>
-      </p:sp>
-      <p:pic>
-        <p:nvPicPr>
-          <p:cNvPr id="4" name="Picture 3"/>
-          <p:cNvPicPr>
-            <a:picLocks noChangeAspect="1"/>
-          </p:cNvPicPr>
-          <p:nvPr/>
-        </p:nvPicPr>
-        <p:blipFill>
-          <a:blip r:embed="rId2"/>
-          <a:stretch>
-            <a:fillRect/>
-          </a:stretch>
-        </p:blipFill>
-        <p:spPr>
-          <a:xfrm>
-            <a:off x="457200" y="1417638"/>
-            <a:ext cx="3810789" cy="4678078"/>
-          </a:xfrm>
-          <a:prstGeom prst="rect">
-            <a:avLst/>
-          </a:prstGeom>
-        </p:spPr>
-      </p:pic>
+              <a:t>Logical Log File</a:t>
+            </a:r>
+          </a:p>
+          <a:p>
+            <a:pPr lvl="1"/>
+            <a:r>
+              <a:rPr lang="en-US" dirty="0"/>
+              <a:t>Always growing</a:t>
+            </a:r>
+          </a:p>
+          <a:p>
+            <a:pPr lvl="1"/>
+            <a:r>
+              <a:rPr lang="en-US" dirty="0"/>
+              <a:t>Write once / read many</a:t>
+            </a:r>
+          </a:p>
+          <a:p>
+            <a:pPr lvl="2"/>
+            <a:r>
+              <a:rPr lang="en-US" dirty="0"/>
+              <a:t>After being written, log records are </a:t>
+            </a:r>
+            <a:r>
+              <a:rPr lang="en-US" b="1" dirty="0"/>
+              <a:t>never</a:t>
+            </a:r>
+            <a:r>
+              <a:rPr lang="en-US" dirty="0"/>
+              <a:t> changed</a:t>
+            </a:r>
+          </a:p>
+          <a:p>
+            <a:r>
+              <a:rPr lang="en-US" dirty="0"/>
+              <a:t>Physical Log File</a:t>
+            </a:r>
+          </a:p>
+          <a:p>
+            <a:pPr lvl="1"/>
+            <a:r>
+              <a:rPr lang="en-US" dirty="0"/>
+              <a:t>Only grows when full (or manually grown)</a:t>
+            </a:r>
+          </a:p>
+          <a:p>
+            <a:pPr lvl="1"/>
+            <a:r>
+              <a:rPr lang="en-US" dirty="0"/>
+              <a:t>Divided into virtual log files (VLFs)</a:t>
+            </a:r>
+          </a:p>
+          <a:p>
+            <a:pPr lvl="1"/>
+            <a:r>
+              <a:rPr lang="en-US" dirty="0"/>
+              <a:t>VLFs are inactivated when possible and over-written</a:t>
+            </a:r>
+          </a:p>
+        </p:txBody>
+      </p:sp>
     </p:spTree>
     <p:extLst>
       <p:ext uri="{BB962C8B-B14F-4D97-AF65-F5344CB8AC3E}">
-        <p14:creationId xmlns:p14="http://schemas.microsoft.com/office/powerpoint/2010/main" val="3982838056"/>
+        <p14:creationId xmlns:p14="http://schemas.microsoft.com/office/powerpoint/2010/main" val="3330670825"/>
       </p:ext>
     </p:extLst>
   </p:cSld>
@@ -12953,12 +13317,6 @@
               <a:t>The Transaction Log is just a file …</a:t>
             </a:r>
           </a:p>
-          <a:p>
-            <a:r>
-              <a:rPr lang="en-US" dirty="0"/>
-              <a:t>With a bit of header information …</a:t>
-            </a:r>
-          </a:p>
         </p:txBody>
       </p:sp>
       <p:pic>
@@ -12977,8 +13335,8 @@
         </p:blipFill>
         <p:spPr>
           <a:xfrm>
-            <a:off x="457200" y="1417320"/>
-            <a:ext cx="3814109" cy="4681728"/>
+            <a:off x="457200" y="1417638"/>
+            <a:ext cx="3810789" cy="4678078"/>
           </a:xfrm>
           <a:prstGeom prst="rect">
             <a:avLst/>
@@ -12988,7 +13346,7 @@
     </p:spTree>
     <p:extLst>
       <p:ext uri="{BB962C8B-B14F-4D97-AF65-F5344CB8AC3E}">
-        <p14:creationId xmlns:p14="http://schemas.microsoft.com/office/powerpoint/2010/main" val="1865007227"/>
+        <p14:creationId xmlns:p14="http://schemas.microsoft.com/office/powerpoint/2010/main" val="3982838056"/>
       </p:ext>
     </p:extLst>
   </p:cSld>
@@ -13068,24 +13426,11 @@
               <a:t>With a bit of header information …</a:t>
             </a:r>
           </a:p>
-          <a:p>
-            <a:r>
-              <a:rPr lang="en-US" dirty="0"/>
-              <a:t>Then divided into Virtual Log Files.</a:t>
-            </a:r>
-          </a:p>
-          <a:p>
-            <a:pPr lvl="1"/>
-            <a:r>
-              <a:rPr lang="en-US" dirty="0"/>
-              <a:t>Not necessarily of equal size</a:t>
-            </a:r>
-          </a:p>
         </p:txBody>
       </p:sp>
       <p:pic>
         <p:nvPicPr>
-          <p:cNvPr id="5" name="Picture 4"/>
+          <p:cNvPr id="4" name="Picture 3"/>
           <p:cNvPicPr>
             <a:picLocks noChangeAspect="1"/>
           </p:cNvPicPr>
@@ -13110,7 +13455,7 @@
     </p:spTree>
     <p:extLst>
       <p:ext uri="{BB962C8B-B14F-4D97-AF65-F5344CB8AC3E}">
-        <p14:creationId xmlns:p14="http://schemas.microsoft.com/office/powerpoint/2010/main" val="3601134671"/>
+        <p14:creationId xmlns:p14="http://schemas.microsoft.com/office/powerpoint/2010/main" val="1865007227"/>
       </p:ext>
     </p:extLst>
   </p:cSld>
@@ -13484,9 +13829,9 @@
         <a:latin typeface="Calibri Light" panose="020F0302020204030204"/>
         <a:ea typeface=""/>
         <a:cs typeface=""/>
-        <a:font script="Jpan" typeface="游ゴシック Light"/>
+        <a:font script="Jpan" typeface="ＭＳ Ｐゴシック"/>
         <a:font script="Hang" typeface="맑은 고딕"/>
-        <a:font script="Hans" typeface="等线 Light"/>
+        <a:font script="Hans" typeface="宋体"/>
         <a:font script="Hant" typeface="新細明體"/>
         <a:font script="Arab" typeface="Times New Roman"/>
         <a:font script="Hebr" typeface="Times New Roman"/>
@@ -13514,31 +13859,14 @@
         <a:font script="Viet" typeface="Times New Roman"/>
         <a:font script="Uigh" typeface="Microsoft Uighur"/>
         <a:font script="Geor" typeface="Sylfaen"/>
-        <a:font script="Armn" typeface="Arial"/>
-        <a:font script="Bugi" typeface="Leelawadee UI"/>
-        <a:font script="Bopo" typeface="Microsoft JhengHei"/>
-        <a:font script="Java" typeface="Javanese Text"/>
-        <a:font script="Lisu" typeface="Segoe UI"/>
-        <a:font script="Mymr" typeface="Myanmar Text"/>
-        <a:font script="Nkoo" typeface="Ebrima"/>
-        <a:font script="Olck" typeface="Nirmala UI"/>
-        <a:font script="Osma" typeface="Ebrima"/>
-        <a:font script="Phag" typeface="Phagspa"/>
-        <a:font script="Syrn" typeface="Estrangelo Edessa"/>
-        <a:font script="Syrj" typeface="Estrangelo Edessa"/>
-        <a:font script="Syre" typeface="Estrangelo Edessa"/>
-        <a:font script="Sora" typeface="Nirmala UI"/>
-        <a:font script="Tale" typeface="Microsoft Tai Le"/>
-        <a:font script="Talu" typeface="Microsoft New Tai Lue"/>
-        <a:font script="Tfng" typeface="Ebrima"/>
       </a:majorFont>
       <a:minorFont>
         <a:latin typeface="Calibri" panose="020F0502020204030204"/>
         <a:ea typeface=""/>
         <a:cs typeface=""/>
-        <a:font script="Jpan" typeface="游ゴシック"/>
+        <a:font script="Jpan" typeface="ＭＳ Ｐゴシック"/>
         <a:font script="Hang" typeface="맑은 고딕"/>
-        <a:font script="Hans" typeface="等线"/>
+        <a:font script="Hans" typeface="宋体"/>
         <a:font script="Hant" typeface="新細明體"/>
         <a:font script="Arab" typeface="Arial"/>
         <a:font script="Hebr" typeface="Arial"/>
@@ -13566,23 +13894,6 @@
         <a:font script="Viet" typeface="Arial"/>
         <a:font script="Uigh" typeface="Microsoft Uighur"/>
         <a:font script="Geor" typeface="Sylfaen"/>
-        <a:font script="Armn" typeface="Arial"/>
-        <a:font script="Bugi" typeface="Leelawadee UI"/>
-        <a:font script="Bopo" typeface="Microsoft JhengHei"/>
-        <a:font script="Java" typeface="Javanese Text"/>
-        <a:font script="Lisu" typeface="Segoe UI"/>
-        <a:font script="Mymr" typeface="Myanmar Text"/>
-        <a:font script="Nkoo" typeface="Ebrima"/>
-        <a:font script="Olck" typeface="Nirmala UI"/>
-        <a:font script="Osma" typeface="Ebrima"/>
-        <a:font script="Phag" typeface="Phagspa"/>
-        <a:font script="Syrn" typeface="Estrangelo Edessa"/>
-        <a:font script="Syrj" typeface="Estrangelo Edessa"/>
-        <a:font script="Syre" typeface="Estrangelo Edessa"/>
-        <a:font script="Sora" typeface="Nirmala UI"/>
-        <a:font script="Tale" typeface="Microsoft Tai Le"/>
-        <a:font script="Talu" typeface="Microsoft New Tai Lue"/>
-        <a:font script="Tfng" typeface="Ebrima"/>
       </a:minorFont>
     </a:fontScheme>
     <a:fmtScheme name="Office">

--- a/TransactionLog.pptx
+++ b/TransactionLog.pptx
@@ -5,7 +5,7 @@
     <p:sldMasterId id="2147483648" r:id="rId1"/>
   </p:sldMasterIdLst>
   <p:notesMasterIdLst>
-    <p:notesMasterId r:id="rId55"/>
+    <p:notesMasterId r:id="rId56"/>
   </p:notesMasterIdLst>
   <p:sldIdLst>
     <p:sldId id="262" r:id="rId2"/>
@@ -60,7 +60,8 @@
     <p:sldId id="310" r:id="rId51"/>
     <p:sldId id="311" r:id="rId52"/>
     <p:sldId id="312" r:id="rId53"/>
-    <p:sldId id="313" r:id="rId54"/>
+    <p:sldId id="315" r:id="rId54"/>
+    <p:sldId id="313" r:id="rId55"/>
   </p:sldIdLst>
   <p:sldSz cx="9144000" cy="6858000" type="screen4x3"/>
   <p:notesSz cx="7010400" cy="9296400"/>
@@ -260,7 +261,7 @@
           <a:p>
             <a:fld id="{636FE61D-3D09-4319-BAB8-31CF8C26DA82}" type="datetimeFigureOut">
               <a:rPr lang="en-US" smtClean="0"/>
-              <a:t>03/22/2017</a:t>
+              <a:t>03/23/2017</a:t>
             </a:fld>
             <a:endParaRPr lang="en-US"/>
           </a:p>
@@ -7148,21 +7149,21 @@
                 <a:gridCol w="1895475">
                   <a:extLst>
                     <a:ext uri="{9D8B030D-6E8A-4147-A177-3AD203B41FA5}">
-                      <a16:colId xmlns="" xmlns:a16="http://schemas.microsoft.com/office/drawing/2014/main" val="20000"/>
+                      <a16:colId xmlns:a16="http://schemas.microsoft.com/office/drawing/2014/main" xmlns="" val="20000"/>
                     </a:ext>
                   </a:extLst>
                 </a:gridCol>
                 <a:gridCol w="3171825">
                   <a:extLst>
                     <a:ext uri="{9D8B030D-6E8A-4147-A177-3AD203B41FA5}">
-                      <a16:colId xmlns="" xmlns:a16="http://schemas.microsoft.com/office/drawing/2014/main" val="20001"/>
+                      <a16:colId xmlns:a16="http://schemas.microsoft.com/office/drawing/2014/main" xmlns="" val="20001"/>
                     </a:ext>
                   </a:extLst>
                 </a:gridCol>
                 <a:gridCol w="3162300">
                   <a:extLst>
                     <a:ext uri="{9D8B030D-6E8A-4147-A177-3AD203B41FA5}">
-                      <a16:colId xmlns="" xmlns:a16="http://schemas.microsoft.com/office/drawing/2014/main" val="20002"/>
+                      <a16:colId xmlns:a16="http://schemas.microsoft.com/office/drawing/2014/main" xmlns="" val="20002"/>
                     </a:ext>
                   </a:extLst>
                 </a:gridCol>
@@ -7209,7 +7210,7 @@
                 </a:tc>
                 <a:extLst>
                   <a:ext uri="{0D108BD9-81ED-4DB2-BD59-A6C34878D82A}">
-                    <a16:rowId xmlns="" xmlns:a16="http://schemas.microsoft.com/office/drawing/2014/main" val="10000"/>
+                    <a16:rowId xmlns:a16="http://schemas.microsoft.com/office/drawing/2014/main" xmlns="" val="10000"/>
                   </a:ext>
                 </a:extLst>
               </a:tr>
@@ -7272,7 +7273,7 @@
                 </a:tc>
                 <a:extLst>
                   <a:ext uri="{0D108BD9-81ED-4DB2-BD59-A6C34878D82A}">
-                    <a16:rowId xmlns="" xmlns:a16="http://schemas.microsoft.com/office/drawing/2014/main" val="10001"/>
+                    <a16:rowId xmlns:a16="http://schemas.microsoft.com/office/drawing/2014/main" xmlns="" val="10001"/>
                   </a:ext>
                 </a:extLst>
               </a:tr>
@@ -7343,7 +7344,7 @@
                 </a:tc>
                 <a:extLst>
                   <a:ext uri="{0D108BD9-81ED-4DB2-BD59-A6C34878D82A}">
-                    <a16:rowId xmlns="" xmlns:a16="http://schemas.microsoft.com/office/drawing/2014/main" val="10002"/>
+                    <a16:rowId xmlns:a16="http://schemas.microsoft.com/office/drawing/2014/main" xmlns="" val="10002"/>
                   </a:ext>
                 </a:extLst>
               </a:tr>
@@ -7389,7 +7390,7 @@
                 </a:tc>
                 <a:extLst>
                   <a:ext uri="{0D108BD9-81ED-4DB2-BD59-A6C34878D82A}">
-                    <a16:rowId xmlns="" xmlns:a16="http://schemas.microsoft.com/office/drawing/2014/main" val="10003"/>
+                    <a16:rowId xmlns:a16="http://schemas.microsoft.com/office/drawing/2014/main" xmlns="" val="10003"/>
                   </a:ext>
                 </a:extLst>
               </a:tr>
@@ -7440,7 +7441,7 @@
                 </a:tc>
                 <a:extLst>
                   <a:ext uri="{0D108BD9-81ED-4DB2-BD59-A6C34878D82A}">
-                    <a16:rowId xmlns="" xmlns:a16="http://schemas.microsoft.com/office/drawing/2014/main" val="3543017676"/>
+                    <a16:rowId xmlns:a16="http://schemas.microsoft.com/office/drawing/2014/main" xmlns="" val="3543017676"/>
                   </a:ext>
                 </a:extLst>
               </a:tr>
@@ -11764,14 +11765,14 @@
                 <a:gridCol w="3048000">
                   <a:extLst>
                     <a:ext uri="{9D8B030D-6E8A-4147-A177-3AD203B41FA5}">
-                      <a16:colId xmlns="" xmlns:a16="http://schemas.microsoft.com/office/drawing/2014/main" val="20000"/>
+                      <a16:colId xmlns:a16="http://schemas.microsoft.com/office/drawing/2014/main" xmlns="" val="20000"/>
                     </a:ext>
                   </a:extLst>
                 </a:gridCol>
                 <a:gridCol w="3048000">
                   <a:extLst>
                     <a:ext uri="{9D8B030D-6E8A-4147-A177-3AD203B41FA5}">
-                      <a16:colId xmlns="" xmlns:a16="http://schemas.microsoft.com/office/drawing/2014/main" val="20001"/>
+                      <a16:colId xmlns:a16="http://schemas.microsoft.com/office/drawing/2014/main" xmlns="" val="20001"/>
                     </a:ext>
                   </a:extLst>
                 </a:gridCol>
@@ -11817,7 +11818,7 @@
                 </a:tc>
                 <a:extLst>
                   <a:ext uri="{0D108BD9-81ED-4DB2-BD59-A6C34878D82A}">
-                    <a16:rowId xmlns="" xmlns:a16="http://schemas.microsoft.com/office/drawing/2014/main" val="10000"/>
+                    <a16:rowId xmlns:a16="http://schemas.microsoft.com/office/drawing/2014/main" xmlns="" val="10000"/>
                   </a:ext>
                 </a:extLst>
               </a:tr>
@@ -11852,7 +11853,7 @@
                 </a:tc>
                 <a:extLst>
                   <a:ext uri="{0D108BD9-81ED-4DB2-BD59-A6C34878D82A}">
-                    <a16:rowId xmlns="" xmlns:a16="http://schemas.microsoft.com/office/drawing/2014/main" val="10001"/>
+                    <a16:rowId xmlns:a16="http://schemas.microsoft.com/office/drawing/2014/main" xmlns="" val="10001"/>
                   </a:ext>
                 </a:extLst>
               </a:tr>
@@ -11887,7 +11888,7 @@
                 </a:tc>
                 <a:extLst>
                   <a:ext uri="{0D108BD9-81ED-4DB2-BD59-A6C34878D82A}">
-                    <a16:rowId xmlns="" xmlns:a16="http://schemas.microsoft.com/office/drawing/2014/main" val="10002"/>
+                    <a16:rowId xmlns:a16="http://schemas.microsoft.com/office/drawing/2014/main" xmlns="" val="10002"/>
                   </a:ext>
                 </a:extLst>
               </a:tr>
@@ -11927,7 +11928,7 @@
                 </a:tc>
                 <a:extLst>
                   <a:ext uri="{0D108BD9-81ED-4DB2-BD59-A6C34878D82A}">
-                    <a16:rowId xmlns="" xmlns:a16="http://schemas.microsoft.com/office/drawing/2014/main" val="10003"/>
+                    <a16:rowId xmlns:a16="http://schemas.microsoft.com/office/drawing/2014/main" xmlns="" val="10003"/>
                   </a:ext>
                 </a:extLst>
               </a:tr>
@@ -12878,6 +12879,731 @@
           <a:lstStyle/>
           <a:p>
             <a:r>
+              <a:rPr lang="en-US" dirty="0" smtClean="0"/>
+              <a:t>Log Monitoring, continued</a:t>
+            </a:r>
+            <a:endParaRPr lang="en-US" dirty="0"/>
+          </a:p>
+        </p:txBody>
+      </p:sp>
+      <p:sp>
+        <p:nvSpPr>
+          <p:cNvPr id="3" name="Content Placeholder 2"/>
+          <p:cNvSpPr>
+            <a:spLocks noGrp="1"/>
+          </p:cNvSpPr>
+          <p:nvPr>
+            <p:ph idx="1"/>
+          </p:nvPr>
+        </p:nvSpPr>
+        <p:spPr/>
+        <p:txBody>
+          <a:bodyPr>
+            <a:normAutofit lnSpcReduction="10000"/>
+          </a:bodyPr>
+          <a:lstStyle/>
+          <a:p>
+            <a:r>
+              <a:rPr lang="en-US" dirty="0" err="1" smtClean="0"/>
+              <a:t>PerfMon</a:t>
+            </a:r>
+            <a:r>
+              <a:rPr lang="en-US" dirty="0" smtClean="0"/>
+              <a:t> counters</a:t>
+            </a:r>
+          </a:p>
+          <a:p>
+            <a:pPr lvl="1"/>
+            <a:r>
+              <a:rPr lang="en-US" dirty="0" smtClean="0"/>
+              <a:t>One row per counter per database (plus rollup)</a:t>
+            </a:r>
+          </a:p>
+          <a:p>
+            <a:pPr lvl="1"/>
+            <a:r>
+              <a:rPr lang="en-US" dirty="0"/>
+              <a:t>Paul </a:t>
+            </a:r>
+            <a:r>
+              <a:rPr lang="en-US"/>
+              <a:t>Randal </a:t>
+            </a:r>
+            <a:r>
+              <a:rPr lang="en-US" smtClean="0">
+                <a:hlinkClick r:id="rId2"/>
+              </a:rPr>
+              <a:t>explains</a:t>
+            </a:r>
+            <a:r>
+              <a:rPr lang="en-US" smtClean="0"/>
+              <a:t> what </a:t>
+            </a:r>
+            <a:r>
+              <a:rPr lang="en-US" dirty="0"/>
+              <a:t>to look for</a:t>
+            </a:r>
+            <a:r>
+              <a:rPr lang="en-US" dirty="0" smtClean="0"/>
+              <a:t>.</a:t>
+            </a:r>
+          </a:p>
+          <a:p>
+            <a:pPr lvl="1"/>
+            <a:endParaRPr lang="en-US" dirty="0" smtClean="0"/>
+          </a:p>
+          <a:p>
+            <a:pPr marL="0" indent="0">
+              <a:buNone/>
+            </a:pPr>
+            <a:r>
+              <a:rPr lang="en-US" sz="2400" dirty="0">
+                <a:solidFill>
+                  <a:srgbClr val="0000FF"/>
+                </a:solidFill>
+                <a:highlight>
+                  <a:srgbClr val="FFFFFF"/>
+                </a:highlight>
+                <a:latin typeface="Consolas" panose="020B0609020204030204" pitchFamily="49" charset="0"/>
+              </a:rPr>
+              <a:t>select</a:t>
+            </a:r>
+            <a:r>
+              <a:rPr lang="en-US" sz="2400" dirty="0">
+                <a:solidFill>
+                  <a:srgbClr val="000000"/>
+                </a:solidFill>
+                <a:highlight>
+                  <a:srgbClr val="FFFFFF"/>
+                </a:highlight>
+                <a:latin typeface="Consolas" panose="020B0609020204030204" pitchFamily="49" charset="0"/>
+              </a:rPr>
+              <a:t> </a:t>
+            </a:r>
+            <a:r>
+              <a:rPr lang="en-US" sz="2400" dirty="0" err="1">
+                <a:solidFill>
+                  <a:srgbClr val="FF00FF"/>
+                </a:solidFill>
+                <a:highlight>
+                  <a:srgbClr val="FFFFFF"/>
+                </a:highlight>
+                <a:latin typeface="Consolas" panose="020B0609020204030204" pitchFamily="49" charset="0"/>
+              </a:rPr>
+              <a:t>object_name</a:t>
+            </a:r>
+            <a:r>
+              <a:rPr lang="en-US" sz="2400" dirty="0">
+                <a:solidFill>
+                  <a:srgbClr val="808080"/>
+                </a:solidFill>
+                <a:highlight>
+                  <a:srgbClr val="FFFFFF"/>
+                </a:highlight>
+                <a:latin typeface="Consolas" panose="020B0609020204030204" pitchFamily="49" charset="0"/>
+              </a:rPr>
+              <a:t>,</a:t>
+            </a:r>
+            <a:r>
+              <a:rPr lang="en-US" sz="2400" dirty="0">
+                <a:solidFill>
+                  <a:srgbClr val="000000"/>
+                </a:solidFill>
+                <a:highlight>
+                  <a:srgbClr val="FFFFFF"/>
+                </a:highlight>
+                <a:latin typeface="Consolas" panose="020B0609020204030204" pitchFamily="49" charset="0"/>
+              </a:rPr>
+              <a:t> </a:t>
+            </a:r>
+            <a:r>
+              <a:rPr lang="en-US" sz="2400" dirty="0" err="1">
+                <a:solidFill>
+                  <a:srgbClr val="000000"/>
+                </a:solidFill>
+                <a:highlight>
+                  <a:srgbClr val="FFFFFF"/>
+                </a:highlight>
+                <a:latin typeface="Consolas" panose="020B0609020204030204" pitchFamily="49" charset="0"/>
+              </a:rPr>
+              <a:t>counter_name</a:t>
+            </a:r>
+            <a:r>
+              <a:rPr lang="en-US" sz="2400" dirty="0">
+                <a:solidFill>
+                  <a:srgbClr val="808080"/>
+                </a:solidFill>
+                <a:highlight>
+                  <a:srgbClr val="FFFFFF"/>
+                </a:highlight>
+                <a:latin typeface="Consolas" panose="020B0609020204030204" pitchFamily="49" charset="0"/>
+              </a:rPr>
+              <a:t>,</a:t>
+            </a:r>
+            <a:r>
+              <a:rPr lang="en-US" sz="2400" dirty="0">
+                <a:solidFill>
+                  <a:srgbClr val="000000"/>
+                </a:solidFill>
+                <a:highlight>
+                  <a:srgbClr val="FFFFFF"/>
+                </a:highlight>
+                <a:latin typeface="Consolas" panose="020B0609020204030204" pitchFamily="49" charset="0"/>
+              </a:rPr>
+              <a:t> </a:t>
+            </a:r>
+            <a:r>
+              <a:rPr lang="en-US" sz="2400" dirty="0" err="1">
+                <a:solidFill>
+                  <a:srgbClr val="000000"/>
+                </a:solidFill>
+                <a:highlight>
+                  <a:srgbClr val="FFFFFF"/>
+                </a:highlight>
+                <a:latin typeface="Consolas" panose="020B0609020204030204" pitchFamily="49" charset="0"/>
+              </a:rPr>
+              <a:t>instance_name</a:t>
+            </a:r>
+            <a:r>
+              <a:rPr lang="en-US" sz="2400" dirty="0">
+                <a:solidFill>
+                  <a:srgbClr val="808080"/>
+                </a:solidFill>
+                <a:highlight>
+                  <a:srgbClr val="FFFFFF"/>
+                </a:highlight>
+                <a:latin typeface="Consolas" panose="020B0609020204030204" pitchFamily="49" charset="0"/>
+              </a:rPr>
+              <a:t>,</a:t>
+            </a:r>
+            <a:r>
+              <a:rPr lang="en-US" sz="2400" dirty="0">
+                <a:solidFill>
+                  <a:srgbClr val="000000"/>
+                </a:solidFill>
+                <a:highlight>
+                  <a:srgbClr val="FFFFFF"/>
+                </a:highlight>
+                <a:latin typeface="Consolas" panose="020B0609020204030204" pitchFamily="49" charset="0"/>
+              </a:rPr>
+              <a:t> </a:t>
+            </a:r>
+            <a:r>
+              <a:rPr lang="en-US" sz="2400" dirty="0" err="1">
+                <a:solidFill>
+                  <a:srgbClr val="000000"/>
+                </a:solidFill>
+                <a:highlight>
+                  <a:srgbClr val="FFFFFF"/>
+                </a:highlight>
+                <a:latin typeface="Consolas" panose="020B0609020204030204" pitchFamily="49" charset="0"/>
+              </a:rPr>
+              <a:t>cntr_value</a:t>
+            </a:r>
+            <a:endParaRPr lang="en-US" sz="2400" dirty="0">
+              <a:solidFill>
+                <a:srgbClr val="000000"/>
+              </a:solidFill>
+              <a:highlight>
+                <a:srgbClr val="FFFFFF"/>
+              </a:highlight>
+              <a:latin typeface="Consolas" panose="020B0609020204030204" pitchFamily="49" charset="0"/>
+            </a:endParaRPr>
+          </a:p>
+          <a:p>
+            <a:pPr marL="0" indent="0">
+              <a:buNone/>
+            </a:pPr>
+            <a:r>
+              <a:rPr lang="en-US" sz="2400" dirty="0">
+                <a:solidFill>
+                  <a:srgbClr val="0000FF"/>
+                </a:solidFill>
+                <a:highlight>
+                  <a:srgbClr val="FFFFFF"/>
+                </a:highlight>
+                <a:latin typeface="Consolas" panose="020B0609020204030204" pitchFamily="49" charset="0"/>
+              </a:rPr>
+              <a:t>from</a:t>
+            </a:r>
+            <a:r>
+              <a:rPr lang="en-US" sz="2400" dirty="0">
+                <a:solidFill>
+                  <a:srgbClr val="000000"/>
+                </a:solidFill>
+                <a:highlight>
+                  <a:srgbClr val="FFFFFF"/>
+                </a:highlight>
+                <a:latin typeface="Consolas" panose="020B0609020204030204" pitchFamily="49" charset="0"/>
+              </a:rPr>
+              <a:t> </a:t>
+            </a:r>
+            <a:r>
+              <a:rPr lang="en-US" sz="2400" dirty="0" err="1">
+                <a:solidFill>
+                  <a:srgbClr val="00FF00"/>
+                </a:solidFill>
+                <a:highlight>
+                  <a:srgbClr val="FFFFFF"/>
+                </a:highlight>
+                <a:latin typeface="Consolas" panose="020B0609020204030204" pitchFamily="49" charset="0"/>
+              </a:rPr>
+              <a:t>sys</a:t>
+            </a:r>
+            <a:r>
+              <a:rPr lang="en-US" sz="2400" dirty="0" err="1">
+                <a:solidFill>
+                  <a:srgbClr val="808080"/>
+                </a:solidFill>
+                <a:highlight>
+                  <a:srgbClr val="FFFFFF"/>
+                </a:highlight>
+                <a:latin typeface="Consolas" panose="020B0609020204030204" pitchFamily="49" charset="0"/>
+              </a:rPr>
+              <a:t>.</a:t>
+            </a:r>
+            <a:r>
+              <a:rPr lang="en-US" sz="2400" dirty="0" err="1">
+                <a:solidFill>
+                  <a:srgbClr val="00FF00"/>
+                </a:solidFill>
+                <a:highlight>
+                  <a:srgbClr val="FFFFFF"/>
+                </a:highlight>
+                <a:latin typeface="Consolas" panose="020B0609020204030204" pitchFamily="49" charset="0"/>
+              </a:rPr>
+              <a:t>dm_os_performance_counters</a:t>
+            </a:r>
+            <a:endParaRPr lang="en-US" sz="2400" dirty="0">
+              <a:solidFill>
+                <a:srgbClr val="000000"/>
+              </a:solidFill>
+              <a:highlight>
+                <a:srgbClr val="FFFFFF"/>
+              </a:highlight>
+              <a:latin typeface="Consolas" panose="020B0609020204030204" pitchFamily="49" charset="0"/>
+            </a:endParaRPr>
+          </a:p>
+          <a:p>
+            <a:pPr marL="0" indent="0">
+              <a:buNone/>
+            </a:pPr>
+            <a:r>
+              <a:rPr lang="en-US" sz="2400" dirty="0">
+                <a:solidFill>
+                  <a:srgbClr val="0000FF"/>
+                </a:solidFill>
+                <a:highlight>
+                  <a:srgbClr val="FFFFFF"/>
+                </a:highlight>
+                <a:latin typeface="Consolas" panose="020B0609020204030204" pitchFamily="49" charset="0"/>
+              </a:rPr>
+              <a:t>where</a:t>
+            </a:r>
+            <a:r>
+              <a:rPr lang="en-US" sz="2400" dirty="0">
+                <a:solidFill>
+                  <a:srgbClr val="000000"/>
+                </a:solidFill>
+                <a:highlight>
+                  <a:srgbClr val="FFFFFF"/>
+                </a:highlight>
+                <a:latin typeface="Consolas" panose="020B0609020204030204" pitchFamily="49" charset="0"/>
+              </a:rPr>
+              <a:t> </a:t>
+            </a:r>
+            <a:r>
+              <a:rPr lang="en-US" sz="2400" dirty="0" err="1">
+                <a:solidFill>
+                  <a:srgbClr val="000000"/>
+                </a:solidFill>
+                <a:highlight>
+                  <a:srgbClr val="FFFFFF"/>
+                </a:highlight>
+                <a:latin typeface="Consolas" panose="020B0609020204030204" pitchFamily="49" charset="0"/>
+              </a:rPr>
+              <a:t>counter_name</a:t>
+            </a:r>
+            <a:r>
+              <a:rPr lang="en-US" sz="2400" dirty="0">
+                <a:solidFill>
+                  <a:srgbClr val="000000"/>
+                </a:solidFill>
+                <a:highlight>
+                  <a:srgbClr val="FFFFFF"/>
+                </a:highlight>
+                <a:latin typeface="Consolas" panose="020B0609020204030204" pitchFamily="49" charset="0"/>
+              </a:rPr>
+              <a:t> </a:t>
+            </a:r>
+            <a:r>
+              <a:rPr lang="en-US" sz="2400" dirty="0">
+                <a:solidFill>
+                  <a:srgbClr val="808080"/>
+                </a:solidFill>
+                <a:highlight>
+                  <a:srgbClr val="FFFFFF"/>
+                </a:highlight>
+                <a:latin typeface="Consolas" panose="020B0609020204030204" pitchFamily="49" charset="0"/>
+              </a:rPr>
+              <a:t>in</a:t>
+            </a:r>
+            <a:r>
+              <a:rPr lang="en-US" sz="2400" dirty="0">
+                <a:solidFill>
+                  <a:srgbClr val="0000FF"/>
+                </a:solidFill>
+                <a:highlight>
+                  <a:srgbClr val="FFFFFF"/>
+                </a:highlight>
+                <a:latin typeface="Consolas" panose="020B0609020204030204" pitchFamily="49" charset="0"/>
+              </a:rPr>
+              <a:t> </a:t>
+            </a:r>
+            <a:r>
+              <a:rPr lang="en-US" sz="2400" dirty="0">
+                <a:solidFill>
+                  <a:srgbClr val="808080"/>
+                </a:solidFill>
+                <a:highlight>
+                  <a:srgbClr val="FFFFFF"/>
+                </a:highlight>
+                <a:latin typeface="Consolas" panose="020B0609020204030204" pitchFamily="49" charset="0"/>
+              </a:rPr>
+              <a:t>(</a:t>
+            </a:r>
+            <a:r>
+              <a:rPr lang="en-US" sz="2400" dirty="0">
+                <a:solidFill>
+                  <a:srgbClr val="FF0000"/>
+                </a:solidFill>
+                <a:highlight>
+                  <a:srgbClr val="FFFFFF"/>
+                </a:highlight>
+                <a:latin typeface="Consolas" panose="020B0609020204030204" pitchFamily="49" charset="0"/>
+              </a:rPr>
+              <a:t>'Log Growths'</a:t>
+            </a:r>
+            <a:r>
+              <a:rPr lang="en-US" sz="2400" dirty="0">
+                <a:solidFill>
+                  <a:srgbClr val="808080"/>
+                </a:solidFill>
+                <a:highlight>
+                  <a:srgbClr val="FFFFFF"/>
+                </a:highlight>
+                <a:latin typeface="Consolas" panose="020B0609020204030204" pitchFamily="49" charset="0"/>
+              </a:rPr>
+              <a:t>,</a:t>
+            </a:r>
+            <a:r>
+              <a:rPr lang="en-US" sz="2400" dirty="0">
+                <a:solidFill>
+                  <a:srgbClr val="000000"/>
+                </a:solidFill>
+                <a:highlight>
+                  <a:srgbClr val="FFFFFF"/>
+                </a:highlight>
+                <a:latin typeface="Consolas" panose="020B0609020204030204" pitchFamily="49" charset="0"/>
+              </a:rPr>
+              <a:t> </a:t>
+            </a:r>
+            <a:r>
+              <a:rPr lang="en-US" sz="2400" dirty="0">
+                <a:solidFill>
+                  <a:srgbClr val="FF0000"/>
+                </a:solidFill>
+                <a:highlight>
+                  <a:srgbClr val="FFFFFF"/>
+                </a:highlight>
+                <a:latin typeface="Consolas" panose="020B0609020204030204" pitchFamily="49" charset="0"/>
+              </a:rPr>
+              <a:t>'Log Shrinks'</a:t>
+            </a:r>
+            <a:r>
+              <a:rPr lang="en-US" sz="2400" dirty="0">
+                <a:solidFill>
+                  <a:srgbClr val="808080"/>
+                </a:solidFill>
+                <a:highlight>
+                  <a:srgbClr val="FFFFFF"/>
+                </a:highlight>
+                <a:latin typeface="Consolas" panose="020B0609020204030204" pitchFamily="49" charset="0"/>
+              </a:rPr>
+              <a:t>,</a:t>
+            </a:r>
+            <a:r>
+              <a:rPr lang="en-US" sz="2400" dirty="0">
+                <a:solidFill>
+                  <a:srgbClr val="000000"/>
+                </a:solidFill>
+                <a:highlight>
+                  <a:srgbClr val="FFFFFF"/>
+                </a:highlight>
+                <a:latin typeface="Consolas" panose="020B0609020204030204" pitchFamily="49" charset="0"/>
+              </a:rPr>
+              <a:t> </a:t>
+            </a:r>
+            <a:r>
+              <a:rPr lang="en-US" sz="2400" dirty="0">
+                <a:solidFill>
+                  <a:srgbClr val="FF0000"/>
+                </a:solidFill>
+                <a:highlight>
+                  <a:srgbClr val="FFFFFF"/>
+                </a:highlight>
+                <a:latin typeface="Consolas" panose="020B0609020204030204" pitchFamily="49" charset="0"/>
+              </a:rPr>
+              <a:t>'Percent Log Used'</a:t>
+            </a:r>
+            <a:r>
+              <a:rPr lang="en-US" sz="2400" dirty="0">
+                <a:solidFill>
+                  <a:srgbClr val="808080"/>
+                </a:solidFill>
+                <a:highlight>
+                  <a:srgbClr val="FFFFFF"/>
+                </a:highlight>
+                <a:latin typeface="Consolas" panose="020B0609020204030204" pitchFamily="49" charset="0"/>
+              </a:rPr>
+              <a:t>,</a:t>
+            </a:r>
+            <a:r>
+              <a:rPr lang="en-US" sz="2400" dirty="0">
+                <a:solidFill>
+                  <a:srgbClr val="000000"/>
+                </a:solidFill>
+                <a:highlight>
+                  <a:srgbClr val="FFFFFF"/>
+                </a:highlight>
+                <a:latin typeface="Consolas" panose="020B0609020204030204" pitchFamily="49" charset="0"/>
+              </a:rPr>
+              <a:t> </a:t>
+            </a:r>
+            <a:r>
+              <a:rPr lang="en-US" sz="2400" dirty="0">
+                <a:solidFill>
+                  <a:srgbClr val="FF0000"/>
+                </a:solidFill>
+                <a:highlight>
+                  <a:srgbClr val="FFFFFF"/>
+                </a:highlight>
+                <a:latin typeface="Consolas" panose="020B0609020204030204" pitchFamily="49" charset="0"/>
+              </a:rPr>
+              <a:t>'Log Flush Waits/sec'</a:t>
+            </a:r>
+            <a:r>
+              <a:rPr lang="en-US" sz="2400" dirty="0">
+                <a:solidFill>
+                  <a:srgbClr val="808080"/>
+                </a:solidFill>
+                <a:highlight>
+                  <a:srgbClr val="FFFFFF"/>
+                </a:highlight>
+                <a:latin typeface="Consolas" panose="020B0609020204030204" pitchFamily="49" charset="0"/>
+              </a:rPr>
+              <a:t>,</a:t>
+            </a:r>
+            <a:r>
+              <a:rPr lang="en-US" sz="2400" dirty="0">
+                <a:solidFill>
+                  <a:srgbClr val="000000"/>
+                </a:solidFill>
+                <a:highlight>
+                  <a:srgbClr val="FFFFFF"/>
+                </a:highlight>
+                <a:latin typeface="Consolas" panose="020B0609020204030204" pitchFamily="49" charset="0"/>
+              </a:rPr>
+              <a:t> </a:t>
+            </a:r>
+            <a:r>
+              <a:rPr lang="en-US" sz="2400" dirty="0">
+                <a:solidFill>
+                  <a:srgbClr val="FF0000"/>
+                </a:solidFill>
+                <a:highlight>
+                  <a:srgbClr val="FFFFFF"/>
+                </a:highlight>
+                <a:latin typeface="Consolas" panose="020B0609020204030204" pitchFamily="49" charset="0"/>
+              </a:rPr>
+              <a:t>'Log Bytes Flushed/sec'</a:t>
+            </a:r>
+            <a:r>
+              <a:rPr lang="en-US" sz="2400" dirty="0">
+                <a:solidFill>
+                  <a:srgbClr val="808080"/>
+                </a:solidFill>
+                <a:highlight>
+                  <a:srgbClr val="FFFFFF"/>
+                </a:highlight>
+                <a:latin typeface="Consolas" panose="020B0609020204030204" pitchFamily="49" charset="0"/>
+              </a:rPr>
+              <a:t>,</a:t>
+            </a:r>
+            <a:r>
+              <a:rPr lang="en-US" sz="2400" dirty="0">
+                <a:solidFill>
+                  <a:srgbClr val="000000"/>
+                </a:solidFill>
+                <a:highlight>
+                  <a:srgbClr val="FFFFFF"/>
+                </a:highlight>
+                <a:latin typeface="Consolas" panose="020B0609020204030204" pitchFamily="49" charset="0"/>
+              </a:rPr>
+              <a:t> </a:t>
+            </a:r>
+            <a:r>
+              <a:rPr lang="en-US" sz="2400" dirty="0">
+                <a:solidFill>
+                  <a:srgbClr val="FF0000"/>
+                </a:solidFill>
+                <a:highlight>
+                  <a:srgbClr val="FFFFFF"/>
+                </a:highlight>
+                <a:latin typeface="Consolas" panose="020B0609020204030204" pitchFamily="49" charset="0"/>
+              </a:rPr>
+              <a:t>'Log Flushes/sec</a:t>
+            </a:r>
+            <a:r>
+              <a:rPr lang="en-US" sz="2400" dirty="0" smtClean="0">
+                <a:solidFill>
+                  <a:srgbClr val="FF0000"/>
+                </a:solidFill>
+                <a:highlight>
+                  <a:srgbClr val="FFFFFF"/>
+                </a:highlight>
+                <a:latin typeface="Consolas" panose="020B0609020204030204" pitchFamily="49" charset="0"/>
+              </a:rPr>
+              <a:t>'</a:t>
+            </a:r>
+            <a:r>
+              <a:rPr lang="en-US" sz="2400" dirty="0" smtClean="0">
+                <a:solidFill>
+                  <a:srgbClr val="808080"/>
+                </a:solidFill>
+                <a:highlight>
+                  <a:srgbClr val="FFFFFF"/>
+                </a:highlight>
+                <a:latin typeface="Consolas" panose="020B0609020204030204" pitchFamily="49" charset="0"/>
+              </a:rPr>
+              <a:t>);</a:t>
+            </a:r>
+            <a:endParaRPr lang="en-US" sz="2400" dirty="0">
+              <a:solidFill>
+                <a:srgbClr val="000000"/>
+              </a:solidFill>
+              <a:highlight>
+                <a:srgbClr val="FFFFFF"/>
+              </a:highlight>
+              <a:latin typeface="Consolas" panose="020B0609020204030204" pitchFamily="49" charset="0"/>
+            </a:endParaRPr>
+          </a:p>
+        </p:txBody>
+      </p:sp>
+      <p:sp>
+        <p:nvSpPr>
+          <p:cNvPr id="4" name="Footer Placeholder 3"/>
+          <p:cNvSpPr>
+            <a:spLocks noGrp="1"/>
+          </p:cNvSpPr>
+          <p:nvPr>
+            <p:ph type="ftr" sz="quarter" idx="3"/>
+          </p:nvPr>
+        </p:nvSpPr>
+        <p:spPr/>
+        <p:txBody>
+          <a:bodyPr/>
+          <a:lstStyle/>
+          <a:p>
+            <a:r>
+              <a:rPr lang="en-US" smtClean="0"/>
+              <a:t>3/25/2017</a:t>
+            </a:r>
+            <a:endParaRPr lang="en-US" dirty="0"/>
+          </a:p>
+        </p:txBody>
+      </p:sp>
+      <p:sp>
+        <p:nvSpPr>
+          <p:cNvPr id="5" name="Slide Number Placeholder 4"/>
+          <p:cNvSpPr>
+            <a:spLocks noGrp="1"/>
+          </p:cNvSpPr>
+          <p:nvPr>
+            <p:ph type="sldNum" sz="quarter" idx="4"/>
+          </p:nvPr>
+        </p:nvSpPr>
+        <p:spPr/>
+        <p:txBody>
+          <a:bodyPr/>
+          <a:lstStyle/>
+          <a:p>
+            <a:fld id="{87FD5303-69AD-2E4D-B18B-E5EED0F0A60B}" type="slidenum">
+              <a:rPr lang="en-US" smtClean="0"/>
+              <a:pPr/>
+              <a:t>53</a:t>
+            </a:fld>
+            <a:r>
+              <a:rPr lang="en-US" smtClean="0"/>
+              <a:t>  |  </a:t>
+            </a:r>
+            <a:endParaRPr lang="en-US" dirty="0"/>
+          </a:p>
+        </p:txBody>
+      </p:sp>
+    </p:spTree>
+    <p:extLst>
+      <p:ext uri="{BB962C8B-B14F-4D97-AF65-F5344CB8AC3E}">
+        <p14:creationId xmlns:p14="http://schemas.microsoft.com/office/powerpoint/2010/main" val="3620500893"/>
+      </p:ext>
+    </p:extLst>
+  </p:cSld>
+  <p:clrMapOvr>
+    <a:masterClrMapping/>
+  </p:clrMapOvr>
+  <p:timing>
+    <p:tnLst>
+      <p:par>
+        <p:cTn id="1" dur="indefinite" restart="never" nodeType="tmRoot"/>
+      </p:par>
+    </p:tnLst>
+  </p:timing>
+</p:sld>
+</file>
+
+<file path=ppt/slides/slide54.xml><?xml version="1.0" encoding="utf-8"?>
+<p:sld xmlns:a="http://schemas.openxmlformats.org/drawingml/2006/main" xmlns:r="http://schemas.openxmlformats.org/officeDocument/2006/relationships" xmlns:p="http://schemas.openxmlformats.org/presentationml/2006/main">
+  <p:cSld>
+    <p:spTree>
+      <p:nvGrpSpPr>
+        <p:cNvPr id="1" name=""/>
+        <p:cNvGrpSpPr/>
+        <p:nvPr/>
+      </p:nvGrpSpPr>
+      <p:grpSpPr>
+        <a:xfrm>
+          <a:off x="0" y="0"/>
+          <a:ext cx="0" cy="0"/>
+          <a:chOff x="0" y="0"/>
+          <a:chExt cx="0" cy="0"/>
+        </a:xfrm>
+      </p:grpSpPr>
+      <p:sp>
+        <p:nvSpPr>
+          <p:cNvPr id="2" name="Title 1"/>
+          <p:cNvSpPr>
+            <a:spLocks noGrp="1"/>
+          </p:cNvSpPr>
+          <p:nvPr>
+            <p:ph type="title"/>
+          </p:nvPr>
+        </p:nvSpPr>
+        <p:spPr/>
+        <p:txBody>
+          <a:bodyPr/>
+          <a:lstStyle/>
+          <a:p>
+            <a:r>
               <a:rPr lang="en-US" dirty="0"/>
               <a:t>Thank You</a:t>
             </a:r>
@@ -12990,6 +13716,13 @@
   <p:clrMapOvr>
     <a:masterClrMapping/>
   </p:clrMapOvr>
+  <p:timing>
+    <p:tnLst>
+      <p:par>
+        <p:cTn id="1" dur="indefinite" restart="never" nodeType="tmRoot"/>
+      </p:par>
+    </p:tnLst>
+  </p:timing>
 </p:sld>
 </file>
 

--- a/TransactionLog.pptx
+++ b/TransactionLog.pptx
@@ -7149,21 +7149,21 @@
                 <a:gridCol w="1895475">
                   <a:extLst>
                     <a:ext uri="{9D8B030D-6E8A-4147-A177-3AD203B41FA5}">
-                      <a16:colId xmlns:a16="http://schemas.microsoft.com/office/drawing/2014/main" xmlns="" val="20000"/>
+                      <a16:colId xmlns="" xmlns:a16="http://schemas.microsoft.com/office/drawing/2014/main" val="20000"/>
                     </a:ext>
                   </a:extLst>
                 </a:gridCol>
                 <a:gridCol w="3171825">
                   <a:extLst>
                     <a:ext uri="{9D8B030D-6E8A-4147-A177-3AD203B41FA5}">
-                      <a16:colId xmlns:a16="http://schemas.microsoft.com/office/drawing/2014/main" xmlns="" val="20001"/>
+                      <a16:colId xmlns="" xmlns:a16="http://schemas.microsoft.com/office/drawing/2014/main" val="20001"/>
                     </a:ext>
                   </a:extLst>
                 </a:gridCol>
                 <a:gridCol w="3162300">
                   <a:extLst>
                     <a:ext uri="{9D8B030D-6E8A-4147-A177-3AD203B41FA5}">
-                      <a16:colId xmlns:a16="http://schemas.microsoft.com/office/drawing/2014/main" xmlns="" val="20002"/>
+                      <a16:colId xmlns="" xmlns:a16="http://schemas.microsoft.com/office/drawing/2014/main" val="20002"/>
                     </a:ext>
                   </a:extLst>
                 </a:gridCol>
@@ -7210,7 +7210,7 @@
                 </a:tc>
                 <a:extLst>
                   <a:ext uri="{0D108BD9-81ED-4DB2-BD59-A6C34878D82A}">
-                    <a16:rowId xmlns:a16="http://schemas.microsoft.com/office/drawing/2014/main" xmlns="" val="10000"/>
+                    <a16:rowId xmlns="" xmlns:a16="http://schemas.microsoft.com/office/drawing/2014/main" val="10000"/>
                   </a:ext>
                 </a:extLst>
               </a:tr>
@@ -7273,7 +7273,7 @@
                 </a:tc>
                 <a:extLst>
                   <a:ext uri="{0D108BD9-81ED-4DB2-BD59-A6C34878D82A}">
-                    <a16:rowId xmlns:a16="http://schemas.microsoft.com/office/drawing/2014/main" xmlns="" val="10001"/>
+                    <a16:rowId xmlns="" xmlns:a16="http://schemas.microsoft.com/office/drawing/2014/main" val="10001"/>
                   </a:ext>
                 </a:extLst>
               </a:tr>
@@ -7344,7 +7344,7 @@
                 </a:tc>
                 <a:extLst>
                   <a:ext uri="{0D108BD9-81ED-4DB2-BD59-A6C34878D82A}">
-                    <a16:rowId xmlns:a16="http://schemas.microsoft.com/office/drawing/2014/main" xmlns="" val="10002"/>
+                    <a16:rowId xmlns="" xmlns:a16="http://schemas.microsoft.com/office/drawing/2014/main" val="10002"/>
                   </a:ext>
                 </a:extLst>
               </a:tr>
@@ -7390,7 +7390,7 @@
                 </a:tc>
                 <a:extLst>
                   <a:ext uri="{0D108BD9-81ED-4DB2-BD59-A6C34878D82A}">
-                    <a16:rowId xmlns:a16="http://schemas.microsoft.com/office/drawing/2014/main" xmlns="" val="10003"/>
+                    <a16:rowId xmlns="" xmlns:a16="http://schemas.microsoft.com/office/drawing/2014/main" val="10003"/>
                   </a:ext>
                 </a:extLst>
               </a:tr>
@@ -7441,7 +7441,7 @@
                 </a:tc>
                 <a:extLst>
                   <a:ext uri="{0D108BD9-81ED-4DB2-BD59-A6C34878D82A}">
-                    <a16:rowId xmlns:a16="http://schemas.microsoft.com/office/drawing/2014/main" xmlns="" val="3543017676"/>
+                    <a16:rowId xmlns="" xmlns:a16="http://schemas.microsoft.com/office/drawing/2014/main" val="3543017676"/>
                   </a:ext>
                 </a:extLst>
               </a:tr>
@@ -7906,8 +7906,26 @@
             </a:pPr>
             <a:r>
               <a:rPr lang="en-US" dirty="0"/>
-              <a:t>DBCC LOGINFO</a:t>
-            </a:r>
+              <a:t>DBCC </a:t>
+            </a:r>
+            <a:r>
+              <a:rPr lang="en-US" dirty="0" smtClean="0"/>
+              <a:t>LOGINFO</a:t>
+            </a:r>
+          </a:p>
+          <a:p>
+            <a:pPr marL="0" indent="0">
+              <a:buNone/>
+            </a:pPr>
+            <a:r>
+              <a:rPr lang="en-US" dirty="0"/>
+              <a:t>	</a:t>
+            </a:r>
+            <a:r>
+              <a:rPr lang="en-US" smtClean="0"/>
+              <a:t>	+ Log File Visualizer</a:t>
+            </a:r>
+            <a:endParaRPr lang="en-US" dirty="0" smtClean="0"/>
           </a:p>
         </p:txBody>
       </p:sp>
@@ -11765,14 +11783,14 @@
                 <a:gridCol w="3048000">
                   <a:extLst>
                     <a:ext uri="{9D8B030D-6E8A-4147-A177-3AD203B41FA5}">
-                      <a16:colId xmlns:a16="http://schemas.microsoft.com/office/drawing/2014/main" xmlns="" val="20000"/>
+                      <a16:colId xmlns="" xmlns:a16="http://schemas.microsoft.com/office/drawing/2014/main" val="20000"/>
                     </a:ext>
                   </a:extLst>
                 </a:gridCol>
                 <a:gridCol w="3048000">
                   <a:extLst>
                     <a:ext uri="{9D8B030D-6E8A-4147-A177-3AD203B41FA5}">
-                      <a16:colId xmlns:a16="http://schemas.microsoft.com/office/drawing/2014/main" xmlns="" val="20001"/>
+                      <a16:colId xmlns="" xmlns:a16="http://schemas.microsoft.com/office/drawing/2014/main" val="20001"/>
                     </a:ext>
                   </a:extLst>
                 </a:gridCol>
@@ -11818,7 +11836,7 @@
                 </a:tc>
                 <a:extLst>
                   <a:ext uri="{0D108BD9-81ED-4DB2-BD59-A6C34878D82A}">
-                    <a16:rowId xmlns:a16="http://schemas.microsoft.com/office/drawing/2014/main" xmlns="" val="10000"/>
+                    <a16:rowId xmlns="" xmlns:a16="http://schemas.microsoft.com/office/drawing/2014/main" val="10000"/>
                   </a:ext>
                 </a:extLst>
               </a:tr>
@@ -11853,7 +11871,7 @@
                 </a:tc>
                 <a:extLst>
                   <a:ext uri="{0D108BD9-81ED-4DB2-BD59-A6C34878D82A}">
-                    <a16:rowId xmlns:a16="http://schemas.microsoft.com/office/drawing/2014/main" xmlns="" val="10001"/>
+                    <a16:rowId xmlns="" xmlns:a16="http://schemas.microsoft.com/office/drawing/2014/main" val="10001"/>
                   </a:ext>
                 </a:extLst>
               </a:tr>
@@ -11888,7 +11906,7 @@
                 </a:tc>
                 <a:extLst>
                   <a:ext uri="{0D108BD9-81ED-4DB2-BD59-A6C34878D82A}">
-                    <a16:rowId xmlns:a16="http://schemas.microsoft.com/office/drawing/2014/main" xmlns="" val="10002"/>
+                    <a16:rowId xmlns="" xmlns:a16="http://schemas.microsoft.com/office/drawing/2014/main" val="10002"/>
                   </a:ext>
                 </a:extLst>
               </a:tr>
@@ -11928,7 +11946,7 @@
                 </a:tc>
                 <a:extLst>
                   <a:ext uri="{0D108BD9-81ED-4DB2-BD59-A6C34878D82A}">
-                    <a16:rowId xmlns:a16="http://schemas.microsoft.com/office/drawing/2014/main" xmlns="" val="10003"/>
+                    <a16:rowId xmlns="" xmlns:a16="http://schemas.microsoft.com/office/drawing/2014/main" val="10003"/>
                   </a:ext>
                 </a:extLst>
               </a:tr>
@@ -13667,15 +13685,7 @@
             <a:pPr lvl="1"/>
             <a:r>
               <a:rPr lang="en-US" dirty="0"/>
-              <a:t>SQL Server Log File Visualizer &amp; </a:t>
-            </a:r>
-            <a:r>
-              <a:rPr lang="en-US"/>
-              <a:t>LSN Converter </a:t>
-            </a:r>
-            <a:r>
-              <a:rPr lang="en-US" dirty="0"/>
-              <a:t>binaries &amp; source</a:t>
+              <a:t>SQL Server Log File Visualizer &amp; LSN Converter binaries &amp; source</a:t>
             </a:r>
           </a:p>
           <a:p>

--- a/TransactionLog.pptx
+++ b/TransactionLog.pptx
@@ -5,7 +5,7 @@
     <p:sldMasterId id="2147483648" r:id="rId1"/>
   </p:sldMasterIdLst>
   <p:notesMasterIdLst>
-    <p:notesMasterId r:id="rId54"/>
+    <p:notesMasterId r:id="rId55"/>
   </p:notesMasterIdLst>
   <p:sldIdLst>
     <p:sldId id="328" r:id="rId2"/>
@@ -32,7 +32,7 @@
     <p:sldId id="348" r:id="rId23"/>
     <p:sldId id="364" r:id="rId24"/>
     <p:sldId id="349" r:id="rId25"/>
-    <p:sldId id="362" r:id="rId26"/>
+    <p:sldId id="382" r:id="rId26"/>
     <p:sldId id="350" r:id="rId27"/>
     <p:sldId id="363" r:id="rId28"/>
     <p:sldId id="351" r:id="rId29"/>
@@ -59,7 +59,8 @@
     <p:sldId id="365" r:id="rId50"/>
     <p:sldId id="367" r:id="rId51"/>
     <p:sldId id="370" r:id="rId52"/>
-    <p:sldId id="371" r:id="rId53"/>
+    <p:sldId id="381" r:id="rId53"/>
+    <p:sldId id="371" r:id="rId54"/>
   </p:sldIdLst>
   <p:sldSz cx="9144000" cy="6858000" type="screen4x3"/>
   <p:notesSz cx="6858000" cy="9144000"/>
@@ -259,7 +260,7 @@
           <a:p>
             <a:fld id="{2EDCB34D-5EC2-4739-9693-E425457AC201}" type="datetimeFigureOut">
               <a:rPr lang="en-US" smtClean="0"/>
-              <a:t>03/15/2017</a:t>
+              <a:t>03/27/2017</a:t>
             </a:fld>
             <a:endParaRPr lang="en-US"/>
           </a:p>
@@ -1029,7 +1030,7 @@
             <a:fld id="{5942B21B-2ADA-A040-A652-A7305E1B99FE}" type="datetimeFigureOut">
               <a:rPr lang="en-US" smtClean="0"/>
               <a:pPr/>
-              <a:t>03/15/2017</a:t>
+              <a:t>03/27/2017</a:t>
             </a:fld>
             <a:endParaRPr lang="en-US" dirty="0"/>
           </a:p>
@@ -1219,7 +1220,7 @@
           <a:p>
             <a:fld id="{5942B21B-2ADA-A040-A652-A7305E1B99FE}" type="datetimeFigureOut">
               <a:rPr lang="en-US" smtClean="0"/>
-              <a:t>03/15/2017</a:t>
+              <a:t>03/27/2017</a:t>
             </a:fld>
             <a:endParaRPr lang="en-US"/>
           </a:p>
@@ -1343,7 +1344,7 @@
             <a:fld id="{5942B21B-2ADA-A040-A652-A7305E1B99FE}" type="datetimeFigureOut">
               <a:rPr lang="en-US" smtClean="0"/>
               <a:pPr/>
-              <a:t>03/15/2017</a:t>
+              <a:t>03/27/2017</a:t>
             </a:fld>
             <a:r>
               <a:rPr lang="en-US"/>
@@ -1614,7 +1615,7 @@
             <a:fld id="{5942B21B-2ADA-A040-A652-A7305E1B99FE}" type="datetimeFigureOut">
               <a:rPr lang="en-US" smtClean="0"/>
               <a:pPr/>
-              <a:t>03/15/2017</a:t>
+              <a:t>03/27/2017</a:t>
             </a:fld>
             <a:r>
               <a:rPr lang="en-US" dirty="0"/>
@@ -1884,7 +1885,7 @@
             <a:fld id="{5942B21B-2ADA-A040-A652-A7305E1B99FE}" type="datetimeFigureOut">
               <a:rPr lang="en-US" smtClean="0"/>
               <a:pPr/>
-              <a:t>03/15/2017</a:t>
+              <a:t>03/27/2017</a:t>
             </a:fld>
             <a:r>
               <a:rPr lang="en-US" dirty="0"/>
@@ -2224,7 +2225,7 @@
             <a:fld id="{5942B21B-2ADA-A040-A652-A7305E1B99FE}" type="datetimeFigureOut">
               <a:rPr lang="en-US" smtClean="0"/>
               <a:pPr/>
-              <a:t>03/15/2017</a:t>
+              <a:t>03/27/2017</a:t>
             </a:fld>
             <a:r>
               <a:rPr lang="en-US" dirty="0"/>
@@ -2565,7 +2566,7 @@
             <a:fld id="{5942B21B-2ADA-A040-A652-A7305E1B99FE}" type="datetimeFigureOut">
               <a:rPr lang="en-US" smtClean="0"/>
               <a:pPr/>
-              <a:t>03/15/2017</a:t>
+              <a:t>03/27/2017</a:t>
             </a:fld>
             <a:r>
               <a:rPr lang="en-US" dirty="0"/>
@@ -3080,7 +3081,7 @@
             <a:fld id="{5942B21B-2ADA-A040-A652-A7305E1B99FE}" type="datetimeFigureOut">
               <a:rPr lang="en-US" smtClean="0"/>
               <a:pPr/>
-              <a:t>03/15/2017</a:t>
+              <a:t>03/27/2017</a:t>
             </a:fld>
             <a:r>
               <a:rPr lang="en-US" dirty="0"/>
@@ -3289,7 +3290,7 @@
             <a:fld id="{5942B21B-2ADA-A040-A652-A7305E1B99FE}" type="datetimeFigureOut">
               <a:rPr lang="en-US" smtClean="0"/>
               <a:pPr/>
-              <a:t>03/15/2017</a:t>
+              <a:t>03/27/2017</a:t>
             </a:fld>
             <a:r>
               <a:rPr lang="en-US" dirty="0"/>
@@ -3476,7 +3477,7 @@
             <a:fld id="{5942B21B-2ADA-A040-A652-A7305E1B99FE}" type="datetimeFigureOut">
               <a:rPr lang="en-US" smtClean="0"/>
               <a:pPr/>
-              <a:t>03/15/2017</a:t>
+              <a:t>03/27/2017</a:t>
             </a:fld>
             <a:r>
               <a:rPr lang="en-US" dirty="0"/>
@@ -3807,7 +3808,7 @@
             <a:fld id="{5942B21B-2ADA-A040-A652-A7305E1B99FE}" type="datetimeFigureOut">
               <a:rPr lang="en-US" smtClean="0"/>
               <a:pPr/>
-              <a:t>03/15/2017</a:t>
+              <a:t>03/27/2017</a:t>
             </a:fld>
             <a:r>
               <a:rPr lang="en-US" dirty="0"/>
@@ -4115,7 +4116,7 @@
             <a:fld id="{5942B21B-2ADA-A040-A652-A7305E1B99FE}" type="datetimeFigureOut">
               <a:rPr lang="en-US" smtClean="0"/>
               <a:pPr/>
-              <a:t>03/15/2017</a:t>
+              <a:t>03/27/2017</a:t>
             </a:fld>
             <a:r>
               <a:rPr lang="en-US" dirty="0"/>
@@ -4394,7 +4395,7 @@
             <a:fld id="{5942B21B-2ADA-A040-A652-A7305E1B99FE}" type="datetimeFigureOut">
               <a:rPr lang="en-US" smtClean="0"/>
               <a:pPr/>
-              <a:t>03/15/2017</a:t>
+              <a:t>03/27/2017</a:t>
             </a:fld>
             <a:r>
               <a:rPr lang="en-US" dirty="0"/>
@@ -7691,21 +7692,21 @@
                 <a:gridCol w="1895475">
                   <a:extLst>
                     <a:ext uri="{9D8B030D-6E8A-4147-A177-3AD203B41FA5}">
-                      <a16:colId xmlns:a16="http://schemas.microsoft.com/office/drawing/2014/main" xmlns="" val="20000"/>
+                      <a16:colId xmlns="" xmlns:a16="http://schemas.microsoft.com/office/drawing/2014/main" val="20000"/>
                     </a:ext>
                   </a:extLst>
                 </a:gridCol>
                 <a:gridCol w="3171825">
                   <a:extLst>
                     <a:ext uri="{9D8B030D-6E8A-4147-A177-3AD203B41FA5}">
-                      <a16:colId xmlns:a16="http://schemas.microsoft.com/office/drawing/2014/main" xmlns="" val="20001"/>
+                      <a16:colId xmlns="" xmlns:a16="http://schemas.microsoft.com/office/drawing/2014/main" val="20001"/>
                     </a:ext>
                   </a:extLst>
                 </a:gridCol>
                 <a:gridCol w="3162300">
                   <a:extLst>
                     <a:ext uri="{9D8B030D-6E8A-4147-A177-3AD203B41FA5}">
-                      <a16:colId xmlns:a16="http://schemas.microsoft.com/office/drawing/2014/main" xmlns="" val="20002"/>
+                      <a16:colId xmlns="" xmlns:a16="http://schemas.microsoft.com/office/drawing/2014/main" val="20002"/>
                     </a:ext>
                   </a:extLst>
                 </a:gridCol>
@@ -7752,7 +7753,7 @@
                 </a:tc>
                 <a:extLst>
                   <a:ext uri="{0D108BD9-81ED-4DB2-BD59-A6C34878D82A}">
-                    <a16:rowId xmlns:a16="http://schemas.microsoft.com/office/drawing/2014/main" xmlns="" val="10000"/>
+                    <a16:rowId xmlns="" xmlns:a16="http://schemas.microsoft.com/office/drawing/2014/main" val="10000"/>
                   </a:ext>
                 </a:extLst>
               </a:tr>
@@ -7815,7 +7816,7 @@
                 </a:tc>
                 <a:extLst>
                   <a:ext uri="{0D108BD9-81ED-4DB2-BD59-A6C34878D82A}">
-                    <a16:rowId xmlns:a16="http://schemas.microsoft.com/office/drawing/2014/main" xmlns="" val="10001"/>
+                    <a16:rowId xmlns="" xmlns:a16="http://schemas.microsoft.com/office/drawing/2014/main" val="10001"/>
                   </a:ext>
                 </a:extLst>
               </a:tr>
@@ -7886,7 +7887,7 @@
                 </a:tc>
                 <a:extLst>
                   <a:ext uri="{0D108BD9-81ED-4DB2-BD59-A6C34878D82A}">
-                    <a16:rowId xmlns:a16="http://schemas.microsoft.com/office/drawing/2014/main" xmlns="" val="10002"/>
+                    <a16:rowId xmlns="" xmlns:a16="http://schemas.microsoft.com/office/drawing/2014/main" val="10002"/>
                   </a:ext>
                 </a:extLst>
               </a:tr>
@@ -7932,7 +7933,7 @@
                 </a:tc>
                 <a:extLst>
                   <a:ext uri="{0D108BD9-81ED-4DB2-BD59-A6C34878D82A}">
-                    <a16:rowId xmlns:a16="http://schemas.microsoft.com/office/drawing/2014/main" xmlns="" val="10003"/>
+                    <a16:rowId xmlns="" xmlns:a16="http://schemas.microsoft.com/office/drawing/2014/main" val="10003"/>
                   </a:ext>
                 </a:extLst>
               </a:tr>
@@ -7983,7 +7984,7 @@
                 </a:tc>
                 <a:extLst>
                   <a:ext uri="{0D108BD9-81ED-4DB2-BD59-A6C34878D82A}">
-                    <a16:rowId xmlns:a16="http://schemas.microsoft.com/office/drawing/2014/main" xmlns="" val="3543017676"/>
+                    <a16:rowId xmlns="" xmlns:a16="http://schemas.microsoft.com/office/drawing/2014/main" val="3543017676"/>
                   </a:ext>
                 </a:extLst>
               </a:tr>
@@ -8448,8 +8449,26 @@
             </a:pPr>
             <a:r>
               <a:rPr lang="en-US" dirty="0"/>
-              <a:t>DBCC LOGINFO</a:t>
-            </a:r>
+              <a:t>DBCC </a:t>
+            </a:r>
+            <a:r>
+              <a:rPr lang="en-US" dirty="0" smtClean="0"/>
+              <a:t>LOGINFO</a:t>
+            </a:r>
+          </a:p>
+          <a:p>
+            <a:pPr marL="0" indent="0">
+              <a:buNone/>
+            </a:pPr>
+            <a:r>
+              <a:rPr lang="en-US" dirty="0"/>
+              <a:t>	</a:t>
+            </a:r>
+            <a:r>
+              <a:rPr lang="en-US" smtClean="0"/>
+              <a:t>	+ Log File Visualizer</a:t>
+            </a:r>
+            <a:endParaRPr lang="en-US" dirty="0" smtClean="0"/>
           </a:p>
         </p:txBody>
       </p:sp>
@@ -8480,7 +8499,7 @@
     </p:spTree>
     <p:extLst>
       <p:ext uri="{BB962C8B-B14F-4D97-AF65-F5344CB8AC3E}">
-        <p14:creationId xmlns:p14="http://schemas.microsoft.com/office/powerpoint/2010/main" val="4134537087"/>
+        <p14:creationId xmlns:p14="http://schemas.microsoft.com/office/powerpoint/2010/main" val="3548094933"/>
       </p:ext>
     </p:extLst>
   </p:cSld>
@@ -9380,11 +9399,11 @@
   <p:clrMapOvr>
     <a:masterClrMapping/>
   </p:clrMapOvr>
-  <mc:AlternateContent xmlns:mc="http://schemas.openxmlformats.org/markup-compatibility/2006">
-    <mc:Choice xmlns:p14="http://schemas.microsoft.com/office/powerpoint/2010/main" Requires="p14">
+  <mc:AlternateContent xmlns:mc="http://schemas.openxmlformats.org/markup-compatibility/2006" xmlns:p14="http://schemas.microsoft.com/office/powerpoint/2010/main">
+    <mc:Choice Requires="p14">
       <p:transition spd="slow" p14:dur="2000"/>
     </mc:Choice>
-    <mc:Fallback>
+    <mc:Fallback xmlns="">
       <p:transition spd="slow"/>
     </mc:Fallback>
   </mc:AlternateContent>
@@ -11442,14 +11461,14 @@
                 <a:gridCol w="3048000">
                   <a:extLst>
                     <a:ext uri="{9D8B030D-6E8A-4147-A177-3AD203B41FA5}">
-                      <a16:colId xmlns:a16="http://schemas.microsoft.com/office/drawing/2014/main" xmlns="" val="20000"/>
+                      <a16:colId xmlns="" xmlns:a16="http://schemas.microsoft.com/office/drawing/2014/main" val="20000"/>
                     </a:ext>
                   </a:extLst>
                 </a:gridCol>
                 <a:gridCol w="3048000">
                   <a:extLst>
                     <a:ext uri="{9D8B030D-6E8A-4147-A177-3AD203B41FA5}">
-                      <a16:colId xmlns:a16="http://schemas.microsoft.com/office/drawing/2014/main" xmlns="" val="20001"/>
+                      <a16:colId xmlns="" xmlns:a16="http://schemas.microsoft.com/office/drawing/2014/main" val="20001"/>
                     </a:ext>
                   </a:extLst>
                 </a:gridCol>
@@ -11495,7 +11514,7 @@
                 </a:tc>
                 <a:extLst>
                   <a:ext uri="{0D108BD9-81ED-4DB2-BD59-A6C34878D82A}">
-                    <a16:rowId xmlns:a16="http://schemas.microsoft.com/office/drawing/2014/main" xmlns="" val="10000"/>
+                    <a16:rowId xmlns="" xmlns:a16="http://schemas.microsoft.com/office/drawing/2014/main" val="10000"/>
                   </a:ext>
                 </a:extLst>
               </a:tr>
@@ -11530,7 +11549,7 @@
                 </a:tc>
                 <a:extLst>
                   <a:ext uri="{0D108BD9-81ED-4DB2-BD59-A6C34878D82A}">
-                    <a16:rowId xmlns:a16="http://schemas.microsoft.com/office/drawing/2014/main" xmlns="" val="10001"/>
+                    <a16:rowId xmlns="" xmlns:a16="http://schemas.microsoft.com/office/drawing/2014/main" val="10001"/>
                   </a:ext>
                 </a:extLst>
               </a:tr>
@@ -11565,7 +11584,7 @@
                 </a:tc>
                 <a:extLst>
                   <a:ext uri="{0D108BD9-81ED-4DB2-BD59-A6C34878D82A}">
-                    <a16:rowId xmlns:a16="http://schemas.microsoft.com/office/drawing/2014/main" xmlns="" val="10002"/>
+                    <a16:rowId xmlns="" xmlns:a16="http://schemas.microsoft.com/office/drawing/2014/main" val="10002"/>
                   </a:ext>
                 </a:extLst>
               </a:tr>
@@ -11605,7 +11624,7 @@
                 </a:tc>
                 <a:extLst>
                   <a:ext uri="{0D108BD9-81ED-4DB2-BD59-A6C34878D82A}">
-                    <a16:rowId xmlns:a16="http://schemas.microsoft.com/office/drawing/2014/main" xmlns="" val="10003"/>
+                    <a16:rowId xmlns="" xmlns:a16="http://schemas.microsoft.com/office/drawing/2014/main" val="10003"/>
                   </a:ext>
                 </a:extLst>
               </a:tr>
@@ -12509,6 +12528,731 @@
 </file>
 
 <file path=ppt/slides/slide52.xml><?xml version="1.0" encoding="utf-8"?>
+<p:sld xmlns:a="http://schemas.openxmlformats.org/drawingml/2006/main" xmlns:r="http://schemas.openxmlformats.org/officeDocument/2006/relationships" xmlns:p="http://schemas.openxmlformats.org/presentationml/2006/main">
+  <p:cSld>
+    <p:spTree>
+      <p:nvGrpSpPr>
+        <p:cNvPr id="1" name=""/>
+        <p:cNvGrpSpPr/>
+        <p:nvPr/>
+      </p:nvGrpSpPr>
+      <p:grpSpPr>
+        <a:xfrm>
+          <a:off x="0" y="0"/>
+          <a:ext cx="0" cy="0"/>
+          <a:chOff x="0" y="0"/>
+          <a:chExt cx="0" cy="0"/>
+        </a:xfrm>
+      </p:grpSpPr>
+      <p:sp>
+        <p:nvSpPr>
+          <p:cNvPr id="2" name="Title 1"/>
+          <p:cNvSpPr>
+            <a:spLocks noGrp="1"/>
+          </p:cNvSpPr>
+          <p:nvPr>
+            <p:ph type="title"/>
+          </p:nvPr>
+        </p:nvSpPr>
+        <p:spPr/>
+        <p:txBody>
+          <a:bodyPr/>
+          <a:lstStyle/>
+          <a:p>
+            <a:r>
+              <a:rPr lang="en-US" dirty="0" smtClean="0"/>
+              <a:t>Log Monitoring, continued</a:t>
+            </a:r>
+            <a:endParaRPr lang="en-US" dirty="0"/>
+          </a:p>
+        </p:txBody>
+      </p:sp>
+      <p:sp>
+        <p:nvSpPr>
+          <p:cNvPr id="3" name="Content Placeholder 2"/>
+          <p:cNvSpPr>
+            <a:spLocks noGrp="1"/>
+          </p:cNvSpPr>
+          <p:nvPr>
+            <p:ph idx="1"/>
+          </p:nvPr>
+        </p:nvSpPr>
+        <p:spPr/>
+        <p:txBody>
+          <a:bodyPr>
+            <a:normAutofit lnSpcReduction="10000"/>
+          </a:bodyPr>
+          <a:lstStyle/>
+          <a:p>
+            <a:r>
+              <a:rPr lang="en-US" dirty="0" err="1" smtClean="0"/>
+              <a:t>PerfMon</a:t>
+            </a:r>
+            <a:r>
+              <a:rPr lang="en-US" dirty="0" smtClean="0"/>
+              <a:t> counters</a:t>
+            </a:r>
+          </a:p>
+          <a:p>
+            <a:pPr lvl="1"/>
+            <a:r>
+              <a:rPr lang="en-US" dirty="0" smtClean="0"/>
+              <a:t>One row per counter per database (plus rollup)</a:t>
+            </a:r>
+          </a:p>
+          <a:p>
+            <a:pPr lvl="1"/>
+            <a:r>
+              <a:rPr lang="en-US" dirty="0"/>
+              <a:t>Paul </a:t>
+            </a:r>
+            <a:r>
+              <a:rPr lang="en-US"/>
+              <a:t>Randal </a:t>
+            </a:r>
+            <a:r>
+              <a:rPr lang="en-US" smtClean="0">
+                <a:hlinkClick r:id="rId2"/>
+              </a:rPr>
+              <a:t>explains</a:t>
+            </a:r>
+            <a:r>
+              <a:rPr lang="en-US" smtClean="0"/>
+              <a:t> what </a:t>
+            </a:r>
+            <a:r>
+              <a:rPr lang="en-US" dirty="0"/>
+              <a:t>to look for</a:t>
+            </a:r>
+            <a:r>
+              <a:rPr lang="en-US" dirty="0" smtClean="0"/>
+              <a:t>.</a:t>
+            </a:r>
+          </a:p>
+          <a:p>
+            <a:pPr lvl="1"/>
+            <a:endParaRPr lang="en-US" dirty="0" smtClean="0"/>
+          </a:p>
+          <a:p>
+            <a:pPr marL="0" indent="0">
+              <a:buNone/>
+            </a:pPr>
+            <a:r>
+              <a:rPr lang="en-US" sz="2400" dirty="0">
+                <a:solidFill>
+                  <a:srgbClr val="0000FF"/>
+                </a:solidFill>
+                <a:highlight>
+                  <a:srgbClr val="FFFFFF"/>
+                </a:highlight>
+                <a:latin typeface="Consolas" panose="020B0609020204030204" pitchFamily="49" charset="0"/>
+              </a:rPr>
+              <a:t>select</a:t>
+            </a:r>
+            <a:r>
+              <a:rPr lang="en-US" sz="2400" dirty="0">
+                <a:solidFill>
+                  <a:srgbClr val="000000"/>
+                </a:solidFill>
+                <a:highlight>
+                  <a:srgbClr val="FFFFFF"/>
+                </a:highlight>
+                <a:latin typeface="Consolas" panose="020B0609020204030204" pitchFamily="49" charset="0"/>
+              </a:rPr>
+              <a:t> </a:t>
+            </a:r>
+            <a:r>
+              <a:rPr lang="en-US" sz="2400" dirty="0" err="1">
+                <a:solidFill>
+                  <a:srgbClr val="FF00FF"/>
+                </a:solidFill>
+                <a:highlight>
+                  <a:srgbClr val="FFFFFF"/>
+                </a:highlight>
+                <a:latin typeface="Consolas" panose="020B0609020204030204" pitchFamily="49" charset="0"/>
+              </a:rPr>
+              <a:t>object_name</a:t>
+            </a:r>
+            <a:r>
+              <a:rPr lang="en-US" sz="2400" dirty="0">
+                <a:solidFill>
+                  <a:srgbClr val="808080"/>
+                </a:solidFill>
+                <a:highlight>
+                  <a:srgbClr val="FFFFFF"/>
+                </a:highlight>
+                <a:latin typeface="Consolas" panose="020B0609020204030204" pitchFamily="49" charset="0"/>
+              </a:rPr>
+              <a:t>,</a:t>
+            </a:r>
+            <a:r>
+              <a:rPr lang="en-US" sz="2400" dirty="0">
+                <a:solidFill>
+                  <a:srgbClr val="000000"/>
+                </a:solidFill>
+                <a:highlight>
+                  <a:srgbClr val="FFFFFF"/>
+                </a:highlight>
+                <a:latin typeface="Consolas" panose="020B0609020204030204" pitchFamily="49" charset="0"/>
+              </a:rPr>
+              <a:t> </a:t>
+            </a:r>
+            <a:r>
+              <a:rPr lang="en-US" sz="2400" dirty="0" err="1">
+                <a:solidFill>
+                  <a:srgbClr val="000000"/>
+                </a:solidFill>
+                <a:highlight>
+                  <a:srgbClr val="FFFFFF"/>
+                </a:highlight>
+                <a:latin typeface="Consolas" panose="020B0609020204030204" pitchFamily="49" charset="0"/>
+              </a:rPr>
+              <a:t>counter_name</a:t>
+            </a:r>
+            <a:r>
+              <a:rPr lang="en-US" sz="2400" dirty="0">
+                <a:solidFill>
+                  <a:srgbClr val="808080"/>
+                </a:solidFill>
+                <a:highlight>
+                  <a:srgbClr val="FFFFFF"/>
+                </a:highlight>
+                <a:latin typeface="Consolas" panose="020B0609020204030204" pitchFamily="49" charset="0"/>
+              </a:rPr>
+              <a:t>,</a:t>
+            </a:r>
+            <a:r>
+              <a:rPr lang="en-US" sz="2400" dirty="0">
+                <a:solidFill>
+                  <a:srgbClr val="000000"/>
+                </a:solidFill>
+                <a:highlight>
+                  <a:srgbClr val="FFFFFF"/>
+                </a:highlight>
+                <a:latin typeface="Consolas" panose="020B0609020204030204" pitchFamily="49" charset="0"/>
+              </a:rPr>
+              <a:t> </a:t>
+            </a:r>
+            <a:r>
+              <a:rPr lang="en-US" sz="2400" dirty="0" err="1">
+                <a:solidFill>
+                  <a:srgbClr val="000000"/>
+                </a:solidFill>
+                <a:highlight>
+                  <a:srgbClr val="FFFFFF"/>
+                </a:highlight>
+                <a:latin typeface="Consolas" panose="020B0609020204030204" pitchFamily="49" charset="0"/>
+              </a:rPr>
+              <a:t>instance_name</a:t>
+            </a:r>
+            <a:r>
+              <a:rPr lang="en-US" sz="2400" dirty="0">
+                <a:solidFill>
+                  <a:srgbClr val="808080"/>
+                </a:solidFill>
+                <a:highlight>
+                  <a:srgbClr val="FFFFFF"/>
+                </a:highlight>
+                <a:latin typeface="Consolas" panose="020B0609020204030204" pitchFamily="49" charset="0"/>
+              </a:rPr>
+              <a:t>,</a:t>
+            </a:r>
+            <a:r>
+              <a:rPr lang="en-US" sz="2400" dirty="0">
+                <a:solidFill>
+                  <a:srgbClr val="000000"/>
+                </a:solidFill>
+                <a:highlight>
+                  <a:srgbClr val="FFFFFF"/>
+                </a:highlight>
+                <a:latin typeface="Consolas" panose="020B0609020204030204" pitchFamily="49" charset="0"/>
+              </a:rPr>
+              <a:t> </a:t>
+            </a:r>
+            <a:r>
+              <a:rPr lang="en-US" sz="2400" dirty="0" err="1">
+                <a:solidFill>
+                  <a:srgbClr val="000000"/>
+                </a:solidFill>
+                <a:highlight>
+                  <a:srgbClr val="FFFFFF"/>
+                </a:highlight>
+                <a:latin typeface="Consolas" panose="020B0609020204030204" pitchFamily="49" charset="0"/>
+              </a:rPr>
+              <a:t>cntr_value</a:t>
+            </a:r>
+            <a:endParaRPr lang="en-US" sz="2400" dirty="0">
+              <a:solidFill>
+                <a:srgbClr val="000000"/>
+              </a:solidFill>
+              <a:highlight>
+                <a:srgbClr val="FFFFFF"/>
+              </a:highlight>
+              <a:latin typeface="Consolas" panose="020B0609020204030204" pitchFamily="49" charset="0"/>
+            </a:endParaRPr>
+          </a:p>
+          <a:p>
+            <a:pPr marL="0" indent="0">
+              <a:buNone/>
+            </a:pPr>
+            <a:r>
+              <a:rPr lang="en-US" sz="2400" dirty="0">
+                <a:solidFill>
+                  <a:srgbClr val="0000FF"/>
+                </a:solidFill>
+                <a:highlight>
+                  <a:srgbClr val="FFFFFF"/>
+                </a:highlight>
+                <a:latin typeface="Consolas" panose="020B0609020204030204" pitchFamily="49" charset="0"/>
+              </a:rPr>
+              <a:t>from</a:t>
+            </a:r>
+            <a:r>
+              <a:rPr lang="en-US" sz="2400" dirty="0">
+                <a:solidFill>
+                  <a:srgbClr val="000000"/>
+                </a:solidFill>
+                <a:highlight>
+                  <a:srgbClr val="FFFFFF"/>
+                </a:highlight>
+                <a:latin typeface="Consolas" panose="020B0609020204030204" pitchFamily="49" charset="0"/>
+              </a:rPr>
+              <a:t> </a:t>
+            </a:r>
+            <a:r>
+              <a:rPr lang="en-US" sz="2400" dirty="0" err="1">
+                <a:solidFill>
+                  <a:srgbClr val="00FF00"/>
+                </a:solidFill>
+                <a:highlight>
+                  <a:srgbClr val="FFFFFF"/>
+                </a:highlight>
+                <a:latin typeface="Consolas" panose="020B0609020204030204" pitchFamily="49" charset="0"/>
+              </a:rPr>
+              <a:t>sys</a:t>
+            </a:r>
+            <a:r>
+              <a:rPr lang="en-US" sz="2400" dirty="0" err="1">
+                <a:solidFill>
+                  <a:srgbClr val="808080"/>
+                </a:solidFill>
+                <a:highlight>
+                  <a:srgbClr val="FFFFFF"/>
+                </a:highlight>
+                <a:latin typeface="Consolas" panose="020B0609020204030204" pitchFamily="49" charset="0"/>
+              </a:rPr>
+              <a:t>.</a:t>
+            </a:r>
+            <a:r>
+              <a:rPr lang="en-US" sz="2400" dirty="0" err="1">
+                <a:solidFill>
+                  <a:srgbClr val="00FF00"/>
+                </a:solidFill>
+                <a:highlight>
+                  <a:srgbClr val="FFFFFF"/>
+                </a:highlight>
+                <a:latin typeface="Consolas" panose="020B0609020204030204" pitchFamily="49" charset="0"/>
+              </a:rPr>
+              <a:t>dm_os_performance_counters</a:t>
+            </a:r>
+            <a:endParaRPr lang="en-US" sz="2400" dirty="0">
+              <a:solidFill>
+                <a:srgbClr val="000000"/>
+              </a:solidFill>
+              <a:highlight>
+                <a:srgbClr val="FFFFFF"/>
+              </a:highlight>
+              <a:latin typeface="Consolas" panose="020B0609020204030204" pitchFamily="49" charset="0"/>
+            </a:endParaRPr>
+          </a:p>
+          <a:p>
+            <a:pPr marL="0" indent="0">
+              <a:buNone/>
+            </a:pPr>
+            <a:r>
+              <a:rPr lang="en-US" sz="2400" dirty="0">
+                <a:solidFill>
+                  <a:srgbClr val="0000FF"/>
+                </a:solidFill>
+                <a:highlight>
+                  <a:srgbClr val="FFFFFF"/>
+                </a:highlight>
+                <a:latin typeface="Consolas" panose="020B0609020204030204" pitchFamily="49" charset="0"/>
+              </a:rPr>
+              <a:t>where</a:t>
+            </a:r>
+            <a:r>
+              <a:rPr lang="en-US" sz="2400" dirty="0">
+                <a:solidFill>
+                  <a:srgbClr val="000000"/>
+                </a:solidFill>
+                <a:highlight>
+                  <a:srgbClr val="FFFFFF"/>
+                </a:highlight>
+                <a:latin typeface="Consolas" panose="020B0609020204030204" pitchFamily="49" charset="0"/>
+              </a:rPr>
+              <a:t> </a:t>
+            </a:r>
+            <a:r>
+              <a:rPr lang="en-US" sz="2400" dirty="0" err="1">
+                <a:solidFill>
+                  <a:srgbClr val="000000"/>
+                </a:solidFill>
+                <a:highlight>
+                  <a:srgbClr val="FFFFFF"/>
+                </a:highlight>
+                <a:latin typeface="Consolas" panose="020B0609020204030204" pitchFamily="49" charset="0"/>
+              </a:rPr>
+              <a:t>counter_name</a:t>
+            </a:r>
+            <a:r>
+              <a:rPr lang="en-US" sz="2400" dirty="0">
+                <a:solidFill>
+                  <a:srgbClr val="000000"/>
+                </a:solidFill>
+                <a:highlight>
+                  <a:srgbClr val="FFFFFF"/>
+                </a:highlight>
+                <a:latin typeface="Consolas" panose="020B0609020204030204" pitchFamily="49" charset="0"/>
+              </a:rPr>
+              <a:t> </a:t>
+            </a:r>
+            <a:r>
+              <a:rPr lang="en-US" sz="2400" dirty="0">
+                <a:solidFill>
+                  <a:srgbClr val="808080"/>
+                </a:solidFill>
+                <a:highlight>
+                  <a:srgbClr val="FFFFFF"/>
+                </a:highlight>
+                <a:latin typeface="Consolas" panose="020B0609020204030204" pitchFamily="49" charset="0"/>
+              </a:rPr>
+              <a:t>in</a:t>
+            </a:r>
+            <a:r>
+              <a:rPr lang="en-US" sz="2400" dirty="0">
+                <a:solidFill>
+                  <a:srgbClr val="0000FF"/>
+                </a:solidFill>
+                <a:highlight>
+                  <a:srgbClr val="FFFFFF"/>
+                </a:highlight>
+                <a:latin typeface="Consolas" panose="020B0609020204030204" pitchFamily="49" charset="0"/>
+              </a:rPr>
+              <a:t> </a:t>
+            </a:r>
+            <a:r>
+              <a:rPr lang="en-US" sz="2400" dirty="0">
+                <a:solidFill>
+                  <a:srgbClr val="808080"/>
+                </a:solidFill>
+                <a:highlight>
+                  <a:srgbClr val="FFFFFF"/>
+                </a:highlight>
+                <a:latin typeface="Consolas" panose="020B0609020204030204" pitchFamily="49" charset="0"/>
+              </a:rPr>
+              <a:t>(</a:t>
+            </a:r>
+            <a:r>
+              <a:rPr lang="en-US" sz="2400" dirty="0">
+                <a:solidFill>
+                  <a:srgbClr val="FF0000"/>
+                </a:solidFill>
+                <a:highlight>
+                  <a:srgbClr val="FFFFFF"/>
+                </a:highlight>
+                <a:latin typeface="Consolas" panose="020B0609020204030204" pitchFamily="49" charset="0"/>
+              </a:rPr>
+              <a:t>'Log Growths'</a:t>
+            </a:r>
+            <a:r>
+              <a:rPr lang="en-US" sz="2400" dirty="0">
+                <a:solidFill>
+                  <a:srgbClr val="808080"/>
+                </a:solidFill>
+                <a:highlight>
+                  <a:srgbClr val="FFFFFF"/>
+                </a:highlight>
+                <a:latin typeface="Consolas" panose="020B0609020204030204" pitchFamily="49" charset="0"/>
+              </a:rPr>
+              <a:t>,</a:t>
+            </a:r>
+            <a:r>
+              <a:rPr lang="en-US" sz="2400" dirty="0">
+                <a:solidFill>
+                  <a:srgbClr val="000000"/>
+                </a:solidFill>
+                <a:highlight>
+                  <a:srgbClr val="FFFFFF"/>
+                </a:highlight>
+                <a:latin typeface="Consolas" panose="020B0609020204030204" pitchFamily="49" charset="0"/>
+              </a:rPr>
+              <a:t> </a:t>
+            </a:r>
+            <a:r>
+              <a:rPr lang="en-US" sz="2400" dirty="0">
+                <a:solidFill>
+                  <a:srgbClr val="FF0000"/>
+                </a:solidFill>
+                <a:highlight>
+                  <a:srgbClr val="FFFFFF"/>
+                </a:highlight>
+                <a:latin typeface="Consolas" panose="020B0609020204030204" pitchFamily="49" charset="0"/>
+              </a:rPr>
+              <a:t>'Log Shrinks'</a:t>
+            </a:r>
+            <a:r>
+              <a:rPr lang="en-US" sz="2400" dirty="0">
+                <a:solidFill>
+                  <a:srgbClr val="808080"/>
+                </a:solidFill>
+                <a:highlight>
+                  <a:srgbClr val="FFFFFF"/>
+                </a:highlight>
+                <a:latin typeface="Consolas" panose="020B0609020204030204" pitchFamily="49" charset="0"/>
+              </a:rPr>
+              <a:t>,</a:t>
+            </a:r>
+            <a:r>
+              <a:rPr lang="en-US" sz="2400" dirty="0">
+                <a:solidFill>
+                  <a:srgbClr val="000000"/>
+                </a:solidFill>
+                <a:highlight>
+                  <a:srgbClr val="FFFFFF"/>
+                </a:highlight>
+                <a:latin typeface="Consolas" panose="020B0609020204030204" pitchFamily="49" charset="0"/>
+              </a:rPr>
+              <a:t> </a:t>
+            </a:r>
+            <a:r>
+              <a:rPr lang="en-US" sz="2400" dirty="0">
+                <a:solidFill>
+                  <a:srgbClr val="FF0000"/>
+                </a:solidFill>
+                <a:highlight>
+                  <a:srgbClr val="FFFFFF"/>
+                </a:highlight>
+                <a:latin typeface="Consolas" panose="020B0609020204030204" pitchFamily="49" charset="0"/>
+              </a:rPr>
+              <a:t>'Percent Log Used'</a:t>
+            </a:r>
+            <a:r>
+              <a:rPr lang="en-US" sz="2400" dirty="0">
+                <a:solidFill>
+                  <a:srgbClr val="808080"/>
+                </a:solidFill>
+                <a:highlight>
+                  <a:srgbClr val="FFFFFF"/>
+                </a:highlight>
+                <a:latin typeface="Consolas" panose="020B0609020204030204" pitchFamily="49" charset="0"/>
+              </a:rPr>
+              <a:t>,</a:t>
+            </a:r>
+            <a:r>
+              <a:rPr lang="en-US" sz="2400" dirty="0">
+                <a:solidFill>
+                  <a:srgbClr val="000000"/>
+                </a:solidFill>
+                <a:highlight>
+                  <a:srgbClr val="FFFFFF"/>
+                </a:highlight>
+                <a:latin typeface="Consolas" panose="020B0609020204030204" pitchFamily="49" charset="0"/>
+              </a:rPr>
+              <a:t> </a:t>
+            </a:r>
+            <a:r>
+              <a:rPr lang="en-US" sz="2400" dirty="0">
+                <a:solidFill>
+                  <a:srgbClr val="FF0000"/>
+                </a:solidFill>
+                <a:highlight>
+                  <a:srgbClr val="FFFFFF"/>
+                </a:highlight>
+                <a:latin typeface="Consolas" panose="020B0609020204030204" pitchFamily="49" charset="0"/>
+              </a:rPr>
+              <a:t>'Log Flush Waits/sec'</a:t>
+            </a:r>
+            <a:r>
+              <a:rPr lang="en-US" sz="2400" dirty="0">
+                <a:solidFill>
+                  <a:srgbClr val="808080"/>
+                </a:solidFill>
+                <a:highlight>
+                  <a:srgbClr val="FFFFFF"/>
+                </a:highlight>
+                <a:latin typeface="Consolas" panose="020B0609020204030204" pitchFamily="49" charset="0"/>
+              </a:rPr>
+              <a:t>,</a:t>
+            </a:r>
+            <a:r>
+              <a:rPr lang="en-US" sz="2400" dirty="0">
+                <a:solidFill>
+                  <a:srgbClr val="000000"/>
+                </a:solidFill>
+                <a:highlight>
+                  <a:srgbClr val="FFFFFF"/>
+                </a:highlight>
+                <a:latin typeface="Consolas" panose="020B0609020204030204" pitchFamily="49" charset="0"/>
+              </a:rPr>
+              <a:t> </a:t>
+            </a:r>
+            <a:r>
+              <a:rPr lang="en-US" sz="2400" dirty="0">
+                <a:solidFill>
+                  <a:srgbClr val="FF0000"/>
+                </a:solidFill>
+                <a:highlight>
+                  <a:srgbClr val="FFFFFF"/>
+                </a:highlight>
+                <a:latin typeface="Consolas" panose="020B0609020204030204" pitchFamily="49" charset="0"/>
+              </a:rPr>
+              <a:t>'Log Bytes Flushed/sec'</a:t>
+            </a:r>
+            <a:r>
+              <a:rPr lang="en-US" sz="2400" dirty="0">
+                <a:solidFill>
+                  <a:srgbClr val="808080"/>
+                </a:solidFill>
+                <a:highlight>
+                  <a:srgbClr val="FFFFFF"/>
+                </a:highlight>
+                <a:latin typeface="Consolas" panose="020B0609020204030204" pitchFamily="49" charset="0"/>
+              </a:rPr>
+              <a:t>,</a:t>
+            </a:r>
+            <a:r>
+              <a:rPr lang="en-US" sz="2400" dirty="0">
+                <a:solidFill>
+                  <a:srgbClr val="000000"/>
+                </a:solidFill>
+                <a:highlight>
+                  <a:srgbClr val="FFFFFF"/>
+                </a:highlight>
+                <a:latin typeface="Consolas" panose="020B0609020204030204" pitchFamily="49" charset="0"/>
+              </a:rPr>
+              <a:t> </a:t>
+            </a:r>
+            <a:r>
+              <a:rPr lang="en-US" sz="2400" dirty="0">
+                <a:solidFill>
+                  <a:srgbClr val="FF0000"/>
+                </a:solidFill>
+                <a:highlight>
+                  <a:srgbClr val="FFFFFF"/>
+                </a:highlight>
+                <a:latin typeface="Consolas" panose="020B0609020204030204" pitchFamily="49" charset="0"/>
+              </a:rPr>
+              <a:t>'Log Flushes/sec</a:t>
+            </a:r>
+            <a:r>
+              <a:rPr lang="en-US" sz="2400" dirty="0" smtClean="0">
+                <a:solidFill>
+                  <a:srgbClr val="FF0000"/>
+                </a:solidFill>
+                <a:highlight>
+                  <a:srgbClr val="FFFFFF"/>
+                </a:highlight>
+                <a:latin typeface="Consolas" panose="020B0609020204030204" pitchFamily="49" charset="0"/>
+              </a:rPr>
+              <a:t>'</a:t>
+            </a:r>
+            <a:r>
+              <a:rPr lang="en-US" sz="2400" dirty="0" smtClean="0">
+                <a:solidFill>
+                  <a:srgbClr val="808080"/>
+                </a:solidFill>
+                <a:highlight>
+                  <a:srgbClr val="FFFFFF"/>
+                </a:highlight>
+                <a:latin typeface="Consolas" panose="020B0609020204030204" pitchFamily="49" charset="0"/>
+              </a:rPr>
+              <a:t>);</a:t>
+            </a:r>
+            <a:endParaRPr lang="en-US" sz="2400" dirty="0">
+              <a:solidFill>
+                <a:srgbClr val="000000"/>
+              </a:solidFill>
+              <a:highlight>
+                <a:srgbClr val="FFFFFF"/>
+              </a:highlight>
+              <a:latin typeface="Consolas" panose="020B0609020204030204" pitchFamily="49" charset="0"/>
+            </a:endParaRPr>
+          </a:p>
+        </p:txBody>
+      </p:sp>
+      <p:sp>
+        <p:nvSpPr>
+          <p:cNvPr id="4" name="Footer Placeholder 3"/>
+          <p:cNvSpPr>
+            <a:spLocks noGrp="1"/>
+          </p:cNvSpPr>
+          <p:nvPr>
+            <p:ph type="ftr" sz="quarter" idx="3"/>
+          </p:nvPr>
+        </p:nvSpPr>
+        <p:spPr/>
+        <p:txBody>
+          <a:bodyPr/>
+          <a:lstStyle/>
+          <a:p>
+            <a:r>
+              <a:rPr lang="en-US" smtClean="0"/>
+              <a:t>3/25/2017</a:t>
+            </a:r>
+            <a:endParaRPr lang="en-US" dirty="0"/>
+          </a:p>
+        </p:txBody>
+      </p:sp>
+      <p:sp>
+        <p:nvSpPr>
+          <p:cNvPr id="5" name="Slide Number Placeholder 4"/>
+          <p:cNvSpPr>
+            <a:spLocks noGrp="1"/>
+          </p:cNvSpPr>
+          <p:nvPr>
+            <p:ph type="sldNum" sz="quarter" idx="4"/>
+          </p:nvPr>
+        </p:nvSpPr>
+        <p:spPr/>
+        <p:txBody>
+          <a:bodyPr/>
+          <a:lstStyle/>
+          <a:p>
+            <a:fld id="{87FD5303-69AD-2E4D-B18B-E5EED0F0A60B}" type="slidenum">
+              <a:rPr lang="en-US" smtClean="0"/>
+              <a:pPr/>
+              <a:t>52</a:t>
+            </a:fld>
+            <a:r>
+              <a:rPr lang="en-US" smtClean="0"/>
+              <a:t>  |  </a:t>
+            </a:r>
+            <a:endParaRPr lang="en-US" dirty="0"/>
+          </a:p>
+        </p:txBody>
+      </p:sp>
+    </p:spTree>
+    <p:extLst>
+      <p:ext uri="{BB962C8B-B14F-4D97-AF65-F5344CB8AC3E}">
+        <p14:creationId xmlns:p14="http://schemas.microsoft.com/office/powerpoint/2010/main" val="619546189"/>
+      </p:ext>
+    </p:extLst>
+  </p:cSld>
+  <p:clrMapOvr>
+    <a:masterClrMapping/>
+  </p:clrMapOvr>
+  <p:timing>
+    <p:tnLst>
+      <p:par>
+        <p:cTn id="1" dur="indefinite" restart="never" nodeType="tmRoot"/>
+      </p:par>
+    </p:tnLst>
+  </p:timing>
+</p:sld>
+</file>
+
+<file path=ppt/slides/slide53.xml><?xml version="1.0" encoding="utf-8"?>
 <p:sld xmlns:a="http://schemas.openxmlformats.org/drawingml/2006/main" xmlns:r="http://schemas.openxmlformats.org/officeDocument/2006/relationships" xmlns:p="http://schemas.openxmlformats.org/presentationml/2006/main">
   <p:cSld>
     <p:spTree>

--- a/TransactionLog.pptx
+++ b/TransactionLog.pptx
@@ -5,63 +5,62 @@
     <p:sldMasterId id="2147483648" r:id="rId1"/>
   </p:sldMasterIdLst>
   <p:notesMasterIdLst>
-    <p:notesMasterId r:id="rId56"/>
+    <p:notesMasterId r:id="rId55"/>
   </p:notesMasterIdLst>
   <p:sldIdLst>
     <p:sldId id="262" r:id="rId2"/>
-    <p:sldId id="314" r:id="rId3"/>
-    <p:sldId id="263" r:id="rId4"/>
-    <p:sldId id="264" r:id="rId5"/>
-    <p:sldId id="265" r:id="rId6"/>
-    <p:sldId id="266" r:id="rId7"/>
-    <p:sldId id="267" r:id="rId8"/>
-    <p:sldId id="268" r:id="rId9"/>
-    <p:sldId id="269" r:id="rId10"/>
-    <p:sldId id="270" r:id="rId11"/>
-    <p:sldId id="271" r:id="rId12"/>
-    <p:sldId id="272" r:id="rId13"/>
-    <p:sldId id="273" r:id="rId14"/>
-    <p:sldId id="274" r:id="rId15"/>
-    <p:sldId id="275" r:id="rId16"/>
-    <p:sldId id="276" r:id="rId17"/>
-    <p:sldId id="277" r:id="rId18"/>
-    <p:sldId id="278" r:id="rId19"/>
-    <p:sldId id="279" r:id="rId20"/>
-    <p:sldId id="280" r:id="rId21"/>
-    <p:sldId id="281" r:id="rId22"/>
-    <p:sldId id="282" r:id="rId23"/>
-    <p:sldId id="283" r:id="rId24"/>
-    <p:sldId id="284" r:id="rId25"/>
-    <p:sldId id="285" r:id="rId26"/>
-    <p:sldId id="286" r:id="rId27"/>
-    <p:sldId id="287" r:id="rId28"/>
-    <p:sldId id="288" r:id="rId29"/>
-    <p:sldId id="289" r:id="rId30"/>
-    <p:sldId id="290" r:id="rId31"/>
-    <p:sldId id="291" r:id="rId32"/>
-    <p:sldId id="292" r:id="rId33"/>
-    <p:sldId id="293" r:id="rId34"/>
-    <p:sldId id="294" r:id="rId35"/>
-    <p:sldId id="295" r:id="rId36"/>
-    <p:sldId id="296" r:id="rId37"/>
-    <p:sldId id="297" r:id="rId38"/>
-    <p:sldId id="298" r:id="rId39"/>
-    <p:sldId id="299" r:id="rId40"/>
-    <p:sldId id="300" r:id="rId41"/>
-    <p:sldId id="301" r:id="rId42"/>
-    <p:sldId id="302" r:id="rId43"/>
-    <p:sldId id="303" r:id="rId44"/>
-    <p:sldId id="304" r:id="rId45"/>
-    <p:sldId id="305" r:id="rId46"/>
-    <p:sldId id="306" r:id="rId47"/>
-    <p:sldId id="307" r:id="rId48"/>
-    <p:sldId id="308" r:id="rId49"/>
-    <p:sldId id="309" r:id="rId50"/>
-    <p:sldId id="310" r:id="rId51"/>
-    <p:sldId id="311" r:id="rId52"/>
-    <p:sldId id="312" r:id="rId53"/>
-    <p:sldId id="315" r:id="rId54"/>
-    <p:sldId id="313" r:id="rId55"/>
+    <p:sldId id="263" r:id="rId3"/>
+    <p:sldId id="264" r:id="rId4"/>
+    <p:sldId id="265" r:id="rId5"/>
+    <p:sldId id="266" r:id="rId6"/>
+    <p:sldId id="267" r:id="rId7"/>
+    <p:sldId id="268" r:id="rId8"/>
+    <p:sldId id="269" r:id="rId9"/>
+    <p:sldId id="270" r:id="rId10"/>
+    <p:sldId id="271" r:id="rId11"/>
+    <p:sldId id="272" r:id="rId12"/>
+    <p:sldId id="273" r:id="rId13"/>
+    <p:sldId id="274" r:id="rId14"/>
+    <p:sldId id="275" r:id="rId15"/>
+    <p:sldId id="276" r:id="rId16"/>
+    <p:sldId id="277" r:id="rId17"/>
+    <p:sldId id="278" r:id="rId18"/>
+    <p:sldId id="279" r:id="rId19"/>
+    <p:sldId id="280" r:id="rId20"/>
+    <p:sldId id="281" r:id="rId21"/>
+    <p:sldId id="282" r:id="rId22"/>
+    <p:sldId id="283" r:id="rId23"/>
+    <p:sldId id="284" r:id="rId24"/>
+    <p:sldId id="285" r:id="rId25"/>
+    <p:sldId id="286" r:id="rId26"/>
+    <p:sldId id="287" r:id="rId27"/>
+    <p:sldId id="288" r:id="rId28"/>
+    <p:sldId id="289" r:id="rId29"/>
+    <p:sldId id="290" r:id="rId30"/>
+    <p:sldId id="291" r:id="rId31"/>
+    <p:sldId id="292" r:id="rId32"/>
+    <p:sldId id="293" r:id="rId33"/>
+    <p:sldId id="294" r:id="rId34"/>
+    <p:sldId id="295" r:id="rId35"/>
+    <p:sldId id="296" r:id="rId36"/>
+    <p:sldId id="297" r:id="rId37"/>
+    <p:sldId id="298" r:id="rId38"/>
+    <p:sldId id="299" r:id="rId39"/>
+    <p:sldId id="300" r:id="rId40"/>
+    <p:sldId id="301" r:id="rId41"/>
+    <p:sldId id="302" r:id="rId42"/>
+    <p:sldId id="303" r:id="rId43"/>
+    <p:sldId id="304" r:id="rId44"/>
+    <p:sldId id="305" r:id="rId45"/>
+    <p:sldId id="306" r:id="rId46"/>
+    <p:sldId id="307" r:id="rId47"/>
+    <p:sldId id="308" r:id="rId48"/>
+    <p:sldId id="309" r:id="rId49"/>
+    <p:sldId id="310" r:id="rId50"/>
+    <p:sldId id="311" r:id="rId51"/>
+    <p:sldId id="312" r:id="rId52"/>
+    <p:sldId id="315" r:id="rId53"/>
+    <p:sldId id="313" r:id="rId54"/>
   </p:sldIdLst>
   <p:sldSz cx="9144000" cy="6858000" type="screen4x3"/>
   <p:notesSz cx="7010400" cy="9296400"/>
@@ -179,6 +178,10 @@
 </p:presentation>
 </file>
 
+<file path=ppt/revisionInfo.xml><?xml version="1.0" encoding="utf-8"?>
+<p1510:revInfo xmlns:a="http://schemas.openxmlformats.org/drawingml/2006/main" xmlns:r="http://schemas.openxmlformats.org/officeDocument/2006/relationships" xmlns:p1510="http://schemas.microsoft.com/office/powerpoint/2015/10/main"/>
+</file>
+
 <file path=ppt/notesMasters/notesMaster1.xml><?xml version="1.0" encoding="utf-8"?>
 <p:notesMaster xmlns:a="http://schemas.openxmlformats.org/drawingml/2006/main" xmlns:r="http://schemas.openxmlformats.org/officeDocument/2006/relationships" xmlns:p="http://schemas.openxmlformats.org/presentationml/2006/main">
   <p:cSld>
@@ -261,7 +264,7 @@
           <a:p>
             <a:fld id="{636FE61D-3D09-4319-BAB8-31CF8C26DA82}" type="datetimeFigureOut">
               <a:rPr lang="en-US" smtClean="0"/>
-              <a:t>03/23/2017</a:t>
+              <a:t>8/1/2017</a:t>
             </a:fld>
             <a:endParaRPr lang="en-US"/>
           </a:p>
@@ -325,38 +328,37 @@
           <a:p>
             <a:pPr lvl="0"/>
             <a:r>
-              <a:rPr lang="en-US" smtClean="0"/>
+              <a:rPr lang="en-US"/>
               <a:t>Click to edit Master text styles</a:t>
             </a:r>
           </a:p>
           <a:p>
             <a:pPr lvl="1"/>
             <a:r>
-              <a:rPr lang="en-US" smtClean="0"/>
+              <a:rPr lang="en-US"/>
               <a:t>Second level</a:t>
             </a:r>
           </a:p>
           <a:p>
             <a:pPr lvl="2"/>
             <a:r>
-              <a:rPr lang="en-US" smtClean="0"/>
+              <a:rPr lang="en-US"/>
               <a:t>Third level</a:t>
             </a:r>
           </a:p>
           <a:p>
             <a:pPr lvl="3"/>
             <a:r>
-              <a:rPr lang="en-US" smtClean="0"/>
+              <a:rPr lang="en-US"/>
               <a:t>Fourth level</a:t>
             </a:r>
           </a:p>
           <a:p>
             <a:pPr lvl="4"/>
             <a:r>
-              <a:rPr lang="en-US" smtClean="0"/>
+              <a:rPr lang="en-US"/>
               <a:t>Fifth level</a:t>
             </a:r>
-            <a:endParaRPr lang="en-US"/>
           </a:p>
         </p:txBody>
       </p:sp>
@@ -657,7 +659,15 @@
           <a:bodyPr/>
           <a:lstStyle/>
           <a:p>
-            <a:endParaRPr lang="en-US"/>
+            <a:r>
+              <a:rPr lang="en-US" dirty="0"/>
+              <a:t>Limit of 24K per </a:t>
+            </a:r>
+            <a:r>
+              <a:rPr lang="en-US"/>
+              <a:t>log record?</a:t>
+            </a:r>
+            <a:endParaRPr lang="en-US" dirty="0"/>
           </a:p>
         </p:txBody>
       </p:sp>
@@ -676,9 +686,9 @@
           <a:bodyPr/>
           <a:lstStyle/>
           <a:p>
-            <a:fld id="{47599759-32A3-47F2-9A65-C15F67D32FC2}" type="slidenum">
+            <a:fld id="{ADDBA41D-AE03-4F1C-B074-B56312AFAE46}" type="slidenum">
               <a:rPr lang="en-US" smtClean="0"/>
-              <a:t>2</a:t>
+              <a:t>19</a:t>
             </a:fld>
             <a:endParaRPr lang="en-US"/>
           </a:p>
@@ -687,7 +697,7 @@
     </p:spTree>
     <p:extLst>
       <p:ext uri="{BB962C8B-B14F-4D97-AF65-F5344CB8AC3E}">
-        <p14:creationId xmlns:p14="http://schemas.microsoft.com/office/powerpoint/2010/main" val="787278740"/>
+        <p14:creationId xmlns:p14="http://schemas.microsoft.com/office/powerpoint/2010/main" val="2635528499"/>
       </p:ext>
     </p:extLst>
   </p:cSld>
@@ -743,11 +753,11 @@
           <a:p>
             <a:r>
               <a:rPr lang="en-US" dirty="0"/>
-              <a:t>Limit of 24K per </a:t>
-            </a:r>
-            <a:r>
-              <a:rPr lang="en-US"/>
-              <a:t>log record?</a:t>
+              <a:t>Auto-truncate mode means that the database (1) is in the Simple recovery model, or no</a:t>
+            </a:r>
+            <a:r>
+              <a:rPr lang="en-US" baseline="0" dirty="0"/>
+              <a:t> full database backup since changing to Full or Bulked Logged model.</a:t>
             </a:r>
             <a:endParaRPr lang="en-US" dirty="0"/>
           </a:p>
@@ -770,99 +780,7 @@
           <a:p>
             <a:fld id="{ADDBA41D-AE03-4F1C-B074-B56312AFAE46}" type="slidenum">
               <a:rPr lang="en-US" smtClean="0"/>
-              <a:t>20</a:t>
-            </a:fld>
-            <a:endParaRPr lang="en-US"/>
-          </a:p>
-        </p:txBody>
-      </p:sp>
-    </p:spTree>
-    <p:extLst>
-      <p:ext uri="{BB962C8B-B14F-4D97-AF65-F5344CB8AC3E}">
-        <p14:creationId xmlns:p14="http://schemas.microsoft.com/office/powerpoint/2010/main" val="2635528499"/>
-      </p:ext>
-    </p:extLst>
-  </p:cSld>
-  <p:clrMapOvr>
-    <a:masterClrMapping/>
-  </p:clrMapOvr>
-</p:notes>
-</file>
-
-<file path=ppt/notesSlides/notesSlide4.xml><?xml version="1.0" encoding="utf-8"?>
-<p:notes xmlns:a="http://schemas.openxmlformats.org/drawingml/2006/main" xmlns:r="http://schemas.openxmlformats.org/officeDocument/2006/relationships" xmlns:p="http://schemas.openxmlformats.org/presentationml/2006/main">
-  <p:cSld>
-    <p:spTree>
-      <p:nvGrpSpPr>
-        <p:cNvPr id="1" name=""/>
-        <p:cNvGrpSpPr/>
-        <p:nvPr/>
-      </p:nvGrpSpPr>
-      <p:grpSpPr>
-        <a:xfrm>
-          <a:off x="0" y="0"/>
-          <a:ext cx="0" cy="0"/>
-          <a:chOff x="0" y="0"/>
-          <a:chExt cx="0" cy="0"/>
-        </a:xfrm>
-      </p:grpSpPr>
-      <p:sp>
-        <p:nvSpPr>
-          <p:cNvPr id="2" name="Slide Image Placeholder 1"/>
-          <p:cNvSpPr>
-            <a:spLocks noGrp="1" noRot="1" noChangeAspect="1"/>
-          </p:cNvSpPr>
-          <p:nvPr>
-            <p:ph type="sldImg"/>
-          </p:nvPr>
-        </p:nvSpPr>
-        <p:spPr/>
-      </p:sp>
-      <p:sp>
-        <p:nvSpPr>
-          <p:cNvPr id="3" name="Notes Placeholder 2"/>
-          <p:cNvSpPr>
-            <a:spLocks noGrp="1"/>
-          </p:cNvSpPr>
-          <p:nvPr>
-            <p:ph type="body" idx="1"/>
-          </p:nvPr>
-        </p:nvSpPr>
-        <p:spPr/>
-        <p:txBody>
-          <a:bodyPr/>
-          <a:lstStyle/>
-          <a:p>
-            <a:r>
-              <a:rPr lang="en-US" dirty="0"/>
-              <a:t>Auto-truncate mode means that the database (1) is in the Simple recovery model, or no</a:t>
-            </a:r>
-            <a:r>
-              <a:rPr lang="en-US" baseline="0" dirty="0"/>
-              <a:t> full database backup since changing to Full or Bulked Logged model.</a:t>
-            </a:r>
-            <a:endParaRPr lang="en-US" dirty="0"/>
-          </a:p>
-        </p:txBody>
-      </p:sp>
-      <p:sp>
-        <p:nvSpPr>
-          <p:cNvPr id="4" name="Slide Number Placeholder 3"/>
-          <p:cNvSpPr>
-            <a:spLocks noGrp="1"/>
-          </p:cNvSpPr>
-          <p:nvPr>
-            <p:ph type="sldNum" sz="quarter" idx="10"/>
-          </p:nvPr>
-        </p:nvSpPr>
-        <p:spPr/>
-        <p:txBody>
-          <a:bodyPr/>
-          <a:lstStyle/>
-          <a:p>
-            <a:fld id="{ADDBA41D-AE03-4F1C-B074-B56312AFAE46}" type="slidenum">
-              <a:rPr lang="en-US" smtClean="0"/>
-              <a:t>38</a:t>
+              <a:t>37</a:t>
             </a:fld>
             <a:endParaRPr lang="en-US"/>
           </a:p>
@@ -959,10 +877,9 @@
           </a:lstStyle>
           <a:p>
             <a:r>
-              <a:rPr lang="en-US" dirty="0" smtClean="0"/>
+              <a:rPr lang="en-US" dirty="0"/>
               <a:t>Click to edit Master title style</a:t>
             </a:r>
-            <a:endParaRPr lang="en-US" dirty="0"/>
           </a:p>
         </p:txBody>
       </p:sp>
@@ -1078,10 +995,9 @@
           </a:lstStyle>
           <a:p>
             <a:r>
-              <a:rPr lang="en-US" dirty="0" smtClean="0"/>
+              <a:rPr lang="en-US" dirty="0"/>
               <a:t>Click to edit Master subtitle style</a:t>
             </a:r>
-            <a:endParaRPr lang="en-US" dirty="0"/>
           </a:p>
         </p:txBody>
       </p:sp>
@@ -1136,13 +1052,6 @@
   <p:clrMapOvr>
     <a:masterClrMapping/>
   </p:clrMapOvr>
-  <p:timing>
-    <p:tnLst>
-      <p:par>
-        <p:cTn id="1" dur="indefinite" restart="never" nodeType="tmRoot"/>
-      </p:par>
-    </p:tnLst>
-  </p:timing>
 </p:sldLayout>
 </file>
 
@@ -1179,10 +1088,9 @@
           <a:lstStyle/>
           <a:p>
             <a:r>
-              <a:rPr lang="en-US" smtClean="0"/>
+              <a:rPr lang="en-US"/>
               <a:t>Click to edit Master title style</a:t>
             </a:r>
-            <a:endParaRPr lang="en-US"/>
           </a:p>
         </p:txBody>
       </p:sp>
@@ -1203,38 +1111,37 @@
           <a:p>
             <a:pPr lvl="0"/>
             <a:r>
-              <a:rPr lang="en-US" smtClean="0"/>
+              <a:rPr lang="en-US"/>
               <a:t>Click to edit Master text styles</a:t>
             </a:r>
           </a:p>
           <a:p>
             <a:pPr lvl="1"/>
             <a:r>
-              <a:rPr lang="en-US" smtClean="0"/>
+              <a:rPr lang="en-US"/>
               <a:t>Second level</a:t>
             </a:r>
           </a:p>
           <a:p>
             <a:pPr lvl="2"/>
             <a:r>
-              <a:rPr lang="en-US" smtClean="0"/>
+              <a:rPr lang="en-US"/>
               <a:t>Third level</a:t>
             </a:r>
           </a:p>
           <a:p>
             <a:pPr lvl="3"/>
             <a:r>
-              <a:rPr lang="en-US" smtClean="0"/>
+              <a:rPr lang="en-US"/>
               <a:t>Fourth level</a:t>
             </a:r>
           </a:p>
           <a:p>
             <a:pPr lvl="4"/>
             <a:r>
-              <a:rPr lang="en-US" smtClean="0"/>
+              <a:rPr lang="en-US"/>
               <a:t>Fifth level</a:t>
             </a:r>
-            <a:endParaRPr lang="en-US"/>
           </a:p>
         </p:txBody>
       </p:sp>
@@ -1270,10 +1177,9 @@
           </a:lstStyle>
           <a:p>
             <a:r>
-              <a:rPr lang="en-US" dirty="0" smtClean="0"/>
+              <a:rPr lang="en-US" dirty="0"/>
               <a:t>3/25/2017</a:t>
             </a:r>
-            <a:endParaRPr lang="en-US" dirty="0"/>
           </a:p>
         </p:txBody>
       </p:sp>
@@ -1314,10 +1220,9 @@
               <a:t>‹#›</a:t>
             </a:fld>
             <a:r>
-              <a:rPr lang="en-US" dirty="0" smtClean="0"/>
+              <a:rPr lang="en-US" dirty="0"/>
               <a:t>  |  </a:t>
             </a:r>
-            <a:endParaRPr lang="en-US" dirty="0"/>
           </a:p>
         </p:txBody>
       </p:sp>
@@ -1408,10 +1313,9 @@
           <a:lstStyle/>
           <a:p>
             <a:r>
-              <a:rPr lang="en-US" smtClean="0"/>
+              <a:rPr lang="en-US"/>
               <a:t>Click to edit Master title style</a:t>
             </a:r>
-            <a:endParaRPr lang="en-US"/>
           </a:p>
         </p:txBody>
       </p:sp>
@@ -1437,38 +1341,37 @@
           <a:p>
             <a:pPr lvl="0"/>
             <a:r>
-              <a:rPr lang="en-US" smtClean="0"/>
+              <a:rPr lang="en-US"/>
               <a:t>Click to edit Master text styles</a:t>
             </a:r>
           </a:p>
           <a:p>
             <a:pPr lvl="1"/>
             <a:r>
-              <a:rPr lang="en-US" smtClean="0"/>
+              <a:rPr lang="en-US"/>
               <a:t>Second level</a:t>
             </a:r>
           </a:p>
           <a:p>
             <a:pPr lvl="2"/>
             <a:r>
-              <a:rPr lang="en-US" smtClean="0"/>
+              <a:rPr lang="en-US"/>
               <a:t>Third level</a:t>
             </a:r>
           </a:p>
           <a:p>
             <a:pPr lvl="3"/>
             <a:r>
-              <a:rPr lang="en-US" smtClean="0"/>
+              <a:rPr lang="en-US"/>
               <a:t>Fourth level</a:t>
             </a:r>
           </a:p>
           <a:p>
             <a:pPr lvl="4"/>
             <a:r>
-              <a:rPr lang="en-US" smtClean="0"/>
+              <a:rPr lang="en-US"/>
               <a:t>Fifth level</a:t>
             </a:r>
-            <a:endParaRPr lang="en-US"/>
           </a:p>
         </p:txBody>
       </p:sp>
@@ -1504,7 +1407,7 @@
           </a:lstStyle>
           <a:p>
             <a:r>
-              <a:rPr lang="en-US" dirty="0" smtClean="0"/>
+              <a:rPr lang="en-US" dirty="0"/>
               <a:t>3/25/2017</a:t>
             </a:r>
           </a:p>
@@ -1547,10 +1450,9 @@
               <a:t>‹#›</a:t>
             </a:fld>
             <a:r>
-              <a:rPr lang="en-US" dirty="0" smtClean="0"/>
+              <a:rPr lang="en-US" dirty="0"/>
               <a:t>  |  </a:t>
             </a:r>
-            <a:endParaRPr lang="en-US" dirty="0"/>
           </a:p>
         </p:txBody>
       </p:sp>
@@ -1600,10 +1502,9 @@
           <a:lstStyle/>
           <a:p>
             <a:r>
-              <a:rPr lang="en-US" dirty="0" smtClean="0"/>
+              <a:rPr lang="en-US" dirty="0"/>
               <a:t>Click to edit Master title style</a:t>
             </a:r>
-            <a:endParaRPr lang="en-US" dirty="0"/>
           </a:p>
         </p:txBody>
       </p:sp>
@@ -1670,38 +1571,37 @@
           <a:p>
             <a:pPr lvl="0"/>
             <a:r>
-              <a:rPr lang="en-US" dirty="0" smtClean="0"/>
+              <a:rPr lang="en-US" dirty="0"/>
               <a:t>Click to edit Master text styles</a:t>
             </a:r>
           </a:p>
           <a:p>
             <a:pPr lvl="1"/>
             <a:r>
-              <a:rPr lang="en-US" dirty="0" smtClean="0"/>
+              <a:rPr lang="en-US" dirty="0"/>
               <a:t>Second level</a:t>
             </a:r>
           </a:p>
           <a:p>
             <a:pPr lvl="2"/>
             <a:r>
-              <a:rPr lang="en-US" dirty="0" smtClean="0"/>
+              <a:rPr lang="en-US" dirty="0"/>
               <a:t>Third level</a:t>
             </a:r>
           </a:p>
           <a:p>
             <a:pPr lvl="3"/>
             <a:r>
-              <a:rPr lang="en-US" dirty="0" smtClean="0"/>
+              <a:rPr lang="en-US" dirty="0"/>
               <a:t>Fourth level</a:t>
             </a:r>
           </a:p>
           <a:p>
             <a:pPr lvl="4"/>
             <a:r>
-              <a:rPr lang="en-US" dirty="0" smtClean="0"/>
+              <a:rPr lang="en-US" dirty="0"/>
               <a:t>Fifth level</a:t>
             </a:r>
-            <a:endParaRPr lang="en-US" dirty="0"/>
           </a:p>
         </p:txBody>
       </p:sp>
@@ -1737,10 +1637,9 @@
           </a:lstStyle>
           <a:p>
             <a:r>
-              <a:rPr lang="en-US" dirty="0" smtClean="0"/>
+              <a:rPr lang="en-US" dirty="0"/>
               <a:t>3/25/2017</a:t>
             </a:r>
-            <a:endParaRPr lang="en-US" dirty="0"/>
           </a:p>
         </p:txBody>
       </p:sp>
@@ -1781,10 +1680,9 @@
               <a:t>‹#›</a:t>
             </a:fld>
             <a:r>
-              <a:rPr lang="en-US" dirty="0" smtClean="0"/>
+              <a:rPr lang="en-US" dirty="0"/>
               <a:t>  |  </a:t>
             </a:r>
-            <a:endParaRPr lang="en-US" dirty="0"/>
           </a:p>
         </p:txBody>
       </p:sp>
@@ -1834,13 +1732,6 @@
   <p:clrMapOvr>
     <a:masterClrMapping/>
   </p:clrMapOvr>
-  <p:timing>
-    <p:tnLst>
-      <p:par>
-        <p:cTn id="1" dur="indefinite" restart="never" nodeType="tmRoot"/>
-      </p:par>
-    </p:tnLst>
-  </p:timing>
 </p:sldLayout>
 </file>
 
@@ -1889,10 +1780,9 @@
           </a:lstStyle>
           <a:p>
             <a:r>
-              <a:rPr lang="en-US" dirty="0" smtClean="0"/>
+              <a:rPr lang="en-US" dirty="0"/>
               <a:t>Click to edit Master title style</a:t>
             </a:r>
-            <a:endParaRPr lang="en-US" dirty="0"/>
           </a:p>
         </p:txBody>
       </p:sp>
@@ -2009,7 +1899,7 @@
           <a:p>
             <a:pPr lvl="0"/>
             <a:r>
-              <a:rPr lang="en-US" smtClean="0"/>
+              <a:rPr lang="en-US"/>
               <a:t>Click to edit Master text styles</a:t>
             </a:r>
           </a:p>
@@ -2047,7 +1937,7 @@
           </a:lstStyle>
           <a:p>
             <a:r>
-              <a:rPr lang="en-US" dirty="0" smtClean="0"/>
+              <a:rPr lang="en-US" dirty="0"/>
               <a:t>3/25/2017</a:t>
             </a:r>
           </a:p>
@@ -2090,10 +1980,9 @@
               <a:t>‹#›</a:t>
             </a:fld>
             <a:r>
-              <a:rPr lang="en-US" dirty="0" smtClean="0"/>
+              <a:rPr lang="en-US" dirty="0"/>
               <a:t>  |  </a:t>
             </a:r>
-            <a:endParaRPr lang="en-US" dirty="0"/>
           </a:p>
         </p:txBody>
       </p:sp>
@@ -2107,13 +1996,6 @@
   <p:clrMapOvr>
     <a:masterClrMapping/>
   </p:clrMapOvr>
-  <p:timing>
-    <p:tnLst>
-      <p:par>
-        <p:cTn id="1" dur="indefinite" restart="never" nodeType="tmRoot"/>
-      </p:par>
-    </p:tnLst>
-  </p:timing>
 </p:sldLayout>
 </file>
 
@@ -2150,10 +2032,9 @@
           <a:lstStyle/>
           <a:p>
             <a:r>
-              <a:rPr lang="en-US" smtClean="0"/>
+              <a:rPr lang="en-US"/>
               <a:t>Click to edit Master title style</a:t>
             </a:r>
-            <a:endParaRPr lang="en-US"/>
           </a:p>
         </p:txBody>
       </p:sp>
@@ -2207,38 +2088,37 @@
           <a:p>
             <a:pPr lvl="0"/>
             <a:r>
-              <a:rPr lang="en-US" smtClean="0"/>
+              <a:rPr lang="en-US"/>
               <a:t>Click to edit Master text styles</a:t>
             </a:r>
           </a:p>
           <a:p>
             <a:pPr lvl="1"/>
             <a:r>
-              <a:rPr lang="en-US" smtClean="0"/>
+              <a:rPr lang="en-US"/>
               <a:t>Second level</a:t>
             </a:r>
           </a:p>
           <a:p>
             <a:pPr lvl="2"/>
             <a:r>
-              <a:rPr lang="en-US" smtClean="0"/>
+              <a:rPr lang="en-US"/>
               <a:t>Third level</a:t>
             </a:r>
           </a:p>
           <a:p>
             <a:pPr lvl="3"/>
             <a:r>
-              <a:rPr lang="en-US" smtClean="0"/>
+              <a:rPr lang="en-US"/>
               <a:t>Fourth level</a:t>
             </a:r>
           </a:p>
           <a:p>
             <a:pPr lvl="4"/>
             <a:r>
-              <a:rPr lang="en-US" smtClean="0"/>
+              <a:rPr lang="en-US"/>
               <a:t>Fifth level</a:t>
             </a:r>
-            <a:endParaRPr lang="en-US"/>
           </a:p>
         </p:txBody>
       </p:sp>
@@ -2292,38 +2172,37 @@
           <a:p>
             <a:pPr lvl="0"/>
             <a:r>
-              <a:rPr lang="en-US" smtClean="0"/>
+              <a:rPr lang="en-US"/>
               <a:t>Click to edit Master text styles</a:t>
             </a:r>
           </a:p>
           <a:p>
             <a:pPr lvl="1"/>
             <a:r>
-              <a:rPr lang="en-US" smtClean="0"/>
+              <a:rPr lang="en-US"/>
               <a:t>Second level</a:t>
             </a:r>
           </a:p>
           <a:p>
             <a:pPr lvl="2"/>
             <a:r>
-              <a:rPr lang="en-US" smtClean="0"/>
+              <a:rPr lang="en-US"/>
               <a:t>Third level</a:t>
             </a:r>
           </a:p>
           <a:p>
             <a:pPr lvl="3"/>
             <a:r>
-              <a:rPr lang="en-US" smtClean="0"/>
+              <a:rPr lang="en-US"/>
               <a:t>Fourth level</a:t>
             </a:r>
           </a:p>
           <a:p>
             <a:pPr lvl="4"/>
             <a:r>
-              <a:rPr lang="en-US" smtClean="0"/>
+              <a:rPr lang="en-US"/>
               <a:t>Fifth level</a:t>
             </a:r>
-            <a:endParaRPr lang="en-US"/>
           </a:p>
         </p:txBody>
       </p:sp>
@@ -2359,10 +2238,9 @@
           </a:lstStyle>
           <a:p>
             <a:r>
-              <a:rPr lang="en-US" dirty="0" smtClean="0"/>
+              <a:rPr lang="en-US" dirty="0"/>
               <a:t>3/25/2017</a:t>
             </a:r>
-            <a:endParaRPr lang="en-US" dirty="0"/>
           </a:p>
         </p:txBody>
       </p:sp>
@@ -2403,10 +2281,9 @@
               <a:t>‹#›</a:t>
             </a:fld>
             <a:r>
-              <a:rPr lang="en-US" dirty="0" smtClean="0"/>
+              <a:rPr lang="en-US" dirty="0"/>
               <a:t>  |  </a:t>
             </a:r>
-            <a:endParaRPr lang="en-US" dirty="0"/>
           </a:p>
         </p:txBody>
       </p:sp>
@@ -2496,10 +2373,9 @@
           </a:lstStyle>
           <a:p>
             <a:r>
-              <a:rPr lang="en-US" smtClean="0"/>
+              <a:rPr lang="en-US"/>
               <a:t>Click to edit Master title style</a:t>
             </a:r>
-            <a:endParaRPr lang="en-US"/>
           </a:p>
         </p:txBody>
       </p:sp>
@@ -2564,7 +2440,7 @@
           <a:p>
             <a:pPr lvl="0"/>
             <a:r>
-              <a:rPr lang="en-US" dirty="0" smtClean="0"/>
+              <a:rPr lang="en-US" dirty="0"/>
               <a:t>Click to edit Master text styles</a:t>
             </a:r>
           </a:p>
@@ -2620,38 +2496,37 @@
           <a:p>
             <a:pPr lvl="0"/>
             <a:r>
-              <a:rPr lang="en-US" dirty="0" smtClean="0"/>
+              <a:rPr lang="en-US" dirty="0"/>
               <a:t>Click to edit Master text styles</a:t>
             </a:r>
           </a:p>
           <a:p>
             <a:pPr lvl="1"/>
             <a:r>
-              <a:rPr lang="en-US" dirty="0" smtClean="0"/>
+              <a:rPr lang="en-US" dirty="0"/>
               <a:t>Second level</a:t>
             </a:r>
           </a:p>
           <a:p>
             <a:pPr lvl="2"/>
             <a:r>
-              <a:rPr lang="en-US" dirty="0" smtClean="0"/>
+              <a:rPr lang="en-US" dirty="0"/>
               <a:t>Third level</a:t>
             </a:r>
           </a:p>
           <a:p>
             <a:pPr lvl="3"/>
             <a:r>
-              <a:rPr lang="en-US" dirty="0" smtClean="0"/>
+              <a:rPr lang="en-US" dirty="0"/>
               <a:t>Fourth level</a:t>
             </a:r>
           </a:p>
           <a:p>
             <a:pPr lvl="4"/>
             <a:r>
-              <a:rPr lang="en-US" dirty="0" smtClean="0"/>
+              <a:rPr lang="en-US" dirty="0"/>
               <a:t>Fifth level</a:t>
             </a:r>
-            <a:endParaRPr lang="en-US" dirty="0"/>
           </a:p>
         </p:txBody>
       </p:sp>
@@ -2716,7 +2591,7 @@
           <a:p>
             <a:pPr lvl="0"/>
             <a:r>
-              <a:rPr lang="en-US" dirty="0" smtClean="0"/>
+              <a:rPr lang="en-US" dirty="0"/>
               <a:t>Click to edit Master text styles</a:t>
             </a:r>
           </a:p>
@@ -2772,38 +2647,37 @@
           <a:p>
             <a:pPr lvl="0"/>
             <a:r>
-              <a:rPr lang="en-US" dirty="0" smtClean="0"/>
+              <a:rPr lang="en-US" dirty="0"/>
               <a:t>Click to edit Master text styles</a:t>
             </a:r>
           </a:p>
           <a:p>
             <a:pPr lvl="1"/>
             <a:r>
-              <a:rPr lang="en-US" dirty="0" smtClean="0"/>
+              <a:rPr lang="en-US" dirty="0"/>
               <a:t>Second level</a:t>
             </a:r>
           </a:p>
           <a:p>
             <a:pPr lvl="2"/>
             <a:r>
-              <a:rPr lang="en-US" dirty="0" smtClean="0"/>
+              <a:rPr lang="en-US" dirty="0"/>
               <a:t>Third level</a:t>
             </a:r>
           </a:p>
           <a:p>
             <a:pPr lvl="3"/>
             <a:r>
-              <a:rPr lang="en-US" dirty="0" smtClean="0"/>
+              <a:rPr lang="en-US" dirty="0"/>
               <a:t>Fourth level</a:t>
             </a:r>
           </a:p>
           <a:p>
             <a:pPr lvl="4"/>
             <a:r>
-              <a:rPr lang="en-US" dirty="0" smtClean="0"/>
+              <a:rPr lang="en-US" dirty="0"/>
               <a:t>Fifth level</a:t>
             </a:r>
-            <a:endParaRPr lang="en-US" dirty="0"/>
           </a:p>
         </p:txBody>
       </p:sp>
@@ -2839,10 +2713,9 @@
           </a:lstStyle>
           <a:p>
             <a:r>
-              <a:rPr lang="en-US" dirty="0" smtClean="0"/>
+              <a:rPr lang="en-US" dirty="0"/>
               <a:t>3/25/2017</a:t>
             </a:r>
-            <a:endParaRPr lang="en-US" dirty="0"/>
           </a:p>
         </p:txBody>
       </p:sp>
@@ -2883,10 +2756,9 @@
               <a:t>‹#›</a:t>
             </a:fld>
             <a:r>
-              <a:rPr lang="en-US" dirty="0" smtClean="0"/>
+              <a:rPr lang="en-US" dirty="0"/>
               <a:t>  |  </a:t>
             </a:r>
-            <a:endParaRPr lang="en-US" dirty="0"/>
           </a:p>
         </p:txBody>
       </p:sp>
@@ -2972,10 +2844,9 @@
           <a:lstStyle/>
           <a:p>
             <a:r>
-              <a:rPr lang="en-US" smtClean="0"/>
+              <a:rPr lang="en-US"/>
               <a:t>Click to edit Master title style</a:t>
             </a:r>
-            <a:endParaRPr lang="en-US"/>
           </a:p>
         </p:txBody>
       </p:sp>
@@ -3011,10 +2882,9 @@
           </a:lstStyle>
           <a:p>
             <a:r>
-              <a:rPr lang="en-US" dirty="0" smtClean="0"/>
+              <a:rPr lang="en-US" dirty="0"/>
               <a:t>3/25/2017</a:t>
             </a:r>
-            <a:endParaRPr lang="en-US" dirty="0"/>
           </a:p>
         </p:txBody>
       </p:sp>
@@ -3055,10 +2925,9 @@
               <a:t>‹#›</a:t>
             </a:fld>
             <a:r>
-              <a:rPr lang="en-US" dirty="0" smtClean="0"/>
+              <a:rPr lang="en-US" dirty="0"/>
               <a:t>  |  </a:t>
             </a:r>
-            <a:endParaRPr lang="en-US" dirty="0"/>
           </a:p>
         </p:txBody>
       </p:sp>
@@ -3160,10 +3029,9 @@
           </a:lstStyle>
           <a:p>
             <a:r>
-              <a:rPr lang="en-US" dirty="0" smtClean="0"/>
+              <a:rPr lang="en-US" dirty="0"/>
               <a:t>3/25/2017</a:t>
             </a:r>
-            <a:endParaRPr lang="en-US" dirty="0"/>
           </a:p>
         </p:txBody>
       </p:sp>
@@ -3204,10 +3072,9 @@
               <a:t>‹#›</a:t>
             </a:fld>
             <a:r>
-              <a:rPr lang="en-US" dirty="0" smtClean="0"/>
+              <a:rPr lang="en-US" dirty="0"/>
               <a:t>  |  </a:t>
             </a:r>
-            <a:endParaRPr lang="en-US" dirty="0"/>
           </a:p>
         </p:txBody>
       </p:sp>
@@ -3266,10 +3133,9 @@
           </a:lstStyle>
           <a:p>
             <a:r>
-              <a:rPr lang="en-US" dirty="0" smtClean="0"/>
+              <a:rPr lang="en-US" dirty="0"/>
               <a:t>Click to edit Master title style</a:t>
             </a:r>
-            <a:endParaRPr lang="en-US" dirty="0"/>
           </a:p>
         </p:txBody>
       </p:sp>
@@ -3323,38 +3189,37 @@
           <a:p>
             <a:pPr lvl="0"/>
             <a:r>
-              <a:rPr lang="en-US" dirty="0" smtClean="0"/>
+              <a:rPr lang="en-US" dirty="0"/>
               <a:t>Click to edit Master text styles</a:t>
             </a:r>
           </a:p>
           <a:p>
             <a:pPr lvl="1"/>
             <a:r>
-              <a:rPr lang="en-US" dirty="0" smtClean="0"/>
+              <a:rPr lang="en-US" dirty="0"/>
               <a:t>Second level</a:t>
             </a:r>
           </a:p>
           <a:p>
             <a:pPr lvl="2"/>
             <a:r>
-              <a:rPr lang="en-US" dirty="0" smtClean="0"/>
+              <a:rPr lang="en-US" dirty="0"/>
               <a:t>Third level</a:t>
             </a:r>
           </a:p>
           <a:p>
             <a:pPr lvl="3"/>
             <a:r>
-              <a:rPr lang="en-US" dirty="0" smtClean="0"/>
+              <a:rPr lang="en-US" dirty="0"/>
               <a:t>Fourth level</a:t>
             </a:r>
           </a:p>
           <a:p>
             <a:pPr lvl="4"/>
             <a:r>
-              <a:rPr lang="en-US" dirty="0" smtClean="0"/>
+              <a:rPr lang="en-US" dirty="0"/>
               <a:t>Fifth level</a:t>
             </a:r>
-            <a:endParaRPr lang="en-US" dirty="0"/>
           </a:p>
         </p:txBody>
       </p:sp>
@@ -3417,7 +3282,7 @@
           <a:p>
             <a:pPr lvl="0"/>
             <a:r>
-              <a:rPr lang="en-US" smtClean="0"/>
+              <a:rPr lang="en-US"/>
               <a:t>Click to edit Master text styles</a:t>
             </a:r>
           </a:p>
@@ -3455,10 +3320,9 @@
           </a:lstStyle>
           <a:p>
             <a:r>
-              <a:rPr lang="en-US" dirty="0" smtClean="0"/>
+              <a:rPr lang="en-US" dirty="0"/>
               <a:t>3/25/2017</a:t>
             </a:r>
-            <a:endParaRPr lang="en-US" dirty="0"/>
           </a:p>
         </p:txBody>
       </p:sp>
@@ -3499,10 +3363,9 @@
               <a:t>‹#›</a:t>
             </a:fld>
             <a:r>
-              <a:rPr lang="en-US" dirty="0" smtClean="0"/>
+              <a:rPr lang="en-US" dirty="0"/>
               <a:t>  |  </a:t>
             </a:r>
-            <a:endParaRPr lang="en-US" dirty="0"/>
           </a:p>
         </p:txBody>
       </p:sp>
@@ -3561,10 +3424,9 @@
           </a:lstStyle>
           <a:p>
             <a:r>
-              <a:rPr lang="en-US" smtClean="0"/>
+              <a:rPr lang="en-US"/>
               <a:t>Click to edit Master title style</a:t>
             </a:r>
-            <a:endParaRPr lang="en-US"/>
           </a:p>
         </p:txBody>
       </p:sp>
@@ -3688,7 +3550,7 @@
           <a:p>
             <a:pPr lvl="0"/>
             <a:r>
-              <a:rPr lang="en-US" smtClean="0"/>
+              <a:rPr lang="en-US"/>
               <a:t>Click to edit Master text styles</a:t>
             </a:r>
           </a:p>
@@ -3726,10 +3588,9 @@
           </a:lstStyle>
           <a:p>
             <a:r>
-              <a:rPr lang="en-US" dirty="0" smtClean="0"/>
+              <a:rPr lang="en-US" dirty="0"/>
               <a:t>3/25/2017</a:t>
             </a:r>
-            <a:endParaRPr lang="en-US" dirty="0"/>
           </a:p>
         </p:txBody>
       </p:sp>
@@ -3770,10 +3631,9 @@
               <a:t>‹#›</a:t>
             </a:fld>
             <a:r>
-              <a:rPr lang="en-US" dirty="0" smtClean="0"/>
+              <a:rPr lang="en-US" dirty="0"/>
               <a:t>  |  </a:t>
             </a:r>
-            <a:endParaRPr lang="en-US" dirty="0"/>
           </a:p>
         </p:txBody>
       </p:sp>
@@ -3868,10 +3728,9 @@
           <a:lstStyle/>
           <a:p>
             <a:r>
-              <a:rPr lang="en-US" dirty="0" smtClean="0"/>
+              <a:rPr lang="en-US" dirty="0"/>
               <a:t>Click to edit Master title style</a:t>
             </a:r>
-            <a:endParaRPr lang="en-US" dirty="0"/>
           </a:p>
         </p:txBody>
       </p:sp>
@@ -3902,38 +3761,37 @@
           <a:p>
             <a:pPr lvl="0"/>
             <a:r>
-              <a:rPr lang="en-US" dirty="0" smtClean="0"/>
+              <a:rPr lang="en-US" dirty="0"/>
               <a:t>Click to edit Master text styles</a:t>
             </a:r>
           </a:p>
           <a:p>
             <a:pPr lvl="1"/>
             <a:r>
-              <a:rPr lang="en-US" dirty="0" smtClean="0"/>
+              <a:rPr lang="en-US" dirty="0"/>
               <a:t>Second level</a:t>
             </a:r>
           </a:p>
           <a:p>
             <a:pPr lvl="2"/>
             <a:r>
-              <a:rPr lang="en-US" dirty="0" smtClean="0"/>
+              <a:rPr lang="en-US" dirty="0"/>
               <a:t>Third level</a:t>
             </a:r>
           </a:p>
           <a:p>
             <a:pPr lvl="3"/>
             <a:r>
-              <a:rPr lang="en-US" dirty="0" smtClean="0"/>
+              <a:rPr lang="en-US" dirty="0"/>
               <a:t>Fourth level</a:t>
             </a:r>
           </a:p>
           <a:p>
             <a:pPr lvl="4"/>
             <a:r>
-              <a:rPr lang="en-US" dirty="0" smtClean="0"/>
+              <a:rPr lang="en-US" dirty="0"/>
               <a:t>Fifth level</a:t>
             </a:r>
-            <a:endParaRPr lang="en-US" dirty="0"/>
           </a:p>
         </p:txBody>
       </p:sp>
@@ -3969,10 +3827,9 @@
           </a:lstStyle>
           <a:p>
             <a:r>
-              <a:rPr lang="en-US" dirty="0" smtClean="0"/>
+              <a:rPr lang="en-US" dirty="0"/>
               <a:t>3/25/2017</a:t>
             </a:r>
-            <a:endParaRPr lang="en-US" dirty="0"/>
           </a:p>
         </p:txBody>
       </p:sp>
@@ -4013,10 +3870,9 @@
               <a:t>‹#›</a:t>
             </a:fld>
             <a:r>
-              <a:rPr lang="en-US" dirty="0" smtClean="0"/>
+              <a:rPr lang="en-US" dirty="0"/>
               <a:t>  |  </a:t>
             </a:r>
-            <a:endParaRPr lang="en-US" dirty="0"/>
           </a:p>
         </p:txBody>
       </p:sp>
@@ -4108,13 +3964,6 @@
     <p:sldLayoutId id="2147483658" r:id="rId10"/>
     <p:sldLayoutId id="2147483659" r:id="rId11"/>
   </p:sldLayoutIdLst>
-  <p:timing>
-    <p:tnLst>
-      <p:par>
-        <p:cTn id="1" dur="indefinite" restart="never" nodeType="tmRoot"/>
-      </p:par>
-    </p:tnLst>
-  </p:timing>
   <p:hf hdr="0" dt="0"/>
   <p:txStyles>
     <p:titleStyle>
@@ -4585,20 +4434,8 @@
               <a:buNone/>
             </a:pPr>
             <a:r>
-              <a:rPr lang="en-US" dirty="0" smtClean="0"/>
-              <a:t>Colorado Springs, CO </a:t>
-            </a:r>
-            <a:r>
-              <a:rPr lang="en-US" dirty="0"/>
-              <a:t>– March </a:t>
-            </a:r>
-            <a:r>
-              <a:rPr lang="en-US" dirty="0" smtClean="0"/>
-              <a:t>25, </a:t>
-            </a:r>
-            <a:r>
-              <a:rPr lang="en-US" dirty="0"/>
-              <a:t>2017</a:t>
+              <a:rPr lang="en-US" dirty="0"/>
+              <a:t>Colorado Springs, CO – March 25, 2017</a:t>
             </a:r>
           </a:p>
         </p:txBody>
@@ -4617,128 +4454,6 @@
 </file>
 
 <file path=ppt/slides/slide10.xml><?xml version="1.0" encoding="utf-8"?>
-<p:sld xmlns:a="http://schemas.openxmlformats.org/drawingml/2006/main" xmlns:r="http://schemas.openxmlformats.org/officeDocument/2006/relationships" xmlns:p="http://schemas.openxmlformats.org/presentationml/2006/main">
-  <p:cSld>
-    <p:spTree>
-      <p:nvGrpSpPr>
-        <p:cNvPr id="1" name=""/>
-        <p:cNvGrpSpPr/>
-        <p:nvPr/>
-      </p:nvGrpSpPr>
-      <p:grpSpPr>
-        <a:xfrm>
-          <a:off x="0" y="0"/>
-          <a:ext cx="0" cy="0"/>
-          <a:chOff x="0" y="0"/>
-          <a:chExt cx="0" cy="0"/>
-        </a:xfrm>
-      </p:grpSpPr>
-      <p:sp>
-        <p:nvSpPr>
-          <p:cNvPr id="2" name="Title 1"/>
-          <p:cNvSpPr>
-            <a:spLocks noGrp="1"/>
-          </p:cNvSpPr>
-          <p:nvPr>
-            <p:ph type="title"/>
-          </p:nvPr>
-        </p:nvSpPr>
-        <p:spPr/>
-        <p:txBody>
-          <a:bodyPr/>
-          <a:lstStyle/>
-          <a:p>
-            <a:r>
-              <a:rPr lang="en-US" dirty="0"/>
-              <a:t>Organization of the Transaction Log</a:t>
-            </a:r>
-          </a:p>
-        </p:txBody>
-      </p:sp>
-      <p:sp>
-        <p:nvSpPr>
-          <p:cNvPr id="3" name="Content Placeholder 2"/>
-          <p:cNvSpPr>
-            <a:spLocks noGrp="1"/>
-          </p:cNvSpPr>
-          <p:nvPr>
-            <p:ph idx="1"/>
-          </p:nvPr>
-        </p:nvSpPr>
-        <p:spPr>
-          <a:xfrm>
-            <a:off x="4352925" y="1600200"/>
-            <a:ext cx="4333875" cy="4525963"/>
-          </a:xfrm>
-        </p:spPr>
-        <p:txBody>
-          <a:bodyPr/>
-          <a:lstStyle/>
-          <a:p>
-            <a:r>
-              <a:rPr lang="en-US" dirty="0"/>
-              <a:t>The Transaction Log is just a file …</a:t>
-            </a:r>
-          </a:p>
-          <a:p>
-            <a:r>
-              <a:rPr lang="en-US" dirty="0"/>
-              <a:t>With a bit of header information …</a:t>
-            </a:r>
-          </a:p>
-          <a:p>
-            <a:r>
-              <a:rPr lang="en-US" dirty="0"/>
-              <a:t>Then divided into Virtual Log Files.</a:t>
-            </a:r>
-          </a:p>
-          <a:p>
-            <a:pPr lvl="1"/>
-            <a:r>
-              <a:rPr lang="en-US" dirty="0"/>
-              <a:t>Not necessarily of equal size</a:t>
-            </a:r>
-          </a:p>
-        </p:txBody>
-      </p:sp>
-      <p:pic>
-        <p:nvPicPr>
-          <p:cNvPr id="5" name="Picture 4"/>
-          <p:cNvPicPr>
-            <a:picLocks noChangeAspect="1"/>
-          </p:cNvPicPr>
-          <p:nvPr/>
-        </p:nvPicPr>
-        <p:blipFill>
-          <a:blip r:embed="rId2"/>
-          <a:stretch>
-            <a:fillRect/>
-          </a:stretch>
-        </p:blipFill>
-        <p:spPr>
-          <a:xfrm>
-            <a:off x="457200" y="1417320"/>
-            <a:ext cx="3814109" cy="4681728"/>
-          </a:xfrm>
-          <a:prstGeom prst="rect">
-            <a:avLst/>
-          </a:prstGeom>
-        </p:spPr>
-      </p:pic>
-    </p:spTree>
-    <p:extLst>
-      <p:ext uri="{BB962C8B-B14F-4D97-AF65-F5344CB8AC3E}">
-        <p14:creationId xmlns:p14="http://schemas.microsoft.com/office/powerpoint/2010/main" val="3601134671"/>
-      </p:ext>
-    </p:extLst>
-  </p:cSld>
-  <p:clrMapOvr>
-    <a:masterClrMapping/>
-  </p:clrMapOvr>
-</p:sld>
-</file>
-
-<file path=ppt/slides/slide11.xml><?xml version="1.0" encoding="utf-8"?>
 <p:sld xmlns:a="http://schemas.openxmlformats.org/drawingml/2006/main" xmlns:r="http://schemas.openxmlformats.org/officeDocument/2006/relationships" xmlns:p="http://schemas.openxmlformats.org/presentationml/2006/main">
   <p:cSld>
     <p:spTree>
@@ -4892,7 +4607,7 @@
 </p:sld>
 </file>
 
-<file path=ppt/slides/slide12.xml><?xml version="1.0" encoding="utf-8"?>
+<file path=ppt/slides/slide11.xml><?xml version="1.0" encoding="utf-8"?>
 <p:sld xmlns:a="http://schemas.openxmlformats.org/drawingml/2006/main" xmlns:r="http://schemas.openxmlformats.org/officeDocument/2006/relationships" xmlns:p="http://schemas.openxmlformats.org/presentationml/2006/main">
   <p:cSld>
     <p:spTree>
@@ -5060,7 +4775,7 @@
 </p:sld>
 </file>
 
-<file path=ppt/slides/slide13.xml><?xml version="1.0" encoding="utf-8"?>
+<file path=ppt/slides/slide12.xml><?xml version="1.0" encoding="utf-8"?>
 <p:sld xmlns:a="http://schemas.openxmlformats.org/drawingml/2006/main" xmlns:r="http://schemas.openxmlformats.org/officeDocument/2006/relationships" xmlns:p="http://schemas.openxmlformats.org/presentationml/2006/main">
   <p:cSld>
     <p:spTree>
@@ -5169,7 +4884,7 @@
 </p:sld>
 </file>
 
-<file path=ppt/slides/slide14.xml><?xml version="1.0" encoding="utf-8"?>
+<file path=ppt/slides/slide13.xml><?xml version="1.0" encoding="utf-8"?>
 <p:sld xmlns:a="http://schemas.openxmlformats.org/drawingml/2006/main" xmlns:r="http://schemas.openxmlformats.org/officeDocument/2006/relationships" xmlns:p="http://schemas.openxmlformats.org/presentationml/2006/main">
   <p:cSld>
     <p:spTree>
@@ -5278,7 +4993,7 @@
 </p:sld>
 </file>
 
-<file path=ppt/slides/slide15.xml><?xml version="1.0" encoding="utf-8"?>
+<file path=ppt/slides/slide14.xml><?xml version="1.0" encoding="utf-8"?>
 <p:sld xmlns:a="http://schemas.openxmlformats.org/drawingml/2006/main" xmlns:r="http://schemas.openxmlformats.org/officeDocument/2006/relationships" xmlns:p="http://schemas.openxmlformats.org/presentationml/2006/main">
   <p:cSld>
     <p:spTree>
@@ -5394,7 +5109,7 @@
 </p:sld>
 </file>
 
-<file path=ppt/slides/slide16.xml><?xml version="1.0" encoding="utf-8"?>
+<file path=ppt/slides/slide15.xml><?xml version="1.0" encoding="utf-8"?>
 <p:sld xmlns:a="http://schemas.openxmlformats.org/drawingml/2006/main" xmlns:r="http://schemas.openxmlformats.org/officeDocument/2006/relationships" xmlns:p="http://schemas.openxmlformats.org/presentationml/2006/main">
   <p:cSld>
     <p:spTree>
@@ -5507,7 +5222,7 @@
 </p:sld>
 </file>
 
-<file path=ppt/slides/slide17.xml><?xml version="1.0" encoding="utf-8"?>
+<file path=ppt/slides/slide16.xml><?xml version="1.0" encoding="utf-8"?>
 <p:sld xmlns:a="http://schemas.openxmlformats.org/drawingml/2006/main" xmlns:r="http://schemas.openxmlformats.org/officeDocument/2006/relationships" xmlns:p="http://schemas.openxmlformats.org/presentationml/2006/main">
   <p:cSld>
     <p:spTree>
@@ -5626,7 +5341,7 @@
 </p:sld>
 </file>
 
-<file path=ppt/slides/slide18.xml><?xml version="1.0" encoding="utf-8"?>
+<file path=ppt/slides/slide17.xml><?xml version="1.0" encoding="utf-8"?>
 <p:sld xmlns:a="http://schemas.openxmlformats.org/drawingml/2006/main" xmlns:r="http://schemas.openxmlformats.org/officeDocument/2006/relationships" xmlns:p="http://schemas.openxmlformats.org/presentationml/2006/main">
   <p:cSld>
     <p:spTree>
@@ -5789,7 +5504,7 @@
 </p:sld>
 </file>
 
-<file path=ppt/slides/slide19.xml><?xml version="1.0" encoding="utf-8"?>
+<file path=ppt/slides/slide18.xml><?xml version="1.0" encoding="utf-8"?>
 <p:sld xmlns:a="http://schemas.openxmlformats.org/drawingml/2006/main" xmlns:r="http://schemas.openxmlformats.org/officeDocument/2006/relationships" xmlns:p="http://schemas.openxmlformats.org/presentationml/2006/main">
   <p:cSld>
     <p:spTree>
@@ -5905,795 +5620,7 @@
 </p:sld>
 </file>
 
-<file path=ppt/slides/slide2.xml><?xml version="1.0" encoding="utf-8"?>
-<p:sld xmlns:a="http://schemas.openxmlformats.org/drawingml/2006/main" xmlns:r="http://schemas.openxmlformats.org/officeDocument/2006/relationships" xmlns:p="http://schemas.openxmlformats.org/presentationml/2006/main">
-  <p:cSld>
-    <p:spTree>
-      <p:nvGrpSpPr>
-        <p:cNvPr id="1" name=""/>
-        <p:cNvGrpSpPr/>
-        <p:nvPr/>
-      </p:nvGrpSpPr>
-      <p:grpSpPr>
-        <a:xfrm>
-          <a:off x="0" y="0"/>
-          <a:ext cx="0" cy="0"/>
-          <a:chOff x="0" y="0"/>
-          <a:chExt cx="0" cy="0"/>
-        </a:xfrm>
-      </p:grpSpPr>
-      <p:sp>
-        <p:nvSpPr>
-          <p:cNvPr id="2" name="Title 1"/>
-          <p:cNvSpPr>
-            <a:spLocks noGrp="1"/>
-          </p:cNvSpPr>
-          <p:nvPr>
-            <p:ph type="title"/>
-          </p:nvPr>
-        </p:nvSpPr>
-        <p:spPr/>
-        <p:txBody>
-          <a:bodyPr/>
-          <a:lstStyle/>
-          <a:p>
-            <a:r>
-              <a:rPr lang="en-US" dirty="0" smtClean="0"/>
-              <a:t>Thank You Sponsors</a:t>
-            </a:r>
-            <a:endParaRPr lang="en-US" dirty="0"/>
-          </a:p>
-        </p:txBody>
-      </p:sp>
-      <p:sp>
-        <p:nvSpPr>
-          <p:cNvPr id="3" name="TextBox 2"/>
-          <p:cNvSpPr txBox="1"/>
-          <p:nvPr/>
-        </p:nvSpPr>
-        <p:spPr>
-          <a:xfrm>
-            <a:off x="566060" y="1592428"/>
-            <a:ext cx="1132115" cy="369332"/>
-          </a:xfrm>
-          <a:prstGeom prst="rect">
-            <a:avLst/>
-          </a:prstGeom>
-          <a:noFill/>
-        </p:spPr>
-        <p:txBody>
-          <a:bodyPr wrap="square" rtlCol="0">
-            <a:spAutoFit/>
-          </a:bodyPr>
-          <a:lstStyle/>
-          <a:p>
-            <a:r>
-              <a:rPr lang="en-US" dirty="0" smtClean="0"/>
-              <a:t>Platinum</a:t>
-            </a:r>
-            <a:endParaRPr lang="en-US" dirty="0"/>
-          </a:p>
-        </p:txBody>
-      </p:sp>
-      <p:cxnSp>
-        <p:nvCxnSpPr>
-          <p:cNvPr id="5" name="Straight Connector 4"/>
-          <p:cNvCxnSpPr/>
-          <p:nvPr/>
-        </p:nvCxnSpPr>
-        <p:spPr>
-          <a:xfrm>
-            <a:off x="566060" y="2251301"/>
-            <a:ext cx="8044543" cy="0"/>
-          </a:xfrm>
-          <a:prstGeom prst="line">
-            <a:avLst/>
-          </a:prstGeom>
-          <a:ln w="3175">
-            <a:solidFill>
-              <a:srgbClr val="7A9F31"/>
-            </a:solidFill>
-          </a:ln>
-          <a:effectLst/>
-        </p:spPr>
-        <p:style>
-          <a:lnRef idx="2">
-            <a:schemeClr val="accent1"/>
-          </a:lnRef>
-          <a:fillRef idx="0">
-            <a:schemeClr val="accent1"/>
-          </a:fillRef>
-          <a:effectRef idx="1">
-            <a:schemeClr val="accent1"/>
-          </a:effectRef>
-          <a:fontRef idx="minor">
-            <a:schemeClr val="tx1"/>
-          </a:fontRef>
-        </p:style>
-      </p:cxnSp>
-      <p:sp>
-        <p:nvSpPr>
-          <p:cNvPr id="7" name="TextBox 6"/>
-          <p:cNvSpPr txBox="1"/>
-          <p:nvPr/>
-        </p:nvSpPr>
-        <p:spPr>
-          <a:xfrm>
-            <a:off x="613685" y="2558537"/>
-            <a:ext cx="1172936" cy="369332"/>
-          </a:xfrm>
-          <a:prstGeom prst="rect">
-            <a:avLst/>
-          </a:prstGeom>
-          <a:noFill/>
-        </p:spPr>
-        <p:txBody>
-          <a:bodyPr wrap="square" rtlCol="0">
-            <a:spAutoFit/>
-          </a:bodyPr>
-          <a:lstStyle/>
-          <a:p>
-            <a:r>
-              <a:rPr lang="en-US" dirty="0" smtClean="0"/>
-              <a:t>Gold</a:t>
-            </a:r>
-          </a:p>
-        </p:txBody>
-      </p:sp>
-      <p:cxnSp>
-        <p:nvCxnSpPr>
-          <p:cNvPr id="27" name="Straight Connector 26"/>
-          <p:cNvCxnSpPr/>
-          <p:nvPr/>
-        </p:nvCxnSpPr>
-        <p:spPr>
-          <a:xfrm>
-            <a:off x="589195" y="3187472"/>
-            <a:ext cx="8044543" cy="0"/>
-          </a:xfrm>
-          <a:prstGeom prst="line">
-            <a:avLst/>
-          </a:prstGeom>
-          <a:ln w="3175">
-            <a:solidFill>
-              <a:srgbClr val="7A9F31"/>
-            </a:solidFill>
-          </a:ln>
-          <a:effectLst/>
-        </p:spPr>
-        <p:style>
-          <a:lnRef idx="2">
-            <a:schemeClr val="accent1"/>
-          </a:lnRef>
-          <a:fillRef idx="0">
-            <a:schemeClr val="accent1"/>
-          </a:fillRef>
-          <a:effectRef idx="1">
-            <a:schemeClr val="accent1"/>
-          </a:effectRef>
-          <a:fontRef idx="minor">
-            <a:schemeClr val="tx1"/>
-          </a:fontRef>
-        </p:style>
-      </p:cxnSp>
-      <p:sp>
-        <p:nvSpPr>
-          <p:cNvPr id="8" name="TextBox 7"/>
-          <p:cNvSpPr txBox="1"/>
-          <p:nvPr/>
-        </p:nvSpPr>
-        <p:spPr>
-          <a:xfrm>
-            <a:off x="613685" y="3472937"/>
-            <a:ext cx="1174296" cy="369332"/>
-          </a:xfrm>
-          <a:prstGeom prst="rect">
-            <a:avLst/>
-          </a:prstGeom>
-          <a:noFill/>
-        </p:spPr>
-        <p:txBody>
-          <a:bodyPr wrap="square" rtlCol="0">
-            <a:spAutoFit/>
-          </a:bodyPr>
-          <a:lstStyle/>
-          <a:p>
-            <a:r>
-              <a:rPr lang="en-US" dirty="0" smtClean="0"/>
-              <a:t>Silver</a:t>
-            </a:r>
-            <a:endParaRPr lang="en-US" dirty="0"/>
-          </a:p>
-        </p:txBody>
-      </p:sp>
-      <p:cxnSp>
-        <p:nvCxnSpPr>
-          <p:cNvPr id="29" name="Straight Connector 28"/>
-          <p:cNvCxnSpPr/>
-          <p:nvPr/>
-        </p:nvCxnSpPr>
-        <p:spPr>
-          <a:xfrm>
-            <a:off x="589194" y="4123643"/>
-            <a:ext cx="8044543" cy="0"/>
-          </a:xfrm>
-          <a:prstGeom prst="line">
-            <a:avLst/>
-          </a:prstGeom>
-          <a:ln w="3175">
-            <a:solidFill>
-              <a:srgbClr val="7A9F31"/>
-            </a:solidFill>
-          </a:ln>
-          <a:effectLst/>
-        </p:spPr>
-        <p:style>
-          <a:lnRef idx="2">
-            <a:schemeClr val="accent1"/>
-          </a:lnRef>
-          <a:fillRef idx="0">
-            <a:schemeClr val="accent1"/>
-          </a:fillRef>
-          <a:effectRef idx="1">
-            <a:schemeClr val="accent1"/>
-          </a:effectRef>
-          <a:fontRef idx="minor">
-            <a:schemeClr val="tx1"/>
-          </a:fontRef>
-        </p:style>
-      </p:cxnSp>
-      <p:sp>
-        <p:nvSpPr>
-          <p:cNvPr id="9" name="TextBox 8"/>
-          <p:cNvSpPr txBox="1"/>
-          <p:nvPr/>
-        </p:nvSpPr>
-        <p:spPr>
-          <a:xfrm>
-            <a:off x="609599" y="4365564"/>
-            <a:ext cx="1296761" cy="369332"/>
-          </a:xfrm>
-          <a:prstGeom prst="rect">
-            <a:avLst/>
-          </a:prstGeom>
-          <a:noFill/>
-        </p:spPr>
-        <p:txBody>
-          <a:bodyPr wrap="square" rtlCol="0">
-            <a:spAutoFit/>
-          </a:bodyPr>
-          <a:lstStyle/>
-          <a:p>
-            <a:r>
-              <a:rPr lang="en-US" dirty="0" smtClean="0"/>
-              <a:t>Bronze</a:t>
-            </a:r>
-            <a:endParaRPr lang="en-US" dirty="0"/>
-          </a:p>
-        </p:txBody>
-      </p:sp>
-      <p:cxnSp>
-        <p:nvCxnSpPr>
-          <p:cNvPr id="31" name="Straight Connector 30"/>
-          <p:cNvCxnSpPr/>
-          <p:nvPr/>
-        </p:nvCxnSpPr>
-        <p:spPr>
-          <a:xfrm>
-            <a:off x="589193" y="4970390"/>
-            <a:ext cx="8044543" cy="0"/>
-          </a:xfrm>
-          <a:prstGeom prst="line">
-            <a:avLst/>
-          </a:prstGeom>
-          <a:ln w="3175">
-            <a:solidFill>
-              <a:srgbClr val="7A9F31"/>
-            </a:solidFill>
-          </a:ln>
-          <a:effectLst/>
-        </p:spPr>
-        <p:style>
-          <a:lnRef idx="2">
-            <a:schemeClr val="accent1"/>
-          </a:lnRef>
-          <a:fillRef idx="0">
-            <a:schemeClr val="accent1"/>
-          </a:fillRef>
-          <a:effectRef idx="1">
-            <a:schemeClr val="accent1"/>
-          </a:effectRef>
-          <a:fontRef idx="minor">
-            <a:schemeClr val="tx1"/>
-          </a:fontRef>
-        </p:style>
-      </p:cxnSp>
-      <p:sp>
-        <p:nvSpPr>
-          <p:cNvPr id="4" name="Footer Placeholder 3"/>
-          <p:cNvSpPr>
-            <a:spLocks noGrp="1"/>
-          </p:cNvSpPr>
-          <p:nvPr>
-            <p:ph type="ftr" sz="quarter" idx="3"/>
-          </p:nvPr>
-        </p:nvSpPr>
-        <p:spPr/>
-        <p:txBody>
-          <a:bodyPr/>
-          <a:lstStyle/>
-          <a:p>
-            <a:r>
-              <a:rPr lang="en-US" dirty="0" smtClean="0"/>
-              <a:t>3/25/2017</a:t>
-            </a:r>
-            <a:endParaRPr lang="en-US" dirty="0"/>
-          </a:p>
-        </p:txBody>
-      </p:sp>
-      <p:sp>
-        <p:nvSpPr>
-          <p:cNvPr id="6" name="Slide Number Placeholder 5"/>
-          <p:cNvSpPr>
-            <a:spLocks noGrp="1"/>
-          </p:cNvSpPr>
-          <p:nvPr>
-            <p:ph type="sldNum" sz="quarter" idx="4"/>
-          </p:nvPr>
-        </p:nvSpPr>
-        <p:spPr/>
-        <p:txBody>
-          <a:bodyPr/>
-          <a:lstStyle/>
-          <a:p>
-            <a:fld id="{87FD5303-69AD-2E4D-B18B-E5EED0F0A60B}" type="slidenum">
-              <a:rPr lang="en-US" smtClean="0"/>
-              <a:pPr/>
-              <a:t>2</a:t>
-            </a:fld>
-            <a:r>
-              <a:rPr lang="en-US" smtClean="0"/>
-              <a:t>  |  </a:t>
-            </a:r>
-            <a:endParaRPr lang="en-US" dirty="0"/>
-          </a:p>
-        </p:txBody>
-      </p:sp>
-      <p:pic>
-        <p:nvPicPr>
-          <p:cNvPr id="18" name="Picture 17" descr="Screen Clipping"/>
-          <p:cNvPicPr>
-            <a:picLocks noChangeAspect="1"/>
-          </p:cNvPicPr>
-          <p:nvPr/>
-        </p:nvPicPr>
-        <p:blipFill>
-          <a:blip r:embed="rId3">
-            <a:extLst>
-              <a:ext uri="{28A0092B-C50C-407E-A947-70E740481C1C}">
-                <a14:useLocalDpi xmlns:a14="http://schemas.microsoft.com/office/drawing/2010/main" val="0"/>
-              </a:ext>
-            </a:extLst>
-          </a:blip>
-          <a:stretch>
-            <a:fillRect/>
-          </a:stretch>
-        </p:blipFill>
-        <p:spPr>
-          <a:xfrm>
-            <a:off x="2556318" y="2731759"/>
-            <a:ext cx="1547015" cy="332824"/>
-          </a:xfrm>
-          <a:prstGeom prst="rect">
-            <a:avLst/>
-          </a:prstGeom>
-        </p:spPr>
-      </p:pic>
-      <p:pic>
-        <p:nvPicPr>
-          <p:cNvPr id="20" name="Picture 19" descr="Screen Clipping"/>
-          <p:cNvPicPr>
-            <a:picLocks noChangeAspect="1"/>
-          </p:cNvPicPr>
-          <p:nvPr/>
-        </p:nvPicPr>
-        <p:blipFill>
-          <a:blip r:embed="rId4">
-            <a:extLst>
-              <a:ext uri="{28A0092B-C50C-407E-A947-70E740481C1C}">
-                <a14:useLocalDpi xmlns:a14="http://schemas.microsoft.com/office/drawing/2010/main" val="0"/>
-              </a:ext>
-            </a:extLst>
-          </a:blip>
-          <a:stretch>
-            <a:fillRect/>
-          </a:stretch>
-        </p:blipFill>
-        <p:spPr>
-          <a:xfrm>
-            <a:off x="5222826" y="2690665"/>
-            <a:ext cx="1622557" cy="432682"/>
-          </a:xfrm>
-          <a:prstGeom prst="rect">
-            <a:avLst/>
-          </a:prstGeom>
-        </p:spPr>
-      </p:pic>
-      <p:pic>
-        <p:nvPicPr>
-          <p:cNvPr id="21" name="Picture 20" descr="Screen Clipping"/>
-          <p:cNvPicPr>
-            <a:picLocks noChangeAspect="1"/>
-          </p:cNvPicPr>
-          <p:nvPr/>
-        </p:nvPicPr>
-        <p:blipFill>
-          <a:blip r:embed="rId5">
-            <a:extLst>
-              <a:ext uri="{28A0092B-C50C-407E-A947-70E740481C1C}">
-                <a14:useLocalDpi xmlns:a14="http://schemas.microsoft.com/office/drawing/2010/main" val="0"/>
-              </a:ext>
-            </a:extLst>
-          </a:blip>
-          <a:stretch>
-            <a:fillRect/>
-          </a:stretch>
-        </p:blipFill>
-        <p:spPr>
-          <a:xfrm>
-            <a:off x="1514867" y="2295776"/>
-            <a:ext cx="1270889" cy="386054"/>
-          </a:xfrm>
-          <a:prstGeom prst="rect">
-            <a:avLst/>
-          </a:prstGeom>
-        </p:spPr>
-      </p:pic>
-      <p:pic>
-        <p:nvPicPr>
-          <p:cNvPr id="24" name="Picture 23" descr="Screen Clipping"/>
-          <p:cNvPicPr>
-            <a:picLocks noChangeAspect="1"/>
-          </p:cNvPicPr>
-          <p:nvPr/>
-        </p:nvPicPr>
-        <p:blipFill>
-          <a:blip r:embed="rId6">
-            <a:extLst>
-              <a:ext uri="{28A0092B-C50C-407E-A947-70E740481C1C}">
-                <a14:useLocalDpi xmlns:a14="http://schemas.microsoft.com/office/drawing/2010/main" val="0"/>
-              </a:ext>
-            </a:extLst>
-          </a:blip>
-          <a:stretch>
-            <a:fillRect/>
-          </a:stretch>
-        </p:blipFill>
-        <p:spPr>
-          <a:xfrm>
-            <a:off x="6327582" y="4235861"/>
-            <a:ext cx="790685" cy="628738"/>
-          </a:xfrm>
-          <a:prstGeom prst="rect">
-            <a:avLst/>
-          </a:prstGeom>
-        </p:spPr>
-      </p:pic>
-      <p:pic>
-        <p:nvPicPr>
-          <p:cNvPr id="1027" name="Picture 3"/>
-          <p:cNvPicPr>
-            <a:picLocks noChangeAspect="1" noChangeArrowheads="1"/>
-          </p:cNvPicPr>
-          <p:nvPr/>
-        </p:nvPicPr>
-        <p:blipFill>
-          <a:blip r:embed="rId7">
-            <a:extLst>
-              <a:ext uri="{28A0092B-C50C-407E-A947-70E740481C1C}">
-                <a14:useLocalDpi xmlns:a14="http://schemas.microsoft.com/office/drawing/2010/main" val="0"/>
-              </a:ext>
-            </a:extLst>
-          </a:blip>
-          <a:srcRect/>
-          <a:stretch>
-            <a:fillRect/>
-          </a:stretch>
-        </p:blipFill>
-        <p:spPr bwMode="auto">
-          <a:xfrm>
-            <a:off x="3923962" y="4374017"/>
-            <a:ext cx="1724025" cy="352425"/>
-          </a:xfrm>
-          <a:prstGeom prst="rect">
-            <a:avLst/>
-          </a:prstGeom>
-          <a:noFill/>
-          <a:ln>
-            <a:noFill/>
-          </a:ln>
-          <a:extLst>
-            <a:ext uri="{909E8E84-426E-40DD-AFC4-6F175D3DCCD1}">
-              <a14:hiddenFill xmlns:a14="http://schemas.microsoft.com/office/drawing/2010/main">
-                <a:solidFill>
-                  <a:schemeClr val="accent1"/>
-                </a:solidFill>
-              </a14:hiddenFill>
-            </a:ext>
-            <a:ext uri="{91240B29-F687-4F45-9708-019B960494DF}">
-              <a14:hiddenLine xmlns:a14="http://schemas.microsoft.com/office/drawing/2010/main" w="9525">
-                <a:solidFill>
-                  <a:schemeClr val="tx1"/>
-                </a:solidFill>
-                <a:miter lim="800000"/>
-                <a:headEnd/>
-                <a:tailEnd/>
-              </a14:hiddenLine>
-            </a:ext>
-          </a:extLst>
-        </p:spPr>
-      </p:pic>
-      <p:pic>
-        <p:nvPicPr>
-          <p:cNvPr id="35" name="Picture 34"/>
-          <p:cNvPicPr>
-            <a:picLocks noChangeAspect="1" noChangeArrowheads="1"/>
-          </p:cNvPicPr>
-          <p:nvPr/>
-        </p:nvPicPr>
-        <p:blipFill>
-          <a:blip r:embed="rId8">
-            <a:extLst>
-              <a:ext uri="{28A0092B-C50C-407E-A947-70E740481C1C}">
-                <a14:useLocalDpi xmlns:a14="http://schemas.microsoft.com/office/drawing/2010/main" val="0"/>
-              </a:ext>
-            </a:extLst>
-          </a:blip>
-          <a:srcRect/>
-          <a:stretch>
-            <a:fillRect/>
-          </a:stretch>
-        </p:blipFill>
-        <p:spPr bwMode="auto">
-          <a:xfrm>
-            <a:off x="1613969" y="4326392"/>
-            <a:ext cx="1657350" cy="447675"/>
-          </a:xfrm>
-          <a:prstGeom prst="rect">
-            <a:avLst/>
-          </a:prstGeom>
-          <a:noFill/>
-          <a:ln>
-            <a:noFill/>
-          </a:ln>
-          <a:extLst>
-            <a:ext uri="{909E8E84-426E-40DD-AFC4-6F175D3DCCD1}">
-              <a14:hiddenFill xmlns:a14="http://schemas.microsoft.com/office/drawing/2010/main">
-                <a:solidFill>
-                  <a:schemeClr val="accent1"/>
-                </a:solidFill>
-              </a14:hiddenFill>
-            </a:ext>
-            <a:ext uri="{91240B29-F687-4F45-9708-019B960494DF}">
-              <a14:hiddenLine xmlns:a14="http://schemas.microsoft.com/office/drawing/2010/main" w="9525">
-                <a:solidFill>
-                  <a:schemeClr val="tx1"/>
-                </a:solidFill>
-                <a:miter lim="800000"/>
-                <a:headEnd/>
-                <a:tailEnd/>
-              </a14:hiddenLine>
-            </a:ext>
-          </a:extLst>
-        </p:spPr>
-      </p:pic>
-      <p:sp>
-        <p:nvSpPr>
-          <p:cNvPr id="26" name="TextBox 25"/>
-          <p:cNvSpPr txBox="1"/>
-          <p:nvPr/>
-        </p:nvSpPr>
-        <p:spPr>
-          <a:xfrm>
-            <a:off x="618144" y="5193080"/>
-            <a:ext cx="1296761" cy="369332"/>
-          </a:xfrm>
-          <a:prstGeom prst="rect">
-            <a:avLst/>
-          </a:prstGeom>
-          <a:noFill/>
-        </p:spPr>
-        <p:txBody>
-          <a:bodyPr wrap="square" rtlCol="0">
-            <a:spAutoFit/>
-          </a:bodyPr>
-          <a:lstStyle/>
-          <a:p>
-            <a:r>
-              <a:rPr lang="en-US" dirty="0" smtClean="0"/>
-              <a:t>Swag</a:t>
-            </a:r>
-            <a:endParaRPr lang="en-US" dirty="0"/>
-          </a:p>
-        </p:txBody>
-      </p:sp>
-      <p:cxnSp>
-        <p:nvCxnSpPr>
-          <p:cNvPr id="28" name="Straight Connector 27"/>
-          <p:cNvCxnSpPr/>
-          <p:nvPr/>
-        </p:nvCxnSpPr>
-        <p:spPr>
-          <a:xfrm>
-            <a:off x="589193" y="5782260"/>
-            <a:ext cx="8044543" cy="0"/>
-          </a:xfrm>
-          <a:prstGeom prst="line">
-            <a:avLst/>
-          </a:prstGeom>
-          <a:ln w="3175">
-            <a:solidFill>
-              <a:srgbClr val="7A9F31"/>
-            </a:solidFill>
-          </a:ln>
-          <a:effectLst/>
-        </p:spPr>
-        <p:style>
-          <a:lnRef idx="2">
-            <a:schemeClr val="accent1"/>
-          </a:lnRef>
-          <a:fillRef idx="0">
-            <a:schemeClr val="accent1"/>
-          </a:fillRef>
-          <a:effectRef idx="1">
-            <a:schemeClr val="accent1"/>
-          </a:effectRef>
-          <a:fontRef idx="minor">
-            <a:schemeClr val="tx1"/>
-          </a:fontRef>
-        </p:style>
-      </p:cxnSp>
-      <p:pic>
-        <p:nvPicPr>
-          <p:cNvPr id="10" name="Picture 9"/>
-          <p:cNvPicPr>
-            <a:picLocks noChangeAspect="1"/>
-          </p:cNvPicPr>
-          <p:nvPr/>
-        </p:nvPicPr>
-        <p:blipFill>
-          <a:blip r:embed="rId9">
-            <a:extLst>
-              <a:ext uri="{28A0092B-C50C-407E-A947-70E740481C1C}">
-                <a14:useLocalDpi xmlns:a14="http://schemas.microsoft.com/office/drawing/2010/main" val="0"/>
-              </a:ext>
-            </a:extLst>
-          </a:blip>
-          <a:stretch>
-            <a:fillRect/>
-          </a:stretch>
-        </p:blipFill>
-        <p:spPr>
-          <a:xfrm>
-            <a:off x="1758580" y="1685654"/>
-            <a:ext cx="1027176" cy="182880"/>
-          </a:xfrm>
-          <a:prstGeom prst="rect">
-            <a:avLst/>
-          </a:prstGeom>
-        </p:spPr>
-      </p:pic>
-      <p:pic>
-        <p:nvPicPr>
-          <p:cNvPr id="15" name="Picture 14"/>
-          <p:cNvPicPr>
-            <a:picLocks noChangeAspect="1"/>
-          </p:cNvPicPr>
-          <p:nvPr/>
-        </p:nvPicPr>
-        <p:blipFill>
-          <a:blip r:embed="rId10">
-            <a:extLst>
-              <a:ext uri="{28A0092B-C50C-407E-A947-70E740481C1C}">
-                <a14:useLocalDpi xmlns:a14="http://schemas.microsoft.com/office/drawing/2010/main" val="0"/>
-              </a:ext>
-            </a:extLst>
-          </a:blip>
-          <a:stretch>
-            <a:fillRect/>
-          </a:stretch>
-        </p:blipFill>
-        <p:spPr>
-          <a:xfrm>
-            <a:off x="3917359" y="2295776"/>
-            <a:ext cx="1675357" cy="401613"/>
-          </a:xfrm>
-          <a:prstGeom prst="rect">
-            <a:avLst/>
-          </a:prstGeom>
-        </p:spPr>
-      </p:pic>
-      <p:pic>
-        <p:nvPicPr>
-          <p:cNvPr id="23" name="Picture 22"/>
-          <p:cNvPicPr>
-            <a:picLocks noChangeAspect="1"/>
-          </p:cNvPicPr>
-          <p:nvPr/>
-        </p:nvPicPr>
-        <p:blipFill>
-          <a:blip r:embed="rId11">
-            <a:extLst>
-              <a:ext uri="{28A0092B-C50C-407E-A947-70E740481C1C}">
-                <a14:useLocalDpi xmlns:a14="http://schemas.microsoft.com/office/drawing/2010/main" val="0"/>
-              </a:ext>
-            </a:extLst>
-          </a:blip>
-          <a:stretch>
-            <a:fillRect/>
-          </a:stretch>
-        </p:blipFill>
-        <p:spPr>
-          <a:xfrm>
-            <a:off x="6753346" y="2368741"/>
-            <a:ext cx="1857257" cy="321924"/>
-          </a:xfrm>
-          <a:prstGeom prst="rect">
-            <a:avLst/>
-          </a:prstGeom>
-        </p:spPr>
-      </p:pic>
-      <p:pic>
-        <p:nvPicPr>
-          <p:cNvPr id="25" name="Picture 24"/>
-          <p:cNvPicPr>
-            <a:picLocks noChangeAspect="1"/>
-          </p:cNvPicPr>
-          <p:nvPr/>
-        </p:nvPicPr>
-        <p:blipFill>
-          <a:blip r:embed="rId12">
-            <a:extLst>
-              <a:ext uri="{28A0092B-C50C-407E-A947-70E740481C1C}">
-                <a14:useLocalDpi xmlns:a14="http://schemas.microsoft.com/office/drawing/2010/main" val="0"/>
-              </a:ext>
-            </a:extLst>
-          </a:blip>
-          <a:stretch>
-            <a:fillRect/>
-          </a:stretch>
-        </p:blipFill>
-        <p:spPr>
-          <a:xfrm>
-            <a:off x="1855898" y="3549736"/>
-            <a:ext cx="2068064" cy="215733"/>
-          </a:xfrm>
-          <a:prstGeom prst="rect">
-            <a:avLst/>
-          </a:prstGeom>
-        </p:spPr>
-      </p:pic>
-    </p:spTree>
-    <p:extLst>
-      <p:ext uri="{BB962C8B-B14F-4D97-AF65-F5344CB8AC3E}">
-        <p14:creationId xmlns:p14="http://schemas.microsoft.com/office/powerpoint/2010/main" val="2875586194"/>
-      </p:ext>
-    </p:extLst>
-  </p:cSld>
-  <p:clrMapOvr>
-    <a:masterClrMapping/>
-  </p:clrMapOvr>
-  <p:timing>
-    <p:tnLst>
-      <p:par>
-        <p:cTn id="1" dur="indefinite" restart="never" nodeType="tmRoot"/>
-      </p:par>
-    </p:tnLst>
-  </p:timing>
-</p:sld>
-</file>
-
-<file path=ppt/slides/slide20.xml><?xml version="1.0" encoding="utf-8"?>
+<file path=ppt/slides/slide19.xml><?xml version="1.0" encoding="utf-8"?>
 <p:sld xmlns:a="http://schemas.openxmlformats.org/drawingml/2006/main" xmlns:r="http://schemas.openxmlformats.org/officeDocument/2006/relationships" xmlns:p="http://schemas.openxmlformats.org/presentationml/2006/main">
   <p:cSld>
     <p:spTree>
@@ -6820,1489 +5747,7 @@
 </p:sld>
 </file>
 
-<file path=ppt/slides/slide21.xml><?xml version="1.0" encoding="utf-8"?>
-<p:sld xmlns:a="http://schemas.openxmlformats.org/drawingml/2006/main" xmlns:r="http://schemas.openxmlformats.org/officeDocument/2006/relationships" xmlns:p="http://schemas.openxmlformats.org/presentationml/2006/main">
-  <p:cSld>
-    <p:spTree>
-      <p:nvGrpSpPr>
-        <p:cNvPr id="1" name=""/>
-        <p:cNvGrpSpPr/>
-        <p:nvPr/>
-      </p:nvGrpSpPr>
-      <p:grpSpPr>
-        <a:xfrm>
-          <a:off x="0" y="0"/>
-          <a:ext cx="0" cy="0"/>
-          <a:chOff x="0" y="0"/>
-          <a:chExt cx="0" cy="0"/>
-        </a:xfrm>
-      </p:grpSpPr>
-      <p:sp>
-        <p:nvSpPr>
-          <p:cNvPr id="2" name="Title 1"/>
-          <p:cNvSpPr>
-            <a:spLocks noGrp="1"/>
-          </p:cNvSpPr>
-          <p:nvPr>
-            <p:ph type="title"/>
-          </p:nvPr>
-        </p:nvSpPr>
-        <p:spPr/>
-        <p:txBody>
-          <a:bodyPr/>
-          <a:lstStyle/>
-          <a:p>
-            <a:r>
-              <a:rPr lang="en-US" dirty="0"/>
-              <a:t>Log Record Detail</a:t>
-            </a:r>
-          </a:p>
-        </p:txBody>
-      </p:sp>
-      <p:sp>
-        <p:nvSpPr>
-          <p:cNvPr id="3" name="Content Placeholder 2"/>
-          <p:cNvSpPr>
-            <a:spLocks noGrp="1"/>
-          </p:cNvSpPr>
-          <p:nvPr>
-            <p:ph idx="1"/>
-          </p:nvPr>
-        </p:nvSpPr>
-        <p:spPr>
-          <a:xfrm>
-            <a:off x="457201" y="3797145"/>
-            <a:ext cx="8229600" cy="2329018"/>
-          </a:xfrm>
-        </p:spPr>
-        <p:txBody>
-          <a:bodyPr>
-            <a:normAutofit lnSpcReduction="10000"/>
-          </a:bodyPr>
-          <a:lstStyle/>
-          <a:p>
-            <a:r>
-              <a:rPr lang="en-US" dirty="0"/>
-              <a:t>Of course, a header</a:t>
-            </a:r>
-          </a:p>
-          <a:p>
-            <a:pPr lvl="1"/>
-            <a:r>
-              <a:rPr lang="en-US" dirty="0"/>
-              <a:t>Record type, transaction ID, length, pointer to previous transaction record, etc.</a:t>
-            </a:r>
-          </a:p>
-          <a:p>
-            <a:r>
-              <a:rPr lang="en-US" dirty="0"/>
-              <a:t>Payload</a:t>
-            </a:r>
-          </a:p>
-          <a:p>
-            <a:pPr lvl="1"/>
-            <a:r>
-              <a:rPr lang="en-US" dirty="0"/>
-              <a:t>Before/after image of changes</a:t>
-            </a:r>
-          </a:p>
-        </p:txBody>
-      </p:sp>
-      <p:pic>
-        <p:nvPicPr>
-          <p:cNvPr id="4" name="Picture 3"/>
-          <p:cNvPicPr>
-            <a:picLocks noChangeAspect="1"/>
-          </p:cNvPicPr>
-          <p:nvPr/>
-        </p:nvPicPr>
-        <p:blipFill>
-          <a:blip r:embed="rId2"/>
-          <a:stretch>
-            <a:fillRect/>
-          </a:stretch>
-        </p:blipFill>
-        <p:spPr>
-          <a:xfrm>
-            <a:off x="457200" y="1417320"/>
-            <a:ext cx="8199451" cy="2377440"/>
-          </a:xfrm>
-          <a:prstGeom prst="rect">
-            <a:avLst/>
-          </a:prstGeom>
-        </p:spPr>
-      </p:pic>
-    </p:spTree>
-    <p:extLst>
-      <p:ext uri="{BB962C8B-B14F-4D97-AF65-F5344CB8AC3E}">
-        <p14:creationId xmlns:p14="http://schemas.microsoft.com/office/powerpoint/2010/main" val="3638472235"/>
-      </p:ext>
-    </p:extLst>
-  </p:cSld>
-  <p:clrMapOvr>
-    <a:masterClrMapping/>
-  </p:clrMapOvr>
-</p:sld>
-</file>
-
-<file path=ppt/slides/slide22.xml><?xml version="1.0" encoding="utf-8"?>
-<p:sld xmlns:a="http://schemas.openxmlformats.org/drawingml/2006/main" xmlns:r="http://schemas.openxmlformats.org/officeDocument/2006/relationships" xmlns:p="http://schemas.openxmlformats.org/presentationml/2006/main">
-  <p:cSld>
-    <p:spTree>
-      <p:nvGrpSpPr>
-        <p:cNvPr id="1" name=""/>
-        <p:cNvGrpSpPr/>
-        <p:nvPr/>
-      </p:nvGrpSpPr>
-      <p:grpSpPr>
-        <a:xfrm>
-          <a:off x="0" y="0"/>
-          <a:ext cx="0" cy="0"/>
-          <a:chOff x="0" y="0"/>
-          <a:chExt cx="0" cy="0"/>
-        </a:xfrm>
-      </p:grpSpPr>
-      <p:sp>
-        <p:nvSpPr>
-          <p:cNvPr id="2" name="Title 1"/>
-          <p:cNvSpPr>
-            <a:spLocks noGrp="1"/>
-          </p:cNvSpPr>
-          <p:nvPr>
-            <p:ph type="title"/>
-          </p:nvPr>
-        </p:nvSpPr>
-        <p:spPr/>
-        <p:txBody>
-          <a:bodyPr/>
-          <a:lstStyle/>
-          <a:p>
-            <a:r>
-              <a:rPr lang="en-US" dirty="0"/>
-              <a:t>Log Sequence Number</a:t>
-            </a:r>
-          </a:p>
-        </p:txBody>
-      </p:sp>
-      <p:sp>
-        <p:nvSpPr>
-          <p:cNvPr id="3" name="Content Placeholder 2"/>
-          <p:cNvSpPr>
-            <a:spLocks noGrp="1"/>
-          </p:cNvSpPr>
-          <p:nvPr>
-            <p:ph idx="1"/>
-          </p:nvPr>
-        </p:nvSpPr>
-        <p:spPr/>
-        <p:txBody>
-          <a:bodyPr/>
-          <a:lstStyle/>
-          <a:p>
-            <a:r>
-              <a:rPr lang="en-US" dirty="0"/>
-              <a:t>Each log record can be uniquely identified by its Log Sequence Number (LSN)</a:t>
-            </a:r>
-          </a:p>
-          <a:p>
-            <a:r>
-              <a:rPr lang="en-US" dirty="0"/>
-              <a:t>An LSN is composed of three parts</a:t>
-            </a:r>
-          </a:p>
-          <a:p>
-            <a:pPr lvl="1"/>
-            <a:r>
-              <a:rPr lang="en-US" dirty="0"/>
-              <a:t>VLF number</a:t>
-            </a:r>
-          </a:p>
-          <a:p>
-            <a:pPr lvl="1"/>
-            <a:r>
-              <a:rPr lang="en-US" dirty="0"/>
-              <a:t>Log Block offset (512-byte chunks, not necessarily contiguous)</a:t>
-            </a:r>
-          </a:p>
-          <a:p>
-            <a:pPr lvl="1"/>
-            <a:r>
-              <a:rPr lang="en-US" dirty="0"/>
-              <a:t>Log Record number (slot number)</a:t>
-            </a:r>
-          </a:p>
-          <a:p>
-            <a:r>
-              <a:rPr lang="en-US" dirty="0"/>
-              <a:t>The LSN is in a very real way a pointer into the (logical) log file</a:t>
-            </a:r>
-          </a:p>
-        </p:txBody>
-      </p:sp>
-    </p:spTree>
-    <p:extLst>
-      <p:ext uri="{BB962C8B-B14F-4D97-AF65-F5344CB8AC3E}">
-        <p14:creationId xmlns:p14="http://schemas.microsoft.com/office/powerpoint/2010/main" val="1560482780"/>
-      </p:ext>
-    </p:extLst>
-  </p:cSld>
-  <p:clrMapOvr>
-    <a:masterClrMapping/>
-  </p:clrMapOvr>
-</p:sld>
-</file>
-
-<file path=ppt/slides/slide23.xml><?xml version="1.0" encoding="utf-8"?>
-<p:sld xmlns:a="http://schemas.openxmlformats.org/drawingml/2006/main" xmlns:r="http://schemas.openxmlformats.org/officeDocument/2006/relationships" xmlns:p="http://schemas.openxmlformats.org/presentationml/2006/main">
-  <p:cSld>
-    <p:spTree>
-      <p:nvGrpSpPr>
-        <p:cNvPr id="1" name=""/>
-        <p:cNvGrpSpPr/>
-        <p:nvPr/>
-      </p:nvGrpSpPr>
-      <p:grpSpPr>
-        <a:xfrm>
-          <a:off x="0" y="0"/>
-          <a:ext cx="0" cy="0"/>
-          <a:chOff x="0" y="0"/>
-          <a:chExt cx="0" cy="0"/>
-        </a:xfrm>
-      </p:grpSpPr>
-      <p:sp>
-        <p:nvSpPr>
-          <p:cNvPr id="2" name="Title 1"/>
-          <p:cNvSpPr>
-            <a:spLocks noGrp="1"/>
-          </p:cNvSpPr>
-          <p:nvPr>
-            <p:ph type="title"/>
-          </p:nvPr>
-        </p:nvSpPr>
-        <p:spPr/>
-        <p:txBody>
-          <a:bodyPr/>
-          <a:lstStyle/>
-          <a:p>
-            <a:r>
-              <a:rPr lang="en-US" dirty="0"/>
-              <a:t>LSN Representations</a:t>
-            </a:r>
-          </a:p>
-        </p:txBody>
-      </p:sp>
-      <p:sp>
-        <p:nvSpPr>
-          <p:cNvPr id="3" name="Content Placeholder 2"/>
-          <p:cNvSpPr>
-            <a:spLocks noGrp="1"/>
-          </p:cNvSpPr>
-          <p:nvPr>
-            <p:ph idx="1"/>
-          </p:nvPr>
-        </p:nvSpPr>
-        <p:spPr>
-          <a:xfrm>
-            <a:off x="457200" y="1600201"/>
-            <a:ext cx="8229600" cy="628650"/>
-          </a:xfrm>
-        </p:spPr>
-        <p:txBody>
-          <a:bodyPr/>
-          <a:lstStyle/>
-          <a:p>
-            <a:pPr marL="0" indent="0">
-              <a:buNone/>
-            </a:pPr>
-            <a:r>
-              <a:rPr lang="en-US" dirty="0"/>
-              <a:t>Four common ways to express an LSN</a:t>
-            </a:r>
-          </a:p>
-        </p:txBody>
-      </p:sp>
-      <p:graphicFrame>
-        <p:nvGraphicFramePr>
-          <p:cNvPr id="4" name="Table 3"/>
-          <p:cNvGraphicFramePr>
-            <a:graphicFrameLocks noGrp="1"/>
-          </p:cNvGraphicFramePr>
-          <p:nvPr>
-            <p:extLst>
-              <p:ext uri="{D42A27DB-BD31-4B8C-83A1-F6EECF244321}">
-                <p14:modId xmlns:p14="http://schemas.microsoft.com/office/powerpoint/2010/main" val="3688946346"/>
-              </p:ext>
-            </p:extLst>
-          </p:nvPr>
-        </p:nvGraphicFramePr>
-        <p:xfrm>
-          <a:off x="457200" y="2352675"/>
-          <a:ext cx="8229600" cy="2419826"/>
-        </p:xfrm>
-        <a:graphic>
-          <a:graphicData uri="http://schemas.openxmlformats.org/drawingml/2006/table">
-            <a:tbl>
-              <a:tblPr firstRow="1" bandRow="1">
-                <a:tableStyleId>{5C22544A-7EE6-4342-B048-85BDC9FD1C3A}</a:tableStyleId>
-              </a:tblPr>
-              <a:tblGrid>
-                <a:gridCol w="1895475">
-                  <a:extLst>
-                    <a:ext uri="{9D8B030D-6E8A-4147-A177-3AD203B41FA5}">
-                      <a16:colId xmlns="" xmlns:a16="http://schemas.microsoft.com/office/drawing/2014/main" val="20000"/>
-                    </a:ext>
-                  </a:extLst>
-                </a:gridCol>
-                <a:gridCol w="3171825">
-                  <a:extLst>
-                    <a:ext uri="{9D8B030D-6E8A-4147-A177-3AD203B41FA5}">
-                      <a16:colId xmlns="" xmlns:a16="http://schemas.microsoft.com/office/drawing/2014/main" val="20001"/>
-                    </a:ext>
-                  </a:extLst>
-                </a:gridCol>
-                <a:gridCol w="3162300">
-                  <a:extLst>
-                    <a:ext uri="{9D8B030D-6E8A-4147-A177-3AD203B41FA5}">
-                      <a16:colId xmlns="" xmlns:a16="http://schemas.microsoft.com/office/drawing/2014/main" val="20002"/>
-                    </a:ext>
-                  </a:extLst>
-                </a:gridCol>
-              </a:tblGrid>
-              <a:tr h="397986">
-                <a:tc>
-                  <a:txBody>
-                    <a:bodyPr/>
-                    <a:lstStyle/>
-                    <a:p>
-                      <a:r>
-                        <a:rPr lang="en-US" dirty="0"/>
-                        <a:t>Format</a:t>
-                      </a:r>
-                    </a:p>
-                  </a:txBody>
-                  <a:tcPr/>
-                </a:tc>
-                <a:tc>
-                  <a:txBody>
-                    <a:bodyPr/>
-                    <a:lstStyle/>
-                    <a:p>
-                      <a:r>
-                        <a:rPr lang="en-US" dirty="0"/>
-                        <a:t>Example</a:t>
-                      </a:r>
-                    </a:p>
-                  </a:txBody>
-                  <a:tcPr/>
-                </a:tc>
-                <a:tc>
-                  <a:txBody>
-                    <a:bodyPr/>
-                    <a:lstStyle/>
-                    <a:p>
-                      <a:r>
-                        <a:rPr lang="en-US" dirty="0"/>
-                        <a:t>Common uses</a:t>
-                      </a:r>
-                    </a:p>
-                  </a:txBody>
-                  <a:tcPr/>
-                </a:tc>
-                <a:extLst>
-                  <a:ext uri="{0D108BD9-81ED-4DB2-BD59-A6C34878D82A}">
-                    <a16:rowId xmlns="" xmlns:a16="http://schemas.microsoft.com/office/drawing/2014/main" val="10000"/>
-                  </a:ext>
-                </a:extLst>
-              </a:tr>
-              <a:tr h="370840">
-                <a:tc>
-                  <a:txBody>
-                    <a:bodyPr/>
-                    <a:lstStyle/>
-                    <a:p>
-                      <a:r>
-                        <a:rPr lang="en-US" dirty="0"/>
-                        <a:t>Colon-separated (hexadecimal)</a:t>
-                      </a:r>
-                    </a:p>
-                  </a:txBody>
-                  <a:tcPr/>
-                </a:tc>
-                <a:tc>
-                  <a:txBody>
-                    <a:bodyPr/>
-                    <a:lstStyle/>
-                    <a:p>
-                      <a:pPr marL="0" marR="0" lvl="1" indent="0" algn="l" defTabSz="457200" rtl="0" eaLnBrk="1" fontAlgn="auto" latinLnBrk="0" hangingPunct="1">
-                        <a:lnSpc>
-                          <a:spcPct val="100000"/>
-                        </a:lnSpc>
-                        <a:spcBef>
-                          <a:spcPts val="0"/>
-                        </a:spcBef>
-                        <a:spcAft>
-                          <a:spcPts val="0"/>
-                        </a:spcAft>
-                        <a:buClrTx/>
-                        <a:buSzTx/>
-                        <a:buFontTx/>
-                        <a:buNone/>
-                        <a:tabLst/>
-                        <a:defRPr/>
-                      </a:pPr>
-                      <a:r>
-                        <a:rPr lang="en-US" dirty="0"/>
-                        <a:t>000001c0:0000006b:0005</a:t>
-                      </a:r>
-                    </a:p>
-                  </a:txBody>
-                  <a:tcPr/>
-                </a:tc>
-                <a:tc>
-                  <a:txBody>
-                    <a:bodyPr/>
-                    <a:lstStyle/>
-                    <a:p>
-                      <a:r>
-                        <a:rPr lang="en-US" dirty="0"/>
-                        <a:t>Log management</a:t>
-                      </a:r>
-                    </a:p>
-                  </a:txBody>
-                  <a:tcPr/>
-                </a:tc>
-                <a:extLst>
-                  <a:ext uri="{0D108BD9-81ED-4DB2-BD59-A6C34878D82A}">
-                    <a16:rowId xmlns="" xmlns:a16="http://schemas.microsoft.com/office/drawing/2014/main" val="10001"/>
-                  </a:ext>
-                </a:extLst>
-              </a:tr>
-              <a:tr h="370840">
-                <a:tc>
-                  <a:txBody>
-                    <a:bodyPr/>
-                    <a:lstStyle/>
-                    <a:p>
-                      <a:r>
-                        <a:rPr lang="en-US" dirty="0"/>
-                        <a:t>Hexadecimal</a:t>
-                      </a:r>
-                    </a:p>
-                  </a:txBody>
-                  <a:tcPr/>
-                </a:tc>
-                <a:tc>
-                  <a:txBody>
-                    <a:bodyPr/>
-                    <a:lstStyle/>
-                    <a:p>
-                      <a:pPr marL="0" marR="0" lvl="1" indent="0" algn="l" defTabSz="457200" rtl="0" eaLnBrk="1" fontAlgn="auto" latinLnBrk="0" hangingPunct="1">
-                        <a:lnSpc>
-                          <a:spcPct val="100000"/>
-                        </a:lnSpc>
-                        <a:spcBef>
-                          <a:spcPts val="0"/>
-                        </a:spcBef>
-                        <a:spcAft>
-                          <a:spcPts val="0"/>
-                        </a:spcAft>
-                        <a:buClrTx/>
-                        <a:buSzTx/>
-                        <a:buFontTx/>
-                        <a:buNone/>
-                        <a:tabLst/>
-                        <a:defRPr/>
-                      </a:pPr>
-                      <a:r>
-                        <a:rPr lang="en-US" sz="1800" kern="1200" dirty="0">
-                          <a:solidFill>
-                            <a:schemeClr val="dk1"/>
-                          </a:solidFill>
-                          <a:latin typeface="+mn-lt"/>
-                          <a:ea typeface="+mn-ea"/>
-                          <a:cs typeface="+mn-cs"/>
-                        </a:rPr>
-                        <a:t>0x000001c00000006b0005</a:t>
-                      </a:r>
-                      <a:endParaRPr lang="en-US" dirty="0"/>
-                    </a:p>
-                  </a:txBody>
-                  <a:tcPr/>
-                </a:tc>
-                <a:tc>
-                  <a:txBody>
-                    <a:bodyPr/>
-                    <a:lstStyle/>
-                    <a:p>
-                      <a:r>
-                        <a:rPr lang="en-US" dirty="0"/>
-                        <a:t>Change data capture</a:t>
-                      </a:r>
-                    </a:p>
-                  </a:txBody>
-                  <a:tcPr/>
-                </a:tc>
-                <a:extLst>
-                  <a:ext uri="{0D108BD9-81ED-4DB2-BD59-A6C34878D82A}">
-                    <a16:rowId xmlns="" xmlns:a16="http://schemas.microsoft.com/office/drawing/2014/main" val="10002"/>
-                  </a:ext>
-                </a:extLst>
-              </a:tr>
-              <a:tr h="370840">
-                <a:tc>
-                  <a:txBody>
-                    <a:bodyPr/>
-                    <a:lstStyle/>
-                    <a:p>
-                      <a:r>
-                        <a:rPr lang="en-US" dirty="0"/>
-                        <a:t>Decimal</a:t>
-                      </a:r>
-                    </a:p>
-                  </a:txBody>
-                  <a:tcPr/>
-                </a:tc>
-                <a:tc>
-                  <a:txBody>
-                    <a:bodyPr/>
-                    <a:lstStyle/>
-                    <a:p>
-                      <a:r>
-                        <a:rPr lang="en-US" dirty="0"/>
-                        <a:t>448000000010700005</a:t>
-                      </a:r>
-                    </a:p>
-                  </a:txBody>
-                  <a:tcPr/>
-                </a:tc>
-                <a:tc>
-                  <a:txBody>
-                    <a:bodyPr/>
-                    <a:lstStyle/>
-                    <a:p>
-                      <a:r>
-                        <a:rPr lang="en-US" dirty="0"/>
-                        <a:t>Backup</a:t>
-                      </a:r>
-                    </a:p>
-                  </a:txBody>
-                  <a:tcPr/>
-                </a:tc>
-                <a:extLst>
-                  <a:ext uri="{0D108BD9-81ED-4DB2-BD59-A6C34878D82A}">
-                    <a16:rowId xmlns="" xmlns:a16="http://schemas.microsoft.com/office/drawing/2014/main" val="10003"/>
-                  </a:ext>
-                </a:extLst>
-              </a:tr>
-              <a:tr h="370840">
-                <a:tc>
-                  <a:txBody>
-                    <a:bodyPr/>
-                    <a:lstStyle/>
-                    <a:p>
-                      <a:r>
-                        <a:rPr lang="en-US" dirty="0"/>
-                        <a:t>Colon-separated (decimal)</a:t>
-                      </a:r>
-                    </a:p>
-                  </a:txBody>
-                  <a:tcPr/>
-                </a:tc>
-                <a:tc>
-                  <a:txBody>
-                    <a:bodyPr/>
-                    <a:lstStyle/>
-                    <a:p>
-                      <a:r>
-                        <a:rPr lang="en-US" dirty="0"/>
-                        <a:t>448:107:5</a:t>
-                      </a:r>
-                    </a:p>
-                  </a:txBody>
-                  <a:tcPr/>
-                </a:tc>
-                <a:tc>
-                  <a:txBody>
-                    <a:bodyPr/>
-                    <a:lstStyle/>
-                    <a:p>
-                      <a:r>
-                        <a:rPr lang="en-US" dirty="0"/>
-                        <a:t>Input to </a:t>
-                      </a:r>
-                      <a:r>
-                        <a:rPr lang="en-US" dirty="0" err="1"/>
-                        <a:t>fn_dblog</a:t>
-                      </a:r>
-                      <a:endParaRPr lang="en-US" dirty="0"/>
-                    </a:p>
-                  </a:txBody>
-                  <a:tcPr/>
-                </a:tc>
-                <a:extLst>
-                  <a:ext uri="{0D108BD9-81ED-4DB2-BD59-A6C34878D82A}">
-                    <a16:rowId xmlns="" xmlns:a16="http://schemas.microsoft.com/office/drawing/2014/main" val="3543017676"/>
-                  </a:ext>
-                </a:extLst>
-              </a:tr>
-            </a:tbl>
-          </a:graphicData>
-        </a:graphic>
-      </p:graphicFrame>
-      <p:sp>
-        <p:nvSpPr>
-          <p:cNvPr id="5" name="Content Placeholder 2"/>
-          <p:cNvSpPr txBox="1">
-            <a:spLocks/>
-          </p:cNvSpPr>
-          <p:nvPr/>
-        </p:nvSpPr>
-        <p:spPr>
-          <a:xfrm>
-            <a:off x="457200" y="4877015"/>
-            <a:ext cx="8229600" cy="628650"/>
-          </a:xfrm>
-          <a:prstGeom prst="rect">
-            <a:avLst/>
-          </a:prstGeom>
-        </p:spPr>
-        <p:txBody>
-          <a:bodyPr vert="horz" lIns="91440" tIns="45720" rIns="91440" bIns="45720" rtlCol="0">
-            <a:normAutofit/>
-          </a:bodyPr>
-          <a:lstStyle>
-            <a:lvl1pPr marL="342900" indent="-342900" algn="l" defTabSz="457200" rtl="0" eaLnBrk="1" latinLnBrk="0" hangingPunct="1">
-              <a:spcBef>
-                <a:spcPct val="20000"/>
-              </a:spcBef>
-              <a:buFont typeface="Wingdings" charset="2"/>
-              <a:buChar char="§"/>
-              <a:defRPr sz="3000" kern="1200">
-                <a:solidFill>
-                  <a:schemeClr val="tx2"/>
-                </a:solidFill>
-                <a:latin typeface="+mn-lt"/>
-                <a:ea typeface="+mn-ea"/>
-                <a:cs typeface="+mn-cs"/>
-              </a:defRPr>
-            </a:lvl1pPr>
-            <a:lvl2pPr marL="742950" indent="-285750" algn="l" defTabSz="457200" rtl="0" eaLnBrk="1" latinLnBrk="0" hangingPunct="1">
-              <a:spcBef>
-                <a:spcPct val="20000"/>
-              </a:spcBef>
-              <a:buFont typeface="Wingdings" charset="2"/>
-              <a:buChar char="§"/>
-              <a:defRPr sz="2600" kern="1200">
-                <a:solidFill>
-                  <a:srgbClr val="474947"/>
-                </a:solidFill>
-                <a:latin typeface="+mn-lt"/>
-                <a:ea typeface="+mn-ea"/>
-                <a:cs typeface="+mn-cs"/>
-              </a:defRPr>
-            </a:lvl2pPr>
-            <a:lvl3pPr marL="1143000" indent="-228600" algn="l" defTabSz="457200" rtl="0" eaLnBrk="1" latinLnBrk="0" hangingPunct="1">
-              <a:spcBef>
-                <a:spcPct val="20000"/>
-              </a:spcBef>
-              <a:buFont typeface="Wingdings" charset="2"/>
-              <a:buChar char="§"/>
-              <a:defRPr sz="2200" kern="1200">
-                <a:solidFill>
-                  <a:srgbClr val="474947"/>
-                </a:solidFill>
-                <a:latin typeface="+mn-lt"/>
-                <a:ea typeface="+mn-ea"/>
-                <a:cs typeface="+mn-cs"/>
-              </a:defRPr>
-            </a:lvl3pPr>
-            <a:lvl4pPr marL="1600200" indent="-228600" algn="l" defTabSz="457200" rtl="0" eaLnBrk="1" latinLnBrk="0" hangingPunct="1">
-              <a:spcBef>
-                <a:spcPct val="20000"/>
-              </a:spcBef>
-              <a:buFont typeface="Wingdings" charset="2"/>
-              <a:buChar char="§"/>
-              <a:defRPr sz="2000" kern="1200">
-                <a:solidFill>
-                  <a:srgbClr val="474947"/>
-                </a:solidFill>
-                <a:latin typeface="+mn-lt"/>
-                <a:ea typeface="+mn-ea"/>
-                <a:cs typeface="+mn-cs"/>
-              </a:defRPr>
-            </a:lvl4pPr>
-            <a:lvl5pPr marL="2057400" indent="-228600" algn="l" defTabSz="457200" rtl="0" eaLnBrk="1" latinLnBrk="0" hangingPunct="1">
-              <a:spcBef>
-                <a:spcPct val="20000"/>
-              </a:spcBef>
-              <a:buFont typeface="Wingdings" charset="2"/>
-              <a:buChar char="§"/>
-              <a:defRPr sz="1800" kern="1200">
-                <a:solidFill>
-                  <a:srgbClr val="474947"/>
-                </a:solidFill>
-                <a:latin typeface="+mn-lt"/>
-                <a:ea typeface="+mn-ea"/>
-                <a:cs typeface="+mn-cs"/>
-              </a:defRPr>
-            </a:lvl5pPr>
-            <a:lvl6pPr marL="2514600" indent="-228600" algn="l" defTabSz="457200" rtl="0" eaLnBrk="1" latinLnBrk="0" hangingPunct="1">
-              <a:spcBef>
-                <a:spcPct val="20000"/>
-              </a:spcBef>
-              <a:buFont typeface="Arial"/>
-              <a:buChar char="•"/>
-              <a:defRPr sz="2000" kern="1200">
-                <a:solidFill>
-                  <a:schemeClr val="tx1"/>
-                </a:solidFill>
-                <a:latin typeface="+mn-lt"/>
-                <a:ea typeface="+mn-ea"/>
-                <a:cs typeface="+mn-cs"/>
-              </a:defRPr>
-            </a:lvl6pPr>
-            <a:lvl7pPr marL="2971800" indent="-228600" algn="l" defTabSz="457200" rtl="0" eaLnBrk="1" latinLnBrk="0" hangingPunct="1">
-              <a:spcBef>
-                <a:spcPct val="20000"/>
-              </a:spcBef>
-              <a:buFont typeface="Arial"/>
-              <a:buChar char="•"/>
-              <a:defRPr sz="2000" kern="1200">
-                <a:solidFill>
-                  <a:schemeClr val="tx1"/>
-                </a:solidFill>
-                <a:latin typeface="+mn-lt"/>
-                <a:ea typeface="+mn-ea"/>
-                <a:cs typeface="+mn-cs"/>
-              </a:defRPr>
-            </a:lvl7pPr>
-            <a:lvl8pPr marL="3429000" indent="-228600" algn="l" defTabSz="457200" rtl="0" eaLnBrk="1" latinLnBrk="0" hangingPunct="1">
-              <a:spcBef>
-                <a:spcPct val="20000"/>
-              </a:spcBef>
-              <a:buFont typeface="Arial"/>
-              <a:buChar char="•"/>
-              <a:defRPr sz="2000" kern="1200">
-                <a:solidFill>
-                  <a:schemeClr val="tx1"/>
-                </a:solidFill>
-                <a:latin typeface="+mn-lt"/>
-                <a:ea typeface="+mn-ea"/>
-                <a:cs typeface="+mn-cs"/>
-              </a:defRPr>
-            </a:lvl8pPr>
-            <a:lvl9pPr marL="3886200" indent="-228600" algn="l" defTabSz="457200" rtl="0" eaLnBrk="1" latinLnBrk="0" hangingPunct="1">
-              <a:spcBef>
-                <a:spcPct val="20000"/>
-              </a:spcBef>
-              <a:buFont typeface="Arial"/>
-              <a:buChar char="•"/>
-              <a:defRPr sz="2000" kern="1200">
-                <a:solidFill>
-                  <a:schemeClr val="tx1"/>
-                </a:solidFill>
-                <a:latin typeface="+mn-lt"/>
-                <a:ea typeface="+mn-ea"/>
-                <a:cs typeface="+mn-cs"/>
-              </a:defRPr>
-            </a:lvl9pPr>
-          </a:lstStyle>
-          <a:p>
-            <a:pPr marL="0" indent="0">
-              <a:buFont typeface="Wingdings" charset="2"/>
-              <a:buNone/>
-            </a:pPr>
-            <a:r>
-              <a:rPr lang="en-US" dirty="0"/>
-              <a:t>These four LSNs are equivalent</a:t>
-            </a:r>
-          </a:p>
-        </p:txBody>
-      </p:sp>
-    </p:spTree>
-    <p:extLst>
-      <p:ext uri="{BB962C8B-B14F-4D97-AF65-F5344CB8AC3E}">
-        <p14:creationId xmlns:p14="http://schemas.microsoft.com/office/powerpoint/2010/main" val="2618731270"/>
-      </p:ext>
-    </p:extLst>
-  </p:cSld>
-  <p:clrMapOvr>
-    <a:masterClrMapping/>
-  </p:clrMapOvr>
-</p:sld>
-</file>
-
-<file path=ppt/slides/slide24.xml><?xml version="1.0" encoding="utf-8"?>
-<p:sld xmlns:a="http://schemas.openxmlformats.org/drawingml/2006/main" xmlns:r="http://schemas.openxmlformats.org/officeDocument/2006/relationships" xmlns:p="http://schemas.openxmlformats.org/presentationml/2006/main">
-  <p:cSld>
-    <p:spTree>
-      <p:nvGrpSpPr>
-        <p:cNvPr id="1" name=""/>
-        <p:cNvGrpSpPr/>
-        <p:nvPr/>
-      </p:nvGrpSpPr>
-      <p:grpSpPr>
-        <a:xfrm>
-          <a:off x="0" y="0"/>
-          <a:ext cx="0" cy="0"/>
-          <a:chOff x="0" y="0"/>
-          <a:chExt cx="0" cy="0"/>
-        </a:xfrm>
-      </p:grpSpPr>
-      <p:sp>
-        <p:nvSpPr>
-          <p:cNvPr id="2" name="Title 1"/>
-          <p:cNvSpPr>
-            <a:spLocks noGrp="1"/>
-          </p:cNvSpPr>
-          <p:nvPr>
-            <p:ph type="title"/>
-          </p:nvPr>
-        </p:nvSpPr>
-        <p:spPr/>
-        <p:txBody>
-          <a:bodyPr/>
-          <a:lstStyle/>
-          <a:p>
-            <a:r>
-              <a:rPr lang="en-US" dirty="0"/>
-              <a:t>Demo</a:t>
-            </a:r>
-          </a:p>
-        </p:txBody>
-      </p:sp>
-      <p:sp>
-        <p:nvSpPr>
-          <p:cNvPr id="3" name="Content Placeholder 2"/>
-          <p:cNvSpPr>
-            <a:spLocks noGrp="1"/>
-          </p:cNvSpPr>
-          <p:nvPr>
-            <p:ph idx="1"/>
-          </p:nvPr>
-        </p:nvSpPr>
-        <p:spPr/>
-        <p:txBody>
-          <a:bodyPr/>
-          <a:lstStyle/>
-          <a:p>
-            <a:pPr marL="0" indent="0">
-              <a:buNone/>
-            </a:pPr>
-            <a:r>
-              <a:rPr lang="en-US" dirty="0"/>
-              <a:t>LSN Converter</a:t>
-            </a:r>
-          </a:p>
-        </p:txBody>
-      </p:sp>
-      <p:pic>
-        <p:nvPicPr>
-          <p:cNvPr id="4" name="Picture 3"/>
-          <p:cNvPicPr>
-            <a:picLocks noChangeAspect="1"/>
-          </p:cNvPicPr>
-          <p:nvPr/>
-        </p:nvPicPr>
-        <p:blipFill>
-          <a:blip r:embed="rId2"/>
-          <a:stretch>
-            <a:fillRect/>
-          </a:stretch>
-        </p:blipFill>
-        <p:spPr>
-          <a:xfrm>
-            <a:off x="763071" y="1653000"/>
-            <a:ext cx="7617858" cy="3552000"/>
-          </a:xfrm>
-          <a:prstGeom prst="rect">
-            <a:avLst/>
-          </a:prstGeom>
-        </p:spPr>
-      </p:pic>
-    </p:spTree>
-    <p:extLst>
-      <p:ext uri="{BB962C8B-B14F-4D97-AF65-F5344CB8AC3E}">
-        <p14:creationId xmlns:p14="http://schemas.microsoft.com/office/powerpoint/2010/main" val="958662350"/>
-      </p:ext>
-    </p:extLst>
-  </p:cSld>
-  <p:clrMapOvr>
-    <a:masterClrMapping/>
-  </p:clrMapOvr>
-</p:sld>
-</file>
-
-<file path=ppt/slides/slide25.xml><?xml version="1.0" encoding="utf-8"?>
-<p:sld xmlns:a="http://schemas.openxmlformats.org/drawingml/2006/main" xmlns:r="http://schemas.openxmlformats.org/officeDocument/2006/relationships" xmlns:p="http://schemas.openxmlformats.org/presentationml/2006/main">
-  <p:cSld>
-    <p:spTree>
-      <p:nvGrpSpPr>
-        <p:cNvPr id="1" name=""/>
-        <p:cNvGrpSpPr/>
-        <p:nvPr/>
-      </p:nvGrpSpPr>
-      <p:grpSpPr>
-        <a:xfrm>
-          <a:off x="0" y="0"/>
-          <a:ext cx="0" cy="0"/>
-          <a:chOff x="0" y="0"/>
-          <a:chExt cx="0" cy="0"/>
-        </a:xfrm>
-      </p:grpSpPr>
-      <p:sp>
-        <p:nvSpPr>
-          <p:cNvPr id="2" name="Title 1"/>
-          <p:cNvSpPr>
-            <a:spLocks noGrp="1"/>
-          </p:cNvSpPr>
-          <p:nvPr>
-            <p:ph type="title"/>
-          </p:nvPr>
-        </p:nvSpPr>
-        <p:spPr/>
-        <p:txBody>
-          <a:bodyPr/>
-          <a:lstStyle/>
-          <a:p>
-            <a:r>
-              <a:rPr lang="en-US" dirty="0"/>
-              <a:t>DBCC LOGINFO(‘</a:t>
-            </a:r>
-            <a:r>
-              <a:rPr lang="en-US" dirty="0" err="1"/>
-              <a:t>db_name</a:t>
-            </a:r>
-            <a:r>
-              <a:rPr lang="en-US" dirty="0"/>
-              <a:t>’)</a:t>
-            </a:r>
-          </a:p>
-        </p:txBody>
-      </p:sp>
-      <p:sp>
-        <p:nvSpPr>
-          <p:cNvPr id="3" name="Content Placeholder 2"/>
-          <p:cNvSpPr>
-            <a:spLocks noGrp="1"/>
-          </p:cNvSpPr>
-          <p:nvPr>
-            <p:ph idx="1"/>
-          </p:nvPr>
-        </p:nvSpPr>
-        <p:spPr>
-          <a:xfrm>
-            <a:off x="457200" y="1408113"/>
-            <a:ext cx="8229600" cy="676275"/>
-          </a:xfrm>
-        </p:spPr>
-        <p:txBody>
-          <a:bodyPr/>
-          <a:lstStyle/>
-          <a:p>
-            <a:pPr marL="0" indent="0">
-              <a:buNone/>
-            </a:pPr>
-            <a:r>
-              <a:rPr lang="en-US" dirty="0"/>
-              <a:t>Returns one row per VLF</a:t>
-            </a:r>
-          </a:p>
-        </p:txBody>
-      </p:sp>
-      <p:pic>
-        <p:nvPicPr>
-          <p:cNvPr id="5" name="Picture 4"/>
-          <p:cNvPicPr>
-            <a:picLocks noChangeAspect="1"/>
-          </p:cNvPicPr>
-          <p:nvPr/>
-        </p:nvPicPr>
-        <p:blipFill>
-          <a:blip r:embed="rId2"/>
-          <a:stretch>
-            <a:fillRect/>
-          </a:stretch>
-        </p:blipFill>
-        <p:spPr>
-          <a:xfrm>
-            <a:off x="457200" y="2084388"/>
-            <a:ext cx="8067675" cy="3634087"/>
-          </a:xfrm>
-          <a:prstGeom prst="rect">
-            <a:avLst/>
-          </a:prstGeom>
-        </p:spPr>
-      </p:pic>
-    </p:spTree>
-    <p:extLst>
-      <p:ext uri="{BB962C8B-B14F-4D97-AF65-F5344CB8AC3E}">
-        <p14:creationId xmlns:p14="http://schemas.microsoft.com/office/powerpoint/2010/main" val="3403567972"/>
-      </p:ext>
-    </p:extLst>
-  </p:cSld>
-  <p:clrMapOvr>
-    <a:masterClrMapping/>
-  </p:clrMapOvr>
-</p:sld>
-</file>
-
-<file path=ppt/slides/slide26.xml><?xml version="1.0" encoding="utf-8"?>
-<p:sld xmlns:a="http://schemas.openxmlformats.org/drawingml/2006/main" xmlns:r="http://schemas.openxmlformats.org/officeDocument/2006/relationships" xmlns:p="http://schemas.openxmlformats.org/presentationml/2006/main">
-  <p:cSld>
-    <p:spTree>
-      <p:nvGrpSpPr>
-        <p:cNvPr id="1" name=""/>
-        <p:cNvGrpSpPr/>
-        <p:nvPr/>
-      </p:nvGrpSpPr>
-      <p:grpSpPr>
-        <a:xfrm>
-          <a:off x="0" y="0"/>
-          <a:ext cx="0" cy="0"/>
-          <a:chOff x="0" y="0"/>
-          <a:chExt cx="0" cy="0"/>
-        </a:xfrm>
-      </p:grpSpPr>
-      <p:sp>
-        <p:nvSpPr>
-          <p:cNvPr id="2" name="Title 1"/>
-          <p:cNvSpPr>
-            <a:spLocks noGrp="1"/>
-          </p:cNvSpPr>
-          <p:nvPr>
-            <p:ph type="title"/>
-          </p:nvPr>
-        </p:nvSpPr>
-        <p:spPr/>
-        <p:txBody>
-          <a:bodyPr/>
-          <a:lstStyle/>
-          <a:p>
-            <a:r>
-              <a:rPr lang="en-US" dirty="0"/>
-              <a:t>Demo</a:t>
-            </a:r>
-          </a:p>
-        </p:txBody>
-      </p:sp>
-      <p:sp>
-        <p:nvSpPr>
-          <p:cNvPr id="3" name="Content Placeholder 2"/>
-          <p:cNvSpPr>
-            <a:spLocks noGrp="1"/>
-          </p:cNvSpPr>
-          <p:nvPr>
-            <p:ph idx="1"/>
-          </p:nvPr>
-        </p:nvSpPr>
-        <p:spPr/>
-        <p:txBody>
-          <a:bodyPr/>
-          <a:lstStyle/>
-          <a:p>
-            <a:pPr marL="0" indent="0">
-              <a:buNone/>
-            </a:pPr>
-            <a:r>
-              <a:rPr lang="en-US" dirty="0"/>
-              <a:t>DBCC </a:t>
-            </a:r>
-            <a:r>
-              <a:rPr lang="en-US" dirty="0" smtClean="0"/>
-              <a:t>LOGINFO</a:t>
-            </a:r>
-          </a:p>
-          <a:p>
-            <a:pPr marL="0" indent="0">
-              <a:buNone/>
-            </a:pPr>
-            <a:r>
-              <a:rPr lang="en-US" dirty="0"/>
-              <a:t>	</a:t>
-            </a:r>
-            <a:r>
-              <a:rPr lang="en-US" smtClean="0"/>
-              <a:t>	+ Log File Visualizer</a:t>
-            </a:r>
-            <a:endParaRPr lang="en-US" dirty="0" smtClean="0"/>
-          </a:p>
-        </p:txBody>
-      </p:sp>
-      <p:pic>
-        <p:nvPicPr>
-          <p:cNvPr id="4" name="Picture 3"/>
-          <p:cNvPicPr>
-            <a:picLocks noChangeAspect="1"/>
-          </p:cNvPicPr>
-          <p:nvPr/>
-        </p:nvPicPr>
-        <p:blipFill>
-          <a:blip r:embed="rId2"/>
-          <a:stretch>
-            <a:fillRect/>
-          </a:stretch>
-        </p:blipFill>
-        <p:spPr>
-          <a:xfrm>
-            <a:off x="763071" y="1653000"/>
-            <a:ext cx="7617858" cy="3552000"/>
-          </a:xfrm>
-          <a:prstGeom prst="rect">
-            <a:avLst/>
-          </a:prstGeom>
-        </p:spPr>
-      </p:pic>
-    </p:spTree>
-    <p:extLst>
-      <p:ext uri="{BB962C8B-B14F-4D97-AF65-F5344CB8AC3E}">
-        <p14:creationId xmlns:p14="http://schemas.microsoft.com/office/powerpoint/2010/main" val="4134537087"/>
-      </p:ext>
-    </p:extLst>
-  </p:cSld>
-  <p:clrMapOvr>
-    <a:masterClrMapping/>
-  </p:clrMapOvr>
-</p:sld>
-</file>
-
-<file path=ppt/slides/slide27.xml><?xml version="1.0" encoding="utf-8"?>
-<p:sld xmlns:a="http://schemas.openxmlformats.org/drawingml/2006/main" xmlns:r="http://schemas.openxmlformats.org/officeDocument/2006/relationships" xmlns:p="http://schemas.openxmlformats.org/presentationml/2006/main">
-  <p:cSld>
-    <p:spTree>
-      <p:nvGrpSpPr>
-        <p:cNvPr id="1" name=""/>
-        <p:cNvGrpSpPr/>
-        <p:nvPr/>
-      </p:nvGrpSpPr>
-      <p:grpSpPr>
-        <a:xfrm>
-          <a:off x="0" y="0"/>
-          <a:ext cx="0" cy="0"/>
-          <a:chOff x="0" y="0"/>
-          <a:chExt cx="0" cy="0"/>
-        </a:xfrm>
-      </p:grpSpPr>
-      <p:sp>
-        <p:nvSpPr>
-          <p:cNvPr id="2" name="Title 1"/>
-          <p:cNvSpPr>
-            <a:spLocks noGrp="1"/>
-          </p:cNvSpPr>
-          <p:nvPr>
-            <p:ph type="title"/>
-          </p:nvPr>
-        </p:nvSpPr>
-        <p:spPr/>
-        <p:txBody>
-          <a:bodyPr/>
-          <a:lstStyle/>
-          <a:p>
-            <a:r>
-              <a:rPr lang="en-US" dirty="0" err="1"/>
-              <a:t>fn_dblog</a:t>
-            </a:r>
-            <a:r>
-              <a:rPr lang="en-US" dirty="0"/>
-              <a:t>(</a:t>
-            </a:r>
-            <a:r>
-              <a:rPr lang="en-US" dirty="0" err="1"/>
-              <a:t>start_lsn</a:t>
-            </a:r>
-            <a:r>
-              <a:rPr lang="en-US" dirty="0"/>
-              <a:t>, </a:t>
-            </a:r>
-            <a:r>
-              <a:rPr lang="en-US" dirty="0" err="1"/>
-              <a:t>end_lsn</a:t>
-            </a:r>
-            <a:r>
-              <a:rPr lang="en-US" dirty="0"/>
-              <a:t>)</a:t>
-            </a:r>
-          </a:p>
-        </p:txBody>
-      </p:sp>
-      <p:sp>
-        <p:nvSpPr>
-          <p:cNvPr id="3" name="Content Placeholder 2"/>
-          <p:cNvSpPr>
-            <a:spLocks noGrp="1"/>
-          </p:cNvSpPr>
-          <p:nvPr>
-            <p:ph idx="1"/>
-          </p:nvPr>
-        </p:nvSpPr>
-        <p:spPr>
-          <a:xfrm>
-            <a:off x="457200" y="1397001"/>
-            <a:ext cx="8229600" cy="704850"/>
-          </a:xfrm>
-        </p:spPr>
-        <p:txBody>
-          <a:bodyPr/>
-          <a:lstStyle/>
-          <a:p>
-            <a:pPr marL="0" indent="0">
-              <a:buNone/>
-            </a:pPr>
-            <a:r>
-              <a:rPr lang="en-US" dirty="0"/>
-              <a:t>Returns one row per log record</a:t>
-            </a:r>
-          </a:p>
-        </p:txBody>
-      </p:sp>
-      <p:pic>
-        <p:nvPicPr>
-          <p:cNvPr id="4" name="Picture 3"/>
-          <p:cNvPicPr>
-            <a:picLocks noChangeAspect="1"/>
-          </p:cNvPicPr>
-          <p:nvPr/>
-        </p:nvPicPr>
-        <p:blipFill>
-          <a:blip r:embed="rId2"/>
-          <a:stretch>
-            <a:fillRect/>
-          </a:stretch>
-        </p:blipFill>
-        <p:spPr>
-          <a:xfrm>
-            <a:off x="457200" y="2025651"/>
-            <a:ext cx="7962900" cy="4032860"/>
-          </a:xfrm>
-          <a:prstGeom prst="rect">
-            <a:avLst/>
-          </a:prstGeom>
-        </p:spPr>
-      </p:pic>
-    </p:spTree>
-    <p:extLst>
-      <p:ext uri="{BB962C8B-B14F-4D97-AF65-F5344CB8AC3E}">
-        <p14:creationId xmlns:p14="http://schemas.microsoft.com/office/powerpoint/2010/main" val="2370315233"/>
-      </p:ext>
-    </p:extLst>
-  </p:cSld>
-  <p:clrMapOvr>
-    <a:masterClrMapping/>
-  </p:clrMapOvr>
-</p:sld>
-</file>
-
-<file path=ppt/slides/slide28.xml><?xml version="1.0" encoding="utf-8"?>
-<p:sld xmlns:a="http://schemas.openxmlformats.org/drawingml/2006/main" xmlns:r="http://schemas.openxmlformats.org/officeDocument/2006/relationships" xmlns:p="http://schemas.openxmlformats.org/presentationml/2006/main">
-  <p:cSld>
-    <p:spTree>
-      <p:nvGrpSpPr>
-        <p:cNvPr id="1" name=""/>
-        <p:cNvGrpSpPr/>
-        <p:nvPr/>
-      </p:nvGrpSpPr>
-      <p:grpSpPr>
-        <a:xfrm>
-          <a:off x="0" y="0"/>
-          <a:ext cx="0" cy="0"/>
-          <a:chOff x="0" y="0"/>
-          <a:chExt cx="0" cy="0"/>
-        </a:xfrm>
-      </p:grpSpPr>
-      <p:sp>
-        <p:nvSpPr>
-          <p:cNvPr id="2" name="Title 1"/>
-          <p:cNvSpPr>
-            <a:spLocks noGrp="1"/>
-          </p:cNvSpPr>
-          <p:nvPr>
-            <p:ph type="title"/>
-          </p:nvPr>
-        </p:nvSpPr>
-        <p:spPr/>
-        <p:txBody>
-          <a:bodyPr/>
-          <a:lstStyle/>
-          <a:p>
-            <a:r>
-              <a:rPr lang="en-US" dirty="0"/>
-              <a:t>Demo</a:t>
-            </a:r>
-          </a:p>
-        </p:txBody>
-      </p:sp>
-      <p:sp>
-        <p:nvSpPr>
-          <p:cNvPr id="3" name="Content Placeholder 2"/>
-          <p:cNvSpPr>
-            <a:spLocks noGrp="1"/>
-          </p:cNvSpPr>
-          <p:nvPr>
-            <p:ph idx="1"/>
-          </p:nvPr>
-        </p:nvSpPr>
-        <p:spPr/>
-        <p:txBody>
-          <a:bodyPr/>
-          <a:lstStyle/>
-          <a:p>
-            <a:pPr marL="0" indent="0">
-              <a:buNone/>
-            </a:pPr>
-            <a:r>
-              <a:rPr lang="en-US" dirty="0" err="1"/>
-              <a:t>fn_dblog</a:t>
-            </a:r>
-            <a:endParaRPr lang="en-US" dirty="0"/>
-          </a:p>
-        </p:txBody>
-      </p:sp>
-      <p:pic>
-        <p:nvPicPr>
-          <p:cNvPr id="4" name="Picture 3"/>
-          <p:cNvPicPr>
-            <a:picLocks noChangeAspect="1"/>
-          </p:cNvPicPr>
-          <p:nvPr/>
-        </p:nvPicPr>
-        <p:blipFill>
-          <a:blip r:embed="rId2"/>
-          <a:stretch>
-            <a:fillRect/>
-          </a:stretch>
-        </p:blipFill>
-        <p:spPr>
-          <a:xfrm>
-            <a:off x="763071" y="1653000"/>
-            <a:ext cx="7617858" cy="3552000"/>
-          </a:xfrm>
-          <a:prstGeom prst="rect">
-            <a:avLst/>
-          </a:prstGeom>
-        </p:spPr>
-      </p:pic>
-    </p:spTree>
-    <p:extLst>
-      <p:ext uri="{BB962C8B-B14F-4D97-AF65-F5344CB8AC3E}">
-        <p14:creationId xmlns:p14="http://schemas.microsoft.com/office/powerpoint/2010/main" val="2250290301"/>
-      </p:ext>
-    </p:extLst>
-  </p:cSld>
-  <p:clrMapOvr>
-    <a:masterClrMapping/>
-  </p:clrMapOvr>
-</p:sld>
-</file>
-
-<file path=ppt/slides/slide29.xml><?xml version="1.0" encoding="utf-8"?>
-<p:sld xmlns:a="http://schemas.openxmlformats.org/drawingml/2006/main" xmlns:r="http://schemas.openxmlformats.org/officeDocument/2006/relationships" xmlns:p="http://schemas.openxmlformats.org/presentationml/2006/main">
-  <p:cSld>
-    <p:spTree>
-      <p:nvGrpSpPr>
-        <p:cNvPr id="1" name=""/>
-        <p:cNvGrpSpPr/>
-        <p:nvPr/>
-      </p:nvGrpSpPr>
-      <p:grpSpPr>
-        <a:xfrm>
-          <a:off x="0" y="0"/>
-          <a:ext cx="0" cy="0"/>
-          <a:chOff x="0" y="0"/>
-          <a:chExt cx="0" cy="0"/>
-        </a:xfrm>
-      </p:grpSpPr>
-      <p:sp>
-        <p:nvSpPr>
-          <p:cNvPr id="2" name="Title 1"/>
-          <p:cNvSpPr>
-            <a:spLocks noGrp="1"/>
-          </p:cNvSpPr>
-          <p:nvPr>
-            <p:ph type="title"/>
-          </p:nvPr>
-        </p:nvSpPr>
-        <p:spPr/>
-        <p:txBody>
-          <a:bodyPr/>
-          <a:lstStyle/>
-          <a:p>
-            <a:r>
-              <a:rPr lang="en-US" dirty="0"/>
-              <a:t>Related command/function</a:t>
-            </a:r>
-          </a:p>
-        </p:txBody>
-      </p:sp>
-      <p:sp>
-        <p:nvSpPr>
-          <p:cNvPr id="3" name="Content Placeholder 2"/>
-          <p:cNvSpPr>
-            <a:spLocks noGrp="1"/>
-          </p:cNvSpPr>
-          <p:nvPr>
-            <p:ph idx="1"/>
-          </p:nvPr>
-        </p:nvSpPr>
-        <p:spPr/>
-        <p:txBody>
-          <a:bodyPr/>
-          <a:lstStyle/>
-          <a:p>
-            <a:r>
-              <a:rPr lang="en-US" dirty="0"/>
-              <a:t>DBCC SQLPERF(LOGSPACE)</a:t>
-            </a:r>
-          </a:p>
-          <a:p>
-            <a:pPr lvl="1"/>
-            <a:r>
-              <a:rPr lang="en-US" dirty="0"/>
-              <a:t>Log size, percent used per database</a:t>
-            </a:r>
-          </a:p>
-          <a:p>
-            <a:r>
-              <a:rPr lang="en-US" dirty="0" err="1"/>
-              <a:t>fn_dump_dblog</a:t>
-            </a:r>
-            <a:endParaRPr lang="en-US" dirty="0"/>
-          </a:p>
-          <a:p>
-            <a:pPr lvl="1"/>
-            <a:r>
-              <a:rPr lang="en-US" dirty="0"/>
-              <a:t>Similar to </a:t>
-            </a:r>
-            <a:r>
-              <a:rPr lang="en-US" dirty="0" err="1"/>
-              <a:t>fn_dblog</a:t>
-            </a:r>
-            <a:r>
-              <a:rPr lang="en-US" dirty="0"/>
-              <a:t>, but reads </a:t>
-            </a:r>
-            <a:r>
-              <a:rPr lang="en-US"/>
-              <a:t>from backup file</a:t>
-            </a:r>
-            <a:endParaRPr lang="en-US" dirty="0"/>
-          </a:p>
-        </p:txBody>
-      </p:sp>
-    </p:spTree>
-    <p:extLst>
-      <p:ext uri="{BB962C8B-B14F-4D97-AF65-F5344CB8AC3E}">
-        <p14:creationId xmlns:p14="http://schemas.microsoft.com/office/powerpoint/2010/main" val="961231621"/>
-      </p:ext>
-    </p:extLst>
-  </p:cSld>
-  <p:clrMapOvr>
-    <a:masterClrMapping/>
-  </p:clrMapOvr>
-</p:sld>
-</file>
-
-<file path=ppt/slides/slide3.xml><?xml version="1.0" encoding="utf-8"?>
+<file path=ppt/slides/slide2.xml><?xml version="1.0" encoding="utf-8"?>
 <p:sld xmlns:a="http://schemas.openxmlformats.org/drawingml/2006/main" xmlns:r="http://schemas.openxmlformats.org/officeDocument/2006/relationships" xmlns:p="http://schemas.openxmlformats.org/presentationml/2006/main">
   <p:cSld>
     <p:spTree>
@@ -9312,6 +6757,1675 @@
 </p:sld>
 </file>
 
+<file path=ppt/slides/slide20.xml><?xml version="1.0" encoding="utf-8"?>
+<p:sld xmlns:a="http://schemas.openxmlformats.org/drawingml/2006/main" xmlns:r="http://schemas.openxmlformats.org/officeDocument/2006/relationships" xmlns:p="http://schemas.openxmlformats.org/presentationml/2006/main">
+  <p:cSld>
+    <p:spTree>
+      <p:nvGrpSpPr>
+        <p:cNvPr id="1" name=""/>
+        <p:cNvGrpSpPr/>
+        <p:nvPr/>
+      </p:nvGrpSpPr>
+      <p:grpSpPr>
+        <a:xfrm>
+          <a:off x="0" y="0"/>
+          <a:ext cx="0" cy="0"/>
+          <a:chOff x="0" y="0"/>
+          <a:chExt cx="0" cy="0"/>
+        </a:xfrm>
+      </p:grpSpPr>
+      <p:sp>
+        <p:nvSpPr>
+          <p:cNvPr id="2" name="Title 1"/>
+          <p:cNvSpPr>
+            <a:spLocks noGrp="1"/>
+          </p:cNvSpPr>
+          <p:nvPr>
+            <p:ph type="title"/>
+          </p:nvPr>
+        </p:nvSpPr>
+        <p:spPr/>
+        <p:txBody>
+          <a:bodyPr/>
+          <a:lstStyle/>
+          <a:p>
+            <a:r>
+              <a:rPr lang="en-US" dirty="0"/>
+              <a:t>Log Record Detail</a:t>
+            </a:r>
+          </a:p>
+        </p:txBody>
+      </p:sp>
+      <p:sp>
+        <p:nvSpPr>
+          <p:cNvPr id="3" name="Content Placeholder 2"/>
+          <p:cNvSpPr>
+            <a:spLocks noGrp="1"/>
+          </p:cNvSpPr>
+          <p:nvPr>
+            <p:ph idx="1"/>
+          </p:nvPr>
+        </p:nvSpPr>
+        <p:spPr>
+          <a:xfrm>
+            <a:off x="457201" y="3797145"/>
+            <a:ext cx="8229600" cy="2329018"/>
+          </a:xfrm>
+        </p:spPr>
+        <p:txBody>
+          <a:bodyPr>
+            <a:normAutofit lnSpcReduction="10000"/>
+          </a:bodyPr>
+          <a:lstStyle/>
+          <a:p>
+            <a:r>
+              <a:rPr lang="en-US" dirty="0"/>
+              <a:t>Of course, a header</a:t>
+            </a:r>
+          </a:p>
+          <a:p>
+            <a:pPr lvl="1"/>
+            <a:r>
+              <a:rPr lang="en-US" dirty="0"/>
+              <a:t>Record type, transaction ID, length, pointer to previous transaction record, etc.</a:t>
+            </a:r>
+          </a:p>
+          <a:p>
+            <a:r>
+              <a:rPr lang="en-US" dirty="0"/>
+              <a:t>Payload</a:t>
+            </a:r>
+          </a:p>
+          <a:p>
+            <a:pPr lvl="1"/>
+            <a:r>
+              <a:rPr lang="en-US" dirty="0"/>
+              <a:t>Before/after image of changes</a:t>
+            </a:r>
+          </a:p>
+        </p:txBody>
+      </p:sp>
+      <p:pic>
+        <p:nvPicPr>
+          <p:cNvPr id="4" name="Picture 3"/>
+          <p:cNvPicPr>
+            <a:picLocks noChangeAspect="1"/>
+          </p:cNvPicPr>
+          <p:nvPr/>
+        </p:nvPicPr>
+        <p:blipFill>
+          <a:blip r:embed="rId2"/>
+          <a:stretch>
+            <a:fillRect/>
+          </a:stretch>
+        </p:blipFill>
+        <p:spPr>
+          <a:xfrm>
+            <a:off x="457200" y="1417320"/>
+            <a:ext cx="8199451" cy="2377440"/>
+          </a:xfrm>
+          <a:prstGeom prst="rect">
+            <a:avLst/>
+          </a:prstGeom>
+        </p:spPr>
+      </p:pic>
+    </p:spTree>
+    <p:extLst>
+      <p:ext uri="{BB962C8B-B14F-4D97-AF65-F5344CB8AC3E}">
+        <p14:creationId xmlns:p14="http://schemas.microsoft.com/office/powerpoint/2010/main" val="3638472235"/>
+      </p:ext>
+    </p:extLst>
+  </p:cSld>
+  <p:clrMapOvr>
+    <a:masterClrMapping/>
+  </p:clrMapOvr>
+</p:sld>
+</file>
+
+<file path=ppt/slides/slide21.xml><?xml version="1.0" encoding="utf-8"?>
+<p:sld xmlns:a="http://schemas.openxmlformats.org/drawingml/2006/main" xmlns:r="http://schemas.openxmlformats.org/officeDocument/2006/relationships" xmlns:p="http://schemas.openxmlformats.org/presentationml/2006/main">
+  <p:cSld>
+    <p:spTree>
+      <p:nvGrpSpPr>
+        <p:cNvPr id="1" name=""/>
+        <p:cNvGrpSpPr/>
+        <p:nvPr/>
+      </p:nvGrpSpPr>
+      <p:grpSpPr>
+        <a:xfrm>
+          <a:off x="0" y="0"/>
+          <a:ext cx="0" cy="0"/>
+          <a:chOff x="0" y="0"/>
+          <a:chExt cx="0" cy="0"/>
+        </a:xfrm>
+      </p:grpSpPr>
+      <p:sp>
+        <p:nvSpPr>
+          <p:cNvPr id="2" name="Title 1"/>
+          <p:cNvSpPr>
+            <a:spLocks noGrp="1"/>
+          </p:cNvSpPr>
+          <p:nvPr>
+            <p:ph type="title"/>
+          </p:nvPr>
+        </p:nvSpPr>
+        <p:spPr/>
+        <p:txBody>
+          <a:bodyPr/>
+          <a:lstStyle/>
+          <a:p>
+            <a:r>
+              <a:rPr lang="en-US" dirty="0"/>
+              <a:t>Log Sequence Number</a:t>
+            </a:r>
+          </a:p>
+        </p:txBody>
+      </p:sp>
+      <p:sp>
+        <p:nvSpPr>
+          <p:cNvPr id="3" name="Content Placeholder 2"/>
+          <p:cNvSpPr>
+            <a:spLocks noGrp="1"/>
+          </p:cNvSpPr>
+          <p:nvPr>
+            <p:ph idx="1"/>
+          </p:nvPr>
+        </p:nvSpPr>
+        <p:spPr/>
+        <p:txBody>
+          <a:bodyPr/>
+          <a:lstStyle/>
+          <a:p>
+            <a:r>
+              <a:rPr lang="en-US" dirty="0"/>
+              <a:t>Each log record can be uniquely identified by its Log Sequence Number (LSN)</a:t>
+            </a:r>
+          </a:p>
+          <a:p>
+            <a:r>
+              <a:rPr lang="en-US" dirty="0"/>
+              <a:t>An LSN is composed of three parts</a:t>
+            </a:r>
+          </a:p>
+          <a:p>
+            <a:pPr lvl="1"/>
+            <a:r>
+              <a:rPr lang="en-US" dirty="0"/>
+              <a:t>VLF number</a:t>
+            </a:r>
+          </a:p>
+          <a:p>
+            <a:pPr lvl="1"/>
+            <a:r>
+              <a:rPr lang="en-US" dirty="0"/>
+              <a:t>Log Block offset (512-byte chunks, not necessarily contiguous)</a:t>
+            </a:r>
+          </a:p>
+          <a:p>
+            <a:pPr lvl="1"/>
+            <a:r>
+              <a:rPr lang="en-US" dirty="0"/>
+              <a:t>Log Record number (slot number)</a:t>
+            </a:r>
+          </a:p>
+          <a:p>
+            <a:r>
+              <a:rPr lang="en-US" dirty="0"/>
+              <a:t>The LSN is in a very real way a pointer into the (logical) log file</a:t>
+            </a:r>
+          </a:p>
+        </p:txBody>
+      </p:sp>
+    </p:spTree>
+    <p:extLst>
+      <p:ext uri="{BB962C8B-B14F-4D97-AF65-F5344CB8AC3E}">
+        <p14:creationId xmlns:p14="http://schemas.microsoft.com/office/powerpoint/2010/main" val="1560482780"/>
+      </p:ext>
+    </p:extLst>
+  </p:cSld>
+  <p:clrMapOvr>
+    <a:masterClrMapping/>
+  </p:clrMapOvr>
+</p:sld>
+</file>
+
+<file path=ppt/slides/slide22.xml><?xml version="1.0" encoding="utf-8"?>
+<p:sld xmlns:a="http://schemas.openxmlformats.org/drawingml/2006/main" xmlns:r="http://schemas.openxmlformats.org/officeDocument/2006/relationships" xmlns:p="http://schemas.openxmlformats.org/presentationml/2006/main">
+  <p:cSld>
+    <p:spTree>
+      <p:nvGrpSpPr>
+        <p:cNvPr id="1" name=""/>
+        <p:cNvGrpSpPr/>
+        <p:nvPr/>
+      </p:nvGrpSpPr>
+      <p:grpSpPr>
+        <a:xfrm>
+          <a:off x="0" y="0"/>
+          <a:ext cx="0" cy="0"/>
+          <a:chOff x="0" y="0"/>
+          <a:chExt cx="0" cy="0"/>
+        </a:xfrm>
+      </p:grpSpPr>
+      <p:sp>
+        <p:nvSpPr>
+          <p:cNvPr id="2" name="Title 1"/>
+          <p:cNvSpPr>
+            <a:spLocks noGrp="1"/>
+          </p:cNvSpPr>
+          <p:nvPr>
+            <p:ph type="title"/>
+          </p:nvPr>
+        </p:nvSpPr>
+        <p:spPr/>
+        <p:txBody>
+          <a:bodyPr/>
+          <a:lstStyle/>
+          <a:p>
+            <a:r>
+              <a:rPr lang="en-US" dirty="0"/>
+              <a:t>LSN Representations</a:t>
+            </a:r>
+          </a:p>
+        </p:txBody>
+      </p:sp>
+      <p:sp>
+        <p:nvSpPr>
+          <p:cNvPr id="3" name="Content Placeholder 2"/>
+          <p:cNvSpPr>
+            <a:spLocks noGrp="1"/>
+          </p:cNvSpPr>
+          <p:nvPr>
+            <p:ph idx="1"/>
+          </p:nvPr>
+        </p:nvSpPr>
+        <p:spPr>
+          <a:xfrm>
+            <a:off x="457200" y="1600201"/>
+            <a:ext cx="8229600" cy="628650"/>
+          </a:xfrm>
+        </p:spPr>
+        <p:txBody>
+          <a:bodyPr/>
+          <a:lstStyle/>
+          <a:p>
+            <a:pPr marL="0" indent="0">
+              <a:buNone/>
+            </a:pPr>
+            <a:r>
+              <a:rPr lang="en-US" dirty="0"/>
+              <a:t>Four common ways to express an LSN</a:t>
+            </a:r>
+          </a:p>
+        </p:txBody>
+      </p:sp>
+      <p:graphicFrame>
+        <p:nvGraphicFramePr>
+          <p:cNvPr id="4" name="Table 3"/>
+          <p:cNvGraphicFramePr>
+            <a:graphicFrameLocks noGrp="1"/>
+          </p:cNvGraphicFramePr>
+          <p:nvPr>
+            <p:extLst>
+              <p:ext uri="{D42A27DB-BD31-4B8C-83A1-F6EECF244321}">
+                <p14:modId xmlns:p14="http://schemas.microsoft.com/office/powerpoint/2010/main" val="3688946346"/>
+              </p:ext>
+            </p:extLst>
+          </p:nvPr>
+        </p:nvGraphicFramePr>
+        <p:xfrm>
+          <a:off x="457200" y="2352675"/>
+          <a:ext cx="8229600" cy="2419826"/>
+        </p:xfrm>
+        <a:graphic>
+          <a:graphicData uri="http://schemas.openxmlformats.org/drawingml/2006/table">
+            <a:tbl>
+              <a:tblPr firstRow="1" bandRow="1">
+                <a:tableStyleId>{5C22544A-7EE6-4342-B048-85BDC9FD1C3A}</a:tableStyleId>
+              </a:tblPr>
+              <a:tblGrid>
+                <a:gridCol w="1895475">
+                  <a:extLst>
+                    <a:ext uri="{9D8B030D-6E8A-4147-A177-3AD203B41FA5}">
+                      <a16:colId xmlns:a16="http://schemas.microsoft.com/office/drawing/2014/main" val="20000"/>
+                    </a:ext>
+                  </a:extLst>
+                </a:gridCol>
+                <a:gridCol w="3171825">
+                  <a:extLst>
+                    <a:ext uri="{9D8B030D-6E8A-4147-A177-3AD203B41FA5}">
+                      <a16:colId xmlns:a16="http://schemas.microsoft.com/office/drawing/2014/main" val="20001"/>
+                    </a:ext>
+                  </a:extLst>
+                </a:gridCol>
+                <a:gridCol w="3162300">
+                  <a:extLst>
+                    <a:ext uri="{9D8B030D-6E8A-4147-A177-3AD203B41FA5}">
+                      <a16:colId xmlns:a16="http://schemas.microsoft.com/office/drawing/2014/main" val="20002"/>
+                    </a:ext>
+                  </a:extLst>
+                </a:gridCol>
+              </a:tblGrid>
+              <a:tr h="397986">
+                <a:tc>
+                  <a:txBody>
+                    <a:bodyPr/>
+                    <a:lstStyle/>
+                    <a:p>
+                      <a:r>
+                        <a:rPr lang="en-US" dirty="0"/>
+                        <a:t>Format</a:t>
+                      </a:r>
+                    </a:p>
+                  </a:txBody>
+                  <a:tcPr/>
+                </a:tc>
+                <a:tc>
+                  <a:txBody>
+                    <a:bodyPr/>
+                    <a:lstStyle/>
+                    <a:p>
+                      <a:r>
+                        <a:rPr lang="en-US" dirty="0"/>
+                        <a:t>Example</a:t>
+                      </a:r>
+                    </a:p>
+                  </a:txBody>
+                  <a:tcPr/>
+                </a:tc>
+                <a:tc>
+                  <a:txBody>
+                    <a:bodyPr/>
+                    <a:lstStyle/>
+                    <a:p>
+                      <a:r>
+                        <a:rPr lang="en-US" dirty="0"/>
+                        <a:t>Common uses</a:t>
+                      </a:r>
+                    </a:p>
+                  </a:txBody>
+                  <a:tcPr/>
+                </a:tc>
+                <a:extLst>
+                  <a:ext uri="{0D108BD9-81ED-4DB2-BD59-A6C34878D82A}">
+                    <a16:rowId xmlns:a16="http://schemas.microsoft.com/office/drawing/2014/main" val="10000"/>
+                  </a:ext>
+                </a:extLst>
+              </a:tr>
+              <a:tr h="370840">
+                <a:tc>
+                  <a:txBody>
+                    <a:bodyPr/>
+                    <a:lstStyle/>
+                    <a:p>
+                      <a:r>
+                        <a:rPr lang="en-US" dirty="0"/>
+                        <a:t>Colon-separated (hexadecimal)</a:t>
+                      </a:r>
+                    </a:p>
+                  </a:txBody>
+                  <a:tcPr/>
+                </a:tc>
+                <a:tc>
+                  <a:txBody>
+                    <a:bodyPr/>
+                    <a:lstStyle/>
+                    <a:p>
+                      <a:pPr marL="0" marR="0" lvl="1" indent="0" algn="l" defTabSz="457200" rtl="0" eaLnBrk="1" fontAlgn="auto" latinLnBrk="0" hangingPunct="1">
+                        <a:lnSpc>
+                          <a:spcPct val="100000"/>
+                        </a:lnSpc>
+                        <a:spcBef>
+                          <a:spcPts val="0"/>
+                        </a:spcBef>
+                        <a:spcAft>
+                          <a:spcPts val="0"/>
+                        </a:spcAft>
+                        <a:buClrTx/>
+                        <a:buSzTx/>
+                        <a:buFontTx/>
+                        <a:buNone/>
+                        <a:tabLst/>
+                        <a:defRPr/>
+                      </a:pPr>
+                      <a:r>
+                        <a:rPr lang="en-US" dirty="0"/>
+                        <a:t>000001c0:0000006b:0005</a:t>
+                      </a:r>
+                    </a:p>
+                  </a:txBody>
+                  <a:tcPr/>
+                </a:tc>
+                <a:tc>
+                  <a:txBody>
+                    <a:bodyPr/>
+                    <a:lstStyle/>
+                    <a:p>
+                      <a:r>
+                        <a:rPr lang="en-US" dirty="0"/>
+                        <a:t>Log management</a:t>
+                      </a:r>
+                    </a:p>
+                  </a:txBody>
+                  <a:tcPr/>
+                </a:tc>
+                <a:extLst>
+                  <a:ext uri="{0D108BD9-81ED-4DB2-BD59-A6C34878D82A}">
+                    <a16:rowId xmlns:a16="http://schemas.microsoft.com/office/drawing/2014/main" val="10001"/>
+                  </a:ext>
+                </a:extLst>
+              </a:tr>
+              <a:tr h="370840">
+                <a:tc>
+                  <a:txBody>
+                    <a:bodyPr/>
+                    <a:lstStyle/>
+                    <a:p>
+                      <a:r>
+                        <a:rPr lang="en-US" dirty="0"/>
+                        <a:t>Hexadecimal</a:t>
+                      </a:r>
+                    </a:p>
+                  </a:txBody>
+                  <a:tcPr/>
+                </a:tc>
+                <a:tc>
+                  <a:txBody>
+                    <a:bodyPr/>
+                    <a:lstStyle/>
+                    <a:p>
+                      <a:pPr marL="0" marR="0" lvl="1" indent="0" algn="l" defTabSz="457200" rtl="0" eaLnBrk="1" fontAlgn="auto" latinLnBrk="0" hangingPunct="1">
+                        <a:lnSpc>
+                          <a:spcPct val="100000"/>
+                        </a:lnSpc>
+                        <a:spcBef>
+                          <a:spcPts val="0"/>
+                        </a:spcBef>
+                        <a:spcAft>
+                          <a:spcPts val="0"/>
+                        </a:spcAft>
+                        <a:buClrTx/>
+                        <a:buSzTx/>
+                        <a:buFontTx/>
+                        <a:buNone/>
+                        <a:tabLst/>
+                        <a:defRPr/>
+                      </a:pPr>
+                      <a:r>
+                        <a:rPr lang="en-US" sz="1800" kern="1200" dirty="0">
+                          <a:solidFill>
+                            <a:schemeClr val="dk1"/>
+                          </a:solidFill>
+                          <a:latin typeface="+mn-lt"/>
+                          <a:ea typeface="+mn-ea"/>
+                          <a:cs typeface="+mn-cs"/>
+                        </a:rPr>
+                        <a:t>0x000001c00000006b0005</a:t>
+                      </a:r>
+                      <a:endParaRPr lang="en-US" dirty="0"/>
+                    </a:p>
+                  </a:txBody>
+                  <a:tcPr/>
+                </a:tc>
+                <a:tc>
+                  <a:txBody>
+                    <a:bodyPr/>
+                    <a:lstStyle/>
+                    <a:p>
+                      <a:r>
+                        <a:rPr lang="en-US" dirty="0"/>
+                        <a:t>Change data capture</a:t>
+                      </a:r>
+                    </a:p>
+                  </a:txBody>
+                  <a:tcPr/>
+                </a:tc>
+                <a:extLst>
+                  <a:ext uri="{0D108BD9-81ED-4DB2-BD59-A6C34878D82A}">
+                    <a16:rowId xmlns:a16="http://schemas.microsoft.com/office/drawing/2014/main" val="10002"/>
+                  </a:ext>
+                </a:extLst>
+              </a:tr>
+              <a:tr h="370840">
+                <a:tc>
+                  <a:txBody>
+                    <a:bodyPr/>
+                    <a:lstStyle/>
+                    <a:p>
+                      <a:r>
+                        <a:rPr lang="en-US" dirty="0"/>
+                        <a:t>Decimal</a:t>
+                      </a:r>
+                    </a:p>
+                  </a:txBody>
+                  <a:tcPr/>
+                </a:tc>
+                <a:tc>
+                  <a:txBody>
+                    <a:bodyPr/>
+                    <a:lstStyle/>
+                    <a:p>
+                      <a:r>
+                        <a:rPr lang="en-US" dirty="0"/>
+                        <a:t>448000000010700005</a:t>
+                      </a:r>
+                    </a:p>
+                  </a:txBody>
+                  <a:tcPr/>
+                </a:tc>
+                <a:tc>
+                  <a:txBody>
+                    <a:bodyPr/>
+                    <a:lstStyle/>
+                    <a:p>
+                      <a:r>
+                        <a:rPr lang="en-US" dirty="0"/>
+                        <a:t>Backup</a:t>
+                      </a:r>
+                    </a:p>
+                  </a:txBody>
+                  <a:tcPr/>
+                </a:tc>
+                <a:extLst>
+                  <a:ext uri="{0D108BD9-81ED-4DB2-BD59-A6C34878D82A}">
+                    <a16:rowId xmlns:a16="http://schemas.microsoft.com/office/drawing/2014/main" val="10003"/>
+                  </a:ext>
+                </a:extLst>
+              </a:tr>
+              <a:tr h="370840">
+                <a:tc>
+                  <a:txBody>
+                    <a:bodyPr/>
+                    <a:lstStyle/>
+                    <a:p>
+                      <a:r>
+                        <a:rPr lang="en-US" dirty="0"/>
+                        <a:t>Colon-separated (decimal)</a:t>
+                      </a:r>
+                    </a:p>
+                  </a:txBody>
+                  <a:tcPr/>
+                </a:tc>
+                <a:tc>
+                  <a:txBody>
+                    <a:bodyPr/>
+                    <a:lstStyle/>
+                    <a:p>
+                      <a:r>
+                        <a:rPr lang="en-US" dirty="0"/>
+                        <a:t>448:107:5</a:t>
+                      </a:r>
+                    </a:p>
+                  </a:txBody>
+                  <a:tcPr/>
+                </a:tc>
+                <a:tc>
+                  <a:txBody>
+                    <a:bodyPr/>
+                    <a:lstStyle/>
+                    <a:p>
+                      <a:r>
+                        <a:rPr lang="en-US" dirty="0"/>
+                        <a:t>Input to </a:t>
+                      </a:r>
+                      <a:r>
+                        <a:rPr lang="en-US" dirty="0" err="1"/>
+                        <a:t>fn_dblog</a:t>
+                      </a:r>
+                      <a:endParaRPr lang="en-US" dirty="0"/>
+                    </a:p>
+                  </a:txBody>
+                  <a:tcPr/>
+                </a:tc>
+                <a:extLst>
+                  <a:ext uri="{0D108BD9-81ED-4DB2-BD59-A6C34878D82A}">
+                    <a16:rowId xmlns:a16="http://schemas.microsoft.com/office/drawing/2014/main" val="3543017676"/>
+                  </a:ext>
+                </a:extLst>
+              </a:tr>
+            </a:tbl>
+          </a:graphicData>
+        </a:graphic>
+      </p:graphicFrame>
+      <p:sp>
+        <p:nvSpPr>
+          <p:cNvPr id="5" name="Content Placeholder 2"/>
+          <p:cNvSpPr txBox="1">
+            <a:spLocks/>
+          </p:cNvSpPr>
+          <p:nvPr/>
+        </p:nvSpPr>
+        <p:spPr>
+          <a:xfrm>
+            <a:off x="457200" y="4877015"/>
+            <a:ext cx="8229600" cy="628650"/>
+          </a:xfrm>
+          <a:prstGeom prst="rect">
+            <a:avLst/>
+          </a:prstGeom>
+        </p:spPr>
+        <p:txBody>
+          <a:bodyPr vert="horz" lIns="91440" tIns="45720" rIns="91440" bIns="45720" rtlCol="0">
+            <a:normAutofit/>
+          </a:bodyPr>
+          <a:lstStyle>
+            <a:lvl1pPr marL="342900" indent="-342900" algn="l" defTabSz="457200" rtl="0" eaLnBrk="1" latinLnBrk="0" hangingPunct="1">
+              <a:spcBef>
+                <a:spcPct val="20000"/>
+              </a:spcBef>
+              <a:buFont typeface="Wingdings" charset="2"/>
+              <a:buChar char="§"/>
+              <a:defRPr sz="3000" kern="1200">
+                <a:solidFill>
+                  <a:schemeClr val="tx2"/>
+                </a:solidFill>
+                <a:latin typeface="+mn-lt"/>
+                <a:ea typeface="+mn-ea"/>
+                <a:cs typeface="+mn-cs"/>
+              </a:defRPr>
+            </a:lvl1pPr>
+            <a:lvl2pPr marL="742950" indent="-285750" algn="l" defTabSz="457200" rtl="0" eaLnBrk="1" latinLnBrk="0" hangingPunct="1">
+              <a:spcBef>
+                <a:spcPct val="20000"/>
+              </a:spcBef>
+              <a:buFont typeface="Wingdings" charset="2"/>
+              <a:buChar char="§"/>
+              <a:defRPr sz="2600" kern="1200">
+                <a:solidFill>
+                  <a:srgbClr val="474947"/>
+                </a:solidFill>
+                <a:latin typeface="+mn-lt"/>
+                <a:ea typeface="+mn-ea"/>
+                <a:cs typeface="+mn-cs"/>
+              </a:defRPr>
+            </a:lvl2pPr>
+            <a:lvl3pPr marL="1143000" indent="-228600" algn="l" defTabSz="457200" rtl="0" eaLnBrk="1" latinLnBrk="0" hangingPunct="1">
+              <a:spcBef>
+                <a:spcPct val="20000"/>
+              </a:spcBef>
+              <a:buFont typeface="Wingdings" charset="2"/>
+              <a:buChar char="§"/>
+              <a:defRPr sz="2200" kern="1200">
+                <a:solidFill>
+                  <a:srgbClr val="474947"/>
+                </a:solidFill>
+                <a:latin typeface="+mn-lt"/>
+                <a:ea typeface="+mn-ea"/>
+                <a:cs typeface="+mn-cs"/>
+              </a:defRPr>
+            </a:lvl3pPr>
+            <a:lvl4pPr marL="1600200" indent="-228600" algn="l" defTabSz="457200" rtl="0" eaLnBrk="1" latinLnBrk="0" hangingPunct="1">
+              <a:spcBef>
+                <a:spcPct val="20000"/>
+              </a:spcBef>
+              <a:buFont typeface="Wingdings" charset="2"/>
+              <a:buChar char="§"/>
+              <a:defRPr sz="2000" kern="1200">
+                <a:solidFill>
+                  <a:srgbClr val="474947"/>
+                </a:solidFill>
+                <a:latin typeface="+mn-lt"/>
+                <a:ea typeface="+mn-ea"/>
+                <a:cs typeface="+mn-cs"/>
+              </a:defRPr>
+            </a:lvl4pPr>
+            <a:lvl5pPr marL="2057400" indent="-228600" algn="l" defTabSz="457200" rtl="0" eaLnBrk="1" latinLnBrk="0" hangingPunct="1">
+              <a:spcBef>
+                <a:spcPct val="20000"/>
+              </a:spcBef>
+              <a:buFont typeface="Wingdings" charset="2"/>
+              <a:buChar char="§"/>
+              <a:defRPr sz="1800" kern="1200">
+                <a:solidFill>
+                  <a:srgbClr val="474947"/>
+                </a:solidFill>
+                <a:latin typeface="+mn-lt"/>
+                <a:ea typeface="+mn-ea"/>
+                <a:cs typeface="+mn-cs"/>
+              </a:defRPr>
+            </a:lvl5pPr>
+            <a:lvl6pPr marL="2514600" indent="-228600" algn="l" defTabSz="457200" rtl="0" eaLnBrk="1" latinLnBrk="0" hangingPunct="1">
+              <a:spcBef>
+                <a:spcPct val="20000"/>
+              </a:spcBef>
+              <a:buFont typeface="Arial"/>
+              <a:buChar char="•"/>
+              <a:defRPr sz="2000" kern="1200">
+                <a:solidFill>
+                  <a:schemeClr val="tx1"/>
+                </a:solidFill>
+                <a:latin typeface="+mn-lt"/>
+                <a:ea typeface="+mn-ea"/>
+                <a:cs typeface="+mn-cs"/>
+              </a:defRPr>
+            </a:lvl6pPr>
+            <a:lvl7pPr marL="2971800" indent="-228600" algn="l" defTabSz="457200" rtl="0" eaLnBrk="1" latinLnBrk="0" hangingPunct="1">
+              <a:spcBef>
+                <a:spcPct val="20000"/>
+              </a:spcBef>
+              <a:buFont typeface="Arial"/>
+              <a:buChar char="•"/>
+              <a:defRPr sz="2000" kern="1200">
+                <a:solidFill>
+                  <a:schemeClr val="tx1"/>
+                </a:solidFill>
+                <a:latin typeface="+mn-lt"/>
+                <a:ea typeface="+mn-ea"/>
+                <a:cs typeface="+mn-cs"/>
+              </a:defRPr>
+            </a:lvl7pPr>
+            <a:lvl8pPr marL="3429000" indent="-228600" algn="l" defTabSz="457200" rtl="0" eaLnBrk="1" latinLnBrk="0" hangingPunct="1">
+              <a:spcBef>
+                <a:spcPct val="20000"/>
+              </a:spcBef>
+              <a:buFont typeface="Arial"/>
+              <a:buChar char="•"/>
+              <a:defRPr sz="2000" kern="1200">
+                <a:solidFill>
+                  <a:schemeClr val="tx1"/>
+                </a:solidFill>
+                <a:latin typeface="+mn-lt"/>
+                <a:ea typeface="+mn-ea"/>
+                <a:cs typeface="+mn-cs"/>
+              </a:defRPr>
+            </a:lvl8pPr>
+            <a:lvl9pPr marL="3886200" indent="-228600" algn="l" defTabSz="457200" rtl="0" eaLnBrk="1" latinLnBrk="0" hangingPunct="1">
+              <a:spcBef>
+                <a:spcPct val="20000"/>
+              </a:spcBef>
+              <a:buFont typeface="Arial"/>
+              <a:buChar char="•"/>
+              <a:defRPr sz="2000" kern="1200">
+                <a:solidFill>
+                  <a:schemeClr val="tx1"/>
+                </a:solidFill>
+                <a:latin typeface="+mn-lt"/>
+                <a:ea typeface="+mn-ea"/>
+                <a:cs typeface="+mn-cs"/>
+              </a:defRPr>
+            </a:lvl9pPr>
+          </a:lstStyle>
+          <a:p>
+            <a:pPr marL="0" indent="0">
+              <a:buFont typeface="Wingdings" charset="2"/>
+              <a:buNone/>
+            </a:pPr>
+            <a:r>
+              <a:rPr lang="en-US" dirty="0"/>
+              <a:t>These four LSNs are equivalent</a:t>
+            </a:r>
+          </a:p>
+        </p:txBody>
+      </p:sp>
+    </p:spTree>
+    <p:extLst>
+      <p:ext uri="{BB962C8B-B14F-4D97-AF65-F5344CB8AC3E}">
+        <p14:creationId xmlns:p14="http://schemas.microsoft.com/office/powerpoint/2010/main" val="2618731270"/>
+      </p:ext>
+    </p:extLst>
+  </p:cSld>
+  <p:clrMapOvr>
+    <a:masterClrMapping/>
+  </p:clrMapOvr>
+</p:sld>
+</file>
+
+<file path=ppt/slides/slide23.xml><?xml version="1.0" encoding="utf-8"?>
+<p:sld xmlns:a="http://schemas.openxmlformats.org/drawingml/2006/main" xmlns:r="http://schemas.openxmlformats.org/officeDocument/2006/relationships" xmlns:p="http://schemas.openxmlformats.org/presentationml/2006/main">
+  <p:cSld>
+    <p:spTree>
+      <p:nvGrpSpPr>
+        <p:cNvPr id="1" name=""/>
+        <p:cNvGrpSpPr/>
+        <p:nvPr/>
+      </p:nvGrpSpPr>
+      <p:grpSpPr>
+        <a:xfrm>
+          <a:off x="0" y="0"/>
+          <a:ext cx="0" cy="0"/>
+          <a:chOff x="0" y="0"/>
+          <a:chExt cx="0" cy="0"/>
+        </a:xfrm>
+      </p:grpSpPr>
+      <p:sp>
+        <p:nvSpPr>
+          <p:cNvPr id="2" name="Title 1"/>
+          <p:cNvSpPr>
+            <a:spLocks noGrp="1"/>
+          </p:cNvSpPr>
+          <p:nvPr>
+            <p:ph type="title"/>
+          </p:nvPr>
+        </p:nvSpPr>
+        <p:spPr/>
+        <p:txBody>
+          <a:bodyPr/>
+          <a:lstStyle/>
+          <a:p>
+            <a:r>
+              <a:rPr lang="en-US" dirty="0"/>
+              <a:t>Demo</a:t>
+            </a:r>
+          </a:p>
+        </p:txBody>
+      </p:sp>
+      <p:sp>
+        <p:nvSpPr>
+          <p:cNvPr id="3" name="Content Placeholder 2"/>
+          <p:cNvSpPr>
+            <a:spLocks noGrp="1"/>
+          </p:cNvSpPr>
+          <p:nvPr>
+            <p:ph idx="1"/>
+          </p:nvPr>
+        </p:nvSpPr>
+        <p:spPr/>
+        <p:txBody>
+          <a:bodyPr/>
+          <a:lstStyle/>
+          <a:p>
+            <a:pPr marL="0" indent="0">
+              <a:buNone/>
+            </a:pPr>
+            <a:r>
+              <a:rPr lang="en-US" dirty="0"/>
+              <a:t>LSN Converter</a:t>
+            </a:r>
+          </a:p>
+        </p:txBody>
+      </p:sp>
+      <p:pic>
+        <p:nvPicPr>
+          <p:cNvPr id="4" name="Picture 3"/>
+          <p:cNvPicPr>
+            <a:picLocks noChangeAspect="1"/>
+          </p:cNvPicPr>
+          <p:nvPr/>
+        </p:nvPicPr>
+        <p:blipFill>
+          <a:blip r:embed="rId2"/>
+          <a:stretch>
+            <a:fillRect/>
+          </a:stretch>
+        </p:blipFill>
+        <p:spPr>
+          <a:xfrm>
+            <a:off x="763071" y="1653000"/>
+            <a:ext cx="7617858" cy="3552000"/>
+          </a:xfrm>
+          <a:prstGeom prst="rect">
+            <a:avLst/>
+          </a:prstGeom>
+        </p:spPr>
+      </p:pic>
+    </p:spTree>
+    <p:extLst>
+      <p:ext uri="{BB962C8B-B14F-4D97-AF65-F5344CB8AC3E}">
+        <p14:creationId xmlns:p14="http://schemas.microsoft.com/office/powerpoint/2010/main" val="958662350"/>
+      </p:ext>
+    </p:extLst>
+  </p:cSld>
+  <p:clrMapOvr>
+    <a:masterClrMapping/>
+  </p:clrMapOvr>
+</p:sld>
+</file>
+
+<file path=ppt/slides/slide24.xml><?xml version="1.0" encoding="utf-8"?>
+<p:sld xmlns:a="http://schemas.openxmlformats.org/drawingml/2006/main" xmlns:r="http://schemas.openxmlformats.org/officeDocument/2006/relationships" xmlns:p="http://schemas.openxmlformats.org/presentationml/2006/main">
+  <p:cSld>
+    <p:spTree>
+      <p:nvGrpSpPr>
+        <p:cNvPr id="1" name=""/>
+        <p:cNvGrpSpPr/>
+        <p:nvPr/>
+      </p:nvGrpSpPr>
+      <p:grpSpPr>
+        <a:xfrm>
+          <a:off x="0" y="0"/>
+          <a:ext cx="0" cy="0"/>
+          <a:chOff x="0" y="0"/>
+          <a:chExt cx="0" cy="0"/>
+        </a:xfrm>
+      </p:grpSpPr>
+      <p:sp>
+        <p:nvSpPr>
+          <p:cNvPr id="2" name="Title 1"/>
+          <p:cNvSpPr>
+            <a:spLocks noGrp="1"/>
+          </p:cNvSpPr>
+          <p:nvPr>
+            <p:ph type="title"/>
+          </p:nvPr>
+        </p:nvSpPr>
+        <p:spPr/>
+        <p:txBody>
+          <a:bodyPr/>
+          <a:lstStyle/>
+          <a:p>
+            <a:r>
+              <a:rPr lang="en-US" dirty="0"/>
+              <a:t>DBCC LOGINFO(‘</a:t>
+            </a:r>
+            <a:r>
+              <a:rPr lang="en-US" dirty="0" err="1"/>
+              <a:t>db_name</a:t>
+            </a:r>
+            <a:r>
+              <a:rPr lang="en-US" dirty="0"/>
+              <a:t>’)</a:t>
+            </a:r>
+          </a:p>
+        </p:txBody>
+      </p:sp>
+      <p:sp>
+        <p:nvSpPr>
+          <p:cNvPr id="3" name="Content Placeholder 2"/>
+          <p:cNvSpPr>
+            <a:spLocks noGrp="1"/>
+          </p:cNvSpPr>
+          <p:nvPr>
+            <p:ph idx="1"/>
+          </p:nvPr>
+        </p:nvSpPr>
+        <p:spPr>
+          <a:xfrm>
+            <a:off x="457200" y="1408113"/>
+            <a:ext cx="8229600" cy="676275"/>
+          </a:xfrm>
+        </p:spPr>
+        <p:txBody>
+          <a:bodyPr/>
+          <a:lstStyle/>
+          <a:p>
+            <a:pPr marL="0" indent="0">
+              <a:buNone/>
+            </a:pPr>
+            <a:r>
+              <a:rPr lang="en-US" dirty="0"/>
+              <a:t>Returns one row per VLF</a:t>
+            </a:r>
+          </a:p>
+        </p:txBody>
+      </p:sp>
+      <p:pic>
+        <p:nvPicPr>
+          <p:cNvPr id="5" name="Picture 4"/>
+          <p:cNvPicPr>
+            <a:picLocks noChangeAspect="1"/>
+          </p:cNvPicPr>
+          <p:nvPr/>
+        </p:nvPicPr>
+        <p:blipFill>
+          <a:blip r:embed="rId2"/>
+          <a:stretch>
+            <a:fillRect/>
+          </a:stretch>
+        </p:blipFill>
+        <p:spPr>
+          <a:xfrm>
+            <a:off x="457200" y="2084388"/>
+            <a:ext cx="8067675" cy="3634087"/>
+          </a:xfrm>
+          <a:prstGeom prst="rect">
+            <a:avLst/>
+          </a:prstGeom>
+        </p:spPr>
+      </p:pic>
+    </p:spTree>
+    <p:extLst>
+      <p:ext uri="{BB962C8B-B14F-4D97-AF65-F5344CB8AC3E}">
+        <p14:creationId xmlns:p14="http://schemas.microsoft.com/office/powerpoint/2010/main" val="3403567972"/>
+      </p:ext>
+    </p:extLst>
+  </p:cSld>
+  <p:clrMapOvr>
+    <a:masterClrMapping/>
+  </p:clrMapOvr>
+</p:sld>
+</file>
+
+<file path=ppt/slides/slide25.xml><?xml version="1.0" encoding="utf-8"?>
+<p:sld xmlns:a="http://schemas.openxmlformats.org/drawingml/2006/main" xmlns:r="http://schemas.openxmlformats.org/officeDocument/2006/relationships" xmlns:p="http://schemas.openxmlformats.org/presentationml/2006/main">
+  <p:cSld>
+    <p:spTree>
+      <p:nvGrpSpPr>
+        <p:cNvPr id="1" name=""/>
+        <p:cNvGrpSpPr/>
+        <p:nvPr/>
+      </p:nvGrpSpPr>
+      <p:grpSpPr>
+        <a:xfrm>
+          <a:off x="0" y="0"/>
+          <a:ext cx="0" cy="0"/>
+          <a:chOff x="0" y="0"/>
+          <a:chExt cx="0" cy="0"/>
+        </a:xfrm>
+      </p:grpSpPr>
+      <p:sp>
+        <p:nvSpPr>
+          <p:cNvPr id="2" name="Title 1"/>
+          <p:cNvSpPr>
+            <a:spLocks noGrp="1"/>
+          </p:cNvSpPr>
+          <p:nvPr>
+            <p:ph type="title"/>
+          </p:nvPr>
+        </p:nvSpPr>
+        <p:spPr/>
+        <p:txBody>
+          <a:bodyPr/>
+          <a:lstStyle/>
+          <a:p>
+            <a:r>
+              <a:rPr lang="en-US" dirty="0"/>
+              <a:t>Demo</a:t>
+            </a:r>
+          </a:p>
+        </p:txBody>
+      </p:sp>
+      <p:sp>
+        <p:nvSpPr>
+          <p:cNvPr id="3" name="Content Placeholder 2"/>
+          <p:cNvSpPr>
+            <a:spLocks noGrp="1"/>
+          </p:cNvSpPr>
+          <p:nvPr>
+            <p:ph idx="1"/>
+          </p:nvPr>
+        </p:nvSpPr>
+        <p:spPr/>
+        <p:txBody>
+          <a:bodyPr/>
+          <a:lstStyle/>
+          <a:p>
+            <a:pPr marL="0" indent="0">
+              <a:buNone/>
+            </a:pPr>
+            <a:r>
+              <a:rPr lang="en-US" dirty="0"/>
+              <a:t>DBCC LOGINFO</a:t>
+            </a:r>
+          </a:p>
+          <a:p>
+            <a:pPr marL="0" indent="0">
+              <a:buNone/>
+            </a:pPr>
+            <a:r>
+              <a:rPr lang="en-US" dirty="0"/>
+              <a:t>	</a:t>
+            </a:r>
+            <a:r>
+              <a:rPr lang="en-US"/>
+              <a:t>	+ Log File Visualizer</a:t>
+            </a:r>
+            <a:endParaRPr lang="en-US" dirty="0"/>
+          </a:p>
+        </p:txBody>
+      </p:sp>
+      <p:pic>
+        <p:nvPicPr>
+          <p:cNvPr id="4" name="Picture 3"/>
+          <p:cNvPicPr>
+            <a:picLocks noChangeAspect="1"/>
+          </p:cNvPicPr>
+          <p:nvPr/>
+        </p:nvPicPr>
+        <p:blipFill>
+          <a:blip r:embed="rId2"/>
+          <a:stretch>
+            <a:fillRect/>
+          </a:stretch>
+        </p:blipFill>
+        <p:spPr>
+          <a:xfrm>
+            <a:off x="763071" y="1653000"/>
+            <a:ext cx="7617858" cy="3552000"/>
+          </a:xfrm>
+          <a:prstGeom prst="rect">
+            <a:avLst/>
+          </a:prstGeom>
+        </p:spPr>
+      </p:pic>
+    </p:spTree>
+    <p:extLst>
+      <p:ext uri="{BB962C8B-B14F-4D97-AF65-F5344CB8AC3E}">
+        <p14:creationId xmlns:p14="http://schemas.microsoft.com/office/powerpoint/2010/main" val="4134537087"/>
+      </p:ext>
+    </p:extLst>
+  </p:cSld>
+  <p:clrMapOvr>
+    <a:masterClrMapping/>
+  </p:clrMapOvr>
+</p:sld>
+</file>
+
+<file path=ppt/slides/slide26.xml><?xml version="1.0" encoding="utf-8"?>
+<p:sld xmlns:a="http://schemas.openxmlformats.org/drawingml/2006/main" xmlns:r="http://schemas.openxmlformats.org/officeDocument/2006/relationships" xmlns:p="http://schemas.openxmlformats.org/presentationml/2006/main">
+  <p:cSld>
+    <p:spTree>
+      <p:nvGrpSpPr>
+        <p:cNvPr id="1" name=""/>
+        <p:cNvGrpSpPr/>
+        <p:nvPr/>
+      </p:nvGrpSpPr>
+      <p:grpSpPr>
+        <a:xfrm>
+          <a:off x="0" y="0"/>
+          <a:ext cx="0" cy="0"/>
+          <a:chOff x="0" y="0"/>
+          <a:chExt cx="0" cy="0"/>
+        </a:xfrm>
+      </p:grpSpPr>
+      <p:sp>
+        <p:nvSpPr>
+          <p:cNvPr id="2" name="Title 1"/>
+          <p:cNvSpPr>
+            <a:spLocks noGrp="1"/>
+          </p:cNvSpPr>
+          <p:nvPr>
+            <p:ph type="title"/>
+          </p:nvPr>
+        </p:nvSpPr>
+        <p:spPr/>
+        <p:txBody>
+          <a:bodyPr/>
+          <a:lstStyle/>
+          <a:p>
+            <a:r>
+              <a:rPr lang="en-US" dirty="0" err="1"/>
+              <a:t>fn_dblog</a:t>
+            </a:r>
+            <a:r>
+              <a:rPr lang="en-US" dirty="0"/>
+              <a:t>(</a:t>
+            </a:r>
+            <a:r>
+              <a:rPr lang="en-US" dirty="0" err="1"/>
+              <a:t>start_lsn</a:t>
+            </a:r>
+            <a:r>
+              <a:rPr lang="en-US" dirty="0"/>
+              <a:t>, </a:t>
+            </a:r>
+            <a:r>
+              <a:rPr lang="en-US" dirty="0" err="1"/>
+              <a:t>end_lsn</a:t>
+            </a:r>
+            <a:r>
+              <a:rPr lang="en-US" dirty="0"/>
+              <a:t>)</a:t>
+            </a:r>
+          </a:p>
+        </p:txBody>
+      </p:sp>
+      <p:sp>
+        <p:nvSpPr>
+          <p:cNvPr id="3" name="Content Placeholder 2"/>
+          <p:cNvSpPr>
+            <a:spLocks noGrp="1"/>
+          </p:cNvSpPr>
+          <p:nvPr>
+            <p:ph idx="1"/>
+          </p:nvPr>
+        </p:nvSpPr>
+        <p:spPr>
+          <a:xfrm>
+            <a:off x="457200" y="1397001"/>
+            <a:ext cx="8229600" cy="704850"/>
+          </a:xfrm>
+        </p:spPr>
+        <p:txBody>
+          <a:bodyPr/>
+          <a:lstStyle/>
+          <a:p>
+            <a:pPr marL="0" indent="0">
+              <a:buNone/>
+            </a:pPr>
+            <a:r>
+              <a:rPr lang="en-US" dirty="0"/>
+              <a:t>Returns one row per log record</a:t>
+            </a:r>
+          </a:p>
+        </p:txBody>
+      </p:sp>
+      <p:pic>
+        <p:nvPicPr>
+          <p:cNvPr id="4" name="Picture 3"/>
+          <p:cNvPicPr>
+            <a:picLocks noChangeAspect="1"/>
+          </p:cNvPicPr>
+          <p:nvPr/>
+        </p:nvPicPr>
+        <p:blipFill>
+          <a:blip r:embed="rId2"/>
+          <a:stretch>
+            <a:fillRect/>
+          </a:stretch>
+        </p:blipFill>
+        <p:spPr>
+          <a:xfrm>
+            <a:off x="457200" y="2025651"/>
+            <a:ext cx="7962900" cy="4032860"/>
+          </a:xfrm>
+          <a:prstGeom prst="rect">
+            <a:avLst/>
+          </a:prstGeom>
+        </p:spPr>
+      </p:pic>
+    </p:spTree>
+    <p:extLst>
+      <p:ext uri="{BB962C8B-B14F-4D97-AF65-F5344CB8AC3E}">
+        <p14:creationId xmlns:p14="http://schemas.microsoft.com/office/powerpoint/2010/main" val="2370315233"/>
+      </p:ext>
+    </p:extLst>
+  </p:cSld>
+  <p:clrMapOvr>
+    <a:masterClrMapping/>
+  </p:clrMapOvr>
+</p:sld>
+</file>
+
+<file path=ppt/slides/slide27.xml><?xml version="1.0" encoding="utf-8"?>
+<p:sld xmlns:a="http://schemas.openxmlformats.org/drawingml/2006/main" xmlns:r="http://schemas.openxmlformats.org/officeDocument/2006/relationships" xmlns:p="http://schemas.openxmlformats.org/presentationml/2006/main">
+  <p:cSld>
+    <p:spTree>
+      <p:nvGrpSpPr>
+        <p:cNvPr id="1" name=""/>
+        <p:cNvGrpSpPr/>
+        <p:nvPr/>
+      </p:nvGrpSpPr>
+      <p:grpSpPr>
+        <a:xfrm>
+          <a:off x="0" y="0"/>
+          <a:ext cx="0" cy="0"/>
+          <a:chOff x="0" y="0"/>
+          <a:chExt cx="0" cy="0"/>
+        </a:xfrm>
+      </p:grpSpPr>
+      <p:sp>
+        <p:nvSpPr>
+          <p:cNvPr id="2" name="Title 1"/>
+          <p:cNvSpPr>
+            <a:spLocks noGrp="1"/>
+          </p:cNvSpPr>
+          <p:nvPr>
+            <p:ph type="title"/>
+          </p:nvPr>
+        </p:nvSpPr>
+        <p:spPr/>
+        <p:txBody>
+          <a:bodyPr/>
+          <a:lstStyle/>
+          <a:p>
+            <a:r>
+              <a:rPr lang="en-US" dirty="0"/>
+              <a:t>Demo</a:t>
+            </a:r>
+          </a:p>
+        </p:txBody>
+      </p:sp>
+      <p:sp>
+        <p:nvSpPr>
+          <p:cNvPr id="3" name="Content Placeholder 2"/>
+          <p:cNvSpPr>
+            <a:spLocks noGrp="1"/>
+          </p:cNvSpPr>
+          <p:nvPr>
+            <p:ph idx="1"/>
+          </p:nvPr>
+        </p:nvSpPr>
+        <p:spPr/>
+        <p:txBody>
+          <a:bodyPr/>
+          <a:lstStyle/>
+          <a:p>
+            <a:pPr marL="0" indent="0">
+              <a:buNone/>
+            </a:pPr>
+            <a:r>
+              <a:rPr lang="en-US" dirty="0" err="1"/>
+              <a:t>fn_dblog</a:t>
+            </a:r>
+            <a:endParaRPr lang="en-US" dirty="0"/>
+          </a:p>
+        </p:txBody>
+      </p:sp>
+      <p:pic>
+        <p:nvPicPr>
+          <p:cNvPr id="4" name="Picture 3"/>
+          <p:cNvPicPr>
+            <a:picLocks noChangeAspect="1"/>
+          </p:cNvPicPr>
+          <p:nvPr/>
+        </p:nvPicPr>
+        <p:blipFill>
+          <a:blip r:embed="rId2"/>
+          <a:stretch>
+            <a:fillRect/>
+          </a:stretch>
+        </p:blipFill>
+        <p:spPr>
+          <a:xfrm>
+            <a:off x="763071" y="1653000"/>
+            <a:ext cx="7617858" cy="3552000"/>
+          </a:xfrm>
+          <a:prstGeom prst="rect">
+            <a:avLst/>
+          </a:prstGeom>
+        </p:spPr>
+      </p:pic>
+    </p:spTree>
+    <p:extLst>
+      <p:ext uri="{BB962C8B-B14F-4D97-AF65-F5344CB8AC3E}">
+        <p14:creationId xmlns:p14="http://schemas.microsoft.com/office/powerpoint/2010/main" val="2250290301"/>
+      </p:ext>
+    </p:extLst>
+  </p:cSld>
+  <p:clrMapOvr>
+    <a:masterClrMapping/>
+  </p:clrMapOvr>
+</p:sld>
+</file>
+
+<file path=ppt/slides/slide28.xml><?xml version="1.0" encoding="utf-8"?>
+<p:sld xmlns:a="http://schemas.openxmlformats.org/drawingml/2006/main" xmlns:r="http://schemas.openxmlformats.org/officeDocument/2006/relationships" xmlns:p="http://schemas.openxmlformats.org/presentationml/2006/main">
+  <p:cSld>
+    <p:spTree>
+      <p:nvGrpSpPr>
+        <p:cNvPr id="1" name=""/>
+        <p:cNvGrpSpPr/>
+        <p:nvPr/>
+      </p:nvGrpSpPr>
+      <p:grpSpPr>
+        <a:xfrm>
+          <a:off x="0" y="0"/>
+          <a:ext cx="0" cy="0"/>
+          <a:chOff x="0" y="0"/>
+          <a:chExt cx="0" cy="0"/>
+        </a:xfrm>
+      </p:grpSpPr>
+      <p:sp>
+        <p:nvSpPr>
+          <p:cNvPr id="2" name="Title 1"/>
+          <p:cNvSpPr>
+            <a:spLocks noGrp="1"/>
+          </p:cNvSpPr>
+          <p:nvPr>
+            <p:ph type="title"/>
+          </p:nvPr>
+        </p:nvSpPr>
+        <p:spPr/>
+        <p:txBody>
+          <a:bodyPr/>
+          <a:lstStyle/>
+          <a:p>
+            <a:r>
+              <a:rPr lang="en-US" dirty="0"/>
+              <a:t>Related command/function</a:t>
+            </a:r>
+          </a:p>
+        </p:txBody>
+      </p:sp>
+      <p:sp>
+        <p:nvSpPr>
+          <p:cNvPr id="3" name="Content Placeholder 2"/>
+          <p:cNvSpPr>
+            <a:spLocks noGrp="1"/>
+          </p:cNvSpPr>
+          <p:nvPr>
+            <p:ph idx="1"/>
+          </p:nvPr>
+        </p:nvSpPr>
+        <p:spPr/>
+        <p:txBody>
+          <a:bodyPr/>
+          <a:lstStyle/>
+          <a:p>
+            <a:r>
+              <a:rPr lang="en-US" dirty="0"/>
+              <a:t>DBCC SQLPERF(LOGSPACE)</a:t>
+            </a:r>
+          </a:p>
+          <a:p>
+            <a:pPr lvl="1"/>
+            <a:r>
+              <a:rPr lang="en-US" dirty="0"/>
+              <a:t>Log size, percent used per database</a:t>
+            </a:r>
+          </a:p>
+          <a:p>
+            <a:r>
+              <a:rPr lang="en-US" dirty="0" err="1"/>
+              <a:t>fn_dump_dblog</a:t>
+            </a:r>
+            <a:endParaRPr lang="en-US" dirty="0"/>
+          </a:p>
+          <a:p>
+            <a:pPr lvl="1"/>
+            <a:r>
+              <a:rPr lang="en-US" dirty="0"/>
+              <a:t>Similar to </a:t>
+            </a:r>
+            <a:r>
+              <a:rPr lang="en-US" dirty="0" err="1"/>
+              <a:t>fn_dblog</a:t>
+            </a:r>
+            <a:r>
+              <a:rPr lang="en-US" dirty="0"/>
+              <a:t>, but reads </a:t>
+            </a:r>
+            <a:r>
+              <a:rPr lang="en-US"/>
+              <a:t>from backup file</a:t>
+            </a:r>
+            <a:endParaRPr lang="en-US" dirty="0"/>
+          </a:p>
+        </p:txBody>
+      </p:sp>
+    </p:spTree>
+    <p:extLst>
+      <p:ext uri="{BB962C8B-B14F-4D97-AF65-F5344CB8AC3E}">
+        <p14:creationId xmlns:p14="http://schemas.microsoft.com/office/powerpoint/2010/main" val="961231621"/>
+      </p:ext>
+    </p:extLst>
+  </p:cSld>
+  <p:clrMapOvr>
+    <a:masterClrMapping/>
+  </p:clrMapOvr>
+</p:sld>
+</file>
+
+<file path=ppt/slides/slide29.xml><?xml version="1.0" encoding="utf-8"?>
+<p:sld xmlns:a="http://schemas.openxmlformats.org/drawingml/2006/main" xmlns:r="http://schemas.openxmlformats.org/officeDocument/2006/relationships" xmlns:p="http://schemas.openxmlformats.org/presentationml/2006/main">
+  <p:cSld>
+    <p:spTree>
+      <p:nvGrpSpPr>
+        <p:cNvPr id="1" name=""/>
+        <p:cNvGrpSpPr/>
+        <p:nvPr/>
+      </p:nvGrpSpPr>
+      <p:grpSpPr>
+        <a:xfrm>
+          <a:off x="0" y="0"/>
+          <a:ext cx="0" cy="0"/>
+          <a:chOff x="0" y="0"/>
+          <a:chExt cx="0" cy="0"/>
+        </a:xfrm>
+      </p:grpSpPr>
+      <p:sp>
+        <p:nvSpPr>
+          <p:cNvPr id="2" name="Title 1"/>
+          <p:cNvSpPr>
+            <a:spLocks noGrp="1"/>
+          </p:cNvSpPr>
+          <p:nvPr>
+            <p:ph type="title"/>
+          </p:nvPr>
+        </p:nvSpPr>
+        <p:spPr/>
+        <p:txBody>
+          <a:bodyPr/>
+          <a:lstStyle/>
+          <a:p>
+            <a:r>
+              <a:rPr lang="en-US" dirty="0"/>
+              <a:t>Checkpoint</a:t>
+            </a:r>
+          </a:p>
+        </p:txBody>
+      </p:sp>
+      <p:sp>
+        <p:nvSpPr>
+          <p:cNvPr id="3" name="Content Placeholder 2"/>
+          <p:cNvSpPr>
+            <a:spLocks noGrp="1"/>
+          </p:cNvSpPr>
+          <p:nvPr>
+            <p:ph idx="1"/>
+          </p:nvPr>
+        </p:nvSpPr>
+        <p:spPr/>
+        <p:txBody>
+          <a:bodyPr/>
+          <a:lstStyle/>
+          <a:p>
+            <a:r>
+              <a:rPr lang="en-US" dirty="0"/>
+              <a:t>Process of writing dirty pages from the buffer pool to disk</a:t>
+            </a:r>
+          </a:p>
+          <a:p>
+            <a:pPr lvl="1"/>
+            <a:r>
+              <a:rPr lang="en-US" dirty="0"/>
+              <a:t>Irrespective of transaction completion</a:t>
+            </a:r>
+          </a:p>
+          <a:p>
+            <a:pPr marL="0" indent="0">
+              <a:buNone/>
+            </a:pPr>
+            <a:endParaRPr lang="en-US" dirty="0"/>
+          </a:p>
+        </p:txBody>
+      </p:sp>
+    </p:spTree>
+    <p:extLst>
+      <p:ext uri="{BB962C8B-B14F-4D97-AF65-F5344CB8AC3E}">
+        <p14:creationId xmlns:p14="http://schemas.microsoft.com/office/powerpoint/2010/main" val="998445908"/>
+      </p:ext>
+    </p:extLst>
+  </p:cSld>
+  <p:clrMapOvr>
+    <a:masterClrMapping/>
+  </p:clrMapOvr>
+</p:sld>
+</file>
+
+<file path=ppt/slides/slide3.xml><?xml version="1.0" encoding="utf-8"?>
+<p:sld xmlns:a="http://schemas.openxmlformats.org/drawingml/2006/main" xmlns:r="http://schemas.openxmlformats.org/officeDocument/2006/relationships" xmlns:p="http://schemas.openxmlformats.org/presentationml/2006/main">
+  <p:cSld>
+    <p:spTree>
+      <p:nvGrpSpPr>
+        <p:cNvPr id="1" name=""/>
+        <p:cNvGrpSpPr/>
+        <p:nvPr/>
+      </p:nvGrpSpPr>
+      <p:grpSpPr>
+        <a:xfrm>
+          <a:off x="0" y="0"/>
+          <a:ext cx="0" cy="0"/>
+          <a:chOff x="0" y="0"/>
+          <a:chExt cx="0" cy="0"/>
+        </a:xfrm>
+      </p:grpSpPr>
+      <p:sp>
+        <p:nvSpPr>
+          <p:cNvPr id="2" name="Title 1"/>
+          <p:cNvSpPr>
+            <a:spLocks noGrp="1"/>
+          </p:cNvSpPr>
+          <p:nvPr>
+            <p:ph type="title"/>
+          </p:nvPr>
+        </p:nvSpPr>
+        <p:spPr/>
+        <p:txBody>
+          <a:bodyPr/>
+          <a:lstStyle/>
+          <a:p>
+            <a:r>
+              <a:rPr lang="en-US" dirty="0"/>
+              <a:t>Agenda</a:t>
+            </a:r>
+          </a:p>
+        </p:txBody>
+      </p:sp>
+      <p:sp>
+        <p:nvSpPr>
+          <p:cNvPr id="3" name="Content Placeholder 2"/>
+          <p:cNvSpPr>
+            <a:spLocks noGrp="1"/>
+          </p:cNvSpPr>
+          <p:nvPr>
+            <p:ph idx="1"/>
+          </p:nvPr>
+        </p:nvSpPr>
+        <p:spPr/>
+        <p:txBody>
+          <a:bodyPr/>
+          <a:lstStyle/>
+          <a:p>
+            <a:r>
+              <a:rPr lang="en-US" dirty="0"/>
+              <a:t>Purpose of the transaction log</a:t>
+            </a:r>
+          </a:p>
+          <a:p>
+            <a:r>
+              <a:rPr lang="en-US" dirty="0"/>
+              <a:t>Organization of the transaction log</a:t>
+            </a:r>
+          </a:p>
+          <a:p>
+            <a:r>
+              <a:rPr lang="en-US" dirty="0"/>
+              <a:t>Flushing &amp; clearing the log / checkpoints</a:t>
+            </a:r>
+          </a:p>
+          <a:p>
+            <a:r>
+              <a:rPr lang="en-US" dirty="0"/>
+              <a:t>Rollback operations</a:t>
+            </a:r>
+          </a:p>
+          <a:p>
+            <a:r>
+              <a:rPr lang="en-US" dirty="0"/>
+              <a:t>VLF fragmentation</a:t>
+            </a:r>
+          </a:p>
+          <a:p>
+            <a:r>
+              <a:rPr lang="en-US" dirty="0"/>
+              <a:t>Log monitoring</a:t>
+            </a:r>
+          </a:p>
+        </p:txBody>
+      </p:sp>
+    </p:spTree>
+    <p:extLst>
+      <p:ext uri="{BB962C8B-B14F-4D97-AF65-F5344CB8AC3E}">
+        <p14:creationId xmlns:p14="http://schemas.microsoft.com/office/powerpoint/2010/main" val="1097259878"/>
+      </p:ext>
+    </p:extLst>
+  </p:cSld>
+  <p:clrMapOvr>
+    <a:masterClrMapping/>
+  </p:clrMapOvr>
+</p:sld>
+</file>
+
 <file path=ppt/slides/slide30.xml><?xml version="1.0" encoding="utf-8"?>
 <p:sld xmlns:a="http://schemas.openxmlformats.org/drawingml/2006/main" xmlns:r="http://schemas.openxmlformats.org/officeDocument/2006/relationships" xmlns:p="http://schemas.openxmlformats.org/presentationml/2006/main">
   <p:cSld>
@@ -9346,7 +8460,7 @@
           <a:p>
             <a:r>
               <a:rPr lang="en-US" dirty="0"/>
-              <a:t>Checkpoint</a:t>
+              <a:t>Checkpoint Types</a:t>
             </a:r>
           </a:p>
         </p:txBody>
@@ -9363,19 +8477,165 @@
         </p:nvSpPr>
         <p:spPr/>
         <p:txBody>
-          <a:bodyPr/>
+          <a:bodyPr>
+            <a:normAutofit fontScale="85000" lnSpcReduction="10000"/>
+          </a:bodyPr>
           <a:lstStyle/>
           <a:p>
             <a:r>
               <a:rPr lang="en-US" dirty="0"/>
-              <a:t>Process of writing dirty pages from the buffer pool to disk</a:t>
+              <a:t>Automatic</a:t>
             </a:r>
           </a:p>
           <a:p>
             <a:pPr lvl="1"/>
             <a:r>
               <a:rPr lang="en-US" dirty="0"/>
-              <a:t>Irrespective of transaction completion</a:t>
+              <a:t>Period background thread</a:t>
+            </a:r>
+          </a:p>
+          <a:p>
+            <a:pPr lvl="1"/>
+            <a:r>
+              <a:rPr lang="en-US" dirty="0"/>
+              <a:t>Instance-wide [</a:t>
+            </a:r>
+            <a:r>
+              <a:rPr lang="en-US" sz="1700" dirty="0" err="1">
+                <a:latin typeface="Courier New" panose="02070309020205020404" pitchFamily="49" charset="0"/>
+                <a:cs typeface="Courier New" panose="02070309020205020404" pitchFamily="49" charset="0"/>
+              </a:rPr>
+              <a:t>sp_configure</a:t>
+            </a:r>
+            <a:r>
+              <a:rPr lang="en-US" sz="1700" dirty="0">
+                <a:latin typeface="Courier New" panose="02070309020205020404" pitchFamily="49" charset="0"/>
+                <a:cs typeface="Courier New" panose="02070309020205020404" pitchFamily="49" charset="0"/>
+              </a:rPr>
+              <a:t> </a:t>
+            </a:r>
+            <a:r>
+              <a:rPr lang="en-US" sz="1800" dirty="0"/>
+              <a:t>'</a:t>
+            </a:r>
+            <a:r>
+              <a:rPr lang="en-US" sz="1700" dirty="0">
+                <a:latin typeface="Courier New" panose="02070309020205020404" pitchFamily="49" charset="0"/>
+                <a:cs typeface="Courier New" panose="02070309020205020404" pitchFamily="49" charset="0"/>
+              </a:rPr>
+              <a:t>recovery interval (min)</a:t>
+            </a:r>
+            <a:r>
+              <a:rPr lang="en-US" sz="1600" dirty="0"/>
+              <a:t>'</a:t>
+            </a:r>
+            <a:r>
+              <a:rPr lang="en-US" sz="1700" dirty="0">
+                <a:latin typeface="Courier New" panose="02070309020205020404" pitchFamily="49" charset="0"/>
+                <a:cs typeface="Courier New" panose="02070309020205020404" pitchFamily="49" charset="0"/>
+              </a:rPr>
+              <a:t>, 2</a:t>
+            </a:r>
+            <a:r>
+              <a:rPr lang="en-US" dirty="0"/>
+              <a:t>]</a:t>
+            </a:r>
+          </a:p>
+          <a:p>
+            <a:r>
+              <a:rPr lang="en-US" dirty="0"/>
+              <a:t>Indirect (2012+)</a:t>
+            </a:r>
+          </a:p>
+          <a:p>
+            <a:pPr lvl="1"/>
+            <a:r>
+              <a:rPr lang="en-US" dirty="0"/>
+              <a:t>Database-specific</a:t>
+            </a:r>
+          </a:p>
+          <a:p>
+            <a:pPr lvl="1"/>
+            <a:r>
+              <a:rPr lang="en-US" dirty="0"/>
+              <a:t>[</a:t>
+            </a:r>
+            <a:r>
+              <a:rPr lang="en-US" sz="1700" dirty="0">
+                <a:latin typeface="Courier New" panose="02070309020205020404" pitchFamily="49" charset="0"/>
+                <a:cs typeface="Courier New" panose="02070309020205020404" pitchFamily="49" charset="0"/>
+              </a:rPr>
+              <a:t>alter database </a:t>
+            </a:r>
+            <a:r>
+              <a:rPr lang="en-US" sz="1700" dirty="0" err="1">
+                <a:latin typeface="Courier New" panose="02070309020205020404" pitchFamily="49" charset="0"/>
+                <a:cs typeface="Courier New" panose="02070309020205020404" pitchFamily="49" charset="0"/>
+              </a:rPr>
+              <a:t>myDB</a:t>
+            </a:r>
+            <a:r>
+              <a:rPr lang="en-US" sz="1700" dirty="0">
+                <a:latin typeface="Courier New" panose="02070309020205020404" pitchFamily="49" charset="0"/>
+                <a:cs typeface="Courier New" panose="02070309020205020404" pitchFamily="49" charset="0"/>
+              </a:rPr>
+              <a:t> set </a:t>
+            </a:r>
+            <a:r>
+              <a:rPr lang="en-US" sz="1700" dirty="0" err="1">
+                <a:latin typeface="Courier New" panose="02070309020205020404" pitchFamily="49" charset="0"/>
+                <a:cs typeface="Courier New" panose="02070309020205020404" pitchFamily="49" charset="0"/>
+              </a:rPr>
+              <a:t>target_recovery_time</a:t>
+            </a:r>
+            <a:r>
+              <a:rPr lang="en-US" sz="1700" dirty="0">
+                <a:latin typeface="Courier New" panose="02070309020205020404" pitchFamily="49" charset="0"/>
+                <a:cs typeface="Courier New" panose="02070309020205020404" pitchFamily="49" charset="0"/>
+              </a:rPr>
+              <a:t> = 2 minutes</a:t>
+            </a:r>
+            <a:r>
+              <a:rPr lang="en-US" dirty="0"/>
+              <a:t>]</a:t>
+            </a:r>
+          </a:p>
+          <a:p>
+            <a:pPr lvl="1"/>
+            <a:r>
+              <a:rPr lang="en-US" dirty="0"/>
+              <a:t>Off by default in 2012, 2014; on </a:t>
+            </a:r>
+            <a:r>
+              <a:rPr lang="en-US"/>
+              <a:t>by default in 2016</a:t>
+            </a:r>
+            <a:endParaRPr lang="en-US" dirty="0"/>
+          </a:p>
+          <a:p>
+            <a:r>
+              <a:rPr lang="en-US" dirty="0"/>
+              <a:t>Internal</a:t>
+            </a:r>
+          </a:p>
+          <a:p>
+            <a:pPr lvl="1"/>
+            <a:r>
+              <a:rPr lang="en-US" dirty="0"/>
+              <a:t>During operations such as backup, snapshots, shutdown</a:t>
+            </a:r>
+          </a:p>
+          <a:p>
+            <a:r>
+              <a:rPr lang="en-US" dirty="0"/>
+              <a:t>Manual</a:t>
+            </a:r>
+          </a:p>
+          <a:p>
+            <a:pPr lvl="1"/>
+            <a:r>
+              <a:rPr lang="en-US" dirty="0"/>
+              <a:t>CHECKPOINT command</a:t>
             </a:r>
           </a:p>
           <a:p>
@@ -9389,7 +8649,7 @@
     </p:spTree>
     <p:extLst>
       <p:ext uri="{BB962C8B-B14F-4D97-AF65-F5344CB8AC3E}">
-        <p14:creationId xmlns:p14="http://schemas.microsoft.com/office/powerpoint/2010/main" val="998445908"/>
+        <p14:creationId xmlns:p14="http://schemas.microsoft.com/office/powerpoint/2010/main" val="2925193969"/>
       </p:ext>
     </p:extLst>
   </p:cSld>
@@ -9400,6 +8660,139 @@
 </file>
 
 <file path=ppt/slides/slide31.xml><?xml version="1.0" encoding="utf-8"?>
+<p:sld xmlns:a="http://schemas.openxmlformats.org/drawingml/2006/main" xmlns:r="http://schemas.openxmlformats.org/officeDocument/2006/relationships" xmlns:p="http://schemas.openxmlformats.org/presentationml/2006/main" show="0">
+  <p:cSld>
+    <p:spTree>
+      <p:nvGrpSpPr>
+        <p:cNvPr id="1" name=""/>
+        <p:cNvGrpSpPr/>
+        <p:nvPr/>
+      </p:nvGrpSpPr>
+      <p:grpSpPr>
+        <a:xfrm>
+          <a:off x="0" y="0"/>
+          <a:ext cx="0" cy="0"/>
+          <a:chOff x="0" y="0"/>
+          <a:chExt cx="0" cy="0"/>
+        </a:xfrm>
+      </p:grpSpPr>
+      <p:sp>
+        <p:nvSpPr>
+          <p:cNvPr id="2" name="Title 1"/>
+          <p:cNvSpPr>
+            <a:spLocks noGrp="1"/>
+          </p:cNvSpPr>
+          <p:nvPr>
+            <p:ph type="title"/>
+          </p:nvPr>
+        </p:nvSpPr>
+        <p:spPr/>
+        <p:txBody>
+          <a:bodyPr/>
+          <a:lstStyle/>
+          <a:p>
+            <a:r>
+              <a:rPr lang="en-US" dirty="0"/>
+              <a:t>Checkpoint Process</a:t>
+            </a:r>
+          </a:p>
+        </p:txBody>
+      </p:sp>
+      <p:sp>
+        <p:nvSpPr>
+          <p:cNvPr id="3" name="Content Placeholder 2"/>
+          <p:cNvSpPr>
+            <a:spLocks noGrp="1"/>
+          </p:cNvSpPr>
+          <p:nvPr>
+            <p:ph idx="1"/>
+          </p:nvPr>
+        </p:nvSpPr>
+        <p:spPr/>
+        <p:txBody>
+          <a:bodyPr/>
+          <a:lstStyle/>
+          <a:p>
+            <a:r>
+              <a:rPr lang="en-US" dirty="0">
+                <a:solidFill>
+                  <a:schemeClr val="accent1">
+                    <a:lumMod val="60000"/>
+                    <a:lumOff val="40000"/>
+                  </a:schemeClr>
+                </a:solidFill>
+              </a:rPr>
+              <a:t>Write to log: checkpoint start</a:t>
+            </a:r>
+          </a:p>
+          <a:p>
+            <a:pPr lvl="1"/>
+            <a:r>
+              <a:rPr lang="en-US" dirty="0"/>
+              <a:t>Also info about any uncommitted transactions</a:t>
+            </a:r>
+          </a:p>
+          <a:p>
+            <a:pPr lvl="1"/>
+            <a:r>
+              <a:rPr lang="en-US" dirty="0"/>
+              <a:t>Flush the log</a:t>
+            </a:r>
+          </a:p>
+          <a:p>
+            <a:r>
+              <a:rPr lang="en-US" dirty="0"/>
+              <a:t>Identify dirty pages; write to disk</a:t>
+            </a:r>
+          </a:p>
+          <a:p>
+            <a:r>
+              <a:rPr lang="en-US" dirty="0">
+                <a:solidFill>
+                  <a:schemeClr val="accent1">
+                    <a:lumMod val="60000"/>
+                    <a:lumOff val="40000"/>
+                  </a:schemeClr>
+                </a:solidFill>
+              </a:rPr>
+              <a:t>Update boot page with LSN corresponding to checkpoint start</a:t>
+            </a:r>
+          </a:p>
+          <a:p>
+            <a:r>
+              <a:rPr lang="en-US" dirty="0"/>
+              <a:t>(If SIMPLE recovery) clear the log</a:t>
+            </a:r>
+          </a:p>
+          <a:p>
+            <a:r>
+              <a:rPr lang="en-US" dirty="0">
+                <a:solidFill>
+                  <a:schemeClr val="accent1">
+                    <a:lumMod val="60000"/>
+                    <a:lumOff val="40000"/>
+                  </a:schemeClr>
+                </a:solidFill>
+              </a:rPr>
+              <a:t>Write to log: checkpoint finish</a:t>
+            </a:r>
+          </a:p>
+        </p:txBody>
+      </p:sp>
+    </p:spTree>
+    <p:extLst>
+      <p:ext uri="{BB962C8B-B14F-4D97-AF65-F5344CB8AC3E}">
+        <p14:creationId xmlns:p14="http://schemas.microsoft.com/office/powerpoint/2010/main" val="348943073"/>
+      </p:ext>
+    </p:extLst>
+  </p:cSld>
+  <p:clrMapOvr>
+    <a:masterClrMapping/>
+  </p:clrMapOvr>
+</p:sld>
+</file>
+
+<file path=ppt/slides/slide32.xml><?xml version="1.0" encoding="utf-8"?>
 <p:sld xmlns:a="http://schemas.openxmlformats.org/drawingml/2006/main" xmlns:r="http://schemas.openxmlformats.org/officeDocument/2006/relationships" xmlns:p="http://schemas.openxmlformats.org/presentationml/2006/main">
   <p:cSld>
     <p:spTree>
@@ -9433,7 +8826,7 @@
           <a:p>
             <a:r>
               <a:rPr lang="en-US" dirty="0"/>
-              <a:t>Checkpoint Types</a:t>
+              <a:t>Flushing the Log</a:t>
             </a:r>
           </a:p>
         </p:txBody>
@@ -9450,326 +8843,60 @@
         </p:nvSpPr>
         <p:spPr/>
         <p:txBody>
-          <a:bodyPr>
-            <a:normAutofit fontScale="85000" lnSpcReduction="10000"/>
-          </a:bodyPr>
+          <a:bodyPr/>
           <a:lstStyle/>
           <a:p>
             <a:r>
               <a:rPr lang="en-US" dirty="0"/>
-              <a:t>Automatic</a:t>
+              <a:t>Flushing = closing a log block</a:t>
+            </a:r>
+          </a:p>
+          <a:p>
+            <a:r>
+              <a:rPr lang="en-US" dirty="0"/>
+              <a:t>Triggers</a:t>
             </a:r>
           </a:p>
           <a:p>
             <a:pPr lvl="1"/>
             <a:r>
               <a:rPr lang="en-US" dirty="0"/>
-              <a:t>Period background thread</a:t>
+              <a:t>60K limit reached</a:t>
             </a:r>
           </a:p>
           <a:p>
             <a:pPr lvl="1"/>
             <a:r>
               <a:rPr lang="en-US" dirty="0"/>
-              <a:t>Instance-wide [</a:t>
-            </a:r>
-            <a:r>
-              <a:rPr lang="en-US" sz="1700" dirty="0" err="1">
-                <a:latin typeface="Courier New" panose="02070309020205020404" pitchFamily="49" charset="0"/>
-                <a:cs typeface="Courier New" panose="02070309020205020404" pitchFamily="49" charset="0"/>
-              </a:rPr>
-              <a:t>sp_configure</a:t>
-            </a:r>
-            <a:r>
-              <a:rPr lang="en-US" sz="1700" dirty="0">
-                <a:latin typeface="Courier New" panose="02070309020205020404" pitchFamily="49" charset="0"/>
-                <a:cs typeface="Courier New" panose="02070309020205020404" pitchFamily="49" charset="0"/>
-              </a:rPr>
-              <a:t> </a:t>
-            </a:r>
-            <a:r>
-              <a:rPr lang="en-US" sz="1800" dirty="0"/>
-              <a:t>'</a:t>
-            </a:r>
-            <a:r>
-              <a:rPr lang="en-US" sz="1700" dirty="0">
-                <a:latin typeface="Courier New" panose="02070309020205020404" pitchFamily="49" charset="0"/>
-                <a:cs typeface="Courier New" panose="02070309020205020404" pitchFamily="49" charset="0"/>
-              </a:rPr>
-              <a:t>recovery interval (min)</a:t>
-            </a:r>
-            <a:r>
-              <a:rPr lang="en-US" sz="1600" dirty="0"/>
-              <a:t>'</a:t>
-            </a:r>
-            <a:r>
-              <a:rPr lang="en-US" sz="1700" dirty="0">
-                <a:latin typeface="Courier New" panose="02070309020205020404" pitchFamily="49" charset="0"/>
-                <a:cs typeface="Courier New" panose="02070309020205020404" pitchFamily="49" charset="0"/>
-              </a:rPr>
-              <a:t>, 2</a:t>
-            </a:r>
-            <a:r>
-              <a:rPr lang="en-US" dirty="0"/>
-              <a:t>]</a:t>
-            </a:r>
-          </a:p>
-          <a:p>
-            <a:r>
-              <a:rPr lang="en-US" dirty="0"/>
-              <a:t>Indirect (2012+)</a:t>
+              <a:t>Transaction commits</a:t>
             </a:r>
           </a:p>
           <a:p>
             <a:pPr lvl="1"/>
             <a:r>
               <a:rPr lang="en-US" dirty="0"/>
-              <a:t>Database-specific</a:t>
+              <a:t>Transaction rollbacks</a:t>
             </a:r>
           </a:p>
           <a:p>
             <a:pPr lvl="1"/>
             <a:r>
               <a:rPr lang="en-US" dirty="0"/>
-              <a:t>[</a:t>
-            </a:r>
-            <a:r>
-              <a:rPr lang="en-US" sz="1700" dirty="0">
-                <a:latin typeface="Courier New" panose="02070309020205020404" pitchFamily="49" charset="0"/>
-                <a:cs typeface="Courier New" panose="02070309020205020404" pitchFamily="49" charset="0"/>
-              </a:rPr>
-              <a:t>alter database </a:t>
-            </a:r>
-            <a:r>
-              <a:rPr lang="en-US" sz="1700" dirty="0" err="1">
-                <a:latin typeface="Courier New" panose="02070309020205020404" pitchFamily="49" charset="0"/>
-                <a:cs typeface="Courier New" panose="02070309020205020404" pitchFamily="49" charset="0"/>
-              </a:rPr>
-              <a:t>myDB</a:t>
-            </a:r>
-            <a:r>
-              <a:rPr lang="en-US" sz="1700" dirty="0">
-                <a:latin typeface="Courier New" panose="02070309020205020404" pitchFamily="49" charset="0"/>
-                <a:cs typeface="Courier New" panose="02070309020205020404" pitchFamily="49" charset="0"/>
-              </a:rPr>
-              <a:t> set </a:t>
-            </a:r>
-            <a:r>
-              <a:rPr lang="en-US" sz="1700" dirty="0" err="1">
-                <a:latin typeface="Courier New" panose="02070309020205020404" pitchFamily="49" charset="0"/>
-                <a:cs typeface="Courier New" panose="02070309020205020404" pitchFamily="49" charset="0"/>
-              </a:rPr>
-              <a:t>target_recovery_time</a:t>
-            </a:r>
-            <a:r>
-              <a:rPr lang="en-US" sz="1700" dirty="0">
-                <a:latin typeface="Courier New" panose="02070309020205020404" pitchFamily="49" charset="0"/>
-                <a:cs typeface="Courier New" panose="02070309020205020404" pitchFamily="49" charset="0"/>
-              </a:rPr>
-              <a:t> = 2 minutes</a:t>
-            </a:r>
-            <a:r>
-              <a:rPr lang="en-US" dirty="0"/>
-              <a:t>]</a:t>
-            </a:r>
-          </a:p>
-          <a:p>
-            <a:pPr lvl="1"/>
-            <a:r>
-              <a:rPr lang="en-US" dirty="0"/>
-              <a:t>Off by default in 2012, 2014; on </a:t>
-            </a:r>
-            <a:r>
-              <a:rPr lang="en-US"/>
-              <a:t>by default in 2016</a:t>
-            </a:r>
-            <a:endParaRPr lang="en-US" dirty="0"/>
-          </a:p>
-          <a:p>
-            <a:r>
-              <a:rPr lang="en-US" dirty="0"/>
-              <a:t>Internal</a:t>
-            </a:r>
-          </a:p>
-          <a:p>
-            <a:pPr lvl="1"/>
-            <a:r>
-              <a:rPr lang="en-US" dirty="0"/>
-              <a:t>During operations such as backup, snapshots, shutdown</a:t>
-            </a:r>
-          </a:p>
-          <a:p>
-            <a:r>
-              <a:rPr lang="en-US" dirty="0"/>
-              <a:t>Manual</a:t>
-            </a:r>
-          </a:p>
-          <a:p>
-            <a:pPr lvl="1"/>
-            <a:r>
-              <a:rPr lang="en-US" dirty="0"/>
-              <a:t>CHECKPOINT command</a:t>
-            </a:r>
-          </a:p>
-          <a:p>
-            <a:pPr marL="0" indent="0">
-              <a:buNone/>
-            </a:pPr>
-            <a:endParaRPr lang="en-US" dirty="0"/>
+              <a:t>Checkpoint</a:t>
+            </a:r>
           </a:p>
         </p:txBody>
       </p:sp>
     </p:spTree>
     <p:extLst>
       <p:ext uri="{BB962C8B-B14F-4D97-AF65-F5344CB8AC3E}">
-        <p14:creationId xmlns:p14="http://schemas.microsoft.com/office/powerpoint/2010/main" val="2925193969"/>
+        <p14:creationId xmlns:p14="http://schemas.microsoft.com/office/powerpoint/2010/main" val="4039889923"/>
       </p:ext>
     </p:extLst>
   </p:cSld>
   <p:clrMapOvr>
     <a:masterClrMapping/>
   </p:clrMapOvr>
-</p:sld>
-</file>
-
-<file path=ppt/slides/slide32.xml><?xml version="1.0" encoding="utf-8"?>
-<p:sld xmlns:a="http://schemas.openxmlformats.org/drawingml/2006/main" xmlns:r="http://schemas.openxmlformats.org/officeDocument/2006/relationships" xmlns:p="http://schemas.openxmlformats.org/presentationml/2006/main" show="0">
-  <p:cSld>
-    <p:spTree>
-      <p:nvGrpSpPr>
-        <p:cNvPr id="1" name=""/>
-        <p:cNvGrpSpPr/>
-        <p:nvPr/>
-      </p:nvGrpSpPr>
-      <p:grpSpPr>
-        <a:xfrm>
-          <a:off x="0" y="0"/>
-          <a:ext cx="0" cy="0"/>
-          <a:chOff x="0" y="0"/>
-          <a:chExt cx="0" cy="0"/>
-        </a:xfrm>
-      </p:grpSpPr>
-      <p:sp>
-        <p:nvSpPr>
-          <p:cNvPr id="2" name="Title 1"/>
-          <p:cNvSpPr>
-            <a:spLocks noGrp="1"/>
-          </p:cNvSpPr>
-          <p:nvPr>
-            <p:ph type="title"/>
-          </p:nvPr>
-        </p:nvSpPr>
-        <p:spPr/>
-        <p:txBody>
-          <a:bodyPr/>
-          <a:lstStyle/>
-          <a:p>
-            <a:r>
-              <a:rPr lang="en-US" dirty="0"/>
-              <a:t>Checkpoint Process</a:t>
-            </a:r>
-          </a:p>
-        </p:txBody>
-      </p:sp>
-      <p:sp>
-        <p:nvSpPr>
-          <p:cNvPr id="3" name="Content Placeholder 2"/>
-          <p:cNvSpPr>
-            <a:spLocks noGrp="1"/>
-          </p:cNvSpPr>
-          <p:nvPr>
-            <p:ph idx="1"/>
-          </p:nvPr>
-        </p:nvSpPr>
-        <p:spPr/>
-        <p:txBody>
-          <a:bodyPr/>
-          <a:lstStyle/>
-          <a:p>
-            <a:r>
-              <a:rPr lang="en-US" dirty="0">
-                <a:solidFill>
-                  <a:schemeClr val="accent1">
-                    <a:lumMod val="60000"/>
-                    <a:lumOff val="40000"/>
-                  </a:schemeClr>
-                </a:solidFill>
-              </a:rPr>
-              <a:t>Write to log: checkpoint start</a:t>
-            </a:r>
-          </a:p>
-          <a:p>
-            <a:pPr lvl="1"/>
-            <a:r>
-              <a:rPr lang="en-US" dirty="0"/>
-              <a:t>Also info about any uncommitted transactions</a:t>
-            </a:r>
-          </a:p>
-          <a:p>
-            <a:pPr lvl="1"/>
-            <a:r>
-              <a:rPr lang="en-US" dirty="0"/>
-              <a:t>Flush the log</a:t>
-            </a:r>
-          </a:p>
-          <a:p>
-            <a:r>
-              <a:rPr lang="en-US" dirty="0"/>
-              <a:t>Identify dirty pages; write to disk</a:t>
-            </a:r>
-          </a:p>
-          <a:p>
-            <a:r>
-              <a:rPr lang="en-US" dirty="0">
-                <a:solidFill>
-                  <a:schemeClr val="accent1">
-                    <a:lumMod val="60000"/>
-                    <a:lumOff val="40000"/>
-                  </a:schemeClr>
-                </a:solidFill>
-              </a:rPr>
-              <a:t>Update boot page with LSN corresponding to checkpoint start</a:t>
-            </a:r>
-          </a:p>
-          <a:p>
-            <a:r>
-              <a:rPr lang="en-US" dirty="0"/>
-              <a:t>(If SIMPLE recovery) clear the log</a:t>
-            </a:r>
-          </a:p>
-          <a:p>
-            <a:r>
-              <a:rPr lang="en-US" dirty="0">
-                <a:solidFill>
-                  <a:schemeClr val="accent1">
-                    <a:lumMod val="60000"/>
-                    <a:lumOff val="40000"/>
-                  </a:schemeClr>
-                </a:solidFill>
-              </a:rPr>
-              <a:t>Write to log: checkpoint finish</a:t>
-            </a:r>
-          </a:p>
-        </p:txBody>
-      </p:sp>
-    </p:spTree>
-    <p:extLst>
-      <p:ext uri="{BB962C8B-B14F-4D97-AF65-F5344CB8AC3E}">
-        <p14:creationId xmlns:p14="http://schemas.microsoft.com/office/powerpoint/2010/main" val="348943073"/>
-      </p:ext>
-    </p:extLst>
-  </p:cSld>
-  <p:clrMapOvr>
-    <a:masterClrMapping/>
-  </p:clrMapOvr>
-  <mc:AlternateContent xmlns:mc="http://schemas.openxmlformats.org/markup-compatibility/2006" xmlns:p14="http://schemas.microsoft.com/office/powerpoint/2010/main">
-    <mc:Choice Requires="p14">
-      <p:transition spd="slow" p14:dur="2000"/>
-    </mc:Choice>
-    <mc:Fallback xmlns="">
-      <p:transition spd="slow"/>
-    </mc:Fallback>
-  </mc:AlternateContent>
 </p:sld>
 </file>
 
@@ -9807,7 +8934,7 @@
           <a:p>
             <a:r>
               <a:rPr lang="en-US" dirty="0"/>
-              <a:t>Flushing the Log</a:t>
+              <a:t>Recovery Models</a:t>
             </a:r>
           </a:p>
         </p:txBody>
@@ -9824,46 +8951,35 @@
         </p:nvSpPr>
         <p:spPr/>
         <p:txBody>
-          <a:bodyPr/>
+          <a:bodyPr>
+            <a:normAutofit/>
+          </a:bodyPr>
           <a:lstStyle/>
           <a:p>
             <a:r>
               <a:rPr lang="en-US" dirty="0"/>
-              <a:t>Flushing = closing a log block</a:t>
-            </a:r>
-          </a:p>
-          <a:p>
-            <a:r>
-              <a:rPr lang="en-US" dirty="0"/>
-              <a:t>Triggers</a:t>
+              <a:t>Impacts how SQL logs changes</a:t>
             </a:r>
           </a:p>
           <a:p>
             <a:pPr lvl="1"/>
             <a:r>
               <a:rPr lang="en-US" dirty="0"/>
-              <a:t>60K limit reached</a:t>
+              <a:t>Simple</a:t>
             </a:r>
           </a:p>
           <a:p>
             <a:pPr lvl="1"/>
             <a:r>
               <a:rPr lang="en-US" dirty="0"/>
-              <a:t>Transaction commits</a:t>
+              <a:t>Full</a:t>
             </a:r>
           </a:p>
           <a:p>
             <a:pPr lvl="1"/>
             <a:r>
               <a:rPr lang="en-US" dirty="0"/>
-              <a:t>Transaction rollbacks</a:t>
-            </a:r>
-          </a:p>
-          <a:p>
-            <a:pPr lvl="1"/>
-            <a:r>
-              <a:rPr lang="en-US" dirty="0"/>
-              <a:t>Checkpoint</a:t>
+              <a:t>Bulk-logged</a:t>
             </a:r>
           </a:p>
         </p:txBody>
@@ -9871,7 +8987,7 @@
     </p:spTree>
     <p:extLst>
       <p:ext uri="{BB962C8B-B14F-4D97-AF65-F5344CB8AC3E}">
-        <p14:creationId xmlns:p14="http://schemas.microsoft.com/office/powerpoint/2010/main" val="4039889923"/>
+        <p14:creationId xmlns:p14="http://schemas.microsoft.com/office/powerpoint/2010/main" val="3098932775"/>
       </p:ext>
     </p:extLst>
   </p:cSld>
@@ -9915,7 +9031,7 @@
           <a:p>
             <a:r>
               <a:rPr lang="en-US" dirty="0"/>
-              <a:t>Recovery Models</a:t>
+              <a:t>Simple Recovery Model</a:t>
             </a:r>
           </a:p>
         </p:txBody>
@@ -9939,28 +9055,26 @@
           <a:p>
             <a:r>
               <a:rPr lang="en-US" dirty="0"/>
-              <a:t>Impacts how SQL logs changes</a:t>
+              <a:t>Commonly used for test systems or low-volume production systems</a:t>
             </a:r>
           </a:p>
           <a:p>
             <a:pPr lvl="1"/>
             <a:r>
               <a:rPr lang="en-US" dirty="0"/>
-              <a:t>Simple</a:t>
-            </a:r>
-          </a:p>
-          <a:p>
-            <a:pPr lvl="1"/>
-            <a:r>
-              <a:rPr lang="en-US" dirty="0"/>
-              <a:t>Full</a:t>
-            </a:r>
-          </a:p>
-          <a:p>
-            <a:pPr lvl="1"/>
-            <a:r>
-              <a:rPr lang="en-US" dirty="0"/>
-              <a:t>Bulk-logged</a:t>
+              <a:t>What is your recovery point objective?</a:t>
+            </a:r>
+          </a:p>
+          <a:p>
+            <a:r>
+              <a:rPr lang="en-US" dirty="0"/>
+              <a:t>All changes logged, but can be “discarded” on commit</a:t>
+            </a:r>
+          </a:p>
+          <a:p>
+            <a:r>
+              <a:rPr lang="en-US" dirty="0"/>
+              <a:t>Can only recover to the latest full backup</a:t>
             </a:r>
           </a:p>
         </p:txBody>
@@ -9968,7 +9082,7 @@
     </p:spTree>
     <p:extLst>
       <p:ext uri="{BB962C8B-B14F-4D97-AF65-F5344CB8AC3E}">
-        <p14:creationId xmlns:p14="http://schemas.microsoft.com/office/powerpoint/2010/main" val="3098932775"/>
+        <p14:creationId xmlns:p14="http://schemas.microsoft.com/office/powerpoint/2010/main" val="2301797226"/>
       </p:ext>
     </p:extLst>
   </p:cSld>
@@ -10012,7 +9126,7 @@
           <a:p>
             <a:r>
               <a:rPr lang="en-US" dirty="0"/>
-              <a:t>Simple Recovery Model</a:t>
+              <a:t>Full Recovery Model</a:t>
             </a:r>
           </a:p>
         </p:txBody>
@@ -10036,7 +9150,7 @@
           <a:p>
             <a:r>
               <a:rPr lang="en-US" dirty="0"/>
-              <a:t>Commonly used for test systems or low-volume production systems</a:t>
+              <a:t>Probably the most common recovery model for production systems</a:t>
             </a:r>
           </a:p>
           <a:p>
@@ -10049,13 +9163,13 @@
           <a:p>
             <a:r>
               <a:rPr lang="en-US" dirty="0"/>
-              <a:t>All changes logged, but can be “discarded” on commit</a:t>
-            </a:r>
-          </a:p>
-          <a:p>
-            <a:r>
-              <a:rPr lang="en-US" dirty="0"/>
-              <a:t>Can only recover to the latest full backup</a:t>
+              <a:t>Log records must be kept until log backup completed</a:t>
+            </a:r>
+          </a:p>
+          <a:p>
+            <a:r>
+              <a:rPr lang="en-US" dirty="0"/>
+              <a:t>Can recover to an arbitrary point in time</a:t>
             </a:r>
           </a:p>
         </p:txBody>
@@ -10063,7 +9177,7 @@
     </p:spTree>
     <p:extLst>
       <p:ext uri="{BB962C8B-B14F-4D97-AF65-F5344CB8AC3E}">
-        <p14:creationId xmlns:p14="http://schemas.microsoft.com/office/powerpoint/2010/main" val="2301797226"/>
+        <p14:creationId xmlns:p14="http://schemas.microsoft.com/office/powerpoint/2010/main" val="933691385"/>
       </p:ext>
     </p:extLst>
   </p:cSld>
@@ -10107,7 +9221,7 @@
           <a:p>
             <a:r>
               <a:rPr lang="en-US" dirty="0"/>
-              <a:t>Full Recovery Model</a:t>
+              <a:t>Bulk-logged Recovery Model</a:t>
             </a:r>
           </a:p>
         </p:txBody>
@@ -10131,7 +9245,7 @@
           <a:p>
             <a:r>
               <a:rPr lang="en-US" dirty="0"/>
-              <a:t>Probably the most common recovery model for production systems</a:t>
+              <a:t>Not frequently used, perhaps temporarily during maintenance windows</a:t>
             </a:r>
           </a:p>
           <a:p>
@@ -10144,13 +9258,19 @@
           <a:p>
             <a:r>
               <a:rPr lang="en-US" dirty="0"/>
-              <a:t>Log records must be kept until log backup completed</a:t>
-            </a:r>
-          </a:p>
-          <a:p>
-            <a:r>
-              <a:rPr lang="en-US" dirty="0"/>
-              <a:t>Can recover to an arbitrary point in time</a:t>
+              <a:t>Similar to full model, but some changes are only “noted” rather than fully logged</a:t>
+            </a:r>
+          </a:p>
+          <a:p>
+            <a:r>
+              <a:rPr lang="en-US" dirty="0"/>
+              <a:t>Log backups still include all changes</a:t>
+            </a:r>
+          </a:p>
+          <a:p>
+            <a:r>
+              <a:rPr lang="en-US" dirty="0"/>
+              <a:t>Point-in-time recovery not possible</a:t>
             </a:r>
           </a:p>
         </p:txBody>
@@ -10158,7 +9278,7 @@
     </p:spTree>
     <p:extLst>
       <p:ext uri="{BB962C8B-B14F-4D97-AF65-F5344CB8AC3E}">
-        <p14:creationId xmlns:p14="http://schemas.microsoft.com/office/powerpoint/2010/main" val="933691385"/>
+        <p14:creationId xmlns:p14="http://schemas.microsoft.com/office/powerpoint/2010/main" val="3984488222"/>
       </p:ext>
     </p:extLst>
   </p:cSld>
@@ -10202,107 +9322,6 @@
           <a:p>
             <a:r>
               <a:rPr lang="en-US" dirty="0"/>
-              <a:t>Bulk-logged Recovery Model</a:t>
-            </a:r>
-          </a:p>
-        </p:txBody>
-      </p:sp>
-      <p:sp>
-        <p:nvSpPr>
-          <p:cNvPr id="3" name="Content Placeholder 2"/>
-          <p:cNvSpPr>
-            <a:spLocks noGrp="1"/>
-          </p:cNvSpPr>
-          <p:nvPr>
-            <p:ph idx="1"/>
-          </p:nvPr>
-        </p:nvSpPr>
-        <p:spPr/>
-        <p:txBody>
-          <a:bodyPr>
-            <a:normAutofit/>
-          </a:bodyPr>
-          <a:lstStyle/>
-          <a:p>
-            <a:r>
-              <a:rPr lang="en-US" dirty="0"/>
-              <a:t>Not frequently used, perhaps temporarily during maintenance windows</a:t>
-            </a:r>
-          </a:p>
-          <a:p>
-            <a:pPr lvl="1"/>
-            <a:r>
-              <a:rPr lang="en-US" dirty="0"/>
-              <a:t>What is your recovery point objective?</a:t>
-            </a:r>
-          </a:p>
-          <a:p>
-            <a:r>
-              <a:rPr lang="en-US" dirty="0"/>
-              <a:t>Similar to full model, but some changes are only “noted” rather than fully logged</a:t>
-            </a:r>
-          </a:p>
-          <a:p>
-            <a:r>
-              <a:rPr lang="en-US" dirty="0"/>
-              <a:t>Log backups still include all changes</a:t>
-            </a:r>
-          </a:p>
-          <a:p>
-            <a:r>
-              <a:rPr lang="en-US" dirty="0"/>
-              <a:t>Point-in-time recovery not possible</a:t>
-            </a:r>
-          </a:p>
-        </p:txBody>
-      </p:sp>
-    </p:spTree>
-    <p:extLst>
-      <p:ext uri="{BB962C8B-B14F-4D97-AF65-F5344CB8AC3E}">
-        <p14:creationId xmlns:p14="http://schemas.microsoft.com/office/powerpoint/2010/main" val="3984488222"/>
-      </p:ext>
-    </p:extLst>
-  </p:cSld>
-  <p:clrMapOvr>
-    <a:masterClrMapping/>
-  </p:clrMapOvr>
-</p:sld>
-</file>
-
-<file path=ppt/slides/slide38.xml><?xml version="1.0" encoding="utf-8"?>
-<p:sld xmlns:a="http://schemas.openxmlformats.org/drawingml/2006/main" xmlns:r="http://schemas.openxmlformats.org/officeDocument/2006/relationships" xmlns:p="http://schemas.openxmlformats.org/presentationml/2006/main">
-  <p:cSld>
-    <p:spTree>
-      <p:nvGrpSpPr>
-        <p:cNvPr id="1" name=""/>
-        <p:cNvGrpSpPr/>
-        <p:nvPr/>
-      </p:nvGrpSpPr>
-      <p:grpSpPr>
-        <a:xfrm>
-          <a:off x="0" y="0"/>
-          <a:ext cx="0" cy="0"/>
-          <a:chOff x="0" y="0"/>
-          <a:chExt cx="0" cy="0"/>
-        </a:xfrm>
-      </p:grpSpPr>
-      <p:sp>
-        <p:nvSpPr>
-          <p:cNvPr id="2" name="Title 1"/>
-          <p:cNvSpPr>
-            <a:spLocks noGrp="1"/>
-          </p:cNvSpPr>
-          <p:nvPr>
-            <p:ph type="title"/>
-          </p:nvPr>
-        </p:nvSpPr>
-        <p:spPr/>
-        <p:txBody>
-          <a:bodyPr/>
-          <a:lstStyle/>
-          <a:p>
-            <a:r>
-              <a:rPr lang="en-US" dirty="0"/>
               <a:t>Clearing* the Log (aka Truncating*)</a:t>
             </a:r>
           </a:p>
@@ -10621,7 +9640,7 @@
 </p:sld>
 </file>
 
-<file path=ppt/slides/slide39.xml><?xml version="1.0" encoding="utf-8"?>
+<file path=ppt/slides/slide38.xml><?xml version="1.0" encoding="utf-8"?>
 <p:sld xmlns:a="http://schemas.openxmlformats.org/drawingml/2006/main" xmlns:r="http://schemas.openxmlformats.org/officeDocument/2006/relationships" xmlns:p="http://schemas.openxmlformats.org/presentationml/2006/main">
   <p:cSld>
     <p:spTree>
@@ -10737,6 +9756,121 @@
 </p:sld>
 </file>
 
+<file path=ppt/slides/slide39.xml><?xml version="1.0" encoding="utf-8"?>
+<p:sld xmlns:a="http://schemas.openxmlformats.org/drawingml/2006/main" xmlns:r="http://schemas.openxmlformats.org/officeDocument/2006/relationships" xmlns:p="http://schemas.openxmlformats.org/presentationml/2006/main">
+  <p:cSld>
+    <p:spTree>
+      <p:nvGrpSpPr>
+        <p:cNvPr id="1" name=""/>
+        <p:cNvGrpSpPr/>
+        <p:nvPr/>
+      </p:nvGrpSpPr>
+      <p:grpSpPr>
+        <a:xfrm>
+          <a:off x="0" y="0"/>
+          <a:ext cx="0" cy="0"/>
+          <a:chOff x="0" y="0"/>
+          <a:chExt cx="0" cy="0"/>
+        </a:xfrm>
+      </p:grpSpPr>
+      <p:sp>
+        <p:nvSpPr>
+          <p:cNvPr id="2" name="Title 1"/>
+          <p:cNvSpPr>
+            <a:spLocks noGrp="1"/>
+          </p:cNvSpPr>
+          <p:nvPr>
+            <p:ph type="title"/>
+          </p:nvPr>
+        </p:nvSpPr>
+        <p:spPr/>
+        <p:txBody>
+          <a:bodyPr/>
+          <a:lstStyle/>
+          <a:p>
+            <a:r>
+              <a:rPr lang="en-US" dirty="0"/>
+              <a:t>Rolling Back a Transaction</a:t>
+            </a:r>
+          </a:p>
+        </p:txBody>
+      </p:sp>
+      <p:sp>
+        <p:nvSpPr>
+          <p:cNvPr id="3" name="Content Placeholder 2"/>
+          <p:cNvSpPr>
+            <a:spLocks noGrp="1"/>
+          </p:cNvSpPr>
+          <p:nvPr>
+            <p:ph idx="1"/>
+          </p:nvPr>
+        </p:nvSpPr>
+        <p:spPr/>
+        <p:txBody>
+          <a:bodyPr/>
+          <a:lstStyle/>
+          <a:p>
+            <a:r>
+              <a:rPr lang="en-US" dirty="0"/>
+              <a:t>When a transaction cannot complete, it must rollback</a:t>
+            </a:r>
+          </a:p>
+          <a:p>
+            <a:pPr lvl="1"/>
+            <a:r>
+              <a:rPr lang="en-US" dirty="0"/>
+              <a:t>ROLLBACK TRANSACTION command</a:t>
+            </a:r>
+          </a:p>
+          <a:p>
+            <a:pPr lvl="1"/>
+            <a:r>
+              <a:rPr lang="en-US" dirty="0"/>
+              <a:t>Connection is abandoned</a:t>
+            </a:r>
+          </a:p>
+          <a:p>
+            <a:pPr lvl="2"/>
+            <a:r>
+              <a:rPr lang="en-US" dirty="0"/>
+              <a:t>Network failure, KILL, severe errors, client crash</a:t>
+            </a:r>
+          </a:p>
+          <a:p>
+            <a:pPr lvl="1"/>
+            <a:r>
+              <a:rPr lang="en-US" dirty="0"/>
+              <a:t>Non-graceful shutdown of SQL (crash recovery)</a:t>
+            </a:r>
+          </a:p>
+          <a:p>
+            <a:pPr lvl="1"/>
+            <a:r>
+              <a:rPr lang="en-US" dirty="0"/>
+              <a:t>Restore operations</a:t>
+            </a:r>
+          </a:p>
+          <a:p>
+            <a:r>
+              <a:rPr lang="en-US" dirty="0"/>
+              <a:t>Rollback operations are single-threaded</a:t>
+            </a:r>
+          </a:p>
+        </p:txBody>
+      </p:sp>
+    </p:spTree>
+    <p:extLst>
+      <p:ext uri="{BB962C8B-B14F-4D97-AF65-F5344CB8AC3E}">
+        <p14:creationId xmlns:p14="http://schemas.microsoft.com/office/powerpoint/2010/main" val="2736551440"/>
+      </p:ext>
+    </p:extLst>
+  </p:cSld>
+  <p:clrMapOvr>
+    <a:masterClrMapping/>
+  </p:clrMapOvr>
+</p:sld>
+</file>
+
 <file path=ppt/slides/slide4.xml><?xml version="1.0" encoding="utf-8"?>
 <p:sld xmlns:a="http://schemas.openxmlformats.org/drawingml/2006/main" xmlns:r="http://schemas.openxmlformats.org/officeDocument/2006/relationships" xmlns:p="http://schemas.openxmlformats.org/presentationml/2006/main">
   <p:cSld>
@@ -10771,7 +9905,7 @@
           <a:p>
             <a:r>
               <a:rPr lang="en-US" dirty="0"/>
-              <a:t>Agenda</a:t>
+              <a:t>Purpose of the Transaction Log</a:t>
             </a:r>
           </a:p>
         </p:txBody>
@@ -10788,42 +9922,83 @@
         </p:nvSpPr>
         <p:spPr/>
         <p:txBody>
-          <a:bodyPr/>
+          <a:bodyPr>
+            <a:normAutofit fontScale="92500" lnSpcReduction="10000"/>
+          </a:bodyPr>
           <a:lstStyle/>
           <a:p>
             <a:r>
               <a:rPr lang="en-US" dirty="0"/>
-              <a:t>Purpose of the transaction log</a:t>
-            </a:r>
-          </a:p>
-          <a:p>
-            <a:r>
-              <a:rPr lang="en-US" dirty="0"/>
-              <a:t>Organization of the transaction log</a:t>
-            </a:r>
-          </a:p>
-          <a:p>
-            <a:r>
-              <a:rPr lang="en-US" dirty="0"/>
-              <a:t>Flushing &amp; clearing the log / checkpoints</a:t>
-            </a:r>
-          </a:p>
-          <a:p>
-            <a:r>
-              <a:rPr lang="en-US" dirty="0"/>
-              <a:t>Rollback operations</a:t>
-            </a:r>
-          </a:p>
-          <a:p>
-            <a:r>
-              <a:rPr lang="en-US" dirty="0"/>
-              <a:t>VLF fragmentation</a:t>
-            </a:r>
-          </a:p>
-          <a:p>
-            <a:r>
-              <a:rPr lang="en-US" dirty="0"/>
-              <a:t>Log monitoring</a:t>
+              <a:t>Primary purposes</a:t>
+            </a:r>
+          </a:p>
+          <a:p>
+            <a:pPr lvl="1"/>
+            <a:r>
+              <a:rPr lang="en-US" dirty="0"/>
+              <a:t>Durability</a:t>
+            </a:r>
+          </a:p>
+          <a:p>
+            <a:pPr lvl="2"/>
+            <a:r>
+              <a:rPr lang="en-US" dirty="0"/>
+              <a:t>Write-ahead logging</a:t>
+            </a:r>
+          </a:p>
+          <a:p>
+            <a:pPr lvl="2"/>
+            <a:r>
+              <a:rPr lang="en-US" dirty="0"/>
+              <a:t>Crash recovery / restore operations</a:t>
+            </a:r>
+          </a:p>
+          <a:p>
+            <a:pPr lvl="1"/>
+            <a:r>
+              <a:rPr lang="en-US" dirty="0"/>
+              <a:t>Atomicity</a:t>
+            </a:r>
+          </a:p>
+          <a:p>
+            <a:pPr lvl="1"/>
+            <a:r>
+              <a:rPr lang="en-US" dirty="0"/>
+              <a:t>Thought experiment</a:t>
+            </a:r>
+          </a:p>
+          <a:p>
+            <a:pPr lvl="2"/>
+            <a:r>
+              <a:rPr lang="en-US" dirty="0"/>
+              <a:t>What would SQL be like without a transaction log?</a:t>
+            </a:r>
+          </a:p>
+          <a:p>
+            <a:r>
+              <a:rPr lang="en-US" dirty="0"/>
+              <a:t>Secondary purposes</a:t>
+            </a:r>
+          </a:p>
+          <a:p>
+            <a:pPr lvl="1"/>
+            <a:r>
+              <a:rPr lang="en-US" dirty="0"/>
+              <a:t>Log reader (replication, CDC)</a:t>
+            </a:r>
+          </a:p>
+          <a:p>
+            <a:pPr lvl="1"/>
+            <a:r>
+              <a:rPr lang="en-US" dirty="0"/>
+              <a:t>Mirroring / Availability Groups / log shipping</a:t>
+            </a:r>
+          </a:p>
+          <a:p>
+            <a:pPr lvl="1"/>
+            <a:r>
+              <a:rPr lang="en-US" dirty="0"/>
+              <a:t>Snapshots</a:t>
             </a:r>
           </a:p>
         </p:txBody>
@@ -10831,7 +10006,7 @@
     </p:spTree>
     <p:extLst>
       <p:ext uri="{BB962C8B-B14F-4D97-AF65-F5344CB8AC3E}">
-        <p14:creationId xmlns:p14="http://schemas.microsoft.com/office/powerpoint/2010/main" val="1097259878"/>
+        <p14:creationId xmlns:p14="http://schemas.microsoft.com/office/powerpoint/2010/main" val="1146920383"/>
       </p:ext>
     </p:extLst>
   </p:cSld>
@@ -10842,121 +10017,6 @@
 </file>
 
 <file path=ppt/slides/slide40.xml><?xml version="1.0" encoding="utf-8"?>
-<p:sld xmlns:a="http://schemas.openxmlformats.org/drawingml/2006/main" xmlns:r="http://schemas.openxmlformats.org/officeDocument/2006/relationships" xmlns:p="http://schemas.openxmlformats.org/presentationml/2006/main">
-  <p:cSld>
-    <p:spTree>
-      <p:nvGrpSpPr>
-        <p:cNvPr id="1" name=""/>
-        <p:cNvGrpSpPr/>
-        <p:nvPr/>
-      </p:nvGrpSpPr>
-      <p:grpSpPr>
-        <a:xfrm>
-          <a:off x="0" y="0"/>
-          <a:ext cx="0" cy="0"/>
-          <a:chOff x="0" y="0"/>
-          <a:chExt cx="0" cy="0"/>
-        </a:xfrm>
-      </p:grpSpPr>
-      <p:sp>
-        <p:nvSpPr>
-          <p:cNvPr id="2" name="Title 1"/>
-          <p:cNvSpPr>
-            <a:spLocks noGrp="1"/>
-          </p:cNvSpPr>
-          <p:nvPr>
-            <p:ph type="title"/>
-          </p:nvPr>
-        </p:nvSpPr>
-        <p:spPr/>
-        <p:txBody>
-          <a:bodyPr/>
-          <a:lstStyle/>
-          <a:p>
-            <a:r>
-              <a:rPr lang="en-US" dirty="0"/>
-              <a:t>Rolling Back a Transaction</a:t>
-            </a:r>
-          </a:p>
-        </p:txBody>
-      </p:sp>
-      <p:sp>
-        <p:nvSpPr>
-          <p:cNvPr id="3" name="Content Placeholder 2"/>
-          <p:cNvSpPr>
-            <a:spLocks noGrp="1"/>
-          </p:cNvSpPr>
-          <p:nvPr>
-            <p:ph idx="1"/>
-          </p:nvPr>
-        </p:nvSpPr>
-        <p:spPr/>
-        <p:txBody>
-          <a:bodyPr/>
-          <a:lstStyle/>
-          <a:p>
-            <a:r>
-              <a:rPr lang="en-US" dirty="0"/>
-              <a:t>When a transaction cannot complete, it must rollback</a:t>
-            </a:r>
-          </a:p>
-          <a:p>
-            <a:pPr lvl="1"/>
-            <a:r>
-              <a:rPr lang="en-US" dirty="0"/>
-              <a:t>ROLLBACK TRANSACTION command</a:t>
-            </a:r>
-          </a:p>
-          <a:p>
-            <a:pPr lvl="1"/>
-            <a:r>
-              <a:rPr lang="en-US" dirty="0"/>
-              <a:t>Connection is abandoned</a:t>
-            </a:r>
-          </a:p>
-          <a:p>
-            <a:pPr lvl="2"/>
-            <a:r>
-              <a:rPr lang="en-US" dirty="0"/>
-              <a:t>Network failure, KILL, severe errors, client crash</a:t>
-            </a:r>
-          </a:p>
-          <a:p>
-            <a:pPr lvl="1"/>
-            <a:r>
-              <a:rPr lang="en-US" dirty="0"/>
-              <a:t>Non-graceful shutdown of SQL (crash recovery)</a:t>
-            </a:r>
-          </a:p>
-          <a:p>
-            <a:pPr lvl="1"/>
-            <a:r>
-              <a:rPr lang="en-US" dirty="0"/>
-              <a:t>Restore operations</a:t>
-            </a:r>
-          </a:p>
-          <a:p>
-            <a:r>
-              <a:rPr lang="en-US" dirty="0"/>
-              <a:t>Rollback operations are single-threaded</a:t>
-            </a:r>
-          </a:p>
-        </p:txBody>
-      </p:sp>
-    </p:spTree>
-    <p:extLst>
-      <p:ext uri="{BB962C8B-B14F-4D97-AF65-F5344CB8AC3E}">
-        <p14:creationId xmlns:p14="http://schemas.microsoft.com/office/powerpoint/2010/main" val="2736551440"/>
-      </p:ext>
-    </p:extLst>
-  </p:cSld>
-  <p:clrMapOvr>
-    <a:masterClrMapping/>
-  </p:clrMapOvr>
-</p:sld>
-</file>
-
-<file path=ppt/slides/slide41.xml><?xml version="1.0" encoding="utf-8"?>
 <p:sld xmlns:a="http://schemas.openxmlformats.org/drawingml/2006/main" xmlns:r="http://schemas.openxmlformats.org/officeDocument/2006/relationships" xmlns:p="http://schemas.openxmlformats.org/presentationml/2006/main">
   <p:cSld>
     <p:spTree>
@@ -11071,7 +10131,7 @@
 </p:sld>
 </file>
 
-<file path=ppt/slides/slide42.xml><?xml version="1.0" encoding="utf-8"?>
+<file path=ppt/slides/slide41.xml><?xml version="1.0" encoding="utf-8"?>
 <p:sld xmlns:a="http://schemas.openxmlformats.org/drawingml/2006/main" xmlns:r="http://schemas.openxmlformats.org/officeDocument/2006/relationships" xmlns:p="http://schemas.openxmlformats.org/presentationml/2006/main">
   <p:cSld>
     <p:spTree>
@@ -11180,7 +10240,7 @@
 </p:sld>
 </file>
 
-<file path=ppt/slides/slide43.xml><?xml version="1.0" encoding="utf-8"?>
+<file path=ppt/slides/slide42.xml><?xml version="1.0" encoding="utf-8"?>
 <p:sld xmlns:a="http://schemas.openxmlformats.org/drawingml/2006/main" xmlns:r="http://schemas.openxmlformats.org/officeDocument/2006/relationships" xmlns:p="http://schemas.openxmlformats.org/presentationml/2006/main">
   <p:cSld>
     <p:spTree>
@@ -11289,7 +10349,7 @@
 </p:sld>
 </file>
 
-<file path=ppt/slides/slide44.xml><?xml version="1.0" encoding="utf-8"?>
+<file path=ppt/slides/slide43.xml><?xml version="1.0" encoding="utf-8"?>
 <p:sld xmlns:a="http://schemas.openxmlformats.org/drawingml/2006/main" xmlns:r="http://schemas.openxmlformats.org/officeDocument/2006/relationships" xmlns:p="http://schemas.openxmlformats.org/presentationml/2006/main">
   <p:cSld>
     <p:spTree>
@@ -11392,7 +10452,7 @@
 </p:sld>
 </file>
 
-<file path=ppt/slides/slide45.xml><?xml version="1.0" encoding="utf-8"?>
+<file path=ppt/slides/slide44.xml><?xml version="1.0" encoding="utf-8"?>
 <p:sld xmlns:a="http://schemas.openxmlformats.org/drawingml/2006/main" xmlns:r="http://schemas.openxmlformats.org/officeDocument/2006/relationships" xmlns:p="http://schemas.openxmlformats.org/presentationml/2006/main">
   <p:cSld>
     <p:spTree>
@@ -11495,7 +10555,7 @@
 </p:sld>
 </file>
 
-<file path=ppt/slides/slide46.xml><?xml version="1.0" encoding="utf-8"?>
+<file path=ppt/slides/slide45.xml><?xml version="1.0" encoding="utf-8"?>
 <p:sld xmlns:a="http://schemas.openxmlformats.org/drawingml/2006/main" xmlns:r="http://schemas.openxmlformats.org/officeDocument/2006/relationships" xmlns:p="http://schemas.openxmlformats.org/presentationml/2006/main">
   <p:cSld>
     <p:spTree>
@@ -11583,7 +10643,7 @@
 </p:sld>
 </file>
 
-<file path=ppt/slides/slide47.xml><?xml version="1.0" encoding="utf-8"?>
+<file path=ppt/slides/slide46.xml><?xml version="1.0" encoding="utf-8"?>
 <p:sld xmlns:a="http://schemas.openxmlformats.org/drawingml/2006/main" xmlns:r="http://schemas.openxmlformats.org/officeDocument/2006/relationships" xmlns:p="http://schemas.openxmlformats.org/presentationml/2006/main">
   <p:cSld>
     <p:spTree>
@@ -11684,7 +10744,7 @@
 </p:sld>
 </file>
 
-<file path=ppt/slides/slide48.xml><?xml version="1.0" encoding="utf-8"?>
+<file path=ppt/slides/slide47.xml><?xml version="1.0" encoding="utf-8"?>
 <p:sld xmlns:a="http://schemas.openxmlformats.org/drawingml/2006/main" xmlns:r="http://schemas.openxmlformats.org/officeDocument/2006/relationships" xmlns:p="http://schemas.openxmlformats.org/presentationml/2006/main">
   <p:cSld>
     <p:spTree>
@@ -11783,14 +10843,14 @@
                 <a:gridCol w="3048000">
                   <a:extLst>
                     <a:ext uri="{9D8B030D-6E8A-4147-A177-3AD203B41FA5}">
-                      <a16:colId xmlns="" xmlns:a16="http://schemas.microsoft.com/office/drawing/2014/main" val="20000"/>
+                      <a16:colId xmlns:a16="http://schemas.microsoft.com/office/drawing/2014/main" val="20000"/>
                     </a:ext>
                   </a:extLst>
                 </a:gridCol>
                 <a:gridCol w="3048000">
                   <a:extLst>
                     <a:ext uri="{9D8B030D-6E8A-4147-A177-3AD203B41FA5}">
-                      <a16:colId xmlns="" xmlns:a16="http://schemas.microsoft.com/office/drawing/2014/main" val="20001"/>
+                      <a16:colId xmlns:a16="http://schemas.microsoft.com/office/drawing/2014/main" val="20001"/>
                     </a:ext>
                   </a:extLst>
                 </a:gridCol>
@@ -11836,7 +10896,7 @@
                 </a:tc>
                 <a:extLst>
                   <a:ext uri="{0D108BD9-81ED-4DB2-BD59-A6C34878D82A}">
-                    <a16:rowId xmlns="" xmlns:a16="http://schemas.microsoft.com/office/drawing/2014/main" val="10000"/>
+                    <a16:rowId xmlns:a16="http://schemas.microsoft.com/office/drawing/2014/main" val="10000"/>
                   </a:ext>
                 </a:extLst>
               </a:tr>
@@ -11871,7 +10931,7 @@
                 </a:tc>
                 <a:extLst>
                   <a:ext uri="{0D108BD9-81ED-4DB2-BD59-A6C34878D82A}">
-                    <a16:rowId xmlns="" xmlns:a16="http://schemas.microsoft.com/office/drawing/2014/main" val="10001"/>
+                    <a16:rowId xmlns:a16="http://schemas.microsoft.com/office/drawing/2014/main" val="10001"/>
                   </a:ext>
                 </a:extLst>
               </a:tr>
@@ -11906,7 +10966,7 @@
                 </a:tc>
                 <a:extLst>
                   <a:ext uri="{0D108BD9-81ED-4DB2-BD59-A6C34878D82A}">
-                    <a16:rowId xmlns="" xmlns:a16="http://schemas.microsoft.com/office/drawing/2014/main" val="10002"/>
+                    <a16:rowId xmlns:a16="http://schemas.microsoft.com/office/drawing/2014/main" val="10002"/>
                   </a:ext>
                 </a:extLst>
               </a:tr>
@@ -11946,7 +11006,7 @@
                 </a:tc>
                 <a:extLst>
                   <a:ext uri="{0D108BD9-81ED-4DB2-BD59-A6C34878D82A}">
-                    <a16:rowId xmlns="" xmlns:a16="http://schemas.microsoft.com/office/drawing/2014/main" val="10003"/>
+                    <a16:rowId xmlns:a16="http://schemas.microsoft.com/office/drawing/2014/main" val="10003"/>
                   </a:ext>
                 </a:extLst>
               </a:tr>
@@ -12139,6 +11199,124 @@
     <p:extLst>
       <p:ext uri="{BB962C8B-B14F-4D97-AF65-F5344CB8AC3E}">
         <p14:creationId xmlns:p14="http://schemas.microsoft.com/office/powerpoint/2010/main" val="3274095779"/>
+      </p:ext>
+    </p:extLst>
+  </p:cSld>
+  <p:clrMapOvr>
+    <a:masterClrMapping/>
+  </p:clrMapOvr>
+</p:sld>
+</file>
+
+<file path=ppt/slides/slide48.xml><?xml version="1.0" encoding="utf-8"?>
+<p:sld xmlns:a="http://schemas.openxmlformats.org/drawingml/2006/main" xmlns:r="http://schemas.openxmlformats.org/officeDocument/2006/relationships" xmlns:p="http://schemas.openxmlformats.org/presentationml/2006/main">
+  <p:cSld>
+    <p:spTree>
+      <p:nvGrpSpPr>
+        <p:cNvPr id="1" name=""/>
+        <p:cNvGrpSpPr/>
+        <p:nvPr/>
+      </p:nvGrpSpPr>
+      <p:grpSpPr>
+        <a:xfrm>
+          <a:off x="0" y="0"/>
+          <a:ext cx="0" cy="0"/>
+          <a:chOff x="0" y="0"/>
+          <a:chExt cx="0" cy="0"/>
+        </a:xfrm>
+      </p:grpSpPr>
+      <p:sp>
+        <p:nvSpPr>
+          <p:cNvPr id="2" name="Title 1"/>
+          <p:cNvSpPr>
+            <a:spLocks noGrp="1"/>
+          </p:cNvSpPr>
+          <p:nvPr>
+            <p:ph type="title"/>
+          </p:nvPr>
+        </p:nvSpPr>
+        <p:spPr/>
+        <p:txBody>
+          <a:bodyPr/>
+          <a:lstStyle/>
+          <a:p>
+            <a:r>
+              <a:rPr lang="en-US" dirty="0"/>
+              <a:t>VLF Trade-Offs</a:t>
+            </a:r>
+          </a:p>
+        </p:txBody>
+      </p:sp>
+      <p:sp>
+        <p:nvSpPr>
+          <p:cNvPr id="3" name="Content Placeholder 2"/>
+          <p:cNvSpPr>
+            <a:spLocks noGrp="1"/>
+          </p:cNvSpPr>
+          <p:nvPr>
+            <p:ph idx="1"/>
+          </p:nvPr>
+        </p:nvSpPr>
+        <p:spPr/>
+        <p:txBody>
+          <a:bodyPr>
+            <a:normAutofit lnSpcReduction="10000"/>
+          </a:bodyPr>
+          <a:lstStyle/>
+          <a:p>
+            <a:r>
+              <a:rPr lang="en-US" dirty="0"/>
+              <a:t>Too many VLFs create performance problems (“VLF Fragmentation”)</a:t>
+            </a:r>
+          </a:p>
+          <a:p>
+            <a:pPr lvl="1"/>
+            <a:r>
+              <a:rPr lang="en-US" dirty="0"/>
+              <a:t>Slows noticeably any time log is read</a:t>
+            </a:r>
+          </a:p>
+          <a:p>
+            <a:pPr lvl="2"/>
+            <a:r>
+              <a:rPr lang="en-US" dirty="0"/>
+              <a:t>Start-up time for database, log reader, backup &amp; restore, etc.</a:t>
+            </a:r>
+          </a:p>
+          <a:p>
+            <a:pPr lvl="1"/>
+            <a:r>
+              <a:rPr lang="en-US" dirty="0"/>
+              <a:t>But smaller VLFs are faster to allocate (zero-</a:t>
+            </a:r>
+            <a:r>
+              <a:rPr lang="en-US" dirty="0" err="1"/>
+              <a:t>init</a:t>
+            </a:r>
+            <a:r>
+              <a:rPr lang="en-US" dirty="0"/>
+              <a:t>)</a:t>
+            </a:r>
+          </a:p>
+          <a:p>
+            <a:r>
+              <a:rPr lang="en-US" dirty="0"/>
+              <a:t>Too few VLFs also create performance problems</a:t>
+            </a:r>
+          </a:p>
+          <a:p>
+            <a:pPr lvl="1"/>
+            <a:r>
+              <a:rPr lang="en-US" dirty="0"/>
+              <a:t>Clearing the log, especially when long-running transactions are happening</a:t>
+            </a:r>
+          </a:p>
+        </p:txBody>
+      </p:sp>
+    </p:spTree>
+    <p:extLst>
+      <p:ext uri="{BB962C8B-B14F-4D97-AF65-F5344CB8AC3E}">
+        <p14:creationId xmlns:p14="http://schemas.microsoft.com/office/powerpoint/2010/main" val="2035035367"/>
       </p:ext>
     </p:extLst>
   </p:cSld>
@@ -12182,7 +11360,7 @@
           <a:p>
             <a:r>
               <a:rPr lang="en-US" dirty="0"/>
-              <a:t>VLF Trade-Offs</a:t>
+              <a:t>Pre-Allocating the Log</a:t>
             </a:r>
           </a:p>
         </p:txBody>
@@ -12199,64 +11377,66 @@
         </p:nvSpPr>
         <p:spPr/>
         <p:txBody>
-          <a:bodyPr>
-            <a:normAutofit lnSpcReduction="10000"/>
-          </a:bodyPr>
+          <a:bodyPr/>
           <a:lstStyle/>
           <a:p>
             <a:r>
               <a:rPr lang="en-US" dirty="0"/>
-              <a:t>Too many VLFs create performance problems (“VLF Fragmentation”)</a:t>
+              <a:t>Why?</a:t>
             </a:r>
           </a:p>
           <a:p>
             <a:pPr lvl="1"/>
             <a:r>
               <a:rPr lang="en-US" dirty="0"/>
-              <a:t>Slows noticeably any time log is read</a:t>
+              <a:t>Eliminate VLF fragmentation</a:t>
+            </a:r>
+          </a:p>
+          <a:p>
+            <a:pPr lvl="1"/>
+            <a:r>
+              <a:rPr lang="en-US" dirty="0"/>
+              <a:t>Avoid log growth during user operations</a:t>
             </a:r>
           </a:p>
           <a:p>
             <a:pPr lvl="2"/>
             <a:r>
               <a:rPr lang="en-US" dirty="0"/>
-              <a:t>Start-up time for database, log reader, backup &amp; restore, etc.</a:t>
+              <a:t>Can be time-consuming due to zero-initialization</a:t>
+            </a:r>
+          </a:p>
+          <a:p>
+            <a:r>
+              <a:rPr lang="en-US" dirty="0"/>
+              <a:t>However, plan for auto-growth</a:t>
             </a:r>
           </a:p>
           <a:p>
             <a:pPr lvl="1"/>
             <a:r>
               <a:rPr lang="en-US" dirty="0"/>
-              <a:t>But smaller VLFs are faster to allocate (zero-</a:t>
-            </a:r>
-            <a:r>
-              <a:rPr lang="en-US" dirty="0" err="1"/>
-              <a:t>init</a:t>
-            </a:r>
-            <a:r>
-              <a:rPr lang="en-US" dirty="0"/>
-              <a:t>)</a:t>
-            </a:r>
-          </a:p>
-          <a:p>
-            <a:r>
-              <a:rPr lang="en-US" dirty="0"/>
-              <a:t>Too few VLFs also create performance problems</a:t>
+              <a:t>Set reasonable auto-growth parameters</a:t>
             </a:r>
           </a:p>
           <a:p>
             <a:pPr lvl="1"/>
             <a:r>
               <a:rPr lang="en-US" dirty="0"/>
-              <a:t>Clearing the log, especially when long-running transactions are happening</a:t>
-            </a:r>
+              <a:t>Fixed growth amount, </a:t>
+            </a:r>
+            <a:r>
+              <a:rPr lang="en-US"/>
+              <a:t>not percentage</a:t>
+            </a:r>
+            <a:endParaRPr lang="en-US" dirty="0"/>
           </a:p>
         </p:txBody>
       </p:sp>
     </p:spTree>
     <p:extLst>
       <p:ext uri="{BB962C8B-B14F-4D97-AF65-F5344CB8AC3E}">
-        <p14:creationId xmlns:p14="http://schemas.microsoft.com/office/powerpoint/2010/main" val="2035035367"/>
+        <p14:creationId xmlns:p14="http://schemas.microsoft.com/office/powerpoint/2010/main" val="1170893381"/>
       </p:ext>
     </p:extLst>
   </p:cSld>
@@ -12300,7 +11480,7 @@
           <a:p>
             <a:r>
               <a:rPr lang="en-US" dirty="0"/>
-              <a:t>Purpose of the Transaction Log</a:t>
+              <a:t>What Goes in the Transaction Log?</a:t>
             </a:r>
           </a:p>
         </p:txBody>
@@ -12317,83 +11497,68 @@
         </p:nvSpPr>
         <p:spPr/>
         <p:txBody>
-          <a:bodyPr>
-            <a:normAutofit fontScale="92500" lnSpcReduction="10000"/>
-          </a:bodyPr>
+          <a:bodyPr/>
           <a:lstStyle/>
           <a:p>
             <a:r>
-              <a:rPr lang="en-US" dirty="0"/>
-              <a:t>Primary purposes</a:t>
+              <a:rPr lang="en-US" u="sng" dirty="0"/>
+              <a:t>Everything</a:t>
+            </a:r>
+            <a:r>
+              <a:rPr lang="en-US" dirty="0"/>
+              <a:t> that modifies the state </a:t>
+            </a:r>
+            <a:r>
+              <a:rPr lang="en-US" u="sng" dirty="0"/>
+              <a:t>any</a:t>
+            </a:r>
+            <a:r>
+              <a:rPr lang="en-US" dirty="0"/>
+              <a:t> database in SQL</a:t>
             </a:r>
           </a:p>
           <a:p>
             <a:pPr lvl="1"/>
             <a:r>
               <a:rPr lang="en-US" dirty="0"/>
-              <a:t>Durability</a:t>
-            </a:r>
-          </a:p>
-          <a:p>
-            <a:pPr lvl="2"/>
-            <a:r>
-              <a:rPr lang="en-US" dirty="0"/>
-              <a:t>Write-ahead logging</a:t>
-            </a:r>
-          </a:p>
-          <a:p>
-            <a:pPr lvl="2"/>
-            <a:r>
-              <a:rPr lang="en-US" dirty="0"/>
-              <a:t>Crash recovery / restore operations</a:t>
+              <a:t>Includes data to </a:t>
+            </a:r>
+            <a:r>
+              <a:rPr lang="en-US" b="1" dirty="0"/>
+              <a:t>redo</a:t>
+            </a:r>
+            <a:r>
+              <a:rPr lang="en-US" dirty="0"/>
+              <a:t> an operation</a:t>
             </a:r>
           </a:p>
           <a:p>
             <a:pPr lvl="1"/>
             <a:r>
               <a:rPr lang="en-US" dirty="0"/>
-              <a:t>Atomicity</a:t>
-            </a:r>
-          </a:p>
-          <a:p>
-            <a:pPr lvl="1"/>
-            <a:r>
-              <a:rPr lang="en-US" dirty="0"/>
-              <a:t>Thought experiment</a:t>
-            </a:r>
-          </a:p>
-          <a:p>
-            <a:pPr lvl="2"/>
-            <a:r>
-              <a:rPr lang="en-US" dirty="0"/>
-              <a:t>What would SQL be like without a transaction log?</a:t>
-            </a:r>
-          </a:p>
-          <a:p>
-            <a:r>
-              <a:rPr lang="en-US" dirty="0"/>
-              <a:t>Secondary purposes</a:t>
-            </a:r>
-          </a:p>
-          <a:p>
-            <a:pPr lvl="1"/>
-            <a:r>
-              <a:rPr lang="en-US" dirty="0"/>
-              <a:t>Log reader (replication, CDC)</a:t>
-            </a:r>
-          </a:p>
-          <a:p>
-            <a:pPr lvl="1"/>
-            <a:r>
-              <a:rPr lang="en-US" dirty="0"/>
-              <a:t>Mirroring / Availability Groups / log shipping</a:t>
-            </a:r>
-          </a:p>
-          <a:p>
-            <a:pPr lvl="1"/>
-            <a:r>
-              <a:rPr lang="en-US" dirty="0"/>
-              <a:t>Snapshots</a:t>
+              <a:t>Includes data to </a:t>
+            </a:r>
+            <a:r>
+              <a:rPr lang="en-US" b="1" dirty="0"/>
+              <a:t>undo</a:t>
+            </a:r>
+            <a:r>
+              <a:rPr lang="en-US" dirty="0"/>
+              <a:t> an operation</a:t>
+            </a:r>
+          </a:p>
+          <a:p>
+            <a:r>
+              <a:rPr lang="en-US" sz="2400" dirty="0"/>
+              <a:t>Very limited exceptions for some </a:t>
+            </a:r>
+            <a:r>
+              <a:rPr lang="en-US" sz="2400" dirty="0" err="1"/>
+              <a:t>tempdb</a:t>
+            </a:r>
+            <a:r>
+              <a:rPr lang="en-US" sz="2400" dirty="0"/>
+              <a:t> operations</a:t>
             </a:r>
           </a:p>
         </p:txBody>
@@ -12401,7 +11566,7 @@
     </p:spTree>
     <p:extLst>
       <p:ext uri="{BB962C8B-B14F-4D97-AF65-F5344CB8AC3E}">
-        <p14:creationId xmlns:p14="http://schemas.microsoft.com/office/powerpoint/2010/main" val="1146920383"/>
+        <p14:creationId xmlns:p14="http://schemas.microsoft.com/office/powerpoint/2010/main" val="1907664427"/>
       </p:ext>
     </p:extLst>
   </p:cSld>
@@ -12412,126 +11577,6 @@
 </file>
 
 <file path=ppt/slides/slide50.xml><?xml version="1.0" encoding="utf-8"?>
-<p:sld xmlns:a="http://schemas.openxmlformats.org/drawingml/2006/main" xmlns:r="http://schemas.openxmlformats.org/officeDocument/2006/relationships" xmlns:p="http://schemas.openxmlformats.org/presentationml/2006/main">
-  <p:cSld>
-    <p:spTree>
-      <p:nvGrpSpPr>
-        <p:cNvPr id="1" name=""/>
-        <p:cNvGrpSpPr/>
-        <p:nvPr/>
-      </p:nvGrpSpPr>
-      <p:grpSpPr>
-        <a:xfrm>
-          <a:off x="0" y="0"/>
-          <a:ext cx="0" cy="0"/>
-          <a:chOff x="0" y="0"/>
-          <a:chExt cx="0" cy="0"/>
-        </a:xfrm>
-      </p:grpSpPr>
-      <p:sp>
-        <p:nvSpPr>
-          <p:cNvPr id="2" name="Title 1"/>
-          <p:cNvSpPr>
-            <a:spLocks noGrp="1"/>
-          </p:cNvSpPr>
-          <p:nvPr>
-            <p:ph type="title"/>
-          </p:nvPr>
-        </p:nvSpPr>
-        <p:spPr/>
-        <p:txBody>
-          <a:bodyPr/>
-          <a:lstStyle/>
-          <a:p>
-            <a:r>
-              <a:rPr lang="en-US" dirty="0"/>
-              <a:t>Pre-Allocating the Log</a:t>
-            </a:r>
-          </a:p>
-        </p:txBody>
-      </p:sp>
-      <p:sp>
-        <p:nvSpPr>
-          <p:cNvPr id="3" name="Content Placeholder 2"/>
-          <p:cNvSpPr>
-            <a:spLocks noGrp="1"/>
-          </p:cNvSpPr>
-          <p:nvPr>
-            <p:ph idx="1"/>
-          </p:nvPr>
-        </p:nvSpPr>
-        <p:spPr/>
-        <p:txBody>
-          <a:bodyPr/>
-          <a:lstStyle/>
-          <a:p>
-            <a:r>
-              <a:rPr lang="en-US" dirty="0"/>
-              <a:t>Why?</a:t>
-            </a:r>
-          </a:p>
-          <a:p>
-            <a:pPr lvl="1"/>
-            <a:r>
-              <a:rPr lang="en-US" dirty="0"/>
-              <a:t>Eliminate VLF fragmentation</a:t>
-            </a:r>
-          </a:p>
-          <a:p>
-            <a:pPr lvl="1"/>
-            <a:r>
-              <a:rPr lang="en-US" dirty="0"/>
-              <a:t>Avoid log growth during user operations</a:t>
-            </a:r>
-          </a:p>
-          <a:p>
-            <a:pPr lvl="2"/>
-            <a:r>
-              <a:rPr lang="en-US" dirty="0"/>
-              <a:t>Can be time-consuming due to zero-initialization</a:t>
-            </a:r>
-          </a:p>
-          <a:p>
-            <a:r>
-              <a:rPr lang="en-US" dirty="0"/>
-              <a:t>However, plan for auto-growth</a:t>
-            </a:r>
-          </a:p>
-          <a:p>
-            <a:pPr lvl="1"/>
-            <a:r>
-              <a:rPr lang="en-US" dirty="0"/>
-              <a:t>Set reasonable auto-growth parameters</a:t>
-            </a:r>
-          </a:p>
-          <a:p>
-            <a:pPr lvl="1"/>
-            <a:r>
-              <a:rPr lang="en-US" dirty="0"/>
-              <a:t>Fixed growth amount, </a:t>
-            </a:r>
-            <a:r>
-              <a:rPr lang="en-US"/>
-              <a:t>not percentage</a:t>
-            </a:r>
-            <a:endParaRPr lang="en-US" dirty="0"/>
-          </a:p>
-        </p:txBody>
-      </p:sp>
-    </p:spTree>
-    <p:extLst>
-      <p:ext uri="{BB962C8B-B14F-4D97-AF65-F5344CB8AC3E}">
-        <p14:creationId xmlns:p14="http://schemas.microsoft.com/office/powerpoint/2010/main" val="1170893381"/>
-      </p:ext>
-    </p:extLst>
-  </p:cSld>
-  <p:clrMapOvr>
-    <a:masterClrMapping/>
-  </p:clrMapOvr>
-</p:sld>
-</file>
-
-<file path=ppt/slides/slide51.xml><?xml version="1.0" encoding="utf-8"?>
 <p:sld xmlns:a="http://schemas.openxmlformats.org/drawingml/2006/main" xmlns:r="http://schemas.openxmlformats.org/officeDocument/2006/relationships" xmlns:p="http://schemas.openxmlformats.org/presentationml/2006/main">
   <p:cSld>
     <p:spTree>
@@ -12632,6 +11677,238 @@
 </p:sld>
 </file>
 
+<file path=ppt/slides/slide51.xml><?xml version="1.0" encoding="utf-8"?>
+<p:sld xmlns:a="http://schemas.openxmlformats.org/drawingml/2006/main" xmlns:r="http://schemas.openxmlformats.org/officeDocument/2006/relationships" xmlns:p="http://schemas.openxmlformats.org/presentationml/2006/main">
+  <p:cSld>
+    <p:spTree>
+      <p:nvGrpSpPr>
+        <p:cNvPr id="1" name=""/>
+        <p:cNvGrpSpPr/>
+        <p:nvPr/>
+      </p:nvGrpSpPr>
+      <p:grpSpPr>
+        <a:xfrm>
+          <a:off x="0" y="0"/>
+          <a:ext cx="0" cy="0"/>
+          <a:chOff x="0" y="0"/>
+          <a:chExt cx="0" cy="0"/>
+        </a:xfrm>
+      </p:grpSpPr>
+      <p:sp>
+        <p:nvSpPr>
+          <p:cNvPr id="2" name="Title 1"/>
+          <p:cNvSpPr>
+            <a:spLocks noGrp="1"/>
+          </p:cNvSpPr>
+          <p:nvPr>
+            <p:ph type="title"/>
+          </p:nvPr>
+        </p:nvSpPr>
+        <p:spPr/>
+        <p:txBody>
+          <a:bodyPr/>
+          <a:lstStyle/>
+          <a:p>
+            <a:r>
+              <a:rPr lang="en-US" dirty="0"/>
+              <a:t>Log Monitoring</a:t>
+            </a:r>
+          </a:p>
+        </p:txBody>
+      </p:sp>
+      <p:sp>
+        <p:nvSpPr>
+          <p:cNvPr id="3" name="Content Placeholder 2"/>
+          <p:cNvSpPr>
+            <a:spLocks noGrp="1"/>
+          </p:cNvSpPr>
+          <p:nvPr>
+            <p:ph idx="1"/>
+          </p:nvPr>
+        </p:nvSpPr>
+        <p:spPr/>
+        <p:txBody>
+          <a:bodyPr>
+            <a:normAutofit/>
+          </a:bodyPr>
+          <a:lstStyle/>
+          <a:p>
+            <a:r>
+              <a:rPr lang="en-US" dirty="0"/>
+              <a:t>Watch your VLF count</a:t>
+            </a:r>
+          </a:p>
+          <a:p>
+            <a:r>
+              <a:rPr lang="en-US" dirty="0"/>
+              <a:t>Monitor log </a:t>
+            </a:r>
+            <a:r>
+              <a:rPr lang="en-US"/>
+              <a:t>size over time</a:t>
+            </a:r>
+            <a:endParaRPr lang="en-US" dirty="0"/>
+          </a:p>
+          <a:p>
+            <a:r>
+              <a:rPr lang="en-US" dirty="0"/>
+              <a:t>Set SQL Alerts on:</a:t>
+            </a:r>
+          </a:p>
+          <a:p>
+            <a:pPr lvl="1"/>
+            <a:r>
+              <a:rPr lang="en-US" dirty="0"/>
+              <a:t>Severity 17 errors (will alert on log full)</a:t>
+            </a:r>
+          </a:p>
+          <a:p>
+            <a:pPr lvl="1"/>
+            <a:r>
+              <a:rPr lang="en-US" dirty="0"/>
+              <a:t>Error 5145</a:t>
+            </a:r>
+          </a:p>
+          <a:p>
+            <a:pPr lvl="2"/>
+            <a:r>
+              <a:rPr lang="en-US" sz="1800" b="1" dirty="0" err="1">
+                <a:solidFill>
+                  <a:srgbClr val="FF0000"/>
+                </a:solidFill>
+                <a:latin typeface="Courier New" panose="02070309020205020404" pitchFamily="49" charset="0"/>
+                <a:cs typeface="Courier New" panose="02070309020205020404" pitchFamily="49" charset="0"/>
+              </a:rPr>
+              <a:t>Autogrow</a:t>
+            </a:r>
+            <a:r>
+              <a:rPr lang="en-US" sz="1800" b="1" dirty="0">
+                <a:solidFill>
+                  <a:srgbClr val="FF0000"/>
+                </a:solidFill>
+                <a:latin typeface="Courier New" panose="02070309020205020404" pitchFamily="49" charset="0"/>
+                <a:cs typeface="Courier New" panose="02070309020205020404" pitchFamily="49" charset="0"/>
+              </a:rPr>
+              <a:t> of file '…' in database '…' was cancelled by user or timed out after xx milliseconds.</a:t>
+            </a:r>
+          </a:p>
+          <a:p>
+            <a:pPr lvl="1"/>
+            <a:r>
+              <a:rPr lang="en-US" dirty="0"/>
+              <a:t>Error 5144</a:t>
+            </a:r>
+          </a:p>
+          <a:p>
+            <a:pPr lvl="2"/>
+            <a:r>
+              <a:rPr lang="en-US" sz="1800" b="1" dirty="0" err="1">
+                <a:solidFill>
+                  <a:srgbClr val="FF0000"/>
+                </a:solidFill>
+                <a:latin typeface="Courier New" panose="02070309020205020404" pitchFamily="49" charset="0"/>
+                <a:cs typeface="Courier New" panose="02070309020205020404" pitchFamily="49" charset="0"/>
+              </a:rPr>
+              <a:t>Autogrow</a:t>
+            </a:r>
+            <a:r>
+              <a:rPr lang="en-US" sz="1800" b="1" dirty="0">
+                <a:solidFill>
+                  <a:srgbClr val="FF0000"/>
+                </a:solidFill>
+                <a:latin typeface="Courier New" panose="02070309020205020404" pitchFamily="49" charset="0"/>
+                <a:cs typeface="Courier New" panose="02070309020205020404" pitchFamily="49" charset="0"/>
+              </a:rPr>
+              <a:t> of file </a:t>
+            </a:r>
+            <a:r>
+              <a:rPr lang="en-US" sz="1800" dirty="0">
+                <a:solidFill>
+                  <a:srgbClr val="FF0000"/>
+                </a:solidFill>
+              </a:rPr>
+              <a:t>'</a:t>
+            </a:r>
+            <a:r>
+              <a:rPr lang="en-US" sz="1800" b="1" dirty="0">
+                <a:solidFill>
+                  <a:srgbClr val="FF0000"/>
+                </a:solidFill>
+                <a:latin typeface="Courier New" panose="02070309020205020404" pitchFamily="49" charset="0"/>
+                <a:cs typeface="Courier New" panose="02070309020205020404" pitchFamily="49" charset="0"/>
+              </a:rPr>
+              <a:t>…</a:t>
+            </a:r>
+            <a:r>
+              <a:rPr lang="en-US" sz="1800" dirty="0">
+                <a:solidFill>
+                  <a:srgbClr val="FF0000"/>
+                </a:solidFill>
+              </a:rPr>
+              <a:t>'</a:t>
+            </a:r>
+            <a:r>
+              <a:rPr lang="en-US" sz="1800" b="1" dirty="0">
+                <a:solidFill>
+                  <a:srgbClr val="FF0000"/>
+                </a:solidFill>
+                <a:latin typeface="Courier New" panose="02070309020205020404" pitchFamily="49" charset="0"/>
+                <a:cs typeface="Courier New" panose="02070309020205020404" pitchFamily="49" charset="0"/>
+              </a:rPr>
+              <a:t> in database </a:t>
+            </a:r>
+            <a:r>
+              <a:rPr lang="en-US" sz="1800" dirty="0">
+                <a:solidFill>
+                  <a:srgbClr val="FF0000"/>
+                </a:solidFill>
+              </a:rPr>
+              <a:t>'</a:t>
+            </a:r>
+            <a:r>
+              <a:rPr lang="en-US" sz="1800" b="1" dirty="0">
+                <a:solidFill>
+                  <a:srgbClr val="FF0000"/>
+                </a:solidFill>
+                <a:latin typeface="Courier New" panose="02070309020205020404" pitchFamily="49" charset="0"/>
+                <a:cs typeface="Courier New" panose="02070309020205020404" pitchFamily="49" charset="0"/>
+              </a:rPr>
+              <a:t>…</a:t>
+            </a:r>
+            <a:r>
+              <a:rPr lang="en-US" sz="1800" dirty="0">
+                <a:solidFill>
+                  <a:srgbClr val="FF0000"/>
+                </a:solidFill>
+              </a:rPr>
+              <a:t>'</a:t>
+            </a:r>
+            <a:r>
+              <a:rPr lang="en-US" sz="1800" b="1" dirty="0">
+                <a:solidFill>
+                  <a:srgbClr val="FF0000"/>
+                </a:solidFill>
+                <a:latin typeface="Courier New" panose="02070309020205020404" pitchFamily="49" charset="0"/>
+                <a:cs typeface="Courier New" panose="02070309020205020404" pitchFamily="49" charset="0"/>
+              </a:rPr>
+              <a:t> took xx milliseconds.</a:t>
+            </a:r>
+          </a:p>
+        </p:txBody>
+      </p:sp>
+    </p:spTree>
+    <p:extLst>
+      <p:ext uri="{BB962C8B-B14F-4D97-AF65-F5344CB8AC3E}">
+        <p14:creationId xmlns:p14="http://schemas.microsoft.com/office/powerpoint/2010/main" val="2782776955"/>
+      </p:ext>
+    </p:extLst>
+  </p:cSld>
+  <p:clrMapOvr>
+    <a:masterClrMapping/>
+  </p:clrMapOvr>
+</p:sld>
+</file>
+
 <file path=ppt/slides/slide52.xml><?xml version="1.0" encoding="utf-8"?>
 <p:sld xmlns:a="http://schemas.openxmlformats.org/drawingml/2006/main" xmlns:r="http://schemas.openxmlformats.org/officeDocument/2006/relationships" xmlns:p="http://schemas.openxmlformats.org/presentationml/2006/main">
   <p:cSld>
@@ -12666,7 +11943,7 @@
           <a:p>
             <a:r>
               <a:rPr lang="en-US" dirty="0"/>
-              <a:t>Log Monitoring</a:t>
+              <a:t>Log Monitoring, continued</a:t>
             </a:r>
           </a:p>
         </p:txBody>
@@ -12684,177 +11961,646 @@
         <p:spPr/>
         <p:txBody>
           <a:bodyPr>
-            <a:normAutofit/>
+            <a:normAutofit lnSpcReduction="10000"/>
           </a:bodyPr>
           <a:lstStyle/>
           <a:p>
             <a:r>
-              <a:rPr lang="en-US" dirty="0"/>
-              <a:t>Watch your VLF count</a:t>
-            </a:r>
-          </a:p>
-          <a:p>
-            <a:r>
-              <a:rPr lang="en-US" dirty="0"/>
-              <a:t>Monitor log </a:t>
+              <a:rPr lang="en-US" dirty="0" err="1"/>
+              <a:t>PerfMon</a:t>
+            </a:r>
+            <a:r>
+              <a:rPr lang="en-US" dirty="0"/>
+              <a:t> counters</a:t>
+            </a:r>
+          </a:p>
+          <a:p>
+            <a:pPr lvl="1"/>
+            <a:r>
+              <a:rPr lang="en-US" dirty="0"/>
+              <a:t>One row per counter per database (plus rollup)</a:t>
+            </a:r>
+          </a:p>
+          <a:p>
+            <a:pPr lvl="1"/>
+            <a:r>
+              <a:rPr lang="en-US" dirty="0"/>
+              <a:t>Paul </a:t>
             </a:r>
             <a:r>
               <a:rPr lang="en-US"/>
-              <a:t>size over time</a:t>
-            </a:r>
+              <a:t>Randal </a:t>
+            </a:r>
+            <a:r>
+              <a:rPr lang="en-US">
+                <a:hlinkClick r:id="rId2"/>
+              </a:rPr>
+              <a:t>explains</a:t>
+            </a:r>
+            <a:r>
+              <a:rPr lang="en-US"/>
+              <a:t> what </a:t>
+            </a:r>
+            <a:r>
+              <a:rPr lang="en-US" dirty="0"/>
+              <a:t>to look for.</a:t>
+            </a:r>
+          </a:p>
+          <a:p>
+            <a:pPr lvl="1"/>
             <a:endParaRPr lang="en-US" dirty="0"/>
           </a:p>
           <a:p>
-            <a:r>
-              <a:rPr lang="en-US" dirty="0"/>
-              <a:t>Set SQL Alerts on:</a:t>
-            </a:r>
-          </a:p>
-          <a:p>
-            <a:pPr lvl="1"/>
-            <a:r>
-              <a:rPr lang="en-US" dirty="0"/>
-              <a:t>Severity 17 errors (will alert on log full)</a:t>
-            </a:r>
-          </a:p>
-          <a:p>
-            <a:pPr lvl="1"/>
-            <a:r>
-              <a:rPr lang="en-US" dirty="0"/>
-              <a:t>Error 5145</a:t>
-            </a:r>
-          </a:p>
-          <a:p>
-            <a:pPr lvl="2"/>
-            <a:r>
-              <a:rPr lang="en-US" sz="1800" b="1" dirty="0" err="1">
+            <a:pPr marL="0" indent="0">
+              <a:buNone/>
+            </a:pPr>
+            <a:r>
+              <a:rPr lang="en-US" sz="2400" dirty="0">
+                <a:solidFill>
+                  <a:srgbClr val="0000FF"/>
+                </a:solidFill>
+                <a:highlight>
+                  <a:srgbClr val="FFFFFF"/>
+                </a:highlight>
+                <a:latin typeface="Consolas" panose="020B0609020204030204" pitchFamily="49" charset="0"/>
+              </a:rPr>
+              <a:t>select</a:t>
+            </a:r>
+            <a:r>
+              <a:rPr lang="en-US" sz="2400" dirty="0">
+                <a:solidFill>
+                  <a:srgbClr val="000000"/>
+                </a:solidFill>
+                <a:highlight>
+                  <a:srgbClr val="FFFFFF"/>
+                </a:highlight>
+                <a:latin typeface="Consolas" panose="020B0609020204030204" pitchFamily="49" charset="0"/>
+              </a:rPr>
+              <a:t> </a:t>
+            </a:r>
+            <a:r>
+              <a:rPr lang="en-US" sz="2400" dirty="0" err="1">
+                <a:solidFill>
+                  <a:srgbClr val="FF00FF"/>
+                </a:solidFill>
+                <a:highlight>
+                  <a:srgbClr val="FFFFFF"/>
+                </a:highlight>
+                <a:latin typeface="Consolas" panose="020B0609020204030204" pitchFamily="49" charset="0"/>
+              </a:rPr>
+              <a:t>object_name</a:t>
+            </a:r>
+            <a:r>
+              <a:rPr lang="en-US" sz="2400" dirty="0">
+                <a:solidFill>
+                  <a:srgbClr val="808080"/>
+                </a:solidFill>
+                <a:highlight>
+                  <a:srgbClr val="FFFFFF"/>
+                </a:highlight>
+                <a:latin typeface="Consolas" panose="020B0609020204030204" pitchFamily="49" charset="0"/>
+              </a:rPr>
+              <a:t>,</a:t>
+            </a:r>
+            <a:r>
+              <a:rPr lang="en-US" sz="2400" dirty="0">
+                <a:solidFill>
+                  <a:srgbClr val="000000"/>
+                </a:solidFill>
+                <a:highlight>
+                  <a:srgbClr val="FFFFFF"/>
+                </a:highlight>
+                <a:latin typeface="Consolas" panose="020B0609020204030204" pitchFamily="49" charset="0"/>
+              </a:rPr>
+              <a:t> </a:t>
+            </a:r>
+            <a:r>
+              <a:rPr lang="en-US" sz="2400" dirty="0" err="1">
+                <a:solidFill>
+                  <a:srgbClr val="000000"/>
+                </a:solidFill>
+                <a:highlight>
+                  <a:srgbClr val="FFFFFF"/>
+                </a:highlight>
+                <a:latin typeface="Consolas" panose="020B0609020204030204" pitchFamily="49" charset="0"/>
+              </a:rPr>
+              <a:t>counter_name</a:t>
+            </a:r>
+            <a:r>
+              <a:rPr lang="en-US" sz="2400" dirty="0">
+                <a:solidFill>
+                  <a:srgbClr val="808080"/>
+                </a:solidFill>
+                <a:highlight>
+                  <a:srgbClr val="FFFFFF"/>
+                </a:highlight>
+                <a:latin typeface="Consolas" panose="020B0609020204030204" pitchFamily="49" charset="0"/>
+              </a:rPr>
+              <a:t>,</a:t>
+            </a:r>
+            <a:r>
+              <a:rPr lang="en-US" sz="2400" dirty="0">
+                <a:solidFill>
+                  <a:srgbClr val="000000"/>
+                </a:solidFill>
+                <a:highlight>
+                  <a:srgbClr val="FFFFFF"/>
+                </a:highlight>
+                <a:latin typeface="Consolas" panose="020B0609020204030204" pitchFamily="49" charset="0"/>
+              </a:rPr>
+              <a:t> </a:t>
+            </a:r>
+            <a:r>
+              <a:rPr lang="en-US" sz="2400" dirty="0" err="1">
+                <a:solidFill>
+                  <a:srgbClr val="000000"/>
+                </a:solidFill>
+                <a:highlight>
+                  <a:srgbClr val="FFFFFF"/>
+                </a:highlight>
+                <a:latin typeface="Consolas" panose="020B0609020204030204" pitchFamily="49" charset="0"/>
+              </a:rPr>
+              <a:t>instance_name</a:t>
+            </a:r>
+            <a:r>
+              <a:rPr lang="en-US" sz="2400" dirty="0">
+                <a:solidFill>
+                  <a:srgbClr val="808080"/>
+                </a:solidFill>
+                <a:highlight>
+                  <a:srgbClr val="FFFFFF"/>
+                </a:highlight>
+                <a:latin typeface="Consolas" panose="020B0609020204030204" pitchFamily="49" charset="0"/>
+              </a:rPr>
+              <a:t>,</a:t>
+            </a:r>
+            <a:r>
+              <a:rPr lang="en-US" sz="2400" dirty="0">
+                <a:solidFill>
+                  <a:srgbClr val="000000"/>
+                </a:solidFill>
+                <a:highlight>
+                  <a:srgbClr val="FFFFFF"/>
+                </a:highlight>
+                <a:latin typeface="Consolas" panose="020B0609020204030204" pitchFamily="49" charset="0"/>
+              </a:rPr>
+              <a:t> </a:t>
+            </a:r>
+            <a:r>
+              <a:rPr lang="en-US" sz="2400" dirty="0" err="1">
+                <a:solidFill>
+                  <a:srgbClr val="000000"/>
+                </a:solidFill>
+                <a:highlight>
+                  <a:srgbClr val="FFFFFF"/>
+                </a:highlight>
+                <a:latin typeface="Consolas" panose="020B0609020204030204" pitchFamily="49" charset="0"/>
+              </a:rPr>
+              <a:t>cntr_value</a:t>
+            </a:r>
+            <a:endParaRPr lang="en-US" sz="2400" dirty="0">
+              <a:solidFill>
+                <a:srgbClr val="000000"/>
+              </a:solidFill>
+              <a:highlight>
+                <a:srgbClr val="FFFFFF"/>
+              </a:highlight>
+              <a:latin typeface="Consolas" panose="020B0609020204030204" pitchFamily="49" charset="0"/>
+            </a:endParaRPr>
+          </a:p>
+          <a:p>
+            <a:pPr marL="0" indent="0">
+              <a:buNone/>
+            </a:pPr>
+            <a:r>
+              <a:rPr lang="en-US" sz="2400" dirty="0">
+                <a:solidFill>
+                  <a:srgbClr val="0000FF"/>
+                </a:solidFill>
+                <a:highlight>
+                  <a:srgbClr val="FFFFFF"/>
+                </a:highlight>
+                <a:latin typeface="Consolas" panose="020B0609020204030204" pitchFamily="49" charset="0"/>
+              </a:rPr>
+              <a:t>from</a:t>
+            </a:r>
+            <a:r>
+              <a:rPr lang="en-US" sz="2400" dirty="0">
+                <a:solidFill>
+                  <a:srgbClr val="000000"/>
+                </a:solidFill>
+                <a:highlight>
+                  <a:srgbClr val="FFFFFF"/>
+                </a:highlight>
+                <a:latin typeface="Consolas" panose="020B0609020204030204" pitchFamily="49" charset="0"/>
+              </a:rPr>
+              <a:t> </a:t>
+            </a:r>
+            <a:r>
+              <a:rPr lang="en-US" sz="2400" dirty="0" err="1">
+                <a:solidFill>
+                  <a:srgbClr val="00FF00"/>
+                </a:solidFill>
+                <a:highlight>
+                  <a:srgbClr val="FFFFFF"/>
+                </a:highlight>
+                <a:latin typeface="Consolas" panose="020B0609020204030204" pitchFamily="49" charset="0"/>
+              </a:rPr>
+              <a:t>sys</a:t>
+            </a:r>
+            <a:r>
+              <a:rPr lang="en-US" sz="2400" dirty="0" err="1">
+                <a:solidFill>
+                  <a:srgbClr val="808080"/>
+                </a:solidFill>
+                <a:highlight>
+                  <a:srgbClr val="FFFFFF"/>
+                </a:highlight>
+                <a:latin typeface="Consolas" panose="020B0609020204030204" pitchFamily="49" charset="0"/>
+              </a:rPr>
+              <a:t>.</a:t>
+            </a:r>
+            <a:r>
+              <a:rPr lang="en-US" sz="2400" dirty="0" err="1">
+                <a:solidFill>
+                  <a:srgbClr val="00FF00"/>
+                </a:solidFill>
+                <a:highlight>
+                  <a:srgbClr val="FFFFFF"/>
+                </a:highlight>
+                <a:latin typeface="Consolas" panose="020B0609020204030204" pitchFamily="49" charset="0"/>
+              </a:rPr>
+              <a:t>dm_os_performance_counters</a:t>
+            </a:r>
+            <a:endParaRPr lang="en-US" sz="2400" dirty="0">
+              <a:solidFill>
+                <a:srgbClr val="000000"/>
+              </a:solidFill>
+              <a:highlight>
+                <a:srgbClr val="FFFFFF"/>
+              </a:highlight>
+              <a:latin typeface="Consolas" panose="020B0609020204030204" pitchFamily="49" charset="0"/>
+            </a:endParaRPr>
+          </a:p>
+          <a:p>
+            <a:pPr marL="0" indent="0">
+              <a:buNone/>
+            </a:pPr>
+            <a:r>
+              <a:rPr lang="en-US" sz="2400" dirty="0">
+                <a:solidFill>
+                  <a:srgbClr val="0000FF"/>
+                </a:solidFill>
+                <a:highlight>
+                  <a:srgbClr val="FFFFFF"/>
+                </a:highlight>
+                <a:latin typeface="Consolas" panose="020B0609020204030204" pitchFamily="49" charset="0"/>
+              </a:rPr>
+              <a:t>where</a:t>
+            </a:r>
+            <a:r>
+              <a:rPr lang="en-US" sz="2400" dirty="0">
+                <a:solidFill>
+                  <a:srgbClr val="000000"/>
+                </a:solidFill>
+                <a:highlight>
+                  <a:srgbClr val="FFFFFF"/>
+                </a:highlight>
+                <a:latin typeface="Consolas" panose="020B0609020204030204" pitchFamily="49" charset="0"/>
+              </a:rPr>
+              <a:t> </a:t>
+            </a:r>
+            <a:r>
+              <a:rPr lang="en-US" sz="2400" dirty="0" err="1">
+                <a:solidFill>
+                  <a:srgbClr val="000000"/>
+                </a:solidFill>
+                <a:highlight>
+                  <a:srgbClr val="FFFFFF"/>
+                </a:highlight>
+                <a:latin typeface="Consolas" panose="020B0609020204030204" pitchFamily="49" charset="0"/>
+              </a:rPr>
+              <a:t>counter_name</a:t>
+            </a:r>
+            <a:r>
+              <a:rPr lang="en-US" sz="2400" dirty="0">
+                <a:solidFill>
+                  <a:srgbClr val="000000"/>
+                </a:solidFill>
+                <a:highlight>
+                  <a:srgbClr val="FFFFFF"/>
+                </a:highlight>
+                <a:latin typeface="Consolas" panose="020B0609020204030204" pitchFamily="49" charset="0"/>
+              </a:rPr>
+              <a:t> </a:t>
+            </a:r>
+            <a:r>
+              <a:rPr lang="en-US" sz="2400" dirty="0">
+                <a:solidFill>
+                  <a:srgbClr val="808080"/>
+                </a:solidFill>
+                <a:highlight>
+                  <a:srgbClr val="FFFFFF"/>
+                </a:highlight>
+                <a:latin typeface="Consolas" panose="020B0609020204030204" pitchFamily="49" charset="0"/>
+              </a:rPr>
+              <a:t>in</a:t>
+            </a:r>
+            <a:r>
+              <a:rPr lang="en-US" sz="2400" dirty="0">
+                <a:solidFill>
+                  <a:srgbClr val="0000FF"/>
+                </a:solidFill>
+                <a:highlight>
+                  <a:srgbClr val="FFFFFF"/>
+                </a:highlight>
+                <a:latin typeface="Consolas" panose="020B0609020204030204" pitchFamily="49" charset="0"/>
+              </a:rPr>
+              <a:t> </a:t>
+            </a:r>
+            <a:r>
+              <a:rPr lang="en-US" sz="2400" dirty="0">
+                <a:solidFill>
+                  <a:srgbClr val="808080"/>
+                </a:solidFill>
+                <a:highlight>
+                  <a:srgbClr val="FFFFFF"/>
+                </a:highlight>
+                <a:latin typeface="Consolas" panose="020B0609020204030204" pitchFamily="49" charset="0"/>
+              </a:rPr>
+              <a:t>(</a:t>
+            </a:r>
+            <a:r>
+              <a:rPr lang="en-US" sz="2400" dirty="0">
                 <a:solidFill>
                   <a:srgbClr val="FF0000"/>
                 </a:solidFill>
-                <a:latin typeface="Courier New" panose="02070309020205020404" pitchFamily="49" charset="0"/>
-                <a:cs typeface="Courier New" panose="02070309020205020404" pitchFamily="49" charset="0"/>
+                <a:highlight>
+                  <a:srgbClr val="FFFFFF"/>
+                </a:highlight>
+                <a:latin typeface="Consolas" panose="020B0609020204030204" pitchFamily="49" charset="0"/>
               </a:rPr>
-              <a:t>Autogrow</a:t>
-            </a:r>
-            <a:r>
-              <a:rPr lang="en-US" sz="1800" b="1" dirty="0">
+              <a:t>'Log Growths'</a:t>
+            </a:r>
+            <a:r>
+              <a:rPr lang="en-US" sz="2400" dirty="0">
+                <a:solidFill>
+                  <a:srgbClr val="808080"/>
+                </a:solidFill>
+                <a:highlight>
+                  <a:srgbClr val="FFFFFF"/>
+                </a:highlight>
+                <a:latin typeface="Consolas" panose="020B0609020204030204" pitchFamily="49" charset="0"/>
+              </a:rPr>
+              <a:t>,</a:t>
+            </a:r>
+            <a:r>
+              <a:rPr lang="en-US" sz="2400" dirty="0">
+                <a:solidFill>
+                  <a:srgbClr val="000000"/>
+                </a:solidFill>
+                <a:highlight>
+                  <a:srgbClr val="FFFFFF"/>
+                </a:highlight>
+                <a:latin typeface="Consolas" panose="020B0609020204030204" pitchFamily="49" charset="0"/>
+              </a:rPr>
+              <a:t> </a:t>
+            </a:r>
+            <a:r>
+              <a:rPr lang="en-US" sz="2400" dirty="0">
                 <a:solidFill>
                   <a:srgbClr val="FF0000"/>
                 </a:solidFill>
-                <a:latin typeface="Courier New" panose="02070309020205020404" pitchFamily="49" charset="0"/>
-                <a:cs typeface="Courier New" panose="02070309020205020404" pitchFamily="49" charset="0"/>
+                <a:highlight>
+                  <a:srgbClr val="FFFFFF"/>
+                </a:highlight>
+                <a:latin typeface="Consolas" panose="020B0609020204030204" pitchFamily="49" charset="0"/>
               </a:rPr>
-              <a:t> of file '…' in database '…' was cancelled by user or timed out after xx milliseconds.</a:t>
-            </a:r>
-          </a:p>
-          <a:p>
-            <a:pPr lvl="1"/>
-            <a:r>
-              <a:rPr lang="en-US" dirty="0"/>
-              <a:t>Error 5144</a:t>
-            </a:r>
-          </a:p>
-          <a:p>
-            <a:pPr lvl="2"/>
-            <a:r>
-              <a:rPr lang="en-US" sz="1800" b="1" dirty="0" err="1">
+              <a:t>'Log Shrinks'</a:t>
+            </a:r>
+            <a:r>
+              <a:rPr lang="en-US" sz="2400" dirty="0">
+                <a:solidFill>
+                  <a:srgbClr val="808080"/>
+                </a:solidFill>
+                <a:highlight>
+                  <a:srgbClr val="FFFFFF"/>
+                </a:highlight>
+                <a:latin typeface="Consolas" panose="020B0609020204030204" pitchFamily="49" charset="0"/>
+              </a:rPr>
+              <a:t>,</a:t>
+            </a:r>
+            <a:r>
+              <a:rPr lang="en-US" sz="2400" dirty="0">
+                <a:solidFill>
+                  <a:srgbClr val="000000"/>
+                </a:solidFill>
+                <a:highlight>
+                  <a:srgbClr val="FFFFFF"/>
+                </a:highlight>
+                <a:latin typeface="Consolas" panose="020B0609020204030204" pitchFamily="49" charset="0"/>
+              </a:rPr>
+              <a:t> </a:t>
+            </a:r>
+            <a:r>
+              <a:rPr lang="en-US" sz="2400" dirty="0">
                 <a:solidFill>
                   <a:srgbClr val="FF0000"/>
                 </a:solidFill>
-                <a:latin typeface="Courier New" panose="02070309020205020404" pitchFamily="49" charset="0"/>
-                <a:cs typeface="Courier New" panose="02070309020205020404" pitchFamily="49" charset="0"/>
+                <a:highlight>
+                  <a:srgbClr val="FFFFFF"/>
+                </a:highlight>
+                <a:latin typeface="Consolas" panose="020B0609020204030204" pitchFamily="49" charset="0"/>
               </a:rPr>
-              <a:t>Autogrow</a:t>
-            </a:r>
-            <a:r>
-              <a:rPr lang="en-US" sz="1800" b="1" dirty="0">
+              <a:t>'Percent Log Used'</a:t>
+            </a:r>
+            <a:r>
+              <a:rPr lang="en-US" sz="2400" dirty="0">
+                <a:solidFill>
+                  <a:srgbClr val="808080"/>
+                </a:solidFill>
+                <a:highlight>
+                  <a:srgbClr val="FFFFFF"/>
+                </a:highlight>
+                <a:latin typeface="Consolas" panose="020B0609020204030204" pitchFamily="49" charset="0"/>
+              </a:rPr>
+              <a:t>,</a:t>
+            </a:r>
+            <a:r>
+              <a:rPr lang="en-US" sz="2400" dirty="0">
+                <a:solidFill>
+                  <a:srgbClr val="000000"/>
+                </a:solidFill>
+                <a:highlight>
+                  <a:srgbClr val="FFFFFF"/>
+                </a:highlight>
+                <a:latin typeface="Consolas" panose="020B0609020204030204" pitchFamily="49" charset="0"/>
+              </a:rPr>
+              <a:t> </a:t>
+            </a:r>
+            <a:r>
+              <a:rPr lang="en-US" sz="2400" dirty="0">
                 <a:solidFill>
                   <a:srgbClr val="FF0000"/>
                 </a:solidFill>
-                <a:latin typeface="Courier New" panose="02070309020205020404" pitchFamily="49" charset="0"/>
-                <a:cs typeface="Courier New" panose="02070309020205020404" pitchFamily="49" charset="0"/>
+                <a:highlight>
+                  <a:srgbClr val="FFFFFF"/>
+                </a:highlight>
+                <a:latin typeface="Consolas" panose="020B0609020204030204" pitchFamily="49" charset="0"/>
               </a:rPr>
-              <a:t> of file </a:t>
-            </a:r>
-            <a:r>
-              <a:rPr lang="en-US" sz="1800" dirty="0">
+              <a:t>'Log Flush Waits/sec'</a:t>
+            </a:r>
+            <a:r>
+              <a:rPr lang="en-US" sz="2400" dirty="0">
+                <a:solidFill>
+                  <a:srgbClr val="808080"/>
+                </a:solidFill>
+                <a:highlight>
+                  <a:srgbClr val="FFFFFF"/>
+                </a:highlight>
+                <a:latin typeface="Consolas" panose="020B0609020204030204" pitchFamily="49" charset="0"/>
+              </a:rPr>
+              <a:t>,</a:t>
+            </a:r>
+            <a:r>
+              <a:rPr lang="en-US" sz="2400" dirty="0">
+                <a:solidFill>
+                  <a:srgbClr val="000000"/>
+                </a:solidFill>
+                <a:highlight>
+                  <a:srgbClr val="FFFFFF"/>
+                </a:highlight>
+                <a:latin typeface="Consolas" panose="020B0609020204030204" pitchFamily="49" charset="0"/>
+              </a:rPr>
+              <a:t> </a:t>
+            </a:r>
+            <a:r>
+              <a:rPr lang="en-US" sz="2400" dirty="0">
                 <a:solidFill>
                   <a:srgbClr val="FF0000"/>
                 </a:solidFill>
+                <a:highlight>
+                  <a:srgbClr val="FFFFFF"/>
+                </a:highlight>
+                <a:latin typeface="Consolas" panose="020B0609020204030204" pitchFamily="49" charset="0"/>
               </a:rPr>
-              <a:t>'</a:t>
-            </a:r>
-            <a:r>
-              <a:rPr lang="en-US" sz="1800" b="1" dirty="0">
+              <a:t>'Log Bytes Flushed/sec'</a:t>
+            </a:r>
+            <a:r>
+              <a:rPr lang="en-US" sz="2400" dirty="0">
+                <a:solidFill>
+                  <a:srgbClr val="808080"/>
+                </a:solidFill>
+                <a:highlight>
+                  <a:srgbClr val="FFFFFF"/>
+                </a:highlight>
+                <a:latin typeface="Consolas" panose="020B0609020204030204" pitchFamily="49" charset="0"/>
+              </a:rPr>
+              <a:t>,</a:t>
+            </a:r>
+            <a:r>
+              <a:rPr lang="en-US" sz="2400" dirty="0">
+                <a:solidFill>
+                  <a:srgbClr val="000000"/>
+                </a:solidFill>
+                <a:highlight>
+                  <a:srgbClr val="FFFFFF"/>
+                </a:highlight>
+                <a:latin typeface="Consolas" panose="020B0609020204030204" pitchFamily="49" charset="0"/>
+              </a:rPr>
+              <a:t> </a:t>
+            </a:r>
+            <a:r>
+              <a:rPr lang="en-US" sz="2400" dirty="0">
                 <a:solidFill>
                   <a:srgbClr val="FF0000"/>
                 </a:solidFill>
-                <a:latin typeface="Courier New" panose="02070309020205020404" pitchFamily="49" charset="0"/>
-                <a:cs typeface="Courier New" panose="02070309020205020404" pitchFamily="49" charset="0"/>
+                <a:highlight>
+                  <a:srgbClr val="FFFFFF"/>
+                </a:highlight>
+                <a:latin typeface="Consolas" panose="020B0609020204030204" pitchFamily="49" charset="0"/>
               </a:rPr>
-              <a:t>…</a:t>
-            </a:r>
-            <a:r>
-              <a:rPr lang="en-US" sz="1800" dirty="0">
-                <a:solidFill>
-                  <a:srgbClr val="FF0000"/>
-                </a:solidFill>
+              <a:t>'Log Flushes/sec'</a:t>
+            </a:r>
+            <a:r>
+              <a:rPr lang="en-US" sz="2400" dirty="0">
+                <a:solidFill>
+                  <a:srgbClr val="808080"/>
+                </a:solidFill>
+                <a:highlight>
+                  <a:srgbClr val="FFFFFF"/>
+                </a:highlight>
+                <a:latin typeface="Consolas" panose="020B0609020204030204" pitchFamily="49" charset="0"/>
               </a:rPr>
-              <a:t>'</a:t>
-            </a:r>
-            <a:r>
-              <a:rPr lang="en-US" sz="1800" b="1" dirty="0">
-                <a:solidFill>
-                  <a:srgbClr val="FF0000"/>
-                </a:solidFill>
-                <a:latin typeface="Courier New" panose="02070309020205020404" pitchFamily="49" charset="0"/>
-                <a:cs typeface="Courier New" panose="02070309020205020404" pitchFamily="49" charset="0"/>
-              </a:rPr>
-              <a:t> in database </a:t>
-            </a:r>
-            <a:r>
-              <a:rPr lang="en-US" sz="1800" dirty="0">
-                <a:solidFill>
-                  <a:srgbClr val="FF0000"/>
-                </a:solidFill>
-              </a:rPr>
-              <a:t>'</a:t>
-            </a:r>
-            <a:r>
-              <a:rPr lang="en-US" sz="1800" b="1" dirty="0">
-                <a:solidFill>
-                  <a:srgbClr val="FF0000"/>
-                </a:solidFill>
-                <a:latin typeface="Courier New" panose="02070309020205020404" pitchFamily="49" charset="0"/>
-                <a:cs typeface="Courier New" panose="02070309020205020404" pitchFamily="49" charset="0"/>
-              </a:rPr>
-              <a:t>…</a:t>
-            </a:r>
-            <a:r>
-              <a:rPr lang="en-US" sz="1800" dirty="0">
-                <a:solidFill>
-                  <a:srgbClr val="FF0000"/>
-                </a:solidFill>
-              </a:rPr>
-              <a:t>'</a:t>
-            </a:r>
-            <a:r>
-              <a:rPr lang="en-US" sz="1800" b="1" dirty="0">
-                <a:solidFill>
-                  <a:srgbClr val="FF0000"/>
-                </a:solidFill>
-                <a:latin typeface="Courier New" panose="02070309020205020404" pitchFamily="49" charset="0"/>
-                <a:cs typeface="Courier New" panose="02070309020205020404" pitchFamily="49" charset="0"/>
-              </a:rPr>
-              <a:t> took xx milliseconds.</a:t>
-            </a:r>
+              <a:t>);</a:t>
+            </a:r>
+            <a:endParaRPr lang="en-US" sz="2400" dirty="0">
+              <a:solidFill>
+                <a:srgbClr val="000000"/>
+              </a:solidFill>
+              <a:highlight>
+                <a:srgbClr val="FFFFFF"/>
+              </a:highlight>
+              <a:latin typeface="Consolas" panose="020B0609020204030204" pitchFamily="49" charset="0"/>
+            </a:endParaRPr>
+          </a:p>
+        </p:txBody>
+      </p:sp>
+      <p:sp>
+        <p:nvSpPr>
+          <p:cNvPr id="4" name="Footer Placeholder 3"/>
+          <p:cNvSpPr>
+            <a:spLocks noGrp="1"/>
+          </p:cNvSpPr>
+          <p:nvPr>
+            <p:ph type="ftr" sz="quarter" idx="3"/>
+          </p:nvPr>
+        </p:nvSpPr>
+        <p:spPr/>
+        <p:txBody>
+          <a:bodyPr/>
+          <a:lstStyle/>
+          <a:p>
+            <a:r>
+              <a:rPr lang="en-US"/>
+              <a:t>3/25/2017</a:t>
+            </a:r>
+            <a:endParaRPr lang="en-US" dirty="0"/>
+          </a:p>
+        </p:txBody>
+      </p:sp>
+      <p:sp>
+        <p:nvSpPr>
+          <p:cNvPr id="5" name="Slide Number Placeholder 4"/>
+          <p:cNvSpPr>
+            <a:spLocks noGrp="1"/>
+          </p:cNvSpPr>
+          <p:nvPr>
+            <p:ph type="sldNum" sz="quarter" idx="4"/>
+          </p:nvPr>
+        </p:nvSpPr>
+        <p:spPr/>
+        <p:txBody>
+          <a:bodyPr/>
+          <a:lstStyle/>
+          <a:p>
+            <a:fld id="{87FD5303-69AD-2E4D-B18B-E5EED0F0A60B}" type="slidenum">
+              <a:rPr lang="en-US" smtClean="0"/>
+              <a:pPr/>
+              <a:t>52</a:t>
+            </a:fld>
+            <a:r>
+              <a:rPr lang="en-US"/>
+              <a:t>  |  </a:t>
+            </a:r>
+            <a:endParaRPr lang="en-US" dirty="0"/>
           </a:p>
         </p:txBody>
       </p:sp>
     </p:spTree>
     <p:extLst>
       <p:ext uri="{BB962C8B-B14F-4D97-AF65-F5344CB8AC3E}">
-        <p14:creationId xmlns:p14="http://schemas.microsoft.com/office/powerpoint/2010/main" val="2782776955"/>
+        <p14:creationId xmlns:p14="http://schemas.microsoft.com/office/powerpoint/2010/main" val="3620500893"/>
       </p:ext>
     </p:extLst>
   </p:cSld>
@@ -12897,731 +12643,6 @@
           <a:lstStyle/>
           <a:p>
             <a:r>
-              <a:rPr lang="en-US" dirty="0" smtClean="0"/>
-              <a:t>Log Monitoring, continued</a:t>
-            </a:r>
-            <a:endParaRPr lang="en-US" dirty="0"/>
-          </a:p>
-        </p:txBody>
-      </p:sp>
-      <p:sp>
-        <p:nvSpPr>
-          <p:cNvPr id="3" name="Content Placeholder 2"/>
-          <p:cNvSpPr>
-            <a:spLocks noGrp="1"/>
-          </p:cNvSpPr>
-          <p:nvPr>
-            <p:ph idx="1"/>
-          </p:nvPr>
-        </p:nvSpPr>
-        <p:spPr/>
-        <p:txBody>
-          <a:bodyPr>
-            <a:normAutofit lnSpcReduction="10000"/>
-          </a:bodyPr>
-          <a:lstStyle/>
-          <a:p>
-            <a:r>
-              <a:rPr lang="en-US" dirty="0" err="1" smtClean="0"/>
-              <a:t>PerfMon</a:t>
-            </a:r>
-            <a:r>
-              <a:rPr lang="en-US" dirty="0" smtClean="0"/>
-              <a:t> counters</a:t>
-            </a:r>
-          </a:p>
-          <a:p>
-            <a:pPr lvl="1"/>
-            <a:r>
-              <a:rPr lang="en-US" dirty="0" smtClean="0"/>
-              <a:t>One row per counter per database (plus rollup)</a:t>
-            </a:r>
-          </a:p>
-          <a:p>
-            <a:pPr lvl="1"/>
-            <a:r>
-              <a:rPr lang="en-US" dirty="0"/>
-              <a:t>Paul </a:t>
-            </a:r>
-            <a:r>
-              <a:rPr lang="en-US"/>
-              <a:t>Randal </a:t>
-            </a:r>
-            <a:r>
-              <a:rPr lang="en-US" smtClean="0">
-                <a:hlinkClick r:id="rId2"/>
-              </a:rPr>
-              <a:t>explains</a:t>
-            </a:r>
-            <a:r>
-              <a:rPr lang="en-US" smtClean="0"/>
-              <a:t> what </a:t>
-            </a:r>
-            <a:r>
-              <a:rPr lang="en-US" dirty="0"/>
-              <a:t>to look for</a:t>
-            </a:r>
-            <a:r>
-              <a:rPr lang="en-US" dirty="0" smtClean="0"/>
-              <a:t>.</a:t>
-            </a:r>
-          </a:p>
-          <a:p>
-            <a:pPr lvl="1"/>
-            <a:endParaRPr lang="en-US" dirty="0" smtClean="0"/>
-          </a:p>
-          <a:p>
-            <a:pPr marL="0" indent="0">
-              <a:buNone/>
-            </a:pPr>
-            <a:r>
-              <a:rPr lang="en-US" sz="2400" dirty="0">
-                <a:solidFill>
-                  <a:srgbClr val="0000FF"/>
-                </a:solidFill>
-                <a:highlight>
-                  <a:srgbClr val="FFFFFF"/>
-                </a:highlight>
-                <a:latin typeface="Consolas" panose="020B0609020204030204" pitchFamily="49" charset="0"/>
-              </a:rPr>
-              <a:t>select</a:t>
-            </a:r>
-            <a:r>
-              <a:rPr lang="en-US" sz="2400" dirty="0">
-                <a:solidFill>
-                  <a:srgbClr val="000000"/>
-                </a:solidFill>
-                <a:highlight>
-                  <a:srgbClr val="FFFFFF"/>
-                </a:highlight>
-                <a:latin typeface="Consolas" panose="020B0609020204030204" pitchFamily="49" charset="0"/>
-              </a:rPr>
-              <a:t> </a:t>
-            </a:r>
-            <a:r>
-              <a:rPr lang="en-US" sz="2400" dirty="0" err="1">
-                <a:solidFill>
-                  <a:srgbClr val="FF00FF"/>
-                </a:solidFill>
-                <a:highlight>
-                  <a:srgbClr val="FFFFFF"/>
-                </a:highlight>
-                <a:latin typeface="Consolas" panose="020B0609020204030204" pitchFamily="49" charset="0"/>
-              </a:rPr>
-              <a:t>object_name</a:t>
-            </a:r>
-            <a:r>
-              <a:rPr lang="en-US" sz="2400" dirty="0">
-                <a:solidFill>
-                  <a:srgbClr val="808080"/>
-                </a:solidFill>
-                <a:highlight>
-                  <a:srgbClr val="FFFFFF"/>
-                </a:highlight>
-                <a:latin typeface="Consolas" panose="020B0609020204030204" pitchFamily="49" charset="0"/>
-              </a:rPr>
-              <a:t>,</a:t>
-            </a:r>
-            <a:r>
-              <a:rPr lang="en-US" sz="2400" dirty="0">
-                <a:solidFill>
-                  <a:srgbClr val="000000"/>
-                </a:solidFill>
-                <a:highlight>
-                  <a:srgbClr val="FFFFFF"/>
-                </a:highlight>
-                <a:latin typeface="Consolas" panose="020B0609020204030204" pitchFamily="49" charset="0"/>
-              </a:rPr>
-              <a:t> </a:t>
-            </a:r>
-            <a:r>
-              <a:rPr lang="en-US" sz="2400" dirty="0" err="1">
-                <a:solidFill>
-                  <a:srgbClr val="000000"/>
-                </a:solidFill>
-                <a:highlight>
-                  <a:srgbClr val="FFFFFF"/>
-                </a:highlight>
-                <a:latin typeface="Consolas" panose="020B0609020204030204" pitchFamily="49" charset="0"/>
-              </a:rPr>
-              <a:t>counter_name</a:t>
-            </a:r>
-            <a:r>
-              <a:rPr lang="en-US" sz="2400" dirty="0">
-                <a:solidFill>
-                  <a:srgbClr val="808080"/>
-                </a:solidFill>
-                <a:highlight>
-                  <a:srgbClr val="FFFFFF"/>
-                </a:highlight>
-                <a:latin typeface="Consolas" panose="020B0609020204030204" pitchFamily="49" charset="0"/>
-              </a:rPr>
-              <a:t>,</a:t>
-            </a:r>
-            <a:r>
-              <a:rPr lang="en-US" sz="2400" dirty="0">
-                <a:solidFill>
-                  <a:srgbClr val="000000"/>
-                </a:solidFill>
-                <a:highlight>
-                  <a:srgbClr val="FFFFFF"/>
-                </a:highlight>
-                <a:latin typeface="Consolas" panose="020B0609020204030204" pitchFamily="49" charset="0"/>
-              </a:rPr>
-              <a:t> </a:t>
-            </a:r>
-            <a:r>
-              <a:rPr lang="en-US" sz="2400" dirty="0" err="1">
-                <a:solidFill>
-                  <a:srgbClr val="000000"/>
-                </a:solidFill>
-                <a:highlight>
-                  <a:srgbClr val="FFFFFF"/>
-                </a:highlight>
-                <a:latin typeface="Consolas" panose="020B0609020204030204" pitchFamily="49" charset="0"/>
-              </a:rPr>
-              <a:t>instance_name</a:t>
-            </a:r>
-            <a:r>
-              <a:rPr lang="en-US" sz="2400" dirty="0">
-                <a:solidFill>
-                  <a:srgbClr val="808080"/>
-                </a:solidFill>
-                <a:highlight>
-                  <a:srgbClr val="FFFFFF"/>
-                </a:highlight>
-                <a:latin typeface="Consolas" panose="020B0609020204030204" pitchFamily="49" charset="0"/>
-              </a:rPr>
-              <a:t>,</a:t>
-            </a:r>
-            <a:r>
-              <a:rPr lang="en-US" sz="2400" dirty="0">
-                <a:solidFill>
-                  <a:srgbClr val="000000"/>
-                </a:solidFill>
-                <a:highlight>
-                  <a:srgbClr val="FFFFFF"/>
-                </a:highlight>
-                <a:latin typeface="Consolas" panose="020B0609020204030204" pitchFamily="49" charset="0"/>
-              </a:rPr>
-              <a:t> </a:t>
-            </a:r>
-            <a:r>
-              <a:rPr lang="en-US" sz="2400" dirty="0" err="1">
-                <a:solidFill>
-                  <a:srgbClr val="000000"/>
-                </a:solidFill>
-                <a:highlight>
-                  <a:srgbClr val="FFFFFF"/>
-                </a:highlight>
-                <a:latin typeface="Consolas" panose="020B0609020204030204" pitchFamily="49" charset="0"/>
-              </a:rPr>
-              <a:t>cntr_value</a:t>
-            </a:r>
-            <a:endParaRPr lang="en-US" sz="2400" dirty="0">
-              <a:solidFill>
-                <a:srgbClr val="000000"/>
-              </a:solidFill>
-              <a:highlight>
-                <a:srgbClr val="FFFFFF"/>
-              </a:highlight>
-              <a:latin typeface="Consolas" panose="020B0609020204030204" pitchFamily="49" charset="0"/>
-            </a:endParaRPr>
-          </a:p>
-          <a:p>
-            <a:pPr marL="0" indent="0">
-              <a:buNone/>
-            </a:pPr>
-            <a:r>
-              <a:rPr lang="en-US" sz="2400" dirty="0">
-                <a:solidFill>
-                  <a:srgbClr val="0000FF"/>
-                </a:solidFill>
-                <a:highlight>
-                  <a:srgbClr val="FFFFFF"/>
-                </a:highlight>
-                <a:latin typeface="Consolas" panose="020B0609020204030204" pitchFamily="49" charset="0"/>
-              </a:rPr>
-              <a:t>from</a:t>
-            </a:r>
-            <a:r>
-              <a:rPr lang="en-US" sz="2400" dirty="0">
-                <a:solidFill>
-                  <a:srgbClr val="000000"/>
-                </a:solidFill>
-                <a:highlight>
-                  <a:srgbClr val="FFFFFF"/>
-                </a:highlight>
-                <a:latin typeface="Consolas" panose="020B0609020204030204" pitchFamily="49" charset="0"/>
-              </a:rPr>
-              <a:t> </a:t>
-            </a:r>
-            <a:r>
-              <a:rPr lang="en-US" sz="2400" dirty="0" err="1">
-                <a:solidFill>
-                  <a:srgbClr val="00FF00"/>
-                </a:solidFill>
-                <a:highlight>
-                  <a:srgbClr val="FFFFFF"/>
-                </a:highlight>
-                <a:latin typeface="Consolas" panose="020B0609020204030204" pitchFamily="49" charset="0"/>
-              </a:rPr>
-              <a:t>sys</a:t>
-            </a:r>
-            <a:r>
-              <a:rPr lang="en-US" sz="2400" dirty="0" err="1">
-                <a:solidFill>
-                  <a:srgbClr val="808080"/>
-                </a:solidFill>
-                <a:highlight>
-                  <a:srgbClr val="FFFFFF"/>
-                </a:highlight>
-                <a:latin typeface="Consolas" panose="020B0609020204030204" pitchFamily="49" charset="0"/>
-              </a:rPr>
-              <a:t>.</a:t>
-            </a:r>
-            <a:r>
-              <a:rPr lang="en-US" sz="2400" dirty="0" err="1">
-                <a:solidFill>
-                  <a:srgbClr val="00FF00"/>
-                </a:solidFill>
-                <a:highlight>
-                  <a:srgbClr val="FFFFFF"/>
-                </a:highlight>
-                <a:latin typeface="Consolas" panose="020B0609020204030204" pitchFamily="49" charset="0"/>
-              </a:rPr>
-              <a:t>dm_os_performance_counters</a:t>
-            </a:r>
-            <a:endParaRPr lang="en-US" sz="2400" dirty="0">
-              <a:solidFill>
-                <a:srgbClr val="000000"/>
-              </a:solidFill>
-              <a:highlight>
-                <a:srgbClr val="FFFFFF"/>
-              </a:highlight>
-              <a:latin typeface="Consolas" panose="020B0609020204030204" pitchFamily="49" charset="0"/>
-            </a:endParaRPr>
-          </a:p>
-          <a:p>
-            <a:pPr marL="0" indent="0">
-              <a:buNone/>
-            </a:pPr>
-            <a:r>
-              <a:rPr lang="en-US" sz="2400" dirty="0">
-                <a:solidFill>
-                  <a:srgbClr val="0000FF"/>
-                </a:solidFill>
-                <a:highlight>
-                  <a:srgbClr val="FFFFFF"/>
-                </a:highlight>
-                <a:latin typeface="Consolas" panose="020B0609020204030204" pitchFamily="49" charset="0"/>
-              </a:rPr>
-              <a:t>where</a:t>
-            </a:r>
-            <a:r>
-              <a:rPr lang="en-US" sz="2400" dirty="0">
-                <a:solidFill>
-                  <a:srgbClr val="000000"/>
-                </a:solidFill>
-                <a:highlight>
-                  <a:srgbClr val="FFFFFF"/>
-                </a:highlight>
-                <a:latin typeface="Consolas" panose="020B0609020204030204" pitchFamily="49" charset="0"/>
-              </a:rPr>
-              <a:t> </a:t>
-            </a:r>
-            <a:r>
-              <a:rPr lang="en-US" sz="2400" dirty="0" err="1">
-                <a:solidFill>
-                  <a:srgbClr val="000000"/>
-                </a:solidFill>
-                <a:highlight>
-                  <a:srgbClr val="FFFFFF"/>
-                </a:highlight>
-                <a:latin typeface="Consolas" panose="020B0609020204030204" pitchFamily="49" charset="0"/>
-              </a:rPr>
-              <a:t>counter_name</a:t>
-            </a:r>
-            <a:r>
-              <a:rPr lang="en-US" sz="2400" dirty="0">
-                <a:solidFill>
-                  <a:srgbClr val="000000"/>
-                </a:solidFill>
-                <a:highlight>
-                  <a:srgbClr val="FFFFFF"/>
-                </a:highlight>
-                <a:latin typeface="Consolas" panose="020B0609020204030204" pitchFamily="49" charset="0"/>
-              </a:rPr>
-              <a:t> </a:t>
-            </a:r>
-            <a:r>
-              <a:rPr lang="en-US" sz="2400" dirty="0">
-                <a:solidFill>
-                  <a:srgbClr val="808080"/>
-                </a:solidFill>
-                <a:highlight>
-                  <a:srgbClr val="FFFFFF"/>
-                </a:highlight>
-                <a:latin typeface="Consolas" panose="020B0609020204030204" pitchFamily="49" charset="0"/>
-              </a:rPr>
-              <a:t>in</a:t>
-            </a:r>
-            <a:r>
-              <a:rPr lang="en-US" sz="2400" dirty="0">
-                <a:solidFill>
-                  <a:srgbClr val="0000FF"/>
-                </a:solidFill>
-                <a:highlight>
-                  <a:srgbClr val="FFFFFF"/>
-                </a:highlight>
-                <a:latin typeface="Consolas" panose="020B0609020204030204" pitchFamily="49" charset="0"/>
-              </a:rPr>
-              <a:t> </a:t>
-            </a:r>
-            <a:r>
-              <a:rPr lang="en-US" sz="2400" dirty="0">
-                <a:solidFill>
-                  <a:srgbClr val="808080"/>
-                </a:solidFill>
-                <a:highlight>
-                  <a:srgbClr val="FFFFFF"/>
-                </a:highlight>
-                <a:latin typeface="Consolas" panose="020B0609020204030204" pitchFamily="49" charset="0"/>
-              </a:rPr>
-              <a:t>(</a:t>
-            </a:r>
-            <a:r>
-              <a:rPr lang="en-US" sz="2400" dirty="0">
-                <a:solidFill>
-                  <a:srgbClr val="FF0000"/>
-                </a:solidFill>
-                <a:highlight>
-                  <a:srgbClr val="FFFFFF"/>
-                </a:highlight>
-                <a:latin typeface="Consolas" panose="020B0609020204030204" pitchFamily="49" charset="0"/>
-              </a:rPr>
-              <a:t>'Log Growths'</a:t>
-            </a:r>
-            <a:r>
-              <a:rPr lang="en-US" sz="2400" dirty="0">
-                <a:solidFill>
-                  <a:srgbClr val="808080"/>
-                </a:solidFill>
-                <a:highlight>
-                  <a:srgbClr val="FFFFFF"/>
-                </a:highlight>
-                <a:latin typeface="Consolas" panose="020B0609020204030204" pitchFamily="49" charset="0"/>
-              </a:rPr>
-              <a:t>,</a:t>
-            </a:r>
-            <a:r>
-              <a:rPr lang="en-US" sz="2400" dirty="0">
-                <a:solidFill>
-                  <a:srgbClr val="000000"/>
-                </a:solidFill>
-                <a:highlight>
-                  <a:srgbClr val="FFFFFF"/>
-                </a:highlight>
-                <a:latin typeface="Consolas" panose="020B0609020204030204" pitchFamily="49" charset="0"/>
-              </a:rPr>
-              <a:t> </a:t>
-            </a:r>
-            <a:r>
-              <a:rPr lang="en-US" sz="2400" dirty="0">
-                <a:solidFill>
-                  <a:srgbClr val="FF0000"/>
-                </a:solidFill>
-                <a:highlight>
-                  <a:srgbClr val="FFFFFF"/>
-                </a:highlight>
-                <a:latin typeface="Consolas" panose="020B0609020204030204" pitchFamily="49" charset="0"/>
-              </a:rPr>
-              <a:t>'Log Shrinks'</a:t>
-            </a:r>
-            <a:r>
-              <a:rPr lang="en-US" sz="2400" dirty="0">
-                <a:solidFill>
-                  <a:srgbClr val="808080"/>
-                </a:solidFill>
-                <a:highlight>
-                  <a:srgbClr val="FFFFFF"/>
-                </a:highlight>
-                <a:latin typeface="Consolas" panose="020B0609020204030204" pitchFamily="49" charset="0"/>
-              </a:rPr>
-              <a:t>,</a:t>
-            </a:r>
-            <a:r>
-              <a:rPr lang="en-US" sz="2400" dirty="0">
-                <a:solidFill>
-                  <a:srgbClr val="000000"/>
-                </a:solidFill>
-                <a:highlight>
-                  <a:srgbClr val="FFFFFF"/>
-                </a:highlight>
-                <a:latin typeface="Consolas" panose="020B0609020204030204" pitchFamily="49" charset="0"/>
-              </a:rPr>
-              <a:t> </a:t>
-            </a:r>
-            <a:r>
-              <a:rPr lang="en-US" sz="2400" dirty="0">
-                <a:solidFill>
-                  <a:srgbClr val="FF0000"/>
-                </a:solidFill>
-                <a:highlight>
-                  <a:srgbClr val="FFFFFF"/>
-                </a:highlight>
-                <a:latin typeface="Consolas" panose="020B0609020204030204" pitchFamily="49" charset="0"/>
-              </a:rPr>
-              <a:t>'Percent Log Used'</a:t>
-            </a:r>
-            <a:r>
-              <a:rPr lang="en-US" sz="2400" dirty="0">
-                <a:solidFill>
-                  <a:srgbClr val="808080"/>
-                </a:solidFill>
-                <a:highlight>
-                  <a:srgbClr val="FFFFFF"/>
-                </a:highlight>
-                <a:latin typeface="Consolas" panose="020B0609020204030204" pitchFamily="49" charset="0"/>
-              </a:rPr>
-              <a:t>,</a:t>
-            </a:r>
-            <a:r>
-              <a:rPr lang="en-US" sz="2400" dirty="0">
-                <a:solidFill>
-                  <a:srgbClr val="000000"/>
-                </a:solidFill>
-                <a:highlight>
-                  <a:srgbClr val="FFFFFF"/>
-                </a:highlight>
-                <a:latin typeface="Consolas" panose="020B0609020204030204" pitchFamily="49" charset="0"/>
-              </a:rPr>
-              <a:t> </a:t>
-            </a:r>
-            <a:r>
-              <a:rPr lang="en-US" sz="2400" dirty="0">
-                <a:solidFill>
-                  <a:srgbClr val="FF0000"/>
-                </a:solidFill>
-                <a:highlight>
-                  <a:srgbClr val="FFFFFF"/>
-                </a:highlight>
-                <a:latin typeface="Consolas" panose="020B0609020204030204" pitchFamily="49" charset="0"/>
-              </a:rPr>
-              <a:t>'Log Flush Waits/sec'</a:t>
-            </a:r>
-            <a:r>
-              <a:rPr lang="en-US" sz="2400" dirty="0">
-                <a:solidFill>
-                  <a:srgbClr val="808080"/>
-                </a:solidFill>
-                <a:highlight>
-                  <a:srgbClr val="FFFFFF"/>
-                </a:highlight>
-                <a:latin typeface="Consolas" panose="020B0609020204030204" pitchFamily="49" charset="0"/>
-              </a:rPr>
-              <a:t>,</a:t>
-            </a:r>
-            <a:r>
-              <a:rPr lang="en-US" sz="2400" dirty="0">
-                <a:solidFill>
-                  <a:srgbClr val="000000"/>
-                </a:solidFill>
-                <a:highlight>
-                  <a:srgbClr val="FFFFFF"/>
-                </a:highlight>
-                <a:latin typeface="Consolas" panose="020B0609020204030204" pitchFamily="49" charset="0"/>
-              </a:rPr>
-              <a:t> </a:t>
-            </a:r>
-            <a:r>
-              <a:rPr lang="en-US" sz="2400" dirty="0">
-                <a:solidFill>
-                  <a:srgbClr val="FF0000"/>
-                </a:solidFill>
-                <a:highlight>
-                  <a:srgbClr val="FFFFFF"/>
-                </a:highlight>
-                <a:latin typeface="Consolas" panose="020B0609020204030204" pitchFamily="49" charset="0"/>
-              </a:rPr>
-              <a:t>'Log Bytes Flushed/sec'</a:t>
-            </a:r>
-            <a:r>
-              <a:rPr lang="en-US" sz="2400" dirty="0">
-                <a:solidFill>
-                  <a:srgbClr val="808080"/>
-                </a:solidFill>
-                <a:highlight>
-                  <a:srgbClr val="FFFFFF"/>
-                </a:highlight>
-                <a:latin typeface="Consolas" panose="020B0609020204030204" pitchFamily="49" charset="0"/>
-              </a:rPr>
-              <a:t>,</a:t>
-            </a:r>
-            <a:r>
-              <a:rPr lang="en-US" sz="2400" dirty="0">
-                <a:solidFill>
-                  <a:srgbClr val="000000"/>
-                </a:solidFill>
-                <a:highlight>
-                  <a:srgbClr val="FFFFFF"/>
-                </a:highlight>
-                <a:latin typeface="Consolas" panose="020B0609020204030204" pitchFamily="49" charset="0"/>
-              </a:rPr>
-              <a:t> </a:t>
-            </a:r>
-            <a:r>
-              <a:rPr lang="en-US" sz="2400" dirty="0">
-                <a:solidFill>
-                  <a:srgbClr val="FF0000"/>
-                </a:solidFill>
-                <a:highlight>
-                  <a:srgbClr val="FFFFFF"/>
-                </a:highlight>
-                <a:latin typeface="Consolas" panose="020B0609020204030204" pitchFamily="49" charset="0"/>
-              </a:rPr>
-              <a:t>'Log Flushes/sec</a:t>
-            </a:r>
-            <a:r>
-              <a:rPr lang="en-US" sz="2400" dirty="0" smtClean="0">
-                <a:solidFill>
-                  <a:srgbClr val="FF0000"/>
-                </a:solidFill>
-                <a:highlight>
-                  <a:srgbClr val="FFFFFF"/>
-                </a:highlight>
-                <a:latin typeface="Consolas" panose="020B0609020204030204" pitchFamily="49" charset="0"/>
-              </a:rPr>
-              <a:t>'</a:t>
-            </a:r>
-            <a:r>
-              <a:rPr lang="en-US" sz="2400" dirty="0" smtClean="0">
-                <a:solidFill>
-                  <a:srgbClr val="808080"/>
-                </a:solidFill>
-                <a:highlight>
-                  <a:srgbClr val="FFFFFF"/>
-                </a:highlight>
-                <a:latin typeface="Consolas" panose="020B0609020204030204" pitchFamily="49" charset="0"/>
-              </a:rPr>
-              <a:t>);</a:t>
-            </a:r>
-            <a:endParaRPr lang="en-US" sz="2400" dirty="0">
-              <a:solidFill>
-                <a:srgbClr val="000000"/>
-              </a:solidFill>
-              <a:highlight>
-                <a:srgbClr val="FFFFFF"/>
-              </a:highlight>
-              <a:latin typeface="Consolas" panose="020B0609020204030204" pitchFamily="49" charset="0"/>
-            </a:endParaRPr>
-          </a:p>
-        </p:txBody>
-      </p:sp>
-      <p:sp>
-        <p:nvSpPr>
-          <p:cNvPr id="4" name="Footer Placeholder 3"/>
-          <p:cNvSpPr>
-            <a:spLocks noGrp="1"/>
-          </p:cNvSpPr>
-          <p:nvPr>
-            <p:ph type="ftr" sz="quarter" idx="3"/>
-          </p:nvPr>
-        </p:nvSpPr>
-        <p:spPr/>
-        <p:txBody>
-          <a:bodyPr/>
-          <a:lstStyle/>
-          <a:p>
-            <a:r>
-              <a:rPr lang="en-US" smtClean="0"/>
-              <a:t>3/25/2017</a:t>
-            </a:r>
-            <a:endParaRPr lang="en-US" dirty="0"/>
-          </a:p>
-        </p:txBody>
-      </p:sp>
-      <p:sp>
-        <p:nvSpPr>
-          <p:cNvPr id="5" name="Slide Number Placeholder 4"/>
-          <p:cNvSpPr>
-            <a:spLocks noGrp="1"/>
-          </p:cNvSpPr>
-          <p:nvPr>
-            <p:ph type="sldNum" sz="quarter" idx="4"/>
-          </p:nvPr>
-        </p:nvSpPr>
-        <p:spPr/>
-        <p:txBody>
-          <a:bodyPr/>
-          <a:lstStyle/>
-          <a:p>
-            <a:fld id="{87FD5303-69AD-2E4D-B18B-E5EED0F0A60B}" type="slidenum">
-              <a:rPr lang="en-US" smtClean="0"/>
-              <a:pPr/>
-              <a:t>53</a:t>
-            </a:fld>
-            <a:r>
-              <a:rPr lang="en-US" smtClean="0"/>
-              <a:t>  |  </a:t>
-            </a:r>
-            <a:endParaRPr lang="en-US" dirty="0"/>
-          </a:p>
-        </p:txBody>
-      </p:sp>
-    </p:spTree>
-    <p:extLst>
-      <p:ext uri="{BB962C8B-B14F-4D97-AF65-F5344CB8AC3E}">
-        <p14:creationId xmlns:p14="http://schemas.microsoft.com/office/powerpoint/2010/main" val="3620500893"/>
-      </p:ext>
-    </p:extLst>
-  </p:cSld>
-  <p:clrMapOvr>
-    <a:masterClrMapping/>
-  </p:clrMapOvr>
-  <p:timing>
-    <p:tnLst>
-      <p:par>
-        <p:cTn id="1" dur="indefinite" restart="never" nodeType="tmRoot"/>
-      </p:par>
-    </p:tnLst>
-  </p:timing>
-</p:sld>
-</file>
-
-<file path=ppt/slides/slide54.xml><?xml version="1.0" encoding="utf-8"?>
-<p:sld xmlns:a="http://schemas.openxmlformats.org/drawingml/2006/main" xmlns:r="http://schemas.openxmlformats.org/officeDocument/2006/relationships" xmlns:p="http://schemas.openxmlformats.org/presentationml/2006/main">
-  <p:cSld>
-    <p:spTree>
-      <p:nvGrpSpPr>
-        <p:cNvPr id="1" name=""/>
-        <p:cNvGrpSpPr/>
-        <p:nvPr/>
-      </p:nvGrpSpPr>
-      <p:grpSpPr>
-        <a:xfrm>
-          <a:off x="0" y="0"/>
-          <a:ext cx="0" cy="0"/>
-          <a:chOff x="0" y="0"/>
-          <a:chExt cx="0" cy="0"/>
-        </a:xfrm>
-      </p:grpSpPr>
-      <p:sp>
-        <p:nvSpPr>
-          <p:cNvPr id="2" name="Title 1"/>
-          <p:cNvSpPr>
-            <a:spLocks noGrp="1"/>
-          </p:cNvSpPr>
-          <p:nvPr>
-            <p:ph type="title"/>
-          </p:nvPr>
-        </p:nvSpPr>
-        <p:spPr/>
-        <p:txBody>
-          <a:bodyPr/>
-          <a:lstStyle/>
-          <a:p>
-            <a:r>
               <a:rPr lang="en-US" dirty="0"/>
               <a:t>Thank You</a:t>
             </a:r>
@@ -13726,13 +12747,6 @@
   <p:clrMapOvr>
     <a:masterClrMapping/>
   </p:clrMapOvr>
-  <p:timing>
-    <p:tnLst>
-      <p:par>
-        <p:cTn id="1" dur="indefinite" restart="never" nodeType="tmRoot"/>
-      </p:par>
-    </p:tnLst>
-  </p:timing>
 </p:sld>
 </file>
 
@@ -13770,136 +12784,6 @@
           <a:p>
             <a:r>
               <a:rPr lang="en-US" dirty="0"/>
-              <a:t>What Goes in the Transaction Log?</a:t>
-            </a:r>
-          </a:p>
-        </p:txBody>
-      </p:sp>
-      <p:sp>
-        <p:nvSpPr>
-          <p:cNvPr id="3" name="Content Placeholder 2"/>
-          <p:cNvSpPr>
-            <a:spLocks noGrp="1"/>
-          </p:cNvSpPr>
-          <p:nvPr>
-            <p:ph idx="1"/>
-          </p:nvPr>
-        </p:nvSpPr>
-        <p:spPr/>
-        <p:txBody>
-          <a:bodyPr/>
-          <a:lstStyle/>
-          <a:p>
-            <a:r>
-              <a:rPr lang="en-US" u="sng" dirty="0"/>
-              <a:t>Everything</a:t>
-            </a:r>
-            <a:r>
-              <a:rPr lang="en-US" dirty="0"/>
-              <a:t> that modifies the state </a:t>
-            </a:r>
-            <a:r>
-              <a:rPr lang="en-US" u="sng" dirty="0"/>
-              <a:t>any</a:t>
-            </a:r>
-            <a:r>
-              <a:rPr lang="en-US" dirty="0"/>
-              <a:t> database in SQL</a:t>
-            </a:r>
-          </a:p>
-          <a:p>
-            <a:pPr lvl="1"/>
-            <a:r>
-              <a:rPr lang="en-US" dirty="0"/>
-              <a:t>Includes data to </a:t>
-            </a:r>
-            <a:r>
-              <a:rPr lang="en-US" b="1" dirty="0"/>
-              <a:t>redo</a:t>
-            </a:r>
-            <a:r>
-              <a:rPr lang="en-US" dirty="0"/>
-              <a:t> an operation</a:t>
-            </a:r>
-          </a:p>
-          <a:p>
-            <a:pPr lvl="1"/>
-            <a:r>
-              <a:rPr lang="en-US" dirty="0"/>
-              <a:t>Includes data to </a:t>
-            </a:r>
-            <a:r>
-              <a:rPr lang="en-US" b="1" dirty="0"/>
-              <a:t>undo</a:t>
-            </a:r>
-            <a:r>
-              <a:rPr lang="en-US" dirty="0"/>
-              <a:t> an operation</a:t>
-            </a:r>
-          </a:p>
-          <a:p>
-            <a:r>
-              <a:rPr lang="en-US" sz="2400" dirty="0"/>
-              <a:t>Very limited exceptions for some </a:t>
-            </a:r>
-            <a:r>
-              <a:rPr lang="en-US" sz="2400" dirty="0" err="1"/>
-              <a:t>tempdb</a:t>
-            </a:r>
-            <a:r>
-              <a:rPr lang="en-US" sz="2400" dirty="0"/>
-              <a:t> operations</a:t>
-            </a:r>
-          </a:p>
-        </p:txBody>
-      </p:sp>
-    </p:spTree>
-    <p:extLst>
-      <p:ext uri="{BB962C8B-B14F-4D97-AF65-F5344CB8AC3E}">
-        <p14:creationId xmlns:p14="http://schemas.microsoft.com/office/powerpoint/2010/main" val="1907664427"/>
-      </p:ext>
-    </p:extLst>
-  </p:cSld>
-  <p:clrMapOvr>
-    <a:masterClrMapping/>
-  </p:clrMapOvr>
-</p:sld>
-</file>
-
-<file path=ppt/slides/slide7.xml><?xml version="1.0" encoding="utf-8"?>
-<p:sld xmlns:a="http://schemas.openxmlformats.org/drawingml/2006/main" xmlns:r="http://schemas.openxmlformats.org/officeDocument/2006/relationships" xmlns:p="http://schemas.openxmlformats.org/presentationml/2006/main">
-  <p:cSld>
-    <p:spTree>
-      <p:nvGrpSpPr>
-        <p:cNvPr id="1" name=""/>
-        <p:cNvGrpSpPr/>
-        <p:nvPr/>
-      </p:nvGrpSpPr>
-      <p:grpSpPr>
-        <a:xfrm>
-          <a:off x="0" y="0"/>
-          <a:ext cx="0" cy="0"/>
-          <a:chOff x="0" y="0"/>
-          <a:chExt cx="0" cy="0"/>
-        </a:xfrm>
-      </p:grpSpPr>
-      <p:sp>
-        <p:nvSpPr>
-          <p:cNvPr id="2" name="Title 1"/>
-          <p:cNvSpPr>
-            <a:spLocks noGrp="1"/>
-          </p:cNvSpPr>
-          <p:nvPr>
-            <p:ph type="title"/>
-          </p:nvPr>
-        </p:nvSpPr>
-        <p:spPr/>
-        <p:txBody>
-          <a:bodyPr/>
-          <a:lstStyle/>
-          <a:p>
-            <a:r>
-              <a:rPr lang="en-US" dirty="0"/>
               <a:t>Physical vs Logical Log File</a:t>
             </a:r>
           </a:p>
@@ -13996,7 +12880,7 @@
 </p:sld>
 </file>
 
-<file path=ppt/slides/slide8.xml><?xml version="1.0" encoding="utf-8"?>
+<file path=ppt/slides/slide7.xml><?xml version="1.0" encoding="utf-8"?>
 <p:sld xmlns:a="http://schemas.openxmlformats.org/drawingml/2006/main" xmlns:r="http://schemas.openxmlformats.org/officeDocument/2006/relationships" xmlns:p="http://schemas.openxmlformats.org/presentationml/2006/main">
   <p:cSld>
     <p:spTree>
@@ -14099,7 +12983,7 @@
 </p:sld>
 </file>
 
-<file path=ppt/slides/slide9.xml><?xml version="1.0" encoding="utf-8"?>
+<file path=ppt/slides/slide8.xml><?xml version="1.0" encoding="utf-8"?>
 <p:sld xmlns:a="http://schemas.openxmlformats.org/drawingml/2006/main" xmlns:r="http://schemas.openxmlformats.org/officeDocument/2006/relationships" xmlns:p="http://schemas.openxmlformats.org/presentationml/2006/main">
   <p:cSld>
     <p:spTree>
@@ -14199,6 +13083,128 @@
     <p:extLst>
       <p:ext uri="{BB962C8B-B14F-4D97-AF65-F5344CB8AC3E}">
         <p14:creationId xmlns:p14="http://schemas.microsoft.com/office/powerpoint/2010/main" val="1865007227"/>
+      </p:ext>
+    </p:extLst>
+  </p:cSld>
+  <p:clrMapOvr>
+    <a:masterClrMapping/>
+  </p:clrMapOvr>
+</p:sld>
+</file>
+
+<file path=ppt/slides/slide9.xml><?xml version="1.0" encoding="utf-8"?>
+<p:sld xmlns:a="http://schemas.openxmlformats.org/drawingml/2006/main" xmlns:r="http://schemas.openxmlformats.org/officeDocument/2006/relationships" xmlns:p="http://schemas.openxmlformats.org/presentationml/2006/main">
+  <p:cSld>
+    <p:spTree>
+      <p:nvGrpSpPr>
+        <p:cNvPr id="1" name=""/>
+        <p:cNvGrpSpPr/>
+        <p:nvPr/>
+      </p:nvGrpSpPr>
+      <p:grpSpPr>
+        <a:xfrm>
+          <a:off x="0" y="0"/>
+          <a:ext cx="0" cy="0"/>
+          <a:chOff x="0" y="0"/>
+          <a:chExt cx="0" cy="0"/>
+        </a:xfrm>
+      </p:grpSpPr>
+      <p:sp>
+        <p:nvSpPr>
+          <p:cNvPr id="2" name="Title 1"/>
+          <p:cNvSpPr>
+            <a:spLocks noGrp="1"/>
+          </p:cNvSpPr>
+          <p:nvPr>
+            <p:ph type="title"/>
+          </p:nvPr>
+        </p:nvSpPr>
+        <p:spPr/>
+        <p:txBody>
+          <a:bodyPr/>
+          <a:lstStyle/>
+          <a:p>
+            <a:r>
+              <a:rPr lang="en-US" dirty="0"/>
+              <a:t>Organization of the Transaction Log</a:t>
+            </a:r>
+          </a:p>
+        </p:txBody>
+      </p:sp>
+      <p:sp>
+        <p:nvSpPr>
+          <p:cNvPr id="3" name="Content Placeholder 2"/>
+          <p:cNvSpPr>
+            <a:spLocks noGrp="1"/>
+          </p:cNvSpPr>
+          <p:nvPr>
+            <p:ph idx="1"/>
+          </p:nvPr>
+        </p:nvSpPr>
+        <p:spPr>
+          <a:xfrm>
+            <a:off x="4352925" y="1600200"/>
+            <a:ext cx="4333875" cy="4525963"/>
+          </a:xfrm>
+        </p:spPr>
+        <p:txBody>
+          <a:bodyPr/>
+          <a:lstStyle/>
+          <a:p>
+            <a:r>
+              <a:rPr lang="en-US" dirty="0"/>
+              <a:t>The Transaction Log is just a file …</a:t>
+            </a:r>
+          </a:p>
+          <a:p>
+            <a:r>
+              <a:rPr lang="en-US" dirty="0"/>
+              <a:t>With a bit of header information …</a:t>
+            </a:r>
+          </a:p>
+          <a:p>
+            <a:r>
+              <a:rPr lang="en-US" dirty="0"/>
+              <a:t>Then divided into Virtual Log Files.</a:t>
+            </a:r>
+          </a:p>
+          <a:p>
+            <a:pPr lvl="1"/>
+            <a:r>
+              <a:rPr lang="en-US" dirty="0"/>
+              <a:t>Not necessarily of equal size</a:t>
+            </a:r>
+          </a:p>
+        </p:txBody>
+      </p:sp>
+      <p:pic>
+        <p:nvPicPr>
+          <p:cNvPr id="5" name="Picture 4"/>
+          <p:cNvPicPr>
+            <a:picLocks noChangeAspect="1"/>
+          </p:cNvPicPr>
+          <p:nvPr/>
+        </p:nvPicPr>
+        <p:blipFill>
+          <a:blip r:embed="rId2"/>
+          <a:stretch>
+            <a:fillRect/>
+          </a:stretch>
+        </p:blipFill>
+        <p:spPr>
+          <a:xfrm>
+            <a:off x="457200" y="1417320"/>
+            <a:ext cx="3814109" cy="4681728"/>
+          </a:xfrm>
+          <a:prstGeom prst="rect">
+            <a:avLst/>
+          </a:prstGeom>
+        </p:spPr>
+      </p:pic>
+    </p:spTree>
+    <p:extLst>
+      <p:ext uri="{BB962C8B-B14F-4D97-AF65-F5344CB8AC3E}">
+        <p14:creationId xmlns:p14="http://schemas.microsoft.com/office/powerpoint/2010/main" val="3601134671"/>
       </p:ext>
     </p:extLst>
   </p:cSld>

--- a/TransactionLog.pptx
+++ b/TransactionLog.pptx
@@ -8,62 +8,62 @@
     <p:notesMasterId r:id="rId55"/>
   </p:notesMasterIdLst>
   <p:sldIdLst>
-    <p:sldId id="262" r:id="rId2"/>
-    <p:sldId id="263" r:id="rId3"/>
-    <p:sldId id="264" r:id="rId4"/>
-    <p:sldId id="265" r:id="rId5"/>
-    <p:sldId id="266" r:id="rId6"/>
-    <p:sldId id="267" r:id="rId7"/>
-    <p:sldId id="268" r:id="rId8"/>
-    <p:sldId id="269" r:id="rId9"/>
-    <p:sldId id="270" r:id="rId10"/>
-    <p:sldId id="271" r:id="rId11"/>
-    <p:sldId id="272" r:id="rId12"/>
-    <p:sldId id="273" r:id="rId13"/>
-    <p:sldId id="274" r:id="rId14"/>
-    <p:sldId id="275" r:id="rId15"/>
-    <p:sldId id="276" r:id="rId16"/>
-    <p:sldId id="277" r:id="rId17"/>
-    <p:sldId id="278" r:id="rId18"/>
-    <p:sldId id="279" r:id="rId19"/>
-    <p:sldId id="280" r:id="rId20"/>
-    <p:sldId id="281" r:id="rId21"/>
-    <p:sldId id="282" r:id="rId22"/>
-    <p:sldId id="283" r:id="rId23"/>
-    <p:sldId id="284" r:id="rId24"/>
-    <p:sldId id="285" r:id="rId25"/>
-    <p:sldId id="286" r:id="rId26"/>
-    <p:sldId id="287" r:id="rId27"/>
-    <p:sldId id="288" r:id="rId28"/>
-    <p:sldId id="289" r:id="rId29"/>
-    <p:sldId id="290" r:id="rId30"/>
-    <p:sldId id="291" r:id="rId31"/>
-    <p:sldId id="292" r:id="rId32"/>
-    <p:sldId id="293" r:id="rId33"/>
-    <p:sldId id="294" r:id="rId34"/>
-    <p:sldId id="295" r:id="rId35"/>
-    <p:sldId id="296" r:id="rId36"/>
-    <p:sldId id="297" r:id="rId37"/>
-    <p:sldId id="298" r:id="rId38"/>
-    <p:sldId id="299" r:id="rId39"/>
-    <p:sldId id="300" r:id="rId40"/>
-    <p:sldId id="301" r:id="rId41"/>
-    <p:sldId id="302" r:id="rId42"/>
-    <p:sldId id="303" r:id="rId43"/>
-    <p:sldId id="304" r:id="rId44"/>
-    <p:sldId id="305" r:id="rId45"/>
-    <p:sldId id="306" r:id="rId46"/>
-    <p:sldId id="307" r:id="rId47"/>
-    <p:sldId id="308" r:id="rId48"/>
-    <p:sldId id="309" r:id="rId49"/>
-    <p:sldId id="310" r:id="rId50"/>
-    <p:sldId id="311" r:id="rId51"/>
-    <p:sldId id="312" r:id="rId52"/>
-    <p:sldId id="315" r:id="rId53"/>
-    <p:sldId id="313" r:id="rId54"/>
+    <p:sldId id="256" r:id="rId2"/>
+    <p:sldId id="257" r:id="rId3"/>
+    <p:sldId id="258" r:id="rId4"/>
+    <p:sldId id="259" r:id="rId5"/>
+    <p:sldId id="260" r:id="rId6"/>
+    <p:sldId id="261" r:id="rId7"/>
+    <p:sldId id="262" r:id="rId8"/>
+    <p:sldId id="263" r:id="rId9"/>
+    <p:sldId id="264" r:id="rId10"/>
+    <p:sldId id="265" r:id="rId11"/>
+    <p:sldId id="266" r:id="rId12"/>
+    <p:sldId id="267" r:id="rId13"/>
+    <p:sldId id="268" r:id="rId14"/>
+    <p:sldId id="269" r:id="rId15"/>
+    <p:sldId id="270" r:id="rId16"/>
+    <p:sldId id="271" r:id="rId17"/>
+    <p:sldId id="272" r:id="rId18"/>
+    <p:sldId id="273" r:id="rId19"/>
+    <p:sldId id="274" r:id="rId20"/>
+    <p:sldId id="275" r:id="rId21"/>
+    <p:sldId id="276" r:id="rId22"/>
+    <p:sldId id="277" r:id="rId23"/>
+    <p:sldId id="278" r:id="rId24"/>
+    <p:sldId id="279" r:id="rId25"/>
+    <p:sldId id="280" r:id="rId26"/>
+    <p:sldId id="281" r:id="rId27"/>
+    <p:sldId id="282" r:id="rId28"/>
+    <p:sldId id="283" r:id="rId29"/>
+    <p:sldId id="284" r:id="rId30"/>
+    <p:sldId id="285" r:id="rId31"/>
+    <p:sldId id="286" r:id="rId32"/>
+    <p:sldId id="287" r:id="rId33"/>
+    <p:sldId id="288" r:id="rId34"/>
+    <p:sldId id="289" r:id="rId35"/>
+    <p:sldId id="290" r:id="rId36"/>
+    <p:sldId id="291" r:id="rId37"/>
+    <p:sldId id="292" r:id="rId38"/>
+    <p:sldId id="293" r:id="rId39"/>
+    <p:sldId id="294" r:id="rId40"/>
+    <p:sldId id="295" r:id="rId41"/>
+    <p:sldId id="296" r:id="rId42"/>
+    <p:sldId id="297" r:id="rId43"/>
+    <p:sldId id="298" r:id="rId44"/>
+    <p:sldId id="299" r:id="rId45"/>
+    <p:sldId id="300" r:id="rId46"/>
+    <p:sldId id="301" r:id="rId47"/>
+    <p:sldId id="302" r:id="rId48"/>
+    <p:sldId id="303" r:id="rId49"/>
+    <p:sldId id="304" r:id="rId50"/>
+    <p:sldId id="305" r:id="rId51"/>
+    <p:sldId id="306" r:id="rId52"/>
+    <p:sldId id="307" r:id="rId53"/>
+    <p:sldId id="308" r:id="rId54"/>
   </p:sldIdLst>
-  <p:sldSz cx="9144000" cy="6858000" type="screen4x3"/>
-  <p:notesSz cx="7010400" cy="9296400"/>
+  <p:sldSz cx="11520488" cy="6480175"/>
+  <p:notesSz cx="6858000" cy="9144000"/>
   <p:defaultTextStyle>
     <a:defPPr>
       <a:defRPr lang="en-US"/>
@@ -162,12 +162,12 @@
   <p:extLst>
     <p:ext uri="{EFAFB233-063F-42B5-8137-9DF3F51BA10A}">
       <p15:sldGuideLst xmlns:p15="http://schemas.microsoft.com/office/powerpoint/2012/main">
-        <p15:guide id="1" orient="horz" pos="2160">
+        <p15:guide id="1" orient="horz" pos="2041" userDrawn="1">
           <p15:clr>
             <a:srgbClr val="A4A3A4"/>
           </p15:clr>
         </p15:guide>
-        <p15:guide id="2" pos="2880">
+        <p15:guide id="2" pos="3629" userDrawn="1">
           <p15:clr>
             <a:srgbClr val="A4A3A4"/>
           </p15:clr>
@@ -176,10 +176,6 @@
     </p:ext>
   </p:extLst>
 </p:presentation>
-</file>
-
-<file path=ppt/revisionInfo.xml><?xml version="1.0" encoding="utf-8"?>
-<p1510:revInfo xmlns:a="http://schemas.openxmlformats.org/drawingml/2006/main" xmlns:r="http://schemas.openxmlformats.org/officeDocument/2006/relationships" xmlns:p1510="http://schemas.microsoft.com/office/powerpoint/2015/10/main"/>
 </file>
 
 <file path=ppt/notesMasters/notesMaster1.xml><?xml version="1.0" encoding="utf-8"?>
@@ -217,14 +213,14 @@
         <p:spPr>
           <a:xfrm>
             <a:off x="0" y="0"/>
-            <a:ext cx="3037840" cy="466434"/>
+            <a:ext cx="2971800" cy="458788"/>
           </a:xfrm>
           <a:prstGeom prst="rect">
             <a:avLst/>
           </a:prstGeom>
         </p:spPr>
         <p:txBody>
-          <a:bodyPr vert="horz" lIns="93177" tIns="46589" rIns="93177" bIns="46589" rtlCol="0"/>
+          <a:bodyPr vert="horz" lIns="91440" tIns="45720" rIns="91440" bIns="45720" rtlCol="0"/>
           <a:lstStyle>
             <a:lvl1pPr algn="l">
               <a:defRPr sz="1200"/>
@@ -247,22 +243,22 @@
         </p:nvSpPr>
         <p:spPr>
           <a:xfrm>
-            <a:off x="3970938" y="0"/>
-            <a:ext cx="3037840" cy="466434"/>
+            <a:off x="3884613" y="0"/>
+            <a:ext cx="2971800" cy="458788"/>
           </a:xfrm>
           <a:prstGeom prst="rect">
             <a:avLst/>
           </a:prstGeom>
         </p:spPr>
         <p:txBody>
-          <a:bodyPr vert="horz" lIns="93177" tIns="46589" rIns="93177" bIns="46589" rtlCol="0"/>
+          <a:bodyPr vert="horz" lIns="91440" tIns="45720" rIns="91440" bIns="45720" rtlCol="0"/>
           <a:lstStyle>
             <a:lvl1pPr algn="r">
               <a:defRPr sz="1200"/>
             </a:lvl1pPr>
           </a:lstStyle>
           <a:p>
-            <a:fld id="{636FE61D-3D09-4319-BAB8-31CF8C26DA82}" type="datetimeFigureOut">
+            <a:fld id="{18BF2EA9-CFC8-45FA-BD4C-CF2CA22F3AA1}" type="datetimeFigureOut">
               <a:rPr lang="en-US" smtClean="0"/>
               <a:t>8/1/2017</a:t>
             </a:fld>
@@ -282,8 +278,8 @@
         </p:nvSpPr>
         <p:spPr>
           <a:xfrm>
-            <a:off x="1414463" y="1162050"/>
-            <a:ext cx="4181475" cy="3136900"/>
+            <a:off x="685800" y="1143000"/>
+            <a:ext cx="5486400" cy="3086100"/>
           </a:xfrm>
           <a:prstGeom prst="rect">
             <a:avLst/>
@@ -296,7 +292,7 @@
           </a:ln>
         </p:spPr>
         <p:txBody>
-          <a:bodyPr vert="horz" lIns="93177" tIns="46589" rIns="93177" bIns="46589" rtlCol="0" anchor="ctr"/>
+          <a:bodyPr vert="horz" lIns="91440" tIns="45720" rIns="91440" bIns="45720" rtlCol="0" anchor="ctr"/>
           <a:lstStyle/>
           <a:p>
             <a:endParaRPr lang="en-US"/>
@@ -315,21 +311,21 @@
         </p:nvSpPr>
         <p:spPr>
           <a:xfrm>
-            <a:off x="701040" y="4473892"/>
-            <a:ext cx="5608320" cy="3660458"/>
+            <a:off x="685800" y="4400550"/>
+            <a:ext cx="5486400" cy="3600450"/>
           </a:xfrm>
           <a:prstGeom prst="rect">
             <a:avLst/>
           </a:prstGeom>
         </p:spPr>
         <p:txBody>
-          <a:bodyPr vert="horz" lIns="93177" tIns="46589" rIns="93177" bIns="46589" rtlCol="0"/>
+          <a:bodyPr vert="horz" lIns="91440" tIns="45720" rIns="91440" bIns="45720" rtlCol="0"/>
           <a:lstStyle/>
           <a:p>
             <a:pPr lvl="0"/>
             <a:r>
               <a:rPr lang="en-US"/>
-              <a:t>Click to edit Master text styles</a:t>
+              <a:t>Edit Master text styles</a:t>
             </a:r>
           </a:p>
           <a:p>
@@ -374,15 +370,15 @@
         </p:nvSpPr>
         <p:spPr>
           <a:xfrm>
-            <a:off x="0" y="8829967"/>
-            <a:ext cx="3037840" cy="466433"/>
+            <a:off x="0" y="8685213"/>
+            <a:ext cx="2971800" cy="458787"/>
           </a:xfrm>
           <a:prstGeom prst="rect">
             <a:avLst/>
           </a:prstGeom>
         </p:spPr>
         <p:txBody>
-          <a:bodyPr vert="horz" lIns="93177" tIns="46589" rIns="93177" bIns="46589" rtlCol="0" anchor="b"/>
+          <a:bodyPr vert="horz" lIns="91440" tIns="45720" rIns="91440" bIns="45720" rtlCol="0" anchor="b"/>
           <a:lstStyle>
             <a:lvl1pPr algn="l">
               <a:defRPr sz="1200"/>
@@ -405,22 +401,22 @@
         </p:nvSpPr>
         <p:spPr>
           <a:xfrm>
-            <a:off x="3970938" y="8829967"/>
-            <a:ext cx="3037840" cy="466433"/>
+            <a:off x="3884613" y="8685213"/>
+            <a:ext cx="2971800" cy="458787"/>
           </a:xfrm>
           <a:prstGeom prst="rect">
             <a:avLst/>
           </a:prstGeom>
         </p:spPr>
         <p:txBody>
-          <a:bodyPr vert="horz" lIns="93177" tIns="46589" rIns="93177" bIns="46589" rtlCol="0" anchor="b"/>
+          <a:bodyPr vert="horz" lIns="91440" tIns="45720" rIns="91440" bIns="45720" rtlCol="0" anchor="b"/>
           <a:lstStyle>
             <a:lvl1pPr algn="r">
               <a:defRPr sz="1200"/>
             </a:lvl1pPr>
           </a:lstStyle>
           <a:p>
-            <a:fld id="{47599759-32A3-47F2-9A65-C15F67D32FC2}" type="slidenum">
+            <a:fld id="{E6006AB3-B303-49B7-80DE-AE281F223BBD}" type="slidenum">
               <a:rPr lang="en-US" smtClean="0"/>
               <a:t>‹#›</a:t>
             </a:fld>
@@ -431,7 +427,7 @@
     </p:spTree>
     <p:extLst>
       <p:ext uri="{BB962C8B-B14F-4D97-AF65-F5344CB8AC3E}">
-        <p14:creationId xmlns:p14="http://schemas.microsoft.com/office/powerpoint/2010/main" val="3083009204"/>
+        <p14:creationId xmlns:p14="http://schemas.microsoft.com/office/powerpoint/2010/main" val="590286849"/>
       </p:ext>
     </p:extLst>
   </p:cSld>
@@ -605,7 +601,7 @@
     </p:spTree>
     <p:extLst>
       <p:ext uri="{BB962C8B-B14F-4D97-AF65-F5344CB8AC3E}">
-        <p14:creationId xmlns:p14="http://schemas.microsoft.com/office/powerpoint/2010/main" val="1885504126"/>
+        <p14:creationId xmlns:p14="http://schemas.microsoft.com/office/powerpoint/2010/main" val="4282453262"/>
       </p:ext>
     </p:extLst>
   </p:cSld>
@@ -697,7 +693,7 @@
     </p:spTree>
     <p:extLst>
       <p:ext uri="{BB962C8B-B14F-4D97-AF65-F5344CB8AC3E}">
-        <p14:creationId xmlns:p14="http://schemas.microsoft.com/office/powerpoint/2010/main" val="2635528499"/>
+        <p14:creationId xmlns:p14="http://schemas.microsoft.com/office/powerpoint/2010/main" val="4252708869"/>
       </p:ext>
     </p:extLst>
   </p:cSld>
@@ -789,7 +785,7 @@
     </p:spTree>
     <p:extLst>
       <p:ext uri="{BB962C8B-B14F-4D97-AF65-F5344CB8AC3E}">
-        <p14:creationId xmlns:p14="http://schemas.microsoft.com/office/powerpoint/2010/main" val="1398294388"/>
+        <p14:creationId xmlns:p14="http://schemas.microsoft.com/office/powerpoint/2010/main" val="3529904622"/>
       </p:ext>
     </p:extLst>
   </p:cSld>
@@ -800,7 +796,878 @@
 </file>
 
 <file path=ppt/slideLayouts/slideLayout1.xml><?xml version="1.0" encoding="utf-8"?>
-<p:sldLayout xmlns:a="http://schemas.openxmlformats.org/drawingml/2006/main" xmlns:r="http://schemas.openxmlformats.org/officeDocument/2006/relationships" xmlns:p="http://schemas.openxmlformats.org/presentationml/2006/main" type="title" preserve="1">
+<p:sldLayout xmlns:a="http://schemas.openxmlformats.org/drawingml/2006/main" xmlns:r="http://schemas.openxmlformats.org/officeDocument/2006/relationships" xmlns:p="http://schemas.openxmlformats.org/presentationml/2006/main" showMasterSp="0" preserve="1" userDrawn="1">
+  <p:cSld name="Title">
+    <p:spTree>
+      <p:nvGrpSpPr>
+        <p:cNvPr id="1" name=""/>
+        <p:cNvGrpSpPr/>
+        <p:nvPr/>
+      </p:nvGrpSpPr>
+      <p:grpSpPr>
+        <a:xfrm>
+          <a:off x="0" y="0"/>
+          <a:ext cx="0" cy="0"/>
+          <a:chOff x="0" y="0"/>
+          <a:chExt cx="0" cy="0"/>
+        </a:xfrm>
+      </p:grpSpPr>
+      <p:sp>
+        <p:nvSpPr>
+          <p:cNvPr id="33" name="Rectangle 32"/>
+          <p:cNvSpPr>
+            <a:spLocks noChangeAspect="1"/>
+          </p:cNvSpPr>
+          <p:nvPr userDrawn="1"/>
+        </p:nvSpPr>
+        <p:spPr>
+          <a:xfrm>
+            <a:off x="6555600" y="-359913"/>
+            <a:ext cx="5324000" cy="7200000"/>
+          </a:xfrm>
+          <a:prstGeom prst="rect">
+            <a:avLst/>
+          </a:prstGeom>
+          <a:blipFill>
+            <a:blip r:embed="rId2">
+              <a:alphaModFix amt="20000"/>
+            </a:blip>
+            <a:stretch>
+              <a:fillRect/>
+            </a:stretch>
+          </a:blipFill>
+        </p:spPr>
+        <p:txBody>
+          <a:bodyPr lIns="0" tIns="0" rIns="0" bIns="0" rtlCol="0" anchor="ctr">
+            <a:spAutoFit/>
+          </a:bodyPr>
+          <a:lstStyle/>
+          <a:p>
+            <a:pPr algn="l"/>
+            <a:endParaRPr lang="en-US" sz="2400" dirty="0">
+              <a:solidFill>
+                <a:schemeClr val="accent1"/>
+              </a:solidFill>
+            </a:endParaRPr>
+          </a:p>
+        </p:txBody>
+      </p:sp>
+      <p:sp>
+        <p:nvSpPr>
+          <p:cNvPr id="2" name="Title 1"/>
+          <p:cNvSpPr>
+            <a:spLocks noGrp="1"/>
+          </p:cNvSpPr>
+          <p:nvPr>
+            <p:ph type="ctrTitle" hasCustomPrompt="1"/>
+          </p:nvPr>
+        </p:nvSpPr>
+        <p:spPr>
+          <a:xfrm>
+            <a:off x="359907" y="3779838"/>
+            <a:ext cx="10800218" cy="2339975"/>
+          </a:xfrm>
+        </p:spPr>
+        <p:txBody>
+          <a:bodyPr anchor="b">
+            <a:noAutofit/>
+          </a:bodyPr>
+          <a:lstStyle>
+            <a:lvl1pPr algn="l">
+              <a:defRPr sz="6000">
+                <a:solidFill>
+                  <a:schemeClr val="tx1"/>
+                </a:solidFill>
+                <a:latin typeface="+mn-lt"/>
+              </a:defRPr>
+            </a:lvl1pPr>
+          </a:lstStyle>
+          <a:p>
+            <a:r>
+              <a:rPr lang="en-US" dirty="0"/>
+              <a:t>Presentation Title</a:t>
+            </a:r>
+          </a:p>
+        </p:txBody>
+      </p:sp>
+      <p:sp>
+        <p:nvSpPr>
+          <p:cNvPr id="14" name="Text Placeholder 13"/>
+          <p:cNvSpPr>
+            <a:spLocks noGrp="1"/>
+          </p:cNvSpPr>
+          <p:nvPr>
+            <p:ph type="body" sz="quarter" idx="10" hasCustomPrompt="1"/>
+          </p:nvPr>
+        </p:nvSpPr>
+        <p:spPr>
+          <a:xfrm>
+            <a:off x="361157" y="360588"/>
+            <a:ext cx="10799762" cy="1079500"/>
+          </a:xfrm>
+        </p:spPr>
+        <p:txBody>
+          <a:bodyPr anchor="t">
+            <a:noAutofit/>
+          </a:bodyPr>
+          <a:lstStyle>
+            <a:lvl1pPr algn="l">
+              <a:defRPr lang="en-US" sz="4000" b="0" kern="1200" dirty="0" smtClean="0">
+                <a:solidFill>
+                  <a:schemeClr val="accent1"/>
+                </a:solidFill>
+                <a:latin typeface="+mj-lt"/>
+                <a:ea typeface="+mn-ea"/>
+                <a:cs typeface="+mn-cs"/>
+              </a:defRPr>
+            </a:lvl1pPr>
+          </a:lstStyle>
+          <a:p>
+            <a:pPr lvl="0"/>
+            <a:r>
+              <a:rPr lang="en-US" dirty="0"/>
+              <a:t>Speaker Name</a:t>
+            </a:r>
+          </a:p>
+        </p:txBody>
+      </p:sp>
+      <p:pic>
+        <p:nvPicPr>
+          <p:cNvPr id="6" name="Picture 5"/>
+          <p:cNvPicPr>
+            <a:picLocks noChangeAspect="1"/>
+          </p:cNvPicPr>
+          <p:nvPr userDrawn="1"/>
+        </p:nvPicPr>
+        <p:blipFill>
+          <a:blip r:embed="rId3"/>
+          <a:stretch>
+            <a:fillRect/>
+          </a:stretch>
+        </p:blipFill>
+        <p:spPr>
+          <a:xfrm>
+            <a:off x="8673244" y="3060087"/>
+            <a:ext cx="2486881" cy="360000"/>
+          </a:xfrm>
+          <a:prstGeom prst="rect">
+            <a:avLst/>
+          </a:prstGeom>
+        </p:spPr>
+      </p:pic>
+    </p:spTree>
+    <p:extLst>
+      <p:ext uri="{BB962C8B-B14F-4D97-AF65-F5344CB8AC3E}">
+        <p14:creationId xmlns:p14="http://schemas.microsoft.com/office/powerpoint/2010/main" val="800730336"/>
+      </p:ext>
+    </p:extLst>
+  </p:cSld>
+  <p:clrMapOvr>
+    <a:masterClrMapping/>
+  </p:clrMapOvr>
+</p:sldLayout>
+</file>
+
+<file path=ppt/slideLayouts/slideLayout2.xml><?xml version="1.0" encoding="utf-8"?>
+<p:sldLayout xmlns:a="http://schemas.openxmlformats.org/drawingml/2006/main" xmlns:r="http://schemas.openxmlformats.org/officeDocument/2006/relationships" xmlns:p="http://schemas.openxmlformats.org/presentationml/2006/main" showMasterSp="0" preserve="1" userDrawn="1">
+  <p:cSld name="Section Header">
+    <p:spTree>
+      <p:nvGrpSpPr>
+        <p:cNvPr id="1" name=""/>
+        <p:cNvGrpSpPr/>
+        <p:nvPr/>
+      </p:nvGrpSpPr>
+      <p:grpSpPr>
+        <a:xfrm>
+          <a:off x="0" y="0"/>
+          <a:ext cx="0" cy="0"/>
+          <a:chOff x="0" y="0"/>
+          <a:chExt cx="0" cy="0"/>
+        </a:xfrm>
+      </p:grpSpPr>
+      <p:sp>
+        <p:nvSpPr>
+          <p:cNvPr id="23" name="Rectangle 22"/>
+          <p:cNvSpPr>
+            <a:spLocks noChangeAspect="1"/>
+          </p:cNvSpPr>
+          <p:nvPr userDrawn="1"/>
+        </p:nvSpPr>
+        <p:spPr>
+          <a:xfrm>
+            <a:off x="-360000" y="-359913"/>
+            <a:ext cx="5324000" cy="7200000"/>
+          </a:xfrm>
+          <a:prstGeom prst="rect">
+            <a:avLst/>
+          </a:prstGeom>
+          <a:blipFill>
+            <a:blip r:embed="rId2">
+              <a:alphaModFix amt="20000"/>
+            </a:blip>
+            <a:stretch>
+              <a:fillRect/>
+            </a:stretch>
+          </a:blipFill>
+        </p:spPr>
+        <p:txBody>
+          <a:bodyPr lIns="0" tIns="0" rIns="0" bIns="0" rtlCol="0" anchor="ctr">
+            <a:spAutoFit/>
+          </a:bodyPr>
+          <a:lstStyle/>
+          <a:p>
+            <a:pPr algn="l"/>
+            <a:endParaRPr lang="en-US" sz="2400" dirty="0">
+              <a:solidFill>
+                <a:schemeClr val="accent1"/>
+              </a:solidFill>
+            </a:endParaRPr>
+          </a:p>
+        </p:txBody>
+      </p:sp>
+      <p:sp>
+        <p:nvSpPr>
+          <p:cNvPr id="2" name="Title 1"/>
+          <p:cNvSpPr>
+            <a:spLocks noGrp="1"/>
+          </p:cNvSpPr>
+          <p:nvPr>
+            <p:ph type="title" hasCustomPrompt="1"/>
+          </p:nvPr>
+        </p:nvSpPr>
+        <p:spPr>
+          <a:xfrm>
+            <a:off x="360364" y="360363"/>
+            <a:ext cx="10799762" cy="5759449"/>
+          </a:xfrm>
+        </p:spPr>
+        <p:txBody>
+          <a:bodyPr anchor="ctr"/>
+          <a:lstStyle>
+            <a:lvl1pPr algn="r">
+              <a:defRPr sz="6000" b="0" i="0" cap="none">
+                <a:solidFill>
+                  <a:schemeClr val="accent1"/>
+                </a:solidFill>
+                <a:latin typeface="+mj-lt"/>
+                <a:cs typeface="Arial"/>
+              </a:defRPr>
+            </a:lvl1pPr>
+          </a:lstStyle>
+          <a:p>
+            <a:r>
+              <a:rPr lang="en-US" dirty="0"/>
+              <a:t>Section Title</a:t>
+            </a:r>
+          </a:p>
+        </p:txBody>
+      </p:sp>
+    </p:spTree>
+    <p:extLst>
+      <p:ext uri="{BB962C8B-B14F-4D97-AF65-F5344CB8AC3E}">
+        <p14:creationId xmlns:p14="http://schemas.microsoft.com/office/powerpoint/2010/main" val="3510596381"/>
+      </p:ext>
+    </p:extLst>
+  </p:cSld>
+  <p:clrMapOvr>
+    <a:masterClrMapping/>
+  </p:clrMapOvr>
+</p:sldLayout>
+</file>
+
+<file path=ppt/slideLayouts/slideLayout3.xml><?xml version="1.0" encoding="utf-8"?>
+<p:sldLayout xmlns:a="http://schemas.openxmlformats.org/drawingml/2006/main" xmlns:r="http://schemas.openxmlformats.org/officeDocument/2006/relationships" xmlns:p="http://schemas.openxmlformats.org/presentationml/2006/main" type="obj" preserve="1">
+  <p:cSld name="Title and Content">
+    <p:spTree>
+      <p:nvGrpSpPr>
+        <p:cNvPr id="1" name=""/>
+        <p:cNvGrpSpPr/>
+        <p:nvPr/>
+      </p:nvGrpSpPr>
+      <p:grpSpPr>
+        <a:xfrm>
+          <a:off x="0" y="0"/>
+          <a:ext cx="0" cy="0"/>
+          <a:chOff x="0" y="0"/>
+          <a:chExt cx="0" cy="0"/>
+        </a:xfrm>
+      </p:grpSpPr>
+      <p:sp>
+        <p:nvSpPr>
+          <p:cNvPr id="2" name="Title 1"/>
+          <p:cNvSpPr>
+            <a:spLocks noGrp="1"/>
+          </p:cNvSpPr>
+          <p:nvPr>
+            <p:ph type="title"/>
+          </p:nvPr>
+        </p:nvSpPr>
+        <p:spPr/>
+        <p:txBody>
+          <a:bodyPr/>
+          <a:lstStyle/>
+          <a:p>
+            <a:r>
+              <a:rPr lang="en-US" dirty="0"/>
+              <a:t>Click to edit Master title style</a:t>
+            </a:r>
+          </a:p>
+        </p:txBody>
+      </p:sp>
+      <p:sp>
+        <p:nvSpPr>
+          <p:cNvPr id="3" name="Content Placeholder 2"/>
+          <p:cNvSpPr>
+            <a:spLocks noGrp="1"/>
+          </p:cNvSpPr>
+          <p:nvPr>
+            <p:ph idx="1"/>
+          </p:nvPr>
+        </p:nvSpPr>
+        <p:spPr/>
+        <p:txBody>
+          <a:bodyPr/>
+          <a:lstStyle>
+            <a:lvl1pPr marL="0" indent="0">
+              <a:buFont typeface="Wingdings" charset="2"/>
+              <a:buNone/>
+              <a:defRPr>
+                <a:solidFill>
+                  <a:schemeClr val="tx2"/>
+                </a:solidFill>
+              </a:defRPr>
+            </a:lvl1pPr>
+            <a:lvl2pPr marL="576027" indent="0">
+              <a:buFont typeface="Wingdings" charset="2"/>
+              <a:buNone/>
+              <a:defRPr>
+                <a:solidFill>
+                  <a:srgbClr val="474947"/>
+                </a:solidFill>
+              </a:defRPr>
+            </a:lvl2pPr>
+            <a:lvl3pPr marL="1152053" indent="0">
+              <a:buFont typeface="Wingdings" charset="2"/>
+              <a:buNone/>
+              <a:defRPr>
+                <a:solidFill>
+                  <a:srgbClr val="474947"/>
+                </a:solidFill>
+              </a:defRPr>
+            </a:lvl3pPr>
+            <a:lvl4pPr marL="1728079" indent="0">
+              <a:buFont typeface="Wingdings" charset="2"/>
+              <a:buNone/>
+              <a:defRPr>
+                <a:solidFill>
+                  <a:srgbClr val="474947"/>
+                </a:solidFill>
+              </a:defRPr>
+            </a:lvl4pPr>
+            <a:lvl5pPr marL="2304105" indent="0">
+              <a:buFont typeface="Wingdings" charset="2"/>
+              <a:buNone/>
+              <a:defRPr>
+                <a:solidFill>
+                  <a:srgbClr val="474947"/>
+                </a:solidFill>
+              </a:defRPr>
+            </a:lvl5pPr>
+          </a:lstStyle>
+          <a:p>
+            <a:pPr lvl="0"/>
+            <a:r>
+              <a:rPr lang="en-US" dirty="0"/>
+              <a:t>Click to edit Master text styles</a:t>
+            </a:r>
+          </a:p>
+          <a:p>
+            <a:pPr lvl="1"/>
+            <a:r>
+              <a:rPr lang="en-US" dirty="0"/>
+              <a:t>Second level</a:t>
+            </a:r>
+          </a:p>
+          <a:p>
+            <a:pPr lvl="2"/>
+            <a:r>
+              <a:rPr lang="en-US" dirty="0"/>
+              <a:t>Third level</a:t>
+            </a:r>
+          </a:p>
+          <a:p>
+            <a:pPr lvl="3"/>
+            <a:r>
+              <a:rPr lang="en-US" dirty="0"/>
+              <a:t>Fourth level</a:t>
+            </a:r>
+          </a:p>
+          <a:p>
+            <a:pPr lvl="4"/>
+            <a:r>
+              <a:rPr lang="en-US" dirty="0"/>
+              <a:t>Fifth level</a:t>
+            </a:r>
+          </a:p>
+        </p:txBody>
+      </p:sp>
+    </p:spTree>
+    <p:extLst>
+      <p:ext uri="{BB962C8B-B14F-4D97-AF65-F5344CB8AC3E}">
+        <p14:creationId xmlns:p14="http://schemas.microsoft.com/office/powerpoint/2010/main" val="4065140645"/>
+      </p:ext>
+    </p:extLst>
+  </p:cSld>
+  <p:clrMapOvr>
+    <a:masterClrMapping/>
+  </p:clrMapOvr>
+</p:sldLayout>
+</file>
+
+<file path=ppt/slideLayouts/slideLayout4.xml><?xml version="1.0" encoding="utf-8"?>
+<p:sldLayout xmlns:a="http://schemas.openxmlformats.org/drawingml/2006/main" xmlns:r="http://schemas.openxmlformats.org/officeDocument/2006/relationships" xmlns:p="http://schemas.openxmlformats.org/presentationml/2006/main" type="titleOnly" preserve="1">
+  <p:cSld name="Title Only">
+    <p:spTree>
+      <p:nvGrpSpPr>
+        <p:cNvPr id="1" name=""/>
+        <p:cNvGrpSpPr/>
+        <p:nvPr/>
+      </p:nvGrpSpPr>
+      <p:grpSpPr>
+        <a:xfrm>
+          <a:off x="0" y="0"/>
+          <a:ext cx="0" cy="0"/>
+          <a:chOff x="0" y="0"/>
+          <a:chExt cx="0" cy="0"/>
+        </a:xfrm>
+      </p:grpSpPr>
+      <p:sp>
+        <p:nvSpPr>
+          <p:cNvPr id="2" name="Title 1"/>
+          <p:cNvSpPr>
+            <a:spLocks noGrp="1"/>
+          </p:cNvSpPr>
+          <p:nvPr>
+            <p:ph type="title"/>
+          </p:nvPr>
+        </p:nvSpPr>
+        <p:spPr/>
+        <p:txBody>
+          <a:bodyPr/>
+          <a:lstStyle/>
+          <a:p>
+            <a:r>
+              <a:rPr lang="en-US"/>
+              <a:t>Click to edit Master title style</a:t>
+            </a:r>
+          </a:p>
+        </p:txBody>
+      </p:sp>
+    </p:spTree>
+    <p:extLst>
+      <p:ext uri="{BB962C8B-B14F-4D97-AF65-F5344CB8AC3E}">
+        <p14:creationId xmlns:p14="http://schemas.microsoft.com/office/powerpoint/2010/main" val="1721537737"/>
+      </p:ext>
+    </p:extLst>
+  </p:cSld>
+  <p:clrMapOvr>
+    <a:masterClrMapping/>
+  </p:clrMapOvr>
+</p:sldLayout>
+</file>
+
+<file path=ppt/slideLayouts/slideLayout5.xml><?xml version="1.0" encoding="utf-8"?>
+<p:sldLayout xmlns:a="http://schemas.openxmlformats.org/drawingml/2006/main" xmlns:r="http://schemas.openxmlformats.org/officeDocument/2006/relationships" xmlns:p="http://schemas.openxmlformats.org/presentationml/2006/main" preserve="1" userDrawn="1">
+  <p:cSld name="Content Only">
+    <p:spTree>
+      <p:nvGrpSpPr>
+        <p:cNvPr id="1" name=""/>
+        <p:cNvGrpSpPr/>
+        <p:nvPr/>
+      </p:nvGrpSpPr>
+      <p:grpSpPr>
+        <a:xfrm>
+          <a:off x="0" y="0"/>
+          <a:ext cx="0" cy="0"/>
+          <a:chOff x="0" y="0"/>
+          <a:chExt cx="0" cy="0"/>
+        </a:xfrm>
+      </p:grpSpPr>
+      <p:sp>
+        <p:nvSpPr>
+          <p:cNvPr id="3" name="Content Placeholder 2"/>
+          <p:cNvSpPr>
+            <a:spLocks noGrp="1"/>
+          </p:cNvSpPr>
+          <p:nvPr>
+            <p:ph idx="1"/>
+          </p:nvPr>
+        </p:nvSpPr>
+        <p:spPr>
+          <a:xfrm>
+            <a:off x="360125" y="360363"/>
+            <a:ext cx="10800000" cy="5759450"/>
+          </a:xfrm>
+        </p:spPr>
+        <p:txBody>
+          <a:bodyPr/>
+          <a:lstStyle>
+            <a:lvl1pPr marL="0" indent="0">
+              <a:buFont typeface="Wingdings" charset="2"/>
+              <a:buNone/>
+              <a:defRPr>
+                <a:solidFill>
+                  <a:schemeClr val="tx2"/>
+                </a:solidFill>
+              </a:defRPr>
+            </a:lvl1pPr>
+            <a:lvl2pPr marL="576027" indent="0">
+              <a:buFont typeface="Wingdings" charset="2"/>
+              <a:buNone/>
+              <a:defRPr>
+                <a:solidFill>
+                  <a:srgbClr val="474947"/>
+                </a:solidFill>
+              </a:defRPr>
+            </a:lvl2pPr>
+            <a:lvl3pPr marL="1152053" indent="0">
+              <a:buFont typeface="Wingdings" charset="2"/>
+              <a:buNone/>
+              <a:defRPr>
+                <a:solidFill>
+                  <a:srgbClr val="474947"/>
+                </a:solidFill>
+              </a:defRPr>
+            </a:lvl3pPr>
+            <a:lvl4pPr marL="1728079" indent="0">
+              <a:buFont typeface="Wingdings" charset="2"/>
+              <a:buNone/>
+              <a:defRPr>
+                <a:solidFill>
+                  <a:srgbClr val="474947"/>
+                </a:solidFill>
+              </a:defRPr>
+            </a:lvl4pPr>
+            <a:lvl5pPr marL="2304105" indent="0">
+              <a:buFont typeface="Wingdings" charset="2"/>
+              <a:buNone/>
+              <a:defRPr>
+                <a:solidFill>
+                  <a:srgbClr val="474947"/>
+                </a:solidFill>
+              </a:defRPr>
+            </a:lvl5pPr>
+          </a:lstStyle>
+          <a:p>
+            <a:pPr lvl="0"/>
+            <a:r>
+              <a:rPr lang="en-US" dirty="0"/>
+              <a:t>Click to edit Master text styles</a:t>
+            </a:r>
+          </a:p>
+          <a:p>
+            <a:pPr lvl="1"/>
+            <a:r>
+              <a:rPr lang="en-US" dirty="0"/>
+              <a:t>Second level</a:t>
+            </a:r>
+          </a:p>
+          <a:p>
+            <a:pPr lvl="2"/>
+            <a:r>
+              <a:rPr lang="en-US" dirty="0"/>
+              <a:t>Third level</a:t>
+            </a:r>
+          </a:p>
+          <a:p>
+            <a:pPr lvl="3"/>
+            <a:r>
+              <a:rPr lang="en-US" dirty="0"/>
+              <a:t>Fourth level</a:t>
+            </a:r>
+          </a:p>
+          <a:p>
+            <a:pPr lvl="4"/>
+            <a:r>
+              <a:rPr lang="en-US" dirty="0"/>
+              <a:t>Fifth level</a:t>
+            </a:r>
+          </a:p>
+        </p:txBody>
+      </p:sp>
+    </p:spTree>
+    <p:extLst>
+      <p:ext uri="{BB962C8B-B14F-4D97-AF65-F5344CB8AC3E}">
+        <p14:creationId xmlns:p14="http://schemas.microsoft.com/office/powerpoint/2010/main" val="1890547697"/>
+      </p:ext>
+    </p:extLst>
+  </p:cSld>
+  <p:clrMapOvr>
+    <a:masterClrMapping/>
+  </p:clrMapOvr>
+</p:sldLayout>
+</file>
+
+<file path=ppt/slideLayouts/slideLayout6.xml><?xml version="1.0" encoding="utf-8"?>
+<p:sldLayout xmlns:a="http://schemas.openxmlformats.org/drawingml/2006/main" xmlns:r="http://schemas.openxmlformats.org/officeDocument/2006/relationships" xmlns:p="http://schemas.openxmlformats.org/presentationml/2006/main" type="twoObj" preserve="1">
+  <p:cSld name="Two Content">
+    <p:spTree>
+      <p:nvGrpSpPr>
+        <p:cNvPr id="1" name=""/>
+        <p:cNvGrpSpPr/>
+        <p:nvPr/>
+      </p:nvGrpSpPr>
+      <p:grpSpPr>
+        <a:xfrm>
+          <a:off x="0" y="0"/>
+          <a:ext cx="0" cy="0"/>
+          <a:chOff x="0" y="0"/>
+          <a:chExt cx="0" cy="0"/>
+        </a:xfrm>
+      </p:grpSpPr>
+      <p:sp>
+        <p:nvSpPr>
+          <p:cNvPr id="2" name="Title 1"/>
+          <p:cNvSpPr>
+            <a:spLocks noGrp="1"/>
+          </p:cNvSpPr>
+          <p:nvPr>
+            <p:ph type="title"/>
+          </p:nvPr>
+        </p:nvSpPr>
+        <p:spPr/>
+        <p:txBody>
+          <a:bodyPr/>
+          <a:lstStyle>
+            <a:lvl1pPr algn="l">
+              <a:defRPr/>
+            </a:lvl1pPr>
+          </a:lstStyle>
+          <a:p>
+            <a:r>
+              <a:rPr lang="en-US" dirty="0"/>
+              <a:t>Click to edit Master title style</a:t>
+            </a:r>
+          </a:p>
+        </p:txBody>
+      </p:sp>
+      <p:sp>
+        <p:nvSpPr>
+          <p:cNvPr id="3" name="Content Placeholder 2"/>
+          <p:cNvSpPr>
+            <a:spLocks noGrp="1"/>
+          </p:cNvSpPr>
+          <p:nvPr>
+            <p:ph sz="half" idx="1"/>
+          </p:nvPr>
+        </p:nvSpPr>
+        <p:spPr>
+          <a:xfrm>
+            <a:off x="361038" y="1439863"/>
+            <a:ext cx="5397726" cy="4679950"/>
+          </a:xfrm>
+        </p:spPr>
+        <p:txBody>
+          <a:bodyPr rIns="180000">
+            <a:normAutofit/>
+          </a:bodyPr>
+          <a:lstStyle>
+            <a:lvl1pPr>
+              <a:defRPr sz="2800"/>
+            </a:lvl1pPr>
+            <a:lvl2pPr>
+              <a:defRPr sz="2400"/>
+            </a:lvl2pPr>
+            <a:lvl3pPr>
+              <a:defRPr sz="2000"/>
+            </a:lvl3pPr>
+            <a:lvl4pPr>
+              <a:defRPr sz="1800"/>
+            </a:lvl4pPr>
+            <a:lvl5pPr>
+              <a:defRPr sz="1800"/>
+            </a:lvl5pPr>
+            <a:lvl6pPr>
+              <a:defRPr sz="2268"/>
+            </a:lvl6pPr>
+            <a:lvl7pPr>
+              <a:defRPr sz="2268"/>
+            </a:lvl7pPr>
+            <a:lvl8pPr>
+              <a:defRPr sz="2268"/>
+            </a:lvl8pPr>
+            <a:lvl9pPr>
+              <a:defRPr sz="2268"/>
+            </a:lvl9pPr>
+          </a:lstStyle>
+          <a:p>
+            <a:pPr lvl="0"/>
+            <a:r>
+              <a:rPr lang="en-US" dirty="0"/>
+              <a:t>Click to edit Master text styles</a:t>
+            </a:r>
+          </a:p>
+          <a:p>
+            <a:pPr lvl="1"/>
+            <a:r>
+              <a:rPr lang="en-US" dirty="0"/>
+              <a:t>Second level</a:t>
+            </a:r>
+          </a:p>
+          <a:p>
+            <a:pPr lvl="2"/>
+            <a:r>
+              <a:rPr lang="en-US" dirty="0"/>
+              <a:t>Third level</a:t>
+            </a:r>
+          </a:p>
+          <a:p>
+            <a:pPr lvl="3"/>
+            <a:r>
+              <a:rPr lang="en-US" dirty="0"/>
+              <a:t>Fourth level</a:t>
+            </a:r>
+          </a:p>
+          <a:p>
+            <a:pPr lvl="4"/>
+            <a:r>
+              <a:rPr lang="en-US" dirty="0"/>
+              <a:t>Fifth level</a:t>
+            </a:r>
+          </a:p>
+        </p:txBody>
+      </p:sp>
+      <p:sp>
+        <p:nvSpPr>
+          <p:cNvPr id="4" name="Content Placeholder 3"/>
+          <p:cNvSpPr>
+            <a:spLocks noGrp="1"/>
+          </p:cNvSpPr>
+          <p:nvPr>
+            <p:ph sz="half" idx="2" hasCustomPrompt="1"/>
+          </p:nvPr>
+        </p:nvSpPr>
+        <p:spPr>
+          <a:xfrm>
+            <a:off x="5761038" y="1439863"/>
+            <a:ext cx="5399087" cy="4679950"/>
+          </a:xfrm>
+        </p:spPr>
+        <p:txBody>
+          <a:bodyPr lIns="180000">
+            <a:normAutofit/>
+          </a:bodyPr>
+          <a:lstStyle>
+            <a:lvl1pPr>
+              <a:defRPr sz="2800"/>
+            </a:lvl1pPr>
+            <a:lvl2pPr>
+              <a:defRPr sz="2400"/>
+            </a:lvl2pPr>
+            <a:lvl3pPr>
+              <a:defRPr sz="2000"/>
+            </a:lvl3pPr>
+            <a:lvl4pPr>
+              <a:defRPr sz="1800"/>
+            </a:lvl4pPr>
+            <a:lvl5pPr>
+              <a:defRPr sz="1800"/>
+            </a:lvl5pPr>
+            <a:lvl6pPr>
+              <a:defRPr sz="2268"/>
+            </a:lvl6pPr>
+            <a:lvl7pPr>
+              <a:defRPr sz="2268"/>
+            </a:lvl7pPr>
+            <a:lvl8pPr>
+              <a:defRPr sz="2268"/>
+            </a:lvl8pPr>
+            <a:lvl9pPr>
+              <a:defRPr sz="2268"/>
+            </a:lvl9pPr>
+          </a:lstStyle>
+          <a:p>
+            <a:pPr lvl="0"/>
+            <a:r>
+              <a:rPr lang="en-US" dirty="0"/>
+              <a:t>Click to edit Master text styles</a:t>
+            </a:r>
+          </a:p>
+          <a:p>
+            <a:pPr lvl="1"/>
+            <a:r>
+              <a:rPr lang="en-US" dirty="0"/>
+              <a:t>Second level</a:t>
+            </a:r>
+          </a:p>
+          <a:p>
+            <a:pPr lvl="2"/>
+            <a:r>
+              <a:rPr lang="en-US" dirty="0"/>
+              <a:t>Third level</a:t>
+            </a:r>
+          </a:p>
+          <a:p>
+            <a:pPr lvl="3"/>
+            <a:r>
+              <a:rPr lang="en-US" dirty="0"/>
+              <a:t>Fourth level</a:t>
+            </a:r>
+          </a:p>
+          <a:p>
+            <a:pPr lvl="4"/>
+            <a:r>
+              <a:rPr lang="en-US" dirty="0"/>
+              <a:t>Fifth level</a:t>
+            </a:r>
+          </a:p>
+        </p:txBody>
+      </p:sp>
+    </p:spTree>
+    <p:extLst>
+      <p:ext uri="{BB962C8B-B14F-4D97-AF65-F5344CB8AC3E}">
+        <p14:creationId xmlns:p14="http://schemas.microsoft.com/office/powerpoint/2010/main" val="2062983015"/>
+      </p:ext>
+    </p:extLst>
+  </p:cSld>
+  <p:clrMapOvr>
+    <a:masterClrMapping/>
+  </p:clrMapOvr>
+</p:sldLayout>
+</file>
+
+<file path=ppt/slideLayouts/slideLayout7.xml><?xml version="1.0" encoding="utf-8"?>
+<p:sldLayout xmlns:a="http://schemas.openxmlformats.org/drawingml/2006/main" xmlns:r="http://schemas.openxmlformats.org/officeDocument/2006/relationships" xmlns:p="http://schemas.openxmlformats.org/presentationml/2006/main" type="blank" preserve="1">
+  <p:cSld name="Blank">
+    <p:spTree>
+      <p:nvGrpSpPr>
+        <p:cNvPr id="1" name=""/>
+        <p:cNvGrpSpPr/>
+        <p:nvPr/>
+      </p:nvGrpSpPr>
+      <p:grpSpPr>
+        <a:xfrm>
+          <a:off x="0" y="0"/>
+          <a:ext cx="0" cy="0"/>
+          <a:chOff x="0" y="0"/>
+          <a:chExt cx="0" cy="0"/>
+        </a:xfrm>
+      </p:grpSpPr>
+    </p:spTree>
+    <p:extLst>
+      <p:ext uri="{BB962C8B-B14F-4D97-AF65-F5344CB8AC3E}">
+        <p14:creationId xmlns:p14="http://schemas.microsoft.com/office/powerpoint/2010/main" val="4186986387"/>
+      </p:ext>
+    </p:extLst>
+  </p:cSld>
+  <p:clrMapOvr>
+    <a:masterClrMapping/>
+  </p:clrMapOvr>
+</p:sldLayout>
+</file>
+
+<file path=ppt/slideLayouts/slideLayout8.xml><?xml version="1.0" encoding="utf-8"?>
+<p:sldLayout xmlns:a="http://schemas.openxmlformats.org/drawingml/2006/main" xmlns:r="http://schemas.openxmlformats.org/officeDocument/2006/relationships" xmlns:p="http://schemas.openxmlformats.org/presentationml/2006/main" type="title">
   <p:cSld name="Title Slide">
     <p:spTree>
       <p:nvGrpSpPr>
@@ -838,8 +1705,8 @@
         </p:blipFill>
         <p:spPr>
           <a:xfrm>
-            <a:off x="0" y="107546"/>
-            <a:ext cx="9143999" cy="6747609"/>
+            <a:off x="1" y="101621"/>
+            <a:ext cx="11520487" cy="6375866"/>
           </a:xfrm>
           <a:prstGeom prst="rect">
             <a:avLst/>
@@ -858,8 +1725,8 @@
         </p:nvSpPr>
         <p:spPr>
           <a:xfrm>
-            <a:off x="458408" y="516685"/>
-            <a:ext cx="8203153" cy="1470025"/>
+            <a:off x="577547" y="488220"/>
+            <a:ext cx="10335119" cy="1389038"/>
           </a:xfrm>
         </p:spPr>
         <p:txBody>
@@ -868,7 +1735,7 @@
           </a:bodyPr>
           <a:lstStyle>
             <a:lvl1pPr algn="l">
-              <a:defRPr sz="4000">
+              <a:defRPr sz="3780">
                 <a:solidFill>
                   <a:schemeClr val="accent1"/>
                 </a:solidFill>
@@ -895,8 +1762,8 @@
         </p:nvSpPr>
         <p:spPr>
           <a:xfrm>
-            <a:off x="458408" y="1907341"/>
-            <a:ext cx="7925349" cy="1752600"/>
+            <a:off x="577547" y="1802261"/>
+            <a:ext cx="9985115" cy="1656045"/>
           </a:xfrm>
         </p:spPr>
         <p:txBody>
@@ -906,13 +1773,13 @@
           <a:lstStyle>
             <a:lvl1pPr marL="0" indent="0" algn="l">
               <a:buNone/>
-              <a:defRPr sz="3000">
+              <a:defRPr sz="2835">
                 <a:solidFill>
                   <a:schemeClr val="bg1"/>
                 </a:solidFill>
               </a:defRPr>
             </a:lvl1pPr>
-            <a:lvl2pPr marL="457200" indent="0" algn="ctr">
+            <a:lvl2pPr marL="432008" indent="0" algn="ctr">
               <a:buNone/>
               <a:defRPr>
                 <a:solidFill>
@@ -922,7 +1789,7 @@
                 </a:solidFill>
               </a:defRPr>
             </a:lvl2pPr>
-            <a:lvl3pPr marL="914400" indent="0" algn="ctr">
+            <a:lvl3pPr marL="864017" indent="0" algn="ctr">
               <a:buNone/>
               <a:defRPr>
                 <a:solidFill>
@@ -932,7 +1799,7 @@
                 </a:solidFill>
               </a:defRPr>
             </a:lvl3pPr>
-            <a:lvl4pPr marL="1371600" indent="0" algn="ctr">
+            <a:lvl4pPr marL="1296025" indent="0" algn="ctr">
               <a:buNone/>
               <a:defRPr>
                 <a:solidFill>
@@ -942,7 +1809,7 @@
                 </a:solidFill>
               </a:defRPr>
             </a:lvl4pPr>
-            <a:lvl5pPr marL="1828800" indent="0" algn="ctr">
+            <a:lvl5pPr marL="1728033" indent="0" algn="ctr">
               <a:buNone/>
               <a:defRPr>
                 <a:solidFill>
@@ -952,7 +1819,7 @@
                 </a:solidFill>
               </a:defRPr>
             </a:lvl5pPr>
-            <a:lvl6pPr marL="2286000" indent="0" algn="ctr">
+            <a:lvl6pPr marL="2160041" indent="0" algn="ctr">
               <a:buNone/>
               <a:defRPr>
                 <a:solidFill>
@@ -962,7 +1829,7 @@
                 </a:solidFill>
               </a:defRPr>
             </a:lvl6pPr>
-            <a:lvl7pPr marL="2743200" indent="0" algn="ctr">
+            <a:lvl7pPr marL="2592050" indent="0" algn="ctr">
               <a:buNone/>
               <a:defRPr>
                 <a:solidFill>
@@ -972,7 +1839,7 @@
                 </a:solidFill>
               </a:defRPr>
             </a:lvl7pPr>
-            <a:lvl8pPr marL="3200400" indent="0" algn="ctr">
+            <a:lvl8pPr marL="3024058" indent="0" algn="ctr">
               <a:buNone/>
               <a:defRPr>
                 <a:solidFill>
@@ -982,7 +1849,7 @@
                 </a:solidFill>
               </a:defRPr>
             </a:lvl8pPr>
-            <a:lvl9pPr marL="3657600" indent="0" algn="ctr">
+            <a:lvl9pPr marL="3456066" indent="0" algn="ctr">
               <a:buNone/>
               <a:defRPr>
                 <a:solidFill>
@@ -1024,8 +1891,8 @@
         </p:blipFill>
         <p:spPr bwMode="auto">
           <a:xfrm>
-            <a:off x="6895420" y="5740561"/>
-            <a:ext cx="2247900" cy="1095376"/>
+            <a:off x="8687511" y="5424299"/>
+            <a:ext cx="2832120" cy="1035029"/>
           </a:xfrm>
           <a:prstGeom prst="rect">
             <a:avLst/>
@@ -1045,2602 +1912,7 @@
     </p:spTree>
     <p:extLst>
       <p:ext uri="{BB962C8B-B14F-4D97-AF65-F5344CB8AC3E}">
-        <p14:creationId xmlns:p14="http://schemas.microsoft.com/office/powerpoint/2010/main" val="800730336"/>
-      </p:ext>
-    </p:extLst>
-  </p:cSld>
-  <p:clrMapOvr>
-    <a:masterClrMapping/>
-  </p:clrMapOvr>
-</p:sldLayout>
-</file>
-
-<file path=ppt/slideLayouts/slideLayout10.xml><?xml version="1.0" encoding="utf-8"?>
-<p:sldLayout xmlns:a="http://schemas.openxmlformats.org/drawingml/2006/main" xmlns:r="http://schemas.openxmlformats.org/officeDocument/2006/relationships" xmlns:p="http://schemas.openxmlformats.org/presentationml/2006/main" type="vertTx" preserve="1">
-  <p:cSld name="Title and Vertical Text">
-    <p:spTree>
-      <p:nvGrpSpPr>
-        <p:cNvPr id="1" name=""/>
-        <p:cNvGrpSpPr/>
-        <p:nvPr/>
-      </p:nvGrpSpPr>
-      <p:grpSpPr>
-        <a:xfrm>
-          <a:off x="0" y="0"/>
-          <a:ext cx="0" cy="0"/>
-          <a:chOff x="0" y="0"/>
-          <a:chExt cx="0" cy="0"/>
-        </a:xfrm>
-      </p:grpSpPr>
-      <p:sp>
-        <p:nvSpPr>
-          <p:cNvPr id="2" name="Title 1"/>
-          <p:cNvSpPr>
-            <a:spLocks noGrp="1"/>
-          </p:cNvSpPr>
-          <p:nvPr>
-            <p:ph type="title"/>
-          </p:nvPr>
-        </p:nvSpPr>
-        <p:spPr/>
-        <p:txBody>
-          <a:bodyPr/>
-          <a:lstStyle/>
-          <a:p>
-            <a:r>
-              <a:rPr lang="en-US"/>
-              <a:t>Click to edit Master title style</a:t>
-            </a:r>
-          </a:p>
-        </p:txBody>
-      </p:sp>
-      <p:sp>
-        <p:nvSpPr>
-          <p:cNvPr id="3" name="Vertical Text Placeholder 2"/>
-          <p:cNvSpPr>
-            <a:spLocks noGrp="1"/>
-          </p:cNvSpPr>
-          <p:nvPr>
-            <p:ph type="body" orient="vert" idx="1"/>
-          </p:nvPr>
-        </p:nvSpPr>
-        <p:spPr/>
-        <p:txBody>
-          <a:bodyPr vert="eaVert"/>
-          <a:lstStyle/>
-          <a:p>
-            <a:pPr lvl="0"/>
-            <a:r>
-              <a:rPr lang="en-US"/>
-              <a:t>Click to edit Master text styles</a:t>
-            </a:r>
-          </a:p>
-          <a:p>
-            <a:pPr lvl="1"/>
-            <a:r>
-              <a:rPr lang="en-US"/>
-              <a:t>Second level</a:t>
-            </a:r>
-          </a:p>
-          <a:p>
-            <a:pPr lvl="2"/>
-            <a:r>
-              <a:rPr lang="en-US"/>
-              <a:t>Third level</a:t>
-            </a:r>
-          </a:p>
-          <a:p>
-            <a:pPr lvl="3"/>
-            <a:r>
-              <a:rPr lang="en-US"/>
-              <a:t>Fourth level</a:t>
-            </a:r>
-          </a:p>
-          <a:p>
-            <a:pPr lvl="4"/>
-            <a:r>
-              <a:rPr lang="en-US"/>
-              <a:t>Fifth level</a:t>
-            </a:r>
-          </a:p>
-        </p:txBody>
-      </p:sp>
-      <p:sp>
-        <p:nvSpPr>
-          <p:cNvPr id="13" name="Footer Placeholder 4"/>
-          <p:cNvSpPr>
-            <a:spLocks noGrp="1"/>
-          </p:cNvSpPr>
-          <p:nvPr>
-            <p:ph type="ftr" sz="quarter" idx="3"/>
-          </p:nvPr>
-        </p:nvSpPr>
-        <p:spPr>
-          <a:xfrm>
-            <a:off x="763618" y="6286903"/>
-            <a:ext cx="3153740" cy="365125"/>
-          </a:xfrm>
-          <a:prstGeom prst="rect">
-            <a:avLst/>
-          </a:prstGeom>
-        </p:spPr>
-        <p:txBody>
-          <a:bodyPr vert="horz" lIns="91440" tIns="45720" rIns="91440" bIns="45720" rtlCol="0" anchor="ctr"/>
-          <a:lstStyle>
-            <a:lvl1pPr algn="l">
-              <a:defRPr sz="1100">
-                <a:solidFill>
-                  <a:srgbClr val="FFFFFF"/>
-                </a:solidFill>
-              </a:defRPr>
-            </a:lvl1pPr>
-          </a:lstStyle>
-          <a:p>
-            <a:r>
-              <a:rPr lang="en-US" dirty="0"/>
-              <a:t>3/25/2017</a:t>
-            </a:r>
-          </a:p>
-        </p:txBody>
-      </p:sp>
-      <p:sp>
-        <p:nvSpPr>
-          <p:cNvPr id="14" name="Slide Number Placeholder 5"/>
-          <p:cNvSpPr>
-            <a:spLocks noGrp="1"/>
-          </p:cNvSpPr>
-          <p:nvPr>
-            <p:ph type="sldNum" sz="quarter" idx="4"/>
-          </p:nvPr>
-        </p:nvSpPr>
-        <p:spPr>
-          <a:xfrm>
-            <a:off x="228193" y="6286903"/>
-            <a:ext cx="527746" cy="365125"/>
-          </a:xfrm>
-          <a:prstGeom prst="rect">
-            <a:avLst/>
-          </a:prstGeom>
-        </p:spPr>
-        <p:txBody>
-          <a:bodyPr vert="horz" lIns="91440" tIns="45720" rIns="91440" bIns="45720" rtlCol="0" anchor="ctr"/>
-          <a:lstStyle>
-            <a:lvl1pPr algn="r">
-              <a:defRPr sz="1100">
-                <a:solidFill>
-                  <a:srgbClr val="FFFFFF"/>
-                </a:solidFill>
-              </a:defRPr>
-            </a:lvl1pPr>
-          </a:lstStyle>
-          <a:p>
-            <a:fld id="{87FD5303-69AD-2E4D-B18B-E5EED0F0A60B}" type="slidenum">
-              <a:rPr lang="en-US" smtClean="0"/>
-              <a:pPr/>
-              <a:t>‹#›</a:t>
-            </a:fld>
-            <a:r>
-              <a:rPr lang="en-US" dirty="0"/>
-              <a:t>  |  </a:t>
-            </a:r>
-          </a:p>
-        </p:txBody>
-      </p:sp>
-      <p:cxnSp>
-        <p:nvCxnSpPr>
-          <p:cNvPr id="15" name="Straight Connector 14"/>
-          <p:cNvCxnSpPr/>
-          <p:nvPr userDrawn="1"/>
-        </p:nvCxnSpPr>
-        <p:spPr>
-          <a:xfrm>
-            <a:off x="536576" y="1299672"/>
-            <a:ext cx="8686800" cy="0"/>
-          </a:xfrm>
-          <a:prstGeom prst="line">
-            <a:avLst/>
-          </a:prstGeom>
-          <a:ln w="12700">
-            <a:solidFill>
-              <a:schemeClr val="accent2"/>
-            </a:solidFill>
-          </a:ln>
-          <a:effectLst/>
-        </p:spPr>
-        <p:style>
-          <a:lnRef idx="2">
-            <a:schemeClr val="accent1"/>
-          </a:lnRef>
-          <a:fillRef idx="0">
-            <a:schemeClr val="accent1"/>
-          </a:fillRef>
-          <a:effectRef idx="1">
-            <a:schemeClr val="accent1"/>
-          </a:effectRef>
-          <a:fontRef idx="minor">
-            <a:schemeClr val="tx1"/>
-          </a:fontRef>
-        </p:style>
-      </p:cxnSp>
-    </p:spTree>
-    <p:extLst>
-      <p:ext uri="{BB962C8B-B14F-4D97-AF65-F5344CB8AC3E}">
-        <p14:creationId xmlns:p14="http://schemas.microsoft.com/office/powerpoint/2010/main" val="1491735388"/>
-      </p:ext>
-    </p:extLst>
-  </p:cSld>
-  <p:clrMapOvr>
-    <a:masterClrMapping/>
-  </p:clrMapOvr>
-</p:sldLayout>
-</file>
-
-<file path=ppt/slideLayouts/slideLayout11.xml><?xml version="1.0" encoding="utf-8"?>
-<p:sldLayout xmlns:a="http://schemas.openxmlformats.org/drawingml/2006/main" xmlns:r="http://schemas.openxmlformats.org/officeDocument/2006/relationships" xmlns:p="http://schemas.openxmlformats.org/presentationml/2006/main" type="vertTitleAndTx" preserve="1">
-  <p:cSld name="Vertical Title and Text">
-    <p:spTree>
-      <p:nvGrpSpPr>
-        <p:cNvPr id="1" name=""/>
-        <p:cNvGrpSpPr/>
-        <p:nvPr/>
-      </p:nvGrpSpPr>
-      <p:grpSpPr>
-        <a:xfrm>
-          <a:off x="0" y="0"/>
-          <a:ext cx="0" cy="0"/>
-          <a:chOff x="0" y="0"/>
-          <a:chExt cx="0" cy="0"/>
-        </a:xfrm>
-      </p:grpSpPr>
-      <p:sp>
-        <p:nvSpPr>
-          <p:cNvPr id="2" name="Vertical Title 1"/>
-          <p:cNvSpPr>
-            <a:spLocks noGrp="1"/>
-          </p:cNvSpPr>
-          <p:nvPr>
-            <p:ph type="title" orient="vert"/>
-          </p:nvPr>
-        </p:nvSpPr>
-        <p:spPr>
-          <a:xfrm>
-            <a:off x="6629400" y="274638"/>
-            <a:ext cx="2057400" cy="5851525"/>
-          </a:xfrm>
-        </p:spPr>
-        <p:txBody>
-          <a:bodyPr vert="eaVert"/>
-          <a:lstStyle/>
-          <a:p>
-            <a:r>
-              <a:rPr lang="en-US"/>
-              <a:t>Click to edit Master title style</a:t>
-            </a:r>
-          </a:p>
-        </p:txBody>
-      </p:sp>
-      <p:sp>
-        <p:nvSpPr>
-          <p:cNvPr id="3" name="Vertical Text Placeholder 2"/>
-          <p:cNvSpPr>
-            <a:spLocks noGrp="1"/>
-          </p:cNvSpPr>
-          <p:nvPr>
-            <p:ph type="body" orient="vert" idx="1"/>
-          </p:nvPr>
-        </p:nvSpPr>
-        <p:spPr>
-          <a:xfrm>
-            <a:off x="457200" y="274638"/>
-            <a:ext cx="6019800" cy="5851525"/>
-          </a:xfrm>
-        </p:spPr>
-        <p:txBody>
-          <a:bodyPr vert="eaVert"/>
-          <a:lstStyle/>
-          <a:p>
-            <a:pPr lvl="0"/>
-            <a:r>
-              <a:rPr lang="en-US"/>
-              <a:t>Click to edit Master text styles</a:t>
-            </a:r>
-          </a:p>
-          <a:p>
-            <a:pPr lvl="1"/>
-            <a:r>
-              <a:rPr lang="en-US"/>
-              <a:t>Second level</a:t>
-            </a:r>
-          </a:p>
-          <a:p>
-            <a:pPr lvl="2"/>
-            <a:r>
-              <a:rPr lang="en-US"/>
-              <a:t>Third level</a:t>
-            </a:r>
-          </a:p>
-          <a:p>
-            <a:pPr lvl="3"/>
-            <a:r>
-              <a:rPr lang="en-US"/>
-              <a:t>Fourth level</a:t>
-            </a:r>
-          </a:p>
-          <a:p>
-            <a:pPr lvl="4"/>
-            <a:r>
-              <a:rPr lang="en-US"/>
-              <a:t>Fifth level</a:t>
-            </a:r>
-          </a:p>
-        </p:txBody>
-      </p:sp>
-      <p:sp>
-        <p:nvSpPr>
-          <p:cNvPr id="13" name="Footer Placeholder 4"/>
-          <p:cNvSpPr>
-            <a:spLocks noGrp="1"/>
-          </p:cNvSpPr>
-          <p:nvPr>
-            <p:ph type="ftr" sz="quarter" idx="3"/>
-          </p:nvPr>
-        </p:nvSpPr>
-        <p:spPr>
-          <a:xfrm>
-            <a:off x="763618" y="6286903"/>
-            <a:ext cx="3153740" cy="365125"/>
-          </a:xfrm>
-          <a:prstGeom prst="rect">
-            <a:avLst/>
-          </a:prstGeom>
-        </p:spPr>
-        <p:txBody>
-          <a:bodyPr vert="horz" lIns="91440" tIns="45720" rIns="91440" bIns="45720" rtlCol="0" anchor="ctr"/>
-          <a:lstStyle>
-            <a:lvl1pPr algn="l">
-              <a:defRPr sz="1100">
-                <a:solidFill>
-                  <a:srgbClr val="FFFFFF"/>
-                </a:solidFill>
-              </a:defRPr>
-            </a:lvl1pPr>
-          </a:lstStyle>
-          <a:p>
-            <a:r>
-              <a:rPr lang="en-US" dirty="0"/>
-              <a:t>3/25/2017</a:t>
-            </a:r>
-          </a:p>
-        </p:txBody>
-      </p:sp>
-      <p:sp>
-        <p:nvSpPr>
-          <p:cNvPr id="14" name="Slide Number Placeholder 5"/>
-          <p:cNvSpPr>
-            <a:spLocks noGrp="1"/>
-          </p:cNvSpPr>
-          <p:nvPr>
-            <p:ph type="sldNum" sz="quarter" idx="4"/>
-          </p:nvPr>
-        </p:nvSpPr>
-        <p:spPr>
-          <a:xfrm>
-            <a:off x="228193" y="6286903"/>
-            <a:ext cx="527746" cy="365125"/>
-          </a:xfrm>
-          <a:prstGeom prst="rect">
-            <a:avLst/>
-          </a:prstGeom>
-        </p:spPr>
-        <p:txBody>
-          <a:bodyPr vert="horz" lIns="91440" tIns="45720" rIns="91440" bIns="45720" rtlCol="0" anchor="ctr"/>
-          <a:lstStyle>
-            <a:lvl1pPr algn="r">
-              <a:defRPr sz="1100">
-                <a:solidFill>
-                  <a:srgbClr val="FFFFFF"/>
-                </a:solidFill>
-              </a:defRPr>
-            </a:lvl1pPr>
-          </a:lstStyle>
-          <a:p>
-            <a:fld id="{87FD5303-69AD-2E4D-B18B-E5EED0F0A60B}" type="slidenum">
-              <a:rPr lang="en-US" smtClean="0"/>
-              <a:pPr/>
-              <a:t>‹#›</a:t>
-            </a:fld>
-            <a:r>
-              <a:rPr lang="en-US" dirty="0"/>
-              <a:t>  |  </a:t>
-            </a:r>
-          </a:p>
-        </p:txBody>
-      </p:sp>
-    </p:spTree>
-    <p:extLst>
-      <p:ext uri="{BB962C8B-B14F-4D97-AF65-F5344CB8AC3E}">
-        <p14:creationId xmlns:p14="http://schemas.microsoft.com/office/powerpoint/2010/main" val="4072754034"/>
-      </p:ext>
-    </p:extLst>
-  </p:cSld>
-  <p:clrMapOvr>
-    <a:masterClrMapping/>
-  </p:clrMapOvr>
-</p:sldLayout>
-</file>
-
-<file path=ppt/slideLayouts/slideLayout2.xml><?xml version="1.0" encoding="utf-8"?>
-<p:sldLayout xmlns:a="http://schemas.openxmlformats.org/drawingml/2006/main" xmlns:r="http://schemas.openxmlformats.org/officeDocument/2006/relationships" xmlns:p="http://schemas.openxmlformats.org/presentationml/2006/main" type="obj" preserve="1">
-  <p:cSld name="Title and Content">
-    <p:spTree>
-      <p:nvGrpSpPr>
-        <p:cNvPr id="1" name=""/>
-        <p:cNvGrpSpPr/>
-        <p:nvPr/>
-      </p:nvGrpSpPr>
-      <p:grpSpPr>
-        <a:xfrm>
-          <a:off x="0" y="0"/>
-          <a:ext cx="0" cy="0"/>
-          <a:chOff x="0" y="0"/>
-          <a:chExt cx="0" cy="0"/>
-        </a:xfrm>
-      </p:grpSpPr>
-      <p:sp>
-        <p:nvSpPr>
-          <p:cNvPr id="2" name="Title 1"/>
-          <p:cNvSpPr>
-            <a:spLocks noGrp="1"/>
-          </p:cNvSpPr>
-          <p:nvPr>
-            <p:ph type="title"/>
-          </p:nvPr>
-        </p:nvSpPr>
-        <p:spPr/>
-        <p:txBody>
-          <a:bodyPr/>
-          <a:lstStyle/>
-          <a:p>
-            <a:r>
-              <a:rPr lang="en-US" dirty="0"/>
-              <a:t>Click to edit Master title style</a:t>
-            </a:r>
-          </a:p>
-        </p:txBody>
-      </p:sp>
-      <p:sp>
-        <p:nvSpPr>
-          <p:cNvPr id="3" name="Content Placeholder 2"/>
-          <p:cNvSpPr>
-            <a:spLocks noGrp="1"/>
-          </p:cNvSpPr>
-          <p:nvPr>
-            <p:ph idx="1"/>
-          </p:nvPr>
-        </p:nvSpPr>
-        <p:spPr/>
-        <p:txBody>
-          <a:bodyPr/>
-          <a:lstStyle>
-            <a:lvl1pPr marL="342900" indent="-342900">
-              <a:buFont typeface="Wingdings" charset="2"/>
-              <a:buChar char="§"/>
-              <a:defRPr>
-                <a:solidFill>
-                  <a:schemeClr val="tx2"/>
-                </a:solidFill>
-              </a:defRPr>
-            </a:lvl1pPr>
-            <a:lvl2pPr marL="742950" indent="-285750">
-              <a:buFont typeface="Wingdings" charset="2"/>
-              <a:buChar char="§"/>
-              <a:defRPr>
-                <a:solidFill>
-                  <a:srgbClr val="474947"/>
-                </a:solidFill>
-              </a:defRPr>
-            </a:lvl2pPr>
-            <a:lvl3pPr marL="1143000" indent="-228600">
-              <a:buFont typeface="Wingdings" charset="2"/>
-              <a:buChar char="§"/>
-              <a:defRPr>
-                <a:solidFill>
-                  <a:srgbClr val="474947"/>
-                </a:solidFill>
-              </a:defRPr>
-            </a:lvl3pPr>
-            <a:lvl4pPr marL="1600200" indent="-228600">
-              <a:buFont typeface="Wingdings" charset="2"/>
-              <a:buChar char="§"/>
-              <a:defRPr>
-                <a:solidFill>
-                  <a:srgbClr val="474947"/>
-                </a:solidFill>
-              </a:defRPr>
-            </a:lvl4pPr>
-            <a:lvl5pPr marL="2057400" indent="-228600">
-              <a:buFont typeface="Wingdings" charset="2"/>
-              <a:buChar char="§"/>
-              <a:defRPr>
-                <a:solidFill>
-                  <a:srgbClr val="474947"/>
-                </a:solidFill>
-              </a:defRPr>
-            </a:lvl5pPr>
-          </a:lstStyle>
-          <a:p>
-            <a:pPr lvl="0"/>
-            <a:r>
-              <a:rPr lang="en-US" dirty="0"/>
-              <a:t>Click to edit Master text styles</a:t>
-            </a:r>
-          </a:p>
-          <a:p>
-            <a:pPr lvl="1"/>
-            <a:r>
-              <a:rPr lang="en-US" dirty="0"/>
-              <a:t>Second level</a:t>
-            </a:r>
-          </a:p>
-          <a:p>
-            <a:pPr lvl="2"/>
-            <a:r>
-              <a:rPr lang="en-US" dirty="0"/>
-              <a:t>Third level</a:t>
-            </a:r>
-          </a:p>
-          <a:p>
-            <a:pPr lvl="3"/>
-            <a:r>
-              <a:rPr lang="en-US" dirty="0"/>
-              <a:t>Fourth level</a:t>
-            </a:r>
-          </a:p>
-          <a:p>
-            <a:pPr lvl="4"/>
-            <a:r>
-              <a:rPr lang="en-US" dirty="0"/>
-              <a:t>Fifth level</a:t>
-            </a:r>
-          </a:p>
-        </p:txBody>
-      </p:sp>
-      <p:sp>
-        <p:nvSpPr>
-          <p:cNvPr id="14" name="Footer Placeholder 4"/>
-          <p:cNvSpPr>
-            <a:spLocks noGrp="1"/>
-          </p:cNvSpPr>
-          <p:nvPr>
-            <p:ph type="ftr" sz="quarter" idx="3"/>
-          </p:nvPr>
-        </p:nvSpPr>
-        <p:spPr>
-          <a:xfrm>
-            <a:off x="763754" y="6285280"/>
-            <a:ext cx="3153740" cy="365125"/>
-          </a:xfrm>
-          <a:prstGeom prst="rect">
-            <a:avLst/>
-          </a:prstGeom>
-        </p:spPr>
-        <p:txBody>
-          <a:bodyPr vert="horz" lIns="91440" tIns="45720" rIns="91440" bIns="45720" rtlCol="0" anchor="ctr"/>
-          <a:lstStyle>
-            <a:lvl1pPr algn="l">
-              <a:defRPr sz="1100">
-                <a:solidFill>
-                  <a:srgbClr val="FFFFFF"/>
-                </a:solidFill>
-              </a:defRPr>
-            </a:lvl1pPr>
-          </a:lstStyle>
-          <a:p>
-            <a:r>
-              <a:rPr lang="en-US" dirty="0"/>
-              <a:t>3/25/2017</a:t>
-            </a:r>
-          </a:p>
-        </p:txBody>
-      </p:sp>
-      <p:sp>
-        <p:nvSpPr>
-          <p:cNvPr id="15" name="Slide Number Placeholder 5"/>
-          <p:cNvSpPr>
-            <a:spLocks noGrp="1"/>
-          </p:cNvSpPr>
-          <p:nvPr>
-            <p:ph type="sldNum" sz="quarter" idx="4"/>
-          </p:nvPr>
-        </p:nvSpPr>
-        <p:spPr>
-          <a:xfrm>
-            <a:off x="228193" y="6286903"/>
-            <a:ext cx="527746" cy="365125"/>
-          </a:xfrm>
-          <a:prstGeom prst="rect">
-            <a:avLst/>
-          </a:prstGeom>
-        </p:spPr>
-        <p:txBody>
-          <a:bodyPr vert="horz" lIns="91440" tIns="45720" rIns="91440" bIns="45720" rtlCol="0" anchor="ctr"/>
-          <a:lstStyle>
-            <a:lvl1pPr algn="r">
-              <a:defRPr sz="1100">
-                <a:solidFill>
-                  <a:srgbClr val="FFFFFF"/>
-                </a:solidFill>
-              </a:defRPr>
-            </a:lvl1pPr>
-          </a:lstStyle>
-          <a:p>
-            <a:fld id="{87FD5303-69AD-2E4D-B18B-E5EED0F0A60B}" type="slidenum">
-              <a:rPr lang="en-US" smtClean="0"/>
-              <a:pPr/>
-              <a:t>‹#›</a:t>
-            </a:fld>
-            <a:r>
-              <a:rPr lang="en-US" dirty="0"/>
-              <a:t>  |  </a:t>
-            </a:r>
-          </a:p>
-        </p:txBody>
-      </p:sp>
-      <p:cxnSp>
-        <p:nvCxnSpPr>
-          <p:cNvPr id="17" name="Straight Connector 16"/>
-          <p:cNvCxnSpPr/>
-          <p:nvPr userDrawn="1"/>
-        </p:nvCxnSpPr>
-        <p:spPr>
-          <a:xfrm>
-            <a:off x="536576" y="1299672"/>
-            <a:ext cx="8686800" cy="0"/>
-          </a:xfrm>
-          <a:prstGeom prst="line">
-            <a:avLst/>
-          </a:prstGeom>
-          <a:ln w="12700">
-            <a:solidFill>
-              <a:schemeClr val="accent2"/>
-            </a:solidFill>
-          </a:ln>
-          <a:effectLst/>
-        </p:spPr>
-        <p:style>
-          <a:lnRef idx="2">
-            <a:schemeClr val="accent1"/>
-          </a:lnRef>
-          <a:fillRef idx="0">
-            <a:schemeClr val="accent1"/>
-          </a:fillRef>
-          <a:effectRef idx="1">
-            <a:schemeClr val="accent1"/>
-          </a:effectRef>
-          <a:fontRef idx="minor">
-            <a:schemeClr val="tx1"/>
-          </a:fontRef>
-        </p:style>
-      </p:cxnSp>
-    </p:spTree>
-    <p:extLst>
-      <p:ext uri="{BB962C8B-B14F-4D97-AF65-F5344CB8AC3E}">
-        <p14:creationId xmlns:p14="http://schemas.microsoft.com/office/powerpoint/2010/main" val="4065140645"/>
-      </p:ext>
-    </p:extLst>
-  </p:cSld>
-  <p:clrMapOvr>
-    <a:masterClrMapping/>
-  </p:clrMapOvr>
-</p:sldLayout>
-</file>
-
-<file path=ppt/slideLayouts/slideLayout3.xml><?xml version="1.0" encoding="utf-8"?>
-<p:sldLayout xmlns:a="http://schemas.openxmlformats.org/drawingml/2006/main" xmlns:r="http://schemas.openxmlformats.org/officeDocument/2006/relationships" xmlns:p="http://schemas.openxmlformats.org/presentationml/2006/main" type="secHead" preserve="1">
-  <p:cSld name="Section Header">
-    <p:spTree>
-      <p:nvGrpSpPr>
-        <p:cNvPr id="1" name=""/>
-        <p:cNvGrpSpPr/>
-        <p:nvPr/>
-      </p:nvGrpSpPr>
-      <p:grpSpPr>
-        <a:xfrm>
-          <a:off x="0" y="0"/>
-          <a:ext cx="0" cy="0"/>
-          <a:chOff x="0" y="0"/>
-          <a:chExt cx="0" cy="0"/>
-        </a:xfrm>
-      </p:grpSpPr>
-      <p:sp>
-        <p:nvSpPr>
-          <p:cNvPr id="2" name="Title 1"/>
-          <p:cNvSpPr>
-            <a:spLocks noGrp="1"/>
-          </p:cNvSpPr>
-          <p:nvPr>
-            <p:ph type="title"/>
-          </p:nvPr>
-        </p:nvSpPr>
-        <p:spPr>
-          <a:xfrm>
-            <a:off x="722313" y="4406900"/>
-            <a:ext cx="7772400" cy="1362075"/>
-          </a:xfrm>
-        </p:spPr>
-        <p:txBody>
-          <a:bodyPr anchor="t"/>
-          <a:lstStyle>
-            <a:lvl1pPr algn="l">
-              <a:defRPr sz="4000" b="0" i="0" cap="all">
-                <a:latin typeface="Arial"/>
-                <a:cs typeface="Arial"/>
-              </a:defRPr>
-            </a:lvl1pPr>
-          </a:lstStyle>
-          <a:p>
-            <a:r>
-              <a:rPr lang="en-US" dirty="0"/>
-              <a:t>Click to edit Master title style</a:t>
-            </a:r>
-          </a:p>
-        </p:txBody>
-      </p:sp>
-      <p:sp>
-        <p:nvSpPr>
-          <p:cNvPr id="3" name="Text Placeholder 2"/>
-          <p:cNvSpPr>
-            <a:spLocks noGrp="1"/>
-          </p:cNvSpPr>
-          <p:nvPr>
-            <p:ph type="body" idx="1"/>
-          </p:nvPr>
-        </p:nvSpPr>
-        <p:spPr>
-          <a:xfrm>
-            <a:off x="722313" y="2906713"/>
-            <a:ext cx="7772400" cy="1500187"/>
-          </a:xfrm>
-        </p:spPr>
-        <p:txBody>
-          <a:bodyPr anchor="b"/>
-          <a:lstStyle>
-            <a:lvl1pPr marL="0" indent="0">
-              <a:buNone/>
-              <a:defRPr sz="2000">
-                <a:solidFill>
-                  <a:schemeClr val="tx1">
-                    <a:tint val="75000"/>
-                  </a:schemeClr>
-                </a:solidFill>
-              </a:defRPr>
-            </a:lvl1pPr>
-            <a:lvl2pPr marL="457200" indent="0">
-              <a:buNone/>
-              <a:defRPr sz="1800">
-                <a:solidFill>
-                  <a:schemeClr val="tx1">
-                    <a:tint val="75000"/>
-                  </a:schemeClr>
-                </a:solidFill>
-              </a:defRPr>
-            </a:lvl2pPr>
-            <a:lvl3pPr marL="914400" indent="0">
-              <a:buNone/>
-              <a:defRPr sz="1600">
-                <a:solidFill>
-                  <a:schemeClr val="tx1">
-                    <a:tint val="75000"/>
-                  </a:schemeClr>
-                </a:solidFill>
-              </a:defRPr>
-            </a:lvl3pPr>
-            <a:lvl4pPr marL="1371600" indent="0">
-              <a:buNone/>
-              <a:defRPr sz="1400">
-                <a:solidFill>
-                  <a:schemeClr val="tx1">
-                    <a:tint val="75000"/>
-                  </a:schemeClr>
-                </a:solidFill>
-              </a:defRPr>
-            </a:lvl4pPr>
-            <a:lvl5pPr marL="1828800" indent="0">
-              <a:buNone/>
-              <a:defRPr sz="1400">
-                <a:solidFill>
-                  <a:schemeClr val="tx1">
-                    <a:tint val="75000"/>
-                  </a:schemeClr>
-                </a:solidFill>
-              </a:defRPr>
-            </a:lvl5pPr>
-            <a:lvl6pPr marL="2286000" indent="0">
-              <a:buNone/>
-              <a:defRPr sz="1400">
-                <a:solidFill>
-                  <a:schemeClr val="tx1">
-                    <a:tint val="75000"/>
-                  </a:schemeClr>
-                </a:solidFill>
-              </a:defRPr>
-            </a:lvl6pPr>
-            <a:lvl7pPr marL="2743200" indent="0">
-              <a:buNone/>
-              <a:defRPr sz="1400">
-                <a:solidFill>
-                  <a:schemeClr val="tx1">
-                    <a:tint val="75000"/>
-                  </a:schemeClr>
-                </a:solidFill>
-              </a:defRPr>
-            </a:lvl7pPr>
-            <a:lvl8pPr marL="3200400" indent="0">
-              <a:buNone/>
-              <a:defRPr sz="1400">
-                <a:solidFill>
-                  <a:schemeClr val="tx1">
-                    <a:tint val="75000"/>
-                  </a:schemeClr>
-                </a:solidFill>
-              </a:defRPr>
-            </a:lvl8pPr>
-            <a:lvl9pPr marL="3657600" indent="0">
-              <a:buNone/>
-              <a:defRPr sz="1400">
-                <a:solidFill>
-                  <a:schemeClr val="tx1">
-                    <a:tint val="75000"/>
-                  </a:schemeClr>
-                </a:solidFill>
-              </a:defRPr>
-            </a:lvl9pPr>
-          </a:lstStyle>
-          <a:p>
-            <a:pPr lvl="0"/>
-            <a:r>
-              <a:rPr lang="en-US"/>
-              <a:t>Click to edit Master text styles</a:t>
-            </a:r>
-          </a:p>
-        </p:txBody>
-      </p:sp>
-      <p:sp>
-        <p:nvSpPr>
-          <p:cNvPr id="8" name="Footer Placeholder 4"/>
-          <p:cNvSpPr>
-            <a:spLocks noGrp="1"/>
-          </p:cNvSpPr>
-          <p:nvPr>
-            <p:ph type="ftr" sz="quarter" idx="3"/>
-          </p:nvPr>
-        </p:nvSpPr>
-        <p:spPr>
-          <a:xfrm>
-            <a:off x="763615" y="6286903"/>
-            <a:ext cx="3153740" cy="365125"/>
-          </a:xfrm>
-          <a:prstGeom prst="rect">
-            <a:avLst/>
-          </a:prstGeom>
-        </p:spPr>
-        <p:txBody>
-          <a:bodyPr vert="horz" lIns="91440" tIns="45720" rIns="91440" bIns="45720" rtlCol="0" anchor="ctr"/>
-          <a:lstStyle>
-            <a:lvl1pPr algn="l">
-              <a:defRPr sz="1100">
-                <a:solidFill>
-                  <a:srgbClr val="FFFFFF"/>
-                </a:solidFill>
-              </a:defRPr>
-            </a:lvl1pPr>
-          </a:lstStyle>
-          <a:p>
-            <a:r>
-              <a:rPr lang="en-US" dirty="0"/>
-              <a:t>3/25/2017</a:t>
-            </a:r>
-          </a:p>
-        </p:txBody>
-      </p:sp>
-      <p:sp>
-        <p:nvSpPr>
-          <p:cNvPr id="9" name="Slide Number Placeholder 5"/>
-          <p:cNvSpPr>
-            <a:spLocks noGrp="1"/>
-          </p:cNvSpPr>
-          <p:nvPr>
-            <p:ph type="sldNum" sz="quarter" idx="4"/>
-          </p:nvPr>
-        </p:nvSpPr>
-        <p:spPr>
-          <a:xfrm>
-            <a:off x="228193" y="6286903"/>
-            <a:ext cx="527746" cy="365125"/>
-          </a:xfrm>
-          <a:prstGeom prst="rect">
-            <a:avLst/>
-          </a:prstGeom>
-        </p:spPr>
-        <p:txBody>
-          <a:bodyPr vert="horz" lIns="91440" tIns="45720" rIns="91440" bIns="45720" rtlCol="0" anchor="ctr"/>
-          <a:lstStyle>
-            <a:lvl1pPr algn="r">
-              <a:defRPr sz="1100">
-                <a:solidFill>
-                  <a:srgbClr val="FFFFFF"/>
-                </a:solidFill>
-              </a:defRPr>
-            </a:lvl1pPr>
-          </a:lstStyle>
-          <a:p>
-            <a:fld id="{87FD5303-69AD-2E4D-B18B-E5EED0F0A60B}" type="slidenum">
-              <a:rPr lang="en-US" smtClean="0"/>
-              <a:pPr/>
-              <a:t>‹#›</a:t>
-            </a:fld>
-            <a:r>
-              <a:rPr lang="en-US" dirty="0"/>
-              <a:t>  |  </a:t>
-            </a:r>
-          </a:p>
-        </p:txBody>
-      </p:sp>
-    </p:spTree>
-    <p:extLst>
-      <p:ext uri="{BB962C8B-B14F-4D97-AF65-F5344CB8AC3E}">
-        <p14:creationId xmlns:p14="http://schemas.microsoft.com/office/powerpoint/2010/main" val="3510596381"/>
-      </p:ext>
-    </p:extLst>
-  </p:cSld>
-  <p:clrMapOvr>
-    <a:masterClrMapping/>
-  </p:clrMapOvr>
-</p:sldLayout>
-</file>
-
-<file path=ppt/slideLayouts/slideLayout4.xml><?xml version="1.0" encoding="utf-8"?>
-<p:sldLayout xmlns:a="http://schemas.openxmlformats.org/drawingml/2006/main" xmlns:r="http://schemas.openxmlformats.org/officeDocument/2006/relationships" xmlns:p="http://schemas.openxmlformats.org/presentationml/2006/main" type="twoObj" preserve="1">
-  <p:cSld name="Two Content">
-    <p:spTree>
-      <p:nvGrpSpPr>
-        <p:cNvPr id="1" name=""/>
-        <p:cNvGrpSpPr/>
-        <p:nvPr/>
-      </p:nvGrpSpPr>
-      <p:grpSpPr>
-        <a:xfrm>
-          <a:off x="0" y="0"/>
-          <a:ext cx="0" cy="0"/>
-          <a:chOff x="0" y="0"/>
-          <a:chExt cx="0" cy="0"/>
-        </a:xfrm>
-      </p:grpSpPr>
-      <p:sp>
-        <p:nvSpPr>
-          <p:cNvPr id="2" name="Title 1"/>
-          <p:cNvSpPr>
-            <a:spLocks noGrp="1"/>
-          </p:cNvSpPr>
-          <p:nvPr>
-            <p:ph type="title"/>
-          </p:nvPr>
-        </p:nvSpPr>
-        <p:spPr/>
-        <p:txBody>
-          <a:bodyPr/>
-          <a:lstStyle/>
-          <a:p>
-            <a:r>
-              <a:rPr lang="en-US"/>
-              <a:t>Click to edit Master title style</a:t>
-            </a:r>
-          </a:p>
-        </p:txBody>
-      </p:sp>
-      <p:sp>
-        <p:nvSpPr>
-          <p:cNvPr id="3" name="Content Placeholder 2"/>
-          <p:cNvSpPr>
-            <a:spLocks noGrp="1"/>
-          </p:cNvSpPr>
-          <p:nvPr>
-            <p:ph sz="half" idx="1"/>
-          </p:nvPr>
-        </p:nvSpPr>
-        <p:spPr>
-          <a:xfrm>
-            <a:off x="457200" y="1600200"/>
-            <a:ext cx="4038600" cy="4525963"/>
-          </a:xfrm>
-        </p:spPr>
-        <p:txBody>
-          <a:bodyPr/>
-          <a:lstStyle>
-            <a:lvl1pPr>
-              <a:defRPr sz="2800"/>
-            </a:lvl1pPr>
-            <a:lvl2pPr>
-              <a:defRPr sz="2400"/>
-            </a:lvl2pPr>
-            <a:lvl3pPr>
-              <a:defRPr sz="2000"/>
-            </a:lvl3pPr>
-            <a:lvl4pPr>
-              <a:defRPr sz="1800"/>
-            </a:lvl4pPr>
-            <a:lvl5pPr>
-              <a:defRPr sz="1800"/>
-            </a:lvl5pPr>
-            <a:lvl6pPr>
-              <a:defRPr sz="1800"/>
-            </a:lvl6pPr>
-            <a:lvl7pPr>
-              <a:defRPr sz="1800"/>
-            </a:lvl7pPr>
-            <a:lvl8pPr>
-              <a:defRPr sz="1800"/>
-            </a:lvl8pPr>
-            <a:lvl9pPr>
-              <a:defRPr sz="1800"/>
-            </a:lvl9pPr>
-          </a:lstStyle>
-          <a:p>
-            <a:pPr lvl="0"/>
-            <a:r>
-              <a:rPr lang="en-US"/>
-              <a:t>Click to edit Master text styles</a:t>
-            </a:r>
-          </a:p>
-          <a:p>
-            <a:pPr lvl="1"/>
-            <a:r>
-              <a:rPr lang="en-US"/>
-              <a:t>Second level</a:t>
-            </a:r>
-          </a:p>
-          <a:p>
-            <a:pPr lvl="2"/>
-            <a:r>
-              <a:rPr lang="en-US"/>
-              <a:t>Third level</a:t>
-            </a:r>
-          </a:p>
-          <a:p>
-            <a:pPr lvl="3"/>
-            <a:r>
-              <a:rPr lang="en-US"/>
-              <a:t>Fourth level</a:t>
-            </a:r>
-          </a:p>
-          <a:p>
-            <a:pPr lvl="4"/>
-            <a:r>
-              <a:rPr lang="en-US"/>
-              <a:t>Fifth level</a:t>
-            </a:r>
-          </a:p>
-        </p:txBody>
-      </p:sp>
-      <p:sp>
-        <p:nvSpPr>
-          <p:cNvPr id="4" name="Content Placeholder 3"/>
-          <p:cNvSpPr>
-            <a:spLocks noGrp="1"/>
-          </p:cNvSpPr>
-          <p:nvPr>
-            <p:ph sz="half" idx="2"/>
-          </p:nvPr>
-        </p:nvSpPr>
-        <p:spPr>
-          <a:xfrm>
-            <a:off x="4648200" y="1600200"/>
-            <a:ext cx="4038600" cy="4525963"/>
-          </a:xfrm>
-        </p:spPr>
-        <p:txBody>
-          <a:bodyPr/>
-          <a:lstStyle>
-            <a:lvl1pPr>
-              <a:defRPr sz="2800"/>
-            </a:lvl1pPr>
-            <a:lvl2pPr>
-              <a:defRPr sz="2400"/>
-            </a:lvl2pPr>
-            <a:lvl3pPr>
-              <a:defRPr sz="2000"/>
-            </a:lvl3pPr>
-            <a:lvl4pPr>
-              <a:defRPr sz="1800"/>
-            </a:lvl4pPr>
-            <a:lvl5pPr>
-              <a:defRPr sz="1800"/>
-            </a:lvl5pPr>
-            <a:lvl6pPr>
-              <a:defRPr sz="1800"/>
-            </a:lvl6pPr>
-            <a:lvl7pPr>
-              <a:defRPr sz="1800"/>
-            </a:lvl7pPr>
-            <a:lvl8pPr>
-              <a:defRPr sz="1800"/>
-            </a:lvl8pPr>
-            <a:lvl9pPr>
-              <a:defRPr sz="1800"/>
-            </a:lvl9pPr>
-          </a:lstStyle>
-          <a:p>
-            <a:pPr lvl="0"/>
-            <a:r>
-              <a:rPr lang="en-US"/>
-              <a:t>Click to edit Master text styles</a:t>
-            </a:r>
-          </a:p>
-          <a:p>
-            <a:pPr lvl="1"/>
-            <a:r>
-              <a:rPr lang="en-US"/>
-              <a:t>Second level</a:t>
-            </a:r>
-          </a:p>
-          <a:p>
-            <a:pPr lvl="2"/>
-            <a:r>
-              <a:rPr lang="en-US"/>
-              <a:t>Third level</a:t>
-            </a:r>
-          </a:p>
-          <a:p>
-            <a:pPr lvl="3"/>
-            <a:r>
-              <a:rPr lang="en-US"/>
-              <a:t>Fourth level</a:t>
-            </a:r>
-          </a:p>
-          <a:p>
-            <a:pPr lvl="4"/>
-            <a:r>
-              <a:rPr lang="en-US"/>
-              <a:t>Fifth level</a:t>
-            </a:r>
-          </a:p>
-        </p:txBody>
-      </p:sp>
-      <p:sp>
-        <p:nvSpPr>
-          <p:cNvPr id="17" name="Footer Placeholder 4"/>
-          <p:cNvSpPr>
-            <a:spLocks noGrp="1"/>
-          </p:cNvSpPr>
-          <p:nvPr>
-            <p:ph type="ftr" sz="quarter" idx="3"/>
-          </p:nvPr>
-        </p:nvSpPr>
-        <p:spPr>
-          <a:xfrm>
-            <a:off x="763629" y="6286903"/>
-            <a:ext cx="3153740" cy="365125"/>
-          </a:xfrm>
-          <a:prstGeom prst="rect">
-            <a:avLst/>
-          </a:prstGeom>
-        </p:spPr>
-        <p:txBody>
-          <a:bodyPr vert="horz" lIns="91440" tIns="45720" rIns="91440" bIns="45720" rtlCol="0" anchor="ctr"/>
-          <a:lstStyle>
-            <a:lvl1pPr algn="l">
-              <a:defRPr sz="1100">
-                <a:solidFill>
-                  <a:srgbClr val="FFFFFF"/>
-                </a:solidFill>
-              </a:defRPr>
-            </a:lvl1pPr>
-          </a:lstStyle>
-          <a:p>
-            <a:r>
-              <a:rPr lang="en-US" dirty="0"/>
-              <a:t>3/25/2017</a:t>
-            </a:r>
-          </a:p>
-        </p:txBody>
-      </p:sp>
-      <p:sp>
-        <p:nvSpPr>
-          <p:cNvPr id="18" name="Slide Number Placeholder 5"/>
-          <p:cNvSpPr>
-            <a:spLocks noGrp="1"/>
-          </p:cNvSpPr>
-          <p:nvPr>
-            <p:ph type="sldNum" sz="quarter" idx="4"/>
-          </p:nvPr>
-        </p:nvSpPr>
-        <p:spPr>
-          <a:xfrm>
-            <a:off x="228193" y="6286903"/>
-            <a:ext cx="527746" cy="365125"/>
-          </a:xfrm>
-          <a:prstGeom prst="rect">
-            <a:avLst/>
-          </a:prstGeom>
-        </p:spPr>
-        <p:txBody>
-          <a:bodyPr vert="horz" lIns="91440" tIns="45720" rIns="91440" bIns="45720" rtlCol="0" anchor="ctr"/>
-          <a:lstStyle>
-            <a:lvl1pPr algn="r">
-              <a:defRPr sz="1100">
-                <a:solidFill>
-                  <a:srgbClr val="FFFFFF"/>
-                </a:solidFill>
-              </a:defRPr>
-            </a:lvl1pPr>
-          </a:lstStyle>
-          <a:p>
-            <a:fld id="{87FD5303-69AD-2E4D-B18B-E5EED0F0A60B}" type="slidenum">
-              <a:rPr lang="en-US" smtClean="0"/>
-              <a:pPr/>
-              <a:t>‹#›</a:t>
-            </a:fld>
-            <a:r>
-              <a:rPr lang="en-US" dirty="0"/>
-              <a:t>  |  </a:t>
-            </a:r>
-          </a:p>
-        </p:txBody>
-      </p:sp>
-      <p:cxnSp>
-        <p:nvCxnSpPr>
-          <p:cNvPr id="19" name="Straight Connector 18"/>
-          <p:cNvCxnSpPr/>
-          <p:nvPr userDrawn="1"/>
-        </p:nvCxnSpPr>
-        <p:spPr>
-          <a:xfrm>
-            <a:off x="536576" y="1299672"/>
-            <a:ext cx="8686800" cy="0"/>
-          </a:xfrm>
-          <a:prstGeom prst="line">
-            <a:avLst/>
-          </a:prstGeom>
-          <a:ln w="12700">
-            <a:solidFill>
-              <a:schemeClr val="accent2"/>
-            </a:solidFill>
-          </a:ln>
-          <a:effectLst/>
-        </p:spPr>
-        <p:style>
-          <a:lnRef idx="2">
-            <a:schemeClr val="accent1"/>
-          </a:lnRef>
-          <a:fillRef idx="0">
-            <a:schemeClr val="accent1"/>
-          </a:fillRef>
-          <a:effectRef idx="1">
-            <a:schemeClr val="accent1"/>
-          </a:effectRef>
-          <a:fontRef idx="minor">
-            <a:schemeClr val="tx1"/>
-          </a:fontRef>
-        </p:style>
-      </p:cxnSp>
-    </p:spTree>
-    <p:extLst>
-      <p:ext uri="{BB962C8B-B14F-4D97-AF65-F5344CB8AC3E}">
-        <p14:creationId xmlns:p14="http://schemas.microsoft.com/office/powerpoint/2010/main" val="2062983015"/>
-      </p:ext>
-    </p:extLst>
-  </p:cSld>
-  <p:clrMapOvr>
-    <a:masterClrMapping/>
-  </p:clrMapOvr>
-</p:sldLayout>
-</file>
-
-<file path=ppt/slideLayouts/slideLayout5.xml><?xml version="1.0" encoding="utf-8"?>
-<p:sldLayout xmlns:a="http://schemas.openxmlformats.org/drawingml/2006/main" xmlns:r="http://schemas.openxmlformats.org/officeDocument/2006/relationships" xmlns:p="http://schemas.openxmlformats.org/presentationml/2006/main" type="twoTxTwoObj" preserve="1">
-  <p:cSld name="Comparison">
-    <p:spTree>
-      <p:nvGrpSpPr>
-        <p:cNvPr id="1" name=""/>
-        <p:cNvGrpSpPr/>
-        <p:nvPr/>
-      </p:nvGrpSpPr>
-      <p:grpSpPr>
-        <a:xfrm>
-          <a:off x="0" y="0"/>
-          <a:ext cx="0" cy="0"/>
-          <a:chOff x="0" y="0"/>
-          <a:chExt cx="0" cy="0"/>
-        </a:xfrm>
-      </p:grpSpPr>
-      <p:sp>
-        <p:nvSpPr>
-          <p:cNvPr id="2" name="Title 1"/>
-          <p:cNvSpPr>
-            <a:spLocks noGrp="1"/>
-          </p:cNvSpPr>
-          <p:nvPr>
-            <p:ph type="title"/>
-          </p:nvPr>
-        </p:nvSpPr>
-        <p:spPr/>
-        <p:txBody>
-          <a:bodyPr/>
-          <a:lstStyle>
-            <a:lvl1pPr>
-              <a:defRPr/>
-            </a:lvl1pPr>
-          </a:lstStyle>
-          <a:p>
-            <a:r>
-              <a:rPr lang="en-US"/>
-              <a:t>Click to edit Master title style</a:t>
-            </a:r>
-          </a:p>
-        </p:txBody>
-      </p:sp>
-      <p:sp>
-        <p:nvSpPr>
-          <p:cNvPr id="3" name="Text Placeholder 2"/>
-          <p:cNvSpPr>
-            <a:spLocks noGrp="1"/>
-          </p:cNvSpPr>
-          <p:nvPr>
-            <p:ph type="body" idx="1"/>
-          </p:nvPr>
-        </p:nvSpPr>
-        <p:spPr>
-          <a:xfrm>
-            <a:off x="457200" y="1535113"/>
-            <a:ext cx="4040188" cy="639762"/>
-          </a:xfrm>
-        </p:spPr>
-        <p:txBody>
-          <a:bodyPr anchor="b">
-            <a:normAutofit/>
-          </a:bodyPr>
-          <a:lstStyle>
-            <a:lvl1pPr marL="0" indent="0">
-              <a:buNone/>
-              <a:defRPr sz="2200" b="0"/>
-            </a:lvl1pPr>
-            <a:lvl2pPr marL="457200" indent="0">
-              <a:buNone/>
-              <a:defRPr sz="2000" b="1"/>
-            </a:lvl2pPr>
-            <a:lvl3pPr marL="914400" indent="0">
-              <a:buNone/>
-              <a:defRPr sz="1800" b="1"/>
-            </a:lvl3pPr>
-            <a:lvl4pPr marL="1371600" indent="0">
-              <a:buNone/>
-              <a:defRPr sz="1600" b="1"/>
-            </a:lvl4pPr>
-            <a:lvl5pPr marL="1828800" indent="0">
-              <a:buNone/>
-              <a:defRPr sz="1600" b="1"/>
-            </a:lvl5pPr>
-            <a:lvl6pPr marL="2286000" indent="0">
-              <a:buNone/>
-              <a:defRPr sz="1600" b="1"/>
-            </a:lvl6pPr>
-            <a:lvl7pPr marL="2743200" indent="0">
-              <a:buNone/>
-              <a:defRPr sz="1600" b="1"/>
-            </a:lvl7pPr>
-            <a:lvl8pPr marL="3200400" indent="0">
-              <a:buNone/>
-              <a:defRPr sz="1600" b="1"/>
-            </a:lvl8pPr>
-            <a:lvl9pPr marL="3657600" indent="0">
-              <a:buNone/>
-              <a:defRPr sz="1600" b="1"/>
-            </a:lvl9pPr>
-          </a:lstStyle>
-          <a:p>
-            <a:pPr lvl="0"/>
-            <a:r>
-              <a:rPr lang="en-US" dirty="0"/>
-              <a:t>Click to edit Master text styles</a:t>
-            </a:r>
-          </a:p>
-        </p:txBody>
-      </p:sp>
-      <p:sp>
-        <p:nvSpPr>
-          <p:cNvPr id="4" name="Content Placeholder 3"/>
-          <p:cNvSpPr>
-            <a:spLocks noGrp="1"/>
-          </p:cNvSpPr>
-          <p:nvPr>
-            <p:ph sz="half" idx="2"/>
-          </p:nvPr>
-        </p:nvSpPr>
-        <p:spPr>
-          <a:xfrm>
-            <a:off x="457200" y="2174875"/>
-            <a:ext cx="4040188" cy="3951288"/>
-          </a:xfrm>
-        </p:spPr>
-        <p:txBody>
-          <a:bodyPr/>
-          <a:lstStyle>
-            <a:lvl1pPr>
-              <a:defRPr sz="2000"/>
-            </a:lvl1pPr>
-            <a:lvl2pPr>
-              <a:defRPr sz="1800"/>
-            </a:lvl2pPr>
-            <a:lvl3pPr>
-              <a:defRPr sz="1800"/>
-            </a:lvl3pPr>
-            <a:lvl4pPr>
-              <a:defRPr sz="1800"/>
-            </a:lvl4pPr>
-            <a:lvl5pPr>
-              <a:defRPr sz="1800"/>
-            </a:lvl5pPr>
-            <a:lvl6pPr>
-              <a:defRPr sz="1600"/>
-            </a:lvl6pPr>
-            <a:lvl7pPr>
-              <a:defRPr sz="1600"/>
-            </a:lvl7pPr>
-            <a:lvl8pPr>
-              <a:defRPr sz="1600"/>
-            </a:lvl8pPr>
-            <a:lvl9pPr>
-              <a:defRPr sz="1600"/>
-            </a:lvl9pPr>
-          </a:lstStyle>
-          <a:p>
-            <a:pPr lvl="0"/>
-            <a:r>
-              <a:rPr lang="en-US" dirty="0"/>
-              <a:t>Click to edit Master text styles</a:t>
-            </a:r>
-          </a:p>
-          <a:p>
-            <a:pPr lvl="1"/>
-            <a:r>
-              <a:rPr lang="en-US" dirty="0"/>
-              <a:t>Second level</a:t>
-            </a:r>
-          </a:p>
-          <a:p>
-            <a:pPr lvl="2"/>
-            <a:r>
-              <a:rPr lang="en-US" dirty="0"/>
-              <a:t>Third level</a:t>
-            </a:r>
-          </a:p>
-          <a:p>
-            <a:pPr lvl="3"/>
-            <a:r>
-              <a:rPr lang="en-US" dirty="0"/>
-              <a:t>Fourth level</a:t>
-            </a:r>
-          </a:p>
-          <a:p>
-            <a:pPr lvl="4"/>
-            <a:r>
-              <a:rPr lang="en-US" dirty="0"/>
-              <a:t>Fifth level</a:t>
-            </a:r>
-          </a:p>
-        </p:txBody>
-      </p:sp>
-      <p:sp>
-        <p:nvSpPr>
-          <p:cNvPr id="5" name="Text Placeholder 4"/>
-          <p:cNvSpPr>
-            <a:spLocks noGrp="1"/>
-          </p:cNvSpPr>
-          <p:nvPr>
-            <p:ph type="body" sz="quarter" idx="3"/>
-          </p:nvPr>
-        </p:nvSpPr>
-        <p:spPr>
-          <a:xfrm>
-            <a:off x="4645025" y="1535113"/>
-            <a:ext cx="4041775" cy="639762"/>
-          </a:xfrm>
-        </p:spPr>
-        <p:txBody>
-          <a:bodyPr anchor="b">
-            <a:normAutofit/>
-          </a:bodyPr>
-          <a:lstStyle>
-            <a:lvl1pPr marL="0" indent="0">
-              <a:buNone/>
-              <a:defRPr sz="2200" b="0"/>
-            </a:lvl1pPr>
-            <a:lvl2pPr marL="457200" indent="0">
-              <a:buNone/>
-              <a:defRPr sz="2000" b="1"/>
-            </a:lvl2pPr>
-            <a:lvl3pPr marL="914400" indent="0">
-              <a:buNone/>
-              <a:defRPr sz="1800" b="1"/>
-            </a:lvl3pPr>
-            <a:lvl4pPr marL="1371600" indent="0">
-              <a:buNone/>
-              <a:defRPr sz="1600" b="1"/>
-            </a:lvl4pPr>
-            <a:lvl5pPr marL="1828800" indent="0">
-              <a:buNone/>
-              <a:defRPr sz="1600" b="1"/>
-            </a:lvl5pPr>
-            <a:lvl6pPr marL="2286000" indent="0">
-   